--- a/slides/TP557_6_Minimizando_o_erro.pptx
+++ b/slides/TP557_6_Minimizando_o_erro.pptx
@@ -5,17 +5,25 @@
     <p:sldMasterId id="2147483648" r:id="rId1"/>
   </p:sldMasterIdLst>
   <p:notesMasterIdLst>
-    <p:notesMasterId r:id="rId7"/>
+    <p:notesMasterId r:id="rId15"/>
   </p:notesMasterIdLst>
   <p:handoutMasterIdLst>
-    <p:handoutMasterId r:id="rId8"/>
+    <p:handoutMasterId r:id="rId16"/>
   </p:handoutMasterIdLst>
   <p:sldIdLst>
     <p:sldId id="256" r:id="rId2"/>
     <p:sldId id="406" r:id="rId3"/>
-    <p:sldId id="405" r:id="rId4"/>
-    <p:sldId id="293" r:id="rId5"/>
-    <p:sldId id="306" r:id="rId6"/>
+    <p:sldId id="407" r:id="rId4"/>
+    <p:sldId id="408" r:id="rId5"/>
+    <p:sldId id="409" r:id="rId6"/>
+    <p:sldId id="410" r:id="rId7"/>
+    <p:sldId id="411" r:id="rId8"/>
+    <p:sldId id="412" r:id="rId9"/>
+    <p:sldId id="413" r:id="rId10"/>
+    <p:sldId id="414" r:id="rId11"/>
+    <p:sldId id="405" r:id="rId12"/>
+    <p:sldId id="293" r:id="rId13"/>
+    <p:sldId id="306" r:id="rId14"/>
   </p:sldIdLst>
   <p:sldSz cx="12192000" cy="6858000"/>
   <p:notesSz cx="7315200" cy="9601200"/>
@@ -279,7 +287,7 @@
           <a:p>
             <a:fld id="{144F1436-6906-4D93-B7A2-786C327BFA14}" type="datetimeFigureOut">
               <a:rPr lang="nl-BE" smtClean="0"/>
-              <a:t>30/07/2023</a:t>
+              <a:t>31/07/2023</a:t>
             </a:fld>
             <a:endParaRPr lang="nl-BE"/>
           </a:p>
@@ -444,7 +452,7 @@
           <a:p>
             <a:fld id="{AA8CD09E-2914-4F47-B6C1-51B2C31814C9}" type="datetimeFigureOut">
               <a:rPr lang="pt-BR" smtClean="0"/>
-              <a:t>30/07/2023</a:t>
+              <a:t>31/07/2023</a:t>
             </a:fld>
             <a:endParaRPr lang="pt-BR"/>
           </a:p>
@@ -795,6 +803,166 @@
 </p:notes>
 </file>
 
+<file path=ppt/notesSlides/notesSlide10.xml><?xml version="1.0" encoding="utf-8"?>
+<p:notes xmlns:a="http://schemas.openxmlformats.org/drawingml/2006/main" xmlns:r="http://schemas.openxmlformats.org/officeDocument/2006/relationships" xmlns:p="http://schemas.openxmlformats.org/presentationml/2006/main">
+  <p:cSld>
+    <p:spTree>
+      <p:nvGrpSpPr>
+        <p:cNvPr id="1" name=""/>
+        <p:cNvGrpSpPr/>
+        <p:nvPr/>
+      </p:nvGrpSpPr>
+      <p:grpSpPr>
+        <a:xfrm>
+          <a:off x="0" y="0"/>
+          <a:ext cx="0" cy="0"/>
+          <a:chOff x="0" y="0"/>
+          <a:chExt cx="0" cy="0"/>
+        </a:xfrm>
+      </p:grpSpPr>
+      <p:sp>
+        <p:nvSpPr>
+          <p:cNvPr id="2" name="Espaço Reservado para Imagem de Slide 1"/>
+          <p:cNvSpPr>
+            <a:spLocks noGrp="1" noRot="1" noChangeAspect="1"/>
+          </p:cNvSpPr>
+          <p:nvPr>
+            <p:ph type="sldImg"/>
+          </p:nvPr>
+        </p:nvSpPr>
+        <p:spPr/>
+      </p:sp>
+      <p:sp>
+        <p:nvSpPr>
+          <p:cNvPr id="3" name="Espaço Reservado para Anotações 2"/>
+          <p:cNvSpPr>
+            <a:spLocks noGrp="1"/>
+          </p:cNvSpPr>
+          <p:nvPr>
+            <p:ph type="body" idx="1"/>
+          </p:nvPr>
+        </p:nvSpPr>
+        <p:spPr/>
+        <p:txBody>
+          <a:bodyPr/>
+          <a:lstStyle/>
+          <a:p>
+            <a:r>
+              <a:rPr lang="pt-BR" dirty="0"/>
+              <a:t>https://colab.research.google.com/</a:t>
+            </a:r>
+            <a:r>
+              <a:rPr lang="pt-BR" dirty="0" err="1"/>
+              <a:t>github</a:t>
+            </a:r>
+            <a:r>
+              <a:rPr lang="pt-BR" dirty="0"/>
+              <a:t>/zz4fap/tp557-iot-ml/</a:t>
+            </a:r>
+            <a:r>
+              <a:rPr lang="pt-BR" dirty="0" err="1"/>
+              <a:t>blob</a:t>
+            </a:r>
+            <a:r>
+              <a:rPr lang="pt-BR" dirty="0"/>
+              <a:t>/master/</a:t>
+            </a:r>
+            <a:r>
+              <a:rPr lang="pt-BR" dirty="0" err="1"/>
+              <a:t>exercises</a:t>
+            </a:r>
+            <a:r>
+              <a:rPr lang="pt-BR" dirty="0"/>
+              <a:t>/</a:t>
+            </a:r>
+            <a:r>
+              <a:rPr lang="pt-BR" dirty="0" err="1"/>
+              <a:t>Explorando_a_função_de_erro.ipynb</a:t>
+            </a:r>
+            <a:endParaRPr lang="pt-BR" dirty="0"/>
+          </a:p>
+          <a:p>
+            <a:endParaRPr lang="pt-BR" dirty="0"/>
+          </a:p>
+          <a:p>
+            <a:r>
+              <a:rPr lang="pt-BR" dirty="0"/>
+              <a:t>https://colab.research.google.com/</a:t>
+            </a:r>
+            <a:r>
+              <a:rPr lang="pt-BR" dirty="0" err="1"/>
+              <a:t>github</a:t>
+            </a:r>
+            <a:r>
+              <a:rPr lang="pt-BR" dirty="0"/>
+              <a:t>/zz4fap/tp557-iot-ml/</a:t>
+            </a:r>
+            <a:r>
+              <a:rPr lang="pt-BR" dirty="0" err="1"/>
+              <a:t>blob</a:t>
+            </a:r>
+            <a:r>
+              <a:rPr lang="pt-BR" dirty="0"/>
+              <a:t>/master/</a:t>
+            </a:r>
+            <a:r>
+              <a:rPr lang="pt-BR" dirty="0" err="1"/>
+              <a:t>exercises</a:t>
+            </a:r>
+            <a:r>
+              <a:rPr lang="pt-BR" dirty="0"/>
+              <a:t>/</a:t>
+            </a:r>
+            <a:r>
+              <a:rPr lang="pt-BR" dirty="0" err="1"/>
+              <a:t>Exercício_Encontre_os_pesos_da_função_hipótese.ipynb</a:t>
+            </a:r>
+            <a:endParaRPr lang="pt-BR" dirty="0"/>
+          </a:p>
+          <a:p>
+            <a:endParaRPr lang="pt-BR" dirty="0"/>
+          </a:p>
+          <a:p>
+            <a:endParaRPr lang="pt-BR" dirty="0"/>
+          </a:p>
+        </p:txBody>
+      </p:sp>
+      <p:sp>
+        <p:nvSpPr>
+          <p:cNvPr id="4" name="Espaço Reservado para Número de Slide 3"/>
+          <p:cNvSpPr>
+            <a:spLocks noGrp="1"/>
+          </p:cNvSpPr>
+          <p:nvPr>
+            <p:ph type="sldNum" sz="quarter" idx="5"/>
+          </p:nvPr>
+        </p:nvSpPr>
+        <p:spPr/>
+        <p:txBody>
+          <a:bodyPr/>
+          <a:lstStyle/>
+          <a:p>
+            <a:fld id="{6FC8D850-966F-45A6-8DE7-15B891E7D40D}" type="slidenum">
+              <a:rPr lang="pt-BR" smtClean="0"/>
+              <a:t>11</a:t>
+            </a:fld>
+            <a:endParaRPr lang="pt-BR"/>
+          </a:p>
+        </p:txBody>
+      </p:sp>
+    </p:spTree>
+    <p:extLst>
+      <p:ext uri="{BB962C8B-B14F-4D97-AF65-F5344CB8AC3E}">
+        <p14:creationId xmlns:p14="http://schemas.microsoft.com/office/powerpoint/2010/main" val="4247922459"/>
+      </p:ext>
+    </p:extLst>
+  </p:cSld>
+  <p:clrMapOvr>
+    <a:masterClrMapping/>
+  </p:clrMapOvr>
+</p:notes>
+</file>
+
 <file path=ppt/notesSlides/notesSlide2.xml><?xml version="1.0" encoding="utf-8"?>
 <p:notes xmlns:a="http://schemas.openxmlformats.org/drawingml/2006/main" xmlns:r="http://schemas.openxmlformats.org/officeDocument/2006/relationships" xmlns:p="http://schemas.openxmlformats.org/presentationml/2006/main">
   <p:cSld>
@@ -924,81 +1092,15 @@
           <a:lstStyle/>
           <a:p>
             <a:r>
-              <a:rPr lang="pt-BR" dirty="0"/>
-              <a:t>https://colab.research.google.com/</a:t>
-            </a:r>
-            <a:r>
-              <a:rPr lang="pt-BR" dirty="0" err="1"/>
-              <a:t>github</a:t>
-            </a:r>
-            <a:r>
-              <a:rPr lang="pt-BR" dirty="0"/>
-              <a:t>/zz4fap/tp557-iot-ml/</a:t>
-            </a:r>
-            <a:r>
-              <a:rPr lang="pt-BR" dirty="0" err="1"/>
-              <a:t>blob</a:t>
-            </a:r>
-            <a:r>
-              <a:rPr lang="pt-BR" dirty="0"/>
-              <a:t>/master/</a:t>
-            </a:r>
-            <a:r>
-              <a:rPr lang="pt-BR" dirty="0" err="1"/>
-              <a:t>exercises</a:t>
-            </a:r>
-            <a:r>
-              <a:rPr lang="pt-BR" dirty="0"/>
-              <a:t>/</a:t>
-            </a:r>
-            <a:r>
-              <a:rPr lang="pt-BR" dirty="0" err="1"/>
-              <a:t>Explorando_a_função_de_erro.ipynb</a:t>
-            </a:r>
-            <a:endParaRPr lang="pt-BR" dirty="0"/>
-          </a:p>
-          <a:p>
-            <a:endParaRPr lang="pt-BR" dirty="0"/>
-          </a:p>
-          <a:p>
-            <a:r>
-              <a:rPr lang="pt-BR" dirty="0"/>
-              <a:t>https://colab.research.google.com/</a:t>
-            </a:r>
-            <a:r>
-              <a:rPr lang="pt-BR" dirty="0" err="1"/>
-              <a:t>github</a:t>
-            </a:r>
-            <a:r>
-              <a:rPr lang="pt-BR" dirty="0"/>
-              <a:t>/zz4fap/tp557-iot-ml/</a:t>
-            </a:r>
-            <a:r>
-              <a:rPr lang="pt-BR" dirty="0" err="1"/>
-              <a:t>blob</a:t>
-            </a:r>
-            <a:r>
-              <a:rPr lang="pt-BR" dirty="0"/>
-              <a:t>/master/</a:t>
-            </a:r>
-            <a:r>
-              <a:rPr lang="pt-BR" dirty="0" err="1"/>
-              <a:t>exercises</a:t>
-            </a:r>
-            <a:r>
-              <a:rPr lang="pt-BR" dirty="0"/>
-              <a:t>/</a:t>
-            </a:r>
-            <a:r>
-              <a:rPr lang="pt-BR" dirty="0" err="1"/>
-              <a:t>Exercício_Encontre_os_pesos_da_função_hipótese.ipynb</a:t>
-            </a:r>
-            <a:endParaRPr lang="pt-BR" dirty="0"/>
-          </a:p>
-          <a:p>
-            <a:endParaRPr lang="pt-BR" dirty="0"/>
-          </a:p>
-          <a:p>
+              <a:rPr lang="pt-BR" b="0" i="0" dirty="0">
+                <a:solidFill>
+                  <a:srgbClr val="374151"/>
+                </a:solidFill>
+                <a:effectLst/>
+                <a:latin typeface="Söhne"/>
+              </a:rPr>
+              <a:t>A convexidade é uma propriedade importante em matemática e otimização, pois garante que uma função convexa tenha um único ponto de mínimo global, e qualquer ponto de mínimo local também é um ponto de mínimo global. Isso torna as funções convexas especialmente relevantes em problemas de otimização, pois permite encontrar a solução ótima de forma mais eficiente e confiável.</a:t>
+            </a:r>
             <a:endParaRPr lang="pt-BR" dirty="0"/>
           </a:p>
         </p:txBody>
@@ -1020,7 +1122,7 @@
           <a:p>
             <a:fld id="{6FC8D850-966F-45A6-8DE7-15B891E7D40D}" type="slidenum">
               <a:rPr lang="pt-BR" smtClean="0"/>
-              <a:t>3</a:t>
+              <a:t>4</a:t>
             </a:fld>
             <a:endParaRPr lang="pt-BR"/>
           </a:p>
@@ -1029,7 +1131,571 @@
     </p:spTree>
     <p:extLst>
       <p:ext uri="{BB962C8B-B14F-4D97-AF65-F5344CB8AC3E}">
-        <p14:creationId xmlns:p14="http://schemas.microsoft.com/office/powerpoint/2010/main" val="4247922459"/>
+        <p14:creationId xmlns:p14="http://schemas.microsoft.com/office/powerpoint/2010/main" val="1944361855"/>
+      </p:ext>
+    </p:extLst>
+  </p:cSld>
+  <p:clrMapOvr>
+    <a:masterClrMapping/>
+  </p:clrMapOvr>
+</p:notes>
+</file>
+
+<file path=ppt/notesSlides/notesSlide4.xml><?xml version="1.0" encoding="utf-8"?>
+<p:notes xmlns:a="http://schemas.openxmlformats.org/drawingml/2006/main" xmlns:r="http://schemas.openxmlformats.org/officeDocument/2006/relationships" xmlns:p="http://schemas.openxmlformats.org/presentationml/2006/main">
+  <p:cSld>
+    <p:spTree>
+      <p:nvGrpSpPr>
+        <p:cNvPr id="1" name=""/>
+        <p:cNvGrpSpPr/>
+        <p:nvPr/>
+      </p:nvGrpSpPr>
+      <p:grpSpPr>
+        <a:xfrm>
+          <a:off x="0" y="0"/>
+          <a:ext cx="0" cy="0"/>
+          <a:chOff x="0" y="0"/>
+          <a:chExt cx="0" cy="0"/>
+        </a:xfrm>
+      </p:grpSpPr>
+      <p:sp>
+        <p:nvSpPr>
+          <p:cNvPr id="2" name="Espaço Reservado para Imagem de Slide 1"/>
+          <p:cNvSpPr>
+            <a:spLocks noGrp="1" noRot="1" noChangeAspect="1"/>
+          </p:cNvSpPr>
+          <p:nvPr>
+            <p:ph type="sldImg"/>
+          </p:nvPr>
+        </p:nvSpPr>
+        <p:spPr/>
+      </p:sp>
+      <p:sp>
+        <p:nvSpPr>
+          <p:cNvPr id="3" name="Espaço Reservado para Anotações 2"/>
+          <p:cNvSpPr>
+            <a:spLocks noGrp="1"/>
+          </p:cNvSpPr>
+          <p:nvPr>
+            <p:ph type="body" idx="1"/>
+          </p:nvPr>
+        </p:nvSpPr>
+        <p:spPr/>
+        <p:txBody>
+          <a:bodyPr/>
+          <a:lstStyle/>
+          <a:p>
+            <a:r>
+              <a:rPr lang="pt-BR" b="0" i="0" dirty="0">
+                <a:solidFill>
+                  <a:srgbClr val="374151"/>
+                </a:solidFill>
+                <a:effectLst/>
+                <a:latin typeface="Söhne"/>
+              </a:rPr>
+              <a:t>A convexidade é uma propriedade importante em matemática e otimização, pois garante que uma função convexa tenha um único ponto de mínimo global, e qualquer ponto de mínimo local também é um ponto de mínimo global. Isso torna as funções convexas especialmente relevantes em problemas de otimização, pois permite encontrar a solução ótima de forma mais eficiente e confiável.</a:t>
+            </a:r>
+            <a:endParaRPr lang="pt-BR" dirty="0"/>
+          </a:p>
+        </p:txBody>
+      </p:sp>
+      <p:sp>
+        <p:nvSpPr>
+          <p:cNvPr id="4" name="Espaço Reservado para Número de Slide 3"/>
+          <p:cNvSpPr>
+            <a:spLocks noGrp="1"/>
+          </p:cNvSpPr>
+          <p:nvPr>
+            <p:ph type="sldNum" sz="quarter" idx="5"/>
+          </p:nvPr>
+        </p:nvSpPr>
+        <p:spPr/>
+        <p:txBody>
+          <a:bodyPr/>
+          <a:lstStyle/>
+          <a:p>
+            <a:fld id="{6FC8D850-966F-45A6-8DE7-15B891E7D40D}" type="slidenum">
+              <a:rPr lang="pt-BR" smtClean="0"/>
+              <a:t>5</a:t>
+            </a:fld>
+            <a:endParaRPr lang="pt-BR"/>
+          </a:p>
+        </p:txBody>
+      </p:sp>
+    </p:spTree>
+    <p:extLst>
+      <p:ext uri="{BB962C8B-B14F-4D97-AF65-F5344CB8AC3E}">
+        <p14:creationId xmlns:p14="http://schemas.microsoft.com/office/powerpoint/2010/main" val="836271888"/>
+      </p:ext>
+    </p:extLst>
+  </p:cSld>
+  <p:clrMapOvr>
+    <a:masterClrMapping/>
+  </p:clrMapOvr>
+</p:notes>
+</file>
+
+<file path=ppt/notesSlides/notesSlide5.xml><?xml version="1.0" encoding="utf-8"?>
+<p:notes xmlns:a="http://schemas.openxmlformats.org/drawingml/2006/main" xmlns:r="http://schemas.openxmlformats.org/officeDocument/2006/relationships" xmlns:p="http://schemas.openxmlformats.org/presentationml/2006/main">
+  <p:cSld>
+    <p:spTree>
+      <p:nvGrpSpPr>
+        <p:cNvPr id="1" name=""/>
+        <p:cNvGrpSpPr/>
+        <p:nvPr/>
+      </p:nvGrpSpPr>
+      <p:grpSpPr>
+        <a:xfrm>
+          <a:off x="0" y="0"/>
+          <a:ext cx="0" cy="0"/>
+          <a:chOff x="0" y="0"/>
+          <a:chExt cx="0" cy="0"/>
+        </a:xfrm>
+      </p:grpSpPr>
+      <p:sp>
+        <p:nvSpPr>
+          <p:cNvPr id="2" name="Espaço Reservado para Imagem de Slide 1"/>
+          <p:cNvSpPr>
+            <a:spLocks noGrp="1" noRot="1" noChangeAspect="1"/>
+          </p:cNvSpPr>
+          <p:nvPr>
+            <p:ph type="sldImg"/>
+          </p:nvPr>
+        </p:nvSpPr>
+        <p:spPr/>
+      </p:sp>
+      <p:sp>
+        <p:nvSpPr>
+          <p:cNvPr id="3" name="Espaço Reservado para Anotações 2"/>
+          <p:cNvSpPr>
+            <a:spLocks noGrp="1"/>
+          </p:cNvSpPr>
+          <p:nvPr>
+            <p:ph type="body" idx="1"/>
+          </p:nvPr>
+        </p:nvSpPr>
+        <p:spPr/>
+        <p:txBody>
+          <a:bodyPr/>
+          <a:lstStyle/>
+          <a:p>
+            <a:r>
+              <a:rPr lang="pt-BR" b="0" i="0" dirty="0">
+                <a:solidFill>
+                  <a:srgbClr val="374151"/>
+                </a:solidFill>
+                <a:effectLst/>
+                <a:latin typeface="Söhne"/>
+              </a:rPr>
+              <a:t>A convexidade é uma propriedade importante em matemática e otimização, pois garante que uma função convexa tenha um único ponto de mínimo global, e qualquer ponto de mínimo local também é um ponto de mínimo global. Isso torna as funções convexas especialmente relevantes em problemas de otimização, pois permite encontrar a solução ótima de forma mais eficiente e confiável.</a:t>
+            </a:r>
+            <a:endParaRPr lang="pt-BR" dirty="0"/>
+          </a:p>
+        </p:txBody>
+      </p:sp>
+      <p:sp>
+        <p:nvSpPr>
+          <p:cNvPr id="4" name="Espaço Reservado para Número de Slide 3"/>
+          <p:cNvSpPr>
+            <a:spLocks noGrp="1"/>
+          </p:cNvSpPr>
+          <p:nvPr>
+            <p:ph type="sldNum" sz="quarter" idx="5"/>
+          </p:nvPr>
+        </p:nvSpPr>
+        <p:spPr/>
+        <p:txBody>
+          <a:bodyPr/>
+          <a:lstStyle/>
+          <a:p>
+            <a:fld id="{6FC8D850-966F-45A6-8DE7-15B891E7D40D}" type="slidenum">
+              <a:rPr lang="pt-BR" smtClean="0"/>
+              <a:t>6</a:t>
+            </a:fld>
+            <a:endParaRPr lang="pt-BR"/>
+          </a:p>
+        </p:txBody>
+      </p:sp>
+    </p:spTree>
+    <p:extLst>
+      <p:ext uri="{BB962C8B-B14F-4D97-AF65-F5344CB8AC3E}">
+        <p14:creationId xmlns:p14="http://schemas.microsoft.com/office/powerpoint/2010/main" val="1818391804"/>
+      </p:ext>
+    </p:extLst>
+  </p:cSld>
+  <p:clrMapOvr>
+    <a:masterClrMapping/>
+  </p:clrMapOvr>
+</p:notes>
+</file>
+
+<file path=ppt/notesSlides/notesSlide6.xml><?xml version="1.0" encoding="utf-8"?>
+<p:notes xmlns:a="http://schemas.openxmlformats.org/drawingml/2006/main" xmlns:r="http://schemas.openxmlformats.org/officeDocument/2006/relationships" xmlns:p="http://schemas.openxmlformats.org/presentationml/2006/main">
+  <p:cSld>
+    <p:spTree>
+      <p:nvGrpSpPr>
+        <p:cNvPr id="1" name=""/>
+        <p:cNvGrpSpPr/>
+        <p:nvPr/>
+      </p:nvGrpSpPr>
+      <p:grpSpPr>
+        <a:xfrm>
+          <a:off x="0" y="0"/>
+          <a:ext cx="0" cy="0"/>
+          <a:chOff x="0" y="0"/>
+          <a:chExt cx="0" cy="0"/>
+        </a:xfrm>
+      </p:grpSpPr>
+      <p:sp>
+        <p:nvSpPr>
+          <p:cNvPr id="2" name="Espaço Reservado para Imagem de Slide 1"/>
+          <p:cNvSpPr>
+            <a:spLocks noGrp="1" noRot="1" noChangeAspect="1"/>
+          </p:cNvSpPr>
+          <p:nvPr>
+            <p:ph type="sldImg"/>
+          </p:nvPr>
+        </p:nvSpPr>
+        <p:spPr/>
+      </p:sp>
+      <p:sp>
+        <p:nvSpPr>
+          <p:cNvPr id="3" name="Espaço Reservado para Anotações 2"/>
+          <p:cNvSpPr>
+            <a:spLocks noGrp="1"/>
+          </p:cNvSpPr>
+          <p:nvPr>
+            <p:ph type="body" idx="1"/>
+          </p:nvPr>
+        </p:nvSpPr>
+        <p:spPr/>
+        <p:txBody>
+          <a:bodyPr/>
+          <a:lstStyle/>
+          <a:p>
+            <a:r>
+              <a:rPr lang="pt-BR" b="0" i="0" dirty="0">
+                <a:solidFill>
+                  <a:srgbClr val="374151"/>
+                </a:solidFill>
+                <a:effectLst/>
+                <a:latin typeface="Söhne"/>
+              </a:rPr>
+              <a:t>A convexidade é uma propriedade importante em matemática e otimização, pois garante que uma função convexa tenha um único ponto de mínimo global, e qualquer ponto de mínimo local também é um ponto de mínimo global. Isso torna as funções convexas especialmente relevantes em problemas de otimização, pois permite encontrar a solução ótima de forma mais eficiente e confiável.</a:t>
+            </a:r>
+            <a:endParaRPr lang="pt-BR" dirty="0"/>
+          </a:p>
+        </p:txBody>
+      </p:sp>
+      <p:sp>
+        <p:nvSpPr>
+          <p:cNvPr id="4" name="Espaço Reservado para Número de Slide 3"/>
+          <p:cNvSpPr>
+            <a:spLocks noGrp="1"/>
+          </p:cNvSpPr>
+          <p:nvPr>
+            <p:ph type="sldNum" sz="quarter" idx="5"/>
+          </p:nvPr>
+        </p:nvSpPr>
+        <p:spPr/>
+        <p:txBody>
+          <a:bodyPr/>
+          <a:lstStyle/>
+          <a:p>
+            <a:fld id="{6FC8D850-966F-45A6-8DE7-15B891E7D40D}" type="slidenum">
+              <a:rPr lang="pt-BR" smtClean="0"/>
+              <a:t>7</a:t>
+            </a:fld>
+            <a:endParaRPr lang="pt-BR"/>
+          </a:p>
+        </p:txBody>
+      </p:sp>
+    </p:spTree>
+    <p:extLst>
+      <p:ext uri="{BB962C8B-B14F-4D97-AF65-F5344CB8AC3E}">
+        <p14:creationId xmlns:p14="http://schemas.microsoft.com/office/powerpoint/2010/main" val="3940950447"/>
+      </p:ext>
+    </p:extLst>
+  </p:cSld>
+  <p:clrMapOvr>
+    <a:masterClrMapping/>
+  </p:clrMapOvr>
+</p:notes>
+</file>
+
+<file path=ppt/notesSlides/notesSlide7.xml><?xml version="1.0" encoding="utf-8"?>
+<p:notes xmlns:a="http://schemas.openxmlformats.org/drawingml/2006/main" xmlns:r="http://schemas.openxmlformats.org/officeDocument/2006/relationships" xmlns:p="http://schemas.openxmlformats.org/presentationml/2006/main">
+  <p:cSld>
+    <p:spTree>
+      <p:nvGrpSpPr>
+        <p:cNvPr id="1" name=""/>
+        <p:cNvGrpSpPr/>
+        <p:nvPr/>
+      </p:nvGrpSpPr>
+      <p:grpSpPr>
+        <a:xfrm>
+          <a:off x="0" y="0"/>
+          <a:ext cx="0" cy="0"/>
+          <a:chOff x="0" y="0"/>
+          <a:chExt cx="0" cy="0"/>
+        </a:xfrm>
+      </p:grpSpPr>
+      <p:sp>
+        <p:nvSpPr>
+          <p:cNvPr id="2" name="Espaço Reservado para Imagem de Slide 1"/>
+          <p:cNvSpPr>
+            <a:spLocks noGrp="1" noRot="1" noChangeAspect="1"/>
+          </p:cNvSpPr>
+          <p:nvPr>
+            <p:ph type="sldImg"/>
+          </p:nvPr>
+        </p:nvSpPr>
+        <p:spPr/>
+      </p:sp>
+      <p:sp>
+        <p:nvSpPr>
+          <p:cNvPr id="3" name="Espaço Reservado para Anotações 2"/>
+          <p:cNvSpPr>
+            <a:spLocks noGrp="1"/>
+          </p:cNvSpPr>
+          <p:nvPr>
+            <p:ph type="body" idx="1"/>
+          </p:nvPr>
+        </p:nvSpPr>
+        <p:spPr/>
+        <p:txBody>
+          <a:bodyPr/>
+          <a:lstStyle/>
+          <a:p>
+            <a:r>
+              <a:rPr lang="pt-BR" b="0" i="0" dirty="0">
+                <a:solidFill>
+                  <a:srgbClr val="374151"/>
+                </a:solidFill>
+                <a:effectLst/>
+                <a:latin typeface="Söhne"/>
+              </a:rPr>
+              <a:t>A convexidade é uma propriedade importante em matemática e otimização, pois garante que uma função convexa tenha um único ponto de mínimo global, e qualquer ponto de mínimo local também é um ponto de mínimo global. Isso torna as funções convexas especialmente relevantes em problemas de otimização, pois permite encontrar a solução ótima de forma mais eficiente e confiável.</a:t>
+            </a:r>
+            <a:endParaRPr lang="pt-BR" dirty="0"/>
+          </a:p>
+        </p:txBody>
+      </p:sp>
+      <p:sp>
+        <p:nvSpPr>
+          <p:cNvPr id="4" name="Espaço Reservado para Número de Slide 3"/>
+          <p:cNvSpPr>
+            <a:spLocks noGrp="1"/>
+          </p:cNvSpPr>
+          <p:nvPr>
+            <p:ph type="sldNum" sz="quarter" idx="5"/>
+          </p:nvPr>
+        </p:nvSpPr>
+        <p:spPr/>
+        <p:txBody>
+          <a:bodyPr/>
+          <a:lstStyle/>
+          <a:p>
+            <a:fld id="{6FC8D850-966F-45A6-8DE7-15B891E7D40D}" type="slidenum">
+              <a:rPr lang="pt-BR" smtClean="0"/>
+              <a:t>8</a:t>
+            </a:fld>
+            <a:endParaRPr lang="pt-BR"/>
+          </a:p>
+        </p:txBody>
+      </p:sp>
+    </p:spTree>
+    <p:extLst>
+      <p:ext uri="{BB962C8B-B14F-4D97-AF65-F5344CB8AC3E}">
+        <p14:creationId xmlns:p14="http://schemas.microsoft.com/office/powerpoint/2010/main" val="570856453"/>
+      </p:ext>
+    </p:extLst>
+  </p:cSld>
+  <p:clrMapOvr>
+    <a:masterClrMapping/>
+  </p:clrMapOvr>
+</p:notes>
+</file>
+
+<file path=ppt/notesSlides/notesSlide8.xml><?xml version="1.0" encoding="utf-8"?>
+<p:notes xmlns:a="http://schemas.openxmlformats.org/drawingml/2006/main" xmlns:r="http://schemas.openxmlformats.org/officeDocument/2006/relationships" xmlns:p="http://schemas.openxmlformats.org/presentationml/2006/main">
+  <p:cSld>
+    <p:spTree>
+      <p:nvGrpSpPr>
+        <p:cNvPr id="1" name=""/>
+        <p:cNvGrpSpPr/>
+        <p:nvPr/>
+      </p:nvGrpSpPr>
+      <p:grpSpPr>
+        <a:xfrm>
+          <a:off x="0" y="0"/>
+          <a:ext cx="0" cy="0"/>
+          <a:chOff x="0" y="0"/>
+          <a:chExt cx="0" cy="0"/>
+        </a:xfrm>
+      </p:grpSpPr>
+      <p:sp>
+        <p:nvSpPr>
+          <p:cNvPr id="2" name="Espaço Reservado para Imagem de Slide 1"/>
+          <p:cNvSpPr>
+            <a:spLocks noGrp="1" noRot="1" noChangeAspect="1"/>
+          </p:cNvSpPr>
+          <p:nvPr>
+            <p:ph type="sldImg"/>
+          </p:nvPr>
+        </p:nvSpPr>
+        <p:spPr/>
+      </p:sp>
+      <p:sp>
+        <p:nvSpPr>
+          <p:cNvPr id="3" name="Espaço Reservado para Anotações 2"/>
+          <p:cNvSpPr>
+            <a:spLocks noGrp="1"/>
+          </p:cNvSpPr>
+          <p:nvPr>
+            <p:ph type="body" idx="1"/>
+          </p:nvPr>
+        </p:nvSpPr>
+        <p:spPr/>
+        <p:txBody>
+          <a:bodyPr/>
+          <a:lstStyle/>
+          <a:p>
+            <a:r>
+              <a:rPr lang="pt-BR" b="0" i="0" dirty="0">
+                <a:solidFill>
+                  <a:srgbClr val="374151"/>
+                </a:solidFill>
+                <a:effectLst/>
+                <a:latin typeface="Söhne"/>
+              </a:rPr>
+              <a:t>A convexidade é uma propriedade importante em matemática e otimização, pois garante que uma função convexa tenha um único ponto de mínimo global, e qualquer ponto de mínimo local também é um ponto de mínimo global. Isso torna as funções convexas especialmente relevantes em problemas de otimização, pois permite encontrar a solução ótima de forma mais eficiente e confiável.</a:t>
+            </a:r>
+            <a:endParaRPr lang="pt-BR" dirty="0"/>
+          </a:p>
+        </p:txBody>
+      </p:sp>
+      <p:sp>
+        <p:nvSpPr>
+          <p:cNvPr id="4" name="Espaço Reservado para Número de Slide 3"/>
+          <p:cNvSpPr>
+            <a:spLocks noGrp="1"/>
+          </p:cNvSpPr>
+          <p:nvPr>
+            <p:ph type="sldNum" sz="quarter" idx="5"/>
+          </p:nvPr>
+        </p:nvSpPr>
+        <p:spPr/>
+        <p:txBody>
+          <a:bodyPr/>
+          <a:lstStyle/>
+          <a:p>
+            <a:fld id="{6FC8D850-966F-45A6-8DE7-15B891E7D40D}" type="slidenum">
+              <a:rPr lang="pt-BR" smtClean="0"/>
+              <a:t>9</a:t>
+            </a:fld>
+            <a:endParaRPr lang="pt-BR"/>
+          </a:p>
+        </p:txBody>
+      </p:sp>
+    </p:spTree>
+    <p:extLst>
+      <p:ext uri="{BB962C8B-B14F-4D97-AF65-F5344CB8AC3E}">
+        <p14:creationId xmlns:p14="http://schemas.microsoft.com/office/powerpoint/2010/main" val="3065682210"/>
+      </p:ext>
+    </p:extLst>
+  </p:cSld>
+  <p:clrMapOvr>
+    <a:masterClrMapping/>
+  </p:clrMapOvr>
+</p:notes>
+</file>
+
+<file path=ppt/notesSlides/notesSlide9.xml><?xml version="1.0" encoding="utf-8"?>
+<p:notes xmlns:a="http://schemas.openxmlformats.org/drawingml/2006/main" xmlns:r="http://schemas.openxmlformats.org/officeDocument/2006/relationships" xmlns:p="http://schemas.openxmlformats.org/presentationml/2006/main">
+  <p:cSld>
+    <p:spTree>
+      <p:nvGrpSpPr>
+        <p:cNvPr id="1" name=""/>
+        <p:cNvGrpSpPr/>
+        <p:nvPr/>
+      </p:nvGrpSpPr>
+      <p:grpSpPr>
+        <a:xfrm>
+          <a:off x="0" y="0"/>
+          <a:ext cx="0" cy="0"/>
+          <a:chOff x="0" y="0"/>
+          <a:chExt cx="0" cy="0"/>
+        </a:xfrm>
+      </p:grpSpPr>
+      <p:sp>
+        <p:nvSpPr>
+          <p:cNvPr id="2" name="Espaço Reservado para Imagem de Slide 1"/>
+          <p:cNvSpPr>
+            <a:spLocks noGrp="1" noRot="1" noChangeAspect="1"/>
+          </p:cNvSpPr>
+          <p:nvPr>
+            <p:ph type="sldImg"/>
+          </p:nvPr>
+        </p:nvSpPr>
+        <p:spPr/>
+      </p:sp>
+      <p:sp>
+        <p:nvSpPr>
+          <p:cNvPr id="3" name="Espaço Reservado para Anotações 2"/>
+          <p:cNvSpPr>
+            <a:spLocks noGrp="1"/>
+          </p:cNvSpPr>
+          <p:nvPr>
+            <p:ph type="body" idx="1"/>
+          </p:nvPr>
+        </p:nvSpPr>
+        <p:spPr/>
+        <p:txBody>
+          <a:bodyPr/>
+          <a:lstStyle/>
+          <a:p>
+            <a:r>
+              <a:rPr lang="pt-BR" b="0" i="0" dirty="0">
+                <a:solidFill>
+                  <a:srgbClr val="374151"/>
+                </a:solidFill>
+                <a:effectLst/>
+                <a:latin typeface="Söhne"/>
+              </a:rPr>
+              <a:t>A convexidade é uma propriedade importante em matemática e otimização, pois garante que uma função convexa tenha um único ponto de mínimo global, e qualquer ponto de mínimo local também é um ponto de mínimo global. Isso torna as funções convexas especialmente relevantes em problemas de otimização, pois permite encontrar a solução ótima de forma mais eficiente e confiável.</a:t>
+            </a:r>
+            <a:endParaRPr lang="pt-BR" dirty="0"/>
+          </a:p>
+        </p:txBody>
+      </p:sp>
+      <p:sp>
+        <p:nvSpPr>
+          <p:cNvPr id="4" name="Espaço Reservado para Número de Slide 3"/>
+          <p:cNvSpPr>
+            <a:spLocks noGrp="1"/>
+          </p:cNvSpPr>
+          <p:nvPr>
+            <p:ph type="sldNum" sz="quarter" idx="5"/>
+          </p:nvPr>
+        </p:nvSpPr>
+        <p:spPr/>
+        <p:txBody>
+          <a:bodyPr/>
+          <a:lstStyle/>
+          <a:p>
+            <a:fld id="{6FC8D850-966F-45A6-8DE7-15B891E7D40D}" type="slidenum">
+              <a:rPr lang="pt-BR" smtClean="0"/>
+              <a:t>10</a:t>
+            </a:fld>
+            <a:endParaRPr lang="pt-BR"/>
+          </a:p>
+        </p:txBody>
+      </p:sp>
+    </p:spTree>
+    <p:extLst>
+      <p:ext uri="{BB962C8B-B14F-4D97-AF65-F5344CB8AC3E}">
+        <p14:creationId xmlns:p14="http://schemas.microsoft.com/office/powerpoint/2010/main" val="898119186"/>
       </p:ext>
     </p:extLst>
   </p:cSld>
@@ -1186,7 +1852,7 @@
           <a:p>
             <a:fld id="{63289F7E-B80B-496E-81B4-D396C37C9454}" type="datetimeFigureOut">
               <a:rPr lang="pt-BR" smtClean="0"/>
-              <a:t>30/07/2023</a:t>
+              <a:t>31/07/2023</a:t>
             </a:fld>
             <a:endParaRPr lang="pt-BR"/>
           </a:p>
@@ -1384,7 +2050,7 @@
           <a:p>
             <a:fld id="{63289F7E-B80B-496E-81B4-D396C37C9454}" type="datetimeFigureOut">
               <a:rPr lang="pt-BR" smtClean="0"/>
-              <a:t>30/07/2023</a:t>
+              <a:t>31/07/2023</a:t>
             </a:fld>
             <a:endParaRPr lang="pt-BR"/>
           </a:p>
@@ -1592,7 +2258,7 @@
           <a:p>
             <a:fld id="{63289F7E-B80B-496E-81B4-D396C37C9454}" type="datetimeFigureOut">
               <a:rPr lang="pt-BR" smtClean="0"/>
-              <a:t>30/07/2023</a:t>
+              <a:t>31/07/2023</a:t>
             </a:fld>
             <a:endParaRPr lang="pt-BR"/>
           </a:p>
@@ -1790,7 +2456,7 @@
           <a:p>
             <a:fld id="{63289F7E-B80B-496E-81B4-D396C37C9454}" type="datetimeFigureOut">
               <a:rPr lang="pt-BR" smtClean="0"/>
-              <a:t>30/07/2023</a:t>
+              <a:t>31/07/2023</a:t>
             </a:fld>
             <a:endParaRPr lang="pt-BR"/>
           </a:p>
@@ -2065,7 +2731,7 @@
           <a:p>
             <a:fld id="{63289F7E-B80B-496E-81B4-D396C37C9454}" type="datetimeFigureOut">
               <a:rPr lang="pt-BR" smtClean="0"/>
-              <a:t>30/07/2023</a:t>
+              <a:t>31/07/2023</a:t>
             </a:fld>
             <a:endParaRPr lang="pt-BR"/>
           </a:p>
@@ -2330,7 +2996,7 @@
           <a:p>
             <a:fld id="{63289F7E-B80B-496E-81B4-D396C37C9454}" type="datetimeFigureOut">
               <a:rPr lang="pt-BR" smtClean="0"/>
-              <a:t>30/07/2023</a:t>
+              <a:t>31/07/2023</a:t>
             </a:fld>
             <a:endParaRPr lang="pt-BR"/>
           </a:p>
@@ -2742,7 +3408,7 @@
           <a:p>
             <a:fld id="{63289F7E-B80B-496E-81B4-D396C37C9454}" type="datetimeFigureOut">
               <a:rPr lang="pt-BR" smtClean="0"/>
-              <a:t>30/07/2023</a:t>
+              <a:t>31/07/2023</a:t>
             </a:fld>
             <a:endParaRPr lang="pt-BR"/>
           </a:p>
@@ -2883,7 +3549,7 @@
           <a:p>
             <a:fld id="{63289F7E-B80B-496E-81B4-D396C37C9454}" type="datetimeFigureOut">
               <a:rPr lang="pt-BR" smtClean="0"/>
-              <a:t>30/07/2023</a:t>
+              <a:t>31/07/2023</a:t>
             </a:fld>
             <a:endParaRPr lang="pt-BR"/>
           </a:p>
@@ -2996,7 +3662,7 @@
           <a:p>
             <a:fld id="{63289F7E-B80B-496E-81B4-D396C37C9454}" type="datetimeFigureOut">
               <a:rPr lang="pt-BR" smtClean="0"/>
-              <a:t>30/07/2023</a:t>
+              <a:t>31/07/2023</a:t>
             </a:fld>
             <a:endParaRPr lang="pt-BR"/>
           </a:p>
@@ -3307,7 +3973,7 @@
           <a:p>
             <a:fld id="{63289F7E-B80B-496E-81B4-D396C37C9454}" type="datetimeFigureOut">
               <a:rPr lang="pt-BR" smtClean="0"/>
-              <a:t>30/07/2023</a:t>
+              <a:t>31/07/2023</a:t>
             </a:fld>
             <a:endParaRPr lang="pt-BR"/>
           </a:p>
@@ -3595,7 +4261,7 @@
           <a:p>
             <a:fld id="{63289F7E-B80B-496E-81B4-D396C37C9454}" type="datetimeFigureOut">
               <a:rPr lang="pt-BR" smtClean="0"/>
-              <a:t>30/07/2023</a:t>
+              <a:t>31/07/2023</a:t>
             </a:fld>
             <a:endParaRPr lang="pt-BR"/>
           </a:p>
@@ -3836,7 +4502,7 @@
           <a:p>
             <a:fld id="{63289F7E-B80B-496E-81B4-D396C37C9454}" type="datetimeFigureOut">
               <a:rPr lang="pt-BR" smtClean="0"/>
-              <a:t>30/07/2023</a:t>
+              <a:t>31/07/2023</a:t>
             </a:fld>
             <a:endParaRPr lang="pt-BR"/>
           </a:p>
@@ -4492,7 +5158,7 @@
 </p:sld>
 </file>
 
-<file path=ppt/slides/slide2.xml><?xml version="1.0" encoding="utf-8"?>
+<file path=ppt/slides/slide10.xml><?xml version="1.0" encoding="utf-8"?>
 <p:sld xmlns:a="http://schemas.openxmlformats.org/drawingml/2006/main" xmlns:r="http://schemas.openxmlformats.org/officeDocument/2006/relationships" xmlns:p="http://schemas.openxmlformats.org/presentationml/2006/main">
   <p:cSld>
     <p:spTree>
@@ -4514,7 +5180,7 @@
           <p:cNvPr id="2" name="Título 1">
             <a:extLst>
               <a:ext uri="{FF2B5EF4-FFF2-40B4-BE49-F238E27FC236}">
-                <a16:creationId xmlns:a16="http://schemas.microsoft.com/office/drawing/2014/main" id="{EECB3FED-5D1A-7084-5333-A3B2FA75F608}"/>
+                <a16:creationId xmlns:a16="http://schemas.microsoft.com/office/drawing/2014/main" id="{FDCC3C31-4EA2-B4A2-431F-BF22FBB8A7BA}"/>
               </a:ext>
             </a:extLst>
           </p:cNvPr>
@@ -4532,7 +5198,7 @@
           <a:p>
             <a:r>
               <a:rPr lang="pt-BR" dirty="0"/>
-              <a:t>O que vamos ver?</a:t>
+              <a:t>Gradiente</a:t>
             </a:r>
           </a:p>
         </p:txBody>
@@ -4542,7 +5208,7 @@
           <p:cNvPr id="3" name="Espaço Reservado para Conteúdo 2">
             <a:extLst>
               <a:ext uri="{FF2B5EF4-FFF2-40B4-BE49-F238E27FC236}">
-                <a16:creationId xmlns:a16="http://schemas.microsoft.com/office/drawing/2014/main" id="{25FE7774-7186-A846-D8DE-518B2CBF4EBD}"/>
+                <a16:creationId xmlns:a16="http://schemas.microsoft.com/office/drawing/2014/main" id="{F09EA0C7-E094-F158-6A1A-B80733321450}"/>
               </a:ext>
             </a:extLst>
           </p:cNvPr>
@@ -4555,8 +5221,8 @@
         </p:nvSpPr>
         <p:spPr>
           <a:xfrm>
-            <a:off x="838199" y="1825624"/>
-            <a:ext cx="10929257" cy="5032376"/>
+            <a:off x="6181728" y="1825624"/>
+            <a:ext cx="5818488" cy="5032376"/>
           </a:xfrm>
         </p:spPr>
         <p:txBody>
@@ -4567,15 +5233,962 @@
           <a:p>
             <a:r>
               <a:rPr lang="pt-BR" dirty="0"/>
-              <a:t>Neste tópico veremos</a:t>
+              <a:t>Portanto, dada a direção do gradiente e um passo de aprendizagem, agora podemos iterativamente dar passos com em direção ao mínimo.</a:t>
             </a:r>
           </a:p>
         </p:txBody>
       </p:sp>
+      <p:grpSp>
+        <p:nvGrpSpPr>
+          <p:cNvPr id="25" name="Agrupar 24">
+            <a:extLst>
+              <a:ext uri="{FF2B5EF4-FFF2-40B4-BE49-F238E27FC236}">
+                <a16:creationId xmlns:a16="http://schemas.microsoft.com/office/drawing/2014/main" id="{CAABD4E6-0271-FDD3-1BDC-9F25BB67666F}"/>
+              </a:ext>
+            </a:extLst>
+          </p:cNvPr>
+          <p:cNvGrpSpPr/>
+          <p:nvPr/>
+        </p:nvGrpSpPr>
+        <p:grpSpPr>
+          <a:xfrm>
+            <a:off x="973059" y="2353695"/>
+            <a:ext cx="3963570" cy="2939416"/>
+            <a:chOff x="973059" y="2353695"/>
+            <a:chExt cx="3963570" cy="2939416"/>
+          </a:xfrm>
+        </p:grpSpPr>
+        <p:sp>
+          <p:nvSpPr>
+            <p:cNvPr id="24" name="Forma Livre: Forma 23">
+              <a:extLst>
+                <a:ext uri="{FF2B5EF4-FFF2-40B4-BE49-F238E27FC236}">
+                  <a16:creationId xmlns:a16="http://schemas.microsoft.com/office/drawing/2014/main" id="{1AF02A9C-5A9B-AE81-9724-6E5E5F5C9AD5}"/>
+                </a:ext>
+              </a:extLst>
+            </p:cNvPr>
+            <p:cNvSpPr/>
+            <p:nvPr/>
+          </p:nvSpPr>
+          <p:spPr>
+            <a:xfrm>
+              <a:off x="1190625" y="2990850"/>
+              <a:ext cx="3429000" cy="1752634"/>
+            </a:xfrm>
+            <a:custGeom>
+              <a:avLst/>
+              <a:gdLst>
+                <a:gd name="connsiteX0" fmla="*/ 0 w 3429000"/>
+                <a:gd name="connsiteY0" fmla="*/ 38100 h 1752634"/>
+                <a:gd name="connsiteX1" fmla="*/ 1714500 w 3429000"/>
+                <a:gd name="connsiteY1" fmla="*/ 1752600 h 1752634"/>
+                <a:gd name="connsiteX2" fmla="*/ 3429000 w 3429000"/>
+                <a:gd name="connsiteY2" fmla="*/ 0 h 1752634"/>
+              </a:gdLst>
+              <a:ahLst/>
+              <a:cxnLst>
+                <a:cxn ang="0">
+                  <a:pos x="connsiteX0" y="connsiteY0"/>
+                </a:cxn>
+                <a:cxn ang="0">
+                  <a:pos x="connsiteX1" y="connsiteY1"/>
+                </a:cxn>
+                <a:cxn ang="0">
+                  <a:pos x="connsiteX2" y="connsiteY2"/>
+                </a:cxn>
+              </a:cxnLst>
+              <a:rect l="l" t="t" r="r" b="b"/>
+              <a:pathLst>
+                <a:path w="3429000" h="1752634">
+                  <a:moveTo>
+                    <a:pt x="0" y="38100"/>
+                  </a:moveTo>
+                  <a:cubicBezTo>
+                    <a:pt x="571500" y="898525"/>
+                    <a:pt x="1143000" y="1758950"/>
+                    <a:pt x="1714500" y="1752600"/>
+                  </a:cubicBezTo>
+                  <a:cubicBezTo>
+                    <a:pt x="2286000" y="1746250"/>
+                    <a:pt x="3119438" y="314325"/>
+                    <a:pt x="3429000" y="0"/>
+                  </a:cubicBezTo>
+                </a:path>
+              </a:pathLst>
+            </a:custGeom>
+            <a:noFill/>
+          </p:spPr>
+          <p:style>
+            <a:lnRef idx="2">
+              <a:schemeClr val="accent1">
+                <a:shade val="15000"/>
+              </a:schemeClr>
+            </a:lnRef>
+            <a:fillRef idx="1">
+              <a:schemeClr val="accent1"/>
+            </a:fillRef>
+            <a:effectRef idx="0">
+              <a:schemeClr val="accent1"/>
+            </a:effectRef>
+            <a:fontRef idx="minor">
+              <a:schemeClr val="lt1"/>
+            </a:fontRef>
+          </p:style>
+          <p:txBody>
+            <a:bodyPr rtlCol="0" anchor="ctr"/>
+            <a:lstStyle/>
+            <a:p>
+              <a:pPr algn="ctr"/>
+              <a:endParaRPr lang="pt-BR"/>
+            </a:p>
+          </p:txBody>
+        </p:sp>
+        <p:cxnSp>
+          <p:nvCxnSpPr>
+            <p:cNvPr id="6" name="Conector de Seta Reta 5">
+              <a:extLst>
+                <a:ext uri="{FF2B5EF4-FFF2-40B4-BE49-F238E27FC236}">
+                  <a16:creationId xmlns:a16="http://schemas.microsoft.com/office/drawing/2014/main" id="{CECA8A08-ECD5-CF26-4CEC-3C8F2A7EB943}"/>
+                </a:ext>
+              </a:extLst>
+            </p:cNvPr>
+            <p:cNvCxnSpPr>
+              <a:cxnSpLocks/>
+            </p:cNvCxnSpPr>
+            <p:nvPr/>
+          </p:nvCxnSpPr>
+          <p:spPr>
+            <a:xfrm>
+              <a:off x="974017" y="4916172"/>
+              <a:ext cx="3860967" cy="0"/>
+            </a:xfrm>
+            <a:prstGeom prst="straightConnector1">
+              <a:avLst/>
+            </a:prstGeom>
+            <a:ln w="19050">
+              <a:solidFill>
+                <a:schemeClr val="tx1"/>
+              </a:solidFill>
+              <a:tailEnd type="triangle"/>
+            </a:ln>
+          </p:spPr>
+          <p:style>
+            <a:lnRef idx="1">
+              <a:schemeClr val="accent1"/>
+            </a:lnRef>
+            <a:fillRef idx="0">
+              <a:schemeClr val="accent1"/>
+            </a:fillRef>
+            <a:effectRef idx="0">
+              <a:schemeClr val="accent1"/>
+            </a:effectRef>
+            <a:fontRef idx="minor">
+              <a:schemeClr val="tx1"/>
+            </a:fontRef>
+          </p:style>
+        </p:cxnSp>
+        <p:cxnSp>
+          <p:nvCxnSpPr>
+            <p:cNvPr id="7" name="Conector de Seta Reta 6">
+              <a:extLst>
+                <a:ext uri="{FF2B5EF4-FFF2-40B4-BE49-F238E27FC236}">
+                  <a16:creationId xmlns:a16="http://schemas.microsoft.com/office/drawing/2014/main" id="{EBE189DA-FC3E-6F77-83E6-389C755E01A6}"/>
+                </a:ext>
+              </a:extLst>
+            </p:cNvPr>
+            <p:cNvCxnSpPr>
+              <a:cxnSpLocks/>
+            </p:cNvCxnSpPr>
+            <p:nvPr/>
+          </p:nvCxnSpPr>
+          <p:spPr>
+            <a:xfrm flipV="1">
+              <a:off x="974018" y="2442308"/>
+              <a:ext cx="0" cy="2473865"/>
+            </a:xfrm>
+            <a:prstGeom prst="straightConnector1">
+              <a:avLst/>
+            </a:prstGeom>
+            <a:ln w="19050">
+              <a:solidFill>
+                <a:schemeClr val="tx1"/>
+              </a:solidFill>
+              <a:tailEnd type="triangle"/>
+            </a:ln>
+          </p:spPr>
+          <p:style>
+            <a:lnRef idx="1">
+              <a:schemeClr val="accent1"/>
+            </a:lnRef>
+            <a:fillRef idx="0">
+              <a:schemeClr val="accent1"/>
+            </a:fillRef>
+            <a:effectRef idx="0">
+              <a:schemeClr val="accent1"/>
+            </a:effectRef>
+            <a:fontRef idx="minor">
+              <a:schemeClr val="tx1"/>
+            </a:fontRef>
+          </p:style>
+        </p:cxnSp>
+        <p:sp>
+          <p:nvSpPr>
+            <p:cNvPr id="8" name="CaixaDeTexto 7">
+              <a:extLst>
+                <a:ext uri="{FF2B5EF4-FFF2-40B4-BE49-F238E27FC236}">
+                  <a16:creationId xmlns:a16="http://schemas.microsoft.com/office/drawing/2014/main" id="{A78938CD-F777-59C9-49FF-1EC87187C2BF}"/>
+                </a:ext>
+              </a:extLst>
+            </p:cNvPr>
+            <p:cNvSpPr txBox="1"/>
+            <p:nvPr/>
+          </p:nvSpPr>
+          <p:spPr>
+            <a:xfrm>
+              <a:off x="974017" y="2353695"/>
+              <a:ext cx="1679879" cy="369332"/>
+            </a:xfrm>
+            <a:prstGeom prst="rect">
+              <a:avLst/>
+            </a:prstGeom>
+            <a:noFill/>
+          </p:spPr>
+          <p:txBody>
+            <a:bodyPr wrap="square" rtlCol="0">
+              <a:spAutoFit/>
+            </a:bodyPr>
+            <a:lstStyle/>
+            <a:p>
+              <a:r>
+                <a:rPr lang="pt-BR" dirty="0"/>
+                <a:t>Função de erro</a:t>
+              </a:r>
+            </a:p>
+          </p:txBody>
+        </p:sp>
+        <p:sp>
+          <p:nvSpPr>
+            <p:cNvPr id="9" name="CaixaDeTexto 8">
+              <a:extLst>
+                <a:ext uri="{FF2B5EF4-FFF2-40B4-BE49-F238E27FC236}">
+                  <a16:creationId xmlns:a16="http://schemas.microsoft.com/office/drawing/2014/main" id="{A1CE1535-321D-E614-D63E-21C0CB455062}"/>
+                </a:ext>
+              </a:extLst>
+            </p:cNvPr>
+            <p:cNvSpPr txBox="1"/>
+            <p:nvPr/>
+          </p:nvSpPr>
+          <p:spPr>
+            <a:xfrm>
+              <a:off x="4300295" y="4923779"/>
+              <a:ext cx="636334" cy="369332"/>
+            </a:xfrm>
+            <a:prstGeom prst="rect">
+              <a:avLst/>
+            </a:prstGeom>
+            <a:noFill/>
+          </p:spPr>
+          <p:txBody>
+            <a:bodyPr wrap="square" rtlCol="0">
+              <a:spAutoFit/>
+            </a:bodyPr>
+            <a:lstStyle/>
+            <a:p>
+              <a:pPr algn="r"/>
+              <a:r>
+                <a:rPr lang="pt-BR" dirty="0"/>
+                <a:t>Peso</a:t>
+              </a:r>
+            </a:p>
+          </p:txBody>
+        </p:sp>
+        <p:cxnSp>
+          <p:nvCxnSpPr>
+            <p:cNvPr id="10" name="Conector reto 9">
+              <a:extLst>
+                <a:ext uri="{FF2B5EF4-FFF2-40B4-BE49-F238E27FC236}">
+                  <a16:creationId xmlns:a16="http://schemas.microsoft.com/office/drawing/2014/main" id="{C04D87AE-293E-34D0-E4BE-09E7635BC7EE}"/>
+                </a:ext>
+              </a:extLst>
+            </p:cNvPr>
+            <p:cNvCxnSpPr/>
+            <p:nvPr/>
+          </p:nvCxnSpPr>
+          <p:spPr>
+            <a:xfrm>
+              <a:off x="976885" y="4744536"/>
+              <a:ext cx="1930484" cy="0"/>
+            </a:xfrm>
+            <a:prstGeom prst="line">
+              <a:avLst/>
+            </a:prstGeom>
+            <a:ln>
+              <a:solidFill>
+                <a:srgbClr val="FF0000"/>
+              </a:solidFill>
+              <a:prstDash val="dash"/>
+            </a:ln>
+          </p:spPr>
+          <p:style>
+            <a:lnRef idx="1">
+              <a:schemeClr val="accent1"/>
+            </a:lnRef>
+            <a:fillRef idx="0">
+              <a:schemeClr val="accent1"/>
+            </a:fillRef>
+            <a:effectRef idx="0">
+              <a:schemeClr val="accent1"/>
+            </a:effectRef>
+            <a:fontRef idx="minor">
+              <a:schemeClr val="tx1"/>
+            </a:fontRef>
+          </p:style>
+        </p:cxnSp>
+        <p:sp>
+          <p:nvSpPr>
+            <p:cNvPr id="11" name="CaixaDeTexto 10">
+              <a:extLst>
+                <a:ext uri="{FF2B5EF4-FFF2-40B4-BE49-F238E27FC236}">
+                  <a16:creationId xmlns:a16="http://schemas.microsoft.com/office/drawing/2014/main" id="{0ED8EC8A-F8D0-F14F-7E38-47715C0AD532}"/>
+                </a:ext>
+              </a:extLst>
+            </p:cNvPr>
+            <p:cNvSpPr txBox="1"/>
+            <p:nvPr/>
+          </p:nvSpPr>
+          <p:spPr>
+            <a:xfrm>
+              <a:off x="2367751" y="4232230"/>
+              <a:ext cx="1066949" cy="550146"/>
+            </a:xfrm>
+            <a:prstGeom prst="rect">
+              <a:avLst/>
+            </a:prstGeom>
+            <a:noFill/>
+          </p:spPr>
+          <p:txBody>
+            <a:bodyPr wrap="square" rtlCol="0">
+              <a:spAutoFit/>
+            </a:bodyPr>
+            <a:lstStyle/>
+            <a:p>
+              <a:pPr algn="ctr"/>
+              <a:r>
+                <a:rPr lang="pt-BR" sz="1200" dirty="0"/>
+                <a:t>Ponto de mínimo</a:t>
+              </a:r>
+            </a:p>
+          </p:txBody>
+        </p:sp>
+        <p:cxnSp>
+          <p:nvCxnSpPr>
+            <p:cNvPr id="12" name="Conector reto 11">
+              <a:extLst>
+                <a:ext uri="{FF2B5EF4-FFF2-40B4-BE49-F238E27FC236}">
+                  <a16:creationId xmlns:a16="http://schemas.microsoft.com/office/drawing/2014/main" id="{37A91F5D-D6CE-87E4-DD6F-6AEA41D6D82D}"/>
+                </a:ext>
+              </a:extLst>
+            </p:cNvPr>
+            <p:cNvCxnSpPr>
+              <a:cxnSpLocks/>
+            </p:cNvCxnSpPr>
+            <p:nvPr/>
+          </p:nvCxnSpPr>
+          <p:spPr>
+            <a:xfrm>
+              <a:off x="2902477" y="4736969"/>
+              <a:ext cx="0" cy="171598"/>
+            </a:xfrm>
+            <a:prstGeom prst="line">
+              <a:avLst/>
+            </a:prstGeom>
+            <a:ln>
+              <a:solidFill>
+                <a:srgbClr val="FF0000"/>
+              </a:solidFill>
+              <a:prstDash val="dash"/>
+            </a:ln>
+          </p:spPr>
+          <p:style>
+            <a:lnRef idx="1">
+              <a:schemeClr val="accent1"/>
+            </a:lnRef>
+            <a:fillRef idx="0">
+              <a:schemeClr val="accent1"/>
+            </a:fillRef>
+            <a:effectRef idx="0">
+              <a:schemeClr val="accent1"/>
+            </a:effectRef>
+            <a:fontRef idx="minor">
+              <a:schemeClr val="tx1"/>
+            </a:fontRef>
+          </p:style>
+        </p:cxnSp>
+        <p:sp>
+          <p:nvSpPr>
+            <p:cNvPr id="13" name="Elipse 12">
+              <a:extLst>
+                <a:ext uri="{FF2B5EF4-FFF2-40B4-BE49-F238E27FC236}">
+                  <a16:creationId xmlns:a16="http://schemas.microsoft.com/office/drawing/2014/main" id="{34D38410-D059-6D93-1DD2-6F2EF0E92E63}"/>
+                </a:ext>
+              </a:extLst>
+            </p:cNvPr>
+            <p:cNvSpPr/>
+            <p:nvPr/>
+          </p:nvSpPr>
+          <p:spPr>
+            <a:xfrm>
+              <a:off x="2879776" y="4721835"/>
+              <a:ext cx="42900" cy="42900"/>
+            </a:xfrm>
+            <a:prstGeom prst="ellipse">
+              <a:avLst/>
+            </a:prstGeom>
+            <a:solidFill>
+              <a:srgbClr val="FF0000"/>
+            </a:solidFill>
+            <a:ln>
+              <a:solidFill>
+                <a:srgbClr val="FF0000"/>
+              </a:solidFill>
+            </a:ln>
+          </p:spPr>
+          <p:style>
+            <a:lnRef idx="2">
+              <a:schemeClr val="accent1">
+                <a:shade val="15000"/>
+              </a:schemeClr>
+            </a:lnRef>
+            <a:fillRef idx="1">
+              <a:schemeClr val="accent1"/>
+            </a:fillRef>
+            <a:effectRef idx="0">
+              <a:schemeClr val="accent1"/>
+            </a:effectRef>
+            <a:fontRef idx="minor">
+              <a:schemeClr val="lt1"/>
+            </a:fontRef>
+          </p:style>
+          <p:txBody>
+            <a:bodyPr rtlCol="0" anchor="ctr"/>
+            <a:lstStyle/>
+            <a:p>
+              <a:pPr algn="ctr"/>
+              <a:endParaRPr lang="pt-BR" dirty="0"/>
+            </a:p>
+          </p:txBody>
+        </p:sp>
+        <p:sp>
+          <p:nvSpPr>
+            <p:cNvPr id="14" name="Elipse 13">
+              <a:extLst>
+                <a:ext uri="{FF2B5EF4-FFF2-40B4-BE49-F238E27FC236}">
+                  <a16:creationId xmlns:a16="http://schemas.microsoft.com/office/drawing/2014/main" id="{483CF4C1-DDBF-4640-7392-235196C4D89B}"/>
+                </a:ext>
+              </a:extLst>
+            </p:cNvPr>
+            <p:cNvSpPr/>
+            <p:nvPr/>
+          </p:nvSpPr>
+          <p:spPr>
+            <a:xfrm>
+              <a:off x="1273647" y="3163362"/>
+              <a:ext cx="42900" cy="42900"/>
+            </a:xfrm>
+            <a:prstGeom prst="ellipse">
+              <a:avLst/>
+            </a:prstGeom>
+            <a:solidFill>
+              <a:schemeClr val="tx1"/>
+            </a:solidFill>
+            <a:ln>
+              <a:solidFill>
+                <a:schemeClr val="tx1"/>
+              </a:solidFill>
+            </a:ln>
+          </p:spPr>
+          <p:style>
+            <a:lnRef idx="2">
+              <a:schemeClr val="accent1">
+                <a:shade val="15000"/>
+              </a:schemeClr>
+            </a:lnRef>
+            <a:fillRef idx="1">
+              <a:schemeClr val="accent1"/>
+            </a:fillRef>
+            <a:effectRef idx="0">
+              <a:schemeClr val="accent1"/>
+            </a:effectRef>
+            <a:fontRef idx="minor">
+              <a:schemeClr val="lt1"/>
+            </a:fontRef>
+          </p:style>
+          <p:txBody>
+            <a:bodyPr rtlCol="0" anchor="ctr"/>
+            <a:lstStyle/>
+            <a:p>
+              <a:pPr algn="ctr"/>
+              <a:endParaRPr lang="pt-BR" dirty="0"/>
+            </a:p>
+          </p:txBody>
+        </p:sp>
+        <p:cxnSp>
+          <p:nvCxnSpPr>
+            <p:cNvPr id="15" name="Conector reto 14">
+              <a:extLst>
+                <a:ext uri="{FF2B5EF4-FFF2-40B4-BE49-F238E27FC236}">
+                  <a16:creationId xmlns:a16="http://schemas.microsoft.com/office/drawing/2014/main" id="{D69F7809-96CB-75B0-3DD7-F1D3CFFC0DDA}"/>
+                </a:ext>
+              </a:extLst>
+            </p:cNvPr>
+            <p:cNvCxnSpPr/>
+            <p:nvPr/>
+          </p:nvCxnSpPr>
+          <p:spPr>
+            <a:xfrm>
+              <a:off x="973059" y="3184593"/>
+              <a:ext cx="324000" cy="0"/>
+            </a:xfrm>
+            <a:prstGeom prst="line">
+              <a:avLst/>
+            </a:prstGeom>
+            <a:ln>
+              <a:solidFill>
+                <a:schemeClr val="tx1"/>
+              </a:solidFill>
+              <a:prstDash val="dash"/>
+            </a:ln>
+          </p:spPr>
+          <p:style>
+            <a:lnRef idx="1">
+              <a:schemeClr val="accent1"/>
+            </a:lnRef>
+            <a:fillRef idx="0">
+              <a:schemeClr val="accent1"/>
+            </a:fillRef>
+            <a:effectRef idx="0">
+              <a:schemeClr val="accent1"/>
+            </a:effectRef>
+            <a:fontRef idx="minor">
+              <a:schemeClr val="tx1"/>
+            </a:fontRef>
+          </p:style>
+        </p:cxnSp>
+        <p:cxnSp>
+          <p:nvCxnSpPr>
+            <p:cNvPr id="17" name="Conector reto 16">
+              <a:extLst>
+                <a:ext uri="{FF2B5EF4-FFF2-40B4-BE49-F238E27FC236}">
+                  <a16:creationId xmlns:a16="http://schemas.microsoft.com/office/drawing/2014/main" id="{51DB7F58-65FD-F0F4-E3F8-1B7A5A7E2DAE}"/>
+                </a:ext>
+              </a:extLst>
+            </p:cNvPr>
+            <p:cNvCxnSpPr>
+              <a:cxnSpLocks/>
+            </p:cNvCxnSpPr>
+            <p:nvPr/>
+          </p:nvCxnSpPr>
+          <p:spPr>
+            <a:xfrm>
+              <a:off x="1295097" y="3163361"/>
+              <a:ext cx="0" cy="1764000"/>
+            </a:xfrm>
+            <a:prstGeom prst="line">
+              <a:avLst/>
+            </a:prstGeom>
+            <a:ln>
+              <a:solidFill>
+                <a:schemeClr val="tx1"/>
+              </a:solidFill>
+              <a:prstDash val="dash"/>
+            </a:ln>
+          </p:spPr>
+          <p:style>
+            <a:lnRef idx="1">
+              <a:schemeClr val="accent1"/>
+            </a:lnRef>
+            <a:fillRef idx="0">
+              <a:schemeClr val="accent1"/>
+            </a:fillRef>
+            <a:effectRef idx="0">
+              <a:schemeClr val="accent1"/>
+            </a:effectRef>
+            <a:fontRef idx="minor">
+              <a:schemeClr val="tx1"/>
+            </a:fontRef>
+          </p:style>
+        </p:cxnSp>
+        <p:sp>
+          <p:nvSpPr>
+            <p:cNvPr id="21" name="CaixaDeTexto 20">
+              <a:extLst>
+                <a:ext uri="{FF2B5EF4-FFF2-40B4-BE49-F238E27FC236}">
+                  <a16:creationId xmlns:a16="http://schemas.microsoft.com/office/drawing/2014/main" id="{F3051166-FB83-1C01-C24B-836CCA65DF27}"/>
+                </a:ext>
+              </a:extLst>
+            </p:cNvPr>
+            <p:cNvSpPr txBox="1"/>
+            <p:nvPr/>
+          </p:nvSpPr>
+          <p:spPr>
+            <a:xfrm>
+              <a:off x="1187759" y="3016241"/>
+              <a:ext cx="1071476" cy="276999"/>
+            </a:xfrm>
+            <a:prstGeom prst="rect">
+              <a:avLst/>
+            </a:prstGeom>
+            <a:noFill/>
+          </p:spPr>
+          <p:txBody>
+            <a:bodyPr wrap="square" rtlCol="0">
+              <a:spAutoFit/>
+            </a:bodyPr>
+            <a:lstStyle/>
+            <a:p>
+              <a:pPr algn="ctr"/>
+              <a:r>
+                <a:rPr lang="pt-BR" sz="1200" dirty="0"/>
+                <a:t>Ponto inicial</a:t>
+              </a:r>
+            </a:p>
+          </p:txBody>
+        </p:sp>
+        <mc:AlternateContent xmlns:mc="http://schemas.openxmlformats.org/markup-compatibility/2006">
+          <mc:Choice xmlns:a14="http://schemas.microsoft.com/office/drawing/2010/main" Requires="a14">
+            <p:sp>
+              <p:nvSpPr>
+                <p:cNvPr id="22" name="CaixaDeTexto 21">
+                  <a:extLst>
+                    <a:ext uri="{FF2B5EF4-FFF2-40B4-BE49-F238E27FC236}">
+                      <a16:creationId xmlns:a16="http://schemas.microsoft.com/office/drawing/2014/main" id="{7167E7D4-807F-4A91-D2F9-5B3D43BE5896}"/>
+                    </a:ext>
+                  </a:extLst>
+                </p:cNvPr>
+                <p:cNvSpPr txBox="1"/>
+                <p:nvPr/>
+              </p:nvSpPr>
+              <p:spPr>
+                <a:xfrm>
+                  <a:off x="1074774" y="4868216"/>
+                  <a:ext cx="867941" cy="307777"/>
+                </a:xfrm>
+                <a:prstGeom prst="rect">
+                  <a:avLst/>
+                </a:prstGeom>
+                <a:noFill/>
+              </p:spPr>
+              <p:txBody>
+                <a:bodyPr wrap="square" rtlCol="0">
+                  <a:spAutoFit/>
+                </a:bodyPr>
+                <a:lstStyle/>
+                <a:p>
+                  <a:pPr algn="ctr"/>
+                  <a14:m>
+                    <m:oMathPara xmlns:m="http://schemas.openxmlformats.org/officeDocument/2006/math">
+                      <m:oMathParaPr>
+                        <m:jc m:val="centerGroup"/>
+                      </m:oMathParaPr>
+                      <m:oMath xmlns:m="http://schemas.openxmlformats.org/officeDocument/2006/math">
+                        <m:sSub>
+                          <m:sSubPr>
+                            <m:ctrlPr>
+                              <a:rPr lang="pt-BR" sz="1400" i="1" smtClean="0">
+                                <a:latin typeface="Cambria Math" panose="02040503050406030204" pitchFamily="18" charset="0"/>
+                              </a:rPr>
+                            </m:ctrlPr>
+                          </m:sSubPr>
+                          <m:e>
+                            <m:r>
+                              <a:rPr lang="pt-BR" sz="1400" b="0" i="1" smtClean="0">
+                                <a:latin typeface="Cambria Math" panose="02040503050406030204" pitchFamily="18" charset="0"/>
+                              </a:rPr>
+                              <m:t>𝑎</m:t>
+                            </m:r>
+                          </m:e>
+                          <m:sub>
+                            <m:r>
+                              <m:rPr>
+                                <m:sty m:val="p"/>
+                              </m:rPr>
+                              <a:rPr lang="pt-BR" sz="1400" b="0" i="0" smtClean="0">
+                                <a:latin typeface="Cambria Math" panose="02040503050406030204" pitchFamily="18" charset="0"/>
+                              </a:rPr>
+                              <m:t>inicial</m:t>
+                            </m:r>
+                          </m:sub>
+                        </m:sSub>
+                      </m:oMath>
+                    </m:oMathPara>
+                  </a14:m>
+                  <a:endParaRPr lang="pt-BR" sz="1400" dirty="0"/>
+                </a:p>
+              </p:txBody>
+            </p:sp>
+          </mc:Choice>
+          <mc:Fallback>
+            <p:sp>
+              <p:nvSpPr>
+                <p:cNvPr id="22" name="CaixaDeTexto 21">
+                  <a:extLst>
+                    <a:ext uri="{FF2B5EF4-FFF2-40B4-BE49-F238E27FC236}">
+                      <a16:creationId xmlns:a16="http://schemas.microsoft.com/office/drawing/2014/main" id="{7167E7D4-807F-4A91-D2F9-5B3D43BE5896}"/>
+                    </a:ext>
+                  </a:extLst>
+                </p:cNvPr>
+                <p:cNvSpPr txBox="1">
+                  <a:spLocks noRot="1" noChangeAspect="1" noMove="1" noResize="1" noEditPoints="1" noAdjustHandles="1" noChangeArrowheads="1" noChangeShapeType="1" noTextEdit="1"/>
+                </p:cNvSpPr>
+                <p:nvPr/>
+              </p:nvSpPr>
+              <p:spPr>
+                <a:xfrm>
+                  <a:off x="1074774" y="4868216"/>
+                  <a:ext cx="867941" cy="307777"/>
+                </a:xfrm>
+                <a:prstGeom prst="rect">
+                  <a:avLst/>
+                </a:prstGeom>
+                <a:blipFill>
+                  <a:blip r:embed="rId3"/>
+                  <a:stretch>
+                    <a:fillRect/>
+                  </a:stretch>
+                </a:blipFill>
+              </p:spPr>
+              <p:txBody>
+                <a:bodyPr/>
+                <a:lstStyle/>
+                <a:p>
+                  <a:r>
+                    <a:rPr lang="pt-BR">
+                      <a:noFill/>
+                    </a:rPr>
+                    <a:t> </a:t>
+                  </a:r>
+                </a:p>
+              </p:txBody>
+            </p:sp>
+          </mc:Fallback>
+        </mc:AlternateContent>
+        <mc:AlternateContent xmlns:mc="http://schemas.openxmlformats.org/markup-compatibility/2006">
+          <mc:Choice xmlns:a14="http://schemas.microsoft.com/office/drawing/2010/main" Requires="a14">
+            <p:sp>
+              <p:nvSpPr>
+                <p:cNvPr id="23" name="CaixaDeTexto 22">
+                  <a:extLst>
+                    <a:ext uri="{FF2B5EF4-FFF2-40B4-BE49-F238E27FC236}">
+                      <a16:creationId xmlns:a16="http://schemas.microsoft.com/office/drawing/2014/main" id="{5563576F-5255-680C-F8CB-10958601F543}"/>
+                    </a:ext>
+                  </a:extLst>
+                </p:cNvPr>
+                <p:cNvSpPr txBox="1"/>
+                <p:nvPr/>
+              </p:nvSpPr>
+              <p:spPr>
+                <a:xfrm>
+                  <a:off x="2671712" y="4867795"/>
+                  <a:ext cx="867941" cy="307777"/>
+                </a:xfrm>
+                <a:prstGeom prst="rect">
+                  <a:avLst/>
+                </a:prstGeom>
+                <a:noFill/>
+              </p:spPr>
+              <p:txBody>
+                <a:bodyPr wrap="square" rtlCol="0">
+                  <a:spAutoFit/>
+                </a:bodyPr>
+                <a:lstStyle/>
+                <a:p>
+                  <a:pPr algn="ctr"/>
+                  <a14:m>
+                    <m:oMathPara xmlns:m="http://schemas.openxmlformats.org/officeDocument/2006/math">
+                      <m:oMathParaPr>
+                        <m:jc m:val="centerGroup"/>
+                      </m:oMathParaPr>
+                      <m:oMath xmlns:m="http://schemas.openxmlformats.org/officeDocument/2006/math">
+                        <m:sSub>
+                          <m:sSubPr>
+                            <m:ctrlPr>
+                              <a:rPr lang="pt-BR" sz="1400" i="1" smtClean="0">
+                                <a:latin typeface="Cambria Math" panose="02040503050406030204" pitchFamily="18" charset="0"/>
+                              </a:rPr>
+                            </m:ctrlPr>
+                          </m:sSubPr>
+                          <m:e>
+                            <m:r>
+                              <a:rPr lang="pt-BR" sz="1400" b="0" i="1" smtClean="0">
+                                <a:latin typeface="Cambria Math" panose="02040503050406030204" pitchFamily="18" charset="0"/>
+                              </a:rPr>
+                              <m:t>𝑎</m:t>
+                            </m:r>
+                          </m:e>
+                          <m:sub>
+                            <m:r>
+                              <a:rPr lang="pt-BR" sz="1400" b="0" i="0" smtClean="0">
+                                <a:latin typeface="Cambria Math" panose="02040503050406030204" pitchFamily="18" charset="0"/>
+                              </a:rPr>
+                              <m:t>ó</m:t>
+                            </m:r>
+                            <m:r>
+                              <m:rPr>
+                                <m:sty m:val="p"/>
+                              </m:rPr>
+                              <a:rPr lang="pt-BR" sz="1400" b="0" i="0" smtClean="0">
+                                <a:latin typeface="Cambria Math" panose="02040503050406030204" pitchFamily="18" charset="0"/>
+                              </a:rPr>
+                              <m:t>timo</m:t>
+                            </m:r>
+                          </m:sub>
+                        </m:sSub>
+                      </m:oMath>
+                    </m:oMathPara>
+                  </a14:m>
+                  <a:endParaRPr lang="pt-BR" sz="1400" dirty="0"/>
+                </a:p>
+              </p:txBody>
+            </p:sp>
+          </mc:Choice>
+          <mc:Fallback>
+            <p:sp>
+              <p:nvSpPr>
+                <p:cNvPr id="23" name="CaixaDeTexto 22">
+                  <a:extLst>
+                    <a:ext uri="{FF2B5EF4-FFF2-40B4-BE49-F238E27FC236}">
+                      <a16:creationId xmlns:a16="http://schemas.microsoft.com/office/drawing/2014/main" id="{5563576F-5255-680C-F8CB-10958601F543}"/>
+                    </a:ext>
+                  </a:extLst>
+                </p:cNvPr>
+                <p:cNvSpPr txBox="1">
+                  <a:spLocks noRot="1" noChangeAspect="1" noMove="1" noResize="1" noEditPoints="1" noAdjustHandles="1" noChangeArrowheads="1" noChangeShapeType="1" noTextEdit="1"/>
+                </p:cNvSpPr>
+                <p:nvPr/>
+              </p:nvSpPr>
+              <p:spPr>
+                <a:xfrm>
+                  <a:off x="2671712" y="4867795"/>
+                  <a:ext cx="867941" cy="307777"/>
+                </a:xfrm>
+                <a:prstGeom prst="rect">
+                  <a:avLst/>
+                </a:prstGeom>
+                <a:blipFill>
+                  <a:blip r:embed="rId4"/>
+                  <a:stretch>
+                    <a:fillRect/>
+                  </a:stretch>
+                </a:blipFill>
+              </p:spPr>
+              <p:txBody>
+                <a:bodyPr/>
+                <a:lstStyle/>
+                <a:p>
+                  <a:r>
+                    <a:rPr lang="pt-BR">
+                      <a:noFill/>
+                    </a:rPr>
+                    <a:t> </a:t>
+                  </a:r>
+                </a:p>
+              </p:txBody>
+            </p:sp>
+          </mc:Fallback>
+        </mc:AlternateContent>
+      </p:grpSp>
+      <p:cxnSp>
+        <p:nvCxnSpPr>
+          <p:cNvPr id="4" name="Conector de Seta Reta 3">
+            <a:extLst>
+              <a:ext uri="{FF2B5EF4-FFF2-40B4-BE49-F238E27FC236}">
+                <a16:creationId xmlns:a16="http://schemas.microsoft.com/office/drawing/2014/main" id="{AEECACA4-5B42-A865-92BE-067925FB1366}"/>
+              </a:ext>
+            </a:extLst>
+          </p:cNvPr>
+          <p:cNvCxnSpPr>
+            <a:cxnSpLocks/>
+          </p:cNvCxnSpPr>
+          <p:nvPr/>
+        </p:nvCxnSpPr>
+        <p:spPr>
+          <a:xfrm>
+            <a:off x="1295851" y="3183756"/>
+            <a:ext cx="473505" cy="797660"/>
+          </a:xfrm>
+          <a:prstGeom prst="straightConnector1">
+            <a:avLst/>
+          </a:prstGeom>
+          <a:ln>
+            <a:solidFill>
+              <a:srgbClr val="FF0000"/>
+            </a:solidFill>
+            <a:tailEnd type="triangle"/>
+          </a:ln>
+        </p:spPr>
+        <p:style>
+          <a:lnRef idx="1">
+            <a:schemeClr val="accent1"/>
+          </a:lnRef>
+          <a:fillRef idx="0">
+            <a:schemeClr val="accent1"/>
+          </a:fillRef>
+          <a:effectRef idx="0">
+            <a:schemeClr val="accent1"/>
+          </a:effectRef>
+          <a:fontRef idx="minor">
+            <a:schemeClr val="tx1"/>
+          </a:fontRef>
+        </p:style>
+      </p:cxnSp>
+      <p:cxnSp>
+        <p:nvCxnSpPr>
+          <p:cNvPr id="5" name="Conector de Seta Reta 4">
+            <a:extLst>
+              <a:ext uri="{FF2B5EF4-FFF2-40B4-BE49-F238E27FC236}">
+                <a16:creationId xmlns:a16="http://schemas.microsoft.com/office/drawing/2014/main" id="{565E11D9-7749-637F-8930-C980947F051A}"/>
+              </a:ext>
+            </a:extLst>
+          </p:cNvPr>
+          <p:cNvCxnSpPr>
+            <a:cxnSpLocks/>
+          </p:cNvCxnSpPr>
+          <p:nvPr/>
+        </p:nvCxnSpPr>
+        <p:spPr>
+          <a:xfrm>
+            <a:off x="1377679" y="3241084"/>
+            <a:ext cx="235631" cy="333078"/>
+          </a:xfrm>
+          <a:prstGeom prst="straightConnector1">
+            <a:avLst/>
+          </a:prstGeom>
+          <a:ln>
+            <a:solidFill>
+              <a:schemeClr val="tx1"/>
+            </a:solidFill>
+            <a:tailEnd type="triangle"/>
+          </a:ln>
+        </p:spPr>
+        <p:style>
+          <a:lnRef idx="1">
+            <a:schemeClr val="accent1"/>
+          </a:lnRef>
+          <a:fillRef idx="0">
+            <a:schemeClr val="accent1"/>
+          </a:fillRef>
+          <a:effectRef idx="0">
+            <a:schemeClr val="accent1"/>
+          </a:effectRef>
+          <a:fontRef idx="minor">
+            <a:schemeClr val="tx1"/>
+          </a:fontRef>
+        </p:style>
+      </p:cxnSp>
     </p:spTree>
     <p:extLst>
       <p:ext uri="{BB962C8B-B14F-4D97-AF65-F5344CB8AC3E}">
-        <p14:creationId xmlns:p14="http://schemas.microsoft.com/office/powerpoint/2010/main" val="529739951"/>
+        <p14:creationId xmlns:p14="http://schemas.microsoft.com/office/powerpoint/2010/main" val="1418230492"/>
       </p:ext>
     </p:extLst>
   </p:cSld>
@@ -4585,7 +6198,7 @@
 </p:sld>
 </file>
 
-<file path=ppt/slides/slide3.xml><?xml version="1.0" encoding="utf-8"?>
+<file path=ppt/slides/slide11.xml><?xml version="1.0" encoding="utf-8"?>
 <p:sld xmlns:a="http://schemas.openxmlformats.org/drawingml/2006/main" xmlns:r="http://schemas.openxmlformats.org/officeDocument/2006/relationships" xmlns:p="http://schemas.openxmlformats.org/presentationml/2006/main">
   <p:cSld>
     <p:spTree>
@@ -4671,7 +6284,7 @@
 </p:sld>
 </file>
 
-<file path=ppt/slides/slide4.xml><?xml version="1.0" encoding="utf-8"?>
+<file path=ppt/slides/slide12.xml><?xml version="1.0" encoding="utf-8"?>
 <p:sld xmlns:a="http://schemas.openxmlformats.org/drawingml/2006/main" xmlns:r="http://schemas.openxmlformats.org/officeDocument/2006/relationships" xmlns:p="http://schemas.openxmlformats.org/presentationml/2006/main">
   <p:cSld>
     <p:spTree>
@@ -4757,7 +6370,7 @@
 </p:sld>
 </file>
 
-<file path=ppt/slides/slide5.xml><?xml version="1.0" encoding="utf-8"?>
+<file path=ppt/slides/slide13.xml><?xml version="1.0" encoding="utf-8"?>
 <p:sld xmlns:a="http://schemas.openxmlformats.org/drawingml/2006/main" xmlns:r="http://schemas.openxmlformats.org/officeDocument/2006/relationships" xmlns:p="http://schemas.openxmlformats.org/presentationml/2006/main">
   <p:cSld>
     <p:spTree>
@@ -4834,6 +6447,6453 @@
     <p:extLst>
       <p:ext uri="{BB962C8B-B14F-4D97-AF65-F5344CB8AC3E}">
         <p14:creationId xmlns:p14="http://schemas.microsoft.com/office/powerpoint/2010/main" val="599145874"/>
+      </p:ext>
+    </p:extLst>
+  </p:cSld>
+  <p:clrMapOvr>
+    <a:masterClrMapping/>
+  </p:clrMapOvr>
+</p:sld>
+</file>
+
+<file path=ppt/slides/slide2.xml><?xml version="1.0" encoding="utf-8"?>
+<p:sld xmlns:a="http://schemas.openxmlformats.org/drawingml/2006/main" xmlns:r="http://schemas.openxmlformats.org/officeDocument/2006/relationships" xmlns:p="http://schemas.openxmlformats.org/presentationml/2006/main">
+  <p:cSld>
+    <p:spTree>
+      <p:nvGrpSpPr>
+        <p:cNvPr id="1" name=""/>
+        <p:cNvGrpSpPr/>
+        <p:nvPr/>
+      </p:nvGrpSpPr>
+      <p:grpSpPr>
+        <a:xfrm>
+          <a:off x="0" y="0"/>
+          <a:ext cx="0" cy="0"/>
+          <a:chOff x="0" y="0"/>
+          <a:chExt cx="0" cy="0"/>
+        </a:xfrm>
+      </p:grpSpPr>
+      <p:sp>
+        <p:nvSpPr>
+          <p:cNvPr id="2" name="Título 1">
+            <a:extLst>
+              <a:ext uri="{FF2B5EF4-FFF2-40B4-BE49-F238E27FC236}">
+                <a16:creationId xmlns:a16="http://schemas.microsoft.com/office/drawing/2014/main" id="{EECB3FED-5D1A-7084-5333-A3B2FA75F608}"/>
+              </a:ext>
+            </a:extLst>
+          </p:cNvPr>
+          <p:cNvSpPr>
+            <a:spLocks noGrp="1"/>
+          </p:cNvSpPr>
+          <p:nvPr>
+            <p:ph type="title"/>
+          </p:nvPr>
+        </p:nvSpPr>
+        <p:spPr/>
+        <p:txBody>
+          <a:bodyPr/>
+          <a:lstStyle/>
+          <a:p>
+            <a:r>
+              <a:rPr lang="pt-BR" dirty="0"/>
+              <a:t>O que vamos ver?</a:t>
+            </a:r>
+          </a:p>
+        </p:txBody>
+      </p:sp>
+      <p:sp>
+        <p:nvSpPr>
+          <p:cNvPr id="3" name="Espaço Reservado para Conteúdo 2">
+            <a:extLst>
+              <a:ext uri="{FF2B5EF4-FFF2-40B4-BE49-F238E27FC236}">
+                <a16:creationId xmlns:a16="http://schemas.microsoft.com/office/drawing/2014/main" id="{25FE7774-7186-A846-D8DE-518B2CBF4EBD}"/>
+              </a:ext>
+            </a:extLst>
+          </p:cNvPr>
+          <p:cNvSpPr>
+            <a:spLocks noGrp="1"/>
+          </p:cNvSpPr>
+          <p:nvPr>
+            <p:ph idx="1"/>
+          </p:nvPr>
+        </p:nvSpPr>
+        <p:spPr>
+          <a:xfrm>
+            <a:off x="838199" y="1825624"/>
+            <a:ext cx="10929257" cy="5032376"/>
+          </a:xfrm>
+        </p:spPr>
+        <p:txBody>
+          <a:bodyPr>
+            <a:normAutofit/>
+          </a:bodyPr>
+          <a:lstStyle/>
+          <a:p>
+            <a:r>
+              <a:rPr lang="pt-BR" dirty="0"/>
+              <a:t>Anteriormente, vimos como função o processo (</a:t>
+            </a:r>
+            <a:r>
+              <a:rPr lang="pt-BR" i="1" dirty="0"/>
+              <a:t>loop</a:t>
+            </a:r>
+            <a:r>
+              <a:rPr lang="pt-BR" dirty="0"/>
+              <a:t>) de treinamento. </a:t>
+            </a:r>
+          </a:p>
+          <a:p>
+            <a:pPr marL="914400" lvl="1" indent="-457200">
+              <a:buFont typeface="+mj-lt"/>
+              <a:buAutoNum type="arabicPeriod"/>
+            </a:pPr>
+            <a:r>
+              <a:rPr lang="pt-BR" dirty="0"/>
+              <a:t>Damos um palpite</a:t>
+            </a:r>
+          </a:p>
+          <a:p>
+            <a:pPr marL="914400" lvl="1" indent="-457200">
+              <a:buFont typeface="+mj-lt"/>
+              <a:buAutoNum type="arabicPeriod"/>
+            </a:pPr>
+            <a:r>
+              <a:rPr lang="pt-BR" dirty="0"/>
+              <a:t>Medimos a precisão desse palpite com a função de erro.</a:t>
+            </a:r>
+          </a:p>
+          <a:p>
+            <a:pPr marL="914400" lvl="1" indent="-457200">
+              <a:buFont typeface="+mj-lt"/>
+              <a:buAutoNum type="arabicPeriod"/>
+            </a:pPr>
+            <a:r>
+              <a:rPr lang="pt-BR" dirty="0"/>
+              <a:t>Então usamos a informação do erro para dar outro palpite, esperando que ele seja um pouco melhor do que o anterior.</a:t>
+            </a:r>
+          </a:p>
+          <a:p>
+            <a:r>
+              <a:rPr lang="pt-BR" dirty="0"/>
+              <a:t>A ideia é que quanto menor o erro, mais preciso é o seu palpite. </a:t>
+            </a:r>
+          </a:p>
+          <a:p>
+            <a:r>
+              <a:rPr lang="pt-BR" dirty="0"/>
+              <a:t>Portanto, neste tópico, exploraremos como minimizar o erro.</a:t>
+            </a:r>
+          </a:p>
+        </p:txBody>
+      </p:sp>
+    </p:spTree>
+    <p:extLst>
+      <p:ext uri="{BB962C8B-B14F-4D97-AF65-F5344CB8AC3E}">
+        <p14:creationId xmlns:p14="http://schemas.microsoft.com/office/powerpoint/2010/main" val="529739951"/>
+      </p:ext>
+    </p:extLst>
+  </p:cSld>
+  <p:clrMapOvr>
+    <a:masterClrMapping/>
+  </p:clrMapOvr>
+</p:sld>
+</file>
+
+<file path=ppt/slides/slide3.xml><?xml version="1.0" encoding="utf-8"?>
+<p:sld xmlns:a="http://schemas.openxmlformats.org/drawingml/2006/main" xmlns:r="http://schemas.openxmlformats.org/officeDocument/2006/relationships" xmlns:p="http://schemas.openxmlformats.org/presentationml/2006/main">
+  <p:cSld>
+    <p:spTree>
+      <p:nvGrpSpPr>
+        <p:cNvPr id="1" name=""/>
+        <p:cNvGrpSpPr/>
+        <p:nvPr/>
+      </p:nvGrpSpPr>
+      <p:grpSpPr>
+        <a:xfrm>
+          <a:off x="0" y="0"/>
+          <a:ext cx="0" cy="0"/>
+          <a:chOff x="0" y="0"/>
+          <a:chExt cx="0" cy="0"/>
+        </a:xfrm>
+      </p:grpSpPr>
+      <p:sp>
+        <p:nvSpPr>
+          <p:cNvPr id="25" name="Forma Livre: Forma 24">
+            <a:extLst>
+              <a:ext uri="{FF2B5EF4-FFF2-40B4-BE49-F238E27FC236}">
+                <a16:creationId xmlns:a16="http://schemas.microsoft.com/office/drawing/2014/main" id="{5E99E2AE-4E3E-6185-354D-4B008D2690A8}"/>
+              </a:ext>
+            </a:extLst>
+          </p:cNvPr>
+          <p:cNvSpPr/>
+          <p:nvPr/>
+        </p:nvSpPr>
+        <p:spPr>
+          <a:xfrm>
+            <a:off x="1190625" y="2990850"/>
+            <a:ext cx="3429000" cy="1752634"/>
+          </a:xfrm>
+          <a:custGeom>
+            <a:avLst/>
+            <a:gdLst>
+              <a:gd name="connsiteX0" fmla="*/ 0 w 3429000"/>
+              <a:gd name="connsiteY0" fmla="*/ 38100 h 1752634"/>
+              <a:gd name="connsiteX1" fmla="*/ 1714500 w 3429000"/>
+              <a:gd name="connsiteY1" fmla="*/ 1752600 h 1752634"/>
+              <a:gd name="connsiteX2" fmla="*/ 3429000 w 3429000"/>
+              <a:gd name="connsiteY2" fmla="*/ 0 h 1752634"/>
+            </a:gdLst>
+            <a:ahLst/>
+            <a:cxnLst>
+              <a:cxn ang="0">
+                <a:pos x="connsiteX0" y="connsiteY0"/>
+              </a:cxn>
+              <a:cxn ang="0">
+                <a:pos x="connsiteX1" y="connsiteY1"/>
+              </a:cxn>
+              <a:cxn ang="0">
+                <a:pos x="connsiteX2" y="connsiteY2"/>
+              </a:cxn>
+            </a:cxnLst>
+            <a:rect l="l" t="t" r="r" b="b"/>
+            <a:pathLst>
+              <a:path w="3429000" h="1752634">
+                <a:moveTo>
+                  <a:pt x="0" y="38100"/>
+                </a:moveTo>
+                <a:cubicBezTo>
+                  <a:pt x="571500" y="898525"/>
+                  <a:pt x="1143000" y="1758950"/>
+                  <a:pt x="1714500" y="1752600"/>
+                </a:cubicBezTo>
+                <a:cubicBezTo>
+                  <a:pt x="2286000" y="1746250"/>
+                  <a:pt x="3119438" y="314325"/>
+                  <a:pt x="3429000" y="0"/>
+                </a:cubicBezTo>
+              </a:path>
+            </a:pathLst>
+          </a:custGeom>
+          <a:noFill/>
+        </p:spPr>
+        <p:style>
+          <a:lnRef idx="2">
+            <a:schemeClr val="accent1">
+              <a:shade val="15000"/>
+            </a:schemeClr>
+          </a:lnRef>
+          <a:fillRef idx="1">
+            <a:schemeClr val="accent1"/>
+          </a:fillRef>
+          <a:effectRef idx="0">
+            <a:schemeClr val="accent1"/>
+          </a:effectRef>
+          <a:fontRef idx="minor">
+            <a:schemeClr val="lt1"/>
+          </a:fontRef>
+        </p:style>
+        <p:txBody>
+          <a:bodyPr rtlCol="0" anchor="ctr"/>
+          <a:lstStyle/>
+          <a:p>
+            <a:pPr algn="ctr"/>
+            <a:endParaRPr lang="pt-BR"/>
+          </a:p>
+        </p:txBody>
+      </p:sp>
+      <p:sp>
+        <p:nvSpPr>
+          <p:cNvPr id="2" name="Título 1">
+            <a:extLst>
+              <a:ext uri="{FF2B5EF4-FFF2-40B4-BE49-F238E27FC236}">
+                <a16:creationId xmlns:a16="http://schemas.microsoft.com/office/drawing/2014/main" id="{B66D1129-3E5F-BB00-90C5-B1ADC369787A}"/>
+              </a:ext>
+            </a:extLst>
+          </p:cNvPr>
+          <p:cNvSpPr>
+            <a:spLocks noGrp="1"/>
+          </p:cNvSpPr>
+          <p:nvPr>
+            <p:ph type="title"/>
+          </p:nvPr>
+        </p:nvSpPr>
+        <p:spPr/>
+        <p:txBody>
+          <a:bodyPr/>
+          <a:lstStyle/>
+          <a:p>
+            <a:r>
+              <a:rPr lang="pt-BR" dirty="0"/>
+              <a:t>Gradientes e derivadas</a:t>
+            </a:r>
+          </a:p>
+        </p:txBody>
+      </p:sp>
+      <p:sp>
+        <p:nvSpPr>
+          <p:cNvPr id="3" name="Espaço Reservado para Conteúdo 2">
+            <a:extLst>
+              <a:ext uri="{FF2B5EF4-FFF2-40B4-BE49-F238E27FC236}">
+                <a16:creationId xmlns:a16="http://schemas.microsoft.com/office/drawing/2014/main" id="{1DDC095D-537A-22C7-EBAE-27CDB323C57B}"/>
+              </a:ext>
+            </a:extLst>
+          </p:cNvPr>
+          <p:cNvSpPr>
+            <a:spLocks noGrp="1"/>
+          </p:cNvSpPr>
+          <p:nvPr>
+            <p:ph idx="1"/>
+          </p:nvPr>
+        </p:nvSpPr>
+        <p:spPr>
+          <a:xfrm>
+            <a:off x="6384940" y="1825624"/>
+            <a:ext cx="5490182" cy="4924495"/>
+          </a:xfrm>
+        </p:spPr>
+        <p:txBody>
+          <a:bodyPr/>
+          <a:lstStyle/>
+          <a:p>
+            <a:r>
+              <a:rPr lang="pt-BR" dirty="0"/>
+              <a:t>Vamos primeiro ver como vetores gradiente e derivadas nos ajudam a minimizar o erro.</a:t>
+            </a:r>
+          </a:p>
+          <a:p>
+            <a:r>
+              <a:rPr lang="pt-BR" dirty="0"/>
+              <a:t>Consequentemente, entenderemos como o algoritmo de otimização/treinamento dos modelos funciona.</a:t>
+            </a:r>
+          </a:p>
+        </p:txBody>
+      </p:sp>
+      <p:grpSp>
+        <p:nvGrpSpPr>
+          <p:cNvPr id="22" name="Agrupar 21">
+            <a:extLst>
+              <a:ext uri="{FF2B5EF4-FFF2-40B4-BE49-F238E27FC236}">
+                <a16:creationId xmlns:a16="http://schemas.microsoft.com/office/drawing/2014/main" id="{3078DEFA-4D19-CC6A-09E6-B2A4E06CA18B}"/>
+              </a:ext>
+            </a:extLst>
+          </p:cNvPr>
+          <p:cNvGrpSpPr>
+            <a:grpSpLocks noChangeAspect="1"/>
+          </p:cNvGrpSpPr>
+          <p:nvPr/>
+        </p:nvGrpSpPr>
+        <p:grpSpPr>
+          <a:xfrm>
+            <a:off x="974017" y="2353696"/>
+            <a:ext cx="3962612" cy="3115172"/>
+            <a:chOff x="1323650" y="2793841"/>
+            <a:chExt cx="3325297" cy="2614153"/>
+          </a:xfrm>
+        </p:grpSpPr>
+        <p:cxnSp>
+          <p:nvCxnSpPr>
+            <p:cNvPr id="6" name="Conector de Seta Reta 5">
+              <a:extLst>
+                <a:ext uri="{FF2B5EF4-FFF2-40B4-BE49-F238E27FC236}">
+                  <a16:creationId xmlns:a16="http://schemas.microsoft.com/office/drawing/2014/main" id="{D56CDFD3-EBF0-A6E8-13D0-DA400FCD8A9E}"/>
+                </a:ext>
+              </a:extLst>
+            </p:cNvPr>
+            <p:cNvCxnSpPr>
+              <a:cxnSpLocks/>
+            </p:cNvCxnSpPr>
+            <p:nvPr/>
+          </p:nvCxnSpPr>
+          <p:spPr>
+            <a:xfrm>
+              <a:off x="1323650" y="4944191"/>
+              <a:ext cx="3240000" cy="0"/>
+            </a:xfrm>
+            <a:prstGeom prst="straightConnector1">
+              <a:avLst/>
+            </a:prstGeom>
+            <a:ln w="19050">
+              <a:solidFill>
+                <a:schemeClr val="tx1"/>
+              </a:solidFill>
+              <a:tailEnd type="triangle"/>
+            </a:ln>
+          </p:spPr>
+          <p:style>
+            <a:lnRef idx="1">
+              <a:schemeClr val="accent1"/>
+            </a:lnRef>
+            <a:fillRef idx="0">
+              <a:schemeClr val="accent1"/>
+            </a:fillRef>
+            <a:effectRef idx="0">
+              <a:schemeClr val="accent1"/>
+            </a:effectRef>
+            <a:fontRef idx="minor">
+              <a:schemeClr val="tx1"/>
+            </a:fontRef>
+          </p:style>
+        </p:cxnSp>
+        <p:cxnSp>
+          <p:nvCxnSpPr>
+            <p:cNvPr id="8" name="Conector de Seta Reta 7">
+              <a:extLst>
+                <a:ext uri="{FF2B5EF4-FFF2-40B4-BE49-F238E27FC236}">
+                  <a16:creationId xmlns:a16="http://schemas.microsoft.com/office/drawing/2014/main" id="{07D3588B-B31F-AD61-2342-848270CC2EC9}"/>
+                </a:ext>
+              </a:extLst>
+            </p:cNvPr>
+            <p:cNvCxnSpPr>
+              <a:cxnSpLocks/>
+            </p:cNvCxnSpPr>
+            <p:nvPr/>
+          </p:nvCxnSpPr>
+          <p:spPr>
+            <a:xfrm flipV="1">
+              <a:off x="1323651" y="2868202"/>
+              <a:ext cx="0" cy="2075989"/>
+            </a:xfrm>
+            <a:prstGeom prst="straightConnector1">
+              <a:avLst/>
+            </a:prstGeom>
+            <a:ln w="19050">
+              <a:solidFill>
+                <a:schemeClr val="tx1"/>
+              </a:solidFill>
+              <a:tailEnd type="triangle"/>
+            </a:ln>
+          </p:spPr>
+          <p:style>
+            <a:lnRef idx="1">
+              <a:schemeClr val="accent1"/>
+            </a:lnRef>
+            <a:fillRef idx="0">
+              <a:schemeClr val="accent1"/>
+            </a:fillRef>
+            <a:effectRef idx="0">
+              <a:schemeClr val="accent1"/>
+            </a:effectRef>
+            <a:fontRef idx="minor">
+              <a:schemeClr val="tx1"/>
+            </a:fontRef>
+          </p:style>
+        </p:cxnSp>
+        <p:sp>
+          <p:nvSpPr>
+            <p:cNvPr id="10" name="CaixaDeTexto 9">
+              <a:extLst>
+                <a:ext uri="{FF2B5EF4-FFF2-40B4-BE49-F238E27FC236}">
+                  <a16:creationId xmlns:a16="http://schemas.microsoft.com/office/drawing/2014/main" id="{B0250428-D071-9C4E-A18F-04EA9FB08734}"/>
+                </a:ext>
+              </a:extLst>
+            </p:cNvPr>
+            <p:cNvSpPr txBox="1"/>
+            <p:nvPr/>
+          </p:nvSpPr>
+          <p:spPr>
+            <a:xfrm>
+              <a:off x="1323650" y="2793841"/>
+              <a:ext cx="1409701" cy="309932"/>
+            </a:xfrm>
+            <a:prstGeom prst="rect">
+              <a:avLst/>
+            </a:prstGeom>
+            <a:noFill/>
+          </p:spPr>
+          <p:txBody>
+            <a:bodyPr wrap="square" rtlCol="0">
+              <a:spAutoFit/>
+            </a:bodyPr>
+            <a:lstStyle/>
+            <a:p>
+              <a:r>
+                <a:rPr lang="pt-BR" dirty="0"/>
+                <a:t>Função de erro</a:t>
+              </a:r>
+            </a:p>
+          </p:txBody>
+        </p:sp>
+        <p:sp>
+          <p:nvSpPr>
+            <p:cNvPr id="11" name="CaixaDeTexto 10">
+              <a:extLst>
+                <a:ext uri="{FF2B5EF4-FFF2-40B4-BE49-F238E27FC236}">
+                  <a16:creationId xmlns:a16="http://schemas.microsoft.com/office/drawing/2014/main" id="{5ED7933E-3D25-7111-5F12-120C263F95C3}"/>
+                </a:ext>
+              </a:extLst>
+            </p:cNvPr>
+            <p:cNvSpPr txBox="1"/>
+            <p:nvPr/>
+          </p:nvSpPr>
+          <p:spPr>
+            <a:xfrm>
+              <a:off x="4114956" y="4950574"/>
+              <a:ext cx="533991" cy="309932"/>
+            </a:xfrm>
+            <a:prstGeom prst="rect">
+              <a:avLst/>
+            </a:prstGeom>
+            <a:noFill/>
+          </p:spPr>
+          <p:txBody>
+            <a:bodyPr wrap="square" rtlCol="0">
+              <a:spAutoFit/>
+            </a:bodyPr>
+            <a:lstStyle/>
+            <a:p>
+              <a:pPr algn="r"/>
+              <a:r>
+                <a:rPr lang="pt-BR" dirty="0"/>
+                <a:t>Peso</a:t>
+              </a:r>
+            </a:p>
+          </p:txBody>
+        </p:sp>
+        <p:cxnSp>
+          <p:nvCxnSpPr>
+            <p:cNvPr id="13" name="Conector reto 12">
+              <a:extLst>
+                <a:ext uri="{FF2B5EF4-FFF2-40B4-BE49-F238E27FC236}">
+                  <a16:creationId xmlns:a16="http://schemas.microsoft.com/office/drawing/2014/main" id="{FEBEFA08-5BC3-7C18-56CA-466CD07B8642}"/>
+                </a:ext>
+              </a:extLst>
+            </p:cNvPr>
+            <p:cNvCxnSpPr/>
+            <p:nvPr/>
+          </p:nvCxnSpPr>
+          <p:spPr>
+            <a:xfrm>
+              <a:off x="1326057" y="4800159"/>
+              <a:ext cx="1620000" cy="0"/>
+            </a:xfrm>
+            <a:prstGeom prst="line">
+              <a:avLst/>
+            </a:prstGeom>
+            <a:ln>
+              <a:solidFill>
+                <a:srgbClr val="FF0000"/>
+              </a:solidFill>
+              <a:prstDash val="dash"/>
+            </a:ln>
+          </p:spPr>
+          <p:style>
+            <a:lnRef idx="1">
+              <a:schemeClr val="accent1"/>
+            </a:lnRef>
+            <a:fillRef idx="0">
+              <a:schemeClr val="accent1"/>
+            </a:fillRef>
+            <a:effectRef idx="0">
+              <a:schemeClr val="accent1"/>
+            </a:effectRef>
+            <a:fontRef idx="minor">
+              <a:schemeClr val="tx1"/>
+            </a:fontRef>
+          </p:style>
+        </p:cxnSp>
+        <p:sp>
+          <p:nvSpPr>
+            <p:cNvPr id="16" name="CaixaDeTexto 15">
+              <a:extLst>
+                <a:ext uri="{FF2B5EF4-FFF2-40B4-BE49-F238E27FC236}">
+                  <a16:creationId xmlns:a16="http://schemas.microsoft.com/office/drawing/2014/main" id="{1A18913F-965C-09B3-627C-40B9D264F64F}"/>
+                </a:ext>
+              </a:extLst>
+            </p:cNvPr>
+            <p:cNvSpPr txBox="1"/>
+            <p:nvPr/>
+          </p:nvSpPr>
+          <p:spPr>
+            <a:xfrm>
+              <a:off x="2493227" y="4946329"/>
+              <a:ext cx="895349" cy="461665"/>
+            </a:xfrm>
+            <a:prstGeom prst="rect">
+              <a:avLst/>
+            </a:prstGeom>
+            <a:noFill/>
+          </p:spPr>
+          <p:txBody>
+            <a:bodyPr wrap="square" rtlCol="0">
+              <a:spAutoFit/>
+            </a:bodyPr>
+            <a:lstStyle/>
+            <a:p>
+              <a:pPr algn="ctr"/>
+              <a:r>
+                <a:rPr lang="pt-BR" sz="1200" dirty="0"/>
+                <a:t>Ponto de mínimo</a:t>
+              </a:r>
+            </a:p>
+          </p:txBody>
+        </p:sp>
+        <p:cxnSp>
+          <p:nvCxnSpPr>
+            <p:cNvPr id="17" name="Conector reto 16">
+              <a:extLst>
+                <a:ext uri="{FF2B5EF4-FFF2-40B4-BE49-F238E27FC236}">
+                  <a16:creationId xmlns:a16="http://schemas.microsoft.com/office/drawing/2014/main" id="{8286C17E-F5E5-300A-E4A7-2E0B1945B3D4}"/>
+                </a:ext>
+              </a:extLst>
+            </p:cNvPr>
+            <p:cNvCxnSpPr>
+              <a:cxnSpLocks/>
+            </p:cNvCxnSpPr>
+            <p:nvPr/>
+          </p:nvCxnSpPr>
+          <p:spPr>
+            <a:xfrm>
+              <a:off x="2941952" y="4793809"/>
+              <a:ext cx="0" cy="144000"/>
+            </a:xfrm>
+            <a:prstGeom prst="line">
+              <a:avLst/>
+            </a:prstGeom>
+            <a:ln>
+              <a:solidFill>
+                <a:srgbClr val="FF0000"/>
+              </a:solidFill>
+              <a:prstDash val="dash"/>
+            </a:ln>
+          </p:spPr>
+          <p:style>
+            <a:lnRef idx="1">
+              <a:schemeClr val="accent1"/>
+            </a:lnRef>
+            <a:fillRef idx="0">
+              <a:schemeClr val="accent1"/>
+            </a:fillRef>
+            <a:effectRef idx="0">
+              <a:schemeClr val="accent1"/>
+            </a:effectRef>
+            <a:fontRef idx="minor">
+              <a:schemeClr val="tx1"/>
+            </a:fontRef>
+          </p:style>
+        </p:cxnSp>
+        <p:sp>
+          <p:nvSpPr>
+            <p:cNvPr id="20" name="Elipse 19">
+              <a:extLst>
+                <a:ext uri="{FF2B5EF4-FFF2-40B4-BE49-F238E27FC236}">
+                  <a16:creationId xmlns:a16="http://schemas.microsoft.com/office/drawing/2014/main" id="{12B97A56-C56D-F8FB-6177-BC422001684B}"/>
+                </a:ext>
+              </a:extLst>
+            </p:cNvPr>
+            <p:cNvSpPr/>
+            <p:nvPr/>
+          </p:nvSpPr>
+          <p:spPr>
+            <a:xfrm>
+              <a:off x="2922902" y="4781109"/>
+              <a:ext cx="36000" cy="36000"/>
+            </a:xfrm>
+            <a:prstGeom prst="ellipse">
+              <a:avLst/>
+            </a:prstGeom>
+            <a:solidFill>
+              <a:srgbClr val="FF0000"/>
+            </a:solidFill>
+            <a:ln>
+              <a:solidFill>
+                <a:srgbClr val="FF0000"/>
+              </a:solidFill>
+            </a:ln>
+          </p:spPr>
+          <p:style>
+            <a:lnRef idx="2">
+              <a:schemeClr val="accent1">
+                <a:shade val="15000"/>
+              </a:schemeClr>
+            </a:lnRef>
+            <a:fillRef idx="1">
+              <a:schemeClr val="accent1"/>
+            </a:fillRef>
+            <a:effectRef idx="0">
+              <a:schemeClr val="accent1"/>
+            </a:effectRef>
+            <a:fontRef idx="minor">
+              <a:schemeClr val="lt1"/>
+            </a:fontRef>
+          </p:style>
+          <p:txBody>
+            <a:bodyPr rtlCol="0" anchor="ctr"/>
+            <a:lstStyle/>
+            <a:p>
+              <a:pPr algn="ctr"/>
+              <a:endParaRPr lang="pt-BR" dirty="0"/>
+            </a:p>
+          </p:txBody>
+        </p:sp>
+      </p:grpSp>
+      <mc:AlternateContent xmlns:mc="http://schemas.openxmlformats.org/markup-compatibility/2006">
+        <mc:Choice xmlns:a14="http://schemas.microsoft.com/office/drawing/2010/main" Requires="a14">
+          <p:sp>
+            <p:nvSpPr>
+              <p:cNvPr id="23" name="CaixaDeTexto 22">
+                <a:extLst>
+                  <a:ext uri="{FF2B5EF4-FFF2-40B4-BE49-F238E27FC236}">
+                    <a16:creationId xmlns:a16="http://schemas.microsoft.com/office/drawing/2014/main" id="{1287BDD8-BE9B-D73B-995F-9AC17ED047E0}"/>
+                  </a:ext>
+                </a:extLst>
+              </p:cNvPr>
+              <p:cNvSpPr txBox="1"/>
+              <p:nvPr/>
+            </p:nvSpPr>
+            <p:spPr>
+              <a:xfrm>
+                <a:off x="1430624" y="5682905"/>
+                <a:ext cx="3051425" cy="646331"/>
+              </a:xfrm>
+              <a:prstGeom prst="rect">
+                <a:avLst/>
+              </a:prstGeom>
+              <a:noFill/>
+            </p:spPr>
+            <p:txBody>
+              <a:bodyPr wrap="square" rtlCol="0">
+                <a:spAutoFit/>
+              </a:bodyPr>
+              <a:lstStyle/>
+              <a:p>
+                <a:pPr algn="ctr"/>
+                <a:r>
+                  <a:rPr lang="pt-BR" dirty="0"/>
+                  <a:t>Função de erro quantifica a diferença entre </a:t>
+                </a:r>
+                <a14:m>
+                  <m:oMath xmlns:m="http://schemas.openxmlformats.org/officeDocument/2006/math">
+                    <m:r>
+                      <a:rPr lang="pt-BR" b="0" i="1" smtClean="0">
+                        <a:latin typeface="Cambria Math" panose="02040503050406030204" pitchFamily="18" charset="0"/>
+                      </a:rPr>
+                      <m:t>𝑦</m:t>
+                    </m:r>
+                  </m:oMath>
+                </a14:m>
+                <a:r>
+                  <a:rPr lang="pt-BR" dirty="0"/>
+                  <a:t> e </a:t>
+                </a:r>
+                <a14:m>
+                  <m:oMath xmlns:m="http://schemas.openxmlformats.org/officeDocument/2006/math">
+                    <m:acc>
+                      <m:accPr>
+                        <m:chr m:val="̂"/>
+                        <m:ctrlPr>
+                          <a:rPr lang="pt-BR" i="1" smtClean="0">
+                            <a:latin typeface="Cambria Math" panose="02040503050406030204" pitchFamily="18" charset="0"/>
+                          </a:rPr>
+                        </m:ctrlPr>
+                      </m:accPr>
+                      <m:e>
+                        <m:r>
+                          <a:rPr lang="pt-BR" b="0" i="1" smtClean="0">
+                            <a:latin typeface="Cambria Math" panose="02040503050406030204" pitchFamily="18" charset="0"/>
+                          </a:rPr>
+                          <m:t>𝑦</m:t>
+                        </m:r>
+                      </m:e>
+                    </m:acc>
+                  </m:oMath>
+                </a14:m>
+                <a:r>
+                  <a:rPr lang="pt-BR" dirty="0"/>
+                  <a:t>;</a:t>
+                </a:r>
+              </a:p>
+            </p:txBody>
+          </p:sp>
+        </mc:Choice>
+        <mc:Fallback>
+          <p:sp>
+            <p:nvSpPr>
+              <p:cNvPr id="23" name="CaixaDeTexto 22">
+                <a:extLst>
+                  <a:ext uri="{FF2B5EF4-FFF2-40B4-BE49-F238E27FC236}">
+                    <a16:creationId xmlns:a16="http://schemas.microsoft.com/office/drawing/2014/main" id="{1287BDD8-BE9B-D73B-995F-9AC17ED047E0}"/>
+                  </a:ext>
+                </a:extLst>
+              </p:cNvPr>
+              <p:cNvSpPr txBox="1">
+                <a:spLocks noRot="1" noChangeAspect="1" noMove="1" noResize="1" noEditPoints="1" noAdjustHandles="1" noChangeArrowheads="1" noChangeShapeType="1" noTextEdit="1"/>
+              </p:cNvSpPr>
+              <p:nvPr/>
+            </p:nvSpPr>
+            <p:spPr>
+              <a:xfrm>
+                <a:off x="1430624" y="5682905"/>
+                <a:ext cx="3051425" cy="646331"/>
+              </a:xfrm>
+              <a:prstGeom prst="rect">
+                <a:avLst/>
+              </a:prstGeom>
+              <a:blipFill>
+                <a:blip r:embed="rId2"/>
+                <a:stretch>
+                  <a:fillRect t="-4717" b="-14151"/>
+                </a:stretch>
+              </a:blipFill>
+            </p:spPr>
+            <p:txBody>
+              <a:bodyPr/>
+              <a:lstStyle/>
+              <a:p>
+                <a:r>
+                  <a:rPr lang="pt-BR">
+                    <a:noFill/>
+                  </a:rPr>
+                  <a:t> </a:t>
+                </a:r>
+              </a:p>
+            </p:txBody>
+          </p:sp>
+        </mc:Fallback>
+      </mc:AlternateContent>
+    </p:spTree>
+    <p:extLst>
+      <p:ext uri="{BB962C8B-B14F-4D97-AF65-F5344CB8AC3E}">
+        <p14:creationId xmlns:p14="http://schemas.microsoft.com/office/powerpoint/2010/main" val="1885582429"/>
+      </p:ext>
+    </p:extLst>
+  </p:cSld>
+  <p:clrMapOvr>
+    <a:masterClrMapping/>
+  </p:clrMapOvr>
+</p:sld>
+</file>
+
+<file path=ppt/slides/slide4.xml><?xml version="1.0" encoding="utf-8"?>
+<p:sld xmlns:a="http://schemas.openxmlformats.org/drawingml/2006/main" xmlns:r="http://schemas.openxmlformats.org/officeDocument/2006/relationships" xmlns:p="http://schemas.openxmlformats.org/presentationml/2006/main">
+  <p:cSld>
+    <p:spTree>
+      <p:nvGrpSpPr>
+        <p:cNvPr id="1" name=""/>
+        <p:cNvGrpSpPr/>
+        <p:nvPr/>
+      </p:nvGrpSpPr>
+      <p:grpSpPr>
+        <a:xfrm>
+          <a:off x="0" y="0"/>
+          <a:ext cx="0" cy="0"/>
+          <a:chOff x="0" y="0"/>
+          <a:chExt cx="0" cy="0"/>
+        </a:xfrm>
+      </p:grpSpPr>
+      <p:sp>
+        <p:nvSpPr>
+          <p:cNvPr id="15" name="Forma Livre: Forma 14">
+            <a:extLst>
+              <a:ext uri="{FF2B5EF4-FFF2-40B4-BE49-F238E27FC236}">
+                <a16:creationId xmlns:a16="http://schemas.microsoft.com/office/drawing/2014/main" id="{830BE789-9BD9-1C30-4AE5-57AC2F02EA46}"/>
+              </a:ext>
+            </a:extLst>
+          </p:cNvPr>
+          <p:cNvSpPr/>
+          <p:nvPr/>
+        </p:nvSpPr>
+        <p:spPr>
+          <a:xfrm>
+            <a:off x="1190625" y="2990850"/>
+            <a:ext cx="3429000" cy="1752634"/>
+          </a:xfrm>
+          <a:custGeom>
+            <a:avLst/>
+            <a:gdLst>
+              <a:gd name="connsiteX0" fmla="*/ 0 w 3429000"/>
+              <a:gd name="connsiteY0" fmla="*/ 38100 h 1752634"/>
+              <a:gd name="connsiteX1" fmla="*/ 1714500 w 3429000"/>
+              <a:gd name="connsiteY1" fmla="*/ 1752600 h 1752634"/>
+              <a:gd name="connsiteX2" fmla="*/ 3429000 w 3429000"/>
+              <a:gd name="connsiteY2" fmla="*/ 0 h 1752634"/>
+            </a:gdLst>
+            <a:ahLst/>
+            <a:cxnLst>
+              <a:cxn ang="0">
+                <a:pos x="connsiteX0" y="connsiteY0"/>
+              </a:cxn>
+              <a:cxn ang="0">
+                <a:pos x="connsiteX1" y="connsiteY1"/>
+              </a:cxn>
+              <a:cxn ang="0">
+                <a:pos x="connsiteX2" y="connsiteY2"/>
+              </a:cxn>
+            </a:cxnLst>
+            <a:rect l="l" t="t" r="r" b="b"/>
+            <a:pathLst>
+              <a:path w="3429000" h="1752634">
+                <a:moveTo>
+                  <a:pt x="0" y="38100"/>
+                </a:moveTo>
+                <a:cubicBezTo>
+                  <a:pt x="571500" y="898525"/>
+                  <a:pt x="1143000" y="1758950"/>
+                  <a:pt x="1714500" y="1752600"/>
+                </a:cubicBezTo>
+                <a:cubicBezTo>
+                  <a:pt x="2286000" y="1746250"/>
+                  <a:pt x="3119438" y="314325"/>
+                  <a:pt x="3429000" y="0"/>
+                </a:cubicBezTo>
+              </a:path>
+            </a:pathLst>
+          </a:custGeom>
+          <a:noFill/>
+        </p:spPr>
+        <p:style>
+          <a:lnRef idx="2">
+            <a:schemeClr val="accent1">
+              <a:shade val="15000"/>
+            </a:schemeClr>
+          </a:lnRef>
+          <a:fillRef idx="1">
+            <a:schemeClr val="accent1"/>
+          </a:fillRef>
+          <a:effectRef idx="0">
+            <a:schemeClr val="accent1"/>
+          </a:effectRef>
+          <a:fontRef idx="minor">
+            <a:schemeClr val="lt1"/>
+          </a:fontRef>
+        </p:style>
+        <p:txBody>
+          <a:bodyPr rtlCol="0" anchor="ctr"/>
+          <a:lstStyle/>
+          <a:p>
+            <a:pPr algn="ctr"/>
+            <a:endParaRPr lang="pt-BR"/>
+          </a:p>
+        </p:txBody>
+      </p:sp>
+      <p:sp>
+        <p:nvSpPr>
+          <p:cNvPr id="2" name="Título 1">
+            <a:extLst>
+              <a:ext uri="{FF2B5EF4-FFF2-40B4-BE49-F238E27FC236}">
+                <a16:creationId xmlns:a16="http://schemas.microsoft.com/office/drawing/2014/main" id="{FDCC3C31-4EA2-B4A2-431F-BF22FBB8A7BA}"/>
+              </a:ext>
+            </a:extLst>
+          </p:cNvPr>
+          <p:cNvSpPr>
+            <a:spLocks noGrp="1"/>
+          </p:cNvSpPr>
+          <p:nvPr>
+            <p:ph type="title"/>
+          </p:nvPr>
+        </p:nvSpPr>
+        <p:spPr/>
+        <p:txBody>
+          <a:bodyPr/>
+          <a:lstStyle/>
+          <a:p>
+            <a:r>
+              <a:rPr lang="pt-BR" dirty="0"/>
+              <a:t>Formato da função de erro</a:t>
+            </a:r>
+          </a:p>
+        </p:txBody>
+      </p:sp>
+      <p:sp>
+        <p:nvSpPr>
+          <p:cNvPr id="3" name="Espaço Reservado para Conteúdo 2">
+            <a:extLst>
+              <a:ext uri="{FF2B5EF4-FFF2-40B4-BE49-F238E27FC236}">
+                <a16:creationId xmlns:a16="http://schemas.microsoft.com/office/drawing/2014/main" id="{F09EA0C7-E094-F158-6A1A-B80733321450}"/>
+              </a:ext>
+            </a:extLst>
+          </p:cNvPr>
+          <p:cNvSpPr>
+            <a:spLocks noGrp="1"/>
+          </p:cNvSpPr>
+          <p:nvPr>
+            <p:ph idx="1"/>
+          </p:nvPr>
+        </p:nvSpPr>
+        <p:spPr>
+          <a:xfrm>
+            <a:off x="5876819" y="1825624"/>
+            <a:ext cx="6123397" cy="5032376"/>
+          </a:xfrm>
+        </p:spPr>
+        <p:txBody>
+          <a:bodyPr>
+            <a:normAutofit/>
+          </a:bodyPr>
+          <a:lstStyle/>
+          <a:p>
+            <a:r>
+              <a:rPr lang="pt-BR" dirty="0"/>
+              <a:t>Lembrem-se que a função de erro que usamos anteriormente, a função do EQM, é quadrática.</a:t>
+            </a:r>
+          </a:p>
+          <a:p>
+            <a:r>
+              <a:rPr lang="pt-BR" dirty="0"/>
+              <a:t>E como vimos no exemplo, funções quadráticas têm a forma de parábolas convexas.</a:t>
+            </a:r>
+          </a:p>
+          <a:p>
+            <a:r>
+              <a:rPr lang="pt-BR" dirty="0"/>
+              <a:t>A convexidade é importante pois garante que a função tenha apenas um ponto de mínimo, o mínimo global.</a:t>
+            </a:r>
+          </a:p>
+          <a:p>
+            <a:r>
+              <a:rPr lang="pt-BR" dirty="0"/>
+              <a:t>Isso permite que encontremos a solução ótima de forma mais eficiente.</a:t>
+            </a:r>
+          </a:p>
+        </p:txBody>
+      </p:sp>
+      <p:grpSp>
+        <p:nvGrpSpPr>
+          <p:cNvPr id="4" name="Agrupar 3">
+            <a:extLst>
+              <a:ext uri="{FF2B5EF4-FFF2-40B4-BE49-F238E27FC236}">
+                <a16:creationId xmlns:a16="http://schemas.microsoft.com/office/drawing/2014/main" id="{595E690C-A133-B1B0-72E4-B7F425367050}"/>
+              </a:ext>
+            </a:extLst>
+          </p:cNvPr>
+          <p:cNvGrpSpPr>
+            <a:grpSpLocks noChangeAspect="1"/>
+          </p:cNvGrpSpPr>
+          <p:nvPr/>
+        </p:nvGrpSpPr>
+        <p:grpSpPr>
+          <a:xfrm>
+            <a:off x="974017" y="2353696"/>
+            <a:ext cx="3962612" cy="3140390"/>
+            <a:chOff x="1323650" y="2793841"/>
+            <a:chExt cx="3325297" cy="2635315"/>
+          </a:xfrm>
+        </p:grpSpPr>
+        <p:cxnSp>
+          <p:nvCxnSpPr>
+            <p:cNvPr id="6" name="Conector de Seta Reta 5">
+              <a:extLst>
+                <a:ext uri="{FF2B5EF4-FFF2-40B4-BE49-F238E27FC236}">
+                  <a16:creationId xmlns:a16="http://schemas.microsoft.com/office/drawing/2014/main" id="{CECA8A08-ECD5-CF26-4CEC-3C8F2A7EB943}"/>
+                </a:ext>
+              </a:extLst>
+            </p:cNvPr>
+            <p:cNvCxnSpPr>
+              <a:cxnSpLocks/>
+            </p:cNvCxnSpPr>
+            <p:nvPr/>
+          </p:nvCxnSpPr>
+          <p:spPr>
+            <a:xfrm>
+              <a:off x="1323650" y="4944191"/>
+              <a:ext cx="3240000" cy="0"/>
+            </a:xfrm>
+            <a:prstGeom prst="straightConnector1">
+              <a:avLst/>
+            </a:prstGeom>
+            <a:ln w="19050">
+              <a:solidFill>
+                <a:schemeClr val="tx1"/>
+              </a:solidFill>
+              <a:tailEnd type="triangle"/>
+            </a:ln>
+          </p:spPr>
+          <p:style>
+            <a:lnRef idx="1">
+              <a:schemeClr val="accent1"/>
+            </a:lnRef>
+            <a:fillRef idx="0">
+              <a:schemeClr val="accent1"/>
+            </a:fillRef>
+            <a:effectRef idx="0">
+              <a:schemeClr val="accent1"/>
+            </a:effectRef>
+            <a:fontRef idx="minor">
+              <a:schemeClr val="tx1"/>
+            </a:fontRef>
+          </p:style>
+        </p:cxnSp>
+        <p:cxnSp>
+          <p:nvCxnSpPr>
+            <p:cNvPr id="7" name="Conector de Seta Reta 6">
+              <a:extLst>
+                <a:ext uri="{FF2B5EF4-FFF2-40B4-BE49-F238E27FC236}">
+                  <a16:creationId xmlns:a16="http://schemas.microsoft.com/office/drawing/2014/main" id="{EBE189DA-FC3E-6F77-83E6-389C755E01A6}"/>
+                </a:ext>
+              </a:extLst>
+            </p:cNvPr>
+            <p:cNvCxnSpPr>
+              <a:cxnSpLocks/>
+            </p:cNvCxnSpPr>
+            <p:nvPr/>
+          </p:nvCxnSpPr>
+          <p:spPr>
+            <a:xfrm flipV="1">
+              <a:off x="1323651" y="2868202"/>
+              <a:ext cx="0" cy="2075989"/>
+            </a:xfrm>
+            <a:prstGeom prst="straightConnector1">
+              <a:avLst/>
+            </a:prstGeom>
+            <a:ln w="19050">
+              <a:solidFill>
+                <a:schemeClr val="tx1"/>
+              </a:solidFill>
+              <a:tailEnd type="triangle"/>
+            </a:ln>
+          </p:spPr>
+          <p:style>
+            <a:lnRef idx="1">
+              <a:schemeClr val="accent1"/>
+            </a:lnRef>
+            <a:fillRef idx="0">
+              <a:schemeClr val="accent1"/>
+            </a:fillRef>
+            <a:effectRef idx="0">
+              <a:schemeClr val="accent1"/>
+            </a:effectRef>
+            <a:fontRef idx="minor">
+              <a:schemeClr val="tx1"/>
+            </a:fontRef>
+          </p:style>
+        </p:cxnSp>
+        <p:sp>
+          <p:nvSpPr>
+            <p:cNvPr id="8" name="CaixaDeTexto 7">
+              <a:extLst>
+                <a:ext uri="{FF2B5EF4-FFF2-40B4-BE49-F238E27FC236}">
+                  <a16:creationId xmlns:a16="http://schemas.microsoft.com/office/drawing/2014/main" id="{A78938CD-F777-59C9-49FF-1EC87187C2BF}"/>
+                </a:ext>
+              </a:extLst>
+            </p:cNvPr>
+            <p:cNvSpPr txBox="1"/>
+            <p:nvPr/>
+          </p:nvSpPr>
+          <p:spPr>
+            <a:xfrm>
+              <a:off x="1323650" y="2793841"/>
+              <a:ext cx="1409701" cy="309932"/>
+            </a:xfrm>
+            <a:prstGeom prst="rect">
+              <a:avLst/>
+            </a:prstGeom>
+            <a:noFill/>
+          </p:spPr>
+          <p:txBody>
+            <a:bodyPr wrap="square" rtlCol="0">
+              <a:spAutoFit/>
+            </a:bodyPr>
+            <a:lstStyle/>
+            <a:p>
+              <a:r>
+                <a:rPr lang="pt-BR" dirty="0"/>
+                <a:t>Função de erro</a:t>
+              </a:r>
+            </a:p>
+          </p:txBody>
+        </p:sp>
+        <p:sp>
+          <p:nvSpPr>
+            <p:cNvPr id="9" name="CaixaDeTexto 8">
+              <a:extLst>
+                <a:ext uri="{FF2B5EF4-FFF2-40B4-BE49-F238E27FC236}">
+                  <a16:creationId xmlns:a16="http://schemas.microsoft.com/office/drawing/2014/main" id="{A1CE1535-321D-E614-D63E-21C0CB455062}"/>
+                </a:ext>
+              </a:extLst>
+            </p:cNvPr>
+            <p:cNvSpPr txBox="1"/>
+            <p:nvPr/>
+          </p:nvSpPr>
+          <p:spPr>
+            <a:xfrm>
+              <a:off x="4114956" y="4950574"/>
+              <a:ext cx="533991" cy="309932"/>
+            </a:xfrm>
+            <a:prstGeom prst="rect">
+              <a:avLst/>
+            </a:prstGeom>
+            <a:noFill/>
+          </p:spPr>
+          <p:txBody>
+            <a:bodyPr wrap="square" rtlCol="0">
+              <a:spAutoFit/>
+            </a:bodyPr>
+            <a:lstStyle/>
+            <a:p>
+              <a:pPr algn="r"/>
+              <a:r>
+                <a:rPr lang="pt-BR" dirty="0"/>
+                <a:t>Peso</a:t>
+              </a:r>
+            </a:p>
+          </p:txBody>
+        </p:sp>
+        <p:cxnSp>
+          <p:nvCxnSpPr>
+            <p:cNvPr id="10" name="Conector reto 9">
+              <a:extLst>
+                <a:ext uri="{FF2B5EF4-FFF2-40B4-BE49-F238E27FC236}">
+                  <a16:creationId xmlns:a16="http://schemas.microsoft.com/office/drawing/2014/main" id="{C04D87AE-293E-34D0-E4BE-09E7635BC7EE}"/>
+                </a:ext>
+              </a:extLst>
+            </p:cNvPr>
+            <p:cNvCxnSpPr/>
+            <p:nvPr/>
+          </p:nvCxnSpPr>
+          <p:spPr>
+            <a:xfrm>
+              <a:off x="1326057" y="4800159"/>
+              <a:ext cx="1620000" cy="0"/>
+            </a:xfrm>
+            <a:prstGeom prst="line">
+              <a:avLst/>
+            </a:prstGeom>
+            <a:ln>
+              <a:solidFill>
+                <a:srgbClr val="FF0000"/>
+              </a:solidFill>
+              <a:prstDash val="dash"/>
+            </a:ln>
+          </p:spPr>
+          <p:style>
+            <a:lnRef idx="1">
+              <a:schemeClr val="accent1"/>
+            </a:lnRef>
+            <a:fillRef idx="0">
+              <a:schemeClr val="accent1"/>
+            </a:fillRef>
+            <a:effectRef idx="0">
+              <a:schemeClr val="accent1"/>
+            </a:effectRef>
+            <a:fontRef idx="minor">
+              <a:schemeClr val="tx1"/>
+            </a:fontRef>
+          </p:style>
+        </p:cxnSp>
+        <p:sp>
+          <p:nvSpPr>
+            <p:cNvPr id="11" name="CaixaDeTexto 10">
+              <a:extLst>
+                <a:ext uri="{FF2B5EF4-FFF2-40B4-BE49-F238E27FC236}">
+                  <a16:creationId xmlns:a16="http://schemas.microsoft.com/office/drawing/2014/main" id="{0ED8EC8A-F8D0-F14F-7E38-47715C0AD532}"/>
+                </a:ext>
+              </a:extLst>
+            </p:cNvPr>
+            <p:cNvSpPr txBox="1"/>
+            <p:nvPr/>
+          </p:nvSpPr>
+          <p:spPr>
+            <a:xfrm>
+              <a:off x="2485439" y="4967491"/>
+              <a:ext cx="895349" cy="461665"/>
+            </a:xfrm>
+            <a:prstGeom prst="rect">
+              <a:avLst/>
+            </a:prstGeom>
+            <a:noFill/>
+          </p:spPr>
+          <p:txBody>
+            <a:bodyPr wrap="square" rtlCol="0">
+              <a:spAutoFit/>
+            </a:bodyPr>
+            <a:lstStyle/>
+            <a:p>
+              <a:pPr algn="ctr"/>
+              <a:r>
+                <a:rPr lang="pt-BR" sz="1200" dirty="0"/>
+                <a:t>Ponto de mínimo</a:t>
+              </a:r>
+            </a:p>
+          </p:txBody>
+        </p:sp>
+        <p:cxnSp>
+          <p:nvCxnSpPr>
+            <p:cNvPr id="12" name="Conector reto 11">
+              <a:extLst>
+                <a:ext uri="{FF2B5EF4-FFF2-40B4-BE49-F238E27FC236}">
+                  <a16:creationId xmlns:a16="http://schemas.microsoft.com/office/drawing/2014/main" id="{37A91F5D-D6CE-87E4-DD6F-6AEA41D6D82D}"/>
+                </a:ext>
+              </a:extLst>
+            </p:cNvPr>
+            <p:cNvCxnSpPr>
+              <a:cxnSpLocks/>
+            </p:cNvCxnSpPr>
+            <p:nvPr/>
+          </p:nvCxnSpPr>
+          <p:spPr>
+            <a:xfrm>
+              <a:off x="2941952" y="4793809"/>
+              <a:ext cx="0" cy="144000"/>
+            </a:xfrm>
+            <a:prstGeom prst="line">
+              <a:avLst/>
+            </a:prstGeom>
+            <a:ln>
+              <a:solidFill>
+                <a:srgbClr val="FF0000"/>
+              </a:solidFill>
+              <a:prstDash val="dash"/>
+            </a:ln>
+          </p:spPr>
+          <p:style>
+            <a:lnRef idx="1">
+              <a:schemeClr val="accent1"/>
+            </a:lnRef>
+            <a:fillRef idx="0">
+              <a:schemeClr val="accent1"/>
+            </a:fillRef>
+            <a:effectRef idx="0">
+              <a:schemeClr val="accent1"/>
+            </a:effectRef>
+            <a:fontRef idx="minor">
+              <a:schemeClr val="tx1"/>
+            </a:fontRef>
+          </p:style>
+        </p:cxnSp>
+        <p:sp>
+          <p:nvSpPr>
+            <p:cNvPr id="13" name="Elipse 12">
+              <a:extLst>
+                <a:ext uri="{FF2B5EF4-FFF2-40B4-BE49-F238E27FC236}">
+                  <a16:creationId xmlns:a16="http://schemas.microsoft.com/office/drawing/2014/main" id="{34D38410-D059-6D93-1DD2-6F2EF0E92E63}"/>
+                </a:ext>
+              </a:extLst>
+            </p:cNvPr>
+            <p:cNvSpPr/>
+            <p:nvPr/>
+          </p:nvSpPr>
+          <p:spPr>
+            <a:xfrm>
+              <a:off x="2922902" y="4781109"/>
+              <a:ext cx="36000" cy="36000"/>
+            </a:xfrm>
+            <a:prstGeom prst="ellipse">
+              <a:avLst/>
+            </a:prstGeom>
+            <a:solidFill>
+              <a:srgbClr val="FF0000"/>
+            </a:solidFill>
+            <a:ln>
+              <a:solidFill>
+                <a:srgbClr val="FF0000"/>
+              </a:solidFill>
+            </a:ln>
+          </p:spPr>
+          <p:style>
+            <a:lnRef idx="2">
+              <a:schemeClr val="accent1">
+                <a:shade val="15000"/>
+              </a:schemeClr>
+            </a:lnRef>
+            <a:fillRef idx="1">
+              <a:schemeClr val="accent1"/>
+            </a:fillRef>
+            <a:effectRef idx="0">
+              <a:schemeClr val="accent1"/>
+            </a:effectRef>
+            <a:fontRef idx="minor">
+              <a:schemeClr val="lt1"/>
+            </a:fontRef>
+          </p:style>
+          <p:txBody>
+            <a:bodyPr rtlCol="0" anchor="ctr"/>
+            <a:lstStyle/>
+            <a:p>
+              <a:pPr algn="ctr"/>
+              <a:endParaRPr lang="pt-BR" dirty="0"/>
+            </a:p>
+          </p:txBody>
+        </p:sp>
+      </p:grpSp>
+      <mc:AlternateContent xmlns:mc="http://schemas.openxmlformats.org/markup-compatibility/2006">
+        <mc:Choice xmlns:a14="http://schemas.microsoft.com/office/drawing/2010/main" Requires="a14">
+          <p:sp>
+            <p:nvSpPr>
+              <p:cNvPr id="14" name="CaixaDeTexto 13">
+                <a:extLst>
+                  <a:ext uri="{FF2B5EF4-FFF2-40B4-BE49-F238E27FC236}">
+                    <a16:creationId xmlns:a16="http://schemas.microsoft.com/office/drawing/2014/main" id="{43DA85D1-4D90-5FC1-15B5-A84453E4F6E7}"/>
+                  </a:ext>
+                </a:extLst>
+              </p:cNvPr>
+              <p:cNvSpPr txBox="1"/>
+              <p:nvPr/>
+            </p:nvSpPr>
+            <p:spPr>
+              <a:xfrm>
+                <a:off x="1291363" y="5581895"/>
+                <a:ext cx="3520374" cy="1130822"/>
+              </a:xfrm>
+              <a:prstGeom prst="rect">
+                <a:avLst/>
+              </a:prstGeom>
+              <a:noFill/>
+            </p:spPr>
+            <p:txBody>
+              <a:bodyPr wrap="square" rtlCol="0">
+                <a:spAutoFit/>
+              </a:bodyPr>
+              <a:lstStyle/>
+              <a:p>
+                <a:pPr/>
+                <a14:m>
+                  <m:oMathPara xmlns:m="http://schemas.openxmlformats.org/officeDocument/2006/math">
+                    <m:oMathParaPr>
+                      <m:jc m:val="left"/>
+                    </m:oMathParaPr>
+                    <m:oMath xmlns:m="http://schemas.openxmlformats.org/officeDocument/2006/math">
+                      <m:r>
+                        <m:rPr>
+                          <m:sty m:val="p"/>
+                        </m:rPr>
+                        <a:rPr lang="pt-BR" sz="2400" b="0" i="0" smtClean="0">
+                          <a:latin typeface="Cambria Math" panose="02040503050406030204" pitchFamily="18" charset="0"/>
+                        </a:rPr>
+                        <m:t>MSE</m:t>
+                      </m:r>
+                      <m:r>
+                        <a:rPr lang="pt-BR" sz="2400" b="0" i="1" smtClean="0">
+                          <a:latin typeface="Cambria Math" panose="02040503050406030204" pitchFamily="18" charset="0"/>
+                        </a:rPr>
+                        <m:t>=</m:t>
+                      </m:r>
+                      <m:f>
+                        <m:fPr>
+                          <m:ctrlPr>
+                            <a:rPr lang="pt-BR" sz="2400" b="0" i="1" smtClean="0">
+                              <a:latin typeface="Cambria Math" panose="02040503050406030204" pitchFamily="18" charset="0"/>
+                            </a:rPr>
+                          </m:ctrlPr>
+                        </m:fPr>
+                        <m:num>
+                          <m:r>
+                            <a:rPr lang="pt-BR" sz="2400" b="0" i="1" smtClean="0">
+                              <a:latin typeface="Cambria Math" panose="02040503050406030204" pitchFamily="18" charset="0"/>
+                            </a:rPr>
+                            <m:t>1</m:t>
+                          </m:r>
+                        </m:num>
+                        <m:den>
+                          <m:r>
+                            <a:rPr lang="pt-BR" sz="2400" b="0" i="1" smtClean="0">
+                              <a:latin typeface="Cambria Math" panose="02040503050406030204" pitchFamily="18" charset="0"/>
+                            </a:rPr>
+                            <m:t>𝑁</m:t>
+                          </m:r>
+                        </m:den>
+                      </m:f>
+                      <m:nary>
+                        <m:naryPr>
+                          <m:chr m:val="∑"/>
+                          <m:ctrlPr>
+                            <a:rPr lang="pt-BR" sz="2400" b="0" i="1" smtClean="0">
+                              <a:latin typeface="Cambria Math" panose="02040503050406030204" pitchFamily="18" charset="0"/>
+                            </a:rPr>
+                          </m:ctrlPr>
+                        </m:naryPr>
+                        <m:sub>
+                          <m:r>
+                            <m:rPr>
+                              <m:brk m:alnAt="23"/>
+                            </m:rPr>
+                            <a:rPr lang="pt-BR" sz="2400" b="0" i="1" smtClean="0">
+                              <a:latin typeface="Cambria Math" panose="02040503050406030204" pitchFamily="18" charset="0"/>
+                            </a:rPr>
+                            <m:t>𝑛</m:t>
+                          </m:r>
+                          <m:r>
+                            <a:rPr lang="pt-BR" sz="2400" b="0" i="1" smtClean="0">
+                              <a:latin typeface="Cambria Math" panose="02040503050406030204" pitchFamily="18" charset="0"/>
+                            </a:rPr>
+                            <m:t>=1</m:t>
+                          </m:r>
+                        </m:sub>
+                        <m:sup>
+                          <m:r>
+                            <a:rPr lang="pt-BR" sz="2400" b="0" i="1" smtClean="0">
+                              <a:latin typeface="Cambria Math" panose="02040503050406030204" pitchFamily="18" charset="0"/>
+                            </a:rPr>
+                            <m:t>𝑁</m:t>
+                          </m:r>
+                        </m:sup>
+                        <m:e>
+                          <m:sSup>
+                            <m:sSupPr>
+                              <m:ctrlPr>
+                                <a:rPr lang="pt-BR" sz="2400" b="0" i="1" smtClean="0">
+                                  <a:latin typeface="Cambria Math" panose="02040503050406030204" pitchFamily="18" charset="0"/>
+                                </a:rPr>
+                              </m:ctrlPr>
+                            </m:sSupPr>
+                            <m:e>
+                              <m:d>
+                                <m:dPr>
+                                  <m:ctrlPr>
+                                    <a:rPr lang="pt-BR" sz="2400" b="0" i="1" smtClean="0">
+                                      <a:latin typeface="Cambria Math" panose="02040503050406030204" pitchFamily="18" charset="0"/>
+                                    </a:rPr>
+                                  </m:ctrlPr>
+                                </m:dPr>
+                                <m:e>
+                                  <m:sSub>
+                                    <m:sSubPr>
+                                      <m:ctrlPr>
+                                        <a:rPr lang="pt-BR" sz="2400" i="1">
+                                          <a:latin typeface="Cambria Math" panose="02040503050406030204" pitchFamily="18" charset="0"/>
+                                        </a:rPr>
+                                      </m:ctrlPr>
+                                    </m:sSubPr>
+                                    <m:e>
+                                      <m:acc>
+                                        <m:accPr>
+                                          <m:chr m:val="̂"/>
+                                          <m:ctrlPr>
+                                            <a:rPr lang="pt-BR" sz="2400" i="1">
+                                              <a:latin typeface="Cambria Math" panose="02040503050406030204" pitchFamily="18" charset="0"/>
+                                            </a:rPr>
+                                          </m:ctrlPr>
+                                        </m:accPr>
+                                        <m:e>
+                                          <m:r>
+                                            <a:rPr lang="pt-BR" sz="2400" i="1">
+                                              <a:latin typeface="Cambria Math" panose="02040503050406030204" pitchFamily="18" charset="0"/>
+                                            </a:rPr>
+                                            <m:t>𝑦</m:t>
+                                          </m:r>
+                                        </m:e>
+                                      </m:acc>
+                                    </m:e>
+                                    <m:sub>
+                                      <m:r>
+                                        <a:rPr lang="pt-BR" sz="2400" i="1">
+                                          <a:latin typeface="Cambria Math" panose="02040503050406030204" pitchFamily="18" charset="0"/>
+                                        </a:rPr>
+                                        <m:t>𝑛</m:t>
+                                      </m:r>
+                                    </m:sub>
+                                  </m:sSub>
+                                  <m:r>
+                                    <a:rPr lang="pt-BR" sz="2400" b="0" i="1" smtClean="0">
+                                      <a:latin typeface="Cambria Math" panose="02040503050406030204" pitchFamily="18" charset="0"/>
+                                    </a:rPr>
+                                    <m:t>−</m:t>
+                                  </m:r>
+                                  <m:sSub>
+                                    <m:sSubPr>
+                                      <m:ctrlPr>
+                                        <a:rPr lang="pt-BR" sz="2400" i="1">
+                                          <a:latin typeface="Cambria Math" panose="02040503050406030204" pitchFamily="18" charset="0"/>
+                                        </a:rPr>
+                                      </m:ctrlPr>
+                                    </m:sSubPr>
+                                    <m:e>
+                                      <m:r>
+                                        <a:rPr lang="pt-BR" sz="2400" i="1">
+                                          <a:latin typeface="Cambria Math" panose="02040503050406030204" pitchFamily="18" charset="0"/>
+                                        </a:rPr>
+                                        <m:t>𝑦</m:t>
+                                      </m:r>
+                                    </m:e>
+                                    <m:sub>
+                                      <m:r>
+                                        <a:rPr lang="pt-BR" sz="2400" i="1">
+                                          <a:latin typeface="Cambria Math" panose="02040503050406030204" pitchFamily="18" charset="0"/>
+                                        </a:rPr>
+                                        <m:t>𝑛</m:t>
+                                      </m:r>
+                                    </m:sub>
+                                  </m:sSub>
+                                </m:e>
+                              </m:d>
+                            </m:e>
+                            <m:sup>
+                              <m:r>
+                                <a:rPr lang="pt-BR" sz="2400" b="0" i="1" smtClean="0">
+                                  <a:latin typeface="Cambria Math" panose="02040503050406030204" pitchFamily="18" charset="0"/>
+                                </a:rPr>
+                                <m:t>2</m:t>
+                              </m:r>
+                            </m:sup>
+                          </m:sSup>
+                        </m:e>
+                      </m:nary>
+                    </m:oMath>
+                  </m:oMathPara>
+                </a14:m>
+                <a:endParaRPr lang="pt-BR" sz="2400" dirty="0"/>
+              </a:p>
+            </p:txBody>
+          </p:sp>
+        </mc:Choice>
+        <mc:Fallback>
+          <p:sp>
+            <p:nvSpPr>
+              <p:cNvPr id="14" name="CaixaDeTexto 13">
+                <a:extLst>
+                  <a:ext uri="{FF2B5EF4-FFF2-40B4-BE49-F238E27FC236}">
+                    <a16:creationId xmlns:a16="http://schemas.microsoft.com/office/drawing/2014/main" id="{43DA85D1-4D90-5FC1-15B5-A84453E4F6E7}"/>
+                  </a:ext>
+                </a:extLst>
+              </p:cNvPr>
+              <p:cNvSpPr txBox="1">
+                <a:spLocks noRot="1" noChangeAspect="1" noMove="1" noResize="1" noEditPoints="1" noAdjustHandles="1" noChangeArrowheads="1" noChangeShapeType="1" noTextEdit="1"/>
+              </p:cNvSpPr>
+              <p:nvPr/>
+            </p:nvSpPr>
+            <p:spPr>
+              <a:xfrm>
+                <a:off x="1291363" y="5581895"/>
+                <a:ext cx="3520374" cy="1130822"/>
+              </a:xfrm>
+              <a:prstGeom prst="rect">
+                <a:avLst/>
+              </a:prstGeom>
+              <a:blipFill>
+                <a:blip r:embed="rId3"/>
+                <a:stretch>
+                  <a:fillRect/>
+                </a:stretch>
+              </a:blipFill>
+            </p:spPr>
+            <p:txBody>
+              <a:bodyPr/>
+              <a:lstStyle/>
+              <a:p>
+                <a:r>
+                  <a:rPr lang="pt-BR">
+                    <a:noFill/>
+                  </a:rPr>
+                  <a:t> </a:t>
+                </a:r>
+              </a:p>
+            </p:txBody>
+          </p:sp>
+        </mc:Fallback>
+      </mc:AlternateContent>
+    </p:spTree>
+    <p:extLst>
+      <p:ext uri="{BB962C8B-B14F-4D97-AF65-F5344CB8AC3E}">
+        <p14:creationId xmlns:p14="http://schemas.microsoft.com/office/powerpoint/2010/main" val="2028730916"/>
+      </p:ext>
+    </p:extLst>
+  </p:cSld>
+  <p:clrMapOvr>
+    <a:masterClrMapping/>
+  </p:clrMapOvr>
+</p:sld>
+</file>
+
+<file path=ppt/slides/slide5.xml><?xml version="1.0" encoding="utf-8"?>
+<p:sld xmlns:a="http://schemas.openxmlformats.org/drawingml/2006/main" xmlns:r="http://schemas.openxmlformats.org/officeDocument/2006/relationships" xmlns:p="http://schemas.openxmlformats.org/presentationml/2006/main">
+  <p:cSld>
+    <p:spTree>
+      <p:nvGrpSpPr>
+        <p:cNvPr id="1" name=""/>
+        <p:cNvGrpSpPr/>
+        <p:nvPr/>
+      </p:nvGrpSpPr>
+      <p:grpSpPr>
+        <a:xfrm>
+          <a:off x="0" y="0"/>
+          <a:ext cx="0" cy="0"/>
+          <a:chOff x="0" y="0"/>
+          <a:chExt cx="0" cy="0"/>
+        </a:xfrm>
+      </p:grpSpPr>
+      <p:sp>
+        <p:nvSpPr>
+          <p:cNvPr id="19" name="Forma Livre: Forma 18">
+            <a:extLst>
+              <a:ext uri="{FF2B5EF4-FFF2-40B4-BE49-F238E27FC236}">
+                <a16:creationId xmlns:a16="http://schemas.microsoft.com/office/drawing/2014/main" id="{D9013326-EF21-4EBB-9732-E899F67B9080}"/>
+              </a:ext>
+            </a:extLst>
+          </p:cNvPr>
+          <p:cNvSpPr/>
+          <p:nvPr/>
+        </p:nvSpPr>
+        <p:spPr>
+          <a:xfrm>
+            <a:off x="1190625" y="2990850"/>
+            <a:ext cx="3429000" cy="1752634"/>
+          </a:xfrm>
+          <a:custGeom>
+            <a:avLst/>
+            <a:gdLst>
+              <a:gd name="connsiteX0" fmla="*/ 0 w 3429000"/>
+              <a:gd name="connsiteY0" fmla="*/ 38100 h 1752634"/>
+              <a:gd name="connsiteX1" fmla="*/ 1714500 w 3429000"/>
+              <a:gd name="connsiteY1" fmla="*/ 1752600 h 1752634"/>
+              <a:gd name="connsiteX2" fmla="*/ 3429000 w 3429000"/>
+              <a:gd name="connsiteY2" fmla="*/ 0 h 1752634"/>
+            </a:gdLst>
+            <a:ahLst/>
+            <a:cxnLst>
+              <a:cxn ang="0">
+                <a:pos x="connsiteX0" y="connsiteY0"/>
+              </a:cxn>
+              <a:cxn ang="0">
+                <a:pos x="connsiteX1" y="connsiteY1"/>
+              </a:cxn>
+              <a:cxn ang="0">
+                <a:pos x="connsiteX2" y="connsiteY2"/>
+              </a:cxn>
+            </a:cxnLst>
+            <a:rect l="l" t="t" r="r" b="b"/>
+            <a:pathLst>
+              <a:path w="3429000" h="1752634">
+                <a:moveTo>
+                  <a:pt x="0" y="38100"/>
+                </a:moveTo>
+                <a:cubicBezTo>
+                  <a:pt x="571500" y="898525"/>
+                  <a:pt x="1143000" y="1758950"/>
+                  <a:pt x="1714500" y="1752600"/>
+                </a:cubicBezTo>
+                <a:cubicBezTo>
+                  <a:pt x="2286000" y="1746250"/>
+                  <a:pt x="3119438" y="314325"/>
+                  <a:pt x="3429000" y="0"/>
+                </a:cubicBezTo>
+              </a:path>
+            </a:pathLst>
+          </a:custGeom>
+          <a:noFill/>
+        </p:spPr>
+        <p:style>
+          <a:lnRef idx="2">
+            <a:schemeClr val="accent1">
+              <a:shade val="15000"/>
+            </a:schemeClr>
+          </a:lnRef>
+          <a:fillRef idx="1">
+            <a:schemeClr val="accent1"/>
+          </a:fillRef>
+          <a:effectRef idx="0">
+            <a:schemeClr val="accent1"/>
+          </a:effectRef>
+          <a:fontRef idx="minor">
+            <a:schemeClr val="lt1"/>
+          </a:fontRef>
+        </p:style>
+        <p:txBody>
+          <a:bodyPr rtlCol="0" anchor="ctr"/>
+          <a:lstStyle/>
+          <a:p>
+            <a:pPr algn="ctr"/>
+            <a:endParaRPr lang="pt-BR"/>
+          </a:p>
+        </p:txBody>
+      </p:sp>
+      <p:sp>
+        <p:nvSpPr>
+          <p:cNvPr id="2" name="Título 1">
+            <a:extLst>
+              <a:ext uri="{FF2B5EF4-FFF2-40B4-BE49-F238E27FC236}">
+                <a16:creationId xmlns:a16="http://schemas.microsoft.com/office/drawing/2014/main" id="{FDCC3C31-4EA2-B4A2-431F-BF22FBB8A7BA}"/>
+              </a:ext>
+            </a:extLst>
+          </p:cNvPr>
+          <p:cNvSpPr>
+            <a:spLocks noGrp="1"/>
+          </p:cNvSpPr>
+          <p:nvPr>
+            <p:ph type="title"/>
+          </p:nvPr>
+        </p:nvSpPr>
+        <p:spPr/>
+        <p:txBody>
+          <a:bodyPr/>
+          <a:lstStyle/>
+          <a:p>
+            <a:r>
+              <a:rPr lang="pt-BR" dirty="0"/>
+              <a:t>Ponto de mínimo</a:t>
+            </a:r>
+          </a:p>
+        </p:txBody>
+      </p:sp>
+      <p:sp>
+        <p:nvSpPr>
+          <p:cNvPr id="3" name="Espaço Reservado para Conteúdo 2">
+            <a:extLst>
+              <a:ext uri="{FF2B5EF4-FFF2-40B4-BE49-F238E27FC236}">
+                <a16:creationId xmlns:a16="http://schemas.microsoft.com/office/drawing/2014/main" id="{F09EA0C7-E094-F158-6A1A-B80733321450}"/>
+              </a:ext>
+            </a:extLst>
+          </p:cNvPr>
+          <p:cNvSpPr>
+            <a:spLocks noGrp="1"/>
+          </p:cNvSpPr>
+          <p:nvPr>
+            <p:ph idx="1"/>
+          </p:nvPr>
+        </p:nvSpPr>
+        <p:spPr>
+          <a:xfrm>
+            <a:off x="5876819" y="1825624"/>
+            <a:ext cx="6123397" cy="5032376"/>
+          </a:xfrm>
+        </p:spPr>
+        <p:txBody>
+          <a:bodyPr>
+            <a:normAutofit/>
+          </a:bodyPr>
+          <a:lstStyle/>
+          <a:p>
+            <a:r>
+              <a:rPr lang="pt-BR" dirty="0"/>
+              <a:t>Se queremos encontrar o </a:t>
+            </a:r>
+            <a:r>
+              <a:rPr lang="pt-BR" b="1" i="1" dirty="0"/>
+              <a:t>mínimo</a:t>
+            </a:r>
+            <a:r>
+              <a:rPr lang="pt-BR" dirty="0"/>
+              <a:t> da função, basta buscarmos a </a:t>
+            </a:r>
+            <a:r>
+              <a:rPr lang="pt-BR" b="1" i="1" dirty="0"/>
+              <a:t>parte mais baixa da parábola</a:t>
+            </a:r>
+            <a:r>
+              <a:rPr lang="pt-BR" dirty="0"/>
+              <a:t>.</a:t>
+            </a:r>
+          </a:p>
+          <a:p>
+            <a:r>
+              <a:rPr lang="pt-BR" dirty="0"/>
+              <a:t>Não importa quais sejam os valores dos pesos e onde a função de erro é plotada no gráfico, nós </a:t>
+            </a:r>
+            <a:r>
+              <a:rPr lang="pt-BR" b="1" i="1" dirty="0"/>
+              <a:t>sempre teremos certeza de que o mínimo está na parte inferior da parábola</a:t>
+            </a:r>
+            <a:r>
+              <a:rPr lang="pt-BR" dirty="0"/>
+              <a:t>.</a:t>
+            </a:r>
+          </a:p>
+        </p:txBody>
+      </p:sp>
+      <p:grpSp>
+        <p:nvGrpSpPr>
+          <p:cNvPr id="4" name="Agrupar 3">
+            <a:extLst>
+              <a:ext uri="{FF2B5EF4-FFF2-40B4-BE49-F238E27FC236}">
+                <a16:creationId xmlns:a16="http://schemas.microsoft.com/office/drawing/2014/main" id="{595E690C-A133-B1B0-72E4-B7F425367050}"/>
+              </a:ext>
+            </a:extLst>
+          </p:cNvPr>
+          <p:cNvGrpSpPr>
+            <a:grpSpLocks noChangeAspect="1"/>
+          </p:cNvGrpSpPr>
+          <p:nvPr/>
+        </p:nvGrpSpPr>
+        <p:grpSpPr>
+          <a:xfrm>
+            <a:off x="974017" y="2353696"/>
+            <a:ext cx="3962612" cy="3140390"/>
+            <a:chOff x="1323650" y="2793841"/>
+            <a:chExt cx="3325297" cy="2635315"/>
+          </a:xfrm>
+        </p:grpSpPr>
+        <p:cxnSp>
+          <p:nvCxnSpPr>
+            <p:cNvPr id="6" name="Conector de Seta Reta 5">
+              <a:extLst>
+                <a:ext uri="{FF2B5EF4-FFF2-40B4-BE49-F238E27FC236}">
+                  <a16:creationId xmlns:a16="http://schemas.microsoft.com/office/drawing/2014/main" id="{CECA8A08-ECD5-CF26-4CEC-3C8F2A7EB943}"/>
+                </a:ext>
+              </a:extLst>
+            </p:cNvPr>
+            <p:cNvCxnSpPr>
+              <a:cxnSpLocks/>
+            </p:cNvCxnSpPr>
+            <p:nvPr/>
+          </p:nvCxnSpPr>
+          <p:spPr>
+            <a:xfrm>
+              <a:off x="1323650" y="4944191"/>
+              <a:ext cx="3240000" cy="0"/>
+            </a:xfrm>
+            <a:prstGeom prst="straightConnector1">
+              <a:avLst/>
+            </a:prstGeom>
+            <a:ln w="19050">
+              <a:solidFill>
+                <a:schemeClr val="tx1"/>
+              </a:solidFill>
+              <a:tailEnd type="triangle"/>
+            </a:ln>
+          </p:spPr>
+          <p:style>
+            <a:lnRef idx="1">
+              <a:schemeClr val="accent1"/>
+            </a:lnRef>
+            <a:fillRef idx="0">
+              <a:schemeClr val="accent1"/>
+            </a:fillRef>
+            <a:effectRef idx="0">
+              <a:schemeClr val="accent1"/>
+            </a:effectRef>
+            <a:fontRef idx="minor">
+              <a:schemeClr val="tx1"/>
+            </a:fontRef>
+          </p:style>
+        </p:cxnSp>
+        <p:cxnSp>
+          <p:nvCxnSpPr>
+            <p:cNvPr id="7" name="Conector de Seta Reta 6">
+              <a:extLst>
+                <a:ext uri="{FF2B5EF4-FFF2-40B4-BE49-F238E27FC236}">
+                  <a16:creationId xmlns:a16="http://schemas.microsoft.com/office/drawing/2014/main" id="{EBE189DA-FC3E-6F77-83E6-389C755E01A6}"/>
+                </a:ext>
+              </a:extLst>
+            </p:cNvPr>
+            <p:cNvCxnSpPr>
+              <a:cxnSpLocks/>
+            </p:cNvCxnSpPr>
+            <p:nvPr/>
+          </p:nvCxnSpPr>
+          <p:spPr>
+            <a:xfrm flipV="1">
+              <a:off x="1323651" y="2868202"/>
+              <a:ext cx="0" cy="2075989"/>
+            </a:xfrm>
+            <a:prstGeom prst="straightConnector1">
+              <a:avLst/>
+            </a:prstGeom>
+            <a:ln w="19050">
+              <a:solidFill>
+                <a:schemeClr val="tx1"/>
+              </a:solidFill>
+              <a:tailEnd type="triangle"/>
+            </a:ln>
+          </p:spPr>
+          <p:style>
+            <a:lnRef idx="1">
+              <a:schemeClr val="accent1"/>
+            </a:lnRef>
+            <a:fillRef idx="0">
+              <a:schemeClr val="accent1"/>
+            </a:fillRef>
+            <a:effectRef idx="0">
+              <a:schemeClr val="accent1"/>
+            </a:effectRef>
+            <a:fontRef idx="minor">
+              <a:schemeClr val="tx1"/>
+            </a:fontRef>
+          </p:style>
+        </p:cxnSp>
+        <p:sp>
+          <p:nvSpPr>
+            <p:cNvPr id="8" name="CaixaDeTexto 7">
+              <a:extLst>
+                <a:ext uri="{FF2B5EF4-FFF2-40B4-BE49-F238E27FC236}">
+                  <a16:creationId xmlns:a16="http://schemas.microsoft.com/office/drawing/2014/main" id="{A78938CD-F777-59C9-49FF-1EC87187C2BF}"/>
+                </a:ext>
+              </a:extLst>
+            </p:cNvPr>
+            <p:cNvSpPr txBox="1"/>
+            <p:nvPr/>
+          </p:nvSpPr>
+          <p:spPr>
+            <a:xfrm>
+              <a:off x="1323650" y="2793841"/>
+              <a:ext cx="1409701" cy="309932"/>
+            </a:xfrm>
+            <a:prstGeom prst="rect">
+              <a:avLst/>
+            </a:prstGeom>
+            <a:noFill/>
+          </p:spPr>
+          <p:txBody>
+            <a:bodyPr wrap="square" rtlCol="0">
+              <a:spAutoFit/>
+            </a:bodyPr>
+            <a:lstStyle/>
+            <a:p>
+              <a:r>
+                <a:rPr lang="pt-BR" dirty="0"/>
+                <a:t>Função de erro</a:t>
+              </a:r>
+            </a:p>
+          </p:txBody>
+        </p:sp>
+        <p:sp>
+          <p:nvSpPr>
+            <p:cNvPr id="9" name="CaixaDeTexto 8">
+              <a:extLst>
+                <a:ext uri="{FF2B5EF4-FFF2-40B4-BE49-F238E27FC236}">
+                  <a16:creationId xmlns:a16="http://schemas.microsoft.com/office/drawing/2014/main" id="{A1CE1535-321D-E614-D63E-21C0CB455062}"/>
+                </a:ext>
+              </a:extLst>
+            </p:cNvPr>
+            <p:cNvSpPr txBox="1"/>
+            <p:nvPr/>
+          </p:nvSpPr>
+          <p:spPr>
+            <a:xfrm>
+              <a:off x="4114956" y="4950574"/>
+              <a:ext cx="533991" cy="309932"/>
+            </a:xfrm>
+            <a:prstGeom prst="rect">
+              <a:avLst/>
+            </a:prstGeom>
+            <a:noFill/>
+          </p:spPr>
+          <p:txBody>
+            <a:bodyPr wrap="square" rtlCol="0">
+              <a:spAutoFit/>
+            </a:bodyPr>
+            <a:lstStyle/>
+            <a:p>
+              <a:pPr algn="r"/>
+              <a:r>
+                <a:rPr lang="pt-BR" dirty="0"/>
+                <a:t>Peso</a:t>
+              </a:r>
+            </a:p>
+          </p:txBody>
+        </p:sp>
+        <p:cxnSp>
+          <p:nvCxnSpPr>
+            <p:cNvPr id="10" name="Conector reto 9">
+              <a:extLst>
+                <a:ext uri="{FF2B5EF4-FFF2-40B4-BE49-F238E27FC236}">
+                  <a16:creationId xmlns:a16="http://schemas.microsoft.com/office/drawing/2014/main" id="{C04D87AE-293E-34D0-E4BE-09E7635BC7EE}"/>
+                </a:ext>
+              </a:extLst>
+            </p:cNvPr>
+            <p:cNvCxnSpPr/>
+            <p:nvPr/>
+          </p:nvCxnSpPr>
+          <p:spPr>
+            <a:xfrm>
+              <a:off x="1326057" y="4800159"/>
+              <a:ext cx="1620000" cy="0"/>
+            </a:xfrm>
+            <a:prstGeom prst="line">
+              <a:avLst/>
+            </a:prstGeom>
+            <a:ln>
+              <a:solidFill>
+                <a:srgbClr val="FF0000"/>
+              </a:solidFill>
+              <a:prstDash val="dash"/>
+            </a:ln>
+          </p:spPr>
+          <p:style>
+            <a:lnRef idx="1">
+              <a:schemeClr val="accent1"/>
+            </a:lnRef>
+            <a:fillRef idx="0">
+              <a:schemeClr val="accent1"/>
+            </a:fillRef>
+            <a:effectRef idx="0">
+              <a:schemeClr val="accent1"/>
+            </a:effectRef>
+            <a:fontRef idx="minor">
+              <a:schemeClr val="tx1"/>
+            </a:fontRef>
+          </p:style>
+        </p:cxnSp>
+        <p:sp>
+          <p:nvSpPr>
+            <p:cNvPr id="11" name="CaixaDeTexto 10">
+              <a:extLst>
+                <a:ext uri="{FF2B5EF4-FFF2-40B4-BE49-F238E27FC236}">
+                  <a16:creationId xmlns:a16="http://schemas.microsoft.com/office/drawing/2014/main" id="{0ED8EC8A-F8D0-F14F-7E38-47715C0AD532}"/>
+                </a:ext>
+              </a:extLst>
+            </p:cNvPr>
+            <p:cNvSpPr txBox="1"/>
+            <p:nvPr/>
+          </p:nvSpPr>
+          <p:spPr>
+            <a:xfrm>
+              <a:off x="2493227" y="4967491"/>
+              <a:ext cx="895349" cy="461665"/>
+            </a:xfrm>
+            <a:prstGeom prst="rect">
+              <a:avLst/>
+            </a:prstGeom>
+            <a:noFill/>
+          </p:spPr>
+          <p:txBody>
+            <a:bodyPr wrap="square" rtlCol="0">
+              <a:spAutoFit/>
+            </a:bodyPr>
+            <a:lstStyle/>
+            <a:p>
+              <a:pPr algn="ctr"/>
+              <a:r>
+                <a:rPr lang="pt-BR" sz="1200" dirty="0"/>
+                <a:t>Ponto de mínimo</a:t>
+              </a:r>
+            </a:p>
+          </p:txBody>
+        </p:sp>
+        <p:cxnSp>
+          <p:nvCxnSpPr>
+            <p:cNvPr id="12" name="Conector reto 11">
+              <a:extLst>
+                <a:ext uri="{FF2B5EF4-FFF2-40B4-BE49-F238E27FC236}">
+                  <a16:creationId xmlns:a16="http://schemas.microsoft.com/office/drawing/2014/main" id="{37A91F5D-D6CE-87E4-DD6F-6AEA41D6D82D}"/>
+                </a:ext>
+              </a:extLst>
+            </p:cNvPr>
+            <p:cNvCxnSpPr>
+              <a:cxnSpLocks/>
+            </p:cNvCxnSpPr>
+            <p:nvPr/>
+          </p:nvCxnSpPr>
+          <p:spPr>
+            <a:xfrm>
+              <a:off x="2941952" y="4793809"/>
+              <a:ext cx="0" cy="144000"/>
+            </a:xfrm>
+            <a:prstGeom prst="line">
+              <a:avLst/>
+            </a:prstGeom>
+            <a:ln>
+              <a:solidFill>
+                <a:srgbClr val="FF0000"/>
+              </a:solidFill>
+              <a:prstDash val="dash"/>
+            </a:ln>
+          </p:spPr>
+          <p:style>
+            <a:lnRef idx="1">
+              <a:schemeClr val="accent1"/>
+            </a:lnRef>
+            <a:fillRef idx="0">
+              <a:schemeClr val="accent1"/>
+            </a:fillRef>
+            <a:effectRef idx="0">
+              <a:schemeClr val="accent1"/>
+            </a:effectRef>
+            <a:fontRef idx="minor">
+              <a:schemeClr val="tx1"/>
+            </a:fontRef>
+          </p:style>
+        </p:cxnSp>
+        <p:sp>
+          <p:nvSpPr>
+            <p:cNvPr id="13" name="Elipse 12">
+              <a:extLst>
+                <a:ext uri="{FF2B5EF4-FFF2-40B4-BE49-F238E27FC236}">
+                  <a16:creationId xmlns:a16="http://schemas.microsoft.com/office/drawing/2014/main" id="{34D38410-D059-6D93-1DD2-6F2EF0E92E63}"/>
+                </a:ext>
+              </a:extLst>
+            </p:cNvPr>
+            <p:cNvSpPr/>
+            <p:nvPr/>
+          </p:nvSpPr>
+          <p:spPr>
+            <a:xfrm>
+              <a:off x="2922902" y="4781109"/>
+              <a:ext cx="36000" cy="36000"/>
+            </a:xfrm>
+            <a:prstGeom prst="ellipse">
+              <a:avLst/>
+            </a:prstGeom>
+            <a:solidFill>
+              <a:srgbClr val="FF0000"/>
+            </a:solidFill>
+            <a:ln>
+              <a:solidFill>
+                <a:srgbClr val="FF0000"/>
+              </a:solidFill>
+            </a:ln>
+          </p:spPr>
+          <p:style>
+            <a:lnRef idx="2">
+              <a:schemeClr val="accent1">
+                <a:shade val="15000"/>
+              </a:schemeClr>
+            </a:lnRef>
+            <a:fillRef idx="1">
+              <a:schemeClr val="accent1"/>
+            </a:fillRef>
+            <a:effectRef idx="0">
+              <a:schemeClr val="accent1"/>
+            </a:effectRef>
+            <a:fontRef idx="minor">
+              <a:schemeClr val="lt1"/>
+            </a:fontRef>
+          </p:style>
+          <p:txBody>
+            <a:bodyPr rtlCol="0" anchor="ctr"/>
+            <a:lstStyle/>
+            <a:p>
+              <a:pPr algn="ctr"/>
+              <a:endParaRPr lang="pt-BR" dirty="0"/>
+            </a:p>
+          </p:txBody>
+        </p:sp>
+      </p:grpSp>
+      <p:cxnSp>
+        <p:nvCxnSpPr>
+          <p:cNvPr id="16" name="Conector de Seta Reta 15">
+            <a:extLst>
+              <a:ext uri="{FF2B5EF4-FFF2-40B4-BE49-F238E27FC236}">
+                <a16:creationId xmlns:a16="http://schemas.microsoft.com/office/drawing/2014/main" id="{8F063B4C-03F8-0636-565D-874E617104A0}"/>
+              </a:ext>
+            </a:extLst>
+          </p:cNvPr>
+          <p:cNvCxnSpPr>
+            <a:cxnSpLocks/>
+          </p:cNvCxnSpPr>
+          <p:nvPr/>
+        </p:nvCxnSpPr>
+        <p:spPr>
+          <a:xfrm flipH="1">
+            <a:off x="2922676" y="3590207"/>
+            <a:ext cx="882208" cy="1088290"/>
+          </a:xfrm>
+          <a:prstGeom prst="straightConnector1">
+            <a:avLst/>
+          </a:prstGeom>
+          <a:ln w="28575">
+            <a:solidFill>
+              <a:srgbClr val="FF0000"/>
+            </a:solidFill>
+            <a:tailEnd type="triangle"/>
+          </a:ln>
+        </p:spPr>
+        <p:style>
+          <a:lnRef idx="1">
+            <a:schemeClr val="accent1"/>
+          </a:lnRef>
+          <a:fillRef idx="0">
+            <a:schemeClr val="accent1"/>
+          </a:fillRef>
+          <a:effectRef idx="0">
+            <a:schemeClr val="accent1"/>
+          </a:effectRef>
+          <a:fontRef idx="minor">
+            <a:schemeClr val="tx1"/>
+          </a:fontRef>
+        </p:style>
+      </p:cxnSp>
+    </p:spTree>
+    <p:extLst>
+      <p:ext uri="{BB962C8B-B14F-4D97-AF65-F5344CB8AC3E}">
+        <p14:creationId xmlns:p14="http://schemas.microsoft.com/office/powerpoint/2010/main" val="3687753770"/>
+      </p:ext>
+    </p:extLst>
+  </p:cSld>
+  <p:clrMapOvr>
+    <a:masterClrMapping/>
+  </p:clrMapOvr>
+</p:sld>
+</file>
+
+<file path=ppt/slides/slide6.xml><?xml version="1.0" encoding="utf-8"?>
+<p:sld xmlns:a="http://schemas.openxmlformats.org/drawingml/2006/main" xmlns:r="http://schemas.openxmlformats.org/officeDocument/2006/relationships" xmlns:p="http://schemas.openxmlformats.org/presentationml/2006/main">
+  <p:cSld>
+    <p:spTree>
+      <p:nvGrpSpPr>
+        <p:cNvPr id="1" name=""/>
+        <p:cNvGrpSpPr/>
+        <p:nvPr/>
+      </p:nvGrpSpPr>
+      <p:grpSpPr>
+        <a:xfrm>
+          <a:off x="0" y="0"/>
+          <a:ext cx="0" cy="0"/>
+          <a:chOff x="0" y="0"/>
+          <a:chExt cx="0" cy="0"/>
+        </a:xfrm>
+      </p:grpSpPr>
+      <p:sp>
+        <p:nvSpPr>
+          <p:cNvPr id="2" name="Título 1">
+            <a:extLst>
+              <a:ext uri="{FF2B5EF4-FFF2-40B4-BE49-F238E27FC236}">
+                <a16:creationId xmlns:a16="http://schemas.microsoft.com/office/drawing/2014/main" id="{FDCC3C31-4EA2-B4A2-431F-BF22FBB8A7BA}"/>
+              </a:ext>
+            </a:extLst>
+          </p:cNvPr>
+          <p:cNvSpPr>
+            <a:spLocks noGrp="1"/>
+          </p:cNvSpPr>
+          <p:nvPr>
+            <p:ph type="title"/>
+          </p:nvPr>
+        </p:nvSpPr>
+        <p:spPr/>
+        <p:txBody>
+          <a:bodyPr/>
+          <a:lstStyle/>
+          <a:p>
+            <a:r>
+              <a:rPr lang="pt-BR" dirty="0"/>
+              <a:t>O erro indica o caminho correto</a:t>
+            </a:r>
+          </a:p>
+        </p:txBody>
+      </p:sp>
+      <p:sp>
+        <p:nvSpPr>
+          <p:cNvPr id="3" name="Espaço Reservado para Conteúdo 2">
+            <a:extLst>
+              <a:ext uri="{FF2B5EF4-FFF2-40B4-BE49-F238E27FC236}">
+                <a16:creationId xmlns:a16="http://schemas.microsoft.com/office/drawing/2014/main" id="{F09EA0C7-E094-F158-6A1A-B80733321450}"/>
+              </a:ext>
+            </a:extLst>
+          </p:cNvPr>
+          <p:cNvSpPr>
+            <a:spLocks noGrp="1"/>
+          </p:cNvSpPr>
+          <p:nvPr>
+            <p:ph idx="1"/>
+          </p:nvPr>
+        </p:nvSpPr>
+        <p:spPr>
+          <a:xfrm>
+            <a:off x="6181728" y="1825624"/>
+            <a:ext cx="5818488" cy="5032376"/>
+          </a:xfrm>
+        </p:spPr>
+        <p:txBody>
+          <a:bodyPr>
+            <a:normAutofit/>
+          </a:bodyPr>
+          <a:lstStyle/>
+          <a:p>
+            <a:r>
+              <a:rPr lang="pt-BR" dirty="0"/>
+              <a:t>Assim, se dermos um palpite sobre os valores dos pesos da função hipótese, como mostrado ao lado, e calcularmos o erro, ele será grande e, consequentemente, saberemos que estamos longe do ponto de mínimo.</a:t>
+            </a:r>
+          </a:p>
+        </p:txBody>
+      </p:sp>
+      <p:grpSp>
+        <p:nvGrpSpPr>
+          <p:cNvPr id="25" name="Agrupar 24">
+            <a:extLst>
+              <a:ext uri="{FF2B5EF4-FFF2-40B4-BE49-F238E27FC236}">
+                <a16:creationId xmlns:a16="http://schemas.microsoft.com/office/drawing/2014/main" id="{CAABD4E6-0271-FDD3-1BDC-9F25BB67666F}"/>
+              </a:ext>
+            </a:extLst>
+          </p:cNvPr>
+          <p:cNvGrpSpPr/>
+          <p:nvPr/>
+        </p:nvGrpSpPr>
+        <p:grpSpPr>
+          <a:xfrm>
+            <a:off x="973059" y="2353695"/>
+            <a:ext cx="3963570" cy="2939416"/>
+            <a:chOff x="973059" y="2353695"/>
+            <a:chExt cx="3963570" cy="2939416"/>
+          </a:xfrm>
+        </p:grpSpPr>
+        <p:sp>
+          <p:nvSpPr>
+            <p:cNvPr id="24" name="Forma Livre: Forma 23">
+              <a:extLst>
+                <a:ext uri="{FF2B5EF4-FFF2-40B4-BE49-F238E27FC236}">
+                  <a16:creationId xmlns:a16="http://schemas.microsoft.com/office/drawing/2014/main" id="{1AF02A9C-5A9B-AE81-9724-6E5E5F5C9AD5}"/>
+                </a:ext>
+              </a:extLst>
+            </p:cNvPr>
+            <p:cNvSpPr/>
+            <p:nvPr/>
+          </p:nvSpPr>
+          <p:spPr>
+            <a:xfrm>
+              <a:off x="1190625" y="2990850"/>
+              <a:ext cx="3429000" cy="1752634"/>
+            </a:xfrm>
+            <a:custGeom>
+              <a:avLst/>
+              <a:gdLst>
+                <a:gd name="connsiteX0" fmla="*/ 0 w 3429000"/>
+                <a:gd name="connsiteY0" fmla="*/ 38100 h 1752634"/>
+                <a:gd name="connsiteX1" fmla="*/ 1714500 w 3429000"/>
+                <a:gd name="connsiteY1" fmla="*/ 1752600 h 1752634"/>
+                <a:gd name="connsiteX2" fmla="*/ 3429000 w 3429000"/>
+                <a:gd name="connsiteY2" fmla="*/ 0 h 1752634"/>
+              </a:gdLst>
+              <a:ahLst/>
+              <a:cxnLst>
+                <a:cxn ang="0">
+                  <a:pos x="connsiteX0" y="connsiteY0"/>
+                </a:cxn>
+                <a:cxn ang="0">
+                  <a:pos x="connsiteX1" y="connsiteY1"/>
+                </a:cxn>
+                <a:cxn ang="0">
+                  <a:pos x="connsiteX2" y="connsiteY2"/>
+                </a:cxn>
+              </a:cxnLst>
+              <a:rect l="l" t="t" r="r" b="b"/>
+              <a:pathLst>
+                <a:path w="3429000" h="1752634">
+                  <a:moveTo>
+                    <a:pt x="0" y="38100"/>
+                  </a:moveTo>
+                  <a:cubicBezTo>
+                    <a:pt x="571500" y="898525"/>
+                    <a:pt x="1143000" y="1758950"/>
+                    <a:pt x="1714500" y="1752600"/>
+                  </a:cubicBezTo>
+                  <a:cubicBezTo>
+                    <a:pt x="2286000" y="1746250"/>
+                    <a:pt x="3119438" y="314325"/>
+                    <a:pt x="3429000" y="0"/>
+                  </a:cubicBezTo>
+                </a:path>
+              </a:pathLst>
+            </a:custGeom>
+            <a:noFill/>
+          </p:spPr>
+          <p:style>
+            <a:lnRef idx="2">
+              <a:schemeClr val="accent1">
+                <a:shade val="15000"/>
+              </a:schemeClr>
+            </a:lnRef>
+            <a:fillRef idx="1">
+              <a:schemeClr val="accent1"/>
+            </a:fillRef>
+            <a:effectRef idx="0">
+              <a:schemeClr val="accent1"/>
+            </a:effectRef>
+            <a:fontRef idx="minor">
+              <a:schemeClr val="lt1"/>
+            </a:fontRef>
+          </p:style>
+          <p:txBody>
+            <a:bodyPr rtlCol="0" anchor="ctr"/>
+            <a:lstStyle/>
+            <a:p>
+              <a:pPr algn="ctr"/>
+              <a:endParaRPr lang="pt-BR"/>
+            </a:p>
+          </p:txBody>
+        </p:sp>
+        <p:cxnSp>
+          <p:nvCxnSpPr>
+            <p:cNvPr id="6" name="Conector de Seta Reta 5">
+              <a:extLst>
+                <a:ext uri="{FF2B5EF4-FFF2-40B4-BE49-F238E27FC236}">
+                  <a16:creationId xmlns:a16="http://schemas.microsoft.com/office/drawing/2014/main" id="{CECA8A08-ECD5-CF26-4CEC-3C8F2A7EB943}"/>
+                </a:ext>
+              </a:extLst>
+            </p:cNvPr>
+            <p:cNvCxnSpPr>
+              <a:cxnSpLocks/>
+            </p:cNvCxnSpPr>
+            <p:nvPr/>
+          </p:nvCxnSpPr>
+          <p:spPr>
+            <a:xfrm>
+              <a:off x="974017" y="4916172"/>
+              <a:ext cx="3860967" cy="0"/>
+            </a:xfrm>
+            <a:prstGeom prst="straightConnector1">
+              <a:avLst/>
+            </a:prstGeom>
+            <a:ln w="19050">
+              <a:solidFill>
+                <a:schemeClr val="tx1"/>
+              </a:solidFill>
+              <a:tailEnd type="triangle"/>
+            </a:ln>
+          </p:spPr>
+          <p:style>
+            <a:lnRef idx="1">
+              <a:schemeClr val="accent1"/>
+            </a:lnRef>
+            <a:fillRef idx="0">
+              <a:schemeClr val="accent1"/>
+            </a:fillRef>
+            <a:effectRef idx="0">
+              <a:schemeClr val="accent1"/>
+            </a:effectRef>
+            <a:fontRef idx="minor">
+              <a:schemeClr val="tx1"/>
+            </a:fontRef>
+          </p:style>
+        </p:cxnSp>
+        <p:cxnSp>
+          <p:nvCxnSpPr>
+            <p:cNvPr id="7" name="Conector de Seta Reta 6">
+              <a:extLst>
+                <a:ext uri="{FF2B5EF4-FFF2-40B4-BE49-F238E27FC236}">
+                  <a16:creationId xmlns:a16="http://schemas.microsoft.com/office/drawing/2014/main" id="{EBE189DA-FC3E-6F77-83E6-389C755E01A6}"/>
+                </a:ext>
+              </a:extLst>
+            </p:cNvPr>
+            <p:cNvCxnSpPr>
+              <a:cxnSpLocks/>
+            </p:cNvCxnSpPr>
+            <p:nvPr/>
+          </p:nvCxnSpPr>
+          <p:spPr>
+            <a:xfrm flipV="1">
+              <a:off x="974018" y="2442308"/>
+              <a:ext cx="0" cy="2473865"/>
+            </a:xfrm>
+            <a:prstGeom prst="straightConnector1">
+              <a:avLst/>
+            </a:prstGeom>
+            <a:ln w="19050">
+              <a:solidFill>
+                <a:schemeClr val="tx1"/>
+              </a:solidFill>
+              <a:tailEnd type="triangle"/>
+            </a:ln>
+          </p:spPr>
+          <p:style>
+            <a:lnRef idx="1">
+              <a:schemeClr val="accent1"/>
+            </a:lnRef>
+            <a:fillRef idx="0">
+              <a:schemeClr val="accent1"/>
+            </a:fillRef>
+            <a:effectRef idx="0">
+              <a:schemeClr val="accent1"/>
+            </a:effectRef>
+            <a:fontRef idx="minor">
+              <a:schemeClr val="tx1"/>
+            </a:fontRef>
+          </p:style>
+        </p:cxnSp>
+        <p:sp>
+          <p:nvSpPr>
+            <p:cNvPr id="8" name="CaixaDeTexto 7">
+              <a:extLst>
+                <a:ext uri="{FF2B5EF4-FFF2-40B4-BE49-F238E27FC236}">
+                  <a16:creationId xmlns:a16="http://schemas.microsoft.com/office/drawing/2014/main" id="{A78938CD-F777-59C9-49FF-1EC87187C2BF}"/>
+                </a:ext>
+              </a:extLst>
+            </p:cNvPr>
+            <p:cNvSpPr txBox="1"/>
+            <p:nvPr/>
+          </p:nvSpPr>
+          <p:spPr>
+            <a:xfrm>
+              <a:off x="974017" y="2353695"/>
+              <a:ext cx="1679879" cy="369332"/>
+            </a:xfrm>
+            <a:prstGeom prst="rect">
+              <a:avLst/>
+            </a:prstGeom>
+            <a:noFill/>
+          </p:spPr>
+          <p:txBody>
+            <a:bodyPr wrap="square" rtlCol="0">
+              <a:spAutoFit/>
+            </a:bodyPr>
+            <a:lstStyle/>
+            <a:p>
+              <a:r>
+                <a:rPr lang="pt-BR" dirty="0"/>
+                <a:t>Função de erro</a:t>
+              </a:r>
+            </a:p>
+          </p:txBody>
+        </p:sp>
+        <p:sp>
+          <p:nvSpPr>
+            <p:cNvPr id="9" name="CaixaDeTexto 8">
+              <a:extLst>
+                <a:ext uri="{FF2B5EF4-FFF2-40B4-BE49-F238E27FC236}">
+                  <a16:creationId xmlns:a16="http://schemas.microsoft.com/office/drawing/2014/main" id="{A1CE1535-321D-E614-D63E-21C0CB455062}"/>
+                </a:ext>
+              </a:extLst>
+            </p:cNvPr>
+            <p:cNvSpPr txBox="1"/>
+            <p:nvPr/>
+          </p:nvSpPr>
+          <p:spPr>
+            <a:xfrm>
+              <a:off x="4300295" y="4923779"/>
+              <a:ext cx="636334" cy="369332"/>
+            </a:xfrm>
+            <a:prstGeom prst="rect">
+              <a:avLst/>
+            </a:prstGeom>
+            <a:noFill/>
+          </p:spPr>
+          <p:txBody>
+            <a:bodyPr wrap="square" rtlCol="0">
+              <a:spAutoFit/>
+            </a:bodyPr>
+            <a:lstStyle/>
+            <a:p>
+              <a:pPr algn="r"/>
+              <a:r>
+                <a:rPr lang="pt-BR" dirty="0"/>
+                <a:t>Peso</a:t>
+              </a:r>
+            </a:p>
+          </p:txBody>
+        </p:sp>
+        <p:cxnSp>
+          <p:nvCxnSpPr>
+            <p:cNvPr id="10" name="Conector reto 9">
+              <a:extLst>
+                <a:ext uri="{FF2B5EF4-FFF2-40B4-BE49-F238E27FC236}">
+                  <a16:creationId xmlns:a16="http://schemas.microsoft.com/office/drawing/2014/main" id="{C04D87AE-293E-34D0-E4BE-09E7635BC7EE}"/>
+                </a:ext>
+              </a:extLst>
+            </p:cNvPr>
+            <p:cNvCxnSpPr/>
+            <p:nvPr/>
+          </p:nvCxnSpPr>
+          <p:spPr>
+            <a:xfrm>
+              <a:off x="976885" y="4744536"/>
+              <a:ext cx="1930484" cy="0"/>
+            </a:xfrm>
+            <a:prstGeom prst="line">
+              <a:avLst/>
+            </a:prstGeom>
+            <a:ln>
+              <a:solidFill>
+                <a:srgbClr val="FF0000"/>
+              </a:solidFill>
+              <a:prstDash val="dash"/>
+            </a:ln>
+          </p:spPr>
+          <p:style>
+            <a:lnRef idx="1">
+              <a:schemeClr val="accent1"/>
+            </a:lnRef>
+            <a:fillRef idx="0">
+              <a:schemeClr val="accent1"/>
+            </a:fillRef>
+            <a:effectRef idx="0">
+              <a:schemeClr val="accent1"/>
+            </a:effectRef>
+            <a:fontRef idx="minor">
+              <a:schemeClr val="tx1"/>
+            </a:fontRef>
+          </p:style>
+        </p:cxnSp>
+        <p:sp>
+          <p:nvSpPr>
+            <p:cNvPr id="11" name="CaixaDeTexto 10">
+              <a:extLst>
+                <a:ext uri="{FF2B5EF4-FFF2-40B4-BE49-F238E27FC236}">
+                  <a16:creationId xmlns:a16="http://schemas.microsoft.com/office/drawing/2014/main" id="{0ED8EC8A-F8D0-F14F-7E38-47715C0AD532}"/>
+                </a:ext>
+              </a:extLst>
+            </p:cNvPr>
+            <p:cNvSpPr txBox="1"/>
+            <p:nvPr/>
+          </p:nvSpPr>
+          <p:spPr>
+            <a:xfrm>
+              <a:off x="2367751" y="4232230"/>
+              <a:ext cx="1066949" cy="550146"/>
+            </a:xfrm>
+            <a:prstGeom prst="rect">
+              <a:avLst/>
+            </a:prstGeom>
+            <a:noFill/>
+          </p:spPr>
+          <p:txBody>
+            <a:bodyPr wrap="square" rtlCol="0">
+              <a:spAutoFit/>
+            </a:bodyPr>
+            <a:lstStyle/>
+            <a:p>
+              <a:pPr algn="ctr"/>
+              <a:r>
+                <a:rPr lang="pt-BR" sz="1200" dirty="0"/>
+                <a:t>Ponto de mínimo</a:t>
+              </a:r>
+            </a:p>
+          </p:txBody>
+        </p:sp>
+        <p:cxnSp>
+          <p:nvCxnSpPr>
+            <p:cNvPr id="12" name="Conector reto 11">
+              <a:extLst>
+                <a:ext uri="{FF2B5EF4-FFF2-40B4-BE49-F238E27FC236}">
+                  <a16:creationId xmlns:a16="http://schemas.microsoft.com/office/drawing/2014/main" id="{37A91F5D-D6CE-87E4-DD6F-6AEA41D6D82D}"/>
+                </a:ext>
+              </a:extLst>
+            </p:cNvPr>
+            <p:cNvCxnSpPr>
+              <a:cxnSpLocks/>
+            </p:cNvCxnSpPr>
+            <p:nvPr/>
+          </p:nvCxnSpPr>
+          <p:spPr>
+            <a:xfrm>
+              <a:off x="2902477" y="4736969"/>
+              <a:ext cx="0" cy="171598"/>
+            </a:xfrm>
+            <a:prstGeom prst="line">
+              <a:avLst/>
+            </a:prstGeom>
+            <a:ln>
+              <a:solidFill>
+                <a:srgbClr val="FF0000"/>
+              </a:solidFill>
+              <a:prstDash val="dash"/>
+            </a:ln>
+          </p:spPr>
+          <p:style>
+            <a:lnRef idx="1">
+              <a:schemeClr val="accent1"/>
+            </a:lnRef>
+            <a:fillRef idx="0">
+              <a:schemeClr val="accent1"/>
+            </a:fillRef>
+            <a:effectRef idx="0">
+              <a:schemeClr val="accent1"/>
+            </a:effectRef>
+            <a:fontRef idx="minor">
+              <a:schemeClr val="tx1"/>
+            </a:fontRef>
+          </p:style>
+        </p:cxnSp>
+        <p:sp>
+          <p:nvSpPr>
+            <p:cNvPr id="13" name="Elipse 12">
+              <a:extLst>
+                <a:ext uri="{FF2B5EF4-FFF2-40B4-BE49-F238E27FC236}">
+                  <a16:creationId xmlns:a16="http://schemas.microsoft.com/office/drawing/2014/main" id="{34D38410-D059-6D93-1DD2-6F2EF0E92E63}"/>
+                </a:ext>
+              </a:extLst>
+            </p:cNvPr>
+            <p:cNvSpPr/>
+            <p:nvPr/>
+          </p:nvSpPr>
+          <p:spPr>
+            <a:xfrm>
+              <a:off x="2879776" y="4721835"/>
+              <a:ext cx="42900" cy="42900"/>
+            </a:xfrm>
+            <a:prstGeom prst="ellipse">
+              <a:avLst/>
+            </a:prstGeom>
+            <a:solidFill>
+              <a:srgbClr val="FF0000"/>
+            </a:solidFill>
+            <a:ln>
+              <a:solidFill>
+                <a:srgbClr val="FF0000"/>
+              </a:solidFill>
+            </a:ln>
+          </p:spPr>
+          <p:style>
+            <a:lnRef idx="2">
+              <a:schemeClr val="accent1">
+                <a:shade val="15000"/>
+              </a:schemeClr>
+            </a:lnRef>
+            <a:fillRef idx="1">
+              <a:schemeClr val="accent1"/>
+            </a:fillRef>
+            <a:effectRef idx="0">
+              <a:schemeClr val="accent1"/>
+            </a:effectRef>
+            <a:fontRef idx="minor">
+              <a:schemeClr val="lt1"/>
+            </a:fontRef>
+          </p:style>
+          <p:txBody>
+            <a:bodyPr rtlCol="0" anchor="ctr"/>
+            <a:lstStyle/>
+            <a:p>
+              <a:pPr algn="ctr"/>
+              <a:endParaRPr lang="pt-BR" dirty="0"/>
+            </a:p>
+          </p:txBody>
+        </p:sp>
+        <p:sp>
+          <p:nvSpPr>
+            <p:cNvPr id="14" name="Elipse 13">
+              <a:extLst>
+                <a:ext uri="{FF2B5EF4-FFF2-40B4-BE49-F238E27FC236}">
+                  <a16:creationId xmlns:a16="http://schemas.microsoft.com/office/drawing/2014/main" id="{483CF4C1-DDBF-4640-7392-235196C4D89B}"/>
+                </a:ext>
+              </a:extLst>
+            </p:cNvPr>
+            <p:cNvSpPr/>
+            <p:nvPr/>
+          </p:nvSpPr>
+          <p:spPr>
+            <a:xfrm>
+              <a:off x="1273647" y="3163362"/>
+              <a:ext cx="42900" cy="42900"/>
+            </a:xfrm>
+            <a:prstGeom prst="ellipse">
+              <a:avLst/>
+            </a:prstGeom>
+            <a:solidFill>
+              <a:schemeClr val="tx1"/>
+            </a:solidFill>
+            <a:ln>
+              <a:solidFill>
+                <a:schemeClr val="tx1"/>
+              </a:solidFill>
+            </a:ln>
+          </p:spPr>
+          <p:style>
+            <a:lnRef idx="2">
+              <a:schemeClr val="accent1">
+                <a:shade val="15000"/>
+              </a:schemeClr>
+            </a:lnRef>
+            <a:fillRef idx="1">
+              <a:schemeClr val="accent1"/>
+            </a:fillRef>
+            <a:effectRef idx="0">
+              <a:schemeClr val="accent1"/>
+            </a:effectRef>
+            <a:fontRef idx="minor">
+              <a:schemeClr val="lt1"/>
+            </a:fontRef>
+          </p:style>
+          <p:txBody>
+            <a:bodyPr rtlCol="0" anchor="ctr"/>
+            <a:lstStyle/>
+            <a:p>
+              <a:pPr algn="ctr"/>
+              <a:endParaRPr lang="pt-BR" dirty="0"/>
+            </a:p>
+          </p:txBody>
+        </p:sp>
+        <p:cxnSp>
+          <p:nvCxnSpPr>
+            <p:cNvPr id="15" name="Conector reto 14">
+              <a:extLst>
+                <a:ext uri="{FF2B5EF4-FFF2-40B4-BE49-F238E27FC236}">
+                  <a16:creationId xmlns:a16="http://schemas.microsoft.com/office/drawing/2014/main" id="{D69F7809-96CB-75B0-3DD7-F1D3CFFC0DDA}"/>
+                </a:ext>
+              </a:extLst>
+            </p:cNvPr>
+            <p:cNvCxnSpPr/>
+            <p:nvPr/>
+          </p:nvCxnSpPr>
+          <p:spPr>
+            <a:xfrm>
+              <a:off x="973059" y="3184593"/>
+              <a:ext cx="324000" cy="0"/>
+            </a:xfrm>
+            <a:prstGeom prst="line">
+              <a:avLst/>
+            </a:prstGeom>
+            <a:ln>
+              <a:solidFill>
+                <a:schemeClr val="tx1"/>
+              </a:solidFill>
+              <a:prstDash val="dash"/>
+            </a:ln>
+          </p:spPr>
+          <p:style>
+            <a:lnRef idx="1">
+              <a:schemeClr val="accent1"/>
+            </a:lnRef>
+            <a:fillRef idx="0">
+              <a:schemeClr val="accent1"/>
+            </a:fillRef>
+            <a:effectRef idx="0">
+              <a:schemeClr val="accent1"/>
+            </a:effectRef>
+            <a:fontRef idx="minor">
+              <a:schemeClr val="tx1"/>
+            </a:fontRef>
+          </p:style>
+        </p:cxnSp>
+        <p:cxnSp>
+          <p:nvCxnSpPr>
+            <p:cNvPr id="17" name="Conector reto 16">
+              <a:extLst>
+                <a:ext uri="{FF2B5EF4-FFF2-40B4-BE49-F238E27FC236}">
+                  <a16:creationId xmlns:a16="http://schemas.microsoft.com/office/drawing/2014/main" id="{51DB7F58-65FD-F0F4-E3F8-1B7A5A7E2DAE}"/>
+                </a:ext>
+              </a:extLst>
+            </p:cNvPr>
+            <p:cNvCxnSpPr>
+              <a:cxnSpLocks/>
+            </p:cNvCxnSpPr>
+            <p:nvPr/>
+          </p:nvCxnSpPr>
+          <p:spPr>
+            <a:xfrm>
+              <a:off x="1295097" y="3163361"/>
+              <a:ext cx="0" cy="1764000"/>
+            </a:xfrm>
+            <a:prstGeom prst="line">
+              <a:avLst/>
+            </a:prstGeom>
+            <a:ln>
+              <a:solidFill>
+                <a:schemeClr val="tx1"/>
+              </a:solidFill>
+              <a:prstDash val="dash"/>
+            </a:ln>
+          </p:spPr>
+          <p:style>
+            <a:lnRef idx="1">
+              <a:schemeClr val="accent1"/>
+            </a:lnRef>
+            <a:fillRef idx="0">
+              <a:schemeClr val="accent1"/>
+            </a:fillRef>
+            <a:effectRef idx="0">
+              <a:schemeClr val="accent1"/>
+            </a:effectRef>
+            <a:fontRef idx="minor">
+              <a:schemeClr val="tx1"/>
+            </a:fontRef>
+          </p:style>
+        </p:cxnSp>
+        <p:sp>
+          <p:nvSpPr>
+            <p:cNvPr id="21" name="CaixaDeTexto 20">
+              <a:extLst>
+                <a:ext uri="{FF2B5EF4-FFF2-40B4-BE49-F238E27FC236}">
+                  <a16:creationId xmlns:a16="http://schemas.microsoft.com/office/drawing/2014/main" id="{F3051166-FB83-1C01-C24B-836CCA65DF27}"/>
+                </a:ext>
+              </a:extLst>
+            </p:cNvPr>
+            <p:cNvSpPr txBox="1"/>
+            <p:nvPr/>
+          </p:nvSpPr>
+          <p:spPr>
+            <a:xfrm>
+              <a:off x="1232864" y="3046093"/>
+              <a:ext cx="1071476" cy="276999"/>
+            </a:xfrm>
+            <a:prstGeom prst="rect">
+              <a:avLst/>
+            </a:prstGeom>
+            <a:noFill/>
+          </p:spPr>
+          <p:txBody>
+            <a:bodyPr wrap="square" rtlCol="0">
+              <a:spAutoFit/>
+            </a:bodyPr>
+            <a:lstStyle/>
+            <a:p>
+              <a:pPr algn="ctr"/>
+              <a:r>
+                <a:rPr lang="pt-BR" sz="1200" dirty="0"/>
+                <a:t>Ponto inicial</a:t>
+              </a:r>
+            </a:p>
+          </p:txBody>
+        </p:sp>
+        <mc:AlternateContent xmlns:mc="http://schemas.openxmlformats.org/markup-compatibility/2006">
+          <mc:Choice xmlns:a14="http://schemas.microsoft.com/office/drawing/2010/main" Requires="a14">
+            <p:sp>
+              <p:nvSpPr>
+                <p:cNvPr id="22" name="CaixaDeTexto 21">
+                  <a:extLst>
+                    <a:ext uri="{FF2B5EF4-FFF2-40B4-BE49-F238E27FC236}">
+                      <a16:creationId xmlns:a16="http://schemas.microsoft.com/office/drawing/2014/main" id="{7167E7D4-807F-4A91-D2F9-5B3D43BE5896}"/>
+                    </a:ext>
+                  </a:extLst>
+                </p:cNvPr>
+                <p:cNvSpPr txBox="1"/>
+                <p:nvPr/>
+              </p:nvSpPr>
+              <p:spPr>
+                <a:xfrm>
+                  <a:off x="1074774" y="4868216"/>
+                  <a:ext cx="867941" cy="307777"/>
+                </a:xfrm>
+                <a:prstGeom prst="rect">
+                  <a:avLst/>
+                </a:prstGeom>
+                <a:noFill/>
+              </p:spPr>
+              <p:txBody>
+                <a:bodyPr wrap="square" rtlCol="0">
+                  <a:spAutoFit/>
+                </a:bodyPr>
+                <a:lstStyle/>
+                <a:p>
+                  <a:pPr algn="ctr"/>
+                  <a14:m>
+                    <m:oMathPara xmlns:m="http://schemas.openxmlformats.org/officeDocument/2006/math">
+                      <m:oMathParaPr>
+                        <m:jc m:val="centerGroup"/>
+                      </m:oMathParaPr>
+                      <m:oMath xmlns:m="http://schemas.openxmlformats.org/officeDocument/2006/math">
+                        <m:sSub>
+                          <m:sSubPr>
+                            <m:ctrlPr>
+                              <a:rPr lang="pt-BR" sz="1400" i="1" smtClean="0">
+                                <a:latin typeface="Cambria Math" panose="02040503050406030204" pitchFamily="18" charset="0"/>
+                              </a:rPr>
+                            </m:ctrlPr>
+                          </m:sSubPr>
+                          <m:e>
+                            <m:r>
+                              <a:rPr lang="pt-BR" sz="1400" b="0" i="1" smtClean="0">
+                                <a:latin typeface="Cambria Math" panose="02040503050406030204" pitchFamily="18" charset="0"/>
+                              </a:rPr>
+                              <m:t>𝑎</m:t>
+                            </m:r>
+                          </m:e>
+                          <m:sub>
+                            <m:r>
+                              <m:rPr>
+                                <m:sty m:val="p"/>
+                              </m:rPr>
+                              <a:rPr lang="pt-BR" sz="1400" b="0" i="0" smtClean="0">
+                                <a:latin typeface="Cambria Math" panose="02040503050406030204" pitchFamily="18" charset="0"/>
+                              </a:rPr>
+                              <m:t>inicial</m:t>
+                            </m:r>
+                          </m:sub>
+                        </m:sSub>
+                      </m:oMath>
+                    </m:oMathPara>
+                  </a14:m>
+                  <a:endParaRPr lang="pt-BR" sz="1400" dirty="0"/>
+                </a:p>
+              </p:txBody>
+            </p:sp>
+          </mc:Choice>
+          <mc:Fallback>
+            <p:sp>
+              <p:nvSpPr>
+                <p:cNvPr id="22" name="CaixaDeTexto 21">
+                  <a:extLst>
+                    <a:ext uri="{FF2B5EF4-FFF2-40B4-BE49-F238E27FC236}">
+                      <a16:creationId xmlns:a16="http://schemas.microsoft.com/office/drawing/2014/main" id="{7167E7D4-807F-4A91-D2F9-5B3D43BE5896}"/>
+                    </a:ext>
+                  </a:extLst>
+                </p:cNvPr>
+                <p:cNvSpPr txBox="1">
+                  <a:spLocks noRot="1" noChangeAspect="1" noMove="1" noResize="1" noEditPoints="1" noAdjustHandles="1" noChangeArrowheads="1" noChangeShapeType="1" noTextEdit="1"/>
+                </p:cNvSpPr>
+                <p:nvPr/>
+              </p:nvSpPr>
+              <p:spPr>
+                <a:xfrm>
+                  <a:off x="1074774" y="4868216"/>
+                  <a:ext cx="867941" cy="307777"/>
+                </a:xfrm>
+                <a:prstGeom prst="rect">
+                  <a:avLst/>
+                </a:prstGeom>
+                <a:blipFill>
+                  <a:blip r:embed="rId3"/>
+                  <a:stretch>
+                    <a:fillRect/>
+                  </a:stretch>
+                </a:blipFill>
+              </p:spPr>
+              <p:txBody>
+                <a:bodyPr/>
+                <a:lstStyle/>
+                <a:p>
+                  <a:r>
+                    <a:rPr lang="pt-BR">
+                      <a:noFill/>
+                    </a:rPr>
+                    <a:t> </a:t>
+                  </a:r>
+                </a:p>
+              </p:txBody>
+            </p:sp>
+          </mc:Fallback>
+        </mc:AlternateContent>
+        <mc:AlternateContent xmlns:mc="http://schemas.openxmlformats.org/markup-compatibility/2006">
+          <mc:Choice xmlns:a14="http://schemas.microsoft.com/office/drawing/2010/main" Requires="a14">
+            <p:sp>
+              <p:nvSpPr>
+                <p:cNvPr id="23" name="CaixaDeTexto 22">
+                  <a:extLst>
+                    <a:ext uri="{FF2B5EF4-FFF2-40B4-BE49-F238E27FC236}">
+                      <a16:creationId xmlns:a16="http://schemas.microsoft.com/office/drawing/2014/main" id="{5563576F-5255-680C-F8CB-10958601F543}"/>
+                    </a:ext>
+                  </a:extLst>
+                </p:cNvPr>
+                <p:cNvSpPr txBox="1"/>
+                <p:nvPr/>
+              </p:nvSpPr>
+              <p:spPr>
+                <a:xfrm>
+                  <a:off x="2671712" y="4867795"/>
+                  <a:ext cx="867941" cy="307777"/>
+                </a:xfrm>
+                <a:prstGeom prst="rect">
+                  <a:avLst/>
+                </a:prstGeom>
+                <a:noFill/>
+              </p:spPr>
+              <p:txBody>
+                <a:bodyPr wrap="square" rtlCol="0">
+                  <a:spAutoFit/>
+                </a:bodyPr>
+                <a:lstStyle/>
+                <a:p>
+                  <a:pPr algn="ctr"/>
+                  <a14:m>
+                    <m:oMathPara xmlns:m="http://schemas.openxmlformats.org/officeDocument/2006/math">
+                      <m:oMathParaPr>
+                        <m:jc m:val="centerGroup"/>
+                      </m:oMathParaPr>
+                      <m:oMath xmlns:m="http://schemas.openxmlformats.org/officeDocument/2006/math">
+                        <m:sSub>
+                          <m:sSubPr>
+                            <m:ctrlPr>
+                              <a:rPr lang="pt-BR" sz="1400" i="1" smtClean="0">
+                                <a:latin typeface="Cambria Math" panose="02040503050406030204" pitchFamily="18" charset="0"/>
+                              </a:rPr>
+                            </m:ctrlPr>
+                          </m:sSubPr>
+                          <m:e>
+                            <m:r>
+                              <a:rPr lang="pt-BR" sz="1400" b="0" i="1" smtClean="0">
+                                <a:latin typeface="Cambria Math" panose="02040503050406030204" pitchFamily="18" charset="0"/>
+                              </a:rPr>
+                              <m:t>𝑎</m:t>
+                            </m:r>
+                          </m:e>
+                          <m:sub>
+                            <m:r>
+                              <a:rPr lang="pt-BR" sz="1400" b="0" i="0" smtClean="0">
+                                <a:latin typeface="Cambria Math" panose="02040503050406030204" pitchFamily="18" charset="0"/>
+                              </a:rPr>
+                              <m:t>ó</m:t>
+                            </m:r>
+                            <m:r>
+                              <m:rPr>
+                                <m:sty m:val="p"/>
+                              </m:rPr>
+                              <a:rPr lang="pt-BR" sz="1400" b="0" i="0" smtClean="0">
+                                <a:latin typeface="Cambria Math" panose="02040503050406030204" pitchFamily="18" charset="0"/>
+                              </a:rPr>
+                              <m:t>timo</m:t>
+                            </m:r>
+                          </m:sub>
+                        </m:sSub>
+                      </m:oMath>
+                    </m:oMathPara>
+                  </a14:m>
+                  <a:endParaRPr lang="pt-BR" sz="1400" dirty="0"/>
+                </a:p>
+              </p:txBody>
+            </p:sp>
+          </mc:Choice>
+          <mc:Fallback>
+            <p:sp>
+              <p:nvSpPr>
+                <p:cNvPr id="23" name="CaixaDeTexto 22">
+                  <a:extLst>
+                    <a:ext uri="{FF2B5EF4-FFF2-40B4-BE49-F238E27FC236}">
+                      <a16:creationId xmlns:a16="http://schemas.microsoft.com/office/drawing/2014/main" id="{5563576F-5255-680C-F8CB-10958601F543}"/>
+                    </a:ext>
+                  </a:extLst>
+                </p:cNvPr>
+                <p:cNvSpPr txBox="1">
+                  <a:spLocks noRot="1" noChangeAspect="1" noMove="1" noResize="1" noEditPoints="1" noAdjustHandles="1" noChangeArrowheads="1" noChangeShapeType="1" noTextEdit="1"/>
+                </p:cNvSpPr>
+                <p:nvPr/>
+              </p:nvSpPr>
+              <p:spPr>
+                <a:xfrm>
+                  <a:off x="2671712" y="4867795"/>
+                  <a:ext cx="867941" cy="307777"/>
+                </a:xfrm>
+                <a:prstGeom prst="rect">
+                  <a:avLst/>
+                </a:prstGeom>
+                <a:blipFill>
+                  <a:blip r:embed="rId4"/>
+                  <a:stretch>
+                    <a:fillRect/>
+                  </a:stretch>
+                </a:blipFill>
+              </p:spPr>
+              <p:txBody>
+                <a:bodyPr/>
+                <a:lstStyle/>
+                <a:p>
+                  <a:r>
+                    <a:rPr lang="pt-BR">
+                      <a:noFill/>
+                    </a:rPr>
+                    <a:t> </a:t>
+                  </a:r>
+                </a:p>
+              </p:txBody>
+            </p:sp>
+          </mc:Fallback>
+        </mc:AlternateContent>
+      </p:grpSp>
+    </p:spTree>
+    <p:extLst>
+      <p:ext uri="{BB962C8B-B14F-4D97-AF65-F5344CB8AC3E}">
+        <p14:creationId xmlns:p14="http://schemas.microsoft.com/office/powerpoint/2010/main" val="2144201672"/>
+      </p:ext>
+    </p:extLst>
+  </p:cSld>
+  <p:clrMapOvr>
+    <a:masterClrMapping/>
+  </p:clrMapOvr>
+</p:sld>
+</file>
+
+<file path=ppt/slides/slide7.xml><?xml version="1.0" encoding="utf-8"?>
+<p:sld xmlns:a="http://schemas.openxmlformats.org/drawingml/2006/main" xmlns:r="http://schemas.openxmlformats.org/officeDocument/2006/relationships" xmlns:p="http://schemas.openxmlformats.org/presentationml/2006/main">
+  <p:cSld>
+    <p:spTree>
+      <p:nvGrpSpPr>
+        <p:cNvPr id="1" name=""/>
+        <p:cNvGrpSpPr/>
+        <p:nvPr/>
+      </p:nvGrpSpPr>
+      <p:grpSpPr>
+        <a:xfrm>
+          <a:off x="0" y="0"/>
+          <a:ext cx="0" cy="0"/>
+          <a:chOff x="0" y="0"/>
+          <a:chExt cx="0" cy="0"/>
+        </a:xfrm>
+      </p:grpSpPr>
+      <p:sp>
+        <p:nvSpPr>
+          <p:cNvPr id="2" name="Título 1">
+            <a:extLst>
+              <a:ext uri="{FF2B5EF4-FFF2-40B4-BE49-F238E27FC236}">
+                <a16:creationId xmlns:a16="http://schemas.microsoft.com/office/drawing/2014/main" id="{FDCC3C31-4EA2-B4A2-431F-BF22FBB8A7BA}"/>
+              </a:ext>
+            </a:extLst>
+          </p:cNvPr>
+          <p:cNvSpPr>
+            <a:spLocks noGrp="1"/>
+          </p:cNvSpPr>
+          <p:nvPr>
+            <p:ph type="title"/>
+          </p:nvPr>
+        </p:nvSpPr>
+        <p:spPr/>
+        <p:txBody>
+          <a:bodyPr/>
+          <a:lstStyle/>
+          <a:p>
+            <a:r>
+              <a:rPr lang="pt-BR" dirty="0"/>
+              <a:t>Gradiente</a:t>
+            </a:r>
+          </a:p>
+        </p:txBody>
+      </p:sp>
+      <p:sp>
+        <p:nvSpPr>
+          <p:cNvPr id="3" name="Espaço Reservado para Conteúdo 2">
+            <a:extLst>
+              <a:ext uri="{FF2B5EF4-FFF2-40B4-BE49-F238E27FC236}">
+                <a16:creationId xmlns:a16="http://schemas.microsoft.com/office/drawing/2014/main" id="{F09EA0C7-E094-F158-6A1A-B80733321450}"/>
+              </a:ext>
+            </a:extLst>
+          </p:cNvPr>
+          <p:cNvSpPr>
+            <a:spLocks noGrp="1"/>
+          </p:cNvSpPr>
+          <p:nvPr>
+            <p:ph idx="1"/>
+          </p:nvPr>
+        </p:nvSpPr>
+        <p:spPr>
+          <a:xfrm>
+            <a:off x="6181728" y="1825624"/>
+            <a:ext cx="5818488" cy="5032376"/>
+          </a:xfrm>
+        </p:spPr>
+        <p:txBody>
+          <a:bodyPr>
+            <a:normAutofit lnSpcReduction="10000"/>
+          </a:bodyPr>
+          <a:lstStyle/>
+          <a:p>
+            <a:r>
+              <a:rPr lang="pt-BR" dirty="0"/>
+              <a:t>Se nós diferenciarmos a função de erro no ponto inicial em relação ao peso, nós obtemos o </a:t>
+            </a:r>
+            <a:r>
+              <a:rPr lang="pt-BR" b="1" i="1" dirty="0"/>
+              <a:t>gradiente</a:t>
+            </a:r>
+            <a:r>
+              <a:rPr lang="pt-BR" dirty="0"/>
+              <a:t>.</a:t>
+            </a:r>
+          </a:p>
+          <a:p>
+            <a:r>
+              <a:rPr lang="pt-BR" b="0" i="0" dirty="0">
+                <a:effectLst/>
+              </a:rPr>
+              <a:t>Ele aponta na </a:t>
+            </a:r>
+            <a:r>
+              <a:rPr lang="pt-BR" b="1" i="1" dirty="0">
+                <a:effectLst/>
+              </a:rPr>
+              <a:t>direção de maior crescimento da função </a:t>
+            </a:r>
+            <a:r>
+              <a:rPr lang="pt-BR" b="0" i="0" dirty="0">
+                <a:effectLst/>
+              </a:rPr>
+              <a:t>a partir de um determinado ponto.</a:t>
+            </a:r>
+          </a:p>
+          <a:p>
+            <a:r>
+              <a:rPr lang="pt-BR" dirty="0"/>
+              <a:t>Porém, queremos o mínimo da função, o que fazer?</a:t>
+            </a:r>
+            <a:endParaRPr lang="pt-BR" b="0" i="0" dirty="0">
+              <a:effectLst/>
+            </a:endParaRPr>
+          </a:p>
+          <a:p>
+            <a:r>
+              <a:rPr lang="pt-BR" b="0" i="0" dirty="0">
+                <a:effectLst/>
+              </a:rPr>
+              <a:t>Basta irmos na </a:t>
+            </a:r>
+            <a:r>
+              <a:rPr lang="pt-BR" b="1" i="1" dirty="0">
+                <a:effectLst/>
+              </a:rPr>
+              <a:t>direção oposta</a:t>
+            </a:r>
+            <a:r>
+              <a:rPr lang="pt-BR" b="0" i="0" dirty="0">
+                <a:effectLst/>
+              </a:rPr>
+              <a:t> a do gradiente (negativo do gradiente), a qual </a:t>
+            </a:r>
+            <a:r>
+              <a:rPr lang="pt-BR" b="1" i="1" dirty="0">
+                <a:effectLst/>
+              </a:rPr>
+              <a:t>aponta para a direção de maior decréscimo da função</a:t>
+            </a:r>
+            <a:r>
+              <a:rPr lang="pt-BR" b="0" i="0" dirty="0">
+                <a:effectLst/>
+              </a:rPr>
+              <a:t> a partir do ponto.</a:t>
+            </a:r>
+            <a:endParaRPr lang="pt-BR" dirty="0"/>
+          </a:p>
+        </p:txBody>
+      </p:sp>
+      <p:grpSp>
+        <p:nvGrpSpPr>
+          <p:cNvPr id="25" name="Agrupar 24">
+            <a:extLst>
+              <a:ext uri="{FF2B5EF4-FFF2-40B4-BE49-F238E27FC236}">
+                <a16:creationId xmlns:a16="http://schemas.microsoft.com/office/drawing/2014/main" id="{CAABD4E6-0271-FDD3-1BDC-9F25BB67666F}"/>
+              </a:ext>
+            </a:extLst>
+          </p:cNvPr>
+          <p:cNvGrpSpPr/>
+          <p:nvPr/>
+        </p:nvGrpSpPr>
+        <p:grpSpPr>
+          <a:xfrm>
+            <a:off x="973059" y="2353695"/>
+            <a:ext cx="3963570" cy="2939416"/>
+            <a:chOff x="973059" y="2353695"/>
+            <a:chExt cx="3963570" cy="2939416"/>
+          </a:xfrm>
+        </p:grpSpPr>
+        <p:sp>
+          <p:nvSpPr>
+            <p:cNvPr id="24" name="Forma Livre: Forma 23">
+              <a:extLst>
+                <a:ext uri="{FF2B5EF4-FFF2-40B4-BE49-F238E27FC236}">
+                  <a16:creationId xmlns:a16="http://schemas.microsoft.com/office/drawing/2014/main" id="{1AF02A9C-5A9B-AE81-9724-6E5E5F5C9AD5}"/>
+                </a:ext>
+              </a:extLst>
+            </p:cNvPr>
+            <p:cNvSpPr/>
+            <p:nvPr/>
+          </p:nvSpPr>
+          <p:spPr>
+            <a:xfrm>
+              <a:off x="1190625" y="2990850"/>
+              <a:ext cx="3429000" cy="1752634"/>
+            </a:xfrm>
+            <a:custGeom>
+              <a:avLst/>
+              <a:gdLst>
+                <a:gd name="connsiteX0" fmla="*/ 0 w 3429000"/>
+                <a:gd name="connsiteY0" fmla="*/ 38100 h 1752634"/>
+                <a:gd name="connsiteX1" fmla="*/ 1714500 w 3429000"/>
+                <a:gd name="connsiteY1" fmla="*/ 1752600 h 1752634"/>
+                <a:gd name="connsiteX2" fmla="*/ 3429000 w 3429000"/>
+                <a:gd name="connsiteY2" fmla="*/ 0 h 1752634"/>
+              </a:gdLst>
+              <a:ahLst/>
+              <a:cxnLst>
+                <a:cxn ang="0">
+                  <a:pos x="connsiteX0" y="connsiteY0"/>
+                </a:cxn>
+                <a:cxn ang="0">
+                  <a:pos x="connsiteX1" y="connsiteY1"/>
+                </a:cxn>
+                <a:cxn ang="0">
+                  <a:pos x="connsiteX2" y="connsiteY2"/>
+                </a:cxn>
+              </a:cxnLst>
+              <a:rect l="l" t="t" r="r" b="b"/>
+              <a:pathLst>
+                <a:path w="3429000" h="1752634">
+                  <a:moveTo>
+                    <a:pt x="0" y="38100"/>
+                  </a:moveTo>
+                  <a:cubicBezTo>
+                    <a:pt x="571500" y="898525"/>
+                    <a:pt x="1143000" y="1758950"/>
+                    <a:pt x="1714500" y="1752600"/>
+                  </a:cubicBezTo>
+                  <a:cubicBezTo>
+                    <a:pt x="2286000" y="1746250"/>
+                    <a:pt x="3119438" y="314325"/>
+                    <a:pt x="3429000" y="0"/>
+                  </a:cubicBezTo>
+                </a:path>
+              </a:pathLst>
+            </a:custGeom>
+            <a:noFill/>
+          </p:spPr>
+          <p:style>
+            <a:lnRef idx="2">
+              <a:schemeClr val="accent1">
+                <a:shade val="15000"/>
+              </a:schemeClr>
+            </a:lnRef>
+            <a:fillRef idx="1">
+              <a:schemeClr val="accent1"/>
+            </a:fillRef>
+            <a:effectRef idx="0">
+              <a:schemeClr val="accent1"/>
+            </a:effectRef>
+            <a:fontRef idx="minor">
+              <a:schemeClr val="lt1"/>
+            </a:fontRef>
+          </p:style>
+          <p:txBody>
+            <a:bodyPr rtlCol="0" anchor="ctr"/>
+            <a:lstStyle/>
+            <a:p>
+              <a:pPr algn="ctr"/>
+              <a:endParaRPr lang="pt-BR"/>
+            </a:p>
+          </p:txBody>
+        </p:sp>
+        <p:cxnSp>
+          <p:nvCxnSpPr>
+            <p:cNvPr id="6" name="Conector de Seta Reta 5">
+              <a:extLst>
+                <a:ext uri="{FF2B5EF4-FFF2-40B4-BE49-F238E27FC236}">
+                  <a16:creationId xmlns:a16="http://schemas.microsoft.com/office/drawing/2014/main" id="{CECA8A08-ECD5-CF26-4CEC-3C8F2A7EB943}"/>
+                </a:ext>
+              </a:extLst>
+            </p:cNvPr>
+            <p:cNvCxnSpPr>
+              <a:cxnSpLocks/>
+            </p:cNvCxnSpPr>
+            <p:nvPr/>
+          </p:nvCxnSpPr>
+          <p:spPr>
+            <a:xfrm>
+              <a:off x="974017" y="4916172"/>
+              <a:ext cx="3860967" cy="0"/>
+            </a:xfrm>
+            <a:prstGeom prst="straightConnector1">
+              <a:avLst/>
+            </a:prstGeom>
+            <a:ln w="19050">
+              <a:solidFill>
+                <a:schemeClr val="tx1"/>
+              </a:solidFill>
+              <a:tailEnd type="triangle"/>
+            </a:ln>
+          </p:spPr>
+          <p:style>
+            <a:lnRef idx="1">
+              <a:schemeClr val="accent1"/>
+            </a:lnRef>
+            <a:fillRef idx="0">
+              <a:schemeClr val="accent1"/>
+            </a:fillRef>
+            <a:effectRef idx="0">
+              <a:schemeClr val="accent1"/>
+            </a:effectRef>
+            <a:fontRef idx="minor">
+              <a:schemeClr val="tx1"/>
+            </a:fontRef>
+          </p:style>
+        </p:cxnSp>
+        <p:cxnSp>
+          <p:nvCxnSpPr>
+            <p:cNvPr id="7" name="Conector de Seta Reta 6">
+              <a:extLst>
+                <a:ext uri="{FF2B5EF4-FFF2-40B4-BE49-F238E27FC236}">
+                  <a16:creationId xmlns:a16="http://schemas.microsoft.com/office/drawing/2014/main" id="{EBE189DA-FC3E-6F77-83E6-389C755E01A6}"/>
+                </a:ext>
+              </a:extLst>
+            </p:cNvPr>
+            <p:cNvCxnSpPr>
+              <a:cxnSpLocks/>
+            </p:cNvCxnSpPr>
+            <p:nvPr/>
+          </p:nvCxnSpPr>
+          <p:spPr>
+            <a:xfrm flipV="1">
+              <a:off x="974018" y="2442308"/>
+              <a:ext cx="0" cy="2473865"/>
+            </a:xfrm>
+            <a:prstGeom prst="straightConnector1">
+              <a:avLst/>
+            </a:prstGeom>
+            <a:ln w="19050">
+              <a:solidFill>
+                <a:schemeClr val="tx1"/>
+              </a:solidFill>
+              <a:tailEnd type="triangle"/>
+            </a:ln>
+          </p:spPr>
+          <p:style>
+            <a:lnRef idx="1">
+              <a:schemeClr val="accent1"/>
+            </a:lnRef>
+            <a:fillRef idx="0">
+              <a:schemeClr val="accent1"/>
+            </a:fillRef>
+            <a:effectRef idx="0">
+              <a:schemeClr val="accent1"/>
+            </a:effectRef>
+            <a:fontRef idx="minor">
+              <a:schemeClr val="tx1"/>
+            </a:fontRef>
+          </p:style>
+        </p:cxnSp>
+        <p:sp>
+          <p:nvSpPr>
+            <p:cNvPr id="8" name="CaixaDeTexto 7">
+              <a:extLst>
+                <a:ext uri="{FF2B5EF4-FFF2-40B4-BE49-F238E27FC236}">
+                  <a16:creationId xmlns:a16="http://schemas.microsoft.com/office/drawing/2014/main" id="{A78938CD-F777-59C9-49FF-1EC87187C2BF}"/>
+                </a:ext>
+              </a:extLst>
+            </p:cNvPr>
+            <p:cNvSpPr txBox="1"/>
+            <p:nvPr/>
+          </p:nvSpPr>
+          <p:spPr>
+            <a:xfrm>
+              <a:off x="974017" y="2353695"/>
+              <a:ext cx="1679879" cy="369332"/>
+            </a:xfrm>
+            <a:prstGeom prst="rect">
+              <a:avLst/>
+            </a:prstGeom>
+            <a:noFill/>
+          </p:spPr>
+          <p:txBody>
+            <a:bodyPr wrap="square" rtlCol="0">
+              <a:spAutoFit/>
+            </a:bodyPr>
+            <a:lstStyle/>
+            <a:p>
+              <a:r>
+                <a:rPr lang="pt-BR" dirty="0"/>
+                <a:t>Função de erro</a:t>
+              </a:r>
+            </a:p>
+          </p:txBody>
+        </p:sp>
+        <p:sp>
+          <p:nvSpPr>
+            <p:cNvPr id="9" name="CaixaDeTexto 8">
+              <a:extLst>
+                <a:ext uri="{FF2B5EF4-FFF2-40B4-BE49-F238E27FC236}">
+                  <a16:creationId xmlns:a16="http://schemas.microsoft.com/office/drawing/2014/main" id="{A1CE1535-321D-E614-D63E-21C0CB455062}"/>
+                </a:ext>
+              </a:extLst>
+            </p:cNvPr>
+            <p:cNvSpPr txBox="1"/>
+            <p:nvPr/>
+          </p:nvSpPr>
+          <p:spPr>
+            <a:xfrm>
+              <a:off x="4300295" y="4923779"/>
+              <a:ext cx="636334" cy="369332"/>
+            </a:xfrm>
+            <a:prstGeom prst="rect">
+              <a:avLst/>
+            </a:prstGeom>
+            <a:noFill/>
+          </p:spPr>
+          <p:txBody>
+            <a:bodyPr wrap="square" rtlCol="0">
+              <a:spAutoFit/>
+            </a:bodyPr>
+            <a:lstStyle/>
+            <a:p>
+              <a:pPr algn="r"/>
+              <a:r>
+                <a:rPr lang="pt-BR" dirty="0"/>
+                <a:t>Peso</a:t>
+              </a:r>
+            </a:p>
+          </p:txBody>
+        </p:sp>
+        <p:cxnSp>
+          <p:nvCxnSpPr>
+            <p:cNvPr id="10" name="Conector reto 9">
+              <a:extLst>
+                <a:ext uri="{FF2B5EF4-FFF2-40B4-BE49-F238E27FC236}">
+                  <a16:creationId xmlns:a16="http://schemas.microsoft.com/office/drawing/2014/main" id="{C04D87AE-293E-34D0-E4BE-09E7635BC7EE}"/>
+                </a:ext>
+              </a:extLst>
+            </p:cNvPr>
+            <p:cNvCxnSpPr/>
+            <p:nvPr/>
+          </p:nvCxnSpPr>
+          <p:spPr>
+            <a:xfrm>
+              <a:off x="976885" y="4744536"/>
+              <a:ext cx="1930484" cy="0"/>
+            </a:xfrm>
+            <a:prstGeom prst="line">
+              <a:avLst/>
+            </a:prstGeom>
+            <a:ln>
+              <a:solidFill>
+                <a:srgbClr val="FF0000"/>
+              </a:solidFill>
+              <a:prstDash val="dash"/>
+            </a:ln>
+          </p:spPr>
+          <p:style>
+            <a:lnRef idx="1">
+              <a:schemeClr val="accent1"/>
+            </a:lnRef>
+            <a:fillRef idx="0">
+              <a:schemeClr val="accent1"/>
+            </a:fillRef>
+            <a:effectRef idx="0">
+              <a:schemeClr val="accent1"/>
+            </a:effectRef>
+            <a:fontRef idx="minor">
+              <a:schemeClr val="tx1"/>
+            </a:fontRef>
+          </p:style>
+        </p:cxnSp>
+        <p:sp>
+          <p:nvSpPr>
+            <p:cNvPr id="11" name="CaixaDeTexto 10">
+              <a:extLst>
+                <a:ext uri="{FF2B5EF4-FFF2-40B4-BE49-F238E27FC236}">
+                  <a16:creationId xmlns:a16="http://schemas.microsoft.com/office/drawing/2014/main" id="{0ED8EC8A-F8D0-F14F-7E38-47715C0AD532}"/>
+                </a:ext>
+              </a:extLst>
+            </p:cNvPr>
+            <p:cNvSpPr txBox="1"/>
+            <p:nvPr/>
+          </p:nvSpPr>
+          <p:spPr>
+            <a:xfrm>
+              <a:off x="2367751" y="4232230"/>
+              <a:ext cx="1066949" cy="550146"/>
+            </a:xfrm>
+            <a:prstGeom prst="rect">
+              <a:avLst/>
+            </a:prstGeom>
+            <a:noFill/>
+          </p:spPr>
+          <p:txBody>
+            <a:bodyPr wrap="square" rtlCol="0">
+              <a:spAutoFit/>
+            </a:bodyPr>
+            <a:lstStyle/>
+            <a:p>
+              <a:pPr algn="ctr"/>
+              <a:r>
+                <a:rPr lang="pt-BR" sz="1200" dirty="0"/>
+                <a:t>Ponto de mínimo</a:t>
+              </a:r>
+            </a:p>
+          </p:txBody>
+        </p:sp>
+        <p:cxnSp>
+          <p:nvCxnSpPr>
+            <p:cNvPr id="12" name="Conector reto 11">
+              <a:extLst>
+                <a:ext uri="{FF2B5EF4-FFF2-40B4-BE49-F238E27FC236}">
+                  <a16:creationId xmlns:a16="http://schemas.microsoft.com/office/drawing/2014/main" id="{37A91F5D-D6CE-87E4-DD6F-6AEA41D6D82D}"/>
+                </a:ext>
+              </a:extLst>
+            </p:cNvPr>
+            <p:cNvCxnSpPr>
+              <a:cxnSpLocks/>
+            </p:cNvCxnSpPr>
+            <p:nvPr/>
+          </p:nvCxnSpPr>
+          <p:spPr>
+            <a:xfrm>
+              <a:off x="2902477" y="4736969"/>
+              <a:ext cx="0" cy="171598"/>
+            </a:xfrm>
+            <a:prstGeom prst="line">
+              <a:avLst/>
+            </a:prstGeom>
+            <a:ln>
+              <a:solidFill>
+                <a:srgbClr val="FF0000"/>
+              </a:solidFill>
+              <a:prstDash val="dash"/>
+            </a:ln>
+          </p:spPr>
+          <p:style>
+            <a:lnRef idx="1">
+              <a:schemeClr val="accent1"/>
+            </a:lnRef>
+            <a:fillRef idx="0">
+              <a:schemeClr val="accent1"/>
+            </a:fillRef>
+            <a:effectRef idx="0">
+              <a:schemeClr val="accent1"/>
+            </a:effectRef>
+            <a:fontRef idx="minor">
+              <a:schemeClr val="tx1"/>
+            </a:fontRef>
+          </p:style>
+        </p:cxnSp>
+        <p:sp>
+          <p:nvSpPr>
+            <p:cNvPr id="13" name="Elipse 12">
+              <a:extLst>
+                <a:ext uri="{FF2B5EF4-FFF2-40B4-BE49-F238E27FC236}">
+                  <a16:creationId xmlns:a16="http://schemas.microsoft.com/office/drawing/2014/main" id="{34D38410-D059-6D93-1DD2-6F2EF0E92E63}"/>
+                </a:ext>
+              </a:extLst>
+            </p:cNvPr>
+            <p:cNvSpPr/>
+            <p:nvPr/>
+          </p:nvSpPr>
+          <p:spPr>
+            <a:xfrm>
+              <a:off x="2879776" y="4721835"/>
+              <a:ext cx="42900" cy="42900"/>
+            </a:xfrm>
+            <a:prstGeom prst="ellipse">
+              <a:avLst/>
+            </a:prstGeom>
+            <a:solidFill>
+              <a:srgbClr val="FF0000"/>
+            </a:solidFill>
+            <a:ln>
+              <a:solidFill>
+                <a:srgbClr val="FF0000"/>
+              </a:solidFill>
+            </a:ln>
+          </p:spPr>
+          <p:style>
+            <a:lnRef idx="2">
+              <a:schemeClr val="accent1">
+                <a:shade val="15000"/>
+              </a:schemeClr>
+            </a:lnRef>
+            <a:fillRef idx="1">
+              <a:schemeClr val="accent1"/>
+            </a:fillRef>
+            <a:effectRef idx="0">
+              <a:schemeClr val="accent1"/>
+            </a:effectRef>
+            <a:fontRef idx="minor">
+              <a:schemeClr val="lt1"/>
+            </a:fontRef>
+          </p:style>
+          <p:txBody>
+            <a:bodyPr rtlCol="0" anchor="ctr"/>
+            <a:lstStyle/>
+            <a:p>
+              <a:pPr algn="ctr"/>
+              <a:endParaRPr lang="pt-BR" dirty="0"/>
+            </a:p>
+          </p:txBody>
+        </p:sp>
+        <p:sp>
+          <p:nvSpPr>
+            <p:cNvPr id="14" name="Elipse 13">
+              <a:extLst>
+                <a:ext uri="{FF2B5EF4-FFF2-40B4-BE49-F238E27FC236}">
+                  <a16:creationId xmlns:a16="http://schemas.microsoft.com/office/drawing/2014/main" id="{483CF4C1-DDBF-4640-7392-235196C4D89B}"/>
+                </a:ext>
+              </a:extLst>
+            </p:cNvPr>
+            <p:cNvSpPr/>
+            <p:nvPr/>
+          </p:nvSpPr>
+          <p:spPr>
+            <a:xfrm>
+              <a:off x="1273647" y="3163362"/>
+              <a:ext cx="42900" cy="42900"/>
+            </a:xfrm>
+            <a:prstGeom prst="ellipse">
+              <a:avLst/>
+            </a:prstGeom>
+            <a:solidFill>
+              <a:schemeClr val="tx1"/>
+            </a:solidFill>
+            <a:ln>
+              <a:solidFill>
+                <a:schemeClr val="tx1"/>
+              </a:solidFill>
+            </a:ln>
+          </p:spPr>
+          <p:style>
+            <a:lnRef idx="2">
+              <a:schemeClr val="accent1">
+                <a:shade val="15000"/>
+              </a:schemeClr>
+            </a:lnRef>
+            <a:fillRef idx="1">
+              <a:schemeClr val="accent1"/>
+            </a:fillRef>
+            <a:effectRef idx="0">
+              <a:schemeClr val="accent1"/>
+            </a:effectRef>
+            <a:fontRef idx="minor">
+              <a:schemeClr val="lt1"/>
+            </a:fontRef>
+          </p:style>
+          <p:txBody>
+            <a:bodyPr rtlCol="0" anchor="ctr"/>
+            <a:lstStyle/>
+            <a:p>
+              <a:pPr algn="ctr"/>
+              <a:endParaRPr lang="pt-BR" dirty="0"/>
+            </a:p>
+          </p:txBody>
+        </p:sp>
+        <p:cxnSp>
+          <p:nvCxnSpPr>
+            <p:cNvPr id="15" name="Conector reto 14">
+              <a:extLst>
+                <a:ext uri="{FF2B5EF4-FFF2-40B4-BE49-F238E27FC236}">
+                  <a16:creationId xmlns:a16="http://schemas.microsoft.com/office/drawing/2014/main" id="{D69F7809-96CB-75B0-3DD7-F1D3CFFC0DDA}"/>
+                </a:ext>
+              </a:extLst>
+            </p:cNvPr>
+            <p:cNvCxnSpPr/>
+            <p:nvPr/>
+          </p:nvCxnSpPr>
+          <p:spPr>
+            <a:xfrm>
+              <a:off x="973059" y="3184593"/>
+              <a:ext cx="324000" cy="0"/>
+            </a:xfrm>
+            <a:prstGeom prst="line">
+              <a:avLst/>
+            </a:prstGeom>
+            <a:ln>
+              <a:solidFill>
+                <a:schemeClr val="tx1"/>
+              </a:solidFill>
+              <a:prstDash val="dash"/>
+            </a:ln>
+          </p:spPr>
+          <p:style>
+            <a:lnRef idx="1">
+              <a:schemeClr val="accent1"/>
+            </a:lnRef>
+            <a:fillRef idx="0">
+              <a:schemeClr val="accent1"/>
+            </a:fillRef>
+            <a:effectRef idx="0">
+              <a:schemeClr val="accent1"/>
+            </a:effectRef>
+            <a:fontRef idx="minor">
+              <a:schemeClr val="tx1"/>
+            </a:fontRef>
+          </p:style>
+        </p:cxnSp>
+        <p:cxnSp>
+          <p:nvCxnSpPr>
+            <p:cNvPr id="17" name="Conector reto 16">
+              <a:extLst>
+                <a:ext uri="{FF2B5EF4-FFF2-40B4-BE49-F238E27FC236}">
+                  <a16:creationId xmlns:a16="http://schemas.microsoft.com/office/drawing/2014/main" id="{51DB7F58-65FD-F0F4-E3F8-1B7A5A7E2DAE}"/>
+                </a:ext>
+              </a:extLst>
+            </p:cNvPr>
+            <p:cNvCxnSpPr>
+              <a:cxnSpLocks/>
+            </p:cNvCxnSpPr>
+            <p:nvPr/>
+          </p:nvCxnSpPr>
+          <p:spPr>
+            <a:xfrm>
+              <a:off x="1295097" y="3163361"/>
+              <a:ext cx="0" cy="1764000"/>
+            </a:xfrm>
+            <a:prstGeom prst="line">
+              <a:avLst/>
+            </a:prstGeom>
+            <a:ln>
+              <a:solidFill>
+                <a:schemeClr val="tx1"/>
+              </a:solidFill>
+              <a:prstDash val="dash"/>
+            </a:ln>
+          </p:spPr>
+          <p:style>
+            <a:lnRef idx="1">
+              <a:schemeClr val="accent1"/>
+            </a:lnRef>
+            <a:fillRef idx="0">
+              <a:schemeClr val="accent1"/>
+            </a:fillRef>
+            <a:effectRef idx="0">
+              <a:schemeClr val="accent1"/>
+            </a:effectRef>
+            <a:fontRef idx="minor">
+              <a:schemeClr val="tx1"/>
+            </a:fontRef>
+          </p:style>
+        </p:cxnSp>
+        <p:sp>
+          <p:nvSpPr>
+            <p:cNvPr id="21" name="CaixaDeTexto 20">
+              <a:extLst>
+                <a:ext uri="{FF2B5EF4-FFF2-40B4-BE49-F238E27FC236}">
+                  <a16:creationId xmlns:a16="http://schemas.microsoft.com/office/drawing/2014/main" id="{F3051166-FB83-1C01-C24B-836CCA65DF27}"/>
+                </a:ext>
+              </a:extLst>
+            </p:cNvPr>
+            <p:cNvSpPr txBox="1"/>
+            <p:nvPr/>
+          </p:nvSpPr>
+          <p:spPr>
+            <a:xfrm>
+              <a:off x="1232864" y="3046093"/>
+              <a:ext cx="1071476" cy="276999"/>
+            </a:xfrm>
+            <a:prstGeom prst="rect">
+              <a:avLst/>
+            </a:prstGeom>
+            <a:noFill/>
+          </p:spPr>
+          <p:txBody>
+            <a:bodyPr wrap="square" rtlCol="0">
+              <a:spAutoFit/>
+            </a:bodyPr>
+            <a:lstStyle/>
+            <a:p>
+              <a:pPr algn="ctr"/>
+              <a:r>
+                <a:rPr lang="pt-BR" sz="1200" dirty="0"/>
+                <a:t>Ponto inicial</a:t>
+              </a:r>
+            </a:p>
+          </p:txBody>
+        </p:sp>
+        <mc:AlternateContent xmlns:mc="http://schemas.openxmlformats.org/markup-compatibility/2006">
+          <mc:Choice xmlns:a14="http://schemas.microsoft.com/office/drawing/2010/main" Requires="a14">
+            <p:sp>
+              <p:nvSpPr>
+                <p:cNvPr id="22" name="CaixaDeTexto 21">
+                  <a:extLst>
+                    <a:ext uri="{FF2B5EF4-FFF2-40B4-BE49-F238E27FC236}">
+                      <a16:creationId xmlns:a16="http://schemas.microsoft.com/office/drawing/2014/main" id="{7167E7D4-807F-4A91-D2F9-5B3D43BE5896}"/>
+                    </a:ext>
+                  </a:extLst>
+                </p:cNvPr>
+                <p:cNvSpPr txBox="1"/>
+                <p:nvPr/>
+              </p:nvSpPr>
+              <p:spPr>
+                <a:xfrm>
+                  <a:off x="1074774" y="4868216"/>
+                  <a:ext cx="867941" cy="307777"/>
+                </a:xfrm>
+                <a:prstGeom prst="rect">
+                  <a:avLst/>
+                </a:prstGeom>
+                <a:noFill/>
+              </p:spPr>
+              <p:txBody>
+                <a:bodyPr wrap="square" rtlCol="0">
+                  <a:spAutoFit/>
+                </a:bodyPr>
+                <a:lstStyle/>
+                <a:p>
+                  <a:pPr algn="ctr"/>
+                  <a14:m>
+                    <m:oMathPara xmlns:m="http://schemas.openxmlformats.org/officeDocument/2006/math">
+                      <m:oMathParaPr>
+                        <m:jc m:val="centerGroup"/>
+                      </m:oMathParaPr>
+                      <m:oMath xmlns:m="http://schemas.openxmlformats.org/officeDocument/2006/math">
+                        <m:sSub>
+                          <m:sSubPr>
+                            <m:ctrlPr>
+                              <a:rPr lang="pt-BR" sz="1400" i="1" smtClean="0">
+                                <a:latin typeface="Cambria Math" panose="02040503050406030204" pitchFamily="18" charset="0"/>
+                              </a:rPr>
+                            </m:ctrlPr>
+                          </m:sSubPr>
+                          <m:e>
+                            <m:r>
+                              <a:rPr lang="pt-BR" sz="1400" b="0" i="1" smtClean="0">
+                                <a:latin typeface="Cambria Math" panose="02040503050406030204" pitchFamily="18" charset="0"/>
+                              </a:rPr>
+                              <m:t>𝑎</m:t>
+                            </m:r>
+                          </m:e>
+                          <m:sub>
+                            <m:r>
+                              <m:rPr>
+                                <m:sty m:val="p"/>
+                              </m:rPr>
+                              <a:rPr lang="pt-BR" sz="1400" b="0" i="0" smtClean="0">
+                                <a:latin typeface="Cambria Math" panose="02040503050406030204" pitchFamily="18" charset="0"/>
+                              </a:rPr>
+                              <m:t>inicial</m:t>
+                            </m:r>
+                          </m:sub>
+                        </m:sSub>
+                      </m:oMath>
+                    </m:oMathPara>
+                  </a14:m>
+                  <a:endParaRPr lang="pt-BR" sz="1400" dirty="0"/>
+                </a:p>
+              </p:txBody>
+            </p:sp>
+          </mc:Choice>
+          <mc:Fallback>
+            <p:sp>
+              <p:nvSpPr>
+                <p:cNvPr id="22" name="CaixaDeTexto 21">
+                  <a:extLst>
+                    <a:ext uri="{FF2B5EF4-FFF2-40B4-BE49-F238E27FC236}">
+                      <a16:creationId xmlns:a16="http://schemas.microsoft.com/office/drawing/2014/main" id="{7167E7D4-807F-4A91-D2F9-5B3D43BE5896}"/>
+                    </a:ext>
+                  </a:extLst>
+                </p:cNvPr>
+                <p:cNvSpPr txBox="1">
+                  <a:spLocks noRot="1" noChangeAspect="1" noMove="1" noResize="1" noEditPoints="1" noAdjustHandles="1" noChangeArrowheads="1" noChangeShapeType="1" noTextEdit="1"/>
+                </p:cNvSpPr>
+                <p:nvPr/>
+              </p:nvSpPr>
+              <p:spPr>
+                <a:xfrm>
+                  <a:off x="1074774" y="4868216"/>
+                  <a:ext cx="867941" cy="307777"/>
+                </a:xfrm>
+                <a:prstGeom prst="rect">
+                  <a:avLst/>
+                </a:prstGeom>
+                <a:blipFill>
+                  <a:blip r:embed="rId3"/>
+                  <a:stretch>
+                    <a:fillRect/>
+                  </a:stretch>
+                </a:blipFill>
+              </p:spPr>
+              <p:txBody>
+                <a:bodyPr/>
+                <a:lstStyle/>
+                <a:p>
+                  <a:r>
+                    <a:rPr lang="pt-BR">
+                      <a:noFill/>
+                    </a:rPr>
+                    <a:t> </a:t>
+                  </a:r>
+                </a:p>
+              </p:txBody>
+            </p:sp>
+          </mc:Fallback>
+        </mc:AlternateContent>
+        <mc:AlternateContent xmlns:mc="http://schemas.openxmlformats.org/markup-compatibility/2006">
+          <mc:Choice xmlns:a14="http://schemas.microsoft.com/office/drawing/2010/main" Requires="a14">
+            <p:sp>
+              <p:nvSpPr>
+                <p:cNvPr id="23" name="CaixaDeTexto 22">
+                  <a:extLst>
+                    <a:ext uri="{FF2B5EF4-FFF2-40B4-BE49-F238E27FC236}">
+                      <a16:creationId xmlns:a16="http://schemas.microsoft.com/office/drawing/2014/main" id="{5563576F-5255-680C-F8CB-10958601F543}"/>
+                    </a:ext>
+                  </a:extLst>
+                </p:cNvPr>
+                <p:cNvSpPr txBox="1"/>
+                <p:nvPr/>
+              </p:nvSpPr>
+              <p:spPr>
+                <a:xfrm>
+                  <a:off x="2671712" y="4867795"/>
+                  <a:ext cx="867941" cy="307777"/>
+                </a:xfrm>
+                <a:prstGeom prst="rect">
+                  <a:avLst/>
+                </a:prstGeom>
+                <a:noFill/>
+              </p:spPr>
+              <p:txBody>
+                <a:bodyPr wrap="square" rtlCol="0">
+                  <a:spAutoFit/>
+                </a:bodyPr>
+                <a:lstStyle/>
+                <a:p>
+                  <a:pPr algn="ctr"/>
+                  <a14:m>
+                    <m:oMathPara xmlns:m="http://schemas.openxmlformats.org/officeDocument/2006/math">
+                      <m:oMathParaPr>
+                        <m:jc m:val="centerGroup"/>
+                      </m:oMathParaPr>
+                      <m:oMath xmlns:m="http://schemas.openxmlformats.org/officeDocument/2006/math">
+                        <m:sSub>
+                          <m:sSubPr>
+                            <m:ctrlPr>
+                              <a:rPr lang="pt-BR" sz="1400" i="1" smtClean="0">
+                                <a:latin typeface="Cambria Math" panose="02040503050406030204" pitchFamily="18" charset="0"/>
+                              </a:rPr>
+                            </m:ctrlPr>
+                          </m:sSubPr>
+                          <m:e>
+                            <m:r>
+                              <a:rPr lang="pt-BR" sz="1400" b="0" i="1" smtClean="0">
+                                <a:latin typeface="Cambria Math" panose="02040503050406030204" pitchFamily="18" charset="0"/>
+                              </a:rPr>
+                              <m:t>𝑎</m:t>
+                            </m:r>
+                          </m:e>
+                          <m:sub>
+                            <m:r>
+                              <a:rPr lang="pt-BR" sz="1400" b="0" i="0" smtClean="0">
+                                <a:latin typeface="Cambria Math" panose="02040503050406030204" pitchFamily="18" charset="0"/>
+                              </a:rPr>
+                              <m:t>ó</m:t>
+                            </m:r>
+                            <m:r>
+                              <m:rPr>
+                                <m:sty m:val="p"/>
+                              </m:rPr>
+                              <a:rPr lang="pt-BR" sz="1400" b="0" i="0" smtClean="0">
+                                <a:latin typeface="Cambria Math" panose="02040503050406030204" pitchFamily="18" charset="0"/>
+                              </a:rPr>
+                              <m:t>timo</m:t>
+                            </m:r>
+                          </m:sub>
+                        </m:sSub>
+                      </m:oMath>
+                    </m:oMathPara>
+                  </a14:m>
+                  <a:endParaRPr lang="pt-BR" sz="1400" dirty="0"/>
+                </a:p>
+              </p:txBody>
+            </p:sp>
+          </mc:Choice>
+          <mc:Fallback>
+            <p:sp>
+              <p:nvSpPr>
+                <p:cNvPr id="23" name="CaixaDeTexto 22">
+                  <a:extLst>
+                    <a:ext uri="{FF2B5EF4-FFF2-40B4-BE49-F238E27FC236}">
+                      <a16:creationId xmlns:a16="http://schemas.microsoft.com/office/drawing/2014/main" id="{5563576F-5255-680C-F8CB-10958601F543}"/>
+                    </a:ext>
+                  </a:extLst>
+                </p:cNvPr>
+                <p:cNvSpPr txBox="1">
+                  <a:spLocks noRot="1" noChangeAspect="1" noMove="1" noResize="1" noEditPoints="1" noAdjustHandles="1" noChangeArrowheads="1" noChangeShapeType="1" noTextEdit="1"/>
+                </p:cNvSpPr>
+                <p:nvPr/>
+              </p:nvSpPr>
+              <p:spPr>
+                <a:xfrm>
+                  <a:off x="2671712" y="4867795"/>
+                  <a:ext cx="867941" cy="307777"/>
+                </a:xfrm>
+                <a:prstGeom prst="rect">
+                  <a:avLst/>
+                </a:prstGeom>
+                <a:blipFill>
+                  <a:blip r:embed="rId4"/>
+                  <a:stretch>
+                    <a:fillRect/>
+                  </a:stretch>
+                </a:blipFill>
+              </p:spPr>
+              <p:txBody>
+                <a:bodyPr/>
+                <a:lstStyle/>
+                <a:p>
+                  <a:r>
+                    <a:rPr lang="pt-BR">
+                      <a:noFill/>
+                    </a:rPr>
+                    <a:t> </a:t>
+                  </a:r>
+                </a:p>
+              </p:txBody>
+            </p:sp>
+          </mc:Fallback>
+        </mc:AlternateContent>
+      </p:grpSp>
+      <p:cxnSp>
+        <p:nvCxnSpPr>
+          <p:cNvPr id="4" name="Conector de Seta Reta 3">
+            <a:extLst>
+              <a:ext uri="{FF2B5EF4-FFF2-40B4-BE49-F238E27FC236}">
+                <a16:creationId xmlns:a16="http://schemas.microsoft.com/office/drawing/2014/main" id="{AEECACA4-5B42-A865-92BE-067925FB1366}"/>
+              </a:ext>
+            </a:extLst>
+          </p:cNvPr>
+          <p:cNvCxnSpPr>
+            <a:cxnSpLocks/>
+          </p:cNvCxnSpPr>
+          <p:nvPr/>
+        </p:nvCxnSpPr>
+        <p:spPr>
+          <a:xfrm>
+            <a:off x="1295851" y="3183756"/>
+            <a:ext cx="473505" cy="797660"/>
+          </a:xfrm>
+          <a:prstGeom prst="straightConnector1">
+            <a:avLst/>
+          </a:prstGeom>
+          <a:ln>
+            <a:solidFill>
+              <a:srgbClr val="FF0000"/>
+            </a:solidFill>
+            <a:tailEnd type="triangle"/>
+          </a:ln>
+        </p:spPr>
+        <p:style>
+          <a:lnRef idx="1">
+            <a:schemeClr val="accent1"/>
+          </a:lnRef>
+          <a:fillRef idx="0">
+            <a:schemeClr val="accent1"/>
+          </a:fillRef>
+          <a:effectRef idx="0">
+            <a:schemeClr val="accent1"/>
+          </a:effectRef>
+          <a:fontRef idx="minor">
+            <a:schemeClr val="tx1"/>
+          </a:fontRef>
+        </p:style>
+      </p:cxnSp>
+      <p:sp>
+        <p:nvSpPr>
+          <p:cNvPr id="5" name="CaixaDeTexto 4">
+            <a:extLst>
+              <a:ext uri="{FF2B5EF4-FFF2-40B4-BE49-F238E27FC236}">
+                <a16:creationId xmlns:a16="http://schemas.microsoft.com/office/drawing/2014/main" id="{C43BE193-6F4D-08CC-5267-85D938F1F1CF}"/>
+              </a:ext>
+            </a:extLst>
+          </p:cNvPr>
+          <p:cNvSpPr txBox="1"/>
+          <p:nvPr/>
+        </p:nvSpPr>
+        <p:spPr>
+          <a:xfrm>
+            <a:off x="736317" y="5510537"/>
+            <a:ext cx="4822861" cy="646331"/>
+          </a:xfrm>
+          <a:prstGeom prst="rect">
+            <a:avLst/>
+          </a:prstGeom>
+          <a:noFill/>
+        </p:spPr>
+        <p:txBody>
+          <a:bodyPr wrap="square" rtlCol="0">
+            <a:spAutoFit/>
+          </a:bodyPr>
+          <a:lstStyle/>
+          <a:p>
+            <a:pPr algn="ctr"/>
+            <a:r>
+              <a:rPr lang="pt-BR" dirty="0"/>
+              <a:t>O gradiente é usado para determinar a direção que devemos seguir até o mínimo.</a:t>
+            </a:r>
+          </a:p>
+        </p:txBody>
+      </p:sp>
+    </p:spTree>
+    <p:extLst>
+      <p:ext uri="{BB962C8B-B14F-4D97-AF65-F5344CB8AC3E}">
+        <p14:creationId xmlns:p14="http://schemas.microsoft.com/office/powerpoint/2010/main" val="789183588"/>
+      </p:ext>
+    </p:extLst>
+  </p:cSld>
+  <p:clrMapOvr>
+    <a:masterClrMapping/>
+  </p:clrMapOvr>
+</p:sld>
+</file>
+
+<file path=ppt/slides/slide8.xml><?xml version="1.0" encoding="utf-8"?>
+<p:sld xmlns:a="http://schemas.openxmlformats.org/drawingml/2006/main" xmlns:r="http://schemas.openxmlformats.org/officeDocument/2006/relationships" xmlns:p="http://schemas.openxmlformats.org/presentationml/2006/main">
+  <p:cSld>
+    <p:spTree>
+      <p:nvGrpSpPr>
+        <p:cNvPr id="1" name=""/>
+        <p:cNvGrpSpPr/>
+        <p:nvPr/>
+      </p:nvGrpSpPr>
+      <p:grpSpPr>
+        <a:xfrm>
+          <a:off x="0" y="0"/>
+          <a:ext cx="0" cy="0"/>
+          <a:chOff x="0" y="0"/>
+          <a:chExt cx="0" cy="0"/>
+        </a:xfrm>
+      </p:grpSpPr>
+      <p:sp>
+        <p:nvSpPr>
+          <p:cNvPr id="2" name="Título 1">
+            <a:extLst>
+              <a:ext uri="{FF2B5EF4-FFF2-40B4-BE49-F238E27FC236}">
+                <a16:creationId xmlns:a16="http://schemas.microsoft.com/office/drawing/2014/main" id="{FDCC3C31-4EA2-B4A2-431F-BF22FBB8A7BA}"/>
+              </a:ext>
+            </a:extLst>
+          </p:cNvPr>
+          <p:cNvSpPr>
+            <a:spLocks noGrp="1"/>
+          </p:cNvSpPr>
+          <p:nvPr>
+            <p:ph type="title"/>
+          </p:nvPr>
+        </p:nvSpPr>
+        <p:spPr/>
+        <p:txBody>
+          <a:bodyPr/>
+          <a:lstStyle/>
+          <a:p>
+            <a:r>
+              <a:rPr lang="pt-BR" dirty="0"/>
+              <a:t>Gradiente</a:t>
+            </a:r>
+          </a:p>
+        </p:txBody>
+      </p:sp>
+      <p:sp>
+        <p:nvSpPr>
+          <p:cNvPr id="3" name="Espaço Reservado para Conteúdo 2">
+            <a:extLst>
+              <a:ext uri="{FF2B5EF4-FFF2-40B4-BE49-F238E27FC236}">
+                <a16:creationId xmlns:a16="http://schemas.microsoft.com/office/drawing/2014/main" id="{F09EA0C7-E094-F158-6A1A-B80733321450}"/>
+              </a:ext>
+            </a:extLst>
+          </p:cNvPr>
+          <p:cNvSpPr>
+            <a:spLocks noGrp="1"/>
+          </p:cNvSpPr>
+          <p:nvPr>
+            <p:ph idx="1"/>
+          </p:nvPr>
+        </p:nvSpPr>
+        <p:spPr>
+          <a:xfrm>
+            <a:off x="6181728" y="1825624"/>
+            <a:ext cx="5818488" cy="5032376"/>
+          </a:xfrm>
+        </p:spPr>
+        <p:txBody>
+          <a:bodyPr>
+            <a:normAutofit/>
+          </a:bodyPr>
+          <a:lstStyle/>
+          <a:p>
+            <a:r>
+              <a:rPr lang="pt-BR" dirty="0"/>
+              <a:t>O gradiente não dá informações da distância até o ponto de mínimo, mas pelo menos sabemos a direção correta.</a:t>
+            </a:r>
+          </a:p>
+          <a:p>
+            <a:r>
+              <a:rPr lang="pt-BR" dirty="0"/>
+              <a:t>Podemos fazer a analogia com uma bola em uma ladeira.</a:t>
+            </a:r>
+          </a:p>
+          <a:p>
+            <a:r>
+              <a:rPr lang="pt-BR" dirty="0"/>
+              <a:t>A gravidade dá a direção até a parte mais baixa da ladeira, mas não sabemos a distância até lá. </a:t>
+            </a:r>
+          </a:p>
+          <a:p>
+            <a:endParaRPr lang="pt-BR" dirty="0"/>
+          </a:p>
+        </p:txBody>
+      </p:sp>
+      <p:grpSp>
+        <p:nvGrpSpPr>
+          <p:cNvPr id="25" name="Agrupar 24">
+            <a:extLst>
+              <a:ext uri="{FF2B5EF4-FFF2-40B4-BE49-F238E27FC236}">
+                <a16:creationId xmlns:a16="http://schemas.microsoft.com/office/drawing/2014/main" id="{CAABD4E6-0271-FDD3-1BDC-9F25BB67666F}"/>
+              </a:ext>
+            </a:extLst>
+          </p:cNvPr>
+          <p:cNvGrpSpPr/>
+          <p:nvPr/>
+        </p:nvGrpSpPr>
+        <p:grpSpPr>
+          <a:xfrm>
+            <a:off x="973059" y="2353695"/>
+            <a:ext cx="3963570" cy="2939416"/>
+            <a:chOff x="973059" y="2353695"/>
+            <a:chExt cx="3963570" cy="2939416"/>
+          </a:xfrm>
+        </p:grpSpPr>
+        <p:sp>
+          <p:nvSpPr>
+            <p:cNvPr id="24" name="Forma Livre: Forma 23">
+              <a:extLst>
+                <a:ext uri="{FF2B5EF4-FFF2-40B4-BE49-F238E27FC236}">
+                  <a16:creationId xmlns:a16="http://schemas.microsoft.com/office/drawing/2014/main" id="{1AF02A9C-5A9B-AE81-9724-6E5E5F5C9AD5}"/>
+                </a:ext>
+              </a:extLst>
+            </p:cNvPr>
+            <p:cNvSpPr/>
+            <p:nvPr/>
+          </p:nvSpPr>
+          <p:spPr>
+            <a:xfrm>
+              <a:off x="1190625" y="2990850"/>
+              <a:ext cx="3429000" cy="1752634"/>
+            </a:xfrm>
+            <a:custGeom>
+              <a:avLst/>
+              <a:gdLst>
+                <a:gd name="connsiteX0" fmla="*/ 0 w 3429000"/>
+                <a:gd name="connsiteY0" fmla="*/ 38100 h 1752634"/>
+                <a:gd name="connsiteX1" fmla="*/ 1714500 w 3429000"/>
+                <a:gd name="connsiteY1" fmla="*/ 1752600 h 1752634"/>
+                <a:gd name="connsiteX2" fmla="*/ 3429000 w 3429000"/>
+                <a:gd name="connsiteY2" fmla="*/ 0 h 1752634"/>
+              </a:gdLst>
+              <a:ahLst/>
+              <a:cxnLst>
+                <a:cxn ang="0">
+                  <a:pos x="connsiteX0" y="connsiteY0"/>
+                </a:cxn>
+                <a:cxn ang="0">
+                  <a:pos x="connsiteX1" y="connsiteY1"/>
+                </a:cxn>
+                <a:cxn ang="0">
+                  <a:pos x="connsiteX2" y="connsiteY2"/>
+                </a:cxn>
+              </a:cxnLst>
+              <a:rect l="l" t="t" r="r" b="b"/>
+              <a:pathLst>
+                <a:path w="3429000" h="1752634">
+                  <a:moveTo>
+                    <a:pt x="0" y="38100"/>
+                  </a:moveTo>
+                  <a:cubicBezTo>
+                    <a:pt x="571500" y="898525"/>
+                    <a:pt x="1143000" y="1758950"/>
+                    <a:pt x="1714500" y="1752600"/>
+                  </a:cubicBezTo>
+                  <a:cubicBezTo>
+                    <a:pt x="2286000" y="1746250"/>
+                    <a:pt x="3119438" y="314325"/>
+                    <a:pt x="3429000" y="0"/>
+                  </a:cubicBezTo>
+                </a:path>
+              </a:pathLst>
+            </a:custGeom>
+            <a:noFill/>
+          </p:spPr>
+          <p:style>
+            <a:lnRef idx="2">
+              <a:schemeClr val="accent1">
+                <a:shade val="15000"/>
+              </a:schemeClr>
+            </a:lnRef>
+            <a:fillRef idx="1">
+              <a:schemeClr val="accent1"/>
+            </a:fillRef>
+            <a:effectRef idx="0">
+              <a:schemeClr val="accent1"/>
+            </a:effectRef>
+            <a:fontRef idx="minor">
+              <a:schemeClr val="lt1"/>
+            </a:fontRef>
+          </p:style>
+          <p:txBody>
+            <a:bodyPr rtlCol="0" anchor="ctr"/>
+            <a:lstStyle/>
+            <a:p>
+              <a:pPr algn="ctr"/>
+              <a:endParaRPr lang="pt-BR"/>
+            </a:p>
+          </p:txBody>
+        </p:sp>
+        <p:cxnSp>
+          <p:nvCxnSpPr>
+            <p:cNvPr id="6" name="Conector de Seta Reta 5">
+              <a:extLst>
+                <a:ext uri="{FF2B5EF4-FFF2-40B4-BE49-F238E27FC236}">
+                  <a16:creationId xmlns:a16="http://schemas.microsoft.com/office/drawing/2014/main" id="{CECA8A08-ECD5-CF26-4CEC-3C8F2A7EB943}"/>
+                </a:ext>
+              </a:extLst>
+            </p:cNvPr>
+            <p:cNvCxnSpPr>
+              <a:cxnSpLocks/>
+            </p:cNvCxnSpPr>
+            <p:nvPr/>
+          </p:nvCxnSpPr>
+          <p:spPr>
+            <a:xfrm>
+              <a:off x="974017" y="4916172"/>
+              <a:ext cx="3860967" cy="0"/>
+            </a:xfrm>
+            <a:prstGeom prst="straightConnector1">
+              <a:avLst/>
+            </a:prstGeom>
+            <a:ln w="19050">
+              <a:solidFill>
+                <a:schemeClr val="tx1"/>
+              </a:solidFill>
+              <a:tailEnd type="triangle"/>
+            </a:ln>
+          </p:spPr>
+          <p:style>
+            <a:lnRef idx="1">
+              <a:schemeClr val="accent1"/>
+            </a:lnRef>
+            <a:fillRef idx="0">
+              <a:schemeClr val="accent1"/>
+            </a:fillRef>
+            <a:effectRef idx="0">
+              <a:schemeClr val="accent1"/>
+            </a:effectRef>
+            <a:fontRef idx="minor">
+              <a:schemeClr val="tx1"/>
+            </a:fontRef>
+          </p:style>
+        </p:cxnSp>
+        <p:cxnSp>
+          <p:nvCxnSpPr>
+            <p:cNvPr id="7" name="Conector de Seta Reta 6">
+              <a:extLst>
+                <a:ext uri="{FF2B5EF4-FFF2-40B4-BE49-F238E27FC236}">
+                  <a16:creationId xmlns:a16="http://schemas.microsoft.com/office/drawing/2014/main" id="{EBE189DA-FC3E-6F77-83E6-389C755E01A6}"/>
+                </a:ext>
+              </a:extLst>
+            </p:cNvPr>
+            <p:cNvCxnSpPr>
+              <a:cxnSpLocks/>
+            </p:cNvCxnSpPr>
+            <p:nvPr/>
+          </p:nvCxnSpPr>
+          <p:spPr>
+            <a:xfrm flipV="1">
+              <a:off x="974018" y="2442308"/>
+              <a:ext cx="0" cy="2473865"/>
+            </a:xfrm>
+            <a:prstGeom prst="straightConnector1">
+              <a:avLst/>
+            </a:prstGeom>
+            <a:ln w="19050">
+              <a:solidFill>
+                <a:schemeClr val="tx1"/>
+              </a:solidFill>
+              <a:tailEnd type="triangle"/>
+            </a:ln>
+          </p:spPr>
+          <p:style>
+            <a:lnRef idx="1">
+              <a:schemeClr val="accent1"/>
+            </a:lnRef>
+            <a:fillRef idx="0">
+              <a:schemeClr val="accent1"/>
+            </a:fillRef>
+            <a:effectRef idx="0">
+              <a:schemeClr val="accent1"/>
+            </a:effectRef>
+            <a:fontRef idx="minor">
+              <a:schemeClr val="tx1"/>
+            </a:fontRef>
+          </p:style>
+        </p:cxnSp>
+        <p:sp>
+          <p:nvSpPr>
+            <p:cNvPr id="8" name="CaixaDeTexto 7">
+              <a:extLst>
+                <a:ext uri="{FF2B5EF4-FFF2-40B4-BE49-F238E27FC236}">
+                  <a16:creationId xmlns:a16="http://schemas.microsoft.com/office/drawing/2014/main" id="{A78938CD-F777-59C9-49FF-1EC87187C2BF}"/>
+                </a:ext>
+              </a:extLst>
+            </p:cNvPr>
+            <p:cNvSpPr txBox="1"/>
+            <p:nvPr/>
+          </p:nvSpPr>
+          <p:spPr>
+            <a:xfrm>
+              <a:off x="974017" y="2353695"/>
+              <a:ext cx="1679879" cy="369332"/>
+            </a:xfrm>
+            <a:prstGeom prst="rect">
+              <a:avLst/>
+            </a:prstGeom>
+            <a:noFill/>
+          </p:spPr>
+          <p:txBody>
+            <a:bodyPr wrap="square" rtlCol="0">
+              <a:spAutoFit/>
+            </a:bodyPr>
+            <a:lstStyle/>
+            <a:p>
+              <a:r>
+                <a:rPr lang="pt-BR" dirty="0"/>
+                <a:t>Função de erro</a:t>
+              </a:r>
+            </a:p>
+          </p:txBody>
+        </p:sp>
+        <p:sp>
+          <p:nvSpPr>
+            <p:cNvPr id="9" name="CaixaDeTexto 8">
+              <a:extLst>
+                <a:ext uri="{FF2B5EF4-FFF2-40B4-BE49-F238E27FC236}">
+                  <a16:creationId xmlns:a16="http://schemas.microsoft.com/office/drawing/2014/main" id="{A1CE1535-321D-E614-D63E-21C0CB455062}"/>
+                </a:ext>
+              </a:extLst>
+            </p:cNvPr>
+            <p:cNvSpPr txBox="1"/>
+            <p:nvPr/>
+          </p:nvSpPr>
+          <p:spPr>
+            <a:xfrm>
+              <a:off x="4300295" y="4923779"/>
+              <a:ext cx="636334" cy="369332"/>
+            </a:xfrm>
+            <a:prstGeom prst="rect">
+              <a:avLst/>
+            </a:prstGeom>
+            <a:noFill/>
+          </p:spPr>
+          <p:txBody>
+            <a:bodyPr wrap="square" rtlCol="0">
+              <a:spAutoFit/>
+            </a:bodyPr>
+            <a:lstStyle/>
+            <a:p>
+              <a:pPr algn="r"/>
+              <a:r>
+                <a:rPr lang="pt-BR" dirty="0"/>
+                <a:t>Peso</a:t>
+              </a:r>
+            </a:p>
+          </p:txBody>
+        </p:sp>
+        <p:cxnSp>
+          <p:nvCxnSpPr>
+            <p:cNvPr id="10" name="Conector reto 9">
+              <a:extLst>
+                <a:ext uri="{FF2B5EF4-FFF2-40B4-BE49-F238E27FC236}">
+                  <a16:creationId xmlns:a16="http://schemas.microsoft.com/office/drawing/2014/main" id="{C04D87AE-293E-34D0-E4BE-09E7635BC7EE}"/>
+                </a:ext>
+              </a:extLst>
+            </p:cNvPr>
+            <p:cNvCxnSpPr/>
+            <p:nvPr/>
+          </p:nvCxnSpPr>
+          <p:spPr>
+            <a:xfrm>
+              <a:off x="976885" y="4744536"/>
+              <a:ext cx="1930484" cy="0"/>
+            </a:xfrm>
+            <a:prstGeom prst="line">
+              <a:avLst/>
+            </a:prstGeom>
+            <a:ln>
+              <a:solidFill>
+                <a:srgbClr val="FF0000"/>
+              </a:solidFill>
+              <a:prstDash val="dash"/>
+            </a:ln>
+          </p:spPr>
+          <p:style>
+            <a:lnRef idx="1">
+              <a:schemeClr val="accent1"/>
+            </a:lnRef>
+            <a:fillRef idx="0">
+              <a:schemeClr val="accent1"/>
+            </a:fillRef>
+            <a:effectRef idx="0">
+              <a:schemeClr val="accent1"/>
+            </a:effectRef>
+            <a:fontRef idx="minor">
+              <a:schemeClr val="tx1"/>
+            </a:fontRef>
+          </p:style>
+        </p:cxnSp>
+        <p:sp>
+          <p:nvSpPr>
+            <p:cNvPr id="11" name="CaixaDeTexto 10">
+              <a:extLst>
+                <a:ext uri="{FF2B5EF4-FFF2-40B4-BE49-F238E27FC236}">
+                  <a16:creationId xmlns:a16="http://schemas.microsoft.com/office/drawing/2014/main" id="{0ED8EC8A-F8D0-F14F-7E38-47715C0AD532}"/>
+                </a:ext>
+              </a:extLst>
+            </p:cNvPr>
+            <p:cNvSpPr txBox="1"/>
+            <p:nvPr/>
+          </p:nvSpPr>
+          <p:spPr>
+            <a:xfrm>
+              <a:off x="2367751" y="4232230"/>
+              <a:ext cx="1066949" cy="550146"/>
+            </a:xfrm>
+            <a:prstGeom prst="rect">
+              <a:avLst/>
+            </a:prstGeom>
+            <a:noFill/>
+          </p:spPr>
+          <p:txBody>
+            <a:bodyPr wrap="square" rtlCol="0">
+              <a:spAutoFit/>
+            </a:bodyPr>
+            <a:lstStyle/>
+            <a:p>
+              <a:pPr algn="ctr"/>
+              <a:r>
+                <a:rPr lang="pt-BR" sz="1200" dirty="0"/>
+                <a:t>Ponto de mínimo</a:t>
+              </a:r>
+            </a:p>
+          </p:txBody>
+        </p:sp>
+        <p:cxnSp>
+          <p:nvCxnSpPr>
+            <p:cNvPr id="12" name="Conector reto 11">
+              <a:extLst>
+                <a:ext uri="{FF2B5EF4-FFF2-40B4-BE49-F238E27FC236}">
+                  <a16:creationId xmlns:a16="http://schemas.microsoft.com/office/drawing/2014/main" id="{37A91F5D-D6CE-87E4-DD6F-6AEA41D6D82D}"/>
+                </a:ext>
+              </a:extLst>
+            </p:cNvPr>
+            <p:cNvCxnSpPr>
+              <a:cxnSpLocks/>
+            </p:cNvCxnSpPr>
+            <p:nvPr/>
+          </p:nvCxnSpPr>
+          <p:spPr>
+            <a:xfrm>
+              <a:off x="2902477" y="4736969"/>
+              <a:ext cx="0" cy="171598"/>
+            </a:xfrm>
+            <a:prstGeom prst="line">
+              <a:avLst/>
+            </a:prstGeom>
+            <a:ln>
+              <a:solidFill>
+                <a:srgbClr val="FF0000"/>
+              </a:solidFill>
+              <a:prstDash val="dash"/>
+            </a:ln>
+          </p:spPr>
+          <p:style>
+            <a:lnRef idx="1">
+              <a:schemeClr val="accent1"/>
+            </a:lnRef>
+            <a:fillRef idx="0">
+              <a:schemeClr val="accent1"/>
+            </a:fillRef>
+            <a:effectRef idx="0">
+              <a:schemeClr val="accent1"/>
+            </a:effectRef>
+            <a:fontRef idx="minor">
+              <a:schemeClr val="tx1"/>
+            </a:fontRef>
+          </p:style>
+        </p:cxnSp>
+        <p:sp>
+          <p:nvSpPr>
+            <p:cNvPr id="13" name="Elipse 12">
+              <a:extLst>
+                <a:ext uri="{FF2B5EF4-FFF2-40B4-BE49-F238E27FC236}">
+                  <a16:creationId xmlns:a16="http://schemas.microsoft.com/office/drawing/2014/main" id="{34D38410-D059-6D93-1DD2-6F2EF0E92E63}"/>
+                </a:ext>
+              </a:extLst>
+            </p:cNvPr>
+            <p:cNvSpPr/>
+            <p:nvPr/>
+          </p:nvSpPr>
+          <p:spPr>
+            <a:xfrm>
+              <a:off x="2879776" y="4721835"/>
+              <a:ext cx="42900" cy="42900"/>
+            </a:xfrm>
+            <a:prstGeom prst="ellipse">
+              <a:avLst/>
+            </a:prstGeom>
+            <a:solidFill>
+              <a:srgbClr val="FF0000"/>
+            </a:solidFill>
+            <a:ln>
+              <a:solidFill>
+                <a:srgbClr val="FF0000"/>
+              </a:solidFill>
+            </a:ln>
+          </p:spPr>
+          <p:style>
+            <a:lnRef idx="2">
+              <a:schemeClr val="accent1">
+                <a:shade val="15000"/>
+              </a:schemeClr>
+            </a:lnRef>
+            <a:fillRef idx="1">
+              <a:schemeClr val="accent1"/>
+            </a:fillRef>
+            <a:effectRef idx="0">
+              <a:schemeClr val="accent1"/>
+            </a:effectRef>
+            <a:fontRef idx="minor">
+              <a:schemeClr val="lt1"/>
+            </a:fontRef>
+          </p:style>
+          <p:txBody>
+            <a:bodyPr rtlCol="0" anchor="ctr"/>
+            <a:lstStyle/>
+            <a:p>
+              <a:pPr algn="ctr"/>
+              <a:endParaRPr lang="pt-BR" dirty="0"/>
+            </a:p>
+          </p:txBody>
+        </p:sp>
+        <p:sp>
+          <p:nvSpPr>
+            <p:cNvPr id="14" name="Elipse 13">
+              <a:extLst>
+                <a:ext uri="{FF2B5EF4-FFF2-40B4-BE49-F238E27FC236}">
+                  <a16:creationId xmlns:a16="http://schemas.microsoft.com/office/drawing/2014/main" id="{483CF4C1-DDBF-4640-7392-235196C4D89B}"/>
+                </a:ext>
+              </a:extLst>
+            </p:cNvPr>
+            <p:cNvSpPr/>
+            <p:nvPr/>
+          </p:nvSpPr>
+          <p:spPr>
+            <a:xfrm>
+              <a:off x="1273647" y="3163362"/>
+              <a:ext cx="42900" cy="42900"/>
+            </a:xfrm>
+            <a:prstGeom prst="ellipse">
+              <a:avLst/>
+            </a:prstGeom>
+            <a:solidFill>
+              <a:schemeClr val="tx1"/>
+            </a:solidFill>
+            <a:ln>
+              <a:solidFill>
+                <a:schemeClr val="tx1"/>
+              </a:solidFill>
+            </a:ln>
+          </p:spPr>
+          <p:style>
+            <a:lnRef idx="2">
+              <a:schemeClr val="accent1">
+                <a:shade val="15000"/>
+              </a:schemeClr>
+            </a:lnRef>
+            <a:fillRef idx="1">
+              <a:schemeClr val="accent1"/>
+            </a:fillRef>
+            <a:effectRef idx="0">
+              <a:schemeClr val="accent1"/>
+            </a:effectRef>
+            <a:fontRef idx="minor">
+              <a:schemeClr val="lt1"/>
+            </a:fontRef>
+          </p:style>
+          <p:txBody>
+            <a:bodyPr rtlCol="0" anchor="ctr"/>
+            <a:lstStyle/>
+            <a:p>
+              <a:pPr algn="ctr"/>
+              <a:endParaRPr lang="pt-BR" dirty="0"/>
+            </a:p>
+          </p:txBody>
+        </p:sp>
+        <p:cxnSp>
+          <p:nvCxnSpPr>
+            <p:cNvPr id="15" name="Conector reto 14">
+              <a:extLst>
+                <a:ext uri="{FF2B5EF4-FFF2-40B4-BE49-F238E27FC236}">
+                  <a16:creationId xmlns:a16="http://schemas.microsoft.com/office/drawing/2014/main" id="{D69F7809-96CB-75B0-3DD7-F1D3CFFC0DDA}"/>
+                </a:ext>
+              </a:extLst>
+            </p:cNvPr>
+            <p:cNvCxnSpPr/>
+            <p:nvPr/>
+          </p:nvCxnSpPr>
+          <p:spPr>
+            <a:xfrm>
+              <a:off x="973059" y="3184593"/>
+              <a:ext cx="324000" cy="0"/>
+            </a:xfrm>
+            <a:prstGeom prst="line">
+              <a:avLst/>
+            </a:prstGeom>
+            <a:ln>
+              <a:solidFill>
+                <a:schemeClr val="tx1"/>
+              </a:solidFill>
+              <a:prstDash val="dash"/>
+            </a:ln>
+          </p:spPr>
+          <p:style>
+            <a:lnRef idx="1">
+              <a:schemeClr val="accent1"/>
+            </a:lnRef>
+            <a:fillRef idx="0">
+              <a:schemeClr val="accent1"/>
+            </a:fillRef>
+            <a:effectRef idx="0">
+              <a:schemeClr val="accent1"/>
+            </a:effectRef>
+            <a:fontRef idx="minor">
+              <a:schemeClr val="tx1"/>
+            </a:fontRef>
+          </p:style>
+        </p:cxnSp>
+        <p:cxnSp>
+          <p:nvCxnSpPr>
+            <p:cNvPr id="17" name="Conector reto 16">
+              <a:extLst>
+                <a:ext uri="{FF2B5EF4-FFF2-40B4-BE49-F238E27FC236}">
+                  <a16:creationId xmlns:a16="http://schemas.microsoft.com/office/drawing/2014/main" id="{51DB7F58-65FD-F0F4-E3F8-1B7A5A7E2DAE}"/>
+                </a:ext>
+              </a:extLst>
+            </p:cNvPr>
+            <p:cNvCxnSpPr>
+              <a:cxnSpLocks/>
+            </p:cNvCxnSpPr>
+            <p:nvPr/>
+          </p:nvCxnSpPr>
+          <p:spPr>
+            <a:xfrm>
+              <a:off x="1295097" y="3163361"/>
+              <a:ext cx="0" cy="1764000"/>
+            </a:xfrm>
+            <a:prstGeom prst="line">
+              <a:avLst/>
+            </a:prstGeom>
+            <a:ln>
+              <a:solidFill>
+                <a:schemeClr val="tx1"/>
+              </a:solidFill>
+              <a:prstDash val="dash"/>
+            </a:ln>
+          </p:spPr>
+          <p:style>
+            <a:lnRef idx="1">
+              <a:schemeClr val="accent1"/>
+            </a:lnRef>
+            <a:fillRef idx="0">
+              <a:schemeClr val="accent1"/>
+            </a:fillRef>
+            <a:effectRef idx="0">
+              <a:schemeClr val="accent1"/>
+            </a:effectRef>
+            <a:fontRef idx="minor">
+              <a:schemeClr val="tx1"/>
+            </a:fontRef>
+          </p:style>
+        </p:cxnSp>
+        <p:sp>
+          <p:nvSpPr>
+            <p:cNvPr id="21" name="CaixaDeTexto 20">
+              <a:extLst>
+                <a:ext uri="{FF2B5EF4-FFF2-40B4-BE49-F238E27FC236}">
+                  <a16:creationId xmlns:a16="http://schemas.microsoft.com/office/drawing/2014/main" id="{F3051166-FB83-1C01-C24B-836CCA65DF27}"/>
+                </a:ext>
+              </a:extLst>
+            </p:cNvPr>
+            <p:cNvSpPr txBox="1"/>
+            <p:nvPr/>
+          </p:nvSpPr>
+          <p:spPr>
+            <a:xfrm>
+              <a:off x="1232864" y="3046093"/>
+              <a:ext cx="1071476" cy="276999"/>
+            </a:xfrm>
+            <a:prstGeom prst="rect">
+              <a:avLst/>
+            </a:prstGeom>
+            <a:noFill/>
+          </p:spPr>
+          <p:txBody>
+            <a:bodyPr wrap="square" rtlCol="0">
+              <a:spAutoFit/>
+            </a:bodyPr>
+            <a:lstStyle/>
+            <a:p>
+              <a:pPr algn="ctr"/>
+              <a:r>
+                <a:rPr lang="pt-BR" sz="1200" dirty="0"/>
+                <a:t>Ponto inicial</a:t>
+              </a:r>
+            </a:p>
+          </p:txBody>
+        </p:sp>
+        <mc:AlternateContent xmlns:mc="http://schemas.openxmlformats.org/markup-compatibility/2006">
+          <mc:Choice xmlns:a14="http://schemas.microsoft.com/office/drawing/2010/main" Requires="a14">
+            <p:sp>
+              <p:nvSpPr>
+                <p:cNvPr id="22" name="CaixaDeTexto 21">
+                  <a:extLst>
+                    <a:ext uri="{FF2B5EF4-FFF2-40B4-BE49-F238E27FC236}">
+                      <a16:creationId xmlns:a16="http://schemas.microsoft.com/office/drawing/2014/main" id="{7167E7D4-807F-4A91-D2F9-5B3D43BE5896}"/>
+                    </a:ext>
+                  </a:extLst>
+                </p:cNvPr>
+                <p:cNvSpPr txBox="1"/>
+                <p:nvPr/>
+              </p:nvSpPr>
+              <p:spPr>
+                <a:xfrm>
+                  <a:off x="1074774" y="4868216"/>
+                  <a:ext cx="867941" cy="307777"/>
+                </a:xfrm>
+                <a:prstGeom prst="rect">
+                  <a:avLst/>
+                </a:prstGeom>
+                <a:noFill/>
+              </p:spPr>
+              <p:txBody>
+                <a:bodyPr wrap="square" rtlCol="0">
+                  <a:spAutoFit/>
+                </a:bodyPr>
+                <a:lstStyle/>
+                <a:p>
+                  <a:pPr algn="ctr"/>
+                  <a14:m>
+                    <m:oMathPara xmlns:m="http://schemas.openxmlformats.org/officeDocument/2006/math">
+                      <m:oMathParaPr>
+                        <m:jc m:val="centerGroup"/>
+                      </m:oMathParaPr>
+                      <m:oMath xmlns:m="http://schemas.openxmlformats.org/officeDocument/2006/math">
+                        <m:sSub>
+                          <m:sSubPr>
+                            <m:ctrlPr>
+                              <a:rPr lang="pt-BR" sz="1400" i="1" smtClean="0">
+                                <a:latin typeface="Cambria Math" panose="02040503050406030204" pitchFamily="18" charset="0"/>
+                              </a:rPr>
+                            </m:ctrlPr>
+                          </m:sSubPr>
+                          <m:e>
+                            <m:r>
+                              <a:rPr lang="pt-BR" sz="1400" b="0" i="1" smtClean="0">
+                                <a:latin typeface="Cambria Math" panose="02040503050406030204" pitchFamily="18" charset="0"/>
+                              </a:rPr>
+                              <m:t>𝑎</m:t>
+                            </m:r>
+                          </m:e>
+                          <m:sub>
+                            <m:r>
+                              <m:rPr>
+                                <m:sty m:val="p"/>
+                              </m:rPr>
+                              <a:rPr lang="pt-BR" sz="1400" b="0" i="0" smtClean="0">
+                                <a:latin typeface="Cambria Math" panose="02040503050406030204" pitchFamily="18" charset="0"/>
+                              </a:rPr>
+                              <m:t>inicial</m:t>
+                            </m:r>
+                          </m:sub>
+                        </m:sSub>
+                      </m:oMath>
+                    </m:oMathPara>
+                  </a14:m>
+                  <a:endParaRPr lang="pt-BR" sz="1400" dirty="0"/>
+                </a:p>
+              </p:txBody>
+            </p:sp>
+          </mc:Choice>
+          <mc:Fallback>
+            <p:sp>
+              <p:nvSpPr>
+                <p:cNvPr id="22" name="CaixaDeTexto 21">
+                  <a:extLst>
+                    <a:ext uri="{FF2B5EF4-FFF2-40B4-BE49-F238E27FC236}">
+                      <a16:creationId xmlns:a16="http://schemas.microsoft.com/office/drawing/2014/main" id="{7167E7D4-807F-4A91-D2F9-5B3D43BE5896}"/>
+                    </a:ext>
+                  </a:extLst>
+                </p:cNvPr>
+                <p:cNvSpPr txBox="1">
+                  <a:spLocks noRot="1" noChangeAspect="1" noMove="1" noResize="1" noEditPoints="1" noAdjustHandles="1" noChangeArrowheads="1" noChangeShapeType="1" noTextEdit="1"/>
+                </p:cNvSpPr>
+                <p:nvPr/>
+              </p:nvSpPr>
+              <p:spPr>
+                <a:xfrm>
+                  <a:off x="1074774" y="4868216"/>
+                  <a:ext cx="867941" cy="307777"/>
+                </a:xfrm>
+                <a:prstGeom prst="rect">
+                  <a:avLst/>
+                </a:prstGeom>
+                <a:blipFill>
+                  <a:blip r:embed="rId3"/>
+                  <a:stretch>
+                    <a:fillRect/>
+                  </a:stretch>
+                </a:blipFill>
+              </p:spPr>
+              <p:txBody>
+                <a:bodyPr/>
+                <a:lstStyle/>
+                <a:p>
+                  <a:r>
+                    <a:rPr lang="pt-BR">
+                      <a:noFill/>
+                    </a:rPr>
+                    <a:t> </a:t>
+                  </a:r>
+                </a:p>
+              </p:txBody>
+            </p:sp>
+          </mc:Fallback>
+        </mc:AlternateContent>
+        <mc:AlternateContent xmlns:mc="http://schemas.openxmlformats.org/markup-compatibility/2006">
+          <mc:Choice xmlns:a14="http://schemas.microsoft.com/office/drawing/2010/main" Requires="a14">
+            <p:sp>
+              <p:nvSpPr>
+                <p:cNvPr id="23" name="CaixaDeTexto 22">
+                  <a:extLst>
+                    <a:ext uri="{FF2B5EF4-FFF2-40B4-BE49-F238E27FC236}">
+                      <a16:creationId xmlns:a16="http://schemas.microsoft.com/office/drawing/2014/main" id="{5563576F-5255-680C-F8CB-10958601F543}"/>
+                    </a:ext>
+                  </a:extLst>
+                </p:cNvPr>
+                <p:cNvSpPr txBox="1"/>
+                <p:nvPr/>
+              </p:nvSpPr>
+              <p:spPr>
+                <a:xfrm>
+                  <a:off x="2671712" y="4867795"/>
+                  <a:ext cx="867941" cy="307777"/>
+                </a:xfrm>
+                <a:prstGeom prst="rect">
+                  <a:avLst/>
+                </a:prstGeom>
+                <a:noFill/>
+              </p:spPr>
+              <p:txBody>
+                <a:bodyPr wrap="square" rtlCol="0">
+                  <a:spAutoFit/>
+                </a:bodyPr>
+                <a:lstStyle/>
+                <a:p>
+                  <a:pPr algn="ctr"/>
+                  <a14:m>
+                    <m:oMathPara xmlns:m="http://schemas.openxmlformats.org/officeDocument/2006/math">
+                      <m:oMathParaPr>
+                        <m:jc m:val="centerGroup"/>
+                      </m:oMathParaPr>
+                      <m:oMath xmlns:m="http://schemas.openxmlformats.org/officeDocument/2006/math">
+                        <m:sSub>
+                          <m:sSubPr>
+                            <m:ctrlPr>
+                              <a:rPr lang="pt-BR" sz="1400" i="1" smtClean="0">
+                                <a:latin typeface="Cambria Math" panose="02040503050406030204" pitchFamily="18" charset="0"/>
+                              </a:rPr>
+                            </m:ctrlPr>
+                          </m:sSubPr>
+                          <m:e>
+                            <m:r>
+                              <a:rPr lang="pt-BR" sz="1400" b="0" i="1" smtClean="0">
+                                <a:latin typeface="Cambria Math" panose="02040503050406030204" pitchFamily="18" charset="0"/>
+                              </a:rPr>
+                              <m:t>𝑎</m:t>
+                            </m:r>
+                          </m:e>
+                          <m:sub>
+                            <m:r>
+                              <a:rPr lang="pt-BR" sz="1400" b="0" i="0" smtClean="0">
+                                <a:latin typeface="Cambria Math" panose="02040503050406030204" pitchFamily="18" charset="0"/>
+                              </a:rPr>
+                              <m:t>ó</m:t>
+                            </m:r>
+                            <m:r>
+                              <m:rPr>
+                                <m:sty m:val="p"/>
+                              </m:rPr>
+                              <a:rPr lang="pt-BR" sz="1400" b="0" i="0" smtClean="0">
+                                <a:latin typeface="Cambria Math" panose="02040503050406030204" pitchFamily="18" charset="0"/>
+                              </a:rPr>
+                              <m:t>timo</m:t>
+                            </m:r>
+                          </m:sub>
+                        </m:sSub>
+                      </m:oMath>
+                    </m:oMathPara>
+                  </a14:m>
+                  <a:endParaRPr lang="pt-BR" sz="1400" dirty="0"/>
+                </a:p>
+              </p:txBody>
+            </p:sp>
+          </mc:Choice>
+          <mc:Fallback>
+            <p:sp>
+              <p:nvSpPr>
+                <p:cNvPr id="23" name="CaixaDeTexto 22">
+                  <a:extLst>
+                    <a:ext uri="{FF2B5EF4-FFF2-40B4-BE49-F238E27FC236}">
+                      <a16:creationId xmlns:a16="http://schemas.microsoft.com/office/drawing/2014/main" id="{5563576F-5255-680C-F8CB-10958601F543}"/>
+                    </a:ext>
+                  </a:extLst>
+                </p:cNvPr>
+                <p:cNvSpPr txBox="1">
+                  <a:spLocks noRot="1" noChangeAspect="1" noMove="1" noResize="1" noEditPoints="1" noAdjustHandles="1" noChangeArrowheads="1" noChangeShapeType="1" noTextEdit="1"/>
+                </p:cNvSpPr>
+                <p:nvPr/>
+              </p:nvSpPr>
+              <p:spPr>
+                <a:xfrm>
+                  <a:off x="2671712" y="4867795"/>
+                  <a:ext cx="867941" cy="307777"/>
+                </a:xfrm>
+                <a:prstGeom prst="rect">
+                  <a:avLst/>
+                </a:prstGeom>
+                <a:blipFill>
+                  <a:blip r:embed="rId4"/>
+                  <a:stretch>
+                    <a:fillRect/>
+                  </a:stretch>
+                </a:blipFill>
+              </p:spPr>
+              <p:txBody>
+                <a:bodyPr/>
+                <a:lstStyle/>
+                <a:p>
+                  <a:r>
+                    <a:rPr lang="pt-BR">
+                      <a:noFill/>
+                    </a:rPr>
+                    <a:t> </a:t>
+                  </a:r>
+                </a:p>
+              </p:txBody>
+            </p:sp>
+          </mc:Fallback>
+        </mc:AlternateContent>
+      </p:grpSp>
+      <p:cxnSp>
+        <p:nvCxnSpPr>
+          <p:cNvPr id="4" name="Conector de Seta Reta 3">
+            <a:extLst>
+              <a:ext uri="{FF2B5EF4-FFF2-40B4-BE49-F238E27FC236}">
+                <a16:creationId xmlns:a16="http://schemas.microsoft.com/office/drawing/2014/main" id="{AEECACA4-5B42-A865-92BE-067925FB1366}"/>
+              </a:ext>
+            </a:extLst>
+          </p:cNvPr>
+          <p:cNvCxnSpPr>
+            <a:cxnSpLocks/>
+          </p:cNvCxnSpPr>
+          <p:nvPr/>
+        </p:nvCxnSpPr>
+        <p:spPr>
+          <a:xfrm>
+            <a:off x="1295851" y="3183756"/>
+            <a:ext cx="473505" cy="797660"/>
+          </a:xfrm>
+          <a:prstGeom prst="straightConnector1">
+            <a:avLst/>
+          </a:prstGeom>
+          <a:ln>
+            <a:solidFill>
+              <a:srgbClr val="FF0000"/>
+            </a:solidFill>
+            <a:tailEnd type="triangle"/>
+          </a:ln>
+        </p:spPr>
+        <p:style>
+          <a:lnRef idx="1">
+            <a:schemeClr val="accent1"/>
+          </a:lnRef>
+          <a:fillRef idx="0">
+            <a:schemeClr val="accent1"/>
+          </a:fillRef>
+          <a:effectRef idx="0">
+            <a:schemeClr val="accent1"/>
+          </a:effectRef>
+          <a:fontRef idx="minor">
+            <a:schemeClr val="tx1"/>
+          </a:fontRef>
+        </p:style>
+      </p:cxnSp>
+    </p:spTree>
+    <p:extLst>
+      <p:ext uri="{BB962C8B-B14F-4D97-AF65-F5344CB8AC3E}">
+        <p14:creationId xmlns:p14="http://schemas.microsoft.com/office/powerpoint/2010/main" val="2751143574"/>
+      </p:ext>
+    </p:extLst>
+  </p:cSld>
+  <p:clrMapOvr>
+    <a:masterClrMapping/>
+  </p:clrMapOvr>
+</p:sld>
+</file>
+
+<file path=ppt/slides/slide9.xml><?xml version="1.0" encoding="utf-8"?>
+<p:sld xmlns:a="http://schemas.openxmlformats.org/drawingml/2006/main" xmlns:r="http://schemas.openxmlformats.org/officeDocument/2006/relationships" xmlns:p="http://schemas.openxmlformats.org/presentationml/2006/main">
+  <p:cSld>
+    <p:spTree>
+      <p:nvGrpSpPr>
+        <p:cNvPr id="1" name=""/>
+        <p:cNvGrpSpPr/>
+        <p:nvPr/>
+      </p:nvGrpSpPr>
+      <p:grpSpPr>
+        <a:xfrm>
+          <a:off x="0" y="0"/>
+          <a:ext cx="0" cy="0"/>
+          <a:chOff x="0" y="0"/>
+          <a:chExt cx="0" cy="0"/>
+        </a:xfrm>
+      </p:grpSpPr>
+      <p:sp>
+        <p:nvSpPr>
+          <p:cNvPr id="2" name="Título 1">
+            <a:extLst>
+              <a:ext uri="{FF2B5EF4-FFF2-40B4-BE49-F238E27FC236}">
+                <a16:creationId xmlns:a16="http://schemas.microsoft.com/office/drawing/2014/main" id="{FDCC3C31-4EA2-B4A2-431F-BF22FBB8A7BA}"/>
+              </a:ext>
+            </a:extLst>
+          </p:cNvPr>
+          <p:cNvSpPr>
+            <a:spLocks noGrp="1"/>
+          </p:cNvSpPr>
+          <p:nvPr>
+            <p:ph type="title"/>
+          </p:nvPr>
+        </p:nvSpPr>
+        <p:spPr/>
+        <p:txBody>
+          <a:bodyPr/>
+          <a:lstStyle/>
+          <a:p>
+            <a:r>
+              <a:rPr lang="pt-BR" dirty="0"/>
+              <a:t>Passo de aprendizagem</a:t>
+            </a:r>
+          </a:p>
+        </p:txBody>
+      </p:sp>
+      <mc:AlternateContent xmlns:mc="http://schemas.openxmlformats.org/markup-compatibility/2006">
+        <mc:Choice xmlns:a14="http://schemas.microsoft.com/office/drawing/2010/main" Requires="a14">
+          <p:sp>
+            <p:nvSpPr>
+              <p:cNvPr id="3" name="Espaço Reservado para Conteúdo 2">
+                <a:extLst>
+                  <a:ext uri="{FF2B5EF4-FFF2-40B4-BE49-F238E27FC236}">
+                    <a16:creationId xmlns:a16="http://schemas.microsoft.com/office/drawing/2014/main" id="{F09EA0C7-E094-F158-6A1A-B80733321450}"/>
+                  </a:ext>
+                </a:extLst>
+              </p:cNvPr>
+              <p:cNvSpPr>
+                <a:spLocks noGrp="1"/>
+              </p:cNvSpPr>
+              <p:nvPr>
+                <p:ph idx="1"/>
+              </p:nvPr>
+            </p:nvSpPr>
+            <p:spPr>
+              <a:xfrm>
+                <a:off x="6181728" y="1825624"/>
+                <a:ext cx="5818488" cy="5032376"/>
+              </a:xfrm>
+            </p:spPr>
+            <p:txBody>
+              <a:bodyPr>
+                <a:normAutofit/>
+              </a:bodyPr>
+              <a:lstStyle/>
+              <a:p>
+                <a:r>
+                  <a:rPr lang="pt-BR" dirty="0"/>
+                  <a:t>Portanto, se quisermos ir para o ponto de mínimo a partir de um ponto qualquer, podemos dar um </a:t>
+                </a:r>
+                <a:r>
+                  <a:rPr lang="pt-BR" b="1" i="1" dirty="0"/>
+                  <a:t>passo</a:t>
+                </a:r>
+                <a:r>
+                  <a:rPr lang="pt-BR" dirty="0"/>
+                  <a:t> na direção apontada pelo gradiente.</a:t>
+                </a:r>
+              </a:p>
+              <a:p>
+                <a:r>
+                  <a:rPr lang="pt-BR" dirty="0"/>
+                  <a:t>Nós sabemos a direção e podemos escolher o </a:t>
+                </a:r>
+                <a:r>
+                  <a:rPr lang="pt-BR" b="1" i="1" dirty="0"/>
+                  <a:t>tamanho do passo</a:t>
+                </a:r>
+                <a:r>
+                  <a:rPr lang="pt-BR" dirty="0"/>
+                  <a:t> para darmos naquela direção.</a:t>
+                </a:r>
+              </a:p>
+              <a:p>
+                <a:r>
+                  <a:rPr lang="pt-BR" dirty="0"/>
+                  <a:t>O </a:t>
+                </a:r>
+                <a:r>
+                  <a:rPr lang="pt-BR" b="1" i="1" dirty="0"/>
+                  <a:t>tamanho do passo </a:t>
+                </a:r>
+                <a:r>
+                  <a:rPr lang="pt-BR" dirty="0"/>
+                  <a:t>é frequentemente chamado de </a:t>
+                </a:r>
+                <a:r>
+                  <a:rPr lang="pt-BR" b="1" i="1" dirty="0"/>
+                  <a:t>taxa ou passo de aprendizagem</a:t>
+                </a:r>
+                <a:r>
+                  <a:rPr lang="pt-BR" dirty="0"/>
+                  <a:t> e é, normalmente, denotado por </a:t>
+                </a:r>
+                <a14:m>
+                  <m:oMath xmlns:m="http://schemas.openxmlformats.org/officeDocument/2006/math">
+                    <m:r>
+                      <a:rPr lang="pt-BR" i="1" smtClean="0">
+                        <a:latin typeface="Cambria Math" panose="02040503050406030204" pitchFamily="18" charset="0"/>
+                        <a:ea typeface="Cambria Math" panose="02040503050406030204" pitchFamily="18" charset="0"/>
+                      </a:rPr>
+                      <m:t>𝛼</m:t>
+                    </m:r>
+                  </m:oMath>
+                </a14:m>
+                <a:r>
+                  <a:rPr lang="pt-BR" dirty="0"/>
+                  <a:t>.</a:t>
+                </a:r>
+              </a:p>
+            </p:txBody>
+          </p:sp>
+        </mc:Choice>
+        <mc:Fallback>
+          <p:sp>
+            <p:nvSpPr>
+              <p:cNvPr id="3" name="Espaço Reservado para Conteúdo 2">
+                <a:extLst>
+                  <a:ext uri="{FF2B5EF4-FFF2-40B4-BE49-F238E27FC236}">
+                    <a16:creationId xmlns:a16="http://schemas.microsoft.com/office/drawing/2014/main" id="{F09EA0C7-E094-F158-6A1A-B80733321450}"/>
+                  </a:ext>
+                </a:extLst>
+              </p:cNvPr>
+              <p:cNvSpPr>
+                <a:spLocks noGrp="1" noRot="1" noChangeAspect="1" noMove="1" noResize="1" noEditPoints="1" noAdjustHandles="1" noChangeArrowheads="1" noChangeShapeType="1" noTextEdit="1"/>
+              </p:cNvSpPr>
+              <p:nvPr>
+                <p:ph idx="1"/>
+              </p:nvPr>
+            </p:nvSpPr>
+            <p:spPr>
+              <a:xfrm>
+                <a:off x="6181728" y="1825624"/>
+                <a:ext cx="5818488" cy="5032376"/>
+              </a:xfrm>
+              <a:blipFill>
+                <a:blip r:embed="rId3"/>
+                <a:stretch>
+                  <a:fillRect l="-1885" t="-1937" b="-1816"/>
+                </a:stretch>
+              </a:blipFill>
+            </p:spPr>
+            <p:txBody>
+              <a:bodyPr/>
+              <a:lstStyle/>
+              <a:p>
+                <a:r>
+                  <a:rPr lang="pt-BR">
+                    <a:noFill/>
+                  </a:rPr>
+                  <a:t> </a:t>
+                </a:r>
+              </a:p>
+            </p:txBody>
+          </p:sp>
+        </mc:Fallback>
+      </mc:AlternateContent>
+      <p:grpSp>
+        <p:nvGrpSpPr>
+          <p:cNvPr id="25" name="Agrupar 24">
+            <a:extLst>
+              <a:ext uri="{FF2B5EF4-FFF2-40B4-BE49-F238E27FC236}">
+                <a16:creationId xmlns:a16="http://schemas.microsoft.com/office/drawing/2014/main" id="{CAABD4E6-0271-FDD3-1BDC-9F25BB67666F}"/>
+              </a:ext>
+            </a:extLst>
+          </p:cNvPr>
+          <p:cNvGrpSpPr/>
+          <p:nvPr/>
+        </p:nvGrpSpPr>
+        <p:grpSpPr>
+          <a:xfrm>
+            <a:off x="973059" y="2353695"/>
+            <a:ext cx="3963570" cy="2939416"/>
+            <a:chOff x="973059" y="2353695"/>
+            <a:chExt cx="3963570" cy="2939416"/>
+          </a:xfrm>
+        </p:grpSpPr>
+        <p:sp>
+          <p:nvSpPr>
+            <p:cNvPr id="24" name="Forma Livre: Forma 23">
+              <a:extLst>
+                <a:ext uri="{FF2B5EF4-FFF2-40B4-BE49-F238E27FC236}">
+                  <a16:creationId xmlns:a16="http://schemas.microsoft.com/office/drawing/2014/main" id="{1AF02A9C-5A9B-AE81-9724-6E5E5F5C9AD5}"/>
+                </a:ext>
+              </a:extLst>
+            </p:cNvPr>
+            <p:cNvSpPr/>
+            <p:nvPr/>
+          </p:nvSpPr>
+          <p:spPr>
+            <a:xfrm>
+              <a:off x="1190625" y="2990850"/>
+              <a:ext cx="3429000" cy="1752634"/>
+            </a:xfrm>
+            <a:custGeom>
+              <a:avLst/>
+              <a:gdLst>
+                <a:gd name="connsiteX0" fmla="*/ 0 w 3429000"/>
+                <a:gd name="connsiteY0" fmla="*/ 38100 h 1752634"/>
+                <a:gd name="connsiteX1" fmla="*/ 1714500 w 3429000"/>
+                <a:gd name="connsiteY1" fmla="*/ 1752600 h 1752634"/>
+                <a:gd name="connsiteX2" fmla="*/ 3429000 w 3429000"/>
+                <a:gd name="connsiteY2" fmla="*/ 0 h 1752634"/>
+              </a:gdLst>
+              <a:ahLst/>
+              <a:cxnLst>
+                <a:cxn ang="0">
+                  <a:pos x="connsiteX0" y="connsiteY0"/>
+                </a:cxn>
+                <a:cxn ang="0">
+                  <a:pos x="connsiteX1" y="connsiteY1"/>
+                </a:cxn>
+                <a:cxn ang="0">
+                  <a:pos x="connsiteX2" y="connsiteY2"/>
+                </a:cxn>
+              </a:cxnLst>
+              <a:rect l="l" t="t" r="r" b="b"/>
+              <a:pathLst>
+                <a:path w="3429000" h="1752634">
+                  <a:moveTo>
+                    <a:pt x="0" y="38100"/>
+                  </a:moveTo>
+                  <a:cubicBezTo>
+                    <a:pt x="571500" y="898525"/>
+                    <a:pt x="1143000" y="1758950"/>
+                    <a:pt x="1714500" y="1752600"/>
+                  </a:cubicBezTo>
+                  <a:cubicBezTo>
+                    <a:pt x="2286000" y="1746250"/>
+                    <a:pt x="3119438" y="314325"/>
+                    <a:pt x="3429000" y="0"/>
+                  </a:cubicBezTo>
+                </a:path>
+              </a:pathLst>
+            </a:custGeom>
+            <a:noFill/>
+          </p:spPr>
+          <p:style>
+            <a:lnRef idx="2">
+              <a:schemeClr val="accent1">
+                <a:shade val="15000"/>
+              </a:schemeClr>
+            </a:lnRef>
+            <a:fillRef idx="1">
+              <a:schemeClr val="accent1"/>
+            </a:fillRef>
+            <a:effectRef idx="0">
+              <a:schemeClr val="accent1"/>
+            </a:effectRef>
+            <a:fontRef idx="minor">
+              <a:schemeClr val="lt1"/>
+            </a:fontRef>
+          </p:style>
+          <p:txBody>
+            <a:bodyPr rtlCol="0" anchor="ctr"/>
+            <a:lstStyle/>
+            <a:p>
+              <a:pPr algn="ctr"/>
+              <a:endParaRPr lang="pt-BR"/>
+            </a:p>
+          </p:txBody>
+        </p:sp>
+        <p:cxnSp>
+          <p:nvCxnSpPr>
+            <p:cNvPr id="6" name="Conector de Seta Reta 5">
+              <a:extLst>
+                <a:ext uri="{FF2B5EF4-FFF2-40B4-BE49-F238E27FC236}">
+                  <a16:creationId xmlns:a16="http://schemas.microsoft.com/office/drawing/2014/main" id="{CECA8A08-ECD5-CF26-4CEC-3C8F2A7EB943}"/>
+                </a:ext>
+              </a:extLst>
+            </p:cNvPr>
+            <p:cNvCxnSpPr>
+              <a:cxnSpLocks/>
+            </p:cNvCxnSpPr>
+            <p:nvPr/>
+          </p:nvCxnSpPr>
+          <p:spPr>
+            <a:xfrm>
+              <a:off x="974017" y="4916172"/>
+              <a:ext cx="3860967" cy="0"/>
+            </a:xfrm>
+            <a:prstGeom prst="straightConnector1">
+              <a:avLst/>
+            </a:prstGeom>
+            <a:ln w="19050">
+              <a:solidFill>
+                <a:schemeClr val="tx1"/>
+              </a:solidFill>
+              <a:tailEnd type="triangle"/>
+            </a:ln>
+          </p:spPr>
+          <p:style>
+            <a:lnRef idx="1">
+              <a:schemeClr val="accent1"/>
+            </a:lnRef>
+            <a:fillRef idx="0">
+              <a:schemeClr val="accent1"/>
+            </a:fillRef>
+            <a:effectRef idx="0">
+              <a:schemeClr val="accent1"/>
+            </a:effectRef>
+            <a:fontRef idx="minor">
+              <a:schemeClr val="tx1"/>
+            </a:fontRef>
+          </p:style>
+        </p:cxnSp>
+        <p:cxnSp>
+          <p:nvCxnSpPr>
+            <p:cNvPr id="7" name="Conector de Seta Reta 6">
+              <a:extLst>
+                <a:ext uri="{FF2B5EF4-FFF2-40B4-BE49-F238E27FC236}">
+                  <a16:creationId xmlns:a16="http://schemas.microsoft.com/office/drawing/2014/main" id="{EBE189DA-FC3E-6F77-83E6-389C755E01A6}"/>
+                </a:ext>
+              </a:extLst>
+            </p:cNvPr>
+            <p:cNvCxnSpPr>
+              <a:cxnSpLocks/>
+            </p:cNvCxnSpPr>
+            <p:nvPr/>
+          </p:nvCxnSpPr>
+          <p:spPr>
+            <a:xfrm flipV="1">
+              <a:off x="974018" y="2442308"/>
+              <a:ext cx="0" cy="2473865"/>
+            </a:xfrm>
+            <a:prstGeom prst="straightConnector1">
+              <a:avLst/>
+            </a:prstGeom>
+            <a:ln w="19050">
+              <a:solidFill>
+                <a:schemeClr val="tx1"/>
+              </a:solidFill>
+              <a:tailEnd type="triangle"/>
+            </a:ln>
+          </p:spPr>
+          <p:style>
+            <a:lnRef idx="1">
+              <a:schemeClr val="accent1"/>
+            </a:lnRef>
+            <a:fillRef idx="0">
+              <a:schemeClr val="accent1"/>
+            </a:fillRef>
+            <a:effectRef idx="0">
+              <a:schemeClr val="accent1"/>
+            </a:effectRef>
+            <a:fontRef idx="minor">
+              <a:schemeClr val="tx1"/>
+            </a:fontRef>
+          </p:style>
+        </p:cxnSp>
+        <p:sp>
+          <p:nvSpPr>
+            <p:cNvPr id="8" name="CaixaDeTexto 7">
+              <a:extLst>
+                <a:ext uri="{FF2B5EF4-FFF2-40B4-BE49-F238E27FC236}">
+                  <a16:creationId xmlns:a16="http://schemas.microsoft.com/office/drawing/2014/main" id="{A78938CD-F777-59C9-49FF-1EC87187C2BF}"/>
+                </a:ext>
+              </a:extLst>
+            </p:cNvPr>
+            <p:cNvSpPr txBox="1"/>
+            <p:nvPr/>
+          </p:nvSpPr>
+          <p:spPr>
+            <a:xfrm>
+              <a:off x="974017" y="2353695"/>
+              <a:ext cx="1679879" cy="369332"/>
+            </a:xfrm>
+            <a:prstGeom prst="rect">
+              <a:avLst/>
+            </a:prstGeom>
+            <a:noFill/>
+          </p:spPr>
+          <p:txBody>
+            <a:bodyPr wrap="square" rtlCol="0">
+              <a:spAutoFit/>
+            </a:bodyPr>
+            <a:lstStyle/>
+            <a:p>
+              <a:r>
+                <a:rPr lang="pt-BR" dirty="0"/>
+                <a:t>Função de erro</a:t>
+              </a:r>
+            </a:p>
+          </p:txBody>
+        </p:sp>
+        <p:sp>
+          <p:nvSpPr>
+            <p:cNvPr id="9" name="CaixaDeTexto 8">
+              <a:extLst>
+                <a:ext uri="{FF2B5EF4-FFF2-40B4-BE49-F238E27FC236}">
+                  <a16:creationId xmlns:a16="http://schemas.microsoft.com/office/drawing/2014/main" id="{A1CE1535-321D-E614-D63E-21C0CB455062}"/>
+                </a:ext>
+              </a:extLst>
+            </p:cNvPr>
+            <p:cNvSpPr txBox="1"/>
+            <p:nvPr/>
+          </p:nvSpPr>
+          <p:spPr>
+            <a:xfrm>
+              <a:off x="4300295" y="4923779"/>
+              <a:ext cx="636334" cy="369332"/>
+            </a:xfrm>
+            <a:prstGeom prst="rect">
+              <a:avLst/>
+            </a:prstGeom>
+            <a:noFill/>
+          </p:spPr>
+          <p:txBody>
+            <a:bodyPr wrap="square" rtlCol="0">
+              <a:spAutoFit/>
+            </a:bodyPr>
+            <a:lstStyle/>
+            <a:p>
+              <a:pPr algn="r"/>
+              <a:r>
+                <a:rPr lang="pt-BR" dirty="0"/>
+                <a:t>Peso</a:t>
+              </a:r>
+            </a:p>
+          </p:txBody>
+        </p:sp>
+        <p:cxnSp>
+          <p:nvCxnSpPr>
+            <p:cNvPr id="10" name="Conector reto 9">
+              <a:extLst>
+                <a:ext uri="{FF2B5EF4-FFF2-40B4-BE49-F238E27FC236}">
+                  <a16:creationId xmlns:a16="http://schemas.microsoft.com/office/drawing/2014/main" id="{C04D87AE-293E-34D0-E4BE-09E7635BC7EE}"/>
+                </a:ext>
+              </a:extLst>
+            </p:cNvPr>
+            <p:cNvCxnSpPr/>
+            <p:nvPr/>
+          </p:nvCxnSpPr>
+          <p:spPr>
+            <a:xfrm>
+              <a:off x="976885" y="4744536"/>
+              <a:ext cx="1930484" cy="0"/>
+            </a:xfrm>
+            <a:prstGeom prst="line">
+              <a:avLst/>
+            </a:prstGeom>
+            <a:ln>
+              <a:solidFill>
+                <a:srgbClr val="FF0000"/>
+              </a:solidFill>
+              <a:prstDash val="dash"/>
+            </a:ln>
+          </p:spPr>
+          <p:style>
+            <a:lnRef idx="1">
+              <a:schemeClr val="accent1"/>
+            </a:lnRef>
+            <a:fillRef idx="0">
+              <a:schemeClr val="accent1"/>
+            </a:fillRef>
+            <a:effectRef idx="0">
+              <a:schemeClr val="accent1"/>
+            </a:effectRef>
+            <a:fontRef idx="minor">
+              <a:schemeClr val="tx1"/>
+            </a:fontRef>
+          </p:style>
+        </p:cxnSp>
+        <p:sp>
+          <p:nvSpPr>
+            <p:cNvPr id="11" name="CaixaDeTexto 10">
+              <a:extLst>
+                <a:ext uri="{FF2B5EF4-FFF2-40B4-BE49-F238E27FC236}">
+                  <a16:creationId xmlns:a16="http://schemas.microsoft.com/office/drawing/2014/main" id="{0ED8EC8A-F8D0-F14F-7E38-47715C0AD532}"/>
+                </a:ext>
+              </a:extLst>
+            </p:cNvPr>
+            <p:cNvSpPr txBox="1"/>
+            <p:nvPr/>
+          </p:nvSpPr>
+          <p:spPr>
+            <a:xfrm>
+              <a:off x="2367751" y="4232230"/>
+              <a:ext cx="1066949" cy="550146"/>
+            </a:xfrm>
+            <a:prstGeom prst="rect">
+              <a:avLst/>
+            </a:prstGeom>
+            <a:noFill/>
+          </p:spPr>
+          <p:txBody>
+            <a:bodyPr wrap="square" rtlCol="0">
+              <a:spAutoFit/>
+            </a:bodyPr>
+            <a:lstStyle/>
+            <a:p>
+              <a:pPr algn="ctr"/>
+              <a:r>
+                <a:rPr lang="pt-BR" sz="1200" dirty="0"/>
+                <a:t>Ponto de mínimo</a:t>
+              </a:r>
+            </a:p>
+          </p:txBody>
+        </p:sp>
+        <p:cxnSp>
+          <p:nvCxnSpPr>
+            <p:cNvPr id="12" name="Conector reto 11">
+              <a:extLst>
+                <a:ext uri="{FF2B5EF4-FFF2-40B4-BE49-F238E27FC236}">
+                  <a16:creationId xmlns:a16="http://schemas.microsoft.com/office/drawing/2014/main" id="{37A91F5D-D6CE-87E4-DD6F-6AEA41D6D82D}"/>
+                </a:ext>
+              </a:extLst>
+            </p:cNvPr>
+            <p:cNvCxnSpPr>
+              <a:cxnSpLocks/>
+            </p:cNvCxnSpPr>
+            <p:nvPr/>
+          </p:nvCxnSpPr>
+          <p:spPr>
+            <a:xfrm>
+              <a:off x="2902477" y="4736969"/>
+              <a:ext cx="0" cy="171598"/>
+            </a:xfrm>
+            <a:prstGeom prst="line">
+              <a:avLst/>
+            </a:prstGeom>
+            <a:ln>
+              <a:solidFill>
+                <a:srgbClr val="FF0000"/>
+              </a:solidFill>
+              <a:prstDash val="dash"/>
+            </a:ln>
+          </p:spPr>
+          <p:style>
+            <a:lnRef idx="1">
+              <a:schemeClr val="accent1"/>
+            </a:lnRef>
+            <a:fillRef idx="0">
+              <a:schemeClr val="accent1"/>
+            </a:fillRef>
+            <a:effectRef idx="0">
+              <a:schemeClr val="accent1"/>
+            </a:effectRef>
+            <a:fontRef idx="minor">
+              <a:schemeClr val="tx1"/>
+            </a:fontRef>
+          </p:style>
+        </p:cxnSp>
+        <p:sp>
+          <p:nvSpPr>
+            <p:cNvPr id="13" name="Elipse 12">
+              <a:extLst>
+                <a:ext uri="{FF2B5EF4-FFF2-40B4-BE49-F238E27FC236}">
+                  <a16:creationId xmlns:a16="http://schemas.microsoft.com/office/drawing/2014/main" id="{34D38410-D059-6D93-1DD2-6F2EF0E92E63}"/>
+                </a:ext>
+              </a:extLst>
+            </p:cNvPr>
+            <p:cNvSpPr/>
+            <p:nvPr/>
+          </p:nvSpPr>
+          <p:spPr>
+            <a:xfrm>
+              <a:off x="2879776" y="4721835"/>
+              <a:ext cx="42900" cy="42900"/>
+            </a:xfrm>
+            <a:prstGeom prst="ellipse">
+              <a:avLst/>
+            </a:prstGeom>
+            <a:solidFill>
+              <a:srgbClr val="FF0000"/>
+            </a:solidFill>
+            <a:ln>
+              <a:solidFill>
+                <a:srgbClr val="FF0000"/>
+              </a:solidFill>
+            </a:ln>
+          </p:spPr>
+          <p:style>
+            <a:lnRef idx="2">
+              <a:schemeClr val="accent1">
+                <a:shade val="15000"/>
+              </a:schemeClr>
+            </a:lnRef>
+            <a:fillRef idx="1">
+              <a:schemeClr val="accent1"/>
+            </a:fillRef>
+            <a:effectRef idx="0">
+              <a:schemeClr val="accent1"/>
+            </a:effectRef>
+            <a:fontRef idx="minor">
+              <a:schemeClr val="lt1"/>
+            </a:fontRef>
+          </p:style>
+          <p:txBody>
+            <a:bodyPr rtlCol="0" anchor="ctr"/>
+            <a:lstStyle/>
+            <a:p>
+              <a:pPr algn="ctr"/>
+              <a:endParaRPr lang="pt-BR" dirty="0"/>
+            </a:p>
+          </p:txBody>
+        </p:sp>
+        <p:sp>
+          <p:nvSpPr>
+            <p:cNvPr id="14" name="Elipse 13">
+              <a:extLst>
+                <a:ext uri="{FF2B5EF4-FFF2-40B4-BE49-F238E27FC236}">
+                  <a16:creationId xmlns:a16="http://schemas.microsoft.com/office/drawing/2014/main" id="{483CF4C1-DDBF-4640-7392-235196C4D89B}"/>
+                </a:ext>
+              </a:extLst>
+            </p:cNvPr>
+            <p:cNvSpPr/>
+            <p:nvPr/>
+          </p:nvSpPr>
+          <p:spPr>
+            <a:xfrm>
+              <a:off x="1273647" y="3163362"/>
+              <a:ext cx="42900" cy="42900"/>
+            </a:xfrm>
+            <a:prstGeom prst="ellipse">
+              <a:avLst/>
+            </a:prstGeom>
+            <a:solidFill>
+              <a:schemeClr val="tx1"/>
+            </a:solidFill>
+            <a:ln>
+              <a:solidFill>
+                <a:schemeClr val="tx1"/>
+              </a:solidFill>
+            </a:ln>
+          </p:spPr>
+          <p:style>
+            <a:lnRef idx="2">
+              <a:schemeClr val="accent1">
+                <a:shade val="15000"/>
+              </a:schemeClr>
+            </a:lnRef>
+            <a:fillRef idx="1">
+              <a:schemeClr val="accent1"/>
+            </a:fillRef>
+            <a:effectRef idx="0">
+              <a:schemeClr val="accent1"/>
+            </a:effectRef>
+            <a:fontRef idx="minor">
+              <a:schemeClr val="lt1"/>
+            </a:fontRef>
+          </p:style>
+          <p:txBody>
+            <a:bodyPr rtlCol="0" anchor="ctr"/>
+            <a:lstStyle/>
+            <a:p>
+              <a:pPr algn="ctr"/>
+              <a:endParaRPr lang="pt-BR" dirty="0"/>
+            </a:p>
+          </p:txBody>
+        </p:sp>
+        <p:cxnSp>
+          <p:nvCxnSpPr>
+            <p:cNvPr id="15" name="Conector reto 14">
+              <a:extLst>
+                <a:ext uri="{FF2B5EF4-FFF2-40B4-BE49-F238E27FC236}">
+                  <a16:creationId xmlns:a16="http://schemas.microsoft.com/office/drawing/2014/main" id="{D69F7809-96CB-75B0-3DD7-F1D3CFFC0DDA}"/>
+                </a:ext>
+              </a:extLst>
+            </p:cNvPr>
+            <p:cNvCxnSpPr/>
+            <p:nvPr/>
+          </p:nvCxnSpPr>
+          <p:spPr>
+            <a:xfrm>
+              <a:off x="973059" y="3184593"/>
+              <a:ext cx="324000" cy="0"/>
+            </a:xfrm>
+            <a:prstGeom prst="line">
+              <a:avLst/>
+            </a:prstGeom>
+            <a:ln>
+              <a:solidFill>
+                <a:schemeClr val="tx1"/>
+              </a:solidFill>
+              <a:prstDash val="dash"/>
+            </a:ln>
+          </p:spPr>
+          <p:style>
+            <a:lnRef idx="1">
+              <a:schemeClr val="accent1"/>
+            </a:lnRef>
+            <a:fillRef idx="0">
+              <a:schemeClr val="accent1"/>
+            </a:fillRef>
+            <a:effectRef idx="0">
+              <a:schemeClr val="accent1"/>
+            </a:effectRef>
+            <a:fontRef idx="minor">
+              <a:schemeClr val="tx1"/>
+            </a:fontRef>
+          </p:style>
+        </p:cxnSp>
+        <p:cxnSp>
+          <p:nvCxnSpPr>
+            <p:cNvPr id="17" name="Conector reto 16">
+              <a:extLst>
+                <a:ext uri="{FF2B5EF4-FFF2-40B4-BE49-F238E27FC236}">
+                  <a16:creationId xmlns:a16="http://schemas.microsoft.com/office/drawing/2014/main" id="{51DB7F58-65FD-F0F4-E3F8-1B7A5A7E2DAE}"/>
+                </a:ext>
+              </a:extLst>
+            </p:cNvPr>
+            <p:cNvCxnSpPr>
+              <a:cxnSpLocks/>
+            </p:cNvCxnSpPr>
+            <p:nvPr/>
+          </p:nvCxnSpPr>
+          <p:spPr>
+            <a:xfrm>
+              <a:off x="1295097" y="3163361"/>
+              <a:ext cx="0" cy="1764000"/>
+            </a:xfrm>
+            <a:prstGeom prst="line">
+              <a:avLst/>
+            </a:prstGeom>
+            <a:ln>
+              <a:solidFill>
+                <a:schemeClr val="tx1"/>
+              </a:solidFill>
+              <a:prstDash val="dash"/>
+            </a:ln>
+          </p:spPr>
+          <p:style>
+            <a:lnRef idx="1">
+              <a:schemeClr val="accent1"/>
+            </a:lnRef>
+            <a:fillRef idx="0">
+              <a:schemeClr val="accent1"/>
+            </a:fillRef>
+            <a:effectRef idx="0">
+              <a:schemeClr val="accent1"/>
+            </a:effectRef>
+            <a:fontRef idx="minor">
+              <a:schemeClr val="tx1"/>
+            </a:fontRef>
+          </p:style>
+        </p:cxnSp>
+        <p:sp>
+          <p:nvSpPr>
+            <p:cNvPr id="21" name="CaixaDeTexto 20">
+              <a:extLst>
+                <a:ext uri="{FF2B5EF4-FFF2-40B4-BE49-F238E27FC236}">
+                  <a16:creationId xmlns:a16="http://schemas.microsoft.com/office/drawing/2014/main" id="{F3051166-FB83-1C01-C24B-836CCA65DF27}"/>
+                </a:ext>
+              </a:extLst>
+            </p:cNvPr>
+            <p:cNvSpPr txBox="1"/>
+            <p:nvPr/>
+          </p:nvSpPr>
+          <p:spPr>
+            <a:xfrm>
+              <a:off x="1187759" y="3016241"/>
+              <a:ext cx="1071476" cy="276999"/>
+            </a:xfrm>
+            <a:prstGeom prst="rect">
+              <a:avLst/>
+            </a:prstGeom>
+            <a:noFill/>
+          </p:spPr>
+          <p:txBody>
+            <a:bodyPr wrap="square" rtlCol="0">
+              <a:spAutoFit/>
+            </a:bodyPr>
+            <a:lstStyle/>
+            <a:p>
+              <a:pPr algn="ctr"/>
+              <a:r>
+                <a:rPr lang="pt-BR" sz="1200" dirty="0"/>
+                <a:t>Ponto inicial</a:t>
+              </a:r>
+            </a:p>
+          </p:txBody>
+        </p:sp>
+        <mc:AlternateContent xmlns:mc="http://schemas.openxmlformats.org/markup-compatibility/2006">
+          <mc:Choice xmlns:a14="http://schemas.microsoft.com/office/drawing/2010/main" Requires="a14">
+            <p:sp>
+              <p:nvSpPr>
+                <p:cNvPr id="22" name="CaixaDeTexto 21">
+                  <a:extLst>
+                    <a:ext uri="{FF2B5EF4-FFF2-40B4-BE49-F238E27FC236}">
+                      <a16:creationId xmlns:a16="http://schemas.microsoft.com/office/drawing/2014/main" id="{7167E7D4-807F-4A91-D2F9-5B3D43BE5896}"/>
+                    </a:ext>
+                  </a:extLst>
+                </p:cNvPr>
+                <p:cNvSpPr txBox="1"/>
+                <p:nvPr/>
+              </p:nvSpPr>
+              <p:spPr>
+                <a:xfrm>
+                  <a:off x="1074774" y="4868216"/>
+                  <a:ext cx="867941" cy="307777"/>
+                </a:xfrm>
+                <a:prstGeom prst="rect">
+                  <a:avLst/>
+                </a:prstGeom>
+                <a:noFill/>
+              </p:spPr>
+              <p:txBody>
+                <a:bodyPr wrap="square" rtlCol="0">
+                  <a:spAutoFit/>
+                </a:bodyPr>
+                <a:lstStyle/>
+                <a:p>
+                  <a:pPr algn="ctr"/>
+                  <a14:m>
+                    <m:oMathPara xmlns:m="http://schemas.openxmlformats.org/officeDocument/2006/math">
+                      <m:oMathParaPr>
+                        <m:jc m:val="centerGroup"/>
+                      </m:oMathParaPr>
+                      <m:oMath xmlns:m="http://schemas.openxmlformats.org/officeDocument/2006/math">
+                        <m:sSub>
+                          <m:sSubPr>
+                            <m:ctrlPr>
+                              <a:rPr lang="pt-BR" sz="1400" i="1" smtClean="0">
+                                <a:latin typeface="Cambria Math" panose="02040503050406030204" pitchFamily="18" charset="0"/>
+                              </a:rPr>
+                            </m:ctrlPr>
+                          </m:sSubPr>
+                          <m:e>
+                            <m:r>
+                              <a:rPr lang="pt-BR" sz="1400" b="0" i="1" smtClean="0">
+                                <a:latin typeface="Cambria Math" panose="02040503050406030204" pitchFamily="18" charset="0"/>
+                              </a:rPr>
+                              <m:t>𝑎</m:t>
+                            </m:r>
+                          </m:e>
+                          <m:sub>
+                            <m:r>
+                              <m:rPr>
+                                <m:sty m:val="p"/>
+                              </m:rPr>
+                              <a:rPr lang="pt-BR" sz="1400" b="0" i="0" smtClean="0">
+                                <a:latin typeface="Cambria Math" panose="02040503050406030204" pitchFamily="18" charset="0"/>
+                              </a:rPr>
+                              <m:t>inicial</m:t>
+                            </m:r>
+                          </m:sub>
+                        </m:sSub>
+                      </m:oMath>
+                    </m:oMathPara>
+                  </a14:m>
+                  <a:endParaRPr lang="pt-BR" sz="1400" dirty="0"/>
+                </a:p>
+              </p:txBody>
+            </p:sp>
+          </mc:Choice>
+          <mc:Fallback>
+            <p:sp>
+              <p:nvSpPr>
+                <p:cNvPr id="22" name="CaixaDeTexto 21">
+                  <a:extLst>
+                    <a:ext uri="{FF2B5EF4-FFF2-40B4-BE49-F238E27FC236}">
+                      <a16:creationId xmlns:a16="http://schemas.microsoft.com/office/drawing/2014/main" id="{7167E7D4-807F-4A91-D2F9-5B3D43BE5896}"/>
+                    </a:ext>
+                  </a:extLst>
+                </p:cNvPr>
+                <p:cNvSpPr txBox="1">
+                  <a:spLocks noRot="1" noChangeAspect="1" noMove="1" noResize="1" noEditPoints="1" noAdjustHandles="1" noChangeArrowheads="1" noChangeShapeType="1" noTextEdit="1"/>
+                </p:cNvSpPr>
+                <p:nvPr/>
+              </p:nvSpPr>
+              <p:spPr>
+                <a:xfrm>
+                  <a:off x="1074774" y="4868216"/>
+                  <a:ext cx="867941" cy="307777"/>
+                </a:xfrm>
+                <a:prstGeom prst="rect">
+                  <a:avLst/>
+                </a:prstGeom>
+                <a:blipFill>
+                  <a:blip r:embed="rId4"/>
+                  <a:stretch>
+                    <a:fillRect/>
+                  </a:stretch>
+                </a:blipFill>
+              </p:spPr>
+              <p:txBody>
+                <a:bodyPr/>
+                <a:lstStyle/>
+                <a:p>
+                  <a:r>
+                    <a:rPr lang="pt-BR">
+                      <a:noFill/>
+                    </a:rPr>
+                    <a:t> </a:t>
+                  </a:r>
+                </a:p>
+              </p:txBody>
+            </p:sp>
+          </mc:Fallback>
+        </mc:AlternateContent>
+        <mc:AlternateContent xmlns:mc="http://schemas.openxmlformats.org/markup-compatibility/2006">
+          <mc:Choice xmlns:a14="http://schemas.microsoft.com/office/drawing/2010/main" Requires="a14">
+            <p:sp>
+              <p:nvSpPr>
+                <p:cNvPr id="23" name="CaixaDeTexto 22">
+                  <a:extLst>
+                    <a:ext uri="{FF2B5EF4-FFF2-40B4-BE49-F238E27FC236}">
+                      <a16:creationId xmlns:a16="http://schemas.microsoft.com/office/drawing/2014/main" id="{5563576F-5255-680C-F8CB-10958601F543}"/>
+                    </a:ext>
+                  </a:extLst>
+                </p:cNvPr>
+                <p:cNvSpPr txBox="1"/>
+                <p:nvPr/>
+              </p:nvSpPr>
+              <p:spPr>
+                <a:xfrm>
+                  <a:off x="2671712" y="4867795"/>
+                  <a:ext cx="867941" cy="307777"/>
+                </a:xfrm>
+                <a:prstGeom prst="rect">
+                  <a:avLst/>
+                </a:prstGeom>
+                <a:noFill/>
+              </p:spPr>
+              <p:txBody>
+                <a:bodyPr wrap="square" rtlCol="0">
+                  <a:spAutoFit/>
+                </a:bodyPr>
+                <a:lstStyle/>
+                <a:p>
+                  <a:pPr algn="ctr"/>
+                  <a14:m>
+                    <m:oMathPara xmlns:m="http://schemas.openxmlformats.org/officeDocument/2006/math">
+                      <m:oMathParaPr>
+                        <m:jc m:val="centerGroup"/>
+                      </m:oMathParaPr>
+                      <m:oMath xmlns:m="http://schemas.openxmlformats.org/officeDocument/2006/math">
+                        <m:sSub>
+                          <m:sSubPr>
+                            <m:ctrlPr>
+                              <a:rPr lang="pt-BR" sz="1400" i="1" smtClean="0">
+                                <a:latin typeface="Cambria Math" panose="02040503050406030204" pitchFamily="18" charset="0"/>
+                              </a:rPr>
+                            </m:ctrlPr>
+                          </m:sSubPr>
+                          <m:e>
+                            <m:r>
+                              <a:rPr lang="pt-BR" sz="1400" b="0" i="1" smtClean="0">
+                                <a:latin typeface="Cambria Math" panose="02040503050406030204" pitchFamily="18" charset="0"/>
+                              </a:rPr>
+                              <m:t>𝑎</m:t>
+                            </m:r>
+                          </m:e>
+                          <m:sub>
+                            <m:r>
+                              <a:rPr lang="pt-BR" sz="1400" b="0" i="0" smtClean="0">
+                                <a:latin typeface="Cambria Math" panose="02040503050406030204" pitchFamily="18" charset="0"/>
+                              </a:rPr>
+                              <m:t>ó</m:t>
+                            </m:r>
+                            <m:r>
+                              <m:rPr>
+                                <m:sty m:val="p"/>
+                              </m:rPr>
+                              <a:rPr lang="pt-BR" sz="1400" b="0" i="0" smtClean="0">
+                                <a:latin typeface="Cambria Math" panose="02040503050406030204" pitchFamily="18" charset="0"/>
+                              </a:rPr>
+                              <m:t>timo</m:t>
+                            </m:r>
+                          </m:sub>
+                        </m:sSub>
+                      </m:oMath>
+                    </m:oMathPara>
+                  </a14:m>
+                  <a:endParaRPr lang="pt-BR" sz="1400" dirty="0"/>
+                </a:p>
+              </p:txBody>
+            </p:sp>
+          </mc:Choice>
+          <mc:Fallback>
+            <p:sp>
+              <p:nvSpPr>
+                <p:cNvPr id="23" name="CaixaDeTexto 22">
+                  <a:extLst>
+                    <a:ext uri="{FF2B5EF4-FFF2-40B4-BE49-F238E27FC236}">
+                      <a16:creationId xmlns:a16="http://schemas.microsoft.com/office/drawing/2014/main" id="{5563576F-5255-680C-F8CB-10958601F543}"/>
+                    </a:ext>
+                  </a:extLst>
+                </p:cNvPr>
+                <p:cNvSpPr txBox="1">
+                  <a:spLocks noRot="1" noChangeAspect="1" noMove="1" noResize="1" noEditPoints="1" noAdjustHandles="1" noChangeArrowheads="1" noChangeShapeType="1" noTextEdit="1"/>
+                </p:cNvSpPr>
+                <p:nvPr/>
+              </p:nvSpPr>
+              <p:spPr>
+                <a:xfrm>
+                  <a:off x="2671712" y="4867795"/>
+                  <a:ext cx="867941" cy="307777"/>
+                </a:xfrm>
+                <a:prstGeom prst="rect">
+                  <a:avLst/>
+                </a:prstGeom>
+                <a:blipFill>
+                  <a:blip r:embed="rId5"/>
+                  <a:stretch>
+                    <a:fillRect/>
+                  </a:stretch>
+                </a:blipFill>
+              </p:spPr>
+              <p:txBody>
+                <a:bodyPr/>
+                <a:lstStyle/>
+                <a:p>
+                  <a:r>
+                    <a:rPr lang="pt-BR">
+                      <a:noFill/>
+                    </a:rPr>
+                    <a:t> </a:t>
+                  </a:r>
+                </a:p>
+              </p:txBody>
+            </p:sp>
+          </mc:Fallback>
+        </mc:AlternateContent>
+      </p:grpSp>
+      <p:cxnSp>
+        <p:nvCxnSpPr>
+          <p:cNvPr id="4" name="Conector de Seta Reta 3">
+            <a:extLst>
+              <a:ext uri="{FF2B5EF4-FFF2-40B4-BE49-F238E27FC236}">
+                <a16:creationId xmlns:a16="http://schemas.microsoft.com/office/drawing/2014/main" id="{AEECACA4-5B42-A865-92BE-067925FB1366}"/>
+              </a:ext>
+            </a:extLst>
+          </p:cNvPr>
+          <p:cNvCxnSpPr>
+            <a:cxnSpLocks/>
+          </p:cNvCxnSpPr>
+          <p:nvPr/>
+        </p:nvCxnSpPr>
+        <p:spPr>
+          <a:xfrm>
+            <a:off x="1295851" y="3183756"/>
+            <a:ext cx="473505" cy="797660"/>
+          </a:xfrm>
+          <a:prstGeom prst="straightConnector1">
+            <a:avLst/>
+          </a:prstGeom>
+          <a:ln>
+            <a:solidFill>
+              <a:srgbClr val="FF0000"/>
+            </a:solidFill>
+            <a:tailEnd type="triangle"/>
+          </a:ln>
+        </p:spPr>
+        <p:style>
+          <a:lnRef idx="1">
+            <a:schemeClr val="accent1"/>
+          </a:lnRef>
+          <a:fillRef idx="0">
+            <a:schemeClr val="accent1"/>
+          </a:fillRef>
+          <a:effectRef idx="0">
+            <a:schemeClr val="accent1"/>
+          </a:effectRef>
+          <a:fontRef idx="minor">
+            <a:schemeClr val="tx1"/>
+          </a:fontRef>
+        </p:style>
+      </p:cxnSp>
+      <p:cxnSp>
+        <p:nvCxnSpPr>
+          <p:cNvPr id="5" name="Conector de Seta Reta 4">
+            <a:extLst>
+              <a:ext uri="{FF2B5EF4-FFF2-40B4-BE49-F238E27FC236}">
+                <a16:creationId xmlns:a16="http://schemas.microsoft.com/office/drawing/2014/main" id="{565E11D9-7749-637F-8930-C980947F051A}"/>
+              </a:ext>
+            </a:extLst>
+          </p:cNvPr>
+          <p:cNvCxnSpPr>
+            <a:cxnSpLocks/>
+          </p:cNvCxnSpPr>
+          <p:nvPr/>
+        </p:nvCxnSpPr>
+        <p:spPr>
+          <a:xfrm>
+            <a:off x="1377679" y="3241084"/>
+            <a:ext cx="235631" cy="333078"/>
+          </a:xfrm>
+          <a:prstGeom prst="straightConnector1">
+            <a:avLst/>
+          </a:prstGeom>
+          <a:ln>
+            <a:solidFill>
+              <a:schemeClr val="tx1"/>
+            </a:solidFill>
+            <a:tailEnd type="triangle"/>
+          </a:ln>
+        </p:spPr>
+        <p:style>
+          <a:lnRef idx="1">
+            <a:schemeClr val="accent1"/>
+          </a:lnRef>
+          <a:fillRef idx="0">
+            <a:schemeClr val="accent1"/>
+          </a:fillRef>
+          <a:effectRef idx="0">
+            <a:schemeClr val="accent1"/>
+          </a:effectRef>
+          <a:fontRef idx="minor">
+            <a:schemeClr val="tx1"/>
+          </a:fontRef>
+        </p:style>
+      </p:cxnSp>
+    </p:spTree>
+    <p:extLst>
+      <p:ext uri="{BB962C8B-B14F-4D97-AF65-F5344CB8AC3E}">
+        <p14:creationId xmlns:p14="http://schemas.microsoft.com/office/powerpoint/2010/main" val="722517141"/>
       </p:ext>
     </p:extLst>
   </p:cSld>

--- a/slides/TP557_6_Minimizando_o_erro.pptx
+++ b/slides/TP557_6_Minimizando_o_erro.pptx
@@ -5,10 +5,10 @@
     <p:sldMasterId id="2147483648" r:id="rId1"/>
   </p:sldMasterIdLst>
   <p:notesMasterIdLst>
-    <p:notesMasterId r:id="rId15"/>
+    <p:notesMasterId r:id="rId16"/>
   </p:notesMasterIdLst>
   <p:handoutMasterIdLst>
-    <p:handoutMasterId r:id="rId16"/>
+    <p:handoutMasterId r:id="rId17"/>
   </p:handoutMasterIdLst>
   <p:sldIdLst>
     <p:sldId id="256" r:id="rId2"/>
@@ -18,12 +18,13 @@
     <p:sldId id="409" r:id="rId6"/>
     <p:sldId id="410" r:id="rId7"/>
     <p:sldId id="411" r:id="rId8"/>
-    <p:sldId id="412" r:id="rId9"/>
-    <p:sldId id="413" r:id="rId10"/>
-    <p:sldId id="414" r:id="rId11"/>
-    <p:sldId id="405" r:id="rId12"/>
-    <p:sldId id="293" r:id="rId13"/>
-    <p:sldId id="306" r:id="rId14"/>
+    <p:sldId id="415" r:id="rId9"/>
+    <p:sldId id="412" r:id="rId10"/>
+    <p:sldId id="413" r:id="rId11"/>
+    <p:sldId id="414" r:id="rId12"/>
+    <p:sldId id="405" r:id="rId13"/>
+    <p:sldId id="293" r:id="rId14"/>
+    <p:sldId id="306" r:id="rId15"/>
   </p:sldIdLst>
   <p:sldSz cx="12192000" cy="6858000"/>
   <p:notesSz cx="7315200" cy="9601200"/>
@@ -848,6 +849,100 @@
           <a:lstStyle/>
           <a:p>
             <a:r>
+              <a:rPr lang="pt-BR" b="0" i="0" dirty="0">
+                <a:solidFill>
+                  <a:srgbClr val="374151"/>
+                </a:solidFill>
+                <a:effectLst/>
+                <a:latin typeface="Söhne"/>
+              </a:rPr>
+              <a:t>A convexidade é uma propriedade importante em matemática e otimização, pois garante que uma função convexa tenha um único ponto de mínimo global, e qualquer ponto de mínimo local também é um ponto de mínimo global. Isso torna as funções convexas especialmente relevantes em problemas de otimização, pois permite encontrar a solução ótima de forma mais eficiente e confiável.</a:t>
+            </a:r>
+            <a:endParaRPr lang="pt-BR" dirty="0"/>
+          </a:p>
+        </p:txBody>
+      </p:sp>
+      <p:sp>
+        <p:nvSpPr>
+          <p:cNvPr id="4" name="Espaço Reservado para Número de Slide 3"/>
+          <p:cNvSpPr>
+            <a:spLocks noGrp="1"/>
+          </p:cNvSpPr>
+          <p:nvPr>
+            <p:ph type="sldNum" sz="quarter" idx="5"/>
+          </p:nvPr>
+        </p:nvSpPr>
+        <p:spPr/>
+        <p:txBody>
+          <a:bodyPr/>
+          <a:lstStyle/>
+          <a:p>
+            <a:fld id="{6FC8D850-966F-45A6-8DE7-15B891E7D40D}" type="slidenum">
+              <a:rPr lang="pt-BR" smtClean="0"/>
+              <a:t>11</a:t>
+            </a:fld>
+            <a:endParaRPr lang="pt-BR"/>
+          </a:p>
+        </p:txBody>
+      </p:sp>
+    </p:spTree>
+    <p:extLst>
+      <p:ext uri="{BB962C8B-B14F-4D97-AF65-F5344CB8AC3E}">
+        <p14:creationId xmlns:p14="http://schemas.microsoft.com/office/powerpoint/2010/main" val="898119186"/>
+      </p:ext>
+    </p:extLst>
+  </p:cSld>
+  <p:clrMapOvr>
+    <a:masterClrMapping/>
+  </p:clrMapOvr>
+</p:notes>
+</file>
+
+<file path=ppt/notesSlides/notesSlide11.xml><?xml version="1.0" encoding="utf-8"?>
+<p:notes xmlns:a="http://schemas.openxmlformats.org/drawingml/2006/main" xmlns:r="http://schemas.openxmlformats.org/officeDocument/2006/relationships" xmlns:p="http://schemas.openxmlformats.org/presentationml/2006/main">
+  <p:cSld>
+    <p:spTree>
+      <p:nvGrpSpPr>
+        <p:cNvPr id="1" name=""/>
+        <p:cNvGrpSpPr/>
+        <p:nvPr/>
+      </p:nvGrpSpPr>
+      <p:grpSpPr>
+        <a:xfrm>
+          <a:off x="0" y="0"/>
+          <a:ext cx="0" cy="0"/>
+          <a:chOff x="0" y="0"/>
+          <a:chExt cx="0" cy="0"/>
+        </a:xfrm>
+      </p:grpSpPr>
+      <p:sp>
+        <p:nvSpPr>
+          <p:cNvPr id="2" name="Espaço Reservado para Imagem de Slide 1"/>
+          <p:cNvSpPr>
+            <a:spLocks noGrp="1" noRot="1" noChangeAspect="1"/>
+          </p:cNvSpPr>
+          <p:nvPr>
+            <p:ph type="sldImg"/>
+          </p:nvPr>
+        </p:nvSpPr>
+        <p:spPr/>
+      </p:sp>
+      <p:sp>
+        <p:nvSpPr>
+          <p:cNvPr id="3" name="Espaço Reservado para Anotações 2"/>
+          <p:cNvSpPr>
+            <a:spLocks noGrp="1"/>
+          </p:cNvSpPr>
+          <p:nvPr>
+            <p:ph type="body" idx="1"/>
+          </p:nvPr>
+        </p:nvSpPr>
+        <p:spPr/>
+        <p:txBody>
+          <a:bodyPr/>
+          <a:lstStyle/>
+          <a:p>
+            <a:r>
               <a:rPr lang="pt-BR" dirty="0"/>
               <a:t>https://colab.research.google.com/</a:t>
             </a:r>
@@ -944,7 +1039,7 @@
           <a:p>
             <a:fld id="{6FC8D850-966F-45A6-8DE7-15B891E7D40D}" type="slidenum">
               <a:rPr lang="pt-BR" smtClean="0"/>
-              <a:t>11</a:t>
+              <a:t>12</a:t>
             </a:fld>
             <a:endParaRPr lang="pt-BR"/>
           </a:p>
@@ -1507,7 +1602,7 @@
     </p:spTree>
     <p:extLst>
       <p:ext uri="{BB962C8B-B14F-4D97-AF65-F5344CB8AC3E}">
-        <p14:creationId xmlns:p14="http://schemas.microsoft.com/office/powerpoint/2010/main" val="570856453"/>
+        <p14:creationId xmlns:p14="http://schemas.microsoft.com/office/powerpoint/2010/main" val="836171455"/>
       </p:ext>
     </p:extLst>
   </p:cSld>
@@ -1601,7 +1696,7 @@
     </p:spTree>
     <p:extLst>
       <p:ext uri="{BB962C8B-B14F-4D97-AF65-F5344CB8AC3E}">
-        <p14:creationId xmlns:p14="http://schemas.microsoft.com/office/powerpoint/2010/main" val="3065682210"/>
+        <p14:creationId xmlns:p14="http://schemas.microsoft.com/office/powerpoint/2010/main" val="570856453"/>
       </p:ext>
     </p:extLst>
   </p:cSld>
@@ -1695,7 +1790,7 @@
     </p:spTree>
     <p:extLst>
       <p:ext uri="{BB962C8B-B14F-4D97-AF65-F5344CB8AC3E}">
-        <p14:creationId xmlns:p14="http://schemas.microsoft.com/office/powerpoint/2010/main" val="898119186"/>
+        <p14:creationId xmlns:p14="http://schemas.microsoft.com/office/powerpoint/2010/main" val="3065682210"/>
       </p:ext>
     </p:extLst>
   </p:cSld>
@@ -5198,52 +5293,164 @@
           <a:p>
             <a:r>
               <a:rPr lang="pt-BR" dirty="0"/>
-              <a:t>Gradiente</a:t>
+              <a:t>Passo de aprendizagem</a:t>
             </a:r>
           </a:p>
         </p:txBody>
       </p:sp>
-      <p:sp>
-        <p:nvSpPr>
-          <p:cNvPr id="3" name="Espaço Reservado para Conteúdo 2">
+      <mc:AlternateContent xmlns:mc="http://schemas.openxmlformats.org/markup-compatibility/2006">
+        <mc:Choice xmlns:a14="http://schemas.microsoft.com/office/drawing/2010/main" Requires="a14">
+          <p:sp>
+            <p:nvSpPr>
+              <p:cNvPr id="3" name="Espaço Reservado para Conteúdo 2">
+                <a:extLst>
+                  <a:ext uri="{FF2B5EF4-FFF2-40B4-BE49-F238E27FC236}">
+                    <a16:creationId xmlns:a16="http://schemas.microsoft.com/office/drawing/2014/main" id="{F09EA0C7-E094-F158-6A1A-B80733321450}"/>
+                  </a:ext>
+                </a:extLst>
+              </p:cNvPr>
+              <p:cNvSpPr>
+                <a:spLocks noGrp="1"/>
+              </p:cNvSpPr>
+              <p:nvPr>
+                <p:ph idx="1"/>
+              </p:nvPr>
+            </p:nvSpPr>
+            <p:spPr>
+              <a:xfrm>
+                <a:off x="5897233" y="1825624"/>
+                <a:ext cx="6102983" cy="5032376"/>
+              </a:xfrm>
+            </p:spPr>
+            <p:txBody>
+              <a:bodyPr>
+                <a:normAutofit lnSpcReduction="10000"/>
+              </a:bodyPr>
+              <a:lstStyle/>
+              <a:p>
+                <a:r>
+                  <a:rPr lang="pt-BR" dirty="0"/>
+                  <a:t>Portanto, se quisermos ir para o ponto de mínimo a partir de um ponto qualquer, podemos dar um </a:t>
+                </a:r>
+                <a:r>
+                  <a:rPr lang="pt-BR" b="1" i="1" dirty="0"/>
+                  <a:t>passo</a:t>
+                </a:r>
+                <a:r>
+                  <a:rPr lang="pt-BR" dirty="0"/>
+                  <a:t> na direção apontada pelo gradiente.</a:t>
+                </a:r>
+              </a:p>
+              <a:p>
+                <a:r>
+                  <a:rPr lang="pt-BR" dirty="0"/>
+                  <a:t>Nós sabemos a direção e podemos escolher o </a:t>
+                </a:r>
+                <a:r>
+                  <a:rPr lang="pt-BR" b="1" i="1" dirty="0"/>
+                  <a:t>tamanho do passo</a:t>
+                </a:r>
+                <a:r>
+                  <a:rPr lang="pt-BR" dirty="0"/>
+                  <a:t> para darmos naquela direção.</a:t>
+                </a:r>
+              </a:p>
+              <a:p>
+                <a:r>
+                  <a:rPr lang="pt-BR" dirty="0"/>
+                  <a:t>O </a:t>
+                </a:r>
+                <a:r>
+                  <a:rPr lang="pt-BR" b="1" i="1" dirty="0"/>
+                  <a:t>tamanho do passo </a:t>
+                </a:r>
+                <a:r>
+                  <a:rPr lang="pt-BR" dirty="0"/>
+                  <a:t>é frequentemente chamado de </a:t>
+                </a:r>
+                <a:r>
+                  <a:rPr lang="pt-BR" b="1" i="1" dirty="0"/>
+                  <a:t>taxa ou passo de aprendizagem</a:t>
+                </a:r>
+                <a:r>
+                  <a:rPr lang="pt-BR" dirty="0"/>
+                  <a:t> e é, normalmente, denotado por </a:t>
+                </a:r>
+                <a14:m>
+                  <m:oMath xmlns:m="http://schemas.openxmlformats.org/officeDocument/2006/math">
+                    <m:r>
+                      <a:rPr lang="pt-BR" i="1" smtClean="0">
+                        <a:latin typeface="Cambria Math" panose="02040503050406030204" pitchFamily="18" charset="0"/>
+                        <a:ea typeface="Cambria Math" panose="02040503050406030204" pitchFamily="18" charset="0"/>
+                      </a:rPr>
+                      <m:t>𝛼</m:t>
+                    </m:r>
+                  </m:oMath>
+                </a14:m>
+                <a:r>
+                  <a:rPr lang="pt-BR" dirty="0"/>
+                  <a:t>.</a:t>
+                </a:r>
+              </a:p>
+              <a:p>
+                <a:r>
+                  <a:rPr lang="pt-BR" dirty="0"/>
+                  <a:t>Vejam que atualizamos o peso atual usando uma fração do gradiente.</a:t>
+                </a:r>
+              </a:p>
+            </p:txBody>
+          </p:sp>
+        </mc:Choice>
+        <mc:Fallback>
+          <p:sp>
+            <p:nvSpPr>
+              <p:cNvPr id="3" name="Espaço Reservado para Conteúdo 2">
+                <a:extLst>
+                  <a:ext uri="{FF2B5EF4-FFF2-40B4-BE49-F238E27FC236}">
+                    <a16:creationId xmlns:a16="http://schemas.microsoft.com/office/drawing/2014/main" id="{F09EA0C7-E094-F158-6A1A-B80733321450}"/>
+                  </a:ext>
+                </a:extLst>
+              </p:cNvPr>
+              <p:cNvSpPr>
+                <a:spLocks noGrp="1" noRot="1" noChangeAspect="1" noMove="1" noResize="1" noEditPoints="1" noAdjustHandles="1" noChangeArrowheads="1" noChangeShapeType="1" noTextEdit="1"/>
+              </p:cNvSpPr>
+              <p:nvPr>
+                <p:ph idx="1"/>
+              </p:nvPr>
+            </p:nvSpPr>
+            <p:spPr>
+              <a:xfrm>
+                <a:off x="5897233" y="1825624"/>
+                <a:ext cx="6102983" cy="5032376"/>
+              </a:xfrm>
+              <a:blipFill>
+                <a:blip r:embed="rId3"/>
+                <a:stretch>
+                  <a:fillRect l="-1796" t="-2663" r="-998" b="-1211"/>
+                </a:stretch>
+              </a:blipFill>
+            </p:spPr>
+            <p:txBody>
+              <a:bodyPr/>
+              <a:lstStyle/>
+              <a:p>
+                <a:r>
+                  <a:rPr lang="pt-BR">
+                    <a:noFill/>
+                  </a:rPr>
+                  <a:t> </a:t>
+                </a:r>
+              </a:p>
+            </p:txBody>
+          </p:sp>
+        </mc:Fallback>
+      </mc:AlternateContent>
+      <p:grpSp>
+        <p:nvGrpSpPr>
+          <p:cNvPr id="52" name="Agrupar 51">
             <a:extLst>
               <a:ext uri="{FF2B5EF4-FFF2-40B4-BE49-F238E27FC236}">
-                <a16:creationId xmlns:a16="http://schemas.microsoft.com/office/drawing/2014/main" id="{F09EA0C7-E094-F158-6A1A-B80733321450}"/>
-              </a:ext>
-            </a:extLst>
-          </p:cNvPr>
-          <p:cNvSpPr>
-            <a:spLocks noGrp="1"/>
-          </p:cNvSpPr>
-          <p:nvPr>
-            <p:ph idx="1"/>
-          </p:nvPr>
-        </p:nvSpPr>
-        <p:spPr>
-          <a:xfrm>
-            <a:off x="6181728" y="1825624"/>
-            <a:ext cx="5818488" cy="5032376"/>
-          </a:xfrm>
-        </p:spPr>
-        <p:txBody>
-          <a:bodyPr>
-            <a:normAutofit/>
-          </a:bodyPr>
-          <a:lstStyle/>
-          <a:p>
-            <a:r>
-              <a:rPr lang="pt-BR" dirty="0"/>
-              <a:t>Portanto, dada a direção do gradiente e um passo de aprendizagem, agora podemos iterativamente dar passos com em direção ao mínimo.</a:t>
-            </a:r>
-          </a:p>
-        </p:txBody>
-      </p:sp>
-      <p:grpSp>
-        <p:nvGrpSpPr>
-          <p:cNvPr id="25" name="Agrupar 24">
-            <a:extLst>
-              <a:ext uri="{FF2B5EF4-FFF2-40B4-BE49-F238E27FC236}">
-                <a16:creationId xmlns:a16="http://schemas.microsoft.com/office/drawing/2014/main" id="{CAABD4E6-0271-FDD3-1BDC-9F25BB67666F}"/>
+                <a16:creationId xmlns:a16="http://schemas.microsoft.com/office/drawing/2014/main" id="{C28387F9-D7FD-85ED-8EAA-F893C59A9528}"/>
               </a:ext>
             </a:extLst>
           </p:cNvPr>
@@ -5431,41 +5638,137 @@
             </a:fontRef>
           </p:style>
         </p:cxnSp>
-        <p:sp>
-          <p:nvSpPr>
-            <p:cNvPr id="8" name="CaixaDeTexto 7">
-              <a:extLst>
-                <a:ext uri="{FF2B5EF4-FFF2-40B4-BE49-F238E27FC236}">
-                  <a16:creationId xmlns:a16="http://schemas.microsoft.com/office/drawing/2014/main" id="{A78938CD-F777-59C9-49FF-1EC87187C2BF}"/>
-                </a:ext>
-              </a:extLst>
-            </p:cNvPr>
-            <p:cNvSpPr txBox="1"/>
-            <p:nvPr/>
-          </p:nvSpPr>
-          <p:spPr>
-            <a:xfrm>
-              <a:off x="974017" y="2353695"/>
-              <a:ext cx="1679879" cy="369332"/>
-            </a:xfrm>
-            <a:prstGeom prst="rect">
-              <a:avLst/>
-            </a:prstGeom>
-            <a:noFill/>
-          </p:spPr>
-          <p:txBody>
-            <a:bodyPr wrap="square" rtlCol="0">
-              <a:spAutoFit/>
-            </a:bodyPr>
-            <a:lstStyle/>
-            <a:p>
-              <a:r>
-                <a:rPr lang="pt-BR" dirty="0"/>
-                <a:t>Função de erro</a:t>
-              </a:r>
-            </a:p>
-          </p:txBody>
-        </p:sp>
+        <mc:AlternateContent xmlns:mc="http://schemas.openxmlformats.org/markup-compatibility/2006">
+          <mc:Choice xmlns:a14="http://schemas.microsoft.com/office/drawing/2010/main" Requires="a14">
+            <p:sp>
+              <p:nvSpPr>
+                <p:cNvPr id="8" name="CaixaDeTexto 7">
+                  <a:extLst>
+                    <a:ext uri="{FF2B5EF4-FFF2-40B4-BE49-F238E27FC236}">
+                      <a16:creationId xmlns:a16="http://schemas.microsoft.com/office/drawing/2014/main" id="{A78938CD-F777-59C9-49FF-1EC87187C2BF}"/>
+                    </a:ext>
+                  </a:extLst>
+                </p:cNvPr>
+                <p:cNvSpPr txBox="1"/>
+                <p:nvPr/>
+              </p:nvSpPr>
+              <p:spPr>
+                <a:xfrm>
+                  <a:off x="974017" y="2353695"/>
+                  <a:ext cx="2747030" cy="369332"/>
+                </a:xfrm>
+                <a:prstGeom prst="rect">
+                  <a:avLst/>
+                </a:prstGeom>
+                <a:noFill/>
+              </p:spPr>
+              <p:txBody>
+                <a:bodyPr wrap="square" rtlCol="0">
+                  <a:spAutoFit/>
+                </a:bodyPr>
+                <a:lstStyle/>
+                <a:p>
+                  <a:r>
+                    <a:rPr lang="pt-BR" dirty="0"/>
+                    <a:t>Função de erro, </a:t>
+                  </a:r>
+                  <a14:m>
+                    <m:oMath xmlns:m="http://schemas.openxmlformats.org/officeDocument/2006/math">
+                      <m:sSub>
+                        <m:sSubPr>
+                          <m:ctrlPr>
+                            <a:rPr lang="pt-BR" i="1" smtClean="0">
+                              <a:latin typeface="Cambria Math" panose="02040503050406030204" pitchFamily="18" charset="0"/>
+                            </a:rPr>
+                          </m:ctrlPr>
+                        </m:sSubPr>
+                        <m:e>
+                          <m:r>
+                            <a:rPr lang="pt-BR" b="0" i="1" smtClean="0">
+                              <a:latin typeface="Cambria Math" panose="02040503050406030204" pitchFamily="18" charset="0"/>
+                            </a:rPr>
+                            <m:t>𝐽</m:t>
+                          </m:r>
+                        </m:e>
+                        <m:sub>
+                          <m:r>
+                            <a:rPr lang="pt-BR" b="0" i="1" smtClean="0">
+                              <a:latin typeface="Cambria Math" panose="02040503050406030204" pitchFamily="18" charset="0"/>
+                            </a:rPr>
+                            <m:t>𝑒</m:t>
+                          </m:r>
+                        </m:sub>
+                      </m:sSub>
+                      <m:r>
+                        <a:rPr lang="pt-BR" b="0" i="1" smtClean="0">
+                          <a:latin typeface="Cambria Math" panose="02040503050406030204" pitchFamily="18" charset="0"/>
+                        </a:rPr>
+                        <m:t>(</m:t>
+                      </m:r>
+                      <m:r>
+                        <a:rPr lang="pt-BR" b="0" i="1" smtClean="0">
+                          <a:latin typeface="Cambria Math" panose="02040503050406030204" pitchFamily="18" charset="0"/>
+                        </a:rPr>
+                        <m:t>𝑎</m:t>
+                      </m:r>
+                      <m:r>
+                        <a:rPr lang="pt-BR" b="0" i="1" smtClean="0">
+                          <a:latin typeface="Cambria Math" panose="02040503050406030204" pitchFamily="18" charset="0"/>
+                        </a:rPr>
+                        <m:t>)</m:t>
+                      </m:r>
+                    </m:oMath>
+                  </a14:m>
+                  <a:endParaRPr lang="pt-BR" dirty="0"/>
+                </a:p>
+              </p:txBody>
+            </p:sp>
+          </mc:Choice>
+          <mc:Fallback>
+            <p:sp>
+              <p:nvSpPr>
+                <p:cNvPr id="8" name="CaixaDeTexto 7">
+                  <a:extLst>
+                    <a:ext uri="{FF2B5EF4-FFF2-40B4-BE49-F238E27FC236}">
+                      <a16:creationId xmlns:a16="http://schemas.microsoft.com/office/drawing/2014/main" id="{A78938CD-F777-59C9-49FF-1EC87187C2BF}"/>
+                    </a:ext>
+                  </a:extLst>
+                </p:cNvPr>
+                <p:cNvSpPr txBox="1">
+                  <a:spLocks noRot="1" noChangeAspect="1" noMove="1" noResize="1" noEditPoints="1" noAdjustHandles="1" noChangeArrowheads="1" noChangeShapeType="1" noTextEdit="1"/>
+                </p:cNvSpPr>
+                <p:nvPr/>
+              </p:nvSpPr>
+              <p:spPr>
+                <a:xfrm>
+                  <a:off x="974017" y="2353695"/>
+                  <a:ext cx="2747030" cy="369332"/>
+                </a:xfrm>
+                <a:prstGeom prst="rect">
+                  <a:avLst/>
+                </a:prstGeom>
+                <a:blipFill>
+                  <a:blip r:embed="rId4"/>
+                  <a:stretch>
+                    <a:fillRect l="-2000" t="-8197" b="-24590"/>
+                  </a:stretch>
+                </a:blipFill>
+              </p:spPr>
+              <p:txBody>
+                <a:bodyPr/>
+                <a:lstStyle/>
+                <a:p>
+                  <a:r>
+                    <a:rPr lang="pt-BR">
+                      <a:noFill/>
+                    </a:rPr>
+                    <a:t> </a:t>
+                  </a:r>
+                </a:p>
+              </p:txBody>
+            </p:sp>
+          </mc:Fallback>
+        </mc:AlternateContent>
         <p:sp>
           <p:nvSpPr>
             <p:cNvPr id="9" name="CaixaDeTexto 8">
@@ -5832,7 +6135,7 @@
           </p:nvSpPr>
           <p:spPr>
             <a:xfrm>
-              <a:off x="1187759" y="3016241"/>
+              <a:off x="1158048" y="2978475"/>
               <a:ext cx="1071476" cy="276999"/>
             </a:xfrm>
             <a:prstGeom prst="rect">
@@ -5951,7 +6254,7 @@
                   <a:avLst/>
                 </a:prstGeom>
                 <a:blipFill>
-                  <a:blip r:embed="rId3"/>
+                  <a:blip r:embed="rId5"/>
                   <a:stretch>
                     <a:fillRect/>
                   </a:stretch>
@@ -6075,7 +6378,588 @@
                   <a:avLst/>
                 </a:prstGeom>
                 <a:blipFill>
-                  <a:blip r:embed="rId4"/>
+                  <a:blip r:embed="rId6"/>
+                  <a:stretch>
+                    <a:fillRect/>
+                  </a:stretch>
+                </a:blipFill>
+              </p:spPr>
+              <p:txBody>
+                <a:bodyPr/>
+                <a:lstStyle/>
+                <a:p>
+                  <a:r>
+                    <a:rPr lang="pt-BR">
+                      <a:noFill/>
+                    </a:rPr>
+                    <a:t> </a:t>
+                  </a:r>
+                </a:p>
+              </p:txBody>
+            </p:sp>
+          </mc:Fallback>
+        </mc:AlternateContent>
+        <p:cxnSp>
+          <p:nvCxnSpPr>
+            <p:cNvPr id="4" name="Conector de Seta Reta 3">
+              <a:extLst>
+                <a:ext uri="{FF2B5EF4-FFF2-40B4-BE49-F238E27FC236}">
+                  <a16:creationId xmlns:a16="http://schemas.microsoft.com/office/drawing/2014/main" id="{AEECACA4-5B42-A865-92BE-067925FB1366}"/>
+                </a:ext>
+              </a:extLst>
+            </p:cNvPr>
+            <p:cNvCxnSpPr>
+              <a:cxnSpLocks/>
+            </p:cNvCxnSpPr>
+            <p:nvPr/>
+          </p:nvCxnSpPr>
+          <p:spPr>
+            <a:xfrm>
+              <a:off x="1295851" y="3183756"/>
+              <a:ext cx="473505" cy="797660"/>
+            </a:xfrm>
+            <a:prstGeom prst="straightConnector1">
+              <a:avLst/>
+            </a:prstGeom>
+            <a:ln>
+              <a:solidFill>
+                <a:srgbClr val="FF0000"/>
+              </a:solidFill>
+              <a:tailEnd type="triangle"/>
+            </a:ln>
+          </p:spPr>
+          <p:style>
+            <a:lnRef idx="1">
+              <a:schemeClr val="accent1"/>
+            </a:lnRef>
+            <a:fillRef idx="0">
+              <a:schemeClr val="accent1"/>
+            </a:fillRef>
+            <a:effectRef idx="0">
+              <a:schemeClr val="accent1"/>
+            </a:effectRef>
+            <a:fontRef idx="minor">
+              <a:schemeClr val="tx1"/>
+            </a:fontRef>
+          </p:style>
+        </p:cxnSp>
+        <p:sp>
+          <p:nvSpPr>
+            <p:cNvPr id="19" name="Elipse 18">
+              <a:extLst>
+                <a:ext uri="{FF2B5EF4-FFF2-40B4-BE49-F238E27FC236}">
+                  <a16:creationId xmlns:a16="http://schemas.microsoft.com/office/drawing/2014/main" id="{600EFC4B-E5AE-01A3-BA49-9FAC5F7EB269}"/>
+                </a:ext>
+              </a:extLst>
+            </p:cNvPr>
+            <p:cNvSpPr/>
+            <p:nvPr/>
+          </p:nvSpPr>
+          <p:spPr>
+            <a:xfrm>
+              <a:off x="1901608" y="4038530"/>
+              <a:ext cx="42900" cy="42900"/>
+            </a:xfrm>
+            <a:prstGeom prst="ellipse">
+              <a:avLst/>
+            </a:prstGeom>
+            <a:solidFill>
+              <a:schemeClr val="tx1"/>
+            </a:solidFill>
+            <a:ln>
+              <a:solidFill>
+                <a:schemeClr val="tx1"/>
+              </a:solidFill>
+            </a:ln>
+          </p:spPr>
+          <p:style>
+            <a:lnRef idx="2">
+              <a:schemeClr val="accent1">
+                <a:shade val="15000"/>
+              </a:schemeClr>
+            </a:lnRef>
+            <a:fillRef idx="1">
+              <a:schemeClr val="accent1"/>
+            </a:fillRef>
+            <a:effectRef idx="0">
+              <a:schemeClr val="accent1"/>
+            </a:effectRef>
+            <a:fontRef idx="minor">
+              <a:schemeClr val="lt1"/>
+            </a:fontRef>
+          </p:style>
+          <p:txBody>
+            <a:bodyPr rtlCol="0" anchor="ctr"/>
+            <a:lstStyle/>
+            <a:p>
+              <a:pPr algn="ctr"/>
+              <a:endParaRPr lang="pt-BR" dirty="0"/>
+            </a:p>
+          </p:txBody>
+        </p:sp>
+        <p:sp>
+          <p:nvSpPr>
+            <p:cNvPr id="41" name="Forma Livre: Forma 40">
+              <a:extLst>
+                <a:ext uri="{FF2B5EF4-FFF2-40B4-BE49-F238E27FC236}">
+                  <a16:creationId xmlns:a16="http://schemas.microsoft.com/office/drawing/2014/main" id="{530E5751-C05C-E237-ADF7-AC5CE485170E}"/>
+                </a:ext>
+              </a:extLst>
+            </p:cNvPr>
+            <p:cNvSpPr/>
+            <p:nvPr/>
+          </p:nvSpPr>
+          <p:spPr>
+            <a:xfrm>
+              <a:off x="1314106" y="3182704"/>
+              <a:ext cx="603593" cy="862246"/>
+            </a:xfrm>
+            <a:custGeom>
+              <a:avLst/>
+              <a:gdLst>
+                <a:gd name="connsiteX0" fmla="*/ 0 w 609600"/>
+                <a:gd name="connsiteY0" fmla="*/ 0 h 882650"/>
+                <a:gd name="connsiteX1" fmla="*/ 374650 w 609600"/>
+                <a:gd name="connsiteY1" fmla="*/ 273050 h 882650"/>
+                <a:gd name="connsiteX2" fmla="*/ 609600 w 609600"/>
+                <a:gd name="connsiteY2" fmla="*/ 882650 h 882650"/>
+              </a:gdLst>
+              <a:ahLst/>
+              <a:cxnLst>
+                <a:cxn ang="0">
+                  <a:pos x="connsiteX0" y="connsiteY0"/>
+                </a:cxn>
+                <a:cxn ang="0">
+                  <a:pos x="connsiteX1" y="connsiteY1"/>
+                </a:cxn>
+                <a:cxn ang="0">
+                  <a:pos x="connsiteX2" y="connsiteY2"/>
+                </a:cxn>
+              </a:cxnLst>
+              <a:rect l="l" t="t" r="r" b="b"/>
+              <a:pathLst>
+                <a:path w="609600" h="882650">
+                  <a:moveTo>
+                    <a:pt x="0" y="0"/>
+                  </a:moveTo>
+                  <a:cubicBezTo>
+                    <a:pt x="136525" y="62971"/>
+                    <a:pt x="273050" y="125942"/>
+                    <a:pt x="374650" y="273050"/>
+                  </a:cubicBezTo>
+                  <a:cubicBezTo>
+                    <a:pt x="476250" y="420158"/>
+                    <a:pt x="542925" y="651404"/>
+                    <a:pt x="609600" y="882650"/>
+                  </a:cubicBezTo>
+                </a:path>
+              </a:pathLst>
+            </a:custGeom>
+            <a:noFill/>
+            <a:ln w="3175">
+              <a:solidFill>
+                <a:schemeClr val="tx1"/>
+              </a:solidFill>
+              <a:prstDash val="dash"/>
+              <a:headEnd type="none" w="med" len="med"/>
+              <a:tailEnd type="triangle" w="med" len="med"/>
+            </a:ln>
+          </p:spPr>
+          <p:style>
+            <a:lnRef idx="2">
+              <a:schemeClr val="accent1">
+                <a:shade val="15000"/>
+              </a:schemeClr>
+            </a:lnRef>
+            <a:fillRef idx="1">
+              <a:schemeClr val="accent1"/>
+            </a:fillRef>
+            <a:effectRef idx="0">
+              <a:schemeClr val="accent1"/>
+            </a:effectRef>
+            <a:fontRef idx="minor">
+              <a:schemeClr val="lt1"/>
+            </a:fontRef>
+          </p:style>
+          <p:txBody>
+            <a:bodyPr rtlCol="0" anchor="ctr"/>
+            <a:lstStyle/>
+            <a:p>
+              <a:pPr algn="ctr"/>
+              <a:endParaRPr lang="pt-BR" dirty="0"/>
+            </a:p>
+          </p:txBody>
+        </p:sp>
+        <p:sp>
+          <p:nvSpPr>
+            <p:cNvPr id="42" name="CaixaDeTexto 41">
+              <a:extLst>
+                <a:ext uri="{FF2B5EF4-FFF2-40B4-BE49-F238E27FC236}">
+                  <a16:creationId xmlns:a16="http://schemas.microsoft.com/office/drawing/2014/main" id="{37EAAC62-22C5-6028-EB17-5E7D7A0FA774}"/>
+                </a:ext>
+              </a:extLst>
+            </p:cNvPr>
+            <p:cNvSpPr txBox="1"/>
+            <p:nvPr/>
+          </p:nvSpPr>
+          <p:spPr>
+            <a:xfrm>
+              <a:off x="1897730" y="3887618"/>
+              <a:ext cx="1071476" cy="276999"/>
+            </a:xfrm>
+            <a:prstGeom prst="rect">
+              <a:avLst/>
+            </a:prstGeom>
+            <a:noFill/>
+          </p:spPr>
+          <p:txBody>
+            <a:bodyPr wrap="square" rtlCol="0">
+              <a:spAutoFit/>
+            </a:bodyPr>
+            <a:lstStyle/>
+            <a:p>
+              <a:r>
+                <a:rPr lang="pt-BR" sz="1200" dirty="0"/>
+                <a:t>Novo ponto</a:t>
+              </a:r>
+            </a:p>
+          </p:txBody>
+        </p:sp>
+        <mc:AlternateContent xmlns:mc="http://schemas.openxmlformats.org/markup-compatibility/2006">
+          <mc:Choice xmlns:a14="http://schemas.microsoft.com/office/drawing/2010/main" Requires="a14">
+            <p:sp>
+              <p:nvSpPr>
+                <p:cNvPr id="44" name="CaixaDeTexto 43">
+                  <a:extLst>
+                    <a:ext uri="{FF2B5EF4-FFF2-40B4-BE49-F238E27FC236}">
+                      <a16:creationId xmlns:a16="http://schemas.microsoft.com/office/drawing/2014/main" id="{0B96B558-FD3C-575E-D9A1-D3E273AF2DEB}"/>
+                    </a:ext>
+                  </a:extLst>
+                </p:cNvPr>
+                <p:cNvSpPr txBox="1"/>
+                <p:nvPr/>
+              </p:nvSpPr>
+              <p:spPr>
+                <a:xfrm>
+                  <a:off x="1686947" y="3303430"/>
+                  <a:ext cx="756505" cy="444032"/>
+                </a:xfrm>
+                <a:prstGeom prst="rect">
+                  <a:avLst/>
+                </a:prstGeom>
+                <a:noFill/>
+              </p:spPr>
+              <p:txBody>
+                <a:bodyPr wrap="square">
+                  <a:spAutoFit/>
+                </a:bodyPr>
+                <a:lstStyle/>
+                <a:p>
+                  <a:pPr/>
+                  <a14:m>
+                    <m:oMathPara xmlns:m="http://schemas.openxmlformats.org/officeDocument/2006/math">
+                      <m:oMathParaPr>
+                        <m:jc m:val="centerGroup"/>
+                      </m:oMathParaPr>
+                      <m:oMath xmlns:m="http://schemas.openxmlformats.org/officeDocument/2006/math">
+                        <m:r>
+                          <a:rPr lang="pt-BR" sz="1200" i="1" dirty="0" smtClean="0">
+                            <a:latin typeface="Cambria Math" panose="02040503050406030204" pitchFamily="18" charset="0"/>
+                            <a:ea typeface="Cambria Math" panose="02040503050406030204" pitchFamily="18" charset="0"/>
+                          </a:rPr>
+                          <m:t>𝛼</m:t>
+                        </m:r>
+                        <m:f>
+                          <m:fPr>
+                            <m:ctrlPr>
+                              <a:rPr lang="pt-BR" sz="1200" i="1" dirty="0" smtClean="0">
+                                <a:latin typeface="Cambria Math" panose="02040503050406030204" pitchFamily="18" charset="0"/>
+                              </a:rPr>
+                            </m:ctrlPr>
+                          </m:fPr>
+                          <m:num>
+                            <m:r>
+                              <a:rPr lang="pt-BR" sz="1200" i="1" dirty="0" smtClean="0">
+                                <a:latin typeface="Cambria Math" panose="02040503050406030204" pitchFamily="18" charset="0"/>
+                              </a:rPr>
+                              <m:t>𝜕</m:t>
+                            </m:r>
+                            <m:sSub>
+                              <m:sSubPr>
+                                <m:ctrlPr>
+                                  <a:rPr lang="pt-BR" sz="1200" i="1">
+                                    <a:latin typeface="Cambria Math" panose="02040503050406030204" pitchFamily="18" charset="0"/>
+                                  </a:rPr>
+                                </m:ctrlPr>
+                              </m:sSubPr>
+                              <m:e>
+                                <m:r>
+                                  <a:rPr lang="pt-BR" sz="1200" i="1">
+                                    <a:latin typeface="Cambria Math" panose="02040503050406030204" pitchFamily="18" charset="0"/>
+                                  </a:rPr>
+                                  <m:t>𝐽</m:t>
+                                </m:r>
+                              </m:e>
+                              <m:sub>
+                                <m:r>
+                                  <a:rPr lang="pt-BR" sz="1200" i="1">
+                                    <a:latin typeface="Cambria Math" panose="02040503050406030204" pitchFamily="18" charset="0"/>
+                                  </a:rPr>
+                                  <m:t>𝑒</m:t>
+                                </m:r>
+                              </m:sub>
+                            </m:sSub>
+                            <m:r>
+                              <a:rPr lang="pt-BR" sz="1200" i="1">
+                                <a:latin typeface="Cambria Math" panose="02040503050406030204" pitchFamily="18" charset="0"/>
+                              </a:rPr>
+                              <m:t>(</m:t>
+                            </m:r>
+                            <m:sSub>
+                              <m:sSubPr>
+                                <m:ctrlPr>
+                                  <a:rPr lang="pt-BR" sz="1200" i="1">
+                                    <a:latin typeface="Cambria Math" panose="02040503050406030204" pitchFamily="18" charset="0"/>
+                                  </a:rPr>
+                                </m:ctrlPr>
+                              </m:sSubPr>
+                              <m:e>
+                                <m:r>
+                                  <a:rPr lang="pt-BR" sz="1200" i="1">
+                                    <a:latin typeface="Cambria Math" panose="02040503050406030204" pitchFamily="18" charset="0"/>
+                                  </a:rPr>
+                                  <m:t>𝑎</m:t>
+                                </m:r>
+                              </m:e>
+                              <m:sub>
+                                <m:r>
+                                  <m:rPr>
+                                    <m:sty m:val="p"/>
+                                  </m:rPr>
+                                  <a:rPr lang="pt-BR" sz="1200">
+                                    <a:latin typeface="Cambria Math" panose="02040503050406030204" pitchFamily="18" charset="0"/>
+                                  </a:rPr>
+                                  <m:t>inicial</m:t>
+                                </m:r>
+                              </m:sub>
+                            </m:sSub>
+                            <m:r>
+                              <a:rPr lang="pt-BR" sz="1200" i="1">
+                                <a:latin typeface="Cambria Math" panose="02040503050406030204" pitchFamily="18" charset="0"/>
+                              </a:rPr>
+                              <m:t>)</m:t>
+                            </m:r>
+                          </m:num>
+                          <m:den>
+                            <m:r>
+                              <a:rPr lang="pt-BR" sz="1200" i="1" dirty="0" smtClean="0">
+                                <a:latin typeface="Cambria Math" panose="02040503050406030204" pitchFamily="18" charset="0"/>
+                              </a:rPr>
+                              <m:t>𝜕</m:t>
+                            </m:r>
+                            <m:r>
+                              <a:rPr lang="pt-BR" sz="1200" b="0" i="1" dirty="0" smtClean="0">
+                                <a:latin typeface="Cambria Math" panose="02040503050406030204" pitchFamily="18" charset="0"/>
+                              </a:rPr>
+                              <m:t>𝑎</m:t>
+                            </m:r>
+                          </m:den>
+                        </m:f>
+                      </m:oMath>
+                    </m:oMathPara>
+                  </a14:m>
+                  <a:endParaRPr lang="pt-BR" sz="1200" dirty="0"/>
+                </a:p>
+              </p:txBody>
+            </p:sp>
+          </mc:Choice>
+          <mc:Fallback>
+            <p:sp>
+              <p:nvSpPr>
+                <p:cNvPr id="44" name="CaixaDeTexto 43">
+                  <a:extLst>
+                    <a:ext uri="{FF2B5EF4-FFF2-40B4-BE49-F238E27FC236}">
+                      <a16:creationId xmlns:a16="http://schemas.microsoft.com/office/drawing/2014/main" id="{0B96B558-FD3C-575E-D9A1-D3E273AF2DEB}"/>
+                    </a:ext>
+                  </a:extLst>
+                </p:cNvPr>
+                <p:cNvSpPr txBox="1">
+                  <a:spLocks noRot="1" noChangeAspect="1" noMove="1" noResize="1" noEditPoints="1" noAdjustHandles="1" noChangeArrowheads="1" noChangeShapeType="1" noTextEdit="1"/>
+                </p:cNvSpPr>
+                <p:nvPr/>
+              </p:nvSpPr>
+              <p:spPr>
+                <a:xfrm>
+                  <a:off x="1686947" y="3303430"/>
+                  <a:ext cx="756505" cy="444032"/>
+                </a:xfrm>
+                <a:prstGeom prst="rect">
+                  <a:avLst/>
+                </a:prstGeom>
+                <a:blipFill>
+                  <a:blip r:embed="rId7"/>
+                  <a:stretch>
+                    <a:fillRect r="-37903" b="-1370"/>
+                  </a:stretch>
+                </a:blipFill>
+              </p:spPr>
+              <p:txBody>
+                <a:bodyPr/>
+                <a:lstStyle/>
+                <a:p>
+                  <a:r>
+                    <a:rPr lang="pt-BR">
+                      <a:noFill/>
+                    </a:rPr>
+                    <a:t> </a:t>
+                  </a:r>
+                </a:p>
+              </p:txBody>
+            </p:sp>
+          </mc:Fallback>
+        </mc:AlternateContent>
+        <p:cxnSp>
+          <p:nvCxnSpPr>
+            <p:cNvPr id="45" name="Conector reto 44">
+              <a:extLst>
+                <a:ext uri="{FF2B5EF4-FFF2-40B4-BE49-F238E27FC236}">
+                  <a16:creationId xmlns:a16="http://schemas.microsoft.com/office/drawing/2014/main" id="{2C59751E-36DB-0194-586B-E3ADFD5E2F3E}"/>
+                </a:ext>
+              </a:extLst>
+            </p:cNvPr>
+            <p:cNvCxnSpPr>
+              <a:cxnSpLocks/>
+            </p:cNvCxnSpPr>
+            <p:nvPr/>
+          </p:nvCxnSpPr>
+          <p:spPr>
+            <a:xfrm>
+              <a:off x="1924842" y="4071908"/>
+              <a:ext cx="0" cy="828000"/>
+            </a:xfrm>
+            <a:prstGeom prst="line">
+              <a:avLst/>
+            </a:prstGeom>
+            <a:ln>
+              <a:solidFill>
+                <a:schemeClr val="tx1"/>
+              </a:solidFill>
+              <a:prstDash val="dash"/>
+            </a:ln>
+          </p:spPr>
+          <p:style>
+            <a:lnRef idx="1">
+              <a:schemeClr val="accent1"/>
+            </a:lnRef>
+            <a:fillRef idx="0">
+              <a:schemeClr val="accent1"/>
+            </a:fillRef>
+            <a:effectRef idx="0">
+              <a:schemeClr val="accent1"/>
+            </a:effectRef>
+            <a:fontRef idx="minor">
+              <a:schemeClr val="tx1"/>
+            </a:fontRef>
+          </p:style>
+        </p:cxnSp>
+        <mc:AlternateContent xmlns:mc="http://schemas.openxmlformats.org/markup-compatibility/2006">
+          <mc:Choice xmlns:a14="http://schemas.microsoft.com/office/drawing/2010/main" Requires="a14">
+            <p:sp>
+              <p:nvSpPr>
+                <p:cNvPr id="46" name="CaixaDeTexto 45">
+                  <a:extLst>
+                    <a:ext uri="{FF2B5EF4-FFF2-40B4-BE49-F238E27FC236}">
+                      <a16:creationId xmlns:a16="http://schemas.microsoft.com/office/drawing/2014/main" id="{ACD660F6-9366-FE86-1D50-0AFB812C300C}"/>
+                    </a:ext>
+                  </a:extLst>
+                </p:cNvPr>
+                <p:cNvSpPr txBox="1"/>
+                <p:nvPr/>
+              </p:nvSpPr>
+              <p:spPr>
+                <a:xfrm>
+                  <a:off x="1703016" y="4879029"/>
+                  <a:ext cx="867941" cy="307777"/>
+                </a:xfrm>
+                <a:prstGeom prst="rect">
+                  <a:avLst/>
+                </a:prstGeom>
+                <a:noFill/>
+              </p:spPr>
+              <p:txBody>
+                <a:bodyPr wrap="square" rtlCol="0">
+                  <a:spAutoFit/>
+                </a:bodyPr>
+                <a:lstStyle/>
+                <a:p>
+                  <a:pPr algn="ctr"/>
+                  <a14:m>
+                    <m:oMathPara xmlns:m="http://schemas.openxmlformats.org/officeDocument/2006/math">
+                      <m:oMathParaPr>
+                        <m:jc m:val="centerGroup"/>
+                      </m:oMathParaPr>
+                      <m:oMath xmlns:m="http://schemas.openxmlformats.org/officeDocument/2006/math">
+                        <m:sSub>
+                          <m:sSubPr>
+                            <m:ctrlPr>
+                              <a:rPr lang="pt-BR" sz="1400" i="1" smtClean="0">
+                                <a:latin typeface="Cambria Math" panose="02040503050406030204" pitchFamily="18" charset="0"/>
+                              </a:rPr>
+                            </m:ctrlPr>
+                          </m:sSubPr>
+                          <m:e>
+                            <m:r>
+                              <a:rPr lang="pt-BR" sz="1400" b="0" i="1" smtClean="0">
+                                <a:latin typeface="Cambria Math" panose="02040503050406030204" pitchFamily="18" charset="0"/>
+                              </a:rPr>
+                              <m:t>𝑎</m:t>
+                            </m:r>
+                          </m:e>
+                          <m:sub>
+                            <m:r>
+                              <m:rPr>
+                                <m:sty m:val="p"/>
+                              </m:rPr>
+                              <a:rPr lang="pt-BR" sz="1400" b="0" i="0" smtClean="0">
+                                <a:latin typeface="Cambria Math" panose="02040503050406030204" pitchFamily="18" charset="0"/>
+                              </a:rPr>
+                              <m:t>novo</m:t>
+                            </m:r>
+                          </m:sub>
+                        </m:sSub>
+                      </m:oMath>
+                    </m:oMathPara>
+                  </a14:m>
+                  <a:endParaRPr lang="pt-BR" sz="1400" dirty="0"/>
+                </a:p>
+              </p:txBody>
+            </p:sp>
+          </mc:Choice>
+          <mc:Fallback>
+            <p:sp>
+              <p:nvSpPr>
+                <p:cNvPr id="46" name="CaixaDeTexto 45">
+                  <a:extLst>
+                    <a:ext uri="{FF2B5EF4-FFF2-40B4-BE49-F238E27FC236}">
+                      <a16:creationId xmlns:a16="http://schemas.microsoft.com/office/drawing/2014/main" id="{ACD660F6-9366-FE86-1D50-0AFB812C300C}"/>
+                    </a:ext>
+                  </a:extLst>
+                </p:cNvPr>
+                <p:cNvSpPr txBox="1">
+                  <a:spLocks noRot="1" noChangeAspect="1" noMove="1" noResize="1" noEditPoints="1" noAdjustHandles="1" noChangeArrowheads="1" noChangeShapeType="1" noTextEdit="1"/>
+                </p:cNvSpPr>
+                <p:nvPr/>
+              </p:nvSpPr>
+              <p:spPr>
+                <a:xfrm>
+                  <a:off x="1703016" y="4879029"/>
+                  <a:ext cx="867941" cy="307777"/>
+                </a:xfrm>
+                <a:prstGeom prst="rect">
+                  <a:avLst/>
+                </a:prstGeom>
+                <a:blipFill>
+                  <a:blip r:embed="rId8"/>
                   <a:stretch>
                     <a:fillRect/>
                   </a:stretch>
@@ -6097,12 +6981,308 @@
           </mc:Fallback>
         </mc:AlternateContent>
       </p:grpSp>
+      <mc:AlternateContent xmlns:mc="http://schemas.openxmlformats.org/markup-compatibility/2006">
+        <mc:Choice xmlns:a14="http://schemas.microsoft.com/office/drawing/2010/main" Requires="a14">
+          <p:sp>
+            <p:nvSpPr>
+              <p:cNvPr id="47" name="CaixaDeTexto 46">
+                <a:extLst>
+                  <a:ext uri="{FF2B5EF4-FFF2-40B4-BE49-F238E27FC236}">
+                    <a16:creationId xmlns:a16="http://schemas.microsoft.com/office/drawing/2014/main" id="{A5146C3E-B0FA-B680-38D2-A628801FD84D}"/>
+                  </a:ext>
+                </a:extLst>
+              </p:cNvPr>
+              <p:cNvSpPr txBox="1"/>
+              <p:nvPr/>
+            </p:nvSpPr>
+            <p:spPr>
+              <a:xfrm>
+                <a:off x="955480" y="5704354"/>
+                <a:ext cx="3662982" cy="678584"/>
+              </a:xfrm>
+              <a:prstGeom prst="rect">
+                <a:avLst/>
+              </a:prstGeom>
+              <a:noFill/>
+            </p:spPr>
+            <p:txBody>
+              <a:bodyPr wrap="square" rtlCol="0">
+                <a:spAutoFit/>
+              </a:bodyPr>
+              <a:lstStyle/>
+              <a:p>
+                <a:pPr algn="ctr"/>
+                <a14:m>
+                  <m:oMathPara xmlns:m="http://schemas.openxmlformats.org/officeDocument/2006/math">
+                    <m:oMathParaPr>
+                      <m:jc m:val="centerGroup"/>
+                    </m:oMathParaPr>
+                    <m:oMath xmlns:m="http://schemas.openxmlformats.org/officeDocument/2006/math">
+                      <m:sSub>
+                        <m:sSubPr>
+                          <m:ctrlPr>
+                            <a:rPr lang="pt-BR" sz="2000" i="1" smtClean="0">
+                              <a:latin typeface="Cambria Math" panose="02040503050406030204" pitchFamily="18" charset="0"/>
+                            </a:rPr>
+                          </m:ctrlPr>
+                        </m:sSubPr>
+                        <m:e>
+                          <m:r>
+                            <a:rPr lang="pt-BR" sz="2000" b="0" i="1" smtClean="0">
+                              <a:latin typeface="Cambria Math" panose="02040503050406030204" pitchFamily="18" charset="0"/>
+                            </a:rPr>
+                            <m:t>𝑎</m:t>
+                          </m:r>
+                        </m:e>
+                        <m:sub>
+                          <m:r>
+                            <m:rPr>
+                              <m:sty m:val="p"/>
+                            </m:rPr>
+                            <a:rPr lang="pt-BR" sz="2000" b="0" i="0" smtClean="0">
+                              <a:latin typeface="Cambria Math" panose="02040503050406030204" pitchFamily="18" charset="0"/>
+                            </a:rPr>
+                            <m:t>novo</m:t>
+                          </m:r>
+                        </m:sub>
+                      </m:sSub>
+                      <m:r>
+                        <a:rPr lang="pt-BR" sz="2000" b="0" i="0" smtClean="0">
+                          <a:latin typeface="Cambria Math" panose="02040503050406030204" pitchFamily="18" charset="0"/>
+                        </a:rPr>
+                        <m:t>=</m:t>
+                      </m:r>
+                      <m:sSub>
+                        <m:sSubPr>
+                          <m:ctrlPr>
+                            <a:rPr lang="pt-BR" sz="2000" i="1">
+                              <a:latin typeface="Cambria Math" panose="02040503050406030204" pitchFamily="18" charset="0"/>
+                            </a:rPr>
+                          </m:ctrlPr>
+                        </m:sSubPr>
+                        <m:e>
+                          <m:r>
+                            <a:rPr lang="pt-BR" sz="2000" i="1">
+                              <a:latin typeface="Cambria Math" panose="02040503050406030204" pitchFamily="18" charset="0"/>
+                            </a:rPr>
+                            <m:t>𝑎</m:t>
+                          </m:r>
+                        </m:e>
+                        <m:sub>
+                          <m:r>
+                            <m:rPr>
+                              <m:sty m:val="p"/>
+                            </m:rPr>
+                            <a:rPr lang="pt-BR" sz="2000">
+                              <a:latin typeface="Cambria Math" panose="02040503050406030204" pitchFamily="18" charset="0"/>
+                            </a:rPr>
+                            <m:t>inicial</m:t>
+                          </m:r>
+                        </m:sub>
+                      </m:sSub>
+                      <m:r>
+                        <a:rPr lang="pt-BR" sz="2000" b="0" i="0" smtClean="0">
+                          <a:latin typeface="Cambria Math" panose="02040503050406030204" pitchFamily="18" charset="0"/>
+                        </a:rPr>
+                        <m:t>−</m:t>
+                      </m:r>
+                      <m:r>
+                        <a:rPr lang="pt-BR" sz="2000" i="1" dirty="0">
+                          <a:latin typeface="Cambria Math" panose="02040503050406030204" pitchFamily="18" charset="0"/>
+                          <a:ea typeface="Cambria Math" panose="02040503050406030204" pitchFamily="18" charset="0"/>
+                        </a:rPr>
+                        <m:t>𝛼</m:t>
+                      </m:r>
+                      <m:f>
+                        <m:fPr>
+                          <m:ctrlPr>
+                            <a:rPr lang="pt-BR" sz="2000" i="1" dirty="0">
+                              <a:latin typeface="Cambria Math" panose="02040503050406030204" pitchFamily="18" charset="0"/>
+                            </a:rPr>
+                          </m:ctrlPr>
+                        </m:fPr>
+                        <m:num>
+                          <m:r>
+                            <a:rPr lang="pt-BR" sz="2000" i="1" dirty="0">
+                              <a:latin typeface="Cambria Math" panose="02040503050406030204" pitchFamily="18" charset="0"/>
+                            </a:rPr>
+                            <m:t>𝜕</m:t>
+                          </m:r>
+                          <m:sSub>
+                            <m:sSubPr>
+                              <m:ctrlPr>
+                                <a:rPr lang="pt-BR" sz="2000" i="1">
+                                  <a:latin typeface="Cambria Math" panose="02040503050406030204" pitchFamily="18" charset="0"/>
+                                </a:rPr>
+                              </m:ctrlPr>
+                            </m:sSubPr>
+                            <m:e>
+                              <m:r>
+                                <a:rPr lang="pt-BR" sz="2000" i="1">
+                                  <a:latin typeface="Cambria Math" panose="02040503050406030204" pitchFamily="18" charset="0"/>
+                                </a:rPr>
+                                <m:t>𝐽</m:t>
+                              </m:r>
+                            </m:e>
+                            <m:sub>
+                              <m:r>
+                                <a:rPr lang="pt-BR" sz="2000" i="1">
+                                  <a:latin typeface="Cambria Math" panose="02040503050406030204" pitchFamily="18" charset="0"/>
+                                </a:rPr>
+                                <m:t>𝑒</m:t>
+                              </m:r>
+                            </m:sub>
+                          </m:sSub>
+                          <m:r>
+                            <a:rPr lang="pt-BR" sz="2000" i="1">
+                              <a:latin typeface="Cambria Math" panose="02040503050406030204" pitchFamily="18" charset="0"/>
+                            </a:rPr>
+                            <m:t>(</m:t>
+                          </m:r>
+                          <m:sSub>
+                            <m:sSubPr>
+                              <m:ctrlPr>
+                                <a:rPr lang="pt-BR" sz="2000" i="1">
+                                  <a:latin typeface="Cambria Math" panose="02040503050406030204" pitchFamily="18" charset="0"/>
+                                </a:rPr>
+                              </m:ctrlPr>
+                            </m:sSubPr>
+                            <m:e>
+                              <m:r>
+                                <a:rPr lang="pt-BR" sz="2000" i="1">
+                                  <a:latin typeface="Cambria Math" panose="02040503050406030204" pitchFamily="18" charset="0"/>
+                                </a:rPr>
+                                <m:t>𝑎</m:t>
+                              </m:r>
+                            </m:e>
+                            <m:sub>
+                              <m:r>
+                                <m:rPr>
+                                  <m:sty m:val="p"/>
+                                </m:rPr>
+                                <a:rPr lang="pt-BR" sz="2000">
+                                  <a:latin typeface="Cambria Math" panose="02040503050406030204" pitchFamily="18" charset="0"/>
+                                </a:rPr>
+                                <m:t>inicial</m:t>
+                              </m:r>
+                            </m:sub>
+                          </m:sSub>
+                          <m:r>
+                            <a:rPr lang="pt-BR" sz="2000" i="1">
+                              <a:latin typeface="Cambria Math" panose="02040503050406030204" pitchFamily="18" charset="0"/>
+                            </a:rPr>
+                            <m:t>)</m:t>
+                          </m:r>
+                        </m:num>
+                        <m:den>
+                          <m:r>
+                            <a:rPr lang="pt-BR" sz="2000" i="1" dirty="0">
+                              <a:latin typeface="Cambria Math" panose="02040503050406030204" pitchFamily="18" charset="0"/>
+                            </a:rPr>
+                            <m:t>𝜕</m:t>
+                          </m:r>
+                          <m:r>
+                            <a:rPr lang="pt-BR" sz="2000" i="1" dirty="0">
+                              <a:latin typeface="Cambria Math" panose="02040503050406030204" pitchFamily="18" charset="0"/>
+                            </a:rPr>
+                            <m:t>𝑎</m:t>
+                          </m:r>
+                        </m:den>
+                      </m:f>
+                    </m:oMath>
+                  </m:oMathPara>
+                </a14:m>
+                <a:endParaRPr lang="pt-BR" sz="2000" dirty="0"/>
+              </a:p>
+            </p:txBody>
+          </p:sp>
+        </mc:Choice>
+        <mc:Fallback>
+          <p:sp>
+            <p:nvSpPr>
+              <p:cNvPr id="47" name="CaixaDeTexto 46">
+                <a:extLst>
+                  <a:ext uri="{FF2B5EF4-FFF2-40B4-BE49-F238E27FC236}">
+                    <a16:creationId xmlns:a16="http://schemas.microsoft.com/office/drawing/2014/main" id="{A5146C3E-B0FA-B680-38D2-A628801FD84D}"/>
+                  </a:ext>
+                </a:extLst>
+              </p:cNvPr>
+              <p:cNvSpPr txBox="1">
+                <a:spLocks noRot="1" noChangeAspect="1" noMove="1" noResize="1" noEditPoints="1" noAdjustHandles="1" noChangeArrowheads="1" noChangeShapeType="1" noTextEdit="1"/>
+              </p:cNvSpPr>
+              <p:nvPr/>
+            </p:nvSpPr>
+            <p:spPr>
+              <a:xfrm>
+                <a:off x="955480" y="5704354"/>
+                <a:ext cx="3662982" cy="678584"/>
+              </a:xfrm>
+              <a:prstGeom prst="rect">
+                <a:avLst/>
+              </a:prstGeom>
+              <a:blipFill>
+                <a:blip r:embed="rId9"/>
+                <a:stretch>
+                  <a:fillRect/>
+                </a:stretch>
+              </a:blipFill>
+            </p:spPr>
+            <p:txBody>
+              <a:bodyPr/>
+              <a:lstStyle/>
+              <a:p>
+                <a:r>
+                  <a:rPr lang="pt-BR">
+                    <a:noFill/>
+                  </a:rPr>
+                  <a:t> </a:t>
+                </a:r>
+              </a:p>
+            </p:txBody>
+          </p:sp>
+        </mc:Fallback>
+      </mc:AlternateContent>
+      <p:sp>
+        <p:nvSpPr>
+          <p:cNvPr id="48" name="CaixaDeTexto 47">
+            <a:extLst>
+              <a:ext uri="{FF2B5EF4-FFF2-40B4-BE49-F238E27FC236}">
+                <a16:creationId xmlns:a16="http://schemas.microsoft.com/office/drawing/2014/main" id="{01C22BBB-35EB-E308-FDB7-BCA9B063B091}"/>
+              </a:ext>
+            </a:extLst>
+          </p:cNvPr>
+          <p:cNvSpPr txBox="1"/>
+          <p:nvPr/>
+        </p:nvSpPr>
+        <p:spPr>
+          <a:xfrm>
+            <a:off x="2851197" y="6545877"/>
+            <a:ext cx="2898196" cy="276999"/>
+          </a:xfrm>
+          <a:prstGeom prst="rect">
+            <a:avLst/>
+          </a:prstGeom>
+          <a:noFill/>
+        </p:spPr>
+        <p:txBody>
+          <a:bodyPr wrap="square" rtlCol="0">
+            <a:spAutoFit/>
+          </a:bodyPr>
+          <a:lstStyle/>
+          <a:p>
+            <a:r>
+              <a:rPr lang="pt-BR" sz="1200" dirty="0"/>
+              <a:t>sentido aposto ao apontado pelo gradiente</a:t>
+            </a:r>
+          </a:p>
+        </p:txBody>
+      </p:sp>
       <p:cxnSp>
         <p:nvCxnSpPr>
-          <p:cNvPr id="4" name="Conector de Seta Reta 3">
+          <p:cNvPr id="50" name="Conector de Seta Reta 49">
             <a:extLst>
               <a:ext uri="{FF2B5EF4-FFF2-40B4-BE49-F238E27FC236}">
-                <a16:creationId xmlns:a16="http://schemas.microsoft.com/office/drawing/2014/main" id="{AEECACA4-5B42-A865-92BE-067925FB1366}"/>
+                <a16:creationId xmlns:a16="http://schemas.microsoft.com/office/drawing/2014/main" id="{A6DFF2D4-9482-CE1A-10F2-E2E0D4FD3158}"/>
               </a:ext>
             </a:extLst>
           </p:cNvPr>
@@ -6113,8 +7293,8 @@
         </p:nvCxnSpPr>
         <p:spPr>
           <a:xfrm>
-            <a:off x="1295851" y="3183756"/>
-            <a:ext cx="473505" cy="797660"/>
+            <a:off x="2879776" y="6168939"/>
+            <a:ext cx="89430" cy="345015"/>
           </a:xfrm>
           <a:prstGeom prst="straightConnector1">
             <a:avLst/>
@@ -6141,12 +7321,1975 @@
           </a:fontRef>
         </p:style>
       </p:cxnSp>
+    </p:spTree>
+    <p:extLst>
+      <p:ext uri="{BB962C8B-B14F-4D97-AF65-F5344CB8AC3E}">
+        <p14:creationId xmlns:p14="http://schemas.microsoft.com/office/powerpoint/2010/main" val="722517141"/>
+      </p:ext>
+    </p:extLst>
+  </p:cSld>
+  <p:clrMapOvr>
+    <a:masterClrMapping/>
+  </p:clrMapOvr>
+</p:sld>
+</file>
+
+<file path=ppt/slides/slide11.xml><?xml version="1.0" encoding="utf-8"?>
+<p:sld xmlns:a="http://schemas.openxmlformats.org/drawingml/2006/main" xmlns:r="http://schemas.openxmlformats.org/officeDocument/2006/relationships" xmlns:p="http://schemas.openxmlformats.org/presentationml/2006/main">
+  <p:cSld>
+    <p:spTree>
+      <p:nvGrpSpPr>
+        <p:cNvPr id="1" name=""/>
+        <p:cNvGrpSpPr/>
+        <p:nvPr/>
+      </p:nvGrpSpPr>
+      <p:grpSpPr>
+        <a:xfrm>
+          <a:off x="0" y="0"/>
+          <a:ext cx="0" cy="0"/>
+          <a:chOff x="0" y="0"/>
+          <a:chExt cx="0" cy="0"/>
+        </a:xfrm>
+      </p:grpSpPr>
+      <p:sp>
+        <p:nvSpPr>
+          <p:cNvPr id="2" name="Título 1">
+            <a:extLst>
+              <a:ext uri="{FF2B5EF4-FFF2-40B4-BE49-F238E27FC236}">
+                <a16:creationId xmlns:a16="http://schemas.microsoft.com/office/drawing/2014/main" id="{FDCC3C31-4EA2-B4A2-431F-BF22FBB8A7BA}"/>
+              </a:ext>
+            </a:extLst>
+          </p:cNvPr>
+          <p:cNvSpPr>
+            <a:spLocks noGrp="1"/>
+          </p:cNvSpPr>
+          <p:nvPr>
+            <p:ph type="title"/>
+          </p:nvPr>
+        </p:nvSpPr>
+        <p:spPr/>
+        <p:txBody>
+          <a:bodyPr/>
+          <a:lstStyle/>
+          <a:p>
+            <a:r>
+              <a:rPr lang="pt-BR" dirty="0"/>
+              <a:t>Otimização iterativa</a:t>
+            </a:r>
+          </a:p>
+        </p:txBody>
+      </p:sp>
+      <p:sp>
+        <p:nvSpPr>
+          <p:cNvPr id="3" name="Espaço Reservado para Conteúdo 2">
+            <a:extLst>
+              <a:ext uri="{FF2B5EF4-FFF2-40B4-BE49-F238E27FC236}">
+                <a16:creationId xmlns:a16="http://schemas.microsoft.com/office/drawing/2014/main" id="{F09EA0C7-E094-F158-6A1A-B80733321450}"/>
+              </a:ext>
+            </a:extLst>
+          </p:cNvPr>
+          <p:cNvSpPr>
+            <a:spLocks noGrp="1"/>
+          </p:cNvSpPr>
+          <p:nvPr>
+            <p:ph idx="1"/>
+          </p:nvPr>
+        </p:nvSpPr>
+        <p:spPr>
+          <a:xfrm>
+            <a:off x="6181728" y="1825624"/>
+            <a:ext cx="5818488" cy="5032376"/>
+          </a:xfrm>
+        </p:spPr>
+        <p:txBody>
+          <a:bodyPr>
+            <a:normAutofit lnSpcReduction="10000"/>
+          </a:bodyPr>
+          <a:lstStyle/>
+          <a:p>
+            <a:r>
+              <a:rPr lang="pt-BR" dirty="0"/>
+              <a:t>Portanto, dada a direção do gradiente e um passo de aprendizagem, agora podemos </a:t>
+            </a:r>
+            <a:r>
+              <a:rPr lang="pt-BR" b="1" i="1" dirty="0"/>
+              <a:t>iterativamente</a:t>
+            </a:r>
+            <a:r>
+              <a:rPr lang="pt-BR" dirty="0"/>
+              <a:t> dar passos em direção ao ponto de mínimo.</a:t>
+            </a:r>
+          </a:p>
+          <a:p>
+            <a:r>
+              <a:rPr lang="pt-BR" dirty="0"/>
+              <a:t>Calculamos o gradiente em um ponto inicial, atualizamos os pesos com uma fração do gradiente e calculamos o gradiente no novo ponto.</a:t>
+            </a:r>
+          </a:p>
+          <a:p>
+            <a:r>
+              <a:rPr lang="pt-BR" dirty="0"/>
+              <a:t>Repetimos até que a inclinação da reta tangente ao ponto se torne igual a 0.</a:t>
+            </a:r>
+          </a:p>
+          <a:p>
+            <a:pPr lvl="1"/>
+            <a:endParaRPr lang="pt-BR" dirty="0"/>
+          </a:p>
+        </p:txBody>
+      </p:sp>
+      <p:grpSp>
+        <p:nvGrpSpPr>
+          <p:cNvPr id="16" name="Agrupar 15">
+            <a:extLst>
+              <a:ext uri="{FF2B5EF4-FFF2-40B4-BE49-F238E27FC236}">
+                <a16:creationId xmlns:a16="http://schemas.microsoft.com/office/drawing/2014/main" id="{BC27F250-00D2-02E2-BA5C-F825D68F865C}"/>
+              </a:ext>
+            </a:extLst>
+          </p:cNvPr>
+          <p:cNvGrpSpPr/>
+          <p:nvPr/>
+        </p:nvGrpSpPr>
+        <p:grpSpPr>
+          <a:xfrm>
+            <a:off x="973059" y="2353695"/>
+            <a:ext cx="3963570" cy="2939416"/>
+            <a:chOff x="973059" y="2353695"/>
+            <a:chExt cx="3963570" cy="2939416"/>
+          </a:xfrm>
+        </p:grpSpPr>
+        <p:sp>
+          <p:nvSpPr>
+            <p:cNvPr id="18" name="Forma Livre: Forma 17">
+              <a:extLst>
+                <a:ext uri="{FF2B5EF4-FFF2-40B4-BE49-F238E27FC236}">
+                  <a16:creationId xmlns:a16="http://schemas.microsoft.com/office/drawing/2014/main" id="{6C28BCEA-AC0E-ACCA-1D14-5089AF236AFF}"/>
+                </a:ext>
+              </a:extLst>
+            </p:cNvPr>
+            <p:cNvSpPr/>
+            <p:nvPr/>
+          </p:nvSpPr>
+          <p:spPr>
+            <a:xfrm>
+              <a:off x="1190625" y="2990850"/>
+              <a:ext cx="3429000" cy="1752634"/>
+            </a:xfrm>
+            <a:custGeom>
+              <a:avLst/>
+              <a:gdLst>
+                <a:gd name="connsiteX0" fmla="*/ 0 w 3429000"/>
+                <a:gd name="connsiteY0" fmla="*/ 38100 h 1752634"/>
+                <a:gd name="connsiteX1" fmla="*/ 1714500 w 3429000"/>
+                <a:gd name="connsiteY1" fmla="*/ 1752600 h 1752634"/>
+                <a:gd name="connsiteX2" fmla="*/ 3429000 w 3429000"/>
+                <a:gd name="connsiteY2" fmla="*/ 0 h 1752634"/>
+              </a:gdLst>
+              <a:ahLst/>
+              <a:cxnLst>
+                <a:cxn ang="0">
+                  <a:pos x="connsiteX0" y="connsiteY0"/>
+                </a:cxn>
+                <a:cxn ang="0">
+                  <a:pos x="connsiteX1" y="connsiteY1"/>
+                </a:cxn>
+                <a:cxn ang="0">
+                  <a:pos x="connsiteX2" y="connsiteY2"/>
+                </a:cxn>
+              </a:cxnLst>
+              <a:rect l="l" t="t" r="r" b="b"/>
+              <a:pathLst>
+                <a:path w="3429000" h="1752634">
+                  <a:moveTo>
+                    <a:pt x="0" y="38100"/>
+                  </a:moveTo>
+                  <a:cubicBezTo>
+                    <a:pt x="571500" y="898525"/>
+                    <a:pt x="1143000" y="1758950"/>
+                    <a:pt x="1714500" y="1752600"/>
+                  </a:cubicBezTo>
+                  <a:cubicBezTo>
+                    <a:pt x="2286000" y="1746250"/>
+                    <a:pt x="3119438" y="314325"/>
+                    <a:pt x="3429000" y="0"/>
+                  </a:cubicBezTo>
+                </a:path>
+              </a:pathLst>
+            </a:custGeom>
+            <a:noFill/>
+          </p:spPr>
+          <p:style>
+            <a:lnRef idx="2">
+              <a:schemeClr val="accent1">
+                <a:shade val="15000"/>
+              </a:schemeClr>
+            </a:lnRef>
+            <a:fillRef idx="1">
+              <a:schemeClr val="accent1"/>
+            </a:fillRef>
+            <a:effectRef idx="0">
+              <a:schemeClr val="accent1"/>
+            </a:effectRef>
+            <a:fontRef idx="minor">
+              <a:schemeClr val="lt1"/>
+            </a:fontRef>
+          </p:style>
+          <p:txBody>
+            <a:bodyPr rtlCol="0" anchor="ctr"/>
+            <a:lstStyle/>
+            <a:p>
+              <a:pPr algn="ctr"/>
+              <a:endParaRPr lang="pt-BR"/>
+            </a:p>
+          </p:txBody>
+        </p:sp>
+        <p:cxnSp>
+          <p:nvCxnSpPr>
+            <p:cNvPr id="19" name="Conector de Seta Reta 18">
+              <a:extLst>
+                <a:ext uri="{FF2B5EF4-FFF2-40B4-BE49-F238E27FC236}">
+                  <a16:creationId xmlns:a16="http://schemas.microsoft.com/office/drawing/2014/main" id="{0EB327B9-9368-9517-1592-A958BAFB326E}"/>
+                </a:ext>
+              </a:extLst>
+            </p:cNvPr>
+            <p:cNvCxnSpPr>
+              <a:cxnSpLocks/>
+            </p:cNvCxnSpPr>
+            <p:nvPr/>
+          </p:nvCxnSpPr>
+          <p:spPr>
+            <a:xfrm>
+              <a:off x="974017" y="4916172"/>
+              <a:ext cx="3860967" cy="0"/>
+            </a:xfrm>
+            <a:prstGeom prst="straightConnector1">
+              <a:avLst/>
+            </a:prstGeom>
+            <a:ln w="19050">
+              <a:solidFill>
+                <a:schemeClr val="tx1"/>
+              </a:solidFill>
+              <a:tailEnd type="triangle"/>
+            </a:ln>
+          </p:spPr>
+          <p:style>
+            <a:lnRef idx="1">
+              <a:schemeClr val="accent1"/>
+            </a:lnRef>
+            <a:fillRef idx="0">
+              <a:schemeClr val="accent1"/>
+            </a:fillRef>
+            <a:effectRef idx="0">
+              <a:schemeClr val="accent1"/>
+            </a:effectRef>
+            <a:fontRef idx="minor">
+              <a:schemeClr val="tx1"/>
+            </a:fontRef>
+          </p:style>
+        </p:cxnSp>
+        <p:cxnSp>
+          <p:nvCxnSpPr>
+            <p:cNvPr id="20" name="Conector de Seta Reta 19">
+              <a:extLst>
+                <a:ext uri="{FF2B5EF4-FFF2-40B4-BE49-F238E27FC236}">
+                  <a16:creationId xmlns:a16="http://schemas.microsoft.com/office/drawing/2014/main" id="{FB2A4E76-B9EA-7978-E3C8-354FACD511F5}"/>
+                </a:ext>
+              </a:extLst>
+            </p:cNvPr>
+            <p:cNvCxnSpPr>
+              <a:cxnSpLocks/>
+            </p:cNvCxnSpPr>
+            <p:nvPr/>
+          </p:nvCxnSpPr>
+          <p:spPr>
+            <a:xfrm flipV="1">
+              <a:off x="974018" y="2442308"/>
+              <a:ext cx="0" cy="2473865"/>
+            </a:xfrm>
+            <a:prstGeom prst="straightConnector1">
+              <a:avLst/>
+            </a:prstGeom>
+            <a:ln w="19050">
+              <a:solidFill>
+                <a:schemeClr val="tx1"/>
+              </a:solidFill>
+              <a:tailEnd type="triangle"/>
+            </a:ln>
+          </p:spPr>
+          <p:style>
+            <a:lnRef idx="1">
+              <a:schemeClr val="accent1"/>
+            </a:lnRef>
+            <a:fillRef idx="0">
+              <a:schemeClr val="accent1"/>
+            </a:fillRef>
+            <a:effectRef idx="0">
+              <a:schemeClr val="accent1"/>
+            </a:effectRef>
+            <a:fontRef idx="minor">
+              <a:schemeClr val="tx1"/>
+            </a:fontRef>
+          </p:style>
+        </p:cxnSp>
+        <mc:AlternateContent xmlns:mc="http://schemas.openxmlformats.org/markup-compatibility/2006">
+          <mc:Choice xmlns:a14="http://schemas.microsoft.com/office/drawing/2010/main" Requires="a14">
+            <p:sp>
+              <p:nvSpPr>
+                <p:cNvPr id="26" name="CaixaDeTexto 25">
+                  <a:extLst>
+                    <a:ext uri="{FF2B5EF4-FFF2-40B4-BE49-F238E27FC236}">
+                      <a16:creationId xmlns:a16="http://schemas.microsoft.com/office/drawing/2014/main" id="{708B64BB-3945-1538-F968-FE34B3BF7F7E}"/>
+                    </a:ext>
+                  </a:extLst>
+                </p:cNvPr>
+                <p:cNvSpPr txBox="1"/>
+                <p:nvPr/>
+              </p:nvSpPr>
+              <p:spPr>
+                <a:xfrm>
+                  <a:off x="974017" y="2353695"/>
+                  <a:ext cx="2747030" cy="369332"/>
+                </a:xfrm>
+                <a:prstGeom prst="rect">
+                  <a:avLst/>
+                </a:prstGeom>
+                <a:noFill/>
+              </p:spPr>
+              <p:txBody>
+                <a:bodyPr wrap="square" rtlCol="0">
+                  <a:spAutoFit/>
+                </a:bodyPr>
+                <a:lstStyle/>
+                <a:p>
+                  <a:r>
+                    <a:rPr lang="pt-BR" dirty="0"/>
+                    <a:t>Função de erro, </a:t>
+                  </a:r>
+                  <a14:m>
+                    <m:oMath xmlns:m="http://schemas.openxmlformats.org/officeDocument/2006/math">
+                      <m:sSub>
+                        <m:sSubPr>
+                          <m:ctrlPr>
+                            <a:rPr lang="pt-BR" i="1" smtClean="0">
+                              <a:latin typeface="Cambria Math" panose="02040503050406030204" pitchFamily="18" charset="0"/>
+                            </a:rPr>
+                          </m:ctrlPr>
+                        </m:sSubPr>
+                        <m:e>
+                          <m:r>
+                            <a:rPr lang="pt-BR" b="0" i="1" smtClean="0">
+                              <a:latin typeface="Cambria Math" panose="02040503050406030204" pitchFamily="18" charset="0"/>
+                            </a:rPr>
+                            <m:t>𝐽</m:t>
+                          </m:r>
+                        </m:e>
+                        <m:sub>
+                          <m:r>
+                            <a:rPr lang="pt-BR" b="0" i="1" smtClean="0">
+                              <a:latin typeface="Cambria Math" panose="02040503050406030204" pitchFamily="18" charset="0"/>
+                            </a:rPr>
+                            <m:t>𝑒</m:t>
+                          </m:r>
+                        </m:sub>
+                      </m:sSub>
+                      <m:r>
+                        <a:rPr lang="pt-BR" b="0" i="1" smtClean="0">
+                          <a:latin typeface="Cambria Math" panose="02040503050406030204" pitchFamily="18" charset="0"/>
+                        </a:rPr>
+                        <m:t>(</m:t>
+                      </m:r>
+                      <m:r>
+                        <a:rPr lang="pt-BR" b="0" i="1" smtClean="0">
+                          <a:latin typeface="Cambria Math" panose="02040503050406030204" pitchFamily="18" charset="0"/>
+                        </a:rPr>
+                        <m:t>𝑎</m:t>
+                      </m:r>
+                      <m:r>
+                        <a:rPr lang="pt-BR" b="0" i="1" smtClean="0">
+                          <a:latin typeface="Cambria Math" panose="02040503050406030204" pitchFamily="18" charset="0"/>
+                        </a:rPr>
+                        <m:t>)</m:t>
+                      </m:r>
+                    </m:oMath>
+                  </a14:m>
+                  <a:endParaRPr lang="pt-BR" dirty="0"/>
+                </a:p>
+              </p:txBody>
+            </p:sp>
+          </mc:Choice>
+          <mc:Fallback>
+            <p:sp>
+              <p:nvSpPr>
+                <p:cNvPr id="26" name="CaixaDeTexto 25">
+                  <a:extLst>
+                    <a:ext uri="{FF2B5EF4-FFF2-40B4-BE49-F238E27FC236}">
+                      <a16:creationId xmlns:a16="http://schemas.microsoft.com/office/drawing/2014/main" id="{708B64BB-3945-1538-F968-FE34B3BF7F7E}"/>
+                    </a:ext>
+                  </a:extLst>
+                </p:cNvPr>
+                <p:cNvSpPr txBox="1">
+                  <a:spLocks noRot="1" noChangeAspect="1" noMove="1" noResize="1" noEditPoints="1" noAdjustHandles="1" noChangeArrowheads="1" noChangeShapeType="1" noTextEdit="1"/>
+                </p:cNvSpPr>
+                <p:nvPr/>
+              </p:nvSpPr>
+              <p:spPr>
+                <a:xfrm>
+                  <a:off x="974017" y="2353695"/>
+                  <a:ext cx="2747030" cy="369332"/>
+                </a:xfrm>
+                <a:prstGeom prst="rect">
+                  <a:avLst/>
+                </a:prstGeom>
+                <a:blipFill>
+                  <a:blip r:embed="rId3"/>
+                  <a:stretch>
+                    <a:fillRect l="-2000" t="-8197" b="-24590"/>
+                  </a:stretch>
+                </a:blipFill>
+              </p:spPr>
+              <p:txBody>
+                <a:bodyPr/>
+                <a:lstStyle/>
+                <a:p>
+                  <a:r>
+                    <a:rPr lang="pt-BR">
+                      <a:noFill/>
+                    </a:rPr>
+                    <a:t> </a:t>
+                  </a:r>
+                </a:p>
+              </p:txBody>
+            </p:sp>
+          </mc:Fallback>
+        </mc:AlternateContent>
+        <p:sp>
+          <p:nvSpPr>
+            <p:cNvPr id="27" name="CaixaDeTexto 26">
+              <a:extLst>
+                <a:ext uri="{FF2B5EF4-FFF2-40B4-BE49-F238E27FC236}">
+                  <a16:creationId xmlns:a16="http://schemas.microsoft.com/office/drawing/2014/main" id="{33C03641-A896-5188-5291-D3C1622B3FD8}"/>
+                </a:ext>
+              </a:extLst>
+            </p:cNvPr>
+            <p:cNvSpPr txBox="1"/>
+            <p:nvPr/>
+          </p:nvSpPr>
+          <p:spPr>
+            <a:xfrm>
+              <a:off x="4300295" y="4923779"/>
+              <a:ext cx="636334" cy="369332"/>
+            </a:xfrm>
+            <a:prstGeom prst="rect">
+              <a:avLst/>
+            </a:prstGeom>
+            <a:noFill/>
+          </p:spPr>
+          <p:txBody>
+            <a:bodyPr wrap="square" rtlCol="0">
+              <a:spAutoFit/>
+            </a:bodyPr>
+            <a:lstStyle/>
+            <a:p>
+              <a:pPr algn="r"/>
+              <a:r>
+                <a:rPr lang="pt-BR" dirty="0"/>
+                <a:t>Peso</a:t>
+              </a:r>
+            </a:p>
+          </p:txBody>
+        </p:sp>
+        <p:cxnSp>
+          <p:nvCxnSpPr>
+            <p:cNvPr id="28" name="Conector reto 27">
+              <a:extLst>
+                <a:ext uri="{FF2B5EF4-FFF2-40B4-BE49-F238E27FC236}">
+                  <a16:creationId xmlns:a16="http://schemas.microsoft.com/office/drawing/2014/main" id="{71BE268E-A73C-EBD6-430F-5DC7906AD0C9}"/>
+                </a:ext>
+              </a:extLst>
+            </p:cNvPr>
+            <p:cNvCxnSpPr/>
+            <p:nvPr/>
+          </p:nvCxnSpPr>
+          <p:spPr>
+            <a:xfrm>
+              <a:off x="976885" y="4744536"/>
+              <a:ext cx="1930484" cy="0"/>
+            </a:xfrm>
+            <a:prstGeom prst="line">
+              <a:avLst/>
+            </a:prstGeom>
+            <a:ln>
+              <a:solidFill>
+                <a:srgbClr val="FF0000"/>
+              </a:solidFill>
+              <a:prstDash val="dash"/>
+            </a:ln>
+          </p:spPr>
+          <p:style>
+            <a:lnRef idx="1">
+              <a:schemeClr val="accent1"/>
+            </a:lnRef>
+            <a:fillRef idx="0">
+              <a:schemeClr val="accent1"/>
+            </a:fillRef>
+            <a:effectRef idx="0">
+              <a:schemeClr val="accent1"/>
+            </a:effectRef>
+            <a:fontRef idx="minor">
+              <a:schemeClr val="tx1"/>
+            </a:fontRef>
+          </p:style>
+        </p:cxnSp>
+        <p:cxnSp>
+          <p:nvCxnSpPr>
+            <p:cNvPr id="30" name="Conector reto 29">
+              <a:extLst>
+                <a:ext uri="{FF2B5EF4-FFF2-40B4-BE49-F238E27FC236}">
+                  <a16:creationId xmlns:a16="http://schemas.microsoft.com/office/drawing/2014/main" id="{75094F36-EDC3-CA21-125A-0EE943C62CCB}"/>
+                </a:ext>
+              </a:extLst>
+            </p:cNvPr>
+            <p:cNvCxnSpPr>
+              <a:cxnSpLocks/>
+            </p:cNvCxnSpPr>
+            <p:nvPr/>
+          </p:nvCxnSpPr>
+          <p:spPr>
+            <a:xfrm>
+              <a:off x="2902477" y="4736969"/>
+              <a:ext cx="0" cy="171598"/>
+            </a:xfrm>
+            <a:prstGeom prst="line">
+              <a:avLst/>
+            </a:prstGeom>
+            <a:ln>
+              <a:solidFill>
+                <a:srgbClr val="FF0000"/>
+              </a:solidFill>
+              <a:prstDash val="dash"/>
+            </a:ln>
+          </p:spPr>
+          <p:style>
+            <a:lnRef idx="1">
+              <a:schemeClr val="accent1"/>
+            </a:lnRef>
+            <a:fillRef idx="0">
+              <a:schemeClr val="accent1"/>
+            </a:fillRef>
+            <a:effectRef idx="0">
+              <a:schemeClr val="accent1"/>
+            </a:effectRef>
+            <a:fontRef idx="minor">
+              <a:schemeClr val="tx1"/>
+            </a:fontRef>
+          </p:style>
+        </p:cxnSp>
+        <p:sp>
+          <p:nvSpPr>
+            <p:cNvPr id="31" name="Elipse 30">
+              <a:extLst>
+                <a:ext uri="{FF2B5EF4-FFF2-40B4-BE49-F238E27FC236}">
+                  <a16:creationId xmlns:a16="http://schemas.microsoft.com/office/drawing/2014/main" id="{4F74B96C-E784-361B-FC9A-C4EF081FD895}"/>
+                </a:ext>
+              </a:extLst>
+            </p:cNvPr>
+            <p:cNvSpPr/>
+            <p:nvPr/>
+          </p:nvSpPr>
+          <p:spPr>
+            <a:xfrm>
+              <a:off x="2879776" y="4721835"/>
+              <a:ext cx="42900" cy="42900"/>
+            </a:xfrm>
+            <a:prstGeom prst="ellipse">
+              <a:avLst/>
+            </a:prstGeom>
+            <a:solidFill>
+              <a:srgbClr val="FF0000"/>
+            </a:solidFill>
+            <a:ln>
+              <a:solidFill>
+                <a:srgbClr val="FF0000"/>
+              </a:solidFill>
+            </a:ln>
+          </p:spPr>
+          <p:style>
+            <a:lnRef idx="2">
+              <a:schemeClr val="accent1">
+                <a:shade val="15000"/>
+              </a:schemeClr>
+            </a:lnRef>
+            <a:fillRef idx="1">
+              <a:schemeClr val="accent1"/>
+            </a:fillRef>
+            <a:effectRef idx="0">
+              <a:schemeClr val="accent1"/>
+            </a:effectRef>
+            <a:fontRef idx="minor">
+              <a:schemeClr val="lt1"/>
+            </a:fontRef>
+          </p:style>
+          <p:txBody>
+            <a:bodyPr rtlCol="0" anchor="ctr"/>
+            <a:lstStyle/>
+            <a:p>
+              <a:pPr algn="ctr"/>
+              <a:endParaRPr lang="pt-BR" dirty="0"/>
+            </a:p>
+          </p:txBody>
+        </p:sp>
+        <p:sp>
+          <p:nvSpPr>
+            <p:cNvPr id="32" name="Elipse 31">
+              <a:extLst>
+                <a:ext uri="{FF2B5EF4-FFF2-40B4-BE49-F238E27FC236}">
+                  <a16:creationId xmlns:a16="http://schemas.microsoft.com/office/drawing/2014/main" id="{671C9CA5-E5AD-29D4-50CD-004105724E54}"/>
+                </a:ext>
+              </a:extLst>
+            </p:cNvPr>
+            <p:cNvSpPr/>
+            <p:nvPr/>
+          </p:nvSpPr>
+          <p:spPr>
+            <a:xfrm>
+              <a:off x="1273647" y="3163362"/>
+              <a:ext cx="42900" cy="42900"/>
+            </a:xfrm>
+            <a:prstGeom prst="ellipse">
+              <a:avLst/>
+            </a:prstGeom>
+            <a:solidFill>
+              <a:schemeClr val="tx1"/>
+            </a:solidFill>
+            <a:ln>
+              <a:solidFill>
+                <a:schemeClr val="tx1"/>
+              </a:solidFill>
+            </a:ln>
+          </p:spPr>
+          <p:style>
+            <a:lnRef idx="2">
+              <a:schemeClr val="accent1">
+                <a:shade val="15000"/>
+              </a:schemeClr>
+            </a:lnRef>
+            <a:fillRef idx="1">
+              <a:schemeClr val="accent1"/>
+            </a:fillRef>
+            <a:effectRef idx="0">
+              <a:schemeClr val="accent1"/>
+            </a:effectRef>
+            <a:fontRef idx="minor">
+              <a:schemeClr val="lt1"/>
+            </a:fontRef>
+          </p:style>
+          <p:txBody>
+            <a:bodyPr rtlCol="0" anchor="ctr"/>
+            <a:lstStyle/>
+            <a:p>
+              <a:pPr algn="ctr"/>
+              <a:endParaRPr lang="pt-BR" dirty="0"/>
+            </a:p>
+          </p:txBody>
+        </p:sp>
+        <p:cxnSp>
+          <p:nvCxnSpPr>
+            <p:cNvPr id="33" name="Conector reto 32">
+              <a:extLst>
+                <a:ext uri="{FF2B5EF4-FFF2-40B4-BE49-F238E27FC236}">
+                  <a16:creationId xmlns:a16="http://schemas.microsoft.com/office/drawing/2014/main" id="{55BCAC41-0745-6FC8-1A6E-02719DA867BC}"/>
+                </a:ext>
+              </a:extLst>
+            </p:cNvPr>
+            <p:cNvCxnSpPr/>
+            <p:nvPr/>
+          </p:nvCxnSpPr>
+          <p:spPr>
+            <a:xfrm>
+              <a:off x="973059" y="3184593"/>
+              <a:ext cx="324000" cy="0"/>
+            </a:xfrm>
+            <a:prstGeom prst="line">
+              <a:avLst/>
+            </a:prstGeom>
+            <a:ln>
+              <a:solidFill>
+                <a:schemeClr val="tx1"/>
+              </a:solidFill>
+              <a:prstDash val="dash"/>
+            </a:ln>
+          </p:spPr>
+          <p:style>
+            <a:lnRef idx="1">
+              <a:schemeClr val="accent1"/>
+            </a:lnRef>
+            <a:fillRef idx="0">
+              <a:schemeClr val="accent1"/>
+            </a:fillRef>
+            <a:effectRef idx="0">
+              <a:schemeClr val="accent1"/>
+            </a:effectRef>
+            <a:fontRef idx="minor">
+              <a:schemeClr val="tx1"/>
+            </a:fontRef>
+          </p:style>
+        </p:cxnSp>
+        <p:cxnSp>
+          <p:nvCxnSpPr>
+            <p:cNvPr id="34" name="Conector reto 33">
+              <a:extLst>
+                <a:ext uri="{FF2B5EF4-FFF2-40B4-BE49-F238E27FC236}">
+                  <a16:creationId xmlns:a16="http://schemas.microsoft.com/office/drawing/2014/main" id="{58165A6F-4823-C968-4CC3-010FF73A64B6}"/>
+                </a:ext>
+              </a:extLst>
+            </p:cNvPr>
+            <p:cNvCxnSpPr>
+              <a:cxnSpLocks/>
+            </p:cNvCxnSpPr>
+            <p:nvPr/>
+          </p:nvCxnSpPr>
+          <p:spPr>
+            <a:xfrm>
+              <a:off x="1295097" y="3163361"/>
+              <a:ext cx="0" cy="1764000"/>
+            </a:xfrm>
+            <a:prstGeom prst="line">
+              <a:avLst/>
+            </a:prstGeom>
+            <a:ln>
+              <a:solidFill>
+                <a:schemeClr val="tx1"/>
+              </a:solidFill>
+              <a:prstDash val="dash"/>
+            </a:ln>
+          </p:spPr>
+          <p:style>
+            <a:lnRef idx="1">
+              <a:schemeClr val="accent1"/>
+            </a:lnRef>
+            <a:fillRef idx="0">
+              <a:schemeClr val="accent1"/>
+            </a:fillRef>
+            <a:effectRef idx="0">
+              <a:schemeClr val="accent1"/>
+            </a:effectRef>
+            <a:fontRef idx="minor">
+              <a:schemeClr val="tx1"/>
+            </a:fontRef>
+          </p:style>
+        </p:cxnSp>
+        <p:sp>
+          <p:nvSpPr>
+            <p:cNvPr id="35" name="CaixaDeTexto 34">
+              <a:extLst>
+                <a:ext uri="{FF2B5EF4-FFF2-40B4-BE49-F238E27FC236}">
+                  <a16:creationId xmlns:a16="http://schemas.microsoft.com/office/drawing/2014/main" id="{392D10D5-4FB0-851A-EF0A-524C94C0CD21}"/>
+                </a:ext>
+              </a:extLst>
+            </p:cNvPr>
+            <p:cNvSpPr txBox="1"/>
+            <p:nvPr/>
+          </p:nvSpPr>
+          <p:spPr>
+            <a:xfrm>
+              <a:off x="1158048" y="2978475"/>
+              <a:ext cx="1071476" cy="276999"/>
+            </a:xfrm>
+            <a:prstGeom prst="rect">
+              <a:avLst/>
+            </a:prstGeom>
+            <a:noFill/>
+          </p:spPr>
+          <p:txBody>
+            <a:bodyPr wrap="square" rtlCol="0">
+              <a:spAutoFit/>
+            </a:bodyPr>
+            <a:lstStyle/>
+            <a:p>
+              <a:pPr algn="ctr"/>
+              <a:r>
+                <a:rPr lang="pt-BR" sz="1200" dirty="0"/>
+                <a:t>Ponto inicial</a:t>
+              </a:r>
+            </a:p>
+          </p:txBody>
+        </p:sp>
+        <mc:AlternateContent xmlns:mc="http://schemas.openxmlformats.org/markup-compatibility/2006">
+          <mc:Choice xmlns:a14="http://schemas.microsoft.com/office/drawing/2010/main" Requires="a14">
+            <p:sp>
+              <p:nvSpPr>
+                <p:cNvPr id="36" name="CaixaDeTexto 35">
+                  <a:extLst>
+                    <a:ext uri="{FF2B5EF4-FFF2-40B4-BE49-F238E27FC236}">
+                      <a16:creationId xmlns:a16="http://schemas.microsoft.com/office/drawing/2014/main" id="{FB65B051-0C1A-E311-B392-188679189CE2}"/>
+                    </a:ext>
+                  </a:extLst>
+                </p:cNvPr>
+                <p:cNvSpPr txBox="1"/>
+                <p:nvPr/>
+              </p:nvSpPr>
+              <p:spPr>
+                <a:xfrm>
+                  <a:off x="1074774" y="4868216"/>
+                  <a:ext cx="867941" cy="307777"/>
+                </a:xfrm>
+                <a:prstGeom prst="rect">
+                  <a:avLst/>
+                </a:prstGeom>
+                <a:noFill/>
+              </p:spPr>
+              <p:txBody>
+                <a:bodyPr wrap="square" rtlCol="0">
+                  <a:spAutoFit/>
+                </a:bodyPr>
+                <a:lstStyle/>
+                <a:p>
+                  <a:pPr algn="ctr"/>
+                  <a14:m>
+                    <m:oMathPara xmlns:m="http://schemas.openxmlformats.org/officeDocument/2006/math">
+                      <m:oMathParaPr>
+                        <m:jc m:val="centerGroup"/>
+                      </m:oMathParaPr>
+                      <m:oMath xmlns:m="http://schemas.openxmlformats.org/officeDocument/2006/math">
+                        <m:sSub>
+                          <m:sSubPr>
+                            <m:ctrlPr>
+                              <a:rPr lang="pt-BR" sz="1400" i="1" smtClean="0">
+                                <a:latin typeface="Cambria Math" panose="02040503050406030204" pitchFamily="18" charset="0"/>
+                              </a:rPr>
+                            </m:ctrlPr>
+                          </m:sSubPr>
+                          <m:e>
+                            <m:r>
+                              <a:rPr lang="pt-BR" sz="1400" b="0" i="1" smtClean="0">
+                                <a:latin typeface="Cambria Math" panose="02040503050406030204" pitchFamily="18" charset="0"/>
+                              </a:rPr>
+                              <m:t>𝑎</m:t>
+                            </m:r>
+                          </m:e>
+                          <m:sub>
+                            <m:r>
+                              <m:rPr>
+                                <m:sty m:val="p"/>
+                              </m:rPr>
+                              <a:rPr lang="pt-BR" sz="1400" b="0" i="0" smtClean="0">
+                                <a:latin typeface="Cambria Math" panose="02040503050406030204" pitchFamily="18" charset="0"/>
+                              </a:rPr>
+                              <m:t>inicial</m:t>
+                            </m:r>
+                          </m:sub>
+                        </m:sSub>
+                      </m:oMath>
+                    </m:oMathPara>
+                  </a14:m>
+                  <a:endParaRPr lang="pt-BR" sz="1400" dirty="0"/>
+                </a:p>
+              </p:txBody>
+            </p:sp>
+          </mc:Choice>
+          <mc:Fallback>
+            <p:sp>
+              <p:nvSpPr>
+                <p:cNvPr id="36" name="CaixaDeTexto 35">
+                  <a:extLst>
+                    <a:ext uri="{FF2B5EF4-FFF2-40B4-BE49-F238E27FC236}">
+                      <a16:creationId xmlns:a16="http://schemas.microsoft.com/office/drawing/2014/main" id="{FB65B051-0C1A-E311-B392-188679189CE2}"/>
+                    </a:ext>
+                  </a:extLst>
+                </p:cNvPr>
+                <p:cNvSpPr txBox="1">
+                  <a:spLocks noRot="1" noChangeAspect="1" noMove="1" noResize="1" noEditPoints="1" noAdjustHandles="1" noChangeArrowheads="1" noChangeShapeType="1" noTextEdit="1"/>
+                </p:cNvSpPr>
+                <p:nvPr/>
+              </p:nvSpPr>
+              <p:spPr>
+                <a:xfrm>
+                  <a:off x="1074774" y="4868216"/>
+                  <a:ext cx="867941" cy="307777"/>
+                </a:xfrm>
+                <a:prstGeom prst="rect">
+                  <a:avLst/>
+                </a:prstGeom>
+                <a:blipFill>
+                  <a:blip r:embed="rId4"/>
+                  <a:stretch>
+                    <a:fillRect/>
+                  </a:stretch>
+                </a:blipFill>
+              </p:spPr>
+              <p:txBody>
+                <a:bodyPr/>
+                <a:lstStyle/>
+                <a:p>
+                  <a:r>
+                    <a:rPr lang="pt-BR">
+                      <a:noFill/>
+                    </a:rPr>
+                    <a:t> </a:t>
+                  </a:r>
+                </a:p>
+              </p:txBody>
+            </p:sp>
+          </mc:Fallback>
+        </mc:AlternateContent>
+        <mc:AlternateContent xmlns:mc="http://schemas.openxmlformats.org/markup-compatibility/2006">
+          <mc:Choice xmlns:a14="http://schemas.microsoft.com/office/drawing/2010/main" Requires="a14">
+            <p:sp>
+              <p:nvSpPr>
+                <p:cNvPr id="37" name="CaixaDeTexto 36">
+                  <a:extLst>
+                    <a:ext uri="{FF2B5EF4-FFF2-40B4-BE49-F238E27FC236}">
+                      <a16:creationId xmlns:a16="http://schemas.microsoft.com/office/drawing/2014/main" id="{085EEAC7-A39B-8E54-1ABE-192465A83EF9}"/>
+                    </a:ext>
+                  </a:extLst>
+                </p:cNvPr>
+                <p:cNvSpPr txBox="1"/>
+                <p:nvPr/>
+              </p:nvSpPr>
+              <p:spPr>
+                <a:xfrm>
+                  <a:off x="2671712" y="4867795"/>
+                  <a:ext cx="867941" cy="307777"/>
+                </a:xfrm>
+                <a:prstGeom prst="rect">
+                  <a:avLst/>
+                </a:prstGeom>
+                <a:noFill/>
+              </p:spPr>
+              <p:txBody>
+                <a:bodyPr wrap="square" rtlCol="0">
+                  <a:spAutoFit/>
+                </a:bodyPr>
+                <a:lstStyle/>
+                <a:p>
+                  <a:pPr algn="ctr"/>
+                  <a14:m>
+                    <m:oMathPara xmlns:m="http://schemas.openxmlformats.org/officeDocument/2006/math">
+                      <m:oMathParaPr>
+                        <m:jc m:val="centerGroup"/>
+                      </m:oMathParaPr>
+                      <m:oMath xmlns:m="http://schemas.openxmlformats.org/officeDocument/2006/math">
+                        <m:sSub>
+                          <m:sSubPr>
+                            <m:ctrlPr>
+                              <a:rPr lang="pt-BR" sz="1400" i="1" smtClean="0">
+                                <a:latin typeface="Cambria Math" panose="02040503050406030204" pitchFamily="18" charset="0"/>
+                              </a:rPr>
+                            </m:ctrlPr>
+                          </m:sSubPr>
+                          <m:e>
+                            <m:r>
+                              <a:rPr lang="pt-BR" sz="1400" b="0" i="1" smtClean="0">
+                                <a:latin typeface="Cambria Math" panose="02040503050406030204" pitchFamily="18" charset="0"/>
+                              </a:rPr>
+                              <m:t>𝑎</m:t>
+                            </m:r>
+                          </m:e>
+                          <m:sub>
+                            <m:r>
+                              <a:rPr lang="pt-BR" sz="1400" b="0" i="0" smtClean="0">
+                                <a:latin typeface="Cambria Math" panose="02040503050406030204" pitchFamily="18" charset="0"/>
+                              </a:rPr>
+                              <m:t>ó</m:t>
+                            </m:r>
+                            <m:r>
+                              <m:rPr>
+                                <m:sty m:val="p"/>
+                              </m:rPr>
+                              <a:rPr lang="pt-BR" sz="1400" b="0" i="0" smtClean="0">
+                                <a:latin typeface="Cambria Math" panose="02040503050406030204" pitchFamily="18" charset="0"/>
+                              </a:rPr>
+                              <m:t>timo</m:t>
+                            </m:r>
+                          </m:sub>
+                        </m:sSub>
+                      </m:oMath>
+                    </m:oMathPara>
+                  </a14:m>
+                  <a:endParaRPr lang="pt-BR" sz="1400" dirty="0"/>
+                </a:p>
+              </p:txBody>
+            </p:sp>
+          </mc:Choice>
+          <mc:Fallback>
+            <p:sp>
+              <p:nvSpPr>
+                <p:cNvPr id="37" name="CaixaDeTexto 36">
+                  <a:extLst>
+                    <a:ext uri="{FF2B5EF4-FFF2-40B4-BE49-F238E27FC236}">
+                      <a16:creationId xmlns:a16="http://schemas.microsoft.com/office/drawing/2014/main" id="{085EEAC7-A39B-8E54-1ABE-192465A83EF9}"/>
+                    </a:ext>
+                  </a:extLst>
+                </p:cNvPr>
+                <p:cNvSpPr txBox="1">
+                  <a:spLocks noRot="1" noChangeAspect="1" noMove="1" noResize="1" noEditPoints="1" noAdjustHandles="1" noChangeArrowheads="1" noChangeShapeType="1" noTextEdit="1"/>
+                </p:cNvSpPr>
+                <p:nvPr/>
+              </p:nvSpPr>
+              <p:spPr>
+                <a:xfrm>
+                  <a:off x="2671712" y="4867795"/>
+                  <a:ext cx="867941" cy="307777"/>
+                </a:xfrm>
+                <a:prstGeom prst="rect">
+                  <a:avLst/>
+                </a:prstGeom>
+                <a:blipFill>
+                  <a:blip r:embed="rId5"/>
+                  <a:stretch>
+                    <a:fillRect/>
+                  </a:stretch>
+                </a:blipFill>
+              </p:spPr>
+              <p:txBody>
+                <a:bodyPr/>
+                <a:lstStyle/>
+                <a:p>
+                  <a:r>
+                    <a:rPr lang="pt-BR">
+                      <a:noFill/>
+                    </a:rPr>
+                    <a:t> </a:t>
+                  </a:r>
+                </a:p>
+              </p:txBody>
+            </p:sp>
+          </mc:Fallback>
+        </mc:AlternateContent>
+        <p:cxnSp>
+          <p:nvCxnSpPr>
+            <p:cNvPr id="38" name="Conector de Seta Reta 37">
+              <a:extLst>
+                <a:ext uri="{FF2B5EF4-FFF2-40B4-BE49-F238E27FC236}">
+                  <a16:creationId xmlns:a16="http://schemas.microsoft.com/office/drawing/2014/main" id="{68034E18-A442-62D7-3DB8-7E034ACBB8FB}"/>
+                </a:ext>
+              </a:extLst>
+            </p:cNvPr>
+            <p:cNvCxnSpPr>
+              <a:cxnSpLocks/>
+            </p:cNvCxnSpPr>
+            <p:nvPr/>
+          </p:nvCxnSpPr>
+          <p:spPr>
+            <a:xfrm>
+              <a:off x="1295851" y="3183756"/>
+              <a:ext cx="473505" cy="797660"/>
+            </a:xfrm>
+            <a:prstGeom prst="straightConnector1">
+              <a:avLst/>
+            </a:prstGeom>
+            <a:ln>
+              <a:solidFill>
+                <a:srgbClr val="FF0000"/>
+              </a:solidFill>
+              <a:tailEnd type="triangle"/>
+            </a:ln>
+          </p:spPr>
+          <p:style>
+            <a:lnRef idx="1">
+              <a:schemeClr val="accent1"/>
+            </a:lnRef>
+            <a:fillRef idx="0">
+              <a:schemeClr val="accent1"/>
+            </a:fillRef>
+            <a:effectRef idx="0">
+              <a:schemeClr val="accent1"/>
+            </a:effectRef>
+            <a:fontRef idx="minor">
+              <a:schemeClr val="tx1"/>
+            </a:fontRef>
+          </p:style>
+        </p:cxnSp>
+        <p:sp>
+          <p:nvSpPr>
+            <p:cNvPr id="39" name="Elipse 38">
+              <a:extLst>
+                <a:ext uri="{FF2B5EF4-FFF2-40B4-BE49-F238E27FC236}">
+                  <a16:creationId xmlns:a16="http://schemas.microsoft.com/office/drawing/2014/main" id="{F6FC7276-D03F-FF26-A5BB-9174F6A90A78}"/>
+                </a:ext>
+              </a:extLst>
+            </p:cNvPr>
+            <p:cNvSpPr/>
+            <p:nvPr/>
+          </p:nvSpPr>
+          <p:spPr>
+            <a:xfrm>
+              <a:off x="1901608" y="4038530"/>
+              <a:ext cx="42900" cy="42900"/>
+            </a:xfrm>
+            <a:prstGeom prst="ellipse">
+              <a:avLst/>
+            </a:prstGeom>
+            <a:solidFill>
+              <a:schemeClr val="tx1"/>
+            </a:solidFill>
+            <a:ln>
+              <a:solidFill>
+                <a:schemeClr val="tx1"/>
+              </a:solidFill>
+            </a:ln>
+          </p:spPr>
+          <p:style>
+            <a:lnRef idx="2">
+              <a:schemeClr val="accent1">
+                <a:shade val="15000"/>
+              </a:schemeClr>
+            </a:lnRef>
+            <a:fillRef idx="1">
+              <a:schemeClr val="accent1"/>
+            </a:fillRef>
+            <a:effectRef idx="0">
+              <a:schemeClr val="accent1"/>
+            </a:effectRef>
+            <a:fontRef idx="minor">
+              <a:schemeClr val="lt1"/>
+            </a:fontRef>
+          </p:style>
+          <p:txBody>
+            <a:bodyPr rtlCol="0" anchor="ctr"/>
+            <a:lstStyle/>
+            <a:p>
+              <a:pPr algn="ctr"/>
+              <a:endParaRPr lang="pt-BR" dirty="0"/>
+            </a:p>
+          </p:txBody>
+        </p:sp>
+        <p:sp>
+          <p:nvSpPr>
+            <p:cNvPr id="40" name="Forma Livre: Forma 39">
+              <a:extLst>
+                <a:ext uri="{FF2B5EF4-FFF2-40B4-BE49-F238E27FC236}">
+                  <a16:creationId xmlns:a16="http://schemas.microsoft.com/office/drawing/2014/main" id="{A190C2C1-537B-4D0E-665C-CD1CAB22ED1F}"/>
+                </a:ext>
+              </a:extLst>
+            </p:cNvPr>
+            <p:cNvSpPr/>
+            <p:nvPr/>
+          </p:nvSpPr>
+          <p:spPr>
+            <a:xfrm>
+              <a:off x="1314106" y="3182704"/>
+              <a:ext cx="603593" cy="862246"/>
+            </a:xfrm>
+            <a:custGeom>
+              <a:avLst/>
+              <a:gdLst>
+                <a:gd name="connsiteX0" fmla="*/ 0 w 609600"/>
+                <a:gd name="connsiteY0" fmla="*/ 0 h 882650"/>
+                <a:gd name="connsiteX1" fmla="*/ 374650 w 609600"/>
+                <a:gd name="connsiteY1" fmla="*/ 273050 h 882650"/>
+                <a:gd name="connsiteX2" fmla="*/ 609600 w 609600"/>
+                <a:gd name="connsiteY2" fmla="*/ 882650 h 882650"/>
+              </a:gdLst>
+              <a:ahLst/>
+              <a:cxnLst>
+                <a:cxn ang="0">
+                  <a:pos x="connsiteX0" y="connsiteY0"/>
+                </a:cxn>
+                <a:cxn ang="0">
+                  <a:pos x="connsiteX1" y="connsiteY1"/>
+                </a:cxn>
+                <a:cxn ang="0">
+                  <a:pos x="connsiteX2" y="connsiteY2"/>
+                </a:cxn>
+              </a:cxnLst>
+              <a:rect l="l" t="t" r="r" b="b"/>
+              <a:pathLst>
+                <a:path w="609600" h="882650">
+                  <a:moveTo>
+                    <a:pt x="0" y="0"/>
+                  </a:moveTo>
+                  <a:cubicBezTo>
+                    <a:pt x="136525" y="62971"/>
+                    <a:pt x="273050" y="125942"/>
+                    <a:pt x="374650" y="273050"/>
+                  </a:cubicBezTo>
+                  <a:cubicBezTo>
+                    <a:pt x="476250" y="420158"/>
+                    <a:pt x="542925" y="651404"/>
+                    <a:pt x="609600" y="882650"/>
+                  </a:cubicBezTo>
+                </a:path>
+              </a:pathLst>
+            </a:custGeom>
+            <a:noFill/>
+            <a:ln w="3175">
+              <a:solidFill>
+                <a:schemeClr val="tx1"/>
+              </a:solidFill>
+              <a:prstDash val="dash"/>
+              <a:headEnd type="none" w="med" len="med"/>
+              <a:tailEnd type="triangle" w="med" len="med"/>
+            </a:ln>
+          </p:spPr>
+          <p:style>
+            <a:lnRef idx="2">
+              <a:schemeClr val="accent1">
+                <a:shade val="15000"/>
+              </a:schemeClr>
+            </a:lnRef>
+            <a:fillRef idx="1">
+              <a:schemeClr val="accent1"/>
+            </a:fillRef>
+            <a:effectRef idx="0">
+              <a:schemeClr val="accent1"/>
+            </a:effectRef>
+            <a:fontRef idx="minor">
+              <a:schemeClr val="lt1"/>
+            </a:fontRef>
+          </p:style>
+          <p:txBody>
+            <a:bodyPr rtlCol="0" anchor="ctr"/>
+            <a:lstStyle/>
+            <a:p>
+              <a:pPr algn="ctr"/>
+              <a:endParaRPr lang="pt-BR" dirty="0"/>
+            </a:p>
+          </p:txBody>
+        </p:sp>
+        <p:sp>
+          <p:nvSpPr>
+            <p:cNvPr id="41" name="CaixaDeTexto 40">
+              <a:extLst>
+                <a:ext uri="{FF2B5EF4-FFF2-40B4-BE49-F238E27FC236}">
+                  <a16:creationId xmlns:a16="http://schemas.microsoft.com/office/drawing/2014/main" id="{C6AED7E6-776D-2275-0616-9245A6D9FA2F}"/>
+                </a:ext>
+              </a:extLst>
+            </p:cNvPr>
+            <p:cNvSpPr txBox="1"/>
+            <p:nvPr/>
+          </p:nvSpPr>
+          <p:spPr>
+            <a:xfrm>
+              <a:off x="2355219" y="4333840"/>
+              <a:ext cx="1071476" cy="261610"/>
+            </a:xfrm>
+            <a:prstGeom prst="rect">
+              <a:avLst/>
+            </a:prstGeom>
+            <a:noFill/>
+          </p:spPr>
+          <p:txBody>
+            <a:bodyPr wrap="square" rtlCol="0">
+              <a:spAutoFit/>
+            </a:bodyPr>
+            <a:lstStyle/>
+            <a:p>
+              <a:r>
+                <a:rPr lang="pt-BR" sz="1100" dirty="0"/>
+                <a:t>Novo ponto</a:t>
+              </a:r>
+            </a:p>
+          </p:txBody>
+        </p:sp>
+        <mc:AlternateContent xmlns:mc="http://schemas.openxmlformats.org/markup-compatibility/2006">
+          <mc:Choice xmlns:a14="http://schemas.microsoft.com/office/drawing/2010/main" Requires="a14">
+            <p:sp>
+              <p:nvSpPr>
+                <p:cNvPr id="42" name="CaixaDeTexto 41">
+                  <a:extLst>
+                    <a:ext uri="{FF2B5EF4-FFF2-40B4-BE49-F238E27FC236}">
+                      <a16:creationId xmlns:a16="http://schemas.microsoft.com/office/drawing/2014/main" id="{C1D5DB3A-D103-9E96-0C21-7F28D7FEA74D}"/>
+                    </a:ext>
+                  </a:extLst>
+                </p:cNvPr>
+                <p:cNvSpPr txBox="1"/>
+                <p:nvPr/>
+              </p:nvSpPr>
+              <p:spPr>
+                <a:xfrm>
+                  <a:off x="1686947" y="3303430"/>
+                  <a:ext cx="756505" cy="444032"/>
+                </a:xfrm>
+                <a:prstGeom prst="rect">
+                  <a:avLst/>
+                </a:prstGeom>
+                <a:noFill/>
+              </p:spPr>
+              <p:txBody>
+                <a:bodyPr wrap="square">
+                  <a:spAutoFit/>
+                </a:bodyPr>
+                <a:lstStyle/>
+                <a:p>
+                  <a:pPr/>
+                  <a14:m>
+                    <m:oMathPara xmlns:m="http://schemas.openxmlformats.org/officeDocument/2006/math">
+                      <m:oMathParaPr>
+                        <m:jc m:val="centerGroup"/>
+                      </m:oMathParaPr>
+                      <m:oMath xmlns:m="http://schemas.openxmlformats.org/officeDocument/2006/math">
+                        <m:r>
+                          <a:rPr lang="pt-BR" sz="1200" i="1" dirty="0" smtClean="0">
+                            <a:latin typeface="Cambria Math" panose="02040503050406030204" pitchFamily="18" charset="0"/>
+                            <a:ea typeface="Cambria Math" panose="02040503050406030204" pitchFamily="18" charset="0"/>
+                          </a:rPr>
+                          <m:t>𝛼</m:t>
+                        </m:r>
+                        <m:f>
+                          <m:fPr>
+                            <m:ctrlPr>
+                              <a:rPr lang="pt-BR" sz="1200" i="1" dirty="0" smtClean="0">
+                                <a:latin typeface="Cambria Math" panose="02040503050406030204" pitchFamily="18" charset="0"/>
+                              </a:rPr>
+                            </m:ctrlPr>
+                          </m:fPr>
+                          <m:num>
+                            <m:r>
+                              <a:rPr lang="pt-BR" sz="1200" i="1" dirty="0" smtClean="0">
+                                <a:latin typeface="Cambria Math" panose="02040503050406030204" pitchFamily="18" charset="0"/>
+                              </a:rPr>
+                              <m:t>𝜕</m:t>
+                            </m:r>
+                            <m:sSub>
+                              <m:sSubPr>
+                                <m:ctrlPr>
+                                  <a:rPr lang="pt-BR" sz="1200" i="1">
+                                    <a:latin typeface="Cambria Math" panose="02040503050406030204" pitchFamily="18" charset="0"/>
+                                  </a:rPr>
+                                </m:ctrlPr>
+                              </m:sSubPr>
+                              <m:e>
+                                <m:r>
+                                  <a:rPr lang="pt-BR" sz="1200" i="1">
+                                    <a:latin typeface="Cambria Math" panose="02040503050406030204" pitchFamily="18" charset="0"/>
+                                  </a:rPr>
+                                  <m:t>𝐽</m:t>
+                                </m:r>
+                              </m:e>
+                              <m:sub>
+                                <m:r>
+                                  <a:rPr lang="pt-BR" sz="1200" i="1">
+                                    <a:latin typeface="Cambria Math" panose="02040503050406030204" pitchFamily="18" charset="0"/>
+                                  </a:rPr>
+                                  <m:t>𝑒</m:t>
+                                </m:r>
+                              </m:sub>
+                            </m:sSub>
+                            <m:r>
+                              <a:rPr lang="pt-BR" sz="1200" i="1">
+                                <a:latin typeface="Cambria Math" panose="02040503050406030204" pitchFamily="18" charset="0"/>
+                              </a:rPr>
+                              <m:t>(</m:t>
+                            </m:r>
+                            <m:sSub>
+                              <m:sSubPr>
+                                <m:ctrlPr>
+                                  <a:rPr lang="pt-BR" sz="1200" i="1">
+                                    <a:latin typeface="Cambria Math" panose="02040503050406030204" pitchFamily="18" charset="0"/>
+                                  </a:rPr>
+                                </m:ctrlPr>
+                              </m:sSubPr>
+                              <m:e>
+                                <m:r>
+                                  <a:rPr lang="pt-BR" sz="1200" i="1">
+                                    <a:latin typeface="Cambria Math" panose="02040503050406030204" pitchFamily="18" charset="0"/>
+                                  </a:rPr>
+                                  <m:t>𝑎</m:t>
+                                </m:r>
+                              </m:e>
+                              <m:sub>
+                                <m:r>
+                                  <m:rPr>
+                                    <m:sty m:val="p"/>
+                                  </m:rPr>
+                                  <a:rPr lang="pt-BR" sz="1200">
+                                    <a:latin typeface="Cambria Math" panose="02040503050406030204" pitchFamily="18" charset="0"/>
+                                  </a:rPr>
+                                  <m:t>inicial</m:t>
+                                </m:r>
+                              </m:sub>
+                            </m:sSub>
+                            <m:r>
+                              <a:rPr lang="pt-BR" sz="1200" i="1">
+                                <a:latin typeface="Cambria Math" panose="02040503050406030204" pitchFamily="18" charset="0"/>
+                              </a:rPr>
+                              <m:t>)</m:t>
+                            </m:r>
+                          </m:num>
+                          <m:den>
+                            <m:r>
+                              <a:rPr lang="pt-BR" sz="1200" i="1" dirty="0" smtClean="0">
+                                <a:latin typeface="Cambria Math" panose="02040503050406030204" pitchFamily="18" charset="0"/>
+                              </a:rPr>
+                              <m:t>𝜕</m:t>
+                            </m:r>
+                            <m:r>
+                              <a:rPr lang="pt-BR" sz="1200" b="0" i="1" dirty="0" smtClean="0">
+                                <a:latin typeface="Cambria Math" panose="02040503050406030204" pitchFamily="18" charset="0"/>
+                              </a:rPr>
+                              <m:t>𝑎</m:t>
+                            </m:r>
+                          </m:den>
+                        </m:f>
+                      </m:oMath>
+                    </m:oMathPara>
+                  </a14:m>
+                  <a:endParaRPr lang="pt-BR" sz="1200" dirty="0"/>
+                </a:p>
+              </p:txBody>
+            </p:sp>
+          </mc:Choice>
+          <mc:Fallback>
+            <p:sp>
+              <p:nvSpPr>
+                <p:cNvPr id="42" name="CaixaDeTexto 41">
+                  <a:extLst>
+                    <a:ext uri="{FF2B5EF4-FFF2-40B4-BE49-F238E27FC236}">
+                      <a16:creationId xmlns:a16="http://schemas.microsoft.com/office/drawing/2014/main" id="{C1D5DB3A-D103-9E96-0C21-7F28D7FEA74D}"/>
+                    </a:ext>
+                  </a:extLst>
+                </p:cNvPr>
+                <p:cNvSpPr txBox="1">
+                  <a:spLocks noRot="1" noChangeAspect="1" noMove="1" noResize="1" noEditPoints="1" noAdjustHandles="1" noChangeArrowheads="1" noChangeShapeType="1" noTextEdit="1"/>
+                </p:cNvSpPr>
+                <p:nvPr/>
+              </p:nvSpPr>
+              <p:spPr>
+                <a:xfrm>
+                  <a:off x="1686947" y="3303430"/>
+                  <a:ext cx="756505" cy="444032"/>
+                </a:xfrm>
+                <a:prstGeom prst="rect">
+                  <a:avLst/>
+                </a:prstGeom>
+                <a:blipFill>
+                  <a:blip r:embed="rId6"/>
+                  <a:stretch>
+                    <a:fillRect r="-37903" b="-1370"/>
+                  </a:stretch>
+                </a:blipFill>
+              </p:spPr>
+              <p:txBody>
+                <a:bodyPr/>
+                <a:lstStyle/>
+                <a:p>
+                  <a:r>
+                    <a:rPr lang="pt-BR">
+                      <a:noFill/>
+                    </a:rPr>
+                    <a:t> </a:t>
+                  </a:r>
+                </a:p>
+              </p:txBody>
+            </p:sp>
+          </mc:Fallback>
+        </mc:AlternateContent>
+        <p:cxnSp>
+          <p:nvCxnSpPr>
+            <p:cNvPr id="43" name="Conector reto 42">
+              <a:extLst>
+                <a:ext uri="{FF2B5EF4-FFF2-40B4-BE49-F238E27FC236}">
+                  <a16:creationId xmlns:a16="http://schemas.microsoft.com/office/drawing/2014/main" id="{33AD0DEC-1BFB-48CC-9552-A207C6E4AB5F}"/>
+                </a:ext>
+              </a:extLst>
+            </p:cNvPr>
+            <p:cNvCxnSpPr>
+              <a:cxnSpLocks/>
+            </p:cNvCxnSpPr>
+            <p:nvPr/>
+          </p:nvCxnSpPr>
+          <p:spPr>
+            <a:xfrm>
+              <a:off x="1924842" y="4071908"/>
+              <a:ext cx="0" cy="828000"/>
+            </a:xfrm>
+            <a:prstGeom prst="line">
+              <a:avLst/>
+            </a:prstGeom>
+            <a:ln>
+              <a:solidFill>
+                <a:schemeClr val="tx1"/>
+              </a:solidFill>
+              <a:prstDash val="dash"/>
+            </a:ln>
+          </p:spPr>
+          <p:style>
+            <a:lnRef idx="1">
+              <a:schemeClr val="accent1"/>
+            </a:lnRef>
+            <a:fillRef idx="0">
+              <a:schemeClr val="accent1"/>
+            </a:fillRef>
+            <a:effectRef idx="0">
+              <a:schemeClr val="accent1"/>
+            </a:effectRef>
+            <a:fontRef idx="minor">
+              <a:schemeClr val="tx1"/>
+            </a:fontRef>
+          </p:style>
+        </p:cxnSp>
+        <mc:AlternateContent xmlns:mc="http://schemas.openxmlformats.org/markup-compatibility/2006">
+          <mc:Choice xmlns:a14="http://schemas.microsoft.com/office/drawing/2010/main" Requires="a14">
+            <p:sp>
+              <p:nvSpPr>
+                <p:cNvPr id="44" name="CaixaDeTexto 43">
+                  <a:extLst>
+                    <a:ext uri="{FF2B5EF4-FFF2-40B4-BE49-F238E27FC236}">
+                      <a16:creationId xmlns:a16="http://schemas.microsoft.com/office/drawing/2014/main" id="{18D9158A-32E2-486B-D9F5-660207BFF35D}"/>
+                    </a:ext>
+                  </a:extLst>
+                </p:cNvPr>
+                <p:cNvSpPr txBox="1"/>
+                <p:nvPr/>
+              </p:nvSpPr>
+              <p:spPr>
+                <a:xfrm>
+                  <a:off x="1785331" y="4880663"/>
+                  <a:ext cx="521882" cy="307777"/>
+                </a:xfrm>
+                <a:prstGeom prst="rect">
+                  <a:avLst/>
+                </a:prstGeom>
+                <a:noFill/>
+              </p:spPr>
+              <p:txBody>
+                <a:bodyPr wrap="square" rtlCol="0">
+                  <a:spAutoFit/>
+                </a:bodyPr>
+                <a:lstStyle/>
+                <a:p>
+                  <a:pPr algn="ctr"/>
+                  <a14:m>
+                    <m:oMathPara xmlns:m="http://schemas.openxmlformats.org/officeDocument/2006/math">
+                      <m:oMathParaPr>
+                        <m:jc m:val="left"/>
+                      </m:oMathParaPr>
+                      <m:oMath xmlns:m="http://schemas.openxmlformats.org/officeDocument/2006/math">
+                        <m:sSub>
+                          <m:sSubPr>
+                            <m:ctrlPr>
+                              <a:rPr lang="pt-BR" sz="1400" i="1" smtClean="0">
+                                <a:latin typeface="Cambria Math" panose="02040503050406030204" pitchFamily="18" charset="0"/>
+                              </a:rPr>
+                            </m:ctrlPr>
+                          </m:sSubPr>
+                          <m:e>
+                            <m:r>
+                              <a:rPr lang="pt-BR" sz="1400" b="0" i="1" smtClean="0">
+                                <a:latin typeface="Cambria Math" panose="02040503050406030204" pitchFamily="18" charset="0"/>
+                              </a:rPr>
+                              <m:t>𝑎</m:t>
+                            </m:r>
+                          </m:e>
+                          <m:sub>
+                            <m:r>
+                              <m:rPr>
+                                <m:sty m:val="p"/>
+                              </m:rPr>
+                              <a:rPr lang="pt-BR" sz="1400" b="0" i="0" smtClean="0">
+                                <a:latin typeface="Cambria Math" panose="02040503050406030204" pitchFamily="18" charset="0"/>
+                              </a:rPr>
+                              <m:t>ant</m:t>
+                            </m:r>
+                            <m:r>
+                              <a:rPr lang="pt-BR" sz="1400" b="0" i="1" smtClean="0">
+                                <a:latin typeface="Cambria Math" panose="02040503050406030204" pitchFamily="18" charset="0"/>
+                              </a:rPr>
+                              <m:t>.</m:t>
+                            </m:r>
+                          </m:sub>
+                        </m:sSub>
+                      </m:oMath>
+                    </m:oMathPara>
+                  </a14:m>
+                  <a:endParaRPr lang="pt-BR" sz="1400" dirty="0"/>
+                </a:p>
+              </p:txBody>
+            </p:sp>
+          </mc:Choice>
+          <mc:Fallback>
+            <p:sp>
+              <p:nvSpPr>
+                <p:cNvPr id="44" name="CaixaDeTexto 43">
+                  <a:extLst>
+                    <a:ext uri="{FF2B5EF4-FFF2-40B4-BE49-F238E27FC236}">
+                      <a16:creationId xmlns:a16="http://schemas.microsoft.com/office/drawing/2014/main" id="{18D9158A-32E2-486B-D9F5-660207BFF35D}"/>
+                    </a:ext>
+                  </a:extLst>
+                </p:cNvPr>
+                <p:cNvSpPr txBox="1">
+                  <a:spLocks noRot="1" noChangeAspect="1" noMove="1" noResize="1" noEditPoints="1" noAdjustHandles="1" noChangeArrowheads="1" noChangeShapeType="1" noTextEdit="1"/>
+                </p:cNvSpPr>
+                <p:nvPr/>
+              </p:nvSpPr>
+              <p:spPr>
+                <a:xfrm>
+                  <a:off x="1785331" y="4880663"/>
+                  <a:ext cx="521882" cy="307777"/>
+                </a:xfrm>
+                <a:prstGeom prst="rect">
+                  <a:avLst/>
+                </a:prstGeom>
+                <a:blipFill>
+                  <a:blip r:embed="rId7"/>
+                  <a:stretch>
+                    <a:fillRect/>
+                  </a:stretch>
+                </a:blipFill>
+              </p:spPr>
+              <p:txBody>
+                <a:bodyPr/>
+                <a:lstStyle/>
+                <a:p>
+                  <a:r>
+                    <a:rPr lang="pt-BR">
+                      <a:noFill/>
+                    </a:rPr>
+                    <a:t> </a:t>
+                  </a:r>
+                </a:p>
+              </p:txBody>
+            </p:sp>
+          </mc:Fallback>
+        </mc:AlternateContent>
+      </p:grpSp>
+      <p:sp>
+        <p:nvSpPr>
+          <p:cNvPr id="45" name="Forma Livre: Forma 44">
+            <a:extLst>
+              <a:ext uri="{FF2B5EF4-FFF2-40B4-BE49-F238E27FC236}">
+                <a16:creationId xmlns:a16="http://schemas.microsoft.com/office/drawing/2014/main" id="{7EA99A1F-BA18-1253-B4C5-1677BA9FFD90}"/>
+              </a:ext>
+            </a:extLst>
+          </p:cNvPr>
+          <p:cNvSpPr/>
+          <p:nvPr/>
+        </p:nvSpPr>
+        <p:spPr>
+          <a:xfrm rot="20640245">
+            <a:off x="2025336" y="4007159"/>
+            <a:ext cx="291944" cy="588367"/>
+          </a:xfrm>
+          <a:custGeom>
+            <a:avLst/>
+            <a:gdLst>
+              <a:gd name="connsiteX0" fmla="*/ 0 w 609600"/>
+              <a:gd name="connsiteY0" fmla="*/ 0 h 882650"/>
+              <a:gd name="connsiteX1" fmla="*/ 374650 w 609600"/>
+              <a:gd name="connsiteY1" fmla="*/ 273050 h 882650"/>
+              <a:gd name="connsiteX2" fmla="*/ 609600 w 609600"/>
+              <a:gd name="connsiteY2" fmla="*/ 882650 h 882650"/>
+            </a:gdLst>
+            <a:ahLst/>
+            <a:cxnLst>
+              <a:cxn ang="0">
+                <a:pos x="connsiteX0" y="connsiteY0"/>
+              </a:cxn>
+              <a:cxn ang="0">
+                <a:pos x="connsiteX1" y="connsiteY1"/>
+              </a:cxn>
+              <a:cxn ang="0">
+                <a:pos x="connsiteX2" y="connsiteY2"/>
+              </a:cxn>
+            </a:cxnLst>
+            <a:rect l="l" t="t" r="r" b="b"/>
+            <a:pathLst>
+              <a:path w="609600" h="882650">
+                <a:moveTo>
+                  <a:pt x="0" y="0"/>
+                </a:moveTo>
+                <a:cubicBezTo>
+                  <a:pt x="136525" y="62971"/>
+                  <a:pt x="273050" y="125942"/>
+                  <a:pt x="374650" y="273050"/>
+                </a:cubicBezTo>
+                <a:cubicBezTo>
+                  <a:pt x="476250" y="420158"/>
+                  <a:pt x="542925" y="651404"/>
+                  <a:pt x="609600" y="882650"/>
+                </a:cubicBezTo>
+              </a:path>
+            </a:pathLst>
+          </a:custGeom>
+          <a:noFill/>
+          <a:ln w="3175">
+            <a:solidFill>
+              <a:schemeClr val="tx1"/>
+            </a:solidFill>
+            <a:prstDash val="dash"/>
+            <a:headEnd type="none" w="med" len="med"/>
+            <a:tailEnd type="triangle" w="med" len="med"/>
+          </a:ln>
+        </p:spPr>
+        <p:style>
+          <a:lnRef idx="2">
+            <a:schemeClr val="accent1">
+              <a:shade val="15000"/>
+            </a:schemeClr>
+          </a:lnRef>
+          <a:fillRef idx="1">
+            <a:schemeClr val="accent1"/>
+          </a:fillRef>
+          <a:effectRef idx="0">
+            <a:schemeClr val="accent1"/>
+          </a:effectRef>
+          <a:fontRef idx="minor">
+            <a:schemeClr val="lt1"/>
+          </a:fontRef>
+        </p:style>
+        <p:txBody>
+          <a:bodyPr rtlCol="0" anchor="ctr"/>
+          <a:lstStyle/>
+          <a:p>
+            <a:pPr algn="ctr"/>
+            <a:endParaRPr lang="pt-BR" dirty="0"/>
+          </a:p>
+        </p:txBody>
+      </p:sp>
+      <p:sp>
+        <p:nvSpPr>
+          <p:cNvPr id="46" name="Elipse 45">
+            <a:extLst>
+              <a:ext uri="{FF2B5EF4-FFF2-40B4-BE49-F238E27FC236}">
+                <a16:creationId xmlns:a16="http://schemas.microsoft.com/office/drawing/2014/main" id="{C3DEEC2D-A2E8-B62C-3519-1662739D0B6E}"/>
+              </a:ext>
+            </a:extLst>
+          </p:cNvPr>
+          <p:cNvSpPr/>
+          <p:nvPr/>
+        </p:nvSpPr>
+        <p:spPr>
+          <a:xfrm>
+            <a:off x="2380859" y="4524896"/>
+            <a:ext cx="42900" cy="42900"/>
+          </a:xfrm>
+          <a:prstGeom prst="ellipse">
+            <a:avLst/>
+          </a:prstGeom>
+          <a:solidFill>
+            <a:schemeClr val="tx1"/>
+          </a:solidFill>
+          <a:ln>
+            <a:solidFill>
+              <a:schemeClr val="tx1"/>
+            </a:solidFill>
+          </a:ln>
+        </p:spPr>
+        <p:style>
+          <a:lnRef idx="2">
+            <a:schemeClr val="accent1">
+              <a:shade val="15000"/>
+            </a:schemeClr>
+          </a:lnRef>
+          <a:fillRef idx="1">
+            <a:schemeClr val="accent1"/>
+          </a:fillRef>
+          <a:effectRef idx="0">
+            <a:schemeClr val="accent1"/>
+          </a:effectRef>
+          <a:fontRef idx="minor">
+            <a:schemeClr val="lt1"/>
+          </a:fontRef>
+        </p:style>
+        <p:txBody>
+          <a:bodyPr rtlCol="0" anchor="ctr"/>
+          <a:lstStyle/>
+          <a:p>
+            <a:pPr algn="ctr"/>
+            <a:endParaRPr lang="pt-BR" dirty="0"/>
+          </a:p>
+        </p:txBody>
+      </p:sp>
+      <mc:AlternateContent xmlns:mc="http://schemas.openxmlformats.org/markup-compatibility/2006">
+        <mc:Choice xmlns:a14="http://schemas.microsoft.com/office/drawing/2010/main" Requires="a14">
+          <p:sp>
+            <p:nvSpPr>
+              <p:cNvPr id="47" name="CaixaDeTexto 46">
+                <a:extLst>
+                  <a:ext uri="{FF2B5EF4-FFF2-40B4-BE49-F238E27FC236}">
+                    <a16:creationId xmlns:a16="http://schemas.microsoft.com/office/drawing/2014/main" id="{744BE183-5F01-AB59-599F-17091AA24B29}"/>
+                  </a:ext>
+                </a:extLst>
+              </p:cNvPr>
+              <p:cNvSpPr txBox="1"/>
+              <p:nvPr/>
+            </p:nvSpPr>
+            <p:spPr>
+              <a:xfrm>
+                <a:off x="2119544" y="3893176"/>
+                <a:ext cx="756505" cy="444032"/>
+              </a:xfrm>
+              <a:prstGeom prst="rect">
+                <a:avLst/>
+              </a:prstGeom>
+              <a:noFill/>
+            </p:spPr>
+            <p:txBody>
+              <a:bodyPr wrap="square">
+                <a:spAutoFit/>
+              </a:bodyPr>
+              <a:lstStyle/>
+              <a:p>
+                <a:pPr/>
+                <a14:m>
+                  <m:oMathPara xmlns:m="http://schemas.openxmlformats.org/officeDocument/2006/math">
+                    <m:oMathParaPr>
+                      <m:jc m:val="centerGroup"/>
+                    </m:oMathParaPr>
+                    <m:oMath xmlns:m="http://schemas.openxmlformats.org/officeDocument/2006/math">
+                      <m:r>
+                        <a:rPr lang="pt-BR" sz="1200" i="1" dirty="0" smtClean="0">
+                          <a:latin typeface="Cambria Math" panose="02040503050406030204" pitchFamily="18" charset="0"/>
+                          <a:ea typeface="Cambria Math" panose="02040503050406030204" pitchFamily="18" charset="0"/>
+                        </a:rPr>
+                        <m:t>𝛼</m:t>
+                      </m:r>
+                      <m:f>
+                        <m:fPr>
+                          <m:ctrlPr>
+                            <a:rPr lang="pt-BR" sz="1200" i="1" dirty="0" smtClean="0">
+                              <a:latin typeface="Cambria Math" panose="02040503050406030204" pitchFamily="18" charset="0"/>
+                            </a:rPr>
+                          </m:ctrlPr>
+                        </m:fPr>
+                        <m:num>
+                          <m:r>
+                            <a:rPr lang="pt-BR" sz="1200" i="1" dirty="0" smtClean="0">
+                              <a:latin typeface="Cambria Math" panose="02040503050406030204" pitchFamily="18" charset="0"/>
+                            </a:rPr>
+                            <m:t>𝜕</m:t>
+                          </m:r>
+                          <m:sSub>
+                            <m:sSubPr>
+                              <m:ctrlPr>
+                                <a:rPr lang="pt-BR" sz="1200" i="1">
+                                  <a:latin typeface="Cambria Math" panose="02040503050406030204" pitchFamily="18" charset="0"/>
+                                </a:rPr>
+                              </m:ctrlPr>
+                            </m:sSubPr>
+                            <m:e>
+                              <m:r>
+                                <a:rPr lang="pt-BR" sz="1200" i="1">
+                                  <a:latin typeface="Cambria Math" panose="02040503050406030204" pitchFamily="18" charset="0"/>
+                                </a:rPr>
+                                <m:t>𝐽</m:t>
+                              </m:r>
+                            </m:e>
+                            <m:sub>
+                              <m:r>
+                                <a:rPr lang="pt-BR" sz="1200" i="1">
+                                  <a:latin typeface="Cambria Math" panose="02040503050406030204" pitchFamily="18" charset="0"/>
+                                </a:rPr>
+                                <m:t>𝑒</m:t>
+                              </m:r>
+                            </m:sub>
+                          </m:sSub>
+                          <m:r>
+                            <a:rPr lang="pt-BR" sz="1200" i="1" smtClean="0">
+                              <a:latin typeface="Cambria Math" panose="02040503050406030204" pitchFamily="18" charset="0"/>
+                            </a:rPr>
+                            <m:t>(</m:t>
+                          </m:r>
+                          <m:sSub>
+                            <m:sSubPr>
+                              <m:ctrlPr>
+                                <a:rPr lang="pt-BR" sz="1200" i="1" smtClean="0">
+                                  <a:latin typeface="Cambria Math" panose="02040503050406030204" pitchFamily="18" charset="0"/>
+                                </a:rPr>
+                              </m:ctrlPr>
+                            </m:sSubPr>
+                            <m:e>
+                              <m:r>
+                                <a:rPr lang="pt-BR" sz="1200" i="1">
+                                  <a:latin typeface="Cambria Math" panose="02040503050406030204" pitchFamily="18" charset="0"/>
+                                </a:rPr>
+                                <m:t>𝑎</m:t>
+                              </m:r>
+                            </m:e>
+                            <m:sub>
+                              <m:r>
+                                <m:rPr>
+                                  <m:sty m:val="p"/>
+                                </m:rPr>
+                                <a:rPr lang="pt-BR" sz="1200" b="0" i="0" smtClean="0">
+                                  <a:latin typeface="Cambria Math" panose="02040503050406030204" pitchFamily="18" charset="0"/>
+                                </a:rPr>
+                                <m:t>anterior</m:t>
+                              </m:r>
+                            </m:sub>
+                          </m:sSub>
+                          <m:r>
+                            <a:rPr lang="pt-BR" sz="1200" i="1">
+                              <a:latin typeface="Cambria Math" panose="02040503050406030204" pitchFamily="18" charset="0"/>
+                            </a:rPr>
+                            <m:t>)</m:t>
+                          </m:r>
+                        </m:num>
+                        <m:den>
+                          <m:r>
+                            <a:rPr lang="pt-BR" sz="1200" i="1" dirty="0" smtClean="0">
+                              <a:latin typeface="Cambria Math" panose="02040503050406030204" pitchFamily="18" charset="0"/>
+                            </a:rPr>
+                            <m:t>𝜕</m:t>
+                          </m:r>
+                          <m:r>
+                            <a:rPr lang="pt-BR" sz="1200" b="0" i="1" dirty="0" smtClean="0">
+                              <a:latin typeface="Cambria Math" panose="02040503050406030204" pitchFamily="18" charset="0"/>
+                            </a:rPr>
+                            <m:t>𝑎</m:t>
+                          </m:r>
+                        </m:den>
+                      </m:f>
+                    </m:oMath>
+                  </m:oMathPara>
+                </a14:m>
+                <a:endParaRPr lang="pt-BR" sz="1200" dirty="0"/>
+              </a:p>
+            </p:txBody>
+          </p:sp>
+        </mc:Choice>
+        <mc:Fallback>
+          <p:sp>
+            <p:nvSpPr>
+              <p:cNvPr id="47" name="CaixaDeTexto 46">
+                <a:extLst>
+                  <a:ext uri="{FF2B5EF4-FFF2-40B4-BE49-F238E27FC236}">
+                    <a16:creationId xmlns:a16="http://schemas.microsoft.com/office/drawing/2014/main" id="{744BE183-5F01-AB59-599F-17091AA24B29}"/>
+                  </a:ext>
+                </a:extLst>
+              </p:cNvPr>
+              <p:cNvSpPr txBox="1">
+                <a:spLocks noRot="1" noChangeAspect="1" noMove="1" noResize="1" noEditPoints="1" noAdjustHandles="1" noChangeArrowheads="1" noChangeShapeType="1" noTextEdit="1"/>
+              </p:cNvSpPr>
+              <p:nvPr/>
+            </p:nvSpPr>
+            <p:spPr>
+              <a:xfrm>
+                <a:off x="2119544" y="3893176"/>
+                <a:ext cx="756505" cy="444032"/>
+              </a:xfrm>
+              <a:prstGeom prst="rect">
+                <a:avLst/>
+              </a:prstGeom>
+              <a:blipFill>
+                <a:blip r:embed="rId8"/>
+                <a:stretch>
+                  <a:fillRect r="-52419" b="-2778"/>
+                </a:stretch>
+              </a:blipFill>
+            </p:spPr>
+            <p:txBody>
+              <a:bodyPr/>
+              <a:lstStyle/>
+              <a:p>
+                <a:r>
+                  <a:rPr lang="pt-BR">
+                    <a:noFill/>
+                  </a:rPr>
+                  <a:t> </a:t>
+                </a:r>
+              </a:p>
+            </p:txBody>
+          </p:sp>
+        </mc:Fallback>
+      </mc:AlternateContent>
       <p:cxnSp>
         <p:nvCxnSpPr>
-          <p:cNvPr id="5" name="Conector de Seta Reta 4">
+          <p:cNvPr id="48" name="Conector reto 47">
             <a:extLst>
               <a:ext uri="{FF2B5EF4-FFF2-40B4-BE49-F238E27FC236}">
-                <a16:creationId xmlns:a16="http://schemas.microsoft.com/office/drawing/2014/main" id="{565E11D9-7749-637F-8930-C980947F051A}"/>
+                <a16:creationId xmlns:a16="http://schemas.microsoft.com/office/drawing/2014/main" id="{91970589-0FEE-A18A-6939-B759912143E8}"/>
               </a:ext>
             </a:extLst>
           </p:cNvPr>
@@ -6157,17 +9300,17 @@
         </p:nvCxnSpPr>
         <p:spPr>
           <a:xfrm>
-            <a:off x="1377679" y="3241084"/>
-            <a:ext cx="235631" cy="333078"/>
+            <a:off x="2402309" y="4543393"/>
+            <a:ext cx="0" cy="360000"/>
           </a:xfrm>
-          <a:prstGeom prst="straightConnector1">
+          <a:prstGeom prst="line">
             <a:avLst/>
           </a:prstGeom>
           <a:ln>
             <a:solidFill>
               <a:schemeClr val="tx1"/>
             </a:solidFill>
-            <a:tailEnd type="triangle"/>
+            <a:prstDash val="dash"/>
           </a:ln>
         </p:spPr>
         <p:style>
@@ -6185,6 +9328,465 @@
           </a:fontRef>
         </p:style>
       </p:cxnSp>
+      <mc:AlternateContent xmlns:mc="http://schemas.openxmlformats.org/markup-compatibility/2006">
+        <mc:Choice xmlns:a14="http://schemas.microsoft.com/office/drawing/2010/main" Requires="a14">
+          <p:sp>
+            <p:nvSpPr>
+              <p:cNvPr id="49" name="CaixaDeTexto 48">
+                <a:extLst>
+                  <a:ext uri="{FF2B5EF4-FFF2-40B4-BE49-F238E27FC236}">
+                    <a16:creationId xmlns:a16="http://schemas.microsoft.com/office/drawing/2014/main" id="{549CB10D-AF19-2EAB-1F32-C5517B1BA991}"/>
+                  </a:ext>
+                </a:extLst>
+              </p:cNvPr>
+              <p:cNvSpPr txBox="1"/>
+              <p:nvPr/>
+            </p:nvSpPr>
+            <p:spPr>
+              <a:xfrm>
+                <a:off x="2245894" y="4879610"/>
+                <a:ext cx="521882" cy="307777"/>
+              </a:xfrm>
+              <a:prstGeom prst="rect">
+                <a:avLst/>
+              </a:prstGeom>
+              <a:noFill/>
+            </p:spPr>
+            <p:txBody>
+              <a:bodyPr wrap="square" rtlCol="0">
+                <a:spAutoFit/>
+              </a:bodyPr>
+              <a:lstStyle/>
+              <a:p>
+                <a:pPr algn="ctr"/>
+                <a14:m>
+                  <m:oMathPara xmlns:m="http://schemas.openxmlformats.org/officeDocument/2006/math">
+                    <m:oMathParaPr>
+                      <m:jc m:val="left"/>
+                    </m:oMathParaPr>
+                    <m:oMath xmlns:m="http://schemas.openxmlformats.org/officeDocument/2006/math">
+                      <m:sSub>
+                        <m:sSubPr>
+                          <m:ctrlPr>
+                            <a:rPr lang="pt-BR" sz="1400" i="1" smtClean="0">
+                              <a:latin typeface="Cambria Math" panose="02040503050406030204" pitchFamily="18" charset="0"/>
+                            </a:rPr>
+                          </m:ctrlPr>
+                        </m:sSubPr>
+                        <m:e>
+                          <m:r>
+                            <a:rPr lang="pt-BR" sz="1400" b="0" i="1" smtClean="0">
+                              <a:latin typeface="Cambria Math" panose="02040503050406030204" pitchFamily="18" charset="0"/>
+                            </a:rPr>
+                            <m:t>𝑎</m:t>
+                          </m:r>
+                        </m:e>
+                        <m:sub>
+                          <m:r>
+                            <m:rPr>
+                              <m:sty m:val="p"/>
+                            </m:rPr>
+                            <a:rPr lang="pt-BR" sz="1400" b="0" i="0" smtClean="0">
+                              <a:latin typeface="Cambria Math" panose="02040503050406030204" pitchFamily="18" charset="0"/>
+                            </a:rPr>
+                            <m:t>novo</m:t>
+                          </m:r>
+                        </m:sub>
+                      </m:sSub>
+                    </m:oMath>
+                  </m:oMathPara>
+                </a14:m>
+                <a:endParaRPr lang="pt-BR" sz="1400" dirty="0"/>
+              </a:p>
+            </p:txBody>
+          </p:sp>
+        </mc:Choice>
+        <mc:Fallback>
+          <p:sp>
+            <p:nvSpPr>
+              <p:cNvPr id="49" name="CaixaDeTexto 48">
+                <a:extLst>
+                  <a:ext uri="{FF2B5EF4-FFF2-40B4-BE49-F238E27FC236}">
+                    <a16:creationId xmlns:a16="http://schemas.microsoft.com/office/drawing/2014/main" id="{549CB10D-AF19-2EAB-1F32-C5517B1BA991}"/>
+                  </a:ext>
+                </a:extLst>
+              </p:cNvPr>
+              <p:cNvSpPr txBox="1">
+                <a:spLocks noRot="1" noChangeAspect="1" noMove="1" noResize="1" noEditPoints="1" noAdjustHandles="1" noChangeArrowheads="1" noChangeShapeType="1" noTextEdit="1"/>
+              </p:cNvSpPr>
+              <p:nvPr/>
+            </p:nvSpPr>
+            <p:spPr>
+              <a:xfrm>
+                <a:off x="2245894" y="4879610"/>
+                <a:ext cx="521882" cy="307777"/>
+              </a:xfrm>
+              <a:prstGeom prst="rect">
+                <a:avLst/>
+              </a:prstGeom>
+              <a:blipFill>
+                <a:blip r:embed="rId9"/>
+                <a:stretch>
+                  <a:fillRect r="-2326"/>
+                </a:stretch>
+              </a:blipFill>
+            </p:spPr>
+            <p:txBody>
+              <a:bodyPr/>
+              <a:lstStyle/>
+              <a:p>
+                <a:r>
+                  <a:rPr lang="pt-BR">
+                    <a:noFill/>
+                  </a:rPr>
+                  <a:t> </a:t>
+                </a:r>
+              </a:p>
+            </p:txBody>
+          </p:sp>
+        </mc:Fallback>
+      </mc:AlternateContent>
+      <mc:AlternateContent xmlns:mc="http://schemas.openxmlformats.org/markup-compatibility/2006">
+        <mc:Choice xmlns:a14="http://schemas.microsoft.com/office/drawing/2010/main" Requires="a14">
+          <p:sp>
+            <p:nvSpPr>
+              <p:cNvPr id="50" name="CaixaDeTexto 49">
+                <a:extLst>
+                  <a:ext uri="{FF2B5EF4-FFF2-40B4-BE49-F238E27FC236}">
+                    <a16:creationId xmlns:a16="http://schemas.microsoft.com/office/drawing/2014/main" id="{AD34DBF0-EDFD-5DD5-7A9F-3D8017EA2434}"/>
+                  </a:ext>
+                </a:extLst>
+              </p:cNvPr>
+              <p:cNvSpPr txBox="1"/>
+              <p:nvPr/>
+            </p:nvSpPr>
+            <p:spPr>
+              <a:xfrm>
+                <a:off x="900385" y="5704354"/>
+                <a:ext cx="3981143" cy="678584"/>
+              </a:xfrm>
+              <a:prstGeom prst="rect">
+                <a:avLst/>
+              </a:prstGeom>
+              <a:noFill/>
+            </p:spPr>
+            <p:txBody>
+              <a:bodyPr wrap="square" rtlCol="0">
+                <a:spAutoFit/>
+              </a:bodyPr>
+              <a:lstStyle/>
+              <a:p>
+                <a:pPr algn="ctr"/>
+                <a14:m>
+                  <m:oMathPara xmlns:m="http://schemas.openxmlformats.org/officeDocument/2006/math">
+                    <m:oMathParaPr>
+                      <m:jc m:val="centerGroup"/>
+                    </m:oMathParaPr>
+                    <m:oMath xmlns:m="http://schemas.openxmlformats.org/officeDocument/2006/math">
+                      <m:sSub>
+                        <m:sSubPr>
+                          <m:ctrlPr>
+                            <a:rPr lang="pt-BR" sz="2000" i="1" smtClean="0">
+                              <a:latin typeface="Cambria Math" panose="02040503050406030204" pitchFamily="18" charset="0"/>
+                            </a:rPr>
+                          </m:ctrlPr>
+                        </m:sSubPr>
+                        <m:e>
+                          <m:r>
+                            <a:rPr lang="pt-BR" sz="2000" b="0" i="1" smtClean="0">
+                              <a:latin typeface="Cambria Math" panose="02040503050406030204" pitchFamily="18" charset="0"/>
+                            </a:rPr>
+                            <m:t>𝑎</m:t>
+                          </m:r>
+                        </m:e>
+                        <m:sub>
+                          <m:r>
+                            <m:rPr>
+                              <m:sty m:val="p"/>
+                            </m:rPr>
+                            <a:rPr lang="pt-BR" sz="2000" b="0" i="0" smtClean="0">
+                              <a:latin typeface="Cambria Math" panose="02040503050406030204" pitchFamily="18" charset="0"/>
+                            </a:rPr>
+                            <m:t>novo</m:t>
+                          </m:r>
+                        </m:sub>
+                      </m:sSub>
+                      <m:r>
+                        <a:rPr lang="pt-BR" sz="2000" b="0" i="0" smtClean="0">
+                          <a:latin typeface="Cambria Math" panose="02040503050406030204" pitchFamily="18" charset="0"/>
+                        </a:rPr>
+                        <m:t>=</m:t>
+                      </m:r>
+                      <m:sSub>
+                        <m:sSubPr>
+                          <m:ctrlPr>
+                            <a:rPr lang="pt-BR" sz="2000" i="1">
+                              <a:latin typeface="Cambria Math" panose="02040503050406030204" pitchFamily="18" charset="0"/>
+                            </a:rPr>
+                          </m:ctrlPr>
+                        </m:sSubPr>
+                        <m:e>
+                          <m:r>
+                            <a:rPr lang="pt-BR" sz="2000" i="1">
+                              <a:latin typeface="Cambria Math" panose="02040503050406030204" pitchFamily="18" charset="0"/>
+                            </a:rPr>
+                            <m:t>𝑎</m:t>
+                          </m:r>
+                        </m:e>
+                        <m:sub>
+                          <m:r>
+                            <m:rPr>
+                              <m:sty m:val="p"/>
+                            </m:rPr>
+                            <a:rPr lang="pt-BR" sz="2000" b="0" i="0" smtClean="0">
+                              <a:latin typeface="Cambria Math" panose="02040503050406030204" pitchFamily="18" charset="0"/>
+                            </a:rPr>
+                            <m:t>anterior</m:t>
+                          </m:r>
+                        </m:sub>
+                      </m:sSub>
+                      <m:r>
+                        <a:rPr lang="pt-BR" sz="2000" b="0" i="0" smtClean="0">
+                          <a:latin typeface="Cambria Math" panose="02040503050406030204" pitchFamily="18" charset="0"/>
+                        </a:rPr>
+                        <m:t>−</m:t>
+                      </m:r>
+                      <m:r>
+                        <a:rPr lang="pt-BR" sz="2000" i="1" dirty="0">
+                          <a:latin typeface="Cambria Math" panose="02040503050406030204" pitchFamily="18" charset="0"/>
+                          <a:ea typeface="Cambria Math" panose="02040503050406030204" pitchFamily="18" charset="0"/>
+                        </a:rPr>
+                        <m:t>𝛼</m:t>
+                      </m:r>
+                      <m:f>
+                        <m:fPr>
+                          <m:ctrlPr>
+                            <a:rPr lang="pt-BR" sz="2000" i="1" dirty="0">
+                              <a:latin typeface="Cambria Math" panose="02040503050406030204" pitchFamily="18" charset="0"/>
+                            </a:rPr>
+                          </m:ctrlPr>
+                        </m:fPr>
+                        <m:num>
+                          <m:r>
+                            <a:rPr lang="pt-BR" sz="2000" i="1" dirty="0">
+                              <a:latin typeface="Cambria Math" panose="02040503050406030204" pitchFamily="18" charset="0"/>
+                            </a:rPr>
+                            <m:t>𝜕</m:t>
+                          </m:r>
+                          <m:sSub>
+                            <m:sSubPr>
+                              <m:ctrlPr>
+                                <a:rPr lang="pt-BR" sz="2000" i="1">
+                                  <a:latin typeface="Cambria Math" panose="02040503050406030204" pitchFamily="18" charset="0"/>
+                                </a:rPr>
+                              </m:ctrlPr>
+                            </m:sSubPr>
+                            <m:e>
+                              <m:r>
+                                <a:rPr lang="pt-BR" sz="2000" i="1">
+                                  <a:latin typeface="Cambria Math" panose="02040503050406030204" pitchFamily="18" charset="0"/>
+                                </a:rPr>
+                                <m:t>𝐽</m:t>
+                              </m:r>
+                            </m:e>
+                            <m:sub>
+                              <m:r>
+                                <a:rPr lang="pt-BR" sz="2000" i="1">
+                                  <a:latin typeface="Cambria Math" panose="02040503050406030204" pitchFamily="18" charset="0"/>
+                                </a:rPr>
+                                <m:t>𝑒</m:t>
+                              </m:r>
+                            </m:sub>
+                          </m:sSub>
+                          <m:r>
+                            <a:rPr lang="pt-BR" sz="2000" i="1" smtClean="0">
+                              <a:latin typeface="Cambria Math" panose="02040503050406030204" pitchFamily="18" charset="0"/>
+                            </a:rPr>
+                            <m:t>(</m:t>
+                          </m:r>
+                          <m:sSub>
+                            <m:sSubPr>
+                              <m:ctrlPr>
+                                <a:rPr lang="pt-BR" sz="2000" i="1" smtClean="0">
+                                  <a:latin typeface="Cambria Math" panose="02040503050406030204" pitchFamily="18" charset="0"/>
+                                </a:rPr>
+                              </m:ctrlPr>
+                            </m:sSubPr>
+                            <m:e>
+                              <m:r>
+                                <a:rPr lang="pt-BR" sz="2000" i="1">
+                                  <a:latin typeface="Cambria Math" panose="02040503050406030204" pitchFamily="18" charset="0"/>
+                                </a:rPr>
+                                <m:t>𝑎</m:t>
+                              </m:r>
+                            </m:e>
+                            <m:sub>
+                              <m:r>
+                                <m:rPr>
+                                  <m:sty m:val="p"/>
+                                </m:rPr>
+                                <a:rPr lang="pt-BR" sz="2000" b="0" i="0" smtClean="0">
+                                  <a:latin typeface="Cambria Math" panose="02040503050406030204" pitchFamily="18" charset="0"/>
+                                </a:rPr>
+                                <m:t>anterior</m:t>
+                              </m:r>
+                            </m:sub>
+                          </m:sSub>
+                          <m:r>
+                            <a:rPr lang="pt-BR" sz="2000" i="1">
+                              <a:latin typeface="Cambria Math" panose="02040503050406030204" pitchFamily="18" charset="0"/>
+                            </a:rPr>
+                            <m:t>)</m:t>
+                          </m:r>
+                        </m:num>
+                        <m:den>
+                          <m:r>
+                            <a:rPr lang="pt-BR" sz="2000" i="1" dirty="0">
+                              <a:latin typeface="Cambria Math" panose="02040503050406030204" pitchFamily="18" charset="0"/>
+                            </a:rPr>
+                            <m:t>𝜕</m:t>
+                          </m:r>
+                          <m:r>
+                            <a:rPr lang="pt-BR" sz="2000" i="1" dirty="0">
+                              <a:latin typeface="Cambria Math" panose="02040503050406030204" pitchFamily="18" charset="0"/>
+                            </a:rPr>
+                            <m:t>𝑎</m:t>
+                          </m:r>
+                        </m:den>
+                      </m:f>
+                    </m:oMath>
+                  </m:oMathPara>
+                </a14:m>
+                <a:endParaRPr lang="pt-BR" sz="2000" dirty="0"/>
+              </a:p>
+            </p:txBody>
+          </p:sp>
+        </mc:Choice>
+        <mc:Fallback>
+          <p:sp>
+            <p:nvSpPr>
+              <p:cNvPr id="50" name="CaixaDeTexto 49">
+                <a:extLst>
+                  <a:ext uri="{FF2B5EF4-FFF2-40B4-BE49-F238E27FC236}">
+                    <a16:creationId xmlns:a16="http://schemas.microsoft.com/office/drawing/2014/main" id="{AD34DBF0-EDFD-5DD5-7A9F-3D8017EA2434}"/>
+                  </a:ext>
+                </a:extLst>
+              </p:cNvPr>
+              <p:cNvSpPr txBox="1">
+                <a:spLocks noRot="1" noChangeAspect="1" noMove="1" noResize="1" noEditPoints="1" noAdjustHandles="1" noChangeArrowheads="1" noChangeShapeType="1" noTextEdit="1"/>
+              </p:cNvSpPr>
+              <p:nvPr/>
+            </p:nvSpPr>
+            <p:spPr>
+              <a:xfrm>
+                <a:off x="900385" y="5704354"/>
+                <a:ext cx="3981143" cy="678584"/>
+              </a:xfrm>
+              <a:prstGeom prst="rect">
+                <a:avLst/>
+              </a:prstGeom>
+              <a:blipFill>
+                <a:blip r:embed="rId10"/>
+                <a:stretch>
+                  <a:fillRect/>
+                </a:stretch>
+              </a:blipFill>
+            </p:spPr>
+            <p:txBody>
+              <a:bodyPr/>
+              <a:lstStyle/>
+              <a:p>
+                <a:r>
+                  <a:rPr lang="pt-BR">
+                    <a:noFill/>
+                  </a:rPr>
+                  <a:t> </a:t>
+                </a:r>
+              </a:p>
+            </p:txBody>
+          </p:sp>
+        </mc:Fallback>
+      </mc:AlternateContent>
+      <p:sp>
+        <p:nvSpPr>
+          <p:cNvPr id="51" name="Chave Direita 50">
+            <a:extLst>
+              <a:ext uri="{FF2B5EF4-FFF2-40B4-BE49-F238E27FC236}">
+                <a16:creationId xmlns:a16="http://schemas.microsoft.com/office/drawing/2014/main" id="{BBB7610F-0D45-15F0-36E0-B73700205383}"/>
+              </a:ext>
+            </a:extLst>
+          </p:cNvPr>
+          <p:cNvSpPr/>
+          <p:nvPr/>
+        </p:nvSpPr>
+        <p:spPr>
+          <a:xfrm rot="5400000">
+            <a:off x="2804075" y="4472502"/>
+            <a:ext cx="237200" cy="3861927"/>
+          </a:xfrm>
+          <a:prstGeom prst="rightBrace">
+            <a:avLst/>
+          </a:prstGeom>
+        </p:spPr>
+        <p:style>
+          <a:lnRef idx="1">
+            <a:schemeClr val="accent1"/>
+          </a:lnRef>
+          <a:fillRef idx="0">
+            <a:schemeClr val="accent1"/>
+          </a:fillRef>
+          <a:effectRef idx="0">
+            <a:schemeClr val="accent1"/>
+          </a:effectRef>
+          <a:fontRef idx="minor">
+            <a:schemeClr val="tx1"/>
+          </a:fontRef>
+        </p:style>
+        <p:txBody>
+          <a:bodyPr rtlCol="0" anchor="ctr"/>
+          <a:lstStyle/>
+          <a:p>
+            <a:pPr algn="ctr"/>
+            <a:endParaRPr lang="pt-BR"/>
+          </a:p>
+        </p:txBody>
+      </p:sp>
+      <p:sp>
+        <p:nvSpPr>
+          <p:cNvPr id="52" name="CaixaDeTexto 51">
+            <a:extLst>
+              <a:ext uri="{FF2B5EF4-FFF2-40B4-BE49-F238E27FC236}">
+                <a16:creationId xmlns:a16="http://schemas.microsoft.com/office/drawing/2014/main" id="{38BE7280-D6C2-F198-63A6-75BAA02AF46C}"/>
+              </a:ext>
+            </a:extLst>
+          </p:cNvPr>
+          <p:cNvSpPr txBox="1"/>
+          <p:nvPr/>
+        </p:nvSpPr>
+        <p:spPr>
+          <a:xfrm>
+            <a:off x="973059" y="6472958"/>
+            <a:ext cx="3880580" cy="369332"/>
+          </a:xfrm>
+          <a:prstGeom prst="rect">
+            <a:avLst/>
+          </a:prstGeom>
+          <a:noFill/>
+        </p:spPr>
+        <p:txBody>
+          <a:bodyPr wrap="square" rtlCol="0">
+            <a:spAutoFit/>
+          </a:bodyPr>
+          <a:lstStyle/>
+          <a:p>
+            <a:pPr algn="ctr"/>
+            <a:r>
+              <a:rPr lang="pt-BR" dirty="0"/>
+              <a:t>Equação de atualização dos pesos</a:t>
+            </a:r>
+          </a:p>
+        </p:txBody>
+      </p:sp>
     </p:spTree>
     <p:extLst>
       <p:ext uri="{BB962C8B-B14F-4D97-AF65-F5344CB8AC3E}">
@@ -6198,7 +9800,7 @@
 </p:sld>
 </file>
 
-<file path=ppt/slides/slide11.xml><?xml version="1.0" encoding="utf-8"?>
+<file path=ppt/slides/slide12.xml><?xml version="1.0" encoding="utf-8"?>
 <p:sld xmlns:a="http://schemas.openxmlformats.org/drawingml/2006/main" xmlns:r="http://schemas.openxmlformats.org/officeDocument/2006/relationships" xmlns:p="http://schemas.openxmlformats.org/presentationml/2006/main">
   <p:cSld>
     <p:spTree>
@@ -6284,7 +9886,7 @@
 </p:sld>
 </file>
 
-<file path=ppt/slides/slide12.xml><?xml version="1.0" encoding="utf-8"?>
+<file path=ppt/slides/slide13.xml><?xml version="1.0" encoding="utf-8"?>
 <p:sld xmlns:a="http://schemas.openxmlformats.org/drawingml/2006/main" xmlns:r="http://schemas.openxmlformats.org/officeDocument/2006/relationships" xmlns:p="http://schemas.openxmlformats.org/presentationml/2006/main">
   <p:cSld>
     <p:spTree>
@@ -6370,7 +9972,7 @@
 </p:sld>
 </file>
 
-<file path=ppt/slides/slide13.xml><?xml version="1.0" encoding="utf-8"?>
+<file path=ppt/slides/slide14.xml><?xml version="1.0" encoding="utf-8"?>
 <p:sld xmlns:a="http://schemas.openxmlformats.org/drawingml/2006/main" xmlns:r="http://schemas.openxmlformats.org/officeDocument/2006/relationships" xmlns:p="http://schemas.openxmlformats.org/presentationml/2006/main">
   <p:cSld>
     <p:spTree>
@@ -6729,45 +10331,152 @@
           </a:p>
         </p:txBody>
       </p:sp>
-      <p:sp>
-        <p:nvSpPr>
-          <p:cNvPr id="3" name="Espaço Reservado para Conteúdo 2">
-            <a:extLst>
-              <a:ext uri="{FF2B5EF4-FFF2-40B4-BE49-F238E27FC236}">
-                <a16:creationId xmlns:a16="http://schemas.microsoft.com/office/drawing/2014/main" id="{1DDC095D-537A-22C7-EBAE-27CDB323C57B}"/>
-              </a:ext>
-            </a:extLst>
-          </p:cNvPr>
-          <p:cNvSpPr>
-            <a:spLocks noGrp="1"/>
-          </p:cNvSpPr>
-          <p:nvPr>
-            <p:ph idx="1"/>
-          </p:nvPr>
-        </p:nvSpPr>
-        <p:spPr>
-          <a:xfrm>
-            <a:off x="6384940" y="1825624"/>
-            <a:ext cx="5490182" cy="4924495"/>
-          </a:xfrm>
-        </p:spPr>
-        <p:txBody>
-          <a:bodyPr/>
-          <a:lstStyle/>
-          <a:p>
-            <a:r>
-              <a:rPr lang="pt-BR" dirty="0"/>
-              <a:t>Vamos primeiro ver como vetores gradiente e derivadas nos ajudam a minimizar o erro.</a:t>
-            </a:r>
-          </a:p>
-          <a:p>
-            <a:r>
-              <a:rPr lang="pt-BR" dirty="0"/>
-              <a:t>Consequentemente, entenderemos como o algoritmo de otimização/treinamento dos modelos funciona.</a:t>
-            </a:r>
-          </a:p>
-        </p:txBody>
-      </p:sp>
+      <mc:AlternateContent xmlns:mc="http://schemas.openxmlformats.org/markup-compatibility/2006">
+        <mc:Choice xmlns:a14="http://schemas.microsoft.com/office/drawing/2010/main" Requires="a14">
+          <p:sp>
+            <p:nvSpPr>
+              <p:cNvPr id="3" name="Espaço Reservado para Conteúdo 2">
+                <a:extLst>
+                  <a:ext uri="{FF2B5EF4-FFF2-40B4-BE49-F238E27FC236}">
+                    <a16:creationId xmlns:a16="http://schemas.microsoft.com/office/drawing/2014/main" id="{1DDC095D-537A-22C7-EBAE-27CDB323C57B}"/>
+                  </a:ext>
+                </a:extLst>
+              </p:cNvPr>
+              <p:cNvSpPr>
+                <a:spLocks noGrp="1"/>
+              </p:cNvSpPr>
+              <p:nvPr>
+                <p:ph idx="1"/>
+              </p:nvPr>
+            </p:nvSpPr>
+            <p:spPr>
+              <a:xfrm>
+                <a:off x="6384940" y="1825624"/>
+                <a:ext cx="5490182" cy="4924495"/>
+              </a:xfrm>
+            </p:spPr>
+            <p:txBody>
+              <a:bodyPr/>
+              <a:lstStyle/>
+              <a:p>
+                <a:r>
+                  <a:rPr lang="pt-BR" dirty="0"/>
+                  <a:t>Vamos primeiro ver como vetores gradiente e derivadas nos ajudam a minimizar o erro.</a:t>
+                </a:r>
+              </a:p>
+              <a:p>
+                <a:r>
+                  <a:rPr lang="pt-BR" dirty="0"/>
+                  <a:t>Consequentemente, entenderemos como o algoritmo de otimização/treinamento dos modelos funciona.</a:t>
+                </a:r>
+              </a:p>
+              <a:p>
+                <a:r>
+                  <a:rPr lang="pt-BR" b="1" dirty="0"/>
+                  <a:t>OBS</a:t>
+                </a:r>
+                <a:r>
+                  <a:rPr lang="pt-BR" dirty="0"/>
+                  <a:t>.: Vamos usar </a:t>
+                </a:r>
+                <a14:m>
+                  <m:oMath xmlns:m="http://schemas.openxmlformats.org/officeDocument/2006/math">
+                    <m:sSub>
+                      <m:sSubPr>
+                        <m:ctrlPr>
+                          <a:rPr lang="pt-BR" i="1">
+                            <a:latin typeface="Cambria Math" panose="02040503050406030204" pitchFamily="18" charset="0"/>
+                          </a:rPr>
+                        </m:ctrlPr>
+                      </m:sSubPr>
+                      <m:e>
+                        <m:r>
+                          <a:rPr lang="pt-BR" i="1">
+                            <a:latin typeface="Cambria Math" panose="02040503050406030204" pitchFamily="18" charset="0"/>
+                          </a:rPr>
+                          <m:t>𝐽</m:t>
+                        </m:r>
+                      </m:e>
+                      <m:sub>
+                        <m:r>
+                          <a:rPr lang="pt-BR" i="1">
+                            <a:latin typeface="Cambria Math" panose="02040503050406030204" pitchFamily="18" charset="0"/>
+                          </a:rPr>
+                          <m:t>𝑒</m:t>
+                        </m:r>
+                      </m:sub>
+                    </m:sSub>
+                    <m:d>
+                      <m:dPr>
+                        <m:ctrlPr>
+                          <a:rPr lang="pt-BR" i="1">
+                            <a:latin typeface="Cambria Math" panose="02040503050406030204" pitchFamily="18" charset="0"/>
+                          </a:rPr>
+                        </m:ctrlPr>
+                      </m:dPr>
+                      <m:e>
+                        <m:r>
+                          <a:rPr lang="pt-BR" i="1">
+                            <a:latin typeface="Cambria Math" panose="02040503050406030204" pitchFamily="18" charset="0"/>
+                          </a:rPr>
+                          <m:t>𝑎</m:t>
+                        </m:r>
+                      </m:e>
+                    </m:d>
+                  </m:oMath>
+                </a14:m>
+                <a:r>
+                  <a:rPr lang="pt-BR" dirty="0"/>
+                  <a:t> para definir uma função de erro genérica.</a:t>
+                </a:r>
+              </a:p>
+            </p:txBody>
+          </p:sp>
+        </mc:Choice>
+        <mc:Fallback>
+          <p:sp>
+            <p:nvSpPr>
+              <p:cNvPr id="3" name="Espaço Reservado para Conteúdo 2">
+                <a:extLst>
+                  <a:ext uri="{FF2B5EF4-FFF2-40B4-BE49-F238E27FC236}">
+                    <a16:creationId xmlns:a16="http://schemas.microsoft.com/office/drawing/2014/main" id="{1DDC095D-537A-22C7-EBAE-27CDB323C57B}"/>
+                  </a:ext>
+                </a:extLst>
+              </p:cNvPr>
+              <p:cNvSpPr>
+                <a:spLocks noGrp="1" noRot="1" noChangeAspect="1" noMove="1" noResize="1" noEditPoints="1" noAdjustHandles="1" noChangeArrowheads="1" noChangeShapeType="1" noTextEdit="1"/>
+              </p:cNvSpPr>
+              <p:nvPr>
+                <p:ph idx="1"/>
+              </p:nvPr>
+            </p:nvSpPr>
+            <p:spPr>
+              <a:xfrm>
+                <a:off x="6384940" y="1825624"/>
+                <a:ext cx="5490182" cy="4924495"/>
+              </a:xfrm>
+              <a:blipFill>
+                <a:blip r:embed="rId2"/>
+                <a:stretch>
+                  <a:fillRect l="-1998" t="-1980"/>
+                </a:stretch>
+              </a:blipFill>
+            </p:spPr>
+            <p:txBody>
+              <a:bodyPr/>
+              <a:lstStyle/>
+              <a:p>
+                <a:r>
+                  <a:rPr lang="pt-BR">
+                    <a:noFill/>
+                  </a:rPr>
+                  <a:t> </a:t>
+                </a:r>
+              </a:p>
+            </p:txBody>
+          </p:sp>
+        </mc:Fallback>
+      </mc:AlternateContent>
       <p:grpSp>
         <p:nvGrpSpPr>
           <p:cNvPr id="22" name="Agrupar 21">
@@ -6785,9 +10494,9 @@
         <p:grpSpPr>
           <a:xfrm>
             <a:off x="974017" y="2353696"/>
-            <a:ext cx="3962612" cy="3115172"/>
+            <a:ext cx="3962612" cy="2939417"/>
             <a:chOff x="1323650" y="2793841"/>
-            <a:chExt cx="3325297" cy="2614153"/>
+            <a:chExt cx="3325297" cy="2466665"/>
           </a:xfrm>
         </p:grpSpPr>
         <p:cxnSp>
@@ -6878,41 +10587,137 @@
             </a:fontRef>
           </p:style>
         </p:cxnSp>
-        <p:sp>
-          <p:nvSpPr>
-            <p:cNvPr id="10" name="CaixaDeTexto 9">
-              <a:extLst>
-                <a:ext uri="{FF2B5EF4-FFF2-40B4-BE49-F238E27FC236}">
-                  <a16:creationId xmlns:a16="http://schemas.microsoft.com/office/drawing/2014/main" id="{B0250428-D071-9C4E-A18F-04EA9FB08734}"/>
-                </a:ext>
-              </a:extLst>
-            </p:cNvPr>
-            <p:cNvSpPr txBox="1"/>
-            <p:nvPr/>
-          </p:nvSpPr>
-          <p:spPr>
-            <a:xfrm>
-              <a:off x="1323650" y="2793841"/>
-              <a:ext cx="1409701" cy="309932"/>
-            </a:xfrm>
-            <a:prstGeom prst="rect">
-              <a:avLst/>
-            </a:prstGeom>
-            <a:noFill/>
-          </p:spPr>
-          <p:txBody>
-            <a:bodyPr wrap="square" rtlCol="0">
-              <a:spAutoFit/>
-            </a:bodyPr>
-            <a:lstStyle/>
-            <a:p>
-              <a:r>
-                <a:rPr lang="pt-BR" dirty="0"/>
-                <a:t>Função de erro</a:t>
-              </a:r>
-            </a:p>
-          </p:txBody>
-        </p:sp>
+        <mc:AlternateContent xmlns:mc="http://schemas.openxmlformats.org/markup-compatibility/2006">
+          <mc:Choice xmlns:a14="http://schemas.microsoft.com/office/drawing/2010/main" Requires="a14">
+            <p:sp>
+              <p:nvSpPr>
+                <p:cNvPr id="10" name="CaixaDeTexto 9">
+                  <a:extLst>
+                    <a:ext uri="{FF2B5EF4-FFF2-40B4-BE49-F238E27FC236}">
+                      <a16:creationId xmlns:a16="http://schemas.microsoft.com/office/drawing/2014/main" id="{B0250428-D071-9C4E-A18F-04EA9FB08734}"/>
+                    </a:ext>
+                  </a:extLst>
+                </p:cNvPr>
+                <p:cNvSpPr txBox="1"/>
+                <p:nvPr/>
+              </p:nvSpPr>
+              <p:spPr>
+                <a:xfrm>
+                  <a:off x="1323650" y="2793841"/>
+                  <a:ext cx="2064926" cy="309932"/>
+                </a:xfrm>
+                <a:prstGeom prst="rect">
+                  <a:avLst/>
+                </a:prstGeom>
+                <a:noFill/>
+              </p:spPr>
+              <p:txBody>
+                <a:bodyPr wrap="square" rtlCol="0">
+                  <a:spAutoFit/>
+                </a:bodyPr>
+                <a:lstStyle/>
+                <a:p>
+                  <a:r>
+                    <a:rPr lang="pt-BR" dirty="0"/>
+                    <a:t>Função de erro, </a:t>
+                  </a:r>
+                  <a14:m>
+                    <m:oMath xmlns:m="http://schemas.openxmlformats.org/officeDocument/2006/math">
+                      <m:sSub>
+                        <m:sSubPr>
+                          <m:ctrlPr>
+                            <a:rPr lang="pt-BR" i="1" smtClean="0">
+                              <a:latin typeface="Cambria Math" panose="02040503050406030204" pitchFamily="18" charset="0"/>
+                            </a:rPr>
+                          </m:ctrlPr>
+                        </m:sSubPr>
+                        <m:e>
+                          <m:r>
+                            <a:rPr lang="pt-BR" b="0" i="1" smtClean="0">
+                              <a:latin typeface="Cambria Math" panose="02040503050406030204" pitchFamily="18" charset="0"/>
+                            </a:rPr>
+                            <m:t>𝐽</m:t>
+                          </m:r>
+                        </m:e>
+                        <m:sub>
+                          <m:r>
+                            <a:rPr lang="pt-BR" b="0" i="1" smtClean="0">
+                              <a:latin typeface="Cambria Math" panose="02040503050406030204" pitchFamily="18" charset="0"/>
+                            </a:rPr>
+                            <m:t>𝑒</m:t>
+                          </m:r>
+                        </m:sub>
+                      </m:sSub>
+                      <m:r>
+                        <a:rPr lang="pt-BR" b="0" i="1" smtClean="0">
+                          <a:latin typeface="Cambria Math" panose="02040503050406030204" pitchFamily="18" charset="0"/>
+                        </a:rPr>
+                        <m:t>(</m:t>
+                      </m:r>
+                      <m:r>
+                        <a:rPr lang="pt-BR" b="0" i="1" smtClean="0">
+                          <a:latin typeface="Cambria Math" panose="02040503050406030204" pitchFamily="18" charset="0"/>
+                        </a:rPr>
+                        <m:t>𝑎</m:t>
+                      </m:r>
+                      <m:r>
+                        <a:rPr lang="pt-BR" b="0" i="1" smtClean="0">
+                          <a:latin typeface="Cambria Math" panose="02040503050406030204" pitchFamily="18" charset="0"/>
+                        </a:rPr>
+                        <m:t>)</m:t>
+                      </m:r>
+                    </m:oMath>
+                  </a14:m>
+                  <a:endParaRPr lang="pt-BR" dirty="0"/>
+                </a:p>
+              </p:txBody>
+            </p:sp>
+          </mc:Choice>
+          <mc:Fallback>
+            <p:sp>
+              <p:nvSpPr>
+                <p:cNvPr id="10" name="CaixaDeTexto 9">
+                  <a:extLst>
+                    <a:ext uri="{FF2B5EF4-FFF2-40B4-BE49-F238E27FC236}">
+                      <a16:creationId xmlns:a16="http://schemas.microsoft.com/office/drawing/2014/main" id="{B0250428-D071-9C4E-A18F-04EA9FB08734}"/>
+                    </a:ext>
+                  </a:extLst>
+                </p:cNvPr>
+                <p:cNvSpPr txBox="1">
+                  <a:spLocks noRot="1" noChangeAspect="1" noMove="1" noResize="1" noEditPoints="1" noAdjustHandles="1" noChangeArrowheads="1" noChangeShapeType="1" noTextEdit="1"/>
+                </p:cNvSpPr>
+                <p:nvPr/>
+              </p:nvSpPr>
+              <p:spPr>
+                <a:xfrm>
+                  <a:off x="1323650" y="2793841"/>
+                  <a:ext cx="2064926" cy="309932"/>
+                </a:xfrm>
+                <a:prstGeom prst="rect">
+                  <a:avLst/>
+                </a:prstGeom>
+                <a:blipFill>
+                  <a:blip r:embed="rId3"/>
+                  <a:stretch>
+                    <a:fillRect l="-2233" t="-8197" b="-24590"/>
+                  </a:stretch>
+                </a:blipFill>
+              </p:spPr>
+              <p:txBody>
+                <a:bodyPr/>
+                <a:lstStyle/>
+                <a:p>
+                  <a:r>
+                    <a:rPr lang="pt-BR">
+                      <a:noFill/>
+                    </a:rPr>
+                    <a:t> </a:t>
+                  </a:r>
+                </a:p>
+              </p:txBody>
+            </p:sp>
+          </mc:Fallback>
+        </mc:AlternateContent>
         <p:sp>
           <p:nvSpPr>
             <p:cNvPr id="11" name="CaixaDeTexto 10">
@@ -7005,7 +10810,7 @@
           </p:nvSpPr>
           <p:spPr>
             <a:xfrm>
-              <a:off x="2493227" y="4946329"/>
+              <a:off x="2493227" y="4372013"/>
               <a:ext cx="895349" cy="461665"/>
             </a:xfrm>
             <a:prstGeom prst="rect">
@@ -7142,8 +10947,8 @@
             </p:nvSpPr>
             <p:spPr>
               <a:xfrm>
-                <a:off x="1430624" y="5682905"/>
-                <a:ext cx="3051425" cy="646331"/>
+                <a:off x="974017" y="5682905"/>
+                <a:ext cx="3860967" cy="646331"/>
               </a:xfrm>
               <a:prstGeom prst="rect">
                 <a:avLst/>
@@ -7159,7 +10964,58 @@
                 <a:pPr algn="ctr"/>
                 <a:r>
                   <a:rPr lang="pt-BR" dirty="0"/>
-                  <a:t>Função de erro quantifica a diferença entre </a:t>
+                  <a:t>A função de erro, </a:t>
+                </a:r>
+                <a14:m>
+                  <m:oMath xmlns:m="http://schemas.openxmlformats.org/officeDocument/2006/math">
+                    <m:sSub>
+                      <m:sSubPr>
+                        <m:ctrlPr>
+                          <a:rPr lang="pt-BR" i="1">
+                            <a:latin typeface="Cambria Math" panose="02040503050406030204" pitchFamily="18" charset="0"/>
+                          </a:rPr>
+                        </m:ctrlPr>
+                      </m:sSubPr>
+                      <m:e>
+                        <m:r>
+                          <a:rPr lang="pt-BR" i="1">
+                            <a:latin typeface="Cambria Math" panose="02040503050406030204" pitchFamily="18" charset="0"/>
+                          </a:rPr>
+                          <m:t>𝐽</m:t>
+                        </m:r>
+                      </m:e>
+                      <m:sub>
+                        <m:r>
+                          <a:rPr lang="pt-BR" i="1">
+                            <a:latin typeface="Cambria Math" panose="02040503050406030204" pitchFamily="18" charset="0"/>
+                          </a:rPr>
+                          <m:t>𝑒</m:t>
+                        </m:r>
+                      </m:sub>
+                    </m:sSub>
+                    <m:r>
+                      <a:rPr lang="pt-BR" i="1">
+                        <a:latin typeface="Cambria Math" panose="02040503050406030204" pitchFamily="18" charset="0"/>
+                      </a:rPr>
+                      <m:t>(</m:t>
+                    </m:r>
+                    <m:r>
+                      <a:rPr lang="pt-BR" i="1">
+                        <a:latin typeface="Cambria Math" panose="02040503050406030204" pitchFamily="18" charset="0"/>
+                      </a:rPr>
+                      <m:t>𝑎</m:t>
+                    </m:r>
+                    <m:r>
+                      <a:rPr lang="pt-BR" i="1">
+                        <a:latin typeface="Cambria Math" panose="02040503050406030204" pitchFamily="18" charset="0"/>
+                      </a:rPr>
+                      <m:t>)</m:t>
+                    </m:r>
+                  </m:oMath>
+                </a14:m>
+                <a:r>
+                  <a:rPr lang="pt-BR" dirty="0"/>
+                  <a:t>, quantifica a diferença entre </a:t>
                 </a:r>
                 <a14:m>
                   <m:oMath xmlns:m="http://schemas.openxmlformats.org/officeDocument/2006/math">
@@ -7199,7 +11055,7 @@
                 </a14:m>
                 <a:r>
                   <a:rPr lang="pt-BR" dirty="0"/>
-                  <a:t>;</a:t>
+                  <a:t>.</a:t>
                 </a:r>
               </a:p>
             </p:txBody>
@@ -7222,16 +11078,140 @@
             </p:nvSpPr>
             <p:spPr>
               <a:xfrm>
-                <a:off x="1430624" y="5682905"/>
-                <a:ext cx="3051425" cy="646331"/>
+                <a:off x="974017" y="5682905"/>
+                <a:ext cx="3860967" cy="646331"/>
               </a:xfrm>
               <a:prstGeom prst="rect">
                 <a:avLst/>
               </a:prstGeom>
               <a:blipFill>
-                <a:blip r:embed="rId2"/>
+                <a:blip r:embed="rId4"/>
                 <a:stretch>
                   <a:fillRect t="-4717" b="-14151"/>
+                </a:stretch>
+              </a:blipFill>
+            </p:spPr>
+            <p:txBody>
+              <a:bodyPr/>
+              <a:lstStyle/>
+              <a:p>
+                <a:r>
+                  <a:rPr lang="pt-BR">
+                    <a:noFill/>
+                  </a:rPr>
+                  <a:t> </a:t>
+                </a:r>
+              </a:p>
+            </p:txBody>
+          </p:sp>
+        </mc:Fallback>
+      </mc:AlternateContent>
+      <mc:AlternateContent xmlns:mc="http://schemas.openxmlformats.org/markup-compatibility/2006">
+        <mc:Choice xmlns:a14="http://schemas.microsoft.com/office/drawing/2010/main" Requires="a14">
+          <p:sp>
+            <p:nvSpPr>
+              <p:cNvPr id="4" name="CaixaDeTexto 3">
+                <a:extLst>
+                  <a:ext uri="{FF2B5EF4-FFF2-40B4-BE49-F238E27FC236}">
+                    <a16:creationId xmlns:a16="http://schemas.microsoft.com/office/drawing/2014/main" id="{AB5ADD18-0E14-67E6-B146-0808AFE44344}"/>
+                  </a:ext>
+                </a:extLst>
+              </p:cNvPr>
+              <p:cNvSpPr txBox="1"/>
+              <p:nvPr/>
+            </p:nvSpPr>
+            <p:spPr>
+              <a:xfrm>
+                <a:off x="2679917" y="4870862"/>
+                <a:ext cx="867941" cy="307777"/>
+              </a:xfrm>
+              <a:prstGeom prst="rect">
+                <a:avLst/>
+              </a:prstGeom>
+              <a:noFill/>
+            </p:spPr>
+            <p:txBody>
+              <a:bodyPr wrap="square" rtlCol="0">
+                <a:spAutoFit/>
+              </a:bodyPr>
+              <a:lstStyle/>
+              <a:p>
+                <a:pPr algn="ctr"/>
+                <a14:m>
+                  <m:oMathPara xmlns:m="http://schemas.openxmlformats.org/officeDocument/2006/math">
+                    <m:oMathParaPr>
+                      <m:jc m:val="centerGroup"/>
+                    </m:oMathParaPr>
+                    <m:oMath xmlns:m="http://schemas.openxmlformats.org/officeDocument/2006/math">
+                      <m:sSub>
+                        <m:sSubPr>
+                          <m:ctrlPr>
+                            <a:rPr lang="pt-BR" sz="1400" i="1" smtClean="0">
+                              <a:latin typeface="Cambria Math" panose="02040503050406030204" pitchFamily="18" charset="0"/>
+                            </a:rPr>
+                          </m:ctrlPr>
+                        </m:sSubPr>
+                        <m:e>
+                          <m:r>
+                            <a:rPr lang="pt-BR" sz="1400" b="0" i="1" smtClean="0">
+                              <a:latin typeface="Cambria Math" panose="02040503050406030204" pitchFamily="18" charset="0"/>
+                            </a:rPr>
+                            <m:t>𝑎</m:t>
+                          </m:r>
+                        </m:e>
+                        <m:sub>
+                          <m:r>
+                            <a:rPr lang="pt-BR" sz="1400" b="0" i="0" smtClean="0">
+                              <a:latin typeface="Cambria Math" panose="02040503050406030204" pitchFamily="18" charset="0"/>
+                            </a:rPr>
+                            <m:t>ó</m:t>
+                          </m:r>
+                          <m:r>
+                            <m:rPr>
+                              <m:sty m:val="p"/>
+                            </m:rPr>
+                            <a:rPr lang="pt-BR" sz="1400" b="0" i="0" smtClean="0">
+                              <a:latin typeface="Cambria Math" panose="02040503050406030204" pitchFamily="18" charset="0"/>
+                            </a:rPr>
+                            <m:t>timo</m:t>
+                          </m:r>
+                        </m:sub>
+                      </m:sSub>
+                    </m:oMath>
+                  </m:oMathPara>
+                </a14:m>
+                <a:endParaRPr lang="pt-BR" sz="1400" dirty="0"/>
+              </a:p>
+            </p:txBody>
+          </p:sp>
+        </mc:Choice>
+        <mc:Fallback>
+          <p:sp>
+            <p:nvSpPr>
+              <p:cNvPr id="4" name="CaixaDeTexto 3">
+                <a:extLst>
+                  <a:ext uri="{FF2B5EF4-FFF2-40B4-BE49-F238E27FC236}">
+                    <a16:creationId xmlns:a16="http://schemas.microsoft.com/office/drawing/2014/main" id="{AB5ADD18-0E14-67E6-B146-0808AFE44344}"/>
+                  </a:ext>
+                </a:extLst>
+              </p:cNvPr>
+              <p:cNvSpPr txBox="1">
+                <a:spLocks noRot="1" noChangeAspect="1" noMove="1" noResize="1" noEditPoints="1" noAdjustHandles="1" noChangeArrowheads="1" noChangeShapeType="1" noTextEdit="1"/>
+              </p:cNvSpPr>
+              <p:nvPr/>
+            </p:nvSpPr>
+            <p:spPr>
+              <a:xfrm>
+                <a:off x="2679917" y="4870862"/>
+                <a:ext cx="867941" cy="307777"/>
+              </a:xfrm>
+              <a:prstGeom prst="rect">
+                <a:avLst/>
+              </a:prstGeom>
+              <a:blipFill>
+                <a:blip r:embed="rId5"/>
+                <a:stretch>
+                  <a:fillRect/>
                 </a:stretch>
               </a:blipFill>
             </p:spPr>
@@ -7463,9 +11443,9 @@
         <p:grpSpPr>
           <a:xfrm>
             <a:off x="974017" y="2353696"/>
-            <a:ext cx="3962612" cy="3140390"/>
+            <a:ext cx="3962612" cy="2939417"/>
             <a:chOff x="1323650" y="2793841"/>
-            <a:chExt cx="3325297" cy="2635315"/>
+            <a:chExt cx="3325297" cy="2466665"/>
           </a:xfrm>
         </p:grpSpPr>
         <p:cxnSp>
@@ -7556,41 +11536,137 @@
             </a:fontRef>
           </p:style>
         </p:cxnSp>
-        <p:sp>
-          <p:nvSpPr>
-            <p:cNvPr id="8" name="CaixaDeTexto 7">
-              <a:extLst>
-                <a:ext uri="{FF2B5EF4-FFF2-40B4-BE49-F238E27FC236}">
-                  <a16:creationId xmlns:a16="http://schemas.microsoft.com/office/drawing/2014/main" id="{A78938CD-F777-59C9-49FF-1EC87187C2BF}"/>
-                </a:ext>
-              </a:extLst>
-            </p:cNvPr>
-            <p:cNvSpPr txBox="1"/>
-            <p:nvPr/>
-          </p:nvSpPr>
-          <p:spPr>
-            <a:xfrm>
-              <a:off x="1323650" y="2793841"/>
-              <a:ext cx="1409701" cy="309932"/>
-            </a:xfrm>
-            <a:prstGeom prst="rect">
-              <a:avLst/>
-            </a:prstGeom>
-            <a:noFill/>
-          </p:spPr>
-          <p:txBody>
-            <a:bodyPr wrap="square" rtlCol="0">
-              <a:spAutoFit/>
-            </a:bodyPr>
-            <a:lstStyle/>
-            <a:p>
-              <a:r>
-                <a:rPr lang="pt-BR" dirty="0"/>
-                <a:t>Função de erro</a:t>
-              </a:r>
-            </a:p>
-          </p:txBody>
-        </p:sp>
+        <mc:AlternateContent xmlns:mc="http://schemas.openxmlformats.org/markup-compatibility/2006">
+          <mc:Choice xmlns:a14="http://schemas.microsoft.com/office/drawing/2010/main" Requires="a14">
+            <p:sp>
+              <p:nvSpPr>
+                <p:cNvPr id="8" name="CaixaDeTexto 7">
+                  <a:extLst>
+                    <a:ext uri="{FF2B5EF4-FFF2-40B4-BE49-F238E27FC236}">
+                      <a16:creationId xmlns:a16="http://schemas.microsoft.com/office/drawing/2014/main" id="{A78938CD-F777-59C9-49FF-1EC87187C2BF}"/>
+                    </a:ext>
+                  </a:extLst>
+                </p:cNvPr>
+                <p:cNvSpPr txBox="1"/>
+                <p:nvPr/>
+              </p:nvSpPr>
+              <p:spPr>
+                <a:xfrm>
+                  <a:off x="1323650" y="2793841"/>
+                  <a:ext cx="1967192" cy="309932"/>
+                </a:xfrm>
+                <a:prstGeom prst="rect">
+                  <a:avLst/>
+                </a:prstGeom>
+                <a:noFill/>
+              </p:spPr>
+              <p:txBody>
+                <a:bodyPr wrap="square" rtlCol="0">
+                  <a:spAutoFit/>
+                </a:bodyPr>
+                <a:lstStyle/>
+                <a:p>
+                  <a:r>
+                    <a:rPr lang="pt-BR" dirty="0"/>
+                    <a:t>Função de erro, </a:t>
+                  </a:r>
+                  <a14:m>
+                    <m:oMath xmlns:m="http://schemas.openxmlformats.org/officeDocument/2006/math">
+                      <m:sSub>
+                        <m:sSubPr>
+                          <m:ctrlPr>
+                            <a:rPr lang="pt-BR" i="1" smtClean="0">
+                              <a:latin typeface="Cambria Math" panose="02040503050406030204" pitchFamily="18" charset="0"/>
+                            </a:rPr>
+                          </m:ctrlPr>
+                        </m:sSubPr>
+                        <m:e>
+                          <m:r>
+                            <a:rPr lang="pt-BR" b="0" i="1" smtClean="0">
+                              <a:latin typeface="Cambria Math" panose="02040503050406030204" pitchFamily="18" charset="0"/>
+                            </a:rPr>
+                            <m:t>𝐽</m:t>
+                          </m:r>
+                        </m:e>
+                        <m:sub>
+                          <m:r>
+                            <a:rPr lang="pt-BR" b="0" i="1" smtClean="0">
+                              <a:latin typeface="Cambria Math" panose="02040503050406030204" pitchFamily="18" charset="0"/>
+                            </a:rPr>
+                            <m:t>𝑒</m:t>
+                          </m:r>
+                        </m:sub>
+                      </m:sSub>
+                      <m:r>
+                        <a:rPr lang="pt-BR" b="0" i="1" smtClean="0">
+                          <a:latin typeface="Cambria Math" panose="02040503050406030204" pitchFamily="18" charset="0"/>
+                        </a:rPr>
+                        <m:t>(</m:t>
+                      </m:r>
+                      <m:r>
+                        <a:rPr lang="pt-BR" b="0" i="1" smtClean="0">
+                          <a:latin typeface="Cambria Math" panose="02040503050406030204" pitchFamily="18" charset="0"/>
+                        </a:rPr>
+                        <m:t>𝑎</m:t>
+                      </m:r>
+                      <m:r>
+                        <a:rPr lang="pt-BR" b="0" i="1" smtClean="0">
+                          <a:latin typeface="Cambria Math" panose="02040503050406030204" pitchFamily="18" charset="0"/>
+                        </a:rPr>
+                        <m:t>)</m:t>
+                      </m:r>
+                    </m:oMath>
+                  </a14:m>
+                  <a:endParaRPr lang="pt-BR" dirty="0"/>
+                </a:p>
+              </p:txBody>
+            </p:sp>
+          </mc:Choice>
+          <mc:Fallback>
+            <p:sp>
+              <p:nvSpPr>
+                <p:cNvPr id="8" name="CaixaDeTexto 7">
+                  <a:extLst>
+                    <a:ext uri="{FF2B5EF4-FFF2-40B4-BE49-F238E27FC236}">
+                      <a16:creationId xmlns:a16="http://schemas.microsoft.com/office/drawing/2014/main" id="{A78938CD-F777-59C9-49FF-1EC87187C2BF}"/>
+                    </a:ext>
+                  </a:extLst>
+                </p:cNvPr>
+                <p:cNvSpPr txBox="1">
+                  <a:spLocks noRot="1" noChangeAspect="1" noMove="1" noResize="1" noEditPoints="1" noAdjustHandles="1" noChangeArrowheads="1" noChangeShapeType="1" noTextEdit="1"/>
+                </p:cNvSpPr>
+                <p:nvPr/>
+              </p:nvSpPr>
+              <p:spPr>
+                <a:xfrm>
+                  <a:off x="1323650" y="2793841"/>
+                  <a:ext cx="1967192" cy="309932"/>
+                </a:xfrm>
+                <a:prstGeom prst="rect">
+                  <a:avLst/>
+                </a:prstGeom>
+                <a:blipFill>
+                  <a:blip r:embed="rId3"/>
+                  <a:stretch>
+                    <a:fillRect l="-2344" t="-8197" b="-24590"/>
+                  </a:stretch>
+                </a:blipFill>
+              </p:spPr>
+              <p:txBody>
+                <a:bodyPr/>
+                <a:lstStyle/>
+                <a:p>
+                  <a:r>
+                    <a:rPr lang="pt-BR">
+                      <a:noFill/>
+                    </a:rPr>
+                    <a:t> </a:t>
+                  </a:r>
+                </a:p>
+              </p:txBody>
+            </p:sp>
+          </mc:Fallback>
+        </mc:AlternateContent>
         <p:sp>
           <p:nvSpPr>
             <p:cNvPr id="9" name="CaixaDeTexto 8">
@@ -7683,7 +11759,7 @@
           </p:nvSpPr>
           <p:spPr>
             <a:xfrm>
-              <a:off x="2485439" y="4967491"/>
+              <a:off x="2475227" y="4386103"/>
               <a:ext cx="895349" cy="461665"/>
             </a:xfrm>
             <a:prstGeom prst="rect">
@@ -7820,8 +11896,8 @@
             </p:nvSpPr>
             <p:spPr>
               <a:xfrm>
-                <a:off x="1291363" y="5581895"/>
-                <a:ext cx="3520374" cy="1130822"/>
+                <a:off x="624375" y="5438348"/>
+                <a:ext cx="4979023" cy="1130822"/>
               </a:xfrm>
               <a:prstGeom prst="rect">
                 <a:avLst/>
@@ -7841,6 +11917,54 @@
                       <m:jc m:val="left"/>
                     </m:oMathParaPr>
                     <m:oMath xmlns:m="http://schemas.openxmlformats.org/officeDocument/2006/math">
+                      <m:sSub>
+                        <m:sSubPr>
+                          <m:ctrlPr>
+                            <a:rPr lang="pt-BR" sz="2400" i="1" smtClean="0">
+                              <a:latin typeface="Cambria Math" panose="02040503050406030204" pitchFamily="18" charset="0"/>
+                            </a:rPr>
+                          </m:ctrlPr>
+                        </m:sSubPr>
+                        <m:e>
+                          <m:r>
+                            <a:rPr lang="pt-BR" sz="2400" i="1">
+                              <a:latin typeface="Cambria Math" panose="02040503050406030204" pitchFamily="18" charset="0"/>
+                            </a:rPr>
+                            <m:t>𝐽</m:t>
+                          </m:r>
+                        </m:e>
+                        <m:sub>
+                          <m:r>
+                            <a:rPr lang="pt-BR" sz="2400" i="1">
+                              <a:latin typeface="Cambria Math" panose="02040503050406030204" pitchFamily="18" charset="0"/>
+                            </a:rPr>
+                            <m:t>𝑒</m:t>
+                          </m:r>
+                        </m:sub>
+                      </m:sSub>
+                      <m:d>
+                        <m:dPr>
+                          <m:ctrlPr>
+                            <a:rPr lang="pt-BR" sz="2400" i="1">
+                              <a:latin typeface="Cambria Math" panose="02040503050406030204" pitchFamily="18" charset="0"/>
+                            </a:rPr>
+                          </m:ctrlPr>
+                        </m:dPr>
+                        <m:e>
+                          <m:r>
+                            <a:rPr lang="pt-BR" sz="2400" i="1">
+                              <a:latin typeface="Cambria Math" panose="02040503050406030204" pitchFamily="18" charset="0"/>
+                            </a:rPr>
+                            <m:t>𝑎</m:t>
+                          </m:r>
+                        </m:e>
+                      </m:d>
+                      <m:r>
+                        <a:rPr lang="pt-BR" sz="2400" b="0" i="0" smtClean="0">
+                          <a:latin typeface="Cambria Math" panose="02040503050406030204" pitchFamily="18" charset="0"/>
+                        </a:rPr>
+                        <m:t>=</m:t>
+                      </m:r>
                       <m:r>
                         <m:rPr>
                           <m:sty m:val="p"/>
@@ -7975,7 +12099,19 @@
                                     <a:rPr lang="pt-BR" sz="2400" b="0" i="1" smtClean="0">
                                       <a:latin typeface="Cambria Math" panose="02040503050406030204" pitchFamily="18" charset="0"/>
                                     </a:rPr>
-                                    <m:t>−</m:t>
+                                    <m:t>(</m:t>
+                                  </m:r>
+                                  <m:r>
+                                    <a:rPr lang="pt-BR" sz="2400" b="0" i="1" smtClean="0">
+                                      <a:latin typeface="Cambria Math" panose="02040503050406030204" pitchFamily="18" charset="0"/>
+                                    </a:rPr>
+                                    <m:t>𝑎</m:t>
+                                  </m:r>
+                                  <m:r>
+                                    <a:rPr lang="pt-BR" sz="2400" b="0" i="1" smtClean="0">
+                                      <a:latin typeface="Cambria Math" panose="02040503050406030204" pitchFamily="18" charset="0"/>
+                                    </a:rPr>
+                                    <m:t>)−</m:t>
                                   </m:r>
                                   <m:sSub>
                                     <m:sSubPr>
@@ -8041,14 +12177,138 @@
             </p:nvSpPr>
             <p:spPr>
               <a:xfrm>
-                <a:off x="1291363" y="5581895"/>
-                <a:ext cx="3520374" cy="1130822"/>
+                <a:off x="624375" y="5438348"/>
+                <a:ext cx="4979023" cy="1130822"/>
               </a:xfrm>
               <a:prstGeom prst="rect">
                 <a:avLst/>
               </a:prstGeom>
               <a:blipFill>
-                <a:blip r:embed="rId3"/>
+                <a:blip r:embed="rId4"/>
+                <a:stretch>
+                  <a:fillRect/>
+                </a:stretch>
+              </a:blipFill>
+            </p:spPr>
+            <p:txBody>
+              <a:bodyPr/>
+              <a:lstStyle/>
+              <a:p>
+                <a:r>
+                  <a:rPr lang="pt-BR">
+                    <a:noFill/>
+                  </a:rPr>
+                  <a:t> </a:t>
+                </a:r>
+              </a:p>
+            </p:txBody>
+          </p:sp>
+        </mc:Fallback>
+      </mc:AlternateContent>
+      <mc:AlternateContent xmlns:mc="http://schemas.openxmlformats.org/markup-compatibility/2006">
+        <mc:Choice xmlns:a14="http://schemas.microsoft.com/office/drawing/2010/main" Requires="a14">
+          <p:sp>
+            <p:nvSpPr>
+              <p:cNvPr id="5" name="CaixaDeTexto 4">
+                <a:extLst>
+                  <a:ext uri="{FF2B5EF4-FFF2-40B4-BE49-F238E27FC236}">
+                    <a16:creationId xmlns:a16="http://schemas.microsoft.com/office/drawing/2014/main" id="{3356027E-1373-2AE7-2282-A045FF430AE9}"/>
+                  </a:ext>
+                </a:extLst>
+              </p:cNvPr>
+              <p:cNvSpPr txBox="1"/>
+              <p:nvPr/>
+            </p:nvSpPr>
+            <p:spPr>
+              <a:xfrm>
+                <a:off x="2679917" y="4870862"/>
+                <a:ext cx="867941" cy="307777"/>
+              </a:xfrm>
+              <a:prstGeom prst="rect">
+                <a:avLst/>
+              </a:prstGeom>
+              <a:noFill/>
+            </p:spPr>
+            <p:txBody>
+              <a:bodyPr wrap="square" rtlCol="0">
+                <a:spAutoFit/>
+              </a:bodyPr>
+              <a:lstStyle/>
+              <a:p>
+                <a:pPr algn="ctr"/>
+                <a14:m>
+                  <m:oMathPara xmlns:m="http://schemas.openxmlformats.org/officeDocument/2006/math">
+                    <m:oMathParaPr>
+                      <m:jc m:val="centerGroup"/>
+                    </m:oMathParaPr>
+                    <m:oMath xmlns:m="http://schemas.openxmlformats.org/officeDocument/2006/math">
+                      <m:sSub>
+                        <m:sSubPr>
+                          <m:ctrlPr>
+                            <a:rPr lang="pt-BR" sz="1400" i="1" smtClean="0">
+                              <a:latin typeface="Cambria Math" panose="02040503050406030204" pitchFamily="18" charset="0"/>
+                            </a:rPr>
+                          </m:ctrlPr>
+                        </m:sSubPr>
+                        <m:e>
+                          <m:r>
+                            <a:rPr lang="pt-BR" sz="1400" b="0" i="1" smtClean="0">
+                              <a:latin typeface="Cambria Math" panose="02040503050406030204" pitchFamily="18" charset="0"/>
+                            </a:rPr>
+                            <m:t>𝑎</m:t>
+                          </m:r>
+                        </m:e>
+                        <m:sub>
+                          <m:r>
+                            <a:rPr lang="pt-BR" sz="1400" b="0" i="0" smtClean="0">
+                              <a:latin typeface="Cambria Math" panose="02040503050406030204" pitchFamily="18" charset="0"/>
+                            </a:rPr>
+                            <m:t>ó</m:t>
+                          </m:r>
+                          <m:r>
+                            <m:rPr>
+                              <m:sty m:val="p"/>
+                            </m:rPr>
+                            <a:rPr lang="pt-BR" sz="1400" b="0" i="0" smtClean="0">
+                              <a:latin typeface="Cambria Math" panose="02040503050406030204" pitchFamily="18" charset="0"/>
+                            </a:rPr>
+                            <m:t>timo</m:t>
+                          </m:r>
+                        </m:sub>
+                      </m:sSub>
+                    </m:oMath>
+                  </m:oMathPara>
+                </a14:m>
+                <a:endParaRPr lang="pt-BR" sz="1400" dirty="0"/>
+              </a:p>
+            </p:txBody>
+          </p:sp>
+        </mc:Choice>
+        <mc:Fallback>
+          <p:sp>
+            <p:nvSpPr>
+              <p:cNvPr id="5" name="CaixaDeTexto 4">
+                <a:extLst>
+                  <a:ext uri="{FF2B5EF4-FFF2-40B4-BE49-F238E27FC236}">
+                    <a16:creationId xmlns:a16="http://schemas.microsoft.com/office/drawing/2014/main" id="{3356027E-1373-2AE7-2282-A045FF430AE9}"/>
+                  </a:ext>
+                </a:extLst>
+              </p:cNvPr>
+              <p:cNvSpPr txBox="1">
+                <a:spLocks noRot="1" noChangeAspect="1" noMove="1" noResize="1" noEditPoints="1" noAdjustHandles="1" noChangeArrowheads="1" noChangeShapeType="1" noTextEdit="1"/>
+              </p:cNvSpPr>
+              <p:nvPr/>
+            </p:nvSpPr>
+            <p:spPr>
+              <a:xfrm>
+                <a:off x="2679917" y="4870862"/>
+                <a:ext cx="867941" cy="307777"/>
+              </a:xfrm>
+              <a:prstGeom prst="rect">
+                <a:avLst/>
+              </a:prstGeom>
+              <a:blipFill>
+                <a:blip r:embed="rId5"/>
                 <a:stretch>
                   <a:fillRect/>
                 </a:stretch>
@@ -8294,9 +12554,9 @@
         <p:grpSpPr>
           <a:xfrm>
             <a:off x="974017" y="2353696"/>
-            <a:ext cx="3962612" cy="3140390"/>
+            <a:ext cx="3962612" cy="2939417"/>
             <a:chOff x="1323650" y="2793841"/>
-            <a:chExt cx="3325297" cy="2635315"/>
+            <a:chExt cx="3325297" cy="2466665"/>
           </a:xfrm>
         </p:grpSpPr>
         <p:cxnSp>
@@ -8387,41 +12647,137 @@
             </a:fontRef>
           </p:style>
         </p:cxnSp>
-        <p:sp>
-          <p:nvSpPr>
-            <p:cNvPr id="8" name="CaixaDeTexto 7">
-              <a:extLst>
-                <a:ext uri="{FF2B5EF4-FFF2-40B4-BE49-F238E27FC236}">
-                  <a16:creationId xmlns:a16="http://schemas.microsoft.com/office/drawing/2014/main" id="{A78938CD-F777-59C9-49FF-1EC87187C2BF}"/>
-                </a:ext>
-              </a:extLst>
-            </p:cNvPr>
-            <p:cNvSpPr txBox="1"/>
-            <p:nvPr/>
-          </p:nvSpPr>
-          <p:spPr>
-            <a:xfrm>
-              <a:off x="1323650" y="2793841"/>
-              <a:ext cx="1409701" cy="309932"/>
-            </a:xfrm>
-            <a:prstGeom prst="rect">
-              <a:avLst/>
-            </a:prstGeom>
-            <a:noFill/>
-          </p:spPr>
-          <p:txBody>
-            <a:bodyPr wrap="square" rtlCol="0">
-              <a:spAutoFit/>
-            </a:bodyPr>
-            <a:lstStyle/>
-            <a:p>
-              <a:r>
-                <a:rPr lang="pt-BR" dirty="0"/>
-                <a:t>Função de erro</a:t>
-              </a:r>
-            </a:p>
-          </p:txBody>
-        </p:sp>
+        <mc:AlternateContent xmlns:mc="http://schemas.openxmlformats.org/markup-compatibility/2006">
+          <mc:Choice xmlns:a14="http://schemas.microsoft.com/office/drawing/2010/main" Requires="a14">
+            <p:sp>
+              <p:nvSpPr>
+                <p:cNvPr id="8" name="CaixaDeTexto 7">
+                  <a:extLst>
+                    <a:ext uri="{FF2B5EF4-FFF2-40B4-BE49-F238E27FC236}">
+                      <a16:creationId xmlns:a16="http://schemas.microsoft.com/office/drawing/2014/main" id="{A78938CD-F777-59C9-49FF-1EC87187C2BF}"/>
+                    </a:ext>
+                  </a:extLst>
+                </p:cNvPr>
+                <p:cNvSpPr txBox="1"/>
+                <p:nvPr/>
+              </p:nvSpPr>
+              <p:spPr>
+                <a:xfrm>
+                  <a:off x="1323650" y="2793841"/>
+                  <a:ext cx="2125406" cy="309932"/>
+                </a:xfrm>
+                <a:prstGeom prst="rect">
+                  <a:avLst/>
+                </a:prstGeom>
+                <a:noFill/>
+              </p:spPr>
+              <p:txBody>
+                <a:bodyPr wrap="square" rtlCol="0">
+                  <a:spAutoFit/>
+                </a:bodyPr>
+                <a:lstStyle/>
+                <a:p>
+                  <a:r>
+                    <a:rPr lang="pt-BR" dirty="0"/>
+                    <a:t>Função de erro, </a:t>
+                  </a:r>
+                  <a14:m>
+                    <m:oMath xmlns:m="http://schemas.openxmlformats.org/officeDocument/2006/math">
+                      <m:sSub>
+                        <m:sSubPr>
+                          <m:ctrlPr>
+                            <a:rPr lang="pt-BR" i="1" smtClean="0">
+                              <a:latin typeface="Cambria Math" panose="02040503050406030204" pitchFamily="18" charset="0"/>
+                            </a:rPr>
+                          </m:ctrlPr>
+                        </m:sSubPr>
+                        <m:e>
+                          <m:r>
+                            <a:rPr lang="pt-BR" b="0" i="1" smtClean="0">
+                              <a:latin typeface="Cambria Math" panose="02040503050406030204" pitchFamily="18" charset="0"/>
+                            </a:rPr>
+                            <m:t>𝐽</m:t>
+                          </m:r>
+                        </m:e>
+                        <m:sub>
+                          <m:r>
+                            <a:rPr lang="pt-BR" b="0" i="1" smtClean="0">
+                              <a:latin typeface="Cambria Math" panose="02040503050406030204" pitchFamily="18" charset="0"/>
+                            </a:rPr>
+                            <m:t>𝑒</m:t>
+                          </m:r>
+                        </m:sub>
+                      </m:sSub>
+                      <m:r>
+                        <a:rPr lang="pt-BR" b="0" i="1" smtClean="0">
+                          <a:latin typeface="Cambria Math" panose="02040503050406030204" pitchFamily="18" charset="0"/>
+                        </a:rPr>
+                        <m:t>(</m:t>
+                      </m:r>
+                      <m:r>
+                        <a:rPr lang="pt-BR" b="0" i="1" smtClean="0">
+                          <a:latin typeface="Cambria Math" panose="02040503050406030204" pitchFamily="18" charset="0"/>
+                        </a:rPr>
+                        <m:t>𝑎</m:t>
+                      </m:r>
+                      <m:r>
+                        <a:rPr lang="pt-BR" b="0" i="1" smtClean="0">
+                          <a:latin typeface="Cambria Math" panose="02040503050406030204" pitchFamily="18" charset="0"/>
+                        </a:rPr>
+                        <m:t>)</m:t>
+                      </m:r>
+                    </m:oMath>
+                  </a14:m>
+                  <a:endParaRPr lang="pt-BR" dirty="0"/>
+                </a:p>
+              </p:txBody>
+            </p:sp>
+          </mc:Choice>
+          <mc:Fallback>
+            <p:sp>
+              <p:nvSpPr>
+                <p:cNvPr id="8" name="CaixaDeTexto 7">
+                  <a:extLst>
+                    <a:ext uri="{FF2B5EF4-FFF2-40B4-BE49-F238E27FC236}">
+                      <a16:creationId xmlns:a16="http://schemas.microsoft.com/office/drawing/2014/main" id="{A78938CD-F777-59C9-49FF-1EC87187C2BF}"/>
+                    </a:ext>
+                  </a:extLst>
+                </p:cNvPr>
+                <p:cNvSpPr txBox="1">
+                  <a:spLocks noRot="1" noChangeAspect="1" noMove="1" noResize="1" noEditPoints="1" noAdjustHandles="1" noChangeArrowheads="1" noChangeShapeType="1" noTextEdit="1"/>
+                </p:cNvSpPr>
+                <p:nvPr/>
+              </p:nvSpPr>
+              <p:spPr>
+                <a:xfrm>
+                  <a:off x="1323650" y="2793841"/>
+                  <a:ext cx="2125406" cy="309932"/>
+                </a:xfrm>
+                <a:prstGeom prst="rect">
+                  <a:avLst/>
+                </a:prstGeom>
+                <a:blipFill>
+                  <a:blip r:embed="rId3"/>
+                  <a:stretch>
+                    <a:fillRect l="-2169" t="-8197" b="-24590"/>
+                  </a:stretch>
+                </a:blipFill>
+              </p:spPr>
+              <p:txBody>
+                <a:bodyPr/>
+                <a:lstStyle/>
+                <a:p>
+                  <a:r>
+                    <a:rPr lang="pt-BR">
+                      <a:noFill/>
+                    </a:rPr>
+                    <a:t> </a:t>
+                  </a:r>
+                </a:p>
+              </p:txBody>
+            </p:sp>
+          </mc:Fallback>
+        </mc:AlternateContent>
         <p:sp>
           <p:nvSpPr>
             <p:cNvPr id="9" name="CaixaDeTexto 8">
@@ -8514,7 +12870,7 @@
           </p:nvSpPr>
           <p:spPr>
             <a:xfrm>
-              <a:off x="2493227" y="4967491"/>
+              <a:off x="2410291" y="4283075"/>
               <a:ext cx="895349" cy="461665"/>
             </a:xfrm>
             <a:prstGeom prst="rect">
@@ -8679,6 +13035,130 @@
           </a:fontRef>
         </p:style>
       </p:cxnSp>
+      <mc:AlternateContent xmlns:mc="http://schemas.openxmlformats.org/markup-compatibility/2006">
+        <mc:Choice xmlns:a14="http://schemas.microsoft.com/office/drawing/2010/main" Requires="a14">
+          <p:sp>
+            <p:nvSpPr>
+              <p:cNvPr id="5" name="CaixaDeTexto 4">
+                <a:extLst>
+                  <a:ext uri="{FF2B5EF4-FFF2-40B4-BE49-F238E27FC236}">
+                    <a16:creationId xmlns:a16="http://schemas.microsoft.com/office/drawing/2014/main" id="{2C41DFBA-AE8A-4E79-F8A7-B31B1053F34D}"/>
+                  </a:ext>
+                </a:extLst>
+              </p:cNvPr>
+              <p:cNvSpPr txBox="1"/>
+              <p:nvPr/>
+            </p:nvSpPr>
+            <p:spPr>
+              <a:xfrm>
+                <a:off x="2679917" y="4870862"/>
+                <a:ext cx="867941" cy="307777"/>
+              </a:xfrm>
+              <a:prstGeom prst="rect">
+                <a:avLst/>
+              </a:prstGeom>
+              <a:noFill/>
+            </p:spPr>
+            <p:txBody>
+              <a:bodyPr wrap="square" rtlCol="0">
+                <a:spAutoFit/>
+              </a:bodyPr>
+              <a:lstStyle/>
+              <a:p>
+                <a:pPr algn="ctr"/>
+                <a14:m>
+                  <m:oMathPara xmlns:m="http://schemas.openxmlformats.org/officeDocument/2006/math">
+                    <m:oMathParaPr>
+                      <m:jc m:val="centerGroup"/>
+                    </m:oMathParaPr>
+                    <m:oMath xmlns:m="http://schemas.openxmlformats.org/officeDocument/2006/math">
+                      <m:sSub>
+                        <m:sSubPr>
+                          <m:ctrlPr>
+                            <a:rPr lang="pt-BR" sz="1400" i="1" smtClean="0">
+                              <a:latin typeface="Cambria Math" panose="02040503050406030204" pitchFamily="18" charset="0"/>
+                            </a:rPr>
+                          </m:ctrlPr>
+                        </m:sSubPr>
+                        <m:e>
+                          <m:r>
+                            <a:rPr lang="pt-BR" sz="1400" b="0" i="1" smtClean="0">
+                              <a:latin typeface="Cambria Math" panose="02040503050406030204" pitchFamily="18" charset="0"/>
+                            </a:rPr>
+                            <m:t>𝑎</m:t>
+                          </m:r>
+                        </m:e>
+                        <m:sub>
+                          <m:r>
+                            <a:rPr lang="pt-BR" sz="1400" b="0" i="0" smtClean="0">
+                              <a:latin typeface="Cambria Math" panose="02040503050406030204" pitchFamily="18" charset="0"/>
+                            </a:rPr>
+                            <m:t>ó</m:t>
+                          </m:r>
+                          <m:r>
+                            <m:rPr>
+                              <m:sty m:val="p"/>
+                            </m:rPr>
+                            <a:rPr lang="pt-BR" sz="1400" b="0" i="0" smtClean="0">
+                              <a:latin typeface="Cambria Math" panose="02040503050406030204" pitchFamily="18" charset="0"/>
+                            </a:rPr>
+                            <m:t>timo</m:t>
+                          </m:r>
+                        </m:sub>
+                      </m:sSub>
+                    </m:oMath>
+                  </m:oMathPara>
+                </a14:m>
+                <a:endParaRPr lang="pt-BR" sz="1400" dirty="0"/>
+              </a:p>
+            </p:txBody>
+          </p:sp>
+        </mc:Choice>
+        <mc:Fallback>
+          <p:sp>
+            <p:nvSpPr>
+              <p:cNvPr id="5" name="CaixaDeTexto 4">
+                <a:extLst>
+                  <a:ext uri="{FF2B5EF4-FFF2-40B4-BE49-F238E27FC236}">
+                    <a16:creationId xmlns:a16="http://schemas.microsoft.com/office/drawing/2014/main" id="{2C41DFBA-AE8A-4E79-F8A7-B31B1053F34D}"/>
+                  </a:ext>
+                </a:extLst>
+              </p:cNvPr>
+              <p:cNvSpPr txBox="1">
+                <a:spLocks noRot="1" noChangeAspect="1" noMove="1" noResize="1" noEditPoints="1" noAdjustHandles="1" noChangeArrowheads="1" noChangeShapeType="1" noTextEdit="1"/>
+              </p:cNvSpPr>
+              <p:nvPr/>
+            </p:nvSpPr>
+            <p:spPr>
+              <a:xfrm>
+                <a:off x="2679917" y="4870862"/>
+                <a:ext cx="867941" cy="307777"/>
+              </a:xfrm>
+              <a:prstGeom prst="rect">
+                <a:avLst/>
+              </a:prstGeom>
+              <a:blipFill>
+                <a:blip r:embed="rId4"/>
+                <a:stretch>
+                  <a:fillRect/>
+                </a:stretch>
+              </a:blipFill>
+            </p:spPr>
+            <p:txBody>
+              <a:bodyPr/>
+              <a:lstStyle/>
+              <a:p>
+                <a:r>
+                  <a:rPr lang="pt-BR">
+                    <a:noFill/>
+                  </a:rPr>
+                  <a:t> </a:t>
+                </a:r>
+              </a:p>
+            </p:txBody>
+          </p:sp>
+        </mc:Fallback>
+      </mc:AlternateContent>
     </p:spTree>
     <p:extLst>
       <p:ext uri="{BB962C8B-B14F-4D97-AF65-F5344CB8AC3E}">
@@ -8732,7 +13212,7 @@
           <a:p>
             <a:r>
               <a:rPr lang="pt-BR" dirty="0"/>
-              <a:t>O erro indica o caminho correto</a:t>
+              <a:t>O erro indica o caminho a ser seguido</a:t>
             </a:r>
           </a:p>
         </p:txBody>
@@ -8767,7 +13247,13 @@
           <a:p>
             <a:r>
               <a:rPr lang="pt-BR" dirty="0"/>
-              <a:t>Assim, se dermos um palpite sobre os valores dos pesos da função hipótese, como mostrado ao lado, e calcularmos o erro, ele será grande e, consequentemente, saberemos que estamos longe do ponto de mínimo.</a:t>
+              <a:t>Assim, se dermos um palpite (ponto inicial) sobre os valores dos pesos da função hipótese, como mostrado ao lado, e calcularmos o erro, ele será grande e, consequentemente, saberemos que estamos longe do ponto de mínimo.</a:t>
+            </a:r>
+          </a:p>
+          <a:p>
+            <a:r>
+              <a:rPr lang="pt-BR" dirty="0"/>
+              <a:t>Portanto, quanto menor o erro, mais próximo estaremos do ponto ótimo.</a:t>
             </a:r>
           </a:p>
         </p:txBody>
@@ -8965,41 +13451,137 @@
             </a:fontRef>
           </p:style>
         </p:cxnSp>
-        <p:sp>
-          <p:nvSpPr>
-            <p:cNvPr id="8" name="CaixaDeTexto 7">
-              <a:extLst>
-                <a:ext uri="{FF2B5EF4-FFF2-40B4-BE49-F238E27FC236}">
-                  <a16:creationId xmlns:a16="http://schemas.microsoft.com/office/drawing/2014/main" id="{A78938CD-F777-59C9-49FF-1EC87187C2BF}"/>
-                </a:ext>
-              </a:extLst>
-            </p:cNvPr>
-            <p:cNvSpPr txBox="1"/>
-            <p:nvPr/>
-          </p:nvSpPr>
-          <p:spPr>
-            <a:xfrm>
-              <a:off x="974017" y="2353695"/>
-              <a:ext cx="1679879" cy="369332"/>
-            </a:xfrm>
-            <a:prstGeom prst="rect">
-              <a:avLst/>
-            </a:prstGeom>
-            <a:noFill/>
-          </p:spPr>
-          <p:txBody>
-            <a:bodyPr wrap="square" rtlCol="0">
-              <a:spAutoFit/>
-            </a:bodyPr>
-            <a:lstStyle/>
-            <a:p>
-              <a:r>
-                <a:rPr lang="pt-BR" dirty="0"/>
-                <a:t>Função de erro</a:t>
-              </a:r>
-            </a:p>
-          </p:txBody>
-        </p:sp>
+        <mc:AlternateContent xmlns:mc="http://schemas.openxmlformats.org/markup-compatibility/2006">
+          <mc:Choice xmlns:a14="http://schemas.microsoft.com/office/drawing/2010/main" Requires="a14">
+            <p:sp>
+              <p:nvSpPr>
+                <p:cNvPr id="8" name="CaixaDeTexto 7">
+                  <a:extLst>
+                    <a:ext uri="{FF2B5EF4-FFF2-40B4-BE49-F238E27FC236}">
+                      <a16:creationId xmlns:a16="http://schemas.microsoft.com/office/drawing/2014/main" id="{A78938CD-F777-59C9-49FF-1EC87187C2BF}"/>
+                    </a:ext>
+                  </a:extLst>
+                </p:cNvPr>
+                <p:cNvSpPr txBox="1"/>
+                <p:nvPr/>
+              </p:nvSpPr>
+              <p:spPr>
+                <a:xfrm>
+                  <a:off x="974017" y="2353695"/>
+                  <a:ext cx="2642076" cy="369332"/>
+                </a:xfrm>
+                <a:prstGeom prst="rect">
+                  <a:avLst/>
+                </a:prstGeom>
+                <a:noFill/>
+              </p:spPr>
+              <p:txBody>
+                <a:bodyPr wrap="square" rtlCol="0">
+                  <a:spAutoFit/>
+                </a:bodyPr>
+                <a:lstStyle/>
+                <a:p>
+                  <a:r>
+                    <a:rPr lang="pt-BR" dirty="0"/>
+                    <a:t>Função de erro, </a:t>
+                  </a:r>
+                  <a14:m>
+                    <m:oMath xmlns:m="http://schemas.openxmlformats.org/officeDocument/2006/math">
+                      <m:sSub>
+                        <m:sSubPr>
+                          <m:ctrlPr>
+                            <a:rPr lang="pt-BR" i="1" smtClean="0">
+                              <a:latin typeface="Cambria Math" panose="02040503050406030204" pitchFamily="18" charset="0"/>
+                            </a:rPr>
+                          </m:ctrlPr>
+                        </m:sSubPr>
+                        <m:e>
+                          <m:r>
+                            <a:rPr lang="pt-BR" b="0" i="1" smtClean="0">
+                              <a:latin typeface="Cambria Math" panose="02040503050406030204" pitchFamily="18" charset="0"/>
+                            </a:rPr>
+                            <m:t>𝐽</m:t>
+                          </m:r>
+                        </m:e>
+                        <m:sub>
+                          <m:r>
+                            <a:rPr lang="pt-BR" b="0" i="1" smtClean="0">
+                              <a:latin typeface="Cambria Math" panose="02040503050406030204" pitchFamily="18" charset="0"/>
+                            </a:rPr>
+                            <m:t>𝑒</m:t>
+                          </m:r>
+                        </m:sub>
+                      </m:sSub>
+                      <m:r>
+                        <a:rPr lang="pt-BR" b="0" i="1" smtClean="0">
+                          <a:latin typeface="Cambria Math" panose="02040503050406030204" pitchFamily="18" charset="0"/>
+                        </a:rPr>
+                        <m:t>(</m:t>
+                      </m:r>
+                      <m:r>
+                        <a:rPr lang="pt-BR" b="0" i="1" smtClean="0">
+                          <a:latin typeface="Cambria Math" panose="02040503050406030204" pitchFamily="18" charset="0"/>
+                        </a:rPr>
+                        <m:t>𝑎</m:t>
+                      </m:r>
+                      <m:r>
+                        <a:rPr lang="pt-BR" b="0" i="1" smtClean="0">
+                          <a:latin typeface="Cambria Math" panose="02040503050406030204" pitchFamily="18" charset="0"/>
+                        </a:rPr>
+                        <m:t>)</m:t>
+                      </m:r>
+                    </m:oMath>
+                  </a14:m>
+                  <a:endParaRPr lang="pt-BR" dirty="0"/>
+                </a:p>
+              </p:txBody>
+            </p:sp>
+          </mc:Choice>
+          <mc:Fallback>
+            <p:sp>
+              <p:nvSpPr>
+                <p:cNvPr id="8" name="CaixaDeTexto 7">
+                  <a:extLst>
+                    <a:ext uri="{FF2B5EF4-FFF2-40B4-BE49-F238E27FC236}">
+                      <a16:creationId xmlns:a16="http://schemas.microsoft.com/office/drawing/2014/main" id="{A78938CD-F777-59C9-49FF-1EC87187C2BF}"/>
+                    </a:ext>
+                  </a:extLst>
+                </p:cNvPr>
+                <p:cNvSpPr txBox="1">
+                  <a:spLocks noRot="1" noChangeAspect="1" noMove="1" noResize="1" noEditPoints="1" noAdjustHandles="1" noChangeArrowheads="1" noChangeShapeType="1" noTextEdit="1"/>
+                </p:cNvSpPr>
+                <p:nvPr/>
+              </p:nvSpPr>
+              <p:spPr>
+                <a:xfrm>
+                  <a:off x="974017" y="2353695"/>
+                  <a:ext cx="2642076" cy="369332"/>
+                </a:xfrm>
+                <a:prstGeom prst="rect">
+                  <a:avLst/>
+                </a:prstGeom>
+                <a:blipFill>
+                  <a:blip r:embed="rId3"/>
+                  <a:stretch>
+                    <a:fillRect l="-2079" t="-8197" b="-24590"/>
+                  </a:stretch>
+                </a:blipFill>
+              </p:spPr>
+              <p:txBody>
+                <a:bodyPr/>
+                <a:lstStyle/>
+                <a:p>
+                  <a:r>
+                    <a:rPr lang="pt-BR">
+                      <a:noFill/>
+                    </a:rPr>
+                    <a:t> </a:t>
+                  </a:r>
+                </a:p>
+              </p:txBody>
+            </p:sp>
+          </mc:Fallback>
+        </mc:AlternateContent>
         <p:sp>
           <p:nvSpPr>
             <p:cNvPr id="9" name="CaixaDeTexto 8">
@@ -9388,8 +13970,8 @@
             </a:p>
           </p:txBody>
         </p:sp>
-        <mc:AlternateContent xmlns:mc="http://schemas.openxmlformats.org/markup-compatibility/2006">
-          <mc:Choice xmlns:a14="http://schemas.microsoft.com/office/drawing/2010/main" Requires="a14">
+        <mc:AlternateContent xmlns:mc="http://schemas.openxmlformats.org/markup-compatibility/2006" xmlns:a14="http://schemas.microsoft.com/office/drawing/2010/main">
+          <mc:Choice Requires="a14">
             <p:sp>
               <p:nvSpPr>
                 <p:cNvPr id="22" name="CaixaDeTexto 21">
@@ -9461,7 +14043,7 @@
               </p:txBody>
             </p:sp>
           </mc:Choice>
-          <mc:Fallback>
+          <mc:Fallback xmlns="">
             <p:sp>
               <p:nvSpPr>
                 <p:cNvPr id="22" name="CaixaDeTexto 21">
@@ -9485,7 +14067,7 @@
                   <a:avLst/>
                 </a:prstGeom>
                 <a:blipFill>
-                  <a:blip r:embed="rId3"/>
+                  <a:blip r:embed="rId4"/>
                   <a:stretch>
                     <a:fillRect/>
                   </a:stretch>
@@ -9506,8 +14088,8 @@
             </p:sp>
           </mc:Fallback>
         </mc:AlternateContent>
-        <mc:AlternateContent xmlns:mc="http://schemas.openxmlformats.org/markup-compatibility/2006">
-          <mc:Choice xmlns:a14="http://schemas.microsoft.com/office/drawing/2010/main" Requires="a14">
+        <mc:AlternateContent xmlns:mc="http://schemas.openxmlformats.org/markup-compatibility/2006" xmlns:a14="http://schemas.microsoft.com/office/drawing/2010/main">
+          <mc:Choice Requires="a14">
             <p:sp>
               <p:nvSpPr>
                 <p:cNvPr id="23" name="CaixaDeTexto 22">
@@ -9585,7 +14167,7 @@
               </p:txBody>
             </p:sp>
           </mc:Choice>
-          <mc:Fallback>
+          <mc:Fallback xmlns="">
             <p:sp>
               <p:nvSpPr>
                 <p:cNvPr id="23" name="CaixaDeTexto 22">
@@ -9609,7 +14191,7 @@
                   <a:avLst/>
                 </a:prstGeom>
                 <a:blipFill>
-                  <a:blip r:embed="rId4"/>
+                  <a:blip r:embed="rId5"/>
                   <a:stretch>
                     <a:fillRect/>
                   </a:stretch>
@@ -9689,6 +14271,1525 @@
           </a:p>
         </p:txBody>
       </p:sp>
+      <mc:AlternateContent xmlns:mc="http://schemas.openxmlformats.org/markup-compatibility/2006">
+        <mc:Choice xmlns:a14="http://schemas.microsoft.com/office/drawing/2010/main" Requires="a14">
+          <p:sp>
+            <p:nvSpPr>
+              <p:cNvPr id="3" name="Espaço Reservado para Conteúdo 2">
+                <a:extLst>
+                  <a:ext uri="{FF2B5EF4-FFF2-40B4-BE49-F238E27FC236}">
+                    <a16:creationId xmlns:a16="http://schemas.microsoft.com/office/drawing/2014/main" id="{F09EA0C7-E094-F158-6A1A-B80733321450}"/>
+                  </a:ext>
+                </a:extLst>
+              </p:cNvPr>
+              <p:cNvSpPr>
+                <a:spLocks noGrp="1"/>
+              </p:cNvSpPr>
+              <p:nvPr>
+                <p:ph idx="1"/>
+              </p:nvPr>
+            </p:nvSpPr>
+            <p:spPr>
+              <a:xfrm>
+                <a:off x="5380267" y="1825624"/>
+                <a:ext cx="6619950" cy="5032376"/>
+              </a:xfrm>
+            </p:spPr>
+            <p:txBody>
+              <a:bodyPr>
+                <a:normAutofit fontScale="92500" lnSpcReduction="10000"/>
+              </a:bodyPr>
+              <a:lstStyle/>
+              <a:p>
+                <a:r>
+                  <a:rPr lang="pt-BR" dirty="0">
+                    <a:solidFill>
+                      <a:schemeClr val="tx1"/>
+                    </a:solidFill>
+                  </a:rPr>
+                  <a:t>Se nós diferenciarmos a função de erro em um ponto qualquer em relação aos pesos, nós obtemos o </a:t>
+                </a:r>
+                <a:r>
+                  <a:rPr lang="pt-BR" b="1" i="1" dirty="0">
+                    <a:solidFill>
+                      <a:schemeClr val="tx1"/>
+                    </a:solidFill>
+                  </a:rPr>
+                  <a:t>vetor gradiente</a:t>
+                </a:r>
+                <a:r>
+                  <a:rPr lang="pt-BR" dirty="0">
+                    <a:solidFill>
+                      <a:schemeClr val="tx1"/>
+                    </a:solidFill>
+                  </a:rPr>
+                  <a:t> </a:t>
+                </a:r>
+              </a:p>
+              <a:p>
+                <a:pPr marL="0" indent="0" algn="ctr">
+                  <a:buNone/>
+                </a:pPr>
+                <a14:m>
+                  <m:oMath xmlns:m="http://schemas.openxmlformats.org/officeDocument/2006/math">
+                    <m:r>
+                      <m:rPr>
+                        <m:sty m:val="p"/>
+                      </m:rPr>
+                      <a:rPr lang="pt-BR" i="1" dirty="0" smtClean="0">
+                        <a:solidFill>
+                          <a:schemeClr val="tx1"/>
+                        </a:solidFill>
+                        <a:latin typeface="Cambria Math" panose="02040503050406030204" pitchFamily="18" charset="0"/>
+                        <a:ea typeface="Cambria Math" panose="02040503050406030204" pitchFamily="18" charset="0"/>
+                      </a:rPr>
+                      <m:t>∇</m:t>
+                    </m:r>
+                    <m:sSub>
+                      <m:sSubPr>
+                        <m:ctrlPr>
+                          <a:rPr lang="pt-BR" i="1">
+                            <a:solidFill>
+                              <a:schemeClr val="tx1"/>
+                            </a:solidFill>
+                            <a:latin typeface="Cambria Math" panose="02040503050406030204" pitchFamily="18" charset="0"/>
+                          </a:rPr>
+                        </m:ctrlPr>
+                      </m:sSubPr>
+                      <m:e>
+                        <m:r>
+                          <a:rPr lang="pt-BR" i="1">
+                            <a:solidFill>
+                              <a:schemeClr val="tx1"/>
+                            </a:solidFill>
+                            <a:latin typeface="Cambria Math" panose="02040503050406030204" pitchFamily="18" charset="0"/>
+                          </a:rPr>
+                          <m:t>𝐽</m:t>
+                        </m:r>
+                      </m:e>
+                      <m:sub>
+                        <m:r>
+                          <a:rPr lang="pt-BR" i="1">
+                            <a:solidFill>
+                              <a:schemeClr val="tx1"/>
+                            </a:solidFill>
+                            <a:latin typeface="Cambria Math" panose="02040503050406030204" pitchFamily="18" charset="0"/>
+                          </a:rPr>
+                          <m:t>𝑒</m:t>
+                        </m:r>
+                      </m:sub>
+                    </m:sSub>
+                    <m:d>
+                      <m:dPr>
+                        <m:ctrlPr>
+                          <a:rPr lang="pt-BR" i="1">
+                            <a:solidFill>
+                              <a:schemeClr val="tx1"/>
+                            </a:solidFill>
+                            <a:latin typeface="Cambria Math" panose="02040503050406030204" pitchFamily="18" charset="0"/>
+                          </a:rPr>
+                        </m:ctrlPr>
+                      </m:dPr>
+                      <m:e>
+                        <m:r>
+                          <a:rPr lang="pt-BR" b="1" i="1">
+                            <a:solidFill>
+                              <a:schemeClr val="tx1"/>
+                            </a:solidFill>
+                            <a:latin typeface="Cambria Math" panose="02040503050406030204" pitchFamily="18" charset="0"/>
+                          </a:rPr>
+                          <m:t>𝒂</m:t>
+                        </m:r>
+                      </m:e>
+                    </m:d>
+                    <m:r>
+                      <a:rPr lang="pt-BR" b="0" i="1" smtClean="0">
+                        <a:solidFill>
+                          <a:schemeClr val="tx1"/>
+                        </a:solidFill>
+                        <a:latin typeface="Cambria Math" panose="02040503050406030204" pitchFamily="18" charset="0"/>
+                      </a:rPr>
+                      <m:t>=</m:t>
+                    </m:r>
+                    <m:f>
+                      <m:fPr>
+                        <m:ctrlPr>
+                          <a:rPr lang="pt-BR" i="1" dirty="0" smtClean="0">
+                            <a:solidFill>
+                              <a:schemeClr val="tx1"/>
+                            </a:solidFill>
+                            <a:latin typeface="Cambria Math" panose="02040503050406030204" pitchFamily="18" charset="0"/>
+                          </a:rPr>
+                        </m:ctrlPr>
+                      </m:fPr>
+                      <m:num>
+                        <m:r>
+                          <a:rPr lang="pt-BR" i="1" dirty="0" smtClean="0">
+                            <a:solidFill>
+                              <a:schemeClr val="tx1"/>
+                            </a:solidFill>
+                            <a:latin typeface="Cambria Math" panose="02040503050406030204" pitchFamily="18" charset="0"/>
+                          </a:rPr>
+                          <m:t>𝜕</m:t>
+                        </m:r>
+                        <m:sSub>
+                          <m:sSubPr>
+                            <m:ctrlPr>
+                              <a:rPr lang="pt-BR" i="1">
+                                <a:solidFill>
+                                  <a:schemeClr val="tx1"/>
+                                </a:solidFill>
+                                <a:latin typeface="Cambria Math" panose="02040503050406030204" pitchFamily="18" charset="0"/>
+                              </a:rPr>
+                            </m:ctrlPr>
+                          </m:sSubPr>
+                          <m:e>
+                            <m:r>
+                              <a:rPr lang="pt-BR" i="1">
+                                <a:solidFill>
+                                  <a:schemeClr val="tx1"/>
+                                </a:solidFill>
+                                <a:latin typeface="Cambria Math" panose="02040503050406030204" pitchFamily="18" charset="0"/>
+                              </a:rPr>
+                              <m:t>𝐽</m:t>
+                            </m:r>
+                          </m:e>
+                          <m:sub>
+                            <m:r>
+                              <a:rPr lang="pt-BR" i="1">
+                                <a:solidFill>
+                                  <a:schemeClr val="tx1"/>
+                                </a:solidFill>
+                                <a:latin typeface="Cambria Math" panose="02040503050406030204" pitchFamily="18" charset="0"/>
+                              </a:rPr>
+                              <m:t>𝑒</m:t>
+                            </m:r>
+                          </m:sub>
+                        </m:sSub>
+                        <m:r>
+                          <a:rPr lang="pt-BR" i="1">
+                            <a:solidFill>
+                              <a:schemeClr val="tx1"/>
+                            </a:solidFill>
+                            <a:latin typeface="Cambria Math" panose="02040503050406030204" pitchFamily="18" charset="0"/>
+                          </a:rPr>
+                          <m:t>(</m:t>
+                        </m:r>
+                        <m:r>
+                          <a:rPr lang="pt-BR" b="1" i="1">
+                            <a:solidFill>
+                              <a:schemeClr val="tx1"/>
+                            </a:solidFill>
+                            <a:latin typeface="Cambria Math" panose="02040503050406030204" pitchFamily="18" charset="0"/>
+                          </a:rPr>
+                          <m:t>𝒂</m:t>
+                        </m:r>
+                        <m:r>
+                          <a:rPr lang="pt-BR" i="1">
+                            <a:solidFill>
+                              <a:schemeClr val="tx1"/>
+                            </a:solidFill>
+                            <a:latin typeface="Cambria Math" panose="02040503050406030204" pitchFamily="18" charset="0"/>
+                          </a:rPr>
+                          <m:t>)</m:t>
+                        </m:r>
+                      </m:num>
+                      <m:den>
+                        <m:r>
+                          <a:rPr lang="pt-BR" i="1" dirty="0" smtClean="0">
+                            <a:solidFill>
+                              <a:schemeClr val="tx1"/>
+                            </a:solidFill>
+                            <a:latin typeface="Cambria Math" panose="02040503050406030204" pitchFamily="18" charset="0"/>
+                          </a:rPr>
+                          <m:t>𝜕</m:t>
+                        </m:r>
+                        <m:r>
+                          <a:rPr lang="pt-BR" b="1" i="1" dirty="0" smtClean="0">
+                            <a:solidFill>
+                              <a:schemeClr val="tx1"/>
+                            </a:solidFill>
+                            <a:latin typeface="Cambria Math" panose="02040503050406030204" pitchFamily="18" charset="0"/>
+                          </a:rPr>
+                          <m:t>𝒂</m:t>
+                        </m:r>
+                      </m:den>
+                    </m:f>
+                  </m:oMath>
+                </a14:m>
+                <a:r>
+                  <a:rPr lang="pt-BR" dirty="0">
+                    <a:solidFill>
+                      <a:schemeClr val="tx1"/>
+                    </a:solidFill>
+                  </a:rPr>
+                  <a:t>.</a:t>
+                </a:r>
+              </a:p>
+              <a:p>
+                <a:r>
+                  <a:rPr lang="pt-BR" b="0" i="0" dirty="0">
+                    <a:solidFill>
+                      <a:schemeClr val="tx1"/>
+                    </a:solidFill>
+                    <a:effectLst/>
+                  </a:rPr>
+                  <a:t>Ele aponta na </a:t>
+                </a:r>
+                <a:r>
+                  <a:rPr lang="pt-BR" b="1" i="1" dirty="0">
+                    <a:solidFill>
+                      <a:schemeClr val="tx1"/>
+                    </a:solidFill>
+                    <a:effectLst/>
+                  </a:rPr>
+                  <a:t>direção de maior crescimento da função </a:t>
+                </a:r>
+                <a:r>
+                  <a:rPr lang="pt-BR" b="0" i="0" dirty="0">
+                    <a:solidFill>
+                      <a:schemeClr val="tx1"/>
+                    </a:solidFill>
+                    <a:effectLst/>
+                  </a:rPr>
+                  <a:t>a partir de um determinado ponto.</a:t>
+                </a:r>
+              </a:p>
+              <a:p>
+                <a:r>
+                  <a:rPr lang="pt-BR" b="0" i="0" dirty="0">
+                    <a:solidFill>
+                      <a:schemeClr val="tx1"/>
+                    </a:solidFill>
+                    <a:effectLst/>
+                  </a:rPr>
+                  <a:t>O gradiente pode ser também interpretado como a </a:t>
+                </a:r>
+                <a:r>
+                  <a:rPr lang="pt-BR" b="1" i="1" dirty="0">
+                    <a:solidFill>
+                      <a:schemeClr val="tx1"/>
+                    </a:solidFill>
+                    <a:effectLst/>
+                  </a:rPr>
+                  <a:t>inclinação</a:t>
+                </a:r>
+                <a:r>
+                  <a:rPr lang="pt-BR" b="0" i="0" dirty="0">
+                    <a:solidFill>
+                      <a:schemeClr val="tx1"/>
+                    </a:solidFill>
+                    <a:effectLst/>
+                  </a:rPr>
+                  <a:t> da reta tangente à curva no ponto onde ele é calculado.</a:t>
+                </a:r>
+              </a:p>
+              <a:p>
+                <a:pPr lvl="1">
+                  <a:buFont typeface="Wingdings" panose="05000000000000000000" pitchFamily="2" charset="2"/>
+                  <a:buChar char="§"/>
+                </a:pPr>
+                <a:r>
+                  <a:rPr lang="pt-BR" b="0" i="0" dirty="0">
+                    <a:solidFill>
+                      <a:schemeClr val="tx1"/>
+                    </a:solidFill>
+                    <a:effectLst/>
+                  </a:rPr>
+                  <a:t>Quanto </a:t>
+                </a:r>
+                <a:r>
+                  <a:rPr lang="pt-BR" b="1" i="1" dirty="0">
+                    <a:solidFill>
+                      <a:schemeClr val="tx1"/>
+                    </a:solidFill>
+                    <a:effectLst/>
+                  </a:rPr>
+                  <a:t>maior o valor absoluto do gradiente, mais inclinada é a reta tangente </a:t>
+                </a:r>
+                <a:r>
+                  <a:rPr lang="pt-BR" b="0" i="0" dirty="0">
+                    <a:solidFill>
+                      <a:schemeClr val="tx1"/>
+                    </a:solidFill>
+                    <a:effectLst/>
+                  </a:rPr>
+                  <a:t>naquele ponto.</a:t>
+                </a:r>
+              </a:p>
+              <a:p>
+                <a:pPr lvl="1">
+                  <a:buFont typeface="Wingdings" panose="05000000000000000000" pitchFamily="2" charset="2"/>
+                  <a:buChar char="§"/>
+                </a:pPr>
+                <a:r>
+                  <a:rPr lang="pt-BR" dirty="0"/>
+                  <a:t>Portanto, </a:t>
+                </a:r>
+                <a:r>
+                  <a:rPr lang="pt-BR" b="1" i="1" dirty="0"/>
+                  <a:t>um valor igual a 0 indica inclinação nula</a:t>
+                </a:r>
+                <a:r>
+                  <a:rPr lang="pt-BR" dirty="0"/>
+                  <a:t>.</a:t>
+                </a:r>
+              </a:p>
+              <a:p>
+                <a:pPr lvl="1">
+                  <a:buFont typeface="Wingdings" panose="05000000000000000000" pitchFamily="2" charset="2"/>
+                  <a:buChar char="§"/>
+                </a:pPr>
+                <a:r>
+                  <a:rPr lang="pt-BR" b="0" i="0" dirty="0">
+                    <a:solidFill>
+                      <a:schemeClr val="tx1"/>
+                    </a:solidFill>
+                    <a:effectLst/>
+                  </a:rPr>
+                  <a:t>Onde isso ocorre? No ponto de mínimo.</a:t>
+                </a:r>
+              </a:p>
+            </p:txBody>
+          </p:sp>
+        </mc:Choice>
+        <mc:Fallback>
+          <p:sp>
+            <p:nvSpPr>
+              <p:cNvPr id="3" name="Espaço Reservado para Conteúdo 2">
+                <a:extLst>
+                  <a:ext uri="{FF2B5EF4-FFF2-40B4-BE49-F238E27FC236}">
+                    <a16:creationId xmlns:a16="http://schemas.microsoft.com/office/drawing/2014/main" id="{F09EA0C7-E094-F158-6A1A-B80733321450}"/>
+                  </a:ext>
+                </a:extLst>
+              </p:cNvPr>
+              <p:cNvSpPr>
+                <a:spLocks noGrp="1" noRot="1" noChangeAspect="1" noMove="1" noResize="1" noEditPoints="1" noAdjustHandles="1" noChangeArrowheads="1" noChangeShapeType="1" noTextEdit="1"/>
+              </p:cNvSpPr>
+              <p:nvPr>
+                <p:ph idx="1"/>
+              </p:nvPr>
+            </p:nvSpPr>
+            <p:spPr>
+              <a:xfrm>
+                <a:off x="5380267" y="1825624"/>
+                <a:ext cx="6619950" cy="5032376"/>
+              </a:xfrm>
+              <a:blipFill>
+                <a:blip r:embed="rId3"/>
+                <a:stretch>
+                  <a:fillRect l="-1473" t="-2421" r="-2670" b="-2058"/>
+                </a:stretch>
+              </a:blipFill>
+            </p:spPr>
+            <p:txBody>
+              <a:bodyPr/>
+              <a:lstStyle/>
+              <a:p>
+                <a:r>
+                  <a:rPr lang="pt-BR">
+                    <a:noFill/>
+                  </a:rPr>
+                  <a:t> </a:t>
+                </a:r>
+              </a:p>
+            </p:txBody>
+          </p:sp>
+        </mc:Fallback>
+      </mc:AlternateContent>
+      <p:grpSp>
+        <p:nvGrpSpPr>
+          <p:cNvPr id="25" name="Agrupar 24">
+            <a:extLst>
+              <a:ext uri="{FF2B5EF4-FFF2-40B4-BE49-F238E27FC236}">
+                <a16:creationId xmlns:a16="http://schemas.microsoft.com/office/drawing/2014/main" id="{CAABD4E6-0271-FDD3-1BDC-9F25BB67666F}"/>
+              </a:ext>
+            </a:extLst>
+          </p:cNvPr>
+          <p:cNvGrpSpPr/>
+          <p:nvPr/>
+        </p:nvGrpSpPr>
+        <p:grpSpPr>
+          <a:xfrm>
+            <a:off x="973059" y="2353695"/>
+            <a:ext cx="3963570" cy="2939416"/>
+            <a:chOff x="973059" y="2353695"/>
+            <a:chExt cx="3963570" cy="2939416"/>
+          </a:xfrm>
+        </p:grpSpPr>
+        <p:sp>
+          <p:nvSpPr>
+            <p:cNvPr id="24" name="Forma Livre: Forma 23">
+              <a:extLst>
+                <a:ext uri="{FF2B5EF4-FFF2-40B4-BE49-F238E27FC236}">
+                  <a16:creationId xmlns:a16="http://schemas.microsoft.com/office/drawing/2014/main" id="{1AF02A9C-5A9B-AE81-9724-6E5E5F5C9AD5}"/>
+                </a:ext>
+              </a:extLst>
+            </p:cNvPr>
+            <p:cNvSpPr/>
+            <p:nvPr/>
+          </p:nvSpPr>
+          <p:spPr>
+            <a:xfrm>
+              <a:off x="1190625" y="2990850"/>
+              <a:ext cx="3429000" cy="1752634"/>
+            </a:xfrm>
+            <a:custGeom>
+              <a:avLst/>
+              <a:gdLst>
+                <a:gd name="connsiteX0" fmla="*/ 0 w 3429000"/>
+                <a:gd name="connsiteY0" fmla="*/ 38100 h 1752634"/>
+                <a:gd name="connsiteX1" fmla="*/ 1714500 w 3429000"/>
+                <a:gd name="connsiteY1" fmla="*/ 1752600 h 1752634"/>
+                <a:gd name="connsiteX2" fmla="*/ 3429000 w 3429000"/>
+                <a:gd name="connsiteY2" fmla="*/ 0 h 1752634"/>
+              </a:gdLst>
+              <a:ahLst/>
+              <a:cxnLst>
+                <a:cxn ang="0">
+                  <a:pos x="connsiteX0" y="connsiteY0"/>
+                </a:cxn>
+                <a:cxn ang="0">
+                  <a:pos x="connsiteX1" y="connsiteY1"/>
+                </a:cxn>
+                <a:cxn ang="0">
+                  <a:pos x="connsiteX2" y="connsiteY2"/>
+                </a:cxn>
+              </a:cxnLst>
+              <a:rect l="l" t="t" r="r" b="b"/>
+              <a:pathLst>
+                <a:path w="3429000" h="1752634">
+                  <a:moveTo>
+                    <a:pt x="0" y="38100"/>
+                  </a:moveTo>
+                  <a:cubicBezTo>
+                    <a:pt x="571500" y="898525"/>
+                    <a:pt x="1143000" y="1758950"/>
+                    <a:pt x="1714500" y="1752600"/>
+                  </a:cubicBezTo>
+                  <a:cubicBezTo>
+                    <a:pt x="2286000" y="1746250"/>
+                    <a:pt x="3119438" y="314325"/>
+                    <a:pt x="3429000" y="0"/>
+                  </a:cubicBezTo>
+                </a:path>
+              </a:pathLst>
+            </a:custGeom>
+            <a:noFill/>
+          </p:spPr>
+          <p:style>
+            <a:lnRef idx="2">
+              <a:schemeClr val="accent1">
+                <a:shade val="15000"/>
+              </a:schemeClr>
+            </a:lnRef>
+            <a:fillRef idx="1">
+              <a:schemeClr val="accent1"/>
+            </a:fillRef>
+            <a:effectRef idx="0">
+              <a:schemeClr val="accent1"/>
+            </a:effectRef>
+            <a:fontRef idx="minor">
+              <a:schemeClr val="lt1"/>
+            </a:fontRef>
+          </p:style>
+          <p:txBody>
+            <a:bodyPr rtlCol="0" anchor="ctr"/>
+            <a:lstStyle/>
+            <a:p>
+              <a:pPr algn="ctr"/>
+              <a:endParaRPr lang="pt-BR"/>
+            </a:p>
+          </p:txBody>
+        </p:sp>
+        <p:cxnSp>
+          <p:nvCxnSpPr>
+            <p:cNvPr id="6" name="Conector de Seta Reta 5">
+              <a:extLst>
+                <a:ext uri="{FF2B5EF4-FFF2-40B4-BE49-F238E27FC236}">
+                  <a16:creationId xmlns:a16="http://schemas.microsoft.com/office/drawing/2014/main" id="{CECA8A08-ECD5-CF26-4CEC-3C8F2A7EB943}"/>
+                </a:ext>
+              </a:extLst>
+            </p:cNvPr>
+            <p:cNvCxnSpPr>
+              <a:cxnSpLocks/>
+            </p:cNvCxnSpPr>
+            <p:nvPr/>
+          </p:nvCxnSpPr>
+          <p:spPr>
+            <a:xfrm>
+              <a:off x="974017" y="4916172"/>
+              <a:ext cx="3860967" cy="0"/>
+            </a:xfrm>
+            <a:prstGeom prst="straightConnector1">
+              <a:avLst/>
+            </a:prstGeom>
+            <a:ln w="19050">
+              <a:solidFill>
+                <a:schemeClr val="tx1"/>
+              </a:solidFill>
+              <a:tailEnd type="triangle"/>
+            </a:ln>
+          </p:spPr>
+          <p:style>
+            <a:lnRef idx="1">
+              <a:schemeClr val="accent1"/>
+            </a:lnRef>
+            <a:fillRef idx="0">
+              <a:schemeClr val="accent1"/>
+            </a:fillRef>
+            <a:effectRef idx="0">
+              <a:schemeClr val="accent1"/>
+            </a:effectRef>
+            <a:fontRef idx="minor">
+              <a:schemeClr val="tx1"/>
+            </a:fontRef>
+          </p:style>
+        </p:cxnSp>
+        <p:cxnSp>
+          <p:nvCxnSpPr>
+            <p:cNvPr id="7" name="Conector de Seta Reta 6">
+              <a:extLst>
+                <a:ext uri="{FF2B5EF4-FFF2-40B4-BE49-F238E27FC236}">
+                  <a16:creationId xmlns:a16="http://schemas.microsoft.com/office/drawing/2014/main" id="{EBE189DA-FC3E-6F77-83E6-389C755E01A6}"/>
+                </a:ext>
+              </a:extLst>
+            </p:cNvPr>
+            <p:cNvCxnSpPr>
+              <a:cxnSpLocks/>
+            </p:cNvCxnSpPr>
+            <p:nvPr/>
+          </p:nvCxnSpPr>
+          <p:spPr>
+            <a:xfrm flipV="1">
+              <a:off x="974018" y="2442308"/>
+              <a:ext cx="0" cy="2473865"/>
+            </a:xfrm>
+            <a:prstGeom prst="straightConnector1">
+              <a:avLst/>
+            </a:prstGeom>
+            <a:ln w="19050">
+              <a:solidFill>
+                <a:schemeClr val="tx1"/>
+              </a:solidFill>
+              <a:tailEnd type="triangle"/>
+            </a:ln>
+          </p:spPr>
+          <p:style>
+            <a:lnRef idx="1">
+              <a:schemeClr val="accent1"/>
+            </a:lnRef>
+            <a:fillRef idx="0">
+              <a:schemeClr val="accent1"/>
+            </a:fillRef>
+            <a:effectRef idx="0">
+              <a:schemeClr val="accent1"/>
+            </a:effectRef>
+            <a:fontRef idx="minor">
+              <a:schemeClr val="tx1"/>
+            </a:fontRef>
+          </p:style>
+        </p:cxnSp>
+        <mc:AlternateContent xmlns:mc="http://schemas.openxmlformats.org/markup-compatibility/2006">
+          <mc:Choice xmlns:a14="http://schemas.microsoft.com/office/drawing/2010/main" Requires="a14">
+            <p:sp>
+              <p:nvSpPr>
+                <p:cNvPr id="8" name="CaixaDeTexto 7">
+                  <a:extLst>
+                    <a:ext uri="{FF2B5EF4-FFF2-40B4-BE49-F238E27FC236}">
+                      <a16:creationId xmlns:a16="http://schemas.microsoft.com/office/drawing/2014/main" id="{A78938CD-F777-59C9-49FF-1EC87187C2BF}"/>
+                    </a:ext>
+                  </a:extLst>
+                </p:cNvPr>
+                <p:cNvSpPr txBox="1"/>
+                <p:nvPr/>
+              </p:nvSpPr>
+              <p:spPr>
+                <a:xfrm>
+                  <a:off x="974017" y="2353695"/>
+                  <a:ext cx="2460683" cy="369332"/>
+                </a:xfrm>
+                <a:prstGeom prst="rect">
+                  <a:avLst/>
+                </a:prstGeom>
+                <a:noFill/>
+              </p:spPr>
+              <p:txBody>
+                <a:bodyPr wrap="square" rtlCol="0">
+                  <a:spAutoFit/>
+                </a:bodyPr>
+                <a:lstStyle/>
+                <a:p>
+                  <a:r>
+                    <a:rPr lang="pt-BR" dirty="0"/>
+                    <a:t>Função de erro, </a:t>
+                  </a:r>
+                  <a14:m>
+                    <m:oMath xmlns:m="http://schemas.openxmlformats.org/officeDocument/2006/math">
+                      <m:sSub>
+                        <m:sSubPr>
+                          <m:ctrlPr>
+                            <a:rPr lang="pt-BR" i="1" smtClean="0">
+                              <a:latin typeface="Cambria Math" panose="02040503050406030204" pitchFamily="18" charset="0"/>
+                            </a:rPr>
+                          </m:ctrlPr>
+                        </m:sSubPr>
+                        <m:e>
+                          <m:r>
+                            <a:rPr lang="pt-BR" b="0" i="1" smtClean="0">
+                              <a:latin typeface="Cambria Math" panose="02040503050406030204" pitchFamily="18" charset="0"/>
+                            </a:rPr>
+                            <m:t>𝐽</m:t>
+                          </m:r>
+                        </m:e>
+                        <m:sub>
+                          <m:r>
+                            <a:rPr lang="pt-BR" b="0" i="1" smtClean="0">
+                              <a:latin typeface="Cambria Math" panose="02040503050406030204" pitchFamily="18" charset="0"/>
+                            </a:rPr>
+                            <m:t>𝑒</m:t>
+                          </m:r>
+                        </m:sub>
+                      </m:sSub>
+                      <m:r>
+                        <a:rPr lang="pt-BR" b="0" i="1" smtClean="0">
+                          <a:latin typeface="Cambria Math" panose="02040503050406030204" pitchFamily="18" charset="0"/>
+                        </a:rPr>
+                        <m:t>(</m:t>
+                      </m:r>
+                      <m:r>
+                        <a:rPr lang="pt-BR" b="0" i="1" smtClean="0">
+                          <a:latin typeface="Cambria Math" panose="02040503050406030204" pitchFamily="18" charset="0"/>
+                        </a:rPr>
+                        <m:t>𝑎</m:t>
+                      </m:r>
+                      <m:r>
+                        <a:rPr lang="pt-BR" b="0" i="1" smtClean="0">
+                          <a:latin typeface="Cambria Math" panose="02040503050406030204" pitchFamily="18" charset="0"/>
+                        </a:rPr>
+                        <m:t>)</m:t>
+                      </m:r>
+                    </m:oMath>
+                  </a14:m>
+                  <a:endParaRPr lang="pt-BR" dirty="0"/>
+                </a:p>
+              </p:txBody>
+            </p:sp>
+          </mc:Choice>
+          <mc:Fallback>
+            <p:sp>
+              <p:nvSpPr>
+                <p:cNvPr id="8" name="CaixaDeTexto 7">
+                  <a:extLst>
+                    <a:ext uri="{FF2B5EF4-FFF2-40B4-BE49-F238E27FC236}">
+                      <a16:creationId xmlns:a16="http://schemas.microsoft.com/office/drawing/2014/main" id="{A78938CD-F777-59C9-49FF-1EC87187C2BF}"/>
+                    </a:ext>
+                  </a:extLst>
+                </p:cNvPr>
+                <p:cNvSpPr txBox="1">
+                  <a:spLocks noRot="1" noChangeAspect="1" noMove="1" noResize="1" noEditPoints="1" noAdjustHandles="1" noChangeArrowheads="1" noChangeShapeType="1" noTextEdit="1"/>
+                </p:cNvSpPr>
+                <p:nvPr/>
+              </p:nvSpPr>
+              <p:spPr>
+                <a:xfrm>
+                  <a:off x="974017" y="2353695"/>
+                  <a:ext cx="2460683" cy="369332"/>
+                </a:xfrm>
+                <a:prstGeom prst="rect">
+                  <a:avLst/>
+                </a:prstGeom>
+                <a:blipFill>
+                  <a:blip r:embed="rId4"/>
+                  <a:stretch>
+                    <a:fillRect l="-2233" t="-8197" b="-24590"/>
+                  </a:stretch>
+                </a:blipFill>
+              </p:spPr>
+              <p:txBody>
+                <a:bodyPr/>
+                <a:lstStyle/>
+                <a:p>
+                  <a:r>
+                    <a:rPr lang="pt-BR">
+                      <a:noFill/>
+                    </a:rPr>
+                    <a:t> </a:t>
+                  </a:r>
+                </a:p>
+              </p:txBody>
+            </p:sp>
+          </mc:Fallback>
+        </mc:AlternateContent>
+        <p:sp>
+          <p:nvSpPr>
+            <p:cNvPr id="9" name="CaixaDeTexto 8">
+              <a:extLst>
+                <a:ext uri="{FF2B5EF4-FFF2-40B4-BE49-F238E27FC236}">
+                  <a16:creationId xmlns:a16="http://schemas.microsoft.com/office/drawing/2014/main" id="{A1CE1535-321D-E614-D63E-21C0CB455062}"/>
+                </a:ext>
+              </a:extLst>
+            </p:cNvPr>
+            <p:cNvSpPr txBox="1"/>
+            <p:nvPr/>
+          </p:nvSpPr>
+          <p:spPr>
+            <a:xfrm>
+              <a:off x="4300295" y="4923779"/>
+              <a:ext cx="636334" cy="369332"/>
+            </a:xfrm>
+            <a:prstGeom prst="rect">
+              <a:avLst/>
+            </a:prstGeom>
+            <a:noFill/>
+          </p:spPr>
+          <p:txBody>
+            <a:bodyPr wrap="square" rtlCol="0">
+              <a:spAutoFit/>
+            </a:bodyPr>
+            <a:lstStyle/>
+            <a:p>
+              <a:pPr algn="r"/>
+              <a:r>
+                <a:rPr lang="pt-BR" dirty="0"/>
+                <a:t>Peso</a:t>
+              </a:r>
+            </a:p>
+          </p:txBody>
+        </p:sp>
+        <p:cxnSp>
+          <p:nvCxnSpPr>
+            <p:cNvPr id="10" name="Conector reto 9">
+              <a:extLst>
+                <a:ext uri="{FF2B5EF4-FFF2-40B4-BE49-F238E27FC236}">
+                  <a16:creationId xmlns:a16="http://schemas.microsoft.com/office/drawing/2014/main" id="{C04D87AE-293E-34D0-E4BE-09E7635BC7EE}"/>
+                </a:ext>
+              </a:extLst>
+            </p:cNvPr>
+            <p:cNvCxnSpPr/>
+            <p:nvPr/>
+          </p:nvCxnSpPr>
+          <p:spPr>
+            <a:xfrm>
+              <a:off x="976885" y="4744536"/>
+              <a:ext cx="1930484" cy="0"/>
+            </a:xfrm>
+            <a:prstGeom prst="line">
+              <a:avLst/>
+            </a:prstGeom>
+            <a:ln>
+              <a:solidFill>
+                <a:srgbClr val="FF0000"/>
+              </a:solidFill>
+              <a:prstDash val="dash"/>
+            </a:ln>
+          </p:spPr>
+          <p:style>
+            <a:lnRef idx="1">
+              <a:schemeClr val="accent1"/>
+            </a:lnRef>
+            <a:fillRef idx="0">
+              <a:schemeClr val="accent1"/>
+            </a:fillRef>
+            <a:effectRef idx="0">
+              <a:schemeClr val="accent1"/>
+            </a:effectRef>
+            <a:fontRef idx="minor">
+              <a:schemeClr val="tx1"/>
+            </a:fontRef>
+          </p:style>
+        </p:cxnSp>
+        <p:sp>
+          <p:nvSpPr>
+            <p:cNvPr id="11" name="CaixaDeTexto 10">
+              <a:extLst>
+                <a:ext uri="{FF2B5EF4-FFF2-40B4-BE49-F238E27FC236}">
+                  <a16:creationId xmlns:a16="http://schemas.microsoft.com/office/drawing/2014/main" id="{0ED8EC8A-F8D0-F14F-7E38-47715C0AD532}"/>
+                </a:ext>
+              </a:extLst>
+            </p:cNvPr>
+            <p:cNvSpPr txBox="1"/>
+            <p:nvPr/>
+          </p:nvSpPr>
+          <p:spPr>
+            <a:xfrm>
+              <a:off x="2367751" y="4232230"/>
+              <a:ext cx="1066949" cy="550146"/>
+            </a:xfrm>
+            <a:prstGeom prst="rect">
+              <a:avLst/>
+            </a:prstGeom>
+            <a:noFill/>
+          </p:spPr>
+          <p:txBody>
+            <a:bodyPr wrap="square" rtlCol="0">
+              <a:spAutoFit/>
+            </a:bodyPr>
+            <a:lstStyle/>
+            <a:p>
+              <a:pPr algn="ctr"/>
+              <a:r>
+                <a:rPr lang="pt-BR" sz="1200" dirty="0"/>
+                <a:t>Ponto de mínimo</a:t>
+              </a:r>
+            </a:p>
+          </p:txBody>
+        </p:sp>
+        <p:cxnSp>
+          <p:nvCxnSpPr>
+            <p:cNvPr id="12" name="Conector reto 11">
+              <a:extLst>
+                <a:ext uri="{FF2B5EF4-FFF2-40B4-BE49-F238E27FC236}">
+                  <a16:creationId xmlns:a16="http://schemas.microsoft.com/office/drawing/2014/main" id="{37A91F5D-D6CE-87E4-DD6F-6AEA41D6D82D}"/>
+                </a:ext>
+              </a:extLst>
+            </p:cNvPr>
+            <p:cNvCxnSpPr>
+              <a:cxnSpLocks/>
+            </p:cNvCxnSpPr>
+            <p:nvPr/>
+          </p:nvCxnSpPr>
+          <p:spPr>
+            <a:xfrm>
+              <a:off x="2902477" y="4736969"/>
+              <a:ext cx="0" cy="171598"/>
+            </a:xfrm>
+            <a:prstGeom prst="line">
+              <a:avLst/>
+            </a:prstGeom>
+            <a:ln>
+              <a:solidFill>
+                <a:srgbClr val="FF0000"/>
+              </a:solidFill>
+              <a:prstDash val="dash"/>
+            </a:ln>
+          </p:spPr>
+          <p:style>
+            <a:lnRef idx="1">
+              <a:schemeClr val="accent1"/>
+            </a:lnRef>
+            <a:fillRef idx="0">
+              <a:schemeClr val="accent1"/>
+            </a:fillRef>
+            <a:effectRef idx="0">
+              <a:schemeClr val="accent1"/>
+            </a:effectRef>
+            <a:fontRef idx="minor">
+              <a:schemeClr val="tx1"/>
+            </a:fontRef>
+          </p:style>
+        </p:cxnSp>
+        <p:sp>
+          <p:nvSpPr>
+            <p:cNvPr id="13" name="Elipse 12">
+              <a:extLst>
+                <a:ext uri="{FF2B5EF4-FFF2-40B4-BE49-F238E27FC236}">
+                  <a16:creationId xmlns:a16="http://schemas.microsoft.com/office/drawing/2014/main" id="{34D38410-D059-6D93-1DD2-6F2EF0E92E63}"/>
+                </a:ext>
+              </a:extLst>
+            </p:cNvPr>
+            <p:cNvSpPr/>
+            <p:nvPr/>
+          </p:nvSpPr>
+          <p:spPr>
+            <a:xfrm>
+              <a:off x="2879776" y="4721835"/>
+              <a:ext cx="42900" cy="42900"/>
+            </a:xfrm>
+            <a:prstGeom prst="ellipse">
+              <a:avLst/>
+            </a:prstGeom>
+            <a:solidFill>
+              <a:srgbClr val="FF0000"/>
+            </a:solidFill>
+            <a:ln>
+              <a:solidFill>
+                <a:srgbClr val="FF0000"/>
+              </a:solidFill>
+            </a:ln>
+          </p:spPr>
+          <p:style>
+            <a:lnRef idx="2">
+              <a:schemeClr val="accent1">
+                <a:shade val="15000"/>
+              </a:schemeClr>
+            </a:lnRef>
+            <a:fillRef idx="1">
+              <a:schemeClr val="accent1"/>
+            </a:fillRef>
+            <a:effectRef idx="0">
+              <a:schemeClr val="accent1"/>
+            </a:effectRef>
+            <a:fontRef idx="minor">
+              <a:schemeClr val="lt1"/>
+            </a:fontRef>
+          </p:style>
+          <p:txBody>
+            <a:bodyPr rtlCol="0" anchor="ctr"/>
+            <a:lstStyle/>
+            <a:p>
+              <a:pPr algn="ctr"/>
+              <a:endParaRPr lang="pt-BR" dirty="0"/>
+            </a:p>
+          </p:txBody>
+        </p:sp>
+        <p:sp>
+          <p:nvSpPr>
+            <p:cNvPr id="14" name="Elipse 13">
+              <a:extLst>
+                <a:ext uri="{FF2B5EF4-FFF2-40B4-BE49-F238E27FC236}">
+                  <a16:creationId xmlns:a16="http://schemas.microsoft.com/office/drawing/2014/main" id="{483CF4C1-DDBF-4640-7392-235196C4D89B}"/>
+                </a:ext>
+              </a:extLst>
+            </p:cNvPr>
+            <p:cNvSpPr/>
+            <p:nvPr/>
+          </p:nvSpPr>
+          <p:spPr>
+            <a:xfrm>
+              <a:off x="1273647" y="3163362"/>
+              <a:ext cx="42900" cy="42900"/>
+            </a:xfrm>
+            <a:prstGeom prst="ellipse">
+              <a:avLst/>
+            </a:prstGeom>
+            <a:solidFill>
+              <a:schemeClr val="tx1"/>
+            </a:solidFill>
+            <a:ln>
+              <a:solidFill>
+                <a:schemeClr val="tx1"/>
+              </a:solidFill>
+            </a:ln>
+          </p:spPr>
+          <p:style>
+            <a:lnRef idx="2">
+              <a:schemeClr val="accent1">
+                <a:shade val="15000"/>
+              </a:schemeClr>
+            </a:lnRef>
+            <a:fillRef idx="1">
+              <a:schemeClr val="accent1"/>
+            </a:fillRef>
+            <a:effectRef idx="0">
+              <a:schemeClr val="accent1"/>
+            </a:effectRef>
+            <a:fontRef idx="minor">
+              <a:schemeClr val="lt1"/>
+            </a:fontRef>
+          </p:style>
+          <p:txBody>
+            <a:bodyPr rtlCol="0" anchor="ctr"/>
+            <a:lstStyle/>
+            <a:p>
+              <a:pPr algn="ctr"/>
+              <a:endParaRPr lang="pt-BR" dirty="0"/>
+            </a:p>
+          </p:txBody>
+        </p:sp>
+        <p:cxnSp>
+          <p:nvCxnSpPr>
+            <p:cNvPr id="15" name="Conector reto 14">
+              <a:extLst>
+                <a:ext uri="{FF2B5EF4-FFF2-40B4-BE49-F238E27FC236}">
+                  <a16:creationId xmlns:a16="http://schemas.microsoft.com/office/drawing/2014/main" id="{D69F7809-96CB-75B0-3DD7-F1D3CFFC0DDA}"/>
+                </a:ext>
+              </a:extLst>
+            </p:cNvPr>
+            <p:cNvCxnSpPr/>
+            <p:nvPr/>
+          </p:nvCxnSpPr>
+          <p:spPr>
+            <a:xfrm>
+              <a:off x="973059" y="3184593"/>
+              <a:ext cx="324000" cy="0"/>
+            </a:xfrm>
+            <a:prstGeom prst="line">
+              <a:avLst/>
+            </a:prstGeom>
+            <a:ln>
+              <a:solidFill>
+                <a:schemeClr val="tx1"/>
+              </a:solidFill>
+              <a:prstDash val="dash"/>
+            </a:ln>
+          </p:spPr>
+          <p:style>
+            <a:lnRef idx="1">
+              <a:schemeClr val="accent1"/>
+            </a:lnRef>
+            <a:fillRef idx="0">
+              <a:schemeClr val="accent1"/>
+            </a:fillRef>
+            <a:effectRef idx="0">
+              <a:schemeClr val="accent1"/>
+            </a:effectRef>
+            <a:fontRef idx="minor">
+              <a:schemeClr val="tx1"/>
+            </a:fontRef>
+          </p:style>
+        </p:cxnSp>
+        <p:cxnSp>
+          <p:nvCxnSpPr>
+            <p:cNvPr id="17" name="Conector reto 16">
+              <a:extLst>
+                <a:ext uri="{FF2B5EF4-FFF2-40B4-BE49-F238E27FC236}">
+                  <a16:creationId xmlns:a16="http://schemas.microsoft.com/office/drawing/2014/main" id="{51DB7F58-65FD-F0F4-E3F8-1B7A5A7E2DAE}"/>
+                </a:ext>
+              </a:extLst>
+            </p:cNvPr>
+            <p:cNvCxnSpPr>
+              <a:cxnSpLocks/>
+            </p:cNvCxnSpPr>
+            <p:nvPr/>
+          </p:nvCxnSpPr>
+          <p:spPr>
+            <a:xfrm>
+              <a:off x="1295097" y="3163361"/>
+              <a:ext cx="0" cy="1764000"/>
+            </a:xfrm>
+            <a:prstGeom prst="line">
+              <a:avLst/>
+            </a:prstGeom>
+            <a:ln>
+              <a:solidFill>
+                <a:schemeClr val="tx1"/>
+              </a:solidFill>
+              <a:prstDash val="dash"/>
+            </a:ln>
+          </p:spPr>
+          <p:style>
+            <a:lnRef idx="1">
+              <a:schemeClr val="accent1"/>
+            </a:lnRef>
+            <a:fillRef idx="0">
+              <a:schemeClr val="accent1"/>
+            </a:fillRef>
+            <a:effectRef idx="0">
+              <a:schemeClr val="accent1"/>
+            </a:effectRef>
+            <a:fontRef idx="minor">
+              <a:schemeClr val="tx1"/>
+            </a:fontRef>
+          </p:style>
+        </p:cxnSp>
+        <p:sp>
+          <p:nvSpPr>
+            <p:cNvPr id="21" name="CaixaDeTexto 20">
+              <a:extLst>
+                <a:ext uri="{FF2B5EF4-FFF2-40B4-BE49-F238E27FC236}">
+                  <a16:creationId xmlns:a16="http://schemas.microsoft.com/office/drawing/2014/main" id="{F3051166-FB83-1C01-C24B-836CCA65DF27}"/>
+                </a:ext>
+              </a:extLst>
+            </p:cNvPr>
+            <p:cNvSpPr txBox="1"/>
+            <p:nvPr/>
+          </p:nvSpPr>
+          <p:spPr>
+            <a:xfrm>
+              <a:off x="1232864" y="3046093"/>
+              <a:ext cx="1071476" cy="276999"/>
+            </a:xfrm>
+            <a:prstGeom prst="rect">
+              <a:avLst/>
+            </a:prstGeom>
+            <a:noFill/>
+          </p:spPr>
+          <p:txBody>
+            <a:bodyPr wrap="square" rtlCol="0">
+              <a:spAutoFit/>
+            </a:bodyPr>
+            <a:lstStyle/>
+            <a:p>
+              <a:pPr algn="ctr"/>
+              <a:r>
+                <a:rPr lang="pt-BR" sz="1200" dirty="0"/>
+                <a:t>Ponto inicial</a:t>
+              </a:r>
+            </a:p>
+          </p:txBody>
+        </p:sp>
+        <mc:AlternateContent xmlns:mc="http://schemas.openxmlformats.org/markup-compatibility/2006" xmlns:a14="http://schemas.microsoft.com/office/drawing/2010/main">
+          <mc:Choice Requires="a14">
+            <p:sp>
+              <p:nvSpPr>
+                <p:cNvPr id="22" name="CaixaDeTexto 21">
+                  <a:extLst>
+                    <a:ext uri="{FF2B5EF4-FFF2-40B4-BE49-F238E27FC236}">
+                      <a16:creationId xmlns:a16="http://schemas.microsoft.com/office/drawing/2014/main" id="{7167E7D4-807F-4A91-D2F9-5B3D43BE5896}"/>
+                    </a:ext>
+                  </a:extLst>
+                </p:cNvPr>
+                <p:cNvSpPr txBox="1"/>
+                <p:nvPr/>
+              </p:nvSpPr>
+              <p:spPr>
+                <a:xfrm>
+                  <a:off x="1074774" y="4868216"/>
+                  <a:ext cx="867941" cy="307777"/>
+                </a:xfrm>
+                <a:prstGeom prst="rect">
+                  <a:avLst/>
+                </a:prstGeom>
+                <a:noFill/>
+              </p:spPr>
+              <p:txBody>
+                <a:bodyPr wrap="square" rtlCol="0">
+                  <a:spAutoFit/>
+                </a:bodyPr>
+                <a:lstStyle/>
+                <a:p>
+                  <a:pPr algn="ctr"/>
+                  <a14:m>
+                    <m:oMathPara xmlns:m="http://schemas.openxmlformats.org/officeDocument/2006/math">
+                      <m:oMathParaPr>
+                        <m:jc m:val="centerGroup"/>
+                      </m:oMathParaPr>
+                      <m:oMath xmlns:m="http://schemas.openxmlformats.org/officeDocument/2006/math">
+                        <m:sSub>
+                          <m:sSubPr>
+                            <m:ctrlPr>
+                              <a:rPr lang="pt-BR" sz="1400" i="1" smtClean="0">
+                                <a:latin typeface="Cambria Math" panose="02040503050406030204" pitchFamily="18" charset="0"/>
+                              </a:rPr>
+                            </m:ctrlPr>
+                          </m:sSubPr>
+                          <m:e>
+                            <m:r>
+                              <a:rPr lang="pt-BR" sz="1400" b="0" i="1" smtClean="0">
+                                <a:latin typeface="Cambria Math" panose="02040503050406030204" pitchFamily="18" charset="0"/>
+                              </a:rPr>
+                              <m:t>𝑎</m:t>
+                            </m:r>
+                          </m:e>
+                          <m:sub>
+                            <m:r>
+                              <m:rPr>
+                                <m:sty m:val="p"/>
+                              </m:rPr>
+                              <a:rPr lang="pt-BR" sz="1400" b="0" i="0" smtClean="0">
+                                <a:latin typeface="Cambria Math" panose="02040503050406030204" pitchFamily="18" charset="0"/>
+                              </a:rPr>
+                              <m:t>inicial</m:t>
+                            </m:r>
+                          </m:sub>
+                        </m:sSub>
+                      </m:oMath>
+                    </m:oMathPara>
+                  </a14:m>
+                  <a:endParaRPr lang="pt-BR" sz="1400" dirty="0"/>
+                </a:p>
+              </p:txBody>
+            </p:sp>
+          </mc:Choice>
+          <mc:Fallback xmlns="">
+            <p:sp>
+              <p:nvSpPr>
+                <p:cNvPr id="22" name="CaixaDeTexto 21">
+                  <a:extLst>
+                    <a:ext uri="{FF2B5EF4-FFF2-40B4-BE49-F238E27FC236}">
+                      <a16:creationId xmlns:a16="http://schemas.microsoft.com/office/drawing/2014/main" id="{7167E7D4-807F-4A91-D2F9-5B3D43BE5896}"/>
+                    </a:ext>
+                  </a:extLst>
+                </p:cNvPr>
+                <p:cNvSpPr txBox="1">
+                  <a:spLocks noRot="1" noChangeAspect="1" noMove="1" noResize="1" noEditPoints="1" noAdjustHandles="1" noChangeArrowheads="1" noChangeShapeType="1" noTextEdit="1"/>
+                </p:cNvSpPr>
+                <p:nvPr/>
+              </p:nvSpPr>
+              <p:spPr>
+                <a:xfrm>
+                  <a:off x="1074774" y="4868216"/>
+                  <a:ext cx="867941" cy="307777"/>
+                </a:xfrm>
+                <a:prstGeom prst="rect">
+                  <a:avLst/>
+                </a:prstGeom>
+                <a:blipFill>
+                  <a:blip r:embed="rId5"/>
+                  <a:stretch>
+                    <a:fillRect/>
+                  </a:stretch>
+                </a:blipFill>
+              </p:spPr>
+              <p:txBody>
+                <a:bodyPr/>
+                <a:lstStyle/>
+                <a:p>
+                  <a:r>
+                    <a:rPr lang="pt-BR">
+                      <a:noFill/>
+                    </a:rPr>
+                    <a:t> </a:t>
+                  </a:r>
+                </a:p>
+              </p:txBody>
+            </p:sp>
+          </mc:Fallback>
+        </mc:AlternateContent>
+        <mc:AlternateContent xmlns:mc="http://schemas.openxmlformats.org/markup-compatibility/2006" xmlns:a14="http://schemas.microsoft.com/office/drawing/2010/main">
+          <mc:Choice Requires="a14">
+            <p:sp>
+              <p:nvSpPr>
+                <p:cNvPr id="23" name="CaixaDeTexto 22">
+                  <a:extLst>
+                    <a:ext uri="{FF2B5EF4-FFF2-40B4-BE49-F238E27FC236}">
+                      <a16:creationId xmlns:a16="http://schemas.microsoft.com/office/drawing/2014/main" id="{5563576F-5255-680C-F8CB-10958601F543}"/>
+                    </a:ext>
+                  </a:extLst>
+                </p:cNvPr>
+                <p:cNvSpPr txBox="1"/>
+                <p:nvPr/>
+              </p:nvSpPr>
+              <p:spPr>
+                <a:xfrm>
+                  <a:off x="2671712" y="4867795"/>
+                  <a:ext cx="867941" cy="307777"/>
+                </a:xfrm>
+                <a:prstGeom prst="rect">
+                  <a:avLst/>
+                </a:prstGeom>
+                <a:noFill/>
+              </p:spPr>
+              <p:txBody>
+                <a:bodyPr wrap="square" rtlCol="0">
+                  <a:spAutoFit/>
+                </a:bodyPr>
+                <a:lstStyle/>
+                <a:p>
+                  <a:pPr algn="ctr"/>
+                  <a14:m>
+                    <m:oMathPara xmlns:m="http://schemas.openxmlformats.org/officeDocument/2006/math">
+                      <m:oMathParaPr>
+                        <m:jc m:val="centerGroup"/>
+                      </m:oMathParaPr>
+                      <m:oMath xmlns:m="http://schemas.openxmlformats.org/officeDocument/2006/math">
+                        <m:sSub>
+                          <m:sSubPr>
+                            <m:ctrlPr>
+                              <a:rPr lang="pt-BR" sz="1400" i="1" smtClean="0">
+                                <a:latin typeface="Cambria Math" panose="02040503050406030204" pitchFamily="18" charset="0"/>
+                              </a:rPr>
+                            </m:ctrlPr>
+                          </m:sSubPr>
+                          <m:e>
+                            <m:r>
+                              <a:rPr lang="pt-BR" sz="1400" b="0" i="1" smtClean="0">
+                                <a:latin typeface="Cambria Math" panose="02040503050406030204" pitchFamily="18" charset="0"/>
+                              </a:rPr>
+                              <m:t>𝑎</m:t>
+                            </m:r>
+                          </m:e>
+                          <m:sub>
+                            <m:r>
+                              <a:rPr lang="pt-BR" sz="1400" b="0" i="0" smtClean="0">
+                                <a:latin typeface="Cambria Math" panose="02040503050406030204" pitchFamily="18" charset="0"/>
+                              </a:rPr>
+                              <m:t>ó</m:t>
+                            </m:r>
+                            <m:r>
+                              <m:rPr>
+                                <m:sty m:val="p"/>
+                              </m:rPr>
+                              <a:rPr lang="pt-BR" sz="1400" b="0" i="0" smtClean="0">
+                                <a:latin typeface="Cambria Math" panose="02040503050406030204" pitchFamily="18" charset="0"/>
+                              </a:rPr>
+                              <m:t>timo</m:t>
+                            </m:r>
+                          </m:sub>
+                        </m:sSub>
+                      </m:oMath>
+                    </m:oMathPara>
+                  </a14:m>
+                  <a:endParaRPr lang="pt-BR" sz="1400" dirty="0"/>
+                </a:p>
+              </p:txBody>
+            </p:sp>
+          </mc:Choice>
+          <mc:Fallback xmlns="">
+            <p:sp>
+              <p:nvSpPr>
+                <p:cNvPr id="23" name="CaixaDeTexto 22">
+                  <a:extLst>
+                    <a:ext uri="{FF2B5EF4-FFF2-40B4-BE49-F238E27FC236}">
+                      <a16:creationId xmlns:a16="http://schemas.microsoft.com/office/drawing/2014/main" id="{5563576F-5255-680C-F8CB-10958601F543}"/>
+                    </a:ext>
+                  </a:extLst>
+                </p:cNvPr>
+                <p:cNvSpPr txBox="1">
+                  <a:spLocks noRot="1" noChangeAspect="1" noMove="1" noResize="1" noEditPoints="1" noAdjustHandles="1" noChangeArrowheads="1" noChangeShapeType="1" noTextEdit="1"/>
+                </p:cNvSpPr>
+                <p:nvPr/>
+              </p:nvSpPr>
+              <p:spPr>
+                <a:xfrm>
+                  <a:off x="2671712" y="4867795"/>
+                  <a:ext cx="867941" cy="307777"/>
+                </a:xfrm>
+                <a:prstGeom prst="rect">
+                  <a:avLst/>
+                </a:prstGeom>
+                <a:blipFill>
+                  <a:blip r:embed="rId6"/>
+                  <a:stretch>
+                    <a:fillRect/>
+                  </a:stretch>
+                </a:blipFill>
+              </p:spPr>
+              <p:txBody>
+                <a:bodyPr/>
+                <a:lstStyle/>
+                <a:p>
+                  <a:r>
+                    <a:rPr lang="pt-BR">
+                      <a:noFill/>
+                    </a:rPr>
+                    <a:t> </a:t>
+                  </a:r>
+                </a:p>
+              </p:txBody>
+            </p:sp>
+          </mc:Fallback>
+        </mc:AlternateContent>
+      </p:grpSp>
+      <p:cxnSp>
+        <p:nvCxnSpPr>
+          <p:cNvPr id="4" name="Conector de Seta Reta 3">
+            <a:extLst>
+              <a:ext uri="{FF2B5EF4-FFF2-40B4-BE49-F238E27FC236}">
+                <a16:creationId xmlns:a16="http://schemas.microsoft.com/office/drawing/2014/main" id="{AEECACA4-5B42-A865-92BE-067925FB1366}"/>
+              </a:ext>
+            </a:extLst>
+          </p:cNvPr>
+          <p:cNvCxnSpPr>
+            <a:cxnSpLocks/>
+          </p:cNvCxnSpPr>
+          <p:nvPr/>
+        </p:nvCxnSpPr>
+        <p:spPr>
+          <a:xfrm>
+            <a:off x="1295851" y="3183756"/>
+            <a:ext cx="473505" cy="797660"/>
+          </a:xfrm>
+          <a:prstGeom prst="straightConnector1">
+            <a:avLst/>
+          </a:prstGeom>
+          <a:ln>
+            <a:solidFill>
+              <a:srgbClr val="FF0000"/>
+            </a:solidFill>
+            <a:tailEnd type="triangle"/>
+          </a:ln>
+        </p:spPr>
+        <p:style>
+          <a:lnRef idx="1">
+            <a:schemeClr val="accent1"/>
+          </a:lnRef>
+          <a:fillRef idx="0">
+            <a:schemeClr val="accent1"/>
+          </a:fillRef>
+          <a:effectRef idx="0">
+            <a:schemeClr val="accent1"/>
+          </a:effectRef>
+          <a:fontRef idx="minor">
+            <a:schemeClr val="tx1"/>
+          </a:fontRef>
+        </p:style>
+      </p:cxnSp>
+      <p:sp>
+        <p:nvSpPr>
+          <p:cNvPr id="5" name="CaixaDeTexto 4">
+            <a:extLst>
+              <a:ext uri="{FF2B5EF4-FFF2-40B4-BE49-F238E27FC236}">
+                <a16:creationId xmlns:a16="http://schemas.microsoft.com/office/drawing/2014/main" id="{C43BE193-6F4D-08CC-5267-85D938F1F1CF}"/>
+              </a:ext>
+            </a:extLst>
+          </p:cNvPr>
+          <p:cNvSpPr txBox="1"/>
+          <p:nvPr/>
+        </p:nvSpPr>
+        <p:spPr>
+          <a:xfrm>
+            <a:off x="468345" y="5522410"/>
+            <a:ext cx="4822861" cy="646331"/>
+          </a:xfrm>
+          <a:prstGeom prst="rect">
+            <a:avLst/>
+          </a:prstGeom>
+          <a:noFill/>
+        </p:spPr>
+        <p:txBody>
+          <a:bodyPr wrap="square" rtlCol="0">
+            <a:spAutoFit/>
+          </a:bodyPr>
+          <a:lstStyle/>
+          <a:p>
+            <a:pPr algn="ctr"/>
+            <a:r>
+              <a:rPr lang="pt-BR" dirty="0"/>
+              <a:t>O objetivo é minimizar a função de erro indo na direção indicada pelo gradiente.</a:t>
+            </a:r>
+          </a:p>
+        </p:txBody>
+      </p:sp>
+    </p:spTree>
+    <p:extLst>
+      <p:ext uri="{BB962C8B-B14F-4D97-AF65-F5344CB8AC3E}">
+        <p14:creationId xmlns:p14="http://schemas.microsoft.com/office/powerpoint/2010/main" val="789183588"/>
+      </p:ext>
+    </p:extLst>
+  </p:cSld>
+  <p:clrMapOvr>
+    <a:masterClrMapping/>
+  </p:clrMapOvr>
+</p:sld>
+</file>
+
+<file path=ppt/slides/slide8.xml><?xml version="1.0" encoding="utf-8"?>
+<p:sld xmlns:a="http://schemas.openxmlformats.org/drawingml/2006/main" xmlns:r="http://schemas.openxmlformats.org/officeDocument/2006/relationships" xmlns:p="http://schemas.openxmlformats.org/presentationml/2006/main">
+  <p:cSld>
+    <p:spTree>
+      <p:nvGrpSpPr>
+        <p:cNvPr id="1" name=""/>
+        <p:cNvGrpSpPr/>
+        <p:nvPr/>
+      </p:nvGrpSpPr>
+      <p:grpSpPr>
+        <a:xfrm>
+          <a:off x="0" y="0"/>
+          <a:ext cx="0" cy="0"/>
+          <a:chOff x="0" y="0"/>
+          <a:chExt cx="0" cy="0"/>
+        </a:xfrm>
+      </p:grpSpPr>
+      <p:sp>
+        <p:nvSpPr>
+          <p:cNvPr id="2" name="Título 1">
+            <a:extLst>
+              <a:ext uri="{FF2B5EF4-FFF2-40B4-BE49-F238E27FC236}">
+                <a16:creationId xmlns:a16="http://schemas.microsoft.com/office/drawing/2014/main" id="{FDCC3C31-4EA2-B4A2-431F-BF22FBB8A7BA}"/>
+              </a:ext>
+            </a:extLst>
+          </p:cNvPr>
+          <p:cNvSpPr>
+            <a:spLocks noGrp="1"/>
+          </p:cNvSpPr>
+          <p:nvPr>
+            <p:ph type="title"/>
+          </p:nvPr>
+        </p:nvSpPr>
+        <p:spPr/>
+        <p:txBody>
+          <a:bodyPr/>
+          <a:lstStyle/>
+          <a:p>
+            <a:r>
+              <a:rPr lang="pt-BR" dirty="0"/>
+              <a:t>Gradiente</a:t>
+            </a:r>
+          </a:p>
+        </p:txBody>
+      </p:sp>
       <p:sp>
         <p:nvSpPr>
           <p:cNvPr id="3" name="Espaço Reservado para Conteúdo 2">
@@ -9707,90 +15808,82 @@
         </p:nvSpPr>
         <p:spPr>
           <a:xfrm>
-            <a:off x="6181728" y="1825624"/>
-            <a:ext cx="5818488" cy="5032376"/>
+            <a:off x="5559179" y="1825624"/>
+            <a:ext cx="6441038" cy="5032376"/>
           </a:xfrm>
         </p:spPr>
         <p:txBody>
           <a:bodyPr>
-            <a:normAutofit lnSpcReduction="10000"/>
+            <a:normAutofit/>
           </a:bodyPr>
           <a:lstStyle/>
           <a:p>
             <a:r>
-              <a:rPr lang="pt-BR" dirty="0"/>
-              <a:t>Se nós diferenciarmos a função de erro no ponto inicial em relação ao peso, nós obtemos o </a:t>
-            </a:r>
-            <a:r>
-              <a:rPr lang="pt-BR" b="1" i="1" dirty="0"/>
-              <a:t>gradiente</a:t>
-            </a:r>
-            <a:r>
-              <a:rPr lang="pt-BR" dirty="0"/>
-              <a:t>.</a:t>
-            </a:r>
-          </a:p>
-          <a:p>
-            <a:r>
-              <a:rPr lang="pt-BR" b="0" i="0" dirty="0">
-                <a:effectLst/>
+              <a:rPr lang="pt-BR" dirty="0">
+                <a:solidFill>
+                  <a:schemeClr val="tx1"/>
+                </a:solidFill>
               </a:rPr>
-              <a:t>Ele aponta na </a:t>
-            </a:r>
-            <a:r>
-              <a:rPr lang="pt-BR" b="1" i="1" dirty="0">
-                <a:effectLst/>
-              </a:rPr>
-              <a:t>direção de maior crescimento da função </a:t>
-            </a:r>
-            <a:r>
-              <a:rPr lang="pt-BR" b="0" i="0" dirty="0">
-                <a:effectLst/>
-              </a:rPr>
-              <a:t>a partir de um determinado ponto.</a:t>
-            </a:r>
-          </a:p>
-          <a:p>
-            <a:r>
-              <a:rPr lang="pt-BR" dirty="0"/>
               <a:t>Porém, queremos o mínimo da função, o que fazer?</a:t>
             </a:r>
             <a:endParaRPr lang="pt-BR" b="0" i="0" dirty="0">
+              <a:solidFill>
+                <a:schemeClr val="tx1"/>
+              </a:solidFill>
               <a:effectLst/>
             </a:endParaRPr>
           </a:p>
           <a:p>
             <a:r>
               <a:rPr lang="pt-BR" b="0" i="0" dirty="0">
+                <a:solidFill>
+                  <a:schemeClr val="tx1"/>
+                </a:solidFill>
                 <a:effectLst/>
               </a:rPr>
               <a:t>Basta irmos na </a:t>
             </a:r>
             <a:r>
               <a:rPr lang="pt-BR" b="1" i="1" dirty="0">
+                <a:solidFill>
+                  <a:schemeClr val="tx1"/>
+                </a:solidFill>
                 <a:effectLst/>
               </a:rPr>
               <a:t>direção oposta</a:t>
             </a:r>
             <a:r>
               <a:rPr lang="pt-BR" b="0" i="0" dirty="0">
+                <a:solidFill>
+                  <a:schemeClr val="tx1"/>
+                </a:solidFill>
                 <a:effectLst/>
               </a:rPr>
               <a:t> a do gradiente (negativo do gradiente), a qual </a:t>
             </a:r>
             <a:r>
               <a:rPr lang="pt-BR" b="1" i="1" dirty="0">
+                <a:solidFill>
+                  <a:schemeClr val="tx1"/>
+                </a:solidFill>
                 <a:effectLst/>
               </a:rPr>
               <a:t>aponta para a direção de maior decréscimo da função</a:t>
             </a:r>
             <a:r>
               <a:rPr lang="pt-BR" b="0" i="0" dirty="0">
+                <a:solidFill>
+                  <a:schemeClr val="tx1"/>
+                </a:solidFill>
                 <a:effectLst/>
               </a:rPr>
               <a:t> a partir do ponto.</a:t>
             </a:r>
-            <a:endParaRPr lang="pt-BR" dirty="0"/>
+            <a:endParaRPr lang="pt-BR" dirty="0">
+              <a:solidFill>
+                <a:schemeClr val="tx1"/>
+              </a:solidFill>
+            </a:endParaRPr>
           </a:p>
         </p:txBody>
       </p:sp>
@@ -9987,41 +16080,137 @@
             </a:fontRef>
           </p:style>
         </p:cxnSp>
-        <p:sp>
-          <p:nvSpPr>
-            <p:cNvPr id="8" name="CaixaDeTexto 7">
-              <a:extLst>
-                <a:ext uri="{FF2B5EF4-FFF2-40B4-BE49-F238E27FC236}">
-                  <a16:creationId xmlns:a16="http://schemas.microsoft.com/office/drawing/2014/main" id="{A78938CD-F777-59C9-49FF-1EC87187C2BF}"/>
-                </a:ext>
-              </a:extLst>
-            </p:cNvPr>
-            <p:cNvSpPr txBox="1"/>
-            <p:nvPr/>
-          </p:nvSpPr>
-          <p:spPr>
-            <a:xfrm>
-              <a:off x="974017" y="2353695"/>
-              <a:ext cx="1679879" cy="369332"/>
-            </a:xfrm>
-            <a:prstGeom prst="rect">
-              <a:avLst/>
-            </a:prstGeom>
-            <a:noFill/>
-          </p:spPr>
-          <p:txBody>
-            <a:bodyPr wrap="square" rtlCol="0">
-              <a:spAutoFit/>
-            </a:bodyPr>
-            <a:lstStyle/>
-            <a:p>
-              <a:r>
-                <a:rPr lang="pt-BR" dirty="0"/>
-                <a:t>Função de erro</a:t>
-              </a:r>
-            </a:p>
-          </p:txBody>
-        </p:sp>
+        <mc:AlternateContent xmlns:mc="http://schemas.openxmlformats.org/markup-compatibility/2006">
+          <mc:Choice xmlns:a14="http://schemas.microsoft.com/office/drawing/2010/main" Requires="a14">
+            <p:sp>
+              <p:nvSpPr>
+                <p:cNvPr id="8" name="CaixaDeTexto 7">
+                  <a:extLst>
+                    <a:ext uri="{FF2B5EF4-FFF2-40B4-BE49-F238E27FC236}">
+                      <a16:creationId xmlns:a16="http://schemas.microsoft.com/office/drawing/2014/main" id="{A78938CD-F777-59C9-49FF-1EC87187C2BF}"/>
+                    </a:ext>
+                  </a:extLst>
+                </p:cNvPr>
+                <p:cNvSpPr txBox="1"/>
+                <p:nvPr/>
+              </p:nvSpPr>
+              <p:spPr>
+                <a:xfrm>
+                  <a:off x="974017" y="2353695"/>
+                  <a:ext cx="2460683" cy="369332"/>
+                </a:xfrm>
+                <a:prstGeom prst="rect">
+                  <a:avLst/>
+                </a:prstGeom>
+                <a:noFill/>
+              </p:spPr>
+              <p:txBody>
+                <a:bodyPr wrap="square" rtlCol="0">
+                  <a:spAutoFit/>
+                </a:bodyPr>
+                <a:lstStyle/>
+                <a:p>
+                  <a:r>
+                    <a:rPr lang="pt-BR" dirty="0"/>
+                    <a:t>Função de erro, </a:t>
+                  </a:r>
+                  <a14:m>
+                    <m:oMath xmlns:m="http://schemas.openxmlformats.org/officeDocument/2006/math">
+                      <m:sSub>
+                        <m:sSubPr>
+                          <m:ctrlPr>
+                            <a:rPr lang="pt-BR" i="1" smtClean="0">
+                              <a:latin typeface="Cambria Math" panose="02040503050406030204" pitchFamily="18" charset="0"/>
+                            </a:rPr>
+                          </m:ctrlPr>
+                        </m:sSubPr>
+                        <m:e>
+                          <m:r>
+                            <a:rPr lang="pt-BR" b="0" i="1" smtClean="0">
+                              <a:latin typeface="Cambria Math" panose="02040503050406030204" pitchFamily="18" charset="0"/>
+                            </a:rPr>
+                            <m:t>𝐽</m:t>
+                          </m:r>
+                        </m:e>
+                        <m:sub>
+                          <m:r>
+                            <a:rPr lang="pt-BR" b="0" i="1" smtClean="0">
+                              <a:latin typeface="Cambria Math" panose="02040503050406030204" pitchFamily="18" charset="0"/>
+                            </a:rPr>
+                            <m:t>𝑒</m:t>
+                          </m:r>
+                        </m:sub>
+                      </m:sSub>
+                      <m:r>
+                        <a:rPr lang="pt-BR" b="0" i="1" smtClean="0">
+                          <a:latin typeface="Cambria Math" panose="02040503050406030204" pitchFamily="18" charset="0"/>
+                        </a:rPr>
+                        <m:t>(</m:t>
+                      </m:r>
+                      <m:r>
+                        <a:rPr lang="pt-BR" b="0" i="1" smtClean="0">
+                          <a:latin typeface="Cambria Math" panose="02040503050406030204" pitchFamily="18" charset="0"/>
+                        </a:rPr>
+                        <m:t>𝑎</m:t>
+                      </m:r>
+                      <m:r>
+                        <a:rPr lang="pt-BR" b="0" i="1" smtClean="0">
+                          <a:latin typeface="Cambria Math" panose="02040503050406030204" pitchFamily="18" charset="0"/>
+                        </a:rPr>
+                        <m:t>)</m:t>
+                      </m:r>
+                    </m:oMath>
+                  </a14:m>
+                  <a:endParaRPr lang="pt-BR" dirty="0"/>
+                </a:p>
+              </p:txBody>
+            </p:sp>
+          </mc:Choice>
+          <mc:Fallback>
+            <p:sp>
+              <p:nvSpPr>
+                <p:cNvPr id="8" name="CaixaDeTexto 7">
+                  <a:extLst>
+                    <a:ext uri="{FF2B5EF4-FFF2-40B4-BE49-F238E27FC236}">
+                      <a16:creationId xmlns:a16="http://schemas.microsoft.com/office/drawing/2014/main" id="{A78938CD-F777-59C9-49FF-1EC87187C2BF}"/>
+                    </a:ext>
+                  </a:extLst>
+                </p:cNvPr>
+                <p:cNvSpPr txBox="1">
+                  <a:spLocks noRot="1" noChangeAspect="1" noMove="1" noResize="1" noEditPoints="1" noAdjustHandles="1" noChangeArrowheads="1" noChangeShapeType="1" noTextEdit="1"/>
+                </p:cNvSpPr>
+                <p:nvPr/>
+              </p:nvSpPr>
+              <p:spPr>
+                <a:xfrm>
+                  <a:off x="974017" y="2353695"/>
+                  <a:ext cx="2460683" cy="369332"/>
+                </a:xfrm>
+                <a:prstGeom prst="rect">
+                  <a:avLst/>
+                </a:prstGeom>
+                <a:blipFill>
+                  <a:blip r:embed="rId3"/>
+                  <a:stretch>
+                    <a:fillRect l="-2233" t="-8197" b="-24590"/>
+                  </a:stretch>
+                </a:blipFill>
+              </p:spPr>
+              <p:txBody>
+                <a:bodyPr/>
+                <a:lstStyle/>
+                <a:p>
+                  <a:r>
+                    <a:rPr lang="pt-BR">
+                      <a:noFill/>
+                    </a:rPr>
+                    <a:t> </a:t>
+                  </a:r>
+                </a:p>
+              </p:txBody>
+            </p:sp>
+          </mc:Fallback>
+        </mc:AlternateContent>
         <p:sp>
           <p:nvSpPr>
             <p:cNvPr id="9" name="CaixaDeTexto 8">
@@ -10410,8 +16599,8 @@
             </a:p>
           </p:txBody>
         </p:sp>
-        <mc:AlternateContent xmlns:mc="http://schemas.openxmlformats.org/markup-compatibility/2006">
-          <mc:Choice xmlns:a14="http://schemas.microsoft.com/office/drawing/2010/main" Requires="a14">
+        <mc:AlternateContent xmlns:mc="http://schemas.openxmlformats.org/markup-compatibility/2006" xmlns:a14="http://schemas.microsoft.com/office/drawing/2010/main">
+          <mc:Choice Requires="a14">
             <p:sp>
               <p:nvSpPr>
                 <p:cNvPr id="22" name="CaixaDeTexto 21">
@@ -10483,7 +16672,7 @@
               </p:txBody>
             </p:sp>
           </mc:Choice>
-          <mc:Fallback>
+          <mc:Fallback xmlns="">
             <p:sp>
               <p:nvSpPr>
                 <p:cNvPr id="22" name="CaixaDeTexto 21">
@@ -10507,7 +16696,7 @@
                   <a:avLst/>
                 </a:prstGeom>
                 <a:blipFill>
-                  <a:blip r:embed="rId3"/>
+                  <a:blip r:embed="rId4"/>
                   <a:stretch>
                     <a:fillRect/>
                   </a:stretch>
@@ -10528,8 +16717,8 @@
             </p:sp>
           </mc:Fallback>
         </mc:AlternateContent>
-        <mc:AlternateContent xmlns:mc="http://schemas.openxmlformats.org/markup-compatibility/2006">
-          <mc:Choice xmlns:a14="http://schemas.microsoft.com/office/drawing/2010/main" Requires="a14">
+        <mc:AlternateContent xmlns:mc="http://schemas.openxmlformats.org/markup-compatibility/2006" xmlns:a14="http://schemas.microsoft.com/office/drawing/2010/main">
+          <mc:Choice Requires="a14">
             <p:sp>
               <p:nvSpPr>
                 <p:cNvPr id="23" name="CaixaDeTexto 22">
@@ -10607,7 +16796,7 @@
               </p:txBody>
             </p:sp>
           </mc:Choice>
-          <mc:Fallback>
+          <mc:Fallback xmlns="">
             <p:sp>
               <p:nvSpPr>
                 <p:cNvPr id="23" name="CaixaDeTexto 22">
@@ -10631,7 +16820,7 @@
                   <a:avLst/>
                 </a:prstGeom>
                 <a:blipFill>
-                  <a:blip r:embed="rId4"/>
+                  <a:blip r:embed="rId5"/>
                   <a:stretch>
                     <a:fillRect/>
                   </a:stretch>
@@ -10728,7 +16917,7 @@
             <a:pPr algn="ctr"/>
             <a:r>
               <a:rPr lang="pt-BR" dirty="0"/>
-              <a:t>O gradiente é usado para determinar a direção que devemos seguir até o mínimo.</a:t>
+              <a:t>O objetivo é minimizar a função de erro indo na direção indicada pelo gradiente.</a:t>
             </a:r>
           </a:p>
         </p:txBody>
@@ -10736,7 +16925,7 @@
     </p:spTree>
     <p:extLst>
       <p:ext uri="{BB962C8B-B14F-4D97-AF65-F5344CB8AC3E}">
-        <p14:creationId xmlns:p14="http://schemas.microsoft.com/office/powerpoint/2010/main" val="789183588"/>
+        <p14:creationId xmlns:p14="http://schemas.microsoft.com/office/powerpoint/2010/main" val="1129757687"/>
       </p:ext>
     </p:extLst>
   </p:cSld>
@@ -10746,7 +16935,7 @@
 </p:sld>
 </file>
 
-<file path=ppt/slides/slide8.xml><?xml version="1.0" encoding="utf-8"?>
+<file path=ppt/slides/slide9.xml><?xml version="1.0" encoding="utf-8"?>
 <p:sld xmlns:a="http://schemas.openxmlformats.org/drawingml/2006/main" xmlns:r="http://schemas.openxmlformats.org/officeDocument/2006/relationships" xmlns:p="http://schemas.openxmlformats.org/presentationml/2006/main">
   <p:cSld>
     <p:spTree>
@@ -10821,7 +17010,15 @@
           <a:p>
             <a:r>
               <a:rPr lang="pt-BR" dirty="0"/>
-              <a:t>O gradiente não dá informações da distância até o ponto de mínimo, mas pelo menos sabemos a direção correta.</a:t>
+              <a:t>O gradiente </a:t>
+            </a:r>
+            <a:r>
+              <a:rPr lang="pt-BR" b="1" i="1" dirty="0"/>
+              <a:t>não dá informações da distância até o ponto de mínimo</a:t>
+            </a:r>
+            <a:r>
+              <a:rPr lang="pt-BR" dirty="0"/>
+              <a:t>, mas pelo menos sabemos a direção correta.</a:t>
             </a:r>
           </a:p>
           <a:p>
@@ -11034,41 +17231,137 @@
             </a:fontRef>
           </p:style>
         </p:cxnSp>
-        <p:sp>
-          <p:nvSpPr>
-            <p:cNvPr id="8" name="CaixaDeTexto 7">
-              <a:extLst>
-                <a:ext uri="{FF2B5EF4-FFF2-40B4-BE49-F238E27FC236}">
-                  <a16:creationId xmlns:a16="http://schemas.microsoft.com/office/drawing/2014/main" id="{A78938CD-F777-59C9-49FF-1EC87187C2BF}"/>
-                </a:ext>
-              </a:extLst>
-            </p:cNvPr>
-            <p:cNvSpPr txBox="1"/>
-            <p:nvPr/>
-          </p:nvSpPr>
-          <p:spPr>
-            <a:xfrm>
-              <a:off x="974017" y="2353695"/>
-              <a:ext cx="1679879" cy="369332"/>
-            </a:xfrm>
-            <a:prstGeom prst="rect">
-              <a:avLst/>
-            </a:prstGeom>
-            <a:noFill/>
-          </p:spPr>
-          <p:txBody>
-            <a:bodyPr wrap="square" rtlCol="0">
-              <a:spAutoFit/>
-            </a:bodyPr>
-            <a:lstStyle/>
-            <a:p>
-              <a:r>
-                <a:rPr lang="pt-BR" dirty="0"/>
-                <a:t>Função de erro</a:t>
-              </a:r>
-            </a:p>
-          </p:txBody>
-        </p:sp>
+        <mc:AlternateContent xmlns:mc="http://schemas.openxmlformats.org/markup-compatibility/2006">
+          <mc:Choice xmlns:a14="http://schemas.microsoft.com/office/drawing/2010/main" Requires="a14">
+            <p:sp>
+              <p:nvSpPr>
+                <p:cNvPr id="8" name="CaixaDeTexto 7">
+                  <a:extLst>
+                    <a:ext uri="{FF2B5EF4-FFF2-40B4-BE49-F238E27FC236}">
+                      <a16:creationId xmlns:a16="http://schemas.microsoft.com/office/drawing/2014/main" id="{A78938CD-F777-59C9-49FF-1EC87187C2BF}"/>
+                    </a:ext>
+                  </a:extLst>
+                </p:cNvPr>
+                <p:cNvSpPr txBox="1"/>
+                <p:nvPr/>
+              </p:nvSpPr>
+              <p:spPr>
+                <a:xfrm>
+                  <a:off x="974017" y="2353695"/>
+                  <a:ext cx="2565636" cy="369332"/>
+                </a:xfrm>
+                <a:prstGeom prst="rect">
+                  <a:avLst/>
+                </a:prstGeom>
+                <a:noFill/>
+              </p:spPr>
+              <p:txBody>
+                <a:bodyPr wrap="square" rtlCol="0">
+                  <a:spAutoFit/>
+                </a:bodyPr>
+                <a:lstStyle/>
+                <a:p>
+                  <a:r>
+                    <a:rPr lang="pt-BR" dirty="0"/>
+                    <a:t>Função de erro, </a:t>
+                  </a:r>
+                  <a14:m>
+                    <m:oMath xmlns:m="http://schemas.openxmlformats.org/officeDocument/2006/math">
+                      <m:sSub>
+                        <m:sSubPr>
+                          <m:ctrlPr>
+                            <a:rPr lang="pt-BR" i="1" smtClean="0">
+                              <a:latin typeface="Cambria Math" panose="02040503050406030204" pitchFamily="18" charset="0"/>
+                            </a:rPr>
+                          </m:ctrlPr>
+                        </m:sSubPr>
+                        <m:e>
+                          <m:r>
+                            <a:rPr lang="pt-BR" b="0" i="1" smtClean="0">
+                              <a:latin typeface="Cambria Math" panose="02040503050406030204" pitchFamily="18" charset="0"/>
+                            </a:rPr>
+                            <m:t>𝐽</m:t>
+                          </m:r>
+                        </m:e>
+                        <m:sub>
+                          <m:r>
+                            <a:rPr lang="pt-BR" b="0" i="1" smtClean="0">
+                              <a:latin typeface="Cambria Math" panose="02040503050406030204" pitchFamily="18" charset="0"/>
+                            </a:rPr>
+                            <m:t>𝑒</m:t>
+                          </m:r>
+                        </m:sub>
+                      </m:sSub>
+                      <m:r>
+                        <a:rPr lang="pt-BR" b="0" i="1" smtClean="0">
+                          <a:latin typeface="Cambria Math" panose="02040503050406030204" pitchFamily="18" charset="0"/>
+                        </a:rPr>
+                        <m:t>(</m:t>
+                      </m:r>
+                      <m:r>
+                        <a:rPr lang="pt-BR" b="0" i="1" smtClean="0">
+                          <a:latin typeface="Cambria Math" panose="02040503050406030204" pitchFamily="18" charset="0"/>
+                        </a:rPr>
+                        <m:t>𝑎</m:t>
+                      </m:r>
+                      <m:r>
+                        <a:rPr lang="pt-BR" b="0" i="1" smtClean="0">
+                          <a:latin typeface="Cambria Math" panose="02040503050406030204" pitchFamily="18" charset="0"/>
+                        </a:rPr>
+                        <m:t>)</m:t>
+                      </m:r>
+                    </m:oMath>
+                  </a14:m>
+                  <a:endParaRPr lang="pt-BR" dirty="0"/>
+                </a:p>
+              </p:txBody>
+            </p:sp>
+          </mc:Choice>
+          <mc:Fallback>
+            <p:sp>
+              <p:nvSpPr>
+                <p:cNvPr id="8" name="CaixaDeTexto 7">
+                  <a:extLst>
+                    <a:ext uri="{FF2B5EF4-FFF2-40B4-BE49-F238E27FC236}">
+                      <a16:creationId xmlns:a16="http://schemas.microsoft.com/office/drawing/2014/main" id="{A78938CD-F777-59C9-49FF-1EC87187C2BF}"/>
+                    </a:ext>
+                  </a:extLst>
+                </p:cNvPr>
+                <p:cNvSpPr txBox="1">
+                  <a:spLocks noRot="1" noChangeAspect="1" noMove="1" noResize="1" noEditPoints="1" noAdjustHandles="1" noChangeArrowheads="1" noChangeShapeType="1" noTextEdit="1"/>
+                </p:cNvSpPr>
+                <p:nvPr/>
+              </p:nvSpPr>
+              <p:spPr>
+                <a:xfrm>
+                  <a:off x="974017" y="2353695"/>
+                  <a:ext cx="2565636" cy="369332"/>
+                </a:xfrm>
+                <a:prstGeom prst="rect">
+                  <a:avLst/>
+                </a:prstGeom>
+                <a:blipFill>
+                  <a:blip r:embed="rId3"/>
+                  <a:stretch>
+                    <a:fillRect l="-2138" t="-8197" b="-24590"/>
+                  </a:stretch>
+                </a:blipFill>
+              </p:spPr>
+              <p:txBody>
+                <a:bodyPr/>
+                <a:lstStyle/>
+                <a:p>
+                  <a:r>
+                    <a:rPr lang="pt-BR">
+                      <a:noFill/>
+                    </a:rPr>
+                    <a:t> </a:t>
+                  </a:r>
+                </a:p>
+              </p:txBody>
+            </p:sp>
+          </mc:Fallback>
+        </mc:AlternateContent>
         <p:sp>
           <p:nvSpPr>
             <p:cNvPr id="9" name="CaixaDeTexto 8">
@@ -11457,8 +17750,8 @@
             </a:p>
           </p:txBody>
         </p:sp>
-        <mc:AlternateContent xmlns:mc="http://schemas.openxmlformats.org/markup-compatibility/2006">
-          <mc:Choice xmlns:a14="http://schemas.microsoft.com/office/drawing/2010/main" Requires="a14">
+        <mc:AlternateContent xmlns:mc="http://schemas.openxmlformats.org/markup-compatibility/2006" xmlns:a14="http://schemas.microsoft.com/office/drawing/2010/main">
+          <mc:Choice Requires="a14">
             <p:sp>
               <p:nvSpPr>
                 <p:cNvPr id="22" name="CaixaDeTexto 21">
@@ -11530,7 +17823,7 @@
               </p:txBody>
             </p:sp>
           </mc:Choice>
-          <mc:Fallback>
+          <mc:Fallback xmlns="">
             <p:sp>
               <p:nvSpPr>
                 <p:cNvPr id="22" name="CaixaDeTexto 21">
@@ -11554,7 +17847,7 @@
                   <a:avLst/>
                 </a:prstGeom>
                 <a:blipFill>
-                  <a:blip r:embed="rId3"/>
+                  <a:blip r:embed="rId4"/>
                   <a:stretch>
                     <a:fillRect/>
                   </a:stretch>
@@ -11575,8 +17868,8 @@
             </p:sp>
           </mc:Fallback>
         </mc:AlternateContent>
-        <mc:AlternateContent xmlns:mc="http://schemas.openxmlformats.org/markup-compatibility/2006">
-          <mc:Choice xmlns:a14="http://schemas.microsoft.com/office/drawing/2010/main" Requires="a14">
+        <mc:AlternateContent xmlns:mc="http://schemas.openxmlformats.org/markup-compatibility/2006" xmlns:a14="http://schemas.microsoft.com/office/drawing/2010/main">
+          <mc:Choice Requires="a14">
             <p:sp>
               <p:nvSpPr>
                 <p:cNvPr id="23" name="CaixaDeTexto 22">
@@ -11654,1109 +17947,7 @@
               </p:txBody>
             </p:sp>
           </mc:Choice>
-          <mc:Fallback>
-            <p:sp>
-              <p:nvSpPr>
-                <p:cNvPr id="23" name="CaixaDeTexto 22">
-                  <a:extLst>
-                    <a:ext uri="{FF2B5EF4-FFF2-40B4-BE49-F238E27FC236}">
-                      <a16:creationId xmlns:a16="http://schemas.microsoft.com/office/drawing/2014/main" id="{5563576F-5255-680C-F8CB-10958601F543}"/>
-                    </a:ext>
-                  </a:extLst>
-                </p:cNvPr>
-                <p:cNvSpPr txBox="1">
-                  <a:spLocks noRot="1" noChangeAspect="1" noMove="1" noResize="1" noEditPoints="1" noAdjustHandles="1" noChangeArrowheads="1" noChangeShapeType="1" noTextEdit="1"/>
-                </p:cNvSpPr>
-                <p:nvPr/>
-              </p:nvSpPr>
-              <p:spPr>
-                <a:xfrm>
-                  <a:off x="2671712" y="4867795"/>
-                  <a:ext cx="867941" cy="307777"/>
-                </a:xfrm>
-                <a:prstGeom prst="rect">
-                  <a:avLst/>
-                </a:prstGeom>
-                <a:blipFill>
-                  <a:blip r:embed="rId4"/>
-                  <a:stretch>
-                    <a:fillRect/>
-                  </a:stretch>
-                </a:blipFill>
-              </p:spPr>
-              <p:txBody>
-                <a:bodyPr/>
-                <a:lstStyle/>
-                <a:p>
-                  <a:r>
-                    <a:rPr lang="pt-BR">
-                      <a:noFill/>
-                    </a:rPr>
-                    <a:t> </a:t>
-                  </a:r>
-                </a:p>
-              </p:txBody>
-            </p:sp>
-          </mc:Fallback>
-        </mc:AlternateContent>
-      </p:grpSp>
-      <p:cxnSp>
-        <p:nvCxnSpPr>
-          <p:cNvPr id="4" name="Conector de Seta Reta 3">
-            <a:extLst>
-              <a:ext uri="{FF2B5EF4-FFF2-40B4-BE49-F238E27FC236}">
-                <a16:creationId xmlns:a16="http://schemas.microsoft.com/office/drawing/2014/main" id="{AEECACA4-5B42-A865-92BE-067925FB1366}"/>
-              </a:ext>
-            </a:extLst>
-          </p:cNvPr>
-          <p:cNvCxnSpPr>
-            <a:cxnSpLocks/>
-          </p:cNvCxnSpPr>
-          <p:nvPr/>
-        </p:nvCxnSpPr>
-        <p:spPr>
-          <a:xfrm>
-            <a:off x="1295851" y="3183756"/>
-            <a:ext cx="473505" cy="797660"/>
-          </a:xfrm>
-          <a:prstGeom prst="straightConnector1">
-            <a:avLst/>
-          </a:prstGeom>
-          <a:ln>
-            <a:solidFill>
-              <a:srgbClr val="FF0000"/>
-            </a:solidFill>
-            <a:tailEnd type="triangle"/>
-          </a:ln>
-        </p:spPr>
-        <p:style>
-          <a:lnRef idx="1">
-            <a:schemeClr val="accent1"/>
-          </a:lnRef>
-          <a:fillRef idx="0">
-            <a:schemeClr val="accent1"/>
-          </a:fillRef>
-          <a:effectRef idx="0">
-            <a:schemeClr val="accent1"/>
-          </a:effectRef>
-          <a:fontRef idx="minor">
-            <a:schemeClr val="tx1"/>
-          </a:fontRef>
-        </p:style>
-      </p:cxnSp>
-    </p:spTree>
-    <p:extLst>
-      <p:ext uri="{BB962C8B-B14F-4D97-AF65-F5344CB8AC3E}">
-        <p14:creationId xmlns:p14="http://schemas.microsoft.com/office/powerpoint/2010/main" val="2751143574"/>
-      </p:ext>
-    </p:extLst>
-  </p:cSld>
-  <p:clrMapOvr>
-    <a:masterClrMapping/>
-  </p:clrMapOvr>
-</p:sld>
-</file>
-
-<file path=ppt/slides/slide9.xml><?xml version="1.0" encoding="utf-8"?>
-<p:sld xmlns:a="http://schemas.openxmlformats.org/drawingml/2006/main" xmlns:r="http://schemas.openxmlformats.org/officeDocument/2006/relationships" xmlns:p="http://schemas.openxmlformats.org/presentationml/2006/main">
-  <p:cSld>
-    <p:spTree>
-      <p:nvGrpSpPr>
-        <p:cNvPr id="1" name=""/>
-        <p:cNvGrpSpPr/>
-        <p:nvPr/>
-      </p:nvGrpSpPr>
-      <p:grpSpPr>
-        <a:xfrm>
-          <a:off x="0" y="0"/>
-          <a:ext cx="0" cy="0"/>
-          <a:chOff x="0" y="0"/>
-          <a:chExt cx="0" cy="0"/>
-        </a:xfrm>
-      </p:grpSpPr>
-      <p:sp>
-        <p:nvSpPr>
-          <p:cNvPr id="2" name="Título 1">
-            <a:extLst>
-              <a:ext uri="{FF2B5EF4-FFF2-40B4-BE49-F238E27FC236}">
-                <a16:creationId xmlns:a16="http://schemas.microsoft.com/office/drawing/2014/main" id="{FDCC3C31-4EA2-B4A2-431F-BF22FBB8A7BA}"/>
-              </a:ext>
-            </a:extLst>
-          </p:cNvPr>
-          <p:cNvSpPr>
-            <a:spLocks noGrp="1"/>
-          </p:cNvSpPr>
-          <p:nvPr>
-            <p:ph type="title"/>
-          </p:nvPr>
-        </p:nvSpPr>
-        <p:spPr/>
-        <p:txBody>
-          <a:bodyPr/>
-          <a:lstStyle/>
-          <a:p>
-            <a:r>
-              <a:rPr lang="pt-BR" dirty="0"/>
-              <a:t>Passo de aprendizagem</a:t>
-            </a:r>
-          </a:p>
-        </p:txBody>
-      </p:sp>
-      <mc:AlternateContent xmlns:mc="http://schemas.openxmlformats.org/markup-compatibility/2006">
-        <mc:Choice xmlns:a14="http://schemas.microsoft.com/office/drawing/2010/main" Requires="a14">
-          <p:sp>
-            <p:nvSpPr>
-              <p:cNvPr id="3" name="Espaço Reservado para Conteúdo 2">
-                <a:extLst>
-                  <a:ext uri="{FF2B5EF4-FFF2-40B4-BE49-F238E27FC236}">
-                    <a16:creationId xmlns:a16="http://schemas.microsoft.com/office/drawing/2014/main" id="{F09EA0C7-E094-F158-6A1A-B80733321450}"/>
-                  </a:ext>
-                </a:extLst>
-              </p:cNvPr>
-              <p:cNvSpPr>
-                <a:spLocks noGrp="1"/>
-              </p:cNvSpPr>
-              <p:nvPr>
-                <p:ph idx="1"/>
-              </p:nvPr>
-            </p:nvSpPr>
-            <p:spPr>
-              <a:xfrm>
-                <a:off x="6181728" y="1825624"/>
-                <a:ext cx="5818488" cy="5032376"/>
-              </a:xfrm>
-            </p:spPr>
-            <p:txBody>
-              <a:bodyPr>
-                <a:normAutofit/>
-              </a:bodyPr>
-              <a:lstStyle/>
-              <a:p>
-                <a:r>
-                  <a:rPr lang="pt-BR" dirty="0"/>
-                  <a:t>Portanto, se quisermos ir para o ponto de mínimo a partir de um ponto qualquer, podemos dar um </a:t>
-                </a:r>
-                <a:r>
-                  <a:rPr lang="pt-BR" b="1" i="1" dirty="0"/>
-                  <a:t>passo</a:t>
-                </a:r>
-                <a:r>
-                  <a:rPr lang="pt-BR" dirty="0"/>
-                  <a:t> na direção apontada pelo gradiente.</a:t>
-                </a:r>
-              </a:p>
-              <a:p>
-                <a:r>
-                  <a:rPr lang="pt-BR" dirty="0"/>
-                  <a:t>Nós sabemos a direção e podemos escolher o </a:t>
-                </a:r>
-                <a:r>
-                  <a:rPr lang="pt-BR" b="1" i="1" dirty="0"/>
-                  <a:t>tamanho do passo</a:t>
-                </a:r>
-                <a:r>
-                  <a:rPr lang="pt-BR" dirty="0"/>
-                  <a:t> para darmos naquela direção.</a:t>
-                </a:r>
-              </a:p>
-              <a:p>
-                <a:r>
-                  <a:rPr lang="pt-BR" dirty="0"/>
-                  <a:t>O </a:t>
-                </a:r>
-                <a:r>
-                  <a:rPr lang="pt-BR" b="1" i="1" dirty="0"/>
-                  <a:t>tamanho do passo </a:t>
-                </a:r>
-                <a:r>
-                  <a:rPr lang="pt-BR" dirty="0"/>
-                  <a:t>é frequentemente chamado de </a:t>
-                </a:r>
-                <a:r>
-                  <a:rPr lang="pt-BR" b="1" i="1" dirty="0"/>
-                  <a:t>taxa ou passo de aprendizagem</a:t>
-                </a:r>
-                <a:r>
-                  <a:rPr lang="pt-BR" dirty="0"/>
-                  <a:t> e é, normalmente, denotado por </a:t>
-                </a:r>
-                <a14:m>
-                  <m:oMath xmlns:m="http://schemas.openxmlformats.org/officeDocument/2006/math">
-                    <m:r>
-                      <a:rPr lang="pt-BR" i="1" smtClean="0">
-                        <a:latin typeface="Cambria Math" panose="02040503050406030204" pitchFamily="18" charset="0"/>
-                        <a:ea typeface="Cambria Math" panose="02040503050406030204" pitchFamily="18" charset="0"/>
-                      </a:rPr>
-                      <m:t>𝛼</m:t>
-                    </m:r>
-                  </m:oMath>
-                </a14:m>
-                <a:r>
-                  <a:rPr lang="pt-BR" dirty="0"/>
-                  <a:t>.</a:t>
-                </a:r>
-              </a:p>
-            </p:txBody>
-          </p:sp>
-        </mc:Choice>
-        <mc:Fallback>
-          <p:sp>
-            <p:nvSpPr>
-              <p:cNvPr id="3" name="Espaço Reservado para Conteúdo 2">
-                <a:extLst>
-                  <a:ext uri="{FF2B5EF4-FFF2-40B4-BE49-F238E27FC236}">
-                    <a16:creationId xmlns:a16="http://schemas.microsoft.com/office/drawing/2014/main" id="{F09EA0C7-E094-F158-6A1A-B80733321450}"/>
-                  </a:ext>
-                </a:extLst>
-              </p:cNvPr>
-              <p:cNvSpPr>
-                <a:spLocks noGrp="1" noRot="1" noChangeAspect="1" noMove="1" noResize="1" noEditPoints="1" noAdjustHandles="1" noChangeArrowheads="1" noChangeShapeType="1" noTextEdit="1"/>
-              </p:cNvSpPr>
-              <p:nvPr>
-                <p:ph idx="1"/>
-              </p:nvPr>
-            </p:nvSpPr>
-            <p:spPr>
-              <a:xfrm>
-                <a:off x="6181728" y="1825624"/>
-                <a:ext cx="5818488" cy="5032376"/>
-              </a:xfrm>
-              <a:blipFill>
-                <a:blip r:embed="rId3"/>
-                <a:stretch>
-                  <a:fillRect l="-1885" t="-1937" b="-1816"/>
-                </a:stretch>
-              </a:blipFill>
-            </p:spPr>
-            <p:txBody>
-              <a:bodyPr/>
-              <a:lstStyle/>
-              <a:p>
-                <a:r>
-                  <a:rPr lang="pt-BR">
-                    <a:noFill/>
-                  </a:rPr>
-                  <a:t> </a:t>
-                </a:r>
-              </a:p>
-            </p:txBody>
-          </p:sp>
-        </mc:Fallback>
-      </mc:AlternateContent>
-      <p:grpSp>
-        <p:nvGrpSpPr>
-          <p:cNvPr id="25" name="Agrupar 24">
-            <a:extLst>
-              <a:ext uri="{FF2B5EF4-FFF2-40B4-BE49-F238E27FC236}">
-                <a16:creationId xmlns:a16="http://schemas.microsoft.com/office/drawing/2014/main" id="{CAABD4E6-0271-FDD3-1BDC-9F25BB67666F}"/>
-              </a:ext>
-            </a:extLst>
-          </p:cNvPr>
-          <p:cNvGrpSpPr/>
-          <p:nvPr/>
-        </p:nvGrpSpPr>
-        <p:grpSpPr>
-          <a:xfrm>
-            <a:off x="973059" y="2353695"/>
-            <a:ext cx="3963570" cy="2939416"/>
-            <a:chOff x="973059" y="2353695"/>
-            <a:chExt cx="3963570" cy="2939416"/>
-          </a:xfrm>
-        </p:grpSpPr>
-        <p:sp>
-          <p:nvSpPr>
-            <p:cNvPr id="24" name="Forma Livre: Forma 23">
-              <a:extLst>
-                <a:ext uri="{FF2B5EF4-FFF2-40B4-BE49-F238E27FC236}">
-                  <a16:creationId xmlns:a16="http://schemas.microsoft.com/office/drawing/2014/main" id="{1AF02A9C-5A9B-AE81-9724-6E5E5F5C9AD5}"/>
-                </a:ext>
-              </a:extLst>
-            </p:cNvPr>
-            <p:cNvSpPr/>
-            <p:nvPr/>
-          </p:nvSpPr>
-          <p:spPr>
-            <a:xfrm>
-              <a:off x="1190625" y="2990850"/>
-              <a:ext cx="3429000" cy="1752634"/>
-            </a:xfrm>
-            <a:custGeom>
-              <a:avLst/>
-              <a:gdLst>
-                <a:gd name="connsiteX0" fmla="*/ 0 w 3429000"/>
-                <a:gd name="connsiteY0" fmla="*/ 38100 h 1752634"/>
-                <a:gd name="connsiteX1" fmla="*/ 1714500 w 3429000"/>
-                <a:gd name="connsiteY1" fmla="*/ 1752600 h 1752634"/>
-                <a:gd name="connsiteX2" fmla="*/ 3429000 w 3429000"/>
-                <a:gd name="connsiteY2" fmla="*/ 0 h 1752634"/>
-              </a:gdLst>
-              <a:ahLst/>
-              <a:cxnLst>
-                <a:cxn ang="0">
-                  <a:pos x="connsiteX0" y="connsiteY0"/>
-                </a:cxn>
-                <a:cxn ang="0">
-                  <a:pos x="connsiteX1" y="connsiteY1"/>
-                </a:cxn>
-                <a:cxn ang="0">
-                  <a:pos x="connsiteX2" y="connsiteY2"/>
-                </a:cxn>
-              </a:cxnLst>
-              <a:rect l="l" t="t" r="r" b="b"/>
-              <a:pathLst>
-                <a:path w="3429000" h="1752634">
-                  <a:moveTo>
-                    <a:pt x="0" y="38100"/>
-                  </a:moveTo>
-                  <a:cubicBezTo>
-                    <a:pt x="571500" y="898525"/>
-                    <a:pt x="1143000" y="1758950"/>
-                    <a:pt x="1714500" y="1752600"/>
-                  </a:cubicBezTo>
-                  <a:cubicBezTo>
-                    <a:pt x="2286000" y="1746250"/>
-                    <a:pt x="3119438" y="314325"/>
-                    <a:pt x="3429000" y="0"/>
-                  </a:cubicBezTo>
-                </a:path>
-              </a:pathLst>
-            </a:custGeom>
-            <a:noFill/>
-          </p:spPr>
-          <p:style>
-            <a:lnRef idx="2">
-              <a:schemeClr val="accent1">
-                <a:shade val="15000"/>
-              </a:schemeClr>
-            </a:lnRef>
-            <a:fillRef idx="1">
-              <a:schemeClr val="accent1"/>
-            </a:fillRef>
-            <a:effectRef idx="0">
-              <a:schemeClr val="accent1"/>
-            </a:effectRef>
-            <a:fontRef idx="minor">
-              <a:schemeClr val="lt1"/>
-            </a:fontRef>
-          </p:style>
-          <p:txBody>
-            <a:bodyPr rtlCol="0" anchor="ctr"/>
-            <a:lstStyle/>
-            <a:p>
-              <a:pPr algn="ctr"/>
-              <a:endParaRPr lang="pt-BR"/>
-            </a:p>
-          </p:txBody>
-        </p:sp>
-        <p:cxnSp>
-          <p:nvCxnSpPr>
-            <p:cNvPr id="6" name="Conector de Seta Reta 5">
-              <a:extLst>
-                <a:ext uri="{FF2B5EF4-FFF2-40B4-BE49-F238E27FC236}">
-                  <a16:creationId xmlns:a16="http://schemas.microsoft.com/office/drawing/2014/main" id="{CECA8A08-ECD5-CF26-4CEC-3C8F2A7EB943}"/>
-                </a:ext>
-              </a:extLst>
-            </p:cNvPr>
-            <p:cNvCxnSpPr>
-              <a:cxnSpLocks/>
-            </p:cNvCxnSpPr>
-            <p:nvPr/>
-          </p:nvCxnSpPr>
-          <p:spPr>
-            <a:xfrm>
-              <a:off x="974017" y="4916172"/>
-              <a:ext cx="3860967" cy="0"/>
-            </a:xfrm>
-            <a:prstGeom prst="straightConnector1">
-              <a:avLst/>
-            </a:prstGeom>
-            <a:ln w="19050">
-              <a:solidFill>
-                <a:schemeClr val="tx1"/>
-              </a:solidFill>
-              <a:tailEnd type="triangle"/>
-            </a:ln>
-          </p:spPr>
-          <p:style>
-            <a:lnRef idx="1">
-              <a:schemeClr val="accent1"/>
-            </a:lnRef>
-            <a:fillRef idx="0">
-              <a:schemeClr val="accent1"/>
-            </a:fillRef>
-            <a:effectRef idx="0">
-              <a:schemeClr val="accent1"/>
-            </a:effectRef>
-            <a:fontRef idx="minor">
-              <a:schemeClr val="tx1"/>
-            </a:fontRef>
-          </p:style>
-        </p:cxnSp>
-        <p:cxnSp>
-          <p:nvCxnSpPr>
-            <p:cNvPr id="7" name="Conector de Seta Reta 6">
-              <a:extLst>
-                <a:ext uri="{FF2B5EF4-FFF2-40B4-BE49-F238E27FC236}">
-                  <a16:creationId xmlns:a16="http://schemas.microsoft.com/office/drawing/2014/main" id="{EBE189DA-FC3E-6F77-83E6-389C755E01A6}"/>
-                </a:ext>
-              </a:extLst>
-            </p:cNvPr>
-            <p:cNvCxnSpPr>
-              <a:cxnSpLocks/>
-            </p:cNvCxnSpPr>
-            <p:nvPr/>
-          </p:nvCxnSpPr>
-          <p:spPr>
-            <a:xfrm flipV="1">
-              <a:off x="974018" y="2442308"/>
-              <a:ext cx="0" cy="2473865"/>
-            </a:xfrm>
-            <a:prstGeom prst="straightConnector1">
-              <a:avLst/>
-            </a:prstGeom>
-            <a:ln w="19050">
-              <a:solidFill>
-                <a:schemeClr val="tx1"/>
-              </a:solidFill>
-              <a:tailEnd type="triangle"/>
-            </a:ln>
-          </p:spPr>
-          <p:style>
-            <a:lnRef idx="1">
-              <a:schemeClr val="accent1"/>
-            </a:lnRef>
-            <a:fillRef idx="0">
-              <a:schemeClr val="accent1"/>
-            </a:fillRef>
-            <a:effectRef idx="0">
-              <a:schemeClr val="accent1"/>
-            </a:effectRef>
-            <a:fontRef idx="minor">
-              <a:schemeClr val="tx1"/>
-            </a:fontRef>
-          </p:style>
-        </p:cxnSp>
-        <p:sp>
-          <p:nvSpPr>
-            <p:cNvPr id="8" name="CaixaDeTexto 7">
-              <a:extLst>
-                <a:ext uri="{FF2B5EF4-FFF2-40B4-BE49-F238E27FC236}">
-                  <a16:creationId xmlns:a16="http://schemas.microsoft.com/office/drawing/2014/main" id="{A78938CD-F777-59C9-49FF-1EC87187C2BF}"/>
-                </a:ext>
-              </a:extLst>
-            </p:cNvPr>
-            <p:cNvSpPr txBox="1"/>
-            <p:nvPr/>
-          </p:nvSpPr>
-          <p:spPr>
-            <a:xfrm>
-              <a:off x="974017" y="2353695"/>
-              <a:ext cx="1679879" cy="369332"/>
-            </a:xfrm>
-            <a:prstGeom prst="rect">
-              <a:avLst/>
-            </a:prstGeom>
-            <a:noFill/>
-          </p:spPr>
-          <p:txBody>
-            <a:bodyPr wrap="square" rtlCol="0">
-              <a:spAutoFit/>
-            </a:bodyPr>
-            <a:lstStyle/>
-            <a:p>
-              <a:r>
-                <a:rPr lang="pt-BR" dirty="0"/>
-                <a:t>Função de erro</a:t>
-              </a:r>
-            </a:p>
-          </p:txBody>
-        </p:sp>
-        <p:sp>
-          <p:nvSpPr>
-            <p:cNvPr id="9" name="CaixaDeTexto 8">
-              <a:extLst>
-                <a:ext uri="{FF2B5EF4-FFF2-40B4-BE49-F238E27FC236}">
-                  <a16:creationId xmlns:a16="http://schemas.microsoft.com/office/drawing/2014/main" id="{A1CE1535-321D-E614-D63E-21C0CB455062}"/>
-                </a:ext>
-              </a:extLst>
-            </p:cNvPr>
-            <p:cNvSpPr txBox="1"/>
-            <p:nvPr/>
-          </p:nvSpPr>
-          <p:spPr>
-            <a:xfrm>
-              <a:off x="4300295" y="4923779"/>
-              <a:ext cx="636334" cy="369332"/>
-            </a:xfrm>
-            <a:prstGeom prst="rect">
-              <a:avLst/>
-            </a:prstGeom>
-            <a:noFill/>
-          </p:spPr>
-          <p:txBody>
-            <a:bodyPr wrap="square" rtlCol="0">
-              <a:spAutoFit/>
-            </a:bodyPr>
-            <a:lstStyle/>
-            <a:p>
-              <a:pPr algn="r"/>
-              <a:r>
-                <a:rPr lang="pt-BR" dirty="0"/>
-                <a:t>Peso</a:t>
-              </a:r>
-            </a:p>
-          </p:txBody>
-        </p:sp>
-        <p:cxnSp>
-          <p:nvCxnSpPr>
-            <p:cNvPr id="10" name="Conector reto 9">
-              <a:extLst>
-                <a:ext uri="{FF2B5EF4-FFF2-40B4-BE49-F238E27FC236}">
-                  <a16:creationId xmlns:a16="http://schemas.microsoft.com/office/drawing/2014/main" id="{C04D87AE-293E-34D0-E4BE-09E7635BC7EE}"/>
-                </a:ext>
-              </a:extLst>
-            </p:cNvPr>
-            <p:cNvCxnSpPr/>
-            <p:nvPr/>
-          </p:nvCxnSpPr>
-          <p:spPr>
-            <a:xfrm>
-              <a:off x="976885" y="4744536"/>
-              <a:ext cx="1930484" cy="0"/>
-            </a:xfrm>
-            <a:prstGeom prst="line">
-              <a:avLst/>
-            </a:prstGeom>
-            <a:ln>
-              <a:solidFill>
-                <a:srgbClr val="FF0000"/>
-              </a:solidFill>
-              <a:prstDash val="dash"/>
-            </a:ln>
-          </p:spPr>
-          <p:style>
-            <a:lnRef idx="1">
-              <a:schemeClr val="accent1"/>
-            </a:lnRef>
-            <a:fillRef idx="0">
-              <a:schemeClr val="accent1"/>
-            </a:fillRef>
-            <a:effectRef idx="0">
-              <a:schemeClr val="accent1"/>
-            </a:effectRef>
-            <a:fontRef idx="minor">
-              <a:schemeClr val="tx1"/>
-            </a:fontRef>
-          </p:style>
-        </p:cxnSp>
-        <p:sp>
-          <p:nvSpPr>
-            <p:cNvPr id="11" name="CaixaDeTexto 10">
-              <a:extLst>
-                <a:ext uri="{FF2B5EF4-FFF2-40B4-BE49-F238E27FC236}">
-                  <a16:creationId xmlns:a16="http://schemas.microsoft.com/office/drawing/2014/main" id="{0ED8EC8A-F8D0-F14F-7E38-47715C0AD532}"/>
-                </a:ext>
-              </a:extLst>
-            </p:cNvPr>
-            <p:cNvSpPr txBox="1"/>
-            <p:nvPr/>
-          </p:nvSpPr>
-          <p:spPr>
-            <a:xfrm>
-              <a:off x="2367751" y="4232230"/>
-              <a:ext cx="1066949" cy="550146"/>
-            </a:xfrm>
-            <a:prstGeom prst="rect">
-              <a:avLst/>
-            </a:prstGeom>
-            <a:noFill/>
-          </p:spPr>
-          <p:txBody>
-            <a:bodyPr wrap="square" rtlCol="0">
-              <a:spAutoFit/>
-            </a:bodyPr>
-            <a:lstStyle/>
-            <a:p>
-              <a:pPr algn="ctr"/>
-              <a:r>
-                <a:rPr lang="pt-BR" sz="1200" dirty="0"/>
-                <a:t>Ponto de mínimo</a:t>
-              </a:r>
-            </a:p>
-          </p:txBody>
-        </p:sp>
-        <p:cxnSp>
-          <p:nvCxnSpPr>
-            <p:cNvPr id="12" name="Conector reto 11">
-              <a:extLst>
-                <a:ext uri="{FF2B5EF4-FFF2-40B4-BE49-F238E27FC236}">
-                  <a16:creationId xmlns:a16="http://schemas.microsoft.com/office/drawing/2014/main" id="{37A91F5D-D6CE-87E4-DD6F-6AEA41D6D82D}"/>
-                </a:ext>
-              </a:extLst>
-            </p:cNvPr>
-            <p:cNvCxnSpPr>
-              <a:cxnSpLocks/>
-            </p:cNvCxnSpPr>
-            <p:nvPr/>
-          </p:nvCxnSpPr>
-          <p:spPr>
-            <a:xfrm>
-              <a:off x="2902477" y="4736969"/>
-              <a:ext cx="0" cy="171598"/>
-            </a:xfrm>
-            <a:prstGeom prst="line">
-              <a:avLst/>
-            </a:prstGeom>
-            <a:ln>
-              <a:solidFill>
-                <a:srgbClr val="FF0000"/>
-              </a:solidFill>
-              <a:prstDash val="dash"/>
-            </a:ln>
-          </p:spPr>
-          <p:style>
-            <a:lnRef idx="1">
-              <a:schemeClr val="accent1"/>
-            </a:lnRef>
-            <a:fillRef idx="0">
-              <a:schemeClr val="accent1"/>
-            </a:fillRef>
-            <a:effectRef idx="0">
-              <a:schemeClr val="accent1"/>
-            </a:effectRef>
-            <a:fontRef idx="minor">
-              <a:schemeClr val="tx1"/>
-            </a:fontRef>
-          </p:style>
-        </p:cxnSp>
-        <p:sp>
-          <p:nvSpPr>
-            <p:cNvPr id="13" name="Elipse 12">
-              <a:extLst>
-                <a:ext uri="{FF2B5EF4-FFF2-40B4-BE49-F238E27FC236}">
-                  <a16:creationId xmlns:a16="http://schemas.microsoft.com/office/drawing/2014/main" id="{34D38410-D059-6D93-1DD2-6F2EF0E92E63}"/>
-                </a:ext>
-              </a:extLst>
-            </p:cNvPr>
-            <p:cNvSpPr/>
-            <p:nvPr/>
-          </p:nvSpPr>
-          <p:spPr>
-            <a:xfrm>
-              <a:off x="2879776" y="4721835"/>
-              <a:ext cx="42900" cy="42900"/>
-            </a:xfrm>
-            <a:prstGeom prst="ellipse">
-              <a:avLst/>
-            </a:prstGeom>
-            <a:solidFill>
-              <a:srgbClr val="FF0000"/>
-            </a:solidFill>
-            <a:ln>
-              <a:solidFill>
-                <a:srgbClr val="FF0000"/>
-              </a:solidFill>
-            </a:ln>
-          </p:spPr>
-          <p:style>
-            <a:lnRef idx="2">
-              <a:schemeClr val="accent1">
-                <a:shade val="15000"/>
-              </a:schemeClr>
-            </a:lnRef>
-            <a:fillRef idx="1">
-              <a:schemeClr val="accent1"/>
-            </a:fillRef>
-            <a:effectRef idx="0">
-              <a:schemeClr val="accent1"/>
-            </a:effectRef>
-            <a:fontRef idx="minor">
-              <a:schemeClr val="lt1"/>
-            </a:fontRef>
-          </p:style>
-          <p:txBody>
-            <a:bodyPr rtlCol="0" anchor="ctr"/>
-            <a:lstStyle/>
-            <a:p>
-              <a:pPr algn="ctr"/>
-              <a:endParaRPr lang="pt-BR" dirty="0"/>
-            </a:p>
-          </p:txBody>
-        </p:sp>
-        <p:sp>
-          <p:nvSpPr>
-            <p:cNvPr id="14" name="Elipse 13">
-              <a:extLst>
-                <a:ext uri="{FF2B5EF4-FFF2-40B4-BE49-F238E27FC236}">
-                  <a16:creationId xmlns:a16="http://schemas.microsoft.com/office/drawing/2014/main" id="{483CF4C1-DDBF-4640-7392-235196C4D89B}"/>
-                </a:ext>
-              </a:extLst>
-            </p:cNvPr>
-            <p:cNvSpPr/>
-            <p:nvPr/>
-          </p:nvSpPr>
-          <p:spPr>
-            <a:xfrm>
-              <a:off x="1273647" y="3163362"/>
-              <a:ext cx="42900" cy="42900"/>
-            </a:xfrm>
-            <a:prstGeom prst="ellipse">
-              <a:avLst/>
-            </a:prstGeom>
-            <a:solidFill>
-              <a:schemeClr val="tx1"/>
-            </a:solidFill>
-            <a:ln>
-              <a:solidFill>
-                <a:schemeClr val="tx1"/>
-              </a:solidFill>
-            </a:ln>
-          </p:spPr>
-          <p:style>
-            <a:lnRef idx="2">
-              <a:schemeClr val="accent1">
-                <a:shade val="15000"/>
-              </a:schemeClr>
-            </a:lnRef>
-            <a:fillRef idx="1">
-              <a:schemeClr val="accent1"/>
-            </a:fillRef>
-            <a:effectRef idx="0">
-              <a:schemeClr val="accent1"/>
-            </a:effectRef>
-            <a:fontRef idx="minor">
-              <a:schemeClr val="lt1"/>
-            </a:fontRef>
-          </p:style>
-          <p:txBody>
-            <a:bodyPr rtlCol="0" anchor="ctr"/>
-            <a:lstStyle/>
-            <a:p>
-              <a:pPr algn="ctr"/>
-              <a:endParaRPr lang="pt-BR" dirty="0"/>
-            </a:p>
-          </p:txBody>
-        </p:sp>
-        <p:cxnSp>
-          <p:nvCxnSpPr>
-            <p:cNvPr id="15" name="Conector reto 14">
-              <a:extLst>
-                <a:ext uri="{FF2B5EF4-FFF2-40B4-BE49-F238E27FC236}">
-                  <a16:creationId xmlns:a16="http://schemas.microsoft.com/office/drawing/2014/main" id="{D69F7809-96CB-75B0-3DD7-F1D3CFFC0DDA}"/>
-                </a:ext>
-              </a:extLst>
-            </p:cNvPr>
-            <p:cNvCxnSpPr/>
-            <p:nvPr/>
-          </p:nvCxnSpPr>
-          <p:spPr>
-            <a:xfrm>
-              <a:off x="973059" y="3184593"/>
-              <a:ext cx="324000" cy="0"/>
-            </a:xfrm>
-            <a:prstGeom prst="line">
-              <a:avLst/>
-            </a:prstGeom>
-            <a:ln>
-              <a:solidFill>
-                <a:schemeClr val="tx1"/>
-              </a:solidFill>
-              <a:prstDash val="dash"/>
-            </a:ln>
-          </p:spPr>
-          <p:style>
-            <a:lnRef idx="1">
-              <a:schemeClr val="accent1"/>
-            </a:lnRef>
-            <a:fillRef idx="0">
-              <a:schemeClr val="accent1"/>
-            </a:fillRef>
-            <a:effectRef idx="0">
-              <a:schemeClr val="accent1"/>
-            </a:effectRef>
-            <a:fontRef idx="minor">
-              <a:schemeClr val="tx1"/>
-            </a:fontRef>
-          </p:style>
-        </p:cxnSp>
-        <p:cxnSp>
-          <p:nvCxnSpPr>
-            <p:cNvPr id="17" name="Conector reto 16">
-              <a:extLst>
-                <a:ext uri="{FF2B5EF4-FFF2-40B4-BE49-F238E27FC236}">
-                  <a16:creationId xmlns:a16="http://schemas.microsoft.com/office/drawing/2014/main" id="{51DB7F58-65FD-F0F4-E3F8-1B7A5A7E2DAE}"/>
-                </a:ext>
-              </a:extLst>
-            </p:cNvPr>
-            <p:cNvCxnSpPr>
-              <a:cxnSpLocks/>
-            </p:cNvCxnSpPr>
-            <p:nvPr/>
-          </p:nvCxnSpPr>
-          <p:spPr>
-            <a:xfrm>
-              <a:off x="1295097" y="3163361"/>
-              <a:ext cx="0" cy="1764000"/>
-            </a:xfrm>
-            <a:prstGeom prst="line">
-              <a:avLst/>
-            </a:prstGeom>
-            <a:ln>
-              <a:solidFill>
-                <a:schemeClr val="tx1"/>
-              </a:solidFill>
-              <a:prstDash val="dash"/>
-            </a:ln>
-          </p:spPr>
-          <p:style>
-            <a:lnRef idx="1">
-              <a:schemeClr val="accent1"/>
-            </a:lnRef>
-            <a:fillRef idx="0">
-              <a:schemeClr val="accent1"/>
-            </a:fillRef>
-            <a:effectRef idx="0">
-              <a:schemeClr val="accent1"/>
-            </a:effectRef>
-            <a:fontRef idx="minor">
-              <a:schemeClr val="tx1"/>
-            </a:fontRef>
-          </p:style>
-        </p:cxnSp>
-        <p:sp>
-          <p:nvSpPr>
-            <p:cNvPr id="21" name="CaixaDeTexto 20">
-              <a:extLst>
-                <a:ext uri="{FF2B5EF4-FFF2-40B4-BE49-F238E27FC236}">
-                  <a16:creationId xmlns:a16="http://schemas.microsoft.com/office/drawing/2014/main" id="{F3051166-FB83-1C01-C24B-836CCA65DF27}"/>
-                </a:ext>
-              </a:extLst>
-            </p:cNvPr>
-            <p:cNvSpPr txBox="1"/>
-            <p:nvPr/>
-          </p:nvSpPr>
-          <p:spPr>
-            <a:xfrm>
-              <a:off x="1187759" y="3016241"/>
-              <a:ext cx="1071476" cy="276999"/>
-            </a:xfrm>
-            <a:prstGeom prst="rect">
-              <a:avLst/>
-            </a:prstGeom>
-            <a:noFill/>
-          </p:spPr>
-          <p:txBody>
-            <a:bodyPr wrap="square" rtlCol="0">
-              <a:spAutoFit/>
-            </a:bodyPr>
-            <a:lstStyle/>
-            <a:p>
-              <a:pPr algn="ctr"/>
-              <a:r>
-                <a:rPr lang="pt-BR" sz="1200" dirty="0"/>
-                <a:t>Ponto inicial</a:t>
-              </a:r>
-            </a:p>
-          </p:txBody>
-        </p:sp>
-        <mc:AlternateContent xmlns:mc="http://schemas.openxmlformats.org/markup-compatibility/2006">
-          <mc:Choice xmlns:a14="http://schemas.microsoft.com/office/drawing/2010/main" Requires="a14">
-            <p:sp>
-              <p:nvSpPr>
-                <p:cNvPr id="22" name="CaixaDeTexto 21">
-                  <a:extLst>
-                    <a:ext uri="{FF2B5EF4-FFF2-40B4-BE49-F238E27FC236}">
-                      <a16:creationId xmlns:a16="http://schemas.microsoft.com/office/drawing/2014/main" id="{7167E7D4-807F-4A91-D2F9-5B3D43BE5896}"/>
-                    </a:ext>
-                  </a:extLst>
-                </p:cNvPr>
-                <p:cNvSpPr txBox="1"/>
-                <p:nvPr/>
-              </p:nvSpPr>
-              <p:spPr>
-                <a:xfrm>
-                  <a:off x="1074774" y="4868216"/>
-                  <a:ext cx="867941" cy="307777"/>
-                </a:xfrm>
-                <a:prstGeom prst="rect">
-                  <a:avLst/>
-                </a:prstGeom>
-                <a:noFill/>
-              </p:spPr>
-              <p:txBody>
-                <a:bodyPr wrap="square" rtlCol="0">
-                  <a:spAutoFit/>
-                </a:bodyPr>
-                <a:lstStyle/>
-                <a:p>
-                  <a:pPr algn="ctr"/>
-                  <a14:m>
-                    <m:oMathPara xmlns:m="http://schemas.openxmlformats.org/officeDocument/2006/math">
-                      <m:oMathParaPr>
-                        <m:jc m:val="centerGroup"/>
-                      </m:oMathParaPr>
-                      <m:oMath xmlns:m="http://schemas.openxmlformats.org/officeDocument/2006/math">
-                        <m:sSub>
-                          <m:sSubPr>
-                            <m:ctrlPr>
-                              <a:rPr lang="pt-BR" sz="1400" i="1" smtClean="0">
-                                <a:latin typeface="Cambria Math" panose="02040503050406030204" pitchFamily="18" charset="0"/>
-                              </a:rPr>
-                            </m:ctrlPr>
-                          </m:sSubPr>
-                          <m:e>
-                            <m:r>
-                              <a:rPr lang="pt-BR" sz="1400" b="0" i="1" smtClean="0">
-                                <a:latin typeface="Cambria Math" panose="02040503050406030204" pitchFamily="18" charset="0"/>
-                              </a:rPr>
-                              <m:t>𝑎</m:t>
-                            </m:r>
-                          </m:e>
-                          <m:sub>
-                            <m:r>
-                              <m:rPr>
-                                <m:sty m:val="p"/>
-                              </m:rPr>
-                              <a:rPr lang="pt-BR" sz="1400" b="0" i="0" smtClean="0">
-                                <a:latin typeface="Cambria Math" panose="02040503050406030204" pitchFamily="18" charset="0"/>
-                              </a:rPr>
-                              <m:t>inicial</m:t>
-                            </m:r>
-                          </m:sub>
-                        </m:sSub>
-                      </m:oMath>
-                    </m:oMathPara>
-                  </a14:m>
-                  <a:endParaRPr lang="pt-BR" sz="1400" dirty="0"/>
-                </a:p>
-              </p:txBody>
-            </p:sp>
-          </mc:Choice>
-          <mc:Fallback>
-            <p:sp>
-              <p:nvSpPr>
-                <p:cNvPr id="22" name="CaixaDeTexto 21">
-                  <a:extLst>
-                    <a:ext uri="{FF2B5EF4-FFF2-40B4-BE49-F238E27FC236}">
-                      <a16:creationId xmlns:a16="http://schemas.microsoft.com/office/drawing/2014/main" id="{7167E7D4-807F-4A91-D2F9-5B3D43BE5896}"/>
-                    </a:ext>
-                  </a:extLst>
-                </p:cNvPr>
-                <p:cNvSpPr txBox="1">
-                  <a:spLocks noRot="1" noChangeAspect="1" noMove="1" noResize="1" noEditPoints="1" noAdjustHandles="1" noChangeArrowheads="1" noChangeShapeType="1" noTextEdit="1"/>
-                </p:cNvSpPr>
-                <p:nvPr/>
-              </p:nvSpPr>
-              <p:spPr>
-                <a:xfrm>
-                  <a:off x="1074774" y="4868216"/>
-                  <a:ext cx="867941" cy="307777"/>
-                </a:xfrm>
-                <a:prstGeom prst="rect">
-                  <a:avLst/>
-                </a:prstGeom>
-                <a:blipFill>
-                  <a:blip r:embed="rId4"/>
-                  <a:stretch>
-                    <a:fillRect/>
-                  </a:stretch>
-                </a:blipFill>
-              </p:spPr>
-              <p:txBody>
-                <a:bodyPr/>
-                <a:lstStyle/>
-                <a:p>
-                  <a:r>
-                    <a:rPr lang="pt-BR">
-                      <a:noFill/>
-                    </a:rPr>
-                    <a:t> </a:t>
-                  </a:r>
-                </a:p>
-              </p:txBody>
-            </p:sp>
-          </mc:Fallback>
-        </mc:AlternateContent>
-        <mc:AlternateContent xmlns:mc="http://schemas.openxmlformats.org/markup-compatibility/2006">
-          <mc:Choice xmlns:a14="http://schemas.microsoft.com/office/drawing/2010/main" Requires="a14">
-            <p:sp>
-              <p:nvSpPr>
-                <p:cNvPr id="23" name="CaixaDeTexto 22">
-                  <a:extLst>
-                    <a:ext uri="{FF2B5EF4-FFF2-40B4-BE49-F238E27FC236}">
-                      <a16:creationId xmlns:a16="http://schemas.microsoft.com/office/drawing/2014/main" id="{5563576F-5255-680C-F8CB-10958601F543}"/>
-                    </a:ext>
-                  </a:extLst>
-                </p:cNvPr>
-                <p:cNvSpPr txBox="1"/>
-                <p:nvPr/>
-              </p:nvSpPr>
-              <p:spPr>
-                <a:xfrm>
-                  <a:off x="2671712" y="4867795"/>
-                  <a:ext cx="867941" cy="307777"/>
-                </a:xfrm>
-                <a:prstGeom prst="rect">
-                  <a:avLst/>
-                </a:prstGeom>
-                <a:noFill/>
-              </p:spPr>
-              <p:txBody>
-                <a:bodyPr wrap="square" rtlCol="0">
-                  <a:spAutoFit/>
-                </a:bodyPr>
-                <a:lstStyle/>
-                <a:p>
-                  <a:pPr algn="ctr"/>
-                  <a14:m>
-                    <m:oMathPara xmlns:m="http://schemas.openxmlformats.org/officeDocument/2006/math">
-                      <m:oMathParaPr>
-                        <m:jc m:val="centerGroup"/>
-                      </m:oMathParaPr>
-                      <m:oMath xmlns:m="http://schemas.openxmlformats.org/officeDocument/2006/math">
-                        <m:sSub>
-                          <m:sSubPr>
-                            <m:ctrlPr>
-                              <a:rPr lang="pt-BR" sz="1400" i="1" smtClean="0">
-                                <a:latin typeface="Cambria Math" panose="02040503050406030204" pitchFamily="18" charset="0"/>
-                              </a:rPr>
-                            </m:ctrlPr>
-                          </m:sSubPr>
-                          <m:e>
-                            <m:r>
-                              <a:rPr lang="pt-BR" sz="1400" b="0" i="1" smtClean="0">
-                                <a:latin typeface="Cambria Math" panose="02040503050406030204" pitchFamily="18" charset="0"/>
-                              </a:rPr>
-                              <m:t>𝑎</m:t>
-                            </m:r>
-                          </m:e>
-                          <m:sub>
-                            <m:r>
-                              <a:rPr lang="pt-BR" sz="1400" b="0" i="0" smtClean="0">
-                                <a:latin typeface="Cambria Math" panose="02040503050406030204" pitchFamily="18" charset="0"/>
-                              </a:rPr>
-                              <m:t>ó</m:t>
-                            </m:r>
-                            <m:r>
-                              <m:rPr>
-                                <m:sty m:val="p"/>
-                              </m:rPr>
-                              <a:rPr lang="pt-BR" sz="1400" b="0" i="0" smtClean="0">
-                                <a:latin typeface="Cambria Math" panose="02040503050406030204" pitchFamily="18" charset="0"/>
-                              </a:rPr>
-                              <m:t>timo</m:t>
-                            </m:r>
-                          </m:sub>
-                        </m:sSub>
-                      </m:oMath>
-                    </m:oMathPara>
-                  </a14:m>
-                  <a:endParaRPr lang="pt-BR" sz="1400" dirty="0"/>
-                </a:p>
-              </p:txBody>
-            </p:sp>
-          </mc:Choice>
-          <mc:Fallback>
+          <mc:Fallback xmlns="">
             <p:sp>
               <p:nvSpPr>
                 <p:cNvPr id="23" name="CaixaDeTexto 22">
@@ -12846,54 +18037,10 @@
           </a:fontRef>
         </p:style>
       </p:cxnSp>
-      <p:cxnSp>
-        <p:nvCxnSpPr>
-          <p:cNvPr id="5" name="Conector de Seta Reta 4">
-            <a:extLst>
-              <a:ext uri="{FF2B5EF4-FFF2-40B4-BE49-F238E27FC236}">
-                <a16:creationId xmlns:a16="http://schemas.microsoft.com/office/drawing/2014/main" id="{565E11D9-7749-637F-8930-C980947F051A}"/>
-              </a:ext>
-            </a:extLst>
-          </p:cNvPr>
-          <p:cNvCxnSpPr>
-            <a:cxnSpLocks/>
-          </p:cNvCxnSpPr>
-          <p:nvPr/>
-        </p:nvCxnSpPr>
-        <p:spPr>
-          <a:xfrm>
-            <a:off x="1377679" y="3241084"/>
-            <a:ext cx="235631" cy="333078"/>
-          </a:xfrm>
-          <a:prstGeom prst="straightConnector1">
-            <a:avLst/>
-          </a:prstGeom>
-          <a:ln>
-            <a:solidFill>
-              <a:schemeClr val="tx1"/>
-            </a:solidFill>
-            <a:tailEnd type="triangle"/>
-          </a:ln>
-        </p:spPr>
-        <p:style>
-          <a:lnRef idx="1">
-            <a:schemeClr val="accent1"/>
-          </a:lnRef>
-          <a:fillRef idx="0">
-            <a:schemeClr val="accent1"/>
-          </a:fillRef>
-          <a:effectRef idx="0">
-            <a:schemeClr val="accent1"/>
-          </a:effectRef>
-          <a:fontRef idx="minor">
-            <a:schemeClr val="tx1"/>
-          </a:fontRef>
-        </p:style>
-      </p:cxnSp>
     </p:spTree>
     <p:extLst>
       <p:ext uri="{BB962C8B-B14F-4D97-AF65-F5344CB8AC3E}">
-        <p14:creationId xmlns:p14="http://schemas.microsoft.com/office/powerpoint/2010/main" val="722517141"/>
+        <p14:creationId xmlns:p14="http://schemas.microsoft.com/office/powerpoint/2010/main" val="2751143574"/>
       </p:ext>
     </p:extLst>
   </p:cSld>

--- a/slides/TP557_6_Minimizando_o_erro.pptx
+++ b/slides/TP557_6_Minimizando_o_erro.pptx
@@ -5,10 +5,10 @@
     <p:sldMasterId id="2147483648" r:id="rId1"/>
   </p:sldMasterIdLst>
   <p:notesMasterIdLst>
-    <p:notesMasterId r:id="rId21"/>
+    <p:notesMasterId r:id="rId26"/>
   </p:notesMasterIdLst>
   <p:handoutMasterIdLst>
-    <p:handoutMasterId r:id="rId22"/>
+    <p:handoutMasterId r:id="rId27"/>
   </p:handoutMasterIdLst>
   <p:sldIdLst>
     <p:sldId id="256" r:id="rId2"/>
@@ -25,11 +25,16 @@
     <p:sldId id="416" r:id="rId13"/>
     <p:sldId id="417" r:id="rId14"/>
     <p:sldId id="419" r:id="rId15"/>
-    <p:sldId id="420" r:id="rId16"/>
-    <p:sldId id="418" r:id="rId17"/>
-    <p:sldId id="405" r:id="rId18"/>
-    <p:sldId id="293" r:id="rId19"/>
-    <p:sldId id="306" r:id="rId20"/>
+    <p:sldId id="425" r:id="rId16"/>
+    <p:sldId id="420" r:id="rId17"/>
+    <p:sldId id="418" r:id="rId18"/>
+    <p:sldId id="421" r:id="rId19"/>
+    <p:sldId id="422" r:id="rId20"/>
+    <p:sldId id="423" r:id="rId21"/>
+    <p:sldId id="424" r:id="rId22"/>
+    <p:sldId id="405" r:id="rId23"/>
+    <p:sldId id="293" r:id="rId24"/>
+    <p:sldId id="306" r:id="rId25"/>
   </p:sldIdLst>
   <p:sldSz cx="12192000" cy="6858000"/>
   <p:notesSz cx="7315200" cy="9601200"/>
@@ -293,7 +298,7 @@
           <a:p>
             <a:fld id="{144F1436-6906-4D93-B7A2-786C327BFA14}" type="datetimeFigureOut">
               <a:rPr lang="nl-BE" smtClean="0"/>
-              <a:t>31/07/2023</a:t>
+              <a:t>1/08/2023</a:t>
             </a:fld>
             <a:endParaRPr lang="nl-BE"/>
           </a:p>
@@ -458,7 +463,7 @@
           <a:p>
             <a:fld id="{AA8CD09E-2914-4F47-B6C1-51B2C31814C9}" type="datetimeFigureOut">
               <a:rPr lang="pt-BR" smtClean="0"/>
-              <a:t>31/07/2023</a:t>
+              <a:t>01/08/2023</a:t>
             </a:fld>
             <a:endParaRPr lang="pt-BR"/>
           </a:p>
@@ -1269,6 +1274,100 @@
     </p:spTree>
     <p:extLst>
       <p:ext uri="{BB962C8B-B14F-4D97-AF65-F5344CB8AC3E}">
+        <p14:creationId xmlns:p14="http://schemas.microsoft.com/office/powerpoint/2010/main" val="4142892949"/>
+      </p:ext>
+    </p:extLst>
+  </p:cSld>
+  <p:clrMapOvr>
+    <a:masterClrMapping/>
+  </p:clrMapOvr>
+</p:notes>
+</file>
+
+<file path=ppt/notesSlides/notesSlide15.xml><?xml version="1.0" encoding="utf-8"?>
+<p:notes xmlns:a="http://schemas.openxmlformats.org/drawingml/2006/main" xmlns:r="http://schemas.openxmlformats.org/officeDocument/2006/relationships" xmlns:p="http://schemas.openxmlformats.org/presentationml/2006/main">
+  <p:cSld>
+    <p:spTree>
+      <p:nvGrpSpPr>
+        <p:cNvPr id="1" name=""/>
+        <p:cNvGrpSpPr/>
+        <p:nvPr/>
+      </p:nvGrpSpPr>
+      <p:grpSpPr>
+        <a:xfrm>
+          <a:off x="0" y="0"/>
+          <a:ext cx="0" cy="0"/>
+          <a:chOff x="0" y="0"/>
+          <a:chExt cx="0" cy="0"/>
+        </a:xfrm>
+      </p:grpSpPr>
+      <p:sp>
+        <p:nvSpPr>
+          <p:cNvPr id="2" name="Espaço Reservado para Imagem de Slide 1"/>
+          <p:cNvSpPr>
+            <a:spLocks noGrp="1" noRot="1" noChangeAspect="1"/>
+          </p:cNvSpPr>
+          <p:nvPr>
+            <p:ph type="sldImg"/>
+          </p:nvPr>
+        </p:nvSpPr>
+        <p:spPr/>
+      </p:sp>
+      <p:sp>
+        <p:nvSpPr>
+          <p:cNvPr id="3" name="Espaço Reservado para Anotações 2"/>
+          <p:cNvSpPr>
+            <a:spLocks noGrp="1"/>
+          </p:cNvSpPr>
+          <p:nvPr>
+            <p:ph type="body" idx="1"/>
+          </p:nvPr>
+        </p:nvSpPr>
+        <p:spPr/>
+        <p:txBody>
+          <a:bodyPr/>
+          <a:lstStyle/>
+          <a:p>
+            <a:r>
+              <a:rPr lang="pt-BR" b="0" i="0" dirty="0">
+                <a:solidFill>
+                  <a:srgbClr val="374151"/>
+                </a:solidFill>
+                <a:effectLst/>
+                <a:latin typeface="Söhne"/>
+              </a:rPr>
+              <a:t>A convexidade é uma propriedade importante em matemática e otimização, pois garante que uma função convexa tenha um único ponto de mínimo global, e qualquer ponto de mínimo local também é um ponto de mínimo global. Isso torna as funções convexas especialmente relevantes em problemas de otimização, pois permite encontrar a solução ótima de forma mais eficiente e confiável.</a:t>
+            </a:r>
+            <a:endParaRPr lang="pt-BR" dirty="0"/>
+          </a:p>
+        </p:txBody>
+      </p:sp>
+      <p:sp>
+        <p:nvSpPr>
+          <p:cNvPr id="4" name="Espaço Reservado para Número de Slide 3"/>
+          <p:cNvSpPr>
+            <a:spLocks noGrp="1"/>
+          </p:cNvSpPr>
+          <p:nvPr>
+            <p:ph type="sldNum" sz="quarter" idx="5"/>
+          </p:nvPr>
+        </p:nvSpPr>
+        <p:spPr/>
+        <p:txBody>
+          <a:bodyPr/>
+          <a:lstStyle/>
+          <a:p>
+            <a:fld id="{6FC8D850-966F-45A6-8DE7-15B891E7D40D}" type="slidenum">
+              <a:rPr lang="pt-BR" smtClean="0"/>
+              <a:t>16</a:t>
+            </a:fld>
+            <a:endParaRPr lang="pt-BR"/>
+          </a:p>
+        </p:txBody>
+      </p:sp>
+    </p:spTree>
+    <p:extLst>
+      <p:ext uri="{BB962C8B-B14F-4D97-AF65-F5344CB8AC3E}">
         <p14:creationId xmlns:p14="http://schemas.microsoft.com/office/powerpoint/2010/main" val="2405116060"/>
       </p:ext>
     </p:extLst>
@@ -1279,7 +1378,7 @@
 </p:notes>
 </file>
 
-<file path=ppt/notesSlides/notesSlide15.xml><?xml version="1.0" encoding="utf-8"?>
+<file path=ppt/notesSlides/notesSlide16.xml><?xml version="1.0" encoding="utf-8"?>
 <p:notes xmlns:a="http://schemas.openxmlformats.org/drawingml/2006/main" xmlns:r="http://schemas.openxmlformats.org/officeDocument/2006/relationships" xmlns:p="http://schemas.openxmlformats.org/presentationml/2006/main">
   <p:cSld>
     <p:spTree>
@@ -1347,7 +1446,7 @@
           <a:p>
             <a:fld id="{6FC8D850-966F-45A6-8DE7-15B891E7D40D}" type="slidenum">
               <a:rPr lang="pt-BR" smtClean="0"/>
-              <a:t>16</a:t>
+              <a:t>17</a:t>
             </a:fld>
             <a:endParaRPr lang="pt-BR"/>
           </a:p>
@@ -1366,7 +1465,569 @@
 </p:notes>
 </file>
 
-<file path=ppt/notesSlides/notesSlide16.xml><?xml version="1.0" encoding="utf-8"?>
+<file path=ppt/notesSlides/notesSlide17.xml><?xml version="1.0" encoding="utf-8"?>
+<p:notes xmlns:a="http://schemas.openxmlformats.org/drawingml/2006/main" xmlns:r="http://schemas.openxmlformats.org/officeDocument/2006/relationships" xmlns:p="http://schemas.openxmlformats.org/presentationml/2006/main">
+  <p:cSld>
+    <p:spTree>
+      <p:nvGrpSpPr>
+        <p:cNvPr id="1" name=""/>
+        <p:cNvGrpSpPr/>
+        <p:nvPr/>
+      </p:nvGrpSpPr>
+      <p:grpSpPr>
+        <a:xfrm>
+          <a:off x="0" y="0"/>
+          <a:ext cx="0" cy="0"/>
+          <a:chOff x="0" y="0"/>
+          <a:chExt cx="0" cy="0"/>
+        </a:xfrm>
+      </p:grpSpPr>
+      <p:sp>
+        <p:nvSpPr>
+          <p:cNvPr id="2" name="Espaço Reservado para Imagem de Slide 1"/>
+          <p:cNvSpPr>
+            <a:spLocks noGrp="1" noRot="1" noChangeAspect="1"/>
+          </p:cNvSpPr>
+          <p:nvPr>
+            <p:ph type="sldImg"/>
+          </p:nvPr>
+        </p:nvSpPr>
+        <p:spPr/>
+      </p:sp>
+      <p:sp>
+        <p:nvSpPr>
+          <p:cNvPr id="3" name="Espaço Reservado para Anotações 2"/>
+          <p:cNvSpPr>
+            <a:spLocks noGrp="1"/>
+          </p:cNvSpPr>
+          <p:nvPr>
+            <p:ph type="body" idx="1"/>
+          </p:nvPr>
+        </p:nvSpPr>
+        <p:spPr/>
+        <p:txBody>
+          <a:bodyPr/>
+          <a:lstStyle/>
+          <a:p>
+            <a:pPr algn="l"/>
+            <a:r>
+              <a:rPr lang="pt-BR" b="0" i="0" dirty="0">
+                <a:solidFill>
+                  <a:srgbClr val="374151"/>
+                </a:solidFill>
+                <a:effectLst/>
+                <a:latin typeface="Söhne"/>
+              </a:rPr>
+              <a:t>As três versões do Gradiente Descendente são:</a:t>
+            </a:r>
+          </a:p>
+          <a:p>
+            <a:pPr algn="l">
+              <a:buFont typeface="+mj-lt"/>
+              <a:buAutoNum type="arabicPeriod"/>
+            </a:pPr>
+            <a:r>
+              <a:rPr lang="pt-BR" b="0" i="0" dirty="0">
+                <a:solidFill>
+                  <a:srgbClr val="374151"/>
+                </a:solidFill>
+                <a:effectLst/>
+                <a:latin typeface="Söhne"/>
+              </a:rPr>
+              <a:t>Gradiente Descendente de Lote (Batch </a:t>
+            </a:r>
+            <a:r>
+              <a:rPr lang="pt-BR" b="0" i="0" dirty="0" err="1">
+                <a:solidFill>
+                  <a:srgbClr val="374151"/>
+                </a:solidFill>
+                <a:effectLst/>
+                <a:latin typeface="Söhne"/>
+              </a:rPr>
+              <a:t>Gradient</a:t>
+            </a:r>
+            <a:r>
+              <a:rPr lang="pt-BR" b="0" i="0" dirty="0">
+                <a:solidFill>
+                  <a:srgbClr val="374151"/>
+                </a:solidFill>
+                <a:effectLst/>
+                <a:latin typeface="Söhne"/>
+              </a:rPr>
+              <a:t> </a:t>
+            </a:r>
+            <a:r>
+              <a:rPr lang="pt-BR" b="0" i="0" dirty="0" err="1">
+                <a:solidFill>
+                  <a:srgbClr val="374151"/>
+                </a:solidFill>
+                <a:effectLst/>
+                <a:latin typeface="Söhne"/>
+              </a:rPr>
+              <a:t>Descent</a:t>
+            </a:r>
+            <a:r>
+              <a:rPr lang="pt-BR" b="0" i="0" dirty="0">
+                <a:solidFill>
+                  <a:srgbClr val="374151"/>
+                </a:solidFill>
+                <a:effectLst/>
+                <a:latin typeface="Söhne"/>
+              </a:rPr>
+              <a:t>):</a:t>
+            </a:r>
+          </a:p>
+          <a:p>
+            <a:pPr algn="l">
+              <a:buFont typeface="Arial" panose="020B0604020202020204" pitchFamily="34" charset="0"/>
+              <a:buChar char="•"/>
+            </a:pPr>
+            <a:r>
+              <a:rPr lang="pt-BR" b="0" i="0" dirty="0">
+                <a:solidFill>
+                  <a:srgbClr val="374151"/>
+                </a:solidFill>
+                <a:effectLst/>
+                <a:latin typeface="Söhne"/>
+              </a:rPr>
+              <a:t>Calcula o gradiente da função de erro para todos os exemplos do conjunto de treinamento.</a:t>
+            </a:r>
+          </a:p>
+          <a:p>
+            <a:pPr algn="l">
+              <a:buFont typeface="Arial" panose="020B0604020202020204" pitchFamily="34" charset="0"/>
+              <a:buChar char="•"/>
+            </a:pPr>
+            <a:r>
+              <a:rPr lang="pt-BR" b="0" i="0" dirty="0">
+                <a:solidFill>
+                  <a:srgbClr val="374151"/>
+                </a:solidFill>
+                <a:effectLst/>
+                <a:latin typeface="Söhne"/>
+              </a:rPr>
+              <a:t>Atualiza os parâmetros do modelo após processar todos os exemplos do conjunto de treinamento.</a:t>
+            </a:r>
+          </a:p>
+          <a:p>
+            <a:pPr algn="l">
+              <a:buFont typeface="Arial" panose="020B0604020202020204" pitchFamily="34" charset="0"/>
+              <a:buChar char="•"/>
+            </a:pPr>
+            <a:r>
+              <a:rPr lang="pt-BR" b="0" i="0" dirty="0">
+                <a:solidFill>
+                  <a:srgbClr val="374151"/>
+                </a:solidFill>
+                <a:effectLst/>
+                <a:latin typeface="Söhne"/>
+              </a:rPr>
+              <a:t>Pode ser lento em conjuntos de treinamento muito grandes, pois requer o cálculo do gradiente para todo o conjunto a cada iteração.</a:t>
+            </a:r>
+          </a:p>
+          <a:p>
+            <a:pPr algn="l">
+              <a:buFont typeface="+mj-lt"/>
+              <a:buAutoNum type="arabicPeriod" startAt="2"/>
+            </a:pPr>
+            <a:r>
+              <a:rPr lang="pt-BR" b="0" i="0" dirty="0">
+                <a:solidFill>
+                  <a:srgbClr val="374151"/>
+                </a:solidFill>
+                <a:effectLst/>
+                <a:latin typeface="Söhne"/>
+              </a:rPr>
+              <a:t>Gradiente Descendente Estocástico (</a:t>
+            </a:r>
+            <a:r>
+              <a:rPr lang="pt-BR" b="0" i="0" dirty="0" err="1">
+                <a:solidFill>
+                  <a:srgbClr val="374151"/>
+                </a:solidFill>
+                <a:effectLst/>
+                <a:latin typeface="Söhne"/>
+              </a:rPr>
+              <a:t>Stochastic</a:t>
+            </a:r>
+            <a:r>
+              <a:rPr lang="pt-BR" b="0" i="0" dirty="0">
+                <a:solidFill>
+                  <a:srgbClr val="374151"/>
+                </a:solidFill>
+                <a:effectLst/>
+                <a:latin typeface="Söhne"/>
+              </a:rPr>
+              <a:t> </a:t>
+            </a:r>
+            <a:r>
+              <a:rPr lang="pt-BR" b="0" i="0" dirty="0" err="1">
+                <a:solidFill>
+                  <a:srgbClr val="374151"/>
+                </a:solidFill>
+                <a:effectLst/>
+                <a:latin typeface="Söhne"/>
+              </a:rPr>
+              <a:t>Gradient</a:t>
+            </a:r>
+            <a:r>
+              <a:rPr lang="pt-BR" b="0" i="0" dirty="0">
+                <a:solidFill>
+                  <a:srgbClr val="374151"/>
+                </a:solidFill>
+                <a:effectLst/>
+                <a:latin typeface="Söhne"/>
+              </a:rPr>
+              <a:t> </a:t>
+            </a:r>
+            <a:r>
+              <a:rPr lang="pt-BR" b="0" i="0" dirty="0" err="1">
+                <a:solidFill>
+                  <a:srgbClr val="374151"/>
+                </a:solidFill>
+                <a:effectLst/>
+                <a:latin typeface="Söhne"/>
+              </a:rPr>
+              <a:t>Descent</a:t>
+            </a:r>
+            <a:r>
+              <a:rPr lang="pt-BR" b="0" i="0" dirty="0">
+                <a:solidFill>
+                  <a:srgbClr val="374151"/>
+                </a:solidFill>
+                <a:effectLst/>
+                <a:latin typeface="Söhne"/>
+              </a:rPr>
+              <a:t> - SGD):</a:t>
+            </a:r>
+          </a:p>
+          <a:p>
+            <a:pPr algn="l">
+              <a:buFont typeface="Arial" panose="020B0604020202020204" pitchFamily="34" charset="0"/>
+              <a:buChar char="•"/>
+            </a:pPr>
+            <a:r>
+              <a:rPr lang="pt-BR" b="0" i="0" dirty="0">
+                <a:solidFill>
+                  <a:srgbClr val="374151"/>
+                </a:solidFill>
+                <a:effectLst/>
+                <a:latin typeface="Söhne"/>
+              </a:rPr>
+              <a:t>Calcula o gradiente da função de erro para um único exemplo do conjunto de treinamento.</a:t>
+            </a:r>
+          </a:p>
+          <a:p>
+            <a:pPr algn="l">
+              <a:buFont typeface="Arial" panose="020B0604020202020204" pitchFamily="34" charset="0"/>
+              <a:buChar char="•"/>
+            </a:pPr>
+            <a:r>
+              <a:rPr lang="pt-BR" b="0" i="0" dirty="0">
+                <a:solidFill>
+                  <a:srgbClr val="374151"/>
+                </a:solidFill>
+                <a:effectLst/>
+                <a:latin typeface="Söhne"/>
+              </a:rPr>
+              <a:t>Atualiza os parâmetros do modelo após cada exemplo processado.</a:t>
+            </a:r>
+          </a:p>
+          <a:p>
+            <a:pPr algn="l">
+              <a:buFont typeface="Arial" panose="020B0604020202020204" pitchFamily="34" charset="0"/>
+              <a:buChar char="•"/>
+            </a:pPr>
+            <a:r>
+              <a:rPr lang="pt-BR" b="0" i="0" dirty="0">
+                <a:solidFill>
+                  <a:srgbClr val="374151"/>
+                </a:solidFill>
+                <a:effectLst/>
+                <a:latin typeface="Söhne"/>
+              </a:rPr>
+              <a:t>Mais rápido que o Gradiente Descendente de Lote, mas a variação na atualização pode tornar a convergência mais irregular.</a:t>
+            </a:r>
+          </a:p>
+          <a:p>
+            <a:pPr algn="l">
+              <a:buFont typeface="+mj-lt"/>
+              <a:buAutoNum type="arabicPeriod" startAt="3"/>
+            </a:pPr>
+            <a:r>
+              <a:rPr lang="pt-BR" b="0" i="0" dirty="0">
+                <a:solidFill>
+                  <a:srgbClr val="374151"/>
+                </a:solidFill>
+                <a:effectLst/>
+                <a:latin typeface="Söhne"/>
+              </a:rPr>
+              <a:t>Gradiente Descendente em </a:t>
+            </a:r>
+            <a:r>
+              <a:rPr lang="pt-BR" b="0" i="0" dirty="0" err="1">
+                <a:solidFill>
+                  <a:srgbClr val="374151"/>
+                </a:solidFill>
+                <a:effectLst/>
+                <a:latin typeface="Söhne"/>
+              </a:rPr>
+              <a:t>Mini-Lotes</a:t>
+            </a:r>
+            <a:r>
+              <a:rPr lang="pt-BR" b="0" i="0" dirty="0">
+                <a:solidFill>
+                  <a:srgbClr val="374151"/>
+                </a:solidFill>
+                <a:effectLst/>
+                <a:latin typeface="Söhne"/>
+              </a:rPr>
+              <a:t> (</a:t>
+            </a:r>
+            <a:r>
+              <a:rPr lang="pt-BR" b="0" i="0" dirty="0" err="1">
+                <a:solidFill>
+                  <a:srgbClr val="374151"/>
+                </a:solidFill>
+                <a:effectLst/>
+                <a:latin typeface="Söhne"/>
+              </a:rPr>
+              <a:t>Mini-batch</a:t>
+            </a:r>
+            <a:r>
+              <a:rPr lang="pt-BR" b="0" i="0" dirty="0">
+                <a:solidFill>
+                  <a:srgbClr val="374151"/>
+                </a:solidFill>
+                <a:effectLst/>
+                <a:latin typeface="Söhne"/>
+              </a:rPr>
+              <a:t> </a:t>
+            </a:r>
+            <a:r>
+              <a:rPr lang="pt-BR" b="0" i="0" dirty="0" err="1">
+                <a:solidFill>
+                  <a:srgbClr val="374151"/>
+                </a:solidFill>
+                <a:effectLst/>
+                <a:latin typeface="Söhne"/>
+              </a:rPr>
+              <a:t>Gradient</a:t>
+            </a:r>
+            <a:r>
+              <a:rPr lang="pt-BR" b="0" i="0" dirty="0">
+                <a:solidFill>
+                  <a:srgbClr val="374151"/>
+                </a:solidFill>
+                <a:effectLst/>
+                <a:latin typeface="Söhne"/>
+              </a:rPr>
+              <a:t> </a:t>
+            </a:r>
+            <a:r>
+              <a:rPr lang="pt-BR" b="0" i="0" dirty="0" err="1">
+                <a:solidFill>
+                  <a:srgbClr val="374151"/>
+                </a:solidFill>
+                <a:effectLst/>
+                <a:latin typeface="Söhne"/>
+              </a:rPr>
+              <a:t>Descent</a:t>
+            </a:r>
+            <a:r>
+              <a:rPr lang="pt-BR" b="0" i="0" dirty="0">
+                <a:solidFill>
+                  <a:srgbClr val="374151"/>
+                </a:solidFill>
+                <a:effectLst/>
+                <a:latin typeface="Söhne"/>
+              </a:rPr>
+              <a:t>):</a:t>
+            </a:r>
+          </a:p>
+          <a:p>
+            <a:pPr algn="l">
+              <a:buFont typeface="Arial" panose="020B0604020202020204" pitchFamily="34" charset="0"/>
+              <a:buChar char="•"/>
+            </a:pPr>
+            <a:r>
+              <a:rPr lang="pt-BR" b="0" i="0" dirty="0">
+                <a:solidFill>
+                  <a:srgbClr val="374151"/>
+                </a:solidFill>
+                <a:effectLst/>
+                <a:latin typeface="Söhne"/>
+              </a:rPr>
+              <a:t>Calcula o gradiente da função de erro para um pequeno grupo (</a:t>
+            </a:r>
+            <a:r>
+              <a:rPr lang="pt-BR" b="0" i="0" dirty="0" err="1">
+                <a:solidFill>
+                  <a:srgbClr val="374151"/>
+                </a:solidFill>
+                <a:effectLst/>
+                <a:latin typeface="Söhne"/>
+              </a:rPr>
+              <a:t>mini-lote</a:t>
+            </a:r>
+            <a:r>
+              <a:rPr lang="pt-BR" b="0" i="0" dirty="0">
+                <a:solidFill>
+                  <a:srgbClr val="374151"/>
+                </a:solidFill>
+                <a:effectLst/>
+                <a:latin typeface="Söhne"/>
+              </a:rPr>
+              <a:t>) de exemplos do conjunto de treinamento.</a:t>
+            </a:r>
+          </a:p>
+          <a:p>
+            <a:pPr algn="l">
+              <a:buFont typeface="Arial" panose="020B0604020202020204" pitchFamily="34" charset="0"/>
+              <a:buChar char="•"/>
+            </a:pPr>
+            <a:r>
+              <a:rPr lang="pt-BR" b="0" i="0" dirty="0">
+                <a:solidFill>
+                  <a:srgbClr val="374151"/>
+                </a:solidFill>
+                <a:effectLst/>
+                <a:latin typeface="Söhne"/>
+              </a:rPr>
+              <a:t>Atualiza os parâmetros do modelo após processar cada </a:t>
+            </a:r>
+            <a:r>
+              <a:rPr lang="pt-BR" b="0" i="0" dirty="0" err="1">
+                <a:solidFill>
+                  <a:srgbClr val="374151"/>
+                </a:solidFill>
+                <a:effectLst/>
+                <a:latin typeface="Söhne"/>
+              </a:rPr>
+              <a:t>mini-lote</a:t>
+            </a:r>
+            <a:r>
+              <a:rPr lang="pt-BR" b="0" i="0" dirty="0">
+                <a:solidFill>
+                  <a:srgbClr val="374151"/>
+                </a:solidFill>
+                <a:effectLst/>
+                <a:latin typeface="Söhne"/>
+              </a:rPr>
+              <a:t>.</a:t>
+            </a:r>
+          </a:p>
+          <a:p>
+            <a:pPr algn="l">
+              <a:buFont typeface="Arial" panose="020B0604020202020204" pitchFamily="34" charset="0"/>
+              <a:buChar char="•"/>
+            </a:pPr>
+            <a:r>
+              <a:rPr lang="pt-BR" b="0" i="0" dirty="0">
+                <a:solidFill>
+                  <a:srgbClr val="374151"/>
+                </a:solidFill>
+                <a:effectLst/>
+                <a:latin typeface="Söhne"/>
+              </a:rPr>
+              <a:t>Combina as vantagens do Batch </a:t>
+            </a:r>
+            <a:r>
+              <a:rPr lang="pt-BR" b="0" i="0" dirty="0" err="1">
+                <a:solidFill>
+                  <a:srgbClr val="374151"/>
+                </a:solidFill>
+                <a:effectLst/>
+                <a:latin typeface="Söhne"/>
+              </a:rPr>
+              <a:t>Gradient</a:t>
+            </a:r>
+            <a:r>
+              <a:rPr lang="pt-BR" b="0" i="0" dirty="0">
+                <a:solidFill>
+                  <a:srgbClr val="374151"/>
+                </a:solidFill>
+                <a:effectLst/>
+                <a:latin typeface="Söhne"/>
+              </a:rPr>
+              <a:t> </a:t>
+            </a:r>
+            <a:r>
+              <a:rPr lang="pt-BR" b="0" i="0" dirty="0" err="1">
+                <a:solidFill>
+                  <a:srgbClr val="374151"/>
+                </a:solidFill>
+                <a:effectLst/>
+                <a:latin typeface="Söhne"/>
+              </a:rPr>
+              <a:t>Descent</a:t>
+            </a:r>
+            <a:r>
+              <a:rPr lang="pt-BR" b="0" i="0" dirty="0">
+                <a:solidFill>
+                  <a:srgbClr val="374151"/>
+                </a:solidFill>
+                <a:effectLst/>
+                <a:latin typeface="Söhne"/>
+              </a:rPr>
+              <a:t> e do SGD, sendo mais rápido que o Batch e mais estável que o SGD.</a:t>
+            </a:r>
+          </a:p>
+          <a:p>
+            <a:pPr algn="l"/>
+            <a:r>
+              <a:rPr lang="pt-BR" b="0" i="0" dirty="0">
+                <a:solidFill>
+                  <a:srgbClr val="374151"/>
+                </a:solidFill>
+                <a:effectLst/>
+                <a:latin typeface="Söhne"/>
+              </a:rPr>
+              <a:t>Em todas as versões, o objetivo é ajustar os parâmetros do modelo de forma a minimizar a função de erro, levando a melhores previsões e desempenho do modelo. A escolha da versão mais adequada depende do tamanho do conjunto de treinamento, das características do problema e dos recursos computacionais disponíveis. Cada versão do Gradiente Descendente tem suas vantagens e desvantagens, e a seleção adequada pode impactar no tempo de treinamento e na eficácia do modelo.</a:t>
+            </a:r>
+          </a:p>
+          <a:p>
+            <a:endParaRPr lang="pt-BR" dirty="0"/>
+          </a:p>
+        </p:txBody>
+      </p:sp>
+      <p:sp>
+        <p:nvSpPr>
+          <p:cNvPr id="4" name="Espaço Reservado para Número de Slide 3"/>
+          <p:cNvSpPr>
+            <a:spLocks noGrp="1"/>
+          </p:cNvSpPr>
+          <p:nvPr>
+            <p:ph type="sldNum" sz="quarter" idx="5"/>
+          </p:nvPr>
+        </p:nvSpPr>
+        <p:spPr/>
+        <p:txBody>
+          <a:bodyPr/>
+          <a:lstStyle/>
+          <a:p>
+            <a:fld id="{6FC8D850-966F-45A6-8DE7-15B891E7D40D}" type="slidenum">
+              <a:rPr lang="pt-BR" smtClean="0"/>
+              <a:t>21</a:t>
+            </a:fld>
+            <a:endParaRPr lang="pt-BR"/>
+          </a:p>
+        </p:txBody>
+      </p:sp>
+    </p:spTree>
+    <p:extLst>
+      <p:ext uri="{BB962C8B-B14F-4D97-AF65-F5344CB8AC3E}">
+        <p14:creationId xmlns:p14="http://schemas.microsoft.com/office/powerpoint/2010/main" val="1417627585"/>
+      </p:ext>
+    </p:extLst>
+  </p:cSld>
+  <p:clrMapOvr>
+    <a:masterClrMapping/>
+  </p:clrMapOvr>
+</p:notes>
+</file>
+
+<file path=ppt/notesSlides/notesSlide18.xml><?xml version="1.0" encoding="utf-8"?>
 <p:notes xmlns:a="http://schemas.openxmlformats.org/drawingml/2006/main" xmlns:r="http://schemas.openxmlformats.org/officeDocument/2006/relationships" xmlns:p="http://schemas.openxmlformats.org/presentationml/2006/main">
   <p:cSld>
     <p:spTree>
@@ -1507,7 +2168,7 @@
           <a:p>
             <a:fld id="{6FC8D850-966F-45A6-8DE7-15B891E7D40D}" type="slidenum">
               <a:rPr lang="pt-BR" smtClean="0"/>
-              <a:t>17</a:t>
+              <a:t>22</a:t>
             </a:fld>
             <a:endParaRPr lang="pt-BR"/>
           </a:p>
@@ -2415,7 +3076,7 @@
           <a:p>
             <a:fld id="{63289F7E-B80B-496E-81B4-D396C37C9454}" type="datetimeFigureOut">
               <a:rPr lang="pt-BR" smtClean="0"/>
-              <a:t>31/07/2023</a:t>
+              <a:t>01/08/2023</a:t>
             </a:fld>
             <a:endParaRPr lang="pt-BR"/>
           </a:p>
@@ -2613,7 +3274,7 @@
           <a:p>
             <a:fld id="{63289F7E-B80B-496E-81B4-D396C37C9454}" type="datetimeFigureOut">
               <a:rPr lang="pt-BR" smtClean="0"/>
-              <a:t>31/07/2023</a:t>
+              <a:t>01/08/2023</a:t>
             </a:fld>
             <a:endParaRPr lang="pt-BR"/>
           </a:p>
@@ -2821,7 +3482,7 @@
           <a:p>
             <a:fld id="{63289F7E-B80B-496E-81B4-D396C37C9454}" type="datetimeFigureOut">
               <a:rPr lang="pt-BR" smtClean="0"/>
-              <a:t>31/07/2023</a:t>
+              <a:t>01/08/2023</a:t>
             </a:fld>
             <a:endParaRPr lang="pt-BR"/>
           </a:p>
@@ -3019,7 +3680,7 @@
           <a:p>
             <a:fld id="{63289F7E-B80B-496E-81B4-D396C37C9454}" type="datetimeFigureOut">
               <a:rPr lang="pt-BR" smtClean="0"/>
-              <a:t>31/07/2023</a:t>
+              <a:t>01/08/2023</a:t>
             </a:fld>
             <a:endParaRPr lang="pt-BR"/>
           </a:p>
@@ -3294,7 +3955,7 @@
           <a:p>
             <a:fld id="{63289F7E-B80B-496E-81B4-D396C37C9454}" type="datetimeFigureOut">
               <a:rPr lang="pt-BR" smtClean="0"/>
-              <a:t>31/07/2023</a:t>
+              <a:t>01/08/2023</a:t>
             </a:fld>
             <a:endParaRPr lang="pt-BR"/>
           </a:p>
@@ -3559,7 +4220,7 @@
           <a:p>
             <a:fld id="{63289F7E-B80B-496E-81B4-D396C37C9454}" type="datetimeFigureOut">
               <a:rPr lang="pt-BR" smtClean="0"/>
-              <a:t>31/07/2023</a:t>
+              <a:t>01/08/2023</a:t>
             </a:fld>
             <a:endParaRPr lang="pt-BR"/>
           </a:p>
@@ -3971,7 +4632,7 @@
           <a:p>
             <a:fld id="{63289F7E-B80B-496E-81B4-D396C37C9454}" type="datetimeFigureOut">
               <a:rPr lang="pt-BR" smtClean="0"/>
-              <a:t>31/07/2023</a:t>
+              <a:t>01/08/2023</a:t>
             </a:fld>
             <a:endParaRPr lang="pt-BR"/>
           </a:p>
@@ -4112,7 +4773,7 @@
           <a:p>
             <a:fld id="{63289F7E-B80B-496E-81B4-D396C37C9454}" type="datetimeFigureOut">
               <a:rPr lang="pt-BR" smtClean="0"/>
-              <a:t>31/07/2023</a:t>
+              <a:t>01/08/2023</a:t>
             </a:fld>
             <a:endParaRPr lang="pt-BR"/>
           </a:p>
@@ -4225,7 +4886,7 @@
           <a:p>
             <a:fld id="{63289F7E-B80B-496E-81B4-D396C37C9454}" type="datetimeFigureOut">
               <a:rPr lang="pt-BR" smtClean="0"/>
-              <a:t>31/07/2023</a:t>
+              <a:t>01/08/2023</a:t>
             </a:fld>
             <a:endParaRPr lang="pt-BR"/>
           </a:p>
@@ -4536,7 +5197,7 @@
           <a:p>
             <a:fld id="{63289F7E-B80B-496E-81B4-D396C37C9454}" type="datetimeFigureOut">
               <a:rPr lang="pt-BR" smtClean="0"/>
-              <a:t>31/07/2023</a:t>
+              <a:t>01/08/2023</a:t>
             </a:fld>
             <a:endParaRPr lang="pt-BR"/>
           </a:p>
@@ -4824,7 +5485,7 @@
           <a:p>
             <a:fld id="{63289F7E-B80B-496E-81B4-D396C37C9454}" type="datetimeFigureOut">
               <a:rPr lang="pt-BR" smtClean="0"/>
-              <a:t>31/07/2023</a:t>
+              <a:t>01/08/2023</a:t>
             </a:fld>
             <a:endParaRPr lang="pt-BR"/>
           </a:p>
@@ -5065,7 +5726,7 @@
           <a:p>
             <a:fld id="{63289F7E-B80B-496E-81B4-D396C37C9454}" type="datetimeFigureOut">
               <a:rPr lang="pt-BR" smtClean="0"/>
-              <a:t>31/07/2023</a:t>
+              <a:t>01/08/2023</a:t>
             </a:fld>
             <a:endParaRPr lang="pt-BR"/>
           </a:p>
@@ -7871,7 +8532,7 @@
         </p:spPr>
         <p:txBody>
           <a:bodyPr>
-            <a:normAutofit/>
+            <a:normAutofit lnSpcReduction="10000"/>
           </a:bodyPr>
           <a:lstStyle/>
           <a:p>
@@ -7906,6 +8567,16 @@
             <a:r>
               <a:rPr lang="pt-BR" dirty="0"/>
               <a:t>Repetimos esse processo até que a inclinação da reta tangente ao ponto se torne igual a 0, indicando que o ponto de mínimo foi atingido.</a:t>
+            </a:r>
+          </a:p>
+          <a:p>
+            <a:r>
+              <a:rPr lang="pt-BR" b="1" i="1" dirty="0">
+                <a:solidFill>
+                  <a:srgbClr val="00B050"/>
+                </a:solidFill>
+              </a:rPr>
+              <a:t>O que ocorre quando o gradiente é 0?</a:t>
             </a:r>
           </a:p>
         </p:txBody>
@@ -9583,8 +10254,8 @@
             </a:p>
           </p:txBody>
         </p:sp>
-        <mc:AlternateContent xmlns:mc="http://schemas.openxmlformats.org/markup-compatibility/2006">
-          <mc:Choice xmlns:a14="http://schemas.microsoft.com/office/drawing/2010/main" Requires="a14">
+        <mc:AlternateContent xmlns:mc="http://schemas.openxmlformats.org/markup-compatibility/2006" xmlns:a14="http://schemas.microsoft.com/office/drawing/2010/main">
+          <mc:Choice Requires="a14">
             <p:sp>
               <p:nvSpPr>
                 <p:cNvPr id="47" name="CaixaDeTexto 46">
@@ -9731,7 +10402,7 @@
               </p:txBody>
             </p:sp>
           </mc:Choice>
-          <mc:Fallback>
+          <mc:Fallback xmlns="">
             <p:sp>
               <p:nvSpPr>
                 <p:cNvPr id="47" name="CaixaDeTexto 46">
@@ -9820,8 +10491,8 @@
             </a:fontRef>
           </p:style>
         </p:cxnSp>
-        <mc:AlternateContent xmlns:mc="http://schemas.openxmlformats.org/markup-compatibility/2006">
-          <mc:Choice xmlns:a14="http://schemas.microsoft.com/office/drawing/2010/main" Requires="a14">
+        <mc:AlternateContent xmlns:mc="http://schemas.openxmlformats.org/markup-compatibility/2006" xmlns:a14="http://schemas.microsoft.com/office/drawing/2010/main">
+          <mc:Choice Requires="a14">
             <p:sp>
               <p:nvSpPr>
                 <p:cNvPr id="49" name="CaixaDeTexto 48">
@@ -9893,7 +10564,7 @@
               </p:txBody>
             </p:sp>
           </mc:Choice>
-          <mc:Fallback>
+          <mc:Fallback xmlns="">
             <p:sp>
               <p:nvSpPr>
                 <p:cNvPr id="49" name="CaixaDeTexto 48">
@@ -9939,8 +10610,8 @@
           </mc:Fallback>
         </mc:AlternateContent>
       </p:grpSp>
-      <mc:AlternateContent xmlns:mc="http://schemas.openxmlformats.org/markup-compatibility/2006">
-        <mc:Choice xmlns:a14="http://schemas.microsoft.com/office/drawing/2010/main" Requires="a14">
+      <mc:AlternateContent xmlns:mc="http://schemas.openxmlformats.org/markup-compatibility/2006" xmlns:a14="http://schemas.microsoft.com/office/drawing/2010/main">
+        <mc:Choice Requires="a14">
           <p:sp>
             <p:nvSpPr>
               <p:cNvPr id="50" name="CaixaDeTexto 49">
@@ -10155,7 +10826,7 @@
             </p:txBody>
           </p:sp>
         </mc:Choice>
-        <mc:Fallback>
+        <mc:Fallback xmlns="">
           <p:sp>
             <p:nvSpPr>
               <p:cNvPr id="50" name="CaixaDeTexto 49">
@@ -10338,8 +11009,8 @@
           </a:p>
         </p:txBody>
       </p:sp>
-      <mc:AlternateContent xmlns:mc="http://schemas.openxmlformats.org/markup-compatibility/2006">
-        <mc:Choice xmlns:a14="http://schemas.microsoft.com/office/drawing/2010/main" Requires="a14">
+      <mc:AlternateContent xmlns:mc="http://schemas.openxmlformats.org/markup-compatibility/2006" xmlns:a14="http://schemas.microsoft.com/office/drawing/2010/main">
+        <mc:Choice Requires="a14">
           <p:sp>
             <p:nvSpPr>
               <p:cNvPr id="3" name="Espaço Reservado para Conteúdo 2">
@@ -10424,7 +11095,7 @@
             </p:txBody>
           </p:sp>
         </mc:Choice>
-        <mc:Fallback>
+        <mc:Fallback xmlns="">
           <p:sp>
             <p:nvSpPr>
               <p:cNvPr id="3" name="Espaço Reservado para Conteúdo 2">
@@ -15294,6 +15965,1738 @@
 </file>
 
 <file path=ppt/slides/slide15.xml><?xml version="1.0" encoding="utf-8"?>
+<p:sld xmlns:a="http://schemas.openxmlformats.org/drawingml/2006/main" xmlns:r="http://schemas.openxmlformats.org/officeDocument/2006/relationships" xmlns:p="http://schemas.openxmlformats.org/presentationml/2006/main">
+  <p:cSld>
+    <p:spTree>
+      <p:nvGrpSpPr>
+        <p:cNvPr id="1" name=""/>
+        <p:cNvGrpSpPr/>
+        <p:nvPr/>
+      </p:nvGrpSpPr>
+      <p:grpSpPr>
+        <a:xfrm>
+          <a:off x="0" y="0"/>
+          <a:ext cx="0" cy="0"/>
+          <a:chOff x="0" y="0"/>
+          <a:chExt cx="0" cy="0"/>
+        </a:xfrm>
+      </p:grpSpPr>
+      <p:sp>
+        <p:nvSpPr>
+          <p:cNvPr id="2" name="Título 1">
+            <a:extLst>
+              <a:ext uri="{FF2B5EF4-FFF2-40B4-BE49-F238E27FC236}">
+                <a16:creationId xmlns:a16="http://schemas.microsoft.com/office/drawing/2014/main" id="{FDCC3C31-4EA2-B4A2-431F-BF22FBB8A7BA}"/>
+              </a:ext>
+            </a:extLst>
+          </p:cNvPr>
+          <p:cNvSpPr>
+            <a:spLocks noGrp="1"/>
+          </p:cNvSpPr>
+          <p:nvPr>
+            <p:ph type="title"/>
+          </p:nvPr>
+        </p:nvSpPr>
+        <p:spPr/>
+        <p:txBody>
+          <a:bodyPr/>
+          <a:lstStyle/>
+          <a:p>
+            <a:r>
+              <a:rPr lang="pt-BR" dirty="0"/>
+              <a:t>Tamanho do passo de aprendizagem</a:t>
+            </a:r>
+          </a:p>
+        </p:txBody>
+      </p:sp>
+      <p:sp>
+        <p:nvSpPr>
+          <p:cNvPr id="3" name="Espaço Reservado para Conteúdo 2">
+            <a:extLst>
+              <a:ext uri="{FF2B5EF4-FFF2-40B4-BE49-F238E27FC236}">
+                <a16:creationId xmlns:a16="http://schemas.microsoft.com/office/drawing/2014/main" id="{F09EA0C7-E094-F158-6A1A-B80733321450}"/>
+              </a:ext>
+            </a:extLst>
+          </p:cNvPr>
+          <p:cNvSpPr>
+            <a:spLocks noGrp="1"/>
+          </p:cNvSpPr>
+          <p:nvPr>
+            <p:ph idx="1"/>
+          </p:nvPr>
+        </p:nvSpPr>
+        <p:spPr>
+          <a:xfrm>
+            <a:off x="5714129" y="1825624"/>
+            <a:ext cx="6286087" cy="5032376"/>
+          </a:xfrm>
+        </p:spPr>
+        <p:txBody>
+          <a:bodyPr>
+            <a:normAutofit/>
+          </a:bodyPr>
+          <a:lstStyle/>
+          <a:p>
+            <a:r>
+              <a:rPr lang="pt-BR" dirty="0"/>
+              <a:t>Dependendo do quão grande for o valor do passo de aprendizagem, pode ocorrer até a divergência ao invés da convergência.</a:t>
+            </a:r>
+          </a:p>
+          <a:p>
+            <a:r>
+              <a:rPr lang="pt-BR" dirty="0"/>
+              <a:t>Se isso ocorrer, após algumas iterações, ocorre o estouro da precisão numérica das variáveis.</a:t>
+            </a:r>
+          </a:p>
+        </p:txBody>
+      </p:sp>
+      <p:sp>
+        <p:nvSpPr>
+          <p:cNvPr id="18" name="Forma Livre: Forma 17">
+            <a:extLst>
+              <a:ext uri="{FF2B5EF4-FFF2-40B4-BE49-F238E27FC236}">
+                <a16:creationId xmlns:a16="http://schemas.microsoft.com/office/drawing/2014/main" id="{6C28BCEA-AC0E-ACCA-1D14-5089AF236AFF}"/>
+              </a:ext>
+            </a:extLst>
+          </p:cNvPr>
+          <p:cNvSpPr/>
+          <p:nvPr/>
+        </p:nvSpPr>
+        <p:spPr>
+          <a:xfrm>
+            <a:off x="1190625" y="2990850"/>
+            <a:ext cx="3429000" cy="1752634"/>
+          </a:xfrm>
+          <a:custGeom>
+            <a:avLst/>
+            <a:gdLst>
+              <a:gd name="connsiteX0" fmla="*/ 0 w 3429000"/>
+              <a:gd name="connsiteY0" fmla="*/ 38100 h 1752634"/>
+              <a:gd name="connsiteX1" fmla="*/ 1714500 w 3429000"/>
+              <a:gd name="connsiteY1" fmla="*/ 1752600 h 1752634"/>
+              <a:gd name="connsiteX2" fmla="*/ 3429000 w 3429000"/>
+              <a:gd name="connsiteY2" fmla="*/ 0 h 1752634"/>
+            </a:gdLst>
+            <a:ahLst/>
+            <a:cxnLst>
+              <a:cxn ang="0">
+                <a:pos x="connsiteX0" y="connsiteY0"/>
+              </a:cxn>
+              <a:cxn ang="0">
+                <a:pos x="connsiteX1" y="connsiteY1"/>
+              </a:cxn>
+              <a:cxn ang="0">
+                <a:pos x="connsiteX2" y="connsiteY2"/>
+              </a:cxn>
+            </a:cxnLst>
+            <a:rect l="l" t="t" r="r" b="b"/>
+            <a:pathLst>
+              <a:path w="3429000" h="1752634">
+                <a:moveTo>
+                  <a:pt x="0" y="38100"/>
+                </a:moveTo>
+                <a:cubicBezTo>
+                  <a:pt x="571500" y="898525"/>
+                  <a:pt x="1143000" y="1758950"/>
+                  <a:pt x="1714500" y="1752600"/>
+                </a:cubicBezTo>
+                <a:cubicBezTo>
+                  <a:pt x="2286000" y="1746250"/>
+                  <a:pt x="3119438" y="314325"/>
+                  <a:pt x="3429000" y="0"/>
+                </a:cubicBezTo>
+              </a:path>
+            </a:pathLst>
+          </a:custGeom>
+          <a:noFill/>
+        </p:spPr>
+        <p:style>
+          <a:lnRef idx="2">
+            <a:schemeClr val="accent1">
+              <a:shade val="15000"/>
+            </a:schemeClr>
+          </a:lnRef>
+          <a:fillRef idx="1">
+            <a:schemeClr val="accent1"/>
+          </a:fillRef>
+          <a:effectRef idx="0">
+            <a:schemeClr val="accent1"/>
+          </a:effectRef>
+          <a:fontRef idx="minor">
+            <a:schemeClr val="lt1"/>
+          </a:fontRef>
+        </p:style>
+        <p:txBody>
+          <a:bodyPr rtlCol="0" anchor="ctr"/>
+          <a:lstStyle/>
+          <a:p>
+            <a:pPr algn="ctr"/>
+            <a:endParaRPr lang="pt-BR"/>
+          </a:p>
+        </p:txBody>
+      </p:sp>
+      <p:cxnSp>
+        <p:nvCxnSpPr>
+          <p:cNvPr id="19" name="Conector de Seta Reta 18">
+            <a:extLst>
+              <a:ext uri="{FF2B5EF4-FFF2-40B4-BE49-F238E27FC236}">
+                <a16:creationId xmlns:a16="http://schemas.microsoft.com/office/drawing/2014/main" id="{0EB327B9-9368-9517-1592-A958BAFB326E}"/>
+              </a:ext>
+            </a:extLst>
+          </p:cNvPr>
+          <p:cNvCxnSpPr>
+            <a:cxnSpLocks/>
+          </p:cNvCxnSpPr>
+          <p:nvPr/>
+        </p:nvCxnSpPr>
+        <p:spPr>
+          <a:xfrm>
+            <a:off x="974017" y="4916172"/>
+            <a:ext cx="3860967" cy="0"/>
+          </a:xfrm>
+          <a:prstGeom prst="straightConnector1">
+            <a:avLst/>
+          </a:prstGeom>
+          <a:ln w="19050">
+            <a:solidFill>
+              <a:schemeClr val="tx1"/>
+            </a:solidFill>
+            <a:tailEnd type="triangle"/>
+          </a:ln>
+        </p:spPr>
+        <p:style>
+          <a:lnRef idx="1">
+            <a:schemeClr val="accent1"/>
+          </a:lnRef>
+          <a:fillRef idx="0">
+            <a:schemeClr val="accent1"/>
+          </a:fillRef>
+          <a:effectRef idx="0">
+            <a:schemeClr val="accent1"/>
+          </a:effectRef>
+          <a:fontRef idx="minor">
+            <a:schemeClr val="tx1"/>
+          </a:fontRef>
+        </p:style>
+      </p:cxnSp>
+      <p:cxnSp>
+        <p:nvCxnSpPr>
+          <p:cNvPr id="20" name="Conector de Seta Reta 19">
+            <a:extLst>
+              <a:ext uri="{FF2B5EF4-FFF2-40B4-BE49-F238E27FC236}">
+                <a16:creationId xmlns:a16="http://schemas.microsoft.com/office/drawing/2014/main" id="{FB2A4E76-B9EA-7978-E3C8-354FACD511F5}"/>
+              </a:ext>
+            </a:extLst>
+          </p:cNvPr>
+          <p:cNvCxnSpPr>
+            <a:cxnSpLocks/>
+          </p:cNvCxnSpPr>
+          <p:nvPr/>
+        </p:nvCxnSpPr>
+        <p:spPr>
+          <a:xfrm flipV="1">
+            <a:off x="974018" y="2442308"/>
+            <a:ext cx="0" cy="2473865"/>
+          </a:xfrm>
+          <a:prstGeom prst="straightConnector1">
+            <a:avLst/>
+          </a:prstGeom>
+          <a:ln w="19050">
+            <a:solidFill>
+              <a:schemeClr val="tx1"/>
+            </a:solidFill>
+            <a:tailEnd type="triangle"/>
+          </a:ln>
+        </p:spPr>
+        <p:style>
+          <a:lnRef idx="1">
+            <a:schemeClr val="accent1"/>
+          </a:lnRef>
+          <a:fillRef idx="0">
+            <a:schemeClr val="accent1"/>
+          </a:fillRef>
+          <a:effectRef idx="0">
+            <a:schemeClr val="accent1"/>
+          </a:effectRef>
+          <a:fontRef idx="minor">
+            <a:schemeClr val="tx1"/>
+          </a:fontRef>
+        </p:style>
+      </p:cxnSp>
+      <mc:AlternateContent xmlns:mc="http://schemas.openxmlformats.org/markup-compatibility/2006">
+        <mc:Choice xmlns:a14="http://schemas.microsoft.com/office/drawing/2010/main" Requires="a14">
+          <p:sp>
+            <p:nvSpPr>
+              <p:cNvPr id="26" name="CaixaDeTexto 25">
+                <a:extLst>
+                  <a:ext uri="{FF2B5EF4-FFF2-40B4-BE49-F238E27FC236}">
+                    <a16:creationId xmlns:a16="http://schemas.microsoft.com/office/drawing/2014/main" id="{708B64BB-3945-1538-F968-FE34B3BF7F7E}"/>
+                  </a:ext>
+                </a:extLst>
+              </p:cNvPr>
+              <p:cNvSpPr txBox="1"/>
+              <p:nvPr/>
+            </p:nvSpPr>
+            <p:spPr>
+              <a:xfrm>
+                <a:off x="960281" y="2256394"/>
+                <a:ext cx="2747030" cy="369332"/>
+              </a:xfrm>
+              <a:prstGeom prst="rect">
+                <a:avLst/>
+              </a:prstGeom>
+              <a:noFill/>
+            </p:spPr>
+            <p:txBody>
+              <a:bodyPr wrap="square" rtlCol="0">
+                <a:spAutoFit/>
+              </a:bodyPr>
+              <a:lstStyle/>
+              <a:p>
+                <a:r>
+                  <a:rPr lang="pt-BR" dirty="0"/>
+                  <a:t>Função de erro, </a:t>
+                </a:r>
+                <a14:m>
+                  <m:oMath xmlns:m="http://schemas.openxmlformats.org/officeDocument/2006/math">
+                    <m:sSub>
+                      <m:sSubPr>
+                        <m:ctrlPr>
+                          <a:rPr lang="pt-BR" i="1" smtClean="0">
+                            <a:latin typeface="Cambria Math" panose="02040503050406030204" pitchFamily="18" charset="0"/>
+                          </a:rPr>
+                        </m:ctrlPr>
+                      </m:sSubPr>
+                      <m:e>
+                        <m:r>
+                          <a:rPr lang="pt-BR" b="0" i="1" smtClean="0">
+                            <a:latin typeface="Cambria Math" panose="02040503050406030204" pitchFamily="18" charset="0"/>
+                          </a:rPr>
+                          <m:t>𝐽</m:t>
+                        </m:r>
+                      </m:e>
+                      <m:sub>
+                        <m:r>
+                          <a:rPr lang="pt-BR" b="0" i="1" smtClean="0">
+                            <a:latin typeface="Cambria Math" panose="02040503050406030204" pitchFamily="18" charset="0"/>
+                          </a:rPr>
+                          <m:t>𝑒</m:t>
+                        </m:r>
+                      </m:sub>
+                    </m:sSub>
+                    <m:r>
+                      <a:rPr lang="pt-BR" b="0" i="1" smtClean="0">
+                        <a:latin typeface="Cambria Math" panose="02040503050406030204" pitchFamily="18" charset="0"/>
+                      </a:rPr>
+                      <m:t>(</m:t>
+                    </m:r>
+                    <m:r>
+                      <a:rPr lang="pt-BR" b="0" i="1" smtClean="0">
+                        <a:latin typeface="Cambria Math" panose="02040503050406030204" pitchFamily="18" charset="0"/>
+                      </a:rPr>
+                      <m:t>𝑎</m:t>
+                    </m:r>
+                    <m:r>
+                      <a:rPr lang="pt-BR" b="0" i="1" smtClean="0">
+                        <a:latin typeface="Cambria Math" panose="02040503050406030204" pitchFamily="18" charset="0"/>
+                      </a:rPr>
+                      <m:t>)</m:t>
+                    </m:r>
+                  </m:oMath>
+                </a14:m>
+                <a:endParaRPr lang="pt-BR" dirty="0"/>
+              </a:p>
+            </p:txBody>
+          </p:sp>
+        </mc:Choice>
+        <mc:Fallback>
+          <p:sp>
+            <p:nvSpPr>
+              <p:cNvPr id="26" name="CaixaDeTexto 25">
+                <a:extLst>
+                  <a:ext uri="{FF2B5EF4-FFF2-40B4-BE49-F238E27FC236}">
+                    <a16:creationId xmlns:a16="http://schemas.microsoft.com/office/drawing/2014/main" id="{708B64BB-3945-1538-F968-FE34B3BF7F7E}"/>
+                  </a:ext>
+                </a:extLst>
+              </p:cNvPr>
+              <p:cNvSpPr txBox="1">
+                <a:spLocks noRot="1" noChangeAspect="1" noMove="1" noResize="1" noEditPoints="1" noAdjustHandles="1" noChangeArrowheads="1" noChangeShapeType="1" noTextEdit="1"/>
+              </p:cNvSpPr>
+              <p:nvPr/>
+            </p:nvSpPr>
+            <p:spPr>
+              <a:xfrm>
+                <a:off x="960281" y="2256394"/>
+                <a:ext cx="2747030" cy="369332"/>
+              </a:xfrm>
+              <a:prstGeom prst="rect">
+                <a:avLst/>
+              </a:prstGeom>
+              <a:blipFill>
+                <a:blip r:embed="rId3"/>
+                <a:stretch>
+                  <a:fillRect l="-2000" t="-8197" b="-24590"/>
+                </a:stretch>
+              </a:blipFill>
+            </p:spPr>
+            <p:txBody>
+              <a:bodyPr/>
+              <a:lstStyle/>
+              <a:p>
+                <a:r>
+                  <a:rPr lang="pt-BR">
+                    <a:noFill/>
+                  </a:rPr>
+                  <a:t> </a:t>
+                </a:r>
+              </a:p>
+            </p:txBody>
+          </p:sp>
+        </mc:Fallback>
+      </mc:AlternateContent>
+      <p:sp>
+        <p:nvSpPr>
+          <p:cNvPr id="27" name="CaixaDeTexto 26">
+            <a:extLst>
+              <a:ext uri="{FF2B5EF4-FFF2-40B4-BE49-F238E27FC236}">
+                <a16:creationId xmlns:a16="http://schemas.microsoft.com/office/drawing/2014/main" id="{33C03641-A896-5188-5291-D3C1622B3FD8}"/>
+              </a:ext>
+            </a:extLst>
+          </p:cNvPr>
+          <p:cNvSpPr txBox="1"/>
+          <p:nvPr/>
+        </p:nvSpPr>
+        <p:spPr>
+          <a:xfrm>
+            <a:off x="4300295" y="4923779"/>
+            <a:ext cx="636334" cy="369332"/>
+          </a:xfrm>
+          <a:prstGeom prst="rect">
+            <a:avLst/>
+          </a:prstGeom>
+          <a:noFill/>
+        </p:spPr>
+        <p:txBody>
+          <a:bodyPr wrap="square" rtlCol="0">
+            <a:spAutoFit/>
+          </a:bodyPr>
+          <a:lstStyle/>
+          <a:p>
+            <a:pPr algn="r"/>
+            <a:r>
+              <a:rPr lang="pt-BR" dirty="0"/>
+              <a:t>Peso</a:t>
+            </a:r>
+          </a:p>
+        </p:txBody>
+      </p:sp>
+      <p:cxnSp>
+        <p:nvCxnSpPr>
+          <p:cNvPr id="28" name="Conector reto 27">
+            <a:extLst>
+              <a:ext uri="{FF2B5EF4-FFF2-40B4-BE49-F238E27FC236}">
+                <a16:creationId xmlns:a16="http://schemas.microsoft.com/office/drawing/2014/main" id="{71BE268E-A73C-EBD6-430F-5DC7906AD0C9}"/>
+              </a:ext>
+            </a:extLst>
+          </p:cNvPr>
+          <p:cNvCxnSpPr/>
+          <p:nvPr/>
+        </p:nvCxnSpPr>
+        <p:spPr>
+          <a:xfrm>
+            <a:off x="976885" y="4744536"/>
+            <a:ext cx="1930484" cy="0"/>
+          </a:xfrm>
+          <a:prstGeom prst="line">
+            <a:avLst/>
+          </a:prstGeom>
+          <a:ln>
+            <a:solidFill>
+              <a:srgbClr val="FF0000"/>
+            </a:solidFill>
+            <a:prstDash val="dash"/>
+          </a:ln>
+        </p:spPr>
+        <p:style>
+          <a:lnRef idx="1">
+            <a:schemeClr val="accent1"/>
+          </a:lnRef>
+          <a:fillRef idx="0">
+            <a:schemeClr val="accent1"/>
+          </a:fillRef>
+          <a:effectRef idx="0">
+            <a:schemeClr val="accent1"/>
+          </a:effectRef>
+          <a:fontRef idx="minor">
+            <a:schemeClr val="tx1"/>
+          </a:fontRef>
+        </p:style>
+      </p:cxnSp>
+      <p:cxnSp>
+        <p:nvCxnSpPr>
+          <p:cNvPr id="30" name="Conector reto 29">
+            <a:extLst>
+              <a:ext uri="{FF2B5EF4-FFF2-40B4-BE49-F238E27FC236}">
+                <a16:creationId xmlns:a16="http://schemas.microsoft.com/office/drawing/2014/main" id="{75094F36-EDC3-CA21-125A-0EE943C62CCB}"/>
+              </a:ext>
+            </a:extLst>
+          </p:cNvPr>
+          <p:cNvCxnSpPr>
+            <a:cxnSpLocks/>
+          </p:cNvCxnSpPr>
+          <p:nvPr/>
+        </p:nvCxnSpPr>
+        <p:spPr>
+          <a:xfrm>
+            <a:off x="2902477" y="4736969"/>
+            <a:ext cx="0" cy="171598"/>
+          </a:xfrm>
+          <a:prstGeom prst="line">
+            <a:avLst/>
+          </a:prstGeom>
+          <a:ln>
+            <a:solidFill>
+              <a:srgbClr val="FF0000"/>
+            </a:solidFill>
+            <a:prstDash val="dash"/>
+          </a:ln>
+        </p:spPr>
+        <p:style>
+          <a:lnRef idx="1">
+            <a:schemeClr val="accent1"/>
+          </a:lnRef>
+          <a:fillRef idx="0">
+            <a:schemeClr val="accent1"/>
+          </a:fillRef>
+          <a:effectRef idx="0">
+            <a:schemeClr val="accent1"/>
+          </a:effectRef>
+          <a:fontRef idx="minor">
+            <a:schemeClr val="tx1"/>
+          </a:fontRef>
+        </p:style>
+      </p:cxnSp>
+      <p:sp>
+        <p:nvSpPr>
+          <p:cNvPr id="31" name="Elipse 30">
+            <a:extLst>
+              <a:ext uri="{FF2B5EF4-FFF2-40B4-BE49-F238E27FC236}">
+                <a16:creationId xmlns:a16="http://schemas.microsoft.com/office/drawing/2014/main" id="{4F74B96C-E784-361B-FC9A-C4EF081FD895}"/>
+              </a:ext>
+            </a:extLst>
+          </p:cNvPr>
+          <p:cNvSpPr/>
+          <p:nvPr/>
+        </p:nvSpPr>
+        <p:spPr>
+          <a:xfrm>
+            <a:off x="2879776" y="4721835"/>
+            <a:ext cx="42900" cy="42900"/>
+          </a:xfrm>
+          <a:prstGeom prst="ellipse">
+            <a:avLst/>
+          </a:prstGeom>
+          <a:solidFill>
+            <a:srgbClr val="FF0000"/>
+          </a:solidFill>
+          <a:ln>
+            <a:solidFill>
+              <a:srgbClr val="FF0000"/>
+            </a:solidFill>
+          </a:ln>
+        </p:spPr>
+        <p:style>
+          <a:lnRef idx="2">
+            <a:schemeClr val="accent1">
+              <a:shade val="15000"/>
+            </a:schemeClr>
+          </a:lnRef>
+          <a:fillRef idx="1">
+            <a:schemeClr val="accent1"/>
+          </a:fillRef>
+          <a:effectRef idx="0">
+            <a:schemeClr val="accent1"/>
+          </a:effectRef>
+          <a:fontRef idx="minor">
+            <a:schemeClr val="lt1"/>
+          </a:fontRef>
+        </p:style>
+        <p:txBody>
+          <a:bodyPr rtlCol="0" anchor="ctr"/>
+          <a:lstStyle/>
+          <a:p>
+            <a:pPr algn="ctr"/>
+            <a:endParaRPr lang="pt-BR" dirty="0"/>
+          </a:p>
+        </p:txBody>
+      </p:sp>
+      <p:sp>
+        <p:nvSpPr>
+          <p:cNvPr id="32" name="Elipse 31">
+            <a:extLst>
+              <a:ext uri="{FF2B5EF4-FFF2-40B4-BE49-F238E27FC236}">
+                <a16:creationId xmlns:a16="http://schemas.microsoft.com/office/drawing/2014/main" id="{671C9CA5-E5AD-29D4-50CD-004105724E54}"/>
+              </a:ext>
+            </a:extLst>
+          </p:cNvPr>
+          <p:cNvSpPr/>
+          <p:nvPr/>
+        </p:nvSpPr>
+        <p:spPr>
+          <a:xfrm>
+            <a:off x="1916798" y="4055384"/>
+            <a:ext cx="42900" cy="42900"/>
+          </a:xfrm>
+          <a:prstGeom prst="ellipse">
+            <a:avLst/>
+          </a:prstGeom>
+          <a:solidFill>
+            <a:schemeClr val="tx1"/>
+          </a:solidFill>
+          <a:ln>
+            <a:solidFill>
+              <a:schemeClr val="tx1"/>
+            </a:solidFill>
+          </a:ln>
+        </p:spPr>
+        <p:style>
+          <a:lnRef idx="2">
+            <a:schemeClr val="accent1">
+              <a:shade val="15000"/>
+            </a:schemeClr>
+          </a:lnRef>
+          <a:fillRef idx="1">
+            <a:schemeClr val="accent1"/>
+          </a:fillRef>
+          <a:effectRef idx="0">
+            <a:schemeClr val="accent1"/>
+          </a:effectRef>
+          <a:fontRef idx="minor">
+            <a:schemeClr val="lt1"/>
+          </a:fontRef>
+        </p:style>
+        <p:txBody>
+          <a:bodyPr rtlCol="0" anchor="ctr"/>
+          <a:lstStyle/>
+          <a:p>
+            <a:pPr algn="ctr"/>
+            <a:endParaRPr lang="pt-BR" dirty="0"/>
+          </a:p>
+        </p:txBody>
+      </p:sp>
+      <p:cxnSp>
+        <p:nvCxnSpPr>
+          <p:cNvPr id="33" name="Conector reto 32">
+            <a:extLst>
+              <a:ext uri="{FF2B5EF4-FFF2-40B4-BE49-F238E27FC236}">
+                <a16:creationId xmlns:a16="http://schemas.microsoft.com/office/drawing/2014/main" id="{55BCAC41-0745-6FC8-1A6E-02719DA867BC}"/>
+              </a:ext>
+            </a:extLst>
+          </p:cNvPr>
+          <p:cNvCxnSpPr/>
+          <p:nvPr/>
+        </p:nvCxnSpPr>
+        <p:spPr>
+          <a:xfrm>
+            <a:off x="976073" y="4076834"/>
+            <a:ext cx="972000" cy="0"/>
+          </a:xfrm>
+          <a:prstGeom prst="line">
+            <a:avLst/>
+          </a:prstGeom>
+          <a:ln>
+            <a:solidFill>
+              <a:schemeClr val="tx1"/>
+            </a:solidFill>
+            <a:prstDash val="dash"/>
+          </a:ln>
+        </p:spPr>
+        <p:style>
+          <a:lnRef idx="1">
+            <a:schemeClr val="accent1"/>
+          </a:lnRef>
+          <a:fillRef idx="0">
+            <a:schemeClr val="accent1"/>
+          </a:fillRef>
+          <a:effectRef idx="0">
+            <a:schemeClr val="accent1"/>
+          </a:effectRef>
+          <a:fontRef idx="minor">
+            <a:schemeClr val="tx1"/>
+          </a:fontRef>
+        </p:style>
+      </p:cxnSp>
+      <p:cxnSp>
+        <p:nvCxnSpPr>
+          <p:cNvPr id="34" name="Conector reto 33">
+            <a:extLst>
+              <a:ext uri="{FF2B5EF4-FFF2-40B4-BE49-F238E27FC236}">
+                <a16:creationId xmlns:a16="http://schemas.microsoft.com/office/drawing/2014/main" id="{58165A6F-4823-C968-4CC3-010FF73A64B6}"/>
+              </a:ext>
+            </a:extLst>
+          </p:cNvPr>
+          <p:cNvCxnSpPr>
+            <a:cxnSpLocks/>
+          </p:cNvCxnSpPr>
+          <p:nvPr/>
+        </p:nvCxnSpPr>
+        <p:spPr>
+          <a:xfrm>
+            <a:off x="1937945" y="4076834"/>
+            <a:ext cx="0" cy="828000"/>
+          </a:xfrm>
+          <a:prstGeom prst="line">
+            <a:avLst/>
+          </a:prstGeom>
+          <a:ln>
+            <a:solidFill>
+              <a:schemeClr val="tx1"/>
+            </a:solidFill>
+            <a:prstDash val="dash"/>
+          </a:ln>
+        </p:spPr>
+        <p:style>
+          <a:lnRef idx="1">
+            <a:schemeClr val="accent1"/>
+          </a:lnRef>
+          <a:fillRef idx="0">
+            <a:schemeClr val="accent1"/>
+          </a:fillRef>
+          <a:effectRef idx="0">
+            <a:schemeClr val="accent1"/>
+          </a:effectRef>
+          <a:fontRef idx="minor">
+            <a:schemeClr val="tx1"/>
+          </a:fontRef>
+        </p:style>
+      </p:cxnSp>
+      <p:sp>
+        <p:nvSpPr>
+          <p:cNvPr id="35" name="CaixaDeTexto 34">
+            <a:extLst>
+              <a:ext uri="{FF2B5EF4-FFF2-40B4-BE49-F238E27FC236}">
+                <a16:creationId xmlns:a16="http://schemas.microsoft.com/office/drawing/2014/main" id="{392D10D5-4FB0-851A-EF0A-524C94C0CD21}"/>
+              </a:ext>
+            </a:extLst>
+          </p:cNvPr>
+          <p:cNvSpPr txBox="1"/>
+          <p:nvPr/>
+        </p:nvSpPr>
+        <p:spPr>
+          <a:xfrm>
+            <a:off x="1900274" y="3980864"/>
+            <a:ext cx="1071476" cy="276999"/>
+          </a:xfrm>
+          <a:prstGeom prst="rect">
+            <a:avLst/>
+          </a:prstGeom>
+          <a:noFill/>
+        </p:spPr>
+        <p:txBody>
+          <a:bodyPr wrap="square" rtlCol="0">
+            <a:spAutoFit/>
+          </a:bodyPr>
+          <a:lstStyle/>
+          <a:p>
+            <a:pPr algn="ctr"/>
+            <a:r>
+              <a:rPr lang="pt-BR" sz="1200" dirty="0"/>
+              <a:t>Ponto inicial</a:t>
+            </a:r>
+          </a:p>
+        </p:txBody>
+      </p:sp>
+      <mc:AlternateContent xmlns:mc="http://schemas.openxmlformats.org/markup-compatibility/2006">
+        <mc:Choice xmlns:a14="http://schemas.microsoft.com/office/drawing/2010/main" Requires="a14">
+          <p:sp>
+            <p:nvSpPr>
+              <p:cNvPr id="36" name="CaixaDeTexto 35">
+                <a:extLst>
+                  <a:ext uri="{FF2B5EF4-FFF2-40B4-BE49-F238E27FC236}">
+                    <a16:creationId xmlns:a16="http://schemas.microsoft.com/office/drawing/2014/main" id="{FB65B051-0C1A-E311-B392-188679189CE2}"/>
+                  </a:ext>
+                </a:extLst>
+              </p:cNvPr>
+              <p:cNvSpPr txBox="1"/>
+              <p:nvPr/>
+            </p:nvSpPr>
+            <p:spPr>
+              <a:xfrm>
+                <a:off x="1727251" y="4865131"/>
+                <a:ext cx="867941" cy="307777"/>
+              </a:xfrm>
+              <a:prstGeom prst="rect">
+                <a:avLst/>
+              </a:prstGeom>
+              <a:noFill/>
+            </p:spPr>
+            <p:txBody>
+              <a:bodyPr wrap="square" rtlCol="0">
+                <a:spAutoFit/>
+              </a:bodyPr>
+              <a:lstStyle/>
+              <a:p>
+                <a:pPr algn="ctr"/>
+                <a14:m>
+                  <m:oMathPara xmlns:m="http://schemas.openxmlformats.org/officeDocument/2006/math">
+                    <m:oMathParaPr>
+                      <m:jc m:val="centerGroup"/>
+                    </m:oMathParaPr>
+                    <m:oMath xmlns:m="http://schemas.openxmlformats.org/officeDocument/2006/math">
+                      <m:sSub>
+                        <m:sSubPr>
+                          <m:ctrlPr>
+                            <a:rPr lang="pt-BR" sz="1400" i="1" smtClean="0">
+                              <a:latin typeface="Cambria Math" panose="02040503050406030204" pitchFamily="18" charset="0"/>
+                            </a:rPr>
+                          </m:ctrlPr>
+                        </m:sSubPr>
+                        <m:e>
+                          <m:r>
+                            <a:rPr lang="pt-BR" sz="1400" b="0" i="1" smtClean="0">
+                              <a:latin typeface="Cambria Math" panose="02040503050406030204" pitchFamily="18" charset="0"/>
+                            </a:rPr>
+                            <m:t>𝑎</m:t>
+                          </m:r>
+                        </m:e>
+                        <m:sub>
+                          <m:r>
+                            <m:rPr>
+                              <m:sty m:val="p"/>
+                            </m:rPr>
+                            <a:rPr lang="pt-BR" sz="1400" b="0" i="0" smtClean="0">
+                              <a:latin typeface="Cambria Math" panose="02040503050406030204" pitchFamily="18" charset="0"/>
+                            </a:rPr>
+                            <m:t>inicial</m:t>
+                          </m:r>
+                        </m:sub>
+                      </m:sSub>
+                    </m:oMath>
+                  </m:oMathPara>
+                </a14:m>
+                <a:endParaRPr lang="pt-BR" sz="1400" dirty="0"/>
+              </a:p>
+            </p:txBody>
+          </p:sp>
+        </mc:Choice>
+        <mc:Fallback>
+          <p:sp>
+            <p:nvSpPr>
+              <p:cNvPr id="36" name="CaixaDeTexto 35">
+                <a:extLst>
+                  <a:ext uri="{FF2B5EF4-FFF2-40B4-BE49-F238E27FC236}">
+                    <a16:creationId xmlns:a16="http://schemas.microsoft.com/office/drawing/2014/main" id="{FB65B051-0C1A-E311-B392-188679189CE2}"/>
+                  </a:ext>
+                </a:extLst>
+              </p:cNvPr>
+              <p:cNvSpPr txBox="1">
+                <a:spLocks noRot="1" noChangeAspect="1" noMove="1" noResize="1" noEditPoints="1" noAdjustHandles="1" noChangeArrowheads="1" noChangeShapeType="1" noTextEdit="1"/>
+              </p:cNvSpPr>
+              <p:nvPr/>
+            </p:nvSpPr>
+            <p:spPr>
+              <a:xfrm>
+                <a:off x="1727251" y="4865131"/>
+                <a:ext cx="867941" cy="307777"/>
+              </a:xfrm>
+              <a:prstGeom prst="rect">
+                <a:avLst/>
+              </a:prstGeom>
+              <a:blipFill>
+                <a:blip r:embed="rId4"/>
+                <a:stretch>
+                  <a:fillRect/>
+                </a:stretch>
+              </a:blipFill>
+            </p:spPr>
+            <p:txBody>
+              <a:bodyPr/>
+              <a:lstStyle/>
+              <a:p>
+                <a:r>
+                  <a:rPr lang="pt-BR">
+                    <a:noFill/>
+                  </a:rPr>
+                  <a:t> </a:t>
+                </a:r>
+              </a:p>
+            </p:txBody>
+          </p:sp>
+        </mc:Fallback>
+      </mc:AlternateContent>
+      <mc:AlternateContent xmlns:mc="http://schemas.openxmlformats.org/markup-compatibility/2006">
+        <mc:Choice xmlns:a14="http://schemas.microsoft.com/office/drawing/2010/main" Requires="a14">
+          <p:sp>
+            <p:nvSpPr>
+              <p:cNvPr id="37" name="CaixaDeTexto 36">
+                <a:extLst>
+                  <a:ext uri="{FF2B5EF4-FFF2-40B4-BE49-F238E27FC236}">
+                    <a16:creationId xmlns:a16="http://schemas.microsoft.com/office/drawing/2014/main" id="{085EEAC7-A39B-8E54-1ABE-192465A83EF9}"/>
+                  </a:ext>
+                </a:extLst>
+              </p:cNvPr>
+              <p:cNvSpPr txBox="1"/>
+              <p:nvPr/>
+            </p:nvSpPr>
+            <p:spPr>
+              <a:xfrm>
+                <a:off x="2671712" y="4867795"/>
+                <a:ext cx="867941" cy="307777"/>
+              </a:xfrm>
+              <a:prstGeom prst="rect">
+                <a:avLst/>
+              </a:prstGeom>
+              <a:noFill/>
+            </p:spPr>
+            <p:txBody>
+              <a:bodyPr wrap="square" rtlCol="0">
+                <a:spAutoFit/>
+              </a:bodyPr>
+              <a:lstStyle/>
+              <a:p>
+                <a:pPr algn="ctr"/>
+                <a14:m>
+                  <m:oMathPara xmlns:m="http://schemas.openxmlformats.org/officeDocument/2006/math">
+                    <m:oMathParaPr>
+                      <m:jc m:val="centerGroup"/>
+                    </m:oMathParaPr>
+                    <m:oMath xmlns:m="http://schemas.openxmlformats.org/officeDocument/2006/math">
+                      <m:sSub>
+                        <m:sSubPr>
+                          <m:ctrlPr>
+                            <a:rPr lang="pt-BR" sz="1400" i="1" smtClean="0">
+                              <a:latin typeface="Cambria Math" panose="02040503050406030204" pitchFamily="18" charset="0"/>
+                            </a:rPr>
+                          </m:ctrlPr>
+                        </m:sSubPr>
+                        <m:e>
+                          <m:r>
+                            <a:rPr lang="pt-BR" sz="1400" b="0" i="1" smtClean="0">
+                              <a:latin typeface="Cambria Math" panose="02040503050406030204" pitchFamily="18" charset="0"/>
+                            </a:rPr>
+                            <m:t>𝑎</m:t>
+                          </m:r>
+                        </m:e>
+                        <m:sub>
+                          <m:r>
+                            <a:rPr lang="pt-BR" sz="1400" b="0" i="0" smtClean="0">
+                              <a:latin typeface="Cambria Math" panose="02040503050406030204" pitchFamily="18" charset="0"/>
+                            </a:rPr>
+                            <m:t>ó</m:t>
+                          </m:r>
+                          <m:r>
+                            <m:rPr>
+                              <m:sty m:val="p"/>
+                            </m:rPr>
+                            <a:rPr lang="pt-BR" sz="1400" b="0" i="0" smtClean="0">
+                              <a:latin typeface="Cambria Math" panose="02040503050406030204" pitchFamily="18" charset="0"/>
+                            </a:rPr>
+                            <m:t>timo</m:t>
+                          </m:r>
+                        </m:sub>
+                      </m:sSub>
+                    </m:oMath>
+                  </m:oMathPara>
+                </a14:m>
+                <a:endParaRPr lang="pt-BR" sz="1400" dirty="0"/>
+              </a:p>
+            </p:txBody>
+          </p:sp>
+        </mc:Choice>
+        <mc:Fallback>
+          <p:sp>
+            <p:nvSpPr>
+              <p:cNvPr id="37" name="CaixaDeTexto 36">
+                <a:extLst>
+                  <a:ext uri="{FF2B5EF4-FFF2-40B4-BE49-F238E27FC236}">
+                    <a16:creationId xmlns:a16="http://schemas.microsoft.com/office/drawing/2014/main" id="{085EEAC7-A39B-8E54-1ABE-192465A83EF9}"/>
+                  </a:ext>
+                </a:extLst>
+              </p:cNvPr>
+              <p:cNvSpPr txBox="1">
+                <a:spLocks noRot="1" noChangeAspect="1" noMove="1" noResize="1" noEditPoints="1" noAdjustHandles="1" noChangeArrowheads="1" noChangeShapeType="1" noTextEdit="1"/>
+              </p:cNvSpPr>
+              <p:nvPr/>
+            </p:nvSpPr>
+            <p:spPr>
+              <a:xfrm>
+                <a:off x="2671712" y="4867795"/>
+                <a:ext cx="867941" cy="307777"/>
+              </a:xfrm>
+              <a:prstGeom prst="rect">
+                <a:avLst/>
+              </a:prstGeom>
+              <a:blipFill>
+                <a:blip r:embed="rId5"/>
+                <a:stretch>
+                  <a:fillRect/>
+                </a:stretch>
+              </a:blipFill>
+            </p:spPr>
+            <p:txBody>
+              <a:bodyPr/>
+              <a:lstStyle/>
+              <a:p>
+                <a:r>
+                  <a:rPr lang="pt-BR">
+                    <a:noFill/>
+                  </a:rPr>
+                  <a:t> </a:t>
+                </a:r>
+              </a:p>
+            </p:txBody>
+          </p:sp>
+        </mc:Fallback>
+      </mc:AlternateContent>
+      <p:sp>
+        <p:nvSpPr>
+          <p:cNvPr id="12" name="Elipse 11">
+            <a:extLst>
+              <a:ext uri="{FF2B5EF4-FFF2-40B4-BE49-F238E27FC236}">
+                <a16:creationId xmlns:a16="http://schemas.microsoft.com/office/drawing/2014/main" id="{5B563BA0-E378-3A17-97FE-B854F1F16851}"/>
+              </a:ext>
+            </a:extLst>
+          </p:cNvPr>
+          <p:cNvSpPr/>
+          <p:nvPr/>
+        </p:nvSpPr>
+        <p:spPr>
+          <a:xfrm>
+            <a:off x="1627867" y="3679240"/>
+            <a:ext cx="42900" cy="42900"/>
+          </a:xfrm>
+          <a:prstGeom prst="ellipse">
+            <a:avLst/>
+          </a:prstGeom>
+          <a:solidFill>
+            <a:schemeClr val="tx1"/>
+          </a:solidFill>
+          <a:ln>
+            <a:solidFill>
+              <a:schemeClr val="tx1"/>
+            </a:solidFill>
+          </a:ln>
+        </p:spPr>
+        <p:style>
+          <a:lnRef idx="2">
+            <a:schemeClr val="accent1">
+              <a:shade val="15000"/>
+            </a:schemeClr>
+          </a:lnRef>
+          <a:fillRef idx="1">
+            <a:schemeClr val="accent1"/>
+          </a:fillRef>
+          <a:effectRef idx="0">
+            <a:schemeClr val="accent1"/>
+          </a:effectRef>
+          <a:fontRef idx="minor">
+            <a:schemeClr val="lt1"/>
+          </a:fontRef>
+        </p:style>
+        <p:txBody>
+          <a:bodyPr rtlCol="0" anchor="ctr"/>
+          <a:lstStyle/>
+          <a:p>
+            <a:pPr algn="ctr"/>
+            <a:endParaRPr lang="pt-BR" dirty="0"/>
+          </a:p>
+        </p:txBody>
+      </p:sp>
+      <p:sp>
+        <p:nvSpPr>
+          <p:cNvPr id="13" name="Elipse 12">
+            <a:extLst>
+              <a:ext uri="{FF2B5EF4-FFF2-40B4-BE49-F238E27FC236}">
+                <a16:creationId xmlns:a16="http://schemas.microsoft.com/office/drawing/2014/main" id="{E968D954-3A1A-EEFB-4E47-00D7C7965803}"/>
+              </a:ext>
+            </a:extLst>
+          </p:cNvPr>
+          <p:cNvSpPr/>
+          <p:nvPr/>
+        </p:nvSpPr>
+        <p:spPr>
+          <a:xfrm>
+            <a:off x="3860692" y="3937964"/>
+            <a:ext cx="42900" cy="42900"/>
+          </a:xfrm>
+          <a:prstGeom prst="ellipse">
+            <a:avLst/>
+          </a:prstGeom>
+          <a:solidFill>
+            <a:schemeClr val="tx1"/>
+          </a:solidFill>
+          <a:ln>
+            <a:solidFill>
+              <a:schemeClr val="tx1"/>
+            </a:solidFill>
+          </a:ln>
+        </p:spPr>
+        <p:style>
+          <a:lnRef idx="2">
+            <a:schemeClr val="accent1">
+              <a:shade val="15000"/>
+            </a:schemeClr>
+          </a:lnRef>
+          <a:fillRef idx="1">
+            <a:schemeClr val="accent1"/>
+          </a:fillRef>
+          <a:effectRef idx="0">
+            <a:schemeClr val="accent1"/>
+          </a:effectRef>
+          <a:fontRef idx="minor">
+            <a:schemeClr val="lt1"/>
+          </a:fontRef>
+        </p:style>
+        <p:txBody>
+          <a:bodyPr rtlCol="0" anchor="ctr"/>
+          <a:lstStyle/>
+          <a:p>
+            <a:pPr algn="ctr"/>
+            <a:endParaRPr lang="pt-BR" dirty="0"/>
+          </a:p>
+        </p:txBody>
+      </p:sp>
+      <p:sp>
+        <p:nvSpPr>
+          <p:cNvPr id="14" name="Elipse 13">
+            <a:extLst>
+              <a:ext uri="{FF2B5EF4-FFF2-40B4-BE49-F238E27FC236}">
+                <a16:creationId xmlns:a16="http://schemas.microsoft.com/office/drawing/2014/main" id="{7A59E676-E956-52B1-0902-CBD97A81139E}"/>
+              </a:ext>
+            </a:extLst>
+          </p:cNvPr>
+          <p:cNvSpPr/>
+          <p:nvPr/>
+        </p:nvSpPr>
+        <p:spPr>
+          <a:xfrm>
+            <a:off x="4286854" y="3358565"/>
+            <a:ext cx="42900" cy="42900"/>
+          </a:xfrm>
+          <a:prstGeom prst="ellipse">
+            <a:avLst/>
+          </a:prstGeom>
+          <a:solidFill>
+            <a:schemeClr val="tx1"/>
+          </a:solidFill>
+          <a:ln>
+            <a:solidFill>
+              <a:schemeClr val="tx1"/>
+            </a:solidFill>
+          </a:ln>
+        </p:spPr>
+        <p:style>
+          <a:lnRef idx="2">
+            <a:schemeClr val="accent1">
+              <a:shade val="15000"/>
+            </a:schemeClr>
+          </a:lnRef>
+          <a:fillRef idx="1">
+            <a:schemeClr val="accent1"/>
+          </a:fillRef>
+          <a:effectRef idx="0">
+            <a:schemeClr val="accent1"/>
+          </a:effectRef>
+          <a:fontRef idx="minor">
+            <a:schemeClr val="lt1"/>
+          </a:fontRef>
+        </p:style>
+        <p:txBody>
+          <a:bodyPr rtlCol="0" anchor="ctr"/>
+          <a:lstStyle/>
+          <a:p>
+            <a:pPr algn="ctr"/>
+            <a:endParaRPr lang="pt-BR" dirty="0"/>
+          </a:p>
+        </p:txBody>
+      </p:sp>
+      <p:sp>
+        <p:nvSpPr>
+          <p:cNvPr id="15" name="Elipse 14">
+            <a:extLst>
+              <a:ext uri="{FF2B5EF4-FFF2-40B4-BE49-F238E27FC236}">
+                <a16:creationId xmlns:a16="http://schemas.microsoft.com/office/drawing/2014/main" id="{1EBB8C24-58B5-9A66-A8FC-5E5CE61DE597}"/>
+              </a:ext>
+            </a:extLst>
+          </p:cNvPr>
+          <p:cNvSpPr/>
+          <p:nvPr/>
+        </p:nvSpPr>
+        <p:spPr>
+          <a:xfrm>
+            <a:off x="1329185" y="3237497"/>
+            <a:ext cx="42900" cy="42900"/>
+          </a:xfrm>
+          <a:prstGeom prst="ellipse">
+            <a:avLst/>
+          </a:prstGeom>
+          <a:solidFill>
+            <a:schemeClr val="tx1"/>
+          </a:solidFill>
+          <a:ln>
+            <a:solidFill>
+              <a:schemeClr val="tx1"/>
+            </a:solidFill>
+          </a:ln>
+        </p:spPr>
+        <p:style>
+          <a:lnRef idx="2">
+            <a:schemeClr val="accent1">
+              <a:shade val="15000"/>
+            </a:schemeClr>
+          </a:lnRef>
+          <a:fillRef idx="1">
+            <a:schemeClr val="accent1"/>
+          </a:fillRef>
+          <a:effectRef idx="0">
+            <a:schemeClr val="accent1"/>
+          </a:effectRef>
+          <a:fontRef idx="minor">
+            <a:schemeClr val="lt1"/>
+          </a:fontRef>
+        </p:style>
+        <p:txBody>
+          <a:bodyPr rtlCol="0" anchor="ctr"/>
+          <a:lstStyle/>
+          <a:p>
+            <a:pPr algn="ctr"/>
+            <a:endParaRPr lang="pt-BR" dirty="0"/>
+          </a:p>
+        </p:txBody>
+      </p:sp>
+      <p:sp>
+        <p:nvSpPr>
+          <p:cNvPr id="17" name="Elipse 16">
+            <a:extLst>
+              <a:ext uri="{FF2B5EF4-FFF2-40B4-BE49-F238E27FC236}">
+                <a16:creationId xmlns:a16="http://schemas.microsoft.com/office/drawing/2014/main" id="{23390379-6E1F-E439-E024-14CB2C3DA972}"/>
+              </a:ext>
+            </a:extLst>
+          </p:cNvPr>
+          <p:cNvSpPr/>
+          <p:nvPr/>
+        </p:nvSpPr>
+        <p:spPr>
+          <a:xfrm>
+            <a:off x="4556729" y="3018840"/>
+            <a:ext cx="42900" cy="42900"/>
+          </a:xfrm>
+          <a:prstGeom prst="ellipse">
+            <a:avLst/>
+          </a:prstGeom>
+          <a:solidFill>
+            <a:schemeClr val="tx1"/>
+          </a:solidFill>
+          <a:ln>
+            <a:solidFill>
+              <a:schemeClr val="tx1"/>
+            </a:solidFill>
+          </a:ln>
+        </p:spPr>
+        <p:style>
+          <a:lnRef idx="2">
+            <a:schemeClr val="accent1">
+              <a:shade val="15000"/>
+            </a:schemeClr>
+          </a:lnRef>
+          <a:fillRef idx="1">
+            <a:schemeClr val="accent1"/>
+          </a:fillRef>
+          <a:effectRef idx="0">
+            <a:schemeClr val="accent1"/>
+          </a:effectRef>
+          <a:fontRef idx="minor">
+            <a:schemeClr val="lt1"/>
+          </a:fontRef>
+        </p:style>
+        <p:txBody>
+          <a:bodyPr rtlCol="0" anchor="ctr"/>
+          <a:lstStyle/>
+          <a:p>
+            <a:pPr algn="ctr"/>
+            <a:endParaRPr lang="pt-BR" dirty="0"/>
+          </a:p>
+        </p:txBody>
+      </p:sp>
+      <p:sp>
+        <p:nvSpPr>
+          <p:cNvPr id="21" name="Forma Livre: Forma 20">
+            <a:extLst>
+              <a:ext uri="{FF2B5EF4-FFF2-40B4-BE49-F238E27FC236}">
+                <a16:creationId xmlns:a16="http://schemas.microsoft.com/office/drawing/2014/main" id="{B640F571-9B12-CCD9-8EFD-D2112AA8C4E3}"/>
+              </a:ext>
+            </a:extLst>
+          </p:cNvPr>
+          <p:cNvSpPr/>
+          <p:nvPr/>
+        </p:nvSpPr>
+        <p:spPr>
+          <a:xfrm>
+            <a:off x="1962150" y="3788763"/>
+            <a:ext cx="1914525" cy="292700"/>
+          </a:xfrm>
+          <a:custGeom>
+            <a:avLst/>
+            <a:gdLst>
+              <a:gd name="connsiteX0" fmla="*/ 0 w 1914525"/>
+              <a:gd name="connsiteY0" fmla="*/ 292700 h 292700"/>
+              <a:gd name="connsiteX1" fmla="*/ 695325 w 1914525"/>
+              <a:gd name="connsiteY1" fmla="*/ 2187 h 292700"/>
+              <a:gd name="connsiteX2" fmla="*/ 1914525 w 1914525"/>
+              <a:gd name="connsiteY2" fmla="*/ 164112 h 292700"/>
+            </a:gdLst>
+            <a:ahLst/>
+            <a:cxnLst>
+              <a:cxn ang="0">
+                <a:pos x="connsiteX0" y="connsiteY0"/>
+              </a:cxn>
+              <a:cxn ang="0">
+                <a:pos x="connsiteX1" y="connsiteY1"/>
+              </a:cxn>
+              <a:cxn ang="0">
+                <a:pos x="connsiteX2" y="connsiteY2"/>
+              </a:cxn>
+            </a:cxnLst>
+            <a:rect l="l" t="t" r="r" b="b"/>
+            <a:pathLst>
+              <a:path w="1914525" h="292700">
+                <a:moveTo>
+                  <a:pt x="0" y="292700"/>
+                </a:moveTo>
+                <a:cubicBezTo>
+                  <a:pt x="188119" y="158159"/>
+                  <a:pt x="376238" y="23618"/>
+                  <a:pt x="695325" y="2187"/>
+                </a:cubicBezTo>
+                <a:cubicBezTo>
+                  <a:pt x="1014413" y="-19244"/>
+                  <a:pt x="1651794" y="122837"/>
+                  <a:pt x="1914525" y="164112"/>
+                </a:cubicBezTo>
+              </a:path>
+            </a:pathLst>
+          </a:custGeom>
+          <a:noFill/>
+          <a:ln w="6350">
+            <a:solidFill>
+              <a:schemeClr val="tx1"/>
+            </a:solidFill>
+            <a:prstDash val="sysDash"/>
+            <a:headEnd type="none" w="med" len="med"/>
+            <a:tailEnd type="triangle" w="med" len="med"/>
+          </a:ln>
+        </p:spPr>
+        <p:style>
+          <a:lnRef idx="2">
+            <a:schemeClr val="accent1">
+              <a:shade val="15000"/>
+            </a:schemeClr>
+          </a:lnRef>
+          <a:fillRef idx="1">
+            <a:schemeClr val="accent1"/>
+          </a:fillRef>
+          <a:effectRef idx="0">
+            <a:schemeClr val="accent1"/>
+          </a:effectRef>
+          <a:fontRef idx="minor">
+            <a:schemeClr val="lt1"/>
+          </a:fontRef>
+        </p:style>
+        <p:txBody>
+          <a:bodyPr rtlCol="0" anchor="ctr"/>
+          <a:lstStyle/>
+          <a:p>
+            <a:pPr algn="ctr"/>
+            <a:endParaRPr lang="pt-BR"/>
+          </a:p>
+        </p:txBody>
+      </p:sp>
+      <p:sp>
+        <p:nvSpPr>
+          <p:cNvPr id="23" name="Forma Livre: Forma 22">
+            <a:extLst>
+              <a:ext uri="{FF2B5EF4-FFF2-40B4-BE49-F238E27FC236}">
+                <a16:creationId xmlns:a16="http://schemas.microsoft.com/office/drawing/2014/main" id="{F0968180-C17A-4999-BE8C-1996E774567C}"/>
+              </a:ext>
+            </a:extLst>
+          </p:cNvPr>
+          <p:cNvSpPr/>
+          <p:nvPr/>
+        </p:nvSpPr>
+        <p:spPr>
+          <a:xfrm>
+            <a:off x="1647825" y="3492559"/>
+            <a:ext cx="2224088" cy="455554"/>
+          </a:xfrm>
+          <a:custGeom>
+            <a:avLst/>
+            <a:gdLst>
+              <a:gd name="connsiteX0" fmla="*/ 2224088 w 2224088"/>
+              <a:gd name="connsiteY0" fmla="*/ 455554 h 455554"/>
+              <a:gd name="connsiteX1" fmla="*/ 1181100 w 2224088"/>
+              <a:gd name="connsiteY1" fmla="*/ 7879 h 455554"/>
+              <a:gd name="connsiteX2" fmla="*/ 0 w 2224088"/>
+              <a:gd name="connsiteY2" fmla="*/ 212666 h 455554"/>
+            </a:gdLst>
+            <a:ahLst/>
+            <a:cxnLst>
+              <a:cxn ang="0">
+                <a:pos x="connsiteX0" y="connsiteY0"/>
+              </a:cxn>
+              <a:cxn ang="0">
+                <a:pos x="connsiteX1" y="connsiteY1"/>
+              </a:cxn>
+              <a:cxn ang="0">
+                <a:pos x="connsiteX2" y="connsiteY2"/>
+              </a:cxn>
+            </a:cxnLst>
+            <a:rect l="l" t="t" r="r" b="b"/>
+            <a:pathLst>
+              <a:path w="2224088" h="455554">
+                <a:moveTo>
+                  <a:pt x="2224088" y="455554"/>
+                </a:moveTo>
+                <a:cubicBezTo>
+                  <a:pt x="1887934" y="251957"/>
+                  <a:pt x="1551781" y="48360"/>
+                  <a:pt x="1181100" y="7879"/>
+                </a:cubicBezTo>
+                <a:cubicBezTo>
+                  <a:pt x="810419" y="-32602"/>
+                  <a:pt x="405209" y="90032"/>
+                  <a:pt x="0" y="212666"/>
+                </a:cubicBezTo>
+              </a:path>
+            </a:pathLst>
+          </a:custGeom>
+          <a:noFill/>
+          <a:ln w="6350">
+            <a:solidFill>
+              <a:schemeClr val="tx1"/>
+            </a:solidFill>
+            <a:prstDash val="sysDash"/>
+            <a:headEnd type="none" w="med" len="med"/>
+            <a:tailEnd type="triangle" w="med" len="med"/>
+          </a:ln>
+        </p:spPr>
+        <p:style>
+          <a:lnRef idx="2">
+            <a:schemeClr val="accent1">
+              <a:shade val="15000"/>
+            </a:schemeClr>
+          </a:lnRef>
+          <a:fillRef idx="1">
+            <a:schemeClr val="accent1"/>
+          </a:fillRef>
+          <a:effectRef idx="0">
+            <a:schemeClr val="accent1"/>
+          </a:effectRef>
+          <a:fontRef idx="minor">
+            <a:schemeClr val="lt1"/>
+          </a:fontRef>
+        </p:style>
+        <p:txBody>
+          <a:bodyPr rtlCol="0" anchor="ctr"/>
+          <a:lstStyle/>
+          <a:p>
+            <a:pPr algn="ctr"/>
+            <a:endParaRPr lang="pt-BR"/>
+          </a:p>
+        </p:txBody>
+      </p:sp>
+      <p:sp>
+        <p:nvSpPr>
+          <p:cNvPr id="24" name="Forma Livre: Forma 23">
+            <a:extLst>
+              <a:ext uri="{FF2B5EF4-FFF2-40B4-BE49-F238E27FC236}">
+                <a16:creationId xmlns:a16="http://schemas.microsoft.com/office/drawing/2014/main" id="{B6FF6AE7-D340-CC3C-9D4E-ABD2740882E5}"/>
+              </a:ext>
+            </a:extLst>
+          </p:cNvPr>
+          <p:cNvSpPr/>
+          <p:nvPr/>
+        </p:nvSpPr>
+        <p:spPr>
+          <a:xfrm>
+            <a:off x="1647825" y="3178360"/>
+            <a:ext cx="2667000" cy="517340"/>
+          </a:xfrm>
+          <a:custGeom>
+            <a:avLst/>
+            <a:gdLst>
+              <a:gd name="connsiteX0" fmla="*/ 0 w 2667000"/>
+              <a:gd name="connsiteY0" fmla="*/ 517340 h 517340"/>
+              <a:gd name="connsiteX1" fmla="*/ 1042988 w 2667000"/>
+              <a:gd name="connsiteY1" fmla="*/ 12515 h 517340"/>
+              <a:gd name="connsiteX2" fmla="*/ 2667000 w 2667000"/>
+              <a:gd name="connsiteY2" fmla="*/ 203015 h 517340"/>
+            </a:gdLst>
+            <a:ahLst/>
+            <a:cxnLst>
+              <a:cxn ang="0">
+                <a:pos x="connsiteX0" y="connsiteY0"/>
+              </a:cxn>
+              <a:cxn ang="0">
+                <a:pos x="connsiteX1" y="connsiteY1"/>
+              </a:cxn>
+              <a:cxn ang="0">
+                <a:pos x="connsiteX2" y="connsiteY2"/>
+              </a:cxn>
+            </a:cxnLst>
+            <a:rect l="l" t="t" r="r" b="b"/>
+            <a:pathLst>
+              <a:path w="2667000" h="517340">
+                <a:moveTo>
+                  <a:pt x="0" y="517340"/>
+                </a:moveTo>
+                <a:cubicBezTo>
+                  <a:pt x="299244" y="291121"/>
+                  <a:pt x="598488" y="64903"/>
+                  <a:pt x="1042988" y="12515"/>
+                </a:cubicBezTo>
+                <a:cubicBezTo>
+                  <a:pt x="1487488" y="-39873"/>
+                  <a:pt x="2077244" y="81571"/>
+                  <a:pt x="2667000" y="203015"/>
+                </a:cubicBezTo>
+              </a:path>
+            </a:pathLst>
+          </a:custGeom>
+          <a:noFill/>
+          <a:ln w="6350">
+            <a:solidFill>
+              <a:schemeClr val="tx1"/>
+            </a:solidFill>
+            <a:prstDash val="sysDash"/>
+            <a:headEnd type="none" w="med" len="med"/>
+            <a:tailEnd type="triangle" w="med" len="med"/>
+          </a:ln>
+        </p:spPr>
+        <p:style>
+          <a:lnRef idx="2">
+            <a:schemeClr val="accent1">
+              <a:shade val="15000"/>
+            </a:schemeClr>
+          </a:lnRef>
+          <a:fillRef idx="1">
+            <a:schemeClr val="accent1"/>
+          </a:fillRef>
+          <a:effectRef idx="0">
+            <a:schemeClr val="accent1"/>
+          </a:effectRef>
+          <a:fontRef idx="minor">
+            <a:schemeClr val="lt1"/>
+          </a:fontRef>
+        </p:style>
+        <p:txBody>
+          <a:bodyPr rtlCol="0" anchor="ctr"/>
+          <a:lstStyle/>
+          <a:p>
+            <a:pPr algn="ctr"/>
+            <a:endParaRPr lang="pt-BR"/>
+          </a:p>
+        </p:txBody>
+      </p:sp>
+      <p:sp>
+        <p:nvSpPr>
+          <p:cNvPr id="25" name="Forma Livre: Forma 24">
+            <a:extLst>
+              <a:ext uri="{FF2B5EF4-FFF2-40B4-BE49-F238E27FC236}">
+                <a16:creationId xmlns:a16="http://schemas.microsoft.com/office/drawing/2014/main" id="{6E85C26E-1CD4-6AFF-0651-5530F449B578}"/>
+              </a:ext>
+            </a:extLst>
+          </p:cNvPr>
+          <p:cNvSpPr/>
+          <p:nvPr/>
+        </p:nvSpPr>
+        <p:spPr>
+          <a:xfrm>
+            <a:off x="1357313" y="2951336"/>
+            <a:ext cx="2962275" cy="415752"/>
+          </a:xfrm>
+          <a:custGeom>
+            <a:avLst/>
+            <a:gdLst>
+              <a:gd name="connsiteX0" fmla="*/ 2962275 w 2962275"/>
+              <a:gd name="connsiteY0" fmla="*/ 415752 h 415752"/>
+              <a:gd name="connsiteX1" fmla="*/ 1333500 w 2962275"/>
+              <a:gd name="connsiteY1" fmla="*/ 1414 h 415752"/>
+              <a:gd name="connsiteX2" fmla="*/ 0 w 2962275"/>
+              <a:gd name="connsiteY2" fmla="*/ 306214 h 415752"/>
+            </a:gdLst>
+            <a:ahLst/>
+            <a:cxnLst>
+              <a:cxn ang="0">
+                <a:pos x="connsiteX0" y="connsiteY0"/>
+              </a:cxn>
+              <a:cxn ang="0">
+                <a:pos x="connsiteX1" y="connsiteY1"/>
+              </a:cxn>
+              <a:cxn ang="0">
+                <a:pos x="connsiteX2" y="connsiteY2"/>
+              </a:cxn>
+            </a:cxnLst>
+            <a:rect l="l" t="t" r="r" b="b"/>
+            <a:pathLst>
+              <a:path w="2962275" h="415752">
+                <a:moveTo>
+                  <a:pt x="2962275" y="415752"/>
+                </a:moveTo>
+                <a:cubicBezTo>
+                  <a:pt x="2394743" y="217711"/>
+                  <a:pt x="1827212" y="19670"/>
+                  <a:pt x="1333500" y="1414"/>
+                </a:cubicBezTo>
+                <a:cubicBezTo>
+                  <a:pt x="839787" y="-16842"/>
+                  <a:pt x="419893" y="144686"/>
+                  <a:pt x="0" y="306214"/>
+                </a:cubicBezTo>
+              </a:path>
+            </a:pathLst>
+          </a:custGeom>
+          <a:noFill/>
+          <a:ln w="6350">
+            <a:solidFill>
+              <a:schemeClr val="tx1"/>
+            </a:solidFill>
+            <a:prstDash val="sysDash"/>
+            <a:headEnd type="none" w="med" len="med"/>
+            <a:tailEnd type="triangle" w="med" len="med"/>
+          </a:ln>
+        </p:spPr>
+        <p:style>
+          <a:lnRef idx="2">
+            <a:schemeClr val="accent1">
+              <a:shade val="15000"/>
+            </a:schemeClr>
+          </a:lnRef>
+          <a:fillRef idx="1">
+            <a:schemeClr val="accent1"/>
+          </a:fillRef>
+          <a:effectRef idx="0">
+            <a:schemeClr val="accent1"/>
+          </a:effectRef>
+          <a:fontRef idx="minor">
+            <a:schemeClr val="lt1"/>
+          </a:fontRef>
+        </p:style>
+        <p:txBody>
+          <a:bodyPr rtlCol="0" anchor="ctr"/>
+          <a:lstStyle/>
+          <a:p>
+            <a:pPr algn="ctr"/>
+            <a:endParaRPr lang="pt-BR"/>
+          </a:p>
+        </p:txBody>
+      </p:sp>
+      <p:sp>
+        <p:nvSpPr>
+          <p:cNvPr id="41" name="Forma Livre: Forma 40">
+            <a:extLst>
+              <a:ext uri="{FF2B5EF4-FFF2-40B4-BE49-F238E27FC236}">
+                <a16:creationId xmlns:a16="http://schemas.microsoft.com/office/drawing/2014/main" id="{E191B056-71F7-5DFD-E5ED-20A36EBF466C}"/>
+              </a:ext>
+            </a:extLst>
+          </p:cNvPr>
+          <p:cNvSpPr/>
+          <p:nvPr/>
+        </p:nvSpPr>
+        <p:spPr>
+          <a:xfrm>
+            <a:off x="1347788" y="2704740"/>
+            <a:ext cx="3238500" cy="557573"/>
+          </a:xfrm>
+          <a:custGeom>
+            <a:avLst/>
+            <a:gdLst>
+              <a:gd name="connsiteX0" fmla="*/ 0 w 3238500"/>
+              <a:gd name="connsiteY0" fmla="*/ 557573 h 557573"/>
+              <a:gd name="connsiteX1" fmla="*/ 1409700 w 3238500"/>
+              <a:gd name="connsiteY1" fmla="*/ 5123 h 557573"/>
+              <a:gd name="connsiteX2" fmla="*/ 3238500 w 3238500"/>
+              <a:gd name="connsiteY2" fmla="*/ 328973 h 557573"/>
+            </a:gdLst>
+            <a:ahLst/>
+            <a:cxnLst>
+              <a:cxn ang="0">
+                <a:pos x="connsiteX0" y="connsiteY0"/>
+              </a:cxn>
+              <a:cxn ang="0">
+                <a:pos x="connsiteX1" y="connsiteY1"/>
+              </a:cxn>
+              <a:cxn ang="0">
+                <a:pos x="connsiteX2" y="connsiteY2"/>
+              </a:cxn>
+            </a:cxnLst>
+            <a:rect l="l" t="t" r="r" b="b"/>
+            <a:pathLst>
+              <a:path w="3238500" h="557573">
+                <a:moveTo>
+                  <a:pt x="0" y="557573"/>
+                </a:moveTo>
+                <a:cubicBezTo>
+                  <a:pt x="434975" y="300398"/>
+                  <a:pt x="869950" y="43223"/>
+                  <a:pt x="1409700" y="5123"/>
+                </a:cubicBezTo>
+                <a:cubicBezTo>
+                  <a:pt x="1949450" y="-32977"/>
+                  <a:pt x="2593975" y="147998"/>
+                  <a:pt x="3238500" y="328973"/>
+                </a:cubicBezTo>
+              </a:path>
+            </a:pathLst>
+          </a:custGeom>
+          <a:noFill/>
+          <a:ln w="6350">
+            <a:solidFill>
+              <a:schemeClr val="tx1"/>
+            </a:solidFill>
+            <a:prstDash val="sysDash"/>
+            <a:headEnd type="none" w="med" len="med"/>
+            <a:tailEnd type="triangle" w="med" len="med"/>
+          </a:ln>
+        </p:spPr>
+        <p:style>
+          <a:lnRef idx="2">
+            <a:schemeClr val="accent1">
+              <a:shade val="15000"/>
+            </a:schemeClr>
+          </a:lnRef>
+          <a:fillRef idx="1">
+            <a:schemeClr val="accent1"/>
+          </a:fillRef>
+          <a:effectRef idx="0">
+            <a:schemeClr val="accent1"/>
+          </a:effectRef>
+          <a:fontRef idx="minor">
+            <a:schemeClr val="lt1"/>
+          </a:fontRef>
+        </p:style>
+        <p:txBody>
+          <a:bodyPr rtlCol="0" anchor="ctr"/>
+          <a:lstStyle/>
+          <a:p>
+            <a:pPr algn="ctr"/>
+            <a:endParaRPr lang="pt-BR"/>
+          </a:p>
+        </p:txBody>
+      </p:sp>
+    </p:spTree>
+    <p:extLst>
+      <p:ext uri="{BB962C8B-B14F-4D97-AF65-F5344CB8AC3E}">
+        <p14:creationId xmlns:p14="http://schemas.microsoft.com/office/powerpoint/2010/main" val="1816729585"/>
+      </p:ext>
+    </p:extLst>
+  </p:cSld>
+  <p:clrMapOvr>
+    <a:masterClrMapping/>
+  </p:clrMapOvr>
+</p:sld>
+</file>
+
+<file path=ppt/slides/slide16.xml><?xml version="1.0" encoding="utf-8"?>
 <p:sld xmlns:a="http://schemas.openxmlformats.org/drawingml/2006/main" xmlns:r="http://schemas.openxmlformats.org/officeDocument/2006/relationships" xmlns:p="http://schemas.openxmlformats.org/presentationml/2006/main">
   <p:cSld>
     <p:spTree>
@@ -20331,7 +22734,7 @@
 </p:sld>
 </file>
 
-<file path=ppt/slides/slide16.xml><?xml version="1.0" encoding="utf-8"?>
+<file path=ppt/slides/slide17.xml><?xml version="1.0" encoding="utf-8"?>
 <p:sld xmlns:a="http://schemas.openxmlformats.org/drawingml/2006/main" xmlns:r="http://schemas.openxmlformats.org/officeDocument/2006/relationships" xmlns:p="http://schemas.openxmlformats.org/presentationml/2006/main">
   <p:cSld>
     <p:spTree>
@@ -20604,8 +23007,8 @@
           </a:fontRef>
         </p:style>
       </p:cxnSp>
-      <mc:AlternateContent xmlns:mc="http://schemas.openxmlformats.org/markup-compatibility/2006">
-        <mc:Choice xmlns:a14="http://schemas.microsoft.com/office/drawing/2010/main" Requires="a14">
+      <mc:AlternateContent xmlns:mc="http://schemas.openxmlformats.org/markup-compatibility/2006" xmlns:a14="http://schemas.microsoft.com/office/drawing/2010/main">
+        <mc:Choice Requires="a14">
           <p:sp>
             <p:nvSpPr>
               <p:cNvPr id="36" name="CaixaDeTexto 35">
@@ -20690,7 +23093,7 @@
             </p:txBody>
           </p:sp>
         </mc:Choice>
-        <mc:Fallback>
+        <mc:Fallback xmlns="">
           <p:sp>
             <p:nvSpPr>
               <p:cNvPr id="36" name="CaixaDeTexto 35">
@@ -21087,8 +23490,8 @@
           </a:p>
         </p:txBody>
       </p:sp>
-      <mc:AlternateContent xmlns:mc="http://schemas.openxmlformats.org/markup-compatibility/2006">
-        <mc:Choice xmlns:a14="http://schemas.microsoft.com/office/drawing/2010/main" Requires="a14">
+      <mc:AlternateContent xmlns:mc="http://schemas.openxmlformats.org/markup-compatibility/2006" xmlns:a14="http://schemas.microsoft.com/office/drawing/2010/main">
+        <mc:Choice Requires="a14">
           <p:sp>
             <p:nvSpPr>
               <p:cNvPr id="45" name="CaixaDeTexto 44">
@@ -21160,7 +23563,7 @@
             </p:txBody>
           </p:sp>
         </mc:Choice>
-        <mc:Fallback>
+        <mc:Fallback xmlns="">
           <p:sp>
             <p:nvSpPr>
               <p:cNvPr id="45" name="CaixaDeTexto 44">
@@ -21205,8 +23608,8 @@
           </p:sp>
         </mc:Fallback>
       </mc:AlternateContent>
-      <mc:AlternateContent xmlns:mc="http://schemas.openxmlformats.org/markup-compatibility/2006">
-        <mc:Choice xmlns:a14="http://schemas.microsoft.com/office/drawing/2010/main" Requires="a14">
+      <mc:AlternateContent xmlns:mc="http://schemas.openxmlformats.org/markup-compatibility/2006" xmlns:a14="http://schemas.microsoft.com/office/drawing/2010/main">
+        <mc:Choice Requires="a14">
           <p:sp>
             <p:nvSpPr>
               <p:cNvPr id="46" name="CaixaDeTexto 45">
@@ -21284,7 +23687,7 @@
             </p:txBody>
           </p:sp>
         </mc:Choice>
-        <mc:Fallback>
+        <mc:Fallback xmlns="">
           <p:sp>
             <p:nvSpPr>
               <p:cNvPr id="46" name="CaixaDeTexto 45">
@@ -21876,7 +24279,7 @@
 </p:sld>
 </file>
 
-<file path=ppt/slides/slide17.xml><?xml version="1.0" encoding="utf-8"?>
+<file path=ppt/slides/slide18.xml><?xml version="1.0" encoding="utf-8"?>
 <p:sld xmlns:a="http://schemas.openxmlformats.org/drawingml/2006/main" xmlns:r="http://schemas.openxmlformats.org/officeDocument/2006/relationships" xmlns:p="http://schemas.openxmlformats.org/presentationml/2006/main">
   <p:cSld>
     <p:spTree>
@@ -21898,7 +24301,7 @@
           <p:cNvPr id="2" name="Título 1">
             <a:extLst>
               <a:ext uri="{FF2B5EF4-FFF2-40B4-BE49-F238E27FC236}">
-                <a16:creationId xmlns:a16="http://schemas.microsoft.com/office/drawing/2014/main" id="{2755BD9F-A5F9-C006-2D60-3988AFB742AA}"/>
+                <a16:creationId xmlns:a16="http://schemas.microsoft.com/office/drawing/2014/main" id="{DD53A2C8-8CC9-DF50-3DA9-94EFAB2C6BDA}"/>
               </a:ext>
             </a:extLst>
           </p:cNvPr>
@@ -21916,7 +24319,7 @@
           <a:p>
             <a:r>
               <a:rPr lang="pt-BR" dirty="0"/>
-              <a:t>Atividades</a:t>
+              <a:t>Gradiente descendente</a:t>
             </a:r>
           </a:p>
         </p:txBody>
@@ -21926,7 +24329,7 @@
           <p:cNvPr id="3" name="Espaço Reservado para Conteúdo 2">
             <a:extLst>
               <a:ext uri="{FF2B5EF4-FFF2-40B4-BE49-F238E27FC236}">
-                <a16:creationId xmlns:a16="http://schemas.microsoft.com/office/drawing/2014/main" id="{DE398648-3AD3-9986-3010-6210876DC9B1}"/>
+                <a16:creationId xmlns:a16="http://schemas.microsoft.com/office/drawing/2014/main" id="{CBC1B99C-52BB-79A2-FE2C-F9490FF76F6E}"/>
               </a:ext>
             </a:extLst>
           </p:cNvPr>
@@ -21937,108 +24340,622 @@
             <p:ph idx="1"/>
           </p:nvPr>
         </p:nvSpPr>
-        <p:spPr/>
+        <p:spPr>
+          <a:xfrm>
+            <a:off x="6239378" y="1825624"/>
+            <a:ext cx="5713136" cy="5032375"/>
+          </a:xfrm>
+        </p:spPr>
         <p:txBody>
-          <a:bodyPr/>
+          <a:bodyPr>
+            <a:normAutofit lnSpcReduction="10000"/>
+          </a:bodyPr>
           <a:lstStyle/>
           <a:p>
+            <a:pPr algn="l"/>
             <a:r>
-              <a:rPr lang="pt-BR" dirty="0"/>
-              <a:t>Quiz: “”.</a:t>
+              <a:rPr lang="pt-BR" b="0" i="0" dirty="0">
+                <a:solidFill>
+                  <a:srgbClr val="1F1F1F"/>
+                </a:solidFill>
+                <a:effectLst/>
+                <a:latin typeface="Google Sans"/>
+              </a:rPr>
+              <a:t>Esse </a:t>
             </a:r>
+            <a:r>
+              <a:rPr lang="pt-BR" b="1" i="1" dirty="0">
+                <a:solidFill>
+                  <a:srgbClr val="1F1F1F"/>
+                </a:solidFill>
+                <a:effectLst/>
+                <a:latin typeface="Google Sans"/>
+              </a:rPr>
+              <a:t>processo iterativo de otimiz</a:t>
+            </a:r>
+            <a:r>
+              <a:rPr lang="pt-BR" b="0" i="0" dirty="0">
+                <a:solidFill>
+                  <a:srgbClr val="1F1F1F"/>
+                </a:solidFill>
+                <a:effectLst/>
+                <a:latin typeface="Google Sans"/>
+              </a:rPr>
+              <a:t>ação que discutimos até agora é chamado de </a:t>
+            </a:r>
+            <a:r>
+              <a:rPr lang="pt-BR" b="1" i="1" dirty="0">
+                <a:solidFill>
+                  <a:srgbClr val="1F1F1F"/>
+                </a:solidFill>
+                <a:effectLst/>
+                <a:latin typeface="Google Sans"/>
+              </a:rPr>
+              <a:t>gradiente descendente (GD)</a:t>
+            </a:r>
+            <a:r>
+              <a:rPr lang="pt-BR" b="0" i="0" dirty="0">
+                <a:solidFill>
+                  <a:srgbClr val="1F1F1F"/>
+                </a:solidFill>
+                <a:effectLst/>
+                <a:latin typeface="Google Sans"/>
+              </a:rPr>
+              <a:t>.</a:t>
+            </a:r>
+          </a:p>
+          <a:p>
+            <a:r>
+              <a:rPr lang="pt-BR" b="0" i="0" dirty="0">
+                <a:solidFill>
+                  <a:srgbClr val="222222"/>
+                </a:solidFill>
+                <a:effectLst/>
+                <a:latin typeface="Google Sans"/>
+              </a:rPr>
+              <a:t>Ele está por trás de vários algoritmos de ML: regressão linear, regressão logística, redes neurais em geral, máquinas de vetores de suporte, aprendizado por reforço, etc.</a:t>
+            </a:r>
+          </a:p>
+          <a:p>
+            <a:r>
+              <a:rPr lang="pt-BR" dirty="0">
+                <a:solidFill>
+                  <a:srgbClr val="222222"/>
+                </a:solidFill>
+                <a:latin typeface="Google Sans"/>
+              </a:rPr>
+              <a:t>O GD pode ser implementado de 3 formas diferentes.</a:t>
+            </a:r>
+            <a:br>
+              <a:rPr lang="pt-BR" b="0" i="0" dirty="0">
+                <a:solidFill>
+                  <a:srgbClr val="222222"/>
+                </a:solidFill>
+                <a:effectLst/>
+                <a:latin typeface="Google Sans"/>
+              </a:rPr>
+            </a:br>
+            <a:endParaRPr lang="pt-BR" dirty="0"/>
           </a:p>
         </p:txBody>
       </p:sp>
-    </p:spTree>
-    <p:extLst>
-      <p:ext uri="{BB962C8B-B14F-4D97-AF65-F5344CB8AC3E}">
-        <p14:creationId xmlns:p14="http://schemas.microsoft.com/office/powerpoint/2010/main" val="2918520294"/>
-      </p:ext>
-    </p:extLst>
-  </p:cSld>
-  <p:clrMapOvr>
-    <a:masterClrMapping/>
-  </p:clrMapOvr>
-</p:sld>
-</file>
-
-<file path=ppt/slides/slide18.xml><?xml version="1.0" encoding="utf-8"?>
-<p:sld xmlns:a="http://schemas.openxmlformats.org/drawingml/2006/main" xmlns:r="http://schemas.openxmlformats.org/officeDocument/2006/relationships" xmlns:p="http://schemas.openxmlformats.org/presentationml/2006/main">
-  <p:cSld>
-    <p:spTree>
-      <p:nvGrpSpPr>
-        <p:cNvPr id="1" name=""/>
-        <p:cNvGrpSpPr/>
-        <p:nvPr/>
-      </p:nvGrpSpPr>
-      <p:grpSpPr>
-        <a:xfrm>
-          <a:off x="0" y="0"/>
-          <a:ext cx="0" cy="0"/>
-          <a:chOff x="0" y="0"/>
-          <a:chExt cx="0" cy="0"/>
-        </a:xfrm>
-      </p:grpSpPr>
-      <p:sp>
-        <p:nvSpPr>
-          <p:cNvPr id="4" name="Título 1">
+      <p:pic>
+        <p:nvPicPr>
+          <p:cNvPr id="1030" name="Picture 6" descr="Gradient Descent Animation">
             <a:extLst>
               <a:ext uri="{FF2B5EF4-FFF2-40B4-BE49-F238E27FC236}">
-                <a16:creationId xmlns:a16="http://schemas.microsoft.com/office/drawing/2014/main" id="{32666AC8-2E17-4DB4-B0F5-60C640CCFD2E}"/>
+                <a16:creationId xmlns:a16="http://schemas.microsoft.com/office/drawing/2014/main" id="{D11124B9-2CE5-CB44-B549-5A28D9F522B8}"/>
               </a:ext>
             </a:extLst>
           </p:cNvPr>
-          <p:cNvSpPr txBox="1">
-            <a:spLocks/>
-          </p:cNvSpPr>
+          <p:cNvPicPr>
+            <a:picLocks noChangeAspect="1" noChangeArrowheads="1"/>
+          </p:cNvPicPr>
           <p:nvPr/>
-        </p:nvSpPr>
-        <p:spPr>
+        </p:nvPicPr>
+        <p:blipFill rotWithShape="1">
+          <a:blip r:embed="rId2">
+            <a:extLst>
+              <a:ext uri="{28A0092B-C50C-407E-A947-70E740481C1C}">
+                <a14:useLocalDpi xmlns:a14="http://schemas.microsoft.com/office/drawing/2010/main" val="0"/>
+              </a:ext>
+            </a:extLst>
+          </a:blip>
+          <a:srcRect l="6898" r="6408"/>
+          <a:stretch/>
+        </p:blipFill>
+        <p:spPr bwMode="auto">
           <a:xfrm>
-            <a:off x="1431533" y="2720526"/>
-            <a:ext cx="9144000" cy="1029541"/>
+            <a:off x="217715" y="1825624"/>
+            <a:ext cx="5734908" cy="2750002"/>
           </a:xfrm>
           <a:prstGeom prst="rect">
             <a:avLst/>
           </a:prstGeom>
+          <a:noFill/>
+          <a:extLst>
+            <a:ext uri="{909E8E84-426E-40DD-AFC4-6F175D3DCCD1}">
+              <a14:hiddenFill xmlns:a14="http://schemas.microsoft.com/office/drawing/2010/main">
+                <a:solidFill>
+                  <a:srgbClr val="FFFFFF"/>
+                </a:solidFill>
+              </a14:hiddenFill>
+            </a:ext>
+          </a:extLst>
         </p:spPr>
-        <p:txBody>
-          <a:bodyPr vert="horz" lIns="91440" tIns="45720" rIns="91440" bIns="45720" rtlCol="0" anchor="ctr">
-            <a:normAutofit/>
-          </a:bodyPr>
-          <a:lstStyle>
-            <a:lvl1pPr algn="l" defTabSz="914400" rtl="0" eaLnBrk="1" latinLnBrk="0" hangingPunct="1">
-              <a:lnSpc>
-                <a:spcPct val="90000"/>
-              </a:lnSpc>
-              <a:spcBef>
-                <a:spcPct val="0"/>
-              </a:spcBef>
-              <a:buNone/>
-              <a:defRPr sz="4400" kern="1200">
+      </p:pic>
+      <mc:AlternateContent xmlns:mc="http://schemas.openxmlformats.org/markup-compatibility/2006">
+        <mc:Choice xmlns:a14="http://schemas.microsoft.com/office/drawing/2010/main" Requires="a14">
+          <p:sp>
+            <p:nvSpPr>
+              <p:cNvPr id="4" name="Rectangle 3">
+                <a:extLst>
+                  <a:ext uri="{FF2B5EF4-FFF2-40B4-BE49-F238E27FC236}">
+                    <a16:creationId xmlns:a16="http://schemas.microsoft.com/office/drawing/2014/main" id="{B09DE927-8E6D-630C-9389-F5DD1A3E13B4}"/>
+                  </a:ext>
+                </a:extLst>
+              </p:cNvPr>
+              <p:cNvSpPr/>
+              <p:nvPr/>
+            </p:nvSpPr>
+            <p:spPr>
+              <a:xfrm>
+                <a:off x="239487" y="5086032"/>
+                <a:ext cx="5713136" cy="1037335"/>
+              </a:xfrm>
+              <a:prstGeom prst="rect">
+                <a:avLst/>
+              </a:prstGeom>
+              <a:ln>
                 <a:solidFill>
                   <a:schemeClr val="tx1"/>
                 </a:solidFill>
-                <a:latin typeface="+mj-lt"/>
-                <a:ea typeface="+mj-ea"/>
-                <a:cs typeface="+mj-cs"/>
-              </a:defRPr>
-            </a:lvl1pPr>
-          </a:lstStyle>
-          <a:p>
-            <a:pPr algn="ctr"/>
-            <a:r>
-              <a:rPr lang="pt-BR" sz="6600" dirty="0"/>
-              <a:t>Perguntas?</a:t>
-            </a:r>
-            <a:endParaRPr lang="pt-BR" sz="6600" b="1" i="1" dirty="0"/>
-          </a:p>
-        </p:txBody>
-      </p:sp>
+              </a:ln>
+            </p:spPr>
+            <p:txBody>
+              <a:bodyPr wrap="square">
+                <a:spAutoFit/>
+              </a:bodyPr>
+              <a:lstStyle/>
+              <a:p>
+                <a14:m>
+                  <m:oMath xmlns:m="http://schemas.openxmlformats.org/officeDocument/2006/math">
+                    <m:r>
+                      <a:rPr lang="pt-BR" sz="1600" b="1" i="1" smtClean="0">
+                        <a:latin typeface="Cambria Math" panose="02040503050406030204" pitchFamily="18" charset="0"/>
+                      </a:rPr>
+                      <m:t>𝒂</m:t>
+                    </m:r>
+                    <m:r>
+                      <a:rPr lang="pt-BR" sz="1600" b="1" i="1" smtClean="0">
+                        <a:latin typeface="Cambria Math" panose="02040503050406030204" pitchFamily="18" charset="0"/>
+                      </a:rPr>
+                      <m:t> </m:t>
+                    </m:r>
+                  </m:oMath>
+                </a14:m>
+                <a:r>
+                  <a:rPr lang="en-US" sz="1600" b="1" dirty="0"/>
+                  <a:t> </a:t>
+                </a:r>
+                <a14:m>
+                  <m:oMath xmlns:m="http://schemas.openxmlformats.org/officeDocument/2006/math">
+                    <m:r>
+                      <a:rPr lang="en-US" sz="1600" b="1" i="1" dirty="0">
+                        <a:latin typeface="Cambria Math" panose="02040503050406030204" pitchFamily="18" charset="0"/>
+                        <a:ea typeface="Cambria Math" panose="02040503050406030204" pitchFamily="18" charset="0"/>
+                      </a:rPr>
+                      <m:t>←</m:t>
+                    </m:r>
+                    <m:r>
+                      <m:rPr>
+                        <m:sty m:val="p"/>
+                      </m:rPr>
+                      <a:rPr lang="en-US" sz="1600" dirty="0">
+                        <a:latin typeface="Cambria Math" panose="02040503050406030204" pitchFamily="18" charset="0"/>
+                        <a:ea typeface="Cambria Math" panose="02040503050406030204" pitchFamily="18" charset="0"/>
+                      </a:rPr>
+                      <m:t>inicializa</m:t>
+                    </m:r>
+                    <m:r>
+                      <a:rPr lang="en-US" sz="1600" dirty="0">
+                        <a:latin typeface="Cambria Math" panose="02040503050406030204" pitchFamily="18" charset="0"/>
+                        <a:ea typeface="Cambria Math" panose="02040503050406030204" pitchFamily="18" charset="0"/>
+                      </a:rPr>
+                      <m:t> </m:t>
+                    </m:r>
+                    <m:r>
+                      <m:rPr>
+                        <m:sty m:val="p"/>
+                      </m:rPr>
+                      <a:rPr lang="en-US" sz="1600" dirty="0">
+                        <a:latin typeface="Cambria Math" panose="02040503050406030204" pitchFamily="18" charset="0"/>
+                        <a:ea typeface="Cambria Math" panose="02040503050406030204" pitchFamily="18" charset="0"/>
+                      </a:rPr>
+                      <m:t>em</m:t>
+                    </m:r>
+                    <m:r>
+                      <a:rPr lang="en-US" sz="1600" dirty="0">
+                        <a:latin typeface="Cambria Math" panose="02040503050406030204" pitchFamily="18" charset="0"/>
+                        <a:ea typeface="Cambria Math" panose="02040503050406030204" pitchFamily="18" charset="0"/>
+                      </a:rPr>
+                      <m:t> </m:t>
+                    </m:r>
+                    <m:r>
+                      <m:rPr>
+                        <m:sty m:val="p"/>
+                      </m:rPr>
+                      <a:rPr lang="pt-BR" sz="1600" dirty="0">
+                        <a:latin typeface="Cambria Math" panose="02040503050406030204" pitchFamily="18" charset="0"/>
+                        <a:ea typeface="Cambria Math" panose="02040503050406030204" pitchFamily="18" charset="0"/>
+                      </a:rPr>
+                      <m:t>um</m:t>
+                    </m:r>
+                    <m:r>
+                      <a:rPr lang="pt-BR" sz="1600" dirty="0">
+                        <a:latin typeface="Cambria Math" panose="02040503050406030204" pitchFamily="18" charset="0"/>
+                        <a:ea typeface="Cambria Math" panose="02040503050406030204" pitchFamily="18" charset="0"/>
+                      </a:rPr>
+                      <m:t> </m:t>
+                    </m:r>
+                    <m:r>
+                      <m:rPr>
+                        <m:sty m:val="p"/>
+                      </m:rPr>
+                      <a:rPr lang="pt-BR" sz="1600" dirty="0">
+                        <a:latin typeface="Cambria Math" panose="02040503050406030204" pitchFamily="18" charset="0"/>
+                        <a:ea typeface="Cambria Math" panose="02040503050406030204" pitchFamily="18" charset="0"/>
+                      </a:rPr>
+                      <m:t>ponto</m:t>
+                    </m:r>
+                    <m:r>
+                      <a:rPr lang="pt-BR" sz="1600" dirty="0">
+                        <a:latin typeface="Cambria Math" panose="02040503050406030204" pitchFamily="18" charset="0"/>
+                        <a:ea typeface="Cambria Math" panose="02040503050406030204" pitchFamily="18" charset="0"/>
+                      </a:rPr>
+                      <m:t> </m:t>
+                    </m:r>
+                    <m:r>
+                      <m:rPr>
+                        <m:sty m:val="p"/>
+                      </m:rPr>
+                      <a:rPr lang="pt-BR" sz="1600" dirty="0">
+                        <a:latin typeface="Cambria Math" panose="02040503050406030204" pitchFamily="18" charset="0"/>
+                        <a:ea typeface="Cambria Math" panose="02040503050406030204" pitchFamily="18" charset="0"/>
+                      </a:rPr>
+                      <m:t>qualquer</m:t>
+                    </m:r>
+                    <m:r>
+                      <a:rPr lang="pt-BR" sz="1600" dirty="0">
+                        <a:latin typeface="Cambria Math" panose="02040503050406030204" pitchFamily="18" charset="0"/>
+                        <a:ea typeface="Cambria Math" panose="02040503050406030204" pitchFamily="18" charset="0"/>
+                      </a:rPr>
+                      <m:t> </m:t>
+                    </m:r>
+                    <m:r>
+                      <m:rPr>
+                        <m:sty m:val="p"/>
+                      </m:rPr>
+                      <a:rPr lang="pt-BR" sz="1600" dirty="0">
+                        <a:latin typeface="Cambria Math" panose="02040503050406030204" pitchFamily="18" charset="0"/>
+                        <a:ea typeface="Cambria Math" panose="02040503050406030204" pitchFamily="18" charset="0"/>
+                      </a:rPr>
+                      <m:t>do</m:t>
+                    </m:r>
+                    <m:r>
+                      <a:rPr lang="pt-BR" sz="1600" dirty="0">
+                        <a:latin typeface="Cambria Math" panose="02040503050406030204" pitchFamily="18" charset="0"/>
+                        <a:ea typeface="Cambria Math" panose="02040503050406030204" pitchFamily="18" charset="0"/>
+                      </a:rPr>
+                      <m:t> </m:t>
+                    </m:r>
+                    <m:r>
+                      <m:rPr>
+                        <m:sty m:val="p"/>
+                      </m:rPr>
+                      <a:rPr lang="pt-BR" sz="1600" dirty="0">
+                        <a:latin typeface="Cambria Math" panose="02040503050406030204" pitchFamily="18" charset="0"/>
+                        <a:ea typeface="Cambria Math" panose="02040503050406030204" pitchFamily="18" charset="0"/>
+                      </a:rPr>
+                      <m:t>espa</m:t>
+                    </m:r>
+                    <m:r>
+                      <a:rPr lang="pt-BR" sz="1600" dirty="0">
+                        <a:latin typeface="Cambria Math" panose="02040503050406030204" pitchFamily="18" charset="0"/>
+                        <a:ea typeface="Cambria Math" panose="02040503050406030204" pitchFamily="18" charset="0"/>
+                      </a:rPr>
+                      <m:t>ç</m:t>
+                    </m:r>
+                    <m:r>
+                      <m:rPr>
+                        <m:sty m:val="p"/>
+                      </m:rPr>
+                      <a:rPr lang="pt-BR" sz="1600" dirty="0">
+                        <a:latin typeface="Cambria Math" panose="02040503050406030204" pitchFamily="18" charset="0"/>
+                        <a:ea typeface="Cambria Math" panose="02040503050406030204" pitchFamily="18" charset="0"/>
+                      </a:rPr>
+                      <m:t>o</m:t>
+                    </m:r>
+                    <m:r>
+                      <a:rPr lang="pt-BR" sz="1600" dirty="0">
+                        <a:latin typeface="Cambria Math" panose="02040503050406030204" pitchFamily="18" charset="0"/>
+                        <a:ea typeface="Cambria Math" panose="02040503050406030204" pitchFamily="18" charset="0"/>
+                      </a:rPr>
+                      <m:t> </m:t>
+                    </m:r>
+                    <m:r>
+                      <m:rPr>
+                        <m:sty m:val="p"/>
+                      </m:rPr>
+                      <a:rPr lang="pt-BR" sz="1600" dirty="0">
+                        <a:latin typeface="Cambria Math" panose="02040503050406030204" pitchFamily="18" charset="0"/>
+                        <a:ea typeface="Cambria Math" panose="02040503050406030204" pitchFamily="18" charset="0"/>
+                      </a:rPr>
+                      <m:t>de</m:t>
+                    </m:r>
+                    <m:r>
+                      <a:rPr lang="pt-BR" sz="1600" dirty="0">
+                        <a:latin typeface="Cambria Math" panose="02040503050406030204" pitchFamily="18" charset="0"/>
+                        <a:ea typeface="Cambria Math" panose="02040503050406030204" pitchFamily="18" charset="0"/>
+                      </a:rPr>
+                      <m:t> </m:t>
+                    </m:r>
+                    <m:r>
+                      <m:rPr>
+                        <m:sty m:val="p"/>
+                      </m:rPr>
+                      <a:rPr lang="pt-BR" sz="1600" b="0" i="0" dirty="0" smtClean="0">
+                        <a:latin typeface="Cambria Math" panose="02040503050406030204" pitchFamily="18" charset="0"/>
+                        <a:ea typeface="Cambria Math" panose="02040503050406030204" pitchFamily="18" charset="0"/>
+                      </a:rPr>
+                      <m:t>pesos</m:t>
+                    </m:r>
+                  </m:oMath>
+                </a14:m>
+                <a:endParaRPr lang="pt-BR" sz="1600" b="0" dirty="0">
+                  <a:ea typeface="Cambria Math" panose="02040503050406030204" pitchFamily="18" charset="0"/>
+                </a:endParaRPr>
+              </a:p>
+              <a:p>
+                <a:r>
+                  <a:rPr lang="pt-BR" sz="1600" b="1" dirty="0">
+                    <a:latin typeface="Cambria Math" panose="02040503050406030204" pitchFamily="18" charset="0"/>
+                    <a:ea typeface="Cambria Math" panose="02040503050406030204" pitchFamily="18" charset="0"/>
+                  </a:rPr>
+                  <a:t>loop até </a:t>
+                </a:r>
+                <a:r>
+                  <a:rPr lang="pt-BR" sz="1600" dirty="0">
+                    <a:latin typeface="Cambria Math" panose="02040503050406030204" pitchFamily="18" charset="0"/>
+                    <a:ea typeface="Cambria Math" panose="02040503050406030204" pitchFamily="18" charset="0"/>
+                  </a:rPr>
+                  <a:t>convergir </a:t>
+                </a:r>
+                <a:r>
+                  <a:rPr lang="pt-BR" sz="1600" b="1" dirty="0">
+                    <a:latin typeface="Cambria Math" panose="02040503050406030204" pitchFamily="18" charset="0"/>
+                    <a:ea typeface="Cambria Math" panose="02040503050406030204" pitchFamily="18" charset="0"/>
+                  </a:rPr>
+                  <a:t>ou </a:t>
+                </a:r>
+                <a:r>
+                  <a:rPr lang="pt-BR" sz="1600" dirty="0">
+                    <a:latin typeface="Cambria Math" panose="02040503050406030204" pitchFamily="18" charset="0"/>
+                    <a:ea typeface="Cambria Math" panose="02040503050406030204" pitchFamily="18" charset="0"/>
+                  </a:rPr>
+                  <a:t>atingir o número máximo de iterações </a:t>
+                </a:r>
+                <a:r>
+                  <a:rPr lang="pt-BR" sz="1600" b="1" dirty="0">
+                    <a:latin typeface="Cambria Math" panose="02040503050406030204" pitchFamily="18" charset="0"/>
+                    <a:ea typeface="Cambria Math" panose="02040503050406030204" pitchFamily="18" charset="0"/>
+                  </a:rPr>
+                  <a:t>do</a:t>
+                </a:r>
+              </a:p>
+              <a:p>
+                <a:r>
+                  <a:rPr lang="en-US" sz="2000" dirty="0"/>
+                  <a:t>	</a:t>
+                </a:r>
+                <a14:m>
+                  <m:oMath xmlns:m="http://schemas.openxmlformats.org/officeDocument/2006/math">
+                    <m:r>
+                      <a:rPr lang="pt-BR" sz="2000" b="1" i="1">
+                        <a:latin typeface="Cambria Math" panose="02040503050406030204" pitchFamily="18" charset="0"/>
+                      </a:rPr>
+                      <m:t>𝒂</m:t>
+                    </m:r>
+                    <m:r>
+                      <a:rPr lang="en-US" sz="2000" b="1" i="1">
+                        <a:latin typeface="Cambria Math" panose="02040503050406030204" pitchFamily="18" charset="0"/>
+                        <a:ea typeface="Cambria Math" panose="02040503050406030204" pitchFamily="18" charset="0"/>
+                      </a:rPr>
+                      <m:t>←</m:t>
+                    </m:r>
+                    <m:r>
+                      <a:rPr lang="pt-BR" sz="2000" b="1" i="1">
+                        <a:latin typeface="Cambria Math" panose="02040503050406030204" pitchFamily="18" charset="0"/>
+                      </a:rPr>
+                      <m:t>𝒂</m:t>
+                    </m:r>
+                    <m:r>
+                      <a:rPr lang="pt-BR" sz="2000" i="1">
+                        <a:latin typeface="Cambria Math" panose="02040503050406030204" pitchFamily="18" charset="0"/>
+                        <a:ea typeface="Cambria Math" panose="02040503050406030204" pitchFamily="18" charset="0"/>
+                      </a:rPr>
+                      <m:t>−</m:t>
+                    </m:r>
+                    <m:r>
+                      <a:rPr lang="pt-BR" sz="2000" i="1">
+                        <a:latin typeface="Cambria Math" panose="02040503050406030204" pitchFamily="18" charset="0"/>
+                        <a:ea typeface="Cambria Math" panose="02040503050406030204" pitchFamily="18" charset="0"/>
+                      </a:rPr>
+                      <m:t>𝛼</m:t>
+                    </m:r>
+                    <m:f>
+                      <m:fPr>
+                        <m:ctrlPr>
+                          <a:rPr lang="pt-BR" sz="2000" i="1" smtClean="0">
+                            <a:latin typeface="Cambria Math" panose="02040503050406030204" pitchFamily="18" charset="0"/>
+                            <a:ea typeface="Cambria Math" panose="02040503050406030204" pitchFamily="18" charset="0"/>
+                          </a:rPr>
+                        </m:ctrlPr>
+                      </m:fPr>
+                      <m:num>
+                        <m:r>
+                          <a:rPr lang="pt-BR" sz="2000" i="1" smtClean="0">
+                            <a:latin typeface="Cambria Math" panose="02040503050406030204" pitchFamily="18" charset="0"/>
+                            <a:ea typeface="Cambria Math" panose="02040503050406030204" pitchFamily="18" charset="0"/>
+                          </a:rPr>
+                          <m:t>𝜕</m:t>
+                        </m:r>
+                        <m:sSub>
+                          <m:sSubPr>
+                            <m:ctrlPr>
+                              <a:rPr lang="pt-BR" sz="2000" i="1">
+                                <a:latin typeface="Cambria Math" panose="02040503050406030204" pitchFamily="18" charset="0"/>
+                                <a:ea typeface="Cambria Math" panose="02040503050406030204" pitchFamily="18" charset="0"/>
+                              </a:rPr>
+                            </m:ctrlPr>
+                          </m:sSubPr>
+                          <m:e>
+                            <m:r>
+                              <a:rPr lang="pt-BR" sz="2000" i="1">
+                                <a:latin typeface="Cambria Math" panose="02040503050406030204" pitchFamily="18" charset="0"/>
+                                <a:ea typeface="Cambria Math" panose="02040503050406030204" pitchFamily="18" charset="0"/>
+                              </a:rPr>
+                              <m:t>𝐽</m:t>
+                            </m:r>
+                          </m:e>
+                          <m:sub>
+                            <m:r>
+                              <a:rPr lang="pt-BR" sz="2000" i="1">
+                                <a:latin typeface="Cambria Math" panose="02040503050406030204" pitchFamily="18" charset="0"/>
+                                <a:ea typeface="Cambria Math" panose="02040503050406030204" pitchFamily="18" charset="0"/>
+                              </a:rPr>
+                              <m:t>𝑒</m:t>
+                            </m:r>
+                          </m:sub>
+                        </m:sSub>
+                        <m:r>
+                          <a:rPr lang="pt-BR" sz="2000" i="1">
+                            <a:latin typeface="Cambria Math" panose="02040503050406030204" pitchFamily="18" charset="0"/>
+                            <a:ea typeface="Cambria Math" panose="02040503050406030204" pitchFamily="18" charset="0"/>
+                          </a:rPr>
+                          <m:t>(</m:t>
+                        </m:r>
+                        <m:r>
+                          <a:rPr lang="pt-BR" sz="2000" b="1" i="1">
+                            <a:latin typeface="Cambria Math" panose="02040503050406030204" pitchFamily="18" charset="0"/>
+                            <a:ea typeface="Cambria Math" panose="02040503050406030204" pitchFamily="18" charset="0"/>
+                          </a:rPr>
+                          <m:t>𝒂</m:t>
+                        </m:r>
+                        <m:r>
+                          <a:rPr lang="pt-BR" sz="2000" i="1">
+                            <a:latin typeface="Cambria Math" panose="02040503050406030204" pitchFamily="18" charset="0"/>
+                            <a:ea typeface="Cambria Math" panose="02040503050406030204" pitchFamily="18" charset="0"/>
+                          </a:rPr>
+                          <m:t>)</m:t>
+                        </m:r>
+                      </m:num>
+                      <m:den>
+                        <m:r>
+                          <a:rPr lang="pt-BR" sz="2000" i="1" smtClean="0">
+                            <a:latin typeface="Cambria Math" panose="02040503050406030204" pitchFamily="18" charset="0"/>
+                            <a:ea typeface="Cambria Math" panose="02040503050406030204" pitchFamily="18" charset="0"/>
+                          </a:rPr>
+                          <m:t>𝜕</m:t>
+                        </m:r>
+                        <m:r>
+                          <a:rPr lang="pt-BR" sz="2000" b="1" i="1">
+                            <a:latin typeface="Cambria Math" panose="02040503050406030204" pitchFamily="18" charset="0"/>
+                          </a:rPr>
+                          <m:t>𝒂</m:t>
+                        </m:r>
+                      </m:den>
+                    </m:f>
+                  </m:oMath>
+                </a14:m>
+                <a:r>
+                  <a:rPr lang="nl-BE" sz="2000" dirty="0"/>
+                  <a:t> </a:t>
+                </a:r>
+                <a:r>
+                  <a:rPr lang="nl-BE" sz="1600" dirty="0"/>
+                  <a:t>(</a:t>
+                </a:r>
+                <a:r>
+                  <a:rPr lang="nl-BE" sz="1600" b="1" i="1" dirty="0">
+                    <a:solidFill>
+                      <a:srgbClr val="00B0F0"/>
+                    </a:solidFill>
+                  </a:rPr>
+                  <a:t>eq. de atualização dos pesos</a:t>
+                </a:r>
+                <a:r>
+                  <a:rPr lang="nl-BE" sz="1600" dirty="0"/>
+                  <a:t>)</a:t>
+                </a:r>
+              </a:p>
+            </p:txBody>
+          </p:sp>
+        </mc:Choice>
+        <mc:Fallback>
+          <p:sp>
+            <p:nvSpPr>
+              <p:cNvPr id="4" name="Rectangle 3">
+                <a:extLst>
+                  <a:ext uri="{FF2B5EF4-FFF2-40B4-BE49-F238E27FC236}">
+                    <a16:creationId xmlns:a16="http://schemas.microsoft.com/office/drawing/2014/main" id="{B09DE927-8E6D-630C-9389-F5DD1A3E13B4}"/>
+                  </a:ext>
+                </a:extLst>
+              </p:cNvPr>
+              <p:cNvSpPr>
+                <a:spLocks noRot="1" noChangeAspect="1" noMove="1" noResize="1" noEditPoints="1" noAdjustHandles="1" noChangeArrowheads="1" noChangeShapeType="1" noTextEdit="1"/>
+              </p:cNvSpPr>
+              <p:nvPr/>
+            </p:nvSpPr>
+            <p:spPr>
+              <a:xfrm>
+                <a:off x="239487" y="5086032"/>
+                <a:ext cx="5713136" cy="1037335"/>
+              </a:xfrm>
+              <a:prstGeom prst="rect">
+                <a:avLst/>
+              </a:prstGeom>
+              <a:blipFill>
+                <a:blip r:embed="rId3"/>
+                <a:stretch>
+                  <a:fillRect l="-426"/>
+                </a:stretch>
+              </a:blipFill>
+              <a:ln>
+                <a:solidFill>
+                  <a:schemeClr val="tx1"/>
+                </a:solidFill>
+              </a:ln>
+            </p:spPr>
+            <p:txBody>
+              <a:bodyPr/>
+              <a:lstStyle/>
+              <a:p>
+                <a:r>
+                  <a:rPr lang="pt-BR">
+                    <a:noFill/>
+                  </a:rPr>
+                  <a:t> </a:t>
+                </a:r>
+              </a:p>
+            </p:txBody>
+          </p:sp>
+        </mc:Fallback>
+      </mc:AlternateContent>
     </p:spTree>
     <p:extLst>
       <p:ext uri="{BB962C8B-B14F-4D97-AF65-F5344CB8AC3E}">
-        <p14:creationId xmlns:p14="http://schemas.microsoft.com/office/powerpoint/2010/main" val="1975981511"/>
+        <p14:creationId xmlns:p14="http://schemas.microsoft.com/office/powerpoint/2010/main" val="594761474"/>
       </p:ext>
     </p:extLst>
   </p:cSld>
@@ -22067,64 +24984,847 @@
       </p:grpSpPr>
       <p:sp>
         <p:nvSpPr>
-          <p:cNvPr id="4" name="Título 1">
+          <p:cNvPr id="2" name="Título 1">
             <a:extLst>
               <a:ext uri="{FF2B5EF4-FFF2-40B4-BE49-F238E27FC236}">
-                <a16:creationId xmlns:a16="http://schemas.microsoft.com/office/drawing/2014/main" id="{32666AC8-2E17-4DB4-B0F5-60C640CCFD2E}"/>
+                <a16:creationId xmlns:a16="http://schemas.microsoft.com/office/drawing/2014/main" id="{267C7421-E49A-BD8B-4FA5-84A53C5D0938}"/>
               </a:ext>
             </a:extLst>
           </p:cNvPr>
-          <p:cNvSpPr txBox="1">
-            <a:spLocks/>
+          <p:cNvSpPr>
+            <a:spLocks noGrp="1"/>
           </p:cNvSpPr>
-          <p:nvPr/>
+          <p:nvPr>
+            <p:ph type="title"/>
+          </p:nvPr>
         </p:nvSpPr>
-        <p:spPr>
-          <a:xfrm>
-            <a:off x="1431533" y="2720526"/>
-            <a:ext cx="9144000" cy="1029541"/>
-          </a:xfrm>
-          <a:prstGeom prst="rect">
-            <a:avLst/>
-          </a:prstGeom>
-        </p:spPr>
+        <p:spPr/>
         <p:txBody>
-          <a:bodyPr vert="horz" lIns="91440" tIns="45720" rIns="91440" bIns="45720" rtlCol="0" anchor="ctr">
-            <a:normAutofit/>
-          </a:bodyPr>
-          <a:lstStyle>
-            <a:lvl1pPr algn="l" defTabSz="914400" rtl="0" eaLnBrk="1" latinLnBrk="0" hangingPunct="1">
-              <a:lnSpc>
-                <a:spcPct val="90000"/>
-              </a:lnSpc>
-              <a:spcBef>
-                <a:spcPct val="0"/>
-              </a:spcBef>
-              <a:buNone/>
-              <a:defRPr sz="4400" kern="1200">
-                <a:solidFill>
-                  <a:schemeClr val="tx1"/>
-                </a:solidFill>
-                <a:latin typeface="+mj-lt"/>
-                <a:ea typeface="+mj-ea"/>
-                <a:cs typeface="+mj-cs"/>
-              </a:defRPr>
-            </a:lvl1pPr>
-          </a:lstStyle>
+          <a:bodyPr/>
+          <a:lstStyle/>
           <a:p>
-            <a:pPr algn="ctr"/>
             <a:r>
-              <a:rPr lang="pt-BR" sz="6600" dirty="0"/>
-              <a:t>Obrigado!</a:t>
+              <a:rPr lang="pt-BR" dirty="0"/>
+              <a:t>Versões do gradiente descendente</a:t>
             </a:r>
-            <a:endParaRPr lang="pt-BR" sz="6600" b="1" i="1" dirty="0"/>
           </a:p>
         </p:txBody>
       </p:sp>
+      <mc:AlternateContent xmlns:mc="http://schemas.openxmlformats.org/markup-compatibility/2006">
+        <mc:Choice xmlns:a14="http://schemas.microsoft.com/office/drawing/2010/main" Requires="a14">
+          <p:sp>
+            <p:nvSpPr>
+              <p:cNvPr id="3" name="Espaço Reservado para Conteúdo 2">
+                <a:extLst>
+                  <a:ext uri="{FF2B5EF4-FFF2-40B4-BE49-F238E27FC236}">
+                    <a16:creationId xmlns:a16="http://schemas.microsoft.com/office/drawing/2014/main" id="{BC309D38-8A49-3EA1-A804-53619DB2A0A7}"/>
+                  </a:ext>
+                </a:extLst>
+              </p:cNvPr>
+              <p:cNvSpPr>
+                <a:spLocks noGrp="1"/>
+              </p:cNvSpPr>
+              <p:nvPr>
+                <p:ph idx="1"/>
+              </p:nvPr>
+            </p:nvSpPr>
+            <p:spPr>
+              <a:xfrm>
+                <a:off x="838200" y="1825624"/>
+                <a:ext cx="10983686" cy="5032375"/>
+              </a:xfrm>
+            </p:spPr>
+            <p:txBody>
+              <a:bodyPr/>
+              <a:lstStyle/>
+              <a:p>
+                <a:r>
+                  <a:rPr lang="pt-BR" dirty="0"/>
+                  <a:t>Para entendermos as 3 versões do GD, vamos primeiro encontrar o vetor gradiente, </a:t>
+                </a:r>
+                <a14:m>
+                  <m:oMath xmlns:m="http://schemas.openxmlformats.org/officeDocument/2006/math">
+                    <m:f>
+                      <m:fPr>
+                        <m:ctrlPr>
+                          <a:rPr lang="pt-BR" sz="2800" i="1" smtClean="0">
+                            <a:latin typeface="Cambria Math" panose="02040503050406030204" pitchFamily="18" charset="0"/>
+                            <a:ea typeface="Cambria Math" panose="02040503050406030204" pitchFamily="18" charset="0"/>
+                          </a:rPr>
+                        </m:ctrlPr>
+                      </m:fPr>
+                      <m:num>
+                        <m:r>
+                          <a:rPr lang="pt-BR" sz="2800" i="1" smtClean="0">
+                            <a:latin typeface="Cambria Math" panose="02040503050406030204" pitchFamily="18" charset="0"/>
+                            <a:ea typeface="Cambria Math" panose="02040503050406030204" pitchFamily="18" charset="0"/>
+                          </a:rPr>
+                          <m:t>𝜕</m:t>
+                        </m:r>
+                        <m:sSub>
+                          <m:sSubPr>
+                            <m:ctrlPr>
+                              <a:rPr lang="pt-BR" sz="2800" i="1">
+                                <a:latin typeface="Cambria Math" panose="02040503050406030204" pitchFamily="18" charset="0"/>
+                                <a:ea typeface="Cambria Math" panose="02040503050406030204" pitchFamily="18" charset="0"/>
+                              </a:rPr>
+                            </m:ctrlPr>
+                          </m:sSubPr>
+                          <m:e>
+                            <m:r>
+                              <a:rPr lang="pt-BR" sz="2800" i="1">
+                                <a:latin typeface="Cambria Math" panose="02040503050406030204" pitchFamily="18" charset="0"/>
+                                <a:ea typeface="Cambria Math" panose="02040503050406030204" pitchFamily="18" charset="0"/>
+                              </a:rPr>
+                              <m:t>𝐽</m:t>
+                            </m:r>
+                          </m:e>
+                          <m:sub>
+                            <m:r>
+                              <a:rPr lang="pt-BR" sz="2800" i="1">
+                                <a:latin typeface="Cambria Math" panose="02040503050406030204" pitchFamily="18" charset="0"/>
+                                <a:ea typeface="Cambria Math" panose="02040503050406030204" pitchFamily="18" charset="0"/>
+                              </a:rPr>
+                              <m:t>𝑒</m:t>
+                            </m:r>
+                          </m:sub>
+                        </m:sSub>
+                        <m:r>
+                          <a:rPr lang="pt-BR" sz="2800" i="1">
+                            <a:latin typeface="Cambria Math" panose="02040503050406030204" pitchFamily="18" charset="0"/>
+                            <a:ea typeface="Cambria Math" panose="02040503050406030204" pitchFamily="18" charset="0"/>
+                          </a:rPr>
+                          <m:t>(</m:t>
+                        </m:r>
+                        <m:r>
+                          <a:rPr lang="pt-BR" sz="2800" b="1" i="1">
+                            <a:latin typeface="Cambria Math" panose="02040503050406030204" pitchFamily="18" charset="0"/>
+                            <a:ea typeface="Cambria Math" panose="02040503050406030204" pitchFamily="18" charset="0"/>
+                          </a:rPr>
+                          <m:t>𝒂</m:t>
+                        </m:r>
+                        <m:r>
+                          <a:rPr lang="pt-BR" sz="2800" i="1">
+                            <a:latin typeface="Cambria Math" panose="02040503050406030204" pitchFamily="18" charset="0"/>
+                            <a:ea typeface="Cambria Math" panose="02040503050406030204" pitchFamily="18" charset="0"/>
+                          </a:rPr>
+                          <m:t>)</m:t>
+                        </m:r>
+                      </m:num>
+                      <m:den>
+                        <m:r>
+                          <a:rPr lang="pt-BR" sz="2800" i="1" smtClean="0">
+                            <a:latin typeface="Cambria Math" panose="02040503050406030204" pitchFamily="18" charset="0"/>
+                            <a:ea typeface="Cambria Math" panose="02040503050406030204" pitchFamily="18" charset="0"/>
+                          </a:rPr>
+                          <m:t>𝜕</m:t>
+                        </m:r>
+                        <m:r>
+                          <a:rPr lang="pt-BR" sz="2800" b="1" i="1">
+                            <a:latin typeface="Cambria Math" panose="02040503050406030204" pitchFamily="18" charset="0"/>
+                          </a:rPr>
+                          <m:t>𝒂</m:t>
+                        </m:r>
+                      </m:den>
+                    </m:f>
+                  </m:oMath>
+                </a14:m>
+                <a:r>
+                  <a:rPr lang="pt-BR" dirty="0"/>
+                  <a:t>, e substituí-lo na equação de atualização dos pesos.</a:t>
+                </a:r>
+              </a:p>
+              <a:p>
+                <a:r>
+                  <a:rPr lang="pt-BR" dirty="0"/>
+                  <a:t>Considerando o EQM como função de erro e a seguinte função hipótese</a:t>
+                </a:r>
+              </a:p>
+              <a:p>
+                <a:pPr marL="0" indent="0">
+                  <a:buNone/>
+                </a:pPr>
+                <a14:m>
+                  <m:oMathPara xmlns:m="http://schemas.openxmlformats.org/officeDocument/2006/math">
+                    <m:oMathParaPr>
+                      <m:jc m:val="centerGroup"/>
+                    </m:oMathParaPr>
+                    <m:oMath xmlns:m="http://schemas.openxmlformats.org/officeDocument/2006/math">
+                      <m:acc>
+                        <m:accPr>
+                          <m:chr m:val="̂"/>
+                          <m:ctrlPr>
+                            <a:rPr lang="pt-BR" i="1" smtClean="0">
+                              <a:latin typeface="Cambria Math" panose="02040503050406030204" pitchFamily="18" charset="0"/>
+                            </a:rPr>
+                          </m:ctrlPr>
+                        </m:accPr>
+                        <m:e>
+                          <m:r>
+                            <a:rPr lang="pt-BR" b="0" i="1" smtClean="0">
+                              <a:latin typeface="Cambria Math" panose="02040503050406030204" pitchFamily="18" charset="0"/>
+                            </a:rPr>
+                            <m:t>𝑦</m:t>
+                          </m:r>
+                        </m:e>
+                      </m:acc>
+                      <m:d>
+                        <m:dPr>
+                          <m:ctrlPr>
+                            <a:rPr lang="pt-BR" b="0" i="1" smtClean="0">
+                              <a:latin typeface="Cambria Math" panose="02040503050406030204" pitchFamily="18" charset="0"/>
+                            </a:rPr>
+                          </m:ctrlPr>
+                        </m:dPr>
+                        <m:e>
+                          <m:r>
+                            <a:rPr lang="pt-BR" b="0" i="1" smtClean="0">
+                              <a:latin typeface="Cambria Math" panose="02040503050406030204" pitchFamily="18" charset="0"/>
+                            </a:rPr>
+                            <m:t>𝑛</m:t>
+                          </m:r>
+                        </m:e>
+                      </m:d>
+                      <m:r>
+                        <a:rPr lang="pt-BR" b="0" i="1" smtClean="0">
+                          <a:latin typeface="Cambria Math" panose="02040503050406030204" pitchFamily="18" charset="0"/>
+                        </a:rPr>
+                        <m:t>=</m:t>
+                      </m:r>
+                      <m:sSub>
+                        <m:sSubPr>
+                          <m:ctrlPr>
+                            <a:rPr lang="pt-BR" i="1">
+                              <a:latin typeface="Cambria Math" panose="02040503050406030204" pitchFamily="18" charset="0"/>
+                            </a:rPr>
+                          </m:ctrlPr>
+                        </m:sSubPr>
+                        <m:e>
+                          <m:r>
+                            <a:rPr lang="pt-BR" i="1">
+                              <a:latin typeface="Cambria Math" panose="02040503050406030204" pitchFamily="18" charset="0"/>
+                            </a:rPr>
+                            <m:t>𝑎</m:t>
+                          </m:r>
+                        </m:e>
+                        <m:sub>
+                          <m:r>
+                            <a:rPr lang="pt-BR" b="0" i="1" smtClean="0">
+                              <a:latin typeface="Cambria Math" panose="02040503050406030204" pitchFamily="18" charset="0"/>
+                            </a:rPr>
+                            <m:t>0</m:t>
+                          </m:r>
+                        </m:sub>
+                      </m:sSub>
+                      <m:r>
+                        <a:rPr lang="pt-BR" b="0" i="1" smtClean="0">
+                          <a:latin typeface="Cambria Math" panose="02040503050406030204" pitchFamily="18" charset="0"/>
+                        </a:rPr>
+                        <m:t>+</m:t>
+                      </m:r>
+                      <m:sSub>
+                        <m:sSubPr>
+                          <m:ctrlPr>
+                            <a:rPr lang="pt-BR" i="1">
+                              <a:latin typeface="Cambria Math" panose="02040503050406030204" pitchFamily="18" charset="0"/>
+                            </a:rPr>
+                          </m:ctrlPr>
+                        </m:sSubPr>
+                        <m:e>
+                          <m:r>
+                            <a:rPr lang="pt-BR" i="1">
+                              <a:latin typeface="Cambria Math" panose="02040503050406030204" pitchFamily="18" charset="0"/>
+                            </a:rPr>
+                            <m:t>𝑎</m:t>
+                          </m:r>
+                        </m:e>
+                        <m:sub>
+                          <m:r>
+                            <a:rPr lang="pt-BR" b="0" i="1" smtClean="0">
+                              <a:latin typeface="Cambria Math" panose="02040503050406030204" pitchFamily="18" charset="0"/>
+                            </a:rPr>
+                            <m:t>1</m:t>
+                          </m:r>
+                        </m:sub>
+                      </m:sSub>
+                      <m:sSub>
+                        <m:sSubPr>
+                          <m:ctrlPr>
+                            <a:rPr lang="pt-BR" i="1">
+                              <a:latin typeface="Cambria Math" panose="02040503050406030204" pitchFamily="18" charset="0"/>
+                            </a:rPr>
+                          </m:ctrlPr>
+                        </m:sSubPr>
+                        <m:e>
+                          <m:r>
+                            <a:rPr lang="pt-BR" i="1">
+                              <a:latin typeface="Cambria Math" panose="02040503050406030204" pitchFamily="18" charset="0"/>
+                            </a:rPr>
+                            <m:t>𝑥</m:t>
+                          </m:r>
+                        </m:e>
+                        <m:sub>
+                          <m:r>
+                            <a:rPr lang="pt-BR" b="0" i="1" smtClean="0">
+                              <a:latin typeface="Cambria Math" panose="02040503050406030204" pitchFamily="18" charset="0"/>
+                            </a:rPr>
+                            <m:t>1</m:t>
+                          </m:r>
+                        </m:sub>
+                      </m:sSub>
+                      <m:d>
+                        <m:dPr>
+                          <m:ctrlPr>
+                            <a:rPr lang="pt-BR" i="1">
+                              <a:latin typeface="Cambria Math" panose="02040503050406030204" pitchFamily="18" charset="0"/>
+                            </a:rPr>
+                          </m:ctrlPr>
+                        </m:dPr>
+                        <m:e>
+                          <m:r>
+                            <a:rPr lang="pt-BR" i="1">
+                              <a:latin typeface="Cambria Math" panose="02040503050406030204" pitchFamily="18" charset="0"/>
+                            </a:rPr>
+                            <m:t>𝑛</m:t>
+                          </m:r>
+                        </m:e>
+                      </m:d>
+                      <m:r>
+                        <a:rPr lang="pt-BR" b="0" i="1" smtClean="0">
+                          <a:latin typeface="Cambria Math" panose="02040503050406030204" pitchFamily="18" charset="0"/>
+                        </a:rPr>
+                        <m:t>+…+</m:t>
+                      </m:r>
+                      <m:sSub>
+                        <m:sSubPr>
+                          <m:ctrlPr>
+                            <a:rPr lang="pt-BR" i="1">
+                              <a:latin typeface="Cambria Math" panose="02040503050406030204" pitchFamily="18" charset="0"/>
+                            </a:rPr>
+                          </m:ctrlPr>
+                        </m:sSubPr>
+                        <m:e>
+                          <m:r>
+                            <a:rPr lang="pt-BR" i="1">
+                              <a:latin typeface="Cambria Math" panose="02040503050406030204" pitchFamily="18" charset="0"/>
+                            </a:rPr>
+                            <m:t>𝑎</m:t>
+                          </m:r>
+                        </m:e>
+                        <m:sub>
+                          <m:r>
+                            <a:rPr lang="pt-BR" b="0" i="1" smtClean="0">
+                              <a:latin typeface="Cambria Math" panose="02040503050406030204" pitchFamily="18" charset="0"/>
+                            </a:rPr>
+                            <m:t>𝐾</m:t>
+                          </m:r>
+                        </m:sub>
+                      </m:sSub>
+                      <m:sSub>
+                        <m:sSubPr>
+                          <m:ctrlPr>
+                            <a:rPr lang="pt-BR" i="1">
+                              <a:latin typeface="Cambria Math" panose="02040503050406030204" pitchFamily="18" charset="0"/>
+                            </a:rPr>
+                          </m:ctrlPr>
+                        </m:sSubPr>
+                        <m:e>
+                          <m:r>
+                            <a:rPr lang="pt-BR" i="1">
+                              <a:latin typeface="Cambria Math" panose="02040503050406030204" pitchFamily="18" charset="0"/>
+                            </a:rPr>
+                            <m:t>𝑥</m:t>
+                          </m:r>
+                        </m:e>
+                        <m:sub>
+                          <m:r>
+                            <a:rPr lang="pt-BR" b="0" i="1" smtClean="0">
+                              <a:latin typeface="Cambria Math" panose="02040503050406030204" pitchFamily="18" charset="0"/>
+                            </a:rPr>
+                            <m:t>𝐾</m:t>
+                          </m:r>
+                        </m:sub>
+                      </m:sSub>
+                      <m:d>
+                        <m:dPr>
+                          <m:ctrlPr>
+                            <a:rPr lang="pt-BR" i="1">
+                              <a:latin typeface="Cambria Math" panose="02040503050406030204" pitchFamily="18" charset="0"/>
+                            </a:rPr>
+                          </m:ctrlPr>
+                        </m:dPr>
+                        <m:e>
+                          <m:r>
+                            <a:rPr lang="pt-BR" i="1">
+                              <a:latin typeface="Cambria Math" panose="02040503050406030204" pitchFamily="18" charset="0"/>
+                            </a:rPr>
+                            <m:t>𝑛</m:t>
+                          </m:r>
+                        </m:e>
+                      </m:d>
+                      <m:r>
+                        <a:rPr lang="pt-BR" b="0" i="1" smtClean="0">
+                          <a:latin typeface="Cambria Math" panose="02040503050406030204" pitchFamily="18" charset="0"/>
+                        </a:rPr>
+                        <m:t>=</m:t>
+                      </m:r>
+                      <m:nary>
+                        <m:naryPr>
+                          <m:chr m:val="∑"/>
+                          <m:ctrlPr>
+                            <a:rPr lang="pt-BR" b="0" i="1" smtClean="0">
+                              <a:latin typeface="Cambria Math" panose="02040503050406030204" pitchFamily="18" charset="0"/>
+                            </a:rPr>
+                          </m:ctrlPr>
+                        </m:naryPr>
+                        <m:sub>
+                          <m:r>
+                            <m:rPr>
+                              <m:brk m:alnAt="23"/>
+                            </m:rPr>
+                            <a:rPr lang="pt-BR" b="0" i="1" smtClean="0">
+                              <a:latin typeface="Cambria Math" panose="02040503050406030204" pitchFamily="18" charset="0"/>
+                            </a:rPr>
+                            <m:t>𝑖</m:t>
+                          </m:r>
+                          <m:r>
+                            <a:rPr lang="pt-BR" b="0" i="1" smtClean="0">
+                              <a:latin typeface="Cambria Math" panose="02040503050406030204" pitchFamily="18" charset="0"/>
+                            </a:rPr>
+                            <m:t>=0</m:t>
+                          </m:r>
+                        </m:sub>
+                        <m:sup>
+                          <m:r>
+                            <a:rPr lang="pt-BR" b="0" i="1" smtClean="0">
+                              <a:latin typeface="Cambria Math" panose="02040503050406030204" pitchFamily="18" charset="0"/>
+                            </a:rPr>
+                            <m:t>𝐾</m:t>
+                          </m:r>
+                        </m:sup>
+                        <m:e>
+                          <m:sSub>
+                            <m:sSubPr>
+                              <m:ctrlPr>
+                                <a:rPr lang="pt-BR" b="0" i="1" smtClean="0">
+                                  <a:latin typeface="Cambria Math" panose="02040503050406030204" pitchFamily="18" charset="0"/>
+                                </a:rPr>
+                              </m:ctrlPr>
+                            </m:sSubPr>
+                            <m:e>
+                              <m:r>
+                                <a:rPr lang="pt-BR" b="0" i="1" smtClean="0">
+                                  <a:latin typeface="Cambria Math" panose="02040503050406030204" pitchFamily="18" charset="0"/>
+                                </a:rPr>
+                                <m:t>𝑎</m:t>
+                              </m:r>
+                            </m:e>
+                            <m:sub>
+                              <m:r>
+                                <a:rPr lang="pt-BR" b="0" i="1" smtClean="0">
+                                  <a:latin typeface="Cambria Math" panose="02040503050406030204" pitchFamily="18" charset="0"/>
+                                </a:rPr>
+                                <m:t>𝑖</m:t>
+                              </m:r>
+                            </m:sub>
+                          </m:sSub>
+                          <m:sSub>
+                            <m:sSubPr>
+                              <m:ctrlPr>
+                                <a:rPr lang="pt-BR" b="0" i="1" smtClean="0">
+                                  <a:latin typeface="Cambria Math" panose="02040503050406030204" pitchFamily="18" charset="0"/>
+                                </a:rPr>
+                              </m:ctrlPr>
+                            </m:sSubPr>
+                            <m:e>
+                              <m:r>
+                                <a:rPr lang="pt-BR" b="0" i="1" smtClean="0">
+                                  <a:latin typeface="Cambria Math" panose="02040503050406030204" pitchFamily="18" charset="0"/>
+                                </a:rPr>
+                                <m:t>𝑥</m:t>
+                              </m:r>
+                            </m:e>
+                            <m:sub>
+                              <m:r>
+                                <a:rPr lang="pt-BR" b="0" i="1" smtClean="0">
+                                  <a:latin typeface="Cambria Math" panose="02040503050406030204" pitchFamily="18" charset="0"/>
+                                </a:rPr>
+                                <m:t>𝑖</m:t>
+                              </m:r>
+                            </m:sub>
+                          </m:sSub>
+                          <m:d>
+                            <m:dPr>
+                              <m:ctrlPr>
+                                <a:rPr lang="pt-BR" b="0" i="1" smtClean="0">
+                                  <a:latin typeface="Cambria Math" panose="02040503050406030204" pitchFamily="18" charset="0"/>
+                                </a:rPr>
+                              </m:ctrlPr>
+                            </m:dPr>
+                            <m:e>
+                              <m:r>
+                                <a:rPr lang="pt-BR" b="0" i="1" smtClean="0">
+                                  <a:latin typeface="Cambria Math" panose="02040503050406030204" pitchFamily="18" charset="0"/>
+                                </a:rPr>
+                                <m:t>𝑛</m:t>
+                              </m:r>
+                            </m:e>
+                          </m:d>
+                        </m:e>
+                      </m:nary>
+                      <m:r>
+                        <a:rPr lang="pt-BR" b="0" i="1" smtClean="0">
+                          <a:latin typeface="Cambria Math" panose="02040503050406030204" pitchFamily="18" charset="0"/>
+                        </a:rPr>
+                        <m:t>=</m:t>
+                      </m:r>
+                      <m:sSup>
+                        <m:sSupPr>
+                          <m:ctrlPr>
+                            <a:rPr lang="pt-BR" i="1">
+                              <a:latin typeface="Cambria Math" panose="02040503050406030204" pitchFamily="18" charset="0"/>
+                            </a:rPr>
+                          </m:ctrlPr>
+                        </m:sSupPr>
+                        <m:e>
+                          <m:r>
+                            <a:rPr lang="pt-BR" b="1" i="1">
+                              <a:latin typeface="Cambria Math" panose="02040503050406030204" pitchFamily="18" charset="0"/>
+                            </a:rPr>
+                            <m:t>𝒂</m:t>
+                          </m:r>
+                        </m:e>
+                        <m:sup>
+                          <m:r>
+                            <a:rPr lang="pt-BR" i="1">
+                              <a:latin typeface="Cambria Math" panose="02040503050406030204" pitchFamily="18" charset="0"/>
+                            </a:rPr>
+                            <m:t>𝑇</m:t>
+                          </m:r>
+                        </m:sup>
+                      </m:sSup>
+                      <m:r>
+                        <a:rPr lang="pt-BR" b="1" i="1">
+                          <a:latin typeface="Cambria Math" panose="02040503050406030204" pitchFamily="18" charset="0"/>
+                        </a:rPr>
+                        <m:t>𝒙</m:t>
+                      </m:r>
+                      <m:r>
+                        <a:rPr lang="pt-BR" i="1">
+                          <a:latin typeface="Cambria Math" panose="02040503050406030204" pitchFamily="18" charset="0"/>
+                        </a:rPr>
+                        <m:t>(</m:t>
+                      </m:r>
+                      <m:r>
+                        <a:rPr lang="pt-BR" i="1">
+                          <a:latin typeface="Cambria Math" panose="02040503050406030204" pitchFamily="18" charset="0"/>
+                        </a:rPr>
+                        <m:t>𝑛</m:t>
+                      </m:r>
+                      <m:r>
+                        <a:rPr lang="pt-BR" i="1">
+                          <a:latin typeface="Cambria Math" panose="02040503050406030204" pitchFamily="18" charset="0"/>
+                        </a:rPr>
+                        <m:t>),</m:t>
+                      </m:r>
+                    </m:oMath>
+                  </m:oMathPara>
+                </a14:m>
+                <a:endParaRPr lang="pt-BR" dirty="0"/>
+              </a:p>
+              <a:p>
+                <a:pPr marL="0" indent="0">
+                  <a:buNone/>
+                </a:pPr>
+                <a:r>
+                  <a:rPr lang="pt-BR" dirty="0"/>
+                  <a:t>onde </a:t>
+                </a:r>
+                <a14:m>
+                  <m:oMath xmlns:m="http://schemas.openxmlformats.org/officeDocument/2006/math">
+                    <m:r>
+                      <a:rPr lang="pt-BR" i="1">
+                        <a:latin typeface="Cambria Math" panose="02040503050406030204" pitchFamily="18" charset="0"/>
+                      </a:rPr>
+                      <m:t>𝐾</m:t>
+                    </m:r>
+                  </m:oMath>
+                </a14:m>
+                <a:r>
+                  <a:rPr lang="pt-BR" dirty="0"/>
+                  <a:t> é o número de entradas (chamadas de </a:t>
+                </a:r>
+                <a:r>
+                  <a:rPr lang="pt-BR" b="1" i="1" dirty="0"/>
+                  <a:t>atributos</a:t>
+                </a:r>
+                <a:r>
+                  <a:rPr lang="pt-BR" dirty="0"/>
+                  <a:t>), </a:t>
+                </a:r>
+                <a14:m>
+                  <m:oMath xmlns:m="http://schemas.openxmlformats.org/officeDocument/2006/math">
+                    <m:sSub>
+                      <m:sSubPr>
+                        <m:ctrlPr>
+                          <a:rPr lang="pt-BR" b="0" i="1" smtClean="0">
+                            <a:latin typeface="Cambria Math" panose="02040503050406030204" pitchFamily="18" charset="0"/>
+                          </a:rPr>
+                        </m:ctrlPr>
+                      </m:sSubPr>
+                      <m:e>
+                        <m:r>
+                          <a:rPr lang="pt-BR" b="0" i="1" smtClean="0">
+                            <a:latin typeface="Cambria Math" panose="02040503050406030204" pitchFamily="18" charset="0"/>
+                          </a:rPr>
+                          <m:t>𝑎</m:t>
+                        </m:r>
+                      </m:e>
+                      <m:sub>
+                        <m:r>
+                          <a:rPr lang="pt-BR" b="0" i="1" smtClean="0">
+                            <a:latin typeface="Cambria Math" panose="02040503050406030204" pitchFamily="18" charset="0"/>
+                          </a:rPr>
+                          <m:t>𝑖</m:t>
+                        </m:r>
+                      </m:sub>
+                    </m:sSub>
+                    <m:r>
+                      <a:rPr lang="pt-BR" b="0" i="1" smtClean="0">
+                        <a:latin typeface="Cambria Math" panose="02040503050406030204" pitchFamily="18" charset="0"/>
+                      </a:rPr>
+                      <m:t>, </m:t>
+                    </m:r>
+                    <m:r>
+                      <a:rPr lang="pt-BR" b="0" i="1" smtClean="0">
+                        <a:latin typeface="Cambria Math" panose="02040503050406030204" pitchFamily="18" charset="0"/>
+                        <a:ea typeface="Cambria Math" panose="02040503050406030204" pitchFamily="18" charset="0"/>
+                      </a:rPr>
+                      <m:t>∀</m:t>
+                    </m:r>
+                    <m:r>
+                      <a:rPr lang="pt-BR" b="0" i="1" smtClean="0">
+                        <a:latin typeface="Cambria Math" panose="02040503050406030204" pitchFamily="18" charset="0"/>
+                        <a:ea typeface="Cambria Math" panose="02040503050406030204" pitchFamily="18" charset="0"/>
+                      </a:rPr>
+                      <m:t>𝑖</m:t>
+                    </m:r>
+                  </m:oMath>
+                </a14:m>
+                <a:r>
+                  <a:rPr lang="pt-BR" dirty="0"/>
+                  <a:t> e </a:t>
+                </a:r>
+                <a14:m>
+                  <m:oMath xmlns:m="http://schemas.openxmlformats.org/officeDocument/2006/math">
+                    <m:sSub>
+                      <m:sSubPr>
+                        <m:ctrlPr>
+                          <a:rPr lang="pt-BR" i="1">
+                            <a:latin typeface="Cambria Math" panose="02040503050406030204" pitchFamily="18" charset="0"/>
+                          </a:rPr>
+                        </m:ctrlPr>
+                      </m:sSubPr>
+                      <m:e>
+                        <m:r>
+                          <a:rPr lang="pt-BR" i="1">
+                            <a:latin typeface="Cambria Math" panose="02040503050406030204" pitchFamily="18" charset="0"/>
+                          </a:rPr>
+                          <m:t>𝑥</m:t>
+                        </m:r>
+                      </m:e>
+                      <m:sub>
+                        <m:r>
+                          <a:rPr lang="pt-BR" i="1">
+                            <a:latin typeface="Cambria Math" panose="02040503050406030204" pitchFamily="18" charset="0"/>
+                          </a:rPr>
+                          <m:t>𝑖</m:t>
+                        </m:r>
+                      </m:sub>
+                    </m:sSub>
+                    <m:r>
+                      <a:rPr lang="pt-BR" b="0" i="1" smtClean="0">
+                        <a:latin typeface="Cambria Math" panose="02040503050406030204" pitchFamily="18" charset="0"/>
+                      </a:rPr>
+                      <m:t>,</m:t>
+                    </m:r>
+                    <m:r>
+                      <a:rPr lang="pt-BR" i="1">
+                        <a:latin typeface="Cambria Math" panose="02040503050406030204" pitchFamily="18" charset="0"/>
+                        <a:ea typeface="Cambria Math" panose="02040503050406030204" pitchFamily="18" charset="0"/>
+                      </a:rPr>
+                      <m:t>∀</m:t>
+                    </m:r>
+                    <m:r>
+                      <a:rPr lang="pt-BR" i="1">
+                        <a:latin typeface="Cambria Math" panose="02040503050406030204" pitchFamily="18" charset="0"/>
+                        <a:ea typeface="Cambria Math" panose="02040503050406030204" pitchFamily="18" charset="0"/>
+                      </a:rPr>
+                      <m:t>𝑖</m:t>
+                    </m:r>
+                  </m:oMath>
+                </a14:m>
+                <a:r>
+                  <a:rPr lang="pt-BR" dirty="0"/>
+                  <a:t> são os pesos e entradas da função, respectivamente, </a:t>
+                </a:r>
+                <a14:m>
+                  <m:oMath xmlns:m="http://schemas.openxmlformats.org/officeDocument/2006/math">
+                    <m:sSub>
+                      <m:sSubPr>
+                        <m:ctrlPr>
+                          <a:rPr lang="pt-BR" i="1">
+                            <a:latin typeface="Cambria Math" panose="02040503050406030204" pitchFamily="18" charset="0"/>
+                          </a:rPr>
+                        </m:ctrlPr>
+                      </m:sSubPr>
+                      <m:e>
+                        <m:r>
+                          <a:rPr lang="pt-BR" i="1">
+                            <a:latin typeface="Cambria Math" panose="02040503050406030204" pitchFamily="18" charset="0"/>
+                          </a:rPr>
+                          <m:t>𝑥</m:t>
+                        </m:r>
+                      </m:e>
+                      <m:sub>
+                        <m:r>
+                          <a:rPr lang="pt-BR" b="0" i="1" smtClean="0">
+                            <a:latin typeface="Cambria Math" panose="02040503050406030204" pitchFamily="18" charset="0"/>
+                          </a:rPr>
+                          <m:t>0</m:t>
+                        </m:r>
+                      </m:sub>
+                    </m:sSub>
+                    <m:r>
+                      <a:rPr lang="pt-BR" b="0" i="1" smtClean="0">
+                        <a:latin typeface="Cambria Math" panose="02040503050406030204" pitchFamily="18" charset="0"/>
+                      </a:rPr>
+                      <m:t>=1</m:t>
+                    </m:r>
+                  </m:oMath>
+                </a14:m>
+                <a:r>
+                  <a:rPr lang="pt-BR" dirty="0"/>
+                  <a:t> (</a:t>
+                </a:r>
+                <a:r>
+                  <a:rPr lang="pt-BR" b="1" i="1" dirty="0"/>
+                  <a:t>atributo de bias</a:t>
+                </a:r>
+                <a:r>
+                  <a:rPr lang="pt-BR" dirty="0"/>
+                  <a:t>) e </a:t>
+                </a:r>
+                <a14:m>
+                  <m:oMath xmlns:m="http://schemas.openxmlformats.org/officeDocument/2006/math">
+                    <m:r>
+                      <a:rPr lang="pt-BR" b="1" i="1">
+                        <a:latin typeface="Cambria Math" panose="02040503050406030204" pitchFamily="18" charset="0"/>
+                      </a:rPr>
+                      <m:t>𝒂</m:t>
+                    </m:r>
+                  </m:oMath>
+                </a14:m>
+                <a:r>
+                  <a:rPr lang="pt-BR" dirty="0"/>
+                  <a:t> e </a:t>
+                </a:r>
+                <a14:m>
+                  <m:oMath xmlns:m="http://schemas.openxmlformats.org/officeDocument/2006/math">
+                    <m:r>
+                      <a:rPr lang="pt-BR" b="1" i="1">
+                        <a:latin typeface="Cambria Math" panose="02040503050406030204" pitchFamily="18" charset="0"/>
+                      </a:rPr>
+                      <m:t>𝒙</m:t>
+                    </m:r>
+                    <m:r>
+                      <a:rPr lang="pt-BR" b="0" i="1" smtClean="0">
+                        <a:latin typeface="Cambria Math" panose="02040503050406030204" pitchFamily="18" charset="0"/>
+                      </a:rPr>
+                      <m:t>(</m:t>
+                    </m:r>
+                    <m:r>
+                      <a:rPr lang="pt-BR" b="0" i="1" smtClean="0">
+                        <a:latin typeface="Cambria Math" panose="02040503050406030204" pitchFamily="18" charset="0"/>
+                      </a:rPr>
+                      <m:t>𝑛</m:t>
+                    </m:r>
+                    <m:r>
+                      <a:rPr lang="pt-BR" b="0" i="1" smtClean="0">
+                        <a:latin typeface="Cambria Math" panose="02040503050406030204" pitchFamily="18" charset="0"/>
+                      </a:rPr>
+                      <m:t>)</m:t>
+                    </m:r>
+                  </m:oMath>
+                </a14:m>
+                <a:r>
+                  <a:rPr lang="pt-BR" dirty="0"/>
+                  <a:t> são vetores coluna com todos os pesos e entradas, respectivamente.</a:t>
+                </a:r>
+              </a:p>
+              <a:p>
+                <a:r>
+                  <a:rPr lang="pt-BR" dirty="0"/>
+                  <a:t>Agora podemos encontrar o vetor gradiente.</a:t>
+                </a:r>
+              </a:p>
+              <a:p>
+                <a:pPr marL="0" indent="0">
+                  <a:buNone/>
+                </a:pPr>
+                <a:endParaRPr lang="pt-BR" dirty="0"/>
+              </a:p>
+            </p:txBody>
+          </p:sp>
+        </mc:Choice>
+        <mc:Fallback>
+          <p:sp>
+            <p:nvSpPr>
+              <p:cNvPr id="3" name="Espaço Reservado para Conteúdo 2">
+                <a:extLst>
+                  <a:ext uri="{FF2B5EF4-FFF2-40B4-BE49-F238E27FC236}">
+                    <a16:creationId xmlns:a16="http://schemas.microsoft.com/office/drawing/2014/main" id="{BC309D38-8A49-3EA1-A804-53619DB2A0A7}"/>
+                  </a:ext>
+                </a:extLst>
+              </p:cNvPr>
+              <p:cNvSpPr>
+                <a:spLocks noGrp="1" noRot="1" noChangeAspect="1" noMove="1" noResize="1" noEditPoints="1" noAdjustHandles="1" noChangeArrowheads="1" noChangeShapeType="1" noTextEdit="1"/>
+              </p:cNvSpPr>
+              <p:nvPr>
+                <p:ph idx="1"/>
+              </p:nvPr>
+            </p:nvSpPr>
+            <p:spPr>
+              <a:xfrm>
+                <a:off x="838200" y="1825624"/>
+                <a:ext cx="10983686" cy="5032375"/>
+              </a:xfrm>
+              <a:blipFill>
+                <a:blip r:embed="rId2"/>
+                <a:stretch>
+                  <a:fillRect l="-1166" t="-1937" r="-1055"/>
+                </a:stretch>
+              </a:blipFill>
+            </p:spPr>
+            <p:txBody>
+              <a:bodyPr/>
+              <a:lstStyle/>
+              <a:p>
+                <a:r>
+                  <a:rPr lang="pt-BR">
+                    <a:noFill/>
+                  </a:rPr>
+                  <a:t> </a:t>
+                </a:r>
+              </a:p>
+            </p:txBody>
+          </p:sp>
+        </mc:Fallback>
+      </mc:AlternateContent>
     </p:spTree>
     <p:extLst>
       <p:ext uri="{BB962C8B-B14F-4D97-AF65-F5344CB8AC3E}">
-        <p14:creationId xmlns:p14="http://schemas.microsoft.com/office/powerpoint/2010/main" val="599145874"/>
+        <p14:creationId xmlns:p14="http://schemas.microsoft.com/office/powerpoint/2010/main" val="3766921205"/>
       </p:ext>
     </p:extLst>
   </p:cSld>
@@ -22268,6 +25968,1931 @@
     <p:extLst>
       <p:ext uri="{BB962C8B-B14F-4D97-AF65-F5344CB8AC3E}">
         <p14:creationId xmlns:p14="http://schemas.microsoft.com/office/powerpoint/2010/main" val="529739951"/>
+      </p:ext>
+    </p:extLst>
+  </p:cSld>
+  <p:clrMapOvr>
+    <a:masterClrMapping/>
+  </p:clrMapOvr>
+</p:sld>
+</file>
+
+<file path=ppt/slides/slide20.xml><?xml version="1.0" encoding="utf-8"?>
+<p:sld xmlns:a="http://schemas.openxmlformats.org/drawingml/2006/main" xmlns:r="http://schemas.openxmlformats.org/officeDocument/2006/relationships" xmlns:p="http://schemas.openxmlformats.org/presentationml/2006/main">
+  <p:cSld>
+    <p:spTree>
+      <p:nvGrpSpPr>
+        <p:cNvPr id="1" name=""/>
+        <p:cNvGrpSpPr/>
+        <p:nvPr/>
+      </p:nvGrpSpPr>
+      <p:grpSpPr>
+        <a:xfrm>
+          <a:off x="0" y="0"/>
+          <a:ext cx="0" cy="0"/>
+          <a:chOff x="0" y="0"/>
+          <a:chExt cx="0" cy="0"/>
+        </a:xfrm>
+      </p:grpSpPr>
+      <p:sp>
+        <p:nvSpPr>
+          <p:cNvPr id="2" name="Título 1">
+            <a:extLst>
+              <a:ext uri="{FF2B5EF4-FFF2-40B4-BE49-F238E27FC236}">
+                <a16:creationId xmlns:a16="http://schemas.microsoft.com/office/drawing/2014/main" id="{1F186E35-2132-957C-5119-8416C939A543}"/>
+              </a:ext>
+            </a:extLst>
+          </p:cNvPr>
+          <p:cNvSpPr>
+            <a:spLocks noGrp="1"/>
+          </p:cNvSpPr>
+          <p:nvPr>
+            <p:ph type="title"/>
+          </p:nvPr>
+        </p:nvSpPr>
+        <p:spPr/>
+        <p:txBody>
+          <a:bodyPr/>
+          <a:lstStyle/>
+          <a:p>
+            <a:r>
+              <a:rPr lang="pt-BR" dirty="0"/>
+              <a:t>Versões do gradiente descendente</a:t>
+            </a:r>
+          </a:p>
+        </p:txBody>
+      </p:sp>
+      <mc:AlternateContent xmlns:mc="http://schemas.openxmlformats.org/markup-compatibility/2006">
+        <mc:Choice xmlns:a14="http://schemas.microsoft.com/office/drawing/2010/main" Requires="a14">
+          <p:sp>
+            <p:nvSpPr>
+              <p:cNvPr id="3" name="Espaço Reservado para Conteúdo 2">
+                <a:extLst>
+                  <a:ext uri="{FF2B5EF4-FFF2-40B4-BE49-F238E27FC236}">
+                    <a16:creationId xmlns:a16="http://schemas.microsoft.com/office/drawing/2014/main" id="{DC5EC678-4C25-1184-B2F1-399C0F236041}"/>
+                  </a:ext>
+                </a:extLst>
+              </p:cNvPr>
+              <p:cNvSpPr>
+                <a:spLocks noGrp="1"/>
+              </p:cNvSpPr>
+              <p:nvPr>
+                <p:ph idx="1"/>
+              </p:nvPr>
+            </p:nvSpPr>
+            <p:spPr>
+              <a:xfrm>
+                <a:off x="838199" y="1825624"/>
+                <a:ext cx="11146971" cy="5032375"/>
+              </a:xfrm>
+            </p:spPr>
+            <p:txBody>
+              <a:bodyPr>
+                <a:normAutofit/>
+              </a:bodyPr>
+              <a:lstStyle/>
+              <a:p>
+                <a:r>
+                  <a:rPr lang="pt-BR" dirty="0"/>
+                  <a:t>O </a:t>
+                </a:r>
+                <a:r>
+                  <a:rPr lang="pt-BR" b="1" i="1" dirty="0"/>
+                  <a:t>vetor gradiente </a:t>
+                </a:r>
+                <a:r>
+                  <a:rPr lang="pt-BR" dirty="0"/>
+                  <a:t>da</a:t>
+                </a:r>
+                <a:r>
+                  <a:rPr lang="pt-BR" b="1" i="1" dirty="0"/>
+                  <a:t> função de erro </a:t>
+                </a:r>
+                <a:r>
+                  <a:rPr lang="pt-BR" dirty="0"/>
+                  <a:t>é dado por</a:t>
+                </a:r>
+              </a:p>
+              <a:p>
+                <a:pPr marL="0" indent="0">
+                  <a:buNone/>
+                </a:pPr>
+                <a14:m>
+                  <m:oMathPara xmlns:m="http://schemas.openxmlformats.org/officeDocument/2006/math">
+                    <m:oMathParaPr>
+                      <m:jc m:val="centerGroup"/>
+                    </m:oMathParaPr>
+                    <m:oMath xmlns:m="http://schemas.openxmlformats.org/officeDocument/2006/math">
+                      <m:f>
+                        <m:fPr>
+                          <m:ctrlPr>
+                            <a:rPr lang="pt-BR" i="1" smtClean="0">
+                              <a:latin typeface="Cambria Math" panose="02040503050406030204" pitchFamily="18" charset="0"/>
+                            </a:rPr>
+                          </m:ctrlPr>
+                        </m:fPr>
+                        <m:num>
+                          <m:r>
+                            <a:rPr lang="pt-BR" i="1">
+                              <a:latin typeface="Cambria Math" panose="02040503050406030204" pitchFamily="18" charset="0"/>
+                            </a:rPr>
+                            <m:t>𝜕</m:t>
+                          </m:r>
+                          <m:sSub>
+                            <m:sSubPr>
+                              <m:ctrlPr>
+                                <a:rPr lang="pt-BR" i="1">
+                                  <a:latin typeface="Cambria Math" panose="02040503050406030204" pitchFamily="18" charset="0"/>
+                                </a:rPr>
+                              </m:ctrlPr>
+                            </m:sSubPr>
+                            <m:e>
+                              <m:r>
+                                <a:rPr lang="pt-BR" i="1">
+                                  <a:latin typeface="Cambria Math" panose="02040503050406030204" pitchFamily="18" charset="0"/>
+                                </a:rPr>
+                                <m:t>𝐽</m:t>
+                              </m:r>
+                            </m:e>
+                            <m:sub>
+                              <m:r>
+                                <a:rPr lang="pt-BR" i="1">
+                                  <a:latin typeface="Cambria Math" panose="02040503050406030204" pitchFamily="18" charset="0"/>
+                                </a:rPr>
+                                <m:t>𝑒</m:t>
+                              </m:r>
+                            </m:sub>
+                          </m:sSub>
+                          <m:d>
+                            <m:dPr>
+                              <m:ctrlPr>
+                                <a:rPr lang="pt-BR" i="1">
+                                  <a:latin typeface="Cambria Math" panose="02040503050406030204" pitchFamily="18" charset="0"/>
+                                </a:rPr>
+                              </m:ctrlPr>
+                            </m:dPr>
+                            <m:e>
+                              <m:r>
+                                <a:rPr lang="pt-BR" b="1" i="1">
+                                  <a:latin typeface="Cambria Math" panose="02040503050406030204" pitchFamily="18" charset="0"/>
+                                </a:rPr>
+                                <m:t>𝒂</m:t>
+                              </m:r>
+                            </m:e>
+                          </m:d>
+                        </m:num>
+                        <m:den>
+                          <m:r>
+                            <a:rPr lang="pt-BR" i="1">
+                              <a:latin typeface="Cambria Math" panose="02040503050406030204" pitchFamily="18" charset="0"/>
+                            </a:rPr>
+                            <m:t>𝜕</m:t>
+                          </m:r>
+                          <m:r>
+                            <a:rPr lang="pt-BR" b="1" i="1">
+                              <a:latin typeface="Cambria Math" panose="02040503050406030204" pitchFamily="18" charset="0"/>
+                            </a:rPr>
+                            <m:t>𝒂</m:t>
+                          </m:r>
+                        </m:den>
+                      </m:f>
+                      <m:r>
+                        <a:rPr lang="pt-BR" b="1" i="1" smtClean="0">
+                          <a:latin typeface="Cambria Math" panose="02040503050406030204" pitchFamily="18" charset="0"/>
+                        </a:rPr>
+                        <m:t>=</m:t>
+                      </m:r>
+                      <m:f>
+                        <m:fPr>
+                          <m:ctrlPr>
+                            <a:rPr lang="pt-BR" i="1">
+                              <a:latin typeface="Cambria Math" panose="02040503050406030204" pitchFamily="18" charset="0"/>
+                            </a:rPr>
+                          </m:ctrlPr>
+                        </m:fPr>
+                        <m:num>
+                          <m:r>
+                            <a:rPr lang="pt-BR" i="1">
+                              <a:latin typeface="Cambria Math" panose="02040503050406030204" pitchFamily="18" charset="0"/>
+                            </a:rPr>
+                            <m:t>𝜕</m:t>
+                          </m:r>
+                        </m:num>
+                        <m:den>
+                          <m:r>
+                            <a:rPr lang="pt-BR" i="1">
+                              <a:latin typeface="Cambria Math" panose="02040503050406030204" pitchFamily="18" charset="0"/>
+                            </a:rPr>
+                            <m:t>𝜕</m:t>
+                          </m:r>
+                          <m:r>
+                            <a:rPr lang="pt-BR" b="1" i="1">
+                              <a:latin typeface="Cambria Math" panose="02040503050406030204" pitchFamily="18" charset="0"/>
+                            </a:rPr>
+                            <m:t>𝒂</m:t>
+                          </m:r>
+                        </m:den>
+                      </m:f>
+                      <m:d>
+                        <m:dPr>
+                          <m:begChr m:val="["/>
+                          <m:endChr m:val="]"/>
+                          <m:ctrlPr>
+                            <a:rPr lang="pt-BR" b="1" i="1" smtClean="0">
+                              <a:latin typeface="Cambria Math" panose="02040503050406030204" pitchFamily="18" charset="0"/>
+                            </a:rPr>
+                          </m:ctrlPr>
+                        </m:dPr>
+                        <m:e>
+                          <m:f>
+                            <m:fPr>
+                              <m:ctrlPr>
+                                <a:rPr lang="pt-BR" i="1">
+                                  <a:latin typeface="Cambria Math" panose="02040503050406030204" pitchFamily="18" charset="0"/>
+                                </a:rPr>
+                              </m:ctrlPr>
+                            </m:fPr>
+                            <m:num>
+                              <m:r>
+                                <a:rPr lang="pt-BR" i="1">
+                                  <a:latin typeface="Cambria Math" panose="02040503050406030204" pitchFamily="18" charset="0"/>
+                                </a:rPr>
+                                <m:t>1</m:t>
+                              </m:r>
+                            </m:num>
+                            <m:den>
+                              <m:r>
+                                <a:rPr lang="pt-BR" i="1">
+                                  <a:latin typeface="Cambria Math" panose="02040503050406030204" pitchFamily="18" charset="0"/>
+                                </a:rPr>
+                                <m:t>𝑁</m:t>
+                              </m:r>
+                            </m:den>
+                          </m:f>
+                          <m:nary>
+                            <m:naryPr>
+                              <m:chr m:val="∑"/>
+                              <m:ctrlPr>
+                                <a:rPr lang="pt-BR" i="1" smtClean="0">
+                                  <a:latin typeface="Cambria Math" panose="02040503050406030204" pitchFamily="18" charset="0"/>
+                                </a:rPr>
+                              </m:ctrlPr>
+                            </m:naryPr>
+                            <m:sub>
+                              <m:r>
+                                <m:rPr>
+                                  <m:brk m:alnAt="23"/>
+                                </m:rPr>
+                                <a:rPr lang="pt-BR" b="0" i="1" smtClean="0">
+                                  <a:latin typeface="Cambria Math" panose="02040503050406030204" pitchFamily="18" charset="0"/>
+                                </a:rPr>
+                                <m:t>𝑛</m:t>
+                              </m:r>
+                              <m:r>
+                                <a:rPr lang="pt-BR" b="0" i="1" smtClean="0">
+                                  <a:latin typeface="Cambria Math" panose="02040503050406030204" pitchFamily="18" charset="0"/>
+                                </a:rPr>
+                                <m:t>=0</m:t>
+                              </m:r>
+                            </m:sub>
+                            <m:sup>
+                              <m:r>
+                                <a:rPr lang="pt-BR" b="0" i="1" smtClean="0">
+                                  <a:latin typeface="Cambria Math" panose="02040503050406030204" pitchFamily="18" charset="0"/>
+                                </a:rPr>
+                                <m:t>𝑁</m:t>
+                              </m:r>
+                              <m:r>
+                                <a:rPr lang="pt-BR" b="0" i="1" smtClean="0">
+                                  <a:latin typeface="Cambria Math" panose="02040503050406030204" pitchFamily="18" charset="0"/>
+                                </a:rPr>
+                                <m:t>−1</m:t>
+                              </m:r>
+                            </m:sup>
+                            <m:e>
+                              <m:sSup>
+                                <m:sSupPr>
+                                  <m:ctrlPr>
+                                    <a:rPr lang="pt-BR" i="1" smtClean="0">
+                                      <a:latin typeface="Cambria Math" panose="02040503050406030204" pitchFamily="18" charset="0"/>
+                                    </a:rPr>
+                                  </m:ctrlPr>
+                                </m:sSupPr>
+                                <m:e>
+                                  <m:d>
+                                    <m:dPr>
+                                      <m:ctrlPr>
+                                        <a:rPr lang="pt-BR" i="1" smtClean="0">
+                                          <a:latin typeface="Cambria Math" panose="02040503050406030204" pitchFamily="18" charset="0"/>
+                                        </a:rPr>
+                                      </m:ctrlPr>
+                                    </m:dPr>
+                                    <m:e>
+                                      <m:r>
+                                        <a:rPr lang="pt-BR" b="0" i="1" smtClean="0">
+                                          <a:latin typeface="Cambria Math" panose="02040503050406030204" pitchFamily="18" charset="0"/>
+                                        </a:rPr>
+                                        <m:t>𝑦</m:t>
+                                      </m:r>
+                                      <m:d>
+                                        <m:dPr>
+                                          <m:ctrlPr>
+                                            <a:rPr lang="pt-BR" b="0" i="1" smtClean="0">
+                                              <a:latin typeface="Cambria Math" panose="02040503050406030204" pitchFamily="18" charset="0"/>
+                                            </a:rPr>
+                                          </m:ctrlPr>
+                                        </m:dPr>
+                                        <m:e>
+                                          <m:r>
+                                            <a:rPr lang="pt-BR" b="0" i="1" smtClean="0">
+                                              <a:latin typeface="Cambria Math" panose="02040503050406030204" pitchFamily="18" charset="0"/>
+                                            </a:rPr>
+                                            <m:t>𝑛</m:t>
+                                          </m:r>
+                                        </m:e>
+                                      </m:d>
+                                      <m:r>
+                                        <a:rPr lang="pt-BR" b="0" i="1" smtClean="0">
+                                          <a:latin typeface="Cambria Math" panose="02040503050406030204" pitchFamily="18" charset="0"/>
+                                        </a:rPr>
+                                        <m:t>−</m:t>
+                                      </m:r>
+                                      <m:acc>
+                                        <m:accPr>
+                                          <m:chr m:val="̂"/>
+                                          <m:ctrlPr>
+                                            <a:rPr lang="pt-BR" i="1">
+                                              <a:latin typeface="Cambria Math" panose="02040503050406030204" pitchFamily="18" charset="0"/>
+                                            </a:rPr>
+                                          </m:ctrlPr>
+                                        </m:accPr>
+                                        <m:e>
+                                          <m:r>
+                                            <a:rPr lang="pt-BR" i="1">
+                                              <a:latin typeface="Cambria Math" panose="02040503050406030204" pitchFamily="18" charset="0"/>
+                                            </a:rPr>
+                                            <m:t>𝑦</m:t>
+                                          </m:r>
+                                        </m:e>
+                                      </m:acc>
+                                      <m:d>
+                                        <m:dPr>
+                                          <m:ctrlPr>
+                                            <a:rPr lang="pt-BR" i="1">
+                                              <a:latin typeface="Cambria Math" panose="02040503050406030204" pitchFamily="18" charset="0"/>
+                                            </a:rPr>
+                                          </m:ctrlPr>
+                                        </m:dPr>
+                                        <m:e>
+                                          <m:r>
+                                            <a:rPr lang="pt-BR" i="1">
+                                              <a:latin typeface="Cambria Math" panose="02040503050406030204" pitchFamily="18" charset="0"/>
+                                            </a:rPr>
+                                            <m:t>𝑛</m:t>
+                                          </m:r>
+                                        </m:e>
+                                      </m:d>
+                                    </m:e>
+                                  </m:d>
+                                </m:e>
+                                <m:sup>
+                                  <m:r>
+                                    <a:rPr lang="pt-BR" b="0" i="1" smtClean="0">
+                                      <a:latin typeface="Cambria Math" panose="02040503050406030204" pitchFamily="18" charset="0"/>
+                                    </a:rPr>
+                                    <m:t>2</m:t>
+                                  </m:r>
+                                </m:sup>
+                              </m:sSup>
+                            </m:e>
+                          </m:nary>
+                        </m:e>
+                      </m:d>
+                    </m:oMath>
+                  </m:oMathPara>
+                </a14:m>
+                <a:endParaRPr lang="pt-BR" b="1" i="1" dirty="0">
+                  <a:latin typeface="Cambria Math" panose="02040503050406030204" pitchFamily="18" charset="0"/>
+                </a:endParaRPr>
+              </a:p>
+              <a:p>
+                <a:pPr marL="0" indent="0">
+                  <a:buNone/>
+                </a:pPr>
+                <a14:m>
+                  <m:oMathPara xmlns:m="http://schemas.openxmlformats.org/officeDocument/2006/math">
+                    <m:oMathParaPr>
+                      <m:jc m:val="centerGroup"/>
+                    </m:oMathParaPr>
+                    <m:oMath xmlns:m="http://schemas.openxmlformats.org/officeDocument/2006/math">
+                      <m:r>
+                        <a:rPr lang="pt-BR" b="1" i="1" smtClean="0">
+                          <a:latin typeface="Cambria Math" panose="02040503050406030204" pitchFamily="18" charset="0"/>
+                        </a:rPr>
+                        <m:t>=</m:t>
+                      </m:r>
+                      <m:r>
+                        <a:rPr lang="pt-BR" b="0" i="1" smtClean="0">
+                          <a:latin typeface="Cambria Math" panose="02040503050406030204" pitchFamily="18" charset="0"/>
+                        </a:rPr>
+                        <m:t>−</m:t>
+                      </m:r>
+                      <m:f>
+                        <m:fPr>
+                          <m:ctrlPr>
+                            <a:rPr lang="pt-BR" i="1">
+                              <a:latin typeface="Cambria Math" panose="02040503050406030204" pitchFamily="18" charset="0"/>
+                            </a:rPr>
+                          </m:ctrlPr>
+                        </m:fPr>
+                        <m:num>
+                          <m:r>
+                            <a:rPr lang="pt-BR" b="0" i="1" smtClean="0">
+                              <a:latin typeface="Cambria Math" panose="02040503050406030204" pitchFamily="18" charset="0"/>
+                            </a:rPr>
+                            <m:t>2</m:t>
+                          </m:r>
+                        </m:num>
+                        <m:den>
+                          <m:r>
+                            <a:rPr lang="pt-BR" i="1">
+                              <a:latin typeface="Cambria Math" panose="02040503050406030204" pitchFamily="18" charset="0"/>
+                            </a:rPr>
+                            <m:t>𝑁</m:t>
+                          </m:r>
+                        </m:den>
+                      </m:f>
+                      <m:nary>
+                        <m:naryPr>
+                          <m:chr m:val="∑"/>
+                          <m:ctrlPr>
+                            <a:rPr lang="pt-BR" i="1">
+                              <a:latin typeface="Cambria Math" panose="02040503050406030204" pitchFamily="18" charset="0"/>
+                            </a:rPr>
+                          </m:ctrlPr>
+                        </m:naryPr>
+                        <m:sub>
+                          <m:r>
+                            <a:rPr lang="pt-BR" b="0" i="1" smtClean="0">
+                              <a:latin typeface="Cambria Math" panose="02040503050406030204" pitchFamily="18" charset="0"/>
+                            </a:rPr>
+                            <m:t>𝑛</m:t>
+                          </m:r>
+                          <m:r>
+                            <a:rPr lang="pt-BR" i="1">
+                              <a:latin typeface="Cambria Math" panose="02040503050406030204" pitchFamily="18" charset="0"/>
+                            </a:rPr>
+                            <m:t>=0</m:t>
+                          </m:r>
+                        </m:sub>
+                        <m:sup>
+                          <m:r>
+                            <a:rPr lang="pt-BR" i="1">
+                              <a:latin typeface="Cambria Math" panose="02040503050406030204" pitchFamily="18" charset="0"/>
+                            </a:rPr>
+                            <m:t>𝑁</m:t>
+                          </m:r>
+                          <m:r>
+                            <a:rPr lang="pt-BR" i="1">
+                              <a:latin typeface="Cambria Math" panose="02040503050406030204" pitchFamily="18" charset="0"/>
+                            </a:rPr>
+                            <m:t>−1</m:t>
+                          </m:r>
+                        </m:sup>
+                        <m:e>
+                          <m:d>
+                            <m:dPr>
+                              <m:begChr m:val="["/>
+                              <m:endChr m:val="]"/>
+                              <m:ctrlPr>
+                                <a:rPr lang="pt-BR" i="1">
+                                  <a:latin typeface="Cambria Math" panose="02040503050406030204" pitchFamily="18" charset="0"/>
+                                </a:rPr>
+                              </m:ctrlPr>
+                            </m:dPr>
+                            <m:e>
+                              <m:r>
+                                <a:rPr lang="pt-BR" i="1">
+                                  <a:latin typeface="Cambria Math" panose="02040503050406030204" pitchFamily="18" charset="0"/>
+                                </a:rPr>
+                                <m:t>𝑦</m:t>
+                              </m:r>
+                              <m:d>
+                                <m:dPr>
+                                  <m:ctrlPr>
+                                    <a:rPr lang="pt-BR" i="1">
+                                      <a:latin typeface="Cambria Math" panose="02040503050406030204" pitchFamily="18" charset="0"/>
+                                    </a:rPr>
+                                  </m:ctrlPr>
+                                </m:dPr>
+                                <m:e>
+                                  <m:r>
+                                    <a:rPr lang="pt-BR" b="0" i="1" smtClean="0">
+                                      <a:latin typeface="Cambria Math" panose="02040503050406030204" pitchFamily="18" charset="0"/>
+                                    </a:rPr>
+                                    <m:t>𝑛</m:t>
+                                  </m:r>
+                                </m:e>
+                              </m:d>
+                              <m:r>
+                                <a:rPr lang="pt-BR" i="1">
+                                  <a:latin typeface="Cambria Math" panose="02040503050406030204" pitchFamily="18" charset="0"/>
+                                </a:rPr>
+                                <m:t>−</m:t>
+                              </m:r>
+                              <m:acc>
+                                <m:accPr>
+                                  <m:chr m:val="̂"/>
+                                  <m:ctrlPr>
+                                    <a:rPr lang="pt-BR" i="1">
+                                      <a:latin typeface="Cambria Math" panose="02040503050406030204" pitchFamily="18" charset="0"/>
+                                    </a:rPr>
+                                  </m:ctrlPr>
+                                </m:accPr>
+                                <m:e>
+                                  <m:r>
+                                    <a:rPr lang="pt-BR" i="1">
+                                      <a:latin typeface="Cambria Math" panose="02040503050406030204" pitchFamily="18" charset="0"/>
+                                    </a:rPr>
+                                    <m:t>𝑦</m:t>
+                                  </m:r>
+                                </m:e>
+                              </m:acc>
+                              <m:d>
+                                <m:dPr>
+                                  <m:ctrlPr>
+                                    <a:rPr lang="pt-BR" i="1">
+                                      <a:latin typeface="Cambria Math" panose="02040503050406030204" pitchFamily="18" charset="0"/>
+                                    </a:rPr>
+                                  </m:ctrlPr>
+                                </m:dPr>
+                                <m:e>
+                                  <m:r>
+                                    <a:rPr lang="pt-BR" i="1">
+                                      <a:latin typeface="Cambria Math" panose="02040503050406030204" pitchFamily="18" charset="0"/>
+                                    </a:rPr>
+                                    <m:t>𝑛</m:t>
+                                  </m:r>
+                                </m:e>
+                              </m:d>
+                            </m:e>
+                          </m:d>
+                          <m:sSup>
+                            <m:sSupPr>
+                              <m:ctrlPr>
+                                <a:rPr lang="pt-BR" i="1">
+                                  <a:latin typeface="Cambria Math" panose="02040503050406030204" pitchFamily="18" charset="0"/>
+                                </a:rPr>
+                              </m:ctrlPr>
+                            </m:sSupPr>
+                            <m:e>
+                              <m:r>
+                                <a:rPr lang="pt-BR" b="1" i="1">
+                                  <a:latin typeface="Cambria Math" panose="02040503050406030204" pitchFamily="18" charset="0"/>
+                                </a:rPr>
+                                <m:t>𝒙</m:t>
+                              </m:r>
+                              <m:d>
+                                <m:dPr>
+                                  <m:ctrlPr>
+                                    <a:rPr lang="pt-BR" b="1" i="1">
+                                      <a:latin typeface="Cambria Math" panose="02040503050406030204" pitchFamily="18" charset="0"/>
+                                    </a:rPr>
+                                  </m:ctrlPr>
+                                </m:dPr>
+                                <m:e>
+                                  <m:r>
+                                    <a:rPr lang="pt-BR" b="0" i="1" smtClean="0">
+                                      <a:latin typeface="Cambria Math" panose="02040503050406030204" pitchFamily="18" charset="0"/>
+                                    </a:rPr>
+                                    <m:t>𝑛</m:t>
+                                  </m:r>
+                                </m:e>
+                              </m:d>
+                            </m:e>
+                            <m:sup>
+                              <m:r>
+                                <a:rPr lang="pt-BR" i="1">
+                                  <a:latin typeface="Cambria Math" panose="02040503050406030204" pitchFamily="18" charset="0"/>
+                                </a:rPr>
+                                <m:t>𝑇</m:t>
+                              </m:r>
+                            </m:sup>
+                          </m:sSup>
+                        </m:e>
+                      </m:nary>
+                      <m:r>
+                        <a:rPr lang="pt-BR" i="1">
+                          <a:latin typeface="Cambria Math" panose="02040503050406030204" pitchFamily="18" charset="0"/>
+                        </a:rPr>
+                        <m:t>=</m:t>
+                      </m:r>
+                      <m:sSup>
+                        <m:sSupPr>
+                          <m:ctrlPr>
+                            <a:rPr lang="pt-BR" i="1">
+                              <a:latin typeface="Cambria Math" panose="02040503050406030204" pitchFamily="18" charset="0"/>
+                            </a:rPr>
+                          </m:ctrlPr>
+                        </m:sSupPr>
+                        <m:e>
+                          <m:r>
+                            <a:rPr lang="pt-BR" i="1">
+                              <a:latin typeface="Cambria Math" panose="02040503050406030204" pitchFamily="18" charset="0"/>
+                            </a:rPr>
+                            <m:t>−</m:t>
+                          </m:r>
+                          <m:f>
+                            <m:fPr>
+                              <m:ctrlPr>
+                                <a:rPr lang="pt-BR" i="1">
+                                  <a:latin typeface="Cambria Math" panose="02040503050406030204" pitchFamily="18" charset="0"/>
+                                </a:rPr>
+                              </m:ctrlPr>
+                            </m:fPr>
+                            <m:num>
+                              <m:r>
+                                <a:rPr lang="pt-BR" b="0" i="1" smtClean="0">
+                                  <a:latin typeface="Cambria Math" panose="02040503050406030204" pitchFamily="18" charset="0"/>
+                                </a:rPr>
+                                <m:t>2</m:t>
+                              </m:r>
+                            </m:num>
+                            <m:den>
+                              <m:r>
+                                <a:rPr lang="pt-BR" i="1">
+                                  <a:latin typeface="Cambria Math" panose="02040503050406030204" pitchFamily="18" charset="0"/>
+                                </a:rPr>
+                                <m:t>𝑁</m:t>
+                              </m:r>
+                            </m:den>
+                          </m:f>
+                          <m:r>
+                            <a:rPr lang="pt-BR" b="1" i="1">
+                              <a:latin typeface="Cambria Math" panose="02040503050406030204" pitchFamily="18" charset="0"/>
+                            </a:rPr>
+                            <m:t>𝑿</m:t>
+                          </m:r>
+                        </m:e>
+                        <m:sup>
+                          <m:r>
+                            <a:rPr lang="pt-BR" i="1">
+                              <a:latin typeface="Cambria Math" panose="02040503050406030204" pitchFamily="18" charset="0"/>
+                            </a:rPr>
+                            <m:t>𝑇</m:t>
+                          </m:r>
+                        </m:sup>
+                      </m:sSup>
+                      <m:d>
+                        <m:dPr>
+                          <m:ctrlPr>
+                            <a:rPr lang="pt-BR" i="1">
+                              <a:latin typeface="Cambria Math" panose="02040503050406030204" pitchFamily="18" charset="0"/>
+                            </a:rPr>
+                          </m:ctrlPr>
+                        </m:dPr>
+                        <m:e>
+                          <m:r>
+                            <a:rPr lang="pt-BR" b="1" i="1">
+                              <a:latin typeface="Cambria Math" panose="02040503050406030204" pitchFamily="18" charset="0"/>
+                            </a:rPr>
+                            <m:t>𝒚</m:t>
+                          </m:r>
+                          <m:r>
+                            <a:rPr lang="pt-BR" i="1">
+                              <a:latin typeface="Cambria Math" panose="02040503050406030204" pitchFamily="18" charset="0"/>
+                            </a:rPr>
+                            <m:t>−</m:t>
+                          </m:r>
+                          <m:acc>
+                            <m:accPr>
+                              <m:chr m:val="̂"/>
+                              <m:ctrlPr>
+                                <a:rPr lang="pt-BR" i="1">
+                                  <a:latin typeface="Cambria Math" panose="02040503050406030204" pitchFamily="18" charset="0"/>
+                                </a:rPr>
+                              </m:ctrlPr>
+                            </m:accPr>
+                            <m:e>
+                              <m:r>
+                                <a:rPr lang="pt-BR" b="1" i="1">
+                                  <a:latin typeface="Cambria Math" panose="02040503050406030204" pitchFamily="18" charset="0"/>
+                                </a:rPr>
+                                <m:t>𝒚</m:t>
+                              </m:r>
+                            </m:e>
+                          </m:acc>
+                        </m:e>
+                      </m:d>
+                      <m:r>
+                        <a:rPr lang="pt-BR" b="0" i="1" smtClean="0">
+                          <a:latin typeface="Cambria Math" panose="02040503050406030204" pitchFamily="18" charset="0"/>
+                        </a:rPr>
+                        <m:t>,</m:t>
+                      </m:r>
+                    </m:oMath>
+                  </m:oMathPara>
+                </a14:m>
+                <a:endParaRPr lang="pt-BR" dirty="0"/>
+              </a:p>
+              <a:p>
+                <a:pPr marL="0" indent="0">
+                  <a:buNone/>
+                </a:pPr>
+                <a:r>
+                  <a:rPr lang="nl-BE" dirty="0"/>
+                  <a:t>onde </a:t>
+                </a:r>
+                <a14:m>
+                  <m:oMath xmlns:m="http://schemas.openxmlformats.org/officeDocument/2006/math">
+                    <m:r>
+                      <a:rPr lang="pt-BR" b="1" i="1" smtClean="0">
+                        <a:latin typeface="Cambria Math" panose="02040503050406030204" pitchFamily="18" charset="0"/>
+                      </a:rPr>
+                      <m:t>𝑿</m:t>
+                    </m:r>
+                  </m:oMath>
+                </a14:m>
+                <a:r>
+                  <a:rPr lang="nl-BE" dirty="0"/>
+                  <a:t> é uma matriz </a:t>
+                </a:r>
+                <a14:m>
+                  <m:oMath xmlns:m="http://schemas.openxmlformats.org/officeDocument/2006/math">
+                    <m:r>
+                      <a:rPr lang="pt-BR" b="0" i="1" smtClean="0">
+                        <a:latin typeface="Cambria Math" panose="02040503050406030204" pitchFamily="18" charset="0"/>
+                      </a:rPr>
+                      <m:t>(</m:t>
+                    </m:r>
+                    <m:r>
+                      <a:rPr lang="pt-BR" b="0" i="1" dirty="0" smtClean="0">
+                        <a:latin typeface="Cambria Math" panose="02040503050406030204" pitchFamily="18" charset="0"/>
+                      </a:rPr>
+                      <m:t>𝑁</m:t>
+                    </m:r>
+                    <m:r>
+                      <a:rPr lang="pt-BR" b="0" i="1" dirty="0" smtClean="0">
+                        <a:latin typeface="Cambria Math" panose="02040503050406030204" pitchFamily="18" charset="0"/>
+                        <a:ea typeface="Cambria Math" panose="02040503050406030204" pitchFamily="18" charset="0"/>
+                      </a:rPr>
+                      <m:t>×</m:t>
+                    </m:r>
+                    <m:r>
+                      <a:rPr lang="pt-BR" b="0" i="1" dirty="0" smtClean="0">
+                        <a:latin typeface="Cambria Math" panose="02040503050406030204" pitchFamily="18" charset="0"/>
+                        <a:ea typeface="Cambria Math" panose="02040503050406030204" pitchFamily="18" charset="0"/>
+                      </a:rPr>
+                      <m:t>𝐾</m:t>
+                    </m:r>
+                    <m:r>
+                      <a:rPr lang="pt-BR" b="0" i="1" dirty="0" smtClean="0">
+                        <a:latin typeface="Cambria Math" panose="02040503050406030204" pitchFamily="18" charset="0"/>
+                        <a:ea typeface="Cambria Math" panose="02040503050406030204" pitchFamily="18" charset="0"/>
+                      </a:rPr>
+                      <m:t>+1)</m:t>
+                    </m:r>
+                  </m:oMath>
+                </a14:m>
+                <a:r>
+                  <a:rPr lang="nl-BE" dirty="0"/>
+                  <a:t> com todos os atributos para os </a:t>
+                </a:r>
+                <a14:m>
+                  <m:oMath xmlns:m="http://schemas.openxmlformats.org/officeDocument/2006/math">
+                    <m:r>
+                      <a:rPr lang="pt-BR" i="1">
+                        <a:latin typeface="Cambria Math" panose="02040503050406030204" pitchFamily="18" charset="0"/>
+                      </a:rPr>
+                      <m:t>𝑁</m:t>
+                    </m:r>
+                  </m:oMath>
+                </a14:m>
+                <a:r>
+                  <a:rPr lang="nl-BE" dirty="0"/>
+                  <a:t> instantes de tempo considerados e </a:t>
+                </a:r>
+                <a14:m>
+                  <m:oMath xmlns:m="http://schemas.openxmlformats.org/officeDocument/2006/math">
+                    <m:r>
+                      <a:rPr lang="pt-BR" b="1" i="1">
+                        <a:latin typeface="Cambria Math" panose="02040503050406030204" pitchFamily="18" charset="0"/>
+                      </a:rPr>
+                      <m:t>𝒚</m:t>
+                    </m:r>
+                  </m:oMath>
+                </a14:m>
+                <a:r>
+                  <a:rPr lang="nl-BE" dirty="0"/>
+                  <a:t> e </a:t>
+                </a:r>
+                <a14:m>
+                  <m:oMath xmlns:m="http://schemas.openxmlformats.org/officeDocument/2006/math">
+                    <m:acc>
+                      <m:accPr>
+                        <m:chr m:val="̂"/>
+                        <m:ctrlPr>
+                          <a:rPr lang="pt-BR" i="1">
+                            <a:latin typeface="Cambria Math" panose="02040503050406030204" pitchFamily="18" charset="0"/>
+                          </a:rPr>
+                        </m:ctrlPr>
+                      </m:accPr>
+                      <m:e>
+                        <m:r>
+                          <a:rPr lang="pt-BR" b="1" i="1">
+                            <a:latin typeface="Cambria Math" panose="02040503050406030204" pitchFamily="18" charset="0"/>
+                          </a:rPr>
+                          <m:t>𝒚</m:t>
+                        </m:r>
+                      </m:e>
+                    </m:acc>
+                  </m:oMath>
+                </a14:m>
+                <a:r>
+                  <a:rPr lang="nl-BE" dirty="0"/>
+                  <a:t> são vetores coluna </a:t>
+                </a:r>
+                <a14:m>
+                  <m:oMath xmlns:m="http://schemas.openxmlformats.org/officeDocument/2006/math">
+                    <m:r>
+                      <a:rPr lang="pt-BR" i="1">
+                        <a:latin typeface="Cambria Math" panose="02040503050406030204" pitchFamily="18" charset="0"/>
+                      </a:rPr>
+                      <m:t>(</m:t>
+                    </m:r>
+                    <m:r>
+                      <a:rPr lang="pt-BR" i="1" dirty="0">
+                        <a:latin typeface="Cambria Math" panose="02040503050406030204" pitchFamily="18" charset="0"/>
+                      </a:rPr>
+                      <m:t>𝑁</m:t>
+                    </m:r>
+                    <m:r>
+                      <a:rPr lang="pt-BR" i="1" dirty="0">
+                        <a:latin typeface="Cambria Math" panose="02040503050406030204" pitchFamily="18" charset="0"/>
+                        <a:ea typeface="Cambria Math" panose="02040503050406030204" pitchFamily="18" charset="0"/>
+                      </a:rPr>
+                      <m:t>×1)</m:t>
+                    </m:r>
+                  </m:oMath>
+                </a14:m>
+                <a:r>
+                  <a:rPr lang="nl-BE" dirty="0"/>
+                  <a:t> com todos os valores esperados e de saída da função hipótese para os </a:t>
+                </a:r>
+                <a14:m>
+                  <m:oMath xmlns:m="http://schemas.openxmlformats.org/officeDocument/2006/math">
+                    <m:r>
+                      <a:rPr lang="pt-BR" i="1">
+                        <a:latin typeface="Cambria Math" panose="02040503050406030204" pitchFamily="18" charset="0"/>
+                      </a:rPr>
+                      <m:t>𝑁</m:t>
+                    </m:r>
+                  </m:oMath>
+                </a14:m>
+                <a:r>
+                  <a:rPr lang="nl-BE" dirty="0"/>
+                  <a:t> instantes de tempo considerados, respectivamente.</a:t>
+                </a:r>
+              </a:p>
+              <a:p>
+                <a:r>
+                  <a:rPr lang="nl-BE" dirty="0"/>
+                  <a:t>Esse equacionamento pode ser diretamente estendido a polinômios.</a:t>
+                </a:r>
+              </a:p>
+            </p:txBody>
+          </p:sp>
+        </mc:Choice>
+        <mc:Fallback>
+          <p:sp>
+            <p:nvSpPr>
+              <p:cNvPr id="3" name="Espaço Reservado para Conteúdo 2">
+                <a:extLst>
+                  <a:ext uri="{FF2B5EF4-FFF2-40B4-BE49-F238E27FC236}">
+                    <a16:creationId xmlns:a16="http://schemas.microsoft.com/office/drawing/2014/main" id="{DC5EC678-4C25-1184-B2F1-399C0F236041}"/>
+                  </a:ext>
+                </a:extLst>
+              </p:cNvPr>
+              <p:cNvSpPr>
+                <a:spLocks noGrp="1" noRot="1" noChangeAspect="1" noMove="1" noResize="1" noEditPoints="1" noAdjustHandles="1" noChangeArrowheads="1" noChangeShapeType="1" noTextEdit="1"/>
+              </p:cNvSpPr>
+              <p:nvPr>
+                <p:ph idx="1"/>
+              </p:nvPr>
+            </p:nvSpPr>
+            <p:spPr>
+              <a:xfrm>
+                <a:off x="838199" y="1825624"/>
+                <a:ext cx="11146971" cy="5032375"/>
+              </a:xfrm>
+              <a:blipFill>
+                <a:blip r:embed="rId2"/>
+                <a:stretch>
+                  <a:fillRect l="-1093" t="-1937" b="-1816"/>
+                </a:stretch>
+              </a:blipFill>
+            </p:spPr>
+            <p:txBody>
+              <a:bodyPr/>
+              <a:lstStyle/>
+              <a:p>
+                <a:r>
+                  <a:rPr lang="pt-BR">
+                    <a:noFill/>
+                  </a:rPr>
+                  <a:t> </a:t>
+                </a:r>
+              </a:p>
+            </p:txBody>
+          </p:sp>
+        </mc:Fallback>
+      </mc:AlternateContent>
+    </p:spTree>
+    <p:extLst>
+      <p:ext uri="{BB962C8B-B14F-4D97-AF65-F5344CB8AC3E}">
+        <p14:creationId xmlns:p14="http://schemas.microsoft.com/office/powerpoint/2010/main" val="558431288"/>
+      </p:ext>
+    </p:extLst>
+  </p:cSld>
+  <p:clrMapOvr>
+    <a:masterClrMapping/>
+  </p:clrMapOvr>
+</p:sld>
+</file>
+
+<file path=ppt/slides/slide21.xml><?xml version="1.0" encoding="utf-8"?>
+<p:sld xmlns:a="http://schemas.openxmlformats.org/drawingml/2006/main" xmlns:r="http://schemas.openxmlformats.org/officeDocument/2006/relationships" xmlns:p="http://schemas.openxmlformats.org/presentationml/2006/main">
+  <p:cSld>
+    <p:spTree>
+      <p:nvGrpSpPr>
+        <p:cNvPr id="1" name=""/>
+        <p:cNvGrpSpPr/>
+        <p:nvPr/>
+      </p:nvGrpSpPr>
+      <p:grpSpPr>
+        <a:xfrm>
+          <a:off x="0" y="0"/>
+          <a:ext cx="0" cy="0"/>
+          <a:chOff x="0" y="0"/>
+          <a:chExt cx="0" cy="0"/>
+        </a:xfrm>
+      </p:grpSpPr>
+      <p:sp>
+        <p:nvSpPr>
+          <p:cNvPr id="2" name="Título 1">
+            <a:extLst>
+              <a:ext uri="{FF2B5EF4-FFF2-40B4-BE49-F238E27FC236}">
+                <a16:creationId xmlns:a16="http://schemas.microsoft.com/office/drawing/2014/main" id="{74021E05-ABDD-6B49-2AC1-594A009F1D15}"/>
+              </a:ext>
+            </a:extLst>
+          </p:cNvPr>
+          <p:cNvSpPr>
+            <a:spLocks noGrp="1"/>
+          </p:cNvSpPr>
+          <p:nvPr>
+            <p:ph type="title"/>
+          </p:nvPr>
+        </p:nvSpPr>
+        <p:spPr/>
+        <p:txBody>
+          <a:bodyPr/>
+          <a:lstStyle/>
+          <a:p>
+            <a:r>
+              <a:rPr lang="pt-BR" dirty="0"/>
+              <a:t>Versões do gradiente descendente</a:t>
+            </a:r>
+          </a:p>
+        </p:txBody>
+      </p:sp>
+      <mc:AlternateContent xmlns:mc="http://schemas.openxmlformats.org/markup-compatibility/2006">
+        <mc:Choice xmlns:a14="http://schemas.microsoft.com/office/drawing/2010/main" Requires="a14">
+          <p:sp>
+            <p:nvSpPr>
+              <p:cNvPr id="3" name="Espaço Reservado para Conteúdo 2">
+                <a:extLst>
+                  <a:ext uri="{FF2B5EF4-FFF2-40B4-BE49-F238E27FC236}">
+                    <a16:creationId xmlns:a16="http://schemas.microsoft.com/office/drawing/2014/main" id="{1CB9A1FC-3F15-B216-8074-C6DE6730400A}"/>
+                  </a:ext>
+                </a:extLst>
+              </p:cNvPr>
+              <p:cNvSpPr>
+                <a:spLocks noGrp="1"/>
+              </p:cNvSpPr>
+              <p:nvPr>
+                <p:ph idx="1"/>
+              </p:nvPr>
+            </p:nvSpPr>
+            <p:spPr>
+              <a:xfrm>
+                <a:off x="838200" y="1690688"/>
+                <a:ext cx="11212286" cy="5167311"/>
+              </a:xfrm>
+            </p:spPr>
+            <p:txBody>
+              <a:bodyPr>
+                <a:normAutofit fontScale="92500" lnSpcReduction="10000"/>
+              </a:bodyPr>
+              <a:lstStyle/>
+              <a:p>
+                <a:r>
+                  <a:rPr lang="pt-BR" dirty="0"/>
+                  <a:t>Substituindo na </a:t>
+                </a:r>
+                <a:r>
+                  <a:rPr lang="pt-BR" b="1" i="1" dirty="0"/>
+                  <a:t>equação de atualização dos pesos</a:t>
+                </a:r>
+                <a:r>
+                  <a:rPr lang="pt-BR" dirty="0"/>
+                  <a:t>, temos</a:t>
+                </a:r>
+              </a:p>
+              <a:p>
+                <a:pPr marL="0" indent="0">
+                  <a:buNone/>
+                </a:pPr>
+                <a14:m>
+                  <m:oMathPara xmlns:m="http://schemas.openxmlformats.org/officeDocument/2006/math">
+                    <m:oMathParaPr>
+                      <m:jc m:val="centerGroup"/>
+                    </m:oMathParaPr>
+                    <m:oMath xmlns:m="http://schemas.openxmlformats.org/officeDocument/2006/math">
+                      <m:r>
+                        <a:rPr lang="pt-BR" b="1" i="1" smtClean="0">
+                          <a:latin typeface="Cambria Math" panose="02040503050406030204" pitchFamily="18" charset="0"/>
+                        </a:rPr>
+                        <m:t>𝒂</m:t>
+                      </m:r>
+                      <m:r>
+                        <a:rPr lang="pt-BR" b="1" i="1" smtClean="0">
+                          <a:latin typeface="Cambria Math" panose="02040503050406030204" pitchFamily="18" charset="0"/>
+                        </a:rPr>
+                        <m:t>=</m:t>
+                      </m:r>
+                      <m:r>
+                        <a:rPr lang="pt-BR" b="1" i="1" smtClean="0">
+                          <a:latin typeface="Cambria Math" panose="02040503050406030204" pitchFamily="18" charset="0"/>
+                        </a:rPr>
+                        <m:t>𝒂</m:t>
+                      </m:r>
+                      <m:r>
+                        <a:rPr lang="pt-BR" b="1" i="1" smtClean="0">
+                          <a:latin typeface="Cambria Math" panose="02040503050406030204" pitchFamily="18" charset="0"/>
+                        </a:rPr>
+                        <m:t>−</m:t>
+                      </m:r>
+                      <m:r>
+                        <a:rPr lang="pt-BR" i="1">
+                          <a:latin typeface="Cambria Math" panose="02040503050406030204" pitchFamily="18" charset="0"/>
+                          <a:ea typeface="Cambria Math" panose="02040503050406030204" pitchFamily="18" charset="0"/>
+                        </a:rPr>
+                        <m:t>𝛼</m:t>
+                      </m:r>
+                      <m:f>
+                        <m:fPr>
+                          <m:ctrlPr>
+                            <a:rPr lang="pt-BR" i="1">
+                              <a:latin typeface="Cambria Math" panose="02040503050406030204" pitchFamily="18" charset="0"/>
+                            </a:rPr>
+                          </m:ctrlPr>
+                        </m:fPr>
+                        <m:num>
+                          <m:r>
+                            <a:rPr lang="pt-BR" i="1">
+                              <a:latin typeface="Cambria Math" panose="02040503050406030204" pitchFamily="18" charset="0"/>
+                            </a:rPr>
+                            <m:t>𝜕</m:t>
+                          </m:r>
+                          <m:sSub>
+                            <m:sSubPr>
+                              <m:ctrlPr>
+                                <a:rPr lang="pt-BR" i="1">
+                                  <a:latin typeface="Cambria Math" panose="02040503050406030204" pitchFamily="18" charset="0"/>
+                                </a:rPr>
+                              </m:ctrlPr>
+                            </m:sSubPr>
+                            <m:e>
+                              <m:r>
+                                <a:rPr lang="pt-BR" i="1">
+                                  <a:latin typeface="Cambria Math" panose="02040503050406030204" pitchFamily="18" charset="0"/>
+                                </a:rPr>
+                                <m:t>𝐽</m:t>
+                              </m:r>
+                            </m:e>
+                            <m:sub>
+                              <m:r>
+                                <a:rPr lang="pt-BR" i="1">
+                                  <a:latin typeface="Cambria Math" panose="02040503050406030204" pitchFamily="18" charset="0"/>
+                                </a:rPr>
+                                <m:t>𝑒</m:t>
+                              </m:r>
+                            </m:sub>
+                          </m:sSub>
+                          <m:d>
+                            <m:dPr>
+                              <m:ctrlPr>
+                                <a:rPr lang="pt-BR" i="1">
+                                  <a:latin typeface="Cambria Math" panose="02040503050406030204" pitchFamily="18" charset="0"/>
+                                </a:rPr>
+                              </m:ctrlPr>
+                            </m:dPr>
+                            <m:e>
+                              <m:r>
+                                <a:rPr lang="pt-BR" b="1" i="1">
+                                  <a:latin typeface="Cambria Math" panose="02040503050406030204" pitchFamily="18" charset="0"/>
+                                </a:rPr>
+                                <m:t>𝒂</m:t>
+                              </m:r>
+                            </m:e>
+                          </m:d>
+                        </m:num>
+                        <m:den>
+                          <m:r>
+                            <a:rPr lang="pt-BR" i="1">
+                              <a:latin typeface="Cambria Math" panose="02040503050406030204" pitchFamily="18" charset="0"/>
+                            </a:rPr>
+                            <m:t>𝜕</m:t>
+                          </m:r>
+                          <m:r>
+                            <a:rPr lang="pt-BR" b="1" i="1">
+                              <a:latin typeface="Cambria Math" panose="02040503050406030204" pitchFamily="18" charset="0"/>
+                            </a:rPr>
+                            <m:t>𝒂</m:t>
+                          </m:r>
+                        </m:den>
+                      </m:f>
+                      <m:r>
+                        <a:rPr lang="pt-BR" b="1" i="1">
+                          <a:latin typeface="Cambria Math" panose="02040503050406030204" pitchFamily="18" charset="0"/>
+                        </a:rPr>
+                        <m:t>=</m:t>
+                      </m:r>
+                      <m:r>
+                        <a:rPr lang="pt-BR" b="1" i="1">
+                          <a:latin typeface="Cambria Math" panose="02040503050406030204" pitchFamily="18" charset="0"/>
+                        </a:rPr>
+                        <m:t>𝒂</m:t>
+                      </m:r>
+                      <m:r>
+                        <a:rPr lang="pt-BR" b="0" i="1" smtClean="0">
+                          <a:latin typeface="Cambria Math" panose="02040503050406030204" pitchFamily="18" charset="0"/>
+                        </a:rPr>
+                        <m:t>+</m:t>
+                      </m:r>
+                      <m:r>
+                        <a:rPr lang="pt-BR" i="1">
+                          <a:latin typeface="Cambria Math" panose="02040503050406030204" pitchFamily="18" charset="0"/>
+                          <a:ea typeface="Cambria Math" panose="02040503050406030204" pitchFamily="18" charset="0"/>
+                        </a:rPr>
+                        <m:t>𝛼</m:t>
+                      </m:r>
+                      <m:f>
+                        <m:fPr>
+                          <m:ctrlPr>
+                            <a:rPr lang="pt-BR" i="1">
+                              <a:latin typeface="Cambria Math" panose="02040503050406030204" pitchFamily="18" charset="0"/>
+                            </a:rPr>
+                          </m:ctrlPr>
+                        </m:fPr>
+                        <m:num>
+                          <m:r>
+                            <a:rPr lang="pt-BR" b="0" i="1" smtClean="0">
+                              <a:latin typeface="Cambria Math" panose="02040503050406030204" pitchFamily="18" charset="0"/>
+                            </a:rPr>
+                            <m:t>2</m:t>
+                          </m:r>
+                        </m:num>
+                        <m:den>
+                          <m:r>
+                            <a:rPr lang="pt-BR" i="1">
+                              <a:latin typeface="Cambria Math" panose="02040503050406030204" pitchFamily="18" charset="0"/>
+                            </a:rPr>
+                            <m:t>𝑁</m:t>
+                          </m:r>
+                        </m:den>
+                      </m:f>
+                      <m:nary>
+                        <m:naryPr>
+                          <m:chr m:val="∑"/>
+                          <m:ctrlPr>
+                            <a:rPr lang="pt-BR" i="1">
+                              <a:latin typeface="Cambria Math" panose="02040503050406030204" pitchFamily="18" charset="0"/>
+                            </a:rPr>
+                          </m:ctrlPr>
+                        </m:naryPr>
+                        <m:sub>
+                          <m:r>
+                            <a:rPr lang="pt-BR" i="1">
+                              <a:latin typeface="Cambria Math" panose="02040503050406030204" pitchFamily="18" charset="0"/>
+                            </a:rPr>
+                            <m:t>𝑛</m:t>
+                          </m:r>
+                          <m:r>
+                            <a:rPr lang="pt-BR" i="1">
+                              <a:latin typeface="Cambria Math" panose="02040503050406030204" pitchFamily="18" charset="0"/>
+                            </a:rPr>
+                            <m:t>=0</m:t>
+                          </m:r>
+                        </m:sub>
+                        <m:sup>
+                          <m:r>
+                            <a:rPr lang="pt-BR" b="0" i="1" smtClean="0">
+                              <a:latin typeface="Cambria Math" panose="02040503050406030204" pitchFamily="18" charset="0"/>
+                            </a:rPr>
+                            <m:t>𝑀</m:t>
+                          </m:r>
+                          <m:r>
+                            <a:rPr lang="pt-BR" i="1">
+                              <a:latin typeface="Cambria Math" panose="02040503050406030204" pitchFamily="18" charset="0"/>
+                            </a:rPr>
+                            <m:t>−1</m:t>
+                          </m:r>
+                        </m:sup>
+                        <m:e>
+                          <m:d>
+                            <m:dPr>
+                              <m:begChr m:val="["/>
+                              <m:endChr m:val="]"/>
+                              <m:ctrlPr>
+                                <a:rPr lang="pt-BR" i="1">
+                                  <a:latin typeface="Cambria Math" panose="02040503050406030204" pitchFamily="18" charset="0"/>
+                                </a:rPr>
+                              </m:ctrlPr>
+                            </m:dPr>
+                            <m:e>
+                              <m:r>
+                                <a:rPr lang="pt-BR" i="1">
+                                  <a:latin typeface="Cambria Math" panose="02040503050406030204" pitchFamily="18" charset="0"/>
+                                </a:rPr>
+                                <m:t>𝑦</m:t>
+                              </m:r>
+                              <m:d>
+                                <m:dPr>
+                                  <m:ctrlPr>
+                                    <a:rPr lang="pt-BR" i="1">
+                                      <a:latin typeface="Cambria Math" panose="02040503050406030204" pitchFamily="18" charset="0"/>
+                                    </a:rPr>
+                                  </m:ctrlPr>
+                                </m:dPr>
+                                <m:e>
+                                  <m:r>
+                                    <a:rPr lang="pt-BR" i="1">
+                                      <a:latin typeface="Cambria Math" panose="02040503050406030204" pitchFamily="18" charset="0"/>
+                                    </a:rPr>
+                                    <m:t>𝑛</m:t>
+                                  </m:r>
+                                </m:e>
+                              </m:d>
+                              <m:r>
+                                <a:rPr lang="pt-BR" i="1">
+                                  <a:latin typeface="Cambria Math" panose="02040503050406030204" pitchFamily="18" charset="0"/>
+                                </a:rPr>
+                                <m:t>−</m:t>
+                              </m:r>
+                              <m:acc>
+                                <m:accPr>
+                                  <m:chr m:val="̂"/>
+                                  <m:ctrlPr>
+                                    <a:rPr lang="pt-BR" i="1">
+                                      <a:latin typeface="Cambria Math" panose="02040503050406030204" pitchFamily="18" charset="0"/>
+                                    </a:rPr>
+                                  </m:ctrlPr>
+                                </m:accPr>
+                                <m:e>
+                                  <m:r>
+                                    <a:rPr lang="pt-BR" i="1">
+                                      <a:latin typeface="Cambria Math" panose="02040503050406030204" pitchFamily="18" charset="0"/>
+                                    </a:rPr>
+                                    <m:t>𝑦</m:t>
+                                  </m:r>
+                                </m:e>
+                              </m:acc>
+                              <m:d>
+                                <m:dPr>
+                                  <m:ctrlPr>
+                                    <a:rPr lang="pt-BR" i="1">
+                                      <a:latin typeface="Cambria Math" panose="02040503050406030204" pitchFamily="18" charset="0"/>
+                                    </a:rPr>
+                                  </m:ctrlPr>
+                                </m:dPr>
+                                <m:e>
+                                  <m:r>
+                                    <a:rPr lang="pt-BR" i="1">
+                                      <a:latin typeface="Cambria Math" panose="02040503050406030204" pitchFamily="18" charset="0"/>
+                                    </a:rPr>
+                                    <m:t>𝑛</m:t>
+                                  </m:r>
+                                </m:e>
+                              </m:d>
+                            </m:e>
+                          </m:d>
+                          <m:sSup>
+                            <m:sSupPr>
+                              <m:ctrlPr>
+                                <a:rPr lang="pt-BR" i="1">
+                                  <a:latin typeface="Cambria Math" panose="02040503050406030204" pitchFamily="18" charset="0"/>
+                                </a:rPr>
+                              </m:ctrlPr>
+                            </m:sSupPr>
+                            <m:e>
+                              <m:r>
+                                <a:rPr lang="pt-BR" b="1" i="1">
+                                  <a:latin typeface="Cambria Math" panose="02040503050406030204" pitchFamily="18" charset="0"/>
+                                </a:rPr>
+                                <m:t>𝒙</m:t>
+                              </m:r>
+                              <m:d>
+                                <m:dPr>
+                                  <m:ctrlPr>
+                                    <a:rPr lang="pt-BR" b="1" i="1">
+                                      <a:latin typeface="Cambria Math" panose="02040503050406030204" pitchFamily="18" charset="0"/>
+                                    </a:rPr>
+                                  </m:ctrlPr>
+                                </m:dPr>
+                                <m:e>
+                                  <m:r>
+                                    <a:rPr lang="pt-BR" i="1">
+                                      <a:latin typeface="Cambria Math" panose="02040503050406030204" pitchFamily="18" charset="0"/>
+                                    </a:rPr>
+                                    <m:t>𝑛</m:t>
+                                  </m:r>
+                                </m:e>
+                              </m:d>
+                            </m:e>
+                            <m:sup>
+                              <m:r>
+                                <a:rPr lang="pt-BR" i="1">
+                                  <a:latin typeface="Cambria Math" panose="02040503050406030204" pitchFamily="18" charset="0"/>
+                                </a:rPr>
+                                <m:t>𝑇</m:t>
+                              </m:r>
+                            </m:sup>
+                          </m:sSup>
+                        </m:e>
+                      </m:nary>
+                      <m:r>
+                        <a:rPr lang="pt-BR" b="0" i="0" smtClean="0">
+                          <a:latin typeface="Cambria Math" panose="02040503050406030204" pitchFamily="18" charset="0"/>
+                        </a:rPr>
+                        <m:t>.</m:t>
+                      </m:r>
+                    </m:oMath>
+                  </m:oMathPara>
+                </a14:m>
+                <a:endParaRPr lang="pt-BR" dirty="0"/>
+              </a:p>
+              <a:p>
+                <a:r>
+                  <a:rPr lang="pt-BR" dirty="0"/>
+                  <a:t>Podemos ter 3 implementações diferentes, dependendo da quantidade de amostras, </a:t>
+                </a:r>
+                <a14:m>
+                  <m:oMath xmlns:m="http://schemas.openxmlformats.org/officeDocument/2006/math">
+                    <m:r>
+                      <a:rPr lang="pt-BR" b="0" i="1" smtClean="0">
+                        <a:latin typeface="Cambria Math" panose="02040503050406030204" pitchFamily="18" charset="0"/>
+                      </a:rPr>
+                      <m:t>𝑀</m:t>
+                    </m:r>
+                  </m:oMath>
+                </a14:m>
+                <a:r>
+                  <a:rPr lang="pt-BR" dirty="0"/>
+                  <a:t>, consideradas no somatório acima:</a:t>
+                </a:r>
+              </a:p>
+              <a:p>
+                <a:pPr lvl="1">
+                  <a:buFont typeface="Wingdings" panose="05000000000000000000" pitchFamily="2" charset="2"/>
+                  <a:buChar char="§"/>
+                </a:pPr>
+                <a14:m>
+                  <m:oMath xmlns:m="http://schemas.openxmlformats.org/officeDocument/2006/math">
+                    <m:r>
+                      <a:rPr lang="pt-BR" b="0" i="1" smtClean="0">
+                        <a:latin typeface="Cambria Math" panose="02040503050406030204" pitchFamily="18" charset="0"/>
+                      </a:rPr>
+                      <m:t>𝑀</m:t>
+                    </m:r>
+                    <m:r>
+                      <a:rPr lang="pt-BR" b="0" i="1" smtClean="0">
+                        <a:latin typeface="Cambria Math" panose="02040503050406030204" pitchFamily="18" charset="0"/>
+                      </a:rPr>
+                      <m:t>=</m:t>
+                    </m:r>
+                    <m:r>
+                      <a:rPr lang="pt-BR" b="0" i="1" smtClean="0">
+                        <a:latin typeface="Cambria Math" panose="02040503050406030204" pitchFamily="18" charset="0"/>
+                      </a:rPr>
+                      <m:t>𝑁</m:t>
+                    </m:r>
+                    <m:r>
+                      <a:rPr lang="pt-BR" b="0" i="0" smtClean="0">
+                        <a:latin typeface="Cambria Math" panose="02040503050406030204" pitchFamily="18" charset="0"/>
+                      </a:rPr>
+                      <m:t>→</m:t>
+                    </m:r>
+                  </m:oMath>
+                </a14:m>
+                <a:r>
+                  <a:rPr lang="pt-BR" dirty="0"/>
+                  <a:t> </a:t>
+                </a:r>
+                <a:r>
+                  <a:rPr lang="pt-BR" b="1" dirty="0"/>
+                  <a:t>Gradiente descendente em batelada (GDB)</a:t>
+                </a:r>
+                <a:r>
+                  <a:rPr lang="pt-BR" dirty="0"/>
+                  <a:t>: é computacionalmente complexo dependendo do tamanho do modelo e do conjunto de dados, porém é a versão que obtém os melhores resultados.</a:t>
+                </a:r>
+                <a:endParaRPr lang="pt-BR" b="0" i="1" dirty="0">
+                  <a:latin typeface="Cambria Math" panose="02040503050406030204" pitchFamily="18" charset="0"/>
+                </a:endParaRPr>
+              </a:p>
+              <a:p>
+                <a:pPr lvl="1">
+                  <a:buFont typeface="Wingdings" panose="05000000000000000000" pitchFamily="2" charset="2"/>
+                  <a:buChar char="§"/>
+                </a:pPr>
+                <a14:m>
+                  <m:oMath xmlns:m="http://schemas.openxmlformats.org/officeDocument/2006/math">
+                    <m:r>
+                      <a:rPr lang="pt-BR" b="0" i="1" smtClean="0">
+                        <a:latin typeface="Cambria Math" panose="02040503050406030204" pitchFamily="18" charset="0"/>
+                      </a:rPr>
+                      <m:t>𝑀</m:t>
+                    </m:r>
+                    <m:r>
+                      <a:rPr lang="pt-BR" b="0" i="1" smtClean="0">
+                        <a:latin typeface="Cambria Math" panose="02040503050406030204" pitchFamily="18" charset="0"/>
+                      </a:rPr>
+                      <m:t>=1</m:t>
+                    </m:r>
+                    <m:r>
+                      <a:rPr lang="pt-BR" b="0" i="0" smtClean="0">
+                        <a:latin typeface="Cambria Math" panose="02040503050406030204" pitchFamily="18" charset="0"/>
+                      </a:rPr>
+                      <m:t> →</m:t>
+                    </m:r>
+                  </m:oMath>
+                </a14:m>
+                <a:r>
+                  <a:rPr lang="pt-BR" dirty="0"/>
+                  <a:t> </a:t>
+                </a:r>
+                <a:r>
+                  <a:rPr lang="pt-BR" b="1" i="1" dirty="0"/>
+                  <a:t>Gradiente descendente estocástico (GDE)</a:t>
+                </a:r>
+                <a:r>
+                  <a:rPr lang="pt-BR" dirty="0"/>
+                  <a:t>: é rápido por usar uma </a:t>
+                </a:r>
+                <a:r>
+                  <a:rPr lang="pt-BR" b="1" i="1" dirty="0"/>
+                  <a:t>estimativa do gradiente</a:t>
+                </a:r>
+                <a:r>
+                  <a:rPr lang="pt-BR" dirty="0"/>
+                  <a:t>, a qual pode ser ruidosa, fazendo com que a convergência não exista ou não seja garantida.</a:t>
+                </a:r>
+              </a:p>
+              <a:p>
+                <a:pPr lvl="1">
+                  <a:buFont typeface="Wingdings" panose="05000000000000000000" pitchFamily="2" charset="2"/>
+                  <a:buChar char="§"/>
+                </a:pPr>
+                <a14:m>
+                  <m:oMath xmlns:m="http://schemas.openxmlformats.org/officeDocument/2006/math">
+                    <m:r>
+                      <a:rPr lang="pt-BR" b="0" i="1" smtClean="0">
+                        <a:latin typeface="Cambria Math" panose="02040503050406030204" pitchFamily="18" charset="0"/>
+                      </a:rPr>
+                      <m:t>𝑀</m:t>
+                    </m:r>
+                    <m:r>
+                      <a:rPr lang="pt-BR" b="0" i="1" smtClean="0">
+                        <a:latin typeface="Cambria Math" panose="02040503050406030204" pitchFamily="18" charset="0"/>
+                      </a:rPr>
+                      <m:t>=</m:t>
+                    </m:r>
+                    <m:r>
+                      <m:rPr>
+                        <m:sty m:val="p"/>
+                      </m:rPr>
+                      <a:rPr lang="pt-BR" b="0" i="0" smtClean="0">
+                        <a:latin typeface="Cambria Math" panose="02040503050406030204" pitchFamily="18" charset="0"/>
+                      </a:rPr>
+                      <m:t>MB</m:t>
+                    </m:r>
+                    <m:r>
+                      <a:rPr lang="pt-BR" b="0" i="0" smtClean="0">
+                        <a:latin typeface="Cambria Math" panose="02040503050406030204" pitchFamily="18" charset="0"/>
+                      </a:rPr>
+                      <m:t>→</m:t>
+                    </m:r>
+                  </m:oMath>
+                </a14:m>
+                <a:r>
+                  <a:rPr lang="nl-BE" dirty="0"/>
+                  <a:t> </a:t>
+                </a:r>
+                <a:r>
+                  <a:rPr lang="nl-BE" b="1" i="1" dirty="0"/>
+                  <a:t>Gradiente descendente em mini-lotes</a:t>
+                </a:r>
+                <a:r>
+                  <a:rPr lang="nl-BE" dirty="0"/>
+                  <a:t>: por usar um pequeno grupo de amostras, em geral, </a:t>
+                </a:r>
+                <a14:m>
+                  <m:oMath xmlns:m="http://schemas.openxmlformats.org/officeDocument/2006/math">
+                    <m:r>
+                      <a:rPr lang="pt-BR" b="0" i="0" smtClean="0">
+                        <a:latin typeface="Cambria Math" panose="02040503050406030204" pitchFamily="18" charset="0"/>
+                      </a:rPr>
+                      <m:t>1&lt;</m:t>
+                    </m:r>
+                    <m:r>
+                      <m:rPr>
+                        <m:sty m:val="p"/>
+                      </m:rPr>
+                      <a:rPr lang="pt-BR">
+                        <a:latin typeface="Cambria Math" panose="02040503050406030204" pitchFamily="18" charset="0"/>
+                      </a:rPr>
+                      <m:t>MB</m:t>
+                    </m:r>
+                    <m:r>
+                      <a:rPr lang="pt-BR" b="0" i="0" smtClean="0">
+                        <a:latin typeface="Cambria Math" panose="02040503050406030204" pitchFamily="18" charset="0"/>
+                      </a:rPr>
+                      <m:t>&lt;</m:t>
+                    </m:r>
+                    <m:r>
+                      <m:rPr>
+                        <m:sty m:val="p"/>
+                      </m:rPr>
+                      <a:rPr lang="pt-BR" b="0" i="0" smtClean="0">
+                        <a:latin typeface="Cambria Math" panose="02040503050406030204" pitchFamily="18" charset="0"/>
+                      </a:rPr>
+                      <m:t>N</m:t>
+                    </m:r>
+                  </m:oMath>
+                </a14:m>
+                <a:r>
+                  <a:rPr lang="pt-BR" dirty="0"/>
+                  <a:t>, é mais rápido que o GDB e mais preciso e estável do que o GDE. É uma generalização das duas versões anteriores e a </a:t>
+                </a:r>
+                <a:r>
+                  <a:rPr lang="pt-BR" b="1" i="1" dirty="0"/>
+                  <a:t>versão mais usada no treinamento de redes neurais</a:t>
+                </a:r>
+                <a:r>
+                  <a:rPr lang="pt-BR" dirty="0"/>
+                  <a:t>.</a:t>
+                </a:r>
+              </a:p>
+              <a:p>
+                <a:pPr lvl="1"/>
+                <a:endParaRPr lang="pt-BR" dirty="0"/>
+              </a:p>
+              <a:p>
+                <a:pPr marL="0" indent="0">
+                  <a:buNone/>
+                </a:pPr>
+                <a:endParaRPr lang="pt-BR" dirty="0"/>
+              </a:p>
+              <a:p>
+                <a:pPr marL="0" indent="0">
+                  <a:buNone/>
+                </a:pPr>
+                <a:endParaRPr lang="pt-BR" dirty="0"/>
+              </a:p>
+              <a:p>
+                <a:pPr marL="0" indent="0">
+                  <a:buNone/>
+                </a:pPr>
+                <a:endParaRPr lang="pt-BR" dirty="0"/>
+              </a:p>
+            </p:txBody>
+          </p:sp>
+        </mc:Choice>
+        <mc:Fallback>
+          <p:sp>
+            <p:nvSpPr>
+              <p:cNvPr id="3" name="Espaço Reservado para Conteúdo 2">
+                <a:extLst>
+                  <a:ext uri="{FF2B5EF4-FFF2-40B4-BE49-F238E27FC236}">
+                    <a16:creationId xmlns:a16="http://schemas.microsoft.com/office/drawing/2014/main" id="{1CB9A1FC-3F15-B216-8074-C6DE6730400A}"/>
+                  </a:ext>
+                </a:extLst>
+              </p:cNvPr>
+              <p:cNvSpPr>
+                <a:spLocks noGrp="1" noRot="1" noChangeAspect="1" noMove="1" noResize="1" noEditPoints="1" noAdjustHandles="1" noChangeArrowheads="1" noChangeShapeType="1" noTextEdit="1"/>
+              </p:cNvSpPr>
+              <p:nvPr>
+                <p:ph idx="1"/>
+              </p:nvPr>
+            </p:nvSpPr>
+            <p:spPr>
+              <a:xfrm>
+                <a:off x="838200" y="1690688"/>
+                <a:ext cx="11212286" cy="5167311"/>
+              </a:xfrm>
+              <a:blipFill>
+                <a:blip r:embed="rId3"/>
+                <a:stretch>
+                  <a:fillRect l="-870" t="-2358" r="-816" b="-236"/>
+                </a:stretch>
+              </a:blipFill>
+            </p:spPr>
+            <p:txBody>
+              <a:bodyPr/>
+              <a:lstStyle/>
+              <a:p>
+                <a:r>
+                  <a:rPr lang="pt-BR">
+                    <a:noFill/>
+                  </a:rPr>
+                  <a:t> </a:t>
+                </a:r>
+              </a:p>
+            </p:txBody>
+          </p:sp>
+        </mc:Fallback>
+      </mc:AlternateContent>
+    </p:spTree>
+    <p:extLst>
+      <p:ext uri="{BB962C8B-B14F-4D97-AF65-F5344CB8AC3E}">
+        <p14:creationId xmlns:p14="http://schemas.microsoft.com/office/powerpoint/2010/main" val="985320856"/>
+      </p:ext>
+    </p:extLst>
+  </p:cSld>
+  <p:clrMapOvr>
+    <a:masterClrMapping/>
+  </p:clrMapOvr>
+</p:sld>
+</file>
+
+<file path=ppt/slides/slide22.xml><?xml version="1.0" encoding="utf-8"?>
+<p:sld xmlns:a="http://schemas.openxmlformats.org/drawingml/2006/main" xmlns:r="http://schemas.openxmlformats.org/officeDocument/2006/relationships" xmlns:p="http://schemas.openxmlformats.org/presentationml/2006/main">
+  <p:cSld>
+    <p:spTree>
+      <p:nvGrpSpPr>
+        <p:cNvPr id="1" name=""/>
+        <p:cNvGrpSpPr/>
+        <p:nvPr/>
+      </p:nvGrpSpPr>
+      <p:grpSpPr>
+        <a:xfrm>
+          <a:off x="0" y="0"/>
+          <a:ext cx="0" cy="0"/>
+          <a:chOff x="0" y="0"/>
+          <a:chExt cx="0" cy="0"/>
+        </a:xfrm>
+      </p:grpSpPr>
+      <p:sp>
+        <p:nvSpPr>
+          <p:cNvPr id="2" name="Título 1">
+            <a:extLst>
+              <a:ext uri="{FF2B5EF4-FFF2-40B4-BE49-F238E27FC236}">
+                <a16:creationId xmlns:a16="http://schemas.microsoft.com/office/drawing/2014/main" id="{2755BD9F-A5F9-C006-2D60-3988AFB742AA}"/>
+              </a:ext>
+            </a:extLst>
+          </p:cNvPr>
+          <p:cNvSpPr>
+            <a:spLocks noGrp="1"/>
+          </p:cNvSpPr>
+          <p:nvPr>
+            <p:ph type="title"/>
+          </p:nvPr>
+        </p:nvSpPr>
+        <p:spPr/>
+        <p:txBody>
+          <a:bodyPr/>
+          <a:lstStyle/>
+          <a:p>
+            <a:r>
+              <a:rPr lang="pt-BR" dirty="0"/>
+              <a:t>Atividades</a:t>
+            </a:r>
+          </a:p>
+        </p:txBody>
+      </p:sp>
+      <p:sp>
+        <p:nvSpPr>
+          <p:cNvPr id="3" name="Espaço Reservado para Conteúdo 2">
+            <a:extLst>
+              <a:ext uri="{FF2B5EF4-FFF2-40B4-BE49-F238E27FC236}">
+                <a16:creationId xmlns:a16="http://schemas.microsoft.com/office/drawing/2014/main" id="{DE398648-3AD3-9986-3010-6210876DC9B1}"/>
+              </a:ext>
+            </a:extLst>
+          </p:cNvPr>
+          <p:cNvSpPr>
+            <a:spLocks noGrp="1"/>
+          </p:cNvSpPr>
+          <p:nvPr>
+            <p:ph idx="1"/>
+          </p:nvPr>
+        </p:nvSpPr>
+        <p:spPr/>
+        <p:txBody>
+          <a:bodyPr/>
+          <a:lstStyle/>
+          <a:p>
+            <a:r>
+              <a:rPr lang="pt-BR" dirty="0"/>
+              <a:t>Quiz: “</a:t>
+            </a:r>
+            <a:r>
+              <a:rPr lang="pt-BR" b="1" i="1" dirty="0"/>
+              <a:t>TP557 – Minimizando o erro</a:t>
+            </a:r>
+            <a:r>
+              <a:rPr lang="pt-BR" dirty="0"/>
+              <a:t>”.</a:t>
+            </a:r>
+          </a:p>
+        </p:txBody>
+      </p:sp>
+    </p:spTree>
+    <p:extLst>
+      <p:ext uri="{BB962C8B-B14F-4D97-AF65-F5344CB8AC3E}">
+        <p14:creationId xmlns:p14="http://schemas.microsoft.com/office/powerpoint/2010/main" val="2918520294"/>
+      </p:ext>
+    </p:extLst>
+  </p:cSld>
+  <p:clrMapOvr>
+    <a:masterClrMapping/>
+  </p:clrMapOvr>
+</p:sld>
+</file>
+
+<file path=ppt/slides/slide23.xml><?xml version="1.0" encoding="utf-8"?>
+<p:sld xmlns:a="http://schemas.openxmlformats.org/drawingml/2006/main" xmlns:r="http://schemas.openxmlformats.org/officeDocument/2006/relationships" xmlns:p="http://schemas.openxmlformats.org/presentationml/2006/main">
+  <p:cSld>
+    <p:spTree>
+      <p:nvGrpSpPr>
+        <p:cNvPr id="1" name=""/>
+        <p:cNvGrpSpPr/>
+        <p:nvPr/>
+      </p:nvGrpSpPr>
+      <p:grpSpPr>
+        <a:xfrm>
+          <a:off x="0" y="0"/>
+          <a:ext cx="0" cy="0"/>
+          <a:chOff x="0" y="0"/>
+          <a:chExt cx="0" cy="0"/>
+        </a:xfrm>
+      </p:grpSpPr>
+      <p:sp>
+        <p:nvSpPr>
+          <p:cNvPr id="4" name="Título 1">
+            <a:extLst>
+              <a:ext uri="{FF2B5EF4-FFF2-40B4-BE49-F238E27FC236}">
+                <a16:creationId xmlns:a16="http://schemas.microsoft.com/office/drawing/2014/main" id="{32666AC8-2E17-4DB4-B0F5-60C640CCFD2E}"/>
+              </a:ext>
+            </a:extLst>
+          </p:cNvPr>
+          <p:cNvSpPr txBox="1">
+            <a:spLocks/>
+          </p:cNvSpPr>
+          <p:nvPr/>
+        </p:nvSpPr>
+        <p:spPr>
+          <a:xfrm>
+            <a:off x="1431533" y="2720526"/>
+            <a:ext cx="9144000" cy="1029541"/>
+          </a:xfrm>
+          <a:prstGeom prst="rect">
+            <a:avLst/>
+          </a:prstGeom>
+        </p:spPr>
+        <p:txBody>
+          <a:bodyPr vert="horz" lIns="91440" tIns="45720" rIns="91440" bIns="45720" rtlCol="0" anchor="ctr">
+            <a:normAutofit/>
+          </a:bodyPr>
+          <a:lstStyle>
+            <a:lvl1pPr algn="l" defTabSz="914400" rtl="0" eaLnBrk="1" latinLnBrk="0" hangingPunct="1">
+              <a:lnSpc>
+                <a:spcPct val="90000"/>
+              </a:lnSpc>
+              <a:spcBef>
+                <a:spcPct val="0"/>
+              </a:spcBef>
+              <a:buNone/>
+              <a:defRPr sz="4400" kern="1200">
+                <a:solidFill>
+                  <a:schemeClr val="tx1"/>
+                </a:solidFill>
+                <a:latin typeface="+mj-lt"/>
+                <a:ea typeface="+mj-ea"/>
+                <a:cs typeface="+mj-cs"/>
+              </a:defRPr>
+            </a:lvl1pPr>
+          </a:lstStyle>
+          <a:p>
+            <a:pPr algn="ctr"/>
+            <a:r>
+              <a:rPr lang="pt-BR" sz="6600" dirty="0"/>
+              <a:t>Perguntas?</a:t>
+            </a:r>
+            <a:endParaRPr lang="pt-BR" sz="6600" b="1" i="1" dirty="0"/>
+          </a:p>
+        </p:txBody>
+      </p:sp>
+    </p:spTree>
+    <p:extLst>
+      <p:ext uri="{BB962C8B-B14F-4D97-AF65-F5344CB8AC3E}">
+        <p14:creationId xmlns:p14="http://schemas.microsoft.com/office/powerpoint/2010/main" val="1975981511"/>
+      </p:ext>
+    </p:extLst>
+  </p:cSld>
+  <p:clrMapOvr>
+    <a:masterClrMapping/>
+  </p:clrMapOvr>
+</p:sld>
+</file>
+
+<file path=ppt/slides/slide24.xml><?xml version="1.0" encoding="utf-8"?>
+<p:sld xmlns:a="http://schemas.openxmlformats.org/drawingml/2006/main" xmlns:r="http://schemas.openxmlformats.org/officeDocument/2006/relationships" xmlns:p="http://schemas.openxmlformats.org/presentationml/2006/main">
+  <p:cSld>
+    <p:spTree>
+      <p:nvGrpSpPr>
+        <p:cNvPr id="1" name=""/>
+        <p:cNvGrpSpPr/>
+        <p:nvPr/>
+      </p:nvGrpSpPr>
+      <p:grpSpPr>
+        <a:xfrm>
+          <a:off x="0" y="0"/>
+          <a:ext cx="0" cy="0"/>
+          <a:chOff x="0" y="0"/>
+          <a:chExt cx="0" cy="0"/>
+        </a:xfrm>
+      </p:grpSpPr>
+      <p:sp>
+        <p:nvSpPr>
+          <p:cNvPr id="4" name="Título 1">
+            <a:extLst>
+              <a:ext uri="{FF2B5EF4-FFF2-40B4-BE49-F238E27FC236}">
+                <a16:creationId xmlns:a16="http://schemas.microsoft.com/office/drawing/2014/main" id="{32666AC8-2E17-4DB4-B0F5-60C640CCFD2E}"/>
+              </a:ext>
+            </a:extLst>
+          </p:cNvPr>
+          <p:cNvSpPr txBox="1">
+            <a:spLocks/>
+          </p:cNvSpPr>
+          <p:nvPr/>
+        </p:nvSpPr>
+        <p:spPr>
+          <a:xfrm>
+            <a:off x="1431533" y="2720526"/>
+            <a:ext cx="9144000" cy="1029541"/>
+          </a:xfrm>
+          <a:prstGeom prst="rect">
+            <a:avLst/>
+          </a:prstGeom>
+        </p:spPr>
+        <p:txBody>
+          <a:bodyPr vert="horz" lIns="91440" tIns="45720" rIns="91440" bIns="45720" rtlCol="0" anchor="ctr">
+            <a:normAutofit/>
+          </a:bodyPr>
+          <a:lstStyle>
+            <a:lvl1pPr algn="l" defTabSz="914400" rtl="0" eaLnBrk="1" latinLnBrk="0" hangingPunct="1">
+              <a:lnSpc>
+                <a:spcPct val="90000"/>
+              </a:lnSpc>
+              <a:spcBef>
+                <a:spcPct val="0"/>
+              </a:spcBef>
+              <a:buNone/>
+              <a:defRPr sz="4400" kern="1200">
+                <a:solidFill>
+                  <a:schemeClr val="tx1"/>
+                </a:solidFill>
+                <a:latin typeface="+mj-lt"/>
+                <a:ea typeface="+mj-ea"/>
+                <a:cs typeface="+mj-cs"/>
+              </a:defRPr>
+            </a:lvl1pPr>
+          </a:lstStyle>
+          <a:p>
+            <a:pPr algn="ctr"/>
+            <a:r>
+              <a:rPr lang="pt-BR" sz="6600" dirty="0"/>
+              <a:t>Obrigado!</a:t>
+            </a:r>
+            <a:endParaRPr lang="pt-BR" sz="6600" b="1" i="1" dirty="0"/>
+          </a:p>
+        </p:txBody>
+      </p:sp>
+    </p:spTree>
+    <p:extLst>
+      <p:ext uri="{BB962C8B-B14F-4D97-AF65-F5344CB8AC3E}">
+        <p14:creationId xmlns:p14="http://schemas.microsoft.com/office/powerpoint/2010/main" val="599145874"/>
       </p:ext>
     </p:extLst>
   </p:cSld>
@@ -26342,13 +31967,13 @@
           <a:p>
             <a:r>
               <a:rPr lang="pt-BR" dirty="0"/>
-              <a:t>Gradiente</a:t>
+              <a:t>Vetor gradiente</a:t>
             </a:r>
           </a:p>
         </p:txBody>
       </p:sp>
-      <mc:AlternateContent xmlns:mc="http://schemas.openxmlformats.org/markup-compatibility/2006" xmlns:a14="http://schemas.microsoft.com/office/drawing/2010/main">
-        <mc:Choice Requires="a14">
+      <mc:AlternateContent xmlns:mc="http://schemas.openxmlformats.org/markup-compatibility/2006">
+        <mc:Choice xmlns:a14="http://schemas.microsoft.com/office/drawing/2010/main" Requires="a14">
           <p:sp>
             <p:nvSpPr>
               <p:cNvPr id="3" name="Espaço Reservado para Conteúdo 2">
@@ -26367,8 +31992,8 @@
             </p:nvSpPr>
             <p:spPr>
               <a:xfrm>
-                <a:off x="5380267" y="1825624"/>
-                <a:ext cx="6619950" cy="5032376"/>
+                <a:off x="5154352" y="1825624"/>
+                <a:ext cx="6874358" cy="5032376"/>
               </a:xfrm>
             </p:spPr>
             <p:txBody>
@@ -26681,7 +32306,25 @@
                     </a:solidFill>
                     <a:effectLst/>
                   </a:rPr>
-                  <a:t>maior o valor absoluto do gradiente, mais inclinada é a reta tangente </a:t>
+                  <a:t>maior o valor absoluto </a:t>
+                </a:r>
+                <a:r>
+                  <a:rPr lang="pt-BR" dirty="0">
+                    <a:solidFill>
+                      <a:schemeClr val="tx1"/>
+                    </a:solidFill>
+                    <a:effectLst/>
+                  </a:rPr>
+                  <a:t>do gradiente</a:t>
+                </a:r>
+                <a:r>
+                  <a:rPr lang="pt-BR" b="1" i="1" dirty="0">
+                    <a:solidFill>
+                      <a:schemeClr val="tx1"/>
+                    </a:solidFill>
+                    <a:effectLst/>
+                  </a:rPr>
+                  <a:t>, mais inclinada é a reta tangente </a:t>
                 </a:r>
                 <a:r>
                   <a:rPr lang="pt-BR" b="0" i="0" dirty="0">
@@ -26723,13 +32366,39 @@
                     </a:solidFill>
                     <a:effectLst/>
                   </a:rPr>
-                  <a:t>Onde isso ocorre? No ponto de mínimo.</a:t>
+                  <a:t>Onde isso ocorre? </a:t>
+                </a:r>
+                <a:r>
+                  <a:rPr lang="pt-BR" b="1" i="1" dirty="0">
+                    <a:solidFill>
+                      <a:srgbClr val="00B050"/>
+                    </a:solidFill>
+                  </a:rPr>
+                  <a:t>Em </a:t>
+                </a:r>
+                <a:r>
+                  <a:rPr lang="pt-BR" b="1" i="1" dirty="0">
+                    <a:solidFill>
+                      <a:srgbClr val="00B050"/>
+                    </a:solidFill>
+                    <a:effectLst/>
+                  </a:rPr>
+                  <a:t>pontos de máximo e mínimo</a:t>
+                </a:r>
+                <a:r>
+                  <a:rPr lang="pt-BR" b="0" i="0" dirty="0">
+                    <a:solidFill>
+                      <a:schemeClr val="tx1"/>
+                    </a:solidFill>
+                    <a:effectLst/>
+                  </a:rPr>
+                  <a:t>.</a:t>
                 </a:r>
               </a:p>
             </p:txBody>
           </p:sp>
         </mc:Choice>
-        <mc:Fallback xmlns="">
+        <mc:Fallback>
           <p:sp>
             <p:nvSpPr>
               <p:cNvPr id="3" name="Espaço Reservado para Conteúdo 2">
@@ -26748,13 +32417,13 @@
             </p:nvSpPr>
             <p:spPr>
               <a:xfrm>
-                <a:off x="5380267" y="1825624"/>
-                <a:ext cx="6619950" cy="5032376"/>
+                <a:off x="5154352" y="1825624"/>
+                <a:ext cx="6874358" cy="5032376"/>
               </a:xfrm>
               <a:blipFill>
                 <a:blip r:embed="rId3"/>
                 <a:stretch>
-                  <a:fillRect l="-1473" t="-2421" r="-2670" b="-2058"/>
+                  <a:fillRect l="-1420" t="-2421" r="-1242"/>
                 </a:stretch>
               </a:blipFill>
             </p:spPr>
@@ -27861,7 +33530,7 @@
           <a:p>
             <a:r>
               <a:rPr lang="pt-BR" dirty="0"/>
-              <a:t>Gradiente</a:t>
+              <a:t>Vetor gradiente</a:t>
             </a:r>
           </a:p>
         </p:txBody>
@@ -29051,7 +34720,7 @@
           <a:p>
             <a:r>
               <a:rPr lang="pt-BR" dirty="0"/>
-              <a:t>Gradiente</a:t>
+              <a:t>Vetor gradiente</a:t>
             </a:r>
           </a:p>
         </p:txBody>

--- a/slides/TP557_6_Minimizando_o_erro.pptx
+++ b/slides/TP557_6_Minimizando_o_erro.pptx
@@ -2073,23 +2073,7 @@
           <a:p>
             <a:r>
               <a:rPr lang="pt-BR" dirty="0"/>
-              <a:t>https://colab.research.google.com/</a:t>
-            </a:r>
-            <a:r>
-              <a:rPr lang="pt-BR" dirty="0" err="1"/>
-              <a:t>github</a:t>
-            </a:r>
-            <a:r>
-              <a:rPr lang="pt-BR" dirty="0"/>
-              <a:t>/zz4fap/tp557-iot-ml/</a:t>
-            </a:r>
-            <a:r>
-              <a:rPr lang="pt-BR" dirty="0" err="1"/>
-              <a:t>blob</a:t>
-            </a:r>
-            <a:r>
-              <a:rPr lang="pt-BR" dirty="0"/>
-              <a:t>/master/</a:t>
+              <a:t>https://colab.research.google.com/github/zz4fap/tp557-iot-ml/blob/master/</a:t>
             </a:r>
             <a:r>
               <a:rPr lang="pt-BR" dirty="0" err="1"/>
@@ -2101,45 +2085,7 @@
             </a:r>
             <a:r>
               <a:rPr lang="pt-BR" dirty="0" err="1"/>
-              <a:t>Explorando_a_função_de_erro.ipynb</a:t>
-            </a:r>
-            <a:endParaRPr lang="pt-BR" dirty="0"/>
-          </a:p>
-          <a:p>
-            <a:endParaRPr lang="pt-BR" dirty="0"/>
-          </a:p>
-          <a:p>
-            <a:r>
-              <a:rPr lang="pt-BR" dirty="0"/>
-              <a:t>https://colab.research.google.com/</a:t>
-            </a:r>
-            <a:r>
-              <a:rPr lang="pt-BR" dirty="0" err="1"/>
-              <a:t>github</a:t>
-            </a:r>
-            <a:r>
-              <a:rPr lang="pt-BR" dirty="0"/>
-              <a:t>/zz4fap/tp557-iot-ml/</a:t>
-            </a:r>
-            <a:r>
-              <a:rPr lang="pt-BR" dirty="0" err="1"/>
-              <a:t>blob</a:t>
-            </a:r>
-            <a:r>
-              <a:rPr lang="pt-BR" dirty="0"/>
-              <a:t>/master/</a:t>
-            </a:r>
-            <a:r>
-              <a:rPr lang="pt-BR" dirty="0" err="1"/>
-              <a:t>exercises</a:t>
-            </a:r>
-            <a:r>
-              <a:rPr lang="pt-BR" dirty="0"/>
-              <a:t>/</a:t>
-            </a:r>
-            <a:r>
-              <a:rPr lang="pt-BR" dirty="0" err="1"/>
-              <a:t>Exercício_Encontre_os_pesos_da_função_hipótese.ipynb</a:t>
+              <a:t>Exercício_gradiente_descendente.ipynb</a:t>
             </a:r>
             <a:endParaRPr lang="pt-BR" dirty="0"/>
           </a:p>
@@ -16223,8 +16169,8 @@
           </a:fontRef>
         </p:style>
       </p:cxnSp>
-      <mc:AlternateContent xmlns:mc="http://schemas.openxmlformats.org/markup-compatibility/2006">
-        <mc:Choice xmlns:a14="http://schemas.microsoft.com/office/drawing/2010/main" Requires="a14">
+      <mc:AlternateContent xmlns:mc="http://schemas.openxmlformats.org/markup-compatibility/2006" xmlns:a14="http://schemas.microsoft.com/office/drawing/2010/main">
+        <mc:Choice Requires="a14">
           <p:sp>
             <p:nvSpPr>
               <p:cNvPr id="26" name="CaixaDeTexto 25">
@@ -16309,7 +16255,7 @@
             </p:txBody>
           </p:sp>
         </mc:Choice>
-        <mc:Fallback>
+        <mc:Fallback xmlns="">
           <p:sp>
             <p:nvSpPr>
               <p:cNvPr id="26" name="CaixaDeTexto 25">
@@ -16706,8 +16652,8 @@
           </a:p>
         </p:txBody>
       </p:sp>
-      <mc:AlternateContent xmlns:mc="http://schemas.openxmlformats.org/markup-compatibility/2006">
-        <mc:Choice xmlns:a14="http://schemas.microsoft.com/office/drawing/2010/main" Requires="a14">
+      <mc:AlternateContent xmlns:mc="http://schemas.openxmlformats.org/markup-compatibility/2006" xmlns:a14="http://schemas.microsoft.com/office/drawing/2010/main">
+        <mc:Choice Requires="a14">
           <p:sp>
             <p:nvSpPr>
               <p:cNvPr id="36" name="CaixaDeTexto 35">
@@ -16779,7 +16725,7 @@
             </p:txBody>
           </p:sp>
         </mc:Choice>
-        <mc:Fallback>
+        <mc:Fallback xmlns="">
           <p:sp>
             <p:nvSpPr>
               <p:cNvPr id="36" name="CaixaDeTexto 35">
@@ -16824,8 +16770,8 @@
           </p:sp>
         </mc:Fallback>
       </mc:AlternateContent>
-      <mc:AlternateContent xmlns:mc="http://schemas.openxmlformats.org/markup-compatibility/2006">
-        <mc:Choice xmlns:a14="http://schemas.microsoft.com/office/drawing/2010/main" Requires="a14">
+      <mc:AlternateContent xmlns:mc="http://schemas.openxmlformats.org/markup-compatibility/2006" xmlns:a14="http://schemas.microsoft.com/office/drawing/2010/main">
+        <mc:Choice Requires="a14">
           <p:sp>
             <p:nvSpPr>
               <p:cNvPr id="37" name="CaixaDeTexto 36">
@@ -16903,7 +16849,7 @@
             </p:txBody>
           </p:sp>
         </mc:Choice>
-        <mc:Fallback>
+        <mc:Fallback xmlns="">
           <p:sp>
             <p:nvSpPr>
               <p:cNvPr id="37" name="CaixaDeTexto 36">
@@ -24484,8 +24430,8 @@
           </a:extLst>
         </p:spPr>
       </p:pic>
-      <mc:AlternateContent xmlns:mc="http://schemas.openxmlformats.org/markup-compatibility/2006">
-        <mc:Choice xmlns:a14="http://schemas.microsoft.com/office/drawing/2010/main" Requires="a14">
+      <mc:AlternateContent xmlns:mc="http://schemas.openxmlformats.org/markup-compatibility/2006" xmlns:a14="http://schemas.microsoft.com/office/drawing/2010/main">
+        <mc:Choice Requires="a14">
           <p:sp>
             <p:nvSpPr>
               <p:cNvPr id="4" name="Rectangle 3">
@@ -24902,7 +24848,7 @@
             </p:txBody>
           </p:sp>
         </mc:Choice>
-        <mc:Fallback>
+        <mc:Fallback xmlns="">
           <p:sp>
             <p:nvSpPr>
               <p:cNvPr id="4" name="Rectangle 3">
@@ -25010,8 +24956,8 @@
           </a:p>
         </p:txBody>
       </p:sp>
-      <mc:AlternateContent xmlns:mc="http://schemas.openxmlformats.org/markup-compatibility/2006">
-        <mc:Choice xmlns:a14="http://schemas.microsoft.com/office/drawing/2010/main" Requires="a14">
+      <mc:AlternateContent xmlns:mc="http://schemas.openxmlformats.org/markup-compatibility/2006" xmlns:a14="http://schemas.microsoft.com/office/drawing/2010/main">
+        <mc:Choice Requires="a14">
           <p:sp>
             <p:nvSpPr>
               <p:cNvPr id="3" name="Espaço Reservado para Conteúdo 2">
@@ -25777,7 +25723,7 @@
             </p:txBody>
           </p:sp>
         </mc:Choice>
-        <mc:Fallback>
+        <mc:Fallback xmlns="">
           <p:sp>
             <p:nvSpPr>
               <p:cNvPr id="3" name="Espaço Reservado para Conteúdo 2">
@@ -26022,8 +25968,8 @@
           </a:p>
         </p:txBody>
       </p:sp>
-      <mc:AlternateContent xmlns:mc="http://schemas.openxmlformats.org/markup-compatibility/2006">
-        <mc:Choice xmlns:a14="http://schemas.microsoft.com/office/drawing/2010/main" Requires="a14">
+      <mc:AlternateContent xmlns:mc="http://schemas.openxmlformats.org/markup-compatibility/2006" xmlns:a14="http://schemas.microsoft.com/office/drawing/2010/main">
+        <mc:Choice Requires="a14">
           <p:sp>
             <p:nvSpPr>
               <p:cNvPr id="3" name="Espaço Reservado para Conteúdo 2">
@@ -26863,7 +26809,7 @@
             </p:txBody>
           </p:sp>
         </mc:Choice>
-        <mc:Fallback>
+        <mc:Fallback xmlns="">
           <p:sp>
             <p:nvSpPr>
               <p:cNvPr id="3" name="Espaço Reservado para Conteúdo 2">
@@ -26965,8 +26911,8 @@
           </a:p>
         </p:txBody>
       </p:sp>
-      <mc:AlternateContent xmlns:mc="http://schemas.openxmlformats.org/markup-compatibility/2006">
-        <mc:Choice xmlns:a14="http://schemas.microsoft.com/office/drawing/2010/main" Requires="a14">
+      <mc:AlternateContent xmlns:mc="http://schemas.openxmlformats.org/markup-compatibility/2006" xmlns:a14="http://schemas.microsoft.com/office/drawing/2010/main">
+        <mc:Choice Requires="a14">
           <p:sp>
             <p:nvSpPr>
               <p:cNvPr id="3" name="Espaço Reservado para Conteúdo 2">
@@ -27579,7 +27525,7 @@
             </p:txBody>
           </p:sp>
         </mc:Choice>
-        <mc:Fallback>
+        <mc:Fallback xmlns="">
           <p:sp>
             <p:nvSpPr>
               <p:cNvPr id="3" name="Espaço Reservado para Conteúdo 2">
@@ -27713,6 +27659,22 @@
             <a:r>
               <a:rPr lang="pt-BR" dirty="0"/>
               <a:t>”.</a:t>
+            </a:r>
+          </a:p>
+          <a:p>
+            <a:r>
+              <a:rPr lang="pt-BR" dirty="0"/>
+              <a:t>Exercício: </a:t>
+            </a:r>
+            <a:r>
+              <a:rPr lang="pt-BR" dirty="0">
+                <a:hlinkClick r:id="rId3"/>
+              </a:rPr>
+              <a:t>Gradiente descendente</a:t>
+            </a:r>
+            <a:r>
+              <a:rPr lang="pt-BR" dirty="0"/>
+              <a:t>.</a:t>
             </a:r>
           </a:p>
         </p:txBody>
@@ -31972,8 +31934,8 @@
           </a:p>
         </p:txBody>
       </p:sp>
-      <mc:AlternateContent xmlns:mc="http://schemas.openxmlformats.org/markup-compatibility/2006">
-        <mc:Choice xmlns:a14="http://schemas.microsoft.com/office/drawing/2010/main" Requires="a14">
+      <mc:AlternateContent xmlns:mc="http://schemas.openxmlformats.org/markup-compatibility/2006" xmlns:a14="http://schemas.microsoft.com/office/drawing/2010/main">
+        <mc:Choice Requires="a14">
           <p:sp>
             <p:nvSpPr>
               <p:cNvPr id="3" name="Espaço Reservado para Conteúdo 2">
@@ -32398,7 +32360,7 @@
             </p:txBody>
           </p:sp>
         </mc:Choice>
-        <mc:Fallback>
+        <mc:Fallback xmlns="">
           <p:sp>
             <p:nvSpPr>
               <p:cNvPr id="3" name="Espaço Reservado para Conteúdo 2">

--- a/slides/TP557_6_Minimizando_o_erro.pptx
+++ b/slides/TP557_6_Minimizando_o_erro.pptx
@@ -5,10 +5,10 @@
     <p:sldMasterId id="2147483648" r:id="rId1"/>
   </p:sldMasterIdLst>
   <p:notesMasterIdLst>
-    <p:notesMasterId r:id="rId26"/>
+    <p:notesMasterId r:id="rId27"/>
   </p:notesMasterIdLst>
   <p:handoutMasterIdLst>
-    <p:handoutMasterId r:id="rId27"/>
+    <p:handoutMasterId r:id="rId28"/>
   </p:handoutMasterIdLst>
   <p:sldIdLst>
     <p:sldId id="256" r:id="rId2"/>
@@ -32,9 +32,10 @@
     <p:sldId id="422" r:id="rId20"/>
     <p:sldId id="423" r:id="rId21"/>
     <p:sldId id="424" r:id="rId22"/>
-    <p:sldId id="405" r:id="rId23"/>
-    <p:sldId id="293" r:id="rId24"/>
-    <p:sldId id="306" r:id="rId25"/>
+    <p:sldId id="427" r:id="rId23"/>
+    <p:sldId id="405" r:id="rId24"/>
+    <p:sldId id="293" r:id="rId25"/>
+    <p:sldId id="306" r:id="rId26"/>
   </p:sldIdLst>
   <p:sldSz cx="12192000" cy="6858000"/>
   <p:notesSz cx="7315200" cy="9601200"/>
@@ -298,7 +299,7 @@
           <a:p>
             <a:fld id="{144F1436-6906-4D93-B7A2-786C327BFA14}" type="datetimeFigureOut">
               <a:rPr lang="nl-BE" smtClean="0"/>
-              <a:t>1/08/2023</a:t>
+              <a:t>29/08/2023</a:t>
             </a:fld>
             <a:endParaRPr lang="nl-BE"/>
           </a:p>
@@ -463,7 +464,7 @@
           <a:p>
             <a:fld id="{AA8CD09E-2914-4F47-B6C1-51B2C31814C9}" type="datetimeFigureOut">
               <a:rPr lang="pt-BR" smtClean="0"/>
-              <a:t>01/08/2023</a:t>
+              <a:t>29/08/2023</a:t>
             </a:fld>
             <a:endParaRPr lang="pt-BR"/>
           </a:p>
@@ -2071,6 +2072,110 @@
           <a:bodyPr/>
           <a:lstStyle/>
           <a:p>
+            <a:pPr marL="0" marR="0" lvl="0" indent="0" algn="l" defTabSz="914400" rtl="0" eaLnBrk="1" fontAlgn="auto" latinLnBrk="0" hangingPunct="1">
+              <a:lnSpc>
+                <a:spcPct val="100000"/>
+              </a:lnSpc>
+              <a:spcBef>
+                <a:spcPts val="0"/>
+              </a:spcBef>
+              <a:spcAft>
+                <a:spcPts val="0"/>
+              </a:spcAft>
+              <a:buClrTx/>
+              <a:buSzTx/>
+              <a:buFontTx/>
+              <a:buNone/>
+              <a:tabLst/>
+              <a:defRPr/>
+            </a:pPr>
+            <a:r>
+              <a:rPr lang="pt-BR" dirty="0"/>
+              <a:t>https://colab.research.google.com/github/zz4fap/tp557-iot-ml/blob/master/examples/Gradiente_descendente.ipynb</a:t>
+            </a:r>
+          </a:p>
+        </p:txBody>
+      </p:sp>
+      <p:sp>
+        <p:nvSpPr>
+          <p:cNvPr id="4" name="Espaço Reservado para Número de Slide 3"/>
+          <p:cNvSpPr>
+            <a:spLocks noGrp="1"/>
+          </p:cNvSpPr>
+          <p:nvPr>
+            <p:ph type="sldNum" sz="quarter" idx="5"/>
+          </p:nvPr>
+        </p:nvSpPr>
+        <p:spPr/>
+        <p:txBody>
+          <a:bodyPr/>
+          <a:lstStyle/>
+          <a:p>
+            <a:fld id="{6FC8D850-966F-45A6-8DE7-15B891E7D40D}" type="slidenum">
+              <a:rPr lang="pt-BR" smtClean="0"/>
+              <a:t>22</a:t>
+            </a:fld>
+            <a:endParaRPr lang="pt-BR"/>
+          </a:p>
+        </p:txBody>
+      </p:sp>
+    </p:spTree>
+    <p:extLst>
+      <p:ext uri="{BB962C8B-B14F-4D97-AF65-F5344CB8AC3E}">
+        <p14:creationId xmlns:p14="http://schemas.microsoft.com/office/powerpoint/2010/main" val="4213120806"/>
+      </p:ext>
+    </p:extLst>
+  </p:cSld>
+  <p:clrMapOvr>
+    <a:masterClrMapping/>
+  </p:clrMapOvr>
+</p:notes>
+</file>
+
+<file path=ppt/notesSlides/notesSlide19.xml><?xml version="1.0" encoding="utf-8"?>
+<p:notes xmlns:a="http://schemas.openxmlformats.org/drawingml/2006/main" xmlns:r="http://schemas.openxmlformats.org/officeDocument/2006/relationships" xmlns:p="http://schemas.openxmlformats.org/presentationml/2006/main">
+  <p:cSld>
+    <p:spTree>
+      <p:nvGrpSpPr>
+        <p:cNvPr id="1" name=""/>
+        <p:cNvGrpSpPr/>
+        <p:nvPr/>
+      </p:nvGrpSpPr>
+      <p:grpSpPr>
+        <a:xfrm>
+          <a:off x="0" y="0"/>
+          <a:ext cx="0" cy="0"/>
+          <a:chOff x="0" y="0"/>
+          <a:chExt cx="0" cy="0"/>
+        </a:xfrm>
+      </p:grpSpPr>
+      <p:sp>
+        <p:nvSpPr>
+          <p:cNvPr id="2" name="Espaço Reservado para Imagem de Slide 1"/>
+          <p:cNvSpPr>
+            <a:spLocks noGrp="1" noRot="1" noChangeAspect="1"/>
+          </p:cNvSpPr>
+          <p:nvPr>
+            <p:ph type="sldImg"/>
+          </p:nvPr>
+        </p:nvSpPr>
+        <p:spPr/>
+      </p:sp>
+      <p:sp>
+        <p:nvSpPr>
+          <p:cNvPr id="3" name="Espaço Reservado para Anotações 2"/>
+          <p:cNvSpPr>
+            <a:spLocks noGrp="1"/>
+          </p:cNvSpPr>
+          <p:nvPr>
+            <p:ph type="body" idx="1"/>
+          </p:nvPr>
+        </p:nvSpPr>
+        <p:spPr/>
+        <p:txBody>
+          <a:bodyPr/>
+          <a:lstStyle/>
+          <a:p>
             <a:r>
               <a:rPr lang="pt-BR" dirty="0"/>
               <a:t>https://colab.research.google.com/github/zz4fap/tp557-iot-ml/blob/master/</a:t>
@@ -2114,7 +2219,7 @@
           <a:p>
             <a:fld id="{6FC8D850-966F-45A6-8DE7-15B891E7D40D}" type="slidenum">
               <a:rPr lang="pt-BR" smtClean="0"/>
-              <a:t>22</a:t>
+              <a:t>23</a:t>
             </a:fld>
             <a:endParaRPr lang="pt-BR"/>
           </a:p>
@@ -3022,7 +3127,7 @@
           <a:p>
             <a:fld id="{63289F7E-B80B-496E-81B4-D396C37C9454}" type="datetimeFigureOut">
               <a:rPr lang="pt-BR" smtClean="0"/>
-              <a:t>01/08/2023</a:t>
+              <a:t>29/08/2023</a:t>
             </a:fld>
             <a:endParaRPr lang="pt-BR"/>
           </a:p>
@@ -3220,7 +3325,7 @@
           <a:p>
             <a:fld id="{63289F7E-B80B-496E-81B4-D396C37C9454}" type="datetimeFigureOut">
               <a:rPr lang="pt-BR" smtClean="0"/>
-              <a:t>01/08/2023</a:t>
+              <a:t>29/08/2023</a:t>
             </a:fld>
             <a:endParaRPr lang="pt-BR"/>
           </a:p>
@@ -3428,7 +3533,7 @@
           <a:p>
             <a:fld id="{63289F7E-B80B-496E-81B4-D396C37C9454}" type="datetimeFigureOut">
               <a:rPr lang="pt-BR" smtClean="0"/>
-              <a:t>01/08/2023</a:t>
+              <a:t>29/08/2023</a:t>
             </a:fld>
             <a:endParaRPr lang="pt-BR"/>
           </a:p>
@@ -3626,7 +3731,7 @@
           <a:p>
             <a:fld id="{63289F7E-B80B-496E-81B4-D396C37C9454}" type="datetimeFigureOut">
               <a:rPr lang="pt-BR" smtClean="0"/>
-              <a:t>01/08/2023</a:t>
+              <a:t>29/08/2023</a:t>
             </a:fld>
             <a:endParaRPr lang="pt-BR"/>
           </a:p>
@@ -3901,7 +4006,7 @@
           <a:p>
             <a:fld id="{63289F7E-B80B-496E-81B4-D396C37C9454}" type="datetimeFigureOut">
               <a:rPr lang="pt-BR" smtClean="0"/>
-              <a:t>01/08/2023</a:t>
+              <a:t>29/08/2023</a:t>
             </a:fld>
             <a:endParaRPr lang="pt-BR"/>
           </a:p>
@@ -4166,7 +4271,7 @@
           <a:p>
             <a:fld id="{63289F7E-B80B-496E-81B4-D396C37C9454}" type="datetimeFigureOut">
               <a:rPr lang="pt-BR" smtClean="0"/>
-              <a:t>01/08/2023</a:t>
+              <a:t>29/08/2023</a:t>
             </a:fld>
             <a:endParaRPr lang="pt-BR"/>
           </a:p>
@@ -4578,7 +4683,7 @@
           <a:p>
             <a:fld id="{63289F7E-B80B-496E-81B4-D396C37C9454}" type="datetimeFigureOut">
               <a:rPr lang="pt-BR" smtClean="0"/>
-              <a:t>01/08/2023</a:t>
+              <a:t>29/08/2023</a:t>
             </a:fld>
             <a:endParaRPr lang="pt-BR"/>
           </a:p>
@@ -4719,7 +4824,7 @@
           <a:p>
             <a:fld id="{63289F7E-B80B-496E-81B4-D396C37C9454}" type="datetimeFigureOut">
               <a:rPr lang="pt-BR" smtClean="0"/>
-              <a:t>01/08/2023</a:t>
+              <a:t>29/08/2023</a:t>
             </a:fld>
             <a:endParaRPr lang="pt-BR"/>
           </a:p>
@@ -4832,7 +4937,7 @@
           <a:p>
             <a:fld id="{63289F7E-B80B-496E-81B4-D396C37C9454}" type="datetimeFigureOut">
               <a:rPr lang="pt-BR" smtClean="0"/>
-              <a:t>01/08/2023</a:t>
+              <a:t>29/08/2023</a:t>
             </a:fld>
             <a:endParaRPr lang="pt-BR"/>
           </a:p>
@@ -5143,7 +5248,7 @@
           <a:p>
             <a:fld id="{63289F7E-B80B-496E-81B4-D396C37C9454}" type="datetimeFigureOut">
               <a:rPr lang="pt-BR" smtClean="0"/>
-              <a:t>01/08/2023</a:t>
+              <a:t>29/08/2023</a:t>
             </a:fld>
             <a:endParaRPr lang="pt-BR"/>
           </a:p>
@@ -5431,7 +5536,7 @@
           <a:p>
             <a:fld id="{63289F7E-B80B-496E-81B4-D396C37C9454}" type="datetimeFigureOut">
               <a:rPr lang="pt-BR" smtClean="0"/>
-              <a:t>01/08/2023</a:t>
+              <a:t>29/08/2023</a:t>
             </a:fld>
             <a:endParaRPr lang="pt-BR"/>
           </a:p>
@@ -5672,7 +5777,7 @@
           <a:p>
             <a:fld id="{63289F7E-B80B-496E-81B4-D396C37C9454}" type="datetimeFigureOut">
               <a:rPr lang="pt-BR" smtClean="0"/>
-              <a:t>01/08/2023</a:t>
+              <a:t>29/08/2023</a:t>
             </a:fld>
             <a:endParaRPr lang="pt-BR"/>
           </a:p>
@@ -27604,6 +27709,426 @@
           <p:cNvPr id="2" name="Título 1">
             <a:extLst>
               <a:ext uri="{FF2B5EF4-FFF2-40B4-BE49-F238E27FC236}">
+                <a16:creationId xmlns:a16="http://schemas.microsoft.com/office/drawing/2014/main" id="{9CD00B3E-85D7-8B25-6629-4A85FF36133A}"/>
+              </a:ext>
+            </a:extLst>
+          </p:cNvPr>
+          <p:cNvSpPr>
+            <a:spLocks noGrp="1"/>
+          </p:cNvSpPr>
+          <p:nvPr>
+            <p:ph type="title"/>
+          </p:nvPr>
+        </p:nvSpPr>
+        <p:spPr/>
+        <p:txBody>
+          <a:bodyPr/>
+          <a:lstStyle/>
+          <a:p>
+            <a:r>
+              <a:rPr lang="pt-BR" dirty="0"/>
+              <a:t>Exemplo</a:t>
+            </a:r>
+          </a:p>
+        </p:txBody>
+      </p:sp>
+      <p:sp>
+        <p:nvSpPr>
+          <p:cNvPr id="3" name="Espaço Reservado para Conteúdo 2">
+            <a:extLst>
+              <a:ext uri="{FF2B5EF4-FFF2-40B4-BE49-F238E27FC236}">
+                <a16:creationId xmlns:a16="http://schemas.microsoft.com/office/drawing/2014/main" id="{9730104F-E6BA-B308-644A-11A7E4939EBD}"/>
+              </a:ext>
+            </a:extLst>
+          </p:cNvPr>
+          <p:cNvSpPr>
+            <a:spLocks noGrp="1"/>
+          </p:cNvSpPr>
+          <p:nvPr>
+            <p:ph idx="1"/>
+          </p:nvPr>
+        </p:nvSpPr>
+        <p:spPr/>
+        <p:txBody>
+          <a:bodyPr/>
+          <a:lstStyle/>
+          <a:p>
+            <a:r>
+              <a:rPr lang="pt-BR" dirty="0">
+                <a:hlinkClick r:id="rId3"/>
+              </a:rPr>
+              <a:t>Gradiente descendente</a:t>
+            </a:r>
+            <a:r>
+              <a:rPr lang="pt-BR" dirty="0"/>
+              <a:t>. </a:t>
+            </a:r>
+          </a:p>
+        </p:txBody>
+      </p:sp>
+      <p:pic>
+        <p:nvPicPr>
+          <p:cNvPr id="2050" name="Picture 2" descr="TensorFlow">
+            <a:extLst>
+              <a:ext uri="{FF2B5EF4-FFF2-40B4-BE49-F238E27FC236}">
+                <a16:creationId xmlns:a16="http://schemas.microsoft.com/office/drawing/2014/main" id="{87B75C17-2A48-E33A-B66B-927CA792D831}"/>
+              </a:ext>
+            </a:extLst>
+          </p:cNvPr>
+          <p:cNvPicPr>
+            <a:picLocks noChangeAspect="1" noChangeArrowheads="1"/>
+          </p:cNvPicPr>
+          <p:nvPr/>
+        </p:nvPicPr>
+        <p:blipFill>
+          <a:blip r:embed="rId4">
+            <a:extLst>
+              <a:ext uri="{28A0092B-C50C-407E-A947-70E740481C1C}">
+                <a14:useLocalDpi xmlns:a14="http://schemas.microsoft.com/office/drawing/2010/main" val="0"/>
+              </a:ext>
+            </a:extLst>
+          </a:blip>
+          <a:srcRect/>
+          <a:stretch>
+            <a:fillRect/>
+          </a:stretch>
+        </p:blipFill>
+        <p:spPr bwMode="auto">
+          <a:xfrm>
+            <a:off x="1939875" y="2923470"/>
+            <a:ext cx="4099479" cy="2305957"/>
+          </a:xfrm>
+          <a:prstGeom prst="rect">
+            <a:avLst/>
+          </a:prstGeom>
+          <a:noFill/>
+          <a:extLst>
+            <a:ext uri="{909E8E84-426E-40DD-AFC4-6F175D3DCCD1}">
+              <a14:hiddenFill xmlns:a14="http://schemas.microsoft.com/office/drawing/2010/main">
+                <a:solidFill>
+                  <a:srgbClr val="FFFFFF"/>
+                </a:solidFill>
+              </a14:hiddenFill>
+            </a:ext>
+          </a:extLst>
+        </p:spPr>
+      </p:pic>
+      <p:pic>
+        <p:nvPicPr>
+          <p:cNvPr id="2052" name="Picture 4" descr="Project Jupyter | Try Jupyter">
+            <a:extLst>
+              <a:ext uri="{FF2B5EF4-FFF2-40B4-BE49-F238E27FC236}">
+                <a16:creationId xmlns:a16="http://schemas.microsoft.com/office/drawing/2014/main" id="{FC70A9A5-A2C7-C005-C6C5-A9FF775654D9}"/>
+              </a:ext>
+            </a:extLst>
+          </p:cNvPr>
+          <p:cNvPicPr>
+            <a:picLocks noChangeAspect="1" noChangeArrowheads="1"/>
+          </p:cNvPicPr>
+          <p:nvPr/>
+        </p:nvPicPr>
+        <p:blipFill>
+          <a:blip r:embed="rId5">
+            <a:extLst>
+              <a:ext uri="{28A0092B-C50C-407E-A947-70E740481C1C}">
+                <a14:useLocalDpi xmlns:a14="http://schemas.microsoft.com/office/drawing/2010/main" val="0"/>
+              </a:ext>
+            </a:extLst>
+          </a:blip>
+          <a:srcRect/>
+          <a:stretch>
+            <a:fillRect/>
+          </a:stretch>
+        </p:blipFill>
+        <p:spPr bwMode="auto">
+          <a:xfrm>
+            <a:off x="5203370" y="3167764"/>
+            <a:ext cx="3461657" cy="1817370"/>
+          </a:xfrm>
+          <a:prstGeom prst="rect">
+            <a:avLst/>
+          </a:prstGeom>
+          <a:noFill/>
+          <a:extLst>
+            <a:ext uri="{909E8E84-426E-40DD-AFC4-6F175D3DCCD1}">
+              <a14:hiddenFill xmlns:a14="http://schemas.microsoft.com/office/drawing/2010/main">
+                <a:solidFill>
+                  <a:srgbClr val="FFFFFF"/>
+                </a:solidFill>
+              </a14:hiddenFill>
+            </a:ext>
+          </a:extLst>
+        </p:spPr>
+      </p:pic>
+      <p:pic>
+        <p:nvPicPr>
+          <p:cNvPr id="2056" name="Picture 8" descr="Google Colaboratory Colab - Guía Completa Español - Marketing Branding">
+            <a:extLst>
+              <a:ext uri="{FF2B5EF4-FFF2-40B4-BE49-F238E27FC236}">
+                <a16:creationId xmlns:a16="http://schemas.microsoft.com/office/drawing/2014/main" id="{8A007768-2032-FE11-22C9-9394A0EF02EF}"/>
+              </a:ext>
+            </a:extLst>
+          </p:cNvPr>
+          <p:cNvPicPr>
+            <a:picLocks noChangeAspect="1" noChangeArrowheads="1"/>
+          </p:cNvPicPr>
+          <p:nvPr/>
+        </p:nvPicPr>
+        <p:blipFill rotWithShape="1">
+          <a:blip r:embed="rId6">
+            <a:extLst>
+              <a:ext uri="{28A0092B-C50C-407E-A947-70E740481C1C}">
+                <a14:useLocalDpi xmlns:a14="http://schemas.microsoft.com/office/drawing/2010/main" val="0"/>
+              </a:ext>
+            </a:extLst>
+          </a:blip>
+          <a:srcRect l="5865" r="10641"/>
+          <a:stretch/>
+        </p:blipFill>
+        <p:spPr bwMode="auto">
+          <a:xfrm>
+            <a:off x="8665027" y="2746576"/>
+            <a:ext cx="3331071" cy="2659743"/>
+          </a:xfrm>
+          <a:prstGeom prst="rect">
+            <a:avLst/>
+          </a:prstGeom>
+          <a:noFill/>
+          <a:extLst>
+            <a:ext uri="{909E8E84-426E-40DD-AFC4-6F175D3DCCD1}">
+              <a14:hiddenFill xmlns:a14="http://schemas.microsoft.com/office/drawing/2010/main">
+                <a:solidFill>
+                  <a:srgbClr val="FFFFFF"/>
+                </a:solidFill>
+              </a14:hiddenFill>
+            </a:ext>
+          </a:extLst>
+        </p:spPr>
+      </p:pic>
+      <p:pic>
+        <p:nvPicPr>
+          <p:cNvPr id="2058" name="Picture 10" descr="IT12A01: FUNDAMENTALS OF PYTHON PROGRAMMING (SF) (SYNCHRONOUS E-LEARNING) -  NTUC LearningHub">
+            <a:extLst>
+              <a:ext uri="{FF2B5EF4-FFF2-40B4-BE49-F238E27FC236}">
+                <a16:creationId xmlns:a16="http://schemas.microsoft.com/office/drawing/2014/main" id="{80EDF8DB-E749-8471-3ACA-2FFE3006FC46}"/>
+              </a:ext>
+            </a:extLst>
+          </p:cNvPr>
+          <p:cNvPicPr>
+            <a:picLocks noChangeAspect="1" noChangeArrowheads="1"/>
+          </p:cNvPicPr>
+          <p:nvPr/>
+        </p:nvPicPr>
+        <p:blipFill rotWithShape="1">
+          <a:blip r:embed="rId7">
+            <a:extLst>
+              <a:ext uri="{28A0092B-C50C-407E-A947-70E740481C1C}">
+                <a14:useLocalDpi xmlns:a14="http://schemas.microsoft.com/office/drawing/2010/main" val="0"/>
+              </a:ext>
+            </a:extLst>
+          </a:blip>
+          <a:srcRect l="23319" r="20198"/>
+          <a:stretch/>
+        </p:blipFill>
+        <p:spPr bwMode="auto">
+          <a:xfrm>
+            <a:off x="304800" y="3167764"/>
+            <a:ext cx="1894114" cy="1877924"/>
+          </a:xfrm>
+          <a:prstGeom prst="rect">
+            <a:avLst/>
+          </a:prstGeom>
+          <a:noFill/>
+          <a:extLst>
+            <a:ext uri="{909E8E84-426E-40DD-AFC4-6F175D3DCCD1}">
+              <a14:hiddenFill xmlns:a14="http://schemas.microsoft.com/office/drawing/2010/main">
+                <a:solidFill>
+                  <a:srgbClr val="FFFFFF"/>
+                </a:solidFill>
+              </a14:hiddenFill>
+            </a:ext>
+          </a:extLst>
+        </p:spPr>
+      </p:pic>
+      <p:sp>
+        <p:nvSpPr>
+          <p:cNvPr id="8" name="Sinal de Adição 7">
+            <a:extLst>
+              <a:ext uri="{FF2B5EF4-FFF2-40B4-BE49-F238E27FC236}">
+                <a16:creationId xmlns:a16="http://schemas.microsoft.com/office/drawing/2014/main" id="{89317CF7-D83C-5980-45A9-863C64A2BE61}"/>
+              </a:ext>
+            </a:extLst>
+          </p:cNvPr>
+          <p:cNvSpPr>
+            <a:spLocks noChangeAspect="1"/>
+          </p:cNvSpPr>
+          <p:nvPr/>
+        </p:nvSpPr>
+        <p:spPr>
+          <a:xfrm>
+            <a:off x="2198914" y="3535968"/>
+            <a:ext cx="468000" cy="468000"/>
+          </a:xfrm>
+          <a:prstGeom prst="mathPlus">
+            <a:avLst/>
+          </a:prstGeom>
+        </p:spPr>
+        <p:style>
+          <a:lnRef idx="2">
+            <a:schemeClr val="accent1">
+              <a:shade val="15000"/>
+            </a:schemeClr>
+          </a:lnRef>
+          <a:fillRef idx="1">
+            <a:schemeClr val="accent1"/>
+          </a:fillRef>
+          <a:effectRef idx="0">
+            <a:schemeClr val="accent1"/>
+          </a:effectRef>
+          <a:fontRef idx="minor">
+            <a:schemeClr val="lt1"/>
+          </a:fontRef>
+        </p:style>
+        <p:txBody>
+          <a:bodyPr rtlCol="0" anchor="ctr"/>
+          <a:lstStyle/>
+          <a:p>
+            <a:pPr algn="ctr"/>
+            <a:endParaRPr lang="pt-BR"/>
+          </a:p>
+        </p:txBody>
+      </p:sp>
+      <p:sp>
+        <p:nvSpPr>
+          <p:cNvPr id="10" name="Sinal de Adição 9">
+            <a:extLst>
+              <a:ext uri="{FF2B5EF4-FFF2-40B4-BE49-F238E27FC236}">
+                <a16:creationId xmlns:a16="http://schemas.microsoft.com/office/drawing/2014/main" id="{C6DC4B29-EABA-20F7-BB46-C33BEC93E2DD}"/>
+              </a:ext>
+            </a:extLst>
+          </p:cNvPr>
+          <p:cNvSpPr>
+            <a:spLocks noChangeAspect="1"/>
+          </p:cNvSpPr>
+          <p:nvPr/>
+        </p:nvSpPr>
+        <p:spPr>
+          <a:xfrm>
+            <a:off x="5279613" y="3535968"/>
+            <a:ext cx="468000" cy="468000"/>
+          </a:xfrm>
+          <a:prstGeom prst="mathPlus">
+            <a:avLst/>
+          </a:prstGeom>
+        </p:spPr>
+        <p:style>
+          <a:lnRef idx="2">
+            <a:schemeClr val="accent1">
+              <a:shade val="15000"/>
+            </a:schemeClr>
+          </a:lnRef>
+          <a:fillRef idx="1">
+            <a:schemeClr val="accent1"/>
+          </a:fillRef>
+          <a:effectRef idx="0">
+            <a:schemeClr val="accent1"/>
+          </a:effectRef>
+          <a:fontRef idx="minor">
+            <a:schemeClr val="lt1"/>
+          </a:fontRef>
+        </p:style>
+        <p:txBody>
+          <a:bodyPr rtlCol="0" anchor="ctr"/>
+          <a:lstStyle/>
+          <a:p>
+            <a:pPr algn="ctr"/>
+            <a:endParaRPr lang="pt-BR"/>
+          </a:p>
+        </p:txBody>
+      </p:sp>
+      <p:sp>
+        <p:nvSpPr>
+          <p:cNvPr id="11" name="Sinal de Adição 10">
+            <a:extLst>
+              <a:ext uri="{FF2B5EF4-FFF2-40B4-BE49-F238E27FC236}">
+                <a16:creationId xmlns:a16="http://schemas.microsoft.com/office/drawing/2014/main" id="{FF65B64B-136B-DCC4-8A01-509D3D5CD19F}"/>
+              </a:ext>
+            </a:extLst>
+          </p:cNvPr>
+          <p:cNvSpPr>
+            <a:spLocks noChangeAspect="1"/>
+          </p:cNvSpPr>
+          <p:nvPr/>
+        </p:nvSpPr>
+        <p:spPr>
+          <a:xfrm>
+            <a:off x="7968386" y="3533294"/>
+            <a:ext cx="468000" cy="468000"/>
+          </a:xfrm>
+          <a:prstGeom prst="mathPlus">
+            <a:avLst/>
+          </a:prstGeom>
+        </p:spPr>
+        <p:style>
+          <a:lnRef idx="2">
+            <a:schemeClr val="accent1">
+              <a:shade val="15000"/>
+            </a:schemeClr>
+          </a:lnRef>
+          <a:fillRef idx="1">
+            <a:schemeClr val="accent1"/>
+          </a:fillRef>
+          <a:effectRef idx="0">
+            <a:schemeClr val="accent1"/>
+          </a:effectRef>
+          <a:fontRef idx="minor">
+            <a:schemeClr val="lt1"/>
+          </a:fontRef>
+        </p:style>
+        <p:txBody>
+          <a:bodyPr rtlCol="0" anchor="ctr"/>
+          <a:lstStyle/>
+          <a:p>
+            <a:pPr algn="ctr"/>
+            <a:endParaRPr lang="pt-BR"/>
+          </a:p>
+        </p:txBody>
+      </p:sp>
+    </p:spTree>
+    <p:extLst>
+      <p:ext uri="{BB962C8B-B14F-4D97-AF65-F5344CB8AC3E}">
+        <p14:creationId xmlns:p14="http://schemas.microsoft.com/office/powerpoint/2010/main" val="94961935"/>
+      </p:ext>
+    </p:extLst>
+  </p:cSld>
+  <p:clrMapOvr>
+    <a:masterClrMapping/>
+  </p:clrMapOvr>
+</p:sld>
+</file>
+
+<file path=ppt/slides/slide23.xml><?xml version="1.0" encoding="utf-8"?>
+<p:sld xmlns:a="http://schemas.openxmlformats.org/drawingml/2006/main" xmlns:r="http://schemas.openxmlformats.org/officeDocument/2006/relationships" xmlns:p="http://schemas.openxmlformats.org/presentationml/2006/main">
+  <p:cSld>
+    <p:spTree>
+      <p:nvGrpSpPr>
+        <p:cNvPr id="1" name=""/>
+        <p:cNvGrpSpPr/>
+        <p:nvPr/>
+      </p:nvGrpSpPr>
+      <p:grpSpPr>
+        <a:xfrm>
+          <a:off x="0" y="0"/>
+          <a:ext cx="0" cy="0"/>
+          <a:chOff x="0" y="0"/>
+          <a:chExt cx="0" cy="0"/>
+        </a:xfrm>
+      </p:grpSpPr>
+      <p:sp>
+        <p:nvSpPr>
+          <p:cNvPr id="2" name="Título 1">
+            <a:extLst>
+              <a:ext uri="{FF2B5EF4-FFF2-40B4-BE49-F238E27FC236}">
                 <a16:creationId xmlns:a16="http://schemas.microsoft.com/office/drawing/2014/main" id="{2755BD9F-A5F9-C006-2D60-3988AFB742AA}"/>
               </a:ext>
             </a:extLst>
@@ -27692,7 +28217,7 @@
 </p:sld>
 </file>
 
-<file path=ppt/slides/slide23.xml><?xml version="1.0" encoding="utf-8"?>
+<file path=ppt/slides/slide24.xml><?xml version="1.0" encoding="utf-8"?>
 <p:sld xmlns:a="http://schemas.openxmlformats.org/drawingml/2006/main" xmlns:r="http://schemas.openxmlformats.org/officeDocument/2006/relationships" xmlns:p="http://schemas.openxmlformats.org/presentationml/2006/main">
   <p:cSld>
     <p:spTree>
@@ -27778,7 +28303,7 @@
 </p:sld>
 </file>
 
-<file path=ppt/slides/slide24.xml><?xml version="1.0" encoding="utf-8"?>
+<file path=ppt/slides/slide25.xml><?xml version="1.0" encoding="utf-8"?>
 <p:sld xmlns:a="http://schemas.openxmlformats.org/drawingml/2006/main" xmlns:r="http://schemas.openxmlformats.org/officeDocument/2006/relationships" xmlns:p="http://schemas.openxmlformats.org/presentationml/2006/main">
   <p:cSld>
     <p:spTree>

--- a/slides/TP557_6_Minimizando_o_erro.pptx
+++ b/slides/TP557_6_Minimizando_o_erro.pptx
@@ -5,37 +5,41 @@
     <p:sldMasterId id="2147483648" r:id="rId1"/>
   </p:sldMasterIdLst>
   <p:notesMasterIdLst>
-    <p:notesMasterId r:id="rId27"/>
+    <p:notesMasterId r:id="rId31"/>
   </p:notesMasterIdLst>
   <p:handoutMasterIdLst>
-    <p:handoutMasterId r:id="rId28"/>
+    <p:handoutMasterId r:id="rId32"/>
   </p:handoutMasterIdLst>
   <p:sldIdLst>
     <p:sldId id="256" r:id="rId2"/>
     <p:sldId id="406" r:id="rId3"/>
     <p:sldId id="407" r:id="rId4"/>
-    <p:sldId id="408" r:id="rId5"/>
-    <p:sldId id="409" r:id="rId6"/>
-    <p:sldId id="410" r:id="rId7"/>
-    <p:sldId id="411" r:id="rId8"/>
-    <p:sldId id="415" r:id="rId9"/>
-    <p:sldId id="412" r:id="rId10"/>
-    <p:sldId id="413" r:id="rId11"/>
-    <p:sldId id="414" r:id="rId12"/>
-    <p:sldId id="416" r:id="rId13"/>
-    <p:sldId id="417" r:id="rId14"/>
-    <p:sldId id="419" r:id="rId15"/>
-    <p:sldId id="425" r:id="rId16"/>
-    <p:sldId id="420" r:id="rId17"/>
-    <p:sldId id="418" r:id="rId18"/>
-    <p:sldId id="421" r:id="rId19"/>
-    <p:sldId id="422" r:id="rId20"/>
-    <p:sldId id="423" r:id="rId21"/>
-    <p:sldId id="424" r:id="rId22"/>
-    <p:sldId id="427" r:id="rId23"/>
-    <p:sldId id="405" r:id="rId24"/>
-    <p:sldId id="293" r:id="rId25"/>
-    <p:sldId id="306" r:id="rId26"/>
+    <p:sldId id="428" r:id="rId5"/>
+    <p:sldId id="408" r:id="rId6"/>
+    <p:sldId id="409" r:id="rId7"/>
+    <p:sldId id="410" r:id="rId8"/>
+    <p:sldId id="411" r:id="rId9"/>
+    <p:sldId id="415" r:id="rId10"/>
+    <p:sldId id="412" r:id="rId11"/>
+    <p:sldId id="413" r:id="rId12"/>
+    <p:sldId id="414" r:id="rId13"/>
+    <p:sldId id="416" r:id="rId14"/>
+    <p:sldId id="417" r:id="rId15"/>
+    <p:sldId id="419" r:id="rId16"/>
+    <p:sldId id="425" r:id="rId17"/>
+    <p:sldId id="420" r:id="rId18"/>
+    <p:sldId id="418" r:id="rId19"/>
+    <p:sldId id="421" r:id="rId20"/>
+    <p:sldId id="422" r:id="rId21"/>
+    <p:sldId id="423" r:id="rId22"/>
+    <p:sldId id="424" r:id="rId23"/>
+    <p:sldId id="429" r:id="rId24"/>
+    <p:sldId id="430" r:id="rId25"/>
+    <p:sldId id="431" r:id="rId26"/>
+    <p:sldId id="427" r:id="rId27"/>
+    <p:sldId id="405" r:id="rId28"/>
+    <p:sldId id="293" r:id="rId29"/>
+    <p:sldId id="306" r:id="rId30"/>
   </p:sldIdLst>
   <p:sldSz cx="12192000" cy="6858000"/>
   <p:notesSz cx="7315200" cy="9601200"/>
@@ -890,7 +894,7 @@
           <a:p>
             <a:fld id="{6FC8D850-966F-45A6-8DE7-15B891E7D40D}" type="slidenum">
               <a:rPr lang="pt-BR" smtClean="0"/>
-              <a:t>11</a:t>
+              <a:t>12</a:t>
             </a:fld>
             <a:endParaRPr lang="pt-BR"/>
           </a:p>
@@ -984,7 +988,7 @@
           <a:p>
             <a:fld id="{6FC8D850-966F-45A6-8DE7-15B891E7D40D}" type="slidenum">
               <a:rPr lang="pt-BR" smtClean="0"/>
-              <a:t>12</a:t>
+              <a:t>13</a:t>
             </a:fld>
             <a:endParaRPr lang="pt-BR"/>
           </a:p>
@@ -1078,7 +1082,7 @@
           <a:p>
             <a:fld id="{6FC8D850-966F-45A6-8DE7-15B891E7D40D}" type="slidenum">
               <a:rPr lang="pt-BR" smtClean="0"/>
-              <a:t>13</a:t>
+              <a:t>14</a:t>
             </a:fld>
             <a:endParaRPr lang="pt-BR"/>
           </a:p>
@@ -1172,7 +1176,7 @@
           <a:p>
             <a:fld id="{6FC8D850-966F-45A6-8DE7-15B891E7D40D}" type="slidenum">
               <a:rPr lang="pt-BR" smtClean="0"/>
-              <a:t>14</a:t>
+              <a:t>15</a:t>
             </a:fld>
             <a:endParaRPr lang="pt-BR"/>
           </a:p>
@@ -1266,7 +1270,7 @@
           <a:p>
             <a:fld id="{6FC8D850-966F-45A6-8DE7-15B891E7D40D}" type="slidenum">
               <a:rPr lang="pt-BR" smtClean="0"/>
-              <a:t>15</a:t>
+              <a:t>16</a:t>
             </a:fld>
             <a:endParaRPr lang="pt-BR"/>
           </a:p>
@@ -1360,7 +1364,7 @@
           <a:p>
             <a:fld id="{6FC8D850-966F-45A6-8DE7-15B891E7D40D}" type="slidenum">
               <a:rPr lang="pt-BR" smtClean="0"/>
-              <a:t>16</a:t>
+              <a:t>17</a:t>
             </a:fld>
             <a:endParaRPr lang="pt-BR"/>
           </a:p>
@@ -1447,7 +1451,7 @@
           <a:p>
             <a:fld id="{6FC8D850-966F-45A6-8DE7-15B891E7D40D}" type="slidenum">
               <a:rPr lang="pt-BR" smtClean="0"/>
-              <a:t>17</a:t>
+              <a:t>18</a:t>
             </a:fld>
             <a:endParaRPr lang="pt-BR"/>
           </a:p>
@@ -1763,47 +1767,7 @@
                 <a:effectLst/>
                 <a:latin typeface="Söhne"/>
               </a:rPr>
-              <a:t>Gradiente Descendente em </a:t>
-            </a:r>
-            <a:r>
-              <a:rPr lang="pt-BR" b="0" i="0" dirty="0" err="1">
-                <a:solidFill>
-                  <a:srgbClr val="374151"/>
-                </a:solidFill>
-                <a:effectLst/>
-                <a:latin typeface="Söhne"/>
-              </a:rPr>
-              <a:t>Mini-Lotes</a:t>
-            </a:r>
-            <a:r>
-              <a:rPr lang="pt-BR" b="0" i="0" dirty="0">
-                <a:solidFill>
-                  <a:srgbClr val="374151"/>
-                </a:solidFill>
-                <a:effectLst/>
-                <a:latin typeface="Söhne"/>
-              </a:rPr>
-              <a:t> (</a:t>
-            </a:r>
-            <a:r>
-              <a:rPr lang="pt-BR" b="0" i="0" dirty="0" err="1">
-                <a:solidFill>
-                  <a:srgbClr val="374151"/>
-                </a:solidFill>
-                <a:effectLst/>
-                <a:latin typeface="Söhne"/>
-              </a:rPr>
-              <a:t>Mini-batch</a:t>
-            </a:r>
-            <a:r>
-              <a:rPr lang="pt-BR" b="0" i="0" dirty="0">
-                <a:solidFill>
-                  <a:srgbClr val="374151"/>
-                </a:solidFill>
-                <a:effectLst/>
-                <a:latin typeface="Söhne"/>
-              </a:rPr>
-              <a:t> </a:t>
+              <a:t>Gradiente Descendente em Mini-Lotes (Mini-batch </a:t>
             </a:r>
             <a:r>
               <a:rPr lang="pt-BR" b="0" i="0" dirty="0" err="1">
@@ -2009,7 +1973,7 @@
           <a:p>
             <a:fld id="{6FC8D850-966F-45A6-8DE7-15B891E7D40D}" type="slidenum">
               <a:rPr lang="pt-BR" smtClean="0"/>
-              <a:t>21</a:t>
+              <a:t>22</a:t>
             </a:fld>
             <a:endParaRPr lang="pt-BR"/>
           </a:p>
@@ -2072,27 +2036,471 @@
           <a:bodyPr/>
           <a:lstStyle/>
           <a:p>
-            <a:pPr marL="0" marR="0" lvl="0" indent="0" algn="l" defTabSz="914400" rtl="0" eaLnBrk="1" fontAlgn="auto" latinLnBrk="0" hangingPunct="1">
-              <a:lnSpc>
-                <a:spcPct val="100000"/>
-              </a:lnSpc>
-              <a:spcBef>
-                <a:spcPts val="0"/>
-              </a:spcBef>
-              <a:spcAft>
-                <a:spcPts val="0"/>
-              </a:spcAft>
-              <a:buClrTx/>
-              <a:buSzTx/>
-              <a:buFontTx/>
-              <a:buNone/>
-              <a:tabLst/>
-              <a:defRPr/>
+            <a:pPr algn="l"/>
+            <a:r>
+              <a:rPr lang="pt-BR" b="0" i="0" dirty="0">
+                <a:solidFill>
+                  <a:srgbClr val="374151"/>
+                </a:solidFill>
+                <a:effectLst/>
+                <a:latin typeface="Söhne"/>
+              </a:rPr>
+              <a:t>As três versões do Gradiente Descendente são:</a:t>
+            </a:r>
+          </a:p>
+          <a:p>
+            <a:pPr algn="l">
+              <a:buFont typeface="+mj-lt"/>
+              <a:buAutoNum type="arabicPeriod"/>
             </a:pPr>
             <a:r>
-              <a:rPr lang="pt-BR" dirty="0"/>
-              <a:t>https://colab.research.google.com/github/zz4fap/tp557-iot-ml/blob/master/examples/Gradiente_descendente.ipynb</a:t>
+              <a:rPr lang="pt-BR" b="0" i="0" dirty="0">
+                <a:solidFill>
+                  <a:srgbClr val="374151"/>
+                </a:solidFill>
+                <a:effectLst/>
+                <a:latin typeface="Söhne"/>
+              </a:rPr>
+              <a:t>Gradiente Descendente de Lote (Batch </a:t>
             </a:r>
+            <a:r>
+              <a:rPr lang="pt-BR" b="0" i="0" dirty="0" err="1">
+                <a:solidFill>
+                  <a:srgbClr val="374151"/>
+                </a:solidFill>
+                <a:effectLst/>
+                <a:latin typeface="Söhne"/>
+              </a:rPr>
+              <a:t>Gradient</a:t>
+            </a:r>
+            <a:r>
+              <a:rPr lang="pt-BR" b="0" i="0" dirty="0">
+                <a:solidFill>
+                  <a:srgbClr val="374151"/>
+                </a:solidFill>
+                <a:effectLst/>
+                <a:latin typeface="Söhne"/>
+              </a:rPr>
+              <a:t> </a:t>
+            </a:r>
+            <a:r>
+              <a:rPr lang="pt-BR" b="0" i="0" dirty="0" err="1">
+                <a:solidFill>
+                  <a:srgbClr val="374151"/>
+                </a:solidFill>
+                <a:effectLst/>
+                <a:latin typeface="Söhne"/>
+              </a:rPr>
+              <a:t>Descent</a:t>
+            </a:r>
+            <a:r>
+              <a:rPr lang="pt-BR" b="0" i="0" dirty="0">
+                <a:solidFill>
+                  <a:srgbClr val="374151"/>
+                </a:solidFill>
+                <a:effectLst/>
+                <a:latin typeface="Söhne"/>
+              </a:rPr>
+              <a:t>):</a:t>
+            </a:r>
+          </a:p>
+          <a:p>
+            <a:pPr algn="l">
+              <a:buFont typeface="Arial" panose="020B0604020202020204" pitchFamily="34" charset="0"/>
+              <a:buChar char="•"/>
+            </a:pPr>
+            <a:r>
+              <a:rPr lang="pt-BR" b="0" i="0" dirty="0">
+                <a:solidFill>
+                  <a:srgbClr val="374151"/>
+                </a:solidFill>
+                <a:effectLst/>
+                <a:latin typeface="Söhne"/>
+              </a:rPr>
+              <a:t>Calcula o gradiente da função de erro para todos os exemplos do conjunto de treinamento.</a:t>
+            </a:r>
+          </a:p>
+          <a:p>
+            <a:pPr algn="l">
+              <a:buFont typeface="Arial" panose="020B0604020202020204" pitchFamily="34" charset="0"/>
+              <a:buChar char="•"/>
+            </a:pPr>
+            <a:r>
+              <a:rPr lang="pt-BR" b="0" i="0" dirty="0">
+                <a:solidFill>
+                  <a:srgbClr val="374151"/>
+                </a:solidFill>
+                <a:effectLst/>
+                <a:latin typeface="Söhne"/>
+              </a:rPr>
+              <a:t>Atualiza os parâmetros do modelo após processar todos os exemplos do conjunto de treinamento.</a:t>
+            </a:r>
+          </a:p>
+          <a:p>
+            <a:pPr algn="l">
+              <a:buFont typeface="Arial" panose="020B0604020202020204" pitchFamily="34" charset="0"/>
+              <a:buChar char="•"/>
+            </a:pPr>
+            <a:r>
+              <a:rPr lang="pt-BR" b="0" i="0" dirty="0">
+                <a:solidFill>
+                  <a:srgbClr val="374151"/>
+                </a:solidFill>
+                <a:effectLst/>
+                <a:latin typeface="Söhne"/>
+              </a:rPr>
+              <a:t>Pode ser lento em conjuntos de treinamento muito grandes, pois requer o cálculo do gradiente para todo o conjunto a cada iteração.</a:t>
+            </a:r>
+          </a:p>
+          <a:p>
+            <a:pPr algn="l">
+              <a:buFont typeface="Arial" panose="020B0604020202020204" pitchFamily="34" charset="0"/>
+              <a:buNone/>
+            </a:pPr>
+            <a:endParaRPr lang="pt-BR" b="0" i="0" dirty="0">
+              <a:solidFill>
+                <a:srgbClr val="374151"/>
+              </a:solidFill>
+              <a:effectLst/>
+              <a:latin typeface="Söhne"/>
+            </a:endParaRPr>
+          </a:p>
+          <a:p>
+            <a:pPr algn="l">
+              <a:buFont typeface="+mj-lt"/>
+              <a:buAutoNum type="arabicPeriod" startAt="2"/>
+            </a:pPr>
+            <a:r>
+              <a:rPr lang="pt-BR" b="0" i="0" dirty="0">
+                <a:solidFill>
+                  <a:srgbClr val="374151"/>
+                </a:solidFill>
+                <a:effectLst/>
+                <a:latin typeface="Söhne"/>
+              </a:rPr>
+              <a:t>Gradiente Descendente Estocástico (</a:t>
+            </a:r>
+            <a:r>
+              <a:rPr lang="pt-BR" b="0" i="0" dirty="0" err="1">
+                <a:solidFill>
+                  <a:srgbClr val="374151"/>
+                </a:solidFill>
+                <a:effectLst/>
+                <a:latin typeface="Söhne"/>
+              </a:rPr>
+              <a:t>Stochastic</a:t>
+            </a:r>
+            <a:r>
+              <a:rPr lang="pt-BR" b="0" i="0" dirty="0">
+                <a:solidFill>
+                  <a:srgbClr val="374151"/>
+                </a:solidFill>
+                <a:effectLst/>
+                <a:latin typeface="Söhne"/>
+              </a:rPr>
+              <a:t> </a:t>
+            </a:r>
+            <a:r>
+              <a:rPr lang="pt-BR" b="0" i="0" dirty="0" err="1">
+                <a:solidFill>
+                  <a:srgbClr val="374151"/>
+                </a:solidFill>
+                <a:effectLst/>
+                <a:latin typeface="Söhne"/>
+              </a:rPr>
+              <a:t>Gradient</a:t>
+            </a:r>
+            <a:r>
+              <a:rPr lang="pt-BR" b="0" i="0" dirty="0">
+                <a:solidFill>
+                  <a:srgbClr val="374151"/>
+                </a:solidFill>
+                <a:effectLst/>
+                <a:latin typeface="Söhne"/>
+              </a:rPr>
+              <a:t> </a:t>
+            </a:r>
+            <a:r>
+              <a:rPr lang="pt-BR" b="0" i="0" dirty="0" err="1">
+                <a:solidFill>
+                  <a:srgbClr val="374151"/>
+                </a:solidFill>
+                <a:effectLst/>
+                <a:latin typeface="Söhne"/>
+              </a:rPr>
+              <a:t>Descent</a:t>
+            </a:r>
+            <a:r>
+              <a:rPr lang="pt-BR" b="0" i="0" dirty="0">
+                <a:solidFill>
+                  <a:srgbClr val="374151"/>
+                </a:solidFill>
+                <a:effectLst/>
+                <a:latin typeface="Söhne"/>
+              </a:rPr>
+              <a:t> - SGD):</a:t>
+            </a:r>
+          </a:p>
+          <a:p>
+            <a:pPr algn="l">
+              <a:buFont typeface="Arial" panose="020B0604020202020204" pitchFamily="34" charset="0"/>
+              <a:buChar char="•"/>
+            </a:pPr>
+            <a:r>
+              <a:rPr lang="pt-BR" b="0" i="0" dirty="0">
+                <a:solidFill>
+                  <a:srgbClr val="374151"/>
+                </a:solidFill>
+                <a:effectLst/>
+                <a:latin typeface="Söhne"/>
+              </a:rPr>
+              <a:t>Calcula o gradiente da função de erro para um único exemplo do conjunto de treinamento.</a:t>
+            </a:r>
+          </a:p>
+          <a:p>
+            <a:pPr algn="l">
+              <a:buFont typeface="Arial" panose="020B0604020202020204" pitchFamily="34" charset="0"/>
+              <a:buChar char="•"/>
+            </a:pPr>
+            <a:r>
+              <a:rPr lang="pt-BR" b="0" i="0" dirty="0">
+                <a:solidFill>
+                  <a:srgbClr val="374151"/>
+                </a:solidFill>
+                <a:effectLst/>
+                <a:latin typeface="Söhne"/>
+              </a:rPr>
+              <a:t>Atualiza os parâmetros do modelo após cada exemplo processado.</a:t>
+            </a:r>
+          </a:p>
+          <a:p>
+            <a:pPr algn="l">
+              <a:buFont typeface="Arial" panose="020B0604020202020204" pitchFamily="34" charset="0"/>
+              <a:buChar char="•"/>
+            </a:pPr>
+            <a:r>
+              <a:rPr lang="pt-BR" b="0" i="0" dirty="0">
+                <a:solidFill>
+                  <a:srgbClr val="374151"/>
+                </a:solidFill>
+                <a:effectLst/>
+                <a:latin typeface="Söhne"/>
+              </a:rPr>
+              <a:t>Mais rápido que o Gradiente Descendente de Lote, mas a variação na atualização pode tornar a convergência mais irregular.</a:t>
+            </a:r>
+          </a:p>
+          <a:p>
+            <a:pPr algn="l">
+              <a:buFont typeface="Arial" panose="020B0604020202020204" pitchFamily="34" charset="0"/>
+              <a:buNone/>
+            </a:pPr>
+            <a:endParaRPr lang="pt-BR" b="0" i="0" dirty="0">
+              <a:solidFill>
+                <a:srgbClr val="374151"/>
+              </a:solidFill>
+              <a:effectLst/>
+              <a:latin typeface="Söhne"/>
+            </a:endParaRPr>
+          </a:p>
+          <a:p>
+            <a:pPr algn="l">
+              <a:buFont typeface="+mj-lt"/>
+              <a:buAutoNum type="arabicPeriod" startAt="3"/>
+            </a:pPr>
+            <a:r>
+              <a:rPr lang="pt-BR" b="0" i="0" dirty="0">
+                <a:solidFill>
+                  <a:srgbClr val="374151"/>
+                </a:solidFill>
+                <a:effectLst/>
+                <a:latin typeface="Söhne"/>
+              </a:rPr>
+              <a:t>Gradiente Descendente em Mini-Lotes (Mini-batch </a:t>
+            </a:r>
+            <a:r>
+              <a:rPr lang="pt-BR" b="0" i="0" dirty="0" err="1">
+                <a:solidFill>
+                  <a:srgbClr val="374151"/>
+                </a:solidFill>
+                <a:effectLst/>
+                <a:latin typeface="Söhne"/>
+              </a:rPr>
+              <a:t>Gradient</a:t>
+            </a:r>
+            <a:r>
+              <a:rPr lang="pt-BR" b="0" i="0" dirty="0">
+                <a:solidFill>
+                  <a:srgbClr val="374151"/>
+                </a:solidFill>
+                <a:effectLst/>
+                <a:latin typeface="Söhne"/>
+              </a:rPr>
+              <a:t> </a:t>
+            </a:r>
+            <a:r>
+              <a:rPr lang="pt-BR" b="0" i="0" dirty="0" err="1">
+                <a:solidFill>
+                  <a:srgbClr val="374151"/>
+                </a:solidFill>
+                <a:effectLst/>
+                <a:latin typeface="Söhne"/>
+              </a:rPr>
+              <a:t>Descent</a:t>
+            </a:r>
+            <a:r>
+              <a:rPr lang="pt-BR" b="0" i="0" dirty="0">
+                <a:solidFill>
+                  <a:srgbClr val="374151"/>
+                </a:solidFill>
+                <a:effectLst/>
+                <a:latin typeface="Söhne"/>
+              </a:rPr>
+              <a:t>):</a:t>
+            </a:r>
+          </a:p>
+          <a:p>
+            <a:pPr algn="l">
+              <a:buFont typeface="Arial" panose="020B0604020202020204" pitchFamily="34" charset="0"/>
+              <a:buChar char="•"/>
+            </a:pPr>
+            <a:r>
+              <a:rPr lang="pt-BR" b="0" i="0" dirty="0">
+                <a:solidFill>
+                  <a:srgbClr val="374151"/>
+                </a:solidFill>
+                <a:effectLst/>
+                <a:latin typeface="Söhne"/>
+              </a:rPr>
+              <a:t>Calcula o gradiente da função de erro para um pequeno grupo (</a:t>
+            </a:r>
+            <a:r>
+              <a:rPr lang="pt-BR" b="0" i="0" dirty="0" err="1">
+                <a:solidFill>
+                  <a:srgbClr val="374151"/>
+                </a:solidFill>
+                <a:effectLst/>
+                <a:latin typeface="Söhne"/>
+              </a:rPr>
+              <a:t>mini-lote</a:t>
+            </a:r>
+            <a:r>
+              <a:rPr lang="pt-BR" b="0" i="0" dirty="0">
+                <a:solidFill>
+                  <a:srgbClr val="374151"/>
+                </a:solidFill>
+                <a:effectLst/>
+                <a:latin typeface="Söhne"/>
+              </a:rPr>
+              <a:t>) de exemplos do conjunto de treinamento.</a:t>
+            </a:r>
+          </a:p>
+          <a:p>
+            <a:pPr algn="l">
+              <a:buFont typeface="Arial" panose="020B0604020202020204" pitchFamily="34" charset="0"/>
+              <a:buChar char="•"/>
+            </a:pPr>
+            <a:r>
+              <a:rPr lang="pt-BR" b="0" i="0" dirty="0">
+                <a:solidFill>
+                  <a:srgbClr val="374151"/>
+                </a:solidFill>
+                <a:effectLst/>
+                <a:latin typeface="Söhne"/>
+              </a:rPr>
+              <a:t>Atualiza os parâmetros do modelo após processar cada </a:t>
+            </a:r>
+            <a:r>
+              <a:rPr lang="pt-BR" b="0" i="0" dirty="0" err="1">
+                <a:solidFill>
+                  <a:srgbClr val="374151"/>
+                </a:solidFill>
+                <a:effectLst/>
+                <a:latin typeface="Söhne"/>
+              </a:rPr>
+              <a:t>mini-lote</a:t>
+            </a:r>
+            <a:r>
+              <a:rPr lang="pt-BR" b="0" i="0" dirty="0">
+                <a:solidFill>
+                  <a:srgbClr val="374151"/>
+                </a:solidFill>
+                <a:effectLst/>
+                <a:latin typeface="Söhne"/>
+              </a:rPr>
+              <a:t>.</a:t>
+            </a:r>
+          </a:p>
+          <a:p>
+            <a:pPr algn="l">
+              <a:buFont typeface="Arial" panose="020B0604020202020204" pitchFamily="34" charset="0"/>
+              <a:buChar char="•"/>
+            </a:pPr>
+            <a:r>
+              <a:rPr lang="pt-BR" b="0" i="0" dirty="0">
+                <a:solidFill>
+                  <a:srgbClr val="374151"/>
+                </a:solidFill>
+                <a:effectLst/>
+                <a:latin typeface="Söhne"/>
+              </a:rPr>
+              <a:t>Combina as vantagens do Batch </a:t>
+            </a:r>
+            <a:r>
+              <a:rPr lang="pt-BR" b="0" i="0" dirty="0" err="1">
+                <a:solidFill>
+                  <a:srgbClr val="374151"/>
+                </a:solidFill>
+                <a:effectLst/>
+                <a:latin typeface="Söhne"/>
+              </a:rPr>
+              <a:t>Gradient</a:t>
+            </a:r>
+            <a:r>
+              <a:rPr lang="pt-BR" b="0" i="0" dirty="0">
+                <a:solidFill>
+                  <a:srgbClr val="374151"/>
+                </a:solidFill>
+                <a:effectLst/>
+                <a:latin typeface="Söhne"/>
+              </a:rPr>
+              <a:t> </a:t>
+            </a:r>
+            <a:r>
+              <a:rPr lang="pt-BR" b="0" i="0" dirty="0" err="1">
+                <a:solidFill>
+                  <a:srgbClr val="374151"/>
+                </a:solidFill>
+                <a:effectLst/>
+                <a:latin typeface="Söhne"/>
+              </a:rPr>
+              <a:t>Descent</a:t>
+            </a:r>
+            <a:r>
+              <a:rPr lang="pt-BR" b="0" i="0" dirty="0">
+                <a:solidFill>
+                  <a:srgbClr val="374151"/>
+                </a:solidFill>
+                <a:effectLst/>
+                <a:latin typeface="Söhne"/>
+              </a:rPr>
+              <a:t> e do SGD, sendo mais rápido que o Batch e mais estável que o SGD.</a:t>
+            </a:r>
+          </a:p>
+          <a:p>
+            <a:pPr algn="l"/>
+            <a:r>
+              <a:rPr lang="pt-BR" b="0" i="0" dirty="0">
+                <a:solidFill>
+                  <a:srgbClr val="374151"/>
+                </a:solidFill>
+                <a:effectLst/>
+                <a:latin typeface="Söhne"/>
+              </a:rPr>
+              <a:t>Em todas as versões, o objetivo é ajustar os parâmetros do modelo de forma a minimizar a função de erro, levando a melhores previsões e desempenho do modelo. A escolha da versão mais adequada depende do tamanho do conjunto de treinamento, das características do problema e dos recursos computacionais disponíveis. Cada versão do Gradiente Descendente tem suas vantagens e desvantagens, e a seleção adequada pode impactar no tempo de treinamento e na eficácia do modelo.</a:t>
+            </a:r>
+          </a:p>
+          <a:p>
+            <a:endParaRPr lang="pt-BR" dirty="0"/>
           </a:p>
         </p:txBody>
       </p:sp>
@@ -2113,7 +2521,7 @@
           <a:p>
             <a:fld id="{6FC8D850-966F-45A6-8DE7-15B891E7D40D}" type="slidenum">
               <a:rPr lang="pt-BR" smtClean="0"/>
-              <a:t>22</a:t>
+              <a:t>23</a:t>
             </a:fld>
             <a:endParaRPr lang="pt-BR"/>
           </a:p>
@@ -2122,7 +2530,7 @@
     </p:spTree>
     <p:extLst>
       <p:ext uri="{BB962C8B-B14F-4D97-AF65-F5344CB8AC3E}">
-        <p14:creationId xmlns:p14="http://schemas.microsoft.com/office/powerpoint/2010/main" val="4213120806"/>
+        <p14:creationId xmlns:p14="http://schemas.microsoft.com/office/powerpoint/2010/main" val="2040872118"/>
       </p:ext>
     </p:extLst>
   </p:cSld>
@@ -2176,26 +2584,442 @@
           <a:bodyPr/>
           <a:lstStyle/>
           <a:p>
+            <a:pPr algn="l"/>
             <a:r>
-              <a:rPr lang="pt-BR" dirty="0"/>
-              <a:t>https://colab.research.google.com/github/zz4fap/tp557-iot-ml/blob/master/</a:t>
+              <a:rPr lang="pt-BR" b="0" i="0" dirty="0">
+                <a:solidFill>
+                  <a:srgbClr val="374151"/>
+                </a:solidFill>
+                <a:effectLst/>
+                <a:latin typeface="Söhne"/>
+              </a:rPr>
+              <a:t>As três versões do Gradiente Descendente são:</a:t>
+            </a:r>
+          </a:p>
+          <a:p>
+            <a:pPr algn="l">
+              <a:buFont typeface="+mj-lt"/>
+              <a:buAutoNum type="arabicPeriod"/>
+            </a:pPr>
+            <a:r>
+              <a:rPr lang="pt-BR" b="0" i="0" dirty="0">
+                <a:solidFill>
+                  <a:srgbClr val="374151"/>
+                </a:solidFill>
+                <a:effectLst/>
+                <a:latin typeface="Söhne"/>
+              </a:rPr>
+              <a:t>Gradiente Descendente de Lote (Batch </a:t>
             </a:r>
             <a:r>
-              <a:rPr lang="pt-BR" dirty="0" err="1"/>
-              <a:t>exercises</a:t>
+              <a:rPr lang="pt-BR" b="0" i="0" dirty="0" err="1">
+                <a:solidFill>
+                  <a:srgbClr val="374151"/>
+                </a:solidFill>
+                <a:effectLst/>
+                <a:latin typeface="Söhne"/>
+              </a:rPr>
+              <a:t>Gradient</a:t>
             </a:r>
             <a:r>
-              <a:rPr lang="pt-BR" dirty="0"/>
-              <a:t>/</a:t>
+              <a:rPr lang="pt-BR" b="0" i="0" dirty="0">
+                <a:solidFill>
+                  <a:srgbClr val="374151"/>
+                </a:solidFill>
+                <a:effectLst/>
+                <a:latin typeface="Söhne"/>
+              </a:rPr>
+              <a:t> </a:t>
             </a:r>
             <a:r>
-              <a:rPr lang="pt-BR" dirty="0" err="1"/>
-              <a:t>Exercício_gradiente_descendente.ipynb</a:t>
+              <a:rPr lang="pt-BR" b="0" i="0" dirty="0" err="1">
+                <a:solidFill>
+                  <a:srgbClr val="374151"/>
+                </a:solidFill>
+                <a:effectLst/>
+                <a:latin typeface="Söhne"/>
+              </a:rPr>
+              <a:t>Descent</a:t>
             </a:r>
-            <a:endParaRPr lang="pt-BR" dirty="0"/>
+            <a:r>
+              <a:rPr lang="pt-BR" b="0" i="0" dirty="0">
+                <a:solidFill>
+                  <a:srgbClr val="374151"/>
+                </a:solidFill>
+                <a:effectLst/>
+                <a:latin typeface="Söhne"/>
+              </a:rPr>
+              <a:t>):</a:t>
+            </a:r>
           </a:p>
           <a:p>
-            <a:endParaRPr lang="pt-BR" dirty="0"/>
+            <a:pPr algn="l">
+              <a:buFont typeface="Arial" panose="020B0604020202020204" pitchFamily="34" charset="0"/>
+              <a:buChar char="•"/>
+            </a:pPr>
+            <a:r>
+              <a:rPr lang="pt-BR" b="0" i="0" dirty="0">
+                <a:solidFill>
+                  <a:srgbClr val="374151"/>
+                </a:solidFill>
+                <a:effectLst/>
+                <a:latin typeface="Söhne"/>
+              </a:rPr>
+              <a:t>Calcula o gradiente da função de erro para todos os exemplos do conjunto de treinamento.</a:t>
+            </a:r>
+          </a:p>
+          <a:p>
+            <a:pPr algn="l">
+              <a:buFont typeface="Arial" panose="020B0604020202020204" pitchFamily="34" charset="0"/>
+              <a:buChar char="•"/>
+            </a:pPr>
+            <a:r>
+              <a:rPr lang="pt-BR" b="0" i="0" dirty="0">
+                <a:solidFill>
+                  <a:srgbClr val="374151"/>
+                </a:solidFill>
+                <a:effectLst/>
+                <a:latin typeface="Söhne"/>
+              </a:rPr>
+              <a:t>Atualiza os parâmetros do modelo após processar todos os exemplos do conjunto de treinamento.</a:t>
+            </a:r>
+          </a:p>
+          <a:p>
+            <a:pPr algn="l">
+              <a:buFont typeface="Arial" panose="020B0604020202020204" pitchFamily="34" charset="0"/>
+              <a:buChar char="•"/>
+            </a:pPr>
+            <a:r>
+              <a:rPr lang="pt-BR" b="0" i="0" dirty="0">
+                <a:solidFill>
+                  <a:srgbClr val="374151"/>
+                </a:solidFill>
+                <a:effectLst/>
+                <a:latin typeface="Söhne"/>
+              </a:rPr>
+              <a:t>Pode ser lento em conjuntos de treinamento muito grandes, pois requer o cálculo do gradiente para todo o conjunto a cada iteração.</a:t>
+            </a:r>
+          </a:p>
+          <a:p>
+            <a:pPr algn="l">
+              <a:buFont typeface="+mj-lt"/>
+              <a:buAutoNum type="arabicPeriod" startAt="2"/>
+            </a:pPr>
+            <a:r>
+              <a:rPr lang="pt-BR" b="0" i="0" dirty="0">
+                <a:solidFill>
+                  <a:srgbClr val="374151"/>
+                </a:solidFill>
+                <a:effectLst/>
+                <a:latin typeface="Söhne"/>
+              </a:rPr>
+              <a:t>Gradiente Descendente Estocástico (</a:t>
+            </a:r>
+            <a:r>
+              <a:rPr lang="pt-BR" b="0" i="0" dirty="0" err="1">
+                <a:solidFill>
+                  <a:srgbClr val="374151"/>
+                </a:solidFill>
+                <a:effectLst/>
+                <a:latin typeface="Söhne"/>
+              </a:rPr>
+              <a:t>Stochastic</a:t>
+            </a:r>
+            <a:r>
+              <a:rPr lang="pt-BR" b="0" i="0" dirty="0">
+                <a:solidFill>
+                  <a:srgbClr val="374151"/>
+                </a:solidFill>
+                <a:effectLst/>
+                <a:latin typeface="Söhne"/>
+              </a:rPr>
+              <a:t> </a:t>
+            </a:r>
+            <a:r>
+              <a:rPr lang="pt-BR" b="0" i="0" dirty="0" err="1">
+                <a:solidFill>
+                  <a:srgbClr val="374151"/>
+                </a:solidFill>
+                <a:effectLst/>
+                <a:latin typeface="Söhne"/>
+              </a:rPr>
+              <a:t>Gradient</a:t>
+            </a:r>
+            <a:r>
+              <a:rPr lang="pt-BR" b="0" i="0" dirty="0">
+                <a:solidFill>
+                  <a:srgbClr val="374151"/>
+                </a:solidFill>
+                <a:effectLst/>
+                <a:latin typeface="Söhne"/>
+              </a:rPr>
+              <a:t> </a:t>
+            </a:r>
+            <a:r>
+              <a:rPr lang="pt-BR" b="0" i="0" dirty="0" err="1">
+                <a:solidFill>
+                  <a:srgbClr val="374151"/>
+                </a:solidFill>
+                <a:effectLst/>
+                <a:latin typeface="Söhne"/>
+              </a:rPr>
+              <a:t>Descent</a:t>
+            </a:r>
+            <a:r>
+              <a:rPr lang="pt-BR" b="0" i="0" dirty="0">
+                <a:solidFill>
+                  <a:srgbClr val="374151"/>
+                </a:solidFill>
+                <a:effectLst/>
+                <a:latin typeface="Söhne"/>
+              </a:rPr>
+              <a:t> - SGD):</a:t>
+            </a:r>
+          </a:p>
+          <a:p>
+            <a:pPr algn="l">
+              <a:buFont typeface="Arial" panose="020B0604020202020204" pitchFamily="34" charset="0"/>
+              <a:buChar char="•"/>
+            </a:pPr>
+            <a:r>
+              <a:rPr lang="pt-BR" b="0" i="0" dirty="0">
+                <a:solidFill>
+                  <a:srgbClr val="374151"/>
+                </a:solidFill>
+                <a:effectLst/>
+                <a:latin typeface="Söhne"/>
+              </a:rPr>
+              <a:t>Calcula o gradiente da função de erro para um único exemplo do conjunto de treinamento.</a:t>
+            </a:r>
+          </a:p>
+          <a:p>
+            <a:pPr algn="l">
+              <a:buFont typeface="Arial" panose="020B0604020202020204" pitchFamily="34" charset="0"/>
+              <a:buChar char="•"/>
+            </a:pPr>
+            <a:r>
+              <a:rPr lang="pt-BR" b="0" i="0" dirty="0">
+                <a:solidFill>
+                  <a:srgbClr val="374151"/>
+                </a:solidFill>
+                <a:effectLst/>
+                <a:latin typeface="Söhne"/>
+              </a:rPr>
+              <a:t>Atualiza os parâmetros do modelo após cada exemplo processado.</a:t>
+            </a:r>
+          </a:p>
+          <a:p>
+            <a:pPr algn="l">
+              <a:buFont typeface="Arial" panose="020B0604020202020204" pitchFamily="34" charset="0"/>
+              <a:buChar char="•"/>
+            </a:pPr>
+            <a:r>
+              <a:rPr lang="pt-BR" b="0" i="0" dirty="0">
+                <a:solidFill>
+                  <a:srgbClr val="374151"/>
+                </a:solidFill>
+                <a:effectLst/>
+                <a:latin typeface="Söhne"/>
+              </a:rPr>
+              <a:t>Mais rápido que o Gradiente Descendente de Lote, mas a variação na atualização pode tornar a convergência mais irregular.</a:t>
+            </a:r>
+          </a:p>
+          <a:p>
+            <a:pPr algn="l">
+              <a:buFont typeface="+mj-lt"/>
+              <a:buAutoNum type="arabicPeriod" startAt="3"/>
+            </a:pPr>
+            <a:r>
+              <a:rPr lang="pt-BR" b="0" i="0" dirty="0">
+                <a:solidFill>
+                  <a:srgbClr val="374151"/>
+                </a:solidFill>
+                <a:effectLst/>
+                <a:latin typeface="Söhne"/>
+              </a:rPr>
+              <a:t>Gradiente Descendente em Mini-Lotes (Mini-batch </a:t>
+            </a:r>
+            <a:r>
+              <a:rPr lang="pt-BR" b="0" i="0" dirty="0" err="1">
+                <a:solidFill>
+                  <a:srgbClr val="374151"/>
+                </a:solidFill>
+                <a:effectLst/>
+                <a:latin typeface="Söhne"/>
+              </a:rPr>
+              <a:t>Gradient</a:t>
+            </a:r>
+            <a:r>
+              <a:rPr lang="pt-BR" b="0" i="0" dirty="0">
+                <a:solidFill>
+                  <a:srgbClr val="374151"/>
+                </a:solidFill>
+                <a:effectLst/>
+                <a:latin typeface="Söhne"/>
+              </a:rPr>
+              <a:t> </a:t>
+            </a:r>
+            <a:r>
+              <a:rPr lang="pt-BR" b="0" i="0" dirty="0" err="1">
+                <a:solidFill>
+                  <a:srgbClr val="374151"/>
+                </a:solidFill>
+                <a:effectLst/>
+                <a:latin typeface="Söhne"/>
+              </a:rPr>
+              <a:t>Descent</a:t>
+            </a:r>
+            <a:r>
+              <a:rPr lang="pt-BR" b="0" i="0" dirty="0">
+                <a:solidFill>
+                  <a:srgbClr val="374151"/>
+                </a:solidFill>
+                <a:effectLst/>
+                <a:latin typeface="Söhne"/>
+              </a:rPr>
+              <a:t>):</a:t>
+            </a:r>
+          </a:p>
+          <a:p>
+            <a:pPr algn="l">
+              <a:buFont typeface="Arial" panose="020B0604020202020204" pitchFamily="34" charset="0"/>
+              <a:buChar char="•"/>
+            </a:pPr>
+            <a:r>
+              <a:rPr lang="pt-BR" b="0" i="0" dirty="0">
+                <a:solidFill>
+                  <a:srgbClr val="374151"/>
+                </a:solidFill>
+                <a:effectLst/>
+                <a:latin typeface="Söhne"/>
+              </a:rPr>
+              <a:t>Calcula o gradiente da função de erro para um pequeno grupo (</a:t>
+            </a:r>
+            <a:r>
+              <a:rPr lang="pt-BR" b="0" i="0" dirty="0" err="1">
+                <a:solidFill>
+                  <a:srgbClr val="374151"/>
+                </a:solidFill>
+                <a:effectLst/>
+                <a:latin typeface="Söhne"/>
+              </a:rPr>
+              <a:t>mini-lote</a:t>
+            </a:r>
+            <a:r>
+              <a:rPr lang="pt-BR" b="0" i="0" dirty="0">
+                <a:solidFill>
+                  <a:srgbClr val="374151"/>
+                </a:solidFill>
+                <a:effectLst/>
+                <a:latin typeface="Söhne"/>
+              </a:rPr>
+              <a:t>) de exemplos do conjunto de treinamento.</a:t>
+            </a:r>
+          </a:p>
+          <a:p>
+            <a:pPr algn="l">
+              <a:buFont typeface="Arial" panose="020B0604020202020204" pitchFamily="34" charset="0"/>
+              <a:buChar char="•"/>
+            </a:pPr>
+            <a:r>
+              <a:rPr lang="pt-BR" b="0" i="0" dirty="0">
+                <a:solidFill>
+                  <a:srgbClr val="374151"/>
+                </a:solidFill>
+                <a:effectLst/>
+                <a:latin typeface="Söhne"/>
+              </a:rPr>
+              <a:t>Atualiza os parâmetros do modelo após processar cada </a:t>
+            </a:r>
+            <a:r>
+              <a:rPr lang="pt-BR" b="0" i="0" dirty="0" err="1">
+                <a:solidFill>
+                  <a:srgbClr val="374151"/>
+                </a:solidFill>
+                <a:effectLst/>
+                <a:latin typeface="Söhne"/>
+              </a:rPr>
+              <a:t>mini-lote</a:t>
+            </a:r>
+            <a:r>
+              <a:rPr lang="pt-BR" b="0" i="0" dirty="0">
+                <a:solidFill>
+                  <a:srgbClr val="374151"/>
+                </a:solidFill>
+                <a:effectLst/>
+                <a:latin typeface="Söhne"/>
+              </a:rPr>
+              <a:t>.</a:t>
+            </a:r>
+          </a:p>
+          <a:p>
+            <a:pPr algn="l">
+              <a:buFont typeface="Arial" panose="020B0604020202020204" pitchFamily="34" charset="0"/>
+              <a:buChar char="•"/>
+            </a:pPr>
+            <a:r>
+              <a:rPr lang="pt-BR" b="0" i="0" dirty="0">
+                <a:solidFill>
+                  <a:srgbClr val="374151"/>
+                </a:solidFill>
+                <a:effectLst/>
+                <a:latin typeface="Söhne"/>
+              </a:rPr>
+              <a:t>Combina as vantagens do Batch </a:t>
+            </a:r>
+            <a:r>
+              <a:rPr lang="pt-BR" b="0" i="0" dirty="0" err="1">
+                <a:solidFill>
+                  <a:srgbClr val="374151"/>
+                </a:solidFill>
+                <a:effectLst/>
+                <a:latin typeface="Söhne"/>
+              </a:rPr>
+              <a:t>Gradient</a:t>
+            </a:r>
+            <a:r>
+              <a:rPr lang="pt-BR" b="0" i="0" dirty="0">
+                <a:solidFill>
+                  <a:srgbClr val="374151"/>
+                </a:solidFill>
+                <a:effectLst/>
+                <a:latin typeface="Söhne"/>
+              </a:rPr>
+              <a:t> </a:t>
+            </a:r>
+            <a:r>
+              <a:rPr lang="pt-BR" b="0" i="0" dirty="0" err="1">
+                <a:solidFill>
+                  <a:srgbClr val="374151"/>
+                </a:solidFill>
+                <a:effectLst/>
+                <a:latin typeface="Söhne"/>
+              </a:rPr>
+              <a:t>Descent</a:t>
+            </a:r>
+            <a:r>
+              <a:rPr lang="pt-BR" b="0" i="0" dirty="0">
+                <a:solidFill>
+                  <a:srgbClr val="374151"/>
+                </a:solidFill>
+                <a:effectLst/>
+                <a:latin typeface="Söhne"/>
+              </a:rPr>
+              <a:t> e do SGD, sendo mais rápido que o Batch e mais estável que o SGD.</a:t>
+            </a:r>
+          </a:p>
+          <a:p>
+            <a:pPr algn="l"/>
+            <a:r>
+              <a:rPr lang="pt-BR" b="0" i="0" dirty="0">
+                <a:solidFill>
+                  <a:srgbClr val="374151"/>
+                </a:solidFill>
+                <a:effectLst/>
+                <a:latin typeface="Söhne"/>
+              </a:rPr>
+              <a:t>Em todas as versões, o objetivo é ajustar os parâmetros do modelo de forma a minimizar a função de erro, levando a melhores previsões e desempenho do modelo. A escolha da versão mais adequada depende do tamanho do conjunto de treinamento, das características do problema e dos recursos computacionais disponíveis. Cada versão do Gradiente Descendente tem suas vantagens e desvantagens, e a seleção adequada pode impactar no tempo de treinamento e na eficácia do modelo.</a:t>
+            </a:r>
           </a:p>
           <a:p>
             <a:endParaRPr lang="pt-BR" dirty="0"/>
@@ -2219,7 +3043,7 @@
           <a:p>
             <a:fld id="{6FC8D850-966F-45A6-8DE7-15B891E7D40D}" type="slidenum">
               <a:rPr lang="pt-BR" smtClean="0"/>
-              <a:t>23</a:t>
+              <a:t>24</a:t>
             </a:fld>
             <a:endParaRPr lang="pt-BR"/>
           </a:p>
@@ -2228,7 +3052,7 @@
     </p:spTree>
     <p:extLst>
       <p:ext uri="{BB962C8B-B14F-4D97-AF65-F5344CB8AC3E}">
-        <p14:creationId xmlns:p14="http://schemas.microsoft.com/office/powerpoint/2010/main" val="4247922459"/>
+        <p14:creationId xmlns:p14="http://schemas.microsoft.com/office/powerpoint/2010/main" val="721388811"/>
       </p:ext>
     </p:extLst>
   </p:cSld>
@@ -2322,6 +3146,738 @@
 </p:notes>
 </file>
 
+<file path=ppt/notesSlides/notesSlide20.xml><?xml version="1.0" encoding="utf-8"?>
+<p:notes xmlns:a="http://schemas.openxmlformats.org/drawingml/2006/main" xmlns:r="http://schemas.openxmlformats.org/officeDocument/2006/relationships" xmlns:p="http://schemas.openxmlformats.org/presentationml/2006/main">
+  <p:cSld>
+    <p:spTree>
+      <p:nvGrpSpPr>
+        <p:cNvPr id="1" name=""/>
+        <p:cNvGrpSpPr/>
+        <p:nvPr/>
+      </p:nvGrpSpPr>
+      <p:grpSpPr>
+        <a:xfrm>
+          <a:off x="0" y="0"/>
+          <a:ext cx="0" cy="0"/>
+          <a:chOff x="0" y="0"/>
+          <a:chExt cx="0" cy="0"/>
+        </a:xfrm>
+      </p:grpSpPr>
+      <p:sp>
+        <p:nvSpPr>
+          <p:cNvPr id="2" name="Espaço Reservado para Imagem de Slide 1"/>
+          <p:cNvSpPr>
+            <a:spLocks noGrp="1" noRot="1" noChangeAspect="1"/>
+          </p:cNvSpPr>
+          <p:nvPr>
+            <p:ph type="sldImg"/>
+          </p:nvPr>
+        </p:nvSpPr>
+        <p:spPr/>
+      </p:sp>
+      <p:sp>
+        <p:nvSpPr>
+          <p:cNvPr id="3" name="Espaço Reservado para Anotações 2"/>
+          <p:cNvSpPr>
+            <a:spLocks noGrp="1"/>
+          </p:cNvSpPr>
+          <p:nvPr>
+            <p:ph type="body" idx="1"/>
+          </p:nvPr>
+        </p:nvSpPr>
+        <p:spPr/>
+        <p:txBody>
+          <a:bodyPr/>
+          <a:lstStyle/>
+          <a:p>
+            <a:pPr algn="l"/>
+            <a:r>
+              <a:rPr lang="pt-BR" b="0" i="0" dirty="0">
+                <a:solidFill>
+                  <a:srgbClr val="374151"/>
+                </a:solidFill>
+                <a:effectLst/>
+                <a:latin typeface="Söhne"/>
+              </a:rPr>
+              <a:t>As três versões do Gradiente Descendente são:</a:t>
+            </a:r>
+          </a:p>
+          <a:p>
+            <a:pPr algn="l">
+              <a:buFont typeface="+mj-lt"/>
+              <a:buAutoNum type="arabicPeriod"/>
+            </a:pPr>
+            <a:r>
+              <a:rPr lang="pt-BR" b="0" i="0" dirty="0">
+                <a:solidFill>
+                  <a:srgbClr val="374151"/>
+                </a:solidFill>
+                <a:effectLst/>
+                <a:latin typeface="Söhne"/>
+              </a:rPr>
+              <a:t>Gradiente Descendente de Lote (Batch </a:t>
+            </a:r>
+            <a:r>
+              <a:rPr lang="pt-BR" b="0" i="0" dirty="0" err="1">
+                <a:solidFill>
+                  <a:srgbClr val="374151"/>
+                </a:solidFill>
+                <a:effectLst/>
+                <a:latin typeface="Söhne"/>
+              </a:rPr>
+              <a:t>Gradient</a:t>
+            </a:r>
+            <a:r>
+              <a:rPr lang="pt-BR" b="0" i="0" dirty="0">
+                <a:solidFill>
+                  <a:srgbClr val="374151"/>
+                </a:solidFill>
+                <a:effectLst/>
+                <a:latin typeface="Söhne"/>
+              </a:rPr>
+              <a:t> </a:t>
+            </a:r>
+            <a:r>
+              <a:rPr lang="pt-BR" b="0" i="0" dirty="0" err="1">
+                <a:solidFill>
+                  <a:srgbClr val="374151"/>
+                </a:solidFill>
+                <a:effectLst/>
+                <a:latin typeface="Söhne"/>
+              </a:rPr>
+              <a:t>Descent</a:t>
+            </a:r>
+            <a:r>
+              <a:rPr lang="pt-BR" b="0" i="0" dirty="0">
+                <a:solidFill>
+                  <a:srgbClr val="374151"/>
+                </a:solidFill>
+                <a:effectLst/>
+                <a:latin typeface="Söhne"/>
+              </a:rPr>
+              <a:t>):</a:t>
+            </a:r>
+          </a:p>
+          <a:p>
+            <a:pPr algn="l">
+              <a:buFont typeface="Arial" panose="020B0604020202020204" pitchFamily="34" charset="0"/>
+              <a:buChar char="•"/>
+            </a:pPr>
+            <a:r>
+              <a:rPr lang="pt-BR" b="0" i="0" dirty="0">
+                <a:solidFill>
+                  <a:srgbClr val="374151"/>
+                </a:solidFill>
+                <a:effectLst/>
+                <a:latin typeface="Söhne"/>
+              </a:rPr>
+              <a:t>Calcula o gradiente da função de erro para todos os exemplos do conjunto de treinamento.</a:t>
+            </a:r>
+          </a:p>
+          <a:p>
+            <a:pPr algn="l">
+              <a:buFont typeface="Arial" panose="020B0604020202020204" pitchFamily="34" charset="0"/>
+              <a:buChar char="•"/>
+            </a:pPr>
+            <a:r>
+              <a:rPr lang="pt-BR" b="0" i="0" dirty="0">
+                <a:solidFill>
+                  <a:srgbClr val="374151"/>
+                </a:solidFill>
+                <a:effectLst/>
+                <a:latin typeface="Söhne"/>
+              </a:rPr>
+              <a:t>Atualiza os parâmetros do modelo após processar todos os exemplos do conjunto de treinamento.</a:t>
+            </a:r>
+          </a:p>
+          <a:p>
+            <a:pPr algn="l">
+              <a:buFont typeface="Arial" panose="020B0604020202020204" pitchFamily="34" charset="0"/>
+              <a:buChar char="•"/>
+            </a:pPr>
+            <a:r>
+              <a:rPr lang="pt-BR" b="0" i="0" dirty="0">
+                <a:solidFill>
+                  <a:srgbClr val="374151"/>
+                </a:solidFill>
+                <a:effectLst/>
+                <a:latin typeface="Söhne"/>
+              </a:rPr>
+              <a:t>Pode ser lento em conjuntos de treinamento muito grandes, pois requer o cálculo do gradiente para todo o conjunto a cada iteração.</a:t>
+            </a:r>
+          </a:p>
+          <a:p>
+            <a:pPr algn="l">
+              <a:buFont typeface="+mj-lt"/>
+              <a:buAutoNum type="arabicPeriod" startAt="2"/>
+            </a:pPr>
+            <a:r>
+              <a:rPr lang="pt-BR" b="0" i="0" dirty="0">
+                <a:solidFill>
+                  <a:srgbClr val="374151"/>
+                </a:solidFill>
+                <a:effectLst/>
+                <a:latin typeface="Söhne"/>
+              </a:rPr>
+              <a:t>Gradiente Descendente Estocástico (</a:t>
+            </a:r>
+            <a:r>
+              <a:rPr lang="pt-BR" b="0" i="0" dirty="0" err="1">
+                <a:solidFill>
+                  <a:srgbClr val="374151"/>
+                </a:solidFill>
+                <a:effectLst/>
+                <a:latin typeface="Söhne"/>
+              </a:rPr>
+              <a:t>Stochastic</a:t>
+            </a:r>
+            <a:r>
+              <a:rPr lang="pt-BR" b="0" i="0" dirty="0">
+                <a:solidFill>
+                  <a:srgbClr val="374151"/>
+                </a:solidFill>
+                <a:effectLst/>
+                <a:latin typeface="Söhne"/>
+              </a:rPr>
+              <a:t> </a:t>
+            </a:r>
+            <a:r>
+              <a:rPr lang="pt-BR" b="0" i="0" dirty="0" err="1">
+                <a:solidFill>
+                  <a:srgbClr val="374151"/>
+                </a:solidFill>
+                <a:effectLst/>
+                <a:latin typeface="Söhne"/>
+              </a:rPr>
+              <a:t>Gradient</a:t>
+            </a:r>
+            <a:r>
+              <a:rPr lang="pt-BR" b="0" i="0" dirty="0">
+                <a:solidFill>
+                  <a:srgbClr val="374151"/>
+                </a:solidFill>
+                <a:effectLst/>
+                <a:latin typeface="Söhne"/>
+              </a:rPr>
+              <a:t> </a:t>
+            </a:r>
+            <a:r>
+              <a:rPr lang="pt-BR" b="0" i="0" dirty="0" err="1">
+                <a:solidFill>
+                  <a:srgbClr val="374151"/>
+                </a:solidFill>
+                <a:effectLst/>
+                <a:latin typeface="Söhne"/>
+              </a:rPr>
+              <a:t>Descent</a:t>
+            </a:r>
+            <a:r>
+              <a:rPr lang="pt-BR" b="0" i="0" dirty="0">
+                <a:solidFill>
+                  <a:srgbClr val="374151"/>
+                </a:solidFill>
+                <a:effectLst/>
+                <a:latin typeface="Söhne"/>
+              </a:rPr>
+              <a:t> - SGD):</a:t>
+            </a:r>
+          </a:p>
+          <a:p>
+            <a:pPr algn="l">
+              <a:buFont typeface="Arial" panose="020B0604020202020204" pitchFamily="34" charset="0"/>
+              <a:buChar char="•"/>
+            </a:pPr>
+            <a:r>
+              <a:rPr lang="pt-BR" b="0" i="0" dirty="0">
+                <a:solidFill>
+                  <a:srgbClr val="374151"/>
+                </a:solidFill>
+                <a:effectLst/>
+                <a:latin typeface="Söhne"/>
+              </a:rPr>
+              <a:t>Calcula o gradiente da função de erro para um único exemplo do conjunto de treinamento.</a:t>
+            </a:r>
+          </a:p>
+          <a:p>
+            <a:pPr algn="l">
+              <a:buFont typeface="Arial" panose="020B0604020202020204" pitchFamily="34" charset="0"/>
+              <a:buChar char="•"/>
+            </a:pPr>
+            <a:r>
+              <a:rPr lang="pt-BR" b="0" i="0" dirty="0">
+                <a:solidFill>
+                  <a:srgbClr val="374151"/>
+                </a:solidFill>
+                <a:effectLst/>
+                <a:latin typeface="Söhne"/>
+              </a:rPr>
+              <a:t>Atualiza os parâmetros do modelo após cada exemplo processado.</a:t>
+            </a:r>
+          </a:p>
+          <a:p>
+            <a:pPr algn="l">
+              <a:buFont typeface="Arial" panose="020B0604020202020204" pitchFamily="34" charset="0"/>
+              <a:buChar char="•"/>
+            </a:pPr>
+            <a:r>
+              <a:rPr lang="pt-BR" b="0" i="0" dirty="0">
+                <a:solidFill>
+                  <a:srgbClr val="374151"/>
+                </a:solidFill>
+                <a:effectLst/>
+                <a:latin typeface="Söhne"/>
+              </a:rPr>
+              <a:t>Mais rápido que o Gradiente Descendente de Lote, mas a variação na atualização pode tornar a convergência mais irregular.</a:t>
+            </a:r>
+          </a:p>
+          <a:p>
+            <a:pPr algn="l">
+              <a:buFont typeface="+mj-lt"/>
+              <a:buAutoNum type="arabicPeriod" startAt="3"/>
+            </a:pPr>
+            <a:r>
+              <a:rPr lang="pt-BR" b="0" i="0" dirty="0">
+                <a:solidFill>
+                  <a:srgbClr val="374151"/>
+                </a:solidFill>
+                <a:effectLst/>
+                <a:latin typeface="Söhne"/>
+              </a:rPr>
+              <a:t>Gradiente Descendente em Mini-Lotes (Mini-batch </a:t>
+            </a:r>
+            <a:r>
+              <a:rPr lang="pt-BR" b="0" i="0" dirty="0" err="1">
+                <a:solidFill>
+                  <a:srgbClr val="374151"/>
+                </a:solidFill>
+                <a:effectLst/>
+                <a:latin typeface="Söhne"/>
+              </a:rPr>
+              <a:t>Gradient</a:t>
+            </a:r>
+            <a:r>
+              <a:rPr lang="pt-BR" b="0" i="0" dirty="0">
+                <a:solidFill>
+                  <a:srgbClr val="374151"/>
+                </a:solidFill>
+                <a:effectLst/>
+                <a:latin typeface="Söhne"/>
+              </a:rPr>
+              <a:t> </a:t>
+            </a:r>
+            <a:r>
+              <a:rPr lang="pt-BR" b="0" i="0" dirty="0" err="1">
+                <a:solidFill>
+                  <a:srgbClr val="374151"/>
+                </a:solidFill>
+                <a:effectLst/>
+                <a:latin typeface="Söhne"/>
+              </a:rPr>
+              <a:t>Descent</a:t>
+            </a:r>
+            <a:r>
+              <a:rPr lang="pt-BR" b="0" i="0" dirty="0">
+                <a:solidFill>
+                  <a:srgbClr val="374151"/>
+                </a:solidFill>
+                <a:effectLst/>
+                <a:latin typeface="Söhne"/>
+              </a:rPr>
+              <a:t>):</a:t>
+            </a:r>
+          </a:p>
+          <a:p>
+            <a:pPr algn="l">
+              <a:buFont typeface="Arial" panose="020B0604020202020204" pitchFamily="34" charset="0"/>
+              <a:buChar char="•"/>
+            </a:pPr>
+            <a:r>
+              <a:rPr lang="pt-BR" b="0" i="0" dirty="0">
+                <a:solidFill>
+                  <a:srgbClr val="374151"/>
+                </a:solidFill>
+                <a:effectLst/>
+                <a:latin typeface="Söhne"/>
+              </a:rPr>
+              <a:t>Calcula o gradiente da função de erro para um pequeno grupo (</a:t>
+            </a:r>
+            <a:r>
+              <a:rPr lang="pt-BR" b="0" i="0" dirty="0" err="1">
+                <a:solidFill>
+                  <a:srgbClr val="374151"/>
+                </a:solidFill>
+                <a:effectLst/>
+                <a:latin typeface="Söhne"/>
+              </a:rPr>
+              <a:t>mini-lote</a:t>
+            </a:r>
+            <a:r>
+              <a:rPr lang="pt-BR" b="0" i="0" dirty="0">
+                <a:solidFill>
+                  <a:srgbClr val="374151"/>
+                </a:solidFill>
+                <a:effectLst/>
+                <a:latin typeface="Söhne"/>
+              </a:rPr>
+              <a:t>) de exemplos do conjunto de treinamento.</a:t>
+            </a:r>
+          </a:p>
+          <a:p>
+            <a:pPr algn="l">
+              <a:buFont typeface="Arial" panose="020B0604020202020204" pitchFamily="34" charset="0"/>
+              <a:buChar char="•"/>
+            </a:pPr>
+            <a:r>
+              <a:rPr lang="pt-BR" b="0" i="0" dirty="0">
+                <a:solidFill>
+                  <a:srgbClr val="374151"/>
+                </a:solidFill>
+                <a:effectLst/>
+                <a:latin typeface="Söhne"/>
+              </a:rPr>
+              <a:t>Atualiza os parâmetros do modelo após processar cada </a:t>
+            </a:r>
+            <a:r>
+              <a:rPr lang="pt-BR" b="0" i="0" dirty="0" err="1">
+                <a:solidFill>
+                  <a:srgbClr val="374151"/>
+                </a:solidFill>
+                <a:effectLst/>
+                <a:latin typeface="Söhne"/>
+              </a:rPr>
+              <a:t>mini-lote</a:t>
+            </a:r>
+            <a:r>
+              <a:rPr lang="pt-BR" b="0" i="0" dirty="0">
+                <a:solidFill>
+                  <a:srgbClr val="374151"/>
+                </a:solidFill>
+                <a:effectLst/>
+                <a:latin typeface="Söhne"/>
+              </a:rPr>
+              <a:t>.</a:t>
+            </a:r>
+          </a:p>
+          <a:p>
+            <a:pPr algn="l">
+              <a:buFont typeface="Arial" panose="020B0604020202020204" pitchFamily="34" charset="0"/>
+              <a:buChar char="•"/>
+            </a:pPr>
+            <a:r>
+              <a:rPr lang="pt-BR" b="0" i="0" dirty="0">
+                <a:solidFill>
+                  <a:srgbClr val="374151"/>
+                </a:solidFill>
+                <a:effectLst/>
+                <a:latin typeface="Söhne"/>
+              </a:rPr>
+              <a:t>Combina as vantagens do Batch </a:t>
+            </a:r>
+            <a:r>
+              <a:rPr lang="pt-BR" b="0" i="0" dirty="0" err="1">
+                <a:solidFill>
+                  <a:srgbClr val="374151"/>
+                </a:solidFill>
+                <a:effectLst/>
+                <a:latin typeface="Söhne"/>
+              </a:rPr>
+              <a:t>Gradient</a:t>
+            </a:r>
+            <a:r>
+              <a:rPr lang="pt-BR" b="0" i="0" dirty="0">
+                <a:solidFill>
+                  <a:srgbClr val="374151"/>
+                </a:solidFill>
+                <a:effectLst/>
+                <a:latin typeface="Söhne"/>
+              </a:rPr>
+              <a:t> </a:t>
+            </a:r>
+            <a:r>
+              <a:rPr lang="pt-BR" b="0" i="0" dirty="0" err="1">
+                <a:solidFill>
+                  <a:srgbClr val="374151"/>
+                </a:solidFill>
+                <a:effectLst/>
+                <a:latin typeface="Söhne"/>
+              </a:rPr>
+              <a:t>Descent</a:t>
+            </a:r>
+            <a:r>
+              <a:rPr lang="pt-BR" b="0" i="0" dirty="0">
+                <a:solidFill>
+                  <a:srgbClr val="374151"/>
+                </a:solidFill>
+                <a:effectLst/>
+                <a:latin typeface="Söhne"/>
+              </a:rPr>
+              <a:t> e do SGD, sendo mais rápido que o Batch e mais estável que o SGD.</a:t>
+            </a:r>
+          </a:p>
+          <a:p>
+            <a:pPr algn="l"/>
+            <a:r>
+              <a:rPr lang="pt-BR" b="0" i="0" dirty="0">
+                <a:solidFill>
+                  <a:srgbClr val="374151"/>
+                </a:solidFill>
+                <a:effectLst/>
+                <a:latin typeface="Söhne"/>
+              </a:rPr>
+              <a:t>Em todas as versões, o objetivo é ajustar os parâmetros do modelo de forma a minimizar a função de erro, levando a melhores previsões e desempenho do modelo. A escolha da versão mais adequada depende do tamanho do conjunto de treinamento, das características do problema e dos recursos computacionais disponíveis. Cada versão do Gradiente Descendente tem suas vantagens e desvantagens, e a seleção adequada pode impactar no tempo de treinamento e na eficácia do modelo.</a:t>
+            </a:r>
+          </a:p>
+          <a:p>
+            <a:endParaRPr lang="pt-BR" dirty="0"/>
+          </a:p>
+        </p:txBody>
+      </p:sp>
+      <p:sp>
+        <p:nvSpPr>
+          <p:cNvPr id="4" name="Espaço Reservado para Número de Slide 3"/>
+          <p:cNvSpPr>
+            <a:spLocks noGrp="1"/>
+          </p:cNvSpPr>
+          <p:nvPr>
+            <p:ph type="sldNum" sz="quarter" idx="5"/>
+          </p:nvPr>
+        </p:nvSpPr>
+        <p:spPr/>
+        <p:txBody>
+          <a:bodyPr/>
+          <a:lstStyle/>
+          <a:p>
+            <a:fld id="{6FC8D850-966F-45A6-8DE7-15B891E7D40D}" type="slidenum">
+              <a:rPr lang="pt-BR" smtClean="0"/>
+              <a:t>25</a:t>
+            </a:fld>
+            <a:endParaRPr lang="pt-BR"/>
+          </a:p>
+        </p:txBody>
+      </p:sp>
+    </p:spTree>
+    <p:extLst>
+      <p:ext uri="{BB962C8B-B14F-4D97-AF65-F5344CB8AC3E}">
+        <p14:creationId xmlns:p14="http://schemas.microsoft.com/office/powerpoint/2010/main" val="3313123840"/>
+      </p:ext>
+    </p:extLst>
+  </p:cSld>
+  <p:clrMapOvr>
+    <a:masterClrMapping/>
+  </p:clrMapOvr>
+</p:notes>
+</file>
+
+<file path=ppt/notesSlides/notesSlide21.xml><?xml version="1.0" encoding="utf-8"?>
+<p:notes xmlns:a="http://schemas.openxmlformats.org/drawingml/2006/main" xmlns:r="http://schemas.openxmlformats.org/officeDocument/2006/relationships" xmlns:p="http://schemas.openxmlformats.org/presentationml/2006/main">
+  <p:cSld>
+    <p:spTree>
+      <p:nvGrpSpPr>
+        <p:cNvPr id="1" name=""/>
+        <p:cNvGrpSpPr/>
+        <p:nvPr/>
+      </p:nvGrpSpPr>
+      <p:grpSpPr>
+        <a:xfrm>
+          <a:off x="0" y="0"/>
+          <a:ext cx="0" cy="0"/>
+          <a:chOff x="0" y="0"/>
+          <a:chExt cx="0" cy="0"/>
+        </a:xfrm>
+      </p:grpSpPr>
+      <p:sp>
+        <p:nvSpPr>
+          <p:cNvPr id="2" name="Espaço Reservado para Imagem de Slide 1"/>
+          <p:cNvSpPr>
+            <a:spLocks noGrp="1" noRot="1" noChangeAspect="1"/>
+          </p:cNvSpPr>
+          <p:nvPr>
+            <p:ph type="sldImg"/>
+          </p:nvPr>
+        </p:nvSpPr>
+        <p:spPr/>
+      </p:sp>
+      <p:sp>
+        <p:nvSpPr>
+          <p:cNvPr id="3" name="Espaço Reservado para Anotações 2"/>
+          <p:cNvSpPr>
+            <a:spLocks noGrp="1"/>
+          </p:cNvSpPr>
+          <p:nvPr>
+            <p:ph type="body" idx="1"/>
+          </p:nvPr>
+        </p:nvSpPr>
+        <p:spPr/>
+        <p:txBody>
+          <a:bodyPr/>
+          <a:lstStyle/>
+          <a:p>
+            <a:pPr marL="0" marR="0" lvl="0" indent="0" algn="l" defTabSz="914400" rtl="0" eaLnBrk="1" fontAlgn="auto" latinLnBrk="0" hangingPunct="1">
+              <a:lnSpc>
+                <a:spcPct val="100000"/>
+              </a:lnSpc>
+              <a:spcBef>
+                <a:spcPts val="0"/>
+              </a:spcBef>
+              <a:spcAft>
+                <a:spcPts val="0"/>
+              </a:spcAft>
+              <a:buClrTx/>
+              <a:buSzTx/>
+              <a:buFontTx/>
+              <a:buNone/>
+              <a:tabLst/>
+              <a:defRPr/>
+            </a:pPr>
+            <a:r>
+              <a:rPr lang="pt-BR" dirty="0"/>
+              <a:t>https://colab.research.google.com/github/zz4fap/tp557-iot-ml/blob/master/examples/Gradiente_descendente.ipynb</a:t>
+            </a:r>
+          </a:p>
+        </p:txBody>
+      </p:sp>
+      <p:sp>
+        <p:nvSpPr>
+          <p:cNvPr id="4" name="Espaço Reservado para Número de Slide 3"/>
+          <p:cNvSpPr>
+            <a:spLocks noGrp="1"/>
+          </p:cNvSpPr>
+          <p:nvPr>
+            <p:ph type="sldNum" sz="quarter" idx="5"/>
+          </p:nvPr>
+        </p:nvSpPr>
+        <p:spPr/>
+        <p:txBody>
+          <a:bodyPr/>
+          <a:lstStyle/>
+          <a:p>
+            <a:fld id="{6FC8D850-966F-45A6-8DE7-15B891E7D40D}" type="slidenum">
+              <a:rPr lang="pt-BR" smtClean="0"/>
+              <a:t>26</a:t>
+            </a:fld>
+            <a:endParaRPr lang="pt-BR"/>
+          </a:p>
+        </p:txBody>
+      </p:sp>
+    </p:spTree>
+    <p:extLst>
+      <p:ext uri="{BB962C8B-B14F-4D97-AF65-F5344CB8AC3E}">
+        <p14:creationId xmlns:p14="http://schemas.microsoft.com/office/powerpoint/2010/main" val="4213120806"/>
+      </p:ext>
+    </p:extLst>
+  </p:cSld>
+  <p:clrMapOvr>
+    <a:masterClrMapping/>
+  </p:clrMapOvr>
+</p:notes>
+</file>
+
+<file path=ppt/notesSlides/notesSlide22.xml><?xml version="1.0" encoding="utf-8"?>
+<p:notes xmlns:a="http://schemas.openxmlformats.org/drawingml/2006/main" xmlns:r="http://schemas.openxmlformats.org/officeDocument/2006/relationships" xmlns:p="http://schemas.openxmlformats.org/presentationml/2006/main">
+  <p:cSld>
+    <p:spTree>
+      <p:nvGrpSpPr>
+        <p:cNvPr id="1" name=""/>
+        <p:cNvGrpSpPr/>
+        <p:nvPr/>
+      </p:nvGrpSpPr>
+      <p:grpSpPr>
+        <a:xfrm>
+          <a:off x="0" y="0"/>
+          <a:ext cx="0" cy="0"/>
+          <a:chOff x="0" y="0"/>
+          <a:chExt cx="0" cy="0"/>
+        </a:xfrm>
+      </p:grpSpPr>
+      <p:sp>
+        <p:nvSpPr>
+          <p:cNvPr id="2" name="Espaço Reservado para Imagem de Slide 1"/>
+          <p:cNvSpPr>
+            <a:spLocks noGrp="1" noRot="1" noChangeAspect="1"/>
+          </p:cNvSpPr>
+          <p:nvPr>
+            <p:ph type="sldImg"/>
+          </p:nvPr>
+        </p:nvSpPr>
+        <p:spPr/>
+      </p:sp>
+      <p:sp>
+        <p:nvSpPr>
+          <p:cNvPr id="3" name="Espaço Reservado para Anotações 2"/>
+          <p:cNvSpPr>
+            <a:spLocks noGrp="1"/>
+          </p:cNvSpPr>
+          <p:nvPr>
+            <p:ph type="body" idx="1"/>
+          </p:nvPr>
+        </p:nvSpPr>
+        <p:spPr/>
+        <p:txBody>
+          <a:bodyPr/>
+          <a:lstStyle/>
+          <a:p>
+            <a:r>
+              <a:rPr lang="pt-BR" dirty="0"/>
+              <a:t>https://colab.research.google.com/github/zz4fap/tp557-iot-ml/blob/master/</a:t>
+            </a:r>
+            <a:r>
+              <a:rPr lang="pt-BR" dirty="0" err="1"/>
+              <a:t>exercises</a:t>
+            </a:r>
+            <a:r>
+              <a:rPr lang="pt-BR" dirty="0"/>
+              <a:t>/</a:t>
+            </a:r>
+            <a:r>
+              <a:rPr lang="pt-BR" dirty="0" err="1"/>
+              <a:t>Exercício_gradiente_descendente.ipynb</a:t>
+            </a:r>
+            <a:endParaRPr lang="pt-BR" dirty="0"/>
+          </a:p>
+          <a:p>
+            <a:endParaRPr lang="pt-BR" dirty="0"/>
+          </a:p>
+          <a:p>
+            <a:endParaRPr lang="pt-BR" dirty="0"/>
+          </a:p>
+        </p:txBody>
+      </p:sp>
+      <p:sp>
+        <p:nvSpPr>
+          <p:cNvPr id="4" name="Espaço Reservado para Número de Slide 3"/>
+          <p:cNvSpPr>
+            <a:spLocks noGrp="1"/>
+          </p:cNvSpPr>
+          <p:nvPr>
+            <p:ph type="sldNum" sz="quarter" idx="5"/>
+          </p:nvPr>
+        </p:nvSpPr>
+        <p:spPr/>
+        <p:txBody>
+          <a:bodyPr/>
+          <a:lstStyle/>
+          <a:p>
+            <a:fld id="{6FC8D850-966F-45A6-8DE7-15B891E7D40D}" type="slidenum">
+              <a:rPr lang="pt-BR" smtClean="0"/>
+              <a:t>27</a:t>
+            </a:fld>
+            <a:endParaRPr lang="pt-BR"/>
+          </a:p>
+        </p:txBody>
+      </p:sp>
+    </p:spTree>
+    <p:extLst>
+      <p:ext uri="{BB962C8B-B14F-4D97-AF65-F5344CB8AC3E}">
+        <p14:creationId xmlns:p14="http://schemas.microsoft.com/office/powerpoint/2010/main" val="4247922459"/>
+      </p:ext>
+    </p:extLst>
+  </p:cSld>
+  <p:clrMapOvr>
+    <a:masterClrMapping/>
+  </p:clrMapOvr>
+</p:notes>
+</file>
+
 <file path=ppt/notesSlides/notesSlide3.xml><?xml version="1.0" encoding="utf-8"?>
 <p:notes xmlns:a="http://schemas.openxmlformats.org/drawingml/2006/main" xmlns:r="http://schemas.openxmlformats.org/officeDocument/2006/relationships" xmlns:p="http://schemas.openxmlformats.org/presentationml/2006/main">
   <p:cSld>
@@ -2397,7 +3953,7 @@
           <a:p>
             <a:fld id="{6FC8D850-966F-45A6-8DE7-15B891E7D40D}" type="slidenum">
               <a:rPr lang="pt-BR" smtClean="0"/>
-              <a:t>4</a:t>
+              <a:t>5</a:t>
             </a:fld>
             <a:endParaRPr lang="pt-BR"/>
           </a:p>
@@ -2491,7 +4047,7 @@
           <a:p>
             <a:fld id="{6FC8D850-966F-45A6-8DE7-15B891E7D40D}" type="slidenum">
               <a:rPr lang="pt-BR" smtClean="0"/>
-              <a:t>5</a:t>
+              <a:t>6</a:t>
             </a:fld>
             <a:endParaRPr lang="pt-BR"/>
           </a:p>
@@ -2585,7 +4141,7 @@
           <a:p>
             <a:fld id="{6FC8D850-966F-45A6-8DE7-15B891E7D40D}" type="slidenum">
               <a:rPr lang="pt-BR" smtClean="0"/>
-              <a:t>6</a:t>
+              <a:t>7</a:t>
             </a:fld>
             <a:endParaRPr lang="pt-BR"/>
           </a:p>
@@ -2679,7 +4235,7 @@
           <a:p>
             <a:fld id="{6FC8D850-966F-45A6-8DE7-15B891E7D40D}" type="slidenum">
               <a:rPr lang="pt-BR" smtClean="0"/>
-              <a:t>7</a:t>
+              <a:t>8</a:t>
             </a:fld>
             <a:endParaRPr lang="pt-BR"/>
           </a:p>
@@ -2773,7 +4329,7 @@
           <a:p>
             <a:fld id="{6FC8D850-966F-45A6-8DE7-15B891E7D40D}" type="slidenum">
               <a:rPr lang="pt-BR" smtClean="0"/>
-              <a:t>8</a:t>
+              <a:t>9</a:t>
             </a:fld>
             <a:endParaRPr lang="pt-BR"/>
           </a:p>
@@ -2867,7 +4423,7 @@
           <a:p>
             <a:fld id="{6FC8D850-966F-45A6-8DE7-15B891E7D40D}" type="slidenum">
               <a:rPr lang="pt-BR" smtClean="0"/>
-              <a:t>9</a:t>
+              <a:t>10</a:t>
             </a:fld>
             <a:endParaRPr lang="pt-BR"/>
           </a:p>
@@ -2961,7 +4517,7 @@
           <a:p>
             <a:fld id="{6FC8D850-966F-45A6-8DE7-15B891E7D40D}" type="slidenum">
               <a:rPr lang="pt-BR" smtClean="0"/>
-              <a:t>10</a:t>
+              <a:t>11</a:t>
             </a:fld>
             <a:endParaRPr lang="pt-BR"/>
           </a:p>
@@ -6473,6 +8029,1121 @@
           <a:p>
             <a:r>
               <a:rPr lang="pt-BR" dirty="0"/>
+              <a:t>Vetor gradiente</a:t>
+            </a:r>
+          </a:p>
+        </p:txBody>
+      </p:sp>
+      <p:sp>
+        <p:nvSpPr>
+          <p:cNvPr id="3" name="Espaço Reservado para Conteúdo 2">
+            <a:extLst>
+              <a:ext uri="{FF2B5EF4-FFF2-40B4-BE49-F238E27FC236}">
+                <a16:creationId xmlns:a16="http://schemas.microsoft.com/office/drawing/2014/main" id="{F09EA0C7-E094-F158-6A1A-B80733321450}"/>
+              </a:ext>
+            </a:extLst>
+          </p:cNvPr>
+          <p:cNvSpPr>
+            <a:spLocks noGrp="1"/>
+          </p:cNvSpPr>
+          <p:nvPr>
+            <p:ph idx="1"/>
+          </p:nvPr>
+        </p:nvSpPr>
+        <p:spPr>
+          <a:xfrm>
+            <a:off x="6181728" y="1825624"/>
+            <a:ext cx="5818488" cy="5032376"/>
+          </a:xfrm>
+        </p:spPr>
+        <p:txBody>
+          <a:bodyPr>
+            <a:normAutofit/>
+          </a:bodyPr>
+          <a:lstStyle/>
+          <a:p>
+            <a:r>
+              <a:rPr lang="pt-BR" dirty="0"/>
+              <a:t>O gradiente </a:t>
+            </a:r>
+            <a:r>
+              <a:rPr lang="pt-BR" b="1" i="1" dirty="0"/>
+              <a:t>não dá informações da distância até o ponto de mínimo</a:t>
+            </a:r>
+            <a:r>
+              <a:rPr lang="pt-BR" dirty="0"/>
+              <a:t>, mas pelo menos sabemos a direção correta.</a:t>
+            </a:r>
+          </a:p>
+          <a:p>
+            <a:r>
+              <a:rPr lang="pt-BR" dirty="0"/>
+              <a:t>Podemos fazer a analogia com uma bola em uma ladeira.</a:t>
+            </a:r>
+          </a:p>
+          <a:p>
+            <a:r>
+              <a:rPr lang="pt-BR" dirty="0"/>
+              <a:t>A gravidade dá a direção até a parte mais baixa da ladeira, mas não sabemos a distância até lá. </a:t>
+            </a:r>
+          </a:p>
+          <a:p>
+            <a:endParaRPr lang="pt-BR" dirty="0"/>
+          </a:p>
+        </p:txBody>
+      </p:sp>
+      <p:grpSp>
+        <p:nvGrpSpPr>
+          <p:cNvPr id="25" name="Agrupar 24">
+            <a:extLst>
+              <a:ext uri="{FF2B5EF4-FFF2-40B4-BE49-F238E27FC236}">
+                <a16:creationId xmlns:a16="http://schemas.microsoft.com/office/drawing/2014/main" id="{CAABD4E6-0271-FDD3-1BDC-9F25BB67666F}"/>
+              </a:ext>
+            </a:extLst>
+          </p:cNvPr>
+          <p:cNvGrpSpPr/>
+          <p:nvPr/>
+        </p:nvGrpSpPr>
+        <p:grpSpPr>
+          <a:xfrm>
+            <a:off x="973059" y="2353695"/>
+            <a:ext cx="3963570" cy="2939416"/>
+            <a:chOff x="973059" y="2353695"/>
+            <a:chExt cx="3963570" cy="2939416"/>
+          </a:xfrm>
+        </p:grpSpPr>
+        <p:sp>
+          <p:nvSpPr>
+            <p:cNvPr id="24" name="Forma Livre: Forma 23">
+              <a:extLst>
+                <a:ext uri="{FF2B5EF4-FFF2-40B4-BE49-F238E27FC236}">
+                  <a16:creationId xmlns:a16="http://schemas.microsoft.com/office/drawing/2014/main" id="{1AF02A9C-5A9B-AE81-9724-6E5E5F5C9AD5}"/>
+                </a:ext>
+              </a:extLst>
+            </p:cNvPr>
+            <p:cNvSpPr/>
+            <p:nvPr/>
+          </p:nvSpPr>
+          <p:spPr>
+            <a:xfrm>
+              <a:off x="1190625" y="2990850"/>
+              <a:ext cx="3429000" cy="1752634"/>
+            </a:xfrm>
+            <a:custGeom>
+              <a:avLst/>
+              <a:gdLst>
+                <a:gd name="connsiteX0" fmla="*/ 0 w 3429000"/>
+                <a:gd name="connsiteY0" fmla="*/ 38100 h 1752634"/>
+                <a:gd name="connsiteX1" fmla="*/ 1714500 w 3429000"/>
+                <a:gd name="connsiteY1" fmla="*/ 1752600 h 1752634"/>
+                <a:gd name="connsiteX2" fmla="*/ 3429000 w 3429000"/>
+                <a:gd name="connsiteY2" fmla="*/ 0 h 1752634"/>
+              </a:gdLst>
+              <a:ahLst/>
+              <a:cxnLst>
+                <a:cxn ang="0">
+                  <a:pos x="connsiteX0" y="connsiteY0"/>
+                </a:cxn>
+                <a:cxn ang="0">
+                  <a:pos x="connsiteX1" y="connsiteY1"/>
+                </a:cxn>
+                <a:cxn ang="0">
+                  <a:pos x="connsiteX2" y="connsiteY2"/>
+                </a:cxn>
+              </a:cxnLst>
+              <a:rect l="l" t="t" r="r" b="b"/>
+              <a:pathLst>
+                <a:path w="3429000" h="1752634">
+                  <a:moveTo>
+                    <a:pt x="0" y="38100"/>
+                  </a:moveTo>
+                  <a:cubicBezTo>
+                    <a:pt x="571500" y="898525"/>
+                    <a:pt x="1143000" y="1758950"/>
+                    <a:pt x="1714500" y="1752600"/>
+                  </a:cubicBezTo>
+                  <a:cubicBezTo>
+                    <a:pt x="2286000" y="1746250"/>
+                    <a:pt x="3119438" y="314325"/>
+                    <a:pt x="3429000" y="0"/>
+                  </a:cubicBezTo>
+                </a:path>
+              </a:pathLst>
+            </a:custGeom>
+            <a:noFill/>
+          </p:spPr>
+          <p:style>
+            <a:lnRef idx="2">
+              <a:schemeClr val="accent1">
+                <a:shade val="15000"/>
+              </a:schemeClr>
+            </a:lnRef>
+            <a:fillRef idx="1">
+              <a:schemeClr val="accent1"/>
+            </a:fillRef>
+            <a:effectRef idx="0">
+              <a:schemeClr val="accent1"/>
+            </a:effectRef>
+            <a:fontRef idx="minor">
+              <a:schemeClr val="lt1"/>
+            </a:fontRef>
+          </p:style>
+          <p:txBody>
+            <a:bodyPr rtlCol="0" anchor="ctr"/>
+            <a:lstStyle/>
+            <a:p>
+              <a:pPr algn="ctr"/>
+              <a:endParaRPr lang="pt-BR"/>
+            </a:p>
+          </p:txBody>
+        </p:sp>
+        <p:cxnSp>
+          <p:nvCxnSpPr>
+            <p:cNvPr id="6" name="Conector de Seta Reta 5">
+              <a:extLst>
+                <a:ext uri="{FF2B5EF4-FFF2-40B4-BE49-F238E27FC236}">
+                  <a16:creationId xmlns:a16="http://schemas.microsoft.com/office/drawing/2014/main" id="{CECA8A08-ECD5-CF26-4CEC-3C8F2A7EB943}"/>
+                </a:ext>
+              </a:extLst>
+            </p:cNvPr>
+            <p:cNvCxnSpPr>
+              <a:cxnSpLocks/>
+            </p:cNvCxnSpPr>
+            <p:nvPr/>
+          </p:nvCxnSpPr>
+          <p:spPr>
+            <a:xfrm>
+              <a:off x="974017" y="4916172"/>
+              <a:ext cx="3860967" cy="0"/>
+            </a:xfrm>
+            <a:prstGeom prst="straightConnector1">
+              <a:avLst/>
+            </a:prstGeom>
+            <a:ln w="19050">
+              <a:solidFill>
+                <a:schemeClr val="tx1"/>
+              </a:solidFill>
+              <a:tailEnd type="triangle"/>
+            </a:ln>
+          </p:spPr>
+          <p:style>
+            <a:lnRef idx="1">
+              <a:schemeClr val="accent1"/>
+            </a:lnRef>
+            <a:fillRef idx="0">
+              <a:schemeClr val="accent1"/>
+            </a:fillRef>
+            <a:effectRef idx="0">
+              <a:schemeClr val="accent1"/>
+            </a:effectRef>
+            <a:fontRef idx="minor">
+              <a:schemeClr val="tx1"/>
+            </a:fontRef>
+          </p:style>
+        </p:cxnSp>
+        <p:cxnSp>
+          <p:nvCxnSpPr>
+            <p:cNvPr id="7" name="Conector de Seta Reta 6">
+              <a:extLst>
+                <a:ext uri="{FF2B5EF4-FFF2-40B4-BE49-F238E27FC236}">
+                  <a16:creationId xmlns:a16="http://schemas.microsoft.com/office/drawing/2014/main" id="{EBE189DA-FC3E-6F77-83E6-389C755E01A6}"/>
+                </a:ext>
+              </a:extLst>
+            </p:cNvPr>
+            <p:cNvCxnSpPr>
+              <a:cxnSpLocks/>
+            </p:cNvCxnSpPr>
+            <p:nvPr/>
+          </p:nvCxnSpPr>
+          <p:spPr>
+            <a:xfrm flipV="1">
+              <a:off x="974018" y="2442308"/>
+              <a:ext cx="0" cy="2473865"/>
+            </a:xfrm>
+            <a:prstGeom prst="straightConnector1">
+              <a:avLst/>
+            </a:prstGeom>
+            <a:ln w="19050">
+              <a:solidFill>
+                <a:schemeClr val="tx1"/>
+              </a:solidFill>
+              <a:tailEnd type="triangle"/>
+            </a:ln>
+          </p:spPr>
+          <p:style>
+            <a:lnRef idx="1">
+              <a:schemeClr val="accent1"/>
+            </a:lnRef>
+            <a:fillRef idx="0">
+              <a:schemeClr val="accent1"/>
+            </a:fillRef>
+            <a:effectRef idx="0">
+              <a:schemeClr val="accent1"/>
+            </a:effectRef>
+            <a:fontRef idx="minor">
+              <a:schemeClr val="tx1"/>
+            </a:fontRef>
+          </p:style>
+        </p:cxnSp>
+        <mc:AlternateContent xmlns:mc="http://schemas.openxmlformats.org/markup-compatibility/2006" xmlns:a14="http://schemas.microsoft.com/office/drawing/2010/main">
+          <mc:Choice Requires="a14">
+            <p:sp>
+              <p:nvSpPr>
+                <p:cNvPr id="8" name="CaixaDeTexto 7">
+                  <a:extLst>
+                    <a:ext uri="{FF2B5EF4-FFF2-40B4-BE49-F238E27FC236}">
+                      <a16:creationId xmlns:a16="http://schemas.microsoft.com/office/drawing/2014/main" id="{A78938CD-F777-59C9-49FF-1EC87187C2BF}"/>
+                    </a:ext>
+                  </a:extLst>
+                </p:cNvPr>
+                <p:cNvSpPr txBox="1"/>
+                <p:nvPr/>
+              </p:nvSpPr>
+              <p:spPr>
+                <a:xfrm>
+                  <a:off x="974017" y="2353695"/>
+                  <a:ext cx="2565636" cy="369332"/>
+                </a:xfrm>
+                <a:prstGeom prst="rect">
+                  <a:avLst/>
+                </a:prstGeom>
+                <a:noFill/>
+              </p:spPr>
+              <p:txBody>
+                <a:bodyPr wrap="square" rtlCol="0">
+                  <a:spAutoFit/>
+                </a:bodyPr>
+                <a:lstStyle/>
+                <a:p>
+                  <a:r>
+                    <a:rPr lang="pt-BR" dirty="0"/>
+                    <a:t>Função de erro, </a:t>
+                  </a:r>
+                  <a14:m>
+                    <m:oMath xmlns:m="http://schemas.openxmlformats.org/officeDocument/2006/math">
+                      <m:sSub>
+                        <m:sSubPr>
+                          <m:ctrlPr>
+                            <a:rPr lang="pt-BR" i="1" smtClean="0">
+                              <a:latin typeface="Cambria Math" panose="02040503050406030204" pitchFamily="18" charset="0"/>
+                            </a:rPr>
+                          </m:ctrlPr>
+                        </m:sSubPr>
+                        <m:e>
+                          <m:r>
+                            <a:rPr lang="pt-BR" b="0" i="1" smtClean="0">
+                              <a:latin typeface="Cambria Math" panose="02040503050406030204" pitchFamily="18" charset="0"/>
+                            </a:rPr>
+                            <m:t>𝐽</m:t>
+                          </m:r>
+                        </m:e>
+                        <m:sub>
+                          <m:r>
+                            <a:rPr lang="pt-BR" b="0" i="1" smtClean="0">
+                              <a:latin typeface="Cambria Math" panose="02040503050406030204" pitchFamily="18" charset="0"/>
+                            </a:rPr>
+                            <m:t>𝑒</m:t>
+                          </m:r>
+                        </m:sub>
+                      </m:sSub>
+                      <m:r>
+                        <a:rPr lang="pt-BR" b="0" i="1" smtClean="0">
+                          <a:latin typeface="Cambria Math" panose="02040503050406030204" pitchFamily="18" charset="0"/>
+                        </a:rPr>
+                        <m:t>(</m:t>
+                      </m:r>
+                      <m:r>
+                        <a:rPr lang="pt-BR" b="0" i="1" smtClean="0">
+                          <a:latin typeface="Cambria Math" panose="02040503050406030204" pitchFamily="18" charset="0"/>
+                        </a:rPr>
+                        <m:t>𝑎</m:t>
+                      </m:r>
+                      <m:r>
+                        <a:rPr lang="pt-BR" b="0" i="1" smtClean="0">
+                          <a:latin typeface="Cambria Math" panose="02040503050406030204" pitchFamily="18" charset="0"/>
+                        </a:rPr>
+                        <m:t>)</m:t>
+                      </m:r>
+                    </m:oMath>
+                  </a14:m>
+                  <a:endParaRPr lang="pt-BR" dirty="0"/>
+                </a:p>
+              </p:txBody>
+            </p:sp>
+          </mc:Choice>
+          <mc:Fallback xmlns="">
+            <p:sp>
+              <p:nvSpPr>
+                <p:cNvPr id="8" name="CaixaDeTexto 7">
+                  <a:extLst>
+                    <a:ext uri="{FF2B5EF4-FFF2-40B4-BE49-F238E27FC236}">
+                      <a16:creationId xmlns:a16="http://schemas.microsoft.com/office/drawing/2014/main" id="{A78938CD-F777-59C9-49FF-1EC87187C2BF}"/>
+                    </a:ext>
+                  </a:extLst>
+                </p:cNvPr>
+                <p:cNvSpPr txBox="1">
+                  <a:spLocks noRot="1" noChangeAspect="1" noMove="1" noResize="1" noEditPoints="1" noAdjustHandles="1" noChangeArrowheads="1" noChangeShapeType="1" noTextEdit="1"/>
+                </p:cNvSpPr>
+                <p:nvPr/>
+              </p:nvSpPr>
+              <p:spPr>
+                <a:xfrm>
+                  <a:off x="974017" y="2353695"/>
+                  <a:ext cx="2565636" cy="369332"/>
+                </a:xfrm>
+                <a:prstGeom prst="rect">
+                  <a:avLst/>
+                </a:prstGeom>
+                <a:blipFill>
+                  <a:blip r:embed="rId3"/>
+                  <a:stretch>
+                    <a:fillRect l="-2138" t="-8197" b="-24590"/>
+                  </a:stretch>
+                </a:blipFill>
+              </p:spPr>
+              <p:txBody>
+                <a:bodyPr/>
+                <a:lstStyle/>
+                <a:p>
+                  <a:r>
+                    <a:rPr lang="pt-BR">
+                      <a:noFill/>
+                    </a:rPr>
+                    <a:t> </a:t>
+                  </a:r>
+                </a:p>
+              </p:txBody>
+            </p:sp>
+          </mc:Fallback>
+        </mc:AlternateContent>
+        <p:sp>
+          <p:nvSpPr>
+            <p:cNvPr id="9" name="CaixaDeTexto 8">
+              <a:extLst>
+                <a:ext uri="{FF2B5EF4-FFF2-40B4-BE49-F238E27FC236}">
+                  <a16:creationId xmlns:a16="http://schemas.microsoft.com/office/drawing/2014/main" id="{A1CE1535-321D-E614-D63E-21C0CB455062}"/>
+                </a:ext>
+              </a:extLst>
+            </p:cNvPr>
+            <p:cNvSpPr txBox="1"/>
+            <p:nvPr/>
+          </p:nvSpPr>
+          <p:spPr>
+            <a:xfrm>
+              <a:off x="4300295" y="4923779"/>
+              <a:ext cx="636334" cy="369332"/>
+            </a:xfrm>
+            <a:prstGeom prst="rect">
+              <a:avLst/>
+            </a:prstGeom>
+            <a:noFill/>
+          </p:spPr>
+          <p:txBody>
+            <a:bodyPr wrap="square" rtlCol="0">
+              <a:spAutoFit/>
+            </a:bodyPr>
+            <a:lstStyle/>
+            <a:p>
+              <a:pPr algn="r"/>
+              <a:r>
+                <a:rPr lang="pt-BR" dirty="0"/>
+                <a:t>Peso</a:t>
+              </a:r>
+            </a:p>
+          </p:txBody>
+        </p:sp>
+        <p:cxnSp>
+          <p:nvCxnSpPr>
+            <p:cNvPr id="10" name="Conector reto 9">
+              <a:extLst>
+                <a:ext uri="{FF2B5EF4-FFF2-40B4-BE49-F238E27FC236}">
+                  <a16:creationId xmlns:a16="http://schemas.microsoft.com/office/drawing/2014/main" id="{C04D87AE-293E-34D0-E4BE-09E7635BC7EE}"/>
+                </a:ext>
+              </a:extLst>
+            </p:cNvPr>
+            <p:cNvCxnSpPr/>
+            <p:nvPr/>
+          </p:nvCxnSpPr>
+          <p:spPr>
+            <a:xfrm>
+              <a:off x="976885" y="4744536"/>
+              <a:ext cx="1930484" cy="0"/>
+            </a:xfrm>
+            <a:prstGeom prst="line">
+              <a:avLst/>
+            </a:prstGeom>
+            <a:ln>
+              <a:solidFill>
+                <a:srgbClr val="FF0000"/>
+              </a:solidFill>
+              <a:prstDash val="dash"/>
+            </a:ln>
+          </p:spPr>
+          <p:style>
+            <a:lnRef idx="1">
+              <a:schemeClr val="accent1"/>
+            </a:lnRef>
+            <a:fillRef idx="0">
+              <a:schemeClr val="accent1"/>
+            </a:fillRef>
+            <a:effectRef idx="0">
+              <a:schemeClr val="accent1"/>
+            </a:effectRef>
+            <a:fontRef idx="minor">
+              <a:schemeClr val="tx1"/>
+            </a:fontRef>
+          </p:style>
+        </p:cxnSp>
+        <p:sp>
+          <p:nvSpPr>
+            <p:cNvPr id="11" name="CaixaDeTexto 10">
+              <a:extLst>
+                <a:ext uri="{FF2B5EF4-FFF2-40B4-BE49-F238E27FC236}">
+                  <a16:creationId xmlns:a16="http://schemas.microsoft.com/office/drawing/2014/main" id="{0ED8EC8A-F8D0-F14F-7E38-47715C0AD532}"/>
+                </a:ext>
+              </a:extLst>
+            </p:cNvPr>
+            <p:cNvSpPr txBox="1"/>
+            <p:nvPr/>
+          </p:nvSpPr>
+          <p:spPr>
+            <a:xfrm>
+              <a:off x="2367751" y="4232230"/>
+              <a:ext cx="1066949" cy="550146"/>
+            </a:xfrm>
+            <a:prstGeom prst="rect">
+              <a:avLst/>
+            </a:prstGeom>
+            <a:noFill/>
+          </p:spPr>
+          <p:txBody>
+            <a:bodyPr wrap="square" rtlCol="0">
+              <a:spAutoFit/>
+            </a:bodyPr>
+            <a:lstStyle/>
+            <a:p>
+              <a:pPr algn="ctr"/>
+              <a:r>
+                <a:rPr lang="pt-BR" sz="1200" dirty="0"/>
+                <a:t>Ponto de mínimo</a:t>
+              </a:r>
+            </a:p>
+          </p:txBody>
+        </p:sp>
+        <p:cxnSp>
+          <p:nvCxnSpPr>
+            <p:cNvPr id="12" name="Conector reto 11">
+              <a:extLst>
+                <a:ext uri="{FF2B5EF4-FFF2-40B4-BE49-F238E27FC236}">
+                  <a16:creationId xmlns:a16="http://schemas.microsoft.com/office/drawing/2014/main" id="{37A91F5D-D6CE-87E4-DD6F-6AEA41D6D82D}"/>
+                </a:ext>
+              </a:extLst>
+            </p:cNvPr>
+            <p:cNvCxnSpPr>
+              <a:cxnSpLocks/>
+            </p:cNvCxnSpPr>
+            <p:nvPr/>
+          </p:nvCxnSpPr>
+          <p:spPr>
+            <a:xfrm>
+              <a:off x="2902477" y="4736969"/>
+              <a:ext cx="0" cy="171598"/>
+            </a:xfrm>
+            <a:prstGeom prst="line">
+              <a:avLst/>
+            </a:prstGeom>
+            <a:ln>
+              <a:solidFill>
+                <a:srgbClr val="FF0000"/>
+              </a:solidFill>
+              <a:prstDash val="dash"/>
+            </a:ln>
+          </p:spPr>
+          <p:style>
+            <a:lnRef idx="1">
+              <a:schemeClr val="accent1"/>
+            </a:lnRef>
+            <a:fillRef idx="0">
+              <a:schemeClr val="accent1"/>
+            </a:fillRef>
+            <a:effectRef idx="0">
+              <a:schemeClr val="accent1"/>
+            </a:effectRef>
+            <a:fontRef idx="minor">
+              <a:schemeClr val="tx1"/>
+            </a:fontRef>
+          </p:style>
+        </p:cxnSp>
+        <p:sp>
+          <p:nvSpPr>
+            <p:cNvPr id="13" name="Elipse 12">
+              <a:extLst>
+                <a:ext uri="{FF2B5EF4-FFF2-40B4-BE49-F238E27FC236}">
+                  <a16:creationId xmlns:a16="http://schemas.microsoft.com/office/drawing/2014/main" id="{34D38410-D059-6D93-1DD2-6F2EF0E92E63}"/>
+                </a:ext>
+              </a:extLst>
+            </p:cNvPr>
+            <p:cNvSpPr/>
+            <p:nvPr/>
+          </p:nvSpPr>
+          <p:spPr>
+            <a:xfrm>
+              <a:off x="2879776" y="4721835"/>
+              <a:ext cx="42900" cy="42900"/>
+            </a:xfrm>
+            <a:prstGeom prst="ellipse">
+              <a:avLst/>
+            </a:prstGeom>
+            <a:solidFill>
+              <a:srgbClr val="FF0000"/>
+            </a:solidFill>
+            <a:ln>
+              <a:solidFill>
+                <a:srgbClr val="FF0000"/>
+              </a:solidFill>
+            </a:ln>
+          </p:spPr>
+          <p:style>
+            <a:lnRef idx="2">
+              <a:schemeClr val="accent1">
+                <a:shade val="15000"/>
+              </a:schemeClr>
+            </a:lnRef>
+            <a:fillRef idx="1">
+              <a:schemeClr val="accent1"/>
+            </a:fillRef>
+            <a:effectRef idx="0">
+              <a:schemeClr val="accent1"/>
+            </a:effectRef>
+            <a:fontRef idx="minor">
+              <a:schemeClr val="lt1"/>
+            </a:fontRef>
+          </p:style>
+          <p:txBody>
+            <a:bodyPr rtlCol="0" anchor="ctr"/>
+            <a:lstStyle/>
+            <a:p>
+              <a:pPr algn="ctr"/>
+              <a:endParaRPr lang="pt-BR" dirty="0"/>
+            </a:p>
+          </p:txBody>
+        </p:sp>
+        <p:sp>
+          <p:nvSpPr>
+            <p:cNvPr id="14" name="Elipse 13">
+              <a:extLst>
+                <a:ext uri="{FF2B5EF4-FFF2-40B4-BE49-F238E27FC236}">
+                  <a16:creationId xmlns:a16="http://schemas.microsoft.com/office/drawing/2014/main" id="{483CF4C1-DDBF-4640-7392-235196C4D89B}"/>
+                </a:ext>
+              </a:extLst>
+            </p:cNvPr>
+            <p:cNvSpPr/>
+            <p:nvPr/>
+          </p:nvSpPr>
+          <p:spPr>
+            <a:xfrm>
+              <a:off x="1273647" y="3163362"/>
+              <a:ext cx="42900" cy="42900"/>
+            </a:xfrm>
+            <a:prstGeom prst="ellipse">
+              <a:avLst/>
+            </a:prstGeom>
+            <a:solidFill>
+              <a:schemeClr val="tx1"/>
+            </a:solidFill>
+            <a:ln>
+              <a:solidFill>
+                <a:schemeClr val="tx1"/>
+              </a:solidFill>
+            </a:ln>
+          </p:spPr>
+          <p:style>
+            <a:lnRef idx="2">
+              <a:schemeClr val="accent1">
+                <a:shade val="15000"/>
+              </a:schemeClr>
+            </a:lnRef>
+            <a:fillRef idx="1">
+              <a:schemeClr val="accent1"/>
+            </a:fillRef>
+            <a:effectRef idx="0">
+              <a:schemeClr val="accent1"/>
+            </a:effectRef>
+            <a:fontRef idx="minor">
+              <a:schemeClr val="lt1"/>
+            </a:fontRef>
+          </p:style>
+          <p:txBody>
+            <a:bodyPr rtlCol="0" anchor="ctr"/>
+            <a:lstStyle/>
+            <a:p>
+              <a:pPr algn="ctr"/>
+              <a:endParaRPr lang="pt-BR" dirty="0"/>
+            </a:p>
+          </p:txBody>
+        </p:sp>
+        <p:cxnSp>
+          <p:nvCxnSpPr>
+            <p:cNvPr id="15" name="Conector reto 14">
+              <a:extLst>
+                <a:ext uri="{FF2B5EF4-FFF2-40B4-BE49-F238E27FC236}">
+                  <a16:creationId xmlns:a16="http://schemas.microsoft.com/office/drawing/2014/main" id="{D69F7809-96CB-75B0-3DD7-F1D3CFFC0DDA}"/>
+                </a:ext>
+              </a:extLst>
+            </p:cNvPr>
+            <p:cNvCxnSpPr/>
+            <p:nvPr/>
+          </p:nvCxnSpPr>
+          <p:spPr>
+            <a:xfrm>
+              <a:off x="973059" y="3184593"/>
+              <a:ext cx="324000" cy="0"/>
+            </a:xfrm>
+            <a:prstGeom prst="line">
+              <a:avLst/>
+            </a:prstGeom>
+            <a:ln>
+              <a:solidFill>
+                <a:schemeClr val="tx1"/>
+              </a:solidFill>
+              <a:prstDash val="dash"/>
+            </a:ln>
+          </p:spPr>
+          <p:style>
+            <a:lnRef idx="1">
+              <a:schemeClr val="accent1"/>
+            </a:lnRef>
+            <a:fillRef idx="0">
+              <a:schemeClr val="accent1"/>
+            </a:fillRef>
+            <a:effectRef idx="0">
+              <a:schemeClr val="accent1"/>
+            </a:effectRef>
+            <a:fontRef idx="minor">
+              <a:schemeClr val="tx1"/>
+            </a:fontRef>
+          </p:style>
+        </p:cxnSp>
+        <p:cxnSp>
+          <p:nvCxnSpPr>
+            <p:cNvPr id="17" name="Conector reto 16">
+              <a:extLst>
+                <a:ext uri="{FF2B5EF4-FFF2-40B4-BE49-F238E27FC236}">
+                  <a16:creationId xmlns:a16="http://schemas.microsoft.com/office/drawing/2014/main" id="{51DB7F58-65FD-F0F4-E3F8-1B7A5A7E2DAE}"/>
+                </a:ext>
+              </a:extLst>
+            </p:cNvPr>
+            <p:cNvCxnSpPr>
+              <a:cxnSpLocks/>
+            </p:cNvCxnSpPr>
+            <p:nvPr/>
+          </p:nvCxnSpPr>
+          <p:spPr>
+            <a:xfrm>
+              <a:off x="1295097" y="3163361"/>
+              <a:ext cx="0" cy="1764000"/>
+            </a:xfrm>
+            <a:prstGeom prst="line">
+              <a:avLst/>
+            </a:prstGeom>
+            <a:ln>
+              <a:solidFill>
+                <a:schemeClr val="tx1"/>
+              </a:solidFill>
+              <a:prstDash val="dash"/>
+            </a:ln>
+          </p:spPr>
+          <p:style>
+            <a:lnRef idx="1">
+              <a:schemeClr val="accent1"/>
+            </a:lnRef>
+            <a:fillRef idx="0">
+              <a:schemeClr val="accent1"/>
+            </a:fillRef>
+            <a:effectRef idx="0">
+              <a:schemeClr val="accent1"/>
+            </a:effectRef>
+            <a:fontRef idx="minor">
+              <a:schemeClr val="tx1"/>
+            </a:fontRef>
+          </p:style>
+        </p:cxnSp>
+        <p:sp>
+          <p:nvSpPr>
+            <p:cNvPr id="21" name="CaixaDeTexto 20">
+              <a:extLst>
+                <a:ext uri="{FF2B5EF4-FFF2-40B4-BE49-F238E27FC236}">
+                  <a16:creationId xmlns:a16="http://schemas.microsoft.com/office/drawing/2014/main" id="{F3051166-FB83-1C01-C24B-836CCA65DF27}"/>
+                </a:ext>
+              </a:extLst>
+            </p:cNvPr>
+            <p:cNvSpPr txBox="1"/>
+            <p:nvPr/>
+          </p:nvSpPr>
+          <p:spPr>
+            <a:xfrm>
+              <a:off x="1232864" y="3046093"/>
+              <a:ext cx="1071476" cy="276999"/>
+            </a:xfrm>
+            <a:prstGeom prst="rect">
+              <a:avLst/>
+            </a:prstGeom>
+            <a:noFill/>
+          </p:spPr>
+          <p:txBody>
+            <a:bodyPr wrap="square" rtlCol="0">
+              <a:spAutoFit/>
+            </a:bodyPr>
+            <a:lstStyle/>
+            <a:p>
+              <a:pPr algn="ctr"/>
+              <a:r>
+                <a:rPr lang="pt-BR" sz="1200" dirty="0"/>
+                <a:t>Ponto inicial</a:t>
+              </a:r>
+            </a:p>
+          </p:txBody>
+        </p:sp>
+        <mc:AlternateContent xmlns:mc="http://schemas.openxmlformats.org/markup-compatibility/2006" xmlns:a14="http://schemas.microsoft.com/office/drawing/2010/main">
+          <mc:Choice Requires="a14">
+            <p:sp>
+              <p:nvSpPr>
+                <p:cNvPr id="22" name="CaixaDeTexto 21">
+                  <a:extLst>
+                    <a:ext uri="{FF2B5EF4-FFF2-40B4-BE49-F238E27FC236}">
+                      <a16:creationId xmlns:a16="http://schemas.microsoft.com/office/drawing/2014/main" id="{7167E7D4-807F-4A91-D2F9-5B3D43BE5896}"/>
+                    </a:ext>
+                  </a:extLst>
+                </p:cNvPr>
+                <p:cNvSpPr txBox="1"/>
+                <p:nvPr/>
+              </p:nvSpPr>
+              <p:spPr>
+                <a:xfrm>
+                  <a:off x="1074774" y="4868216"/>
+                  <a:ext cx="867941" cy="307777"/>
+                </a:xfrm>
+                <a:prstGeom prst="rect">
+                  <a:avLst/>
+                </a:prstGeom>
+                <a:noFill/>
+              </p:spPr>
+              <p:txBody>
+                <a:bodyPr wrap="square" rtlCol="0">
+                  <a:spAutoFit/>
+                </a:bodyPr>
+                <a:lstStyle/>
+                <a:p>
+                  <a:pPr algn="ctr"/>
+                  <a14:m>
+                    <m:oMathPara xmlns:m="http://schemas.openxmlformats.org/officeDocument/2006/math">
+                      <m:oMathParaPr>
+                        <m:jc m:val="centerGroup"/>
+                      </m:oMathParaPr>
+                      <m:oMath xmlns:m="http://schemas.openxmlformats.org/officeDocument/2006/math">
+                        <m:sSub>
+                          <m:sSubPr>
+                            <m:ctrlPr>
+                              <a:rPr lang="pt-BR" sz="1400" i="1" smtClean="0">
+                                <a:latin typeface="Cambria Math" panose="02040503050406030204" pitchFamily="18" charset="0"/>
+                              </a:rPr>
+                            </m:ctrlPr>
+                          </m:sSubPr>
+                          <m:e>
+                            <m:r>
+                              <a:rPr lang="pt-BR" sz="1400" b="0" i="1" smtClean="0">
+                                <a:latin typeface="Cambria Math" panose="02040503050406030204" pitchFamily="18" charset="0"/>
+                              </a:rPr>
+                              <m:t>𝑎</m:t>
+                            </m:r>
+                          </m:e>
+                          <m:sub>
+                            <m:r>
+                              <m:rPr>
+                                <m:sty m:val="p"/>
+                              </m:rPr>
+                              <a:rPr lang="pt-BR" sz="1400" b="0" i="0" smtClean="0">
+                                <a:latin typeface="Cambria Math" panose="02040503050406030204" pitchFamily="18" charset="0"/>
+                              </a:rPr>
+                              <m:t>inicial</m:t>
+                            </m:r>
+                          </m:sub>
+                        </m:sSub>
+                      </m:oMath>
+                    </m:oMathPara>
+                  </a14:m>
+                  <a:endParaRPr lang="pt-BR" sz="1400" dirty="0"/>
+                </a:p>
+              </p:txBody>
+            </p:sp>
+          </mc:Choice>
+          <mc:Fallback xmlns="">
+            <p:sp>
+              <p:nvSpPr>
+                <p:cNvPr id="22" name="CaixaDeTexto 21">
+                  <a:extLst>
+                    <a:ext uri="{FF2B5EF4-FFF2-40B4-BE49-F238E27FC236}">
+                      <a16:creationId xmlns:a16="http://schemas.microsoft.com/office/drawing/2014/main" id="{7167E7D4-807F-4A91-D2F9-5B3D43BE5896}"/>
+                    </a:ext>
+                  </a:extLst>
+                </p:cNvPr>
+                <p:cNvSpPr txBox="1">
+                  <a:spLocks noRot="1" noChangeAspect="1" noMove="1" noResize="1" noEditPoints="1" noAdjustHandles="1" noChangeArrowheads="1" noChangeShapeType="1" noTextEdit="1"/>
+                </p:cNvSpPr>
+                <p:nvPr/>
+              </p:nvSpPr>
+              <p:spPr>
+                <a:xfrm>
+                  <a:off x="1074774" y="4868216"/>
+                  <a:ext cx="867941" cy="307777"/>
+                </a:xfrm>
+                <a:prstGeom prst="rect">
+                  <a:avLst/>
+                </a:prstGeom>
+                <a:blipFill>
+                  <a:blip r:embed="rId4"/>
+                  <a:stretch>
+                    <a:fillRect/>
+                  </a:stretch>
+                </a:blipFill>
+              </p:spPr>
+              <p:txBody>
+                <a:bodyPr/>
+                <a:lstStyle/>
+                <a:p>
+                  <a:r>
+                    <a:rPr lang="pt-BR">
+                      <a:noFill/>
+                    </a:rPr>
+                    <a:t> </a:t>
+                  </a:r>
+                </a:p>
+              </p:txBody>
+            </p:sp>
+          </mc:Fallback>
+        </mc:AlternateContent>
+        <mc:AlternateContent xmlns:mc="http://schemas.openxmlformats.org/markup-compatibility/2006" xmlns:a14="http://schemas.microsoft.com/office/drawing/2010/main">
+          <mc:Choice Requires="a14">
+            <p:sp>
+              <p:nvSpPr>
+                <p:cNvPr id="23" name="CaixaDeTexto 22">
+                  <a:extLst>
+                    <a:ext uri="{FF2B5EF4-FFF2-40B4-BE49-F238E27FC236}">
+                      <a16:creationId xmlns:a16="http://schemas.microsoft.com/office/drawing/2014/main" id="{5563576F-5255-680C-F8CB-10958601F543}"/>
+                    </a:ext>
+                  </a:extLst>
+                </p:cNvPr>
+                <p:cNvSpPr txBox="1"/>
+                <p:nvPr/>
+              </p:nvSpPr>
+              <p:spPr>
+                <a:xfrm>
+                  <a:off x="2671712" y="4867795"/>
+                  <a:ext cx="867941" cy="307777"/>
+                </a:xfrm>
+                <a:prstGeom prst="rect">
+                  <a:avLst/>
+                </a:prstGeom>
+                <a:noFill/>
+              </p:spPr>
+              <p:txBody>
+                <a:bodyPr wrap="square" rtlCol="0">
+                  <a:spAutoFit/>
+                </a:bodyPr>
+                <a:lstStyle/>
+                <a:p>
+                  <a:pPr algn="ctr"/>
+                  <a14:m>
+                    <m:oMathPara xmlns:m="http://schemas.openxmlformats.org/officeDocument/2006/math">
+                      <m:oMathParaPr>
+                        <m:jc m:val="centerGroup"/>
+                      </m:oMathParaPr>
+                      <m:oMath xmlns:m="http://schemas.openxmlformats.org/officeDocument/2006/math">
+                        <m:sSub>
+                          <m:sSubPr>
+                            <m:ctrlPr>
+                              <a:rPr lang="pt-BR" sz="1400" i="1" smtClean="0">
+                                <a:latin typeface="Cambria Math" panose="02040503050406030204" pitchFamily="18" charset="0"/>
+                              </a:rPr>
+                            </m:ctrlPr>
+                          </m:sSubPr>
+                          <m:e>
+                            <m:r>
+                              <a:rPr lang="pt-BR" sz="1400" b="0" i="1" smtClean="0">
+                                <a:latin typeface="Cambria Math" panose="02040503050406030204" pitchFamily="18" charset="0"/>
+                              </a:rPr>
+                              <m:t>𝑎</m:t>
+                            </m:r>
+                          </m:e>
+                          <m:sub>
+                            <m:r>
+                              <a:rPr lang="pt-BR" sz="1400" b="0" i="0" smtClean="0">
+                                <a:latin typeface="Cambria Math" panose="02040503050406030204" pitchFamily="18" charset="0"/>
+                              </a:rPr>
+                              <m:t>ó</m:t>
+                            </m:r>
+                            <m:r>
+                              <m:rPr>
+                                <m:sty m:val="p"/>
+                              </m:rPr>
+                              <a:rPr lang="pt-BR" sz="1400" b="0" i="0" smtClean="0">
+                                <a:latin typeface="Cambria Math" panose="02040503050406030204" pitchFamily="18" charset="0"/>
+                              </a:rPr>
+                              <m:t>timo</m:t>
+                            </m:r>
+                          </m:sub>
+                        </m:sSub>
+                      </m:oMath>
+                    </m:oMathPara>
+                  </a14:m>
+                  <a:endParaRPr lang="pt-BR" sz="1400" dirty="0"/>
+                </a:p>
+              </p:txBody>
+            </p:sp>
+          </mc:Choice>
+          <mc:Fallback xmlns="">
+            <p:sp>
+              <p:nvSpPr>
+                <p:cNvPr id="23" name="CaixaDeTexto 22">
+                  <a:extLst>
+                    <a:ext uri="{FF2B5EF4-FFF2-40B4-BE49-F238E27FC236}">
+                      <a16:creationId xmlns:a16="http://schemas.microsoft.com/office/drawing/2014/main" id="{5563576F-5255-680C-F8CB-10958601F543}"/>
+                    </a:ext>
+                  </a:extLst>
+                </p:cNvPr>
+                <p:cNvSpPr txBox="1">
+                  <a:spLocks noRot="1" noChangeAspect="1" noMove="1" noResize="1" noEditPoints="1" noAdjustHandles="1" noChangeArrowheads="1" noChangeShapeType="1" noTextEdit="1"/>
+                </p:cNvSpPr>
+                <p:nvPr/>
+              </p:nvSpPr>
+              <p:spPr>
+                <a:xfrm>
+                  <a:off x="2671712" y="4867795"/>
+                  <a:ext cx="867941" cy="307777"/>
+                </a:xfrm>
+                <a:prstGeom prst="rect">
+                  <a:avLst/>
+                </a:prstGeom>
+                <a:blipFill>
+                  <a:blip r:embed="rId5"/>
+                  <a:stretch>
+                    <a:fillRect/>
+                  </a:stretch>
+                </a:blipFill>
+              </p:spPr>
+              <p:txBody>
+                <a:bodyPr/>
+                <a:lstStyle/>
+                <a:p>
+                  <a:r>
+                    <a:rPr lang="pt-BR">
+                      <a:noFill/>
+                    </a:rPr>
+                    <a:t> </a:t>
+                  </a:r>
+                </a:p>
+              </p:txBody>
+            </p:sp>
+          </mc:Fallback>
+        </mc:AlternateContent>
+      </p:grpSp>
+      <p:cxnSp>
+        <p:nvCxnSpPr>
+          <p:cNvPr id="4" name="Conector de Seta Reta 3">
+            <a:extLst>
+              <a:ext uri="{FF2B5EF4-FFF2-40B4-BE49-F238E27FC236}">
+                <a16:creationId xmlns:a16="http://schemas.microsoft.com/office/drawing/2014/main" id="{AEECACA4-5B42-A865-92BE-067925FB1366}"/>
+              </a:ext>
+            </a:extLst>
+          </p:cNvPr>
+          <p:cNvCxnSpPr>
+            <a:cxnSpLocks/>
+          </p:cNvCxnSpPr>
+          <p:nvPr/>
+        </p:nvCxnSpPr>
+        <p:spPr>
+          <a:xfrm>
+            <a:off x="1295851" y="3183756"/>
+            <a:ext cx="473505" cy="797660"/>
+          </a:xfrm>
+          <a:prstGeom prst="straightConnector1">
+            <a:avLst/>
+          </a:prstGeom>
+          <a:ln>
+            <a:solidFill>
+              <a:srgbClr val="FF0000"/>
+            </a:solidFill>
+            <a:tailEnd type="triangle"/>
+          </a:ln>
+        </p:spPr>
+        <p:style>
+          <a:lnRef idx="1">
+            <a:schemeClr val="accent1"/>
+          </a:lnRef>
+          <a:fillRef idx="0">
+            <a:schemeClr val="accent1"/>
+          </a:fillRef>
+          <a:effectRef idx="0">
+            <a:schemeClr val="accent1"/>
+          </a:effectRef>
+          <a:fontRef idx="minor">
+            <a:schemeClr val="tx1"/>
+          </a:fontRef>
+        </p:style>
+      </p:cxnSp>
+    </p:spTree>
+    <p:extLst>
+      <p:ext uri="{BB962C8B-B14F-4D97-AF65-F5344CB8AC3E}">
+        <p14:creationId xmlns:p14="http://schemas.microsoft.com/office/powerpoint/2010/main" val="2751143574"/>
+      </p:ext>
+    </p:extLst>
+  </p:cSld>
+  <p:clrMapOvr>
+    <a:masterClrMapping/>
+  </p:clrMapOvr>
+</p:sld>
+</file>
+
+<file path=ppt/slides/slide11.xml><?xml version="1.0" encoding="utf-8"?>
+<p:sld xmlns:a="http://schemas.openxmlformats.org/drawingml/2006/main" xmlns:r="http://schemas.openxmlformats.org/officeDocument/2006/relationships" xmlns:p="http://schemas.openxmlformats.org/presentationml/2006/main">
+  <p:cSld>
+    <p:spTree>
+      <p:nvGrpSpPr>
+        <p:cNvPr id="1" name=""/>
+        <p:cNvGrpSpPr/>
+        <p:nvPr/>
+      </p:nvGrpSpPr>
+      <p:grpSpPr>
+        <a:xfrm>
+          <a:off x="0" y="0"/>
+          <a:ext cx="0" cy="0"/>
+          <a:chOff x="0" y="0"/>
+          <a:chExt cx="0" cy="0"/>
+        </a:xfrm>
+      </p:grpSpPr>
+      <p:sp>
+        <p:nvSpPr>
+          <p:cNvPr id="2" name="Título 1">
+            <a:extLst>
+              <a:ext uri="{FF2B5EF4-FFF2-40B4-BE49-F238E27FC236}">
+                <a16:creationId xmlns:a16="http://schemas.microsoft.com/office/drawing/2014/main" id="{FDCC3C31-4EA2-B4A2-431F-BF22FBB8A7BA}"/>
+              </a:ext>
+            </a:extLst>
+          </p:cNvPr>
+          <p:cNvSpPr>
+            <a:spLocks noGrp="1"/>
+          </p:cNvSpPr>
+          <p:nvPr>
+            <p:ph type="title"/>
+          </p:nvPr>
+        </p:nvSpPr>
+        <p:spPr/>
+        <p:txBody>
+          <a:bodyPr/>
+          <a:lstStyle/>
+          <a:p>
+            <a:r>
+              <a:rPr lang="pt-BR" dirty="0"/>
               <a:t>Passo de aprendizagem</a:t>
             </a:r>
           </a:p>
@@ -8514,7 +11185,7 @@
 </p:sld>
 </file>
 
-<file path=ppt/slides/slide11.xml><?xml version="1.0" encoding="utf-8"?>
+<file path=ppt/slides/slide12.xml><?xml version="1.0" encoding="utf-8"?>
 <p:sld xmlns:a="http://schemas.openxmlformats.org/drawingml/2006/main" xmlns:r="http://schemas.openxmlformats.org/officeDocument/2006/relationships" xmlns:p="http://schemas.openxmlformats.org/presentationml/2006/main">
   <p:cSld>
     <p:spTree>
@@ -11015,7 +13686,7 @@
 </p:sld>
 </file>
 
-<file path=ppt/slides/slide12.xml><?xml version="1.0" encoding="utf-8"?>
+<file path=ppt/slides/slide13.xml><?xml version="1.0" encoding="utf-8"?>
 <p:sld xmlns:a="http://schemas.openxmlformats.org/drawingml/2006/main" xmlns:r="http://schemas.openxmlformats.org/officeDocument/2006/relationships" xmlns:p="http://schemas.openxmlformats.org/presentationml/2006/main">
   <p:cSld>
     <p:spTree>
@@ -12605,7 +15276,7 @@
 </p:sld>
 </file>
 
-<file path=ppt/slides/slide13.xml><?xml version="1.0" encoding="utf-8"?>
+<file path=ppt/slides/slide14.xml><?xml version="1.0" encoding="utf-8"?>
 <p:sld xmlns:a="http://schemas.openxmlformats.org/drawingml/2006/main" xmlns:r="http://schemas.openxmlformats.org/officeDocument/2006/relationships" xmlns:p="http://schemas.openxmlformats.org/presentationml/2006/main">
   <p:cSld>
     <p:spTree>
@@ -14247,7 +16918,7 @@
 </p:sld>
 </file>
 
-<file path=ppt/slides/slide14.xml><?xml version="1.0" encoding="utf-8"?>
+<file path=ppt/slides/slide15.xml><?xml version="1.0" encoding="utf-8"?>
 <p:sld xmlns:a="http://schemas.openxmlformats.org/drawingml/2006/main" xmlns:r="http://schemas.openxmlformats.org/officeDocument/2006/relationships" xmlns:p="http://schemas.openxmlformats.org/presentationml/2006/main">
   <p:cSld>
     <p:spTree>
@@ -16015,7 +18686,7 @@
 </p:sld>
 </file>
 
-<file path=ppt/slides/slide15.xml><?xml version="1.0" encoding="utf-8"?>
+<file path=ppt/slides/slide16.xml><?xml version="1.0" encoding="utf-8"?>
 <p:sld xmlns:a="http://schemas.openxmlformats.org/drawingml/2006/main" xmlns:r="http://schemas.openxmlformats.org/officeDocument/2006/relationships" xmlns:p="http://schemas.openxmlformats.org/presentationml/2006/main">
   <p:cSld>
     <p:spTree>
@@ -17747,7 +20418,7 @@
 </p:sld>
 </file>
 
-<file path=ppt/slides/slide16.xml><?xml version="1.0" encoding="utf-8"?>
+<file path=ppt/slides/slide17.xml><?xml version="1.0" encoding="utf-8"?>
 <p:sld xmlns:a="http://schemas.openxmlformats.org/drawingml/2006/main" xmlns:r="http://schemas.openxmlformats.org/officeDocument/2006/relationships" xmlns:p="http://schemas.openxmlformats.org/presentationml/2006/main">
   <p:cSld>
     <p:spTree>
@@ -22785,7 +25456,7 @@
 </p:sld>
 </file>
 
-<file path=ppt/slides/slide17.xml><?xml version="1.0" encoding="utf-8"?>
+<file path=ppt/slides/slide18.xml><?xml version="1.0" encoding="utf-8"?>
 <p:sld xmlns:a="http://schemas.openxmlformats.org/drawingml/2006/main" xmlns:r="http://schemas.openxmlformats.org/officeDocument/2006/relationships" xmlns:p="http://schemas.openxmlformats.org/presentationml/2006/main">
   <p:cSld>
     <p:spTree>
@@ -24330,7 +27001,7 @@
 </p:sld>
 </file>
 
-<file path=ppt/slides/slide18.xml><?xml version="1.0" encoding="utf-8"?>
+<file path=ppt/slides/slide19.xml><?xml version="1.0" encoding="utf-8"?>
 <p:sld xmlns:a="http://schemas.openxmlformats.org/drawingml/2006/main" xmlns:r="http://schemas.openxmlformats.org/officeDocument/2006/relationships" xmlns:p="http://schemas.openxmlformats.org/presentationml/2006/main">
   <p:cSld>
     <p:spTree>
@@ -25016,7 +27687,156 @@
 </p:sld>
 </file>
 
-<file path=ppt/slides/slide19.xml><?xml version="1.0" encoding="utf-8"?>
+<file path=ppt/slides/slide2.xml><?xml version="1.0" encoding="utf-8"?>
+<p:sld xmlns:a="http://schemas.openxmlformats.org/drawingml/2006/main" xmlns:r="http://schemas.openxmlformats.org/officeDocument/2006/relationships" xmlns:p="http://schemas.openxmlformats.org/presentationml/2006/main">
+  <p:cSld>
+    <p:spTree>
+      <p:nvGrpSpPr>
+        <p:cNvPr id="1" name=""/>
+        <p:cNvGrpSpPr/>
+        <p:nvPr/>
+      </p:nvGrpSpPr>
+      <p:grpSpPr>
+        <a:xfrm>
+          <a:off x="0" y="0"/>
+          <a:ext cx="0" cy="0"/>
+          <a:chOff x="0" y="0"/>
+          <a:chExt cx="0" cy="0"/>
+        </a:xfrm>
+      </p:grpSpPr>
+      <p:sp>
+        <p:nvSpPr>
+          <p:cNvPr id="2" name="Título 1">
+            <a:extLst>
+              <a:ext uri="{FF2B5EF4-FFF2-40B4-BE49-F238E27FC236}">
+                <a16:creationId xmlns:a16="http://schemas.microsoft.com/office/drawing/2014/main" id="{EECB3FED-5D1A-7084-5333-A3B2FA75F608}"/>
+              </a:ext>
+            </a:extLst>
+          </p:cNvPr>
+          <p:cNvSpPr>
+            <a:spLocks noGrp="1"/>
+          </p:cNvSpPr>
+          <p:nvPr>
+            <p:ph type="title"/>
+          </p:nvPr>
+        </p:nvSpPr>
+        <p:spPr/>
+        <p:txBody>
+          <a:bodyPr/>
+          <a:lstStyle/>
+          <a:p>
+            <a:r>
+              <a:rPr lang="pt-BR" dirty="0"/>
+              <a:t>O que vamos ver?</a:t>
+            </a:r>
+          </a:p>
+        </p:txBody>
+      </p:sp>
+      <p:sp>
+        <p:nvSpPr>
+          <p:cNvPr id="3" name="Espaço Reservado para Conteúdo 2">
+            <a:extLst>
+              <a:ext uri="{FF2B5EF4-FFF2-40B4-BE49-F238E27FC236}">
+                <a16:creationId xmlns:a16="http://schemas.microsoft.com/office/drawing/2014/main" id="{25FE7774-7186-A846-D8DE-518B2CBF4EBD}"/>
+              </a:ext>
+            </a:extLst>
+          </p:cNvPr>
+          <p:cNvSpPr>
+            <a:spLocks noGrp="1"/>
+          </p:cNvSpPr>
+          <p:nvPr>
+            <p:ph idx="1"/>
+          </p:nvPr>
+        </p:nvSpPr>
+        <p:spPr>
+          <a:xfrm>
+            <a:off x="838199" y="1825624"/>
+            <a:ext cx="10929257" cy="5032376"/>
+          </a:xfrm>
+        </p:spPr>
+        <p:txBody>
+          <a:bodyPr>
+            <a:normAutofit/>
+          </a:bodyPr>
+          <a:lstStyle/>
+          <a:p>
+            <a:r>
+              <a:rPr lang="pt-BR" dirty="0"/>
+              <a:t>Anteriormente, vimos como funciona o processo (</a:t>
+            </a:r>
+            <a:r>
+              <a:rPr lang="pt-BR" i="1" dirty="0"/>
+              <a:t>loop</a:t>
+            </a:r>
+            <a:r>
+              <a:rPr lang="pt-BR" dirty="0"/>
+              <a:t>) de treinamento. </a:t>
+            </a:r>
+          </a:p>
+          <a:p>
+            <a:pPr marL="914400" lvl="1" indent="-457200">
+              <a:buFont typeface="+mj-lt"/>
+              <a:buAutoNum type="arabicPeriod"/>
+            </a:pPr>
+            <a:r>
+              <a:rPr lang="pt-BR" dirty="0"/>
+              <a:t>Damos um palpite.</a:t>
+            </a:r>
+          </a:p>
+          <a:p>
+            <a:pPr marL="914400" lvl="1" indent="-457200">
+              <a:buFont typeface="+mj-lt"/>
+              <a:buAutoNum type="arabicPeriod"/>
+            </a:pPr>
+            <a:r>
+              <a:rPr lang="pt-BR" dirty="0"/>
+              <a:t>Medimos a precisão desse palpite com a função de erro.</a:t>
+            </a:r>
+          </a:p>
+          <a:p>
+            <a:pPr marL="914400" lvl="1" indent="-457200">
+              <a:buFont typeface="+mj-lt"/>
+              <a:buAutoNum type="arabicPeriod"/>
+            </a:pPr>
+            <a:r>
+              <a:rPr lang="pt-BR" dirty="0"/>
+              <a:t>Então usamos a informação do erro para dar outro palpite, esperando que ele seja um pouco melhor do que o anterior.</a:t>
+            </a:r>
+          </a:p>
+          <a:p>
+            <a:r>
+              <a:rPr lang="pt-BR" dirty="0"/>
+              <a:t>Em geral, esse processo se repete até que o erro seja minimizado.</a:t>
+            </a:r>
+          </a:p>
+          <a:p>
+            <a:r>
+              <a:rPr lang="pt-BR" dirty="0"/>
+              <a:t>A ideia é que quanto menor o erro, mais preciso é o seu palpite. </a:t>
+            </a:r>
+          </a:p>
+          <a:p>
+            <a:r>
+              <a:rPr lang="pt-BR" dirty="0"/>
+              <a:t>Portanto, neste tópico, exploraremos como minimizar o erro.</a:t>
+            </a:r>
+          </a:p>
+        </p:txBody>
+      </p:sp>
+    </p:spTree>
+    <p:extLst>
+      <p:ext uri="{BB962C8B-B14F-4D97-AF65-F5344CB8AC3E}">
+        <p14:creationId xmlns:p14="http://schemas.microsoft.com/office/powerpoint/2010/main" val="529739951"/>
+      </p:ext>
+    </p:extLst>
+  </p:cSld>
+  <p:clrMapOvr>
+    <a:masterClrMapping/>
+  </p:clrMapOvr>
+</p:sld>
+</file>
+
+<file path=ppt/slides/slide20.xml><?xml version="1.0" encoding="utf-8"?>
 <p:sld xmlns:a="http://schemas.openxmlformats.org/drawingml/2006/main" xmlns:r="http://schemas.openxmlformats.org/officeDocument/2006/relationships" xmlns:p="http://schemas.openxmlformats.org/presentationml/2006/main">
   <p:cSld>
     <p:spTree>
@@ -25885,150 +28705,7 @@
 </p:sld>
 </file>
 
-<file path=ppt/slides/slide2.xml><?xml version="1.0" encoding="utf-8"?>
-<p:sld xmlns:a="http://schemas.openxmlformats.org/drawingml/2006/main" xmlns:r="http://schemas.openxmlformats.org/officeDocument/2006/relationships" xmlns:p="http://schemas.openxmlformats.org/presentationml/2006/main">
-  <p:cSld>
-    <p:spTree>
-      <p:nvGrpSpPr>
-        <p:cNvPr id="1" name=""/>
-        <p:cNvGrpSpPr/>
-        <p:nvPr/>
-      </p:nvGrpSpPr>
-      <p:grpSpPr>
-        <a:xfrm>
-          <a:off x="0" y="0"/>
-          <a:ext cx="0" cy="0"/>
-          <a:chOff x="0" y="0"/>
-          <a:chExt cx="0" cy="0"/>
-        </a:xfrm>
-      </p:grpSpPr>
-      <p:sp>
-        <p:nvSpPr>
-          <p:cNvPr id="2" name="Título 1">
-            <a:extLst>
-              <a:ext uri="{FF2B5EF4-FFF2-40B4-BE49-F238E27FC236}">
-                <a16:creationId xmlns:a16="http://schemas.microsoft.com/office/drawing/2014/main" id="{EECB3FED-5D1A-7084-5333-A3B2FA75F608}"/>
-              </a:ext>
-            </a:extLst>
-          </p:cNvPr>
-          <p:cNvSpPr>
-            <a:spLocks noGrp="1"/>
-          </p:cNvSpPr>
-          <p:nvPr>
-            <p:ph type="title"/>
-          </p:nvPr>
-        </p:nvSpPr>
-        <p:spPr/>
-        <p:txBody>
-          <a:bodyPr/>
-          <a:lstStyle/>
-          <a:p>
-            <a:r>
-              <a:rPr lang="pt-BR" dirty="0"/>
-              <a:t>O que vamos ver?</a:t>
-            </a:r>
-          </a:p>
-        </p:txBody>
-      </p:sp>
-      <p:sp>
-        <p:nvSpPr>
-          <p:cNvPr id="3" name="Espaço Reservado para Conteúdo 2">
-            <a:extLst>
-              <a:ext uri="{FF2B5EF4-FFF2-40B4-BE49-F238E27FC236}">
-                <a16:creationId xmlns:a16="http://schemas.microsoft.com/office/drawing/2014/main" id="{25FE7774-7186-A846-D8DE-518B2CBF4EBD}"/>
-              </a:ext>
-            </a:extLst>
-          </p:cNvPr>
-          <p:cNvSpPr>
-            <a:spLocks noGrp="1"/>
-          </p:cNvSpPr>
-          <p:nvPr>
-            <p:ph idx="1"/>
-          </p:nvPr>
-        </p:nvSpPr>
-        <p:spPr>
-          <a:xfrm>
-            <a:off x="838199" y="1825624"/>
-            <a:ext cx="10929257" cy="5032376"/>
-          </a:xfrm>
-        </p:spPr>
-        <p:txBody>
-          <a:bodyPr>
-            <a:normAutofit/>
-          </a:bodyPr>
-          <a:lstStyle/>
-          <a:p>
-            <a:r>
-              <a:rPr lang="pt-BR" dirty="0"/>
-              <a:t>Anteriormente, vimos como função o processo (</a:t>
-            </a:r>
-            <a:r>
-              <a:rPr lang="pt-BR" i="1" dirty="0"/>
-              <a:t>loop</a:t>
-            </a:r>
-            <a:r>
-              <a:rPr lang="pt-BR" dirty="0"/>
-              <a:t>) de treinamento. </a:t>
-            </a:r>
-          </a:p>
-          <a:p>
-            <a:pPr marL="914400" lvl="1" indent="-457200">
-              <a:buFont typeface="+mj-lt"/>
-              <a:buAutoNum type="arabicPeriod"/>
-            </a:pPr>
-            <a:r>
-              <a:rPr lang="pt-BR" dirty="0"/>
-              <a:t>Damos um palpite</a:t>
-            </a:r>
-          </a:p>
-          <a:p>
-            <a:pPr marL="914400" lvl="1" indent="-457200">
-              <a:buFont typeface="+mj-lt"/>
-              <a:buAutoNum type="arabicPeriod"/>
-            </a:pPr>
-            <a:r>
-              <a:rPr lang="pt-BR" dirty="0"/>
-              <a:t>Medimos a precisão desse palpite com a função de erro.</a:t>
-            </a:r>
-          </a:p>
-          <a:p>
-            <a:pPr marL="914400" lvl="1" indent="-457200">
-              <a:buFont typeface="+mj-lt"/>
-              <a:buAutoNum type="arabicPeriod"/>
-            </a:pPr>
-            <a:r>
-              <a:rPr lang="pt-BR" dirty="0"/>
-              <a:t>Então usamos a informação do erro para dar outro palpite, esperando que ele seja um pouco melhor do que o anterior.</a:t>
-            </a:r>
-          </a:p>
-          <a:p>
-            <a:r>
-              <a:rPr lang="pt-BR" dirty="0"/>
-              <a:t>A ideia é que quanto menor o erro, mais preciso é o seu palpite. </a:t>
-            </a:r>
-          </a:p>
-          <a:p>
-            <a:r>
-              <a:rPr lang="pt-BR" dirty="0"/>
-              <a:t>Portanto, neste tópico, exploraremos como minimizar o erro.</a:t>
-            </a:r>
-          </a:p>
-        </p:txBody>
-      </p:sp>
-    </p:spTree>
-    <p:extLst>
-      <p:ext uri="{BB962C8B-B14F-4D97-AF65-F5344CB8AC3E}">
-        <p14:creationId xmlns:p14="http://schemas.microsoft.com/office/powerpoint/2010/main" val="529739951"/>
-      </p:ext>
-    </p:extLst>
-  </p:cSld>
-  <p:clrMapOvr>
-    <a:masterClrMapping/>
-  </p:clrMapOvr>
-</p:sld>
-</file>
-
-<file path=ppt/slides/slide20.xml><?xml version="1.0" encoding="utf-8"?>
+<file path=ppt/slides/slide21.xml><?xml version="1.0" encoding="utf-8"?>
 <p:sld xmlns:a="http://schemas.openxmlformats.org/drawingml/2006/main" xmlns:r="http://schemas.openxmlformats.org/officeDocument/2006/relationships" xmlns:p="http://schemas.openxmlformats.org/presentationml/2006/main">
   <p:cSld>
     <p:spTree>
@@ -26971,7 +29648,7 @@
 </p:sld>
 </file>
 
-<file path=ppt/slides/slide21.xml><?xml version="1.0" encoding="utf-8"?>
+<file path=ppt/slides/slide22.xml><?xml version="1.0" encoding="utf-8"?>
 <p:sld xmlns:a="http://schemas.openxmlformats.org/drawingml/2006/main" xmlns:r="http://schemas.openxmlformats.org/officeDocument/2006/relationships" xmlns:p="http://schemas.openxmlformats.org/presentationml/2006/main">
   <p:cSld>
     <p:spTree>
@@ -27016,8 +29693,8 @@
           </a:p>
         </p:txBody>
       </p:sp>
-      <mc:AlternateContent xmlns:mc="http://schemas.openxmlformats.org/markup-compatibility/2006" xmlns:a14="http://schemas.microsoft.com/office/drawing/2010/main">
-        <mc:Choice Requires="a14">
+      <mc:AlternateContent xmlns:mc="http://schemas.openxmlformats.org/markup-compatibility/2006">
+        <mc:Choice xmlns:a14="http://schemas.microsoft.com/office/drawing/2010/main" Requires="a14">
           <p:sp>
             <p:nvSpPr>
               <p:cNvPr id="3" name="Espaço Reservado para Conteúdo 2">
@@ -27042,7 +29719,7 @@
             </p:spPr>
             <p:txBody>
               <a:bodyPr>
-                <a:normAutofit fontScale="92500" lnSpcReduction="10000"/>
+                <a:normAutofit/>
               </a:bodyPr>
               <a:lstStyle/>
               <a:p>
@@ -27396,7 +30073,7 @@
               <a:p>
                 <a:r>
                   <a:rPr lang="pt-BR" dirty="0"/>
-                  <a:t>Podemos ter 3 implementações diferentes, dependendo da quantidade de amostras, </a:t>
+                  <a:t>Podemos ter 3 versões diferentes, dependendo da quantidade de amostras, </a:t>
                 </a:r>
                 <a14:m>
                   <m:oMath xmlns:m="http://schemas.openxmlformats.org/officeDocument/2006/math">
@@ -27418,6 +30095,560 @@
                   <a:buFont typeface="Wingdings" panose="05000000000000000000" pitchFamily="2" charset="2"/>
                   <a:buChar char="§"/>
                 </a:pPr>
+                <a:r>
+                  <a:rPr lang="pt-BR" b="1" i="1" dirty="0"/>
+                  <a:t>Gradiente descendente em batelada</a:t>
+                </a:r>
+                <a:r>
+                  <a:rPr lang="pt-BR" b="1" dirty="0"/>
+                  <a:t> (GDB).</a:t>
+                </a:r>
+              </a:p>
+              <a:p>
+                <a:pPr lvl="1">
+                  <a:buFont typeface="Wingdings" panose="05000000000000000000" pitchFamily="2" charset="2"/>
+                  <a:buChar char="§"/>
+                </a:pPr>
+                <a:r>
+                  <a:rPr lang="pt-BR" b="1" i="1" dirty="0"/>
+                  <a:t>Gradiente descendente estocástico </a:t>
+                </a:r>
+                <a:r>
+                  <a:rPr lang="pt-BR" b="1" dirty="0"/>
+                  <a:t>(GDE)</a:t>
+                </a:r>
+                <a:r>
+                  <a:rPr lang="pt-BR" b="1" i="1" dirty="0"/>
+                  <a:t>.</a:t>
+                </a:r>
+              </a:p>
+              <a:p>
+                <a:pPr lvl="1">
+                  <a:buFont typeface="Wingdings" panose="05000000000000000000" pitchFamily="2" charset="2"/>
+                  <a:buChar char="§"/>
+                </a:pPr>
+                <a:r>
+                  <a:rPr lang="nl-BE" b="1" i="1" dirty="0"/>
+                  <a:t>Gradiente descendente em mini-lotes</a:t>
+                </a:r>
+                <a:r>
+                  <a:rPr lang="pt-BR" b="1" i="1" dirty="0"/>
+                  <a:t> </a:t>
+                </a:r>
+                <a:r>
+                  <a:rPr lang="pt-BR" b="1" dirty="0"/>
+                  <a:t>(GDML)</a:t>
+                </a:r>
+                <a:r>
+                  <a:rPr lang="pt-BR" b="1" i="1" dirty="0"/>
+                  <a:t>.</a:t>
+                </a:r>
+                <a:endParaRPr lang="pt-BR" b="1" dirty="0"/>
+              </a:p>
+              <a:p>
+                <a:pPr lvl="1">
+                  <a:buFont typeface="Wingdings" panose="05000000000000000000" pitchFamily="2" charset="2"/>
+                  <a:buChar char="§"/>
+                </a:pPr>
+                <a:endParaRPr lang="pt-BR" dirty="0"/>
+              </a:p>
+              <a:p>
+                <a:pPr marL="0" indent="0">
+                  <a:buNone/>
+                </a:pPr>
+                <a:endParaRPr lang="pt-BR" dirty="0"/>
+              </a:p>
+              <a:p>
+                <a:pPr marL="0" indent="0">
+                  <a:buNone/>
+                </a:pPr>
+                <a:endParaRPr lang="pt-BR" dirty="0"/>
+              </a:p>
+            </p:txBody>
+          </p:sp>
+        </mc:Choice>
+        <mc:Fallback>
+          <p:sp>
+            <p:nvSpPr>
+              <p:cNvPr id="3" name="Espaço Reservado para Conteúdo 2">
+                <a:extLst>
+                  <a:ext uri="{FF2B5EF4-FFF2-40B4-BE49-F238E27FC236}">
+                    <a16:creationId xmlns:a16="http://schemas.microsoft.com/office/drawing/2014/main" id="{1CB9A1FC-3F15-B216-8074-C6DE6730400A}"/>
+                  </a:ext>
+                </a:extLst>
+              </p:cNvPr>
+              <p:cNvSpPr>
+                <a:spLocks noGrp="1" noRot="1" noChangeAspect="1" noMove="1" noResize="1" noEditPoints="1" noAdjustHandles="1" noChangeArrowheads="1" noChangeShapeType="1" noTextEdit="1"/>
+              </p:cNvSpPr>
+              <p:nvPr>
+                <p:ph idx="1"/>
+              </p:nvPr>
+            </p:nvSpPr>
+            <p:spPr>
+              <a:xfrm>
+                <a:off x="838200" y="1690688"/>
+                <a:ext cx="11212286" cy="5167311"/>
+              </a:xfrm>
+              <a:blipFill>
+                <a:blip r:embed="rId3"/>
+                <a:stretch>
+                  <a:fillRect l="-979" t="-1887"/>
+                </a:stretch>
+              </a:blipFill>
+            </p:spPr>
+            <p:txBody>
+              <a:bodyPr/>
+              <a:lstStyle/>
+              <a:p>
+                <a:r>
+                  <a:rPr lang="pt-BR">
+                    <a:noFill/>
+                  </a:rPr>
+                  <a:t> </a:t>
+                </a:r>
+              </a:p>
+            </p:txBody>
+          </p:sp>
+        </mc:Fallback>
+      </mc:AlternateContent>
+    </p:spTree>
+    <p:extLst>
+      <p:ext uri="{BB962C8B-B14F-4D97-AF65-F5344CB8AC3E}">
+        <p14:creationId xmlns:p14="http://schemas.microsoft.com/office/powerpoint/2010/main" val="985320856"/>
+      </p:ext>
+    </p:extLst>
+  </p:cSld>
+  <p:clrMapOvr>
+    <a:masterClrMapping/>
+  </p:clrMapOvr>
+</p:sld>
+</file>
+
+<file path=ppt/slides/slide23.xml><?xml version="1.0" encoding="utf-8"?>
+<p:sld xmlns:a="http://schemas.openxmlformats.org/drawingml/2006/main" xmlns:r="http://schemas.openxmlformats.org/officeDocument/2006/relationships" xmlns:p="http://schemas.openxmlformats.org/presentationml/2006/main">
+  <p:cSld>
+    <p:spTree>
+      <p:nvGrpSpPr>
+        <p:cNvPr id="1" name=""/>
+        <p:cNvGrpSpPr/>
+        <p:nvPr/>
+      </p:nvGrpSpPr>
+      <p:grpSpPr>
+        <a:xfrm>
+          <a:off x="0" y="0"/>
+          <a:ext cx="0" cy="0"/>
+          <a:chOff x="0" y="0"/>
+          <a:chExt cx="0" cy="0"/>
+        </a:xfrm>
+      </p:grpSpPr>
+      <p:sp>
+        <p:nvSpPr>
+          <p:cNvPr id="2" name="Título 1">
+            <a:extLst>
+              <a:ext uri="{FF2B5EF4-FFF2-40B4-BE49-F238E27FC236}">
+                <a16:creationId xmlns:a16="http://schemas.microsoft.com/office/drawing/2014/main" id="{74021E05-ABDD-6B49-2AC1-594A009F1D15}"/>
+              </a:ext>
+            </a:extLst>
+          </p:cNvPr>
+          <p:cNvSpPr>
+            <a:spLocks noGrp="1"/>
+          </p:cNvSpPr>
+          <p:nvPr>
+            <p:ph type="title"/>
+          </p:nvPr>
+        </p:nvSpPr>
+        <p:spPr/>
+        <p:txBody>
+          <a:bodyPr/>
+          <a:lstStyle/>
+          <a:p>
+            <a:r>
+              <a:rPr lang="pt-BR" dirty="0"/>
+              <a:t>Gradiente descendente em batelada</a:t>
+            </a:r>
+          </a:p>
+        </p:txBody>
+      </p:sp>
+      <mc:AlternateContent xmlns:mc="http://schemas.openxmlformats.org/markup-compatibility/2006">
+        <mc:Choice xmlns:a14="http://schemas.microsoft.com/office/drawing/2010/main" Requires="a14">
+          <p:sp>
+            <p:nvSpPr>
+              <p:cNvPr id="3" name="Espaço Reservado para Conteúdo 2">
+                <a:extLst>
+                  <a:ext uri="{FF2B5EF4-FFF2-40B4-BE49-F238E27FC236}">
+                    <a16:creationId xmlns:a16="http://schemas.microsoft.com/office/drawing/2014/main" id="{1CB9A1FC-3F15-B216-8074-C6DE6730400A}"/>
+                  </a:ext>
+                </a:extLst>
+              </p:cNvPr>
+              <p:cNvSpPr>
+                <a:spLocks noGrp="1"/>
+              </p:cNvSpPr>
+              <p:nvPr>
+                <p:ph idx="1"/>
+              </p:nvPr>
+            </p:nvSpPr>
+            <p:spPr>
+              <a:xfrm>
+                <a:off x="838200" y="1690688"/>
+                <a:ext cx="11107615" cy="5167311"/>
+              </a:xfrm>
+            </p:spPr>
+            <p:txBody>
+              <a:bodyPr>
+                <a:normAutofit/>
+              </a:bodyPr>
+              <a:lstStyle/>
+              <a:p>
+                <a:pPr marL="0" indent="0">
+                  <a:buNone/>
+                </a:pPr>
+                <a14:m>
+                  <m:oMathPara xmlns:m="http://schemas.openxmlformats.org/officeDocument/2006/math">
+                    <m:oMathParaPr>
+                      <m:jc m:val="centerGroup"/>
+                    </m:oMathParaPr>
+                    <m:oMath xmlns:m="http://schemas.openxmlformats.org/officeDocument/2006/math">
+                      <m:r>
+                        <a:rPr lang="pt-BR" b="1" i="1" smtClean="0">
+                          <a:latin typeface="Cambria Math" panose="02040503050406030204" pitchFamily="18" charset="0"/>
+                        </a:rPr>
+                        <m:t>𝒂</m:t>
+                      </m:r>
+                      <m:r>
+                        <a:rPr lang="pt-BR" b="1" i="1" smtClean="0">
+                          <a:latin typeface="Cambria Math" panose="02040503050406030204" pitchFamily="18" charset="0"/>
+                        </a:rPr>
+                        <m:t>=</m:t>
+                      </m:r>
+                      <m:r>
+                        <a:rPr lang="pt-BR" b="1" i="1" smtClean="0">
+                          <a:latin typeface="Cambria Math" panose="02040503050406030204" pitchFamily="18" charset="0"/>
+                        </a:rPr>
+                        <m:t>𝒂</m:t>
+                      </m:r>
+                      <m:r>
+                        <a:rPr lang="pt-BR" b="1" i="1" smtClean="0">
+                          <a:latin typeface="Cambria Math" panose="02040503050406030204" pitchFamily="18" charset="0"/>
+                        </a:rPr>
+                        <m:t>−</m:t>
+                      </m:r>
+                      <m:r>
+                        <a:rPr lang="pt-BR" i="1">
+                          <a:latin typeface="Cambria Math" panose="02040503050406030204" pitchFamily="18" charset="0"/>
+                          <a:ea typeface="Cambria Math" panose="02040503050406030204" pitchFamily="18" charset="0"/>
+                        </a:rPr>
+                        <m:t>𝛼</m:t>
+                      </m:r>
+                      <m:f>
+                        <m:fPr>
+                          <m:ctrlPr>
+                            <a:rPr lang="pt-BR" i="1">
+                              <a:latin typeface="Cambria Math" panose="02040503050406030204" pitchFamily="18" charset="0"/>
+                            </a:rPr>
+                          </m:ctrlPr>
+                        </m:fPr>
+                        <m:num>
+                          <m:r>
+                            <a:rPr lang="pt-BR" i="1">
+                              <a:latin typeface="Cambria Math" panose="02040503050406030204" pitchFamily="18" charset="0"/>
+                            </a:rPr>
+                            <m:t>𝜕</m:t>
+                          </m:r>
+                          <m:sSub>
+                            <m:sSubPr>
+                              <m:ctrlPr>
+                                <a:rPr lang="pt-BR" i="1">
+                                  <a:latin typeface="Cambria Math" panose="02040503050406030204" pitchFamily="18" charset="0"/>
+                                </a:rPr>
+                              </m:ctrlPr>
+                            </m:sSubPr>
+                            <m:e>
+                              <m:r>
+                                <a:rPr lang="pt-BR" i="1">
+                                  <a:latin typeface="Cambria Math" panose="02040503050406030204" pitchFamily="18" charset="0"/>
+                                </a:rPr>
+                                <m:t>𝐽</m:t>
+                              </m:r>
+                            </m:e>
+                            <m:sub>
+                              <m:r>
+                                <a:rPr lang="pt-BR" i="1">
+                                  <a:latin typeface="Cambria Math" panose="02040503050406030204" pitchFamily="18" charset="0"/>
+                                </a:rPr>
+                                <m:t>𝑒</m:t>
+                              </m:r>
+                            </m:sub>
+                          </m:sSub>
+                          <m:d>
+                            <m:dPr>
+                              <m:ctrlPr>
+                                <a:rPr lang="pt-BR" i="1">
+                                  <a:latin typeface="Cambria Math" panose="02040503050406030204" pitchFamily="18" charset="0"/>
+                                </a:rPr>
+                              </m:ctrlPr>
+                            </m:dPr>
+                            <m:e>
+                              <m:r>
+                                <a:rPr lang="pt-BR" b="1" i="1">
+                                  <a:latin typeface="Cambria Math" panose="02040503050406030204" pitchFamily="18" charset="0"/>
+                                </a:rPr>
+                                <m:t>𝒂</m:t>
+                              </m:r>
+                            </m:e>
+                          </m:d>
+                        </m:num>
+                        <m:den>
+                          <m:r>
+                            <a:rPr lang="pt-BR" i="1">
+                              <a:latin typeface="Cambria Math" panose="02040503050406030204" pitchFamily="18" charset="0"/>
+                            </a:rPr>
+                            <m:t>𝜕</m:t>
+                          </m:r>
+                          <m:r>
+                            <a:rPr lang="pt-BR" b="1" i="1">
+                              <a:latin typeface="Cambria Math" panose="02040503050406030204" pitchFamily="18" charset="0"/>
+                            </a:rPr>
+                            <m:t>𝒂</m:t>
+                          </m:r>
+                        </m:den>
+                      </m:f>
+                      <m:r>
+                        <a:rPr lang="pt-BR" b="1" i="1">
+                          <a:latin typeface="Cambria Math" panose="02040503050406030204" pitchFamily="18" charset="0"/>
+                        </a:rPr>
+                        <m:t>=</m:t>
+                      </m:r>
+                      <m:r>
+                        <a:rPr lang="pt-BR" b="1" i="1">
+                          <a:latin typeface="Cambria Math" panose="02040503050406030204" pitchFamily="18" charset="0"/>
+                        </a:rPr>
+                        <m:t>𝒂</m:t>
+                      </m:r>
+                      <m:r>
+                        <a:rPr lang="pt-BR" b="0" i="1" smtClean="0">
+                          <a:latin typeface="Cambria Math" panose="02040503050406030204" pitchFamily="18" charset="0"/>
+                        </a:rPr>
+                        <m:t>+</m:t>
+                      </m:r>
+                      <m:r>
+                        <a:rPr lang="pt-BR" i="1">
+                          <a:latin typeface="Cambria Math" panose="02040503050406030204" pitchFamily="18" charset="0"/>
+                          <a:ea typeface="Cambria Math" panose="02040503050406030204" pitchFamily="18" charset="0"/>
+                        </a:rPr>
+                        <m:t>𝛼</m:t>
+                      </m:r>
+                      <m:f>
+                        <m:fPr>
+                          <m:ctrlPr>
+                            <a:rPr lang="pt-BR" i="1">
+                              <a:latin typeface="Cambria Math" panose="02040503050406030204" pitchFamily="18" charset="0"/>
+                            </a:rPr>
+                          </m:ctrlPr>
+                        </m:fPr>
+                        <m:num>
+                          <m:r>
+                            <a:rPr lang="pt-BR" b="0" i="1" smtClean="0">
+                              <a:latin typeface="Cambria Math" panose="02040503050406030204" pitchFamily="18" charset="0"/>
+                            </a:rPr>
+                            <m:t>2</m:t>
+                          </m:r>
+                        </m:num>
+                        <m:den>
+                          <m:r>
+                            <a:rPr lang="pt-BR" i="1">
+                              <a:latin typeface="Cambria Math" panose="02040503050406030204" pitchFamily="18" charset="0"/>
+                            </a:rPr>
+                            <m:t>𝑁</m:t>
+                          </m:r>
+                        </m:den>
+                      </m:f>
+                      <m:nary>
+                        <m:naryPr>
+                          <m:chr m:val="∑"/>
+                          <m:ctrlPr>
+                            <a:rPr lang="pt-BR" i="1">
+                              <a:latin typeface="Cambria Math" panose="02040503050406030204" pitchFamily="18" charset="0"/>
+                            </a:rPr>
+                          </m:ctrlPr>
+                        </m:naryPr>
+                        <m:sub>
+                          <m:r>
+                            <a:rPr lang="pt-BR" i="1">
+                              <a:latin typeface="Cambria Math" panose="02040503050406030204" pitchFamily="18" charset="0"/>
+                            </a:rPr>
+                            <m:t>𝑛</m:t>
+                          </m:r>
+                          <m:r>
+                            <a:rPr lang="pt-BR" i="1">
+                              <a:latin typeface="Cambria Math" panose="02040503050406030204" pitchFamily="18" charset="0"/>
+                            </a:rPr>
+                            <m:t>=0</m:t>
+                          </m:r>
+                        </m:sub>
+                        <m:sup>
+                          <m:r>
+                            <a:rPr lang="pt-BR" b="0" i="1" smtClean="0">
+                              <a:latin typeface="Cambria Math" panose="02040503050406030204" pitchFamily="18" charset="0"/>
+                            </a:rPr>
+                            <m:t>𝑀</m:t>
+                          </m:r>
+                          <m:r>
+                            <a:rPr lang="pt-BR" i="1">
+                              <a:latin typeface="Cambria Math" panose="02040503050406030204" pitchFamily="18" charset="0"/>
+                            </a:rPr>
+                            <m:t>−1</m:t>
+                          </m:r>
+                        </m:sup>
+                        <m:e>
+                          <m:d>
+                            <m:dPr>
+                              <m:begChr m:val="["/>
+                              <m:endChr m:val="]"/>
+                              <m:ctrlPr>
+                                <a:rPr lang="pt-BR" i="1">
+                                  <a:latin typeface="Cambria Math" panose="02040503050406030204" pitchFamily="18" charset="0"/>
+                                </a:rPr>
+                              </m:ctrlPr>
+                            </m:dPr>
+                            <m:e>
+                              <m:r>
+                                <a:rPr lang="pt-BR" i="1">
+                                  <a:latin typeface="Cambria Math" panose="02040503050406030204" pitchFamily="18" charset="0"/>
+                                </a:rPr>
+                                <m:t>𝑦</m:t>
+                              </m:r>
+                              <m:d>
+                                <m:dPr>
+                                  <m:ctrlPr>
+                                    <a:rPr lang="pt-BR" i="1">
+                                      <a:latin typeface="Cambria Math" panose="02040503050406030204" pitchFamily="18" charset="0"/>
+                                    </a:rPr>
+                                  </m:ctrlPr>
+                                </m:dPr>
+                                <m:e>
+                                  <m:r>
+                                    <a:rPr lang="pt-BR" i="1">
+                                      <a:latin typeface="Cambria Math" panose="02040503050406030204" pitchFamily="18" charset="0"/>
+                                    </a:rPr>
+                                    <m:t>𝑛</m:t>
+                                  </m:r>
+                                </m:e>
+                              </m:d>
+                              <m:r>
+                                <a:rPr lang="pt-BR" i="1">
+                                  <a:latin typeface="Cambria Math" panose="02040503050406030204" pitchFamily="18" charset="0"/>
+                                </a:rPr>
+                                <m:t>−</m:t>
+                              </m:r>
+                              <m:acc>
+                                <m:accPr>
+                                  <m:chr m:val="̂"/>
+                                  <m:ctrlPr>
+                                    <a:rPr lang="pt-BR" i="1">
+                                      <a:latin typeface="Cambria Math" panose="02040503050406030204" pitchFamily="18" charset="0"/>
+                                    </a:rPr>
+                                  </m:ctrlPr>
+                                </m:accPr>
+                                <m:e>
+                                  <m:r>
+                                    <a:rPr lang="pt-BR" i="1">
+                                      <a:latin typeface="Cambria Math" panose="02040503050406030204" pitchFamily="18" charset="0"/>
+                                    </a:rPr>
+                                    <m:t>𝑦</m:t>
+                                  </m:r>
+                                </m:e>
+                              </m:acc>
+                              <m:d>
+                                <m:dPr>
+                                  <m:ctrlPr>
+                                    <a:rPr lang="pt-BR" i="1">
+                                      <a:latin typeface="Cambria Math" panose="02040503050406030204" pitchFamily="18" charset="0"/>
+                                    </a:rPr>
+                                  </m:ctrlPr>
+                                </m:dPr>
+                                <m:e>
+                                  <m:r>
+                                    <a:rPr lang="pt-BR" i="1">
+                                      <a:latin typeface="Cambria Math" panose="02040503050406030204" pitchFamily="18" charset="0"/>
+                                    </a:rPr>
+                                    <m:t>𝑛</m:t>
+                                  </m:r>
+                                </m:e>
+                              </m:d>
+                            </m:e>
+                          </m:d>
+                          <m:sSup>
+                            <m:sSupPr>
+                              <m:ctrlPr>
+                                <a:rPr lang="pt-BR" i="1">
+                                  <a:latin typeface="Cambria Math" panose="02040503050406030204" pitchFamily="18" charset="0"/>
+                                </a:rPr>
+                              </m:ctrlPr>
+                            </m:sSupPr>
+                            <m:e>
+                              <m:r>
+                                <a:rPr lang="pt-BR" b="1" i="1">
+                                  <a:latin typeface="Cambria Math" panose="02040503050406030204" pitchFamily="18" charset="0"/>
+                                </a:rPr>
+                                <m:t>𝒙</m:t>
+                              </m:r>
+                              <m:d>
+                                <m:dPr>
+                                  <m:ctrlPr>
+                                    <a:rPr lang="pt-BR" b="1" i="1">
+                                      <a:latin typeface="Cambria Math" panose="02040503050406030204" pitchFamily="18" charset="0"/>
+                                    </a:rPr>
+                                  </m:ctrlPr>
+                                </m:dPr>
+                                <m:e>
+                                  <m:r>
+                                    <a:rPr lang="pt-BR" i="1">
+                                      <a:latin typeface="Cambria Math" panose="02040503050406030204" pitchFamily="18" charset="0"/>
+                                    </a:rPr>
+                                    <m:t>𝑛</m:t>
+                                  </m:r>
+                                </m:e>
+                              </m:d>
+                            </m:e>
+                            <m:sup>
+                              <m:r>
+                                <a:rPr lang="pt-BR" i="1">
+                                  <a:latin typeface="Cambria Math" panose="02040503050406030204" pitchFamily="18" charset="0"/>
+                                </a:rPr>
+                                <m:t>𝑇</m:t>
+                              </m:r>
+                            </m:sup>
+                          </m:sSup>
+                        </m:e>
+                      </m:nary>
+                      <m:r>
+                        <a:rPr lang="pt-BR" b="0" i="0" smtClean="0">
+                          <a:latin typeface="Cambria Math" panose="02040503050406030204" pitchFamily="18" charset="0"/>
+                        </a:rPr>
+                        <m:t>.</m:t>
+                      </m:r>
+                    </m:oMath>
+                  </m:oMathPara>
+                </a14:m>
+                <a:endParaRPr lang="pt-BR" dirty="0"/>
+              </a:p>
+              <a:p>
+                <a:r>
+                  <a:rPr lang="pt-BR" b="0" dirty="0"/>
+                  <a:t>Utiliza </a:t>
+                </a:r>
+                <a:r>
+                  <a:rPr lang="pt-BR" b="1" i="1" dirty="0">
+                    <a:solidFill>
+                      <a:srgbClr val="00B050"/>
+                    </a:solidFill>
+                  </a:rPr>
+                  <a:t>todos os exemplos</a:t>
+                </a:r>
+                <a:r>
+                  <a:rPr lang="pt-BR" b="0" dirty="0"/>
+                  <a:t> do conjunto de treinamento (i.e., </a:t>
+                </a:r>
                 <a14:m>
                   <m:oMath xmlns:m="http://schemas.openxmlformats.org/officeDocument/2006/math">
                     <m:r>
@@ -27438,35 +30669,544 @@
                       </a:rPr>
                       <m:t>𝑁</m:t>
                     </m:r>
-                    <m:r>
-                      <a:rPr lang="pt-BR" b="0" i="0" smtClean="0">
-                        <a:latin typeface="Cambria Math" panose="02040503050406030204" pitchFamily="18" charset="0"/>
-                      </a:rPr>
-                      <m:t>→</m:t>
-                    </m:r>
                   </m:oMath>
                 </a14:m>
                 <a:r>
-                  <a:rPr lang="pt-BR" dirty="0"/>
-                  <a:t> </a:t>
-                </a:r>
-                <a:r>
-                  <a:rPr lang="pt-BR" b="1" dirty="0"/>
-                  <a:t>Gradiente descendente em batelada (GDB)</a:t>
+                  <a:rPr lang="pt-BR" b="0" dirty="0"/>
+                  <a:t>) para o cálculo do gradiente</a:t>
                 </a:r>
                 <a:r>
                   <a:rPr lang="pt-BR" dirty="0"/>
-                  <a:t>: é computacionalmente complexo dependendo do tamanho do modelo e do conjunto de dados, porém é a versão que obtém os melhores resultados.</a:t>
+                  <a:t>.</a:t>
                 </a:r>
-                <a:endParaRPr lang="pt-BR" b="0" i="1" dirty="0">
-                  <a:latin typeface="Cambria Math" panose="02040503050406030204" pitchFamily="18" charset="0"/>
-                </a:endParaRPr>
+              </a:p>
+              <a:p>
+                <a:r>
+                  <a:rPr lang="pt-BR" dirty="0"/>
+                  <a:t>É computacionalmente complexo dependendo do tamanho do modelo e do conjunto de dados.</a:t>
+                </a:r>
               </a:p>
               <a:p>
                 <a:pPr lvl="1">
                   <a:buFont typeface="Wingdings" panose="05000000000000000000" pitchFamily="2" charset="2"/>
                   <a:buChar char="§"/>
                 </a:pPr>
+                <a:r>
+                  <a:rPr lang="pt-BR" dirty="0"/>
+                  <a:t>Por processar todos os exemplos, pode ser lento em conjuntos muito grandes e consumir muita memória.</a:t>
+                </a:r>
+              </a:p>
+              <a:p>
+                <a:r>
+                  <a:rPr lang="pt-BR" dirty="0"/>
+                  <a:t>Entretanto, é a versão que obtém os melhores resultados.</a:t>
+                </a:r>
+              </a:p>
+              <a:p>
+                <a:pPr marL="0" indent="0">
+                  <a:buNone/>
+                </a:pPr>
+                <a:endParaRPr lang="pt-BR" dirty="0"/>
+              </a:p>
+              <a:p>
+                <a:pPr marL="0" indent="0">
+                  <a:buNone/>
+                </a:pPr>
+                <a:endParaRPr lang="pt-BR" dirty="0"/>
+              </a:p>
+              <a:p>
+                <a:pPr marL="0" indent="0">
+                  <a:buNone/>
+                </a:pPr>
+                <a:endParaRPr lang="pt-BR" dirty="0"/>
+              </a:p>
+            </p:txBody>
+          </p:sp>
+        </mc:Choice>
+        <mc:Fallback>
+          <p:sp>
+            <p:nvSpPr>
+              <p:cNvPr id="3" name="Espaço Reservado para Conteúdo 2">
+                <a:extLst>
+                  <a:ext uri="{FF2B5EF4-FFF2-40B4-BE49-F238E27FC236}">
+                    <a16:creationId xmlns:a16="http://schemas.microsoft.com/office/drawing/2014/main" id="{1CB9A1FC-3F15-B216-8074-C6DE6730400A}"/>
+                  </a:ext>
+                </a:extLst>
+              </p:cNvPr>
+              <p:cNvSpPr>
+                <a:spLocks noGrp="1" noRot="1" noChangeAspect="1" noMove="1" noResize="1" noEditPoints="1" noAdjustHandles="1" noChangeArrowheads="1" noChangeShapeType="1" noTextEdit="1"/>
+              </p:cNvSpPr>
+              <p:nvPr>
+                <p:ph idx="1"/>
+              </p:nvPr>
+            </p:nvSpPr>
+            <p:spPr>
+              <a:xfrm>
+                <a:off x="838200" y="1690688"/>
+                <a:ext cx="11107615" cy="5167311"/>
+              </a:xfrm>
+              <a:blipFill>
+                <a:blip r:embed="rId3"/>
+                <a:stretch>
+                  <a:fillRect l="-988"/>
+                </a:stretch>
+              </a:blipFill>
+            </p:spPr>
+            <p:txBody>
+              <a:bodyPr/>
+              <a:lstStyle/>
+              <a:p>
+                <a:r>
+                  <a:rPr lang="pt-BR">
+                    <a:noFill/>
+                  </a:rPr>
+                  <a:t> </a:t>
+                </a:r>
+              </a:p>
+            </p:txBody>
+          </p:sp>
+        </mc:Fallback>
+      </mc:AlternateContent>
+    </p:spTree>
+    <p:extLst>
+      <p:ext uri="{BB962C8B-B14F-4D97-AF65-F5344CB8AC3E}">
+        <p14:creationId xmlns:p14="http://schemas.microsoft.com/office/powerpoint/2010/main" val="550186541"/>
+      </p:ext>
+    </p:extLst>
+  </p:cSld>
+  <p:clrMapOvr>
+    <a:masterClrMapping/>
+  </p:clrMapOvr>
+</p:sld>
+</file>
+
+<file path=ppt/slides/slide24.xml><?xml version="1.0" encoding="utf-8"?>
+<p:sld xmlns:a="http://schemas.openxmlformats.org/drawingml/2006/main" xmlns:r="http://schemas.openxmlformats.org/officeDocument/2006/relationships" xmlns:p="http://schemas.openxmlformats.org/presentationml/2006/main">
+  <p:cSld>
+    <p:spTree>
+      <p:nvGrpSpPr>
+        <p:cNvPr id="1" name=""/>
+        <p:cNvGrpSpPr/>
+        <p:nvPr/>
+      </p:nvGrpSpPr>
+      <p:grpSpPr>
+        <a:xfrm>
+          <a:off x="0" y="0"/>
+          <a:ext cx="0" cy="0"/>
+          <a:chOff x="0" y="0"/>
+          <a:chExt cx="0" cy="0"/>
+        </a:xfrm>
+      </p:grpSpPr>
+      <p:sp>
+        <p:nvSpPr>
+          <p:cNvPr id="2" name="Título 1">
+            <a:extLst>
+              <a:ext uri="{FF2B5EF4-FFF2-40B4-BE49-F238E27FC236}">
+                <a16:creationId xmlns:a16="http://schemas.microsoft.com/office/drawing/2014/main" id="{74021E05-ABDD-6B49-2AC1-594A009F1D15}"/>
+              </a:ext>
+            </a:extLst>
+          </p:cNvPr>
+          <p:cNvSpPr>
+            <a:spLocks noGrp="1"/>
+          </p:cNvSpPr>
+          <p:nvPr>
+            <p:ph type="title"/>
+          </p:nvPr>
+        </p:nvSpPr>
+        <p:spPr/>
+        <p:txBody>
+          <a:bodyPr/>
+          <a:lstStyle/>
+          <a:p>
+            <a:r>
+              <a:rPr lang="pt-BR" dirty="0"/>
+              <a:t>Gradiente descendente estocástico</a:t>
+            </a:r>
+          </a:p>
+        </p:txBody>
+      </p:sp>
+      <mc:AlternateContent xmlns:mc="http://schemas.openxmlformats.org/markup-compatibility/2006">
+        <mc:Choice xmlns:a14="http://schemas.microsoft.com/office/drawing/2010/main" Requires="a14">
+          <p:sp>
+            <p:nvSpPr>
+              <p:cNvPr id="3" name="Espaço Reservado para Conteúdo 2">
+                <a:extLst>
+                  <a:ext uri="{FF2B5EF4-FFF2-40B4-BE49-F238E27FC236}">
+                    <a16:creationId xmlns:a16="http://schemas.microsoft.com/office/drawing/2014/main" id="{1CB9A1FC-3F15-B216-8074-C6DE6730400A}"/>
+                  </a:ext>
+                </a:extLst>
+              </p:cNvPr>
+              <p:cNvSpPr>
+                <a:spLocks noGrp="1"/>
+              </p:cNvSpPr>
+              <p:nvPr>
+                <p:ph idx="1"/>
+              </p:nvPr>
+            </p:nvSpPr>
+            <p:spPr>
+              <a:xfrm>
+                <a:off x="838200" y="1690688"/>
+                <a:ext cx="11212286" cy="5167311"/>
+              </a:xfrm>
+            </p:spPr>
+            <p:txBody>
+              <a:bodyPr>
+                <a:normAutofit/>
+              </a:bodyPr>
+              <a:lstStyle/>
+              <a:p>
+                <a:pPr marL="0" indent="0">
+                  <a:buNone/>
+                </a:pPr>
+                <a14:m>
+                  <m:oMathPara xmlns:m="http://schemas.openxmlformats.org/officeDocument/2006/math">
+                    <m:oMathParaPr>
+                      <m:jc m:val="centerGroup"/>
+                    </m:oMathParaPr>
+                    <m:oMath xmlns:m="http://schemas.openxmlformats.org/officeDocument/2006/math">
+                      <m:r>
+                        <a:rPr lang="pt-BR" b="1" i="1" smtClean="0">
+                          <a:latin typeface="Cambria Math" panose="02040503050406030204" pitchFamily="18" charset="0"/>
+                        </a:rPr>
+                        <m:t>𝒂</m:t>
+                      </m:r>
+                      <m:r>
+                        <a:rPr lang="pt-BR" b="1" i="1" smtClean="0">
+                          <a:latin typeface="Cambria Math" panose="02040503050406030204" pitchFamily="18" charset="0"/>
+                        </a:rPr>
+                        <m:t>=</m:t>
+                      </m:r>
+                      <m:r>
+                        <a:rPr lang="pt-BR" b="1" i="1" smtClean="0">
+                          <a:latin typeface="Cambria Math" panose="02040503050406030204" pitchFamily="18" charset="0"/>
+                        </a:rPr>
+                        <m:t>𝒂</m:t>
+                      </m:r>
+                      <m:r>
+                        <a:rPr lang="pt-BR" b="1" i="1" smtClean="0">
+                          <a:latin typeface="Cambria Math" panose="02040503050406030204" pitchFamily="18" charset="0"/>
+                        </a:rPr>
+                        <m:t>−</m:t>
+                      </m:r>
+                      <m:r>
+                        <a:rPr lang="pt-BR" i="1">
+                          <a:latin typeface="Cambria Math" panose="02040503050406030204" pitchFamily="18" charset="0"/>
+                          <a:ea typeface="Cambria Math" panose="02040503050406030204" pitchFamily="18" charset="0"/>
+                        </a:rPr>
+                        <m:t>𝛼</m:t>
+                      </m:r>
+                      <m:f>
+                        <m:fPr>
+                          <m:ctrlPr>
+                            <a:rPr lang="pt-BR" i="1">
+                              <a:latin typeface="Cambria Math" panose="02040503050406030204" pitchFamily="18" charset="0"/>
+                            </a:rPr>
+                          </m:ctrlPr>
+                        </m:fPr>
+                        <m:num>
+                          <m:r>
+                            <a:rPr lang="pt-BR" i="1">
+                              <a:latin typeface="Cambria Math" panose="02040503050406030204" pitchFamily="18" charset="0"/>
+                            </a:rPr>
+                            <m:t>𝜕</m:t>
+                          </m:r>
+                          <m:sSub>
+                            <m:sSubPr>
+                              <m:ctrlPr>
+                                <a:rPr lang="pt-BR" i="1">
+                                  <a:latin typeface="Cambria Math" panose="02040503050406030204" pitchFamily="18" charset="0"/>
+                                </a:rPr>
+                              </m:ctrlPr>
+                            </m:sSubPr>
+                            <m:e>
+                              <m:r>
+                                <a:rPr lang="pt-BR" i="1">
+                                  <a:latin typeface="Cambria Math" panose="02040503050406030204" pitchFamily="18" charset="0"/>
+                                </a:rPr>
+                                <m:t>𝐽</m:t>
+                              </m:r>
+                            </m:e>
+                            <m:sub>
+                              <m:r>
+                                <a:rPr lang="pt-BR" i="1">
+                                  <a:latin typeface="Cambria Math" panose="02040503050406030204" pitchFamily="18" charset="0"/>
+                                </a:rPr>
+                                <m:t>𝑒</m:t>
+                              </m:r>
+                            </m:sub>
+                          </m:sSub>
+                          <m:d>
+                            <m:dPr>
+                              <m:ctrlPr>
+                                <a:rPr lang="pt-BR" i="1">
+                                  <a:latin typeface="Cambria Math" panose="02040503050406030204" pitchFamily="18" charset="0"/>
+                                </a:rPr>
+                              </m:ctrlPr>
+                            </m:dPr>
+                            <m:e>
+                              <m:r>
+                                <a:rPr lang="pt-BR" b="1" i="1">
+                                  <a:latin typeface="Cambria Math" panose="02040503050406030204" pitchFamily="18" charset="0"/>
+                                </a:rPr>
+                                <m:t>𝒂</m:t>
+                              </m:r>
+                            </m:e>
+                          </m:d>
+                        </m:num>
+                        <m:den>
+                          <m:r>
+                            <a:rPr lang="pt-BR" i="1">
+                              <a:latin typeface="Cambria Math" panose="02040503050406030204" pitchFamily="18" charset="0"/>
+                            </a:rPr>
+                            <m:t>𝜕</m:t>
+                          </m:r>
+                          <m:r>
+                            <a:rPr lang="pt-BR" b="1" i="1">
+                              <a:latin typeface="Cambria Math" panose="02040503050406030204" pitchFamily="18" charset="0"/>
+                            </a:rPr>
+                            <m:t>𝒂</m:t>
+                          </m:r>
+                        </m:den>
+                      </m:f>
+                      <m:r>
+                        <a:rPr lang="pt-BR" b="1" i="1">
+                          <a:latin typeface="Cambria Math" panose="02040503050406030204" pitchFamily="18" charset="0"/>
+                        </a:rPr>
+                        <m:t>=</m:t>
+                      </m:r>
+                      <m:r>
+                        <a:rPr lang="pt-BR" b="1" i="1">
+                          <a:latin typeface="Cambria Math" panose="02040503050406030204" pitchFamily="18" charset="0"/>
+                        </a:rPr>
+                        <m:t>𝒂</m:t>
+                      </m:r>
+                      <m:r>
+                        <a:rPr lang="pt-BR" b="0" i="1" smtClean="0">
+                          <a:latin typeface="Cambria Math" panose="02040503050406030204" pitchFamily="18" charset="0"/>
+                        </a:rPr>
+                        <m:t>+</m:t>
+                      </m:r>
+                      <m:r>
+                        <a:rPr lang="pt-BR" i="1">
+                          <a:latin typeface="Cambria Math" panose="02040503050406030204" pitchFamily="18" charset="0"/>
+                          <a:ea typeface="Cambria Math" panose="02040503050406030204" pitchFamily="18" charset="0"/>
+                        </a:rPr>
+                        <m:t>𝛼</m:t>
+                      </m:r>
+                      <m:f>
+                        <m:fPr>
+                          <m:ctrlPr>
+                            <a:rPr lang="pt-BR" i="1">
+                              <a:latin typeface="Cambria Math" panose="02040503050406030204" pitchFamily="18" charset="0"/>
+                            </a:rPr>
+                          </m:ctrlPr>
+                        </m:fPr>
+                        <m:num>
+                          <m:r>
+                            <a:rPr lang="pt-BR" b="0" i="1" smtClean="0">
+                              <a:latin typeface="Cambria Math" panose="02040503050406030204" pitchFamily="18" charset="0"/>
+                            </a:rPr>
+                            <m:t>2</m:t>
+                          </m:r>
+                        </m:num>
+                        <m:den>
+                          <m:r>
+                            <a:rPr lang="pt-BR" i="1">
+                              <a:latin typeface="Cambria Math" panose="02040503050406030204" pitchFamily="18" charset="0"/>
+                            </a:rPr>
+                            <m:t>𝑁</m:t>
+                          </m:r>
+                        </m:den>
+                      </m:f>
+                      <m:nary>
+                        <m:naryPr>
+                          <m:chr m:val="∑"/>
+                          <m:ctrlPr>
+                            <a:rPr lang="pt-BR" i="1">
+                              <a:latin typeface="Cambria Math" panose="02040503050406030204" pitchFamily="18" charset="0"/>
+                            </a:rPr>
+                          </m:ctrlPr>
+                        </m:naryPr>
+                        <m:sub>
+                          <m:r>
+                            <a:rPr lang="pt-BR" i="1">
+                              <a:latin typeface="Cambria Math" panose="02040503050406030204" pitchFamily="18" charset="0"/>
+                            </a:rPr>
+                            <m:t>𝑛</m:t>
+                          </m:r>
+                          <m:r>
+                            <a:rPr lang="pt-BR" i="1">
+                              <a:latin typeface="Cambria Math" panose="02040503050406030204" pitchFamily="18" charset="0"/>
+                            </a:rPr>
+                            <m:t>=0</m:t>
+                          </m:r>
+                        </m:sub>
+                        <m:sup>
+                          <m:r>
+                            <a:rPr lang="pt-BR" b="0" i="1" smtClean="0">
+                              <a:latin typeface="Cambria Math" panose="02040503050406030204" pitchFamily="18" charset="0"/>
+                            </a:rPr>
+                            <m:t>𝑀</m:t>
+                          </m:r>
+                          <m:r>
+                            <a:rPr lang="pt-BR" i="1">
+                              <a:latin typeface="Cambria Math" panose="02040503050406030204" pitchFamily="18" charset="0"/>
+                            </a:rPr>
+                            <m:t>−1</m:t>
+                          </m:r>
+                        </m:sup>
+                        <m:e>
+                          <m:d>
+                            <m:dPr>
+                              <m:begChr m:val="["/>
+                              <m:endChr m:val="]"/>
+                              <m:ctrlPr>
+                                <a:rPr lang="pt-BR" i="1">
+                                  <a:latin typeface="Cambria Math" panose="02040503050406030204" pitchFamily="18" charset="0"/>
+                                </a:rPr>
+                              </m:ctrlPr>
+                            </m:dPr>
+                            <m:e>
+                              <m:r>
+                                <a:rPr lang="pt-BR" i="1">
+                                  <a:latin typeface="Cambria Math" panose="02040503050406030204" pitchFamily="18" charset="0"/>
+                                </a:rPr>
+                                <m:t>𝑦</m:t>
+                              </m:r>
+                              <m:d>
+                                <m:dPr>
+                                  <m:ctrlPr>
+                                    <a:rPr lang="pt-BR" i="1">
+                                      <a:latin typeface="Cambria Math" panose="02040503050406030204" pitchFamily="18" charset="0"/>
+                                    </a:rPr>
+                                  </m:ctrlPr>
+                                </m:dPr>
+                                <m:e>
+                                  <m:r>
+                                    <a:rPr lang="pt-BR" i="1">
+                                      <a:latin typeface="Cambria Math" panose="02040503050406030204" pitchFamily="18" charset="0"/>
+                                    </a:rPr>
+                                    <m:t>𝑛</m:t>
+                                  </m:r>
+                                </m:e>
+                              </m:d>
+                              <m:r>
+                                <a:rPr lang="pt-BR" i="1">
+                                  <a:latin typeface="Cambria Math" panose="02040503050406030204" pitchFamily="18" charset="0"/>
+                                </a:rPr>
+                                <m:t>−</m:t>
+                              </m:r>
+                              <m:acc>
+                                <m:accPr>
+                                  <m:chr m:val="̂"/>
+                                  <m:ctrlPr>
+                                    <a:rPr lang="pt-BR" i="1">
+                                      <a:latin typeface="Cambria Math" panose="02040503050406030204" pitchFamily="18" charset="0"/>
+                                    </a:rPr>
+                                  </m:ctrlPr>
+                                </m:accPr>
+                                <m:e>
+                                  <m:r>
+                                    <a:rPr lang="pt-BR" i="1">
+                                      <a:latin typeface="Cambria Math" panose="02040503050406030204" pitchFamily="18" charset="0"/>
+                                    </a:rPr>
+                                    <m:t>𝑦</m:t>
+                                  </m:r>
+                                </m:e>
+                              </m:acc>
+                              <m:d>
+                                <m:dPr>
+                                  <m:ctrlPr>
+                                    <a:rPr lang="pt-BR" i="1">
+                                      <a:latin typeface="Cambria Math" panose="02040503050406030204" pitchFamily="18" charset="0"/>
+                                    </a:rPr>
+                                  </m:ctrlPr>
+                                </m:dPr>
+                                <m:e>
+                                  <m:r>
+                                    <a:rPr lang="pt-BR" i="1">
+                                      <a:latin typeface="Cambria Math" panose="02040503050406030204" pitchFamily="18" charset="0"/>
+                                    </a:rPr>
+                                    <m:t>𝑛</m:t>
+                                  </m:r>
+                                </m:e>
+                              </m:d>
+                            </m:e>
+                          </m:d>
+                          <m:sSup>
+                            <m:sSupPr>
+                              <m:ctrlPr>
+                                <a:rPr lang="pt-BR" i="1">
+                                  <a:latin typeface="Cambria Math" panose="02040503050406030204" pitchFamily="18" charset="0"/>
+                                </a:rPr>
+                              </m:ctrlPr>
+                            </m:sSupPr>
+                            <m:e>
+                              <m:r>
+                                <a:rPr lang="pt-BR" b="1" i="1">
+                                  <a:latin typeface="Cambria Math" panose="02040503050406030204" pitchFamily="18" charset="0"/>
+                                </a:rPr>
+                                <m:t>𝒙</m:t>
+                              </m:r>
+                              <m:d>
+                                <m:dPr>
+                                  <m:ctrlPr>
+                                    <a:rPr lang="pt-BR" b="1" i="1">
+                                      <a:latin typeface="Cambria Math" panose="02040503050406030204" pitchFamily="18" charset="0"/>
+                                    </a:rPr>
+                                  </m:ctrlPr>
+                                </m:dPr>
+                                <m:e>
+                                  <m:r>
+                                    <a:rPr lang="pt-BR" i="1">
+                                      <a:latin typeface="Cambria Math" panose="02040503050406030204" pitchFamily="18" charset="0"/>
+                                    </a:rPr>
+                                    <m:t>𝑛</m:t>
+                                  </m:r>
+                                </m:e>
+                              </m:d>
+                            </m:e>
+                            <m:sup>
+                              <m:r>
+                                <a:rPr lang="pt-BR" i="1">
+                                  <a:latin typeface="Cambria Math" panose="02040503050406030204" pitchFamily="18" charset="0"/>
+                                </a:rPr>
+                                <m:t>𝑇</m:t>
+                              </m:r>
+                            </m:sup>
+                          </m:sSup>
+                        </m:e>
+                      </m:nary>
+                      <m:r>
+                        <a:rPr lang="pt-BR" b="0" i="0" smtClean="0">
+                          <a:latin typeface="Cambria Math" panose="02040503050406030204" pitchFamily="18" charset="0"/>
+                        </a:rPr>
+                        <m:t>.</m:t>
+                      </m:r>
+                    </m:oMath>
+                  </m:oMathPara>
+                </a14:m>
+                <a:endParaRPr lang="pt-BR" b="0" i="0" dirty="0">
+                  <a:latin typeface="Cambria Math" panose="02040503050406030204" pitchFamily="18" charset="0"/>
+                </a:endParaRPr>
+              </a:p>
+              <a:p>
+                <a:r>
+                  <a:rPr lang="pt-BR" dirty="0"/>
+                  <a:t>Utiliza </a:t>
+                </a:r>
+                <a:r>
+                  <a:rPr lang="pt-BR" b="1" i="1" dirty="0">
+                    <a:solidFill>
+                      <a:srgbClr val="00B050"/>
+                    </a:solidFill>
+                  </a:rPr>
+                  <a:t>apenas um exemplo</a:t>
+                </a:r>
+                <a:r>
+                  <a:rPr lang="pt-BR" dirty="0"/>
+                  <a:t> do conjunto de treinamento (i.e., </a:t>
+                </a:r>
                 <a14:m>
                   <m:oMath xmlns:m="http://schemas.openxmlformats.org/officeDocument/2006/math">
                     <m:r>
@@ -27481,40 +31221,542 @@
                       </a:rPr>
                       <m:t>=1</m:t>
                     </m:r>
-                    <m:r>
-                      <a:rPr lang="pt-BR" b="0" i="0" smtClean="0">
-                        <a:latin typeface="Cambria Math" panose="02040503050406030204" pitchFamily="18" charset="0"/>
-                      </a:rPr>
-                      <m:t> →</m:t>
-                    </m:r>
                   </m:oMath>
                 </a14:m>
                 <a:r>
                   <a:rPr lang="pt-BR" dirty="0"/>
-                  <a:t> </a:t>
+                  <a:t>) para calcular uma </a:t>
                 </a:r>
                 <a:r>
-                  <a:rPr lang="pt-BR" b="1" i="1" dirty="0"/>
-                  <a:t>Gradiente descendente estocástico (GDE)</a:t>
+                  <a:rPr lang="pt-BR" b="1" i="1" dirty="0">
+                    <a:solidFill>
+                      <a:srgbClr val="00B050"/>
+                    </a:solidFill>
+                  </a:rPr>
+                  <a:t>estimativa estocástica do gradiente</a:t>
                 </a:r>
                 <a:r>
                   <a:rPr lang="pt-BR" dirty="0"/>
-                  <a:t>: é rápido por usar uma </a:t>
+                  <a:t>.</a:t>
+                </a:r>
+              </a:p>
+              <a:p>
+                <a:r>
+                  <a:rPr lang="pt-BR" dirty="0"/>
+                  <a:t>A estimativa do gradiente pode ser ruidosa, fazendo com que a convergência não ocorra ou não seja garantida.</a:t>
+                </a:r>
+              </a:p>
+              <a:p>
+                <a:r>
+                  <a:rPr lang="pt-BR" dirty="0"/>
+                  <a:t>Entretanto, apresenta menor complexidade computacional, sendo mais rápido e requerendo menos memória do que o GDB.</a:t>
+                </a:r>
+              </a:p>
+              <a:p>
+                <a:pPr marL="0" indent="0">
+                  <a:buNone/>
+                </a:pPr>
+                <a:endParaRPr lang="pt-BR" dirty="0"/>
+              </a:p>
+              <a:p>
+                <a:pPr marL="0" indent="0">
+                  <a:buNone/>
+                </a:pPr>
+                <a:endParaRPr lang="pt-BR" dirty="0"/>
+              </a:p>
+              <a:p>
+                <a:pPr marL="0" indent="0">
+                  <a:buNone/>
+                </a:pPr>
+                <a:endParaRPr lang="pt-BR" dirty="0"/>
+              </a:p>
+            </p:txBody>
+          </p:sp>
+        </mc:Choice>
+        <mc:Fallback>
+          <p:sp>
+            <p:nvSpPr>
+              <p:cNvPr id="3" name="Espaço Reservado para Conteúdo 2">
+                <a:extLst>
+                  <a:ext uri="{FF2B5EF4-FFF2-40B4-BE49-F238E27FC236}">
+                    <a16:creationId xmlns:a16="http://schemas.microsoft.com/office/drawing/2014/main" id="{1CB9A1FC-3F15-B216-8074-C6DE6730400A}"/>
+                  </a:ext>
+                </a:extLst>
+              </p:cNvPr>
+              <p:cNvSpPr>
+                <a:spLocks noGrp="1" noRot="1" noChangeAspect="1" noMove="1" noResize="1" noEditPoints="1" noAdjustHandles="1" noChangeArrowheads="1" noChangeShapeType="1" noTextEdit="1"/>
+              </p:cNvSpPr>
+              <p:nvPr>
+                <p:ph idx="1"/>
+              </p:nvPr>
+            </p:nvSpPr>
+            <p:spPr>
+              <a:xfrm>
+                <a:off x="838200" y="1690688"/>
+                <a:ext cx="11212286" cy="5167311"/>
+              </a:xfrm>
+              <a:blipFill>
+                <a:blip r:embed="rId3"/>
+                <a:stretch>
+                  <a:fillRect l="-979" r="-598"/>
+                </a:stretch>
+              </a:blipFill>
+            </p:spPr>
+            <p:txBody>
+              <a:bodyPr/>
+              <a:lstStyle/>
+              <a:p>
+                <a:r>
+                  <a:rPr lang="pt-BR">
+                    <a:noFill/>
+                  </a:rPr>
+                  <a:t> </a:t>
+                </a:r>
+              </a:p>
+            </p:txBody>
+          </p:sp>
+        </mc:Fallback>
+      </mc:AlternateContent>
+    </p:spTree>
+    <p:extLst>
+      <p:ext uri="{BB962C8B-B14F-4D97-AF65-F5344CB8AC3E}">
+        <p14:creationId xmlns:p14="http://schemas.microsoft.com/office/powerpoint/2010/main" val="278708358"/>
+      </p:ext>
+    </p:extLst>
+  </p:cSld>
+  <p:clrMapOvr>
+    <a:masterClrMapping/>
+  </p:clrMapOvr>
+</p:sld>
+</file>
+
+<file path=ppt/slides/slide25.xml><?xml version="1.0" encoding="utf-8"?>
+<p:sld xmlns:a="http://schemas.openxmlformats.org/drawingml/2006/main" xmlns:r="http://schemas.openxmlformats.org/officeDocument/2006/relationships" xmlns:p="http://schemas.openxmlformats.org/presentationml/2006/main">
+  <p:cSld>
+    <p:spTree>
+      <p:nvGrpSpPr>
+        <p:cNvPr id="1" name=""/>
+        <p:cNvGrpSpPr/>
+        <p:nvPr/>
+      </p:nvGrpSpPr>
+      <p:grpSpPr>
+        <a:xfrm>
+          <a:off x="0" y="0"/>
+          <a:ext cx="0" cy="0"/>
+          <a:chOff x="0" y="0"/>
+          <a:chExt cx="0" cy="0"/>
+        </a:xfrm>
+      </p:grpSpPr>
+      <p:sp>
+        <p:nvSpPr>
+          <p:cNvPr id="2" name="Título 1">
+            <a:extLst>
+              <a:ext uri="{FF2B5EF4-FFF2-40B4-BE49-F238E27FC236}">
+                <a16:creationId xmlns:a16="http://schemas.microsoft.com/office/drawing/2014/main" id="{74021E05-ABDD-6B49-2AC1-594A009F1D15}"/>
+              </a:ext>
+            </a:extLst>
+          </p:cNvPr>
+          <p:cNvSpPr>
+            <a:spLocks noGrp="1"/>
+          </p:cNvSpPr>
+          <p:nvPr>
+            <p:ph type="title"/>
+          </p:nvPr>
+        </p:nvSpPr>
+        <p:spPr/>
+        <p:txBody>
+          <a:bodyPr/>
+          <a:lstStyle/>
+          <a:p>
+            <a:r>
+              <a:rPr lang="pt-BR" dirty="0"/>
+              <a:t>Gradiente descendente em mini-lotes</a:t>
+            </a:r>
+          </a:p>
+        </p:txBody>
+      </p:sp>
+      <mc:AlternateContent xmlns:mc="http://schemas.openxmlformats.org/markup-compatibility/2006">
+        <mc:Choice xmlns:a14="http://schemas.microsoft.com/office/drawing/2010/main" Requires="a14">
+          <p:sp>
+            <p:nvSpPr>
+              <p:cNvPr id="3" name="Espaço Reservado para Conteúdo 2">
+                <a:extLst>
+                  <a:ext uri="{FF2B5EF4-FFF2-40B4-BE49-F238E27FC236}">
+                    <a16:creationId xmlns:a16="http://schemas.microsoft.com/office/drawing/2014/main" id="{1CB9A1FC-3F15-B216-8074-C6DE6730400A}"/>
+                  </a:ext>
+                </a:extLst>
+              </p:cNvPr>
+              <p:cNvSpPr>
+                <a:spLocks noGrp="1"/>
+              </p:cNvSpPr>
+              <p:nvPr>
+                <p:ph idx="1"/>
+              </p:nvPr>
+            </p:nvSpPr>
+            <p:spPr>
+              <a:xfrm>
+                <a:off x="838200" y="1690688"/>
+                <a:ext cx="11212286" cy="5167311"/>
+              </a:xfrm>
+            </p:spPr>
+            <p:txBody>
+              <a:bodyPr>
+                <a:normAutofit/>
+              </a:bodyPr>
+              <a:lstStyle/>
+              <a:p>
+                <a:pPr marL="0" indent="0">
+                  <a:buNone/>
+                </a:pPr>
+                <a14:m>
+                  <m:oMathPara xmlns:m="http://schemas.openxmlformats.org/officeDocument/2006/math">
+                    <m:oMathParaPr>
+                      <m:jc m:val="centerGroup"/>
+                    </m:oMathParaPr>
+                    <m:oMath xmlns:m="http://schemas.openxmlformats.org/officeDocument/2006/math">
+                      <m:r>
+                        <a:rPr lang="pt-BR" b="1" i="1" smtClean="0">
+                          <a:latin typeface="Cambria Math" panose="02040503050406030204" pitchFamily="18" charset="0"/>
+                        </a:rPr>
+                        <m:t>𝒂</m:t>
+                      </m:r>
+                      <m:r>
+                        <a:rPr lang="pt-BR" b="1" i="1" smtClean="0">
+                          <a:latin typeface="Cambria Math" panose="02040503050406030204" pitchFamily="18" charset="0"/>
+                        </a:rPr>
+                        <m:t>=</m:t>
+                      </m:r>
+                      <m:r>
+                        <a:rPr lang="pt-BR" b="1" i="1" smtClean="0">
+                          <a:latin typeface="Cambria Math" panose="02040503050406030204" pitchFamily="18" charset="0"/>
+                        </a:rPr>
+                        <m:t>𝒂</m:t>
+                      </m:r>
+                      <m:r>
+                        <a:rPr lang="pt-BR" b="1" i="1" smtClean="0">
+                          <a:latin typeface="Cambria Math" panose="02040503050406030204" pitchFamily="18" charset="0"/>
+                        </a:rPr>
+                        <m:t>−</m:t>
+                      </m:r>
+                      <m:r>
+                        <a:rPr lang="pt-BR" i="1">
+                          <a:latin typeface="Cambria Math" panose="02040503050406030204" pitchFamily="18" charset="0"/>
+                          <a:ea typeface="Cambria Math" panose="02040503050406030204" pitchFamily="18" charset="0"/>
+                        </a:rPr>
+                        <m:t>𝛼</m:t>
+                      </m:r>
+                      <m:f>
+                        <m:fPr>
+                          <m:ctrlPr>
+                            <a:rPr lang="pt-BR" i="1">
+                              <a:latin typeface="Cambria Math" panose="02040503050406030204" pitchFamily="18" charset="0"/>
+                            </a:rPr>
+                          </m:ctrlPr>
+                        </m:fPr>
+                        <m:num>
+                          <m:r>
+                            <a:rPr lang="pt-BR" i="1">
+                              <a:latin typeface="Cambria Math" panose="02040503050406030204" pitchFamily="18" charset="0"/>
+                            </a:rPr>
+                            <m:t>𝜕</m:t>
+                          </m:r>
+                          <m:sSub>
+                            <m:sSubPr>
+                              <m:ctrlPr>
+                                <a:rPr lang="pt-BR" i="1">
+                                  <a:latin typeface="Cambria Math" panose="02040503050406030204" pitchFamily="18" charset="0"/>
+                                </a:rPr>
+                              </m:ctrlPr>
+                            </m:sSubPr>
+                            <m:e>
+                              <m:r>
+                                <a:rPr lang="pt-BR" i="1">
+                                  <a:latin typeface="Cambria Math" panose="02040503050406030204" pitchFamily="18" charset="0"/>
+                                </a:rPr>
+                                <m:t>𝐽</m:t>
+                              </m:r>
+                            </m:e>
+                            <m:sub>
+                              <m:r>
+                                <a:rPr lang="pt-BR" i="1">
+                                  <a:latin typeface="Cambria Math" panose="02040503050406030204" pitchFamily="18" charset="0"/>
+                                </a:rPr>
+                                <m:t>𝑒</m:t>
+                              </m:r>
+                            </m:sub>
+                          </m:sSub>
+                          <m:d>
+                            <m:dPr>
+                              <m:ctrlPr>
+                                <a:rPr lang="pt-BR" i="1">
+                                  <a:latin typeface="Cambria Math" panose="02040503050406030204" pitchFamily="18" charset="0"/>
+                                </a:rPr>
+                              </m:ctrlPr>
+                            </m:dPr>
+                            <m:e>
+                              <m:r>
+                                <a:rPr lang="pt-BR" b="1" i="1">
+                                  <a:latin typeface="Cambria Math" panose="02040503050406030204" pitchFamily="18" charset="0"/>
+                                </a:rPr>
+                                <m:t>𝒂</m:t>
+                              </m:r>
+                            </m:e>
+                          </m:d>
+                        </m:num>
+                        <m:den>
+                          <m:r>
+                            <a:rPr lang="pt-BR" i="1">
+                              <a:latin typeface="Cambria Math" panose="02040503050406030204" pitchFamily="18" charset="0"/>
+                            </a:rPr>
+                            <m:t>𝜕</m:t>
+                          </m:r>
+                          <m:r>
+                            <a:rPr lang="pt-BR" b="1" i="1">
+                              <a:latin typeface="Cambria Math" panose="02040503050406030204" pitchFamily="18" charset="0"/>
+                            </a:rPr>
+                            <m:t>𝒂</m:t>
+                          </m:r>
+                        </m:den>
+                      </m:f>
+                      <m:r>
+                        <a:rPr lang="pt-BR" b="1" i="1">
+                          <a:latin typeface="Cambria Math" panose="02040503050406030204" pitchFamily="18" charset="0"/>
+                        </a:rPr>
+                        <m:t>=</m:t>
+                      </m:r>
+                      <m:r>
+                        <a:rPr lang="pt-BR" b="1" i="1">
+                          <a:latin typeface="Cambria Math" panose="02040503050406030204" pitchFamily="18" charset="0"/>
+                        </a:rPr>
+                        <m:t>𝒂</m:t>
+                      </m:r>
+                      <m:r>
+                        <a:rPr lang="pt-BR" b="0" i="1" smtClean="0">
+                          <a:latin typeface="Cambria Math" panose="02040503050406030204" pitchFamily="18" charset="0"/>
+                        </a:rPr>
+                        <m:t>+</m:t>
+                      </m:r>
+                      <m:r>
+                        <a:rPr lang="pt-BR" i="1">
+                          <a:latin typeface="Cambria Math" panose="02040503050406030204" pitchFamily="18" charset="0"/>
+                          <a:ea typeface="Cambria Math" panose="02040503050406030204" pitchFamily="18" charset="0"/>
+                        </a:rPr>
+                        <m:t>𝛼</m:t>
+                      </m:r>
+                      <m:f>
+                        <m:fPr>
+                          <m:ctrlPr>
+                            <a:rPr lang="pt-BR" i="1">
+                              <a:latin typeface="Cambria Math" panose="02040503050406030204" pitchFamily="18" charset="0"/>
+                            </a:rPr>
+                          </m:ctrlPr>
+                        </m:fPr>
+                        <m:num>
+                          <m:r>
+                            <a:rPr lang="pt-BR" b="0" i="1" smtClean="0">
+                              <a:latin typeface="Cambria Math" panose="02040503050406030204" pitchFamily="18" charset="0"/>
+                            </a:rPr>
+                            <m:t>2</m:t>
+                          </m:r>
+                        </m:num>
+                        <m:den>
+                          <m:r>
+                            <a:rPr lang="pt-BR" i="1">
+                              <a:latin typeface="Cambria Math" panose="02040503050406030204" pitchFamily="18" charset="0"/>
+                            </a:rPr>
+                            <m:t>𝑁</m:t>
+                          </m:r>
+                        </m:den>
+                      </m:f>
+                      <m:nary>
+                        <m:naryPr>
+                          <m:chr m:val="∑"/>
+                          <m:ctrlPr>
+                            <a:rPr lang="pt-BR" i="1">
+                              <a:latin typeface="Cambria Math" panose="02040503050406030204" pitchFamily="18" charset="0"/>
+                            </a:rPr>
+                          </m:ctrlPr>
+                        </m:naryPr>
+                        <m:sub>
+                          <m:r>
+                            <a:rPr lang="pt-BR" i="1">
+                              <a:latin typeface="Cambria Math" panose="02040503050406030204" pitchFamily="18" charset="0"/>
+                            </a:rPr>
+                            <m:t>𝑛</m:t>
+                          </m:r>
+                          <m:r>
+                            <a:rPr lang="pt-BR" i="1">
+                              <a:latin typeface="Cambria Math" panose="02040503050406030204" pitchFamily="18" charset="0"/>
+                            </a:rPr>
+                            <m:t>=0</m:t>
+                          </m:r>
+                        </m:sub>
+                        <m:sup>
+                          <m:r>
+                            <a:rPr lang="pt-BR" b="0" i="1" smtClean="0">
+                              <a:latin typeface="Cambria Math" panose="02040503050406030204" pitchFamily="18" charset="0"/>
+                            </a:rPr>
+                            <m:t>𝑀</m:t>
+                          </m:r>
+                          <m:r>
+                            <a:rPr lang="pt-BR" i="1">
+                              <a:latin typeface="Cambria Math" panose="02040503050406030204" pitchFamily="18" charset="0"/>
+                            </a:rPr>
+                            <m:t>−1</m:t>
+                          </m:r>
+                        </m:sup>
+                        <m:e>
+                          <m:d>
+                            <m:dPr>
+                              <m:begChr m:val="["/>
+                              <m:endChr m:val="]"/>
+                              <m:ctrlPr>
+                                <a:rPr lang="pt-BR" i="1">
+                                  <a:latin typeface="Cambria Math" panose="02040503050406030204" pitchFamily="18" charset="0"/>
+                                </a:rPr>
+                              </m:ctrlPr>
+                            </m:dPr>
+                            <m:e>
+                              <m:r>
+                                <a:rPr lang="pt-BR" i="1">
+                                  <a:latin typeface="Cambria Math" panose="02040503050406030204" pitchFamily="18" charset="0"/>
+                                </a:rPr>
+                                <m:t>𝑦</m:t>
+                              </m:r>
+                              <m:d>
+                                <m:dPr>
+                                  <m:ctrlPr>
+                                    <a:rPr lang="pt-BR" i="1">
+                                      <a:latin typeface="Cambria Math" panose="02040503050406030204" pitchFamily="18" charset="0"/>
+                                    </a:rPr>
+                                  </m:ctrlPr>
+                                </m:dPr>
+                                <m:e>
+                                  <m:r>
+                                    <a:rPr lang="pt-BR" i="1">
+                                      <a:latin typeface="Cambria Math" panose="02040503050406030204" pitchFamily="18" charset="0"/>
+                                    </a:rPr>
+                                    <m:t>𝑛</m:t>
+                                  </m:r>
+                                </m:e>
+                              </m:d>
+                              <m:r>
+                                <a:rPr lang="pt-BR" i="1">
+                                  <a:latin typeface="Cambria Math" panose="02040503050406030204" pitchFamily="18" charset="0"/>
+                                </a:rPr>
+                                <m:t>−</m:t>
+                              </m:r>
+                              <m:acc>
+                                <m:accPr>
+                                  <m:chr m:val="̂"/>
+                                  <m:ctrlPr>
+                                    <a:rPr lang="pt-BR" i="1">
+                                      <a:latin typeface="Cambria Math" panose="02040503050406030204" pitchFamily="18" charset="0"/>
+                                    </a:rPr>
+                                  </m:ctrlPr>
+                                </m:accPr>
+                                <m:e>
+                                  <m:r>
+                                    <a:rPr lang="pt-BR" i="1">
+                                      <a:latin typeface="Cambria Math" panose="02040503050406030204" pitchFamily="18" charset="0"/>
+                                    </a:rPr>
+                                    <m:t>𝑦</m:t>
+                                  </m:r>
+                                </m:e>
+                              </m:acc>
+                              <m:d>
+                                <m:dPr>
+                                  <m:ctrlPr>
+                                    <a:rPr lang="pt-BR" i="1">
+                                      <a:latin typeface="Cambria Math" panose="02040503050406030204" pitchFamily="18" charset="0"/>
+                                    </a:rPr>
+                                  </m:ctrlPr>
+                                </m:dPr>
+                                <m:e>
+                                  <m:r>
+                                    <a:rPr lang="pt-BR" i="1">
+                                      <a:latin typeface="Cambria Math" panose="02040503050406030204" pitchFamily="18" charset="0"/>
+                                    </a:rPr>
+                                    <m:t>𝑛</m:t>
+                                  </m:r>
+                                </m:e>
+                              </m:d>
+                            </m:e>
+                          </m:d>
+                          <m:sSup>
+                            <m:sSupPr>
+                              <m:ctrlPr>
+                                <a:rPr lang="pt-BR" i="1">
+                                  <a:latin typeface="Cambria Math" panose="02040503050406030204" pitchFamily="18" charset="0"/>
+                                </a:rPr>
+                              </m:ctrlPr>
+                            </m:sSupPr>
+                            <m:e>
+                              <m:r>
+                                <a:rPr lang="pt-BR" b="1" i="1">
+                                  <a:latin typeface="Cambria Math" panose="02040503050406030204" pitchFamily="18" charset="0"/>
+                                </a:rPr>
+                                <m:t>𝒙</m:t>
+                              </m:r>
+                              <m:d>
+                                <m:dPr>
+                                  <m:ctrlPr>
+                                    <a:rPr lang="pt-BR" b="1" i="1">
+                                      <a:latin typeface="Cambria Math" panose="02040503050406030204" pitchFamily="18" charset="0"/>
+                                    </a:rPr>
+                                  </m:ctrlPr>
+                                </m:dPr>
+                                <m:e>
+                                  <m:r>
+                                    <a:rPr lang="pt-BR" i="1">
+                                      <a:latin typeface="Cambria Math" panose="02040503050406030204" pitchFamily="18" charset="0"/>
+                                    </a:rPr>
+                                    <m:t>𝑛</m:t>
+                                  </m:r>
+                                </m:e>
+                              </m:d>
+                            </m:e>
+                            <m:sup>
+                              <m:r>
+                                <a:rPr lang="pt-BR" i="1">
+                                  <a:latin typeface="Cambria Math" panose="02040503050406030204" pitchFamily="18" charset="0"/>
+                                </a:rPr>
+                                <m:t>𝑇</m:t>
+                              </m:r>
+                            </m:sup>
+                          </m:sSup>
+                        </m:e>
+                      </m:nary>
+                      <m:r>
+                        <a:rPr lang="pt-BR" b="0" i="0" smtClean="0">
+                          <a:latin typeface="Cambria Math" panose="02040503050406030204" pitchFamily="18" charset="0"/>
+                        </a:rPr>
+                        <m:t>.</m:t>
+                      </m:r>
+                    </m:oMath>
+                  </m:oMathPara>
+                </a14:m>
+                <a:endParaRPr lang="pt-BR" b="0" i="0" dirty="0">
+                  <a:latin typeface="Cambria Math" panose="02040503050406030204" pitchFamily="18" charset="0"/>
+                </a:endParaRPr>
+              </a:p>
+              <a:p>
+                <a:r>
+                  <a:rPr lang="pt-BR" dirty="0"/>
+                  <a:t>Utiliza um </a:t>
                 </a:r>
                 <a:r>
-                  <a:rPr lang="pt-BR" b="1" i="1" dirty="0"/>
-                  <a:t>estimativa do gradiente</a:t>
+                  <a:rPr lang="pt-BR" b="1" i="1" dirty="0">
+                    <a:solidFill>
+                      <a:srgbClr val="00B050"/>
+                    </a:solidFill>
+                  </a:rPr>
+                  <a:t>subconjunto de exemplos</a:t>
                 </a:r>
                 <a:r>
                   <a:rPr lang="pt-BR" dirty="0"/>
-                  <a:t>, a qual pode ser ruidosa, fazendo com que a convergência não exista ou não seja garantida.</a:t>
+                  <a:t> do conjunto de treinamento (</a:t>
                 </a:r>
-              </a:p>
-              <a:p>
-                <a:pPr lvl="1">
-                  <a:buFont typeface="Wingdings" panose="05000000000000000000" pitchFamily="2" charset="2"/>
-                  <a:buChar char="§"/>
-                </a:pPr>
                 <a14:m>
                   <m:oMath xmlns:m="http://schemas.openxmlformats.org/officeDocument/2006/math">
                     <m:r>
@@ -27538,25 +31780,21 @@
                       </a:rPr>
                       <m:t>MB</m:t>
                     </m:r>
-                    <m:r>
-                      <a:rPr lang="pt-BR" b="0" i="0" smtClean="0">
-                        <a:latin typeface="Cambria Math" panose="02040503050406030204" pitchFamily="18" charset="0"/>
-                      </a:rPr>
-                      <m:t>→</m:t>
-                    </m:r>
                   </m:oMath>
                 </a14:m>
                 <a:r>
-                  <a:rPr lang="nl-BE" dirty="0"/>
-                  <a:t> </a:t>
-                </a:r>
-                <a:r>
-                  <a:rPr lang="nl-BE" b="1" i="1" dirty="0"/>
-                  <a:t>Gradiente descendente em mini-lotes</a:t>
+                  <a:rPr lang="pt-BR" dirty="0"/>
+                  <a:t>) para o cálculo do gradiente</a:t>
                 </a:r>
                 <a:r>
                   <a:rPr lang="nl-BE" dirty="0"/>
-                  <a:t>: por usar um pequeno grupo de amostras, em geral, </a:t>
+                  <a:t>.</a:t>
+                </a:r>
+              </a:p>
+              <a:p>
+                <a:r>
+                  <a:rPr lang="nl-BE" dirty="0"/>
+                  <a:t>Por usar um pequeno grupo de amostras, em geral, </a:t>
                 </a:r>
                 <a14:m>
                   <m:oMath xmlns:m="http://schemas.openxmlformats.org/officeDocument/2006/math">
@@ -27594,7 +31832,13 @@
                 </a14:m>
                 <a:r>
                   <a:rPr lang="pt-BR" dirty="0"/>
-                  <a:t>, é mais rápido que o GDB e mais preciso e estável do que o GDE. É uma generalização das duas versões anteriores e a </a:t>
+                  <a:t>, é mais rápido que o GDB e mais preciso e estável do que o GDE. </a:t>
+                </a:r>
+              </a:p>
+              <a:p>
+                <a:r>
+                  <a:rPr lang="pt-BR" dirty="0"/>
+                  <a:t>É uma generalização das duas versões anteriores e a </a:t>
                 </a:r>
                 <a:r>
                   <a:rPr lang="pt-BR" b="1" i="1" dirty="0"/>
@@ -27630,7 +31874,7 @@
             </p:txBody>
           </p:sp>
         </mc:Choice>
-        <mc:Fallback xmlns="">
+        <mc:Fallback>
           <p:sp>
             <p:nvSpPr>
               <p:cNvPr id="3" name="Espaço Reservado para Conteúdo 2">
@@ -27655,7 +31899,7 @@
               <a:blipFill>
                 <a:blip r:embed="rId3"/>
                 <a:stretch>
-                  <a:fillRect l="-870" t="-2358" r="-816" b="-236"/>
+                  <a:fillRect l="-979" r="-1686"/>
                 </a:stretch>
               </a:blipFill>
             </p:spPr>
@@ -27677,7 +31921,7 @@
     </p:spTree>
     <p:extLst>
       <p:ext uri="{BB962C8B-B14F-4D97-AF65-F5344CB8AC3E}">
-        <p14:creationId xmlns:p14="http://schemas.microsoft.com/office/powerpoint/2010/main" val="985320856"/>
+        <p14:creationId xmlns:p14="http://schemas.microsoft.com/office/powerpoint/2010/main" val="2918447477"/>
       </p:ext>
     </p:extLst>
   </p:cSld>
@@ -27687,7 +31931,7 @@
 </p:sld>
 </file>
 
-<file path=ppt/slides/slide22.xml><?xml version="1.0" encoding="utf-8"?>
+<file path=ppt/slides/slide26.xml><?xml version="1.0" encoding="utf-8"?>
 <p:sld xmlns:a="http://schemas.openxmlformats.org/drawingml/2006/main" xmlns:r="http://schemas.openxmlformats.org/officeDocument/2006/relationships" xmlns:p="http://schemas.openxmlformats.org/presentationml/2006/main">
   <p:cSld>
     <p:spTree>
@@ -28107,7 +32351,7 @@
 </p:sld>
 </file>
 
-<file path=ppt/slides/slide23.xml><?xml version="1.0" encoding="utf-8"?>
+<file path=ppt/slides/slide27.xml><?xml version="1.0" encoding="utf-8"?>
 <p:sld xmlns:a="http://schemas.openxmlformats.org/drawingml/2006/main" xmlns:r="http://schemas.openxmlformats.org/officeDocument/2006/relationships" xmlns:p="http://schemas.openxmlformats.org/presentationml/2006/main">
   <p:cSld>
     <p:spTree>
@@ -28217,7 +32461,7 @@
 </p:sld>
 </file>
 
-<file path=ppt/slides/slide24.xml><?xml version="1.0" encoding="utf-8"?>
+<file path=ppt/slides/slide28.xml><?xml version="1.0" encoding="utf-8"?>
 <p:sld xmlns:a="http://schemas.openxmlformats.org/drawingml/2006/main" xmlns:r="http://schemas.openxmlformats.org/officeDocument/2006/relationships" xmlns:p="http://schemas.openxmlformats.org/presentationml/2006/main">
   <p:cSld>
     <p:spTree>
@@ -28303,7 +32547,7 @@
 </p:sld>
 </file>
 
-<file path=ppt/slides/slide25.xml><?xml version="1.0" encoding="utf-8"?>
+<file path=ppt/slides/slide29.xml><?xml version="1.0" encoding="utf-8"?>
 <p:sld xmlns:a="http://schemas.openxmlformats.org/drawingml/2006/main" xmlns:r="http://schemas.openxmlformats.org/officeDocument/2006/relationships" xmlns:p="http://schemas.openxmlformats.org/presentationml/2006/main">
   <p:cSld>
     <p:spTree>
@@ -28514,13 +32758,13 @@
           <a:p>
             <a:r>
               <a:rPr lang="pt-BR" dirty="0"/>
-              <a:t>Gradientes e derivadas</a:t>
+              <a:t>Vetores gradiente</a:t>
             </a:r>
           </a:p>
         </p:txBody>
       </p:sp>
-      <mc:AlternateContent xmlns:mc="http://schemas.openxmlformats.org/markup-compatibility/2006" xmlns:a14="http://schemas.microsoft.com/office/drawing/2010/main">
-        <mc:Choice Requires="a14">
+      <mc:AlternateContent xmlns:mc="http://schemas.openxmlformats.org/markup-compatibility/2006">
+        <mc:Choice xmlns:a14="http://schemas.microsoft.com/office/drawing/2010/main" Requires="a14">
           <p:sp>
             <p:nvSpPr>
               <p:cNvPr id="3" name="Espaço Reservado para Conteúdo 2">
@@ -28539,8 +32783,8 @@
             </p:nvSpPr>
             <p:spPr>
               <a:xfrm>
-                <a:off x="6384940" y="1825624"/>
-                <a:ext cx="5490182" cy="4924495"/>
+                <a:off x="6096001" y="1825624"/>
+                <a:ext cx="5920148" cy="5032375"/>
               </a:xfrm>
             </p:spPr>
             <p:txBody>
@@ -28549,13 +32793,31 @@
               <a:p>
                 <a:r>
                   <a:rPr lang="pt-BR" dirty="0"/>
-                  <a:t>Vamos primeiro ver como vetores gradiente e derivadas nos ajudam a minimizar o erro.</a:t>
+                  <a:t>Vamos primeiro ver com vetores gradiente nos ajudam a minimizar o erro.</a:t>
                 </a:r>
               </a:p>
               <a:p>
                 <a:r>
                   <a:rPr lang="pt-BR" dirty="0"/>
-                  <a:t>Consequentemente, entenderemos como o algoritmo de otimização/treinamento dos modelos funciona.</a:t>
+                  <a:t>Ou seja, entender como eles nos ajudam a encontrar o </a:t>
+                </a:r>
+                <a:r>
+                  <a:rPr lang="pt-BR" b="1" i="1" dirty="0">
+                    <a:solidFill>
+                      <a:srgbClr val="00B050"/>
+                    </a:solidFill>
+                  </a:rPr>
+                  <a:t>ponto de mínimo da função de erro</a:t>
+                </a:r>
+                <a:r>
+                  <a:rPr lang="pt-BR" dirty="0"/>
+                  <a:t>.</a:t>
+                </a:r>
+              </a:p>
+              <a:p>
+                <a:r>
+                  <a:rPr lang="pt-BR" dirty="0"/>
+                  <a:t>Consequentemente, entenderemos como o algoritmo de otimização (ou treinamento) dos modelos funciona.</a:t>
                 </a:r>
               </a:p>
               <a:p>
@@ -28621,7 +32883,7 @@
             </p:txBody>
           </p:sp>
         </mc:Choice>
-        <mc:Fallback xmlns="">
+        <mc:Fallback>
           <p:sp>
             <p:nvSpPr>
               <p:cNvPr id="3" name="Espaço Reservado para Conteúdo 2">
@@ -28640,13 +32902,13 @@
             </p:nvSpPr>
             <p:spPr>
               <a:xfrm>
-                <a:off x="6384940" y="1825624"/>
-                <a:ext cx="5490182" cy="4924495"/>
+                <a:off x="6096001" y="1825624"/>
+                <a:ext cx="5920148" cy="5032375"/>
               </a:xfrm>
               <a:blipFill>
                 <a:blip r:embed="rId2"/>
                 <a:stretch>
-                  <a:fillRect l="-1998" t="-1980"/>
+                  <a:fillRect l="-1854" t="-1937"/>
                 </a:stretch>
               </a:blipFill>
             </p:spPr>
@@ -29450,6 +33712,1103 @@
       </p:grpSpPr>
       <p:sp>
         <p:nvSpPr>
+          <p:cNvPr id="2" name="Título 1">
+            <a:extLst>
+              <a:ext uri="{FF2B5EF4-FFF2-40B4-BE49-F238E27FC236}">
+                <a16:creationId xmlns:a16="http://schemas.microsoft.com/office/drawing/2014/main" id="{B66D1129-3E5F-BB00-90C5-B1ADC369787A}"/>
+              </a:ext>
+            </a:extLst>
+          </p:cNvPr>
+          <p:cNvSpPr>
+            <a:spLocks noGrp="1"/>
+          </p:cNvSpPr>
+          <p:nvPr>
+            <p:ph type="title"/>
+          </p:nvPr>
+        </p:nvSpPr>
+        <p:spPr/>
+        <p:txBody>
+          <a:bodyPr/>
+          <a:lstStyle/>
+          <a:p>
+            <a:r>
+              <a:rPr lang="pt-BR" dirty="0"/>
+              <a:t>Função de erro</a:t>
+            </a:r>
+          </a:p>
+        </p:txBody>
+      </p:sp>
+      <p:sp>
+        <p:nvSpPr>
+          <p:cNvPr id="3" name="Espaço Reservado para Conteúdo 2">
+            <a:extLst>
+              <a:ext uri="{FF2B5EF4-FFF2-40B4-BE49-F238E27FC236}">
+                <a16:creationId xmlns:a16="http://schemas.microsoft.com/office/drawing/2014/main" id="{1DDC095D-537A-22C7-EBAE-27CDB323C57B}"/>
+              </a:ext>
+            </a:extLst>
+          </p:cNvPr>
+          <p:cNvSpPr>
+            <a:spLocks noGrp="1"/>
+          </p:cNvSpPr>
+          <p:nvPr>
+            <p:ph idx="1"/>
+          </p:nvPr>
+        </p:nvSpPr>
+        <p:spPr>
+          <a:xfrm>
+            <a:off x="6096001" y="1825624"/>
+            <a:ext cx="5920148" cy="5032375"/>
+          </a:xfrm>
+        </p:spPr>
+        <p:txBody>
+          <a:bodyPr/>
+          <a:lstStyle/>
+          <a:p>
+            <a:r>
+              <a:rPr lang="pt-BR" dirty="0"/>
+              <a:t>Lembrem-se que a função de erro é função dos pesos.</a:t>
+            </a:r>
+          </a:p>
+          <a:p>
+            <a:r>
+              <a:rPr lang="pt-BR" dirty="0"/>
+              <a:t>Ou seja, o erro varia se variarmos os valores dos pesos.</a:t>
+            </a:r>
+          </a:p>
+          <a:p>
+            <a:r>
+              <a:rPr lang="pt-BR" dirty="0"/>
+              <a:t>Portanto, variando os pesos, conseguimos, em alguns casos, visualizar a superfície de erro.</a:t>
+            </a:r>
+          </a:p>
+          <a:p>
+            <a:r>
+              <a:rPr lang="pt-BR" dirty="0"/>
+              <a:t>O ponto mais baixo dessa superfície nos dá os valores dos pesos que minimizam a função de erro.</a:t>
+            </a:r>
+          </a:p>
+        </p:txBody>
+      </p:sp>
+      <p:sp>
+        <p:nvSpPr>
+          <p:cNvPr id="5" name="Forma Livre: Forma 4">
+            <a:extLst>
+              <a:ext uri="{FF2B5EF4-FFF2-40B4-BE49-F238E27FC236}">
+                <a16:creationId xmlns:a16="http://schemas.microsoft.com/office/drawing/2014/main" id="{DEF42327-FE25-D06C-1BA4-1044BB88E6BA}"/>
+              </a:ext>
+            </a:extLst>
+          </p:cNvPr>
+          <p:cNvSpPr/>
+          <p:nvPr/>
+        </p:nvSpPr>
+        <p:spPr>
+          <a:xfrm>
+            <a:off x="1190625" y="2990850"/>
+            <a:ext cx="3429000" cy="1752634"/>
+          </a:xfrm>
+          <a:custGeom>
+            <a:avLst/>
+            <a:gdLst>
+              <a:gd name="connsiteX0" fmla="*/ 0 w 3429000"/>
+              <a:gd name="connsiteY0" fmla="*/ 38100 h 1752634"/>
+              <a:gd name="connsiteX1" fmla="*/ 1714500 w 3429000"/>
+              <a:gd name="connsiteY1" fmla="*/ 1752600 h 1752634"/>
+              <a:gd name="connsiteX2" fmla="*/ 3429000 w 3429000"/>
+              <a:gd name="connsiteY2" fmla="*/ 0 h 1752634"/>
+            </a:gdLst>
+            <a:ahLst/>
+            <a:cxnLst>
+              <a:cxn ang="0">
+                <a:pos x="connsiteX0" y="connsiteY0"/>
+              </a:cxn>
+              <a:cxn ang="0">
+                <a:pos x="connsiteX1" y="connsiteY1"/>
+              </a:cxn>
+              <a:cxn ang="0">
+                <a:pos x="connsiteX2" y="connsiteY2"/>
+              </a:cxn>
+            </a:cxnLst>
+            <a:rect l="l" t="t" r="r" b="b"/>
+            <a:pathLst>
+              <a:path w="3429000" h="1752634">
+                <a:moveTo>
+                  <a:pt x="0" y="38100"/>
+                </a:moveTo>
+                <a:cubicBezTo>
+                  <a:pt x="571500" y="898525"/>
+                  <a:pt x="1143000" y="1758950"/>
+                  <a:pt x="1714500" y="1752600"/>
+                </a:cubicBezTo>
+                <a:cubicBezTo>
+                  <a:pt x="2286000" y="1746250"/>
+                  <a:pt x="3119438" y="314325"/>
+                  <a:pt x="3429000" y="0"/>
+                </a:cubicBezTo>
+              </a:path>
+            </a:pathLst>
+          </a:custGeom>
+          <a:noFill/>
+        </p:spPr>
+        <p:style>
+          <a:lnRef idx="2">
+            <a:schemeClr val="accent1">
+              <a:shade val="15000"/>
+            </a:schemeClr>
+          </a:lnRef>
+          <a:fillRef idx="1">
+            <a:schemeClr val="accent1"/>
+          </a:fillRef>
+          <a:effectRef idx="0">
+            <a:schemeClr val="accent1"/>
+          </a:effectRef>
+          <a:fontRef idx="minor">
+            <a:schemeClr val="lt1"/>
+          </a:fontRef>
+        </p:style>
+        <p:txBody>
+          <a:bodyPr rtlCol="0" anchor="ctr"/>
+          <a:lstStyle/>
+          <a:p>
+            <a:pPr algn="ctr"/>
+            <a:endParaRPr lang="pt-BR"/>
+          </a:p>
+        </p:txBody>
+      </p:sp>
+      <p:grpSp>
+        <p:nvGrpSpPr>
+          <p:cNvPr id="7" name="Agrupar 6">
+            <a:extLst>
+              <a:ext uri="{FF2B5EF4-FFF2-40B4-BE49-F238E27FC236}">
+                <a16:creationId xmlns:a16="http://schemas.microsoft.com/office/drawing/2014/main" id="{67ABC768-3815-E831-0C97-E8855096661A}"/>
+              </a:ext>
+            </a:extLst>
+          </p:cNvPr>
+          <p:cNvGrpSpPr>
+            <a:grpSpLocks noChangeAspect="1"/>
+          </p:cNvGrpSpPr>
+          <p:nvPr/>
+        </p:nvGrpSpPr>
+        <p:grpSpPr>
+          <a:xfrm>
+            <a:off x="974017" y="2353696"/>
+            <a:ext cx="3962612" cy="2939417"/>
+            <a:chOff x="1323650" y="2793841"/>
+            <a:chExt cx="3325297" cy="2466665"/>
+          </a:xfrm>
+        </p:grpSpPr>
+        <p:cxnSp>
+          <p:nvCxnSpPr>
+            <p:cNvPr id="9" name="Conector de Seta Reta 8">
+              <a:extLst>
+                <a:ext uri="{FF2B5EF4-FFF2-40B4-BE49-F238E27FC236}">
+                  <a16:creationId xmlns:a16="http://schemas.microsoft.com/office/drawing/2014/main" id="{7AB11825-DED9-0755-3C01-AE4F9FE3999E}"/>
+                </a:ext>
+              </a:extLst>
+            </p:cNvPr>
+            <p:cNvCxnSpPr>
+              <a:cxnSpLocks/>
+            </p:cNvCxnSpPr>
+            <p:nvPr/>
+          </p:nvCxnSpPr>
+          <p:spPr>
+            <a:xfrm>
+              <a:off x="1323650" y="4944191"/>
+              <a:ext cx="3240000" cy="0"/>
+            </a:xfrm>
+            <a:prstGeom prst="straightConnector1">
+              <a:avLst/>
+            </a:prstGeom>
+            <a:ln w="19050">
+              <a:solidFill>
+                <a:schemeClr val="tx1"/>
+              </a:solidFill>
+              <a:tailEnd type="triangle"/>
+            </a:ln>
+          </p:spPr>
+          <p:style>
+            <a:lnRef idx="1">
+              <a:schemeClr val="accent1"/>
+            </a:lnRef>
+            <a:fillRef idx="0">
+              <a:schemeClr val="accent1"/>
+            </a:fillRef>
+            <a:effectRef idx="0">
+              <a:schemeClr val="accent1"/>
+            </a:effectRef>
+            <a:fontRef idx="minor">
+              <a:schemeClr val="tx1"/>
+            </a:fontRef>
+          </p:style>
+        </p:cxnSp>
+        <p:cxnSp>
+          <p:nvCxnSpPr>
+            <p:cNvPr id="12" name="Conector de Seta Reta 11">
+              <a:extLst>
+                <a:ext uri="{FF2B5EF4-FFF2-40B4-BE49-F238E27FC236}">
+                  <a16:creationId xmlns:a16="http://schemas.microsoft.com/office/drawing/2014/main" id="{EA05BAC9-6B44-423D-2536-0E084678E60E}"/>
+                </a:ext>
+              </a:extLst>
+            </p:cNvPr>
+            <p:cNvCxnSpPr>
+              <a:cxnSpLocks/>
+            </p:cNvCxnSpPr>
+            <p:nvPr/>
+          </p:nvCxnSpPr>
+          <p:spPr>
+            <a:xfrm flipV="1">
+              <a:off x="1323651" y="2868202"/>
+              <a:ext cx="0" cy="2075989"/>
+            </a:xfrm>
+            <a:prstGeom prst="straightConnector1">
+              <a:avLst/>
+            </a:prstGeom>
+            <a:ln w="19050">
+              <a:solidFill>
+                <a:schemeClr val="tx1"/>
+              </a:solidFill>
+              <a:tailEnd type="triangle"/>
+            </a:ln>
+          </p:spPr>
+          <p:style>
+            <a:lnRef idx="1">
+              <a:schemeClr val="accent1"/>
+            </a:lnRef>
+            <a:fillRef idx="0">
+              <a:schemeClr val="accent1"/>
+            </a:fillRef>
+            <a:effectRef idx="0">
+              <a:schemeClr val="accent1"/>
+            </a:effectRef>
+            <a:fontRef idx="minor">
+              <a:schemeClr val="tx1"/>
+            </a:fontRef>
+          </p:style>
+        </p:cxnSp>
+        <mc:AlternateContent xmlns:mc="http://schemas.openxmlformats.org/markup-compatibility/2006" xmlns:a14="http://schemas.microsoft.com/office/drawing/2010/main">
+          <mc:Choice Requires="a14">
+            <p:sp>
+              <p:nvSpPr>
+                <p:cNvPr id="14" name="CaixaDeTexto 13">
+                  <a:extLst>
+                    <a:ext uri="{FF2B5EF4-FFF2-40B4-BE49-F238E27FC236}">
+                      <a16:creationId xmlns:a16="http://schemas.microsoft.com/office/drawing/2014/main" id="{03916136-D69B-2BB8-2BFB-565DB4343C26}"/>
+                    </a:ext>
+                  </a:extLst>
+                </p:cNvPr>
+                <p:cNvSpPr txBox="1"/>
+                <p:nvPr/>
+              </p:nvSpPr>
+              <p:spPr>
+                <a:xfrm>
+                  <a:off x="1323650" y="2793841"/>
+                  <a:ext cx="1967192" cy="309932"/>
+                </a:xfrm>
+                <a:prstGeom prst="rect">
+                  <a:avLst/>
+                </a:prstGeom>
+                <a:noFill/>
+              </p:spPr>
+              <p:txBody>
+                <a:bodyPr wrap="square" rtlCol="0">
+                  <a:spAutoFit/>
+                </a:bodyPr>
+                <a:lstStyle/>
+                <a:p>
+                  <a:r>
+                    <a:rPr lang="pt-BR" dirty="0"/>
+                    <a:t>Função de erro, </a:t>
+                  </a:r>
+                  <a14:m>
+                    <m:oMath xmlns:m="http://schemas.openxmlformats.org/officeDocument/2006/math">
+                      <m:sSub>
+                        <m:sSubPr>
+                          <m:ctrlPr>
+                            <a:rPr lang="pt-BR" i="1" smtClean="0">
+                              <a:latin typeface="Cambria Math" panose="02040503050406030204" pitchFamily="18" charset="0"/>
+                            </a:rPr>
+                          </m:ctrlPr>
+                        </m:sSubPr>
+                        <m:e>
+                          <m:r>
+                            <a:rPr lang="pt-BR" b="0" i="1" smtClean="0">
+                              <a:latin typeface="Cambria Math" panose="02040503050406030204" pitchFamily="18" charset="0"/>
+                            </a:rPr>
+                            <m:t>𝐽</m:t>
+                          </m:r>
+                        </m:e>
+                        <m:sub>
+                          <m:r>
+                            <a:rPr lang="pt-BR" b="0" i="1" smtClean="0">
+                              <a:latin typeface="Cambria Math" panose="02040503050406030204" pitchFamily="18" charset="0"/>
+                            </a:rPr>
+                            <m:t>𝑒</m:t>
+                          </m:r>
+                        </m:sub>
+                      </m:sSub>
+                      <m:r>
+                        <a:rPr lang="pt-BR" b="0" i="1" smtClean="0">
+                          <a:latin typeface="Cambria Math" panose="02040503050406030204" pitchFamily="18" charset="0"/>
+                        </a:rPr>
+                        <m:t>(</m:t>
+                      </m:r>
+                      <m:r>
+                        <a:rPr lang="pt-BR" b="0" i="1" smtClean="0">
+                          <a:latin typeface="Cambria Math" panose="02040503050406030204" pitchFamily="18" charset="0"/>
+                        </a:rPr>
+                        <m:t>𝑎</m:t>
+                      </m:r>
+                      <m:r>
+                        <a:rPr lang="pt-BR" b="0" i="1" smtClean="0">
+                          <a:latin typeface="Cambria Math" panose="02040503050406030204" pitchFamily="18" charset="0"/>
+                        </a:rPr>
+                        <m:t>)</m:t>
+                      </m:r>
+                    </m:oMath>
+                  </a14:m>
+                  <a:endParaRPr lang="pt-BR" dirty="0"/>
+                </a:p>
+              </p:txBody>
+            </p:sp>
+          </mc:Choice>
+          <mc:Fallback xmlns="">
+            <p:sp>
+              <p:nvSpPr>
+                <p:cNvPr id="8" name="CaixaDeTexto 7">
+                  <a:extLst>
+                    <a:ext uri="{FF2B5EF4-FFF2-40B4-BE49-F238E27FC236}">
+                      <a16:creationId xmlns:a16="http://schemas.microsoft.com/office/drawing/2014/main" id="{A78938CD-F777-59C9-49FF-1EC87187C2BF}"/>
+                    </a:ext>
+                  </a:extLst>
+                </p:cNvPr>
+                <p:cNvSpPr txBox="1">
+                  <a:spLocks noRot="1" noChangeAspect="1" noMove="1" noResize="1" noEditPoints="1" noAdjustHandles="1" noChangeArrowheads="1" noChangeShapeType="1" noTextEdit="1"/>
+                </p:cNvSpPr>
+                <p:nvPr/>
+              </p:nvSpPr>
+              <p:spPr>
+                <a:xfrm>
+                  <a:off x="1323650" y="2793841"/>
+                  <a:ext cx="1967192" cy="309932"/>
+                </a:xfrm>
+                <a:prstGeom prst="rect">
+                  <a:avLst/>
+                </a:prstGeom>
+                <a:blipFill>
+                  <a:blip r:embed="rId3"/>
+                  <a:stretch>
+                    <a:fillRect l="-2344" t="-8197" b="-24590"/>
+                  </a:stretch>
+                </a:blipFill>
+              </p:spPr>
+              <p:txBody>
+                <a:bodyPr/>
+                <a:lstStyle/>
+                <a:p>
+                  <a:r>
+                    <a:rPr lang="pt-BR">
+                      <a:noFill/>
+                    </a:rPr>
+                    <a:t> </a:t>
+                  </a:r>
+                </a:p>
+              </p:txBody>
+            </p:sp>
+          </mc:Fallback>
+        </mc:AlternateContent>
+        <p:sp>
+          <p:nvSpPr>
+            <p:cNvPr id="15" name="CaixaDeTexto 14">
+              <a:extLst>
+                <a:ext uri="{FF2B5EF4-FFF2-40B4-BE49-F238E27FC236}">
+                  <a16:creationId xmlns:a16="http://schemas.microsoft.com/office/drawing/2014/main" id="{350198C6-074B-8C9E-4D2C-61E27F2097E6}"/>
+                </a:ext>
+              </a:extLst>
+            </p:cNvPr>
+            <p:cNvSpPr txBox="1"/>
+            <p:nvPr/>
+          </p:nvSpPr>
+          <p:spPr>
+            <a:xfrm>
+              <a:off x="4114956" y="4950574"/>
+              <a:ext cx="533991" cy="309932"/>
+            </a:xfrm>
+            <a:prstGeom prst="rect">
+              <a:avLst/>
+            </a:prstGeom>
+            <a:noFill/>
+          </p:spPr>
+          <p:txBody>
+            <a:bodyPr wrap="square" rtlCol="0">
+              <a:spAutoFit/>
+            </a:bodyPr>
+            <a:lstStyle/>
+            <a:p>
+              <a:pPr algn="r"/>
+              <a:r>
+                <a:rPr lang="pt-BR" dirty="0"/>
+                <a:t>Peso</a:t>
+              </a:r>
+            </a:p>
+          </p:txBody>
+        </p:sp>
+        <p:cxnSp>
+          <p:nvCxnSpPr>
+            <p:cNvPr id="18" name="Conector reto 17">
+              <a:extLst>
+                <a:ext uri="{FF2B5EF4-FFF2-40B4-BE49-F238E27FC236}">
+                  <a16:creationId xmlns:a16="http://schemas.microsoft.com/office/drawing/2014/main" id="{D23054B4-76D1-FDE0-C4E0-B50F8C5B9F06}"/>
+                </a:ext>
+              </a:extLst>
+            </p:cNvPr>
+            <p:cNvCxnSpPr/>
+            <p:nvPr/>
+          </p:nvCxnSpPr>
+          <p:spPr>
+            <a:xfrm>
+              <a:off x="1326057" y="4800159"/>
+              <a:ext cx="1620000" cy="0"/>
+            </a:xfrm>
+            <a:prstGeom prst="line">
+              <a:avLst/>
+            </a:prstGeom>
+            <a:ln>
+              <a:solidFill>
+                <a:srgbClr val="FF0000"/>
+              </a:solidFill>
+              <a:prstDash val="dash"/>
+            </a:ln>
+          </p:spPr>
+          <p:style>
+            <a:lnRef idx="1">
+              <a:schemeClr val="accent1"/>
+            </a:lnRef>
+            <a:fillRef idx="0">
+              <a:schemeClr val="accent1"/>
+            </a:fillRef>
+            <a:effectRef idx="0">
+              <a:schemeClr val="accent1"/>
+            </a:effectRef>
+            <a:fontRef idx="minor">
+              <a:schemeClr val="tx1"/>
+            </a:fontRef>
+          </p:style>
+        </p:cxnSp>
+        <p:sp>
+          <p:nvSpPr>
+            <p:cNvPr id="19" name="CaixaDeTexto 18">
+              <a:extLst>
+                <a:ext uri="{FF2B5EF4-FFF2-40B4-BE49-F238E27FC236}">
+                  <a16:creationId xmlns:a16="http://schemas.microsoft.com/office/drawing/2014/main" id="{36A116B3-306D-3108-C86D-792D43CB524A}"/>
+                </a:ext>
+              </a:extLst>
+            </p:cNvPr>
+            <p:cNvSpPr txBox="1"/>
+            <p:nvPr/>
+          </p:nvSpPr>
+          <p:spPr>
+            <a:xfrm>
+              <a:off x="2475227" y="4386103"/>
+              <a:ext cx="895349" cy="461665"/>
+            </a:xfrm>
+            <a:prstGeom prst="rect">
+              <a:avLst/>
+            </a:prstGeom>
+            <a:noFill/>
+          </p:spPr>
+          <p:txBody>
+            <a:bodyPr wrap="square" rtlCol="0">
+              <a:spAutoFit/>
+            </a:bodyPr>
+            <a:lstStyle/>
+            <a:p>
+              <a:pPr algn="ctr"/>
+              <a:r>
+                <a:rPr lang="pt-BR" sz="1200" dirty="0"/>
+                <a:t>Ponto de mínimo</a:t>
+              </a:r>
+            </a:p>
+          </p:txBody>
+        </p:sp>
+        <p:cxnSp>
+          <p:nvCxnSpPr>
+            <p:cNvPr id="21" name="Conector reto 20">
+              <a:extLst>
+                <a:ext uri="{FF2B5EF4-FFF2-40B4-BE49-F238E27FC236}">
+                  <a16:creationId xmlns:a16="http://schemas.microsoft.com/office/drawing/2014/main" id="{042FAB7B-7B31-CDA5-BF9F-700F09D71BB4}"/>
+                </a:ext>
+              </a:extLst>
+            </p:cNvPr>
+            <p:cNvCxnSpPr>
+              <a:cxnSpLocks/>
+            </p:cNvCxnSpPr>
+            <p:nvPr/>
+          </p:nvCxnSpPr>
+          <p:spPr>
+            <a:xfrm>
+              <a:off x="2941952" y="4793809"/>
+              <a:ext cx="0" cy="144000"/>
+            </a:xfrm>
+            <a:prstGeom prst="line">
+              <a:avLst/>
+            </a:prstGeom>
+            <a:ln>
+              <a:solidFill>
+                <a:srgbClr val="FF0000"/>
+              </a:solidFill>
+              <a:prstDash val="dash"/>
+            </a:ln>
+          </p:spPr>
+          <p:style>
+            <a:lnRef idx="1">
+              <a:schemeClr val="accent1"/>
+            </a:lnRef>
+            <a:fillRef idx="0">
+              <a:schemeClr val="accent1"/>
+            </a:fillRef>
+            <a:effectRef idx="0">
+              <a:schemeClr val="accent1"/>
+            </a:effectRef>
+            <a:fontRef idx="minor">
+              <a:schemeClr val="tx1"/>
+            </a:fontRef>
+          </p:style>
+        </p:cxnSp>
+        <p:sp>
+          <p:nvSpPr>
+            <p:cNvPr id="24" name="Elipse 23">
+              <a:extLst>
+                <a:ext uri="{FF2B5EF4-FFF2-40B4-BE49-F238E27FC236}">
+                  <a16:creationId xmlns:a16="http://schemas.microsoft.com/office/drawing/2014/main" id="{3BCE11F1-B4F2-C22B-2609-D0E654B43F80}"/>
+                </a:ext>
+              </a:extLst>
+            </p:cNvPr>
+            <p:cNvSpPr/>
+            <p:nvPr/>
+          </p:nvSpPr>
+          <p:spPr>
+            <a:xfrm>
+              <a:off x="2922902" y="4781109"/>
+              <a:ext cx="36000" cy="36000"/>
+            </a:xfrm>
+            <a:prstGeom prst="ellipse">
+              <a:avLst/>
+            </a:prstGeom>
+            <a:solidFill>
+              <a:srgbClr val="FF0000"/>
+            </a:solidFill>
+            <a:ln>
+              <a:solidFill>
+                <a:srgbClr val="FF0000"/>
+              </a:solidFill>
+            </a:ln>
+          </p:spPr>
+          <p:style>
+            <a:lnRef idx="2">
+              <a:schemeClr val="accent1">
+                <a:shade val="15000"/>
+              </a:schemeClr>
+            </a:lnRef>
+            <a:fillRef idx="1">
+              <a:schemeClr val="accent1"/>
+            </a:fillRef>
+            <a:effectRef idx="0">
+              <a:schemeClr val="accent1"/>
+            </a:effectRef>
+            <a:fontRef idx="minor">
+              <a:schemeClr val="lt1"/>
+            </a:fontRef>
+          </p:style>
+          <p:txBody>
+            <a:bodyPr rtlCol="0" anchor="ctr"/>
+            <a:lstStyle/>
+            <a:p>
+              <a:pPr algn="ctr"/>
+              <a:endParaRPr lang="pt-BR" dirty="0"/>
+            </a:p>
+          </p:txBody>
+        </p:sp>
+      </p:grpSp>
+      <mc:AlternateContent xmlns:mc="http://schemas.openxmlformats.org/markup-compatibility/2006">
+        <mc:Choice xmlns:a14="http://schemas.microsoft.com/office/drawing/2010/main" Requires="a14">
+          <p:sp>
+            <p:nvSpPr>
+              <p:cNvPr id="26" name="CaixaDeTexto 25">
+                <a:extLst>
+                  <a:ext uri="{FF2B5EF4-FFF2-40B4-BE49-F238E27FC236}">
+                    <a16:creationId xmlns:a16="http://schemas.microsoft.com/office/drawing/2014/main" id="{5E7AA64F-3A3B-2E0F-04AA-AEDD3865818F}"/>
+                  </a:ext>
+                </a:extLst>
+              </p:cNvPr>
+              <p:cNvSpPr txBox="1"/>
+              <p:nvPr/>
+            </p:nvSpPr>
+            <p:spPr>
+              <a:xfrm>
+                <a:off x="624375" y="5438348"/>
+                <a:ext cx="4979023" cy="1130822"/>
+              </a:xfrm>
+              <a:prstGeom prst="rect">
+                <a:avLst/>
+              </a:prstGeom>
+              <a:noFill/>
+            </p:spPr>
+            <p:txBody>
+              <a:bodyPr wrap="square" rtlCol="0">
+                <a:spAutoFit/>
+              </a:bodyPr>
+              <a:lstStyle/>
+              <a:p>
+                <a:pPr/>
+                <a14:m>
+                  <m:oMathPara xmlns:m="http://schemas.openxmlformats.org/officeDocument/2006/math">
+                    <m:oMathParaPr>
+                      <m:jc m:val="left"/>
+                    </m:oMathParaPr>
+                    <m:oMath xmlns:m="http://schemas.openxmlformats.org/officeDocument/2006/math">
+                      <m:sSub>
+                        <m:sSubPr>
+                          <m:ctrlPr>
+                            <a:rPr lang="pt-BR" sz="2400" i="1" smtClean="0">
+                              <a:latin typeface="Cambria Math" panose="02040503050406030204" pitchFamily="18" charset="0"/>
+                            </a:rPr>
+                          </m:ctrlPr>
+                        </m:sSubPr>
+                        <m:e>
+                          <m:r>
+                            <a:rPr lang="pt-BR" sz="2400" i="1">
+                              <a:latin typeface="Cambria Math" panose="02040503050406030204" pitchFamily="18" charset="0"/>
+                            </a:rPr>
+                            <m:t>𝐽</m:t>
+                          </m:r>
+                        </m:e>
+                        <m:sub>
+                          <m:r>
+                            <a:rPr lang="pt-BR" sz="2400" i="1">
+                              <a:latin typeface="Cambria Math" panose="02040503050406030204" pitchFamily="18" charset="0"/>
+                            </a:rPr>
+                            <m:t>𝑒</m:t>
+                          </m:r>
+                        </m:sub>
+                      </m:sSub>
+                      <m:d>
+                        <m:dPr>
+                          <m:ctrlPr>
+                            <a:rPr lang="pt-BR" sz="2400" i="1">
+                              <a:latin typeface="Cambria Math" panose="02040503050406030204" pitchFamily="18" charset="0"/>
+                            </a:rPr>
+                          </m:ctrlPr>
+                        </m:dPr>
+                        <m:e>
+                          <m:r>
+                            <a:rPr lang="pt-BR" sz="2400" i="1">
+                              <a:latin typeface="Cambria Math" panose="02040503050406030204" pitchFamily="18" charset="0"/>
+                            </a:rPr>
+                            <m:t>𝑎</m:t>
+                          </m:r>
+                        </m:e>
+                      </m:d>
+                      <m:r>
+                        <a:rPr lang="pt-BR" sz="2400" b="0" i="0" smtClean="0">
+                          <a:latin typeface="Cambria Math" panose="02040503050406030204" pitchFamily="18" charset="0"/>
+                        </a:rPr>
+                        <m:t>=</m:t>
+                      </m:r>
+                      <m:r>
+                        <m:rPr>
+                          <m:sty m:val="p"/>
+                        </m:rPr>
+                        <a:rPr lang="pt-BR" sz="2400" b="0" i="0" smtClean="0">
+                          <a:latin typeface="Cambria Math" panose="02040503050406030204" pitchFamily="18" charset="0"/>
+                        </a:rPr>
+                        <m:t>MSE</m:t>
+                      </m:r>
+                      <m:r>
+                        <a:rPr lang="pt-BR" sz="2400" b="0" i="1" smtClean="0">
+                          <a:latin typeface="Cambria Math" panose="02040503050406030204" pitchFamily="18" charset="0"/>
+                        </a:rPr>
+                        <m:t>=</m:t>
+                      </m:r>
+                      <m:f>
+                        <m:fPr>
+                          <m:ctrlPr>
+                            <a:rPr lang="pt-BR" sz="2400" b="0" i="1" smtClean="0">
+                              <a:latin typeface="Cambria Math" panose="02040503050406030204" pitchFamily="18" charset="0"/>
+                            </a:rPr>
+                          </m:ctrlPr>
+                        </m:fPr>
+                        <m:num>
+                          <m:r>
+                            <a:rPr lang="pt-BR" sz="2400" b="0" i="1" smtClean="0">
+                              <a:latin typeface="Cambria Math" panose="02040503050406030204" pitchFamily="18" charset="0"/>
+                            </a:rPr>
+                            <m:t>1</m:t>
+                          </m:r>
+                        </m:num>
+                        <m:den>
+                          <m:r>
+                            <a:rPr lang="pt-BR" sz="2400" b="0" i="1" smtClean="0">
+                              <a:latin typeface="Cambria Math" panose="02040503050406030204" pitchFamily="18" charset="0"/>
+                            </a:rPr>
+                            <m:t>𝑁</m:t>
+                          </m:r>
+                        </m:den>
+                      </m:f>
+                      <m:nary>
+                        <m:naryPr>
+                          <m:chr m:val="∑"/>
+                          <m:ctrlPr>
+                            <a:rPr lang="pt-BR" sz="2400" b="0" i="1" smtClean="0">
+                              <a:latin typeface="Cambria Math" panose="02040503050406030204" pitchFamily="18" charset="0"/>
+                            </a:rPr>
+                          </m:ctrlPr>
+                        </m:naryPr>
+                        <m:sub>
+                          <m:r>
+                            <m:rPr>
+                              <m:brk m:alnAt="23"/>
+                            </m:rPr>
+                            <a:rPr lang="pt-BR" sz="2400" b="0" i="1" smtClean="0">
+                              <a:latin typeface="Cambria Math" panose="02040503050406030204" pitchFamily="18" charset="0"/>
+                            </a:rPr>
+                            <m:t>𝑛</m:t>
+                          </m:r>
+                          <m:r>
+                            <a:rPr lang="pt-BR" sz="2400" b="0" i="1" smtClean="0">
+                              <a:latin typeface="Cambria Math" panose="02040503050406030204" pitchFamily="18" charset="0"/>
+                            </a:rPr>
+                            <m:t>=1</m:t>
+                          </m:r>
+                        </m:sub>
+                        <m:sup>
+                          <m:r>
+                            <a:rPr lang="pt-BR" sz="2400" b="0" i="1" smtClean="0">
+                              <a:latin typeface="Cambria Math" panose="02040503050406030204" pitchFamily="18" charset="0"/>
+                            </a:rPr>
+                            <m:t>𝑁</m:t>
+                          </m:r>
+                        </m:sup>
+                        <m:e>
+                          <m:sSup>
+                            <m:sSupPr>
+                              <m:ctrlPr>
+                                <a:rPr lang="pt-BR" sz="2400" b="0" i="1" smtClean="0">
+                                  <a:latin typeface="Cambria Math" panose="02040503050406030204" pitchFamily="18" charset="0"/>
+                                </a:rPr>
+                              </m:ctrlPr>
+                            </m:sSupPr>
+                            <m:e>
+                              <m:d>
+                                <m:dPr>
+                                  <m:ctrlPr>
+                                    <a:rPr lang="pt-BR" sz="2400" b="0" i="1" smtClean="0">
+                                      <a:latin typeface="Cambria Math" panose="02040503050406030204" pitchFamily="18" charset="0"/>
+                                    </a:rPr>
+                                  </m:ctrlPr>
+                                </m:dPr>
+                                <m:e>
+                                  <m:sSub>
+                                    <m:sSubPr>
+                                      <m:ctrlPr>
+                                        <a:rPr lang="pt-BR" sz="2400" i="1">
+                                          <a:latin typeface="Cambria Math" panose="02040503050406030204" pitchFamily="18" charset="0"/>
+                                        </a:rPr>
+                                      </m:ctrlPr>
+                                    </m:sSubPr>
+                                    <m:e>
+                                      <m:acc>
+                                        <m:accPr>
+                                          <m:chr m:val="̂"/>
+                                          <m:ctrlPr>
+                                            <a:rPr lang="pt-BR" sz="2400" i="1">
+                                              <a:latin typeface="Cambria Math" panose="02040503050406030204" pitchFamily="18" charset="0"/>
+                                            </a:rPr>
+                                          </m:ctrlPr>
+                                        </m:accPr>
+                                        <m:e>
+                                          <m:r>
+                                            <a:rPr lang="pt-BR" sz="2400" i="1">
+                                              <a:latin typeface="Cambria Math" panose="02040503050406030204" pitchFamily="18" charset="0"/>
+                                            </a:rPr>
+                                            <m:t>𝑦</m:t>
+                                          </m:r>
+                                        </m:e>
+                                      </m:acc>
+                                    </m:e>
+                                    <m:sub>
+                                      <m:r>
+                                        <a:rPr lang="pt-BR" sz="2400" i="1">
+                                          <a:latin typeface="Cambria Math" panose="02040503050406030204" pitchFamily="18" charset="0"/>
+                                        </a:rPr>
+                                        <m:t>𝑛</m:t>
+                                      </m:r>
+                                    </m:sub>
+                                  </m:sSub>
+                                  <m:r>
+                                    <a:rPr lang="pt-BR" sz="2400" b="0" i="1" smtClean="0">
+                                      <a:latin typeface="Cambria Math" panose="02040503050406030204" pitchFamily="18" charset="0"/>
+                                    </a:rPr>
+                                    <m:t>(</m:t>
+                                  </m:r>
+                                  <m:r>
+                                    <a:rPr lang="pt-BR" sz="2400" b="0" i="1" smtClean="0">
+                                      <a:latin typeface="Cambria Math" panose="02040503050406030204" pitchFamily="18" charset="0"/>
+                                    </a:rPr>
+                                    <m:t>𝑎</m:t>
+                                  </m:r>
+                                  <m:r>
+                                    <a:rPr lang="pt-BR" sz="2400" b="0" i="1" smtClean="0">
+                                      <a:latin typeface="Cambria Math" panose="02040503050406030204" pitchFamily="18" charset="0"/>
+                                    </a:rPr>
+                                    <m:t>)−</m:t>
+                                  </m:r>
+                                  <m:sSub>
+                                    <m:sSubPr>
+                                      <m:ctrlPr>
+                                        <a:rPr lang="pt-BR" sz="2400" i="1">
+                                          <a:latin typeface="Cambria Math" panose="02040503050406030204" pitchFamily="18" charset="0"/>
+                                        </a:rPr>
+                                      </m:ctrlPr>
+                                    </m:sSubPr>
+                                    <m:e>
+                                      <m:r>
+                                        <a:rPr lang="pt-BR" sz="2400" i="1">
+                                          <a:latin typeface="Cambria Math" panose="02040503050406030204" pitchFamily="18" charset="0"/>
+                                        </a:rPr>
+                                        <m:t>𝑦</m:t>
+                                      </m:r>
+                                    </m:e>
+                                    <m:sub>
+                                      <m:r>
+                                        <a:rPr lang="pt-BR" sz="2400" i="1">
+                                          <a:latin typeface="Cambria Math" panose="02040503050406030204" pitchFamily="18" charset="0"/>
+                                        </a:rPr>
+                                        <m:t>𝑛</m:t>
+                                      </m:r>
+                                    </m:sub>
+                                  </m:sSub>
+                                </m:e>
+                              </m:d>
+                            </m:e>
+                            <m:sup>
+                              <m:r>
+                                <a:rPr lang="pt-BR" sz="2400" b="0" i="1" smtClean="0">
+                                  <a:latin typeface="Cambria Math" panose="02040503050406030204" pitchFamily="18" charset="0"/>
+                                </a:rPr>
+                                <m:t>2</m:t>
+                              </m:r>
+                            </m:sup>
+                          </m:sSup>
+                        </m:e>
+                      </m:nary>
+                    </m:oMath>
+                  </m:oMathPara>
+                </a14:m>
+                <a:endParaRPr lang="pt-BR" sz="2400" dirty="0"/>
+              </a:p>
+            </p:txBody>
+          </p:sp>
+        </mc:Choice>
+        <mc:Fallback>
+          <p:sp>
+            <p:nvSpPr>
+              <p:cNvPr id="26" name="CaixaDeTexto 25">
+                <a:extLst>
+                  <a:ext uri="{FF2B5EF4-FFF2-40B4-BE49-F238E27FC236}">
+                    <a16:creationId xmlns:a16="http://schemas.microsoft.com/office/drawing/2014/main" id="{5E7AA64F-3A3B-2E0F-04AA-AEDD3865818F}"/>
+                  </a:ext>
+                </a:extLst>
+              </p:cNvPr>
+              <p:cNvSpPr txBox="1">
+                <a:spLocks noRot="1" noChangeAspect="1" noMove="1" noResize="1" noEditPoints="1" noAdjustHandles="1" noChangeArrowheads="1" noChangeShapeType="1" noTextEdit="1"/>
+              </p:cNvSpPr>
+              <p:nvPr/>
+            </p:nvSpPr>
+            <p:spPr>
+              <a:xfrm>
+                <a:off x="624375" y="5438348"/>
+                <a:ext cx="4979023" cy="1130822"/>
+              </a:xfrm>
+              <a:prstGeom prst="rect">
+                <a:avLst/>
+              </a:prstGeom>
+              <a:blipFill>
+                <a:blip r:embed="rId4"/>
+                <a:stretch>
+                  <a:fillRect/>
+                </a:stretch>
+              </a:blipFill>
+            </p:spPr>
+            <p:txBody>
+              <a:bodyPr/>
+              <a:lstStyle/>
+              <a:p>
+                <a:r>
+                  <a:rPr lang="pt-BR">
+                    <a:noFill/>
+                  </a:rPr>
+                  <a:t> </a:t>
+                </a:r>
+              </a:p>
+            </p:txBody>
+          </p:sp>
+        </mc:Fallback>
+      </mc:AlternateContent>
+      <mc:AlternateContent xmlns:mc="http://schemas.openxmlformats.org/markup-compatibility/2006">
+        <mc:Choice xmlns:a14="http://schemas.microsoft.com/office/drawing/2010/main" Requires="a14">
+          <p:sp>
+            <p:nvSpPr>
+              <p:cNvPr id="27" name="CaixaDeTexto 26">
+                <a:extLst>
+                  <a:ext uri="{FF2B5EF4-FFF2-40B4-BE49-F238E27FC236}">
+                    <a16:creationId xmlns:a16="http://schemas.microsoft.com/office/drawing/2014/main" id="{B6EBFD90-37A8-DED8-FEF5-28643B6939A3}"/>
+                  </a:ext>
+                </a:extLst>
+              </p:cNvPr>
+              <p:cNvSpPr txBox="1"/>
+              <p:nvPr/>
+            </p:nvSpPr>
+            <p:spPr>
+              <a:xfrm>
+                <a:off x="2679917" y="4870862"/>
+                <a:ext cx="867941" cy="307777"/>
+              </a:xfrm>
+              <a:prstGeom prst="rect">
+                <a:avLst/>
+              </a:prstGeom>
+              <a:noFill/>
+            </p:spPr>
+            <p:txBody>
+              <a:bodyPr wrap="square" rtlCol="0">
+                <a:spAutoFit/>
+              </a:bodyPr>
+              <a:lstStyle/>
+              <a:p>
+                <a:pPr algn="ctr"/>
+                <a14:m>
+                  <m:oMathPara xmlns:m="http://schemas.openxmlformats.org/officeDocument/2006/math">
+                    <m:oMathParaPr>
+                      <m:jc m:val="centerGroup"/>
+                    </m:oMathParaPr>
+                    <m:oMath xmlns:m="http://schemas.openxmlformats.org/officeDocument/2006/math">
+                      <m:sSub>
+                        <m:sSubPr>
+                          <m:ctrlPr>
+                            <a:rPr lang="pt-BR" sz="1400" i="1" smtClean="0">
+                              <a:latin typeface="Cambria Math" panose="02040503050406030204" pitchFamily="18" charset="0"/>
+                            </a:rPr>
+                          </m:ctrlPr>
+                        </m:sSubPr>
+                        <m:e>
+                          <m:r>
+                            <a:rPr lang="pt-BR" sz="1400" b="0" i="1" smtClean="0">
+                              <a:latin typeface="Cambria Math" panose="02040503050406030204" pitchFamily="18" charset="0"/>
+                            </a:rPr>
+                            <m:t>𝑎</m:t>
+                          </m:r>
+                        </m:e>
+                        <m:sub>
+                          <m:r>
+                            <a:rPr lang="pt-BR" sz="1400" b="0" i="0" smtClean="0">
+                              <a:latin typeface="Cambria Math" panose="02040503050406030204" pitchFamily="18" charset="0"/>
+                            </a:rPr>
+                            <m:t>ó</m:t>
+                          </m:r>
+                          <m:r>
+                            <m:rPr>
+                              <m:sty m:val="p"/>
+                            </m:rPr>
+                            <a:rPr lang="pt-BR" sz="1400" b="0" i="0" smtClean="0">
+                              <a:latin typeface="Cambria Math" panose="02040503050406030204" pitchFamily="18" charset="0"/>
+                            </a:rPr>
+                            <m:t>timo</m:t>
+                          </m:r>
+                        </m:sub>
+                      </m:sSub>
+                    </m:oMath>
+                  </m:oMathPara>
+                </a14:m>
+                <a:endParaRPr lang="pt-BR" sz="1400" dirty="0"/>
+              </a:p>
+            </p:txBody>
+          </p:sp>
+        </mc:Choice>
+        <mc:Fallback>
+          <p:sp>
+            <p:nvSpPr>
+              <p:cNvPr id="27" name="CaixaDeTexto 26">
+                <a:extLst>
+                  <a:ext uri="{FF2B5EF4-FFF2-40B4-BE49-F238E27FC236}">
+                    <a16:creationId xmlns:a16="http://schemas.microsoft.com/office/drawing/2014/main" id="{B6EBFD90-37A8-DED8-FEF5-28643B6939A3}"/>
+                  </a:ext>
+                </a:extLst>
+              </p:cNvPr>
+              <p:cNvSpPr txBox="1">
+                <a:spLocks noRot="1" noChangeAspect="1" noMove="1" noResize="1" noEditPoints="1" noAdjustHandles="1" noChangeArrowheads="1" noChangeShapeType="1" noTextEdit="1"/>
+              </p:cNvSpPr>
+              <p:nvPr/>
+            </p:nvSpPr>
+            <p:spPr>
+              <a:xfrm>
+                <a:off x="2679917" y="4870862"/>
+                <a:ext cx="867941" cy="307777"/>
+              </a:xfrm>
+              <a:prstGeom prst="rect">
+                <a:avLst/>
+              </a:prstGeom>
+              <a:blipFill>
+                <a:blip r:embed="rId5"/>
+                <a:stretch>
+                  <a:fillRect/>
+                </a:stretch>
+              </a:blipFill>
+            </p:spPr>
+            <p:txBody>
+              <a:bodyPr/>
+              <a:lstStyle/>
+              <a:p>
+                <a:r>
+                  <a:rPr lang="pt-BR">
+                    <a:noFill/>
+                  </a:rPr>
+                  <a:t> </a:t>
+                </a:r>
+              </a:p>
+            </p:txBody>
+          </p:sp>
+        </mc:Fallback>
+      </mc:AlternateContent>
+    </p:spTree>
+    <p:extLst>
+      <p:ext uri="{BB962C8B-B14F-4D97-AF65-F5344CB8AC3E}">
+        <p14:creationId xmlns:p14="http://schemas.microsoft.com/office/powerpoint/2010/main" val="3186962278"/>
+      </p:ext>
+    </p:extLst>
+  </p:cSld>
+  <p:clrMapOvr>
+    <a:masterClrMapping/>
+  </p:clrMapOvr>
+</p:sld>
+</file>
+
+<file path=ppt/slides/slide5.xml><?xml version="1.0" encoding="utf-8"?>
+<p:sld xmlns:a="http://schemas.openxmlformats.org/drawingml/2006/main" xmlns:r="http://schemas.openxmlformats.org/officeDocument/2006/relationships" xmlns:p="http://schemas.openxmlformats.org/presentationml/2006/main">
+  <p:cSld>
+    <p:spTree>
+      <p:nvGrpSpPr>
+        <p:cNvPr id="1" name=""/>
+        <p:cNvGrpSpPr/>
+        <p:nvPr/>
+      </p:nvGrpSpPr>
+      <p:grpSpPr>
+        <a:xfrm>
+          <a:off x="0" y="0"/>
+          <a:ext cx="0" cy="0"/>
+          <a:chOff x="0" y="0"/>
+          <a:chExt cx="0" cy="0"/>
+        </a:xfrm>
+      </p:grpSpPr>
+      <p:sp>
+        <p:nvSpPr>
           <p:cNvPr id="15" name="Forma Livre: Forma 14">
             <a:extLst>
               <a:ext uri="{FF2B5EF4-FFF2-40B4-BE49-F238E27FC236}">
@@ -29579,31 +34938,103 @@
         </p:nvSpPr>
         <p:spPr>
           <a:xfrm>
-            <a:off x="5876819" y="1825624"/>
-            <a:ext cx="6123397" cy="5032376"/>
+            <a:off x="5989041" y="1825624"/>
+            <a:ext cx="6011175" cy="5032376"/>
           </a:xfrm>
         </p:spPr>
         <p:txBody>
           <a:bodyPr>
-            <a:normAutofit/>
+            <a:normAutofit lnSpcReduction="10000"/>
           </a:bodyPr>
           <a:lstStyle/>
           <a:p>
             <a:r>
               <a:rPr lang="pt-BR" dirty="0"/>
-              <a:t>Lembrem-se que a função de erro que usamos anteriormente, a função do EQM, é quadrática.</a:t>
+              <a:t>Lembrem-se que a função de erro que usamos anteriormente, a </a:t>
+            </a:r>
+            <a:r>
+              <a:rPr lang="pt-BR" b="1" i="1" dirty="0">
+                <a:solidFill>
+                  <a:srgbClr val="00B050"/>
+                </a:solidFill>
+              </a:rPr>
+              <a:t>função do EQM, é quadrática</a:t>
+            </a:r>
+            <a:r>
+              <a:rPr lang="pt-BR" dirty="0"/>
+              <a:t>.</a:t>
             </a:r>
           </a:p>
           <a:p>
             <a:r>
               <a:rPr lang="pt-BR" dirty="0"/>
-              <a:t>E como vimos no exemplo, funções quadráticas têm a forma de parábolas convexas.</a:t>
+              <a:t>E como vimos no exemplo, funções quadráticas têm a forma de parábolas </a:t>
+            </a:r>
+            <a:r>
+              <a:rPr lang="pt-BR" b="1" i="1" dirty="0">
+                <a:solidFill>
+                  <a:srgbClr val="00B050"/>
+                </a:solidFill>
+              </a:rPr>
+              <a:t>convexas</a:t>
+            </a:r>
+            <a:r>
+              <a:rPr lang="pt-BR" dirty="0"/>
+              <a:t>.</a:t>
             </a:r>
           </a:p>
           <a:p>
             <a:r>
               <a:rPr lang="pt-BR" dirty="0"/>
-              <a:t>A convexidade é importante pois garante que a função tenha apenas um ponto de mínimo, o mínimo global.</a:t>
+              <a:t>A </a:t>
+            </a:r>
+            <a:r>
+              <a:rPr lang="pt-BR" b="1" i="1" dirty="0">
+                <a:solidFill>
+                  <a:srgbClr val="00B050"/>
+                </a:solidFill>
+              </a:rPr>
+              <a:t>convexidade</a:t>
+            </a:r>
+            <a:r>
+              <a:rPr lang="pt-BR" dirty="0"/>
+              <a:t> é </a:t>
+            </a:r>
+            <a:r>
+              <a:rPr lang="pt-BR" b="1" i="1" dirty="0">
+                <a:solidFill>
+                  <a:srgbClr val="00B050"/>
+                </a:solidFill>
+              </a:rPr>
+              <a:t>importante</a:t>
+            </a:r>
+            <a:r>
+              <a:rPr lang="pt-BR" dirty="0"/>
+              <a:t> pois </a:t>
+            </a:r>
+            <a:r>
+              <a:rPr lang="pt-BR" b="1" i="1" dirty="0">
+                <a:solidFill>
+                  <a:srgbClr val="00B050"/>
+                </a:solidFill>
+              </a:rPr>
+              <a:t>garante</a:t>
+            </a:r>
+            <a:r>
+              <a:rPr lang="pt-BR" dirty="0"/>
+              <a:t> que a </a:t>
+            </a:r>
+            <a:r>
+              <a:rPr lang="pt-BR" b="1" i="1" dirty="0">
+                <a:solidFill>
+                  <a:srgbClr val="00B050"/>
+                </a:solidFill>
+              </a:rPr>
+              <a:t>função tenha apenas um ponto de mínimo, o mínimo global</a:t>
+            </a:r>
+            <a:r>
+              <a:rPr lang="pt-BR" dirty="0"/>
+              <a:t>.</a:t>
             </a:r>
           </a:p>
           <a:p>
@@ -30530,7 +35961,7 @@
 </p:sld>
 </file>
 
-<file path=ppt/slides/slide5.xml><?xml version="1.0" encoding="utf-8"?>
+<file path=ppt/slides/slide6.xml><?xml version="1.0" encoding="utf-8"?>
 <p:sld xmlns:a="http://schemas.openxmlformats.org/drawingml/2006/main" xmlns:r="http://schemas.openxmlformats.org/officeDocument/2006/relationships" xmlns:p="http://schemas.openxmlformats.org/presentationml/2006/main">
   <p:cSld>
     <p:spTree>
@@ -31360,7 +36791,7 @@
 </p:sld>
 </file>
 
-<file path=ppt/slides/slide6.xml><?xml version="1.0" encoding="utf-8"?>
+<file path=ppt/slides/slide7.xml><?xml version="1.0" encoding="utf-8"?>
 <p:sld xmlns:a="http://schemas.openxmlformats.org/drawingml/2006/main" xmlns:r="http://schemas.openxmlformats.org/officeDocument/2006/relationships" xmlns:p="http://schemas.openxmlformats.org/presentationml/2006/main">
   <p:cSld>
     <p:spTree>
@@ -32414,7 +37845,7 @@
 </p:sld>
 </file>
 
-<file path=ppt/slides/slide7.xml><?xml version="1.0" encoding="utf-8"?>
+<file path=ppt/slides/slide8.xml><?xml version="1.0" encoding="utf-8"?>
 <p:sld xmlns:a="http://schemas.openxmlformats.org/drawingml/2006/main" xmlns:r="http://schemas.openxmlformats.org/officeDocument/2006/relationships" xmlns:p="http://schemas.openxmlformats.org/presentationml/2006/main">
   <p:cSld>
     <p:spTree>
@@ -33977,7 +39408,7 @@
 </p:sld>
 </file>
 
-<file path=ppt/slides/slide8.xml><?xml version="1.0" encoding="utf-8"?>
+<file path=ppt/slides/slide9.xml><?xml version="1.0" encoding="utf-8"?>
 <p:sld xmlns:a="http://schemas.openxmlformats.org/drawingml/2006/main" xmlns:r="http://schemas.openxmlformats.org/officeDocument/2006/relationships" xmlns:p="http://schemas.openxmlformats.org/presentationml/2006/main">
   <p:cSld>
     <p:spTree>
@@ -35167,1121 +40598,6 @@
 </p:sld>
 </file>
 
-<file path=ppt/slides/slide9.xml><?xml version="1.0" encoding="utf-8"?>
-<p:sld xmlns:a="http://schemas.openxmlformats.org/drawingml/2006/main" xmlns:r="http://schemas.openxmlformats.org/officeDocument/2006/relationships" xmlns:p="http://schemas.openxmlformats.org/presentationml/2006/main">
-  <p:cSld>
-    <p:spTree>
-      <p:nvGrpSpPr>
-        <p:cNvPr id="1" name=""/>
-        <p:cNvGrpSpPr/>
-        <p:nvPr/>
-      </p:nvGrpSpPr>
-      <p:grpSpPr>
-        <a:xfrm>
-          <a:off x="0" y="0"/>
-          <a:ext cx="0" cy="0"/>
-          <a:chOff x="0" y="0"/>
-          <a:chExt cx="0" cy="0"/>
-        </a:xfrm>
-      </p:grpSpPr>
-      <p:sp>
-        <p:nvSpPr>
-          <p:cNvPr id="2" name="Título 1">
-            <a:extLst>
-              <a:ext uri="{FF2B5EF4-FFF2-40B4-BE49-F238E27FC236}">
-                <a16:creationId xmlns:a16="http://schemas.microsoft.com/office/drawing/2014/main" id="{FDCC3C31-4EA2-B4A2-431F-BF22FBB8A7BA}"/>
-              </a:ext>
-            </a:extLst>
-          </p:cNvPr>
-          <p:cNvSpPr>
-            <a:spLocks noGrp="1"/>
-          </p:cNvSpPr>
-          <p:nvPr>
-            <p:ph type="title"/>
-          </p:nvPr>
-        </p:nvSpPr>
-        <p:spPr/>
-        <p:txBody>
-          <a:bodyPr/>
-          <a:lstStyle/>
-          <a:p>
-            <a:r>
-              <a:rPr lang="pt-BR" dirty="0"/>
-              <a:t>Vetor gradiente</a:t>
-            </a:r>
-          </a:p>
-        </p:txBody>
-      </p:sp>
-      <p:sp>
-        <p:nvSpPr>
-          <p:cNvPr id="3" name="Espaço Reservado para Conteúdo 2">
-            <a:extLst>
-              <a:ext uri="{FF2B5EF4-FFF2-40B4-BE49-F238E27FC236}">
-                <a16:creationId xmlns:a16="http://schemas.microsoft.com/office/drawing/2014/main" id="{F09EA0C7-E094-F158-6A1A-B80733321450}"/>
-              </a:ext>
-            </a:extLst>
-          </p:cNvPr>
-          <p:cNvSpPr>
-            <a:spLocks noGrp="1"/>
-          </p:cNvSpPr>
-          <p:nvPr>
-            <p:ph idx="1"/>
-          </p:nvPr>
-        </p:nvSpPr>
-        <p:spPr>
-          <a:xfrm>
-            <a:off x="6181728" y="1825624"/>
-            <a:ext cx="5818488" cy="5032376"/>
-          </a:xfrm>
-        </p:spPr>
-        <p:txBody>
-          <a:bodyPr>
-            <a:normAutofit/>
-          </a:bodyPr>
-          <a:lstStyle/>
-          <a:p>
-            <a:r>
-              <a:rPr lang="pt-BR" dirty="0"/>
-              <a:t>O gradiente </a:t>
-            </a:r>
-            <a:r>
-              <a:rPr lang="pt-BR" b="1" i="1" dirty="0"/>
-              <a:t>não dá informações da distância até o ponto de mínimo</a:t>
-            </a:r>
-            <a:r>
-              <a:rPr lang="pt-BR" dirty="0"/>
-              <a:t>, mas pelo menos sabemos a direção correta.</a:t>
-            </a:r>
-          </a:p>
-          <a:p>
-            <a:r>
-              <a:rPr lang="pt-BR" dirty="0"/>
-              <a:t>Podemos fazer a analogia com uma bola em uma ladeira.</a:t>
-            </a:r>
-          </a:p>
-          <a:p>
-            <a:r>
-              <a:rPr lang="pt-BR" dirty="0"/>
-              <a:t>A gravidade dá a direção até a parte mais baixa da ladeira, mas não sabemos a distância até lá. </a:t>
-            </a:r>
-          </a:p>
-          <a:p>
-            <a:endParaRPr lang="pt-BR" dirty="0"/>
-          </a:p>
-        </p:txBody>
-      </p:sp>
-      <p:grpSp>
-        <p:nvGrpSpPr>
-          <p:cNvPr id="25" name="Agrupar 24">
-            <a:extLst>
-              <a:ext uri="{FF2B5EF4-FFF2-40B4-BE49-F238E27FC236}">
-                <a16:creationId xmlns:a16="http://schemas.microsoft.com/office/drawing/2014/main" id="{CAABD4E6-0271-FDD3-1BDC-9F25BB67666F}"/>
-              </a:ext>
-            </a:extLst>
-          </p:cNvPr>
-          <p:cNvGrpSpPr/>
-          <p:nvPr/>
-        </p:nvGrpSpPr>
-        <p:grpSpPr>
-          <a:xfrm>
-            <a:off x="973059" y="2353695"/>
-            <a:ext cx="3963570" cy="2939416"/>
-            <a:chOff x="973059" y="2353695"/>
-            <a:chExt cx="3963570" cy="2939416"/>
-          </a:xfrm>
-        </p:grpSpPr>
-        <p:sp>
-          <p:nvSpPr>
-            <p:cNvPr id="24" name="Forma Livre: Forma 23">
-              <a:extLst>
-                <a:ext uri="{FF2B5EF4-FFF2-40B4-BE49-F238E27FC236}">
-                  <a16:creationId xmlns:a16="http://schemas.microsoft.com/office/drawing/2014/main" id="{1AF02A9C-5A9B-AE81-9724-6E5E5F5C9AD5}"/>
-                </a:ext>
-              </a:extLst>
-            </p:cNvPr>
-            <p:cNvSpPr/>
-            <p:nvPr/>
-          </p:nvSpPr>
-          <p:spPr>
-            <a:xfrm>
-              <a:off x="1190625" y="2990850"/>
-              <a:ext cx="3429000" cy="1752634"/>
-            </a:xfrm>
-            <a:custGeom>
-              <a:avLst/>
-              <a:gdLst>
-                <a:gd name="connsiteX0" fmla="*/ 0 w 3429000"/>
-                <a:gd name="connsiteY0" fmla="*/ 38100 h 1752634"/>
-                <a:gd name="connsiteX1" fmla="*/ 1714500 w 3429000"/>
-                <a:gd name="connsiteY1" fmla="*/ 1752600 h 1752634"/>
-                <a:gd name="connsiteX2" fmla="*/ 3429000 w 3429000"/>
-                <a:gd name="connsiteY2" fmla="*/ 0 h 1752634"/>
-              </a:gdLst>
-              <a:ahLst/>
-              <a:cxnLst>
-                <a:cxn ang="0">
-                  <a:pos x="connsiteX0" y="connsiteY0"/>
-                </a:cxn>
-                <a:cxn ang="0">
-                  <a:pos x="connsiteX1" y="connsiteY1"/>
-                </a:cxn>
-                <a:cxn ang="0">
-                  <a:pos x="connsiteX2" y="connsiteY2"/>
-                </a:cxn>
-              </a:cxnLst>
-              <a:rect l="l" t="t" r="r" b="b"/>
-              <a:pathLst>
-                <a:path w="3429000" h="1752634">
-                  <a:moveTo>
-                    <a:pt x="0" y="38100"/>
-                  </a:moveTo>
-                  <a:cubicBezTo>
-                    <a:pt x="571500" y="898525"/>
-                    <a:pt x="1143000" y="1758950"/>
-                    <a:pt x="1714500" y="1752600"/>
-                  </a:cubicBezTo>
-                  <a:cubicBezTo>
-                    <a:pt x="2286000" y="1746250"/>
-                    <a:pt x="3119438" y="314325"/>
-                    <a:pt x="3429000" y="0"/>
-                  </a:cubicBezTo>
-                </a:path>
-              </a:pathLst>
-            </a:custGeom>
-            <a:noFill/>
-          </p:spPr>
-          <p:style>
-            <a:lnRef idx="2">
-              <a:schemeClr val="accent1">
-                <a:shade val="15000"/>
-              </a:schemeClr>
-            </a:lnRef>
-            <a:fillRef idx="1">
-              <a:schemeClr val="accent1"/>
-            </a:fillRef>
-            <a:effectRef idx="0">
-              <a:schemeClr val="accent1"/>
-            </a:effectRef>
-            <a:fontRef idx="minor">
-              <a:schemeClr val="lt1"/>
-            </a:fontRef>
-          </p:style>
-          <p:txBody>
-            <a:bodyPr rtlCol="0" anchor="ctr"/>
-            <a:lstStyle/>
-            <a:p>
-              <a:pPr algn="ctr"/>
-              <a:endParaRPr lang="pt-BR"/>
-            </a:p>
-          </p:txBody>
-        </p:sp>
-        <p:cxnSp>
-          <p:nvCxnSpPr>
-            <p:cNvPr id="6" name="Conector de Seta Reta 5">
-              <a:extLst>
-                <a:ext uri="{FF2B5EF4-FFF2-40B4-BE49-F238E27FC236}">
-                  <a16:creationId xmlns:a16="http://schemas.microsoft.com/office/drawing/2014/main" id="{CECA8A08-ECD5-CF26-4CEC-3C8F2A7EB943}"/>
-                </a:ext>
-              </a:extLst>
-            </p:cNvPr>
-            <p:cNvCxnSpPr>
-              <a:cxnSpLocks/>
-            </p:cNvCxnSpPr>
-            <p:nvPr/>
-          </p:nvCxnSpPr>
-          <p:spPr>
-            <a:xfrm>
-              <a:off x="974017" y="4916172"/>
-              <a:ext cx="3860967" cy="0"/>
-            </a:xfrm>
-            <a:prstGeom prst="straightConnector1">
-              <a:avLst/>
-            </a:prstGeom>
-            <a:ln w="19050">
-              <a:solidFill>
-                <a:schemeClr val="tx1"/>
-              </a:solidFill>
-              <a:tailEnd type="triangle"/>
-            </a:ln>
-          </p:spPr>
-          <p:style>
-            <a:lnRef idx="1">
-              <a:schemeClr val="accent1"/>
-            </a:lnRef>
-            <a:fillRef idx="0">
-              <a:schemeClr val="accent1"/>
-            </a:fillRef>
-            <a:effectRef idx="0">
-              <a:schemeClr val="accent1"/>
-            </a:effectRef>
-            <a:fontRef idx="minor">
-              <a:schemeClr val="tx1"/>
-            </a:fontRef>
-          </p:style>
-        </p:cxnSp>
-        <p:cxnSp>
-          <p:nvCxnSpPr>
-            <p:cNvPr id="7" name="Conector de Seta Reta 6">
-              <a:extLst>
-                <a:ext uri="{FF2B5EF4-FFF2-40B4-BE49-F238E27FC236}">
-                  <a16:creationId xmlns:a16="http://schemas.microsoft.com/office/drawing/2014/main" id="{EBE189DA-FC3E-6F77-83E6-389C755E01A6}"/>
-                </a:ext>
-              </a:extLst>
-            </p:cNvPr>
-            <p:cNvCxnSpPr>
-              <a:cxnSpLocks/>
-            </p:cNvCxnSpPr>
-            <p:nvPr/>
-          </p:nvCxnSpPr>
-          <p:spPr>
-            <a:xfrm flipV="1">
-              <a:off x="974018" y="2442308"/>
-              <a:ext cx="0" cy="2473865"/>
-            </a:xfrm>
-            <a:prstGeom prst="straightConnector1">
-              <a:avLst/>
-            </a:prstGeom>
-            <a:ln w="19050">
-              <a:solidFill>
-                <a:schemeClr val="tx1"/>
-              </a:solidFill>
-              <a:tailEnd type="triangle"/>
-            </a:ln>
-          </p:spPr>
-          <p:style>
-            <a:lnRef idx="1">
-              <a:schemeClr val="accent1"/>
-            </a:lnRef>
-            <a:fillRef idx="0">
-              <a:schemeClr val="accent1"/>
-            </a:fillRef>
-            <a:effectRef idx="0">
-              <a:schemeClr val="accent1"/>
-            </a:effectRef>
-            <a:fontRef idx="minor">
-              <a:schemeClr val="tx1"/>
-            </a:fontRef>
-          </p:style>
-        </p:cxnSp>
-        <mc:AlternateContent xmlns:mc="http://schemas.openxmlformats.org/markup-compatibility/2006" xmlns:a14="http://schemas.microsoft.com/office/drawing/2010/main">
-          <mc:Choice Requires="a14">
-            <p:sp>
-              <p:nvSpPr>
-                <p:cNvPr id="8" name="CaixaDeTexto 7">
-                  <a:extLst>
-                    <a:ext uri="{FF2B5EF4-FFF2-40B4-BE49-F238E27FC236}">
-                      <a16:creationId xmlns:a16="http://schemas.microsoft.com/office/drawing/2014/main" id="{A78938CD-F777-59C9-49FF-1EC87187C2BF}"/>
-                    </a:ext>
-                  </a:extLst>
-                </p:cNvPr>
-                <p:cNvSpPr txBox="1"/>
-                <p:nvPr/>
-              </p:nvSpPr>
-              <p:spPr>
-                <a:xfrm>
-                  <a:off x="974017" y="2353695"/>
-                  <a:ext cx="2565636" cy="369332"/>
-                </a:xfrm>
-                <a:prstGeom prst="rect">
-                  <a:avLst/>
-                </a:prstGeom>
-                <a:noFill/>
-              </p:spPr>
-              <p:txBody>
-                <a:bodyPr wrap="square" rtlCol="0">
-                  <a:spAutoFit/>
-                </a:bodyPr>
-                <a:lstStyle/>
-                <a:p>
-                  <a:r>
-                    <a:rPr lang="pt-BR" dirty="0"/>
-                    <a:t>Função de erro, </a:t>
-                  </a:r>
-                  <a14:m>
-                    <m:oMath xmlns:m="http://schemas.openxmlformats.org/officeDocument/2006/math">
-                      <m:sSub>
-                        <m:sSubPr>
-                          <m:ctrlPr>
-                            <a:rPr lang="pt-BR" i="1" smtClean="0">
-                              <a:latin typeface="Cambria Math" panose="02040503050406030204" pitchFamily="18" charset="0"/>
-                            </a:rPr>
-                          </m:ctrlPr>
-                        </m:sSubPr>
-                        <m:e>
-                          <m:r>
-                            <a:rPr lang="pt-BR" b="0" i="1" smtClean="0">
-                              <a:latin typeface="Cambria Math" panose="02040503050406030204" pitchFamily="18" charset="0"/>
-                            </a:rPr>
-                            <m:t>𝐽</m:t>
-                          </m:r>
-                        </m:e>
-                        <m:sub>
-                          <m:r>
-                            <a:rPr lang="pt-BR" b="0" i="1" smtClean="0">
-                              <a:latin typeface="Cambria Math" panose="02040503050406030204" pitchFamily="18" charset="0"/>
-                            </a:rPr>
-                            <m:t>𝑒</m:t>
-                          </m:r>
-                        </m:sub>
-                      </m:sSub>
-                      <m:r>
-                        <a:rPr lang="pt-BR" b="0" i="1" smtClean="0">
-                          <a:latin typeface="Cambria Math" panose="02040503050406030204" pitchFamily="18" charset="0"/>
-                        </a:rPr>
-                        <m:t>(</m:t>
-                      </m:r>
-                      <m:r>
-                        <a:rPr lang="pt-BR" b="0" i="1" smtClean="0">
-                          <a:latin typeface="Cambria Math" panose="02040503050406030204" pitchFamily="18" charset="0"/>
-                        </a:rPr>
-                        <m:t>𝑎</m:t>
-                      </m:r>
-                      <m:r>
-                        <a:rPr lang="pt-BR" b="0" i="1" smtClean="0">
-                          <a:latin typeface="Cambria Math" panose="02040503050406030204" pitchFamily="18" charset="0"/>
-                        </a:rPr>
-                        <m:t>)</m:t>
-                      </m:r>
-                    </m:oMath>
-                  </a14:m>
-                  <a:endParaRPr lang="pt-BR" dirty="0"/>
-                </a:p>
-              </p:txBody>
-            </p:sp>
-          </mc:Choice>
-          <mc:Fallback xmlns="">
-            <p:sp>
-              <p:nvSpPr>
-                <p:cNvPr id="8" name="CaixaDeTexto 7">
-                  <a:extLst>
-                    <a:ext uri="{FF2B5EF4-FFF2-40B4-BE49-F238E27FC236}">
-                      <a16:creationId xmlns:a16="http://schemas.microsoft.com/office/drawing/2014/main" id="{A78938CD-F777-59C9-49FF-1EC87187C2BF}"/>
-                    </a:ext>
-                  </a:extLst>
-                </p:cNvPr>
-                <p:cNvSpPr txBox="1">
-                  <a:spLocks noRot="1" noChangeAspect="1" noMove="1" noResize="1" noEditPoints="1" noAdjustHandles="1" noChangeArrowheads="1" noChangeShapeType="1" noTextEdit="1"/>
-                </p:cNvSpPr>
-                <p:nvPr/>
-              </p:nvSpPr>
-              <p:spPr>
-                <a:xfrm>
-                  <a:off x="974017" y="2353695"/>
-                  <a:ext cx="2565636" cy="369332"/>
-                </a:xfrm>
-                <a:prstGeom prst="rect">
-                  <a:avLst/>
-                </a:prstGeom>
-                <a:blipFill>
-                  <a:blip r:embed="rId3"/>
-                  <a:stretch>
-                    <a:fillRect l="-2138" t="-8197" b="-24590"/>
-                  </a:stretch>
-                </a:blipFill>
-              </p:spPr>
-              <p:txBody>
-                <a:bodyPr/>
-                <a:lstStyle/>
-                <a:p>
-                  <a:r>
-                    <a:rPr lang="pt-BR">
-                      <a:noFill/>
-                    </a:rPr>
-                    <a:t> </a:t>
-                  </a:r>
-                </a:p>
-              </p:txBody>
-            </p:sp>
-          </mc:Fallback>
-        </mc:AlternateContent>
-        <p:sp>
-          <p:nvSpPr>
-            <p:cNvPr id="9" name="CaixaDeTexto 8">
-              <a:extLst>
-                <a:ext uri="{FF2B5EF4-FFF2-40B4-BE49-F238E27FC236}">
-                  <a16:creationId xmlns:a16="http://schemas.microsoft.com/office/drawing/2014/main" id="{A1CE1535-321D-E614-D63E-21C0CB455062}"/>
-                </a:ext>
-              </a:extLst>
-            </p:cNvPr>
-            <p:cNvSpPr txBox="1"/>
-            <p:nvPr/>
-          </p:nvSpPr>
-          <p:spPr>
-            <a:xfrm>
-              <a:off x="4300295" y="4923779"/>
-              <a:ext cx="636334" cy="369332"/>
-            </a:xfrm>
-            <a:prstGeom prst="rect">
-              <a:avLst/>
-            </a:prstGeom>
-            <a:noFill/>
-          </p:spPr>
-          <p:txBody>
-            <a:bodyPr wrap="square" rtlCol="0">
-              <a:spAutoFit/>
-            </a:bodyPr>
-            <a:lstStyle/>
-            <a:p>
-              <a:pPr algn="r"/>
-              <a:r>
-                <a:rPr lang="pt-BR" dirty="0"/>
-                <a:t>Peso</a:t>
-              </a:r>
-            </a:p>
-          </p:txBody>
-        </p:sp>
-        <p:cxnSp>
-          <p:nvCxnSpPr>
-            <p:cNvPr id="10" name="Conector reto 9">
-              <a:extLst>
-                <a:ext uri="{FF2B5EF4-FFF2-40B4-BE49-F238E27FC236}">
-                  <a16:creationId xmlns:a16="http://schemas.microsoft.com/office/drawing/2014/main" id="{C04D87AE-293E-34D0-E4BE-09E7635BC7EE}"/>
-                </a:ext>
-              </a:extLst>
-            </p:cNvPr>
-            <p:cNvCxnSpPr/>
-            <p:nvPr/>
-          </p:nvCxnSpPr>
-          <p:spPr>
-            <a:xfrm>
-              <a:off x="976885" y="4744536"/>
-              <a:ext cx="1930484" cy="0"/>
-            </a:xfrm>
-            <a:prstGeom prst="line">
-              <a:avLst/>
-            </a:prstGeom>
-            <a:ln>
-              <a:solidFill>
-                <a:srgbClr val="FF0000"/>
-              </a:solidFill>
-              <a:prstDash val="dash"/>
-            </a:ln>
-          </p:spPr>
-          <p:style>
-            <a:lnRef idx="1">
-              <a:schemeClr val="accent1"/>
-            </a:lnRef>
-            <a:fillRef idx="0">
-              <a:schemeClr val="accent1"/>
-            </a:fillRef>
-            <a:effectRef idx="0">
-              <a:schemeClr val="accent1"/>
-            </a:effectRef>
-            <a:fontRef idx="minor">
-              <a:schemeClr val="tx1"/>
-            </a:fontRef>
-          </p:style>
-        </p:cxnSp>
-        <p:sp>
-          <p:nvSpPr>
-            <p:cNvPr id="11" name="CaixaDeTexto 10">
-              <a:extLst>
-                <a:ext uri="{FF2B5EF4-FFF2-40B4-BE49-F238E27FC236}">
-                  <a16:creationId xmlns:a16="http://schemas.microsoft.com/office/drawing/2014/main" id="{0ED8EC8A-F8D0-F14F-7E38-47715C0AD532}"/>
-                </a:ext>
-              </a:extLst>
-            </p:cNvPr>
-            <p:cNvSpPr txBox="1"/>
-            <p:nvPr/>
-          </p:nvSpPr>
-          <p:spPr>
-            <a:xfrm>
-              <a:off x="2367751" y="4232230"/>
-              <a:ext cx="1066949" cy="550146"/>
-            </a:xfrm>
-            <a:prstGeom prst="rect">
-              <a:avLst/>
-            </a:prstGeom>
-            <a:noFill/>
-          </p:spPr>
-          <p:txBody>
-            <a:bodyPr wrap="square" rtlCol="0">
-              <a:spAutoFit/>
-            </a:bodyPr>
-            <a:lstStyle/>
-            <a:p>
-              <a:pPr algn="ctr"/>
-              <a:r>
-                <a:rPr lang="pt-BR" sz="1200" dirty="0"/>
-                <a:t>Ponto de mínimo</a:t>
-              </a:r>
-            </a:p>
-          </p:txBody>
-        </p:sp>
-        <p:cxnSp>
-          <p:nvCxnSpPr>
-            <p:cNvPr id="12" name="Conector reto 11">
-              <a:extLst>
-                <a:ext uri="{FF2B5EF4-FFF2-40B4-BE49-F238E27FC236}">
-                  <a16:creationId xmlns:a16="http://schemas.microsoft.com/office/drawing/2014/main" id="{37A91F5D-D6CE-87E4-DD6F-6AEA41D6D82D}"/>
-                </a:ext>
-              </a:extLst>
-            </p:cNvPr>
-            <p:cNvCxnSpPr>
-              <a:cxnSpLocks/>
-            </p:cNvCxnSpPr>
-            <p:nvPr/>
-          </p:nvCxnSpPr>
-          <p:spPr>
-            <a:xfrm>
-              <a:off x="2902477" y="4736969"/>
-              <a:ext cx="0" cy="171598"/>
-            </a:xfrm>
-            <a:prstGeom prst="line">
-              <a:avLst/>
-            </a:prstGeom>
-            <a:ln>
-              <a:solidFill>
-                <a:srgbClr val="FF0000"/>
-              </a:solidFill>
-              <a:prstDash val="dash"/>
-            </a:ln>
-          </p:spPr>
-          <p:style>
-            <a:lnRef idx="1">
-              <a:schemeClr val="accent1"/>
-            </a:lnRef>
-            <a:fillRef idx="0">
-              <a:schemeClr val="accent1"/>
-            </a:fillRef>
-            <a:effectRef idx="0">
-              <a:schemeClr val="accent1"/>
-            </a:effectRef>
-            <a:fontRef idx="minor">
-              <a:schemeClr val="tx1"/>
-            </a:fontRef>
-          </p:style>
-        </p:cxnSp>
-        <p:sp>
-          <p:nvSpPr>
-            <p:cNvPr id="13" name="Elipse 12">
-              <a:extLst>
-                <a:ext uri="{FF2B5EF4-FFF2-40B4-BE49-F238E27FC236}">
-                  <a16:creationId xmlns:a16="http://schemas.microsoft.com/office/drawing/2014/main" id="{34D38410-D059-6D93-1DD2-6F2EF0E92E63}"/>
-                </a:ext>
-              </a:extLst>
-            </p:cNvPr>
-            <p:cNvSpPr/>
-            <p:nvPr/>
-          </p:nvSpPr>
-          <p:spPr>
-            <a:xfrm>
-              <a:off x="2879776" y="4721835"/>
-              <a:ext cx="42900" cy="42900"/>
-            </a:xfrm>
-            <a:prstGeom prst="ellipse">
-              <a:avLst/>
-            </a:prstGeom>
-            <a:solidFill>
-              <a:srgbClr val="FF0000"/>
-            </a:solidFill>
-            <a:ln>
-              <a:solidFill>
-                <a:srgbClr val="FF0000"/>
-              </a:solidFill>
-            </a:ln>
-          </p:spPr>
-          <p:style>
-            <a:lnRef idx="2">
-              <a:schemeClr val="accent1">
-                <a:shade val="15000"/>
-              </a:schemeClr>
-            </a:lnRef>
-            <a:fillRef idx="1">
-              <a:schemeClr val="accent1"/>
-            </a:fillRef>
-            <a:effectRef idx="0">
-              <a:schemeClr val="accent1"/>
-            </a:effectRef>
-            <a:fontRef idx="minor">
-              <a:schemeClr val="lt1"/>
-            </a:fontRef>
-          </p:style>
-          <p:txBody>
-            <a:bodyPr rtlCol="0" anchor="ctr"/>
-            <a:lstStyle/>
-            <a:p>
-              <a:pPr algn="ctr"/>
-              <a:endParaRPr lang="pt-BR" dirty="0"/>
-            </a:p>
-          </p:txBody>
-        </p:sp>
-        <p:sp>
-          <p:nvSpPr>
-            <p:cNvPr id="14" name="Elipse 13">
-              <a:extLst>
-                <a:ext uri="{FF2B5EF4-FFF2-40B4-BE49-F238E27FC236}">
-                  <a16:creationId xmlns:a16="http://schemas.microsoft.com/office/drawing/2014/main" id="{483CF4C1-DDBF-4640-7392-235196C4D89B}"/>
-                </a:ext>
-              </a:extLst>
-            </p:cNvPr>
-            <p:cNvSpPr/>
-            <p:nvPr/>
-          </p:nvSpPr>
-          <p:spPr>
-            <a:xfrm>
-              <a:off x="1273647" y="3163362"/>
-              <a:ext cx="42900" cy="42900"/>
-            </a:xfrm>
-            <a:prstGeom prst="ellipse">
-              <a:avLst/>
-            </a:prstGeom>
-            <a:solidFill>
-              <a:schemeClr val="tx1"/>
-            </a:solidFill>
-            <a:ln>
-              <a:solidFill>
-                <a:schemeClr val="tx1"/>
-              </a:solidFill>
-            </a:ln>
-          </p:spPr>
-          <p:style>
-            <a:lnRef idx="2">
-              <a:schemeClr val="accent1">
-                <a:shade val="15000"/>
-              </a:schemeClr>
-            </a:lnRef>
-            <a:fillRef idx="1">
-              <a:schemeClr val="accent1"/>
-            </a:fillRef>
-            <a:effectRef idx="0">
-              <a:schemeClr val="accent1"/>
-            </a:effectRef>
-            <a:fontRef idx="minor">
-              <a:schemeClr val="lt1"/>
-            </a:fontRef>
-          </p:style>
-          <p:txBody>
-            <a:bodyPr rtlCol="0" anchor="ctr"/>
-            <a:lstStyle/>
-            <a:p>
-              <a:pPr algn="ctr"/>
-              <a:endParaRPr lang="pt-BR" dirty="0"/>
-            </a:p>
-          </p:txBody>
-        </p:sp>
-        <p:cxnSp>
-          <p:nvCxnSpPr>
-            <p:cNvPr id="15" name="Conector reto 14">
-              <a:extLst>
-                <a:ext uri="{FF2B5EF4-FFF2-40B4-BE49-F238E27FC236}">
-                  <a16:creationId xmlns:a16="http://schemas.microsoft.com/office/drawing/2014/main" id="{D69F7809-96CB-75B0-3DD7-F1D3CFFC0DDA}"/>
-                </a:ext>
-              </a:extLst>
-            </p:cNvPr>
-            <p:cNvCxnSpPr/>
-            <p:nvPr/>
-          </p:nvCxnSpPr>
-          <p:spPr>
-            <a:xfrm>
-              <a:off x="973059" y="3184593"/>
-              <a:ext cx="324000" cy="0"/>
-            </a:xfrm>
-            <a:prstGeom prst="line">
-              <a:avLst/>
-            </a:prstGeom>
-            <a:ln>
-              <a:solidFill>
-                <a:schemeClr val="tx1"/>
-              </a:solidFill>
-              <a:prstDash val="dash"/>
-            </a:ln>
-          </p:spPr>
-          <p:style>
-            <a:lnRef idx="1">
-              <a:schemeClr val="accent1"/>
-            </a:lnRef>
-            <a:fillRef idx="0">
-              <a:schemeClr val="accent1"/>
-            </a:fillRef>
-            <a:effectRef idx="0">
-              <a:schemeClr val="accent1"/>
-            </a:effectRef>
-            <a:fontRef idx="minor">
-              <a:schemeClr val="tx1"/>
-            </a:fontRef>
-          </p:style>
-        </p:cxnSp>
-        <p:cxnSp>
-          <p:nvCxnSpPr>
-            <p:cNvPr id="17" name="Conector reto 16">
-              <a:extLst>
-                <a:ext uri="{FF2B5EF4-FFF2-40B4-BE49-F238E27FC236}">
-                  <a16:creationId xmlns:a16="http://schemas.microsoft.com/office/drawing/2014/main" id="{51DB7F58-65FD-F0F4-E3F8-1B7A5A7E2DAE}"/>
-                </a:ext>
-              </a:extLst>
-            </p:cNvPr>
-            <p:cNvCxnSpPr>
-              <a:cxnSpLocks/>
-            </p:cNvCxnSpPr>
-            <p:nvPr/>
-          </p:nvCxnSpPr>
-          <p:spPr>
-            <a:xfrm>
-              <a:off x="1295097" y="3163361"/>
-              <a:ext cx="0" cy="1764000"/>
-            </a:xfrm>
-            <a:prstGeom prst="line">
-              <a:avLst/>
-            </a:prstGeom>
-            <a:ln>
-              <a:solidFill>
-                <a:schemeClr val="tx1"/>
-              </a:solidFill>
-              <a:prstDash val="dash"/>
-            </a:ln>
-          </p:spPr>
-          <p:style>
-            <a:lnRef idx="1">
-              <a:schemeClr val="accent1"/>
-            </a:lnRef>
-            <a:fillRef idx="0">
-              <a:schemeClr val="accent1"/>
-            </a:fillRef>
-            <a:effectRef idx="0">
-              <a:schemeClr val="accent1"/>
-            </a:effectRef>
-            <a:fontRef idx="minor">
-              <a:schemeClr val="tx1"/>
-            </a:fontRef>
-          </p:style>
-        </p:cxnSp>
-        <p:sp>
-          <p:nvSpPr>
-            <p:cNvPr id="21" name="CaixaDeTexto 20">
-              <a:extLst>
-                <a:ext uri="{FF2B5EF4-FFF2-40B4-BE49-F238E27FC236}">
-                  <a16:creationId xmlns:a16="http://schemas.microsoft.com/office/drawing/2014/main" id="{F3051166-FB83-1C01-C24B-836CCA65DF27}"/>
-                </a:ext>
-              </a:extLst>
-            </p:cNvPr>
-            <p:cNvSpPr txBox="1"/>
-            <p:nvPr/>
-          </p:nvSpPr>
-          <p:spPr>
-            <a:xfrm>
-              <a:off x="1232864" y="3046093"/>
-              <a:ext cx="1071476" cy="276999"/>
-            </a:xfrm>
-            <a:prstGeom prst="rect">
-              <a:avLst/>
-            </a:prstGeom>
-            <a:noFill/>
-          </p:spPr>
-          <p:txBody>
-            <a:bodyPr wrap="square" rtlCol="0">
-              <a:spAutoFit/>
-            </a:bodyPr>
-            <a:lstStyle/>
-            <a:p>
-              <a:pPr algn="ctr"/>
-              <a:r>
-                <a:rPr lang="pt-BR" sz="1200" dirty="0"/>
-                <a:t>Ponto inicial</a:t>
-              </a:r>
-            </a:p>
-          </p:txBody>
-        </p:sp>
-        <mc:AlternateContent xmlns:mc="http://schemas.openxmlformats.org/markup-compatibility/2006" xmlns:a14="http://schemas.microsoft.com/office/drawing/2010/main">
-          <mc:Choice Requires="a14">
-            <p:sp>
-              <p:nvSpPr>
-                <p:cNvPr id="22" name="CaixaDeTexto 21">
-                  <a:extLst>
-                    <a:ext uri="{FF2B5EF4-FFF2-40B4-BE49-F238E27FC236}">
-                      <a16:creationId xmlns:a16="http://schemas.microsoft.com/office/drawing/2014/main" id="{7167E7D4-807F-4A91-D2F9-5B3D43BE5896}"/>
-                    </a:ext>
-                  </a:extLst>
-                </p:cNvPr>
-                <p:cNvSpPr txBox="1"/>
-                <p:nvPr/>
-              </p:nvSpPr>
-              <p:spPr>
-                <a:xfrm>
-                  <a:off x="1074774" y="4868216"/>
-                  <a:ext cx="867941" cy="307777"/>
-                </a:xfrm>
-                <a:prstGeom prst="rect">
-                  <a:avLst/>
-                </a:prstGeom>
-                <a:noFill/>
-              </p:spPr>
-              <p:txBody>
-                <a:bodyPr wrap="square" rtlCol="0">
-                  <a:spAutoFit/>
-                </a:bodyPr>
-                <a:lstStyle/>
-                <a:p>
-                  <a:pPr algn="ctr"/>
-                  <a14:m>
-                    <m:oMathPara xmlns:m="http://schemas.openxmlformats.org/officeDocument/2006/math">
-                      <m:oMathParaPr>
-                        <m:jc m:val="centerGroup"/>
-                      </m:oMathParaPr>
-                      <m:oMath xmlns:m="http://schemas.openxmlformats.org/officeDocument/2006/math">
-                        <m:sSub>
-                          <m:sSubPr>
-                            <m:ctrlPr>
-                              <a:rPr lang="pt-BR" sz="1400" i="1" smtClean="0">
-                                <a:latin typeface="Cambria Math" panose="02040503050406030204" pitchFamily="18" charset="0"/>
-                              </a:rPr>
-                            </m:ctrlPr>
-                          </m:sSubPr>
-                          <m:e>
-                            <m:r>
-                              <a:rPr lang="pt-BR" sz="1400" b="0" i="1" smtClean="0">
-                                <a:latin typeface="Cambria Math" panose="02040503050406030204" pitchFamily="18" charset="0"/>
-                              </a:rPr>
-                              <m:t>𝑎</m:t>
-                            </m:r>
-                          </m:e>
-                          <m:sub>
-                            <m:r>
-                              <m:rPr>
-                                <m:sty m:val="p"/>
-                              </m:rPr>
-                              <a:rPr lang="pt-BR" sz="1400" b="0" i="0" smtClean="0">
-                                <a:latin typeface="Cambria Math" panose="02040503050406030204" pitchFamily="18" charset="0"/>
-                              </a:rPr>
-                              <m:t>inicial</m:t>
-                            </m:r>
-                          </m:sub>
-                        </m:sSub>
-                      </m:oMath>
-                    </m:oMathPara>
-                  </a14:m>
-                  <a:endParaRPr lang="pt-BR" sz="1400" dirty="0"/>
-                </a:p>
-              </p:txBody>
-            </p:sp>
-          </mc:Choice>
-          <mc:Fallback xmlns="">
-            <p:sp>
-              <p:nvSpPr>
-                <p:cNvPr id="22" name="CaixaDeTexto 21">
-                  <a:extLst>
-                    <a:ext uri="{FF2B5EF4-FFF2-40B4-BE49-F238E27FC236}">
-                      <a16:creationId xmlns:a16="http://schemas.microsoft.com/office/drawing/2014/main" id="{7167E7D4-807F-4A91-D2F9-5B3D43BE5896}"/>
-                    </a:ext>
-                  </a:extLst>
-                </p:cNvPr>
-                <p:cNvSpPr txBox="1">
-                  <a:spLocks noRot="1" noChangeAspect="1" noMove="1" noResize="1" noEditPoints="1" noAdjustHandles="1" noChangeArrowheads="1" noChangeShapeType="1" noTextEdit="1"/>
-                </p:cNvSpPr>
-                <p:nvPr/>
-              </p:nvSpPr>
-              <p:spPr>
-                <a:xfrm>
-                  <a:off x="1074774" y="4868216"/>
-                  <a:ext cx="867941" cy="307777"/>
-                </a:xfrm>
-                <a:prstGeom prst="rect">
-                  <a:avLst/>
-                </a:prstGeom>
-                <a:blipFill>
-                  <a:blip r:embed="rId4"/>
-                  <a:stretch>
-                    <a:fillRect/>
-                  </a:stretch>
-                </a:blipFill>
-              </p:spPr>
-              <p:txBody>
-                <a:bodyPr/>
-                <a:lstStyle/>
-                <a:p>
-                  <a:r>
-                    <a:rPr lang="pt-BR">
-                      <a:noFill/>
-                    </a:rPr>
-                    <a:t> </a:t>
-                  </a:r>
-                </a:p>
-              </p:txBody>
-            </p:sp>
-          </mc:Fallback>
-        </mc:AlternateContent>
-        <mc:AlternateContent xmlns:mc="http://schemas.openxmlformats.org/markup-compatibility/2006" xmlns:a14="http://schemas.microsoft.com/office/drawing/2010/main">
-          <mc:Choice Requires="a14">
-            <p:sp>
-              <p:nvSpPr>
-                <p:cNvPr id="23" name="CaixaDeTexto 22">
-                  <a:extLst>
-                    <a:ext uri="{FF2B5EF4-FFF2-40B4-BE49-F238E27FC236}">
-                      <a16:creationId xmlns:a16="http://schemas.microsoft.com/office/drawing/2014/main" id="{5563576F-5255-680C-F8CB-10958601F543}"/>
-                    </a:ext>
-                  </a:extLst>
-                </p:cNvPr>
-                <p:cNvSpPr txBox="1"/>
-                <p:nvPr/>
-              </p:nvSpPr>
-              <p:spPr>
-                <a:xfrm>
-                  <a:off x="2671712" y="4867795"/>
-                  <a:ext cx="867941" cy="307777"/>
-                </a:xfrm>
-                <a:prstGeom prst="rect">
-                  <a:avLst/>
-                </a:prstGeom>
-                <a:noFill/>
-              </p:spPr>
-              <p:txBody>
-                <a:bodyPr wrap="square" rtlCol="0">
-                  <a:spAutoFit/>
-                </a:bodyPr>
-                <a:lstStyle/>
-                <a:p>
-                  <a:pPr algn="ctr"/>
-                  <a14:m>
-                    <m:oMathPara xmlns:m="http://schemas.openxmlformats.org/officeDocument/2006/math">
-                      <m:oMathParaPr>
-                        <m:jc m:val="centerGroup"/>
-                      </m:oMathParaPr>
-                      <m:oMath xmlns:m="http://schemas.openxmlformats.org/officeDocument/2006/math">
-                        <m:sSub>
-                          <m:sSubPr>
-                            <m:ctrlPr>
-                              <a:rPr lang="pt-BR" sz="1400" i="1" smtClean="0">
-                                <a:latin typeface="Cambria Math" panose="02040503050406030204" pitchFamily="18" charset="0"/>
-                              </a:rPr>
-                            </m:ctrlPr>
-                          </m:sSubPr>
-                          <m:e>
-                            <m:r>
-                              <a:rPr lang="pt-BR" sz="1400" b="0" i="1" smtClean="0">
-                                <a:latin typeface="Cambria Math" panose="02040503050406030204" pitchFamily="18" charset="0"/>
-                              </a:rPr>
-                              <m:t>𝑎</m:t>
-                            </m:r>
-                          </m:e>
-                          <m:sub>
-                            <m:r>
-                              <a:rPr lang="pt-BR" sz="1400" b="0" i="0" smtClean="0">
-                                <a:latin typeface="Cambria Math" panose="02040503050406030204" pitchFamily="18" charset="0"/>
-                              </a:rPr>
-                              <m:t>ó</m:t>
-                            </m:r>
-                            <m:r>
-                              <m:rPr>
-                                <m:sty m:val="p"/>
-                              </m:rPr>
-                              <a:rPr lang="pt-BR" sz="1400" b="0" i="0" smtClean="0">
-                                <a:latin typeface="Cambria Math" panose="02040503050406030204" pitchFamily="18" charset="0"/>
-                              </a:rPr>
-                              <m:t>timo</m:t>
-                            </m:r>
-                          </m:sub>
-                        </m:sSub>
-                      </m:oMath>
-                    </m:oMathPara>
-                  </a14:m>
-                  <a:endParaRPr lang="pt-BR" sz="1400" dirty="0"/>
-                </a:p>
-              </p:txBody>
-            </p:sp>
-          </mc:Choice>
-          <mc:Fallback xmlns="">
-            <p:sp>
-              <p:nvSpPr>
-                <p:cNvPr id="23" name="CaixaDeTexto 22">
-                  <a:extLst>
-                    <a:ext uri="{FF2B5EF4-FFF2-40B4-BE49-F238E27FC236}">
-                      <a16:creationId xmlns:a16="http://schemas.microsoft.com/office/drawing/2014/main" id="{5563576F-5255-680C-F8CB-10958601F543}"/>
-                    </a:ext>
-                  </a:extLst>
-                </p:cNvPr>
-                <p:cNvSpPr txBox="1">
-                  <a:spLocks noRot="1" noChangeAspect="1" noMove="1" noResize="1" noEditPoints="1" noAdjustHandles="1" noChangeArrowheads="1" noChangeShapeType="1" noTextEdit="1"/>
-                </p:cNvSpPr>
-                <p:nvPr/>
-              </p:nvSpPr>
-              <p:spPr>
-                <a:xfrm>
-                  <a:off x="2671712" y="4867795"/>
-                  <a:ext cx="867941" cy="307777"/>
-                </a:xfrm>
-                <a:prstGeom prst="rect">
-                  <a:avLst/>
-                </a:prstGeom>
-                <a:blipFill>
-                  <a:blip r:embed="rId5"/>
-                  <a:stretch>
-                    <a:fillRect/>
-                  </a:stretch>
-                </a:blipFill>
-              </p:spPr>
-              <p:txBody>
-                <a:bodyPr/>
-                <a:lstStyle/>
-                <a:p>
-                  <a:r>
-                    <a:rPr lang="pt-BR">
-                      <a:noFill/>
-                    </a:rPr>
-                    <a:t> </a:t>
-                  </a:r>
-                </a:p>
-              </p:txBody>
-            </p:sp>
-          </mc:Fallback>
-        </mc:AlternateContent>
-      </p:grpSp>
-      <p:cxnSp>
-        <p:nvCxnSpPr>
-          <p:cNvPr id="4" name="Conector de Seta Reta 3">
-            <a:extLst>
-              <a:ext uri="{FF2B5EF4-FFF2-40B4-BE49-F238E27FC236}">
-                <a16:creationId xmlns:a16="http://schemas.microsoft.com/office/drawing/2014/main" id="{AEECACA4-5B42-A865-92BE-067925FB1366}"/>
-              </a:ext>
-            </a:extLst>
-          </p:cNvPr>
-          <p:cNvCxnSpPr>
-            <a:cxnSpLocks/>
-          </p:cNvCxnSpPr>
-          <p:nvPr/>
-        </p:nvCxnSpPr>
-        <p:spPr>
-          <a:xfrm>
-            <a:off x="1295851" y="3183756"/>
-            <a:ext cx="473505" cy="797660"/>
-          </a:xfrm>
-          <a:prstGeom prst="straightConnector1">
-            <a:avLst/>
-          </a:prstGeom>
-          <a:ln>
-            <a:solidFill>
-              <a:srgbClr val="FF0000"/>
-            </a:solidFill>
-            <a:tailEnd type="triangle"/>
-          </a:ln>
-        </p:spPr>
-        <p:style>
-          <a:lnRef idx="1">
-            <a:schemeClr val="accent1"/>
-          </a:lnRef>
-          <a:fillRef idx="0">
-            <a:schemeClr val="accent1"/>
-          </a:fillRef>
-          <a:effectRef idx="0">
-            <a:schemeClr val="accent1"/>
-          </a:effectRef>
-          <a:fontRef idx="minor">
-            <a:schemeClr val="tx1"/>
-          </a:fontRef>
-        </p:style>
-      </p:cxnSp>
-    </p:spTree>
-    <p:extLst>
-      <p:ext uri="{BB962C8B-B14F-4D97-AF65-F5344CB8AC3E}">
-        <p14:creationId xmlns:p14="http://schemas.microsoft.com/office/powerpoint/2010/main" val="2751143574"/>
-      </p:ext>
-    </p:extLst>
-  </p:cSld>
-  <p:clrMapOvr>
-    <a:masterClrMapping/>
-  </p:clrMapOvr>
-</p:sld>
-</file>
-
 <file path=ppt/theme/theme1.xml><?xml version="1.0" encoding="utf-8"?>
 <a:theme xmlns:a="http://schemas.openxmlformats.org/drawingml/2006/main" name="Tema do Office">
   <a:themeElements>

--- a/slides/TP557_6_Minimizando_o_erro.pptx
+++ b/slides/TP557_6_Minimizando_o_erro.pptx
@@ -2045,23 +2045,7 @@
                 <a:effectLst/>
                 <a:latin typeface="Söhne"/>
               </a:rPr>
-              <a:t>As três versões do Gradiente Descendente são:</a:t>
-            </a:r>
-          </a:p>
-          <a:p>
-            <a:pPr algn="l">
-              <a:buFont typeface="+mj-lt"/>
-              <a:buAutoNum type="arabicPeriod"/>
-            </a:pPr>
-            <a:r>
-              <a:rPr lang="pt-BR" b="0" i="0" dirty="0">
-                <a:solidFill>
-                  <a:srgbClr val="374151"/>
-                </a:solidFill>
-                <a:effectLst/>
-                <a:latin typeface="Söhne"/>
-              </a:rPr>
-              <a:t>Gradiente Descendente de Lote (Batch </a:t>
+              <a:t>O Gradiente Descendente em Batelada (Batch </a:t>
             </a:r>
             <a:r>
               <a:rPr lang="pt-BR" b="0" i="0" dirty="0" err="1">
@@ -2101,62 +2085,11 @@
                 <a:effectLst/>
                 <a:latin typeface="Söhne"/>
               </a:rPr>
-              <a:t>):</a:t>
+              <a:t>) possui as seguintes características:</a:t>
             </a:r>
           </a:p>
           <a:p>
-            <a:pPr algn="l">
-              <a:buFont typeface="Arial" panose="020B0604020202020204" pitchFamily="34" charset="0"/>
-              <a:buChar char="•"/>
-            </a:pPr>
-            <a:r>
-              <a:rPr lang="pt-BR" b="0" i="0" dirty="0">
-                <a:solidFill>
-                  <a:srgbClr val="374151"/>
-                </a:solidFill>
-                <a:effectLst/>
-                <a:latin typeface="Söhne"/>
-              </a:rPr>
-              <a:t>Calcula o gradiente da função de erro para todos os exemplos do conjunto de treinamento.</a:t>
-            </a:r>
-          </a:p>
-          <a:p>
-            <a:pPr algn="l">
-              <a:buFont typeface="Arial" panose="020B0604020202020204" pitchFamily="34" charset="0"/>
-              <a:buChar char="•"/>
-            </a:pPr>
-            <a:r>
-              <a:rPr lang="pt-BR" b="0" i="0" dirty="0">
-                <a:solidFill>
-                  <a:srgbClr val="374151"/>
-                </a:solidFill>
-                <a:effectLst/>
-                <a:latin typeface="Söhne"/>
-              </a:rPr>
-              <a:t>Atualiza os parâmetros do modelo após processar todos os exemplos do conjunto de treinamento.</a:t>
-            </a:r>
-          </a:p>
-          <a:p>
-            <a:pPr algn="l">
-              <a:buFont typeface="Arial" panose="020B0604020202020204" pitchFamily="34" charset="0"/>
-              <a:buChar char="•"/>
-            </a:pPr>
-            <a:r>
-              <a:rPr lang="pt-BR" b="0" i="0" dirty="0">
-                <a:solidFill>
-                  <a:srgbClr val="374151"/>
-                </a:solidFill>
-                <a:effectLst/>
-                <a:latin typeface="Söhne"/>
-              </a:rPr>
-              <a:t>Pode ser lento em conjuntos de treinamento muito grandes, pois requer o cálculo do gradiente para todo o conjunto a cada iteração.</a:t>
-            </a:r>
-          </a:p>
-          <a:p>
-            <a:pPr algn="l">
-              <a:buFont typeface="Arial" panose="020B0604020202020204" pitchFamily="34" charset="0"/>
-              <a:buNone/>
-            </a:pPr>
+            <a:pPr algn="l"/>
             <a:endParaRPr lang="pt-BR" b="0" i="0" dirty="0">
               <a:solidFill>
                 <a:srgbClr val="374151"/>
@@ -2166,10 +2099,7 @@
             </a:endParaRPr>
           </a:p>
           <a:p>
-            <a:pPr algn="l">
-              <a:buFont typeface="+mj-lt"/>
-              <a:buAutoNum type="arabicPeriod" startAt="2"/>
-            </a:pPr>
+            <a:pPr algn="l"/>
             <a:r>
               <a:rPr lang="pt-BR" b="0" i="0" dirty="0">
                 <a:solidFill>
@@ -2178,27 +2108,7 @@
                 <a:effectLst/>
                 <a:latin typeface="Söhne"/>
               </a:rPr>
-              <a:t>Gradiente Descendente Estocástico (</a:t>
-            </a:r>
-            <a:r>
-              <a:rPr lang="pt-BR" b="0" i="0" dirty="0" err="1">
-                <a:solidFill>
-                  <a:srgbClr val="374151"/>
-                </a:solidFill>
-                <a:effectLst/>
-                <a:latin typeface="Söhne"/>
-              </a:rPr>
-              <a:t>Stochastic</a:t>
-            </a:r>
-            <a:r>
-              <a:rPr lang="pt-BR" b="0" i="0" dirty="0">
-                <a:solidFill>
-                  <a:srgbClr val="374151"/>
-                </a:solidFill>
-                <a:effectLst/>
-                <a:latin typeface="Söhne"/>
-              </a:rPr>
-              <a:t> </a:t>
+              <a:t>1. **Utilização de Todo o Conjunto de Dados:** No Batch </a:t>
             </a:r>
             <a:r>
               <a:rPr lang="pt-BR" b="0" i="0" dirty="0" err="1">
@@ -2238,62 +2148,11 @@
                 <a:effectLst/>
                 <a:latin typeface="Söhne"/>
               </a:rPr>
-              <a:t> - SGD):</a:t>
+              <a:t>, a atualização dos pesos do modelo é calculada considerando o gradiente da função de perda em relação a todos os exemplos do conjunto de treinamento. Isso significa que o gradiente é calculado usando todas as amostras disponíveis.</a:t>
             </a:r>
           </a:p>
           <a:p>
-            <a:pPr algn="l">
-              <a:buFont typeface="Arial" panose="020B0604020202020204" pitchFamily="34" charset="0"/>
-              <a:buChar char="•"/>
-            </a:pPr>
-            <a:r>
-              <a:rPr lang="pt-BR" b="0" i="0" dirty="0">
-                <a:solidFill>
-                  <a:srgbClr val="374151"/>
-                </a:solidFill>
-                <a:effectLst/>
-                <a:latin typeface="Söhne"/>
-              </a:rPr>
-              <a:t>Calcula o gradiente da função de erro para um único exemplo do conjunto de treinamento.</a:t>
-            </a:r>
-          </a:p>
-          <a:p>
-            <a:pPr algn="l">
-              <a:buFont typeface="Arial" panose="020B0604020202020204" pitchFamily="34" charset="0"/>
-              <a:buChar char="•"/>
-            </a:pPr>
-            <a:r>
-              <a:rPr lang="pt-BR" b="0" i="0" dirty="0">
-                <a:solidFill>
-                  <a:srgbClr val="374151"/>
-                </a:solidFill>
-                <a:effectLst/>
-                <a:latin typeface="Söhne"/>
-              </a:rPr>
-              <a:t>Atualiza os parâmetros do modelo após cada exemplo processado.</a:t>
-            </a:r>
-          </a:p>
-          <a:p>
-            <a:pPr algn="l">
-              <a:buFont typeface="Arial" panose="020B0604020202020204" pitchFamily="34" charset="0"/>
-              <a:buChar char="•"/>
-            </a:pPr>
-            <a:r>
-              <a:rPr lang="pt-BR" b="0" i="0" dirty="0">
-                <a:solidFill>
-                  <a:srgbClr val="374151"/>
-                </a:solidFill>
-                <a:effectLst/>
-                <a:latin typeface="Söhne"/>
-              </a:rPr>
-              <a:t>Mais rápido que o Gradiente Descendente de Lote, mas a variação na atualização pode tornar a convergência mais irregular.</a:t>
-            </a:r>
-          </a:p>
-          <a:p>
-            <a:pPr algn="l">
-              <a:buFont typeface="Arial" panose="020B0604020202020204" pitchFamily="34" charset="0"/>
-              <a:buNone/>
-            </a:pPr>
+            <a:pPr algn="l"/>
             <a:endParaRPr lang="pt-BR" b="0" i="0" dirty="0">
               <a:solidFill>
                 <a:srgbClr val="374151"/>
@@ -2303,10 +2162,7 @@
             </a:endParaRPr>
           </a:p>
           <a:p>
-            <a:pPr algn="l">
-              <a:buFont typeface="+mj-lt"/>
-              <a:buAutoNum type="arabicPeriod" startAt="3"/>
-            </a:pPr>
+            <a:pPr algn="l"/>
             <a:r>
               <a:rPr lang="pt-BR" b="0" i="0" dirty="0">
                 <a:solidFill>
@@ -2315,7 +2171,30 @@
                 <a:effectLst/>
                 <a:latin typeface="Söhne"/>
               </a:rPr>
-              <a:t>Gradiente Descendente em Mini-Lotes (Mini-batch </a:t>
+              <a:t>2. **Precisão e Estabilidade:** O uso de todo o conjunto de dados para calcular o gradiente proporciona uma direção de atualização mais precisa e estável para os pesos do modelo. Isso tende a resultar em convergência mais direta em direção a um mínimo local ou global da função de perda.</a:t>
+            </a:r>
+          </a:p>
+          <a:p>
+            <a:pPr algn="l"/>
+            <a:endParaRPr lang="pt-BR" b="0" i="0" dirty="0">
+              <a:solidFill>
+                <a:srgbClr val="374151"/>
+              </a:solidFill>
+              <a:effectLst/>
+              <a:latin typeface="Söhne"/>
+            </a:endParaRPr>
+          </a:p>
+          <a:p>
+            <a:pPr algn="l"/>
+            <a:r>
+              <a:rPr lang="pt-BR" b="0" i="0" dirty="0">
+                <a:solidFill>
+                  <a:srgbClr val="374151"/>
+                </a:solidFill>
+                <a:effectLst/>
+                <a:latin typeface="Söhne"/>
+              </a:rPr>
+              <a:t>3. **Convergência Mais Lenta em Grandes Conjuntos de Dados:** Embora o Batch </a:t>
             </a:r>
             <a:r>
               <a:rPr lang="pt-BR" b="0" i="0" dirty="0" err="1">
@@ -2355,14 +2234,21 @@
                 <a:effectLst/>
                 <a:latin typeface="Söhne"/>
               </a:rPr>
-              <a:t>):</a:t>
+              <a:t> ofereça uma direção precisa para a otimização, ele pode ser computacionalmente caro e demorado para conjuntos de dados grandes, pois requer o cálculo de gradientes para todas as amostras em cada iteração.</a:t>
             </a:r>
           </a:p>
           <a:p>
-            <a:pPr algn="l">
-              <a:buFont typeface="Arial" panose="020B0604020202020204" pitchFamily="34" charset="0"/>
-              <a:buChar char="•"/>
-            </a:pPr>
+            <a:pPr algn="l"/>
+            <a:endParaRPr lang="pt-BR" b="0" i="0" dirty="0">
+              <a:solidFill>
+                <a:srgbClr val="374151"/>
+              </a:solidFill>
+              <a:effectLst/>
+              <a:latin typeface="Söhne"/>
+            </a:endParaRPr>
+          </a:p>
+          <a:p>
+            <a:pPr algn="l"/>
             <a:r>
               <a:rPr lang="pt-BR" b="0" i="0" dirty="0">
                 <a:solidFill>
@@ -2371,18 +2257,21 @@
                 <a:effectLst/>
                 <a:latin typeface="Söhne"/>
               </a:rPr>
-              <a:t>Calcula o gradiente da função de erro para um pequeno grupo (</a:t>
+              <a:t>4. **Menos Sensível a Ruídos:** O uso de todo o conjunto de dados ajuda a suavizar as flutuações e o ruído que podem ocorrer nas estimativas do gradiente em abordagens estocásticas. Isso pode resultar em uma trajetória de otimização mais suave.</a:t>
             </a:r>
-            <a:r>
-              <a:rPr lang="pt-BR" b="0" i="0" dirty="0" err="1">
-                <a:solidFill>
-                  <a:srgbClr val="374151"/>
-                </a:solidFill>
-                <a:effectLst/>
-                <a:latin typeface="Söhne"/>
-              </a:rPr>
-              <a:t>mini-lote</a:t>
-            </a:r>
+          </a:p>
+          <a:p>
+            <a:pPr algn="l"/>
+            <a:endParaRPr lang="pt-BR" b="0" i="0" dirty="0">
+              <a:solidFill>
+                <a:srgbClr val="374151"/>
+              </a:solidFill>
+              <a:effectLst/>
+              <a:latin typeface="Söhne"/>
+            </a:endParaRPr>
+          </a:p>
+          <a:p>
+            <a:pPr algn="l"/>
             <a:r>
               <a:rPr lang="pt-BR" b="0" i="0" dirty="0">
                 <a:solidFill>
@@ -2391,14 +2280,21 @@
                 <a:effectLst/>
                 <a:latin typeface="Söhne"/>
               </a:rPr>
-              <a:t>) de exemplos do conjunto de treinamento.</a:t>
+              <a:t>5. **Requer Mais Memória:** O cálculo do gradiente usando todo o conjunto de dados exige o armazenamento temporário dos gradientes parciais de todas as amostras de treinamento. Isso pode consumir mais memória, especialmente em conjuntos de dados grandes.</a:t>
             </a:r>
           </a:p>
           <a:p>
-            <a:pPr algn="l">
-              <a:buFont typeface="Arial" panose="020B0604020202020204" pitchFamily="34" charset="0"/>
-              <a:buChar char="•"/>
-            </a:pPr>
+            <a:pPr algn="l"/>
+            <a:endParaRPr lang="pt-BR" b="0" i="0" dirty="0">
+              <a:solidFill>
+                <a:srgbClr val="374151"/>
+              </a:solidFill>
+              <a:effectLst/>
+              <a:latin typeface="Söhne"/>
+            </a:endParaRPr>
+          </a:p>
+          <a:p>
+            <a:pPr algn="l"/>
             <a:r>
               <a:rPr lang="pt-BR" b="0" i="0" dirty="0">
                 <a:solidFill>
@@ -2407,18 +2303,21 @@
                 <a:effectLst/>
                 <a:latin typeface="Söhne"/>
               </a:rPr>
-              <a:t>Atualiza os parâmetros do modelo após processar cada </a:t>
+              <a:t>6. **Atualizações Infrequentes:** Como o gradiente é calculado para o conjunto completo de dados, as atualizações dos pesos ocorrem em intervalos menos frequentes em comparação com abordagens estocásticas, onde as atualizações são feitas para cada amostra individualmente.</a:t>
             </a:r>
-            <a:r>
-              <a:rPr lang="pt-BR" b="0" i="0" dirty="0" err="1">
-                <a:solidFill>
-                  <a:srgbClr val="374151"/>
-                </a:solidFill>
-                <a:effectLst/>
-                <a:latin typeface="Söhne"/>
-              </a:rPr>
-              <a:t>mini-lote</a:t>
-            </a:r>
+          </a:p>
+          <a:p>
+            <a:pPr algn="l"/>
+            <a:endParaRPr lang="pt-BR" b="0" i="0" dirty="0">
+              <a:solidFill>
+                <a:srgbClr val="374151"/>
+              </a:solidFill>
+              <a:effectLst/>
+              <a:latin typeface="Söhne"/>
+            </a:endParaRPr>
+          </a:p>
+          <a:p>
+            <a:pPr algn="l"/>
             <a:r>
               <a:rPr lang="pt-BR" b="0" i="0" dirty="0">
                 <a:solidFill>
@@ -2427,23 +2326,7 @@
                 <a:effectLst/>
                 <a:latin typeface="Söhne"/>
               </a:rPr>
-              <a:t>.</a:t>
-            </a:r>
-          </a:p>
-          <a:p>
-            <a:pPr algn="l">
-              <a:buFont typeface="Arial" panose="020B0604020202020204" pitchFamily="34" charset="0"/>
-              <a:buChar char="•"/>
-            </a:pPr>
-            <a:r>
-              <a:rPr lang="pt-BR" b="0" i="0" dirty="0">
-                <a:solidFill>
-                  <a:srgbClr val="374151"/>
-                </a:solidFill>
-                <a:effectLst/>
-                <a:latin typeface="Söhne"/>
-              </a:rPr>
-              <a:t>Combina as vantagens do Batch </a:t>
+              <a:t>7. **Menos Suscetível a Minimização em Mínimos Locais:** Devido à precisão das atualizações de peso e ao uso de informações globais do conjunto de dados, o Batch </a:t>
             </a:r>
             <a:r>
               <a:rPr lang="pt-BR" b="0" i="0" dirty="0" err="1">
@@ -2483,8 +2366,18 @@
                 <a:effectLst/>
                 <a:latin typeface="Söhne"/>
               </a:rPr>
-              <a:t> e do SGD, sendo mais rápido que o Batch e mais estável que o SGD.</a:t>
+              <a:t> é menos propenso a ficar preso em mínimos locais da função de perda.</a:t>
             </a:r>
+          </a:p>
+          <a:p>
+            <a:pPr algn="l"/>
+            <a:endParaRPr lang="pt-BR" b="0" i="0" dirty="0">
+              <a:solidFill>
+                <a:srgbClr val="374151"/>
+              </a:solidFill>
+              <a:effectLst/>
+              <a:latin typeface="Söhne"/>
+            </a:endParaRPr>
           </a:p>
           <a:p>
             <a:pPr algn="l"/>
@@ -2496,10 +2389,48 @@
                 <a:effectLst/>
                 <a:latin typeface="Söhne"/>
               </a:rPr>
-              <a:t>Em todas as versões, o objetivo é ajustar os parâmetros do modelo de forma a minimizar a função de erro, levando a melhores previsões e desempenho do modelo. A escolha da versão mais adequada depende do tamanho do conjunto de treinamento, das características do problema e dos recursos computacionais disponíveis. Cada versão do Gradiente Descendente tem suas vantagens e desvantagens, e a seleção adequada pode impactar no tempo de treinamento e na eficácia do modelo.</a:t>
+              <a:t>Em resumo, o Batch </a:t>
             </a:r>
-          </a:p>
-          <a:p>
+            <a:r>
+              <a:rPr lang="pt-BR" b="0" i="0" dirty="0" err="1">
+                <a:solidFill>
+                  <a:srgbClr val="374151"/>
+                </a:solidFill>
+                <a:effectLst/>
+                <a:latin typeface="Söhne"/>
+              </a:rPr>
+              <a:t>Gradient</a:t>
+            </a:r>
+            <a:r>
+              <a:rPr lang="pt-BR" b="0" i="0" dirty="0">
+                <a:solidFill>
+                  <a:srgbClr val="374151"/>
+                </a:solidFill>
+                <a:effectLst/>
+                <a:latin typeface="Söhne"/>
+              </a:rPr>
+              <a:t> </a:t>
+            </a:r>
+            <a:r>
+              <a:rPr lang="pt-BR" b="0" i="0" dirty="0" err="1">
+                <a:solidFill>
+                  <a:srgbClr val="374151"/>
+                </a:solidFill>
+                <a:effectLst/>
+                <a:latin typeface="Söhne"/>
+              </a:rPr>
+              <a:t>Descent</a:t>
+            </a:r>
+            <a:r>
+              <a:rPr lang="pt-BR" b="0" i="0" dirty="0">
+                <a:solidFill>
+                  <a:srgbClr val="374151"/>
+                </a:solidFill>
+                <a:effectLst/>
+                <a:latin typeface="Söhne"/>
+              </a:rPr>
+              <a:t> é apropriado quando o conjunto de dados é relativamente pequeno o suficiente para caber na memória e quando a precisão e estabilidade das atualizações dos pesos são prioritárias. No entanto, ele pode ser mais lento em comparação com abordagens estocásticas, especialmente em conjuntos de dados grandes.</a:t>
+            </a:r>
             <a:endParaRPr lang="pt-BR" dirty="0"/>
           </a:p>
         </p:txBody>
@@ -27093,7 +27024,14 @@
                 <a:effectLst/>
                 <a:latin typeface="Google Sans"/>
               </a:rPr>
-              <a:t>processo iterativo de otimiz</a:t>
+              <a:t>processo iterativo de </a:t>
+            </a:r>
+            <a:r>
+              <a:rPr lang="pt-BR" b="1" i="1" dirty="0">
+                <a:effectLst/>
+                <a:latin typeface="Google Sans"/>
+              </a:rPr>
+              <a:t>otimização</a:t>
             </a:r>
             <a:r>
               <a:rPr lang="pt-BR" b="0" i="0" dirty="0">
@@ -27103,7 +27041,7 @@
                 <a:effectLst/>
                 <a:latin typeface="Google Sans"/>
               </a:rPr>
-              <a:t>ação que discutimos até agora é chamado de </a:t>
+              <a:t> que discutimos até agora é chamado de </a:t>
             </a:r>
             <a:r>
               <a:rPr lang="pt-BR" b="1" i="1" dirty="0">
@@ -27135,7 +27073,7 @@
                 <a:effectLst/>
                 <a:latin typeface="Google Sans"/>
               </a:rPr>
-              <a:t>Ele está por trás de vários algoritmos de ML: regressão linear, regressão logística, redes neurais em geral, máquinas de vetores de suporte, aprendizado por reforço, etc.</a:t>
+              <a:t>Ele está por trás do aprendizado de vários algoritmos de ML: regressão linear, regressão logística, redes neurais em geral, máquinas de vetores de suporte, aprendizado por reforço, etc.</a:t>
             </a:r>
           </a:p>
           <a:p>
@@ -29693,8 +29631,8 @@
           </a:p>
         </p:txBody>
       </p:sp>
-      <mc:AlternateContent xmlns:mc="http://schemas.openxmlformats.org/markup-compatibility/2006">
-        <mc:Choice xmlns:a14="http://schemas.microsoft.com/office/drawing/2010/main" Requires="a14">
+      <mc:AlternateContent xmlns:mc="http://schemas.openxmlformats.org/markup-compatibility/2006" xmlns:a14="http://schemas.microsoft.com/office/drawing/2010/main">
+        <mc:Choice Requires="a14">
           <p:sp>
             <p:nvSpPr>
               <p:cNvPr id="3" name="Espaço Reservado para Conteúdo 2">
@@ -30167,7 +30105,7 @@
             </p:txBody>
           </p:sp>
         </mc:Choice>
-        <mc:Fallback>
+        <mc:Fallback xmlns="">
           <p:sp>
             <p:nvSpPr>
               <p:cNvPr id="3" name="Espaço Reservado para Conteúdo 2">
@@ -30683,7 +30621,19 @@
               <a:p>
                 <a:r>
                   <a:rPr lang="pt-BR" dirty="0"/>
-                  <a:t>É computacionalmente complexo dependendo do tamanho do modelo e do conjunto de dados.</a:t>
+                  <a:t>Pode ser </a:t>
+                </a:r>
+                <a:r>
+                  <a:rPr lang="pt-BR" b="1" i="1" dirty="0">
+                    <a:solidFill>
+                      <a:srgbClr val="00B050"/>
+                    </a:solidFill>
+                  </a:rPr>
+                  <a:t>computacionalmente complexo</a:t>
+                </a:r>
+                <a:r>
+                  <a:rPr lang="pt-BR" dirty="0"/>
+                  <a:t> dependendo do tamanho do modelo e do conjunto de dados.</a:t>
                 </a:r>
               </a:p>
               <a:p>
@@ -30698,8 +30648,58 @@
               </a:p>
               <a:p>
                 <a:r>
+                  <a:rPr lang="pt-BR" b="1" i="1" dirty="0">
+                    <a:solidFill>
+                      <a:srgbClr val="00B050"/>
+                    </a:solidFill>
+                  </a:rPr>
+                  <a:t>Convergência</a:t>
+                </a:r>
+                <a:r>
                   <a:rPr lang="pt-BR" dirty="0"/>
-                  <a:t>Entretanto, é a versão que obtém os melhores resultados.</a:t>
+                  <a:t> para o mínimo global é </a:t>
+                </a:r>
+                <a:r>
+                  <a:rPr lang="pt-BR" b="1" i="1" dirty="0">
+                    <a:solidFill>
+                      <a:srgbClr val="00B050"/>
+                    </a:solidFill>
+                  </a:rPr>
+                  <a:t>garantida</a:t>
+                </a:r>
+                <a:r>
+                  <a:rPr lang="pt-BR" dirty="0"/>
+                  <a:t> quando a função de erro é </a:t>
+                </a:r>
+                <a:r>
+                  <a:rPr lang="pt-BR" b="1" i="1" dirty="0">
+                    <a:solidFill>
+                      <a:srgbClr val="00B050"/>
+                    </a:solidFill>
+                  </a:rPr>
+                  <a:t>convexa</a:t>
+                </a:r>
+                <a:r>
+                  <a:rPr lang="pt-BR" dirty="0"/>
+                  <a:t>.</a:t>
+                </a:r>
+              </a:p>
+              <a:p>
+                <a:r>
+                  <a:rPr lang="pt-BR" dirty="0"/>
+                  <a:t>É a versão que </a:t>
+                </a:r>
+                <a:r>
+                  <a:rPr lang="pt-BR" b="1" i="1" dirty="0">
+                    <a:solidFill>
+                      <a:srgbClr val="00B050"/>
+                    </a:solidFill>
+                  </a:rPr>
+                  <a:t>obtém os melhores resultados</a:t>
+                </a:r>
+                <a:r>
+                  <a:rPr lang="pt-BR" dirty="0"/>
+                  <a:t>.</a:t>
                 </a:r>
               </a:p>
               <a:p>
@@ -30748,7 +30748,7 @@
               <a:blipFill>
                 <a:blip r:embed="rId3"/>
                 <a:stretch>
-                  <a:fillRect l="-988"/>
+                  <a:fillRect l="-988" r="-604" b="-1887"/>
                 </a:stretch>
               </a:blipFill>
             </p:spPr>
@@ -30865,32 +30865,23 @@
                     </m:oMathParaPr>
                     <m:oMath xmlns:m="http://schemas.openxmlformats.org/officeDocument/2006/math">
                       <m:r>
-                        <a:rPr lang="pt-BR" b="1" i="1" smtClean="0">
-                          <a:latin typeface="Cambria Math" panose="02040503050406030204" pitchFamily="18" charset="0"/>
-                        </a:rPr>
+                        <a:rPr lang="pt-BR" b="1" i="1" smtClean="0"/>
                         <m:t>𝒂</m:t>
                       </m:r>
                       <m:r>
-                        <a:rPr lang="pt-BR" b="1" i="1" smtClean="0">
-                          <a:latin typeface="Cambria Math" panose="02040503050406030204" pitchFamily="18" charset="0"/>
-                        </a:rPr>
+                        <a:rPr lang="pt-BR" b="1" i="1" smtClean="0"/>
                         <m:t>=</m:t>
                       </m:r>
                       <m:r>
-                        <a:rPr lang="pt-BR" b="1" i="1" smtClean="0">
-                          <a:latin typeface="Cambria Math" panose="02040503050406030204" pitchFamily="18" charset="0"/>
-                        </a:rPr>
+                        <a:rPr lang="pt-BR" b="1" i="1" smtClean="0"/>
                         <m:t>𝒂</m:t>
                       </m:r>
                       <m:r>
-                        <a:rPr lang="pt-BR" b="1" i="1" smtClean="0">
-                          <a:latin typeface="Cambria Math" panose="02040503050406030204" pitchFamily="18" charset="0"/>
-                        </a:rPr>
+                        <a:rPr lang="pt-BR" b="1" i="1" smtClean="0"/>
                         <m:t>−</m:t>
                       </m:r>
                       <m:r>
                         <a:rPr lang="pt-BR" i="1">
-                          <a:latin typeface="Cambria Math" panose="02040503050406030204" pitchFamily="18" charset="0"/>
                           <a:ea typeface="Cambria Math" panose="02040503050406030204" pitchFamily="18" charset="0"/>
                         </a:rPr>
                         <m:t>𝛼</m:t>
@@ -30898,39 +30889,29 @@
                       <m:f>
                         <m:fPr>
                           <m:ctrlPr>
-                            <a:rPr lang="pt-BR" i="1">
-                              <a:latin typeface="Cambria Math" panose="02040503050406030204" pitchFamily="18" charset="0"/>
-                            </a:rPr>
+                            <a:rPr lang="pt-BR" i="1"/>
                           </m:ctrlPr>
                         </m:fPr>
                         <m:num>
                           <m:r>
-                            <a:rPr lang="pt-BR" i="1">
-                              <a:latin typeface="Cambria Math" panose="02040503050406030204" pitchFamily="18" charset="0"/>
-                            </a:rPr>
+                            <a:rPr lang="pt-BR" i="1"/>
                             <m:t>𝜕</m:t>
                           </m:r>
                           <m:sSub>
                             <m:sSubPr>
                               <m:ctrlPr>
-                                <a:rPr lang="pt-BR" i="1">
-                                  <a:latin typeface="Cambria Math" panose="02040503050406030204" pitchFamily="18" charset="0"/>
-                                </a:rPr>
+                                <a:rPr lang="pt-BR" i="1"/>
                               </m:ctrlPr>
                             </m:sSubPr>
                             <m:e>
                               <m:r>
-                                <a:rPr lang="pt-BR" i="1">
-                                  <a:latin typeface="Cambria Math" panose="02040503050406030204" pitchFamily="18" charset="0"/>
-                                </a:rPr>
+                                <a:rPr lang="pt-BR" i="1"/>
                                 <m:t>𝐽</m:t>
                               </m:r>
                             </m:e>
                             <m:sub>
                               <m:r>
-                                <a:rPr lang="pt-BR" i="1">
-                                  <a:latin typeface="Cambria Math" panose="02040503050406030204" pitchFamily="18" charset="0"/>
-                                </a:rPr>
+                                <a:rPr lang="pt-BR" i="1"/>
                                 <m:t>𝑒</m:t>
                               </m:r>
                             </m:sub>
@@ -30938,16 +30919,12 @@
                           <m:d>
                             <m:dPr>
                               <m:ctrlPr>
-                                <a:rPr lang="pt-BR" i="1">
-                                  <a:latin typeface="Cambria Math" panose="02040503050406030204" pitchFamily="18" charset="0"/>
-                                </a:rPr>
+                                <a:rPr lang="pt-BR" i="1"/>
                               </m:ctrlPr>
                             </m:dPr>
                             <m:e>
                               <m:r>
-                                <a:rPr lang="pt-BR" b="1" i="1">
-                                  <a:latin typeface="Cambria Math" panose="02040503050406030204" pitchFamily="18" charset="0"/>
-                                </a:rPr>
+                                <a:rPr lang="pt-BR" b="1" i="1"/>
                                 <m:t>𝒂</m:t>
                               </m:r>
                             </m:e>
@@ -30955,40 +30932,29 @@
                         </m:num>
                         <m:den>
                           <m:r>
-                            <a:rPr lang="pt-BR" i="1">
-                              <a:latin typeface="Cambria Math" panose="02040503050406030204" pitchFamily="18" charset="0"/>
-                            </a:rPr>
+                            <a:rPr lang="pt-BR" i="1"/>
                             <m:t>𝜕</m:t>
                           </m:r>
                           <m:r>
-                            <a:rPr lang="pt-BR" b="1" i="1">
-                              <a:latin typeface="Cambria Math" panose="02040503050406030204" pitchFamily="18" charset="0"/>
-                            </a:rPr>
+                            <a:rPr lang="pt-BR" b="1" i="1"/>
                             <m:t>𝒂</m:t>
                           </m:r>
                         </m:den>
                       </m:f>
                       <m:r>
-                        <a:rPr lang="pt-BR" b="1" i="1">
-                          <a:latin typeface="Cambria Math" panose="02040503050406030204" pitchFamily="18" charset="0"/>
-                        </a:rPr>
+                        <a:rPr lang="pt-BR" b="1" i="1"/>
                         <m:t>=</m:t>
                       </m:r>
                       <m:r>
-                        <a:rPr lang="pt-BR" b="1" i="1">
-                          <a:latin typeface="Cambria Math" panose="02040503050406030204" pitchFamily="18" charset="0"/>
-                        </a:rPr>
+                        <a:rPr lang="pt-BR" b="1" i="1"/>
                         <m:t>𝒂</m:t>
                       </m:r>
                       <m:r>
-                        <a:rPr lang="pt-BR" b="0" i="1" smtClean="0">
-                          <a:latin typeface="Cambria Math" panose="02040503050406030204" pitchFamily="18" charset="0"/>
-                        </a:rPr>
+                        <a:rPr lang="pt-BR" b="0" i="1" smtClean="0"/>
                         <m:t>+</m:t>
                       </m:r>
                       <m:r>
                         <a:rPr lang="pt-BR" i="1">
-                          <a:latin typeface="Cambria Math" panose="02040503050406030204" pitchFamily="18" charset="0"/>
                           <a:ea typeface="Cambria Math" panose="02040503050406030204" pitchFamily="18" charset="0"/>
                         </a:rPr>
                         <m:t>𝛼</m:t>
@@ -30996,24 +30962,18 @@
                       <m:f>
                         <m:fPr>
                           <m:ctrlPr>
-                            <a:rPr lang="pt-BR" i="1">
-                              <a:latin typeface="Cambria Math" panose="02040503050406030204" pitchFamily="18" charset="0"/>
-                            </a:rPr>
+                            <a:rPr lang="pt-BR" i="1"/>
                           </m:ctrlPr>
                         </m:fPr>
                         <m:num>
                           <m:r>
-                            <a:rPr lang="pt-BR" b="0" i="1" smtClean="0">
-                              <a:latin typeface="Cambria Math" panose="02040503050406030204" pitchFamily="18" charset="0"/>
-                            </a:rPr>
+                            <a:rPr lang="pt-BR" b="0" i="1" smtClean="0"/>
                             <m:t>2</m:t>
                           </m:r>
                         </m:num>
                         <m:den>
                           <m:r>
-                            <a:rPr lang="pt-BR" i="1">
-                              <a:latin typeface="Cambria Math" panose="02040503050406030204" pitchFamily="18" charset="0"/>
-                            </a:rPr>
+                            <a:rPr lang="pt-BR" i="1"/>
                             <m:t>𝑁</m:t>
                           </m:r>
                         </m:den>
@@ -31022,36 +30982,26 @@
                         <m:naryPr>
                           <m:chr m:val="∑"/>
                           <m:ctrlPr>
-                            <a:rPr lang="pt-BR" i="1">
-                              <a:latin typeface="Cambria Math" panose="02040503050406030204" pitchFamily="18" charset="0"/>
-                            </a:rPr>
+                            <a:rPr lang="pt-BR" i="1"/>
                           </m:ctrlPr>
                         </m:naryPr>
                         <m:sub>
                           <m:r>
-                            <a:rPr lang="pt-BR" i="1">
-                              <a:latin typeface="Cambria Math" panose="02040503050406030204" pitchFamily="18" charset="0"/>
-                            </a:rPr>
+                            <a:rPr lang="pt-BR" i="1"/>
                             <m:t>𝑛</m:t>
                           </m:r>
                           <m:r>
-                            <a:rPr lang="pt-BR" i="1">
-                              <a:latin typeface="Cambria Math" panose="02040503050406030204" pitchFamily="18" charset="0"/>
-                            </a:rPr>
+                            <a:rPr lang="pt-BR" i="1"/>
                             <m:t>=0</m:t>
                           </m:r>
                         </m:sub>
                         <m:sup>
                           <m:r>
-                            <a:rPr lang="pt-BR" b="0" i="1" smtClean="0">
-                              <a:latin typeface="Cambria Math" panose="02040503050406030204" pitchFamily="18" charset="0"/>
-                            </a:rPr>
+                            <a:rPr lang="pt-BR" b="0" i="1" smtClean="0"/>
                             <m:t>𝑀</m:t>
                           </m:r>
                           <m:r>
-                            <a:rPr lang="pt-BR" i="1">
-                              <a:latin typeface="Cambria Math" panose="02040503050406030204" pitchFamily="18" charset="0"/>
-                            </a:rPr>
+                            <a:rPr lang="pt-BR" i="1"/>
                             <m:t>−1</m:t>
                           </m:r>
                         </m:sup>
@@ -31061,55 +31011,41 @@
                               <m:begChr m:val="["/>
                               <m:endChr m:val="]"/>
                               <m:ctrlPr>
-                                <a:rPr lang="pt-BR" i="1">
-                                  <a:latin typeface="Cambria Math" panose="02040503050406030204" pitchFamily="18" charset="0"/>
-                                </a:rPr>
+                                <a:rPr lang="pt-BR" i="1"/>
                               </m:ctrlPr>
                             </m:dPr>
                             <m:e>
                               <m:r>
-                                <a:rPr lang="pt-BR" i="1">
-                                  <a:latin typeface="Cambria Math" panose="02040503050406030204" pitchFamily="18" charset="0"/>
-                                </a:rPr>
+                                <a:rPr lang="pt-BR" i="1"/>
                                 <m:t>𝑦</m:t>
                               </m:r>
                               <m:d>
                                 <m:dPr>
                                   <m:ctrlPr>
-                                    <a:rPr lang="pt-BR" i="1">
-                                      <a:latin typeface="Cambria Math" panose="02040503050406030204" pitchFamily="18" charset="0"/>
-                                    </a:rPr>
+                                    <a:rPr lang="pt-BR" i="1"/>
                                   </m:ctrlPr>
                                 </m:dPr>
                                 <m:e>
                                   <m:r>
-                                    <a:rPr lang="pt-BR" i="1">
-                                      <a:latin typeface="Cambria Math" panose="02040503050406030204" pitchFamily="18" charset="0"/>
-                                    </a:rPr>
+                                    <a:rPr lang="pt-BR" i="1"/>
                                     <m:t>𝑛</m:t>
                                   </m:r>
                                 </m:e>
                               </m:d>
                               <m:r>
-                                <a:rPr lang="pt-BR" i="1">
-                                  <a:latin typeface="Cambria Math" panose="02040503050406030204" pitchFamily="18" charset="0"/>
-                                </a:rPr>
+                                <a:rPr lang="pt-BR" i="1"/>
                                 <m:t>−</m:t>
                               </m:r>
                               <m:acc>
                                 <m:accPr>
                                   <m:chr m:val="̂"/>
                                   <m:ctrlPr>
-                                    <a:rPr lang="pt-BR" i="1">
-                                      <a:latin typeface="Cambria Math" panose="02040503050406030204" pitchFamily="18" charset="0"/>
-                                    </a:rPr>
+                                    <a:rPr lang="pt-BR" i="1"/>
                                   </m:ctrlPr>
                                 </m:accPr>
                                 <m:e>
                                   <m:r>
-                                    <a:rPr lang="pt-BR" i="1">
-                                      <a:latin typeface="Cambria Math" panose="02040503050406030204" pitchFamily="18" charset="0"/>
-                                    </a:rPr>
+                                    <a:rPr lang="pt-BR" i="1"/>
                                     <m:t>𝑦</m:t>
                                   </m:r>
                                 </m:e>
@@ -31117,16 +31053,12 @@
                               <m:d>
                                 <m:dPr>
                                   <m:ctrlPr>
-                                    <a:rPr lang="pt-BR" i="1">
-                                      <a:latin typeface="Cambria Math" panose="02040503050406030204" pitchFamily="18" charset="0"/>
-                                    </a:rPr>
+                                    <a:rPr lang="pt-BR" i="1"/>
                                   </m:ctrlPr>
                                 </m:dPr>
                                 <m:e>
                                   <m:r>
-                                    <a:rPr lang="pt-BR" i="1">
-                                      <a:latin typeface="Cambria Math" panose="02040503050406030204" pitchFamily="18" charset="0"/>
-                                    </a:rPr>
+                                    <a:rPr lang="pt-BR" i="1"/>
                                     <m:t>𝑛</m:t>
                                   </m:r>
                                 </m:e>
@@ -31136,31 +31068,23 @@
                           <m:sSup>
                             <m:sSupPr>
                               <m:ctrlPr>
-                                <a:rPr lang="pt-BR" i="1">
-                                  <a:latin typeface="Cambria Math" panose="02040503050406030204" pitchFamily="18" charset="0"/>
-                                </a:rPr>
+                                <a:rPr lang="pt-BR" i="1"/>
                               </m:ctrlPr>
                             </m:sSupPr>
                             <m:e>
                               <m:r>
-                                <a:rPr lang="pt-BR" b="1" i="1">
-                                  <a:latin typeface="Cambria Math" panose="02040503050406030204" pitchFamily="18" charset="0"/>
-                                </a:rPr>
+                                <a:rPr lang="pt-BR" b="1" i="1"/>
                                 <m:t>𝒙</m:t>
                               </m:r>
                               <m:d>
                                 <m:dPr>
                                   <m:ctrlPr>
-                                    <a:rPr lang="pt-BR" b="1" i="1">
-                                      <a:latin typeface="Cambria Math" panose="02040503050406030204" pitchFamily="18" charset="0"/>
-                                    </a:rPr>
+                                    <a:rPr lang="pt-BR" b="1" i="1"/>
                                   </m:ctrlPr>
                                 </m:dPr>
                                 <m:e>
                                   <m:r>
-                                    <a:rPr lang="pt-BR" i="1">
-                                      <a:latin typeface="Cambria Math" panose="02040503050406030204" pitchFamily="18" charset="0"/>
-                                    </a:rPr>
+                                    <a:rPr lang="pt-BR" i="1"/>
                                     <m:t>𝑛</m:t>
                                   </m:r>
                                 </m:e>
@@ -31168,9 +31092,7 @@
                             </m:e>
                             <m:sup>
                               <m:r>
-                                <a:rPr lang="pt-BR" i="1">
-                                  <a:latin typeface="Cambria Math" panose="02040503050406030204" pitchFamily="18" charset="0"/>
-                                </a:rPr>
+                                <a:rPr lang="pt-BR" i="1"/>
                                 <m:t>𝑇</m:t>
                               </m:r>
                             </m:sup>
@@ -31178,17 +31100,13 @@
                         </m:e>
                       </m:nary>
                       <m:r>
-                        <a:rPr lang="pt-BR" b="0" i="0" smtClean="0">
-                          <a:latin typeface="Cambria Math" panose="02040503050406030204" pitchFamily="18" charset="0"/>
-                        </a:rPr>
+                        <a:rPr lang="pt-BR" b="0" i="0" smtClean="0"/>
                         <m:t>.</m:t>
                       </m:r>
                     </m:oMath>
                   </m:oMathPara>
                 </a14:m>
-                <a:endParaRPr lang="pt-BR" b="0" i="0" dirty="0">
-                  <a:latin typeface="Cambria Math" panose="02040503050406030204" pitchFamily="18" charset="0"/>
-                </a:endParaRPr>
+                <a:endParaRPr lang="pt-BR" b="0" i="0" dirty="0"/>
               </a:p>
               <a:p>
                 <a:r>
@@ -31210,15 +31128,11 @@
                 <a14:m>
                   <m:oMath xmlns:m="http://schemas.openxmlformats.org/officeDocument/2006/math">
                     <m:r>
-                      <a:rPr lang="pt-BR" b="0" i="1" smtClean="0">
-                        <a:latin typeface="Cambria Math" panose="02040503050406030204" pitchFamily="18" charset="0"/>
-                      </a:rPr>
+                      <a:rPr lang="pt-BR" b="0" i="1" smtClean="0"/>
                       <m:t>𝑀</m:t>
                     </m:r>
                     <m:r>
-                      <a:rPr lang="pt-BR" b="0" i="1" smtClean="0">
-                        <a:latin typeface="Cambria Math" panose="02040503050406030204" pitchFamily="18" charset="0"/>
-                      </a:rPr>
+                      <a:rPr lang="pt-BR" b="0" i="1" smtClean="0"/>
                       <m:t>=1</m:t>
                     </m:r>
                   </m:oMath>
@@ -31241,15 +31155,124 @@
                 </a:r>
               </a:p>
               <a:p>
+                <a:pPr lvl="1">
+                  <a:buFont typeface="Wingdings" panose="05000000000000000000" pitchFamily="2" charset="2"/>
+                  <a:buChar char="§"/>
+                </a:pPr>
                 <a:r>
                   <a:rPr lang="pt-BR" dirty="0"/>
-                  <a:t>A estimativa do gradiente pode ser ruidosa, fazendo com que a convergência não ocorra ou não seja garantida.</a:t>
+                  <a:t>Versão estocástica pois a cada iteração toma-se uma amostra </a:t>
+                </a:r>
+                <a:r>
+                  <a:rPr lang="pt-BR" b="1" i="1" dirty="0">
+                    <a:solidFill>
+                      <a:srgbClr val="00B050"/>
+                    </a:solidFill>
+                  </a:rPr>
+                  <a:t>aleatória</a:t>
+                </a:r>
+                <a:r>
+                  <a:rPr lang="pt-BR" dirty="0"/>
+                  <a:t> do conjunto para calcular a estimativa do gradiente.</a:t>
                 </a:r>
               </a:p>
               <a:p>
                 <a:r>
                   <a:rPr lang="pt-BR" dirty="0"/>
-                  <a:t>Entretanto, apresenta menor complexidade computacional, sendo mais rápido e requerendo menos memória do que o GDB.</a:t>
+                  <a:t>Quando os </a:t>
+                </a:r>
+                <a:r>
+                  <a:rPr lang="pt-BR" b="1" i="1" dirty="0">
+                    <a:solidFill>
+                      <a:srgbClr val="00B050"/>
+                    </a:solidFill>
+                  </a:rPr>
+                  <a:t>d</a:t>
+                </a:r>
+                <a:r>
+                  <a:rPr lang="pt-BR" b="1" i="1" dirty="0">
+                    <a:solidFill>
+                      <a:srgbClr val="00B050"/>
+                    </a:solidFill>
+                    <a:effectLst/>
+                  </a:rPr>
+                  <a:t>ados de treinamento são ruidosos</a:t>
+                </a:r>
+                <a:r>
+                  <a:rPr lang="pt-BR" b="0" i="0" dirty="0">
+                    <a:effectLst/>
+                  </a:rPr>
+                  <a:t>, a</a:t>
+                </a:r>
+                <a:r>
+                  <a:rPr lang="pt-BR" dirty="0"/>
+                  <a:t> </a:t>
+                </a:r>
+                <a:r>
+                  <a:rPr lang="pt-BR" b="1" i="1" dirty="0">
+                    <a:solidFill>
+                      <a:srgbClr val="00B050"/>
+                    </a:solidFill>
+                  </a:rPr>
+                  <a:t>estimativa</a:t>
+                </a:r>
+                <a:r>
+                  <a:rPr lang="pt-BR" dirty="0"/>
+                  <a:t> do gradiente </a:t>
+                </a:r>
+                <a:r>
+                  <a:rPr lang="pt-BR" b="1" i="1" dirty="0">
+                    <a:solidFill>
+                      <a:srgbClr val="00B050"/>
+                    </a:solidFill>
+                  </a:rPr>
+                  <a:t>é ruidosa</a:t>
+                </a:r>
+                <a:r>
+                  <a:rPr lang="pt-BR" dirty="0"/>
+                  <a:t>, fazendo com que a </a:t>
+                </a:r>
+                <a:r>
+                  <a:rPr lang="pt-BR" b="1" i="1" dirty="0">
+                    <a:solidFill>
+                      <a:srgbClr val="00B050"/>
+                    </a:solidFill>
+                  </a:rPr>
+                  <a:t>convergência não ocorra</a:t>
+                </a:r>
+                <a:r>
+                  <a:rPr lang="pt-BR" dirty="0"/>
+                  <a:t> ou </a:t>
+                </a:r>
+                <a:r>
+                  <a:rPr lang="pt-BR" b="1" i="1" dirty="0">
+                    <a:solidFill>
+                      <a:srgbClr val="00B050"/>
+                    </a:solidFill>
+                  </a:rPr>
+                  <a:t>não seja garantida</a:t>
+                </a:r>
+                <a:r>
+                  <a:rPr lang="pt-BR" dirty="0"/>
+                  <a:t>.</a:t>
+                </a:r>
+              </a:p>
+              <a:p>
+                <a:r>
+                  <a:rPr lang="pt-BR" dirty="0"/>
+                  <a:t>Entretanto, apresenta </a:t>
+                </a:r>
+                <a:r>
+                  <a:rPr lang="pt-BR" b="1" i="1" dirty="0">
+                    <a:solidFill>
+                      <a:srgbClr val="00B050"/>
+                    </a:solidFill>
+                  </a:rPr>
+                  <a:t>menor complexidade computacional</a:t>
+                </a:r>
+                <a:r>
+                  <a:rPr lang="pt-BR" dirty="0"/>
+                  <a:t>, sendo mais rápido e requerendo menos memória do que o GDB.</a:t>
                 </a:r>
               </a:p>
               <a:p>
@@ -31298,7 +31321,7 @@
               <a:blipFill>
                 <a:blip r:embed="rId3"/>
                 <a:stretch>
-                  <a:fillRect l="-979" r="-598"/>
+                  <a:fillRect l="-979" r="-1251"/>
                 </a:stretch>
               </a:blipFill>
             </p:spPr>
@@ -31794,7 +31817,7 @@
               <a:p>
                 <a:r>
                   <a:rPr lang="nl-BE" dirty="0"/>
-                  <a:t>Por usar um pequeno grupo de amostras, em geral, </a:t>
+                  <a:t>Por usar um subconjunto de exemplos, em geral, </a:t>
                 </a:r>
                 <a14:m>
                   <m:oMath xmlns:m="http://schemas.openxmlformats.org/officeDocument/2006/math">
@@ -31838,10 +31861,26 @@
               <a:p>
                 <a:r>
                   <a:rPr lang="pt-BR" dirty="0"/>
-                  <a:t>É uma generalização das duas versões anteriores e a </a:t>
+                  <a:t>É uma </a:t>
                 </a:r>
                 <a:r>
-                  <a:rPr lang="pt-BR" b="1" i="1" dirty="0"/>
+                  <a:rPr lang="pt-BR" b="1" i="1" dirty="0">
+                    <a:solidFill>
+                      <a:srgbClr val="00B050"/>
+                    </a:solidFill>
+                  </a:rPr>
+                  <a:t>generalização</a:t>
+                </a:r>
+                <a:r>
+                  <a:rPr lang="pt-BR" dirty="0"/>
+                  <a:t> das duas versões anteriores e a </a:t>
+                </a:r>
+                <a:r>
+                  <a:rPr lang="pt-BR" b="1" i="1" dirty="0">
+                    <a:solidFill>
+                      <a:srgbClr val="00B050"/>
+                    </a:solidFill>
+                  </a:rPr>
                   <a:t>versão mais usada no treinamento de redes neurais</a:t>
                 </a:r>
                 <a:r>
@@ -31899,7 +31938,7 @@
               <a:blipFill>
                 <a:blip r:embed="rId3"/>
                 <a:stretch>
-                  <a:fillRect l="-979" r="-1686"/>
+                  <a:fillRect l="-979"/>
                 </a:stretch>
               </a:blipFill>
             </p:spPr>
@@ -32763,8 +32802,8 @@
           </a:p>
         </p:txBody>
       </p:sp>
-      <mc:AlternateContent xmlns:mc="http://schemas.openxmlformats.org/markup-compatibility/2006">
-        <mc:Choice xmlns:a14="http://schemas.microsoft.com/office/drawing/2010/main" Requires="a14">
+      <mc:AlternateContent xmlns:mc="http://schemas.openxmlformats.org/markup-compatibility/2006" xmlns:a14="http://schemas.microsoft.com/office/drawing/2010/main">
+        <mc:Choice Requires="a14">
           <p:sp>
             <p:nvSpPr>
               <p:cNvPr id="3" name="Espaço Reservado para Conteúdo 2">
@@ -32883,7 +32922,7 @@
             </p:txBody>
           </p:sp>
         </mc:Choice>
-        <mc:Fallback>
+        <mc:Fallback xmlns="">
           <p:sp>
             <p:nvSpPr>
               <p:cNvPr id="3" name="Espaço Reservado para Conteúdo 2">
@@ -34328,8 +34367,8 @@
           </p:txBody>
         </p:sp>
       </p:grpSp>
-      <mc:AlternateContent xmlns:mc="http://schemas.openxmlformats.org/markup-compatibility/2006">
-        <mc:Choice xmlns:a14="http://schemas.microsoft.com/office/drawing/2010/main" Requires="a14">
+      <mc:AlternateContent xmlns:mc="http://schemas.openxmlformats.org/markup-compatibility/2006" xmlns:a14="http://schemas.microsoft.com/office/drawing/2010/main">
+        <mc:Choice Requires="a14">
           <p:sp>
             <p:nvSpPr>
               <p:cNvPr id="26" name="CaixaDeTexto 25">
@@ -34608,7 +34647,7 @@
             </p:txBody>
           </p:sp>
         </mc:Choice>
-        <mc:Fallback>
+        <mc:Fallback xmlns="">
           <p:sp>
             <p:nvSpPr>
               <p:cNvPr id="26" name="CaixaDeTexto 25">
@@ -34653,8 +34692,8 @@
           </p:sp>
         </mc:Fallback>
       </mc:AlternateContent>
-      <mc:AlternateContent xmlns:mc="http://schemas.openxmlformats.org/markup-compatibility/2006">
-        <mc:Choice xmlns:a14="http://schemas.microsoft.com/office/drawing/2010/main" Requires="a14">
+      <mc:AlternateContent xmlns:mc="http://schemas.openxmlformats.org/markup-compatibility/2006" xmlns:a14="http://schemas.microsoft.com/office/drawing/2010/main">
+        <mc:Choice Requires="a14">
           <p:sp>
             <p:nvSpPr>
               <p:cNvPr id="27" name="CaixaDeTexto 26">
@@ -34732,7 +34771,7 @@
             </p:txBody>
           </p:sp>
         </mc:Choice>
-        <mc:Fallback>
+        <mc:Fallback xmlns="">
           <p:sp>
             <p:nvSpPr>
               <p:cNvPr id="27" name="CaixaDeTexto 26">
@@ -34968,7 +35007,43 @@
           <a:p>
             <a:r>
               <a:rPr lang="pt-BR" dirty="0"/>
-              <a:t>E como vimos no exemplo, funções quadráticas têm a forma de parábolas </a:t>
+              <a:t>E como vimos no exemplo, </a:t>
+            </a:r>
+            <a:r>
+              <a:rPr lang="pt-BR" b="1" i="1" dirty="0">
+                <a:solidFill>
+                  <a:srgbClr val="00B050"/>
+                </a:solidFill>
+              </a:rPr>
+              <a:t>funções quadráticas </a:t>
+            </a:r>
+            <a:r>
+              <a:rPr lang="pt-BR" dirty="0"/>
+              <a:t>têm a</a:t>
+            </a:r>
+            <a:r>
+              <a:rPr lang="pt-BR" b="1" i="1" dirty="0">
+                <a:solidFill>
+                  <a:srgbClr val="00B050"/>
+                </a:solidFill>
+              </a:rPr>
+              <a:t> forma de</a:t>
+            </a:r>
+            <a:r>
+              <a:rPr lang="pt-BR" dirty="0"/>
+              <a:t> </a:t>
+            </a:r>
+            <a:r>
+              <a:rPr lang="pt-BR" b="1" i="1" dirty="0">
+                <a:solidFill>
+                  <a:srgbClr val="00B050"/>
+                </a:solidFill>
+              </a:rPr>
+              <a:t>parábolas</a:t>
+            </a:r>
+            <a:r>
+              <a:rPr lang="pt-BR" dirty="0"/>
+              <a:t> </a:t>
             </a:r>
             <a:r>
               <a:rPr lang="pt-BR" b="1" i="1" dirty="0">
@@ -35030,7 +35105,15 @@
                   <a:srgbClr val="00B050"/>
                 </a:solidFill>
               </a:rPr>
-              <a:t>função tenha apenas um ponto de mínimo, o mínimo global</a:t>
+              <a:t>função tenha apenas um ponto de mínimo, o </a:t>
+            </a:r>
+            <a:r>
+              <a:rPr lang="pt-BR" b="1" i="1" dirty="0">
+                <a:solidFill>
+                  <a:srgbClr val="7030A0"/>
+                </a:solidFill>
+              </a:rPr>
+              <a:t>mínimo global</a:t>
             </a:r>
             <a:r>
               <a:rPr lang="pt-BR" dirty="0"/>
@@ -36124,7 +36207,11 @@
               <a:t>Se queremos encontrar o </a:t>
             </a:r>
             <a:r>
-              <a:rPr lang="pt-BR" b="1" i="1" dirty="0"/>
+              <a:rPr lang="pt-BR" b="1" i="1" dirty="0">
+                <a:solidFill>
+                  <a:srgbClr val="00B050"/>
+                </a:solidFill>
+              </a:rPr>
               <a:t>mínimo</a:t>
             </a:r>
             <a:r>
@@ -36132,7 +36219,11 @@
               <a:t> da função, basta buscarmos a </a:t>
             </a:r>
             <a:r>
-              <a:rPr lang="pt-BR" b="1" i="1" dirty="0"/>
+              <a:rPr lang="pt-BR" b="1" i="1" dirty="0">
+                <a:solidFill>
+                  <a:srgbClr val="7030A0"/>
+                </a:solidFill>
+              </a:rPr>
               <a:t>parte mais baixa da parábola</a:t>
             </a:r>
             <a:r>
@@ -36147,7 +36238,27 @@
             </a:r>
             <a:r>
               <a:rPr lang="pt-BR" b="1" i="1" dirty="0"/>
-              <a:t>sempre teremos certeza de que o mínimo está na parte inferior da parábola</a:t>
+              <a:t>sempre teremos </a:t>
+            </a:r>
+            <a:r>
+              <a:rPr lang="pt-BR" b="1" i="1" dirty="0">
+                <a:solidFill>
+                  <a:srgbClr val="00B050"/>
+                </a:solidFill>
+              </a:rPr>
+              <a:t>certeza</a:t>
+            </a:r>
+            <a:r>
+              <a:rPr lang="pt-BR" b="1" i="1" dirty="0"/>
+              <a:t> de que o </a:t>
+            </a:r>
+            <a:r>
+              <a:rPr lang="pt-BR" b="1" i="1" dirty="0">
+                <a:solidFill>
+                  <a:srgbClr val="00B050"/>
+                </a:solidFill>
+              </a:rPr>
+              <a:t>mínimo está na parte inferior da parábola</a:t>
             </a:r>
             <a:r>
               <a:rPr lang="pt-BR" dirty="0"/>

--- a/slides/TP557_6_Minimizando_o_erro.pptx
+++ b/slides/TP557_6_Minimizando_o_erro.pptx
@@ -5,10 +5,10 @@
     <p:sldMasterId id="2147483648" r:id="rId1"/>
   </p:sldMasterIdLst>
   <p:notesMasterIdLst>
-    <p:notesMasterId r:id="rId34"/>
+    <p:notesMasterId r:id="rId35"/>
   </p:notesMasterIdLst>
   <p:handoutMasterIdLst>
-    <p:handoutMasterId r:id="rId35"/>
+    <p:handoutMasterId r:id="rId36"/>
   </p:handoutMasterIdLst>
   <p:sldIdLst>
     <p:sldId id="256" r:id="rId2"/>
@@ -32,17 +32,18 @@
     <p:sldId id="425" r:id="rId20"/>
     <p:sldId id="420" r:id="rId21"/>
     <p:sldId id="418" r:id="rId22"/>
-    <p:sldId id="421" r:id="rId23"/>
-    <p:sldId id="422" r:id="rId24"/>
-    <p:sldId id="423" r:id="rId25"/>
-    <p:sldId id="424" r:id="rId26"/>
-    <p:sldId id="429" r:id="rId27"/>
-    <p:sldId id="430" r:id="rId28"/>
-    <p:sldId id="431" r:id="rId29"/>
-    <p:sldId id="427" r:id="rId30"/>
-    <p:sldId id="405" r:id="rId31"/>
-    <p:sldId id="293" r:id="rId32"/>
-    <p:sldId id="306" r:id="rId33"/>
+    <p:sldId id="435" r:id="rId23"/>
+    <p:sldId id="421" r:id="rId24"/>
+    <p:sldId id="422" r:id="rId25"/>
+    <p:sldId id="423" r:id="rId26"/>
+    <p:sldId id="424" r:id="rId27"/>
+    <p:sldId id="429" r:id="rId28"/>
+    <p:sldId id="430" r:id="rId29"/>
+    <p:sldId id="431" r:id="rId30"/>
+    <p:sldId id="427" r:id="rId31"/>
+    <p:sldId id="405" r:id="rId32"/>
+    <p:sldId id="293" r:id="rId33"/>
+    <p:sldId id="306" r:id="rId34"/>
   </p:sldIdLst>
   <p:sldSz cx="12192000" cy="6858000"/>
   <p:notesSz cx="7315200" cy="9601200"/>
@@ -306,7 +307,7 @@
           <a:p>
             <a:fld id="{144F1436-6906-4D93-B7A2-786C327BFA14}" type="datetimeFigureOut">
               <a:rPr lang="nl-BE" smtClean="0"/>
-              <a:t>29/08/2023</a:t>
+              <a:t>30/08/2023</a:t>
             </a:fld>
             <a:endParaRPr lang="nl-BE"/>
           </a:p>
@@ -471,7 +472,7 @@
           <a:p>
             <a:fld id="{AA8CD09E-2914-4F47-B6C1-51B2C31814C9}" type="datetimeFigureOut">
               <a:rPr lang="pt-BR" smtClean="0"/>
-              <a:t>29/08/2023</a:t>
+              <a:t>30/08/2023</a:t>
             </a:fld>
             <a:endParaRPr lang="pt-BR"/>
           </a:p>
@@ -2164,7 +2165,7 @@
           <a:p>
             <a:fld id="{6FC8D850-966F-45A6-8DE7-15B891E7D40D}" type="slidenum">
               <a:rPr lang="pt-BR" smtClean="0"/>
-              <a:t>25</a:t>
+              <a:t>26</a:t>
             </a:fld>
             <a:endParaRPr lang="pt-BR"/>
           </a:p>
@@ -2727,7 +2728,7 @@
           <a:p>
             <a:fld id="{6FC8D850-966F-45A6-8DE7-15B891E7D40D}" type="slidenum">
               <a:rPr lang="pt-BR" smtClean="0"/>
-              <a:t>26</a:t>
+              <a:t>27</a:t>
             </a:fld>
             <a:endParaRPr lang="pt-BR"/>
           </a:p>
@@ -3249,7 +3250,7 @@
           <a:p>
             <a:fld id="{6FC8D850-966F-45A6-8DE7-15B891E7D40D}" type="slidenum">
               <a:rPr lang="pt-BR" smtClean="0"/>
-              <a:t>27</a:t>
+              <a:t>28</a:t>
             </a:fld>
             <a:endParaRPr lang="pt-BR"/>
           </a:p>
@@ -3771,7 +3772,7 @@
           <a:p>
             <a:fld id="{6FC8D850-966F-45A6-8DE7-15B891E7D40D}" type="slidenum">
               <a:rPr lang="pt-BR" smtClean="0"/>
-              <a:t>28</a:t>
+              <a:t>29</a:t>
             </a:fld>
             <a:endParaRPr lang="pt-BR"/>
           </a:p>
@@ -3875,7 +3876,7 @@
           <a:p>
             <a:fld id="{6FC8D850-966F-45A6-8DE7-15B891E7D40D}" type="slidenum">
               <a:rPr lang="pt-BR" smtClean="0"/>
-              <a:t>29</a:t>
+              <a:t>30</a:t>
             </a:fld>
             <a:endParaRPr lang="pt-BR"/>
           </a:p>
@@ -3981,7 +3982,7 @@
           <a:p>
             <a:fld id="{6FC8D850-966F-45A6-8DE7-15B891E7D40D}" type="slidenum">
               <a:rPr lang="pt-BR" smtClean="0"/>
-              <a:t>30</a:t>
+              <a:t>31</a:t>
             </a:fld>
             <a:endParaRPr lang="pt-BR"/>
           </a:p>
@@ -4805,7 +4806,7 @@
           <a:p>
             <a:fld id="{63289F7E-B80B-496E-81B4-D396C37C9454}" type="datetimeFigureOut">
               <a:rPr lang="pt-BR" smtClean="0"/>
-              <a:t>29/08/2023</a:t>
+              <a:t>30/08/2023</a:t>
             </a:fld>
             <a:endParaRPr lang="pt-BR"/>
           </a:p>
@@ -5003,7 +5004,7 @@
           <a:p>
             <a:fld id="{63289F7E-B80B-496E-81B4-D396C37C9454}" type="datetimeFigureOut">
               <a:rPr lang="pt-BR" smtClean="0"/>
-              <a:t>29/08/2023</a:t>
+              <a:t>30/08/2023</a:t>
             </a:fld>
             <a:endParaRPr lang="pt-BR"/>
           </a:p>
@@ -5211,7 +5212,7 @@
           <a:p>
             <a:fld id="{63289F7E-B80B-496E-81B4-D396C37C9454}" type="datetimeFigureOut">
               <a:rPr lang="pt-BR" smtClean="0"/>
-              <a:t>29/08/2023</a:t>
+              <a:t>30/08/2023</a:t>
             </a:fld>
             <a:endParaRPr lang="pt-BR"/>
           </a:p>
@@ -5409,7 +5410,7 @@
           <a:p>
             <a:fld id="{63289F7E-B80B-496E-81B4-D396C37C9454}" type="datetimeFigureOut">
               <a:rPr lang="pt-BR" smtClean="0"/>
-              <a:t>29/08/2023</a:t>
+              <a:t>30/08/2023</a:t>
             </a:fld>
             <a:endParaRPr lang="pt-BR"/>
           </a:p>
@@ -5684,7 +5685,7 @@
           <a:p>
             <a:fld id="{63289F7E-B80B-496E-81B4-D396C37C9454}" type="datetimeFigureOut">
               <a:rPr lang="pt-BR" smtClean="0"/>
-              <a:t>29/08/2023</a:t>
+              <a:t>30/08/2023</a:t>
             </a:fld>
             <a:endParaRPr lang="pt-BR"/>
           </a:p>
@@ -5949,7 +5950,7 @@
           <a:p>
             <a:fld id="{63289F7E-B80B-496E-81B4-D396C37C9454}" type="datetimeFigureOut">
               <a:rPr lang="pt-BR" smtClean="0"/>
-              <a:t>29/08/2023</a:t>
+              <a:t>30/08/2023</a:t>
             </a:fld>
             <a:endParaRPr lang="pt-BR"/>
           </a:p>
@@ -6361,7 +6362,7 @@
           <a:p>
             <a:fld id="{63289F7E-B80B-496E-81B4-D396C37C9454}" type="datetimeFigureOut">
               <a:rPr lang="pt-BR" smtClean="0"/>
-              <a:t>29/08/2023</a:t>
+              <a:t>30/08/2023</a:t>
             </a:fld>
             <a:endParaRPr lang="pt-BR"/>
           </a:p>
@@ -6502,7 +6503,7 @@
           <a:p>
             <a:fld id="{63289F7E-B80B-496E-81B4-D396C37C9454}" type="datetimeFigureOut">
               <a:rPr lang="pt-BR" smtClean="0"/>
-              <a:t>29/08/2023</a:t>
+              <a:t>30/08/2023</a:t>
             </a:fld>
             <a:endParaRPr lang="pt-BR"/>
           </a:p>
@@ -6615,7 +6616,7 @@
           <a:p>
             <a:fld id="{63289F7E-B80B-496E-81B4-D396C37C9454}" type="datetimeFigureOut">
               <a:rPr lang="pt-BR" smtClean="0"/>
-              <a:t>29/08/2023</a:t>
+              <a:t>30/08/2023</a:t>
             </a:fld>
             <a:endParaRPr lang="pt-BR"/>
           </a:p>
@@ -6926,7 +6927,7 @@
           <a:p>
             <a:fld id="{63289F7E-B80B-496E-81B4-D396C37C9454}" type="datetimeFigureOut">
               <a:rPr lang="pt-BR" smtClean="0"/>
-              <a:t>29/08/2023</a:t>
+              <a:t>30/08/2023</a:t>
             </a:fld>
             <a:endParaRPr lang="pt-BR"/>
           </a:p>
@@ -7214,7 +7215,7 @@
           <a:p>
             <a:fld id="{63289F7E-B80B-496E-81B4-D396C37C9454}" type="datetimeFigureOut">
               <a:rPr lang="pt-BR" smtClean="0"/>
-              <a:t>29/08/2023</a:t>
+              <a:t>30/08/2023</a:t>
             </a:fld>
             <a:endParaRPr lang="pt-BR"/>
           </a:p>
@@ -7455,7 +7456,7 @@
           <a:p>
             <a:fld id="{63289F7E-B80B-496E-81B4-D396C37C9454}" type="datetimeFigureOut">
               <a:rPr lang="pt-BR" smtClean="0"/>
-              <a:t>29/08/2023</a:t>
+              <a:t>30/08/2023</a:t>
             </a:fld>
             <a:endParaRPr lang="pt-BR"/>
           </a:p>
@@ -9435,7 +9436,23 @@
                       <a:schemeClr val="tx1"/>
                     </a:solidFill>
                   </a:rPr>
-                  <a:t>Porém, queremos encontrar o mínimo da função, o que devemos fazer?</a:t>
+                  <a:t>Porém, queremos </a:t>
+                </a:r>
+                <a:r>
+                  <a:rPr lang="pt-BR" b="1" i="1" dirty="0">
+                    <a:solidFill>
+                      <a:srgbClr val="00B050"/>
+                    </a:solidFill>
+                  </a:rPr>
+                  <a:t>encontrar o mínimo</a:t>
+                </a:r>
+                <a:r>
+                  <a:rPr lang="pt-BR" dirty="0">
+                    <a:solidFill>
+                      <a:schemeClr val="tx1"/>
+                    </a:solidFill>
+                  </a:rPr>
+                  <a:t> da função, o que devemos fazer?</a:t>
                 </a:r>
                 <a:endParaRPr lang="pt-BR" b="0" i="0" dirty="0">
                   <a:solidFill>
@@ -9592,16 +9609,7 @@
                           </a:solidFill>
                           <a:latin typeface="Cambria Math" panose="02040503050406030204" pitchFamily="18" charset="0"/>
                         </a:rPr>
-                        <m:t>=</m:t>
-                      </m:r>
-                      <m:r>
-                        <a:rPr lang="pt-BR" b="0" i="1" smtClean="0">
-                          <a:solidFill>
-                            <a:schemeClr val="tx1"/>
-                          </a:solidFill>
-                          <a:latin typeface="Cambria Math" panose="02040503050406030204" pitchFamily="18" charset="0"/>
-                        </a:rPr>
-                        <m:t>−</m:t>
+                        <m:t>=−</m:t>
                       </m:r>
                       <m:f>
                         <m:fPr>
@@ -10853,7 +10861,19 @@
             <a:pPr algn="ctr"/>
             <a:r>
               <a:rPr lang="pt-BR" dirty="0"/>
-              <a:t>O objetivo é minimizar a função de erro indo na direção contrária a indicada pelo gradiente.</a:t>
+              <a:t>O objetivo é minimizar a função de erro </a:t>
+            </a:r>
+            <a:r>
+              <a:rPr lang="pt-BR" b="1" i="1" dirty="0">
+                <a:solidFill>
+                  <a:srgbClr val="7030A0"/>
+                </a:solidFill>
+              </a:rPr>
+              <a:t>indo na direção contrária</a:t>
+            </a:r>
+            <a:r>
+              <a:rPr lang="pt-BR" dirty="0"/>
+              <a:t> a indicada pelo gradiente.</a:t>
             </a:r>
           </a:p>
         </p:txBody>
@@ -10911,7 +10931,7 @@
           <a:p>
             <a:r>
               <a:rPr lang="pt-BR" dirty="0"/>
-              <a:t>Vetor gradiente</a:t>
+              <a:t>Qual a distância até o mínimo?</a:t>
             </a:r>
           </a:p>
         </p:txBody>
@@ -12059,7 +12079,7 @@
         </p:spPr>
         <p:txBody>
           <a:bodyPr>
-            <a:normAutofit/>
+            <a:normAutofit lnSpcReduction="10000"/>
           </a:bodyPr>
           <a:lstStyle/>
           <a:p>
@@ -12118,6 +12138,24 @@
                 </a:solidFill>
               </a:rPr>
               <a:t>porcentagem do gradiente que é adicionada aos pesos</a:t>
+            </a:r>
+            <a:r>
+              <a:rPr lang="pt-BR" dirty="0"/>
+              <a:t>.</a:t>
+            </a:r>
+          </a:p>
+          <a:p>
+            <a:r>
+              <a:rPr lang="pt-BR" dirty="0"/>
+              <a:t>A equação ao lado é chamada de </a:t>
+            </a:r>
+            <a:r>
+              <a:rPr lang="pt-BR" b="1" i="1" dirty="0">
+                <a:solidFill>
+                  <a:srgbClr val="7030A0"/>
+                </a:solidFill>
+              </a:rPr>
+              <a:t>equação de atualização dos pesos</a:t>
             </a:r>
             <a:r>
               <a:rPr lang="pt-BR" dirty="0"/>
@@ -14145,93 +14183,16 @@
               <a:p>
                 <a:r>
                   <a:rPr lang="pt-BR" dirty="0"/>
-                  <a:t>Se o peso atual está à esquerda do mínimo, o termo de atualização </a:t>
+                  <a:t>Se o peso atual está à esquerda do mínimo, o </a:t>
                 </a:r>
-                <a14:m>
-                  <m:oMath xmlns:m="http://schemas.openxmlformats.org/officeDocument/2006/math">
-                    <m:r>
-                      <a:rPr lang="pt-BR" sz="2800" i="1" dirty="0" smtClean="0">
-                        <a:latin typeface="Cambria Math" panose="02040503050406030204" pitchFamily="18" charset="0"/>
-                        <a:ea typeface="Cambria Math" panose="02040503050406030204" pitchFamily="18" charset="0"/>
-                      </a:rPr>
-                      <m:t>𝛼</m:t>
-                    </m:r>
-                    <m:f>
-                      <m:fPr>
-                        <m:ctrlPr>
-                          <a:rPr lang="pt-BR" sz="2800" i="1" dirty="0">
-                            <a:latin typeface="Cambria Math" panose="02040503050406030204" pitchFamily="18" charset="0"/>
-                          </a:rPr>
-                        </m:ctrlPr>
-                      </m:fPr>
-                      <m:num>
-                        <m:r>
-                          <a:rPr lang="pt-BR" sz="2800" i="1" dirty="0">
-                            <a:latin typeface="Cambria Math" panose="02040503050406030204" pitchFamily="18" charset="0"/>
-                          </a:rPr>
-                          <m:t>𝜕</m:t>
-                        </m:r>
-                        <m:sSub>
-                          <m:sSubPr>
-                            <m:ctrlPr>
-                              <a:rPr lang="pt-BR" sz="2800" i="1">
-                                <a:latin typeface="Cambria Math" panose="02040503050406030204" pitchFamily="18" charset="0"/>
-                              </a:rPr>
-                            </m:ctrlPr>
-                          </m:sSubPr>
-                          <m:e>
-                            <m:r>
-                              <a:rPr lang="pt-BR" sz="2800" i="1">
-                                <a:latin typeface="Cambria Math" panose="02040503050406030204" pitchFamily="18" charset="0"/>
-                              </a:rPr>
-                              <m:t>𝐽</m:t>
-                            </m:r>
-                          </m:e>
-                          <m:sub>
-                            <m:r>
-                              <a:rPr lang="pt-BR" sz="2800" i="1">
-                                <a:latin typeface="Cambria Math" panose="02040503050406030204" pitchFamily="18" charset="0"/>
-                              </a:rPr>
-                              <m:t>𝑒</m:t>
-                            </m:r>
-                          </m:sub>
-                        </m:sSub>
-                        <m:r>
-                          <a:rPr lang="pt-BR" sz="2800" i="1">
-                            <a:latin typeface="Cambria Math" panose="02040503050406030204" pitchFamily="18" charset="0"/>
-                          </a:rPr>
-                          <m:t>(</m:t>
-                        </m:r>
-                        <m:r>
-                          <a:rPr lang="pt-BR" sz="2800" b="0" i="1" smtClean="0">
-                            <a:latin typeface="Cambria Math" panose="02040503050406030204" pitchFamily="18" charset="0"/>
-                          </a:rPr>
-                          <m:t>𝑎</m:t>
-                        </m:r>
-                        <m:r>
-                          <a:rPr lang="pt-BR" sz="2800" i="1">
-                            <a:latin typeface="Cambria Math" panose="02040503050406030204" pitchFamily="18" charset="0"/>
-                          </a:rPr>
-                          <m:t>)</m:t>
-                        </m:r>
-                      </m:num>
-                      <m:den>
-                        <m:r>
-                          <a:rPr lang="pt-BR" sz="2800" i="1" dirty="0">
-                            <a:latin typeface="Cambria Math" panose="02040503050406030204" pitchFamily="18" charset="0"/>
-                          </a:rPr>
-                          <m:t>𝜕</m:t>
-                        </m:r>
-                        <m:r>
-                          <a:rPr lang="pt-BR" sz="2800" i="1" dirty="0">
-                            <a:latin typeface="Cambria Math" panose="02040503050406030204" pitchFamily="18" charset="0"/>
-                          </a:rPr>
-                          <m:t>𝑎</m:t>
-                        </m:r>
-                      </m:den>
-                    </m:f>
-                  </m:oMath>
-                </a14:m>
+                <a:r>
+                  <a:rPr lang="pt-BR" b="1" i="1" dirty="0">
+                    <a:solidFill>
+                      <a:srgbClr val="7030A0"/>
+                    </a:solidFill>
+                  </a:rPr>
+                  <a:t>termo de atualização</a:t>
+                </a:r>
                 <a:r>
                   <a:rPr lang="pt-BR" dirty="0"/>
                   <a:t> faz com que o novo peso seja maior do que o anterior.</a:t>
@@ -14240,7 +14201,19 @@
               <a:p>
                 <a:r>
                   <a:rPr lang="pt-BR" dirty="0"/>
-                  <a:t>Se o peso atual está à direita do mínimo, o termo de atualização faz com que o novo peso seja menor do que o anterior.</a:t>
+                  <a:t>Se o peso atual está à direita do mínimo, o </a:t>
+                </a:r>
+                <a:r>
+                  <a:rPr lang="pt-BR" b="1" i="1" dirty="0">
+                    <a:solidFill>
+                      <a:srgbClr val="7030A0"/>
+                    </a:solidFill>
+                  </a:rPr>
+                  <a:t>termo de atualização</a:t>
+                </a:r>
+                <a:r>
+                  <a:rPr lang="pt-BR" dirty="0"/>
+                  <a:t> faz com que o novo peso seja menor do que o anterior.</a:t>
                 </a:r>
               </a:p>
             </p:txBody>
@@ -14271,7 +14244,7 @@
               <a:blipFill>
                 <a:blip r:embed="rId3"/>
                 <a:stretch>
-                  <a:fillRect l="-1796" t="-2663" b="-1816"/>
+                  <a:fillRect l="-1796" t="-2663"/>
                 </a:stretch>
               </a:blipFill>
             </p:spPr>
@@ -14304,7 +14277,7 @@
         </p:nvGrpSpPr>
         <p:grpSpPr>
           <a:xfrm>
-            <a:off x="973059" y="2353695"/>
+            <a:off x="973059" y="2055748"/>
             <a:ext cx="3963570" cy="2939416"/>
             <a:chOff x="973059" y="2353695"/>
             <a:chExt cx="3963570" cy="2939416"/>
@@ -16166,6 +16139,86 @@
           </a:fontRef>
         </p:style>
       </p:cxnSp>
+      <p:sp>
+        <p:nvSpPr>
+          <p:cNvPr id="5" name="CaixaDeTexto 4">
+            <a:extLst>
+              <a:ext uri="{FF2B5EF4-FFF2-40B4-BE49-F238E27FC236}">
+                <a16:creationId xmlns:a16="http://schemas.microsoft.com/office/drawing/2014/main" id="{81A2BF92-A8D9-4E65-BDD9-68638C6DCB76}"/>
+              </a:ext>
+            </a:extLst>
+          </p:cNvPr>
+          <p:cNvSpPr txBox="1"/>
+          <p:nvPr/>
+        </p:nvSpPr>
+        <p:spPr>
+          <a:xfrm>
+            <a:off x="2729921" y="5288988"/>
+            <a:ext cx="1790707" cy="276999"/>
+          </a:xfrm>
+          <a:prstGeom prst="rect">
+            <a:avLst/>
+          </a:prstGeom>
+          <a:noFill/>
+        </p:spPr>
+        <p:txBody>
+          <a:bodyPr wrap="square" rtlCol="0">
+            <a:spAutoFit/>
+          </a:bodyPr>
+          <a:lstStyle/>
+          <a:p>
+            <a:pPr algn="ctr"/>
+            <a:r>
+              <a:rPr lang="pt-BR" sz="1200" dirty="0"/>
+              <a:t>Termo de atualização</a:t>
+            </a:r>
+          </a:p>
+        </p:txBody>
+      </p:sp>
+      <p:sp>
+        <p:nvSpPr>
+          <p:cNvPr id="26" name="Chave Direita 25">
+            <a:extLst>
+              <a:ext uri="{FF2B5EF4-FFF2-40B4-BE49-F238E27FC236}">
+                <a16:creationId xmlns:a16="http://schemas.microsoft.com/office/drawing/2014/main" id="{8F5A814E-78F2-FFB2-52B9-94E958523F58}"/>
+              </a:ext>
+            </a:extLst>
+          </p:cNvPr>
+          <p:cNvSpPr/>
+          <p:nvPr/>
+        </p:nvSpPr>
+        <p:spPr>
+          <a:xfrm rot="16200000">
+            <a:off x="3501985" y="4768070"/>
+            <a:ext cx="246580" cy="1790707"/>
+          </a:xfrm>
+          <a:prstGeom prst="rightBrace">
+            <a:avLst/>
+          </a:prstGeom>
+        </p:spPr>
+        <p:style>
+          <a:lnRef idx="1">
+            <a:schemeClr val="accent1"/>
+          </a:lnRef>
+          <a:fillRef idx="0">
+            <a:schemeClr val="accent1"/>
+          </a:fillRef>
+          <a:effectRef idx="0">
+            <a:schemeClr val="accent1"/>
+          </a:effectRef>
+          <a:fontRef idx="minor">
+            <a:schemeClr val="tx1"/>
+          </a:fontRef>
+        </p:style>
+        <p:txBody>
+          <a:bodyPr rtlCol="0" anchor="ctr"/>
+          <a:lstStyle/>
+          <a:p>
+            <a:pPr algn="ctr"/>
+            <a:endParaRPr lang="pt-BR"/>
+          </a:p>
+        </p:txBody>
+      </p:sp>
     </p:spTree>
     <p:extLst>
       <p:ext uri="{BB962C8B-B14F-4D97-AF65-F5344CB8AC3E}">
@@ -16254,10 +16307,26 @@
           <a:p>
             <a:r>
               <a:rPr lang="pt-BR" dirty="0"/>
-              <a:t>Portanto, dada a direção do gradiente e um passo de aprendizagem, agora podemos </a:t>
+              <a:t>Portanto, dada a </a:t>
             </a:r>
             <a:r>
-              <a:rPr lang="pt-BR" b="1" i="1" dirty="0"/>
+              <a:rPr lang="pt-BR" b="1" i="1" dirty="0">
+                <a:solidFill>
+                  <a:srgbClr val="00B050"/>
+                </a:solidFill>
+              </a:rPr>
+              <a:t>direção do gradiente e um passo de aprendizagem</a:t>
+            </a:r>
+            <a:r>
+              <a:rPr lang="pt-BR" dirty="0"/>
+              <a:t>, agora podemos </a:t>
+            </a:r>
+            <a:r>
+              <a:rPr lang="pt-BR" b="1" i="1" dirty="0">
+                <a:solidFill>
+                  <a:srgbClr val="00B050"/>
+                </a:solidFill>
+              </a:rPr>
               <a:t>iterativamente</a:t>
             </a:r>
             <a:r>
@@ -16271,18 +16340,54 @@
               <a:t>A cada </a:t>
             </a:r>
             <a:r>
-              <a:rPr lang="pt-BR" b="1" i="1" dirty="0"/>
+              <a:rPr lang="pt-BR" b="1" i="1" dirty="0">
+                <a:solidFill>
+                  <a:srgbClr val="00B050"/>
+                </a:solidFill>
+              </a:rPr>
               <a:t>iteração</a:t>
             </a:r>
             <a:r>
               <a:rPr lang="pt-BR" dirty="0"/>
-              <a:t> calculamos o gradiente no ponto atual, atualizamos os pesos com uma fração do gradiente e calculamos o gradiente no novo ponto.</a:t>
+              <a:t> calculamos o gradiente no ponto atual, atualizamos os pesos com uma porcentagem do gradiente e calculamos o gradiente no novo ponto.</a:t>
             </a:r>
           </a:p>
           <a:p>
             <a:r>
+              <a:rPr lang="pt-BR" b="1" i="1" dirty="0">
+                <a:solidFill>
+                  <a:srgbClr val="00B050"/>
+                </a:solidFill>
+              </a:rPr>
+              <a:t>Repetimos</a:t>
+            </a:r>
+            <a:r>
               <a:rPr lang="pt-BR" dirty="0"/>
-              <a:t>Repetimos esse processo até que a inclinação da reta tangente ao ponto se torne igual a 0, indicando que o ponto de mínimo foi atingido.</a:t>
+              <a:t> esse processo </a:t>
+            </a:r>
+            <a:r>
+              <a:rPr lang="pt-BR" b="1" i="1" dirty="0">
+                <a:solidFill>
+                  <a:srgbClr val="00B050"/>
+                </a:solidFill>
+              </a:rPr>
+              <a:t>até</a:t>
+            </a:r>
+            <a:r>
+              <a:rPr lang="pt-BR" dirty="0"/>
+              <a:t> que a </a:t>
+            </a:r>
+            <a:r>
+              <a:rPr lang="pt-BR" b="1" i="1" dirty="0">
+                <a:solidFill>
+                  <a:srgbClr val="00B050"/>
+                </a:solidFill>
+              </a:rPr>
+              <a:t>inclinação da reta tangente ao ponto atual se torne igual a 0</a:t>
+            </a:r>
+            <a:r>
+              <a:rPr lang="pt-BR" dirty="0"/>
+              <a:t>, indicando que o ponto de mínimo foi atingido.</a:t>
             </a:r>
           </a:p>
           <a:p>
@@ -18725,8 +18830,8 @@
           </a:p>
         </p:txBody>
       </p:sp>
-      <mc:AlternateContent xmlns:mc="http://schemas.openxmlformats.org/markup-compatibility/2006" xmlns:a14="http://schemas.microsoft.com/office/drawing/2010/main">
-        <mc:Choice Requires="a14">
+      <mc:AlternateContent xmlns:mc="http://schemas.openxmlformats.org/markup-compatibility/2006">
+        <mc:Choice xmlns:a14="http://schemas.microsoft.com/office/drawing/2010/main" Requires="a14">
           <p:sp>
             <p:nvSpPr>
               <p:cNvPr id="3" name="Espaço Reservado para Conteúdo 2">
@@ -18745,52 +18850,44 @@
             </p:nvSpPr>
             <p:spPr>
               <a:xfrm>
-                <a:off x="5714129" y="1825624"/>
-                <a:ext cx="6286087" cy="5032376"/>
+                <a:off x="5897233" y="1825624"/>
+                <a:ext cx="6102983" cy="5032376"/>
               </a:xfrm>
             </p:spPr>
             <p:txBody>
               <a:bodyPr>
-                <a:normAutofit/>
+                <a:normAutofit lnSpcReduction="10000"/>
               </a:bodyPr>
               <a:lstStyle/>
               <a:p>
                 <a:r>
                   <a:rPr lang="pt-BR" dirty="0"/>
-                  <a:t>Mais uma iteração e podemos nos mover para mais perto ainda do ponto de mínimo, </a:t>
+                  <a:t>O objetivo é que a cada nova iteração, nos movamos para mais e mais perto do ponto de mínimo, </a:t>
                 </a:r>
                 <a14:m>
                   <m:oMath xmlns:m="http://schemas.openxmlformats.org/officeDocument/2006/math">
                     <m:sSub>
                       <m:sSubPr>
                         <m:ctrlPr>
-                          <a:rPr lang="pt-BR" sz="2800" i="1" smtClean="0">
-                            <a:latin typeface="Cambria Math" panose="02040503050406030204" pitchFamily="18" charset="0"/>
-                          </a:rPr>
+                          <a:rPr lang="pt-BR" sz="2800" i="1" smtClean="0"/>
                         </m:ctrlPr>
                       </m:sSubPr>
                       <m:e>
                         <m:r>
-                          <a:rPr lang="pt-BR" sz="2800" b="0" i="1" smtClean="0">
-                            <a:latin typeface="Cambria Math" panose="02040503050406030204" pitchFamily="18" charset="0"/>
-                          </a:rPr>
+                          <a:rPr lang="pt-BR" sz="2800" b="0" i="1" smtClean="0"/>
                           <m:t>𝑎</m:t>
                         </m:r>
                       </m:e>
                       <m:sub>
                         <m:r>
-                          <a:rPr lang="pt-BR" sz="2800" b="0" i="0" smtClean="0">
-                            <a:latin typeface="Cambria Math" panose="02040503050406030204" pitchFamily="18" charset="0"/>
-                          </a:rPr>
+                          <a:rPr lang="pt-BR" sz="2800" b="0" i="0" smtClean="0"/>
                           <m:t>ó</m:t>
                         </m:r>
                         <m:r>
                           <m:rPr>
                             <m:sty m:val="p"/>
                           </m:rPr>
-                          <a:rPr lang="pt-BR" sz="2800" b="0" i="0" smtClean="0">
-                            <a:latin typeface="Cambria Math" panose="02040503050406030204" pitchFamily="18" charset="0"/>
-                          </a:rPr>
+                          <a:rPr lang="pt-BR" sz="2800" b="0" i="0" smtClean="0"/>
                           <m:t>timo</m:t>
                         </m:r>
                       </m:sub>
@@ -18801,17 +18898,116 @@
                   <a:rPr lang="pt-BR" sz="2800" dirty="0"/>
                   <a:t>.</a:t>
                 </a:r>
+                <a:endParaRPr lang="pt-BR" dirty="0"/>
               </a:p>
               <a:p>
                 <a:r>
                   <a:rPr lang="pt-BR" dirty="0"/>
-                  <a:t>Porém, devemos tomar cuidado, com o tamanho do passo de aprendizagem.</a:t>
+                  <a:t>Porém, devemos tomar </a:t>
                 </a:r>
+                <a:r>
+                  <a:rPr lang="pt-BR" b="1" i="1" dirty="0">
+                    <a:solidFill>
+                      <a:srgbClr val="00B050"/>
+                    </a:solidFill>
+                  </a:rPr>
+                  <a:t>cuidado</a:t>
+                </a:r>
+                <a:r>
+                  <a:rPr lang="pt-BR" dirty="0"/>
+                  <a:t>, com o </a:t>
+                </a:r>
+                <a:r>
+                  <a:rPr lang="pt-BR" b="1" i="1" dirty="0">
+                    <a:solidFill>
+                      <a:srgbClr val="00B050"/>
+                    </a:solidFill>
+                  </a:rPr>
+                  <a:t>tamanho do passo de aprendizagem</a:t>
+                </a:r>
+                <a:r>
+                  <a:rPr lang="pt-BR" dirty="0"/>
+                  <a:t>.</a:t>
+                </a:r>
+              </a:p>
+              <a:p>
+                <a:r>
+                  <a:rPr lang="pt-BR" b="0" i="0" dirty="0">
+                    <a:effectLst/>
+                  </a:rPr>
+                  <a:t>O valor do passo de aprendizagem é um </a:t>
+                </a:r>
+                <a:r>
+                  <a:rPr lang="pt-BR" b="1" i="1" dirty="0">
+                    <a:solidFill>
+                      <a:srgbClr val="7030A0"/>
+                    </a:solidFill>
+                    <a:effectLst/>
+                  </a:rPr>
+                  <a:t>hiperparâmetro</a:t>
+                </a:r>
+                <a:r>
+                  <a:rPr lang="pt-BR" b="0" i="0" dirty="0">
+                    <a:effectLst/>
+                  </a:rPr>
+                  <a:t> crucial para o GD.</a:t>
+                </a:r>
+              </a:p>
+              <a:p>
+                <a:pPr lvl="1">
+                  <a:buFont typeface="Wingdings" panose="05000000000000000000" pitchFamily="2" charset="2"/>
+                  <a:buChar char="§"/>
+                </a:pPr>
+                <a:r>
+                  <a:rPr lang="pt-BR" b="1" i="1" dirty="0">
+                    <a:solidFill>
+                      <a:srgbClr val="7030A0"/>
+                    </a:solidFill>
+                    <a:effectLst/>
+                  </a:rPr>
+                  <a:t>Hiperparâmetros</a:t>
+                </a:r>
+                <a:r>
+                  <a:rPr lang="pt-BR" dirty="0">
+                    <a:effectLst/>
+                  </a:rPr>
+                  <a:t> são </a:t>
+                </a:r>
+                <a:r>
+                  <a:rPr lang="pt-BR" b="0" i="0" dirty="0">
+                    <a:effectLst/>
+                  </a:rPr>
+                  <a:t>parâmetros do modelo que </a:t>
+                </a:r>
+                <a:r>
+                  <a:rPr lang="pt-BR" b="1" i="1" dirty="0">
+                    <a:solidFill>
+                      <a:srgbClr val="00B050"/>
+                    </a:solidFill>
+                    <a:effectLst/>
+                  </a:rPr>
+                  <a:t>não são aprendidos durante o treinamento</a:t>
+                </a:r>
+                <a:r>
+                  <a:rPr lang="pt-BR" b="0" i="0" dirty="0">
+                    <a:effectLst/>
+                  </a:rPr>
+                  <a:t>, mas sim definidos pelo desenvolvedor antes do treinamento. </a:t>
+                </a:r>
+              </a:p>
+              <a:p>
+                <a:r>
+                  <a:rPr lang="pt-BR" b="0" i="0" dirty="0">
+                    <a:effectLst/>
+                  </a:rPr>
+                  <a:t>Ele influencia a velocidade e a convergência do treinamento.</a:t>
+                </a:r>
+                <a:endParaRPr lang="pt-BR" dirty="0"/>
               </a:p>
             </p:txBody>
           </p:sp>
         </mc:Choice>
-        <mc:Fallback xmlns="">
+        <mc:Fallback>
           <p:sp>
             <p:nvSpPr>
               <p:cNvPr id="3" name="Espaço Reservado para Conteúdo 2">
@@ -18830,13 +19026,13 @@
             </p:nvSpPr>
             <p:spPr>
               <a:xfrm>
-                <a:off x="5714129" y="1825624"/>
-                <a:ext cx="6286087" cy="5032376"/>
+                <a:off x="5897233" y="1825624"/>
+                <a:ext cx="6102983" cy="5032376"/>
               </a:xfrm>
               <a:blipFill>
                 <a:blip r:embed="rId3"/>
                 <a:stretch>
-                  <a:fillRect l="-1744" t="-1937"/>
+                  <a:fillRect l="-1796" t="-2663" r="-3293"/>
                 </a:stretch>
               </a:blipFill>
             </p:spPr>
@@ -20345,7 +20541,19 @@
           <a:p>
             <a:r>
               <a:rPr lang="pt-BR" dirty="0"/>
-              <a:t>Se o passo de aprendizagem for muito grande, podemos ultrapassar o ponto de mínimo.</a:t>
+              <a:t>Se o passo de aprendizagem for </a:t>
+            </a:r>
+            <a:r>
+              <a:rPr lang="pt-BR" b="1" i="1" dirty="0">
+                <a:solidFill>
+                  <a:srgbClr val="00B050"/>
+                </a:solidFill>
+              </a:rPr>
+              <a:t>muito grande</a:t>
+            </a:r>
+            <a:r>
+              <a:rPr lang="pt-BR" dirty="0"/>
+              <a:t>, podemos ultrapassar o ponto de mínimo.</a:t>
             </a:r>
           </a:p>
         </p:txBody>
@@ -21987,7 +22195,43 @@
           <a:p>
             <a:r>
               <a:rPr lang="pt-BR" dirty="0"/>
-              <a:t>Se o passo de aprendizagem for muito grande, o processo de otimização pode ficar ziguezagueando de um lado para o outro do fundo da função sem nunca atingir o ponto de mínimo.</a:t>
+              <a:t>Se o passo de aprendizagem for </a:t>
+            </a:r>
+            <a:r>
+              <a:rPr lang="pt-BR" b="1" i="1" dirty="0">
+                <a:solidFill>
+                  <a:srgbClr val="00B050"/>
+                </a:solidFill>
+              </a:rPr>
+              <a:t>muito grande</a:t>
+            </a:r>
+            <a:r>
+              <a:rPr lang="pt-BR" dirty="0"/>
+              <a:t>, o processo de otimização pode ficar </a:t>
+            </a:r>
+            <a:r>
+              <a:rPr lang="pt-BR" b="1" i="1" dirty="0">
+                <a:solidFill>
+                  <a:srgbClr val="00B050"/>
+                </a:solidFill>
+              </a:rPr>
+              <a:t>ziguezagueando</a:t>
+            </a:r>
+            <a:r>
+              <a:rPr lang="pt-BR" dirty="0"/>
+              <a:t> de um lado para o outro do fundo da função </a:t>
+            </a:r>
+            <a:r>
+              <a:rPr lang="pt-BR" b="1" i="1" dirty="0">
+                <a:solidFill>
+                  <a:srgbClr val="00B050"/>
+                </a:solidFill>
+              </a:rPr>
+              <a:t>sem nunca atingir o ponto de mínimo</a:t>
+            </a:r>
+            <a:r>
+              <a:rPr lang="pt-BR" dirty="0"/>
+              <a:t>.</a:t>
             </a:r>
           </a:p>
         </p:txBody>
@@ -23755,13 +23999,43 @@
           <a:p>
             <a:r>
               <a:rPr lang="pt-BR" dirty="0"/>
-              <a:t>Dependendo do quão grande for o valor do passo de aprendizagem, pode ocorrer até a divergência ao invés da convergência.</a:t>
+              <a:t>Dependendo do quão grande for o valor do passo de aprendizagem, pode ocorrer até a </a:t>
+            </a:r>
+            <a:r>
+              <a:rPr lang="pt-BR" b="1" i="1" dirty="0">
+                <a:solidFill>
+                  <a:srgbClr val="00B050"/>
+                </a:solidFill>
+              </a:rPr>
+              <a:t>divergência</a:t>
+            </a:r>
+            <a:r>
+              <a:rPr lang="pt-BR" dirty="0"/>
+              <a:t> ao invés da convergência.</a:t>
             </a:r>
           </a:p>
           <a:p>
             <a:r>
               <a:rPr lang="pt-BR" dirty="0"/>
-              <a:t>Se isso ocorrer, após algumas iterações, ocorre o estouro da precisão numérica das variáveis.</a:t>
+              <a:t>Ou seja, ao invés de se aproximar do ponto de mínimo, o algoritmo </a:t>
+            </a:r>
+            <a:r>
+              <a:rPr lang="pt-BR" b="1" i="1" dirty="0">
+                <a:solidFill>
+                  <a:srgbClr val="00B050"/>
+                </a:solidFill>
+              </a:rPr>
+              <a:t>se distancia</a:t>
+            </a:r>
+            <a:r>
+              <a:rPr lang="pt-BR" dirty="0"/>
+              <a:t> dele a cada iteração.</a:t>
+            </a:r>
+          </a:p>
+          <a:p>
+            <a:r>
+              <a:rPr lang="pt-BR" dirty="0"/>
+              <a:t>Se isso ocorrer, após algumas iterações, ocorre o estouro da precisão numérica das variáveis envolvidas na regra de atualização dos pesos.</a:t>
             </a:r>
           </a:p>
         </p:txBody>
@@ -25636,13 +25910,49 @@
           <a:p>
             <a:r>
               <a:rPr lang="pt-BR" dirty="0"/>
-              <a:t>Outra questão, menos problemática que passos grandes, é a situação oposta.</a:t>
+              <a:t>Outra questão, </a:t>
+            </a:r>
+            <a:r>
+              <a:rPr lang="pt-BR" b="1" i="1" dirty="0">
+                <a:solidFill>
+                  <a:srgbClr val="00B050"/>
+                </a:solidFill>
+              </a:rPr>
+              <a:t>menos problemática</a:t>
+            </a:r>
+            <a:r>
+              <a:rPr lang="pt-BR" dirty="0"/>
+              <a:t> que passos grandes, é a situação oposta.</a:t>
             </a:r>
           </a:p>
           <a:p>
             <a:r>
               <a:rPr lang="pt-BR" dirty="0"/>
-              <a:t>Passos muito pequenos fazem com que se leve muito tempo, i.e., iterações, para atingir o ponto de mínimo.</a:t>
+              <a:t>Passos </a:t>
+            </a:r>
+            <a:r>
+              <a:rPr lang="pt-BR" b="1" i="1" dirty="0">
+                <a:solidFill>
+                  <a:srgbClr val="00B050"/>
+                </a:solidFill>
+              </a:rPr>
+              <a:t>muito pequenos</a:t>
+            </a:r>
+            <a:r>
+              <a:rPr lang="pt-BR" dirty="0"/>
+              <a:t> fazem com que se </a:t>
+            </a:r>
+            <a:r>
+              <a:rPr lang="pt-BR" b="1" i="1" dirty="0">
+                <a:solidFill>
+                  <a:srgbClr val="00B050"/>
+                </a:solidFill>
+              </a:rPr>
+              <a:t>leve muito tempo</a:t>
+            </a:r>
+            <a:r>
+              <a:rPr lang="pt-BR" dirty="0"/>
+              <a:t>, i.e., iterações, para atingir o ponto de mínimo.</a:t>
             </a:r>
           </a:p>
           <a:p>
@@ -25654,7 +25964,31 @@
           <a:p>
             <a:r>
               <a:rPr lang="pt-BR" dirty="0"/>
-              <a:t>Porém, se esperarmos tempo suficiente, a convergência é garantida.</a:t>
+              <a:t>Porém, </a:t>
+            </a:r>
+            <a:r>
+              <a:rPr lang="pt-BR" b="1" i="1" dirty="0">
+                <a:solidFill>
+                  <a:srgbClr val="00B050"/>
+                </a:solidFill>
+              </a:rPr>
+              <a:t>se esperarmos </a:t>
+            </a:r>
+            <a:r>
+              <a:rPr lang="pt-BR" dirty="0"/>
+              <a:t>tempo suficiente, a </a:t>
+            </a:r>
+            <a:r>
+              <a:rPr lang="pt-BR" b="1" i="1" dirty="0">
+                <a:solidFill>
+                  <a:srgbClr val="00B050"/>
+                </a:solidFill>
+              </a:rPr>
+              <a:t>convergência é garantida</a:t>
+            </a:r>
+            <a:r>
+              <a:rPr lang="pt-BR" dirty="0"/>
+              <a:t>.</a:t>
             </a:r>
           </a:p>
         </p:txBody>
@@ -30639,7 +30973,7 @@
           <a:p>
             <a:r>
               <a:rPr lang="pt-BR" dirty="0"/>
-              <a:t>Tamanho do passo de aprendizagem</a:t>
+              <a:t>Qual o tamanho de passo de aprendizagem usar?</a:t>
             </a:r>
           </a:p>
         </p:txBody>
@@ -30672,13 +31006,37 @@
           <a:p>
             <a:r>
               <a:rPr lang="pt-BR" dirty="0"/>
-              <a:t>É importante escolhermos um passo de aprendizagem que acelere a convergência sem causar oscilações em torno do ponto de mínimo.</a:t>
+              <a:t>É importante escolhermos um passo de aprendizagem que </a:t>
+            </a:r>
+            <a:r>
+              <a:rPr lang="pt-BR" b="1" i="1" dirty="0">
+                <a:solidFill>
+                  <a:srgbClr val="00B050"/>
+                </a:solidFill>
+              </a:rPr>
+              <a:t>acelere a convergência sem causar oscilações em torno do ponto de mínimo</a:t>
+            </a:r>
+            <a:r>
+              <a:rPr lang="pt-BR" dirty="0"/>
+              <a:t>.</a:t>
             </a:r>
           </a:p>
           <a:p>
             <a:r>
               <a:rPr lang="pt-BR" dirty="0"/>
-              <a:t>Em geral, um bom valor para o passo é encontrado por tentativa e erro.</a:t>
+              <a:t>Em geral, um bom valor para o passo é encontrado por </a:t>
+            </a:r>
+            <a:r>
+              <a:rPr lang="pt-BR" b="1" i="1" dirty="0">
+                <a:solidFill>
+                  <a:srgbClr val="00B050"/>
+                </a:solidFill>
+              </a:rPr>
+              <a:t>tentativa e erro</a:t>
+            </a:r>
+            <a:r>
+              <a:rPr lang="pt-BR" dirty="0"/>
+              <a:t>.</a:t>
             </a:r>
           </a:p>
           <a:p>
@@ -30694,7 +31052,31 @@
             </a:pPr>
             <a:r>
               <a:rPr lang="pt-BR" dirty="0"/>
-              <a:t>Usamos valores grandes no início, em pontos distantes do mínimo, e o reduzimos gradualmente ao longo das iterações.</a:t>
+              <a:t>Usamos </a:t>
+            </a:r>
+            <a:r>
+              <a:rPr lang="pt-BR" b="1" i="1" dirty="0">
+                <a:solidFill>
+                  <a:srgbClr val="00B050"/>
+                </a:solidFill>
+              </a:rPr>
+              <a:t>valores grandes no início</a:t>
+            </a:r>
+            <a:r>
+              <a:rPr lang="pt-BR" dirty="0"/>
+              <a:t>, em pontos distantes do mínimo, e o </a:t>
+            </a:r>
+            <a:r>
+              <a:rPr lang="pt-BR" b="1" i="1" dirty="0">
+                <a:solidFill>
+                  <a:srgbClr val="00B050"/>
+                </a:solidFill>
+              </a:rPr>
+              <a:t>reduzimos gradualmente </a:t>
+            </a:r>
+            <a:r>
+              <a:rPr lang="pt-BR" dirty="0"/>
+              <a:t>ao longo das iterações.</a:t>
             </a:r>
           </a:p>
         </p:txBody>
@@ -32166,6 +32548,1119 @@
           <p:cNvPr id="2" name="Título 1">
             <a:extLst>
               <a:ext uri="{FF2B5EF4-FFF2-40B4-BE49-F238E27FC236}">
+                <a16:creationId xmlns:a16="http://schemas.microsoft.com/office/drawing/2014/main" id="{C96D026F-8855-ABAE-BAA7-3C440EE13525}"/>
+              </a:ext>
+            </a:extLst>
+          </p:cNvPr>
+          <p:cNvSpPr>
+            <a:spLocks noGrp="1"/>
+          </p:cNvSpPr>
+          <p:nvPr>
+            <p:ph type="title"/>
+          </p:nvPr>
+        </p:nvSpPr>
+        <p:spPr/>
+        <p:txBody>
+          <a:bodyPr/>
+          <a:lstStyle/>
+          <a:p>
+            <a:r>
+              <a:rPr lang="pt-BR" dirty="0"/>
+              <a:t>Formas de se ajustar o passo de aprendizagem</a:t>
+            </a:r>
+          </a:p>
+        </p:txBody>
+      </p:sp>
+      <p:sp>
+        <p:nvSpPr>
+          <p:cNvPr id="3" name="Espaço Reservado para Conteúdo 2">
+            <a:extLst>
+              <a:ext uri="{FF2B5EF4-FFF2-40B4-BE49-F238E27FC236}">
+                <a16:creationId xmlns:a16="http://schemas.microsoft.com/office/drawing/2014/main" id="{DE281130-A3D0-02AB-4895-7A25FD256364}"/>
+              </a:ext>
+            </a:extLst>
+          </p:cNvPr>
+          <p:cNvSpPr>
+            <a:spLocks noGrp="1"/>
+          </p:cNvSpPr>
+          <p:nvPr>
+            <p:ph idx="1"/>
+          </p:nvPr>
+        </p:nvSpPr>
+        <p:spPr>
+          <a:xfrm>
+            <a:off x="5496674" y="1825624"/>
+            <a:ext cx="6565188" cy="5032375"/>
+          </a:xfrm>
+        </p:spPr>
+        <p:txBody>
+          <a:bodyPr>
+            <a:normAutofit lnSpcReduction="10000"/>
+          </a:bodyPr>
+          <a:lstStyle/>
+          <a:p>
+            <a:r>
+              <a:rPr lang="pt-BR" b="0" i="0" dirty="0">
+                <a:effectLst/>
+              </a:rPr>
+              <a:t>Existem várias técnicas de ajuste do valor do passo de aprendizagem durante o treinamento para melhorar o modelo, como:</a:t>
+            </a:r>
+          </a:p>
+          <a:p>
+            <a:pPr lvl="1">
+              <a:buFont typeface="Wingdings" panose="05000000000000000000" pitchFamily="2" charset="2"/>
+              <a:buChar char="§"/>
+            </a:pPr>
+            <a:r>
+              <a:rPr lang="pt-BR" dirty="0"/>
+              <a:t>T</a:t>
+            </a:r>
+            <a:r>
+              <a:rPr lang="pt-BR" b="0" i="0" dirty="0">
+                <a:effectLst/>
+              </a:rPr>
+              <a:t>axa constante, </a:t>
+            </a:r>
+          </a:p>
+          <a:p>
+            <a:pPr lvl="1">
+              <a:buFont typeface="Wingdings" panose="05000000000000000000" pitchFamily="2" charset="2"/>
+              <a:buChar char="§"/>
+            </a:pPr>
+            <a:r>
+              <a:rPr lang="pt-BR" dirty="0"/>
+              <a:t>D</a:t>
+            </a:r>
+            <a:r>
+              <a:rPr lang="pt-BR" b="0" i="0" dirty="0">
+                <a:effectLst/>
+              </a:rPr>
+              <a:t>ecaimento linear e exponencial, </a:t>
+            </a:r>
+          </a:p>
+          <a:p>
+            <a:pPr lvl="1">
+              <a:buFont typeface="Wingdings" panose="05000000000000000000" pitchFamily="2" charset="2"/>
+              <a:buChar char="§"/>
+            </a:pPr>
+            <a:r>
+              <a:rPr lang="pt-BR" dirty="0"/>
+              <a:t>A</a:t>
+            </a:r>
+            <a:r>
+              <a:rPr lang="pt-BR" b="0" i="0" dirty="0">
+                <a:effectLst/>
+              </a:rPr>
+              <a:t>daptação automática com os algoritmos </a:t>
+            </a:r>
+            <a:r>
+              <a:rPr lang="pt-BR" b="0" i="0" dirty="0" err="1">
+                <a:effectLst/>
+              </a:rPr>
+              <a:t>Adagrad</a:t>
+            </a:r>
+            <a:r>
+              <a:rPr lang="pt-BR" b="0" i="0" dirty="0">
+                <a:effectLst/>
+              </a:rPr>
+              <a:t>, </a:t>
+            </a:r>
+            <a:r>
+              <a:rPr lang="pt-BR" b="0" i="0" dirty="0" err="1">
+                <a:effectLst/>
+              </a:rPr>
+              <a:t>RMSProp</a:t>
+            </a:r>
+            <a:r>
+              <a:rPr lang="pt-BR" b="0" i="0" dirty="0">
+                <a:effectLst/>
+              </a:rPr>
+              <a:t> e Adam.</a:t>
+            </a:r>
+          </a:p>
+          <a:p>
+            <a:pPr>
+              <a:buFont typeface="Wingdings" panose="05000000000000000000" pitchFamily="2" charset="2"/>
+              <a:buChar char="§"/>
+            </a:pPr>
+            <a:r>
+              <a:rPr lang="pt-BR" dirty="0"/>
+              <a:t>As duas primeiras usam </a:t>
+            </a:r>
+            <a:r>
+              <a:rPr lang="pt-BR" b="1" i="1" dirty="0">
+                <a:solidFill>
+                  <a:srgbClr val="00B050"/>
+                </a:solidFill>
+              </a:rPr>
+              <a:t>um passo para todos os pesos</a:t>
+            </a:r>
+            <a:r>
+              <a:rPr lang="pt-BR" dirty="0"/>
+              <a:t>, já a última, usa </a:t>
+            </a:r>
+            <a:r>
+              <a:rPr lang="pt-BR" b="1" i="1" dirty="0">
+                <a:solidFill>
+                  <a:srgbClr val="00B050"/>
+                </a:solidFill>
+              </a:rPr>
+              <a:t>um passo independente por peso</a:t>
+            </a:r>
+            <a:r>
+              <a:rPr lang="pt-BR" dirty="0"/>
+              <a:t>.</a:t>
+            </a:r>
+            <a:endParaRPr lang="pt-BR" b="0" i="0" dirty="0">
+              <a:effectLst/>
+            </a:endParaRPr>
+          </a:p>
+          <a:p>
+            <a:r>
+              <a:rPr lang="pt-BR" b="0" i="0" dirty="0">
+                <a:effectLst/>
+              </a:rPr>
+              <a:t>Cada técnica visa otimizar a convergência e o desempenho do modelo.</a:t>
+            </a:r>
+            <a:endParaRPr lang="pt-BR" dirty="0"/>
+          </a:p>
+        </p:txBody>
+      </p:sp>
+      <mc:AlternateContent xmlns:mc="http://schemas.openxmlformats.org/markup-compatibility/2006">
+        <mc:Choice xmlns:a14="http://schemas.microsoft.com/office/drawing/2010/main" Requires="a14">
+          <p:sp>
+            <p:nvSpPr>
+              <p:cNvPr id="5" name="CaixaDeTexto 4">
+                <a:extLst>
+                  <a:ext uri="{FF2B5EF4-FFF2-40B4-BE49-F238E27FC236}">
+                    <a16:creationId xmlns:a16="http://schemas.microsoft.com/office/drawing/2014/main" id="{A86FB339-FAA3-7311-384D-BADD98B8DD7E}"/>
+                  </a:ext>
+                </a:extLst>
+              </p:cNvPr>
+              <p:cNvSpPr txBox="1"/>
+              <p:nvPr/>
+            </p:nvSpPr>
+            <p:spPr>
+              <a:xfrm>
+                <a:off x="854152" y="2600976"/>
+                <a:ext cx="4524370" cy="678584"/>
+              </a:xfrm>
+              <a:prstGeom prst="rect">
+                <a:avLst/>
+              </a:prstGeom>
+              <a:noFill/>
+            </p:spPr>
+            <p:txBody>
+              <a:bodyPr wrap="square" rtlCol="0">
+                <a:spAutoFit/>
+              </a:bodyPr>
+              <a:lstStyle/>
+              <a:p>
+                <a:pPr algn="ctr"/>
+                <a14:m>
+                  <m:oMathPara xmlns:m="http://schemas.openxmlformats.org/officeDocument/2006/math">
+                    <m:oMathParaPr>
+                      <m:jc m:val="center"/>
+                    </m:oMathParaPr>
+                    <m:oMath xmlns:m="http://schemas.openxmlformats.org/officeDocument/2006/math">
+                      <m:r>
+                        <a:rPr lang="pt-BR" sz="2000" b="1" i="1" smtClean="0">
+                          <a:latin typeface="Cambria Math" panose="02040503050406030204" pitchFamily="18" charset="0"/>
+                        </a:rPr>
+                        <m:t>𝒂</m:t>
+                      </m:r>
+                      <m:r>
+                        <a:rPr lang="pt-BR" sz="2000" b="0" i="1" smtClean="0">
+                          <a:latin typeface="Cambria Math" panose="02040503050406030204" pitchFamily="18" charset="0"/>
+                        </a:rPr>
+                        <m:t>(</m:t>
+                      </m:r>
+                      <m:r>
+                        <a:rPr lang="pt-BR" sz="2000" b="0" i="1" smtClean="0">
+                          <a:latin typeface="Cambria Math" panose="02040503050406030204" pitchFamily="18" charset="0"/>
+                        </a:rPr>
+                        <m:t>𝑖</m:t>
+                      </m:r>
+                      <m:r>
+                        <a:rPr lang="pt-BR" sz="2000" b="0" i="1" smtClean="0">
+                          <a:latin typeface="Cambria Math" panose="02040503050406030204" pitchFamily="18" charset="0"/>
+                        </a:rPr>
+                        <m:t>+1)</m:t>
+                      </m:r>
+                      <m:r>
+                        <a:rPr lang="pt-BR" sz="2000" b="0" i="0" smtClean="0">
+                          <a:latin typeface="Cambria Math" panose="02040503050406030204" pitchFamily="18" charset="0"/>
+                        </a:rPr>
+                        <m:t>=</m:t>
+                      </m:r>
+                      <m:r>
+                        <a:rPr lang="pt-BR" sz="2000" b="1" i="1" smtClean="0">
+                          <a:latin typeface="Cambria Math" panose="02040503050406030204" pitchFamily="18" charset="0"/>
+                        </a:rPr>
+                        <m:t>𝒂</m:t>
+                      </m:r>
+                      <m:r>
+                        <a:rPr lang="pt-BR" sz="2000" b="0" i="1" smtClean="0">
+                          <a:latin typeface="Cambria Math" panose="02040503050406030204" pitchFamily="18" charset="0"/>
+                        </a:rPr>
+                        <m:t>(</m:t>
+                      </m:r>
+                      <m:r>
+                        <a:rPr lang="pt-BR" sz="2000" b="0" i="1" smtClean="0">
+                          <a:latin typeface="Cambria Math" panose="02040503050406030204" pitchFamily="18" charset="0"/>
+                        </a:rPr>
+                        <m:t>𝑖</m:t>
+                      </m:r>
+                      <m:r>
+                        <a:rPr lang="pt-BR" sz="2000" b="0" i="0" smtClean="0">
+                          <a:latin typeface="Cambria Math" panose="02040503050406030204" pitchFamily="18" charset="0"/>
+                        </a:rPr>
+                        <m:t>)</m:t>
+                      </m:r>
+                      <m:r>
+                        <a:rPr lang="pt-BR" sz="2000" b="0" i="0" smtClean="0">
+                          <a:latin typeface="Cambria Math" panose="02040503050406030204" pitchFamily="18" charset="0"/>
+                        </a:rPr>
+                        <m:t>−</m:t>
+                      </m:r>
+                      <m:r>
+                        <a:rPr lang="pt-BR" sz="2000" i="1" dirty="0">
+                          <a:latin typeface="Cambria Math" panose="02040503050406030204" pitchFamily="18" charset="0"/>
+                          <a:ea typeface="Cambria Math" panose="02040503050406030204" pitchFamily="18" charset="0"/>
+                        </a:rPr>
+                        <m:t>𝛼</m:t>
+                      </m:r>
+                      <m:f>
+                        <m:fPr>
+                          <m:ctrlPr>
+                            <a:rPr lang="pt-BR" sz="2000" i="1" dirty="0">
+                              <a:latin typeface="Cambria Math" panose="02040503050406030204" pitchFamily="18" charset="0"/>
+                            </a:rPr>
+                          </m:ctrlPr>
+                        </m:fPr>
+                        <m:num>
+                          <m:r>
+                            <a:rPr lang="pt-BR" sz="2000" i="1" dirty="0">
+                              <a:latin typeface="Cambria Math" panose="02040503050406030204" pitchFamily="18" charset="0"/>
+                            </a:rPr>
+                            <m:t>𝜕</m:t>
+                          </m:r>
+                          <m:sSub>
+                            <m:sSubPr>
+                              <m:ctrlPr>
+                                <a:rPr lang="pt-BR" sz="2000" i="1">
+                                  <a:latin typeface="Cambria Math" panose="02040503050406030204" pitchFamily="18" charset="0"/>
+                                </a:rPr>
+                              </m:ctrlPr>
+                            </m:sSubPr>
+                            <m:e>
+                              <m:r>
+                                <a:rPr lang="pt-BR" sz="2000" i="1">
+                                  <a:latin typeface="Cambria Math" panose="02040503050406030204" pitchFamily="18" charset="0"/>
+                                </a:rPr>
+                                <m:t>𝐽</m:t>
+                              </m:r>
+                            </m:e>
+                            <m:sub>
+                              <m:r>
+                                <a:rPr lang="pt-BR" sz="2000" i="1">
+                                  <a:latin typeface="Cambria Math" panose="02040503050406030204" pitchFamily="18" charset="0"/>
+                                </a:rPr>
+                                <m:t>𝑒</m:t>
+                              </m:r>
+                            </m:sub>
+                          </m:sSub>
+                          <m:r>
+                            <a:rPr lang="pt-BR" sz="2000" i="1" smtClean="0">
+                              <a:latin typeface="Cambria Math" panose="02040503050406030204" pitchFamily="18" charset="0"/>
+                            </a:rPr>
+                            <m:t>(</m:t>
+                          </m:r>
+                          <m:r>
+                            <a:rPr lang="pt-BR" sz="2000" b="1" i="1" smtClean="0">
+                              <a:latin typeface="Cambria Math" panose="02040503050406030204" pitchFamily="18" charset="0"/>
+                            </a:rPr>
+                            <m:t>𝒂</m:t>
+                          </m:r>
+                          <m:r>
+                            <a:rPr lang="pt-BR" sz="2000" b="0" i="1" smtClean="0">
+                              <a:latin typeface="Cambria Math" panose="02040503050406030204" pitchFamily="18" charset="0"/>
+                            </a:rPr>
+                            <m:t>(</m:t>
+                          </m:r>
+                          <m:r>
+                            <a:rPr lang="pt-BR" sz="2000" b="0" i="1" smtClean="0">
+                              <a:latin typeface="Cambria Math" panose="02040503050406030204" pitchFamily="18" charset="0"/>
+                            </a:rPr>
+                            <m:t>𝑖</m:t>
+                          </m:r>
+                          <m:r>
+                            <a:rPr lang="pt-BR" sz="2000" b="0" i="1" smtClean="0">
+                              <a:latin typeface="Cambria Math" panose="02040503050406030204" pitchFamily="18" charset="0"/>
+                            </a:rPr>
+                            <m:t>))</m:t>
+                          </m:r>
+                        </m:num>
+                        <m:den>
+                          <m:r>
+                            <a:rPr lang="pt-BR" sz="2000" i="1" dirty="0">
+                              <a:latin typeface="Cambria Math" panose="02040503050406030204" pitchFamily="18" charset="0"/>
+                            </a:rPr>
+                            <m:t>𝜕</m:t>
+                          </m:r>
+                          <m:r>
+                            <a:rPr lang="pt-BR" sz="2000" b="1" i="1" dirty="0">
+                              <a:latin typeface="Cambria Math" panose="02040503050406030204" pitchFamily="18" charset="0"/>
+                            </a:rPr>
+                            <m:t>𝒂</m:t>
+                          </m:r>
+                        </m:den>
+                      </m:f>
+                    </m:oMath>
+                  </m:oMathPara>
+                </a14:m>
+                <a:endParaRPr lang="pt-BR" sz="2000" dirty="0"/>
+              </a:p>
+            </p:txBody>
+          </p:sp>
+        </mc:Choice>
+        <mc:Fallback>
+          <p:sp>
+            <p:nvSpPr>
+              <p:cNvPr id="5" name="CaixaDeTexto 4">
+                <a:extLst>
+                  <a:ext uri="{FF2B5EF4-FFF2-40B4-BE49-F238E27FC236}">
+                    <a16:creationId xmlns:a16="http://schemas.microsoft.com/office/drawing/2014/main" id="{A86FB339-FAA3-7311-384D-BADD98B8DD7E}"/>
+                  </a:ext>
+                </a:extLst>
+              </p:cNvPr>
+              <p:cNvSpPr txBox="1">
+                <a:spLocks noRot="1" noChangeAspect="1" noMove="1" noResize="1" noEditPoints="1" noAdjustHandles="1" noChangeArrowheads="1" noChangeShapeType="1" noTextEdit="1"/>
+              </p:cNvSpPr>
+              <p:nvPr/>
+            </p:nvSpPr>
+            <p:spPr>
+              <a:xfrm>
+                <a:off x="854152" y="2600976"/>
+                <a:ext cx="4524370" cy="678584"/>
+              </a:xfrm>
+              <a:prstGeom prst="rect">
+                <a:avLst/>
+              </a:prstGeom>
+              <a:blipFill>
+                <a:blip r:embed="rId2"/>
+                <a:stretch>
+                  <a:fillRect/>
+                </a:stretch>
+              </a:blipFill>
+            </p:spPr>
+            <p:txBody>
+              <a:bodyPr/>
+              <a:lstStyle/>
+              <a:p>
+                <a:r>
+                  <a:rPr lang="pt-BR">
+                    <a:noFill/>
+                  </a:rPr>
+                  <a:t> </a:t>
+                </a:r>
+              </a:p>
+            </p:txBody>
+          </p:sp>
+        </mc:Fallback>
+      </mc:AlternateContent>
+      <mc:AlternateContent xmlns:mc="http://schemas.openxmlformats.org/markup-compatibility/2006">
+        <mc:Choice xmlns:a14="http://schemas.microsoft.com/office/drawing/2010/main" Requires="a14">
+          <p:sp>
+            <p:nvSpPr>
+              <p:cNvPr id="6" name="CaixaDeTexto 5">
+                <a:extLst>
+                  <a:ext uri="{FF2B5EF4-FFF2-40B4-BE49-F238E27FC236}">
+                    <a16:creationId xmlns:a16="http://schemas.microsoft.com/office/drawing/2014/main" id="{72719009-3372-778D-D2F1-4809B958A29B}"/>
+                  </a:ext>
+                </a:extLst>
+              </p:cNvPr>
+              <p:cNvSpPr txBox="1"/>
+              <p:nvPr/>
+            </p:nvSpPr>
+            <p:spPr>
+              <a:xfrm>
+                <a:off x="838200" y="4155857"/>
+                <a:ext cx="4524370" cy="678584"/>
+              </a:xfrm>
+              <a:prstGeom prst="rect">
+                <a:avLst/>
+              </a:prstGeom>
+              <a:noFill/>
+            </p:spPr>
+            <p:txBody>
+              <a:bodyPr wrap="square" rtlCol="0">
+                <a:spAutoFit/>
+              </a:bodyPr>
+              <a:lstStyle/>
+              <a:p>
+                <a:pPr algn="ctr"/>
+                <a14:m>
+                  <m:oMathPara xmlns:m="http://schemas.openxmlformats.org/officeDocument/2006/math">
+                    <m:oMathParaPr>
+                      <m:jc m:val="center"/>
+                    </m:oMathParaPr>
+                    <m:oMath xmlns:m="http://schemas.openxmlformats.org/officeDocument/2006/math">
+                      <m:r>
+                        <a:rPr lang="pt-BR" sz="2000" b="1" i="1" smtClean="0">
+                          <a:latin typeface="Cambria Math" panose="02040503050406030204" pitchFamily="18" charset="0"/>
+                        </a:rPr>
+                        <m:t>𝒂</m:t>
+                      </m:r>
+                      <m:r>
+                        <a:rPr lang="pt-BR" sz="2000" b="0" i="1" smtClean="0">
+                          <a:latin typeface="Cambria Math" panose="02040503050406030204" pitchFamily="18" charset="0"/>
+                        </a:rPr>
+                        <m:t>(</m:t>
+                      </m:r>
+                      <m:r>
+                        <a:rPr lang="pt-BR" sz="2000" b="0" i="1" smtClean="0">
+                          <a:latin typeface="Cambria Math" panose="02040503050406030204" pitchFamily="18" charset="0"/>
+                        </a:rPr>
+                        <m:t>𝑖</m:t>
+                      </m:r>
+                      <m:r>
+                        <a:rPr lang="pt-BR" sz="2000" b="0" i="1" smtClean="0">
+                          <a:latin typeface="Cambria Math" panose="02040503050406030204" pitchFamily="18" charset="0"/>
+                        </a:rPr>
+                        <m:t>+1)</m:t>
+                      </m:r>
+                      <m:r>
+                        <a:rPr lang="pt-BR" sz="2000" b="0" i="0" smtClean="0">
+                          <a:latin typeface="Cambria Math" panose="02040503050406030204" pitchFamily="18" charset="0"/>
+                        </a:rPr>
+                        <m:t>=</m:t>
+                      </m:r>
+                      <m:r>
+                        <a:rPr lang="pt-BR" sz="2000" b="1" i="1" smtClean="0">
+                          <a:latin typeface="Cambria Math" panose="02040503050406030204" pitchFamily="18" charset="0"/>
+                        </a:rPr>
+                        <m:t>𝒂</m:t>
+                      </m:r>
+                      <m:r>
+                        <a:rPr lang="pt-BR" sz="2000" b="0" i="1" smtClean="0">
+                          <a:latin typeface="Cambria Math" panose="02040503050406030204" pitchFamily="18" charset="0"/>
+                        </a:rPr>
+                        <m:t>(</m:t>
+                      </m:r>
+                      <m:r>
+                        <a:rPr lang="pt-BR" sz="2000" b="0" i="1" smtClean="0">
+                          <a:latin typeface="Cambria Math" panose="02040503050406030204" pitchFamily="18" charset="0"/>
+                        </a:rPr>
+                        <m:t>𝑖</m:t>
+                      </m:r>
+                      <m:r>
+                        <a:rPr lang="pt-BR" sz="2000" b="0" i="0" smtClean="0">
+                          <a:latin typeface="Cambria Math" panose="02040503050406030204" pitchFamily="18" charset="0"/>
+                        </a:rPr>
+                        <m:t>)</m:t>
+                      </m:r>
+                      <m:r>
+                        <a:rPr lang="pt-BR" sz="2000" b="0" i="0" smtClean="0">
+                          <a:latin typeface="Cambria Math" panose="02040503050406030204" pitchFamily="18" charset="0"/>
+                        </a:rPr>
+                        <m:t>−</m:t>
+                      </m:r>
+                      <m:r>
+                        <a:rPr lang="pt-BR" sz="2000" i="1" dirty="0">
+                          <a:latin typeface="Cambria Math" panose="02040503050406030204" pitchFamily="18" charset="0"/>
+                          <a:ea typeface="Cambria Math" panose="02040503050406030204" pitchFamily="18" charset="0"/>
+                        </a:rPr>
+                        <m:t>𝛼</m:t>
+                      </m:r>
+                      <m:r>
+                        <a:rPr lang="pt-BR" sz="2000" b="0" i="1" dirty="0" smtClean="0">
+                          <a:latin typeface="Cambria Math" panose="02040503050406030204" pitchFamily="18" charset="0"/>
+                          <a:ea typeface="Cambria Math" panose="02040503050406030204" pitchFamily="18" charset="0"/>
+                        </a:rPr>
+                        <m:t>(</m:t>
+                      </m:r>
+                      <m:r>
+                        <a:rPr lang="pt-BR" sz="2000" b="0" i="1" dirty="0" smtClean="0">
+                          <a:latin typeface="Cambria Math" panose="02040503050406030204" pitchFamily="18" charset="0"/>
+                          <a:ea typeface="Cambria Math" panose="02040503050406030204" pitchFamily="18" charset="0"/>
+                        </a:rPr>
+                        <m:t>𝑖</m:t>
+                      </m:r>
+                      <m:r>
+                        <a:rPr lang="pt-BR" sz="2000" b="0" i="1" dirty="0" smtClean="0">
+                          <a:latin typeface="Cambria Math" panose="02040503050406030204" pitchFamily="18" charset="0"/>
+                          <a:ea typeface="Cambria Math" panose="02040503050406030204" pitchFamily="18" charset="0"/>
+                        </a:rPr>
+                        <m:t>)</m:t>
+                      </m:r>
+                      <m:f>
+                        <m:fPr>
+                          <m:ctrlPr>
+                            <a:rPr lang="pt-BR" sz="2000" i="1" dirty="0">
+                              <a:latin typeface="Cambria Math" panose="02040503050406030204" pitchFamily="18" charset="0"/>
+                            </a:rPr>
+                          </m:ctrlPr>
+                        </m:fPr>
+                        <m:num>
+                          <m:r>
+                            <a:rPr lang="pt-BR" sz="2000" i="1" dirty="0">
+                              <a:latin typeface="Cambria Math" panose="02040503050406030204" pitchFamily="18" charset="0"/>
+                            </a:rPr>
+                            <m:t>𝜕</m:t>
+                          </m:r>
+                          <m:sSub>
+                            <m:sSubPr>
+                              <m:ctrlPr>
+                                <a:rPr lang="pt-BR" sz="2000" i="1">
+                                  <a:latin typeface="Cambria Math" panose="02040503050406030204" pitchFamily="18" charset="0"/>
+                                </a:rPr>
+                              </m:ctrlPr>
+                            </m:sSubPr>
+                            <m:e>
+                              <m:r>
+                                <a:rPr lang="pt-BR" sz="2000" i="1">
+                                  <a:latin typeface="Cambria Math" panose="02040503050406030204" pitchFamily="18" charset="0"/>
+                                </a:rPr>
+                                <m:t>𝐽</m:t>
+                              </m:r>
+                            </m:e>
+                            <m:sub>
+                              <m:r>
+                                <a:rPr lang="pt-BR" sz="2000" i="1">
+                                  <a:latin typeface="Cambria Math" panose="02040503050406030204" pitchFamily="18" charset="0"/>
+                                </a:rPr>
+                                <m:t>𝑒</m:t>
+                              </m:r>
+                            </m:sub>
+                          </m:sSub>
+                          <m:r>
+                            <a:rPr lang="pt-BR" sz="2000" i="1" smtClean="0">
+                              <a:latin typeface="Cambria Math" panose="02040503050406030204" pitchFamily="18" charset="0"/>
+                            </a:rPr>
+                            <m:t>(</m:t>
+                          </m:r>
+                          <m:r>
+                            <a:rPr lang="pt-BR" sz="2000" b="1" i="1" smtClean="0">
+                              <a:latin typeface="Cambria Math" panose="02040503050406030204" pitchFamily="18" charset="0"/>
+                            </a:rPr>
+                            <m:t>𝒂</m:t>
+                          </m:r>
+                          <m:r>
+                            <a:rPr lang="pt-BR" sz="2000" b="0" i="1" smtClean="0">
+                              <a:latin typeface="Cambria Math" panose="02040503050406030204" pitchFamily="18" charset="0"/>
+                            </a:rPr>
+                            <m:t>(</m:t>
+                          </m:r>
+                          <m:r>
+                            <a:rPr lang="pt-BR" sz="2000" b="0" i="1" smtClean="0">
+                              <a:latin typeface="Cambria Math" panose="02040503050406030204" pitchFamily="18" charset="0"/>
+                            </a:rPr>
+                            <m:t>𝑖</m:t>
+                          </m:r>
+                          <m:r>
+                            <a:rPr lang="pt-BR" sz="2000" b="0" i="1" smtClean="0">
+                              <a:latin typeface="Cambria Math" panose="02040503050406030204" pitchFamily="18" charset="0"/>
+                            </a:rPr>
+                            <m:t>))</m:t>
+                          </m:r>
+                        </m:num>
+                        <m:den>
+                          <m:r>
+                            <a:rPr lang="pt-BR" sz="2000" i="1" dirty="0">
+                              <a:latin typeface="Cambria Math" panose="02040503050406030204" pitchFamily="18" charset="0"/>
+                            </a:rPr>
+                            <m:t>𝜕</m:t>
+                          </m:r>
+                          <m:r>
+                            <a:rPr lang="pt-BR" sz="2000" b="1" i="1" dirty="0">
+                              <a:latin typeface="Cambria Math" panose="02040503050406030204" pitchFamily="18" charset="0"/>
+                            </a:rPr>
+                            <m:t>𝒂</m:t>
+                          </m:r>
+                        </m:den>
+                      </m:f>
+                    </m:oMath>
+                  </m:oMathPara>
+                </a14:m>
+                <a:endParaRPr lang="pt-BR" sz="2000" dirty="0"/>
+              </a:p>
+            </p:txBody>
+          </p:sp>
+        </mc:Choice>
+        <mc:Fallback>
+          <p:sp>
+            <p:nvSpPr>
+              <p:cNvPr id="6" name="CaixaDeTexto 5">
+                <a:extLst>
+                  <a:ext uri="{FF2B5EF4-FFF2-40B4-BE49-F238E27FC236}">
+                    <a16:creationId xmlns:a16="http://schemas.microsoft.com/office/drawing/2014/main" id="{72719009-3372-778D-D2F1-4809B958A29B}"/>
+                  </a:ext>
+                </a:extLst>
+              </p:cNvPr>
+              <p:cNvSpPr txBox="1">
+                <a:spLocks noRot="1" noChangeAspect="1" noMove="1" noResize="1" noEditPoints="1" noAdjustHandles="1" noChangeArrowheads="1" noChangeShapeType="1" noTextEdit="1"/>
+              </p:cNvSpPr>
+              <p:nvPr/>
+            </p:nvSpPr>
+            <p:spPr>
+              <a:xfrm>
+                <a:off x="838200" y="4155857"/>
+                <a:ext cx="4524370" cy="678584"/>
+              </a:xfrm>
+              <a:prstGeom prst="rect">
+                <a:avLst/>
+              </a:prstGeom>
+              <a:blipFill>
+                <a:blip r:embed="rId3"/>
+                <a:stretch>
+                  <a:fillRect/>
+                </a:stretch>
+              </a:blipFill>
+            </p:spPr>
+            <p:txBody>
+              <a:bodyPr/>
+              <a:lstStyle/>
+              <a:p>
+                <a:r>
+                  <a:rPr lang="pt-BR">
+                    <a:noFill/>
+                  </a:rPr>
+                  <a:t> </a:t>
+                </a:r>
+              </a:p>
+            </p:txBody>
+          </p:sp>
+        </mc:Fallback>
+      </mc:AlternateContent>
+      <mc:AlternateContent xmlns:mc="http://schemas.openxmlformats.org/markup-compatibility/2006">
+        <mc:Choice xmlns:a14="http://schemas.microsoft.com/office/drawing/2010/main" Requires="a14">
+          <p:sp>
+            <p:nvSpPr>
+              <p:cNvPr id="7" name="CaixaDeTexto 6">
+                <a:extLst>
+                  <a:ext uri="{FF2B5EF4-FFF2-40B4-BE49-F238E27FC236}">
+                    <a16:creationId xmlns:a16="http://schemas.microsoft.com/office/drawing/2014/main" id="{BDB93DF7-591B-3B8F-3372-DBAB944CDC4D}"/>
+                  </a:ext>
+                </a:extLst>
+              </p:cNvPr>
+              <p:cNvSpPr txBox="1"/>
+              <p:nvPr/>
+            </p:nvSpPr>
+            <p:spPr>
+              <a:xfrm>
+                <a:off x="854152" y="5696662"/>
+                <a:ext cx="4422169" cy="678584"/>
+              </a:xfrm>
+              <a:prstGeom prst="rect">
+                <a:avLst/>
+              </a:prstGeom>
+              <a:noFill/>
+            </p:spPr>
+            <p:txBody>
+              <a:bodyPr wrap="square" rtlCol="0">
+                <a:spAutoFit/>
+              </a:bodyPr>
+              <a:lstStyle/>
+              <a:p>
+                <a:pPr algn="ctr"/>
+                <a14:m>
+                  <m:oMathPara xmlns:m="http://schemas.openxmlformats.org/officeDocument/2006/math">
+                    <m:oMathParaPr>
+                      <m:jc m:val="centerGroup"/>
+                    </m:oMathParaPr>
+                    <m:oMath xmlns:m="http://schemas.openxmlformats.org/officeDocument/2006/math">
+                      <m:r>
+                        <a:rPr lang="pt-BR" sz="2000" b="1" i="1" smtClean="0">
+                          <a:latin typeface="Cambria Math" panose="02040503050406030204" pitchFamily="18" charset="0"/>
+                        </a:rPr>
+                        <m:t>𝒂</m:t>
+                      </m:r>
+                      <m:r>
+                        <a:rPr lang="pt-BR" sz="2000" b="0" i="1" smtClean="0">
+                          <a:latin typeface="Cambria Math" panose="02040503050406030204" pitchFamily="18" charset="0"/>
+                        </a:rPr>
+                        <m:t>(</m:t>
+                      </m:r>
+                      <m:r>
+                        <a:rPr lang="pt-BR" sz="2000" b="0" i="1" smtClean="0">
+                          <a:latin typeface="Cambria Math" panose="02040503050406030204" pitchFamily="18" charset="0"/>
+                        </a:rPr>
+                        <m:t>𝑖</m:t>
+                      </m:r>
+                      <m:r>
+                        <a:rPr lang="pt-BR" sz="2000" b="0" i="1" smtClean="0">
+                          <a:latin typeface="Cambria Math" panose="02040503050406030204" pitchFamily="18" charset="0"/>
+                        </a:rPr>
+                        <m:t>+1)</m:t>
+                      </m:r>
+                      <m:r>
+                        <a:rPr lang="pt-BR" sz="2000" b="0" i="0" smtClean="0">
+                          <a:latin typeface="Cambria Math" panose="02040503050406030204" pitchFamily="18" charset="0"/>
+                        </a:rPr>
+                        <m:t>=</m:t>
+                      </m:r>
+                      <m:r>
+                        <a:rPr lang="pt-BR" sz="2000" b="1" i="1" smtClean="0">
+                          <a:latin typeface="Cambria Math" panose="02040503050406030204" pitchFamily="18" charset="0"/>
+                        </a:rPr>
+                        <m:t>𝒂</m:t>
+                      </m:r>
+                      <m:r>
+                        <a:rPr lang="pt-BR" sz="2000" b="0" i="1" smtClean="0">
+                          <a:latin typeface="Cambria Math" panose="02040503050406030204" pitchFamily="18" charset="0"/>
+                        </a:rPr>
+                        <m:t>(</m:t>
+                      </m:r>
+                      <m:r>
+                        <a:rPr lang="pt-BR" sz="2000" b="0" i="1" smtClean="0">
+                          <a:latin typeface="Cambria Math" panose="02040503050406030204" pitchFamily="18" charset="0"/>
+                        </a:rPr>
+                        <m:t>𝑖</m:t>
+                      </m:r>
+                      <m:r>
+                        <a:rPr lang="pt-BR" sz="2000" b="0" i="0" smtClean="0">
+                          <a:latin typeface="Cambria Math" panose="02040503050406030204" pitchFamily="18" charset="0"/>
+                        </a:rPr>
+                        <m:t>)</m:t>
+                      </m:r>
+                      <m:r>
+                        <a:rPr lang="pt-BR" sz="2000" b="0" i="0" smtClean="0">
+                          <a:latin typeface="Cambria Math" panose="02040503050406030204" pitchFamily="18" charset="0"/>
+                        </a:rPr>
+                        <m:t>−</m:t>
+                      </m:r>
+                      <m:r>
+                        <a:rPr lang="pt-BR" sz="2000" b="1" i="1" dirty="0">
+                          <a:latin typeface="Cambria Math" panose="02040503050406030204" pitchFamily="18" charset="0"/>
+                          <a:ea typeface="Cambria Math" panose="02040503050406030204" pitchFamily="18" charset="0"/>
+                        </a:rPr>
+                        <m:t>𝜶</m:t>
+                      </m:r>
+                      <m:r>
+                        <a:rPr lang="pt-BR" sz="2000" b="0" i="1" dirty="0" smtClean="0">
+                          <a:latin typeface="Cambria Math" panose="02040503050406030204" pitchFamily="18" charset="0"/>
+                          <a:ea typeface="Cambria Math" panose="02040503050406030204" pitchFamily="18" charset="0"/>
+                        </a:rPr>
+                        <m:t>(</m:t>
+                      </m:r>
+                      <m:r>
+                        <a:rPr lang="pt-BR" sz="2000" b="0" i="1" dirty="0" smtClean="0">
+                          <a:latin typeface="Cambria Math" panose="02040503050406030204" pitchFamily="18" charset="0"/>
+                          <a:ea typeface="Cambria Math" panose="02040503050406030204" pitchFamily="18" charset="0"/>
+                        </a:rPr>
+                        <m:t>𝑖</m:t>
+                      </m:r>
+                      <m:r>
+                        <a:rPr lang="pt-BR" sz="2000" b="0" i="1" dirty="0" smtClean="0">
+                          <a:latin typeface="Cambria Math" panose="02040503050406030204" pitchFamily="18" charset="0"/>
+                          <a:ea typeface="Cambria Math" panose="02040503050406030204" pitchFamily="18" charset="0"/>
+                        </a:rPr>
+                        <m:t>)</m:t>
+                      </m:r>
+                      <m:f>
+                        <m:fPr>
+                          <m:ctrlPr>
+                            <a:rPr lang="pt-BR" sz="2000" i="1" dirty="0">
+                              <a:latin typeface="Cambria Math" panose="02040503050406030204" pitchFamily="18" charset="0"/>
+                            </a:rPr>
+                          </m:ctrlPr>
+                        </m:fPr>
+                        <m:num>
+                          <m:r>
+                            <a:rPr lang="pt-BR" sz="2000" i="1" dirty="0">
+                              <a:latin typeface="Cambria Math" panose="02040503050406030204" pitchFamily="18" charset="0"/>
+                            </a:rPr>
+                            <m:t>𝜕</m:t>
+                          </m:r>
+                          <m:sSub>
+                            <m:sSubPr>
+                              <m:ctrlPr>
+                                <a:rPr lang="pt-BR" sz="2000" i="1">
+                                  <a:latin typeface="Cambria Math" panose="02040503050406030204" pitchFamily="18" charset="0"/>
+                                </a:rPr>
+                              </m:ctrlPr>
+                            </m:sSubPr>
+                            <m:e>
+                              <m:r>
+                                <a:rPr lang="pt-BR" sz="2000" i="1">
+                                  <a:latin typeface="Cambria Math" panose="02040503050406030204" pitchFamily="18" charset="0"/>
+                                </a:rPr>
+                                <m:t>𝐽</m:t>
+                              </m:r>
+                            </m:e>
+                            <m:sub>
+                              <m:r>
+                                <a:rPr lang="pt-BR" sz="2000" i="1">
+                                  <a:latin typeface="Cambria Math" panose="02040503050406030204" pitchFamily="18" charset="0"/>
+                                </a:rPr>
+                                <m:t>𝑒</m:t>
+                              </m:r>
+                            </m:sub>
+                          </m:sSub>
+                          <m:r>
+                            <a:rPr lang="pt-BR" sz="2000" i="1" smtClean="0">
+                              <a:latin typeface="Cambria Math" panose="02040503050406030204" pitchFamily="18" charset="0"/>
+                            </a:rPr>
+                            <m:t>(</m:t>
+                          </m:r>
+                          <m:r>
+                            <a:rPr lang="pt-BR" sz="2000" b="1" i="1" smtClean="0">
+                              <a:latin typeface="Cambria Math" panose="02040503050406030204" pitchFamily="18" charset="0"/>
+                            </a:rPr>
+                            <m:t>𝒂</m:t>
+                          </m:r>
+                          <m:r>
+                            <a:rPr lang="pt-BR" sz="2000" b="0" i="1" smtClean="0">
+                              <a:latin typeface="Cambria Math" panose="02040503050406030204" pitchFamily="18" charset="0"/>
+                            </a:rPr>
+                            <m:t>(</m:t>
+                          </m:r>
+                          <m:r>
+                            <a:rPr lang="pt-BR" sz="2000" b="0" i="1" smtClean="0">
+                              <a:latin typeface="Cambria Math" panose="02040503050406030204" pitchFamily="18" charset="0"/>
+                            </a:rPr>
+                            <m:t>𝑖</m:t>
+                          </m:r>
+                          <m:r>
+                            <a:rPr lang="pt-BR" sz="2000" b="0" i="1" smtClean="0">
+                              <a:latin typeface="Cambria Math" panose="02040503050406030204" pitchFamily="18" charset="0"/>
+                            </a:rPr>
+                            <m:t>))</m:t>
+                          </m:r>
+                        </m:num>
+                        <m:den>
+                          <m:r>
+                            <a:rPr lang="pt-BR" sz="2000" i="1" dirty="0">
+                              <a:latin typeface="Cambria Math" panose="02040503050406030204" pitchFamily="18" charset="0"/>
+                            </a:rPr>
+                            <m:t>𝜕</m:t>
+                          </m:r>
+                          <m:r>
+                            <a:rPr lang="pt-BR" sz="2000" b="1" i="1" dirty="0">
+                              <a:latin typeface="Cambria Math" panose="02040503050406030204" pitchFamily="18" charset="0"/>
+                            </a:rPr>
+                            <m:t>𝒂</m:t>
+                          </m:r>
+                        </m:den>
+                      </m:f>
+                    </m:oMath>
+                  </m:oMathPara>
+                </a14:m>
+                <a:endParaRPr lang="pt-BR" sz="2000" dirty="0"/>
+              </a:p>
+            </p:txBody>
+          </p:sp>
+        </mc:Choice>
+        <mc:Fallback>
+          <p:sp>
+            <p:nvSpPr>
+              <p:cNvPr id="7" name="CaixaDeTexto 6">
+                <a:extLst>
+                  <a:ext uri="{FF2B5EF4-FFF2-40B4-BE49-F238E27FC236}">
+                    <a16:creationId xmlns:a16="http://schemas.microsoft.com/office/drawing/2014/main" id="{BDB93DF7-591B-3B8F-3372-DBAB944CDC4D}"/>
+                  </a:ext>
+                </a:extLst>
+              </p:cNvPr>
+              <p:cNvSpPr txBox="1">
+                <a:spLocks noRot="1" noChangeAspect="1" noMove="1" noResize="1" noEditPoints="1" noAdjustHandles="1" noChangeArrowheads="1" noChangeShapeType="1" noTextEdit="1"/>
+              </p:cNvSpPr>
+              <p:nvPr/>
+            </p:nvSpPr>
+            <p:spPr>
+              <a:xfrm>
+                <a:off x="854152" y="5696662"/>
+                <a:ext cx="4422169" cy="678584"/>
+              </a:xfrm>
+              <a:prstGeom prst="rect">
+                <a:avLst/>
+              </a:prstGeom>
+              <a:blipFill>
+                <a:blip r:embed="rId4"/>
+                <a:stretch>
+                  <a:fillRect/>
+                </a:stretch>
+              </a:blipFill>
+            </p:spPr>
+            <p:txBody>
+              <a:bodyPr/>
+              <a:lstStyle/>
+              <a:p>
+                <a:r>
+                  <a:rPr lang="pt-BR">
+                    <a:noFill/>
+                  </a:rPr>
+                  <a:t> </a:t>
+                </a:r>
+              </a:p>
+            </p:txBody>
+          </p:sp>
+        </mc:Fallback>
+      </mc:AlternateContent>
+      <p:sp>
+        <p:nvSpPr>
+          <p:cNvPr id="9" name="CaixaDeTexto 8">
+            <a:extLst>
+              <a:ext uri="{FF2B5EF4-FFF2-40B4-BE49-F238E27FC236}">
+                <a16:creationId xmlns:a16="http://schemas.microsoft.com/office/drawing/2014/main" id="{1E2F2899-FF44-EB88-8285-1EE67ECD29DB}"/>
+              </a:ext>
+            </a:extLst>
+          </p:cNvPr>
+          <p:cNvSpPr txBox="1"/>
+          <p:nvPr/>
+        </p:nvSpPr>
+        <p:spPr>
+          <a:xfrm>
+            <a:off x="854152" y="2208430"/>
+            <a:ext cx="4524370" cy="369332"/>
+          </a:xfrm>
+          <a:prstGeom prst="rect">
+            <a:avLst/>
+          </a:prstGeom>
+          <a:noFill/>
+        </p:spPr>
+        <p:txBody>
+          <a:bodyPr wrap="square">
+            <a:spAutoFit/>
+          </a:bodyPr>
+          <a:lstStyle/>
+          <a:p>
+            <a:pPr algn="ctr"/>
+            <a:r>
+              <a:rPr lang="pt-BR" b="1" dirty="0"/>
+              <a:t>T</a:t>
+            </a:r>
+            <a:r>
+              <a:rPr lang="pt-BR" b="1" i="0" dirty="0">
+                <a:effectLst/>
+              </a:rPr>
+              <a:t>axa constante</a:t>
+            </a:r>
+            <a:endParaRPr lang="pt-BR" b="1" dirty="0"/>
+          </a:p>
+        </p:txBody>
+      </p:sp>
+      <p:sp>
+        <p:nvSpPr>
+          <p:cNvPr id="11" name="CaixaDeTexto 10">
+            <a:extLst>
+              <a:ext uri="{FF2B5EF4-FFF2-40B4-BE49-F238E27FC236}">
+                <a16:creationId xmlns:a16="http://schemas.microsoft.com/office/drawing/2014/main" id="{DD4A8F32-0764-6960-5419-91CC5586BB60}"/>
+              </a:ext>
+            </a:extLst>
+          </p:cNvPr>
+          <p:cNvSpPr txBox="1"/>
+          <p:nvPr/>
+        </p:nvSpPr>
+        <p:spPr>
+          <a:xfrm>
+            <a:off x="854152" y="3772448"/>
+            <a:ext cx="4524370" cy="369332"/>
+          </a:xfrm>
+          <a:prstGeom prst="rect">
+            <a:avLst/>
+          </a:prstGeom>
+          <a:noFill/>
+        </p:spPr>
+        <p:txBody>
+          <a:bodyPr wrap="square">
+            <a:spAutoFit/>
+          </a:bodyPr>
+          <a:lstStyle/>
+          <a:p>
+            <a:pPr algn="ctr"/>
+            <a:r>
+              <a:rPr lang="pt-BR" b="1" dirty="0"/>
+              <a:t>D</a:t>
+            </a:r>
+            <a:r>
+              <a:rPr lang="pt-BR" b="1" i="0" dirty="0">
+                <a:effectLst/>
+              </a:rPr>
+              <a:t>ecaimento linear e exponencial</a:t>
+            </a:r>
+            <a:endParaRPr lang="pt-BR" b="1" dirty="0"/>
+          </a:p>
+        </p:txBody>
+      </p:sp>
+      <p:sp>
+        <p:nvSpPr>
+          <p:cNvPr id="13" name="CaixaDeTexto 12">
+            <a:extLst>
+              <a:ext uri="{FF2B5EF4-FFF2-40B4-BE49-F238E27FC236}">
+                <a16:creationId xmlns:a16="http://schemas.microsoft.com/office/drawing/2014/main" id="{8B8ED506-6B67-FE15-B7CB-D0F78A6846B0}"/>
+              </a:ext>
+            </a:extLst>
+          </p:cNvPr>
+          <p:cNvSpPr txBox="1"/>
+          <p:nvPr/>
+        </p:nvSpPr>
+        <p:spPr>
+          <a:xfrm>
+            <a:off x="854152" y="5327330"/>
+            <a:ext cx="4406218" cy="369332"/>
+          </a:xfrm>
+          <a:prstGeom prst="rect">
+            <a:avLst/>
+          </a:prstGeom>
+          <a:noFill/>
+        </p:spPr>
+        <p:txBody>
+          <a:bodyPr wrap="square">
+            <a:spAutoFit/>
+          </a:bodyPr>
+          <a:lstStyle/>
+          <a:p>
+            <a:pPr algn="ctr"/>
+            <a:r>
+              <a:rPr lang="pt-BR" b="1" dirty="0"/>
+              <a:t>A</a:t>
+            </a:r>
+            <a:r>
+              <a:rPr lang="pt-BR" b="1" i="0" dirty="0">
+                <a:effectLst/>
+              </a:rPr>
+              <a:t>daptação automática</a:t>
+            </a:r>
+            <a:endParaRPr lang="pt-BR" b="1" dirty="0"/>
+          </a:p>
+        </p:txBody>
+      </p:sp>
+    </p:spTree>
+    <p:extLst>
+      <p:ext uri="{BB962C8B-B14F-4D97-AF65-F5344CB8AC3E}">
+        <p14:creationId xmlns:p14="http://schemas.microsoft.com/office/powerpoint/2010/main" val="466730020"/>
+      </p:ext>
+    </p:extLst>
+  </p:cSld>
+  <p:clrMapOvr>
+    <a:masterClrMapping/>
+  </p:clrMapOvr>
+</p:sld>
+</file>
+
+<file path=ppt/slides/slide23.xml><?xml version="1.0" encoding="utf-8"?>
+<p:sld xmlns:a="http://schemas.openxmlformats.org/drawingml/2006/main" xmlns:r="http://schemas.openxmlformats.org/officeDocument/2006/relationships" xmlns:p="http://schemas.openxmlformats.org/presentationml/2006/main">
+  <p:cSld>
+    <p:spTree>
+      <p:nvGrpSpPr>
+        <p:cNvPr id="1" name=""/>
+        <p:cNvGrpSpPr/>
+        <p:nvPr/>
+      </p:nvGrpSpPr>
+      <p:grpSpPr>
+        <a:xfrm>
+          <a:off x="0" y="0"/>
+          <a:ext cx="0" cy="0"/>
+          <a:chOff x="0" y="0"/>
+          <a:chExt cx="0" cy="0"/>
+        </a:xfrm>
+      </p:grpSpPr>
+      <p:sp>
+        <p:nvSpPr>
+          <p:cNvPr id="2" name="Título 1">
+            <a:extLst>
+              <a:ext uri="{FF2B5EF4-FFF2-40B4-BE49-F238E27FC236}">
                 <a16:creationId xmlns:a16="http://schemas.microsoft.com/office/drawing/2014/main" id="{DD53A2C8-8CC9-DF50-3DA9-94EFAB2C6BDA}"/>
               </a:ext>
             </a:extLst>
@@ -32207,71 +33702,44 @@
         </p:nvSpPr>
         <p:spPr>
           <a:xfrm>
-            <a:off x="6239378" y="1825624"/>
-            <a:ext cx="5713136" cy="5032375"/>
+            <a:off x="5938463" y="1825624"/>
+            <a:ext cx="6128288" cy="5032375"/>
           </a:xfrm>
         </p:spPr>
         <p:txBody>
           <a:bodyPr>
-            <a:normAutofit lnSpcReduction="10000"/>
+            <a:normAutofit/>
           </a:bodyPr>
           <a:lstStyle/>
           <a:p>
             <a:pPr algn="l"/>
             <a:r>
               <a:rPr lang="pt-BR" b="0" i="0" dirty="0">
-                <a:solidFill>
-                  <a:srgbClr val="1F1F1F"/>
-                </a:solidFill>
                 <a:effectLst/>
-                <a:latin typeface="Google Sans"/>
               </a:rPr>
               <a:t>Esse </a:t>
             </a:r>
             <a:r>
               <a:rPr lang="pt-BR" b="1" i="1" dirty="0">
-                <a:solidFill>
-                  <a:srgbClr val="1F1F1F"/>
-                </a:solidFill>
                 <a:effectLst/>
-                <a:latin typeface="Google Sans"/>
               </a:rPr>
-              <a:t>processo iterativo de </a:t>
-            </a:r>
-            <a:r>
-              <a:rPr lang="pt-BR" b="1" i="1" dirty="0">
-                <a:effectLst/>
-                <a:latin typeface="Google Sans"/>
-              </a:rPr>
-              <a:t>otimização</a:t>
+              <a:t>processo iterativo de otimização</a:t>
             </a:r>
             <a:r>
               <a:rPr lang="pt-BR" b="0" i="0" dirty="0">
-                <a:solidFill>
-                  <a:srgbClr val="1F1F1F"/>
-                </a:solidFill>
                 <a:effectLst/>
-                <a:latin typeface="Google Sans"/>
               </a:rPr>
               <a:t> que discutimos até agora é chamado de </a:t>
             </a:r>
             <a:r>
               <a:rPr lang="pt-BR" b="1" i="1" dirty="0">
-                <a:solidFill>
-                  <a:srgbClr val="1F1F1F"/>
-                </a:solidFill>
                 <a:effectLst/>
-                <a:latin typeface="Google Sans"/>
               </a:rPr>
               <a:t>gradiente descendente (GD)</a:t>
             </a:r>
             <a:r>
               <a:rPr lang="pt-BR" b="0" i="0" dirty="0">
-                <a:solidFill>
-                  <a:srgbClr val="1F1F1F"/>
-                </a:solidFill>
                 <a:effectLst/>
-                <a:latin typeface="Google Sans"/>
               </a:rPr>
               <a:t>.</a:t>
             </a:r>
@@ -32279,35 +33747,28 @@
           <a:p>
             <a:r>
               <a:rPr lang="pt-BR" b="0" i="0" dirty="0">
-                <a:solidFill>
-                  <a:srgbClr val="222222"/>
-                </a:solidFill>
                 <a:effectLst/>
-                <a:latin typeface="Google Sans"/>
               </a:rPr>
               <a:t>Ele está por trás do aprendizado de vários algoritmos de ML: regressão linear, regressão logística, redes neurais em geral, máquinas de vetores de suporte, aprendizado por reforço, etc.</a:t>
             </a:r>
           </a:p>
           <a:p>
             <a:r>
-              <a:rPr lang="pt-BR" dirty="0">
+              <a:rPr lang="pt-BR" dirty="0"/>
+              <a:t>Como veremos, o GD pode ser implementado de </a:t>
+            </a:r>
+            <a:r>
+              <a:rPr lang="pt-BR" b="1" i="1" dirty="0">
                 <a:solidFill>
-                  <a:srgbClr val="222222"/>
+                  <a:srgbClr val="00B050"/>
                 </a:solidFill>
-                <a:latin typeface="Google Sans"/>
               </a:rPr>
-              <a:t>O GD pode ser implementado de 3 formas diferentes.</a:t>
+              <a:t>3 formas diferentes dependendo de como calculamos o gradiente</a:t>
             </a:r>
-            <a:br>
-              <a:rPr lang="pt-BR" b="0" i="0" dirty="0">
-                <a:solidFill>
-                  <a:srgbClr val="222222"/>
-                </a:solidFill>
-                <a:effectLst/>
-                <a:latin typeface="Google Sans"/>
-              </a:rPr>
-            </a:br>
-            <a:endParaRPr lang="pt-BR" dirty="0"/>
+            <a:r>
+              <a:rPr lang="pt-BR" dirty="0"/>
+              <a:t>.</a:t>
+            </a:r>
           </a:p>
         </p:txBody>
       </p:sp>
@@ -32338,7 +33799,7 @@
         </p:blipFill>
         <p:spPr bwMode="auto">
           <a:xfrm>
-            <a:off x="217715" y="1825624"/>
+            <a:off x="186893" y="1825624"/>
             <a:ext cx="5734908" cy="2750002"/>
           </a:xfrm>
           <a:prstGeom prst="rect">
@@ -32356,8 +33817,8 @@
           </a:extLst>
         </p:spPr>
       </p:pic>
-      <mc:AlternateContent xmlns:mc="http://schemas.openxmlformats.org/markup-compatibility/2006" xmlns:a14="http://schemas.microsoft.com/office/drawing/2010/main">
-        <mc:Choice Requires="a14">
+      <mc:AlternateContent xmlns:mc="http://schemas.openxmlformats.org/markup-compatibility/2006">
+        <mc:Choice xmlns:a14="http://schemas.microsoft.com/office/drawing/2010/main" Requires="a14">
           <p:sp>
             <p:nvSpPr>
               <p:cNvPr id="4" name="Rectangle 3">
@@ -32372,7 +33833,7 @@
             </p:nvSpPr>
             <p:spPr>
               <a:xfrm>
-                <a:off x="239487" y="5086032"/>
+                <a:off x="136747" y="5086032"/>
                 <a:ext cx="5713136" cy="1037335"/>
               </a:xfrm>
               <a:prstGeom prst="rect">
@@ -32774,7 +34235,7 @@
             </p:txBody>
           </p:sp>
         </mc:Choice>
-        <mc:Fallback xmlns="">
+        <mc:Fallback>
           <p:sp>
             <p:nvSpPr>
               <p:cNvPr id="4" name="Rectangle 3">
@@ -32791,7 +34252,7 @@
             </p:nvSpPr>
             <p:spPr>
               <a:xfrm>
-                <a:off x="239487" y="5086032"/>
+                <a:off x="136747" y="5086032"/>
                 <a:ext cx="5713136" cy="1037335"/>
               </a:xfrm>
               <a:prstGeom prst="rect">
@@ -32837,7 +34298,7 @@
 </p:sld>
 </file>
 
-<file path=ppt/slides/slide23.xml><?xml version="1.0" encoding="utf-8"?>
+<file path=ppt/slides/slide24.xml><?xml version="1.0" encoding="utf-8"?>
 <p:sld xmlns:a="http://schemas.openxmlformats.org/drawingml/2006/main" xmlns:r="http://schemas.openxmlformats.org/officeDocument/2006/relationships" xmlns:p="http://schemas.openxmlformats.org/presentationml/2006/main">
   <p:cSld>
     <p:spTree>
@@ -33693,6 +35154,86 @@
           </p:sp>
         </mc:Fallback>
       </mc:AlternateContent>
+      <p:sp>
+        <p:nvSpPr>
+          <p:cNvPr id="4" name="Chave Direita 3">
+            <a:extLst>
+              <a:ext uri="{FF2B5EF4-FFF2-40B4-BE49-F238E27FC236}">
+                <a16:creationId xmlns:a16="http://schemas.microsoft.com/office/drawing/2014/main" id="{34E82524-99A2-A32D-2448-EDA425B739FB}"/>
+              </a:ext>
+            </a:extLst>
+          </p:cNvPr>
+          <p:cNvSpPr/>
+          <p:nvPr/>
+        </p:nvSpPr>
+        <p:spPr>
+          <a:xfrm rot="5400000">
+            <a:off x="4900283" y="1962855"/>
+            <a:ext cx="227011" cy="4417890"/>
+          </a:xfrm>
+          <a:prstGeom prst="rightBrace">
+            <a:avLst/>
+          </a:prstGeom>
+        </p:spPr>
+        <p:style>
+          <a:lnRef idx="1">
+            <a:schemeClr val="accent1"/>
+          </a:lnRef>
+          <a:fillRef idx="0">
+            <a:schemeClr val="accent1"/>
+          </a:fillRef>
+          <a:effectRef idx="0">
+            <a:schemeClr val="accent1"/>
+          </a:effectRef>
+          <a:fontRef idx="minor">
+            <a:schemeClr val="tx1"/>
+          </a:fontRef>
+        </p:style>
+        <p:txBody>
+          <a:bodyPr rtlCol="0" anchor="ctr"/>
+          <a:lstStyle/>
+          <a:p>
+            <a:pPr algn="ctr"/>
+            <a:endParaRPr lang="pt-BR"/>
+          </a:p>
+        </p:txBody>
+      </p:sp>
+      <p:sp>
+        <p:nvSpPr>
+          <p:cNvPr id="5" name="CaixaDeTexto 4">
+            <a:extLst>
+              <a:ext uri="{FF2B5EF4-FFF2-40B4-BE49-F238E27FC236}">
+                <a16:creationId xmlns:a16="http://schemas.microsoft.com/office/drawing/2014/main" id="{2233FD09-4E8B-F098-2ECB-99AF062103A9}"/>
+              </a:ext>
+            </a:extLst>
+          </p:cNvPr>
+          <p:cNvSpPr txBox="1"/>
+          <p:nvPr/>
+        </p:nvSpPr>
+        <p:spPr>
+          <a:xfrm>
+            <a:off x="2804843" y="4223171"/>
+            <a:ext cx="4417891" cy="307777"/>
+          </a:xfrm>
+          <a:prstGeom prst="rect">
+            <a:avLst/>
+          </a:prstGeom>
+          <a:noFill/>
+        </p:spPr>
+        <p:txBody>
+          <a:bodyPr wrap="square" rtlCol="0">
+            <a:spAutoFit/>
+          </a:bodyPr>
+          <a:lstStyle/>
+          <a:p>
+            <a:pPr algn="ctr"/>
+            <a:r>
+              <a:rPr lang="pt-BR" sz="1400" dirty="0"/>
+              <a:t>Equação do hiperplano</a:t>
+            </a:r>
+          </a:p>
+        </p:txBody>
+      </p:sp>
     </p:spTree>
     <p:extLst>
       <p:ext uri="{BB962C8B-B14F-4D97-AF65-F5344CB8AC3E}">
@@ -33706,7 +35247,7 @@
 </p:sld>
 </file>
 
-<file path=ppt/slides/slide24.xml><?xml version="1.0" encoding="utf-8"?>
+<file path=ppt/slides/slide25.xml><?xml version="1.0" encoding="utf-8"?>
 <p:sld xmlns:a="http://schemas.openxmlformats.org/drawingml/2006/main" xmlns:r="http://schemas.openxmlformats.org/officeDocument/2006/relationships" xmlns:p="http://schemas.openxmlformats.org/presentationml/2006/main">
   <p:cSld>
     <p:spTree>
@@ -33751,8 +35292,8 @@
           </a:p>
         </p:txBody>
       </p:sp>
-      <mc:AlternateContent xmlns:mc="http://schemas.openxmlformats.org/markup-compatibility/2006" xmlns:a14="http://schemas.microsoft.com/office/drawing/2010/main">
-        <mc:Choice Requires="a14">
+      <mc:AlternateContent xmlns:mc="http://schemas.openxmlformats.org/markup-compatibility/2006">
+        <mc:Choice xmlns:a14="http://schemas.microsoft.com/office/drawing/2010/main" Requires="a14">
           <p:sp>
             <p:nvSpPr>
               <p:cNvPr id="3" name="Espaço Reservado para Conteúdo 2">
@@ -33795,7 +35336,7 @@
                 </a:r>
                 <a:r>
                   <a:rPr lang="pt-BR" b="1" i="1" dirty="0"/>
-                  <a:t> função de erro </a:t>
+                  <a:t> função de erro em relação aos pesos </a:t>
                 </a:r>
                 <a:r>
                   <a:rPr lang="pt-BR" dirty="0"/>
@@ -34592,7 +36133,7 @@
             </p:txBody>
           </p:sp>
         </mc:Choice>
-        <mc:Fallback xmlns="">
+        <mc:Fallback>
           <p:sp>
             <p:nvSpPr>
               <p:cNvPr id="3" name="Espaço Reservado para Conteúdo 2">
@@ -34649,7 +36190,7 @@
 </p:sld>
 </file>
 
-<file path=ppt/slides/slide25.xml><?xml version="1.0" encoding="utf-8"?>
+<file path=ppt/slides/slide26.xml><?xml version="1.0" encoding="utf-8"?>
 <p:sld xmlns:a="http://schemas.openxmlformats.org/drawingml/2006/main" xmlns:r="http://schemas.openxmlformats.org/officeDocument/2006/relationships" xmlns:p="http://schemas.openxmlformats.org/presentationml/2006/main">
   <p:cSld>
     <p:spTree>
@@ -34694,8 +36235,8 @@
           </a:p>
         </p:txBody>
       </p:sp>
-      <mc:AlternateContent xmlns:mc="http://schemas.openxmlformats.org/markup-compatibility/2006" xmlns:a14="http://schemas.microsoft.com/office/drawing/2010/main">
-        <mc:Choice Requires="a14">
+      <mc:AlternateContent xmlns:mc="http://schemas.openxmlformats.org/markup-compatibility/2006">
+        <mc:Choice xmlns:a14="http://schemas.microsoft.com/office/drawing/2010/main" Requires="a14">
           <p:sp>
             <p:nvSpPr>
               <p:cNvPr id="3" name="Espaço Reservado para Conteúdo 2">
@@ -34726,7 +36267,15 @@
               <a:p>
                 <a:r>
                   <a:rPr lang="pt-BR" dirty="0"/>
-                  <a:t>Substituindo na </a:t>
+                  <a:t>Substituindo o </a:t>
+                </a:r>
+                <a:r>
+                  <a:rPr lang="pt-BR" b="1" i="1" dirty="0"/>
+                  <a:t>vetor gradiente</a:t>
+                </a:r>
+                <a:r>
+                  <a:rPr lang="pt-BR" dirty="0"/>
+                  <a:t> na </a:t>
                 </a:r>
                 <a:r>
                   <a:rPr lang="pt-BR" b="1" i="1" dirty="0"/>
@@ -35074,7 +36623,19 @@
               <a:p>
                 <a:r>
                   <a:rPr lang="pt-BR" dirty="0"/>
-                  <a:t>Podemos ter 3 versões diferentes, dependendo da quantidade de amostras, </a:t>
+                  <a:t>Podemos ter </a:t>
+                </a:r>
+                <a:r>
+                  <a:rPr lang="pt-BR" b="1" i="1" dirty="0">
+                    <a:solidFill>
+                      <a:srgbClr val="00B050"/>
+                    </a:solidFill>
+                  </a:rPr>
+                  <a:t>3 versões diferentes, dependendo da quantidade de exemplos</a:t>
+                </a:r>
+                <a:r>
+                  <a:rPr lang="pt-BR" dirty="0"/>
+                  <a:t>, </a:t>
                 </a:r>
                 <a14:m>
                   <m:oMath xmlns:m="http://schemas.openxmlformats.org/officeDocument/2006/math">
@@ -35168,7 +36729,7 @@
             </p:txBody>
           </p:sp>
         </mc:Choice>
-        <mc:Fallback xmlns="">
+        <mc:Fallback>
           <p:sp>
             <p:nvSpPr>
               <p:cNvPr id="3" name="Espaço Reservado para Conteúdo 2">
@@ -35225,7 +36786,7 @@
 </p:sld>
 </file>
 
-<file path=ppt/slides/slide26.xml><?xml version="1.0" encoding="utf-8"?>
+<file path=ppt/slides/slide27.xml><?xml version="1.0" encoding="utf-8"?>
 <p:sld xmlns:a="http://schemas.openxmlformats.org/drawingml/2006/main" xmlns:r="http://schemas.openxmlformats.org/officeDocument/2006/relationships" xmlns:p="http://schemas.openxmlformats.org/presentationml/2006/main">
   <p:cSld>
     <p:spTree>
@@ -35843,7 +37404,7 @@
 </p:sld>
 </file>
 
-<file path=ppt/slides/slide27.xml><?xml version="1.0" encoding="utf-8"?>
+<file path=ppt/slides/slide28.xml><?xml version="1.0" encoding="utf-8"?>
 <p:sld xmlns:a="http://schemas.openxmlformats.org/drawingml/2006/main" xmlns:r="http://schemas.openxmlformats.org/officeDocument/2006/relationships" xmlns:p="http://schemas.openxmlformats.org/presentationml/2006/main">
   <p:cSld>
     <p:spTree>
@@ -35888,8 +37449,8 @@
           </a:p>
         </p:txBody>
       </p:sp>
-      <mc:AlternateContent xmlns:mc="http://schemas.openxmlformats.org/markup-compatibility/2006" xmlns:a14="http://schemas.microsoft.com/office/drawing/2010/main">
-        <mc:Choice Requires="a14">
+      <mc:AlternateContent xmlns:mc="http://schemas.openxmlformats.org/markup-compatibility/2006">
+        <mc:Choice xmlns:a14="http://schemas.microsoft.com/office/drawing/2010/main" Requires="a14">
           <p:sp>
             <p:nvSpPr>
               <p:cNvPr id="3" name="Espaço Reservado para Conteúdo 2">
@@ -36419,7 +37980,7 @@
                 </a:r>
                 <a:r>
                   <a:rPr lang="pt-BR" dirty="0"/>
-                  <a:t>, sendo mais rápido e requerendo menos memória do que o GDB.</a:t>
+                  <a:t>, pois é mais rápido e requer menos memória do que o GDB.</a:t>
                 </a:r>
               </a:p>
               <a:p>
@@ -36443,7 +38004,7 @@
             </p:txBody>
           </p:sp>
         </mc:Choice>
-        <mc:Fallback xmlns="">
+        <mc:Fallback>
           <p:sp>
             <p:nvSpPr>
               <p:cNvPr id="3" name="Espaço Reservado para Conteúdo 2">
@@ -36500,7 +38061,7 @@
 </p:sld>
 </file>
 
-<file path=ppt/slides/slide28.xml><?xml version="1.0" encoding="utf-8"?>
+<file path=ppt/slides/slide29.xml><?xml version="1.0" encoding="utf-8"?>
 <p:sld xmlns:a="http://schemas.openxmlformats.org/drawingml/2006/main" xmlns:r="http://schemas.openxmlformats.org/officeDocument/2006/relationships" xmlns:p="http://schemas.openxmlformats.org/presentationml/2006/main">
   <p:cSld>
     <p:spTree>
@@ -36545,8 +38106,8 @@
           </a:p>
         </p:txBody>
       </p:sp>
-      <mc:AlternateContent xmlns:mc="http://schemas.openxmlformats.org/markup-compatibility/2006" xmlns:a14="http://schemas.microsoft.com/office/drawing/2010/main">
-        <mc:Choice Requires="a14">
+      <mc:AlternateContent xmlns:mc="http://schemas.openxmlformats.org/markup-compatibility/2006">
+        <mc:Choice xmlns:a14="http://schemas.microsoft.com/office/drawing/2010/main" Requires="a14">
           <p:sp>
             <p:nvSpPr>
               <p:cNvPr id="3" name="Espaço Reservado para Conteúdo 2">
@@ -37035,32 +38596,10 @@
                   <a:t>.</a:t>
                 </a:r>
               </a:p>
-              <a:p>
-                <a:pPr lvl="1"/>
-                <a:endParaRPr lang="pt-BR" dirty="0"/>
-              </a:p>
-              <a:p>
-                <a:pPr marL="0" indent="0">
-                  <a:buNone/>
-                </a:pPr>
-                <a:endParaRPr lang="pt-BR" dirty="0"/>
-              </a:p>
-              <a:p>
-                <a:pPr marL="0" indent="0">
-                  <a:buNone/>
-                </a:pPr>
-                <a:endParaRPr lang="pt-BR" dirty="0"/>
-              </a:p>
-              <a:p>
-                <a:pPr marL="0" indent="0">
-                  <a:buNone/>
-                </a:pPr>
-                <a:endParaRPr lang="pt-BR" dirty="0"/>
-              </a:p>
             </p:txBody>
           </p:sp>
         </mc:Choice>
-        <mc:Fallback xmlns="">
+        <mc:Fallback>
           <p:sp>
             <p:nvSpPr>
               <p:cNvPr id="3" name="Espaço Reservado para Conteúdo 2">
@@ -37108,426 +38647,6 @@
     <p:extLst>
       <p:ext uri="{BB962C8B-B14F-4D97-AF65-F5344CB8AC3E}">
         <p14:creationId xmlns:p14="http://schemas.microsoft.com/office/powerpoint/2010/main" val="2918447477"/>
-      </p:ext>
-    </p:extLst>
-  </p:cSld>
-  <p:clrMapOvr>
-    <a:masterClrMapping/>
-  </p:clrMapOvr>
-</p:sld>
-</file>
-
-<file path=ppt/slides/slide29.xml><?xml version="1.0" encoding="utf-8"?>
-<p:sld xmlns:a="http://schemas.openxmlformats.org/drawingml/2006/main" xmlns:r="http://schemas.openxmlformats.org/officeDocument/2006/relationships" xmlns:p="http://schemas.openxmlformats.org/presentationml/2006/main">
-  <p:cSld>
-    <p:spTree>
-      <p:nvGrpSpPr>
-        <p:cNvPr id="1" name=""/>
-        <p:cNvGrpSpPr/>
-        <p:nvPr/>
-      </p:nvGrpSpPr>
-      <p:grpSpPr>
-        <a:xfrm>
-          <a:off x="0" y="0"/>
-          <a:ext cx="0" cy="0"/>
-          <a:chOff x="0" y="0"/>
-          <a:chExt cx="0" cy="0"/>
-        </a:xfrm>
-      </p:grpSpPr>
-      <p:sp>
-        <p:nvSpPr>
-          <p:cNvPr id="2" name="Título 1">
-            <a:extLst>
-              <a:ext uri="{FF2B5EF4-FFF2-40B4-BE49-F238E27FC236}">
-                <a16:creationId xmlns:a16="http://schemas.microsoft.com/office/drawing/2014/main" id="{9CD00B3E-85D7-8B25-6629-4A85FF36133A}"/>
-              </a:ext>
-            </a:extLst>
-          </p:cNvPr>
-          <p:cNvSpPr>
-            <a:spLocks noGrp="1"/>
-          </p:cNvSpPr>
-          <p:nvPr>
-            <p:ph type="title"/>
-          </p:nvPr>
-        </p:nvSpPr>
-        <p:spPr/>
-        <p:txBody>
-          <a:bodyPr/>
-          <a:lstStyle/>
-          <a:p>
-            <a:r>
-              <a:rPr lang="pt-BR" dirty="0"/>
-              <a:t>Exemplo</a:t>
-            </a:r>
-          </a:p>
-        </p:txBody>
-      </p:sp>
-      <p:sp>
-        <p:nvSpPr>
-          <p:cNvPr id="3" name="Espaço Reservado para Conteúdo 2">
-            <a:extLst>
-              <a:ext uri="{FF2B5EF4-FFF2-40B4-BE49-F238E27FC236}">
-                <a16:creationId xmlns:a16="http://schemas.microsoft.com/office/drawing/2014/main" id="{9730104F-E6BA-B308-644A-11A7E4939EBD}"/>
-              </a:ext>
-            </a:extLst>
-          </p:cNvPr>
-          <p:cNvSpPr>
-            <a:spLocks noGrp="1"/>
-          </p:cNvSpPr>
-          <p:nvPr>
-            <p:ph idx="1"/>
-          </p:nvPr>
-        </p:nvSpPr>
-        <p:spPr/>
-        <p:txBody>
-          <a:bodyPr/>
-          <a:lstStyle/>
-          <a:p>
-            <a:r>
-              <a:rPr lang="pt-BR" dirty="0">
-                <a:hlinkClick r:id="rId3"/>
-              </a:rPr>
-              <a:t>Gradiente descendente</a:t>
-            </a:r>
-            <a:r>
-              <a:rPr lang="pt-BR" dirty="0"/>
-              <a:t>. </a:t>
-            </a:r>
-          </a:p>
-        </p:txBody>
-      </p:sp>
-      <p:pic>
-        <p:nvPicPr>
-          <p:cNvPr id="2050" name="Picture 2" descr="TensorFlow">
-            <a:extLst>
-              <a:ext uri="{FF2B5EF4-FFF2-40B4-BE49-F238E27FC236}">
-                <a16:creationId xmlns:a16="http://schemas.microsoft.com/office/drawing/2014/main" id="{87B75C17-2A48-E33A-B66B-927CA792D831}"/>
-              </a:ext>
-            </a:extLst>
-          </p:cNvPr>
-          <p:cNvPicPr>
-            <a:picLocks noChangeAspect="1" noChangeArrowheads="1"/>
-          </p:cNvPicPr>
-          <p:nvPr/>
-        </p:nvPicPr>
-        <p:blipFill>
-          <a:blip r:embed="rId4">
-            <a:extLst>
-              <a:ext uri="{28A0092B-C50C-407E-A947-70E740481C1C}">
-                <a14:useLocalDpi xmlns:a14="http://schemas.microsoft.com/office/drawing/2010/main" val="0"/>
-              </a:ext>
-            </a:extLst>
-          </a:blip>
-          <a:srcRect/>
-          <a:stretch>
-            <a:fillRect/>
-          </a:stretch>
-        </p:blipFill>
-        <p:spPr bwMode="auto">
-          <a:xfrm>
-            <a:off x="1939875" y="2923470"/>
-            <a:ext cx="4099479" cy="2305957"/>
-          </a:xfrm>
-          <a:prstGeom prst="rect">
-            <a:avLst/>
-          </a:prstGeom>
-          <a:noFill/>
-          <a:extLst>
-            <a:ext uri="{909E8E84-426E-40DD-AFC4-6F175D3DCCD1}">
-              <a14:hiddenFill xmlns:a14="http://schemas.microsoft.com/office/drawing/2010/main">
-                <a:solidFill>
-                  <a:srgbClr val="FFFFFF"/>
-                </a:solidFill>
-              </a14:hiddenFill>
-            </a:ext>
-          </a:extLst>
-        </p:spPr>
-      </p:pic>
-      <p:pic>
-        <p:nvPicPr>
-          <p:cNvPr id="2052" name="Picture 4" descr="Project Jupyter | Try Jupyter">
-            <a:extLst>
-              <a:ext uri="{FF2B5EF4-FFF2-40B4-BE49-F238E27FC236}">
-                <a16:creationId xmlns:a16="http://schemas.microsoft.com/office/drawing/2014/main" id="{FC70A9A5-A2C7-C005-C6C5-A9FF775654D9}"/>
-              </a:ext>
-            </a:extLst>
-          </p:cNvPr>
-          <p:cNvPicPr>
-            <a:picLocks noChangeAspect="1" noChangeArrowheads="1"/>
-          </p:cNvPicPr>
-          <p:nvPr/>
-        </p:nvPicPr>
-        <p:blipFill>
-          <a:blip r:embed="rId5">
-            <a:extLst>
-              <a:ext uri="{28A0092B-C50C-407E-A947-70E740481C1C}">
-                <a14:useLocalDpi xmlns:a14="http://schemas.microsoft.com/office/drawing/2010/main" val="0"/>
-              </a:ext>
-            </a:extLst>
-          </a:blip>
-          <a:srcRect/>
-          <a:stretch>
-            <a:fillRect/>
-          </a:stretch>
-        </p:blipFill>
-        <p:spPr bwMode="auto">
-          <a:xfrm>
-            <a:off x="5203370" y="3167764"/>
-            <a:ext cx="3461657" cy="1817370"/>
-          </a:xfrm>
-          <a:prstGeom prst="rect">
-            <a:avLst/>
-          </a:prstGeom>
-          <a:noFill/>
-          <a:extLst>
-            <a:ext uri="{909E8E84-426E-40DD-AFC4-6F175D3DCCD1}">
-              <a14:hiddenFill xmlns:a14="http://schemas.microsoft.com/office/drawing/2010/main">
-                <a:solidFill>
-                  <a:srgbClr val="FFFFFF"/>
-                </a:solidFill>
-              </a14:hiddenFill>
-            </a:ext>
-          </a:extLst>
-        </p:spPr>
-      </p:pic>
-      <p:pic>
-        <p:nvPicPr>
-          <p:cNvPr id="2056" name="Picture 8" descr="Google Colaboratory Colab - Guía Completa Español - Marketing Branding">
-            <a:extLst>
-              <a:ext uri="{FF2B5EF4-FFF2-40B4-BE49-F238E27FC236}">
-                <a16:creationId xmlns:a16="http://schemas.microsoft.com/office/drawing/2014/main" id="{8A007768-2032-FE11-22C9-9394A0EF02EF}"/>
-              </a:ext>
-            </a:extLst>
-          </p:cNvPr>
-          <p:cNvPicPr>
-            <a:picLocks noChangeAspect="1" noChangeArrowheads="1"/>
-          </p:cNvPicPr>
-          <p:nvPr/>
-        </p:nvPicPr>
-        <p:blipFill rotWithShape="1">
-          <a:blip r:embed="rId6">
-            <a:extLst>
-              <a:ext uri="{28A0092B-C50C-407E-A947-70E740481C1C}">
-                <a14:useLocalDpi xmlns:a14="http://schemas.microsoft.com/office/drawing/2010/main" val="0"/>
-              </a:ext>
-            </a:extLst>
-          </a:blip>
-          <a:srcRect l="5865" r="10641"/>
-          <a:stretch/>
-        </p:blipFill>
-        <p:spPr bwMode="auto">
-          <a:xfrm>
-            <a:off x="8665027" y="2746576"/>
-            <a:ext cx="3331071" cy="2659743"/>
-          </a:xfrm>
-          <a:prstGeom prst="rect">
-            <a:avLst/>
-          </a:prstGeom>
-          <a:noFill/>
-          <a:extLst>
-            <a:ext uri="{909E8E84-426E-40DD-AFC4-6F175D3DCCD1}">
-              <a14:hiddenFill xmlns:a14="http://schemas.microsoft.com/office/drawing/2010/main">
-                <a:solidFill>
-                  <a:srgbClr val="FFFFFF"/>
-                </a:solidFill>
-              </a14:hiddenFill>
-            </a:ext>
-          </a:extLst>
-        </p:spPr>
-      </p:pic>
-      <p:pic>
-        <p:nvPicPr>
-          <p:cNvPr id="2058" name="Picture 10" descr="IT12A01: FUNDAMENTALS OF PYTHON PROGRAMMING (SF) (SYNCHRONOUS E-LEARNING) -  NTUC LearningHub">
-            <a:extLst>
-              <a:ext uri="{FF2B5EF4-FFF2-40B4-BE49-F238E27FC236}">
-                <a16:creationId xmlns:a16="http://schemas.microsoft.com/office/drawing/2014/main" id="{80EDF8DB-E749-8471-3ACA-2FFE3006FC46}"/>
-              </a:ext>
-            </a:extLst>
-          </p:cNvPr>
-          <p:cNvPicPr>
-            <a:picLocks noChangeAspect="1" noChangeArrowheads="1"/>
-          </p:cNvPicPr>
-          <p:nvPr/>
-        </p:nvPicPr>
-        <p:blipFill rotWithShape="1">
-          <a:blip r:embed="rId7">
-            <a:extLst>
-              <a:ext uri="{28A0092B-C50C-407E-A947-70E740481C1C}">
-                <a14:useLocalDpi xmlns:a14="http://schemas.microsoft.com/office/drawing/2010/main" val="0"/>
-              </a:ext>
-            </a:extLst>
-          </a:blip>
-          <a:srcRect l="23319" r="20198"/>
-          <a:stretch/>
-        </p:blipFill>
-        <p:spPr bwMode="auto">
-          <a:xfrm>
-            <a:off x="304800" y="3167764"/>
-            <a:ext cx="1894114" cy="1877924"/>
-          </a:xfrm>
-          <a:prstGeom prst="rect">
-            <a:avLst/>
-          </a:prstGeom>
-          <a:noFill/>
-          <a:extLst>
-            <a:ext uri="{909E8E84-426E-40DD-AFC4-6F175D3DCCD1}">
-              <a14:hiddenFill xmlns:a14="http://schemas.microsoft.com/office/drawing/2010/main">
-                <a:solidFill>
-                  <a:srgbClr val="FFFFFF"/>
-                </a:solidFill>
-              </a14:hiddenFill>
-            </a:ext>
-          </a:extLst>
-        </p:spPr>
-      </p:pic>
-      <p:sp>
-        <p:nvSpPr>
-          <p:cNvPr id="8" name="Sinal de Adição 7">
-            <a:extLst>
-              <a:ext uri="{FF2B5EF4-FFF2-40B4-BE49-F238E27FC236}">
-                <a16:creationId xmlns:a16="http://schemas.microsoft.com/office/drawing/2014/main" id="{89317CF7-D83C-5980-45A9-863C64A2BE61}"/>
-              </a:ext>
-            </a:extLst>
-          </p:cNvPr>
-          <p:cNvSpPr>
-            <a:spLocks noChangeAspect="1"/>
-          </p:cNvSpPr>
-          <p:nvPr/>
-        </p:nvSpPr>
-        <p:spPr>
-          <a:xfrm>
-            <a:off x="2198914" y="3535968"/>
-            <a:ext cx="468000" cy="468000"/>
-          </a:xfrm>
-          <a:prstGeom prst="mathPlus">
-            <a:avLst/>
-          </a:prstGeom>
-        </p:spPr>
-        <p:style>
-          <a:lnRef idx="2">
-            <a:schemeClr val="accent1">
-              <a:shade val="15000"/>
-            </a:schemeClr>
-          </a:lnRef>
-          <a:fillRef idx="1">
-            <a:schemeClr val="accent1"/>
-          </a:fillRef>
-          <a:effectRef idx="0">
-            <a:schemeClr val="accent1"/>
-          </a:effectRef>
-          <a:fontRef idx="minor">
-            <a:schemeClr val="lt1"/>
-          </a:fontRef>
-        </p:style>
-        <p:txBody>
-          <a:bodyPr rtlCol="0" anchor="ctr"/>
-          <a:lstStyle/>
-          <a:p>
-            <a:pPr algn="ctr"/>
-            <a:endParaRPr lang="pt-BR"/>
-          </a:p>
-        </p:txBody>
-      </p:sp>
-      <p:sp>
-        <p:nvSpPr>
-          <p:cNvPr id="10" name="Sinal de Adição 9">
-            <a:extLst>
-              <a:ext uri="{FF2B5EF4-FFF2-40B4-BE49-F238E27FC236}">
-                <a16:creationId xmlns:a16="http://schemas.microsoft.com/office/drawing/2014/main" id="{C6DC4B29-EABA-20F7-BB46-C33BEC93E2DD}"/>
-              </a:ext>
-            </a:extLst>
-          </p:cNvPr>
-          <p:cNvSpPr>
-            <a:spLocks noChangeAspect="1"/>
-          </p:cNvSpPr>
-          <p:nvPr/>
-        </p:nvSpPr>
-        <p:spPr>
-          <a:xfrm>
-            <a:off x="5279613" y="3535968"/>
-            <a:ext cx="468000" cy="468000"/>
-          </a:xfrm>
-          <a:prstGeom prst="mathPlus">
-            <a:avLst/>
-          </a:prstGeom>
-        </p:spPr>
-        <p:style>
-          <a:lnRef idx="2">
-            <a:schemeClr val="accent1">
-              <a:shade val="15000"/>
-            </a:schemeClr>
-          </a:lnRef>
-          <a:fillRef idx="1">
-            <a:schemeClr val="accent1"/>
-          </a:fillRef>
-          <a:effectRef idx="0">
-            <a:schemeClr val="accent1"/>
-          </a:effectRef>
-          <a:fontRef idx="minor">
-            <a:schemeClr val="lt1"/>
-          </a:fontRef>
-        </p:style>
-        <p:txBody>
-          <a:bodyPr rtlCol="0" anchor="ctr"/>
-          <a:lstStyle/>
-          <a:p>
-            <a:pPr algn="ctr"/>
-            <a:endParaRPr lang="pt-BR"/>
-          </a:p>
-        </p:txBody>
-      </p:sp>
-      <p:sp>
-        <p:nvSpPr>
-          <p:cNvPr id="11" name="Sinal de Adição 10">
-            <a:extLst>
-              <a:ext uri="{FF2B5EF4-FFF2-40B4-BE49-F238E27FC236}">
-                <a16:creationId xmlns:a16="http://schemas.microsoft.com/office/drawing/2014/main" id="{FF65B64B-136B-DCC4-8A01-509D3D5CD19F}"/>
-              </a:ext>
-            </a:extLst>
-          </p:cNvPr>
-          <p:cNvSpPr>
-            <a:spLocks noChangeAspect="1"/>
-          </p:cNvSpPr>
-          <p:nvPr/>
-        </p:nvSpPr>
-        <p:spPr>
-          <a:xfrm>
-            <a:off x="7968386" y="3533294"/>
-            <a:ext cx="468000" cy="468000"/>
-          </a:xfrm>
-          <a:prstGeom prst="mathPlus">
-            <a:avLst/>
-          </a:prstGeom>
-        </p:spPr>
-        <p:style>
-          <a:lnRef idx="2">
-            <a:schemeClr val="accent1">
-              <a:shade val="15000"/>
-            </a:schemeClr>
-          </a:lnRef>
-          <a:fillRef idx="1">
-            <a:schemeClr val="accent1"/>
-          </a:fillRef>
-          <a:effectRef idx="0">
-            <a:schemeClr val="accent1"/>
-          </a:effectRef>
-          <a:fontRef idx="minor">
-            <a:schemeClr val="lt1"/>
-          </a:fontRef>
-        </p:style>
-        <p:txBody>
-          <a:bodyPr rtlCol="0" anchor="ctr"/>
-          <a:lstStyle/>
-          <a:p>
-            <a:pPr algn="ctr"/>
-            <a:endParaRPr lang="pt-BR"/>
-          </a:p>
-        </p:txBody>
-      </p:sp>
-    </p:spTree>
-    <p:extLst>
-      <p:ext uri="{BB962C8B-B14F-4D97-AF65-F5344CB8AC3E}">
-        <p14:creationId xmlns:p14="http://schemas.microsoft.com/office/powerpoint/2010/main" val="94961935"/>
       </p:ext>
     </p:extLst>
   </p:cSld>
@@ -38619,6 +39738,426 @@
           <p:cNvPr id="2" name="Título 1">
             <a:extLst>
               <a:ext uri="{FF2B5EF4-FFF2-40B4-BE49-F238E27FC236}">
+                <a16:creationId xmlns:a16="http://schemas.microsoft.com/office/drawing/2014/main" id="{9CD00B3E-85D7-8B25-6629-4A85FF36133A}"/>
+              </a:ext>
+            </a:extLst>
+          </p:cNvPr>
+          <p:cNvSpPr>
+            <a:spLocks noGrp="1"/>
+          </p:cNvSpPr>
+          <p:nvPr>
+            <p:ph type="title"/>
+          </p:nvPr>
+        </p:nvSpPr>
+        <p:spPr/>
+        <p:txBody>
+          <a:bodyPr/>
+          <a:lstStyle/>
+          <a:p>
+            <a:r>
+              <a:rPr lang="pt-BR" dirty="0"/>
+              <a:t>Exemplo</a:t>
+            </a:r>
+          </a:p>
+        </p:txBody>
+      </p:sp>
+      <p:sp>
+        <p:nvSpPr>
+          <p:cNvPr id="3" name="Espaço Reservado para Conteúdo 2">
+            <a:extLst>
+              <a:ext uri="{FF2B5EF4-FFF2-40B4-BE49-F238E27FC236}">
+                <a16:creationId xmlns:a16="http://schemas.microsoft.com/office/drawing/2014/main" id="{9730104F-E6BA-B308-644A-11A7E4939EBD}"/>
+              </a:ext>
+            </a:extLst>
+          </p:cNvPr>
+          <p:cNvSpPr>
+            <a:spLocks noGrp="1"/>
+          </p:cNvSpPr>
+          <p:nvPr>
+            <p:ph idx="1"/>
+          </p:nvPr>
+        </p:nvSpPr>
+        <p:spPr/>
+        <p:txBody>
+          <a:bodyPr/>
+          <a:lstStyle/>
+          <a:p>
+            <a:r>
+              <a:rPr lang="pt-BR" dirty="0">
+                <a:hlinkClick r:id="rId3"/>
+              </a:rPr>
+              <a:t>Gradiente descendente</a:t>
+            </a:r>
+            <a:r>
+              <a:rPr lang="pt-BR" dirty="0"/>
+              <a:t>. </a:t>
+            </a:r>
+          </a:p>
+        </p:txBody>
+      </p:sp>
+      <p:pic>
+        <p:nvPicPr>
+          <p:cNvPr id="2050" name="Picture 2" descr="TensorFlow">
+            <a:extLst>
+              <a:ext uri="{FF2B5EF4-FFF2-40B4-BE49-F238E27FC236}">
+                <a16:creationId xmlns:a16="http://schemas.microsoft.com/office/drawing/2014/main" id="{87B75C17-2A48-E33A-B66B-927CA792D831}"/>
+              </a:ext>
+            </a:extLst>
+          </p:cNvPr>
+          <p:cNvPicPr>
+            <a:picLocks noChangeAspect="1" noChangeArrowheads="1"/>
+          </p:cNvPicPr>
+          <p:nvPr/>
+        </p:nvPicPr>
+        <p:blipFill>
+          <a:blip r:embed="rId4">
+            <a:extLst>
+              <a:ext uri="{28A0092B-C50C-407E-A947-70E740481C1C}">
+                <a14:useLocalDpi xmlns:a14="http://schemas.microsoft.com/office/drawing/2010/main" val="0"/>
+              </a:ext>
+            </a:extLst>
+          </a:blip>
+          <a:srcRect/>
+          <a:stretch>
+            <a:fillRect/>
+          </a:stretch>
+        </p:blipFill>
+        <p:spPr bwMode="auto">
+          <a:xfrm>
+            <a:off x="1939875" y="2923470"/>
+            <a:ext cx="4099479" cy="2305957"/>
+          </a:xfrm>
+          <a:prstGeom prst="rect">
+            <a:avLst/>
+          </a:prstGeom>
+          <a:noFill/>
+          <a:extLst>
+            <a:ext uri="{909E8E84-426E-40DD-AFC4-6F175D3DCCD1}">
+              <a14:hiddenFill xmlns:a14="http://schemas.microsoft.com/office/drawing/2010/main">
+                <a:solidFill>
+                  <a:srgbClr val="FFFFFF"/>
+                </a:solidFill>
+              </a14:hiddenFill>
+            </a:ext>
+          </a:extLst>
+        </p:spPr>
+      </p:pic>
+      <p:pic>
+        <p:nvPicPr>
+          <p:cNvPr id="2052" name="Picture 4" descr="Project Jupyter | Try Jupyter">
+            <a:extLst>
+              <a:ext uri="{FF2B5EF4-FFF2-40B4-BE49-F238E27FC236}">
+                <a16:creationId xmlns:a16="http://schemas.microsoft.com/office/drawing/2014/main" id="{FC70A9A5-A2C7-C005-C6C5-A9FF775654D9}"/>
+              </a:ext>
+            </a:extLst>
+          </p:cNvPr>
+          <p:cNvPicPr>
+            <a:picLocks noChangeAspect="1" noChangeArrowheads="1"/>
+          </p:cNvPicPr>
+          <p:nvPr/>
+        </p:nvPicPr>
+        <p:blipFill>
+          <a:blip r:embed="rId5">
+            <a:extLst>
+              <a:ext uri="{28A0092B-C50C-407E-A947-70E740481C1C}">
+                <a14:useLocalDpi xmlns:a14="http://schemas.microsoft.com/office/drawing/2010/main" val="0"/>
+              </a:ext>
+            </a:extLst>
+          </a:blip>
+          <a:srcRect/>
+          <a:stretch>
+            <a:fillRect/>
+          </a:stretch>
+        </p:blipFill>
+        <p:spPr bwMode="auto">
+          <a:xfrm>
+            <a:off x="5203370" y="3167764"/>
+            <a:ext cx="3461657" cy="1817370"/>
+          </a:xfrm>
+          <a:prstGeom prst="rect">
+            <a:avLst/>
+          </a:prstGeom>
+          <a:noFill/>
+          <a:extLst>
+            <a:ext uri="{909E8E84-426E-40DD-AFC4-6F175D3DCCD1}">
+              <a14:hiddenFill xmlns:a14="http://schemas.microsoft.com/office/drawing/2010/main">
+                <a:solidFill>
+                  <a:srgbClr val="FFFFFF"/>
+                </a:solidFill>
+              </a14:hiddenFill>
+            </a:ext>
+          </a:extLst>
+        </p:spPr>
+      </p:pic>
+      <p:pic>
+        <p:nvPicPr>
+          <p:cNvPr id="2056" name="Picture 8" descr="Google Colaboratory Colab - Guía Completa Español - Marketing Branding">
+            <a:extLst>
+              <a:ext uri="{FF2B5EF4-FFF2-40B4-BE49-F238E27FC236}">
+                <a16:creationId xmlns:a16="http://schemas.microsoft.com/office/drawing/2014/main" id="{8A007768-2032-FE11-22C9-9394A0EF02EF}"/>
+              </a:ext>
+            </a:extLst>
+          </p:cNvPr>
+          <p:cNvPicPr>
+            <a:picLocks noChangeAspect="1" noChangeArrowheads="1"/>
+          </p:cNvPicPr>
+          <p:nvPr/>
+        </p:nvPicPr>
+        <p:blipFill rotWithShape="1">
+          <a:blip r:embed="rId6">
+            <a:extLst>
+              <a:ext uri="{28A0092B-C50C-407E-A947-70E740481C1C}">
+                <a14:useLocalDpi xmlns:a14="http://schemas.microsoft.com/office/drawing/2010/main" val="0"/>
+              </a:ext>
+            </a:extLst>
+          </a:blip>
+          <a:srcRect l="5865" r="10641"/>
+          <a:stretch/>
+        </p:blipFill>
+        <p:spPr bwMode="auto">
+          <a:xfrm>
+            <a:off x="8665027" y="2746576"/>
+            <a:ext cx="3331071" cy="2659743"/>
+          </a:xfrm>
+          <a:prstGeom prst="rect">
+            <a:avLst/>
+          </a:prstGeom>
+          <a:noFill/>
+          <a:extLst>
+            <a:ext uri="{909E8E84-426E-40DD-AFC4-6F175D3DCCD1}">
+              <a14:hiddenFill xmlns:a14="http://schemas.microsoft.com/office/drawing/2010/main">
+                <a:solidFill>
+                  <a:srgbClr val="FFFFFF"/>
+                </a:solidFill>
+              </a14:hiddenFill>
+            </a:ext>
+          </a:extLst>
+        </p:spPr>
+      </p:pic>
+      <p:pic>
+        <p:nvPicPr>
+          <p:cNvPr id="2058" name="Picture 10" descr="IT12A01: FUNDAMENTALS OF PYTHON PROGRAMMING (SF) (SYNCHRONOUS E-LEARNING) -  NTUC LearningHub">
+            <a:extLst>
+              <a:ext uri="{FF2B5EF4-FFF2-40B4-BE49-F238E27FC236}">
+                <a16:creationId xmlns:a16="http://schemas.microsoft.com/office/drawing/2014/main" id="{80EDF8DB-E749-8471-3ACA-2FFE3006FC46}"/>
+              </a:ext>
+            </a:extLst>
+          </p:cNvPr>
+          <p:cNvPicPr>
+            <a:picLocks noChangeAspect="1" noChangeArrowheads="1"/>
+          </p:cNvPicPr>
+          <p:nvPr/>
+        </p:nvPicPr>
+        <p:blipFill rotWithShape="1">
+          <a:blip r:embed="rId7">
+            <a:extLst>
+              <a:ext uri="{28A0092B-C50C-407E-A947-70E740481C1C}">
+                <a14:useLocalDpi xmlns:a14="http://schemas.microsoft.com/office/drawing/2010/main" val="0"/>
+              </a:ext>
+            </a:extLst>
+          </a:blip>
+          <a:srcRect l="23319" r="20198"/>
+          <a:stretch/>
+        </p:blipFill>
+        <p:spPr bwMode="auto">
+          <a:xfrm>
+            <a:off x="304800" y="3167764"/>
+            <a:ext cx="1894114" cy="1877924"/>
+          </a:xfrm>
+          <a:prstGeom prst="rect">
+            <a:avLst/>
+          </a:prstGeom>
+          <a:noFill/>
+          <a:extLst>
+            <a:ext uri="{909E8E84-426E-40DD-AFC4-6F175D3DCCD1}">
+              <a14:hiddenFill xmlns:a14="http://schemas.microsoft.com/office/drawing/2010/main">
+                <a:solidFill>
+                  <a:srgbClr val="FFFFFF"/>
+                </a:solidFill>
+              </a14:hiddenFill>
+            </a:ext>
+          </a:extLst>
+        </p:spPr>
+      </p:pic>
+      <p:sp>
+        <p:nvSpPr>
+          <p:cNvPr id="8" name="Sinal de Adição 7">
+            <a:extLst>
+              <a:ext uri="{FF2B5EF4-FFF2-40B4-BE49-F238E27FC236}">
+                <a16:creationId xmlns:a16="http://schemas.microsoft.com/office/drawing/2014/main" id="{89317CF7-D83C-5980-45A9-863C64A2BE61}"/>
+              </a:ext>
+            </a:extLst>
+          </p:cNvPr>
+          <p:cNvSpPr>
+            <a:spLocks noChangeAspect="1"/>
+          </p:cNvSpPr>
+          <p:nvPr/>
+        </p:nvSpPr>
+        <p:spPr>
+          <a:xfrm>
+            <a:off x="2198914" y="3535968"/>
+            <a:ext cx="468000" cy="468000"/>
+          </a:xfrm>
+          <a:prstGeom prst="mathPlus">
+            <a:avLst/>
+          </a:prstGeom>
+        </p:spPr>
+        <p:style>
+          <a:lnRef idx="2">
+            <a:schemeClr val="accent1">
+              <a:shade val="15000"/>
+            </a:schemeClr>
+          </a:lnRef>
+          <a:fillRef idx="1">
+            <a:schemeClr val="accent1"/>
+          </a:fillRef>
+          <a:effectRef idx="0">
+            <a:schemeClr val="accent1"/>
+          </a:effectRef>
+          <a:fontRef idx="minor">
+            <a:schemeClr val="lt1"/>
+          </a:fontRef>
+        </p:style>
+        <p:txBody>
+          <a:bodyPr rtlCol="0" anchor="ctr"/>
+          <a:lstStyle/>
+          <a:p>
+            <a:pPr algn="ctr"/>
+            <a:endParaRPr lang="pt-BR"/>
+          </a:p>
+        </p:txBody>
+      </p:sp>
+      <p:sp>
+        <p:nvSpPr>
+          <p:cNvPr id="10" name="Sinal de Adição 9">
+            <a:extLst>
+              <a:ext uri="{FF2B5EF4-FFF2-40B4-BE49-F238E27FC236}">
+                <a16:creationId xmlns:a16="http://schemas.microsoft.com/office/drawing/2014/main" id="{C6DC4B29-EABA-20F7-BB46-C33BEC93E2DD}"/>
+              </a:ext>
+            </a:extLst>
+          </p:cNvPr>
+          <p:cNvSpPr>
+            <a:spLocks noChangeAspect="1"/>
+          </p:cNvSpPr>
+          <p:nvPr/>
+        </p:nvSpPr>
+        <p:spPr>
+          <a:xfrm>
+            <a:off x="5279613" y="3535968"/>
+            <a:ext cx="468000" cy="468000"/>
+          </a:xfrm>
+          <a:prstGeom prst="mathPlus">
+            <a:avLst/>
+          </a:prstGeom>
+        </p:spPr>
+        <p:style>
+          <a:lnRef idx="2">
+            <a:schemeClr val="accent1">
+              <a:shade val="15000"/>
+            </a:schemeClr>
+          </a:lnRef>
+          <a:fillRef idx="1">
+            <a:schemeClr val="accent1"/>
+          </a:fillRef>
+          <a:effectRef idx="0">
+            <a:schemeClr val="accent1"/>
+          </a:effectRef>
+          <a:fontRef idx="minor">
+            <a:schemeClr val="lt1"/>
+          </a:fontRef>
+        </p:style>
+        <p:txBody>
+          <a:bodyPr rtlCol="0" anchor="ctr"/>
+          <a:lstStyle/>
+          <a:p>
+            <a:pPr algn="ctr"/>
+            <a:endParaRPr lang="pt-BR"/>
+          </a:p>
+        </p:txBody>
+      </p:sp>
+      <p:sp>
+        <p:nvSpPr>
+          <p:cNvPr id="11" name="Sinal de Adição 10">
+            <a:extLst>
+              <a:ext uri="{FF2B5EF4-FFF2-40B4-BE49-F238E27FC236}">
+                <a16:creationId xmlns:a16="http://schemas.microsoft.com/office/drawing/2014/main" id="{FF65B64B-136B-DCC4-8A01-509D3D5CD19F}"/>
+              </a:ext>
+            </a:extLst>
+          </p:cNvPr>
+          <p:cNvSpPr>
+            <a:spLocks noChangeAspect="1"/>
+          </p:cNvSpPr>
+          <p:nvPr/>
+        </p:nvSpPr>
+        <p:spPr>
+          <a:xfrm>
+            <a:off x="7968386" y="3533294"/>
+            <a:ext cx="468000" cy="468000"/>
+          </a:xfrm>
+          <a:prstGeom prst="mathPlus">
+            <a:avLst/>
+          </a:prstGeom>
+        </p:spPr>
+        <p:style>
+          <a:lnRef idx="2">
+            <a:schemeClr val="accent1">
+              <a:shade val="15000"/>
+            </a:schemeClr>
+          </a:lnRef>
+          <a:fillRef idx="1">
+            <a:schemeClr val="accent1"/>
+          </a:fillRef>
+          <a:effectRef idx="0">
+            <a:schemeClr val="accent1"/>
+          </a:effectRef>
+          <a:fontRef idx="minor">
+            <a:schemeClr val="lt1"/>
+          </a:fontRef>
+        </p:style>
+        <p:txBody>
+          <a:bodyPr rtlCol="0" anchor="ctr"/>
+          <a:lstStyle/>
+          <a:p>
+            <a:pPr algn="ctr"/>
+            <a:endParaRPr lang="pt-BR"/>
+          </a:p>
+        </p:txBody>
+      </p:sp>
+    </p:spTree>
+    <p:extLst>
+      <p:ext uri="{BB962C8B-B14F-4D97-AF65-F5344CB8AC3E}">
+        <p14:creationId xmlns:p14="http://schemas.microsoft.com/office/powerpoint/2010/main" val="94961935"/>
+      </p:ext>
+    </p:extLst>
+  </p:cSld>
+  <p:clrMapOvr>
+    <a:masterClrMapping/>
+  </p:clrMapOvr>
+</p:sld>
+</file>
+
+<file path=ppt/slides/slide31.xml><?xml version="1.0" encoding="utf-8"?>
+<p:sld xmlns:a="http://schemas.openxmlformats.org/drawingml/2006/main" xmlns:r="http://schemas.openxmlformats.org/officeDocument/2006/relationships" xmlns:p="http://schemas.openxmlformats.org/presentationml/2006/main">
+  <p:cSld>
+    <p:spTree>
+      <p:nvGrpSpPr>
+        <p:cNvPr id="1" name=""/>
+        <p:cNvGrpSpPr/>
+        <p:nvPr/>
+      </p:nvGrpSpPr>
+      <p:grpSpPr>
+        <a:xfrm>
+          <a:off x="0" y="0"/>
+          <a:ext cx="0" cy="0"/>
+          <a:chOff x="0" y="0"/>
+          <a:chExt cx="0" cy="0"/>
+        </a:xfrm>
+      </p:grpSpPr>
+      <p:sp>
+        <p:nvSpPr>
+          <p:cNvPr id="2" name="Título 1">
+            <a:extLst>
+              <a:ext uri="{FF2B5EF4-FFF2-40B4-BE49-F238E27FC236}">
                 <a16:creationId xmlns:a16="http://schemas.microsoft.com/office/drawing/2014/main" id="{2755BD9F-A5F9-C006-2D60-3988AFB742AA}"/>
               </a:ext>
             </a:extLst>
@@ -38707,7 +40246,7 @@
 </p:sld>
 </file>
 
-<file path=ppt/slides/slide31.xml><?xml version="1.0" encoding="utf-8"?>
+<file path=ppt/slides/slide32.xml><?xml version="1.0" encoding="utf-8"?>
 <p:sld xmlns:a="http://schemas.openxmlformats.org/drawingml/2006/main" xmlns:r="http://schemas.openxmlformats.org/officeDocument/2006/relationships" xmlns:p="http://schemas.openxmlformats.org/presentationml/2006/main">
   <p:cSld>
     <p:spTree>
@@ -38793,7 +40332,7 @@
 </p:sld>
 </file>
 
-<file path=ppt/slides/slide32.xml><?xml version="1.0" encoding="utf-8"?>
+<file path=ppt/slides/slide33.xml><?xml version="1.0" encoding="utf-8"?>
 <p:sld xmlns:a="http://schemas.openxmlformats.org/drawingml/2006/main" xmlns:r="http://schemas.openxmlformats.org/officeDocument/2006/relationships" xmlns:p="http://schemas.openxmlformats.org/presentationml/2006/main">
   <p:cSld>
     <p:spTree>
@@ -43286,8 +44825,8 @@
           </a:p>
         </p:txBody>
       </p:sp>
-      <mc:AlternateContent xmlns:mc="http://schemas.openxmlformats.org/markup-compatibility/2006">
-        <mc:Choice xmlns:a14="http://schemas.microsoft.com/office/drawing/2010/main" Requires="a14">
+      <mc:AlternateContent xmlns:mc="http://schemas.openxmlformats.org/markup-compatibility/2006" xmlns:a14="http://schemas.microsoft.com/office/drawing/2010/main">
+        <mc:Choice Requires="a14">
           <p:sp>
             <p:nvSpPr>
               <p:cNvPr id="3" name="Espaço Reservado para Conteúdo 2">
@@ -43582,7 +45121,7 @@
             </p:txBody>
           </p:sp>
         </mc:Choice>
-        <mc:Fallback>
+        <mc:Fallback xmlns="">
           <p:sp>
             <p:nvSpPr>
               <p:cNvPr id="3" name="Espaço Reservado para Conteúdo 2">

--- a/slides/TP557_6_Minimizando_o_erro.pptx
+++ b/slides/TP557_6_Minimizando_o_erro.pptx
@@ -5,10 +5,10 @@
     <p:sldMasterId id="2147483648" r:id="rId1"/>
   </p:sldMasterIdLst>
   <p:notesMasterIdLst>
-    <p:notesMasterId r:id="rId35"/>
+    <p:notesMasterId r:id="rId43"/>
   </p:notesMasterIdLst>
   <p:handoutMasterIdLst>
-    <p:handoutMasterId r:id="rId36"/>
+    <p:handoutMasterId r:id="rId44"/>
   </p:handoutMasterIdLst>
   <p:sldIdLst>
     <p:sldId id="256" r:id="rId2"/>
@@ -44,6 +44,14 @@
     <p:sldId id="405" r:id="rId32"/>
     <p:sldId id="293" r:id="rId33"/>
     <p:sldId id="306" r:id="rId34"/>
+    <p:sldId id="438" r:id="rId35"/>
+    <p:sldId id="440" r:id="rId36"/>
+    <p:sldId id="441" r:id="rId37"/>
+    <p:sldId id="437" r:id="rId38"/>
+    <p:sldId id="442" r:id="rId39"/>
+    <p:sldId id="443" r:id="rId40"/>
+    <p:sldId id="444" r:id="rId41"/>
+    <p:sldId id="445" r:id="rId42"/>
   </p:sldIdLst>
   <p:sldSz cx="12192000" cy="6858000"/>
   <p:notesSz cx="7315200" cy="9601200"/>
@@ -307,7 +315,7 @@
           <a:p>
             <a:fld id="{144F1436-6906-4D93-B7A2-786C327BFA14}" type="datetimeFigureOut">
               <a:rPr lang="nl-BE" smtClean="0"/>
-              <a:t>30/08/2023</a:t>
+              <a:t>31/08/2023</a:t>
             </a:fld>
             <a:endParaRPr lang="nl-BE"/>
           </a:p>
@@ -472,7 +480,7 @@
           <a:p>
             <a:fld id="{AA8CD09E-2914-4F47-B6C1-51B2C31814C9}" type="datetimeFigureOut">
               <a:rPr lang="pt-BR" smtClean="0"/>
-              <a:t>30/08/2023</a:t>
+              <a:t>31/08/2023</a:t>
             </a:fld>
             <a:endParaRPr lang="pt-BR"/>
           </a:p>
@@ -4806,7 +4814,7 @@
           <a:p>
             <a:fld id="{63289F7E-B80B-496E-81B4-D396C37C9454}" type="datetimeFigureOut">
               <a:rPr lang="pt-BR" smtClean="0"/>
-              <a:t>30/08/2023</a:t>
+              <a:t>31/08/2023</a:t>
             </a:fld>
             <a:endParaRPr lang="pt-BR"/>
           </a:p>
@@ -5004,7 +5012,7 @@
           <a:p>
             <a:fld id="{63289F7E-B80B-496E-81B4-D396C37C9454}" type="datetimeFigureOut">
               <a:rPr lang="pt-BR" smtClean="0"/>
-              <a:t>30/08/2023</a:t>
+              <a:t>31/08/2023</a:t>
             </a:fld>
             <a:endParaRPr lang="pt-BR"/>
           </a:p>
@@ -5212,7 +5220,7 @@
           <a:p>
             <a:fld id="{63289F7E-B80B-496E-81B4-D396C37C9454}" type="datetimeFigureOut">
               <a:rPr lang="pt-BR" smtClean="0"/>
-              <a:t>30/08/2023</a:t>
+              <a:t>31/08/2023</a:t>
             </a:fld>
             <a:endParaRPr lang="pt-BR"/>
           </a:p>
@@ -5410,7 +5418,7 @@
           <a:p>
             <a:fld id="{63289F7E-B80B-496E-81B4-D396C37C9454}" type="datetimeFigureOut">
               <a:rPr lang="pt-BR" smtClean="0"/>
-              <a:t>30/08/2023</a:t>
+              <a:t>31/08/2023</a:t>
             </a:fld>
             <a:endParaRPr lang="pt-BR"/>
           </a:p>
@@ -5685,7 +5693,7 @@
           <a:p>
             <a:fld id="{63289F7E-B80B-496E-81B4-D396C37C9454}" type="datetimeFigureOut">
               <a:rPr lang="pt-BR" smtClean="0"/>
-              <a:t>30/08/2023</a:t>
+              <a:t>31/08/2023</a:t>
             </a:fld>
             <a:endParaRPr lang="pt-BR"/>
           </a:p>
@@ -5950,7 +5958,7 @@
           <a:p>
             <a:fld id="{63289F7E-B80B-496E-81B4-D396C37C9454}" type="datetimeFigureOut">
               <a:rPr lang="pt-BR" smtClean="0"/>
-              <a:t>30/08/2023</a:t>
+              <a:t>31/08/2023</a:t>
             </a:fld>
             <a:endParaRPr lang="pt-BR"/>
           </a:p>
@@ -6362,7 +6370,7 @@
           <a:p>
             <a:fld id="{63289F7E-B80B-496E-81B4-D396C37C9454}" type="datetimeFigureOut">
               <a:rPr lang="pt-BR" smtClean="0"/>
-              <a:t>30/08/2023</a:t>
+              <a:t>31/08/2023</a:t>
             </a:fld>
             <a:endParaRPr lang="pt-BR"/>
           </a:p>
@@ -6503,7 +6511,7 @@
           <a:p>
             <a:fld id="{63289F7E-B80B-496E-81B4-D396C37C9454}" type="datetimeFigureOut">
               <a:rPr lang="pt-BR" smtClean="0"/>
-              <a:t>30/08/2023</a:t>
+              <a:t>31/08/2023</a:t>
             </a:fld>
             <a:endParaRPr lang="pt-BR"/>
           </a:p>
@@ -6616,7 +6624,7 @@
           <a:p>
             <a:fld id="{63289F7E-B80B-496E-81B4-D396C37C9454}" type="datetimeFigureOut">
               <a:rPr lang="pt-BR" smtClean="0"/>
-              <a:t>30/08/2023</a:t>
+              <a:t>31/08/2023</a:t>
             </a:fld>
             <a:endParaRPr lang="pt-BR"/>
           </a:p>
@@ -6927,7 +6935,7 @@
           <a:p>
             <a:fld id="{63289F7E-B80B-496E-81B4-D396C37C9454}" type="datetimeFigureOut">
               <a:rPr lang="pt-BR" smtClean="0"/>
-              <a:t>30/08/2023</a:t>
+              <a:t>31/08/2023</a:t>
             </a:fld>
             <a:endParaRPr lang="pt-BR"/>
           </a:p>
@@ -7215,7 +7223,7 @@
           <a:p>
             <a:fld id="{63289F7E-B80B-496E-81B4-D396C37C9454}" type="datetimeFigureOut">
               <a:rPr lang="pt-BR" smtClean="0"/>
-              <a:t>30/08/2023</a:t>
+              <a:t>31/08/2023</a:t>
             </a:fld>
             <a:endParaRPr lang="pt-BR"/>
           </a:p>
@@ -7456,7 +7464,7 @@
           <a:p>
             <a:fld id="{63289F7E-B80B-496E-81B4-D396C37C9454}" type="datetimeFigureOut">
               <a:rPr lang="pt-BR" smtClean="0"/>
-              <a:t>30/08/2023</a:t>
+              <a:t>31/08/2023</a:t>
             </a:fld>
             <a:endParaRPr lang="pt-BR"/>
           </a:p>
@@ -9400,8 +9408,8 @@
           </a:p>
         </p:txBody>
       </p:sp>
-      <mc:AlternateContent xmlns:mc="http://schemas.openxmlformats.org/markup-compatibility/2006">
-        <mc:Choice xmlns:a14="http://schemas.microsoft.com/office/drawing/2010/main" Requires="a14">
+      <mc:AlternateContent xmlns:mc="http://schemas.openxmlformats.org/markup-compatibility/2006" xmlns:a14="http://schemas.microsoft.com/office/drawing/2010/main">
+        <mc:Choice Requires="a14">
           <p:sp>
             <p:nvSpPr>
               <p:cNvPr id="3" name="Espaço Reservado para Conteúdo 2">
@@ -9787,7 +9795,7 @@
             </p:txBody>
           </p:sp>
         </mc:Choice>
-        <mc:Fallback>
+        <mc:Fallback xmlns="">
           <p:sp>
             <p:nvSpPr>
               <p:cNvPr id="3" name="Espaço Reservado para Conteúdo 2">
@@ -14098,8 +14106,8 @@
           </a:p>
         </p:txBody>
       </p:sp>
-      <mc:AlternateContent xmlns:mc="http://schemas.openxmlformats.org/markup-compatibility/2006">
-        <mc:Choice xmlns:a14="http://schemas.microsoft.com/office/drawing/2010/main" Requires="a14">
+      <mc:AlternateContent xmlns:mc="http://schemas.openxmlformats.org/markup-compatibility/2006" xmlns:a14="http://schemas.microsoft.com/office/drawing/2010/main">
+        <mc:Choice Requires="a14">
           <p:sp>
             <p:nvSpPr>
               <p:cNvPr id="3" name="Espaço Reservado para Conteúdo 2">
@@ -14219,7 +14227,7 @@
             </p:txBody>
           </p:sp>
         </mc:Choice>
-        <mc:Fallback>
+        <mc:Fallback xmlns="">
           <p:sp>
             <p:nvSpPr>
               <p:cNvPr id="3" name="Espaço Reservado para Conteúdo 2">
@@ -18830,8 +18838,8 @@
           </a:p>
         </p:txBody>
       </p:sp>
-      <mc:AlternateContent xmlns:mc="http://schemas.openxmlformats.org/markup-compatibility/2006">
-        <mc:Choice xmlns:a14="http://schemas.microsoft.com/office/drawing/2010/main" Requires="a14">
+      <mc:AlternateContent xmlns:mc="http://schemas.openxmlformats.org/markup-compatibility/2006" xmlns:a14="http://schemas.microsoft.com/office/drawing/2010/main">
+        <mc:Choice Requires="a14">
           <p:sp>
             <p:nvSpPr>
               <p:cNvPr id="3" name="Espaço Reservado para Conteúdo 2">
@@ -18869,25 +18877,33 @@
                     <m:sSub>
                       <m:sSubPr>
                         <m:ctrlPr>
-                          <a:rPr lang="pt-BR" sz="2800" i="1" smtClean="0"/>
+                          <a:rPr lang="pt-BR" sz="2800" i="1" smtClean="0">
+                            <a:latin typeface="Cambria Math" panose="02040503050406030204" pitchFamily="18" charset="0"/>
+                          </a:rPr>
                         </m:ctrlPr>
                       </m:sSubPr>
                       <m:e>
                         <m:r>
-                          <a:rPr lang="pt-BR" sz="2800" b="0" i="1" smtClean="0"/>
+                          <a:rPr lang="pt-BR" sz="2800" b="0" i="1" smtClean="0">
+                            <a:latin typeface="Cambria Math" panose="02040503050406030204" pitchFamily="18" charset="0"/>
+                          </a:rPr>
                           <m:t>𝑎</m:t>
                         </m:r>
                       </m:e>
                       <m:sub>
                         <m:r>
-                          <a:rPr lang="pt-BR" sz="2800" b="0" i="0" smtClean="0"/>
+                          <a:rPr lang="pt-BR" sz="2800" b="0" i="0" smtClean="0">
+                            <a:latin typeface="Cambria Math" panose="02040503050406030204" pitchFamily="18" charset="0"/>
+                          </a:rPr>
                           <m:t>ó</m:t>
                         </m:r>
                         <m:r>
                           <m:rPr>
                             <m:sty m:val="p"/>
                           </m:rPr>
-                          <a:rPr lang="pt-BR" sz="2800" b="0" i="0" smtClean="0"/>
+                          <a:rPr lang="pt-BR" sz="2800" b="0" i="0" smtClean="0">
+                            <a:latin typeface="Cambria Math" panose="02040503050406030204" pitchFamily="18" charset="0"/>
+                          </a:rPr>
                           <m:t>timo</m:t>
                         </m:r>
                       </m:sub>
@@ -19007,7 +19023,7 @@
             </p:txBody>
           </p:sp>
         </mc:Choice>
-        <mc:Fallback>
+        <mc:Fallback xmlns="">
           <p:sp>
             <p:nvSpPr>
               <p:cNvPr id="3" name="Espaço Reservado para Conteúdo 2">
@@ -32726,8 +32742,8 @@
           </a:p>
         </p:txBody>
       </p:sp>
-      <mc:AlternateContent xmlns:mc="http://schemas.openxmlformats.org/markup-compatibility/2006">
-        <mc:Choice xmlns:a14="http://schemas.microsoft.com/office/drawing/2010/main" Requires="a14">
+      <mc:AlternateContent xmlns:mc="http://schemas.openxmlformats.org/markup-compatibility/2006" xmlns:a14="http://schemas.microsoft.com/office/drawing/2010/main">
+        <mc:Choice Requires="a14">
           <p:sp>
             <p:nvSpPr>
               <p:cNvPr id="5" name="CaixaDeTexto 4">
@@ -32815,13 +32831,7 @@
                         <a:rPr lang="pt-BR" sz="2000" b="0" i="0" smtClean="0">
                           <a:latin typeface="Cambria Math" panose="02040503050406030204" pitchFamily="18" charset="0"/>
                         </a:rPr>
-                        <m:t>)</m:t>
-                      </m:r>
-                      <m:r>
-                        <a:rPr lang="pt-BR" sz="2000" b="0" i="0" smtClean="0">
-                          <a:latin typeface="Cambria Math" panose="02040503050406030204" pitchFamily="18" charset="0"/>
-                        </a:rPr>
-                        <m:t>−</m:t>
+                        <m:t>)−</m:t>
                       </m:r>
                       <m:r>
                         <a:rPr lang="pt-BR" sz="2000" i="1" dirty="0">
@@ -32924,7 +32934,7 @@
             </p:txBody>
           </p:sp>
         </mc:Choice>
-        <mc:Fallback>
+        <mc:Fallback xmlns="">
           <p:sp>
             <p:nvSpPr>
               <p:cNvPr id="5" name="CaixaDeTexto 4">
@@ -32969,8 +32979,8 @@
           </p:sp>
         </mc:Fallback>
       </mc:AlternateContent>
-      <mc:AlternateContent xmlns:mc="http://schemas.openxmlformats.org/markup-compatibility/2006">
-        <mc:Choice xmlns:a14="http://schemas.microsoft.com/office/drawing/2010/main" Requires="a14">
+      <mc:AlternateContent xmlns:mc="http://schemas.openxmlformats.org/markup-compatibility/2006" xmlns:a14="http://schemas.microsoft.com/office/drawing/2010/main">
+        <mc:Choice Requires="a14">
           <p:sp>
             <p:nvSpPr>
               <p:cNvPr id="6" name="CaixaDeTexto 5">
@@ -33058,13 +33068,7 @@
                         <a:rPr lang="pt-BR" sz="2000" b="0" i="0" smtClean="0">
                           <a:latin typeface="Cambria Math" panose="02040503050406030204" pitchFamily="18" charset="0"/>
                         </a:rPr>
-                        <m:t>)</m:t>
-                      </m:r>
-                      <m:r>
-                        <a:rPr lang="pt-BR" sz="2000" b="0" i="0" smtClean="0">
-                          <a:latin typeface="Cambria Math" panose="02040503050406030204" pitchFamily="18" charset="0"/>
-                        </a:rPr>
-                        <m:t>−</m:t>
+                        <m:t>)−</m:t>
                       </m:r>
                       <m:r>
                         <a:rPr lang="pt-BR" sz="2000" i="1" dirty="0">
@@ -33188,7 +33192,7 @@
             </p:txBody>
           </p:sp>
         </mc:Choice>
-        <mc:Fallback>
+        <mc:Fallback xmlns="">
           <p:sp>
             <p:nvSpPr>
               <p:cNvPr id="6" name="CaixaDeTexto 5">
@@ -33233,8 +33237,8 @@
           </p:sp>
         </mc:Fallback>
       </mc:AlternateContent>
-      <mc:AlternateContent xmlns:mc="http://schemas.openxmlformats.org/markup-compatibility/2006">
-        <mc:Choice xmlns:a14="http://schemas.microsoft.com/office/drawing/2010/main" Requires="a14">
+      <mc:AlternateContent xmlns:mc="http://schemas.openxmlformats.org/markup-compatibility/2006" xmlns:a14="http://schemas.microsoft.com/office/drawing/2010/main">
+        <mc:Choice Requires="a14">
           <p:sp>
             <p:nvSpPr>
               <p:cNvPr id="7" name="CaixaDeTexto 6">
@@ -33322,13 +33326,7 @@
                         <a:rPr lang="pt-BR" sz="2000" b="0" i="0" smtClean="0">
                           <a:latin typeface="Cambria Math" panose="02040503050406030204" pitchFamily="18" charset="0"/>
                         </a:rPr>
-                        <m:t>)</m:t>
-                      </m:r>
-                      <m:r>
-                        <a:rPr lang="pt-BR" sz="2000" b="0" i="0" smtClean="0">
-                          <a:latin typeface="Cambria Math" panose="02040503050406030204" pitchFamily="18" charset="0"/>
-                        </a:rPr>
-                        <m:t>−</m:t>
+                        <m:t>)−</m:t>
                       </m:r>
                       <m:r>
                         <a:rPr lang="pt-BR" sz="2000" b="1" i="1" dirty="0">
@@ -33452,7 +33450,7 @@
             </p:txBody>
           </p:sp>
         </mc:Choice>
-        <mc:Fallback>
+        <mc:Fallback xmlns="">
           <p:sp>
             <p:nvSpPr>
               <p:cNvPr id="7" name="CaixaDeTexto 6">
@@ -33817,8 +33815,8 @@
           </a:extLst>
         </p:spPr>
       </p:pic>
-      <mc:AlternateContent xmlns:mc="http://schemas.openxmlformats.org/markup-compatibility/2006">
-        <mc:Choice xmlns:a14="http://schemas.microsoft.com/office/drawing/2010/main" Requires="a14">
+      <mc:AlternateContent xmlns:mc="http://schemas.openxmlformats.org/markup-compatibility/2006" xmlns:a14="http://schemas.microsoft.com/office/drawing/2010/main">
+        <mc:Choice Requires="a14">
           <p:sp>
             <p:nvSpPr>
               <p:cNvPr id="4" name="Rectangle 3">
@@ -34235,7 +34233,7 @@
             </p:txBody>
           </p:sp>
         </mc:Choice>
-        <mc:Fallback>
+        <mc:Fallback xmlns="">
           <p:sp>
             <p:nvSpPr>
               <p:cNvPr id="4" name="Rectangle 3">
@@ -35292,8 +35290,8 @@
           </a:p>
         </p:txBody>
       </p:sp>
-      <mc:AlternateContent xmlns:mc="http://schemas.openxmlformats.org/markup-compatibility/2006">
-        <mc:Choice xmlns:a14="http://schemas.microsoft.com/office/drawing/2010/main" Requires="a14">
+      <mc:AlternateContent xmlns:mc="http://schemas.openxmlformats.org/markup-compatibility/2006" xmlns:a14="http://schemas.microsoft.com/office/drawing/2010/main">
+        <mc:Choice Requires="a14">
           <p:sp>
             <p:nvSpPr>
               <p:cNvPr id="3" name="Espaço Reservado para Conteúdo 2">
@@ -35807,48 +35805,30 @@
                               </m:d>
                             </m:e>
                           </m:d>
-                          <m:sSup>
-                            <m:sSupPr>
-                              <m:ctrlPr>
-                                <a:rPr lang="pt-BR" i="1">
-                                  <a:latin typeface="Cambria Math" panose="02040503050406030204" pitchFamily="18" charset="0"/>
-                                </a:rPr>
-                              </m:ctrlPr>
-                            </m:sSupPr>
-                            <m:e>
-                              <m:r>
-                                <a:rPr lang="pt-BR" b="1" i="1">
-                                  <a:latin typeface="Cambria Math" panose="02040503050406030204" pitchFamily="18" charset="0"/>
-                                </a:rPr>
-                                <m:t>𝒙</m:t>
-                              </m:r>
-                              <m:d>
-                                <m:dPr>
-                                  <m:ctrlPr>
-                                    <a:rPr lang="pt-BR" b="1" i="1">
-                                      <a:latin typeface="Cambria Math" panose="02040503050406030204" pitchFamily="18" charset="0"/>
-                                    </a:rPr>
-                                  </m:ctrlPr>
-                                </m:dPr>
-                                <m:e>
-                                  <m:r>
-                                    <a:rPr lang="pt-BR" b="0" i="1" smtClean="0">
-                                      <a:latin typeface="Cambria Math" panose="02040503050406030204" pitchFamily="18" charset="0"/>
-                                    </a:rPr>
-                                    <m:t>𝑛</m:t>
-                                  </m:r>
-                                </m:e>
-                              </m:d>
-                            </m:e>
-                            <m:sup>
-                              <m:r>
-                                <a:rPr lang="pt-BR" i="1">
-                                  <a:latin typeface="Cambria Math" panose="02040503050406030204" pitchFamily="18" charset="0"/>
-                                </a:rPr>
-                                <m:t>𝑇</m:t>
-                              </m:r>
-                            </m:sup>
-                          </m:sSup>
+                          <m:r>
+                            <a:rPr lang="pt-BR" b="1" i="1" smtClean="0">
+                              <a:latin typeface="Cambria Math" panose="02040503050406030204" pitchFamily="18" charset="0"/>
+                            </a:rPr>
+                            <m:t>𝒙</m:t>
+                          </m:r>
+                          <m:r>
+                            <a:rPr lang="pt-BR" b="0" i="1" smtClean="0">
+                              <a:latin typeface="Cambria Math" panose="02040503050406030204" pitchFamily="18" charset="0"/>
+                            </a:rPr>
+                            <m:t>(</m:t>
+                          </m:r>
+                          <m:r>
+                            <a:rPr lang="pt-BR" b="0" i="1" smtClean="0">
+                              <a:latin typeface="Cambria Math" panose="02040503050406030204" pitchFamily="18" charset="0"/>
+                            </a:rPr>
+                            <m:t>𝑛</m:t>
+                          </m:r>
+                          <m:r>
+                            <a:rPr lang="pt-BR" b="0" i="1" smtClean="0">
+                              <a:latin typeface="Cambria Math" panose="02040503050406030204" pitchFamily="18" charset="0"/>
+                            </a:rPr>
+                            <m:t>)</m:t>
+                          </m:r>
                         </m:e>
                       </m:nary>
                       <m:r>
@@ -36133,7 +36113,7 @@
             </p:txBody>
           </p:sp>
         </mc:Choice>
-        <mc:Fallback>
+        <mc:Fallback xmlns="">
           <p:sp>
             <p:nvSpPr>
               <p:cNvPr id="3" name="Espaço Reservado para Conteúdo 2">
@@ -36235,8 +36215,8 @@
           </a:p>
         </p:txBody>
       </p:sp>
-      <mc:AlternateContent xmlns:mc="http://schemas.openxmlformats.org/markup-compatibility/2006">
-        <mc:Choice xmlns:a14="http://schemas.microsoft.com/office/drawing/2010/main" Requires="a14">
+      <mc:AlternateContent xmlns:mc="http://schemas.openxmlformats.org/markup-compatibility/2006" xmlns:a14="http://schemas.microsoft.com/office/drawing/2010/main">
+        <mc:Choice Requires="a14">
           <p:sp>
             <p:nvSpPr>
               <p:cNvPr id="3" name="Espaço Reservado para Conteúdo 2">
@@ -36729,7 +36709,7 @@
             </p:txBody>
           </p:sp>
         </mc:Choice>
-        <mc:Fallback>
+        <mc:Fallback xmlns="">
           <p:sp>
             <p:nvSpPr>
               <p:cNvPr id="3" name="Espaço Reservado para Conteúdo 2">
@@ -37449,8 +37429,8 @@
           </a:p>
         </p:txBody>
       </p:sp>
-      <mc:AlternateContent xmlns:mc="http://schemas.openxmlformats.org/markup-compatibility/2006">
-        <mc:Choice xmlns:a14="http://schemas.microsoft.com/office/drawing/2010/main" Requires="a14">
+      <mc:AlternateContent xmlns:mc="http://schemas.openxmlformats.org/markup-compatibility/2006" xmlns:a14="http://schemas.microsoft.com/office/drawing/2010/main">
+        <mc:Choice Requires="a14">
           <p:sp>
             <p:nvSpPr>
               <p:cNvPr id="3" name="Espaço Reservado para Conteúdo 2">
@@ -38004,7 +37984,7 @@
             </p:txBody>
           </p:sp>
         </mc:Choice>
-        <mc:Fallback>
+        <mc:Fallback xmlns="">
           <p:sp>
             <p:nvSpPr>
               <p:cNvPr id="3" name="Espaço Reservado para Conteúdo 2">
@@ -38106,8 +38086,8 @@
           </a:p>
         </p:txBody>
       </p:sp>
-      <mc:AlternateContent xmlns:mc="http://schemas.openxmlformats.org/markup-compatibility/2006">
-        <mc:Choice xmlns:a14="http://schemas.microsoft.com/office/drawing/2010/main" Requires="a14">
+      <mc:AlternateContent xmlns:mc="http://schemas.openxmlformats.org/markup-compatibility/2006" xmlns:a14="http://schemas.microsoft.com/office/drawing/2010/main">
+        <mc:Choice Requires="a14">
           <p:sp>
             <p:nvSpPr>
               <p:cNvPr id="3" name="Espaço Reservado para Conteúdo 2">
@@ -38599,7 +38579,7 @@
             </p:txBody>
           </p:sp>
         </mc:Choice>
-        <mc:Fallback>
+        <mc:Fallback xmlns="">
           <p:sp>
             <p:nvSpPr>
               <p:cNvPr id="3" name="Espaço Reservado para Conteúdo 2">
@@ -40418,6 +40398,6280 @@
 </p:sld>
 </file>
 
+<file path=ppt/slides/slide34.xml><?xml version="1.0" encoding="utf-8"?>
+<p:sld xmlns:a="http://schemas.openxmlformats.org/drawingml/2006/main" xmlns:r="http://schemas.openxmlformats.org/officeDocument/2006/relationships" xmlns:p="http://schemas.openxmlformats.org/presentationml/2006/main">
+  <p:cSld>
+    <p:spTree>
+      <p:nvGrpSpPr>
+        <p:cNvPr id="1" name=""/>
+        <p:cNvGrpSpPr/>
+        <p:nvPr/>
+      </p:nvGrpSpPr>
+      <p:grpSpPr>
+        <a:xfrm>
+          <a:off x="0" y="0"/>
+          <a:ext cx="0" cy="0"/>
+          <a:chOff x="0" y="0"/>
+          <a:chExt cx="0" cy="0"/>
+        </a:xfrm>
+      </p:grpSpPr>
+      <p:sp>
+        <p:nvSpPr>
+          <p:cNvPr id="2" name="Título 1">
+            <a:extLst>
+              <a:ext uri="{FF2B5EF4-FFF2-40B4-BE49-F238E27FC236}">
+                <a16:creationId xmlns:a16="http://schemas.microsoft.com/office/drawing/2014/main" id="{1F186E35-2132-957C-5119-8416C939A543}"/>
+              </a:ext>
+            </a:extLst>
+          </p:cNvPr>
+          <p:cNvSpPr>
+            <a:spLocks noGrp="1"/>
+          </p:cNvSpPr>
+          <p:nvPr>
+            <p:ph type="title"/>
+          </p:nvPr>
+        </p:nvSpPr>
+        <p:spPr/>
+        <p:txBody>
+          <a:bodyPr/>
+          <a:lstStyle/>
+          <a:p>
+            <a:r>
+              <a:rPr lang="pt-BR" dirty="0"/>
+              <a:t>Cálculo do vetor gradiente</a:t>
+            </a:r>
+          </a:p>
+        </p:txBody>
+      </p:sp>
+      <mc:AlternateContent xmlns:mc="http://schemas.openxmlformats.org/markup-compatibility/2006">
+        <mc:Choice xmlns:a14="http://schemas.microsoft.com/office/drawing/2010/main" Requires="a14">
+          <p:sp>
+            <p:nvSpPr>
+              <p:cNvPr id="3" name="Espaço Reservado para Conteúdo 2">
+                <a:extLst>
+                  <a:ext uri="{FF2B5EF4-FFF2-40B4-BE49-F238E27FC236}">
+                    <a16:creationId xmlns:a16="http://schemas.microsoft.com/office/drawing/2014/main" id="{DC5EC678-4C25-1184-B2F1-399C0F236041}"/>
+                  </a:ext>
+                </a:extLst>
+              </p:cNvPr>
+              <p:cNvSpPr>
+                <a:spLocks noGrp="1"/>
+              </p:cNvSpPr>
+              <p:nvPr>
+                <p:ph idx="1"/>
+              </p:nvPr>
+            </p:nvSpPr>
+            <p:spPr>
+              <a:xfrm>
+                <a:off x="838199" y="1825624"/>
+                <a:ext cx="11146971" cy="5032375"/>
+              </a:xfrm>
+            </p:spPr>
+            <p:txBody>
+              <a:bodyPr>
+                <a:normAutofit/>
+              </a:bodyPr>
+              <a:lstStyle/>
+              <a:p>
+                <a:pPr marL="0" indent="0">
+                  <a:buNone/>
+                </a:pPr>
+                <a:r>
+                  <a:rPr lang="pt-BR" dirty="0"/>
+                  <a:t>Considerando o hiperplano como a função hipótese</a:t>
+                </a:r>
+              </a:p>
+              <a:p>
+                <a:pPr marL="0" indent="0">
+                  <a:buNone/>
+                </a:pPr>
+                <a14:m>
+                  <m:oMathPara xmlns:m="http://schemas.openxmlformats.org/officeDocument/2006/math">
+                    <m:oMathParaPr>
+                      <m:jc m:val="centerGroup"/>
+                    </m:oMathParaPr>
+                    <m:oMath xmlns:m="http://schemas.openxmlformats.org/officeDocument/2006/math">
+                      <m:acc>
+                        <m:accPr>
+                          <m:chr m:val="̂"/>
+                          <m:ctrlPr>
+                            <a:rPr lang="pt-BR" i="1" smtClean="0">
+                              <a:latin typeface="Cambria Math" panose="02040503050406030204" pitchFamily="18" charset="0"/>
+                            </a:rPr>
+                          </m:ctrlPr>
+                        </m:accPr>
+                        <m:e>
+                          <m:r>
+                            <a:rPr lang="pt-BR" b="0" i="1" smtClean="0">
+                              <a:latin typeface="Cambria Math" panose="02040503050406030204" pitchFamily="18" charset="0"/>
+                            </a:rPr>
+                            <m:t>𝑦</m:t>
+                          </m:r>
+                        </m:e>
+                      </m:acc>
+                      <m:d>
+                        <m:dPr>
+                          <m:ctrlPr>
+                            <a:rPr lang="pt-BR" b="0" i="1" smtClean="0">
+                              <a:latin typeface="Cambria Math" panose="02040503050406030204" pitchFamily="18" charset="0"/>
+                            </a:rPr>
+                          </m:ctrlPr>
+                        </m:dPr>
+                        <m:e>
+                          <m:r>
+                            <a:rPr lang="pt-BR" b="0" i="1" smtClean="0">
+                              <a:latin typeface="Cambria Math" panose="02040503050406030204" pitchFamily="18" charset="0"/>
+                            </a:rPr>
+                            <m:t>𝑛</m:t>
+                          </m:r>
+                        </m:e>
+                      </m:d>
+                      <m:r>
+                        <a:rPr lang="pt-BR" b="0" i="1" smtClean="0">
+                          <a:latin typeface="Cambria Math" panose="02040503050406030204" pitchFamily="18" charset="0"/>
+                        </a:rPr>
+                        <m:t>=</m:t>
+                      </m:r>
+                      <m:sSup>
+                        <m:sSupPr>
+                          <m:ctrlPr>
+                            <a:rPr lang="pt-BR" i="1">
+                              <a:latin typeface="Cambria Math" panose="02040503050406030204" pitchFamily="18" charset="0"/>
+                            </a:rPr>
+                          </m:ctrlPr>
+                        </m:sSupPr>
+                        <m:e>
+                          <m:r>
+                            <a:rPr lang="pt-BR" b="1" i="1">
+                              <a:latin typeface="Cambria Math" panose="02040503050406030204" pitchFamily="18" charset="0"/>
+                            </a:rPr>
+                            <m:t>𝒂</m:t>
+                          </m:r>
+                        </m:e>
+                        <m:sup>
+                          <m:r>
+                            <a:rPr lang="pt-BR" i="1">
+                              <a:latin typeface="Cambria Math" panose="02040503050406030204" pitchFamily="18" charset="0"/>
+                            </a:rPr>
+                            <m:t>𝑇</m:t>
+                          </m:r>
+                        </m:sup>
+                      </m:sSup>
+                      <m:r>
+                        <a:rPr lang="pt-BR" b="1" i="1">
+                          <a:latin typeface="Cambria Math" panose="02040503050406030204" pitchFamily="18" charset="0"/>
+                        </a:rPr>
+                        <m:t>𝒙</m:t>
+                      </m:r>
+                      <m:d>
+                        <m:dPr>
+                          <m:ctrlPr>
+                            <a:rPr lang="pt-BR" b="1" i="1">
+                              <a:latin typeface="Cambria Math" panose="02040503050406030204" pitchFamily="18" charset="0"/>
+                            </a:rPr>
+                          </m:ctrlPr>
+                        </m:dPr>
+                        <m:e>
+                          <m:r>
+                            <a:rPr lang="pt-BR" i="1">
+                              <a:latin typeface="Cambria Math" panose="02040503050406030204" pitchFamily="18" charset="0"/>
+                            </a:rPr>
+                            <m:t>𝑛</m:t>
+                          </m:r>
+                        </m:e>
+                      </m:d>
+                      <m:r>
+                        <a:rPr lang="pt-BR" b="0" i="1" smtClean="0">
+                          <a:latin typeface="Cambria Math" panose="02040503050406030204" pitchFamily="18" charset="0"/>
+                        </a:rPr>
+                        <m:t>.</m:t>
+                      </m:r>
+                    </m:oMath>
+                  </m:oMathPara>
+                </a14:m>
+                <a:endParaRPr lang="pt-BR" dirty="0"/>
+              </a:p>
+              <a:p>
+                <a:pPr marL="0" indent="0">
+                  <a:buNone/>
+                </a:pPr>
+                <a:r>
+                  <a:rPr lang="pt-BR" dirty="0"/>
+                  <a:t>O vetor gradiente é calculado como</a:t>
+                </a:r>
+              </a:p>
+              <a:p>
+                <a:pPr marL="0" indent="0">
+                  <a:buNone/>
+                </a:pPr>
+                <a14:m>
+                  <m:oMathPara xmlns:m="http://schemas.openxmlformats.org/officeDocument/2006/math">
+                    <m:oMathParaPr>
+                      <m:jc m:val="centerGroup"/>
+                    </m:oMathParaPr>
+                    <m:oMath xmlns:m="http://schemas.openxmlformats.org/officeDocument/2006/math">
+                      <m:f>
+                        <m:fPr>
+                          <m:ctrlPr>
+                            <a:rPr lang="pt-BR" i="1" smtClean="0">
+                              <a:latin typeface="Cambria Math" panose="02040503050406030204" pitchFamily="18" charset="0"/>
+                            </a:rPr>
+                          </m:ctrlPr>
+                        </m:fPr>
+                        <m:num>
+                          <m:r>
+                            <a:rPr lang="pt-BR" i="1">
+                              <a:latin typeface="Cambria Math" panose="02040503050406030204" pitchFamily="18" charset="0"/>
+                            </a:rPr>
+                            <m:t>𝜕</m:t>
+                          </m:r>
+                          <m:sSub>
+                            <m:sSubPr>
+                              <m:ctrlPr>
+                                <a:rPr lang="pt-BR" i="1">
+                                  <a:latin typeface="Cambria Math" panose="02040503050406030204" pitchFamily="18" charset="0"/>
+                                </a:rPr>
+                              </m:ctrlPr>
+                            </m:sSubPr>
+                            <m:e>
+                              <m:r>
+                                <a:rPr lang="pt-BR" i="1">
+                                  <a:latin typeface="Cambria Math" panose="02040503050406030204" pitchFamily="18" charset="0"/>
+                                </a:rPr>
+                                <m:t>𝐽</m:t>
+                              </m:r>
+                            </m:e>
+                            <m:sub>
+                              <m:r>
+                                <a:rPr lang="pt-BR" i="1">
+                                  <a:latin typeface="Cambria Math" panose="02040503050406030204" pitchFamily="18" charset="0"/>
+                                </a:rPr>
+                                <m:t>𝑒</m:t>
+                              </m:r>
+                            </m:sub>
+                          </m:sSub>
+                          <m:d>
+                            <m:dPr>
+                              <m:ctrlPr>
+                                <a:rPr lang="pt-BR" i="1">
+                                  <a:latin typeface="Cambria Math" panose="02040503050406030204" pitchFamily="18" charset="0"/>
+                                </a:rPr>
+                              </m:ctrlPr>
+                            </m:dPr>
+                            <m:e>
+                              <m:r>
+                                <a:rPr lang="pt-BR" b="1" i="1">
+                                  <a:latin typeface="Cambria Math" panose="02040503050406030204" pitchFamily="18" charset="0"/>
+                                </a:rPr>
+                                <m:t>𝒂</m:t>
+                              </m:r>
+                            </m:e>
+                          </m:d>
+                        </m:num>
+                        <m:den>
+                          <m:r>
+                            <a:rPr lang="pt-BR" i="1">
+                              <a:latin typeface="Cambria Math" panose="02040503050406030204" pitchFamily="18" charset="0"/>
+                            </a:rPr>
+                            <m:t>𝜕</m:t>
+                          </m:r>
+                          <m:r>
+                            <a:rPr lang="pt-BR" b="1" i="1">
+                              <a:latin typeface="Cambria Math" panose="02040503050406030204" pitchFamily="18" charset="0"/>
+                            </a:rPr>
+                            <m:t>𝒂</m:t>
+                          </m:r>
+                        </m:den>
+                      </m:f>
+                      <m:r>
+                        <a:rPr lang="pt-BR" b="1" i="1" smtClean="0">
+                          <a:latin typeface="Cambria Math" panose="02040503050406030204" pitchFamily="18" charset="0"/>
+                        </a:rPr>
+                        <m:t>=</m:t>
+                      </m:r>
+                      <m:sSup>
+                        <m:sSupPr>
+                          <m:ctrlPr>
+                            <a:rPr lang="pt-BR" b="1" i="1" smtClean="0">
+                              <a:latin typeface="Cambria Math" panose="02040503050406030204" pitchFamily="18" charset="0"/>
+                            </a:rPr>
+                          </m:ctrlPr>
+                        </m:sSupPr>
+                        <m:e>
+                          <m:d>
+                            <m:dPr>
+                              <m:begChr m:val="["/>
+                              <m:endChr m:val="]"/>
+                              <m:ctrlPr>
+                                <a:rPr lang="pt-BR" b="1" i="1" smtClean="0">
+                                  <a:latin typeface="Cambria Math" panose="02040503050406030204" pitchFamily="18" charset="0"/>
+                                </a:rPr>
+                              </m:ctrlPr>
+                            </m:dPr>
+                            <m:e>
+                              <m:m>
+                                <m:mPr>
+                                  <m:mcs>
+                                    <m:mc>
+                                      <m:mcPr>
+                                        <m:count m:val="3"/>
+                                        <m:mcJc m:val="center"/>
+                                      </m:mcPr>
+                                    </m:mc>
+                                  </m:mcs>
+                                  <m:ctrlPr>
+                                    <a:rPr lang="pt-BR" b="1" i="1" smtClean="0">
+                                      <a:latin typeface="Cambria Math" panose="02040503050406030204" pitchFamily="18" charset="0"/>
+                                    </a:rPr>
+                                  </m:ctrlPr>
+                                </m:mPr>
+                                <m:mr>
+                                  <m:e>
+                                    <m:f>
+                                      <m:fPr>
+                                        <m:ctrlPr>
+                                          <a:rPr lang="pt-BR" i="1">
+                                            <a:latin typeface="Cambria Math" panose="02040503050406030204" pitchFamily="18" charset="0"/>
+                                          </a:rPr>
+                                        </m:ctrlPr>
+                                      </m:fPr>
+                                      <m:num>
+                                        <m:r>
+                                          <a:rPr lang="pt-BR" i="1">
+                                            <a:latin typeface="Cambria Math" panose="02040503050406030204" pitchFamily="18" charset="0"/>
+                                          </a:rPr>
+                                          <m:t>𝜕</m:t>
+                                        </m:r>
+                                        <m:sSub>
+                                          <m:sSubPr>
+                                            <m:ctrlPr>
+                                              <a:rPr lang="pt-BR" i="1">
+                                                <a:latin typeface="Cambria Math" panose="02040503050406030204" pitchFamily="18" charset="0"/>
+                                              </a:rPr>
+                                            </m:ctrlPr>
+                                          </m:sSubPr>
+                                          <m:e>
+                                            <m:r>
+                                              <a:rPr lang="pt-BR" i="1">
+                                                <a:latin typeface="Cambria Math" panose="02040503050406030204" pitchFamily="18" charset="0"/>
+                                              </a:rPr>
+                                              <m:t>𝐽</m:t>
+                                            </m:r>
+                                          </m:e>
+                                          <m:sub>
+                                            <m:r>
+                                              <a:rPr lang="pt-BR" i="1">
+                                                <a:latin typeface="Cambria Math" panose="02040503050406030204" pitchFamily="18" charset="0"/>
+                                              </a:rPr>
+                                              <m:t>𝑒</m:t>
+                                            </m:r>
+                                          </m:sub>
+                                        </m:sSub>
+                                        <m:d>
+                                          <m:dPr>
+                                            <m:ctrlPr>
+                                              <a:rPr lang="pt-BR" i="1">
+                                                <a:latin typeface="Cambria Math" panose="02040503050406030204" pitchFamily="18" charset="0"/>
+                                              </a:rPr>
+                                            </m:ctrlPr>
+                                          </m:dPr>
+                                          <m:e>
+                                            <m:r>
+                                              <a:rPr lang="pt-BR" b="1" i="1">
+                                                <a:latin typeface="Cambria Math" panose="02040503050406030204" pitchFamily="18" charset="0"/>
+                                              </a:rPr>
+                                              <m:t>𝒂</m:t>
+                                            </m:r>
+                                          </m:e>
+                                        </m:d>
+                                      </m:num>
+                                      <m:den>
+                                        <m:r>
+                                          <a:rPr lang="pt-BR" i="1">
+                                            <a:latin typeface="Cambria Math" panose="02040503050406030204" pitchFamily="18" charset="0"/>
+                                          </a:rPr>
+                                          <m:t>𝜕</m:t>
+                                        </m:r>
+                                        <m:sSub>
+                                          <m:sSubPr>
+                                            <m:ctrlPr>
+                                              <a:rPr lang="pt-BR" i="1" smtClean="0">
+                                                <a:latin typeface="Cambria Math" panose="02040503050406030204" pitchFamily="18" charset="0"/>
+                                              </a:rPr>
+                                            </m:ctrlPr>
+                                          </m:sSubPr>
+                                          <m:e>
+                                            <m:r>
+                                              <a:rPr lang="pt-BR" b="0" i="1" smtClean="0">
+                                                <a:latin typeface="Cambria Math" panose="02040503050406030204" pitchFamily="18" charset="0"/>
+                                              </a:rPr>
+                                              <m:t>𝑎</m:t>
+                                            </m:r>
+                                          </m:e>
+                                          <m:sub>
+                                            <m:r>
+                                              <a:rPr lang="pt-BR" b="0" i="1" smtClean="0">
+                                                <a:latin typeface="Cambria Math" panose="02040503050406030204" pitchFamily="18" charset="0"/>
+                                              </a:rPr>
+                                              <m:t>0</m:t>
+                                            </m:r>
+                                          </m:sub>
+                                        </m:sSub>
+                                      </m:den>
+                                    </m:f>
+                                  </m:e>
+                                  <m:e>
+                                    <m:r>
+                                      <a:rPr lang="pt-BR" b="1" i="1" smtClean="0">
+                                        <a:latin typeface="Cambria Math" panose="02040503050406030204" pitchFamily="18" charset="0"/>
+                                      </a:rPr>
+                                      <m:t>⋯</m:t>
+                                    </m:r>
+                                  </m:e>
+                                  <m:e>
+                                    <m:f>
+                                      <m:fPr>
+                                        <m:ctrlPr>
+                                          <a:rPr lang="pt-BR" i="1">
+                                            <a:latin typeface="Cambria Math" panose="02040503050406030204" pitchFamily="18" charset="0"/>
+                                          </a:rPr>
+                                        </m:ctrlPr>
+                                      </m:fPr>
+                                      <m:num>
+                                        <m:r>
+                                          <a:rPr lang="pt-BR" i="1">
+                                            <a:latin typeface="Cambria Math" panose="02040503050406030204" pitchFamily="18" charset="0"/>
+                                          </a:rPr>
+                                          <m:t>𝜕</m:t>
+                                        </m:r>
+                                        <m:sSub>
+                                          <m:sSubPr>
+                                            <m:ctrlPr>
+                                              <a:rPr lang="pt-BR" i="1">
+                                                <a:latin typeface="Cambria Math" panose="02040503050406030204" pitchFamily="18" charset="0"/>
+                                              </a:rPr>
+                                            </m:ctrlPr>
+                                          </m:sSubPr>
+                                          <m:e>
+                                            <m:r>
+                                              <a:rPr lang="pt-BR" i="1">
+                                                <a:latin typeface="Cambria Math" panose="02040503050406030204" pitchFamily="18" charset="0"/>
+                                              </a:rPr>
+                                              <m:t>𝐽</m:t>
+                                            </m:r>
+                                          </m:e>
+                                          <m:sub>
+                                            <m:r>
+                                              <a:rPr lang="pt-BR" i="1">
+                                                <a:latin typeface="Cambria Math" panose="02040503050406030204" pitchFamily="18" charset="0"/>
+                                              </a:rPr>
+                                              <m:t>𝑒</m:t>
+                                            </m:r>
+                                          </m:sub>
+                                        </m:sSub>
+                                        <m:d>
+                                          <m:dPr>
+                                            <m:ctrlPr>
+                                              <a:rPr lang="pt-BR" i="1">
+                                                <a:latin typeface="Cambria Math" panose="02040503050406030204" pitchFamily="18" charset="0"/>
+                                              </a:rPr>
+                                            </m:ctrlPr>
+                                          </m:dPr>
+                                          <m:e>
+                                            <m:r>
+                                              <a:rPr lang="pt-BR" b="1" i="1">
+                                                <a:latin typeface="Cambria Math" panose="02040503050406030204" pitchFamily="18" charset="0"/>
+                                              </a:rPr>
+                                              <m:t>𝒂</m:t>
+                                            </m:r>
+                                          </m:e>
+                                        </m:d>
+                                      </m:num>
+                                      <m:den>
+                                        <m:r>
+                                          <a:rPr lang="pt-BR" i="1">
+                                            <a:latin typeface="Cambria Math" panose="02040503050406030204" pitchFamily="18" charset="0"/>
+                                          </a:rPr>
+                                          <m:t>𝜕</m:t>
+                                        </m:r>
+                                        <m:sSub>
+                                          <m:sSubPr>
+                                            <m:ctrlPr>
+                                              <a:rPr lang="pt-BR" i="1">
+                                                <a:latin typeface="Cambria Math" panose="02040503050406030204" pitchFamily="18" charset="0"/>
+                                              </a:rPr>
+                                            </m:ctrlPr>
+                                          </m:sSubPr>
+                                          <m:e>
+                                            <m:r>
+                                              <a:rPr lang="pt-BR" i="1">
+                                                <a:latin typeface="Cambria Math" panose="02040503050406030204" pitchFamily="18" charset="0"/>
+                                              </a:rPr>
+                                              <m:t>𝑎</m:t>
+                                            </m:r>
+                                          </m:e>
+                                          <m:sub>
+                                            <m:r>
+                                              <a:rPr lang="pt-BR" b="0" i="1" smtClean="0">
+                                                <a:latin typeface="Cambria Math" panose="02040503050406030204" pitchFamily="18" charset="0"/>
+                                              </a:rPr>
+                                              <m:t>𝐾</m:t>
+                                            </m:r>
+                                          </m:sub>
+                                        </m:sSub>
+                                      </m:den>
+                                    </m:f>
+                                  </m:e>
+                                </m:mr>
+                              </m:m>
+                            </m:e>
+                          </m:d>
+                        </m:e>
+                        <m:sup>
+                          <m:r>
+                            <a:rPr lang="pt-BR" b="0" i="1" smtClean="0">
+                              <a:latin typeface="Cambria Math" panose="02040503050406030204" pitchFamily="18" charset="0"/>
+                            </a:rPr>
+                            <m:t>𝑇</m:t>
+                          </m:r>
+                        </m:sup>
+                      </m:sSup>
+                      <m:r>
+                        <a:rPr lang="pt-BR" b="1" i="1" smtClean="0">
+                          <a:latin typeface="Cambria Math" panose="02040503050406030204" pitchFamily="18" charset="0"/>
+                        </a:rPr>
+                        <m:t>.</m:t>
+                      </m:r>
+                    </m:oMath>
+                  </m:oMathPara>
+                </a14:m>
+                <a:endParaRPr lang="pt-BR" b="1" i="1" dirty="0">
+                  <a:latin typeface="Cambria Math" panose="02040503050406030204" pitchFamily="18" charset="0"/>
+                </a:endParaRPr>
+              </a:p>
+              <a:p>
+                <a:pPr marL="0" indent="0">
+                  <a:buNone/>
+                </a:pPr>
+                <a:r>
+                  <a:rPr lang="pt-BR" dirty="0"/>
+                  <a:t>Assim, o vetor gradiente da função de erro em relação aos pesos é dado por</a:t>
+                </a:r>
+                <a:endParaRPr lang="pt-BR" b="1" i="1" dirty="0">
+                  <a:latin typeface="Cambria Math" panose="02040503050406030204" pitchFamily="18" charset="0"/>
+                </a:endParaRPr>
+              </a:p>
+              <a:p>
+                <a:pPr marL="0" indent="0">
+                  <a:buNone/>
+                </a:pPr>
+                <a14:m>
+                  <m:oMathPara xmlns:m="http://schemas.openxmlformats.org/officeDocument/2006/math">
+                    <m:oMathParaPr>
+                      <m:jc m:val="centerGroup"/>
+                    </m:oMathParaPr>
+                    <m:oMath xmlns:m="http://schemas.openxmlformats.org/officeDocument/2006/math">
+                      <m:f>
+                        <m:fPr>
+                          <m:ctrlPr>
+                            <a:rPr lang="pt-BR" i="1">
+                              <a:latin typeface="Cambria Math" panose="02040503050406030204" pitchFamily="18" charset="0"/>
+                            </a:rPr>
+                          </m:ctrlPr>
+                        </m:fPr>
+                        <m:num>
+                          <m:r>
+                            <a:rPr lang="pt-BR" i="1">
+                              <a:latin typeface="Cambria Math" panose="02040503050406030204" pitchFamily="18" charset="0"/>
+                            </a:rPr>
+                            <m:t>𝜕</m:t>
+                          </m:r>
+                          <m:sSub>
+                            <m:sSubPr>
+                              <m:ctrlPr>
+                                <a:rPr lang="pt-BR" i="1">
+                                  <a:latin typeface="Cambria Math" panose="02040503050406030204" pitchFamily="18" charset="0"/>
+                                </a:rPr>
+                              </m:ctrlPr>
+                            </m:sSubPr>
+                            <m:e>
+                              <m:r>
+                                <a:rPr lang="pt-BR" i="1">
+                                  <a:latin typeface="Cambria Math" panose="02040503050406030204" pitchFamily="18" charset="0"/>
+                                </a:rPr>
+                                <m:t>𝐽</m:t>
+                              </m:r>
+                            </m:e>
+                            <m:sub>
+                              <m:r>
+                                <a:rPr lang="pt-BR" i="1">
+                                  <a:latin typeface="Cambria Math" panose="02040503050406030204" pitchFamily="18" charset="0"/>
+                                </a:rPr>
+                                <m:t>𝑒</m:t>
+                              </m:r>
+                            </m:sub>
+                          </m:sSub>
+                          <m:d>
+                            <m:dPr>
+                              <m:ctrlPr>
+                                <a:rPr lang="pt-BR" i="1">
+                                  <a:latin typeface="Cambria Math" panose="02040503050406030204" pitchFamily="18" charset="0"/>
+                                </a:rPr>
+                              </m:ctrlPr>
+                            </m:dPr>
+                            <m:e>
+                              <m:r>
+                                <a:rPr lang="pt-BR" b="1" i="1">
+                                  <a:latin typeface="Cambria Math" panose="02040503050406030204" pitchFamily="18" charset="0"/>
+                                </a:rPr>
+                                <m:t>𝒂</m:t>
+                              </m:r>
+                            </m:e>
+                          </m:d>
+                        </m:num>
+                        <m:den>
+                          <m:r>
+                            <a:rPr lang="pt-BR" i="1">
+                              <a:latin typeface="Cambria Math" panose="02040503050406030204" pitchFamily="18" charset="0"/>
+                            </a:rPr>
+                            <m:t>𝜕</m:t>
+                          </m:r>
+                          <m:r>
+                            <a:rPr lang="pt-BR" b="1" i="1">
+                              <a:latin typeface="Cambria Math" panose="02040503050406030204" pitchFamily="18" charset="0"/>
+                            </a:rPr>
+                            <m:t>𝒂</m:t>
+                          </m:r>
+                        </m:den>
+                      </m:f>
+                      <m:r>
+                        <a:rPr lang="pt-BR" b="1" i="1" smtClean="0">
+                          <a:latin typeface="Cambria Math" panose="02040503050406030204" pitchFamily="18" charset="0"/>
+                        </a:rPr>
+                        <m:t>=</m:t>
+                      </m:r>
+                      <m:f>
+                        <m:fPr>
+                          <m:ctrlPr>
+                            <a:rPr lang="pt-BR" i="1">
+                              <a:latin typeface="Cambria Math" panose="02040503050406030204" pitchFamily="18" charset="0"/>
+                            </a:rPr>
+                          </m:ctrlPr>
+                        </m:fPr>
+                        <m:num>
+                          <m:r>
+                            <a:rPr lang="pt-BR" i="1">
+                              <a:latin typeface="Cambria Math" panose="02040503050406030204" pitchFamily="18" charset="0"/>
+                            </a:rPr>
+                            <m:t>𝜕</m:t>
+                          </m:r>
+                        </m:num>
+                        <m:den>
+                          <m:r>
+                            <a:rPr lang="pt-BR" i="1">
+                              <a:latin typeface="Cambria Math" panose="02040503050406030204" pitchFamily="18" charset="0"/>
+                            </a:rPr>
+                            <m:t>𝜕</m:t>
+                          </m:r>
+                          <m:r>
+                            <a:rPr lang="pt-BR" b="1" i="1">
+                              <a:latin typeface="Cambria Math" panose="02040503050406030204" pitchFamily="18" charset="0"/>
+                            </a:rPr>
+                            <m:t>𝒂</m:t>
+                          </m:r>
+                        </m:den>
+                      </m:f>
+                      <m:d>
+                        <m:dPr>
+                          <m:begChr m:val="["/>
+                          <m:endChr m:val="]"/>
+                          <m:ctrlPr>
+                            <a:rPr lang="pt-BR" b="1" i="1" smtClean="0">
+                              <a:latin typeface="Cambria Math" panose="02040503050406030204" pitchFamily="18" charset="0"/>
+                            </a:rPr>
+                          </m:ctrlPr>
+                        </m:dPr>
+                        <m:e>
+                          <m:f>
+                            <m:fPr>
+                              <m:ctrlPr>
+                                <a:rPr lang="pt-BR" i="1">
+                                  <a:latin typeface="Cambria Math" panose="02040503050406030204" pitchFamily="18" charset="0"/>
+                                </a:rPr>
+                              </m:ctrlPr>
+                            </m:fPr>
+                            <m:num>
+                              <m:r>
+                                <a:rPr lang="pt-BR" i="1">
+                                  <a:latin typeface="Cambria Math" panose="02040503050406030204" pitchFamily="18" charset="0"/>
+                                </a:rPr>
+                                <m:t>1</m:t>
+                              </m:r>
+                            </m:num>
+                            <m:den>
+                              <m:r>
+                                <a:rPr lang="pt-BR" i="1">
+                                  <a:latin typeface="Cambria Math" panose="02040503050406030204" pitchFamily="18" charset="0"/>
+                                </a:rPr>
+                                <m:t>𝑁</m:t>
+                              </m:r>
+                            </m:den>
+                          </m:f>
+                          <m:nary>
+                            <m:naryPr>
+                              <m:chr m:val="∑"/>
+                              <m:ctrlPr>
+                                <a:rPr lang="pt-BR" i="1" smtClean="0">
+                                  <a:latin typeface="Cambria Math" panose="02040503050406030204" pitchFamily="18" charset="0"/>
+                                </a:rPr>
+                              </m:ctrlPr>
+                            </m:naryPr>
+                            <m:sub>
+                              <m:r>
+                                <m:rPr>
+                                  <m:brk m:alnAt="23"/>
+                                </m:rPr>
+                                <a:rPr lang="pt-BR" b="0" i="1" smtClean="0">
+                                  <a:latin typeface="Cambria Math" panose="02040503050406030204" pitchFamily="18" charset="0"/>
+                                </a:rPr>
+                                <m:t>𝑛</m:t>
+                              </m:r>
+                              <m:r>
+                                <a:rPr lang="pt-BR" b="0" i="1" smtClean="0">
+                                  <a:latin typeface="Cambria Math" panose="02040503050406030204" pitchFamily="18" charset="0"/>
+                                </a:rPr>
+                                <m:t>=0</m:t>
+                              </m:r>
+                            </m:sub>
+                            <m:sup>
+                              <m:r>
+                                <a:rPr lang="pt-BR" b="0" i="1" smtClean="0">
+                                  <a:latin typeface="Cambria Math" panose="02040503050406030204" pitchFamily="18" charset="0"/>
+                                </a:rPr>
+                                <m:t>𝑁</m:t>
+                              </m:r>
+                              <m:r>
+                                <a:rPr lang="pt-BR" b="0" i="1" smtClean="0">
+                                  <a:latin typeface="Cambria Math" panose="02040503050406030204" pitchFamily="18" charset="0"/>
+                                </a:rPr>
+                                <m:t>−1</m:t>
+                              </m:r>
+                            </m:sup>
+                            <m:e>
+                              <m:sSup>
+                                <m:sSupPr>
+                                  <m:ctrlPr>
+                                    <a:rPr lang="pt-BR" i="1" smtClean="0">
+                                      <a:latin typeface="Cambria Math" panose="02040503050406030204" pitchFamily="18" charset="0"/>
+                                    </a:rPr>
+                                  </m:ctrlPr>
+                                </m:sSupPr>
+                                <m:e>
+                                  <m:d>
+                                    <m:dPr>
+                                      <m:ctrlPr>
+                                        <a:rPr lang="pt-BR" i="1" smtClean="0">
+                                          <a:latin typeface="Cambria Math" panose="02040503050406030204" pitchFamily="18" charset="0"/>
+                                        </a:rPr>
+                                      </m:ctrlPr>
+                                    </m:dPr>
+                                    <m:e>
+                                      <m:r>
+                                        <a:rPr lang="pt-BR" b="0" i="1" smtClean="0">
+                                          <a:latin typeface="Cambria Math" panose="02040503050406030204" pitchFamily="18" charset="0"/>
+                                        </a:rPr>
+                                        <m:t>𝑦</m:t>
+                                      </m:r>
+                                      <m:d>
+                                        <m:dPr>
+                                          <m:ctrlPr>
+                                            <a:rPr lang="pt-BR" b="0" i="1" smtClean="0">
+                                              <a:latin typeface="Cambria Math" panose="02040503050406030204" pitchFamily="18" charset="0"/>
+                                            </a:rPr>
+                                          </m:ctrlPr>
+                                        </m:dPr>
+                                        <m:e>
+                                          <m:r>
+                                            <a:rPr lang="pt-BR" b="0" i="1" smtClean="0">
+                                              <a:latin typeface="Cambria Math" panose="02040503050406030204" pitchFamily="18" charset="0"/>
+                                            </a:rPr>
+                                            <m:t>𝑛</m:t>
+                                          </m:r>
+                                        </m:e>
+                                      </m:d>
+                                      <m:r>
+                                        <a:rPr lang="pt-BR" b="0" i="1" smtClean="0">
+                                          <a:latin typeface="Cambria Math" panose="02040503050406030204" pitchFamily="18" charset="0"/>
+                                        </a:rPr>
+                                        <m:t>−</m:t>
+                                      </m:r>
+                                      <m:acc>
+                                        <m:accPr>
+                                          <m:chr m:val="̂"/>
+                                          <m:ctrlPr>
+                                            <a:rPr lang="pt-BR" i="1">
+                                              <a:latin typeface="Cambria Math" panose="02040503050406030204" pitchFamily="18" charset="0"/>
+                                            </a:rPr>
+                                          </m:ctrlPr>
+                                        </m:accPr>
+                                        <m:e>
+                                          <m:r>
+                                            <a:rPr lang="pt-BR" i="1">
+                                              <a:latin typeface="Cambria Math" panose="02040503050406030204" pitchFamily="18" charset="0"/>
+                                            </a:rPr>
+                                            <m:t>𝑦</m:t>
+                                          </m:r>
+                                        </m:e>
+                                      </m:acc>
+                                      <m:d>
+                                        <m:dPr>
+                                          <m:ctrlPr>
+                                            <a:rPr lang="pt-BR" i="1">
+                                              <a:latin typeface="Cambria Math" panose="02040503050406030204" pitchFamily="18" charset="0"/>
+                                            </a:rPr>
+                                          </m:ctrlPr>
+                                        </m:dPr>
+                                        <m:e>
+                                          <m:r>
+                                            <a:rPr lang="pt-BR" i="1">
+                                              <a:latin typeface="Cambria Math" panose="02040503050406030204" pitchFamily="18" charset="0"/>
+                                            </a:rPr>
+                                            <m:t>𝑛</m:t>
+                                          </m:r>
+                                        </m:e>
+                                      </m:d>
+                                    </m:e>
+                                  </m:d>
+                                </m:e>
+                                <m:sup>
+                                  <m:r>
+                                    <a:rPr lang="pt-BR" b="0" i="1" smtClean="0">
+                                      <a:latin typeface="Cambria Math" panose="02040503050406030204" pitchFamily="18" charset="0"/>
+                                    </a:rPr>
+                                    <m:t>2</m:t>
+                                  </m:r>
+                                </m:sup>
+                              </m:sSup>
+                            </m:e>
+                          </m:nary>
+                        </m:e>
+                      </m:d>
+                      <m:r>
+                        <a:rPr lang="pt-BR" b="1" i="1" smtClean="0">
+                          <a:latin typeface="Cambria Math" panose="02040503050406030204" pitchFamily="18" charset="0"/>
+                        </a:rPr>
+                        <m:t>.</m:t>
+                      </m:r>
+                    </m:oMath>
+                  </m:oMathPara>
+                </a14:m>
+                <a:endParaRPr lang="pt-BR" b="1" i="1" dirty="0">
+                  <a:latin typeface="Cambria Math" panose="02040503050406030204" pitchFamily="18" charset="0"/>
+                </a:endParaRPr>
+              </a:p>
+            </p:txBody>
+          </p:sp>
+        </mc:Choice>
+        <mc:Fallback>
+          <p:sp>
+            <p:nvSpPr>
+              <p:cNvPr id="3" name="Espaço Reservado para Conteúdo 2">
+                <a:extLst>
+                  <a:ext uri="{FF2B5EF4-FFF2-40B4-BE49-F238E27FC236}">
+                    <a16:creationId xmlns:a16="http://schemas.microsoft.com/office/drawing/2014/main" id="{DC5EC678-4C25-1184-B2F1-399C0F236041}"/>
+                  </a:ext>
+                </a:extLst>
+              </p:cNvPr>
+              <p:cNvSpPr>
+                <a:spLocks noGrp="1" noRot="1" noChangeAspect="1" noMove="1" noResize="1" noEditPoints="1" noAdjustHandles="1" noChangeArrowheads="1" noChangeShapeType="1" noTextEdit="1"/>
+              </p:cNvSpPr>
+              <p:nvPr>
+                <p:ph idx="1"/>
+              </p:nvPr>
+            </p:nvSpPr>
+            <p:spPr>
+              <a:xfrm>
+                <a:off x="838199" y="1825624"/>
+                <a:ext cx="11146971" cy="5032375"/>
+              </a:xfrm>
+              <a:blipFill>
+                <a:blip r:embed="rId2"/>
+                <a:stretch>
+                  <a:fillRect l="-1093" t="-1937" r="-984"/>
+                </a:stretch>
+              </a:blipFill>
+            </p:spPr>
+            <p:txBody>
+              <a:bodyPr/>
+              <a:lstStyle/>
+              <a:p>
+                <a:r>
+                  <a:rPr lang="pt-BR">
+                    <a:noFill/>
+                  </a:rPr>
+                  <a:t> </a:t>
+                </a:r>
+              </a:p>
+            </p:txBody>
+          </p:sp>
+        </mc:Fallback>
+      </mc:AlternateContent>
+    </p:spTree>
+    <p:extLst>
+      <p:ext uri="{BB962C8B-B14F-4D97-AF65-F5344CB8AC3E}">
+        <p14:creationId xmlns:p14="http://schemas.microsoft.com/office/powerpoint/2010/main" val="1761365504"/>
+      </p:ext>
+    </p:extLst>
+  </p:cSld>
+  <p:clrMapOvr>
+    <a:masterClrMapping/>
+  </p:clrMapOvr>
+</p:sld>
+</file>
+
+<file path=ppt/slides/slide35.xml><?xml version="1.0" encoding="utf-8"?>
+<p:sld xmlns:a="http://schemas.openxmlformats.org/drawingml/2006/main" xmlns:r="http://schemas.openxmlformats.org/officeDocument/2006/relationships" xmlns:p="http://schemas.openxmlformats.org/presentationml/2006/main">
+  <p:cSld>
+    <p:spTree>
+      <p:nvGrpSpPr>
+        <p:cNvPr id="1" name=""/>
+        <p:cNvGrpSpPr/>
+        <p:nvPr/>
+      </p:nvGrpSpPr>
+      <p:grpSpPr>
+        <a:xfrm>
+          <a:off x="0" y="0"/>
+          <a:ext cx="0" cy="0"/>
+          <a:chOff x="0" y="0"/>
+          <a:chExt cx="0" cy="0"/>
+        </a:xfrm>
+      </p:grpSpPr>
+      <p:sp>
+        <p:nvSpPr>
+          <p:cNvPr id="2" name="Título 1">
+            <a:extLst>
+              <a:ext uri="{FF2B5EF4-FFF2-40B4-BE49-F238E27FC236}">
+                <a16:creationId xmlns:a16="http://schemas.microsoft.com/office/drawing/2014/main" id="{5B08F244-8587-36D5-74B4-58E14CF70899}"/>
+              </a:ext>
+            </a:extLst>
+          </p:cNvPr>
+          <p:cNvSpPr>
+            <a:spLocks noGrp="1"/>
+          </p:cNvSpPr>
+          <p:nvPr>
+            <p:ph type="title"/>
+          </p:nvPr>
+        </p:nvSpPr>
+        <p:spPr/>
+        <p:txBody>
+          <a:bodyPr/>
+          <a:lstStyle/>
+          <a:p>
+            <a:r>
+              <a:rPr lang="pt-BR" dirty="0"/>
+              <a:t>Cálculo do vetor gradiente</a:t>
+            </a:r>
+          </a:p>
+        </p:txBody>
+      </p:sp>
+      <mc:AlternateContent xmlns:mc="http://schemas.openxmlformats.org/markup-compatibility/2006">
+        <mc:Choice xmlns:a14="http://schemas.microsoft.com/office/drawing/2010/main" Requires="a14">
+          <p:sp>
+            <p:nvSpPr>
+              <p:cNvPr id="3" name="Espaço Reservado para Conteúdo 2">
+                <a:extLst>
+                  <a:ext uri="{FF2B5EF4-FFF2-40B4-BE49-F238E27FC236}">
+                    <a16:creationId xmlns:a16="http://schemas.microsoft.com/office/drawing/2014/main" id="{7CF9ACC0-4818-6B4A-41ED-7792491481CA}"/>
+                  </a:ext>
+                </a:extLst>
+              </p:cNvPr>
+              <p:cNvSpPr>
+                <a:spLocks noGrp="1"/>
+              </p:cNvSpPr>
+              <p:nvPr>
+                <p:ph idx="1"/>
+              </p:nvPr>
+            </p:nvSpPr>
+            <p:spPr>
+              <a:xfrm>
+                <a:off x="838200" y="1825624"/>
+                <a:ext cx="11079822" cy="5032375"/>
+              </a:xfrm>
+            </p:spPr>
+            <p:txBody>
+              <a:bodyPr>
+                <a:normAutofit/>
+              </a:bodyPr>
+              <a:lstStyle/>
+              <a:p>
+                <a:pPr marL="0" indent="0">
+                  <a:buNone/>
+                </a:pPr>
+                <a:r>
+                  <a:rPr lang="pt-BR" dirty="0"/>
+                  <a:t>Como a operação de derivada é distributiva, podemos reescrever a equação acima como </a:t>
+                </a:r>
+              </a:p>
+              <a:p>
+                <a:pPr marL="0" indent="0">
+                  <a:buNone/>
+                </a:pPr>
+                <a14:m>
+                  <m:oMathPara xmlns:m="http://schemas.openxmlformats.org/officeDocument/2006/math">
+                    <m:oMathParaPr>
+                      <m:jc m:val="centerGroup"/>
+                    </m:oMathParaPr>
+                    <m:oMath xmlns:m="http://schemas.openxmlformats.org/officeDocument/2006/math">
+                      <m:f>
+                        <m:fPr>
+                          <m:ctrlPr>
+                            <a:rPr lang="pt-BR" i="1">
+                              <a:latin typeface="Cambria Math" panose="02040503050406030204" pitchFamily="18" charset="0"/>
+                            </a:rPr>
+                          </m:ctrlPr>
+                        </m:fPr>
+                        <m:num>
+                          <m:r>
+                            <a:rPr lang="pt-BR" i="1">
+                              <a:latin typeface="Cambria Math" panose="02040503050406030204" pitchFamily="18" charset="0"/>
+                            </a:rPr>
+                            <m:t>𝜕</m:t>
+                          </m:r>
+                          <m:sSub>
+                            <m:sSubPr>
+                              <m:ctrlPr>
+                                <a:rPr lang="pt-BR" i="1">
+                                  <a:latin typeface="Cambria Math" panose="02040503050406030204" pitchFamily="18" charset="0"/>
+                                </a:rPr>
+                              </m:ctrlPr>
+                            </m:sSubPr>
+                            <m:e>
+                              <m:r>
+                                <a:rPr lang="pt-BR" i="1">
+                                  <a:latin typeface="Cambria Math" panose="02040503050406030204" pitchFamily="18" charset="0"/>
+                                </a:rPr>
+                                <m:t>𝐽</m:t>
+                              </m:r>
+                            </m:e>
+                            <m:sub>
+                              <m:r>
+                                <a:rPr lang="pt-BR" i="1">
+                                  <a:latin typeface="Cambria Math" panose="02040503050406030204" pitchFamily="18" charset="0"/>
+                                </a:rPr>
+                                <m:t>𝑒</m:t>
+                              </m:r>
+                            </m:sub>
+                          </m:sSub>
+                          <m:d>
+                            <m:dPr>
+                              <m:ctrlPr>
+                                <a:rPr lang="pt-BR" i="1">
+                                  <a:latin typeface="Cambria Math" panose="02040503050406030204" pitchFamily="18" charset="0"/>
+                                </a:rPr>
+                              </m:ctrlPr>
+                            </m:dPr>
+                            <m:e>
+                              <m:r>
+                                <a:rPr lang="pt-BR" b="1" i="1">
+                                  <a:latin typeface="Cambria Math" panose="02040503050406030204" pitchFamily="18" charset="0"/>
+                                </a:rPr>
+                                <m:t>𝒂</m:t>
+                              </m:r>
+                            </m:e>
+                          </m:d>
+                        </m:num>
+                        <m:den>
+                          <m:r>
+                            <a:rPr lang="pt-BR" i="1">
+                              <a:latin typeface="Cambria Math" panose="02040503050406030204" pitchFamily="18" charset="0"/>
+                            </a:rPr>
+                            <m:t>𝜕</m:t>
+                          </m:r>
+                          <m:r>
+                            <a:rPr lang="pt-BR" b="1" i="1">
+                              <a:latin typeface="Cambria Math" panose="02040503050406030204" pitchFamily="18" charset="0"/>
+                            </a:rPr>
+                            <m:t>𝒂</m:t>
+                          </m:r>
+                        </m:den>
+                      </m:f>
+                      <m:r>
+                        <a:rPr lang="pt-BR" b="1" i="1">
+                          <a:latin typeface="Cambria Math" panose="02040503050406030204" pitchFamily="18" charset="0"/>
+                        </a:rPr>
+                        <m:t>=</m:t>
+                      </m:r>
+                      <m:f>
+                        <m:fPr>
+                          <m:ctrlPr>
+                            <a:rPr lang="pt-BR" i="1">
+                              <a:latin typeface="Cambria Math" panose="02040503050406030204" pitchFamily="18" charset="0"/>
+                            </a:rPr>
+                          </m:ctrlPr>
+                        </m:fPr>
+                        <m:num>
+                          <m:r>
+                            <a:rPr lang="pt-BR" i="1">
+                              <a:latin typeface="Cambria Math" panose="02040503050406030204" pitchFamily="18" charset="0"/>
+                            </a:rPr>
+                            <m:t>1</m:t>
+                          </m:r>
+                        </m:num>
+                        <m:den>
+                          <m:r>
+                            <a:rPr lang="pt-BR" i="1">
+                              <a:latin typeface="Cambria Math" panose="02040503050406030204" pitchFamily="18" charset="0"/>
+                            </a:rPr>
+                            <m:t>𝑁</m:t>
+                          </m:r>
+                        </m:den>
+                      </m:f>
+                      <m:nary>
+                        <m:naryPr>
+                          <m:chr m:val="∑"/>
+                          <m:ctrlPr>
+                            <a:rPr lang="pt-BR" i="1">
+                              <a:latin typeface="Cambria Math" panose="02040503050406030204" pitchFamily="18" charset="0"/>
+                            </a:rPr>
+                          </m:ctrlPr>
+                        </m:naryPr>
+                        <m:sub>
+                          <m:r>
+                            <m:rPr>
+                              <m:brk m:alnAt="23"/>
+                            </m:rPr>
+                            <a:rPr lang="pt-BR" i="1">
+                              <a:latin typeface="Cambria Math" panose="02040503050406030204" pitchFamily="18" charset="0"/>
+                            </a:rPr>
+                            <m:t>𝑛</m:t>
+                          </m:r>
+                          <m:r>
+                            <a:rPr lang="pt-BR" i="1">
+                              <a:latin typeface="Cambria Math" panose="02040503050406030204" pitchFamily="18" charset="0"/>
+                            </a:rPr>
+                            <m:t>=0</m:t>
+                          </m:r>
+                        </m:sub>
+                        <m:sup>
+                          <m:r>
+                            <a:rPr lang="pt-BR" i="1">
+                              <a:latin typeface="Cambria Math" panose="02040503050406030204" pitchFamily="18" charset="0"/>
+                            </a:rPr>
+                            <m:t>𝑁</m:t>
+                          </m:r>
+                          <m:r>
+                            <a:rPr lang="pt-BR" i="1">
+                              <a:latin typeface="Cambria Math" panose="02040503050406030204" pitchFamily="18" charset="0"/>
+                            </a:rPr>
+                            <m:t>−1</m:t>
+                          </m:r>
+                        </m:sup>
+                        <m:e>
+                          <m:f>
+                            <m:fPr>
+                              <m:ctrlPr>
+                                <a:rPr lang="pt-BR" i="1">
+                                  <a:latin typeface="Cambria Math" panose="02040503050406030204" pitchFamily="18" charset="0"/>
+                                </a:rPr>
+                              </m:ctrlPr>
+                            </m:fPr>
+                            <m:num>
+                              <m:r>
+                                <a:rPr lang="pt-BR" i="1">
+                                  <a:latin typeface="Cambria Math" panose="02040503050406030204" pitchFamily="18" charset="0"/>
+                                </a:rPr>
+                                <m:t>𝜕</m:t>
+                              </m:r>
+                              <m:sSup>
+                                <m:sSupPr>
+                                  <m:ctrlPr>
+                                    <a:rPr lang="pt-BR" i="1">
+                                      <a:latin typeface="Cambria Math" panose="02040503050406030204" pitchFamily="18" charset="0"/>
+                                    </a:rPr>
+                                  </m:ctrlPr>
+                                </m:sSupPr>
+                                <m:e>
+                                  <m:d>
+                                    <m:dPr>
+                                      <m:ctrlPr>
+                                        <a:rPr lang="pt-BR" i="1">
+                                          <a:latin typeface="Cambria Math" panose="02040503050406030204" pitchFamily="18" charset="0"/>
+                                        </a:rPr>
+                                      </m:ctrlPr>
+                                    </m:dPr>
+                                    <m:e>
+                                      <m:r>
+                                        <a:rPr lang="pt-BR" i="1">
+                                          <a:latin typeface="Cambria Math" panose="02040503050406030204" pitchFamily="18" charset="0"/>
+                                        </a:rPr>
+                                        <m:t>𝑦</m:t>
+                                      </m:r>
+                                      <m:d>
+                                        <m:dPr>
+                                          <m:ctrlPr>
+                                            <a:rPr lang="pt-BR" i="1">
+                                              <a:latin typeface="Cambria Math" panose="02040503050406030204" pitchFamily="18" charset="0"/>
+                                            </a:rPr>
+                                          </m:ctrlPr>
+                                        </m:dPr>
+                                        <m:e>
+                                          <m:r>
+                                            <a:rPr lang="pt-BR" i="1">
+                                              <a:latin typeface="Cambria Math" panose="02040503050406030204" pitchFamily="18" charset="0"/>
+                                            </a:rPr>
+                                            <m:t>𝑛</m:t>
+                                          </m:r>
+                                        </m:e>
+                                      </m:d>
+                                      <m:r>
+                                        <a:rPr lang="pt-BR" i="1">
+                                          <a:latin typeface="Cambria Math" panose="02040503050406030204" pitchFamily="18" charset="0"/>
+                                        </a:rPr>
+                                        <m:t>−</m:t>
+                                      </m:r>
+                                      <m:acc>
+                                        <m:accPr>
+                                          <m:chr m:val="̂"/>
+                                          <m:ctrlPr>
+                                            <a:rPr lang="pt-BR" i="1">
+                                              <a:latin typeface="Cambria Math" panose="02040503050406030204" pitchFamily="18" charset="0"/>
+                                            </a:rPr>
+                                          </m:ctrlPr>
+                                        </m:accPr>
+                                        <m:e>
+                                          <m:r>
+                                            <a:rPr lang="pt-BR" i="1">
+                                              <a:latin typeface="Cambria Math" panose="02040503050406030204" pitchFamily="18" charset="0"/>
+                                            </a:rPr>
+                                            <m:t>𝑦</m:t>
+                                          </m:r>
+                                        </m:e>
+                                      </m:acc>
+                                      <m:d>
+                                        <m:dPr>
+                                          <m:ctrlPr>
+                                            <a:rPr lang="pt-BR" i="1">
+                                              <a:latin typeface="Cambria Math" panose="02040503050406030204" pitchFamily="18" charset="0"/>
+                                            </a:rPr>
+                                          </m:ctrlPr>
+                                        </m:dPr>
+                                        <m:e>
+                                          <m:r>
+                                            <a:rPr lang="pt-BR" i="1">
+                                              <a:latin typeface="Cambria Math" panose="02040503050406030204" pitchFamily="18" charset="0"/>
+                                            </a:rPr>
+                                            <m:t>𝑛</m:t>
+                                          </m:r>
+                                        </m:e>
+                                      </m:d>
+                                    </m:e>
+                                  </m:d>
+                                </m:e>
+                                <m:sup>
+                                  <m:r>
+                                    <a:rPr lang="pt-BR" i="1">
+                                      <a:latin typeface="Cambria Math" panose="02040503050406030204" pitchFamily="18" charset="0"/>
+                                    </a:rPr>
+                                    <m:t>2</m:t>
+                                  </m:r>
+                                </m:sup>
+                              </m:sSup>
+                            </m:num>
+                            <m:den>
+                              <m:r>
+                                <a:rPr lang="pt-BR" i="1">
+                                  <a:latin typeface="Cambria Math" panose="02040503050406030204" pitchFamily="18" charset="0"/>
+                                </a:rPr>
+                                <m:t>𝜕</m:t>
+                              </m:r>
+                              <m:r>
+                                <a:rPr lang="pt-BR" b="1" i="1">
+                                  <a:latin typeface="Cambria Math" panose="02040503050406030204" pitchFamily="18" charset="0"/>
+                                </a:rPr>
+                                <m:t>𝒂</m:t>
+                              </m:r>
+                            </m:den>
+                          </m:f>
+                        </m:e>
+                      </m:nary>
+                      <m:r>
+                        <a:rPr lang="pt-BR" b="1" i="1" smtClean="0">
+                          <a:latin typeface="Cambria Math" panose="02040503050406030204" pitchFamily="18" charset="0"/>
+                        </a:rPr>
+                        <m:t>.</m:t>
+                      </m:r>
+                    </m:oMath>
+                  </m:oMathPara>
+                </a14:m>
+                <a:endParaRPr lang="pt-BR" b="1" i="1" dirty="0">
+                  <a:latin typeface="Cambria Math" panose="02040503050406030204" pitchFamily="18" charset="0"/>
+                </a:endParaRPr>
+              </a:p>
+              <a:p>
+                <a:pPr marL="0" indent="0">
+                  <a:buNone/>
+                </a:pPr>
+                <a:r>
+                  <a:rPr lang="pt-BR" sz="2900" dirty="0"/>
+                  <a:t>Substituindo a função hipótese na equação acima, temos</a:t>
+                </a:r>
+              </a:p>
+              <a:p>
+                <a:pPr marL="0" indent="0">
+                  <a:buNone/>
+                </a:pPr>
+                <a14:m>
+                  <m:oMathPara xmlns:m="http://schemas.openxmlformats.org/officeDocument/2006/math">
+                    <m:oMathParaPr>
+                      <m:jc m:val="centerGroup"/>
+                    </m:oMathParaPr>
+                    <m:oMath xmlns:m="http://schemas.openxmlformats.org/officeDocument/2006/math">
+                      <m:f>
+                        <m:fPr>
+                          <m:ctrlPr>
+                            <a:rPr lang="pt-BR" i="1" smtClean="0">
+                              <a:latin typeface="Cambria Math" panose="02040503050406030204" pitchFamily="18" charset="0"/>
+                            </a:rPr>
+                          </m:ctrlPr>
+                        </m:fPr>
+                        <m:num>
+                          <m:r>
+                            <a:rPr lang="pt-BR" i="1">
+                              <a:latin typeface="Cambria Math" panose="02040503050406030204" pitchFamily="18" charset="0"/>
+                            </a:rPr>
+                            <m:t>𝜕</m:t>
+                          </m:r>
+                          <m:sSub>
+                            <m:sSubPr>
+                              <m:ctrlPr>
+                                <a:rPr lang="pt-BR" i="1">
+                                  <a:latin typeface="Cambria Math" panose="02040503050406030204" pitchFamily="18" charset="0"/>
+                                </a:rPr>
+                              </m:ctrlPr>
+                            </m:sSubPr>
+                            <m:e>
+                              <m:r>
+                                <a:rPr lang="pt-BR" i="1">
+                                  <a:latin typeface="Cambria Math" panose="02040503050406030204" pitchFamily="18" charset="0"/>
+                                </a:rPr>
+                                <m:t>𝐽</m:t>
+                              </m:r>
+                            </m:e>
+                            <m:sub>
+                              <m:r>
+                                <a:rPr lang="pt-BR" i="1">
+                                  <a:latin typeface="Cambria Math" panose="02040503050406030204" pitchFamily="18" charset="0"/>
+                                </a:rPr>
+                                <m:t>𝑒</m:t>
+                              </m:r>
+                            </m:sub>
+                          </m:sSub>
+                          <m:d>
+                            <m:dPr>
+                              <m:ctrlPr>
+                                <a:rPr lang="pt-BR" i="1">
+                                  <a:latin typeface="Cambria Math" panose="02040503050406030204" pitchFamily="18" charset="0"/>
+                                </a:rPr>
+                              </m:ctrlPr>
+                            </m:dPr>
+                            <m:e>
+                              <m:r>
+                                <a:rPr lang="pt-BR" b="1" i="1">
+                                  <a:latin typeface="Cambria Math" panose="02040503050406030204" pitchFamily="18" charset="0"/>
+                                </a:rPr>
+                                <m:t>𝒂</m:t>
+                              </m:r>
+                            </m:e>
+                          </m:d>
+                        </m:num>
+                        <m:den>
+                          <m:r>
+                            <a:rPr lang="pt-BR" i="1">
+                              <a:latin typeface="Cambria Math" panose="02040503050406030204" pitchFamily="18" charset="0"/>
+                            </a:rPr>
+                            <m:t>𝜕</m:t>
+                          </m:r>
+                          <m:r>
+                            <a:rPr lang="pt-BR" b="1" i="1">
+                              <a:latin typeface="Cambria Math" panose="02040503050406030204" pitchFamily="18" charset="0"/>
+                            </a:rPr>
+                            <m:t>𝒂</m:t>
+                          </m:r>
+                        </m:den>
+                      </m:f>
+                      <m:r>
+                        <a:rPr lang="pt-BR" b="1" i="1">
+                          <a:latin typeface="Cambria Math" panose="02040503050406030204" pitchFamily="18" charset="0"/>
+                        </a:rPr>
+                        <m:t>=</m:t>
+                      </m:r>
+                      <m:f>
+                        <m:fPr>
+                          <m:ctrlPr>
+                            <a:rPr lang="pt-BR" i="1">
+                              <a:latin typeface="Cambria Math" panose="02040503050406030204" pitchFamily="18" charset="0"/>
+                            </a:rPr>
+                          </m:ctrlPr>
+                        </m:fPr>
+                        <m:num>
+                          <m:r>
+                            <a:rPr lang="pt-BR" i="1">
+                              <a:latin typeface="Cambria Math" panose="02040503050406030204" pitchFamily="18" charset="0"/>
+                            </a:rPr>
+                            <m:t>1</m:t>
+                          </m:r>
+                        </m:num>
+                        <m:den>
+                          <m:r>
+                            <a:rPr lang="pt-BR" i="1">
+                              <a:latin typeface="Cambria Math" panose="02040503050406030204" pitchFamily="18" charset="0"/>
+                            </a:rPr>
+                            <m:t>𝑁</m:t>
+                          </m:r>
+                        </m:den>
+                      </m:f>
+                      <m:nary>
+                        <m:naryPr>
+                          <m:chr m:val="∑"/>
+                          <m:ctrlPr>
+                            <a:rPr lang="pt-BR" i="1">
+                              <a:latin typeface="Cambria Math" panose="02040503050406030204" pitchFamily="18" charset="0"/>
+                            </a:rPr>
+                          </m:ctrlPr>
+                        </m:naryPr>
+                        <m:sub>
+                          <m:r>
+                            <m:rPr>
+                              <m:brk m:alnAt="23"/>
+                            </m:rPr>
+                            <a:rPr lang="pt-BR" i="1">
+                              <a:latin typeface="Cambria Math" panose="02040503050406030204" pitchFamily="18" charset="0"/>
+                            </a:rPr>
+                            <m:t>𝑛</m:t>
+                          </m:r>
+                          <m:r>
+                            <a:rPr lang="pt-BR" i="1">
+                              <a:latin typeface="Cambria Math" panose="02040503050406030204" pitchFamily="18" charset="0"/>
+                            </a:rPr>
+                            <m:t>=0</m:t>
+                          </m:r>
+                        </m:sub>
+                        <m:sup>
+                          <m:r>
+                            <a:rPr lang="pt-BR" i="1">
+                              <a:latin typeface="Cambria Math" panose="02040503050406030204" pitchFamily="18" charset="0"/>
+                            </a:rPr>
+                            <m:t>𝑁</m:t>
+                          </m:r>
+                          <m:r>
+                            <a:rPr lang="pt-BR" i="1">
+                              <a:latin typeface="Cambria Math" panose="02040503050406030204" pitchFamily="18" charset="0"/>
+                            </a:rPr>
+                            <m:t>−1</m:t>
+                          </m:r>
+                        </m:sup>
+                        <m:e>
+                          <m:f>
+                            <m:fPr>
+                              <m:ctrlPr>
+                                <a:rPr lang="pt-BR" i="1">
+                                  <a:latin typeface="Cambria Math" panose="02040503050406030204" pitchFamily="18" charset="0"/>
+                                </a:rPr>
+                              </m:ctrlPr>
+                            </m:fPr>
+                            <m:num>
+                              <m:r>
+                                <a:rPr lang="pt-BR" i="1">
+                                  <a:latin typeface="Cambria Math" panose="02040503050406030204" pitchFamily="18" charset="0"/>
+                                </a:rPr>
+                                <m:t>𝜕</m:t>
+                              </m:r>
+                              <m:sSup>
+                                <m:sSupPr>
+                                  <m:ctrlPr>
+                                    <a:rPr lang="pt-BR" i="1">
+                                      <a:latin typeface="Cambria Math" panose="02040503050406030204" pitchFamily="18" charset="0"/>
+                                    </a:rPr>
+                                  </m:ctrlPr>
+                                </m:sSupPr>
+                                <m:e>
+                                  <m:d>
+                                    <m:dPr>
+                                      <m:ctrlPr>
+                                        <a:rPr lang="pt-BR" i="1">
+                                          <a:latin typeface="Cambria Math" panose="02040503050406030204" pitchFamily="18" charset="0"/>
+                                        </a:rPr>
+                                      </m:ctrlPr>
+                                    </m:dPr>
+                                    <m:e>
+                                      <m:r>
+                                        <a:rPr lang="pt-BR" i="1">
+                                          <a:latin typeface="Cambria Math" panose="02040503050406030204" pitchFamily="18" charset="0"/>
+                                        </a:rPr>
+                                        <m:t>𝑦</m:t>
+                                      </m:r>
+                                      <m:d>
+                                        <m:dPr>
+                                          <m:ctrlPr>
+                                            <a:rPr lang="pt-BR" i="1">
+                                              <a:latin typeface="Cambria Math" panose="02040503050406030204" pitchFamily="18" charset="0"/>
+                                            </a:rPr>
+                                          </m:ctrlPr>
+                                        </m:dPr>
+                                        <m:e>
+                                          <m:r>
+                                            <a:rPr lang="pt-BR" i="1">
+                                              <a:latin typeface="Cambria Math" panose="02040503050406030204" pitchFamily="18" charset="0"/>
+                                            </a:rPr>
+                                            <m:t>𝑛</m:t>
+                                          </m:r>
+                                        </m:e>
+                                      </m:d>
+                                      <m:r>
+                                        <a:rPr lang="pt-BR" i="1">
+                                          <a:latin typeface="Cambria Math" panose="02040503050406030204" pitchFamily="18" charset="0"/>
+                                        </a:rPr>
+                                        <m:t>−</m:t>
+                                      </m:r>
+                                      <m:sSup>
+                                        <m:sSupPr>
+                                          <m:ctrlPr>
+                                            <a:rPr lang="pt-BR" i="1">
+                                              <a:latin typeface="Cambria Math" panose="02040503050406030204" pitchFamily="18" charset="0"/>
+                                            </a:rPr>
+                                          </m:ctrlPr>
+                                        </m:sSupPr>
+                                        <m:e>
+                                          <m:r>
+                                            <a:rPr lang="pt-BR" b="1" i="1">
+                                              <a:latin typeface="Cambria Math" panose="02040503050406030204" pitchFamily="18" charset="0"/>
+                                            </a:rPr>
+                                            <m:t>𝒂</m:t>
+                                          </m:r>
+                                        </m:e>
+                                        <m:sup>
+                                          <m:r>
+                                            <a:rPr lang="pt-BR" i="1">
+                                              <a:latin typeface="Cambria Math" panose="02040503050406030204" pitchFamily="18" charset="0"/>
+                                            </a:rPr>
+                                            <m:t>𝑇</m:t>
+                                          </m:r>
+                                        </m:sup>
+                                      </m:sSup>
+                                      <m:r>
+                                        <a:rPr lang="pt-BR" b="1" i="1">
+                                          <a:latin typeface="Cambria Math" panose="02040503050406030204" pitchFamily="18" charset="0"/>
+                                        </a:rPr>
+                                        <m:t>𝒙</m:t>
+                                      </m:r>
+                                      <m:d>
+                                        <m:dPr>
+                                          <m:ctrlPr>
+                                            <a:rPr lang="pt-BR" b="1" i="1">
+                                              <a:latin typeface="Cambria Math" panose="02040503050406030204" pitchFamily="18" charset="0"/>
+                                            </a:rPr>
+                                          </m:ctrlPr>
+                                        </m:dPr>
+                                        <m:e>
+                                          <m:r>
+                                            <a:rPr lang="pt-BR" i="1">
+                                              <a:latin typeface="Cambria Math" panose="02040503050406030204" pitchFamily="18" charset="0"/>
+                                            </a:rPr>
+                                            <m:t>𝑛</m:t>
+                                          </m:r>
+                                        </m:e>
+                                      </m:d>
+                                    </m:e>
+                                  </m:d>
+                                </m:e>
+                                <m:sup>
+                                  <m:r>
+                                    <a:rPr lang="pt-BR" i="1">
+                                      <a:latin typeface="Cambria Math" panose="02040503050406030204" pitchFamily="18" charset="0"/>
+                                    </a:rPr>
+                                    <m:t>2</m:t>
+                                  </m:r>
+                                </m:sup>
+                              </m:sSup>
+                            </m:num>
+                            <m:den>
+                              <m:r>
+                                <a:rPr lang="pt-BR" i="1">
+                                  <a:latin typeface="Cambria Math" panose="02040503050406030204" pitchFamily="18" charset="0"/>
+                                </a:rPr>
+                                <m:t>𝜕</m:t>
+                              </m:r>
+                              <m:r>
+                                <a:rPr lang="pt-BR" b="1" i="1">
+                                  <a:latin typeface="Cambria Math" panose="02040503050406030204" pitchFamily="18" charset="0"/>
+                                </a:rPr>
+                                <m:t>𝒂</m:t>
+                              </m:r>
+                            </m:den>
+                          </m:f>
+                        </m:e>
+                      </m:nary>
+                      <m:r>
+                        <a:rPr lang="pt-BR" b="1" i="1" smtClean="0">
+                          <a:latin typeface="Cambria Math" panose="02040503050406030204" pitchFamily="18" charset="0"/>
+                        </a:rPr>
+                        <m:t>.</m:t>
+                      </m:r>
+                    </m:oMath>
+                  </m:oMathPara>
+                </a14:m>
+                <a:endParaRPr lang="pt-BR" b="1" i="1" dirty="0">
+                  <a:latin typeface="Cambria Math" panose="02040503050406030204" pitchFamily="18" charset="0"/>
+                </a:endParaRPr>
+              </a:p>
+              <a:p>
+                <a:endParaRPr lang="pt-BR" dirty="0"/>
+              </a:p>
+            </p:txBody>
+          </p:sp>
+        </mc:Choice>
+        <mc:Fallback>
+          <p:sp>
+            <p:nvSpPr>
+              <p:cNvPr id="3" name="Espaço Reservado para Conteúdo 2">
+                <a:extLst>
+                  <a:ext uri="{FF2B5EF4-FFF2-40B4-BE49-F238E27FC236}">
+                    <a16:creationId xmlns:a16="http://schemas.microsoft.com/office/drawing/2014/main" id="{7CF9ACC0-4818-6B4A-41ED-7792491481CA}"/>
+                  </a:ext>
+                </a:extLst>
+              </p:cNvPr>
+              <p:cNvSpPr>
+                <a:spLocks noGrp="1" noRot="1" noChangeAspect="1" noMove="1" noResize="1" noEditPoints="1" noAdjustHandles="1" noChangeArrowheads="1" noChangeShapeType="1" noTextEdit="1"/>
+              </p:cNvSpPr>
+              <p:nvPr>
+                <p:ph idx="1"/>
+              </p:nvPr>
+            </p:nvSpPr>
+            <p:spPr>
+              <a:xfrm>
+                <a:off x="838200" y="1825624"/>
+                <a:ext cx="11079822" cy="5032375"/>
+              </a:xfrm>
+              <a:blipFill>
+                <a:blip r:embed="rId2"/>
+                <a:stretch>
+                  <a:fillRect l="-1211" t="-1937"/>
+                </a:stretch>
+              </a:blipFill>
+            </p:spPr>
+            <p:txBody>
+              <a:bodyPr/>
+              <a:lstStyle/>
+              <a:p>
+                <a:r>
+                  <a:rPr lang="pt-BR">
+                    <a:noFill/>
+                  </a:rPr>
+                  <a:t> </a:t>
+                </a:r>
+              </a:p>
+            </p:txBody>
+          </p:sp>
+        </mc:Fallback>
+      </mc:AlternateContent>
+    </p:spTree>
+    <p:extLst>
+      <p:ext uri="{BB962C8B-B14F-4D97-AF65-F5344CB8AC3E}">
+        <p14:creationId xmlns:p14="http://schemas.microsoft.com/office/powerpoint/2010/main" val="2209639640"/>
+      </p:ext>
+    </p:extLst>
+  </p:cSld>
+  <p:clrMapOvr>
+    <a:masterClrMapping/>
+  </p:clrMapOvr>
+</p:sld>
+</file>
+
+<file path=ppt/slides/slide36.xml><?xml version="1.0" encoding="utf-8"?>
+<p:sld xmlns:a="http://schemas.openxmlformats.org/drawingml/2006/main" xmlns:r="http://schemas.openxmlformats.org/officeDocument/2006/relationships" xmlns:p="http://schemas.openxmlformats.org/presentationml/2006/main">
+  <p:cSld>
+    <p:spTree>
+      <p:nvGrpSpPr>
+        <p:cNvPr id="1" name=""/>
+        <p:cNvGrpSpPr/>
+        <p:nvPr/>
+      </p:nvGrpSpPr>
+      <p:grpSpPr>
+        <a:xfrm>
+          <a:off x="0" y="0"/>
+          <a:ext cx="0" cy="0"/>
+          <a:chOff x="0" y="0"/>
+          <a:chExt cx="0" cy="0"/>
+        </a:xfrm>
+      </p:grpSpPr>
+      <p:sp>
+        <p:nvSpPr>
+          <p:cNvPr id="2" name="Título 1">
+            <a:extLst>
+              <a:ext uri="{FF2B5EF4-FFF2-40B4-BE49-F238E27FC236}">
+                <a16:creationId xmlns:a16="http://schemas.microsoft.com/office/drawing/2014/main" id="{A5EABBBB-477C-EF02-B776-2500DDBDA6F8}"/>
+              </a:ext>
+            </a:extLst>
+          </p:cNvPr>
+          <p:cNvSpPr>
+            <a:spLocks noGrp="1"/>
+          </p:cNvSpPr>
+          <p:nvPr>
+            <p:ph type="title"/>
+          </p:nvPr>
+        </p:nvSpPr>
+        <p:spPr/>
+        <p:txBody>
+          <a:bodyPr/>
+          <a:lstStyle/>
+          <a:p>
+            <a:r>
+              <a:rPr lang="pt-BR" dirty="0"/>
+              <a:t>Cálculo do vetor gradiente</a:t>
+            </a:r>
+          </a:p>
+        </p:txBody>
+      </p:sp>
+      <mc:AlternateContent xmlns:mc="http://schemas.openxmlformats.org/markup-compatibility/2006">
+        <mc:Choice xmlns:a14="http://schemas.microsoft.com/office/drawing/2010/main" Requires="a14">
+          <p:sp>
+            <p:nvSpPr>
+              <p:cNvPr id="3" name="Espaço Reservado para Conteúdo 2">
+                <a:extLst>
+                  <a:ext uri="{FF2B5EF4-FFF2-40B4-BE49-F238E27FC236}">
+                    <a16:creationId xmlns:a16="http://schemas.microsoft.com/office/drawing/2014/main" id="{44DE09F2-2B35-83A3-2A1C-AD25FB180510}"/>
+                  </a:ext>
+                </a:extLst>
+              </p:cNvPr>
+              <p:cNvSpPr>
+                <a:spLocks noGrp="1"/>
+              </p:cNvSpPr>
+              <p:nvPr>
+                <p:ph idx="1"/>
+              </p:nvPr>
+            </p:nvSpPr>
+            <p:spPr/>
+            <p:txBody>
+              <a:bodyPr/>
+              <a:lstStyle/>
+              <a:p>
+                <a:pPr marL="0" indent="0">
+                  <a:buNone/>
+                </a:pPr>
+                <a:r>
+                  <a:rPr lang="pt-BR" dirty="0"/>
+                  <a:t>Aplicando a regra da cadeia, reescrevemos a equação anterior como</a:t>
+                </a:r>
+              </a:p>
+              <a:p>
+                <a:pPr marL="0" indent="0">
+                  <a:buNone/>
+                </a:pPr>
+                <a14:m>
+                  <m:oMathPara xmlns:m="http://schemas.openxmlformats.org/officeDocument/2006/math">
+                    <m:oMathParaPr>
+                      <m:jc m:val="centerGroup"/>
+                    </m:oMathParaPr>
+                    <m:oMath xmlns:m="http://schemas.openxmlformats.org/officeDocument/2006/math">
+                      <m:f>
+                        <m:fPr>
+                          <m:ctrlPr>
+                            <a:rPr lang="pt-BR" i="1">
+                              <a:latin typeface="Cambria Math" panose="02040503050406030204" pitchFamily="18" charset="0"/>
+                            </a:rPr>
+                          </m:ctrlPr>
+                        </m:fPr>
+                        <m:num>
+                          <m:r>
+                            <a:rPr lang="pt-BR" i="1">
+                              <a:latin typeface="Cambria Math" panose="02040503050406030204" pitchFamily="18" charset="0"/>
+                            </a:rPr>
+                            <m:t>𝜕</m:t>
+                          </m:r>
+                          <m:sSub>
+                            <m:sSubPr>
+                              <m:ctrlPr>
+                                <a:rPr lang="pt-BR" i="1">
+                                  <a:latin typeface="Cambria Math" panose="02040503050406030204" pitchFamily="18" charset="0"/>
+                                </a:rPr>
+                              </m:ctrlPr>
+                            </m:sSubPr>
+                            <m:e>
+                              <m:r>
+                                <a:rPr lang="pt-BR" i="1">
+                                  <a:latin typeface="Cambria Math" panose="02040503050406030204" pitchFamily="18" charset="0"/>
+                                </a:rPr>
+                                <m:t>𝐽</m:t>
+                              </m:r>
+                            </m:e>
+                            <m:sub>
+                              <m:r>
+                                <a:rPr lang="pt-BR" i="1">
+                                  <a:latin typeface="Cambria Math" panose="02040503050406030204" pitchFamily="18" charset="0"/>
+                                </a:rPr>
+                                <m:t>𝑒</m:t>
+                              </m:r>
+                            </m:sub>
+                          </m:sSub>
+                          <m:d>
+                            <m:dPr>
+                              <m:ctrlPr>
+                                <a:rPr lang="pt-BR" i="1">
+                                  <a:latin typeface="Cambria Math" panose="02040503050406030204" pitchFamily="18" charset="0"/>
+                                </a:rPr>
+                              </m:ctrlPr>
+                            </m:dPr>
+                            <m:e>
+                              <m:r>
+                                <a:rPr lang="pt-BR" b="1" i="1">
+                                  <a:latin typeface="Cambria Math" panose="02040503050406030204" pitchFamily="18" charset="0"/>
+                                </a:rPr>
+                                <m:t>𝒂</m:t>
+                              </m:r>
+                            </m:e>
+                          </m:d>
+                        </m:num>
+                        <m:den>
+                          <m:r>
+                            <a:rPr lang="pt-BR" i="1">
+                              <a:latin typeface="Cambria Math" panose="02040503050406030204" pitchFamily="18" charset="0"/>
+                            </a:rPr>
+                            <m:t>𝜕</m:t>
+                          </m:r>
+                          <m:r>
+                            <a:rPr lang="pt-BR" b="1" i="1">
+                              <a:latin typeface="Cambria Math" panose="02040503050406030204" pitchFamily="18" charset="0"/>
+                            </a:rPr>
+                            <m:t>𝒂</m:t>
+                          </m:r>
+                        </m:den>
+                      </m:f>
+                      <m:r>
+                        <a:rPr lang="pt-BR" b="1" i="1">
+                          <a:latin typeface="Cambria Math" panose="02040503050406030204" pitchFamily="18" charset="0"/>
+                        </a:rPr>
+                        <m:t>=</m:t>
+                      </m:r>
+                      <m:r>
+                        <a:rPr lang="pt-BR" b="0" i="1" smtClean="0">
+                          <a:latin typeface="Cambria Math" panose="02040503050406030204" pitchFamily="18" charset="0"/>
+                        </a:rPr>
+                        <m:t>−</m:t>
+                      </m:r>
+                      <m:f>
+                        <m:fPr>
+                          <m:ctrlPr>
+                            <a:rPr lang="pt-BR" i="1">
+                              <a:latin typeface="Cambria Math" panose="02040503050406030204" pitchFamily="18" charset="0"/>
+                            </a:rPr>
+                          </m:ctrlPr>
+                        </m:fPr>
+                        <m:num>
+                          <m:r>
+                            <a:rPr lang="pt-BR" b="0" i="1" smtClean="0">
+                              <a:latin typeface="Cambria Math" panose="02040503050406030204" pitchFamily="18" charset="0"/>
+                            </a:rPr>
+                            <m:t>2</m:t>
+                          </m:r>
+                        </m:num>
+                        <m:den>
+                          <m:r>
+                            <a:rPr lang="pt-BR" i="1">
+                              <a:latin typeface="Cambria Math" panose="02040503050406030204" pitchFamily="18" charset="0"/>
+                            </a:rPr>
+                            <m:t>𝑁</m:t>
+                          </m:r>
+                        </m:den>
+                      </m:f>
+                      <m:nary>
+                        <m:naryPr>
+                          <m:chr m:val="∑"/>
+                          <m:ctrlPr>
+                            <a:rPr lang="pt-BR" i="1">
+                              <a:latin typeface="Cambria Math" panose="02040503050406030204" pitchFamily="18" charset="0"/>
+                            </a:rPr>
+                          </m:ctrlPr>
+                        </m:naryPr>
+                        <m:sub>
+                          <m:r>
+                            <m:rPr>
+                              <m:brk m:alnAt="23"/>
+                            </m:rPr>
+                            <a:rPr lang="pt-BR" i="1">
+                              <a:latin typeface="Cambria Math" panose="02040503050406030204" pitchFamily="18" charset="0"/>
+                            </a:rPr>
+                            <m:t>𝑛</m:t>
+                          </m:r>
+                          <m:r>
+                            <a:rPr lang="pt-BR" i="1">
+                              <a:latin typeface="Cambria Math" panose="02040503050406030204" pitchFamily="18" charset="0"/>
+                            </a:rPr>
+                            <m:t>=0</m:t>
+                          </m:r>
+                        </m:sub>
+                        <m:sup>
+                          <m:r>
+                            <a:rPr lang="pt-BR" i="1">
+                              <a:latin typeface="Cambria Math" panose="02040503050406030204" pitchFamily="18" charset="0"/>
+                            </a:rPr>
+                            <m:t>𝑁</m:t>
+                          </m:r>
+                          <m:r>
+                            <a:rPr lang="pt-BR" i="1">
+                              <a:latin typeface="Cambria Math" panose="02040503050406030204" pitchFamily="18" charset="0"/>
+                            </a:rPr>
+                            <m:t>−1</m:t>
+                          </m:r>
+                        </m:sup>
+                        <m:e>
+                          <m:d>
+                            <m:dPr>
+                              <m:ctrlPr>
+                                <a:rPr lang="pt-BR" i="1" smtClean="0">
+                                  <a:latin typeface="Cambria Math" panose="02040503050406030204" pitchFamily="18" charset="0"/>
+                                </a:rPr>
+                              </m:ctrlPr>
+                            </m:dPr>
+                            <m:e>
+                              <m:r>
+                                <a:rPr lang="pt-BR" i="1">
+                                  <a:latin typeface="Cambria Math" panose="02040503050406030204" pitchFamily="18" charset="0"/>
+                                </a:rPr>
+                                <m:t>𝑦</m:t>
+                              </m:r>
+                              <m:d>
+                                <m:dPr>
+                                  <m:ctrlPr>
+                                    <a:rPr lang="pt-BR" i="1">
+                                      <a:latin typeface="Cambria Math" panose="02040503050406030204" pitchFamily="18" charset="0"/>
+                                    </a:rPr>
+                                  </m:ctrlPr>
+                                </m:dPr>
+                                <m:e>
+                                  <m:r>
+                                    <a:rPr lang="pt-BR" i="1">
+                                      <a:latin typeface="Cambria Math" panose="02040503050406030204" pitchFamily="18" charset="0"/>
+                                    </a:rPr>
+                                    <m:t>𝑛</m:t>
+                                  </m:r>
+                                </m:e>
+                              </m:d>
+                              <m:r>
+                                <a:rPr lang="pt-BR" i="1">
+                                  <a:latin typeface="Cambria Math" panose="02040503050406030204" pitchFamily="18" charset="0"/>
+                                </a:rPr>
+                                <m:t>−</m:t>
+                              </m:r>
+                              <m:sSup>
+                                <m:sSupPr>
+                                  <m:ctrlPr>
+                                    <a:rPr lang="pt-BR" i="1">
+                                      <a:latin typeface="Cambria Math" panose="02040503050406030204" pitchFamily="18" charset="0"/>
+                                    </a:rPr>
+                                  </m:ctrlPr>
+                                </m:sSupPr>
+                                <m:e>
+                                  <m:r>
+                                    <a:rPr lang="pt-BR" b="1" i="1">
+                                      <a:latin typeface="Cambria Math" panose="02040503050406030204" pitchFamily="18" charset="0"/>
+                                    </a:rPr>
+                                    <m:t>𝒂</m:t>
+                                  </m:r>
+                                </m:e>
+                                <m:sup>
+                                  <m:r>
+                                    <a:rPr lang="pt-BR" i="1">
+                                      <a:latin typeface="Cambria Math" panose="02040503050406030204" pitchFamily="18" charset="0"/>
+                                    </a:rPr>
+                                    <m:t>𝑇</m:t>
+                                  </m:r>
+                                </m:sup>
+                              </m:sSup>
+                              <m:r>
+                                <a:rPr lang="pt-BR" b="1" i="1">
+                                  <a:latin typeface="Cambria Math" panose="02040503050406030204" pitchFamily="18" charset="0"/>
+                                </a:rPr>
+                                <m:t>𝒙</m:t>
+                              </m:r>
+                              <m:d>
+                                <m:dPr>
+                                  <m:ctrlPr>
+                                    <a:rPr lang="pt-BR" b="1" i="1">
+                                      <a:latin typeface="Cambria Math" panose="02040503050406030204" pitchFamily="18" charset="0"/>
+                                    </a:rPr>
+                                  </m:ctrlPr>
+                                </m:dPr>
+                                <m:e>
+                                  <m:r>
+                                    <a:rPr lang="pt-BR" i="1">
+                                      <a:latin typeface="Cambria Math" panose="02040503050406030204" pitchFamily="18" charset="0"/>
+                                    </a:rPr>
+                                    <m:t>𝑛</m:t>
+                                  </m:r>
+                                </m:e>
+                              </m:d>
+                            </m:e>
+                          </m:d>
+                          <m:f>
+                            <m:fPr>
+                              <m:ctrlPr>
+                                <a:rPr lang="pt-BR" i="1" smtClean="0">
+                                  <a:latin typeface="Cambria Math" panose="02040503050406030204" pitchFamily="18" charset="0"/>
+                                </a:rPr>
+                              </m:ctrlPr>
+                            </m:fPr>
+                            <m:num>
+                              <m:r>
+                                <a:rPr lang="pt-BR" i="1">
+                                  <a:latin typeface="Cambria Math" panose="02040503050406030204" pitchFamily="18" charset="0"/>
+                                </a:rPr>
+                                <m:t>𝜕</m:t>
+                              </m:r>
+                              <m:sSup>
+                                <m:sSupPr>
+                                  <m:ctrlPr>
+                                    <a:rPr lang="pt-BR" i="1">
+                                      <a:latin typeface="Cambria Math" panose="02040503050406030204" pitchFamily="18" charset="0"/>
+                                    </a:rPr>
+                                  </m:ctrlPr>
+                                </m:sSupPr>
+                                <m:e>
+                                  <m:r>
+                                    <a:rPr lang="pt-BR" b="1" i="1">
+                                      <a:latin typeface="Cambria Math" panose="02040503050406030204" pitchFamily="18" charset="0"/>
+                                    </a:rPr>
+                                    <m:t>𝒂</m:t>
+                                  </m:r>
+                                </m:e>
+                                <m:sup>
+                                  <m:r>
+                                    <a:rPr lang="pt-BR" i="1">
+                                      <a:latin typeface="Cambria Math" panose="02040503050406030204" pitchFamily="18" charset="0"/>
+                                    </a:rPr>
+                                    <m:t>𝑇</m:t>
+                                  </m:r>
+                                </m:sup>
+                              </m:sSup>
+                              <m:r>
+                                <a:rPr lang="pt-BR" b="1" i="1">
+                                  <a:latin typeface="Cambria Math" panose="02040503050406030204" pitchFamily="18" charset="0"/>
+                                </a:rPr>
+                                <m:t>𝒙</m:t>
+                              </m:r>
+                              <m:d>
+                                <m:dPr>
+                                  <m:ctrlPr>
+                                    <a:rPr lang="pt-BR" b="1" i="1">
+                                      <a:latin typeface="Cambria Math" panose="02040503050406030204" pitchFamily="18" charset="0"/>
+                                    </a:rPr>
+                                  </m:ctrlPr>
+                                </m:dPr>
+                                <m:e>
+                                  <m:r>
+                                    <a:rPr lang="pt-BR" i="1">
+                                      <a:latin typeface="Cambria Math" panose="02040503050406030204" pitchFamily="18" charset="0"/>
+                                    </a:rPr>
+                                    <m:t>𝑛</m:t>
+                                  </m:r>
+                                </m:e>
+                              </m:d>
+                            </m:num>
+                            <m:den>
+                              <m:r>
+                                <a:rPr lang="pt-BR" i="1">
+                                  <a:latin typeface="Cambria Math" panose="02040503050406030204" pitchFamily="18" charset="0"/>
+                                </a:rPr>
+                                <m:t>𝜕</m:t>
+                              </m:r>
+                              <m:r>
+                                <a:rPr lang="pt-BR" b="1" i="1">
+                                  <a:latin typeface="Cambria Math" panose="02040503050406030204" pitchFamily="18" charset="0"/>
+                                </a:rPr>
+                                <m:t>𝒂</m:t>
+                              </m:r>
+                            </m:den>
+                          </m:f>
+                        </m:e>
+                      </m:nary>
+                      <m:r>
+                        <a:rPr lang="pt-BR" b="1" i="1" smtClean="0">
+                          <a:latin typeface="Cambria Math" panose="02040503050406030204" pitchFamily="18" charset="0"/>
+                        </a:rPr>
+                        <m:t>.</m:t>
+                      </m:r>
+                    </m:oMath>
+                  </m:oMathPara>
+                </a14:m>
+                <a:endParaRPr lang="pt-BR" b="1" i="1" dirty="0">
+                  <a:latin typeface="Cambria Math" panose="02040503050406030204" pitchFamily="18" charset="0"/>
+                </a:endParaRPr>
+              </a:p>
+              <a:p>
+                <a:pPr marL="0" indent="0">
+                  <a:buNone/>
+                </a:pPr>
+                <a:r>
+                  <a:rPr lang="pt-BR" sz="2900" dirty="0"/>
+                  <a:t>Sabendo que a derivada de </a:t>
+                </a:r>
+                <a14:m>
+                  <m:oMath xmlns:m="http://schemas.openxmlformats.org/officeDocument/2006/math">
+                    <m:f>
+                      <m:fPr>
+                        <m:ctrlPr>
+                          <a:rPr lang="pt-BR" i="1" smtClean="0">
+                            <a:latin typeface="Cambria Math" panose="02040503050406030204" pitchFamily="18" charset="0"/>
+                          </a:rPr>
+                        </m:ctrlPr>
+                      </m:fPr>
+                      <m:num>
+                        <m:r>
+                          <a:rPr lang="pt-BR" i="1">
+                            <a:latin typeface="Cambria Math" panose="02040503050406030204" pitchFamily="18" charset="0"/>
+                          </a:rPr>
+                          <m:t>𝜕</m:t>
+                        </m:r>
+                        <m:sSup>
+                          <m:sSupPr>
+                            <m:ctrlPr>
+                              <a:rPr lang="pt-BR" i="1">
+                                <a:latin typeface="Cambria Math" panose="02040503050406030204" pitchFamily="18" charset="0"/>
+                              </a:rPr>
+                            </m:ctrlPr>
+                          </m:sSupPr>
+                          <m:e>
+                            <m:r>
+                              <a:rPr lang="pt-BR" b="1" i="1">
+                                <a:latin typeface="Cambria Math" panose="02040503050406030204" pitchFamily="18" charset="0"/>
+                              </a:rPr>
+                              <m:t>𝒂</m:t>
+                            </m:r>
+                          </m:e>
+                          <m:sup>
+                            <m:r>
+                              <a:rPr lang="pt-BR" i="1">
+                                <a:latin typeface="Cambria Math" panose="02040503050406030204" pitchFamily="18" charset="0"/>
+                              </a:rPr>
+                              <m:t>𝑇</m:t>
+                            </m:r>
+                          </m:sup>
+                        </m:sSup>
+                        <m:r>
+                          <a:rPr lang="pt-BR" b="1" i="1">
+                            <a:latin typeface="Cambria Math" panose="02040503050406030204" pitchFamily="18" charset="0"/>
+                          </a:rPr>
+                          <m:t>𝒙</m:t>
+                        </m:r>
+                        <m:d>
+                          <m:dPr>
+                            <m:ctrlPr>
+                              <a:rPr lang="pt-BR" b="1" i="1">
+                                <a:latin typeface="Cambria Math" panose="02040503050406030204" pitchFamily="18" charset="0"/>
+                              </a:rPr>
+                            </m:ctrlPr>
+                          </m:dPr>
+                          <m:e>
+                            <m:r>
+                              <a:rPr lang="pt-BR" i="1">
+                                <a:latin typeface="Cambria Math" panose="02040503050406030204" pitchFamily="18" charset="0"/>
+                              </a:rPr>
+                              <m:t>𝑛</m:t>
+                            </m:r>
+                          </m:e>
+                        </m:d>
+                      </m:num>
+                      <m:den>
+                        <m:r>
+                          <a:rPr lang="pt-BR" i="1">
+                            <a:latin typeface="Cambria Math" panose="02040503050406030204" pitchFamily="18" charset="0"/>
+                          </a:rPr>
+                          <m:t>𝜕</m:t>
+                        </m:r>
+                        <m:r>
+                          <a:rPr lang="pt-BR" b="1" i="1">
+                            <a:latin typeface="Cambria Math" panose="02040503050406030204" pitchFamily="18" charset="0"/>
+                          </a:rPr>
+                          <m:t>𝒂</m:t>
+                        </m:r>
+                      </m:den>
+                    </m:f>
+                  </m:oMath>
+                </a14:m>
+                <a:r>
+                  <a:rPr lang="pt-BR" b="1" i="1" dirty="0">
+                    <a:latin typeface="Cambria Math" panose="02040503050406030204" pitchFamily="18" charset="0"/>
+                  </a:rPr>
+                  <a:t> </a:t>
+                </a:r>
+                <a:r>
+                  <a:rPr lang="pt-BR" sz="2900" dirty="0"/>
+                  <a:t>é igual a </a:t>
+                </a:r>
+                <a14:m>
+                  <m:oMath xmlns:m="http://schemas.openxmlformats.org/officeDocument/2006/math">
+                    <m:r>
+                      <a:rPr lang="pt-BR" b="1" i="1">
+                        <a:latin typeface="Cambria Math" panose="02040503050406030204" pitchFamily="18" charset="0"/>
+                      </a:rPr>
+                      <m:t>𝒙</m:t>
+                    </m:r>
+                    <m:d>
+                      <m:dPr>
+                        <m:ctrlPr>
+                          <a:rPr lang="pt-BR" b="1" i="1">
+                            <a:latin typeface="Cambria Math" panose="02040503050406030204" pitchFamily="18" charset="0"/>
+                          </a:rPr>
+                        </m:ctrlPr>
+                      </m:dPr>
+                      <m:e>
+                        <m:r>
+                          <a:rPr lang="pt-BR" i="1">
+                            <a:latin typeface="Cambria Math" panose="02040503050406030204" pitchFamily="18" charset="0"/>
+                          </a:rPr>
+                          <m:t>𝑛</m:t>
+                        </m:r>
+                      </m:e>
+                    </m:d>
+                  </m:oMath>
+                </a14:m>
+                <a:r>
+                  <a:rPr lang="pt-BR" dirty="0"/>
+                  <a:t>, reescrevemos a equação anterior como</a:t>
+                </a:r>
+                <a:endParaRPr lang="pt-BR" sz="2900" dirty="0"/>
+              </a:p>
+              <a:p>
+                <a:pPr marL="0" indent="0">
+                  <a:buNone/>
+                </a:pPr>
+                <a14:m>
+                  <m:oMathPara xmlns:m="http://schemas.openxmlformats.org/officeDocument/2006/math">
+                    <m:oMathParaPr>
+                      <m:jc m:val="centerGroup"/>
+                    </m:oMathParaPr>
+                    <m:oMath xmlns:m="http://schemas.openxmlformats.org/officeDocument/2006/math">
+                      <m:f>
+                        <m:fPr>
+                          <m:ctrlPr>
+                            <a:rPr lang="pt-BR" i="1">
+                              <a:latin typeface="Cambria Math" panose="02040503050406030204" pitchFamily="18" charset="0"/>
+                            </a:rPr>
+                          </m:ctrlPr>
+                        </m:fPr>
+                        <m:num>
+                          <m:r>
+                            <a:rPr lang="pt-BR" i="1">
+                              <a:latin typeface="Cambria Math" panose="02040503050406030204" pitchFamily="18" charset="0"/>
+                            </a:rPr>
+                            <m:t>𝜕</m:t>
+                          </m:r>
+                          <m:sSub>
+                            <m:sSubPr>
+                              <m:ctrlPr>
+                                <a:rPr lang="pt-BR" i="1">
+                                  <a:latin typeface="Cambria Math" panose="02040503050406030204" pitchFamily="18" charset="0"/>
+                                </a:rPr>
+                              </m:ctrlPr>
+                            </m:sSubPr>
+                            <m:e>
+                              <m:r>
+                                <a:rPr lang="pt-BR" i="1">
+                                  <a:latin typeface="Cambria Math" panose="02040503050406030204" pitchFamily="18" charset="0"/>
+                                </a:rPr>
+                                <m:t>𝐽</m:t>
+                              </m:r>
+                            </m:e>
+                            <m:sub>
+                              <m:r>
+                                <a:rPr lang="pt-BR" i="1">
+                                  <a:latin typeface="Cambria Math" panose="02040503050406030204" pitchFamily="18" charset="0"/>
+                                </a:rPr>
+                                <m:t>𝑒</m:t>
+                              </m:r>
+                            </m:sub>
+                          </m:sSub>
+                          <m:d>
+                            <m:dPr>
+                              <m:ctrlPr>
+                                <a:rPr lang="pt-BR" i="1">
+                                  <a:latin typeface="Cambria Math" panose="02040503050406030204" pitchFamily="18" charset="0"/>
+                                </a:rPr>
+                              </m:ctrlPr>
+                            </m:dPr>
+                            <m:e>
+                              <m:r>
+                                <a:rPr lang="pt-BR" b="1" i="1">
+                                  <a:latin typeface="Cambria Math" panose="02040503050406030204" pitchFamily="18" charset="0"/>
+                                </a:rPr>
+                                <m:t>𝒂</m:t>
+                              </m:r>
+                            </m:e>
+                          </m:d>
+                        </m:num>
+                        <m:den>
+                          <m:r>
+                            <a:rPr lang="pt-BR" i="1">
+                              <a:latin typeface="Cambria Math" panose="02040503050406030204" pitchFamily="18" charset="0"/>
+                            </a:rPr>
+                            <m:t>𝜕</m:t>
+                          </m:r>
+                          <m:r>
+                            <a:rPr lang="pt-BR" b="1" i="1">
+                              <a:latin typeface="Cambria Math" panose="02040503050406030204" pitchFamily="18" charset="0"/>
+                            </a:rPr>
+                            <m:t>𝒂</m:t>
+                          </m:r>
+                        </m:den>
+                      </m:f>
+                      <m:r>
+                        <a:rPr lang="pt-BR" b="1" i="1">
+                          <a:latin typeface="Cambria Math" panose="02040503050406030204" pitchFamily="18" charset="0"/>
+                        </a:rPr>
+                        <m:t>= </m:t>
+                      </m:r>
+                      <m:r>
+                        <a:rPr lang="pt-BR" b="0" i="1" smtClean="0">
+                          <a:latin typeface="Cambria Math" panose="02040503050406030204" pitchFamily="18" charset="0"/>
+                        </a:rPr>
+                        <m:t>−</m:t>
+                      </m:r>
+                      <m:f>
+                        <m:fPr>
+                          <m:ctrlPr>
+                            <a:rPr lang="pt-BR" i="1">
+                              <a:latin typeface="Cambria Math" panose="02040503050406030204" pitchFamily="18" charset="0"/>
+                            </a:rPr>
+                          </m:ctrlPr>
+                        </m:fPr>
+                        <m:num>
+                          <m:r>
+                            <a:rPr lang="pt-BR" b="0" i="1" smtClean="0">
+                              <a:latin typeface="Cambria Math" panose="02040503050406030204" pitchFamily="18" charset="0"/>
+                            </a:rPr>
+                            <m:t>2</m:t>
+                          </m:r>
+                        </m:num>
+                        <m:den>
+                          <m:r>
+                            <a:rPr lang="pt-BR" i="1">
+                              <a:latin typeface="Cambria Math" panose="02040503050406030204" pitchFamily="18" charset="0"/>
+                            </a:rPr>
+                            <m:t>𝑁</m:t>
+                          </m:r>
+                        </m:den>
+                      </m:f>
+                      <m:nary>
+                        <m:naryPr>
+                          <m:chr m:val="∑"/>
+                          <m:ctrlPr>
+                            <a:rPr lang="pt-BR" i="1">
+                              <a:latin typeface="Cambria Math" panose="02040503050406030204" pitchFamily="18" charset="0"/>
+                            </a:rPr>
+                          </m:ctrlPr>
+                        </m:naryPr>
+                        <m:sub>
+                          <m:r>
+                            <a:rPr lang="pt-BR" b="0" i="1" smtClean="0">
+                              <a:latin typeface="Cambria Math" panose="02040503050406030204" pitchFamily="18" charset="0"/>
+                            </a:rPr>
+                            <m:t>𝑛</m:t>
+                          </m:r>
+                          <m:r>
+                            <a:rPr lang="pt-BR" i="1">
+                              <a:latin typeface="Cambria Math" panose="02040503050406030204" pitchFamily="18" charset="0"/>
+                            </a:rPr>
+                            <m:t>=0</m:t>
+                          </m:r>
+                        </m:sub>
+                        <m:sup>
+                          <m:r>
+                            <a:rPr lang="pt-BR" i="1">
+                              <a:latin typeface="Cambria Math" panose="02040503050406030204" pitchFamily="18" charset="0"/>
+                            </a:rPr>
+                            <m:t>𝑁</m:t>
+                          </m:r>
+                          <m:r>
+                            <a:rPr lang="pt-BR" i="1">
+                              <a:latin typeface="Cambria Math" panose="02040503050406030204" pitchFamily="18" charset="0"/>
+                            </a:rPr>
+                            <m:t>−1</m:t>
+                          </m:r>
+                        </m:sup>
+                        <m:e>
+                          <m:d>
+                            <m:dPr>
+                              <m:begChr m:val="["/>
+                              <m:endChr m:val="]"/>
+                              <m:ctrlPr>
+                                <a:rPr lang="pt-BR" i="1">
+                                  <a:latin typeface="Cambria Math" panose="02040503050406030204" pitchFamily="18" charset="0"/>
+                                </a:rPr>
+                              </m:ctrlPr>
+                            </m:dPr>
+                            <m:e>
+                              <m:r>
+                                <a:rPr lang="pt-BR" i="1">
+                                  <a:latin typeface="Cambria Math" panose="02040503050406030204" pitchFamily="18" charset="0"/>
+                                </a:rPr>
+                                <m:t>𝑦</m:t>
+                              </m:r>
+                              <m:d>
+                                <m:dPr>
+                                  <m:ctrlPr>
+                                    <a:rPr lang="pt-BR" i="1">
+                                      <a:latin typeface="Cambria Math" panose="02040503050406030204" pitchFamily="18" charset="0"/>
+                                    </a:rPr>
+                                  </m:ctrlPr>
+                                </m:dPr>
+                                <m:e>
+                                  <m:r>
+                                    <a:rPr lang="pt-BR" b="0" i="1" smtClean="0">
+                                      <a:latin typeface="Cambria Math" panose="02040503050406030204" pitchFamily="18" charset="0"/>
+                                    </a:rPr>
+                                    <m:t>𝑛</m:t>
+                                  </m:r>
+                                </m:e>
+                              </m:d>
+                              <m:r>
+                                <a:rPr lang="pt-BR" i="1">
+                                  <a:latin typeface="Cambria Math" panose="02040503050406030204" pitchFamily="18" charset="0"/>
+                                </a:rPr>
+                                <m:t>−</m:t>
+                              </m:r>
+                              <m:acc>
+                                <m:accPr>
+                                  <m:chr m:val="̂"/>
+                                  <m:ctrlPr>
+                                    <a:rPr lang="pt-BR" i="1">
+                                      <a:latin typeface="Cambria Math" panose="02040503050406030204" pitchFamily="18" charset="0"/>
+                                    </a:rPr>
+                                  </m:ctrlPr>
+                                </m:accPr>
+                                <m:e>
+                                  <m:r>
+                                    <a:rPr lang="pt-BR" i="1">
+                                      <a:latin typeface="Cambria Math" panose="02040503050406030204" pitchFamily="18" charset="0"/>
+                                    </a:rPr>
+                                    <m:t>𝑦</m:t>
+                                  </m:r>
+                                </m:e>
+                              </m:acc>
+                              <m:d>
+                                <m:dPr>
+                                  <m:ctrlPr>
+                                    <a:rPr lang="pt-BR" i="1">
+                                      <a:latin typeface="Cambria Math" panose="02040503050406030204" pitchFamily="18" charset="0"/>
+                                    </a:rPr>
+                                  </m:ctrlPr>
+                                </m:dPr>
+                                <m:e>
+                                  <m:r>
+                                    <a:rPr lang="pt-BR" i="1">
+                                      <a:latin typeface="Cambria Math" panose="02040503050406030204" pitchFamily="18" charset="0"/>
+                                    </a:rPr>
+                                    <m:t>𝑛</m:t>
+                                  </m:r>
+                                </m:e>
+                              </m:d>
+                            </m:e>
+                          </m:d>
+                          <m:r>
+                            <a:rPr lang="pt-BR" b="1" i="1" smtClean="0">
+                              <a:latin typeface="Cambria Math" panose="02040503050406030204" pitchFamily="18" charset="0"/>
+                            </a:rPr>
+                            <m:t>𝒙</m:t>
+                          </m:r>
+                          <m:d>
+                            <m:dPr>
+                              <m:ctrlPr>
+                                <a:rPr lang="pt-BR" b="0" i="1" smtClean="0">
+                                  <a:latin typeface="Cambria Math" panose="02040503050406030204" pitchFamily="18" charset="0"/>
+                                </a:rPr>
+                              </m:ctrlPr>
+                            </m:dPr>
+                            <m:e>
+                              <m:r>
+                                <a:rPr lang="pt-BR" b="0" i="1" smtClean="0">
+                                  <a:latin typeface="Cambria Math" panose="02040503050406030204" pitchFamily="18" charset="0"/>
+                                </a:rPr>
+                                <m:t>𝑛</m:t>
+                              </m:r>
+                            </m:e>
+                          </m:d>
+                        </m:e>
+                      </m:nary>
+                      <m:r>
+                        <a:rPr lang="pt-BR" b="0" i="1" smtClean="0">
+                          <a:latin typeface="Cambria Math" panose="02040503050406030204" pitchFamily="18" charset="0"/>
+                        </a:rPr>
+                        <m:t>.</m:t>
+                      </m:r>
+                    </m:oMath>
+                  </m:oMathPara>
+                </a14:m>
+                <a:endParaRPr lang="pt-BR" dirty="0"/>
+              </a:p>
+              <a:p>
+                <a:endParaRPr lang="pt-BR" dirty="0"/>
+              </a:p>
+            </p:txBody>
+          </p:sp>
+        </mc:Choice>
+        <mc:Fallback>
+          <p:sp>
+            <p:nvSpPr>
+              <p:cNvPr id="3" name="Espaço Reservado para Conteúdo 2">
+                <a:extLst>
+                  <a:ext uri="{FF2B5EF4-FFF2-40B4-BE49-F238E27FC236}">
+                    <a16:creationId xmlns:a16="http://schemas.microsoft.com/office/drawing/2014/main" id="{44DE09F2-2B35-83A3-2A1C-AD25FB180510}"/>
+                  </a:ext>
+                </a:extLst>
+              </p:cNvPr>
+              <p:cNvSpPr>
+                <a:spLocks noGrp="1" noRot="1" noChangeAspect="1" noMove="1" noResize="1" noEditPoints="1" noAdjustHandles="1" noChangeArrowheads="1" noChangeShapeType="1" noTextEdit="1"/>
+              </p:cNvSpPr>
+              <p:nvPr>
+                <p:ph idx="1"/>
+              </p:nvPr>
+            </p:nvSpPr>
+            <p:spPr>
+              <a:blipFill>
+                <a:blip r:embed="rId2"/>
+                <a:stretch>
+                  <a:fillRect l="-1275" t="-2241"/>
+                </a:stretch>
+              </a:blipFill>
+            </p:spPr>
+            <p:txBody>
+              <a:bodyPr/>
+              <a:lstStyle/>
+              <a:p>
+                <a:r>
+                  <a:rPr lang="pt-BR">
+                    <a:noFill/>
+                  </a:rPr>
+                  <a:t> </a:t>
+                </a:r>
+              </a:p>
+            </p:txBody>
+          </p:sp>
+        </mc:Fallback>
+      </mc:AlternateContent>
+    </p:spTree>
+    <p:extLst>
+      <p:ext uri="{BB962C8B-B14F-4D97-AF65-F5344CB8AC3E}">
+        <p14:creationId xmlns:p14="http://schemas.microsoft.com/office/powerpoint/2010/main" val="3466604833"/>
+      </p:ext>
+    </p:extLst>
+  </p:cSld>
+  <p:clrMapOvr>
+    <a:masterClrMapping/>
+  </p:clrMapOvr>
+</p:sld>
+</file>
+
+<file path=ppt/slides/slide37.xml><?xml version="1.0" encoding="utf-8"?>
+<p:sld xmlns:a="http://schemas.openxmlformats.org/drawingml/2006/main" xmlns:r="http://schemas.openxmlformats.org/officeDocument/2006/relationships" xmlns:p="http://schemas.openxmlformats.org/presentationml/2006/main">
+  <p:cSld>
+    <p:spTree>
+      <p:nvGrpSpPr>
+        <p:cNvPr id="1" name=""/>
+        <p:cNvGrpSpPr/>
+        <p:nvPr/>
+      </p:nvGrpSpPr>
+      <p:grpSpPr>
+        <a:xfrm>
+          <a:off x="0" y="0"/>
+          <a:ext cx="0" cy="0"/>
+          <a:chOff x="0" y="0"/>
+          <a:chExt cx="0" cy="0"/>
+        </a:xfrm>
+      </p:grpSpPr>
+      <p:sp>
+        <p:nvSpPr>
+          <p:cNvPr id="2" name="Título 1">
+            <a:extLst>
+              <a:ext uri="{FF2B5EF4-FFF2-40B4-BE49-F238E27FC236}">
+                <a16:creationId xmlns:a16="http://schemas.microsoft.com/office/drawing/2014/main" id="{9AEE0937-F834-88AD-E3E6-94886F7D8D32}"/>
+              </a:ext>
+            </a:extLst>
+          </p:cNvPr>
+          <p:cNvSpPr>
+            <a:spLocks noGrp="1"/>
+          </p:cNvSpPr>
+          <p:nvPr>
+            <p:ph type="title"/>
+          </p:nvPr>
+        </p:nvSpPr>
+        <p:spPr/>
+        <p:txBody>
+          <a:bodyPr/>
+          <a:lstStyle/>
+          <a:p>
+            <a:r>
+              <a:rPr lang="pt-BR" dirty="0"/>
+              <a:t>Cálculo do vetor gradiente</a:t>
+            </a:r>
+          </a:p>
+        </p:txBody>
+      </p:sp>
+      <mc:AlternateContent xmlns:mc="http://schemas.openxmlformats.org/markup-compatibility/2006">
+        <mc:Choice xmlns:a14="http://schemas.microsoft.com/office/drawing/2010/main" Requires="a14">
+          <p:sp>
+            <p:nvSpPr>
+              <p:cNvPr id="3" name="Espaço Reservado para Conteúdo 2">
+                <a:extLst>
+                  <a:ext uri="{FF2B5EF4-FFF2-40B4-BE49-F238E27FC236}">
+                    <a16:creationId xmlns:a16="http://schemas.microsoft.com/office/drawing/2014/main" id="{B047B17F-DE79-FCF4-4732-AC53E27E5744}"/>
+                  </a:ext>
+                </a:extLst>
+              </p:cNvPr>
+              <p:cNvSpPr>
+                <a:spLocks noGrp="1"/>
+              </p:cNvSpPr>
+              <p:nvPr>
+                <p:ph idx="1"/>
+              </p:nvPr>
+            </p:nvSpPr>
+            <p:spPr>
+              <a:xfrm>
+                <a:off x="838199" y="1825625"/>
+                <a:ext cx="11120919" cy="5032375"/>
+              </a:xfrm>
+            </p:spPr>
+            <p:txBody>
+              <a:bodyPr/>
+              <a:lstStyle/>
+              <a:p>
+                <a:pPr marL="0" indent="0">
+                  <a:buNone/>
+                </a:pPr>
+                <a:r>
+                  <a:rPr lang="pt-BR" dirty="0"/>
+                  <a:t>Fazendo</a:t>
+                </a:r>
+                <a:r>
+                  <a:rPr lang="pt-BR" i="1" dirty="0">
+                    <a:latin typeface="Cambria Math" panose="02040503050406030204" pitchFamily="18" charset="0"/>
+                  </a:rPr>
+                  <a:t> </a:t>
+                </a:r>
+                <a14:m>
+                  <m:oMath xmlns:m="http://schemas.openxmlformats.org/officeDocument/2006/math">
+                    <m:r>
+                      <a:rPr lang="pt-BR" i="1" smtClean="0">
+                        <a:latin typeface="Cambria Math" panose="02040503050406030204" pitchFamily="18" charset="0"/>
+                      </a:rPr>
+                      <m:t>𝑦</m:t>
+                    </m:r>
+                    <m:d>
+                      <m:dPr>
+                        <m:ctrlPr>
+                          <a:rPr lang="pt-BR" i="1">
+                            <a:latin typeface="Cambria Math" panose="02040503050406030204" pitchFamily="18" charset="0"/>
+                          </a:rPr>
+                        </m:ctrlPr>
+                      </m:dPr>
+                      <m:e>
+                        <m:r>
+                          <a:rPr lang="pt-BR" b="0" i="1" smtClean="0">
+                            <a:latin typeface="Cambria Math" panose="02040503050406030204" pitchFamily="18" charset="0"/>
+                          </a:rPr>
+                          <m:t>𝑛</m:t>
+                        </m:r>
+                      </m:e>
+                    </m:d>
+                    <m:r>
+                      <a:rPr lang="pt-BR" i="1">
+                        <a:latin typeface="Cambria Math" panose="02040503050406030204" pitchFamily="18" charset="0"/>
+                      </a:rPr>
+                      <m:t>−</m:t>
+                    </m:r>
+                    <m:acc>
+                      <m:accPr>
+                        <m:chr m:val="̂"/>
+                        <m:ctrlPr>
+                          <a:rPr lang="pt-BR" i="1">
+                            <a:latin typeface="Cambria Math" panose="02040503050406030204" pitchFamily="18" charset="0"/>
+                          </a:rPr>
+                        </m:ctrlPr>
+                      </m:accPr>
+                      <m:e>
+                        <m:r>
+                          <a:rPr lang="pt-BR" i="1">
+                            <a:latin typeface="Cambria Math" panose="02040503050406030204" pitchFamily="18" charset="0"/>
+                          </a:rPr>
+                          <m:t>𝑦</m:t>
+                        </m:r>
+                      </m:e>
+                    </m:acc>
+                    <m:d>
+                      <m:dPr>
+                        <m:ctrlPr>
+                          <a:rPr lang="pt-BR" i="1">
+                            <a:latin typeface="Cambria Math" panose="02040503050406030204" pitchFamily="18" charset="0"/>
+                          </a:rPr>
+                        </m:ctrlPr>
+                      </m:dPr>
+                      <m:e>
+                        <m:r>
+                          <a:rPr lang="pt-BR" i="1">
+                            <a:latin typeface="Cambria Math" panose="02040503050406030204" pitchFamily="18" charset="0"/>
+                          </a:rPr>
+                          <m:t>𝑛</m:t>
+                        </m:r>
+                      </m:e>
+                    </m:d>
+                    <m:r>
+                      <a:rPr lang="pt-BR" b="0" i="1" smtClean="0">
+                        <a:latin typeface="Cambria Math" panose="02040503050406030204" pitchFamily="18" charset="0"/>
+                      </a:rPr>
+                      <m:t>=</m:t>
+                    </m:r>
+                    <m:r>
+                      <a:rPr lang="pt-BR" b="0" i="1" smtClean="0">
+                        <a:latin typeface="Cambria Math" panose="02040503050406030204" pitchFamily="18" charset="0"/>
+                      </a:rPr>
+                      <m:t>𝑑</m:t>
+                    </m:r>
+                    <m:r>
+                      <a:rPr lang="pt-BR" b="0" i="1" smtClean="0">
+                        <a:latin typeface="Cambria Math" panose="02040503050406030204" pitchFamily="18" charset="0"/>
+                      </a:rPr>
+                      <m:t>(</m:t>
+                    </m:r>
+                    <m:r>
+                      <a:rPr lang="pt-BR" b="0" i="1" smtClean="0">
+                        <a:latin typeface="Cambria Math" panose="02040503050406030204" pitchFamily="18" charset="0"/>
+                      </a:rPr>
+                      <m:t>𝑛</m:t>
+                    </m:r>
+                    <m:r>
+                      <a:rPr lang="pt-BR" b="0" i="1" smtClean="0">
+                        <a:latin typeface="Cambria Math" panose="02040503050406030204" pitchFamily="18" charset="0"/>
+                      </a:rPr>
+                      <m:t>)</m:t>
+                    </m:r>
+                  </m:oMath>
+                </a14:m>
+                <a:endParaRPr lang="pt-BR" i="1" dirty="0">
+                  <a:latin typeface="Cambria Math" panose="02040503050406030204" pitchFamily="18" charset="0"/>
+                </a:endParaRPr>
+              </a:p>
+              <a:p>
+                <a:pPr marL="0" indent="0">
+                  <a:buNone/>
+                </a:pPr>
+                <a14:m>
+                  <m:oMathPara xmlns:m="http://schemas.openxmlformats.org/officeDocument/2006/math">
+                    <m:oMathParaPr>
+                      <m:jc m:val="centerGroup"/>
+                    </m:oMathParaPr>
+                    <m:oMath xmlns:m="http://schemas.openxmlformats.org/officeDocument/2006/math">
+                      <m:f>
+                        <m:fPr>
+                          <m:ctrlPr>
+                            <a:rPr lang="pt-BR" i="1" smtClean="0">
+                              <a:latin typeface="Cambria Math" panose="02040503050406030204" pitchFamily="18" charset="0"/>
+                            </a:rPr>
+                          </m:ctrlPr>
+                        </m:fPr>
+                        <m:num>
+                          <m:r>
+                            <a:rPr lang="pt-BR" i="1">
+                              <a:latin typeface="Cambria Math" panose="02040503050406030204" pitchFamily="18" charset="0"/>
+                            </a:rPr>
+                            <m:t>𝜕</m:t>
+                          </m:r>
+                          <m:sSub>
+                            <m:sSubPr>
+                              <m:ctrlPr>
+                                <a:rPr lang="pt-BR" i="1">
+                                  <a:latin typeface="Cambria Math" panose="02040503050406030204" pitchFamily="18" charset="0"/>
+                                </a:rPr>
+                              </m:ctrlPr>
+                            </m:sSubPr>
+                            <m:e>
+                              <m:r>
+                                <a:rPr lang="pt-BR" i="1">
+                                  <a:latin typeface="Cambria Math" panose="02040503050406030204" pitchFamily="18" charset="0"/>
+                                </a:rPr>
+                                <m:t>𝐽</m:t>
+                              </m:r>
+                            </m:e>
+                            <m:sub>
+                              <m:r>
+                                <a:rPr lang="pt-BR" i="1">
+                                  <a:latin typeface="Cambria Math" panose="02040503050406030204" pitchFamily="18" charset="0"/>
+                                </a:rPr>
+                                <m:t>𝑒</m:t>
+                              </m:r>
+                            </m:sub>
+                          </m:sSub>
+                          <m:d>
+                            <m:dPr>
+                              <m:ctrlPr>
+                                <a:rPr lang="pt-BR" i="1">
+                                  <a:latin typeface="Cambria Math" panose="02040503050406030204" pitchFamily="18" charset="0"/>
+                                </a:rPr>
+                              </m:ctrlPr>
+                            </m:dPr>
+                            <m:e>
+                              <m:r>
+                                <a:rPr lang="pt-BR" b="1" i="1">
+                                  <a:latin typeface="Cambria Math" panose="02040503050406030204" pitchFamily="18" charset="0"/>
+                                </a:rPr>
+                                <m:t>𝒂</m:t>
+                              </m:r>
+                            </m:e>
+                          </m:d>
+                        </m:num>
+                        <m:den>
+                          <m:r>
+                            <a:rPr lang="pt-BR" i="1">
+                              <a:latin typeface="Cambria Math" panose="02040503050406030204" pitchFamily="18" charset="0"/>
+                            </a:rPr>
+                            <m:t>𝜕</m:t>
+                          </m:r>
+                          <m:r>
+                            <a:rPr lang="pt-BR" b="1" i="1">
+                              <a:latin typeface="Cambria Math" panose="02040503050406030204" pitchFamily="18" charset="0"/>
+                            </a:rPr>
+                            <m:t>𝒂</m:t>
+                          </m:r>
+                        </m:den>
+                      </m:f>
+                      <m:r>
+                        <a:rPr lang="pt-BR" b="1" i="1">
+                          <a:latin typeface="Cambria Math" panose="02040503050406030204" pitchFamily="18" charset="0"/>
+                        </a:rPr>
+                        <m:t>= </m:t>
+                      </m:r>
+                      <m:r>
+                        <a:rPr lang="pt-BR" b="0" i="1" smtClean="0">
+                          <a:latin typeface="Cambria Math" panose="02040503050406030204" pitchFamily="18" charset="0"/>
+                        </a:rPr>
+                        <m:t>−</m:t>
+                      </m:r>
+                      <m:f>
+                        <m:fPr>
+                          <m:ctrlPr>
+                            <a:rPr lang="pt-BR" i="1">
+                              <a:latin typeface="Cambria Math" panose="02040503050406030204" pitchFamily="18" charset="0"/>
+                            </a:rPr>
+                          </m:ctrlPr>
+                        </m:fPr>
+                        <m:num>
+                          <m:r>
+                            <a:rPr lang="pt-BR" b="0" i="1" smtClean="0">
+                              <a:latin typeface="Cambria Math" panose="02040503050406030204" pitchFamily="18" charset="0"/>
+                            </a:rPr>
+                            <m:t>2</m:t>
+                          </m:r>
+                        </m:num>
+                        <m:den>
+                          <m:r>
+                            <a:rPr lang="pt-BR" i="1">
+                              <a:latin typeface="Cambria Math" panose="02040503050406030204" pitchFamily="18" charset="0"/>
+                            </a:rPr>
+                            <m:t>𝑁</m:t>
+                          </m:r>
+                        </m:den>
+                      </m:f>
+                      <m:nary>
+                        <m:naryPr>
+                          <m:chr m:val="∑"/>
+                          <m:ctrlPr>
+                            <a:rPr lang="pt-BR" i="1">
+                              <a:latin typeface="Cambria Math" panose="02040503050406030204" pitchFamily="18" charset="0"/>
+                            </a:rPr>
+                          </m:ctrlPr>
+                        </m:naryPr>
+                        <m:sub>
+                          <m:r>
+                            <a:rPr lang="pt-BR" b="0" i="1" smtClean="0">
+                              <a:latin typeface="Cambria Math" panose="02040503050406030204" pitchFamily="18" charset="0"/>
+                            </a:rPr>
+                            <m:t>𝑛</m:t>
+                          </m:r>
+                          <m:r>
+                            <a:rPr lang="pt-BR" i="1">
+                              <a:latin typeface="Cambria Math" panose="02040503050406030204" pitchFamily="18" charset="0"/>
+                            </a:rPr>
+                            <m:t>=0</m:t>
+                          </m:r>
+                        </m:sub>
+                        <m:sup>
+                          <m:r>
+                            <a:rPr lang="pt-BR" i="1">
+                              <a:latin typeface="Cambria Math" panose="02040503050406030204" pitchFamily="18" charset="0"/>
+                            </a:rPr>
+                            <m:t>𝑁</m:t>
+                          </m:r>
+                          <m:r>
+                            <a:rPr lang="pt-BR" i="1">
+                              <a:latin typeface="Cambria Math" panose="02040503050406030204" pitchFamily="18" charset="0"/>
+                            </a:rPr>
+                            <m:t>−1</m:t>
+                          </m:r>
+                        </m:sup>
+                        <m:e>
+                          <m:d>
+                            <m:dPr>
+                              <m:begChr m:val="["/>
+                              <m:endChr m:val="]"/>
+                              <m:ctrlPr>
+                                <a:rPr lang="pt-BR" i="1">
+                                  <a:latin typeface="Cambria Math" panose="02040503050406030204" pitchFamily="18" charset="0"/>
+                                </a:rPr>
+                              </m:ctrlPr>
+                            </m:dPr>
+                            <m:e>
+                              <m:r>
+                                <a:rPr lang="pt-BR" i="1">
+                                  <a:latin typeface="Cambria Math" panose="02040503050406030204" pitchFamily="18" charset="0"/>
+                                </a:rPr>
+                                <m:t>𝑦</m:t>
+                              </m:r>
+                              <m:d>
+                                <m:dPr>
+                                  <m:ctrlPr>
+                                    <a:rPr lang="pt-BR" i="1">
+                                      <a:latin typeface="Cambria Math" panose="02040503050406030204" pitchFamily="18" charset="0"/>
+                                    </a:rPr>
+                                  </m:ctrlPr>
+                                </m:dPr>
+                                <m:e>
+                                  <m:r>
+                                    <a:rPr lang="pt-BR" b="0" i="1" smtClean="0">
+                                      <a:latin typeface="Cambria Math" panose="02040503050406030204" pitchFamily="18" charset="0"/>
+                                    </a:rPr>
+                                    <m:t>𝑛</m:t>
+                                  </m:r>
+                                </m:e>
+                              </m:d>
+                              <m:r>
+                                <a:rPr lang="pt-BR" i="1">
+                                  <a:latin typeface="Cambria Math" panose="02040503050406030204" pitchFamily="18" charset="0"/>
+                                </a:rPr>
+                                <m:t>−</m:t>
+                              </m:r>
+                              <m:acc>
+                                <m:accPr>
+                                  <m:chr m:val="̂"/>
+                                  <m:ctrlPr>
+                                    <a:rPr lang="pt-BR" i="1">
+                                      <a:latin typeface="Cambria Math" panose="02040503050406030204" pitchFamily="18" charset="0"/>
+                                    </a:rPr>
+                                  </m:ctrlPr>
+                                </m:accPr>
+                                <m:e>
+                                  <m:r>
+                                    <a:rPr lang="pt-BR" i="1">
+                                      <a:latin typeface="Cambria Math" panose="02040503050406030204" pitchFamily="18" charset="0"/>
+                                    </a:rPr>
+                                    <m:t>𝑦</m:t>
+                                  </m:r>
+                                </m:e>
+                              </m:acc>
+                              <m:d>
+                                <m:dPr>
+                                  <m:ctrlPr>
+                                    <a:rPr lang="pt-BR" i="1">
+                                      <a:latin typeface="Cambria Math" panose="02040503050406030204" pitchFamily="18" charset="0"/>
+                                    </a:rPr>
+                                  </m:ctrlPr>
+                                </m:dPr>
+                                <m:e>
+                                  <m:r>
+                                    <a:rPr lang="pt-BR" i="1">
+                                      <a:latin typeface="Cambria Math" panose="02040503050406030204" pitchFamily="18" charset="0"/>
+                                    </a:rPr>
+                                    <m:t>𝑛</m:t>
+                                  </m:r>
+                                </m:e>
+                              </m:d>
+                            </m:e>
+                          </m:d>
+                          <m:r>
+                            <a:rPr lang="pt-BR" b="1" i="1" smtClean="0">
+                              <a:latin typeface="Cambria Math" panose="02040503050406030204" pitchFamily="18" charset="0"/>
+                            </a:rPr>
+                            <m:t>𝒙</m:t>
+                          </m:r>
+                          <m:d>
+                            <m:dPr>
+                              <m:ctrlPr>
+                                <a:rPr lang="pt-BR" b="0" i="1" smtClean="0">
+                                  <a:latin typeface="Cambria Math" panose="02040503050406030204" pitchFamily="18" charset="0"/>
+                                </a:rPr>
+                              </m:ctrlPr>
+                            </m:dPr>
+                            <m:e>
+                              <m:r>
+                                <a:rPr lang="pt-BR" b="0" i="1" smtClean="0">
+                                  <a:latin typeface="Cambria Math" panose="02040503050406030204" pitchFamily="18" charset="0"/>
+                                </a:rPr>
+                                <m:t>𝑛</m:t>
+                              </m:r>
+                            </m:e>
+                          </m:d>
+                        </m:e>
+                      </m:nary>
+                      <m:r>
+                        <a:rPr lang="pt-BR" i="1">
+                          <a:latin typeface="Cambria Math" panose="02040503050406030204" pitchFamily="18" charset="0"/>
+                        </a:rPr>
+                        <m:t>=−</m:t>
+                      </m:r>
+                      <m:f>
+                        <m:fPr>
+                          <m:ctrlPr>
+                            <a:rPr lang="pt-BR" i="1">
+                              <a:latin typeface="Cambria Math" panose="02040503050406030204" pitchFamily="18" charset="0"/>
+                            </a:rPr>
+                          </m:ctrlPr>
+                        </m:fPr>
+                        <m:num>
+                          <m:r>
+                            <a:rPr lang="pt-BR" i="1">
+                              <a:latin typeface="Cambria Math" panose="02040503050406030204" pitchFamily="18" charset="0"/>
+                            </a:rPr>
+                            <m:t>2</m:t>
+                          </m:r>
+                        </m:num>
+                        <m:den>
+                          <m:r>
+                            <a:rPr lang="pt-BR" i="1">
+                              <a:latin typeface="Cambria Math" panose="02040503050406030204" pitchFamily="18" charset="0"/>
+                            </a:rPr>
+                            <m:t>𝑁</m:t>
+                          </m:r>
+                        </m:den>
+                      </m:f>
+                      <m:d>
+                        <m:dPr>
+                          <m:begChr m:val="{"/>
+                          <m:endChr m:val="}"/>
+                          <m:ctrlPr>
+                            <a:rPr lang="pt-BR" i="1" smtClean="0">
+                              <a:latin typeface="Cambria Math" panose="02040503050406030204" pitchFamily="18" charset="0"/>
+                            </a:rPr>
+                          </m:ctrlPr>
+                        </m:dPr>
+                        <m:e>
+                          <m:r>
+                            <a:rPr lang="pt-BR" i="1">
+                              <a:latin typeface="Cambria Math" panose="02040503050406030204" pitchFamily="18" charset="0"/>
+                            </a:rPr>
+                            <m:t>𝑑</m:t>
+                          </m:r>
+                          <m:d>
+                            <m:dPr>
+                              <m:ctrlPr>
+                                <a:rPr lang="pt-BR" i="1">
+                                  <a:latin typeface="Cambria Math" panose="02040503050406030204" pitchFamily="18" charset="0"/>
+                                </a:rPr>
+                              </m:ctrlPr>
+                            </m:dPr>
+                            <m:e>
+                              <m:r>
+                                <a:rPr lang="pt-BR" i="1">
+                                  <a:latin typeface="Cambria Math" panose="02040503050406030204" pitchFamily="18" charset="0"/>
+                                </a:rPr>
+                                <m:t>0</m:t>
+                              </m:r>
+                            </m:e>
+                          </m:d>
+                          <m:d>
+                            <m:dPr>
+                              <m:begChr m:val="["/>
+                              <m:endChr m:val="]"/>
+                              <m:ctrlPr>
+                                <a:rPr lang="pt-BR" i="1">
+                                  <a:latin typeface="Cambria Math" panose="02040503050406030204" pitchFamily="18" charset="0"/>
+                                </a:rPr>
+                              </m:ctrlPr>
+                            </m:dPr>
+                            <m:e>
+                              <m:m>
+                                <m:mPr>
+                                  <m:mcs>
+                                    <m:mc>
+                                      <m:mcPr>
+                                        <m:count m:val="1"/>
+                                        <m:mcJc m:val="center"/>
+                                      </m:mcPr>
+                                    </m:mc>
+                                  </m:mcs>
+                                  <m:ctrlPr>
+                                    <a:rPr lang="pt-BR" i="1">
+                                      <a:latin typeface="Cambria Math" panose="02040503050406030204" pitchFamily="18" charset="0"/>
+                                    </a:rPr>
+                                  </m:ctrlPr>
+                                </m:mPr>
+                                <m:mr>
+                                  <m:e>
+                                    <m:sSub>
+                                      <m:sSubPr>
+                                        <m:ctrlPr>
+                                          <a:rPr lang="pt-BR" i="1">
+                                            <a:latin typeface="Cambria Math" panose="02040503050406030204" pitchFamily="18" charset="0"/>
+                                          </a:rPr>
+                                        </m:ctrlPr>
+                                      </m:sSubPr>
+                                      <m:e>
+                                        <m:r>
+                                          <a:rPr lang="pt-BR" i="1">
+                                            <a:latin typeface="Cambria Math" panose="02040503050406030204" pitchFamily="18" charset="0"/>
+                                          </a:rPr>
+                                          <m:t>𝑥</m:t>
+                                        </m:r>
+                                      </m:e>
+                                      <m:sub>
+                                        <m:r>
+                                          <a:rPr lang="pt-BR" i="1">
+                                            <a:latin typeface="Cambria Math" panose="02040503050406030204" pitchFamily="18" charset="0"/>
+                                          </a:rPr>
+                                          <m:t>0</m:t>
+                                        </m:r>
+                                      </m:sub>
+                                    </m:sSub>
+                                    <m:d>
+                                      <m:dPr>
+                                        <m:ctrlPr>
+                                          <a:rPr lang="pt-BR" i="1">
+                                            <a:latin typeface="Cambria Math" panose="02040503050406030204" pitchFamily="18" charset="0"/>
+                                          </a:rPr>
+                                        </m:ctrlPr>
+                                      </m:dPr>
+                                      <m:e>
+                                        <m:r>
+                                          <a:rPr lang="pt-BR" i="1">
+                                            <a:latin typeface="Cambria Math" panose="02040503050406030204" pitchFamily="18" charset="0"/>
+                                          </a:rPr>
+                                          <m:t>0</m:t>
+                                        </m:r>
+                                      </m:e>
+                                    </m:d>
+                                  </m:e>
+                                </m:mr>
+                                <m:mr>
+                                  <m:e>
+                                    <m:r>
+                                      <a:rPr lang="pt-BR" i="1" smtClean="0">
+                                        <a:latin typeface="Cambria Math" panose="02040503050406030204" pitchFamily="18" charset="0"/>
+                                      </a:rPr>
+                                      <m:t>⋮</m:t>
+                                    </m:r>
+                                  </m:e>
+                                </m:mr>
+                                <m:mr>
+                                  <m:e>
+                                    <m:sSub>
+                                      <m:sSubPr>
+                                        <m:ctrlPr>
+                                          <a:rPr lang="pt-BR" i="1">
+                                            <a:latin typeface="Cambria Math" panose="02040503050406030204" pitchFamily="18" charset="0"/>
+                                          </a:rPr>
+                                        </m:ctrlPr>
+                                      </m:sSubPr>
+                                      <m:e>
+                                        <m:r>
+                                          <a:rPr lang="pt-BR" i="1">
+                                            <a:latin typeface="Cambria Math" panose="02040503050406030204" pitchFamily="18" charset="0"/>
+                                          </a:rPr>
+                                          <m:t>𝑥</m:t>
+                                        </m:r>
+                                      </m:e>
+                                      <m:sub>
+                                        <m:r>
+                                          <a:rPr lang="pt-BR" i="1">
+                                            <a:latin typeface="Cambria Math" panose="02040503050406030204" pitchFamily="18" charset="0"/>
+                                          </a:rPr>
+                                          <m:t>𝐾</m:t>
+                                        </m:r>
+                                      </m:sub>
+                                    </m:sSub>
+                                    <m:d>
+                                      <m:dPr>
+                                        <m:ctrlPr>
+                                          <a:rPr lang="pt-BR" i="1">
+                                            <a:latin typeface="Cambria Math" panose="02040503050406030204" pitchFamily="18" charset="0"/>
+                                          </a:rPr>
+                                        </m:ctrlPr>
+                                      </m:dPr>
+                                      <m:e>
+                                        <m:r>
+                                          <a:rPr lang="pt-BR" i="1">
+                                            <a:latin typeface="Cambria Math" panose="02040503050406030204" pitchFamily="18" charset="0"/>
+                                          </a:rPr>
+                                          <m:t>0</m:t>
+                                        </m:r>
+                                      </m:e>
+                                    </m:d>
+                                  </m:e>
+                                </m:mr>
+                              </m:m>
+                            </m:e>
+                          </m:d>
+                          <m:r>
+                            <a:rPr lang="pt-BR" b="0" i="1" smtClean="0">
+                              <a:latin typeface="Cambria Math" panose="02040503050406030204" pitchFamily="18" charset="0"/>
+                            </a:rPr>
+                            <m:t>+</m:t>
+                          </m:r>
+                          <m:r>
+                            <a:rPr lang="pt-BR" i="1">
+                              <a:latin typeface="Cambria Math" panose="02040503050406030204" pitchFamily="18" charset="0"/>
+                            </a:rPr>
+                            <m:t>𝑑</m:t>
+                          </m:r>
+                          <m:d>
+                            <m:dPr>
+                              <m:ctrlPr>
+                                <a:rPr lang="pt-BR" i="1">
+                                  <a:latin typeface="Cambria Math" panose="02040503050406030204" pitchFamily="18" charset="0"/>
+                                </a:rPr>
+                              </m:ctrlPr>
+                            </m:dPr>
+                            <m:e>
+                              <m:r>
+                                <a:rPr lang="pt-BR" b="0" i="1" smtClean="0">
+                                  <a:latin typeface="Cambria Math" panose="02040503050406030204" pitchFamily="18" charset="0"/>
+                                </a:rPr>
+                                <m:t>1</m:t>
+                              </m:r>
+                            </m:e>
+                          </m:d>
+                          <m:d>
+                            <m:dPr>
+                              <m:begChr m:val="["/>
+                              <m:endChr m:val="]"/>
+                              <m:ctrlPr>
+                                <a:rPr lang="pt-BR" i="1">
+                                  <a:latin typeface="Cambria Math" panose="02040503050406030204" pitchFamily="18" charset="0"/>
+                                </a:rPr>
+                              </m:ctrlPr>
+                            </m:dPr>
+                            <m:e>
+                              <m:m>
+                                <m:mPr>
+                                  <m:mcs>
+                                    <m:mc>
+                                      <m:mcPr>
+                                        <m:count m:val="1"/>
+                                        <m:mcJc m:val="center"/>
+                                      </m:mcPr>
+                                    </m:mc>
+                                  </m:mcs>
+                                  <m:ctrlPr>
+                                    <a:rPr lang="pt-BR" i="1">
+                                      <a:latin typeface="Cambria Math" panose="02040503050406030204" pitchFamily="18" charset="0"/>
+                                    </a:rPr>
+                                  </m:ctrlPr>
+                                </m:mPr>
+                                <m:mr>
+                                  <m:e>
+                                    <m:sSub>
+                                      <m:sSubPr>
+                                        <m:ctrlPr>
+                                          <a:rPr lang="pt-BR" i="1">
+                                            <a:latin typeface="Cambria Math" panose="02040503050406030204" pitchFamily="18" charset="0"/>
+                                          </a:rPr>
+                                        </m:ctrlPr>
+                                      </m:sSubPr>
+                                      <m:e>
+                                        <m:r>
+                                          <a:rPr lang="pt-BR" i="1">
+                                            <a:latin typeface="Cambria Math" panose="02040503050406030204" pitchFamily="18" charset="0"/>
+                                          </a:rPr>
+                                          <m:t>𝑥</m:t>
+                                        </m:r>
+                                      </m:e>
+                                      <m:sub>
+                                        <m:r>
+                                          <a:rPr lang="pt-BR" i="1">
+                                            <a:latin typeface="Cambria Math" panose="02040503050406030204" pitchFamily="18" charset="0"/>
+                                          </a:rPr>
+                                          <m:t>0</m:t>
+                                        </m:r>
+                                      </m:sub>
+                                    </m:sSub>
+                                    <m:d>
+                                      <m:dPr>
+                                        <m:ctrlPr>
+                                          <a:rPr lang="pt-BR" i="1">
+                                            <a:latin typeface="Cambria Math" panose="02040503050406030204" pitchFamily="18" charset="0"/>
+                                          </a:rPr>
+                                        </m:ctrlPr>
+                                      </m:dPr>
+                                      <m:e>
+                                        <m:r>
+                                          <a:rPr lang="pt-BR" b="0" i="1" smtClean="0">
+                                            <a:latin typeface="Cambria Math" panose="02040503050406030204" pitchFamily="18" charset="0"/>
+                                          </a:rPr>
+                                          <m:t>1</m:t>
+                                        </m:r>
+                                      </m:e>
+                                    </m:d>
+                                  </m:e>
+                                </m:mr>
+                                <m:mr>
+                                  <m:e>
+                                    <m:r>
+                                      <a:rPr lang="pt-BR" i="1">
+                                        <a:latin typeface="Cambria Math" panose="02040503050406030204" pitchFamily="18" charset="0"/>
+                                      </a:rPr>
+                                      <m:t>⋮</m:t>
+                                    </m:r>
+                                  </m:e>
+                                </m:mr>
+                                <m:mr>
+                                  <m:e>
+                                    <m:sSub>
+                                      <m:sSubPr>
+                                        <m:ctrlPr>
+                                          <a:rPr lang="pt-BR" i="1">
+                                            <a:latin typeface="Cambria Math" panose="02040503050406030204" pitchFamily="18" charset="0"/>
+                                          </a:rPr>
+                                        </m:ctrlPr>
+                                      </m:sSubPr>
+                                      <m:e>
+                                        <m:r>
+                                          <a:rPr lang="pt-BR" i="1">
+                                            <a:latin typeface="Cambria Math" panose="02040503050406030204" pitchFamily="18" charset="0"/>
+                                          </a:rPr>
+                                          <m:t>𝑥</m:t>
+                                        </m:r>
+                                      </m:e>
+                                      <m:sub>
+                                        <m:r>
+                                          <a:rPr lang="pt-BR" i="1">
+                                            <a:latin typeface="Cambria Math" panose="02040503050406030204" pitchFamily="18" charset="0"/>
+                                          </a:rPr>
+                                          <m:t>𝐾</m:t>
+                                        </m:r>
+                                      </m:sub>
+                                    </m:sSub>
+                                    <m:d>
+                                      <m:dPr>
+                                        <m:ctrlPr>
+                                          <a:rPr lang="pt-BR" i="1">
+                                            <a:latin typeface="Cambria Math" panose="02040503050406030204" pitchFamily="18" charset="0"/>
+                                          </a:rPr>
+                                        </m:ctrlPr>
+                                      </m:dPr>
+                                      <m:e>
+                                        <m:r>
+                                          <a:rPr lang="pt-BR" b="0" i="1" smtClean="0">
+                                            <a:latin typeface="Cambria Math" panose="02040503050406030204" pitchFamily="18" charset="0"/>
+                                          </a:rPr>
+                                          <m:t>1</m:t>
+                                        </m:r>
+                                      </m:e>
+                                    </m:d>
+                                  </m:e>
+                                </m:mr>
+                              </m:m>
+                            </m:e>
+                          </m:d>
+                          <m:r>
+                            <a:rPr lang="pt-BR" b="0" i="1" smtClean="0">
+                              <a:latin typeface="Cambria Math" panose="02040503050406030204" pitchFamily="18" charset="0"/>
+                            </a:rPr>
+                            <m:t>+⋯+</m:t>
+                          </m:r>
+                          <m:r>
+                            <a:rPr lang="pt-BR" i="1">
+                              <a:latin typeface="Cambria Math" panose="02040503050406030204" pitchFamily="18" charset="0"/>
+                            </a:rPr>
+                            <m:t>𝑑</m:t>
+                          </m:r>
+                          <m:d>
+                            <m:dPr>
+                              <m:ctrlPr>
+                                <a:rPr lang="pt-BR" i="1">
+                                  <a:latin typeface="Cambria Math" panose="02040503050406030204" pitchFamily="18" charset="0"/>
+                                </a:rPr>
+                              </m:ctrlPr>
+                            </m:dPr>
+                            <m:e>
+                              <m:r>
+                                <a:rPr lang="pt-BR" b="0" i="1" smtClean="0">
+                                  <a:latin typeface="Cambria Math" panose="02040503050406030204" pitchFamily="18" charset="0"/>
+                                </a:rPr>
+                                <m:t>𝑁</m:t>
+                              </m:r>
+                              <m:r>
+                                <a:rPr lang="pt-BR" b="0" i="1" smtClean="0">
+                                  <a:latin typeface="Cambria Math" panose="02040503050406030204" pitchFamily="18" charset="0"/>
+                                </a:rPr>
+                                <m:t>−1</m:t>
+                              </m:r>
+                            </m:e>
+                          </m:d>
+                          <m:d>
+                            <m:dPr>
+                              <m:begChr m:val="["/>
+                              <m:endChr m:val="]"/>
+                              <m:ctrlPr>
+                                <a:rPr lang="pt-BR" i="1">
+                                  <a:latin typeface="Cambria Math" panose="02040503050406030204" pitchFamily="18" charset="0"/>
+                                </a:rPr>
+                              </m:ctrlPr>
+                            </m:dPr>
+                            <m:e>
+                              <m:m>
+                                <m:mPr>
+                                  <m:mcs>
+                                    <m:mc>
+                                      <m:mcPr>
+                                        <m:count m:val="1"/>
+                                        <m:mcJc m:val="center"/>
+                                      </m:mcPr>
+                                    </m:mc>
+                                  </m:mcs>
+                                  <m:ctrlPr>
+                                    <a:rPr lang="pt-BR" i="1">
+                                      <a:latin typeface="Cambria Math" panose="02040503050406030204" pitchFamily="18" charset="0"/>
+                                    </a:rPr>
+                                  </m:ctrlPr>
+                                </m:mPr>
+                                <m:mr>
+                                  <m:e>
+                                    <m:sSub>
+                                      <m:sSubPr>
+                                        <m:ctrlPr>
+                                          <a:rPr lang="pt-BR" i="1">
+                                            <a:latin typeface="Cambria Math" panose="02040503050406030204" pitchFamily="18" charset="0"/>
+                                          </a:rPr>
+                                        </m:ctrlPr>
+                                      </m:sSubPr>
+                                      <m:e>
+                                        <m:r>
+                                          <a:rPr lang="pt-BR" i="1">
+                                            <a:latin typeface="Cambria Math" panose="02040503050406030204" pitchFamily="18" charset="0"/>
+                                          </a:rPr>
+                                          <m:t>𝑥</m:t>
+                                        </m:r>
+                                      </m:e>
+                                      <m:sub>
+                                        <m:r>
+                                          <a:rPr lang="pt-BR" i="1">
+                                            <a:latin typeface="Cambria Math" panose="02040503050406030204" pitchFamily="18" charset="0"/>
+                                          </a:rPr>
+                                          <m:t>0</m:t>
+                                        </m:r>
+                                      </m:sub>
+                                    </m:sSub>
+                                    <m:d>
+                                      <m:dPr>
+                                        <m:ctrlPr>
+                                          <a:rPr lang="pt-BR" i="1">
+                                            <a:latin typeface="Cambria Math" panose="02040503050406030204" pitchFamily="18" charset="0"/>
+                                          </a:rPr>
+                                        </m:ctrlPr>
+                                      </m:dPr>
+                                      <m:e>
+                                        <m:r>
+                                          <a:rPr lang="pt-BR" b="0" i="1" smtClean="0">
+                                            <a:latin typeface="Cambria Math" panose="02040503050406030204" pitchFamily="18" charset="0"/>
+                                          </a:rPr>
+                                          <m:t>𝑁</m:t>
+                                        </m:r>
+                                        <m:r>
+                                          <a:rPr lang="pt-BR" b="0" i="1" smtClean="0">
+                                            <a:latin typeface="Cambria Math" panose="02040503050406030204" pitchFamily="18" charset="0"/>
+                                          </a:rPr>
+                                          <m:t>−1</m:t>
+                                        </m:r>
+                                      </m:e>
+                                    </m:d>
+                                  </m:e>
+                                </m:mr>
+                                <m:mr>
+                                  <m:e>
+                                    <m:r>
+                                      <a:rPr lang="pt-BR" i="1">
+                                        <a:latin typeface="Cambria Math" panose="02040503050406030204" pitchFamily="18" charset="0"/>
+                                      </a:rPr>
+                                      <m:t>⋮</m:t>
+                                    </m:r>
+                                  </m:e>
+                                </m:mr>
+                                <m:mr>
+                                  <m:e>
+                                    <m:sSub>
+                                      <m:sSubPr>
+                                        <m:ctrlPr>
+                                          <a:rPr lang="pt-BR" i="1">
+                                            <a:latin typeface="Cambria Math" panose="02040503050406030204" pitchFamily="18" charset="0"/>
+                                          </a:rPr>
+                                        </m:ctrlPr>
+                                      </m:sSubPr>
+                                      <m:e>
+                                        <m:r>
+                                          <a:rPr lang="pt-BR" i="1">
+                                            <a:latin typeface="Cambria Math" panose="02040503050406030204" pitchFamily="18" charset="0"/>
+                                          </a:rPr>
+                                          <m:t>𝑥</m:t>
+                                        </m:r>
+                                      </m:e>
+                                      <m:sub>
+                                        <m:r>
+                                          <a:rPr lang="pt-BR" i="1">
+                                            <a:latin typeface="Cambria Math" panose="02040503050406030204" pitchFamily="18" charset="0"/>
+                                          </a:rPr>
+                                          <m:t>𝐾</m:t>
+                                        </m:r>
+                                      </m:sub>
+                                    </m:sSub>
+                                    <m:d>
+                                      <m:dPr>
+                                        <m:ctrlPr>
+                                          <a:rPr lang="pt-BR" i="1">
+                                            <a:latin typeface="Cambria Math" panose="02040503050406030204" pitchFamily="18" charset="0"/>
+                                          </a:rPr>
+                                        </m:ctrlPr>
+                                      </m:dPr>
+                                      <m:e>
+                                        <m:r>
+                                          <a:rPr lang="pt-BR" b="0" i="1" smtClean="0">
+                                            <a:latin typeface="Cambria Math" panose="02040503050406030204" pitchFamily="18" charset="0"/>
+                                          </a:rPr>
+                                          <m:t>𝑁</m:t>
+                                        </m:r>
+                                        <m:r>
+                                          <a:rPr lang="pt-BR" b="0" i="1" smtClean="0">
+                                            <a:latin typeface="Cambria Math" panose="02040503050406030204" pitchFamily="18" charset="0"/>
+                                          </a:rPr>
+                                          <m:t>−1</m:t>
+                                        </m:r>
+                                      </m:e>
+                                    </m:d>
+                                  </m:e>
+                                </m:mr>
+                              </m:m>
+                            </m:e>
+                          </m:d>
+                        </m:e>
+                      </m:d>
+                      <m:r>
+                        <a:rPr lang="pt-BR" b="0" i="1" smtClean="0">
+                          <a:latin typeface="Cambria Math" panose="02040503050406030204" pitchFamily="18" charset="0"/>
+                        </a:rPr>
+                        <m:t>=</m:t>
+                      </m:r>
+                      <m:r>
+                        <a:rPr lang="pt-BR" i="1">
+                          <a:latin typeface="Cambria Math" panose="02040503050406030204" pitchFamily="18" charset="0"/>
+                        </a:rPr>
+                        <m:t>−</m:t>
+                      </m:r>
+                      <m:f>
+                        <m:fPr>
+                          <m:ctrlPr>
+                            <a:rPr lang="pt-BR" i="1">
+                              <a:latin typeface="Cambria Math" panose="02040503050406030204" pitchFamily="18" charset="0"/>
+                            </a:rPr>
+                          </m:ctrlPr>
+                        </m:fPr>
+                        <m:num>
+                          <m:r>
+                            <a:rPr lang="pt-BR" i="1">
+                              <a:latin typeface="Cambria Math" panose="02040503050406030204" pitchFamily="18" charset="0"/>
+                            </a:rPr>
+                            <m:t>2</m:t>
+                          </m:r>
+                        </m:num>
+                        <m:den>
+                          <m:r>
+                            <a:rPr lang="pt-BR" i="1">
+                              <a:latin typeface="Cambria Math" panose="02040503050406030204" pitchFamily="18" charset="0"/>
+                            </a:rPr>
+                            <m:t>𝑁</m:t>
+                          </m:r>
+                        </m:den>
+                      </m:f>
+                      <m:d>
+                        <m:dPr>
+                          <m:begChr m:val="{"/>
+                          <m:endChr m:val="}"/>
+                          <m:ctrlPr>
+                            <a:rPr lang="pt-BR" i="1" smtClean="0">
+                              <a:latin typeface="Cambria Math" panose="02040503050406030204" pitchFamily="18" charset="0"/>
+                            </a:rPr>
+                          </m:ctrlPr>
+                        </m:dPr>
+                        <m:e>
+                          <m:d>
+                            <m:dPr>
+                              <m:begChr m:val="["/>
+                              <m:endChr m:val="]"/>
+                              <m:ctrlPr>
+                                <a:rPr lang="pt-BR" i="1">
+                                  <a:latin typeface="Cambria Math" panose="02040503050406030204" pitchFamily="18" charset="0"/>
+                                </a:rPr>
+                              </m:ctrlPr>
+                            </m:dPr>
+                            <m:e>
+                              <m:m>
+                                <m:mPr>
+                                  <m:mcs>
+                                    <m:mc>
+                                      <m:mcPr>
+                                        <m:count m:val="1"/>
+                                        <m:mcJc m:val="center"/>
+                                      </m:mcPr>
+                                    </m:mc>
+                                  </m:mcs>
+                                  <m:ctrlPr>
+                                    <a:rPr lang="pt-BR" i="1">
+                                      <a:latin typeface="Cambria Math" panose="02040503050406030204" pitchFamily="18" charset="0"/>
+                                    </a:rPr>
+                                  </m:ctrlPr>
+                                </m:mPr>
+                                <m:mr>
+                                  <m:e>
+                                    <m:sSub>
+                                      <m:sSubPr>
+                                        <m:ctrlPr>
+                                          <a:rPr lang="pt-BR" i="1">
+                                            <a:latin typeface="Cambria Math" panose="02040503050406030204" pitchFamily="18" charset="0"/>
+                                          </a:rPr>
+                                        </m:ctrlPr>
+                                      </m:sSubPr>
+                                      <m:e>
+                                        <m:r>
+                                          <a:rPr lang="pt-BR" i="1">
+                                            <a:latin typeface="Cambria Math" panose="02040503050406030204" pitchFamily="18" charset="0"/>
+                                          </a:rPr>
+                                          <m:t>𝑑</m:t>
+                                        </m:r>
+                                        <m:d>
+                                          <m:dPr>
+                                            <m:ctrlPr>
+                                              <a:rPr lang="pt-BR" i="1">
+                                                <a:latin typeface="Cambria Math" panose="02040503050406030204" pitchFamily="18" charset="0"/>
+                                              </a:rPr>
+                                            </m:ctrlPr>
+                                          </m:dPr>
+                                          <m:e>
+                                            <m:r>
+                                              <a:rPr lang="pt-BR" i="1">
+                                                <a:latin typeface="Cambria Math" panose="02040503050406030204" pitchFamily="18" charset="0"/>
+                                              </a:rPr>
+                                              <m:t>0</m:t>
+                                            </m:r>
+                                          </m:e>
+                                        </m:d>
+                                        <m:r>
+                                          <a:rPr lang="pt-BR" i="1">
+                                            <a:latin typeface="Cambria Math" panose="02040503050406030204" pitchFamily="18" charset="0"/>
+                                          </a:rPr>
+                                          <m:t>𝑥</m:t>
+                                        </m:r>
+                                      </m:e>
+                                      <m:sub>
+                                        <m:r>
+                                          <a:rPr lang="pt-BR" i="1">
+                                            <a:latin typeface="Cambria Math" panose="02040503050406030204" pitchFamily="18" charset="0"/>
+                                          </a:rPr>
+                                          <m:t>0</m:t>
+                                        </m:r>
+                                      </m:sub>
+                                    </m:sSub>
+                                    <m:d>
+                                      <m:dPr>
+                                        <m:ctrlPr>
+                                          <a:rPr lang="pt-BR" i="1">
+                                            <a:latin typeface="Cambria Math" panose="02040503050406030204" pitchFamily="18" charset="0"/>
+                                          </a:rPr>
+                                        </m:ctrlPr>
+                                      </m:dPr>
+                                      <m:e>
+                                        <m:r>
+                                          <a:rPr lang="pt-BR" i="1">
+                                            <a:latin typeface="Cambria Math" panose="02040503050406030204" pitchFamily="18" charset="0"/>
+                                          </a:rPr>
+                                          <m:t>0</m:t>
+                                        </m:r>
+                                      </m:e>
+                                    </m:d>
+                                    <m:r>
+                                      <a:rPr lang="pt-BR" b="0" i="1" smtClean="0">
+                                        <a:latin typeface="Cambria Math" panose="02040503050406030204" pitchFamily="18" charset="0"/>
+                                      </a:rPr>
+                                      <m:t>+</m:t>
+                                    </m:r>
+                                    <m:r>
+                                      <a:rPr lang="pt-BR" i="1">
+                                        <a:latin typeface="Cambria Math" panose="02040503050406030204" pitchFamily="18" charset="0"/>
+                                      </a:rPr>
+                                      <m:t>𝑑</m:t>
+                                    </m:r>
+                                    <m:d>
+                                      <m:dPr>
+                                        <m:ctrlPr>
+                                          <a:rPr lang="pt-BR" i="1">
+                                            <a:latin typeface="Cambria Math" panose="02040503050406030204" pitchFamily="18" charset="0"/>
+                                          </a:rPr>
+                                        </m:ctrlPr>
+                                      </m:dPr>
+                                      <m:e>
+                                        <m:r>
+                                          <a:rPr lang="pt-BR" i="1">
+                                            <a:latin typeface="Cambria Math" panose="02040503050406030204" pitchFamily="18" charset="0"/>
+                                          </a:rPr>
+                                          <m:t>1</m:t>
+                                        </m:r>
+                                      </m:e>
+                                    </m:d>
+                                    <m:sSub>
+                                      <m:sSubPr>
+                                        <m:ctrlPr>
+                                          <a:rPr lang="pt-BR" i="1">
+                                            <a:latin typeface="Cambria Math" panose="02040503050406030204" pitchFamily="18" charset="0"/>
+                                          </a:rPr>
+                                        </m:ctrlPr>
+                                      </m:sSubPr>
+                                      <m:e>
+                                        <m:r>
+                                          <a:rPr lang="pt-BR" i="1">
+                                            <a:latin typeface="Cambria Math" panose="02040503050406030204" pitchFamily="18" charset="0"/>
+                                          </a:rPr>
+                                          <m:t>𝑥</m:t>
+                                        </m:r>
+                                      </m:e>
+                                      <m:sub>
+                                        <m:r>
+                                          <a:rPr lang="pt-BR" i="1">
+                                            <a:latin typeface="Cambria Math" panose="02040503050406030204" pitchFamily="18" charset="0"/>
+                                          </a:rPr>
+                                          <m:t>0</m:t>
+                                        </m:r>
+                                      </m:sub>
+                                    </m:sSub>
+                                    <m:d>
+                                      <m:dPr>
+                                        <m:ctrlPr>
+                                          <a:rPr lang="pt-BR" i="1">
+                                            <a:latin typeface="Cambria Math" panose="02040503050406030204" pitchFamily="18" charset="0"/>
+                                          </a:rPr>
+                                        </m:ctrlPr>
+                                      </m:dPr>
+                                      <m:e>
+                                        <m:r>
+                                          <a:rPr lang="pt-BR" i="1">
+                                            <a:latin typeface="Cambria Math" panose="02040503050406030204" pitchFamily="18" charset="0"/>
+                                          </a:rPr>
+                                          <m:t>1</m:t>
+                                        </m:r>
+                                      </m:e>
+                                    </m:d>
+                                    <m:r>
+                                      <a:rPr lang="pt-BR" b="0" i="1" smtClean="0">
+                                        <a:latin typeface="Cambria Math" panose="02040503050406030204" pitchFamily="18" charset="0"/>
+                                      </a:rPr>
+                                      <m:t>+</m:t>
+                                    </m:r>
+                                    <m:r>
+                                      <a:rPr lang="pt-BR" i="1">
+                                        <a:latin typeface="Cambria Math" panose="02040503050406030204" pitchFamily="18" charset="0"/>
+                                      </a:rPr>
+                                      <m:t>⋯+</m:t>
+                                    </m:r>
+                                    <m:r>
+                                      <a:rPr lang="pt-BR" i="1">
+                                        <a:latin typeface="Cambria Math" panose="02040503050406030204" pitchFamily="18" charset="0"/>
+                                      </a:rPr>
+                                      <m:t>𝑑</m:t>
+                                    </m:r>
+                                    <m:d>
+                                      <m:dPr>
+                                        <m:ctrlPr>
+                                          <a:rPr lang="pt-BR" i="1">
+                                            <a:latin typeface="Cambria Math" panose="02040503050406030204" pitchFamily="18" charset="0"/>
+                                          </a:rPr>
+                                        </m:ctrlPr>
+                                      </m:dPr>
+                                      <m:e>
+                                        <m:r>
+                                          <a:rPr lang="pt-BR" i="1">
+                                            <a:latin typeface="Cambria Math" panose="02040503050406030204" pitchFamily="18" charset="0"/>
+                                          </a:rPr>
+                                          <m:t>𝑁</m:t>
+                                        </m:r>
+                                        <m:r>
+                                          <a:rPr lang="pt-BR" i="1">
+                                            <a:latin typeface="Cambria Math" panose="02040503050406030204" pitchFamily="18" charset="0"/>
+                                          </a:rPr>
+                                          <m:t>−1</m:t>
+                                        </m:r>
+                                      </m:e>
+                                    </m:d>
+                                    <m:sSub>
+                                      <m:sSubPr>
+                                        <m:ctrlPr>
+                                          <a:rPr lang="pt-BR" i="1">
+                                            <a:latin typeface="Cambria Math" panose="02040503050406030204" pitchFamily="18" charset="0"/>
+                                          </a:rPr>
+                                        </m:ctrlPr>
+                                      </m:sSubPr>
+                                      <m:e>
+                                        <m:r>
+                                          <a:rPr lang="pt-BR" i="1">
+                                            <a:latin typeface="Cambria Math" panose="02040503050406030204" pitchFamily="18" charset="0"/>
+                                          </a:rPr>
+                                          <m:t>𝑥</m:t>
+                                        </m:r>
+                                      </m:e>
+                                      <m:sub>
+                                        <m:r>
+                                          <a:rPr lang="pt-BR" i="1">
+                                            <a:latin typeface="Cambria Math" panose="02040503050406030204" pitchFamily="18" charset="0"/>
+                                          </a:rPr>
+                                          <m:t>0</m:t>
+                                        </m:r>
+                                      </m:sub>
+                                    </m:sSub>
+                                    <m:d>
+                                      <m:dPr>
+                                        <m:ctrlPr>
+                                          <a:rPr lang="pt-BR" i="1">
+                                            <a:latin typeface="Cambria Math" panose="02040503050406030204" pitchFamily="18" charset="0"/>
+                                          </a:rPr>
+                                        </m:ctrlPr>
+                                      </m:dPr>
+                                      <m:e>
+                                        <m:r>
+                                          <a:rPr lang="pt-BR" i="1">
+                                            <a:latin typeface="Cambria Math" panose="02040503050406030204" pitchFamily="18" charset="0"/>
+                                          </a:rPr>
+                                          <m:t>𝑁</m:t>
+                                        </m:r>
+                                        <m:r>
+                                          <a:rPr lang="pt-BR" i="1">
+                                            <a:latin typeface="Cambria Math" panose="02040503050406030204" pitchFamily="18" charset="0"/>
+                                          </a:rPr>
+                                          <m:t>−1</m:t>
+                                        </m:r>
+                                      </m:e>
+                                    </m:d>
+                                  </m:e>
+                                </m:mr>
+                                <m:mr>
+                                  <m:e>
+                                    <m:r>
+                                      <a:rPr lang="pt-BR" i="1">
+                                        <a:latin typeface="Cambria Math" panose="02040503050406030204" pitchFamily="18" charset="0"/>
+                                      </a:rPr>
+                                      <m:t>⋮</m:t>
+                                    </m:r>
+                                  </m:e>
+                                </m:mr>
+                                <m:mr>
+                                  <m:e>
+                                    <m:sSub>
+                                      <m:sSubPr>
+                                        <m:ctrlPr>
+                                          <a:rPr lang="pt-BR" i="1">
+                                            <a:latin typeface="Cambria Math" panose="02040503050406030204" pitchFamily="18" charset="0"/>
+                                          </a:rPr>
+                                        </m:ctrlPr>
+                                      </m:sSubPr>
+                                      <m:e>
+                                        <m:r>
+                                          <a:rPr lang="pt-BR" i="1">
+                                            <a:latin typeface="Cambria Math" panose="02040503050406030204" pitchFamily="18" charset="0"/>
+                                          </a:rPr>
+                                          <m:t>𝑑</m:t>
+                                        </m:r>
+                                        <m:d>
+                                          <m:dPr>
+                                            <m:ctrlPr>
+                                              <a:rPr lang="pt-BR" i="1">
+                                                <a:latin typeface="Cambria Math" panose="02040503050406030204" pitchFamily="18" charset="0"/>
+                                              </a:rPr>
+                                            </m:ctrlPr>
+                                          </m:dPr>
+                                          <m:e>
+                                            <m:r>
+                                              <a:rPr lang="pt-BR" i="1">
+                                                <a:latin typeface="Cambria Math" panose="02040503050406030204" pitchFamily="18" charset="0"/>
+                                              </a:rPr>
+                                              <m:t>0</m:t>
+                                            </m:r>
+                                          </m:e>
+                                        </m:d>
+                                        <m:r>
+                                          <a:rPr lang="pt-BR" i="1">
+                                            <a:latin typeface="Cambria Math" panose="02040503050406030204" pitchFamily="18" charset="0"/>
+                                          </a:rPr>
+                                          <m:t>𝑥</m:t>
+                                        </m:r>
+                                      </m:e>
+                                      <m:sub>
+                                        <m:r>
+                                          <a:rPr lang="pt-BR" i="1">
+                                            <a:latin typeface="Cambria Math" panose="02040503050406030204" pitchFamily="18" charset="0"/>
+                                          </a:rPr>
+                                          <m:t>𝐾</m:t>
+                                        </m:r>
+                                      </m:sub>
+                                    </m:sSub>
+                                    <m:d>
+                                      <m:dPr>
+                                        <m:ctrlPr>
+                                          <a:rPr lang="pt-BR" i="1">
+                                            <a:latin typeface="Cambria Math" panose="02040503050406030204" pitchFamily="18" charset="0"/>
+                                          </a:rPr>
+                                        </m:ctrlPr>
+                                      </m:dPr>
+                                      <m:e>
+                                        <m:r>
+                                          <a:rPr lang="pt-BR" i="1">
+                                            <a:latin typeface="Cambria Math" panose="02040503050406030204" pitchFamily="18" charset="0"/>
+                                          </a:rPr>
+                                          <m:t>0</m:t>
+                                        </m:r>
+                                      </m:e>
+                                    </m:d>
+                                    <m:r>
+                                      <a:rPr lang="pt-BR" b="0" i="1" smtClean="0">
+                                        <a:latin typeface="Cambria Math" panose="02040503050406030204" pitchFamily="18" charset="0"/>
+                                      </a:rPr>
+                                      <m:t>+</m:t>
+                                    </m:r>
+                                    <m:r>
+                                      <a:rPr lang="pt-BR" i="1">
+                                        <a:latin typeface="Cambria Math" panose="02040503050406030204" pitchFamily="18" charset="0"/>
+                                      </a:rPr>
+                                      <m:t>𝑑</m:t>
+                                    </m:r>
+                                    <m:d>
+                                      <m:dPr>
+                                        <m:ctrlPr>
+                                          <a:rPr lang="pt-BR" i="1">
+                                            <a:latin typeface="Cambria Math" panose="02040503050406030204" pitchFamily="18" charset="0"/>
+                                          </a:rPr>
+                                        </m:ctrlPr>
+                                      </m:dPr>
+                                      <m:e>
+                                        <m:r>
+                                          <a:rPr lang="pt-BR" i="1">
+                                            <a:latin typeface="Cambria Math" panose="02040503050406030204" pitchFamily="18" charset="0"/>
+                                          </a:rPr>
+                                          <m:t>1</m:t>
+                                        </m:r>
+                                      </m:e>
+                                    </m:d>
+                                    <m:sSub>
+                                      <m:sSubPr>
+                                        <m:ctrlPr>
+                                          <a:rPr lang="pt-BR" i="1">
+                                            <a:latin typeface="Cambria Math" panose="02040503050406030204" pitchFamily="18" charset="0"/>
+                                          </a:rPr>
+                                        </m:ctrlPr>
+                                      </m:sSubPr>
+                                      <m:e>
+                                        <m:r>
+                                          <a:rPr lang="pt-BR" i="1">
+                                            <a:latin typeface="Cambria Math" panose="02040503050406030204" pitchFamily="18" charset="0"/>
+                                          </a:rPr>
+                                          <m:t>𝑥</m:t>
+                                        </m:r>
+                                      </m:e>
+                                      <m:sub>
+                                        <m:r>
+                                          <a:rPr lang="pt-BR" i="1">
+                                            <a:latin typeface="Cambria Math" panose="02040503050406030204" pitchFamily="18" charset="0"/>
+                                          </a:rPr>
+                                          <m:t>𝐾</m:t>
+                                        </m:r>
+                                      </m:sub>
+                                    </m:sSub>
+                                    <m:d>
+                                      <m:dPr>
+                                        <m:ctrlPr>
+                                          <a:rPr lang="pt-BR" i="1">
+                                            <a:latin typeface="Cambria Math" panose="02040503050406030204" pitchFamily="18" charset="0"/>
+                                          </a:rPr>
+                                        </m:ctrlPr>
+                                      </m:dPr>
+                                      <m:e>
+                                        <m:r>
+                                          <a:rPr lang="pt-BR" i="1">
+                                            <a:latin typeface="Cambria Math" panose="02040503050406030204" pitchFamily="18" charset="0"/>
+                                          </a:rPr>
+                                          <m:t>1</m:t>
+                                        </m:r>
+                                      </m:e>
+                                    </m:d>
+                                    <m:r>
+                                      <a:rPr lang="pt-BR" b="0" i="1" smtClean="0">
+                                        <a:latin typeface="Cambria Math" panose="02040503050406030204" pitchFamily="18" charset="0"/>
+                                      </a:rPr>
+                                      <m:t>+</m:t>
+                                    </m:r>
+                                    <m:r>
+                                      <a:rPr lang="pt-BR" i="1">
+                                        <a:latin typeface="Cambria Math" panose="02040503050406030204" pitchFamily="18" charset="0"/>
+                                      </a:rPr>
+                                      <m:t>⋯+</m:t>
+                                    </m:r>
+                                    <m:r>
+                                      <a:rPr lang="pt-BR" i="1">
+                                        <a:latin typeface="Cambria Math" panose="02040503050406030204" pitchFamily="18" charset="0"/>
+                                      </a:rPr>
+                                      <m:t>𝑑</m:t>
+                                    </m:r>
+                                    <m:d>
+                                      <m:dPr>
+                                        <m:ctrlPr>
+                                          <a:rPr lang="pt-BR" i="1">
+                                            <a:latin typeface="Cambria Math" panose="02040503050406030204" pitchFamily="18" charset="0"/>
+                                          </a:rPr>
+                                        </m:ctrlPr>
+                                      </m:dPr>
+                                      <m:e>
+                                        <m:r>
+                                          <a:rPr lang="pt-BR" i="1">
+                                            <a:latin typeface="Cambria Math" panose="02040503050406030204" pitchFamily="18" charset="0"/>
+                                          </a:rPr>
+                                          <m:t>𝑁</m:t>
+                                        </m:r>
+                                        <m:r>
+                                          <a:rPr lang="pt-BR" i="1">
+                                            <a:latin typeface="Cambria Math" panose="02040503050406030204" pitchFamily="18" charset="0"/>
+                                          </a:rPr>
+                                          <m:t>−1</m:t>
+                                        </m:r>
+                                      </m:e>
+                                    </m:d>
+                                    <m:sSub>
+                                      <m:sSubPr>
+                                        <m:ctrlPr>
+                                          <a:rPr lang="pt-BR" i="1">
+                                            <a:latin typeface="Cambria Math" panose="02040503050406030204" pitchFamily="18" charset="0"/>
+                                          </a:rPr>
+                                        </m:ctrlPr>
+                                      </m:sSubPr>
+                                      <m:e>
+                                        <m:r>
+                                          <a:rPr lang="pt-BR" i="1">
+                                            <a:latin typeface="Cambria Math" panose="02040503050406030204" pitchFamily="18" charset="0"/>
+                                          </a:rPr>
+                                          <m:t>𝑥</m:t>
+                                        </m:r>
+                                      </m:e>
+                                      <m:sub>
+                                        <m:r>
+                                          <a:rPr lang="pt-BR" b="0" i="1" smtClean="0">
+                                            <a:latin typeface="Cambria Math" panose="02040503050406030204" pitchFamily="18" charset="0"/>
+                                          </a:rPr>
+                                          <m:t>𝐾</m:t>
+                                        </m:r>
+                                      </m:sub>
+                                    </m:sSub>
+                                    <m:d>
+                                      <m:dPr>
+                                        <m:ctrlPr>
+                                          <a:rPr lang="pt-BR" i="1">
+                                            <a:latin typeface="Cambria Math" panose="02040503050406030204" pitchFamily="18" charset="0"/>
+                                          </a:rPr>
+                                        </m:ctrlPr>
+                                      </m:dPr>
+                                      <m:e>
+                                        <m:r>
+                                          <a:rPr lang="pt-BR" i="1">
+                                            <a:latin typeface="Cambria Math" panose="02040503050406030204" pitchFamily="18" charset="0"/>
+                                          </a:rPr>
+                                          <m:t>𝑁</m:t>
+                                        </m:r>
+                                        <m:r>
+                                          <a:rPr lang="pt-BR" i="1">
+                                            <a:latin typeface="Cambria Math" panose="02040503050406030204" pitchFamily="18" charset="0"/>
+                                          </a:rPr>
+                                          <m:t>−1</m:t>
+                                        </m:r>
+                                      </m:e>
+                                    </m:d>
+                                  </m:e>
+                                </m:mr>
+                              </m:m>
+                            </m:e>
+                          </m:d>
+                        </m:e>
+                      </m:d>
+                      <m:r>
+                        <a:rPr lang="pt-BR" b="0" i="1" smtClean="0">
+                          <a:latin typeface="Cambria Math" panose="02040503050406030204" pitchFamily="18" charset="0"/>
+                        </a:rPr>
+                        <m:t>.</m:t>
+                      </m:r>
+                    </m:oMath>
+                  </m:oMathPara>
+                </a14:m>
+                <a:endParaRPr lang="pt-BR" dirty="0"/>
+              </a:p>
+              <a:p>
+                <a:pPr marL="0" indent="0">
+                  <a:buNone/>
+                </a:pPr>
+                <a:r>
+                  <a:rPr lang="pt-BR" dirty="0"/>
+                  <a:t>Notem que a equação acima é um </a:t>
+                </a:r>
+                <a:r>
+                  <a:rPr lang="pt-BR" b="1" i="1" dirty="0"/>
+                  <a:t>vetor coluna </a:t>
+                </a:r>
+                <a:r>
+                  <a:rPr lang="pt-BR" dirty="0"/>
+                  <a:t>com dimensão </a:t>
+                </a:r>
+                <a14:m>
+                  <m:oMath xmlns:m="http://schemas.openxmlformats.org/officeDocument/2006/math">
+                    <m:r>
+                      <a:rPr lang="pt-BR" b="0" i="1" smtClean="0">
+                        <a:latin typeface="Cambria Math" panose="02040503050406030204" pitchFamily="18" charset="0"/>
+                      </a:rPr>
+                      <m:t>𝐾</m:t>
+                    </m:r>
+                    <m:r>
+                      <a:rPr lang="pt-BR" b="0" i="1" smtClean="0">
+                        <a:latin typeface="Cambria Math" panose="02040503050406030204" pitchFamily="18" charset="0"/>
+                      </a:rPr>
+                      <m:t>+1×1</m:t>
+                    </m:r>
+                  </m:oMath>
+                </a14:m>
+                <a:r>
+                  <a:rPr lang="pt-BR" dirty="0"/>
+                  <a:t>.</a:t>
+                </a:r>
+              </a:p>
+            </p:txBody>
+          </p:sp>
+        </mc:Choice>
+        <mc:Fallback>
+          <p:sp>
+            <p:nvSpPr>
+              <p:cNvPr id="3" name="Espaço Reservado para Conteúdo 2">
+                <a:extLst>
+                  <a:ext uri="{FF2B5EF4-FFF2-40B4-BE49-F238E27FC236}">
+                    <a16:creationId xmlns:a16="http://schemas.microsoft.com/office/drawing/2014/main" id="{B047B17F-DE79-FCF4-4732-AC53E27E5744}"/>
+                  </a:ext>
+                </a:extLst>
+              </p:cNvPr>
+              <p:cNvSpPr>
+                <a:spLocks noGrp="1" noRot="1" noChangeAspect="1" noMove="1" noResize="1" noEditPoints="1" noAdjustHandles="1" noChangeArrowheads="1" noChangeShapeType="1" noTextEdit="1"/>
+              </p:cNvSpPr>
+              <p:nvPr>
+                <p:ph idx="1"/>
+              </p:nvPr>
+            </p:nvSpPr>
+            <p:spPr>
+              <a:xfrm>
+                <a:off x="838199" y="1825625"/>
+                <a:ext cx="11120919" cy="5032375"/>
+              </a:xfrm>
+              <a:blipFill>
+                <a:blip r:embed="rId2"/>
+                <a:stretch>
+                  <a:fillRect l="-1096" t="-1937"/>
+                </a:stretch>
+              </a:blipFill>
+            </p:spPr>
+            <p:txBody>
+              <a:bodyPr/>
+              <a:lstStyle/>
+              <a:p>
+                <a:r>
+                  <a:rPr lang="pt-BR">
+                    <a:noFill/>
+                  </a:rPr>
+                  <a:t> </a:t>
+                </a:r>
+              </a:p>
+            </p:txBody>
+          </p:sp>
+        </mc:Fallback>
+      </mc:AlternateContent>
+    </p:spTree>
+    <p:extLst>
+      <p:ext uri="{BB962C8B-B14F-4D97-AF65-F5344CB8AC3E}">
+        <p14:creationId xmlns:p14="http://schemas.microsoft.com/office/powerpoint/2010/main" val="2643264798"/>
+      </p:ext>
+    </p:extLst>
+  </p:cSld>
+  <p:clrMapOvr>
+    <a:masterClrMapping/>
+  </p:clrMapOvr>
+</p:sld>
+</file>
+
+<file path=ppt/slides/slide38.xml><?xml version="1.0" encoding="utf-8"?>
+<p:sld xmlns:a="http://schemas.openxmlformats.org/drawingml/2006/main" xmlns:r="http://schemas.openxmlformats.org/officeDocument/2006/relationships" xmlns:p="http://schemas.openxmlformats.org/presentationml/2006/main">
+  <p:cSld>
+    <p:spTree>
+      <p:nvGrpSpPr>
+        <p:cNvPr id="1" name=""/>
+        <p:cNvGrpSpPr/>
+        <p:nvPr/>
+      </p:nvGrpSpPr>
+      <p:grpSpPr>
+        <a:xfrm>
+          <a:off x="0" y="0"/>
+          <a:ext cx="0" cy="0"/>
+          <a:chOff x="0" y="0"/>
+          <a:chExt cx="0" cy="0"/>
+        </a:xfrm>
+      </p:grpSpPr>
+      <p:sp>
+        <p:nvSpPr>
+          <p:cNvPr id="2" name="Título 1">
+            <a:extLst>
+              <a:ext uri="{FF2B5EF4-FFF2-40B4-BE49-F238E27FC236}">
+                <a16:creationId xmlns:a16="http://schemas.microsoft.com/office/drawing/2014/main" id="{4A9B9A54-37B4-8767-0F70-8AFDB27C5E5D}"/>
+              </a:ext>
+            </a:extLst>
+          </p:cNvPr>
+          <p:cNvSpPr>
+            <a:spLocks noGrp="1"/>
+          </p:cNvSpPr>
+          <p:nvPr>
+            <p:ph type="title"/>
+          </p:nvPr>
+        </p:nvSpPr>
+        <p:spPr/>
+        <p:txBody>
+          <a:bodyPr/>
+          <a:lstStyle/>
+          <a:p>
+            <a:r>
+              <a:rPr lang="pt-BR" dirty="0"/>
+              <a:t>Cálculo do vetor gradiente</a:t>
+            </a:r>
+          </a:p>
+        </p:txBody>
+      </p:sp>
+      <mc:AlternateContent xmlns:mc="http://schemas.openxmlformats.org/markup-compatibility/2006">
+        <mc:Choice xmlns:a14="http://schemas.microsoft.com/office/drawing/2010/main" Requires="a14">
+          <p:sp>
+            <p:nvSpPr>
+              <p:cNvPr id="3" name="Espaço Reservado para Conteúdo 2">
+                <a:extLst>
+                  <a:ext uri="{FF2B5EF4-FFF2-40B4-BE49-F238E27FC236}">
+                    <a16:creationId xmlns:a16="http://schemas.microsoft.com/office/drawing/2014/main" id="{7BD817CF-4D8D-9B30-5AB1-25FC1DC3EECD}"/>
+                  </a:ext>
+                </a:extLst>
+              </p:cNvPr>
+              <p:cNvSpPr>
+                <a:spLocks noGrp="1"/>
+              </p:cNvSpPr>
+              <p:nvPr>
+                <p:ph idx="1"/>
+              </p:nvPr>
+            </p:nvSpPr>
+            <p:spPr>
+              <a:xfrm>
+                <a:off x="838199" y="1825624"/>
+                <a:ext cx="11018179" cy="5032375"/>
+              </a:xfrm>
+            </p:spPr>
+            <p:txBody>
+              <a:bodyPr/>
+              <a:lstStyle/>
+              <a:p>
+                <a:pPr marL="0" indent="0">
+                  <a:buNone/>
+                </a:pPr>
+                <a:r>
+                  <a:rPr lang="pt-BR" dirty="0"/>
+                  <a:t>Podemos reescrever a equação (i.e., vetor) anterior como uma multiplicação matricial</a:t>
+                </a:r>
+              </a:p>
+              <a:p>
+                <a:pPr marL="0" indent="0">
+                  <a:buNone/>
+                </a:pPr>
+                <a14:m>
+                  <m:oMathPara xmlns:m="http://schemas.openxmlformats.org/officeDocument/2006/math">
+                    <m:oMathParaPr>
+                      <m:jc m:val="centerGroup"/>
+                    </m:oMathParaPr>
+                    <m:oMath xmlns:m="http://schemas.openxmlformats.org/officeDocument/2006/math">
+                      <m:f>
+                        <m:fPr>
+                          <m:ctrlPr>
+                            <a:rPr lang="pt-BR" i="1" smtClean="0">
+                              <a:latin typeface="Cambria Math" panose="02040503050406030204" pitchFamily="18" charset="0"/>
+                            </a:rPr>
+                          </m:ctrlPr>
+                        </m:fPr>
+                        <m:num>
+                          <m:r>
+                            <a:rPr lang="pt-BR" i="1">
+                              <a:latin typeface="Cambria Math" panose="02040503050406030204" pitchFamily="18" charset="0"/>
+                            </a:rPr>
+                            <m:t>𝜕</m:t>
+                          </m:r>
+                          <m:sSub>
+                            <m:sSubPr>
+                              <m:ctrlPr>
+                                <a:rPr lang="pt-BR" i="1">
+                                  <a:latin typeface="Cambria Math" panose="02040503050406030204" pitchFamily="18" charset="0"/>
+                                </a:rPr>
+                              </m:ctrlPr>
+                            </m:sSubPr>
+                            <m:e>
+                              <m:r>
+                                <a:rPr lang="pt-BR" i="1">
+                                  <a:latin typeface="Cambria Math" panose="02040503050406030204" pitchFamily="18" charset="0"/>
+                                </a:rPr>
+                                <m:t>𝐽</m:t>
+                              </m:r>
+                            </m:e>
+                            <m:sub>
+                              <m:r>
+                                <a:rPr lang="pt-BR" i="1">
+                                  <a:latin typeface="Cambria Math" panose="02040503050406030204" pitchFamily="18" charset="0"/>
+                                </a:rPr>
+                                <m:t>𝑒</m:t>
+                              </m:r>
+                            </m:sub>
+                          </m:sSub>
+                          <m:d>
+                            <m:dPr>
+                              <m:ctrlPr>
+                                <a:rPr lang="pt-BR" i="1">
+                                  <a:latin typeface="Cambria Math" panose="02040503050406030204" pitchFamily="18" charset="0"/>
+                                </a:rPr>
+                              </m:ctrlPr>
+                            </m:dPr>
+                            <m:e>
+                              <m:r>
+                                <a:rPr lang="pt-BR" b="1" i="1">
+                                  <a:latin typeface="Cambria Math" panose="02040503050406030204" pitchFamily="18" charset="0"/>
+                                </a:rPr>
+                                <m:t>𝒂</m:t>
+                              </m:r>
+                            </m:e>
+                          </m:d>
+                        </m:num>
+                        <m:den>
+                          <m:r>
+                            <a:rPr lang="pt-BR" i="1">
+                              <a:latin typeface="Cambria Math" panose="02040503050406030204" pitchFamily="18" charset="0"/>
+                            </a:rPr>
+                            <m:t>𝜕</m:t>
+                          </m:r>
+                          <m:r>
+                            <a:rPr lang="pt-BR" b="1" i="1">
+                              <a:latin typeface="Cambria Math" panose="02040503050406030204" pitchFamily="18" charset="0"/>
+                            </a:rPr>
+                            <m:t>𝒂</m:t>
+                          </m:r>
+                        </m:den>
+                      </m:f>
+                      <m:r>
+                        <a:rPr lang="pt-BR" b="1" i="1">
+                          <a:latin typeface="Cambria Math" panose="02040503050406030204" pitchFamily="18" charset="0"/>
+                        </a:rPr>
+                        <m:t>=</m:t>
+                      </m:r>
+                      <m:r>
+                        <a:rPr lang="pt-BR">
+                          <a:latin typeface="Cambria Math" panose="02040503050406030204" pitchFamily="18" charset="0"/>
+                        </a:rPr>
+                        <m:t>−</m:t>
+                      </m:r>
+                      <m:f>
+                        <m:fPr>
+                          <m:ctrlPr>
+                            <a:rPr lang="pt-BR" i="1">
+                              <a:latin typeface="Cambria Math" panose="02040503050406030204" pitchFamily="18" charset="0"/>
+                            </a:rPr>
+                          </m:ctrlPr>
+                        </m:fPr>
+                        <m:num>
+                          <m:r>
+                            <a:rPr lang="pt-BR" i="1">
+                              <a:latin typeface="Cambria Math" panose="02040503050406030204" pitchFamily="18" charset="0"/>
+                            </a:rPr>
+                            <m:t>2</m:t>
+                          </m:r>
+                        </m:num>
+                        <m:den>
+                          <m:r>
+                            <a:rPr lang="pt-BR" i="1">
+                              <a:latin typeface="Cambria Math" panose="02040503050406030204" pitchFamily="18" charset="0"/>
+                            </a:rPr>
+                            <m:t>𝑁</m:t>
+                          </m:r>
+                        </m:den>
+                      </m:f>
+                      <m:d>
+                        <m:dPr>
+                          <m:begChr m:val="["/>
+                          <m:endChr m:val="]"/>
+                          <m:ctrlPr>
+                            <a:rPr lang="pt-BR" b="1" i="1" smtClean="0">
+                              <a:latin typeface="Cambria Math" panose="02040503050406030204" pitchFamily="18" charset="0"/>
+                            </a:rPr>
+                          </m:ctrlPr>
+                        </m:dPr>
+                        <m:e>
+                          <m:m>
+                            <m:mPr>
+                              <m:mcs>
+                                <m:mc>
+                                  <m:mcPr>
+                                    <m:count m:val="3"/>
+                                    <m:mcJc m:val="center"/>
+                                  </m:mcPr>
+                                </m:mc>
+                              </m:mcs>
+                              <m:ctrlPr>
+                                <a:rPr lang="pt-BR" b="1" i="1" smtClean="0">
+                                  <a:latin typeface="Cambria Math" panose="02040503050406030204" pitchFamily="18" charset="0"/>
+                                </a:rPr>
+                              </m:ctrlPr>
+                            </m:mPr>
+                            <m:mr>
+                              <m:e>
+                                <m:sSub>
+                                  <m:sSubPr>
+                                    <m:ctrlPr>
+                                      <a:rPr lang="pt-BR" i="1">
+                                        <a:latin typeface="Cambria Math" panose="02040503050406030204" pitchFamily="18" charset="0"/>
+                                      </a:rPr>
+                                    </m:ctrlPr>
+                                  </m:sSubPr>
+                                  <m:e>
+                                    <m:r>
+                                      <a:rPr lang="pt-BR" i="1">
+                                        <a:latin typeface="Cambria Math" panose="02040503050406030204" pitchFamily="18" charset="0"/>
+                                      </a:rPr>
+                                      <m:t>𝑥</m:t>
+                                    </m:r>
+                                  </m:e>
+                                  <m:sub>
+                                    <m:r>
+                                      <a:rPr lang="pt-BR" i="1">
+                                        <a:latin typeface="Cambria Math" panose="02040503050406030204" pitchFamily="18" charset="0"/>
+                                      </a:rPr>
+                                      <m:t>0</m:t>
+                                    </m:r>
+                                  </m:sub>
+                                </m:sSub>
+                                <m:d>
+                                  <m:dPr>
+                                    <m:ctrlPr>
+                                      <a:rPr lang="pt-BR" i="1">
+                                        <a:latin typeface="Cambria Math" panose="02040503050406030204" pitchFamily="18" charset="0"/>
+                                      </a:rPr>
+                                    </m:ctrlPr>
+                                  </m:dPr>
+                                  <m:e>
+                                    <m:r>
+                                      <a:rPr lang="pt-BR" i="1">
+                                        <a:latin typeface="Cambria Math" panose="02040503050406030204" pitchFamily="18" charset="0"/>
+                                      </a:rPr>
+                                      <m:t>0</m:t>
+                                    </m:r>
+                                  </m:e>
+                                </m:d>
+                              </m:e>
+                              <m:e>
+                                <m:sSub>
+                                  <m:sSubPr>
+                                    <m:ctrlPr>
+                                      <a:rPr lang="pt-BR" i="1">
+                                        <a:latin typeface="Cambria Math" panose="02040503050406030204" pitchFamily="18" charset="0"/>
+                                      </a:rPr>
+                                    </m:ctrlPr>
+                                  </m:sSubPr>
+                                  <m:e>
+                                    <m:r>
+                                      <a:rPr lang="pt-BR" i="1">
+                                        <a:latin typeface="Cambria Math" panose="02040503050406030204" pitchFamily="18" charset="0"/>
+                                      </a:rPr>
+                                      <m:t>𝑥</m:t>
+                                    </m:r>
+                                  </m:e>
+                                  <m:sub>
+                                    <m:r>
+                                      <a:rPr lang="pt-BR" i="1">
+                                        <a:latin typeface="Cambria Math" panose="02040503050406030204" pitchFamily="18" charset="0"/>
+                                      </a:rPr>
+                                      <m:t>0</m:t>
+                                    </m:r>
+                                  </m:sub>
+                                </m:sSub>
+                                <m:d>
+                                  <m:dPr>
+                                    <m:ctrlPr>
+                                      <a:rPr lang="pt-BR" i="1">
+                                        <a:latin typeface="Cambria Math" panose="02040503050406030204" pitchFamily="18" charset="0"/>
+                                      </a:rPr>
+                                    </m:ctrlPr>
+                                  </m:dPr>
+                                  <m:e>
+                                    <m:r>
+                                      <a:rPr lang="pt-BR" b="0" i="1" smtClean="0">
+                                        <a:latin typeface="Cambria Math" panose="02040503050406030204" pitchFamily="18" charset="0"/>
+                                      </a:rPr>
+                                      <m:t>1</m:t>
+                                    </m:r>
+                                  </m:e>
+                                </m:d>
+                              </m:e>
+                              <m:e>
+                                <m:m>
+                                  <m:mPr>
+                                    <m:mcs>
+                                      <m:mc>
+                                        <m:mcPr>
+                                          <m:count m:val="2"/>
+                                          <m:mcJc m:val="center"/>
+                                        </m:mcPr>
+                                      </m:mc>
+                                    </m:mcs>
+                                    <m:ctrlPr>
+                                      <a:rPr lang="pt-BR" b="1" i="1" smtClean="0">
+                                        <a:latin typeface="Cambria Math" panose="02040503050406030204" pitchFamily="18" charset="0"/>
+                                      </a:rPr>
+                                    </m:ctrlPr>
+                                  </m:mPr>
+                                  <m:mr>
+                                    <m:e>
+                                      <m:r>
+                                        <m:rPr>
+                                          <m:brk m:alnAt="7"/>
+                                        </m:rPr>
+                                        <a:rPr lang="pt-BR" b="1" i="1" smtClean="0">
+                                          <a:latin typeface="Cambria Math" panose="02040503050406030204" pitchFamily="18" charset="0"/>
+                                        </a:rPr>
+                                        <m:t>⋯</m:t>
+                                      </m:r>
+                                    </m:e>
+                                    <m:e>
+                                      <m:sSub>
+                                        <m:sSubPr>
+                                          <m:ctrlPr>
+                                            <a:rPr lang="pt-BR" i="1">
+                                              <a:latin typeface="Cambria Math" panose="02040503050406030204" pitchFamily="18" charset="0"/>
+                                            </a:rPr>
+                                          </m:ctrlPr>
+                                        </m:sSubPr>
+                                        <m:e>
+                                          <m:r>
+                                            <a:rPr lang="pt-BR" i="1">
+                                              <a:latin typeface="Cambria Math" panose="02040503050406030204" pitchFamily="18" charset="0"/>
+                                            </a:rPr>
+                                            <m:t>𝑥</m:t>
+                                          </m:r>
+                                        </m:e>
+                                        <m:sub>
+                                          <m:r>
+                                            <a:rPr lang="pt-BR" i="1">
+                                              <a:latin typeface="Cambria Math" panose="02040503050406030204" pitchFamily="18" charset="0"/>
+                                            </a:rPr>
+                                            <m:t>0</m:t>
+                                          </m:r>
+                                        </m:sub>
+                                      </m:sSub>
+                                      <m:d>
+                                        <m:dPr>
+                                          <m:ctrlPr>
+                                            <a:rPr lang="pt-BR" i="1">
+                                              <a:latin typeface="Cambria Math" panose="02040503050406030204" pitchFamily="18" charset="0"/>
+                                            </a:rPr>
+                                          </m:ctrlPr>
+                                        </m:dPr>
+                                        <m:e>
+                                          <m:r>
+                                            <a:rPr lang="pt-BR" b="0" i="1" smtClean="0">
+                                              <a:latin typeface="Cambria Math" panose="02040503050406030204" pitchFamily="18" charset="0"/>
+                                            </a:rPr>
+                                            <m:t>𝑁</m:t>
+                                          </m:r>
+                                          <m:r>
+                                            <a:rPr lang="pt-BR" b="0" i="1" smtClean="0">
+                                              <a:latin typeface="Cambria Math" panose="02040503050406030204" pitchFamily="18" charset="0"/>
+                                            </a:rPr>
+                                            <m:t>−1</m:t>
+                                          </m:r>
+                                        </m:e>
+                                      </m:d>
+                                    </m:e>
+                                  </m:mr>
+                                </m:m>
+                              </m:e>
+                            </m:mr>
+                            <m:mr>
+                              <m:e>
+                                <m:r>
+                                  <a:rPr lang="pt-BR" b="1" i="1" smtClean="0">
+                                    <a:latin typeface="Cambria Math" panose="02040503050406030204" pitchFamily="18" charset="0"/>
+                                  </a:rPr>
+                                  <m:t>⋮</m:t>
+                                </m:r>
+                              </m:e>
+                              <m:e>
+                                <m:r>
+                                  <a:rPr lang="pt-BR" b="1" i="1">
+                                    <a:latin typeface="Cambria Math" panose="02040503050406030204" pitchFamily="18" charset="0"/>
+                                  </a:rPr>
+                                  <m:t>⋮</m:t>
+                                </m:r>
+                              </m:e>
+                              <m:e>
+                                <m:r>
+                                  <a:rPr lang="pt-BR" b="1" i="1">
+                                    <a:latin typeface="Cambria Math" panose="02040503050406030204" pitchFamily="18" charset="0"/>
+                                  </a:rPr>
+                                  <m:t>⋮</m:t>
+                                </m:r>
+                              </m:e>
+                            </m:mr>
+                            <m:mr>
+                              <m:e>
+                                <m:sSub>
+                                  <m:sSubPr>
+                                    <m:ctrlPr>
+                                      <a:rPr lang="pt-BR" i="1">
+                                        <a:latin typeface="Cambria Math" panose="02040503050406030204" pitchFamily="18" charset="0"/>
+                                      </a:rPr>
+                                    </m:ctrlPr>
+                                  </m:sSubPr>
+                                  <m:e>
+                                    <m:r>
+                                      <a:rPr lang="pt-BR" i="1">
+                                        <a:latin typeface="Cambria Math" panose="02040503050406030204" pitchFamily="18" charset="0"/>
+                                      </a:rPr>
+                                      <m:t>𝑥</m:t>
+                                    </m:r>
+                                  </m:e>
+                                  <m:sub>
+                                    <m:r>
+                                      <a:rPr lang="pt-BR" b="0" i="1" smtClean="0">
+                                        <a:latin typeface="Cambria Math" panose="02040503050406030204" pitchFamily="18" charset="0"/>
+                                      </a:rPr>
+                                      <m:t>𝐾</m:t>
+                                    </m:r>
+                                  </m:sub>
+                                </m:sSub>
+                                <m:d>
+                                  <m:dPr>
+                                    <m:ctrlPr>
+                                      <a:rPr lang="pt-BR" i="1">
+                                        <a:latin typeface="Cambria Math" panose="02040503050406030204" pitchFamily="18" charset="0"/>
+                                      </a:rPr>
+                                    </m:ctrlPr>
+                                  </m:dPr>
+                                  <m:e>
+                                    <m:r>
+                                      <a:rPr lang="pt-BR" i="1">
+                                        <a:latin typeface="Cambria Math" panose="02040503050406030204" pitchFamily="18" charset="0"/>
+                                      </a:rPr>
+                                      <m:t>0</m:t>
+                                    </m:r>
+                                  </m:e>
+                                </m:d>
+                              </m:e>
+                              <m:e>
+                                <m:sSub>
+                                  <m:sSubPr>
+                                    <m:ctrlPr>
+                                      <a:rPr lang="pt-BR" i="1">
+                                        <a:latin typeface="Cambria Math" panose="02040503050406030204" pitchFamily="18" charset="0"/>
+                                      </a:rPr>
+                                    </m:ctrlPr>
+                                  </m:sSubPr>
+                                  <m:e>
+                                    <m:r>
+                                      <a:rPr lang="pt-BR" i="1">
+                                        <a:latin typeface="Cambria Math" panose="02040503050406030204" pitchFamily="18" charset="0"/>
+                                      </a:rPr>
+                                      <m:t>𝑥</m:t>
+                                    </m:r>
+                                  </m:e>
+                                  <m:sub>
+                                    <m:r>
+                                      <a:rPr lang="pt-BR" b="0" i="1" smtClean="0">
+                                        <a:latin typeface="Cambria Math" panose="02040503050406030204" pitchFamily="18" charset="0"/>
+                                      </a:rPr>
+                                      <m:t>𝐾</m:t>
+                                    </m:r>
+                                  </m:sub>
+                                </m:sSub>
+                                <m:d>
+                                  <m:dPr>
+                                    <m:ctrlPr>
+                                      <a:rPr lang="pt-BR" i="1">
+                                        <a:latin typeface="Cambria Math" panose="02040503050406030204" pitchFamily="18" charset="0"/>
+                                      </a:rPr>
+                                    </m:ctrlPr>
+                                  </m:dPr>
+                                  <m:e>
+                                    <m:r>
+                                      <a:rPr lang="pt-BR" i="1">
+                                        <a:latin typeface="Cambria Math" panose="02040503050406030204" pitchFamily="18" charset="0"/>
+                                      </a:rPr>
+                                      <m:t>1</m:t>
+                                    </m:r>
+                                  </m:e>
+                                </m:d>
+                              </m:e>
+                              <m:e>
+                                <m:m>
+                                  <m:mPr>
+                                    <m:mcs>
+                                      <m:mc>
+                                        <m:mcPr>
+                                          <m:count m:val="2"/>
+                                          <m:mcJc m:val="center"/>
+                                        </m:mcPr>
+                                      </m:mc>
+                                    </m:mcs>
+                                    <m:ctrlPr>
+                                      <a:rPr lang="pt-BR" b="1" i="1" smtClean="0">
+                                        <a:latin typeface="Cambria Math" panose="02040503050406030204" pitchFamily="18" charset="0"/>
+                                      </a:rPr>
+                                    </m:ctrlPr>
+                                  </m:mPr>
+                                  <m:mr>
+                                    <m:e>
+                                      <m:r>
+                                        <m:rPr>
+                                          <m:brk m:alnAt="7"/>
+                                        </m:rPr>
+                                        <a:rPr lang="pt-BR" b="1" i="1" smtClean="0">
+                                          <a:latin typeface="Cambria Math" panose="02040503050406030204" pitchFamily="18" charset="0"/>
+                                        </a:rPr>
+                                        <m:t>⋯</m:t>
+                                      </m:r>
+                                    </m:e>
+                                    <m:e>
+                                      <m:sSub>
+                                        <m:sSubPr>
+                                          <m:ctrlPr>
+                                            <a:rPr lang="pt-BR" i="1">
+                                              <a:latin typeface="Cambria Math" panose="02040503050406030204" pitchFamily="18" charset="0"/>
+                                            </a:rPr>
+                                          </m:ctrlPr>
+                                        </m:sSubPr>
+                                        <m:e>
+                                          <m:r>
+                                            <a:rPr lang="pt-BR" i="1">
+                                              <a:latin typeface="Cambria Math" panose="02040503050406030204" pitchFamily="18" charset="0"/>
+                                            </a:rPr>
+                                            <m:t>𝑥</m:t>
+                                          </m:r>
+                                        </m:e>
+                                        <m:sub>
+                                          <m:r>
+                                            <a:rPr lang="pt-BR" b="0" i="1" smtClean="0">
+                                              <a:latin typeface="Cambria Math" panose="02040503050406030204" pitchFamily="18" charset="0"/>
+                                            </a:rPr>
+                                            <m:t>𝐾</m:t>
+                                          </m:r>
+                                        </m:sub>
+                                      </m:sSub>
+                                      <m:d>
+                                        <m:dPr>
+                                          <m:ctrlPr>
+                                            <a:rPr lang="pt-BR" i="1">
+                                              <a:latin typeface="Cambria Math" panose="02040503050406030204" pitchFamily="18" charset="0"/>
+                                            </a:rPr>
+                                          </m:ctrlPr>
+                                        </m:dPr>
+                                        <m:e>
+                                          <m:r>
+                                            <a:rPr lang="pt-BR" i="1">
+                                              <a:latin typeface="Cambria Math" panose="02040503050406030204" pitchFamily="18" charset="0"/>
+                                            </a:rPr>
+                                            <m:t>𝑁</m:t>
+                                          </m:r>
+                                          <m:r>
+                                            <a:rPr lang="pt-BR" i="1">
+                                              <a:latin typeface="Cambria Math" panose="02040503050406030204" pitchFamily="18" charset="0"/>
+                                            </a:rPr>
+                                            <m:t>−1</m:t>
+                                          </m:r>
+                                        </m:e>
+                                      </m:d>
+                                    </m:e>
+                                  </m:mr>
+                                </m:m>
+                              </m:e>
+                            </m:mr>
+                          </m:m>
+                        </m:e>
+                      </m:d>
+                      <m:d>
+                        <m:dPr>
+                          <m:begChr m:val="["/>
+                          <m:endChr m:val="]"/>
+                          <m:ctrlPr>
+                            <a:rPr lang="pt-BR" b="1" i="1" smtClean="0">
+                              <a:latin typeface="Cambria Math" panose="02040503050406030204" pitchFamily="18" charset="0"/>
+                            </a:rPr>
+                          </m:ctrlPr>
+                        </m:dPr>
+                        <m:e>
+                          <m:m>
+                            <m:mPr>
+                              <m:mcs>
+                                <m:mc>
+                                  <m:mcPr>
+                                    <m:count m:val="1"/>
+                                    <m:mcJc m:val="center"/>
+                                  </m:mcPr>
+                                </m:mc>
+                              </m:mcs>
+                              <m:ctrlPr>
+                                <a:rPr lang="pt-BR" b="1" i="1" smtClean="0">
+                                  <a:latin typeface="Cambria Math" panose="02040503050406030204" pitchFamily="18" charset="0"/>
+                                </a:rPr>
+                              </m:ctrlPr>
+                            </m:mPr>
+                            <m:mr>
+                              <m:e>
+                                <m:r>
+                                  <a:rPr lang="pt-BR" i="1">
+                                    <a:latin typeface="Cambria Math" panose="02040503050406030204" pitchFamily="18" charset="0"/>
+                                  </a:rPr>
+                                  <m:t>𝑑</m:t>
+                                </m:r>
+                                <m:d>
+                                  <m:dPr>
+                                    <m:ctrlPr>
+                                      <a:rPr lang="pt-BR" i="1">
+                                        <a:latin typeface="Cambria Math" panose="02040503050406030204" pitchFamily="18" charset="0"/>
+                                      </a:rPr>
+                                    </m:ctrlPr>
+                                  </m:dPr>
+                                  <m:e>
+                                    <m:r>
+                                      <a:rPr lang="pt-BR" i="1">
+                                        <a:latin typeface="Cambria Math" panose="02040503050406030204" pitchFamily="18" charset="0"/>
+                                      </a:rPr>
+                                      <m:t>0</m:t>
+                                    </m:r>
+                                  </m:e>
+                                </m:d>
+                              </m:e>
+                            </m:mr>
+                            <m:mr>
+                              <m:e>
+                                <m:r>
+                                  <a:rPr lang="pt-BR" i="1">
+                                    <a:latin typeface="Cambria Math" panose="02040503050406030204" pitchFamily="18" charset="0"/>
+                                  </a:rPr>
+                                  <m:t>𝑑</m:t>
+                                </m:r>
+                                <m:d>
+                                  <m:dPr>
+                                    <m:ctrlPr>
+                                      <a:rPr lang="pt-BR" i="1">
+                                        <a:latin typeface="Cambria Math" panose="02040503050406030204" pitchFamily="18" charset="0"/>
+                                      </a:rPr>
+                                    </m:ctrlPr>
+                                  </m:dPr>
+                                  <m:e>
+                                    <m:r>
+                                      <a:rPr lang="pt-BR" b="0" i="1" smtClean="0">
+                                        <a:latin typeface="Cambria Math" panose="02040503050406030204" pitchFamily="18" charset="0"/>
+                                      </a:rPr>
+                                      <m:t>1</m:t>
+                                    </m:r>
+                                  </m:e>
+                                </m:d>
+                              </m:e>
+                            </m:mr>
+                            <m:mr>
+                              <m:e>
+                                <m:m>
+                                  <m:mPr>
+                                    <m:mcs>
+                                      <m:mc>
+                                        <m:mcPr>
+                                          <m:count m:val="1"/>
+                                          <m:mcJc m:val="center"/>
+                                        </m:mcPr>
+                                      </m:mc>
+                                    </m:mcs>
+                                    <m:ctrlPr>
+                                      <a:rPr lang="pt-BR" b="1" i="1" smtClean="0">
+                                        <a:latin typeface="Cambria Math" panose="02040503050406030204" pitchFamily="18" charset="0"/>
+                                      </a:rPr>
+                                    </m:ctrlPr>
+                                  </m:mPr>
+                                  <m:mr>
+                                    <m:e>
+                                      <m:r>
+                                        <m:rPr>
+                                          <m:brk m:alnAt="7"/>
+                                        </m:rPr>
+                                        <a:rPr lang="pt-BR" b="1" i="1" smtClean="0">
+                                          <a:latin typeface="Cambria Math" panose="02040503050406030204" pitchFamily="18" charset="0"/>
+                                        </a:rPr>
+                                        <m:t>⋮</m:t>
+                                      </m:r>
+                                    </m:e>
+                                  </m:mr>
+                                  <m:mr>
+                                    <m:e>
+                                      <m:r>
+                                        <a:rPr lang="pt-BR" i="1">
+                                          <a:latin typeface="Cambria Math" panose="02040503050406030204" pitchFamily="18" charset="0"/>
+                                        </a:rPr>
+                                        <m:t>𝑑</m:t>
+                                      </m:r>
+                                      <m:d>
+                                        <m:dPr>
+                                          <m:ctrlPr>
+                                            <a:rPr lang="pt-BR" i="1">
+                                              <a:latin typeface="Cambria Math" panose="02040503050406030204" pitchFamily="18" charset="0"/>
+                                            </a:rPr>
+                                          </m:ctrlPr>
+                                        </m:dPr>
+                                        <m:e>
+                                          <m:r>
+                                            <a:rPr lang="pt-BR" b="0" i="1" smtClean="0">
+                                              <a:latin typeface="Cambria Math" panose="02040503050406030204" pitchFamily="18" charset="0"/>
+                                            </a:rPr>
+                                            <m:t>𝑁</m:t>
+                                          </m:r>
+                                          <m:r>
+                                            <a:rPr lang="pt-BR" b="0" i="1" smtClean="0">
+                                              <a:latin typeface="Cambria Math" panose="02040503050406030204" pitchFamily="18" charset="0"/>
+                                            </a:rPr>
+                                            <m:t>−1</m:t>
+                                          </m:r>
+                                        </m:e>
+                                      </m:d>
+                                    </m:e>
+                                  </m:mr>
+                                </m:m>
+                              </m:e>
+                            </m:mr>
+                          </m:m>
+                        </m:e>
+                      </m:d>
+                    </m:oMath>
+                  </m:oMathPara>
+                </a14:m>
+                <a:endParaRPr lang="pt-BR" dirty="0"/>
+              </a:p>
+              <a:p>
+                <a:pPr marL="0" indent="0">
+                  <a:buNone/>
+                </a:pPr>
+                <a:r>
+                  <a:rPr lang="pt-BR" dirty="0"/>
+                  <a:t>Percebam que temos a multiplicação de uma matriz com dimensão </a:t>
+                </a:r>
+                <a14:m>
+                  <m:oMath xmlns:m="http://schemas.openxmlformats.org/officeDocument/2006/math">
+                    <m:r>
+                      <a:rPr lang="pt-BR" b="0" i="1" smtClean="0">
+                        <a:latin typeface="Cambria Math" panose="02040503050406030204" pitchFamily="18" charset="0"/>
+                      </a:rPr>
+                      <m:t>𝐾</m:t>
+                    </m:r>
+                    <m:r>
+                      <a:rPr lang="pt-BR" b="0" i="1" smtClean="0">
+                        <a:latin typeface="Cambria Math" panose="02040503050406030204" pitchFamily="18" charset="0"/>
+                      </a:rPr>
+                      <m:t>+1×</m:t>
+                    </m:r>
+                    <m:r>
+                      <a:rPr lang="pt-BR" b="0" i="1" smtClean="0">
+                        <a:latin typeface="Cambria Math" panose="02040503050406030204" pitchFamily="18" charset="0"/>
+                        <a:ea typeface="Cambria Math" panose="02040503050406030204" pitchFamily="18" charset="0"/>
+                      </a:rPr>
+                      <m:t>𝑁</m:t>
+                    </m:r>
+                  </m:oMath>
+                </a14:m>
+                <a:r>
+                  <a:rPr lang="pt-BR" dirty="0"/>
+                  <a:t> por um vetor coluna de dimensão </a:t>
+                </a:r>
+                <a14:m>
+                  <m:oMath xmlns:m="http://schemas.openxmlformats.org/officeDocument/2006/math">
+                    <m:r>
+                      <a:rPr lang="pt-BR" b="0" i="1" smtClean="0">
+                        <a:latin typeface="Cambria Math" panose="02040503050406030204" pitchFamily="18" charset="0"/>
+                      </a:rPr>
+                      <m:t>𝑁</m:t>
+                    </m:r>
+                    <m:r>
+                      <a:rPr lang="pt-BR" b="0" i="1" smtClean="0">
+                        <a:latin typeface="Cambria Math" panose="02040503050406030204" pitchFamily="18" charset="0"/>
+                        <a:ea typeface="Cambria Math" panose="02040503050406030204" pitchFamily="18" charset="0"/>
+                      </a:rPr>
+                      <m:t>×1</m:t>
+                    </m:r>
+                  </m:oMath>
+                </a14:m>
+                <a:r>
+                  <a:rPr lang="pt-BR" dirty="0"/>
+                  <a:t>.</a:t>
+                </a:r>
+              </a:p>
+              <a:p>
+                <a:pPr marL="0" indent="0">
+                  <a:buNone/>
+                </a:pPr>
+                <a:r>
+                  <a:rPr lang="pt-BR" dirty="0"/>
+                  <a:t>A matriz contém em cada linha todos os valores de </a:t>
+                </a:r>
+                <a14:m>
+                  <m:oMath xmlns:m="http://schemas.openxmlformats.org/officeDocument/2006/math">
+                    <m:r>
+                      <a:rPr lang="pt-BR" b="0" i="1" smtClean="0">
+                        <a:latin typeface="Cambria Math" panose="02040503050406030204" pitchFamily="18" charset="0"/>
+                      </a:rPr>
+                      <m:t>𝑛</m:t>
+                    </m:r>
+                    <m:r>
+                      <a:rPr lang="pt-BR" b="0" i="1" smtClean="0">
+                        <a:latin typeface="Cambria Math" panose="02040503050406030204" pitchFamily="18" charset="0"/>
+                      </a:rPr>
+                      <m:t>=0</m:t>
+                    </m:r>
+                  </m:oMath>
+                </a14:m>
+                <a:r>
+                  <a:rPr lang="pt-BR" dirty="0"/>
+                  <a:t> a </a:t>
+                </a:r>
+                <a14:m>
+                  <m:oMath xmlns:m="http://schemas.openxmlformats.org/officeDocument/2006/math">
+                    <m:r>
+                      <a:rPr lang="pt-BR" b="0" i="1" smtClean="0">
+                        <a:latin typeface="Cambria Math" panose="02040503050406030204" pitchFamily="18" charset="0"/>
+                      </a:rPr>
+                      <m:t>𝑛</m:t>
+                    </m:r>
+                    <m:r>
+                      <a:rPr lang="pt-BR" b="0" i="1" smtClean="0">
+                        <a:latin typeface="Cambria Math" panose="02040503050406030204" pitchFamily="18" charset="0"/>
+                      </a:rPr>
+                      <m:t>=</m:t>
+                    </m:r>
+                    <m:r>
+                      <a:rPr lang="pt-BR" b="0" i="1" smtClean="0">
+                        <a:latin typeface="Cambria Math" panose="02040503050406030204" pitchFamily="18" charset="0"/>
+                      </a:rPr>
+                      <m:t>𝑁</m:t>
+                    </m:r>
+                    <m:r>
+                      <a:rPr lang="pt-BR" b="0" i="1" smtClean="0">
+                        <a:latin typeface="Cambria Math" panose="02040503050406030204" pitchFamily="18" charset="0"/>
+                      </a:rPr>
+                      <m:t>−1</m:t>
+                    </m:r>
+                  </m:oMath>
+                </a14:m>
+                <a:r>
+                  <a:rPr lang="pt-BR" dirty="0"/>
+                  <a:t> de um </a:t>
+                </a:r>
+                <a:r>
+                  <a:rPr lang="pt-BR" b="1" i="1" dirty="0"/>
+                  <a:t>único</a:t>
+                </a:r>
+                <a:r>
+                  <a:rPr lang="pt-BR" dirty="0"/>
+                  <a:t> atributo.</a:t>
+                </a:r>
+              </a:p>
+              <a:p>
+                <a:pPr marL="0" indent="0">
+                  <a:buNone/>
+                </a:pPr>
+                <a:r>
+                  <a:rPr lang="pt-BR" dirty="0"/>
+                  <a:t>O vetor contém em cada linha a diferença </a:t>
+                </a:r>
+                <a14:m>
+                  <m:oMath xmlns:m="http://schemas.openxmlformats.org/officeDocument/2006/math">
+                    <m:r>
+                      <a:rPr lang="pt-BR" b="0" i="1" smtClean="0">
+                        <a:latin typeface="Cambria Math" panose="02040503050406030204" pitchFamily="18" charset="0"/>
+                      </a:rPr>
+                      <m:t>𝑑</m:t>
+                    </m:r>
+                    <m:d>
+                      <m:dPr>
+                        <m:ctrlPr>
+                          <a:rPr lang="pt-BR" b="0" i="1" smtClean="0">
+                            <a:latin typeface="Cambria Math" panose="02040503050406030204" pitchFamily="18" charset="0"/>
+                          </a:rPr>
+                        </m:ctrlPr>
+                      </m:dPr>
+                      <m:e>
+                        <m:r>
+                          <a:rPr lang="pt-BR" b="0" i="1" smtClean="0">
+                            <a:latin typeface="Cambria Math" panose="02040503050406030204" pitchFamily="18" charset="0"/>
+                          </a:rPr>
+                          <m:t>𝑛</m:t>
+                        </m:r>
+                      </m:e>
+                    </m:d>
+                    <m:r>
+                      <a:rPr lang="pt-BR" b="0" i="0" smtClean="0">
+                        <a:latin typeface="Cambria Math" panose="02040503050406030204" pitchFamily="18" charset="0"/>
+                      </a:rPr>
+                      <m:t>=</m:t>
+                    </m:r>
+                    <m:r>
+                      <a:rPr lang="pt-BR" i="1" smtClean="0">
+                        <a:latin typeface="Cambria Math" panose="02040503050406030204" pitchFamily="18" charset="0"/>
+                      </a:rPr>
+                      <m:t>𝑦</m:t>
+                    </m:r>
+                    <m:d>
+                      <m:dPr>
+                        <m:ctrlPr>
+                          <a:rPr lang="pt-BR" i="1">
+                            <a:latin typeface="Cambria Math" panose="02040503050406030204" pitchFamily="18" charset="0"/>
+                          </a:rPr>
+                        </m:ctrlPr>
+                      </m:dPr>
+                      <m:e>
+                        <m:r>
+                          <a:rPr lang="pt-BR" b="0" i="1" smtClean="0">
+                            <a:latin typeface="Cambria Math" panose="02040503050406030204" pitchFamily="18" charset="0"/>
+                          </a:rPr>
+                          <m:t>𝑛</m:t>
+                        </m:r>
+                      </m:e>
+                    </m:d>
+                    <m:r>
+                      <a:rPr lang="pt-BR" i="1">
+                        <a:latin typeface="Cambria Math" panose="02040503050406030204" pitchFamily="18" charset="0"/>
+                      </a:rPr>
+                      <m:t>−</m:t>
+                    </m:r>
+                    <m:acc>
+                      <m:accPr>
+                        <m:chr m:val="̂"/>
+                        <m:ctrlPr>
+                          <a:rPr lang="pt-BR" i="1">
+                            <a:latin typeface="Cambria Math" panose="02040503050406030204" pitchFamily="18" charset="0"/>
+                          </a:rPr>
+                        </m:ctrlPr>
+                      </m:accPr>
+                      <m:e>
+                        <m:r>
+                          <a:rPr lang="pt-BR" i="1">
+                            <a:latin typeface="Cambria Math" panose="02040503050406030204" pitchFamily="18" charset="0"/>
+                          </a:rPr>
+                          <m:t>𝑦</m:t>
+                        </m:r>
+                      </m:e>
+                    </m:acc>
+                    <m:d>
+                      <m:dPr>
+                        <m:ctrlPr>
+                          <a:rPr lang="pt-BR" i="1">
+                            <a:latin typeface="Cambria Math" panose="02040503050406030204" pitchFamily="18" charset="0"/>
+                          </a:rPr>
+                        </m:ctrlPr>
+                      </m:dPr>
+                      <m:e>
+                        <m:r>
+                          <a:rPr lang="pt-BR" i="1">
+                            <a:latin typeface="Cambria Math" panose="02040503050406030204" pitchFamily="18" charset="0"/>
+                          </a:rPr>
+                          <m:t>𝑛</m:t>
+                        </m:r>
+                      </m:e>
+                    </m:d>
+                  </m:oMath>
+                </a14:m>
+                <a:r>
+                  <a:rPr lang="pt-BR" dirty="0"/>
+                  <a:t> para </a:t>
+                </a:r>
+                <a14:m>
+                  <m:oMath xmlns:m="http://schemas.openxmlformats.org/officeDocument/2006/math">
+                    <m:r>
+                      <a:rPr lang="pt-BR" i="1">
+                        <a:latin typeface="Cambria Math" panose="02040503050406030204" pitchFamily="18" charset="0"/>
+                      </a:rPr>
+                      <m:t>𝑛</m:t>
+                    </m:r>
+                    <m:r>
+                      <a:rPr lang="pt-BR" i="1">
+                        <a:latin typeface="Cambria Math" panose="02040503050406030204" pitchFamily="18" charset="0"/>
+                      </a:rPr>
+                      <m:t>=0</m:t>
+                    </m:r>
+                  </m:oMath>
+                </a14:m>
+                <a:r>
+                  <a:rPr lang="pt-BR" dirty="0"/>
+                  <a:t> até </a:t>
+                </a:r>
+                <a14:m>
+                  <m:oMath xmlns:m="http://schemas.openxmlformats.org/officeDocument/2006/math">
+                    <m:r>
+                      <a:rPr lang="pt-BR" i="1">
+                        <a:latin typeface="Cambria Math" panose="02040503050406030204" pitchFamily="18" charset="0"/>
+                      </a:rPr>
+                      <m:t>𝑛</m:t>
+                    </m:r>
+                    <m:r>
+                      <a:rPr lang="pt-BR" i="1">
+                        <a:latin typeface="Cambria Math" panose="02040503050406030204" pitchFamily="18" charset="0"/>
+                      </a:rPr>
+                      <m:t>=</m:t>
+                    </m:r>
+                    <m:r>
+                      <a:rPr lang="pt-BR" i="1">
+                        <a:latin typeface="Cambria Math" panose="02040503050406030204" pitchFamily="18" charset="0"/>
+                      </a:rPr>
+                      <m:t>𝑁</m:t>
+                    </m:r>
+                    <m:r>
+                      <a:rPr lang="pt-BR" i="1">
+                        <a:latin typeface="Cambria Math" panose="02040503050406030204" pitchFamily="18" charset="0"/>
+                      </a:rPr>
+                      <m:t>−1</m:t>
+                    </m:r>
+                  </m:oMath>
+                </a14:m>
+                <a:r>
+                  <a:rPr lang="pt-BR" dirty="0"/>
+                  <a:t>.</a:t>
+                </a:r>
+              </a:p>
+            </p:txBody>
+          </p:sp>
+        </mc:Choice>
+        <mc:Fallback>
+          <p:sp>
+            <p:nvSpPr>
+              <p:cNvPr id="3" name="Espaço Reservado para Conteúdo 2">
+                <a:extLst>
+                  <a:ext uri="{FF2B5EF4-FFF2-40B4-BE49-F238E27FC236}">
+                    <a16:creationId xmlns:a16="http://schemas.microsoft.com/office/drawing/2014/main" id="{7BD817CF-4D8D-9B30-5AB1-25FC1DC3EECD}"/>
+                  </a:ext>
+                </a:extLst>
+              </p:cNvPr>
+              <p:cNvSpPr>
+                <a:spLocks noGrp="1" noRot="1" noChangeAspect="1" noMove="1" noResize="1" noEditPoints="1" noAdjustHandles="1" noChangeArrowheads="1" noChangeShapeType="1" noTextEdit="1"/>
+              </p:cNvSpPr>
+              <p:nvPr>
+                <p:ph idx="1"/>
+              </p:nvPr>
+            </p:nvSpPr>
+            <p:spPr>
+              <a:xfrm>
+                <a:off x="838199" y="1825624"/>
+                <a:ext cx="11018179" cy="5032375"/>
+              </a:xfrm>
+              <a:blipFill>
+                <a:blip r:embed="rId2"/>
+                <a:stretch>
+                  <a:fillRect l="-1106" t="-1937" b="-3269"/>
+                </a:stretch>
+              </a:blipFill>
+            </p:spPr>
+            <p:txBody>
+              <a:bodyPr/>
+              <a:lstStyle/>
+              <a:p>
+                <a:r>
+                  <a:rPr lang="pt-BR">
+                    <a:noFill/>
+                  </a:rPr>
+                  <a:t> </a:t>
+                </a:r>
+              </a:p>
+            </p:txBody>
+          </p:sp>
+        </mc:Fallback>
+      </mc:AlternateContent>
+    </p:spTree>
+    <p:extLst>
+      <p:ext uri="{BB962C8B-B14F-4D97-AF65-F5344CB8AC3E}">
+        <p14:creationId xmlns:p14="http://schemas.microsoft.com/office/powerpoint/2010/main" val="1899269422"/>
+      </p:ext>
+    </p:extLst>
+  </p:cSld>
+  <p:clrMapOvr>
+    <a:masterClrMapping/>
+  </p:clrMapOvr>
+</p:sld>
+</file>
+
+<file path=ppt/slides/slide39.xml><?xml version="1.0" encoding="utf-8"?>
+<p:sld xmlns:a="http://schemas.openxmlformats.org/drawingml/2006/main" xmlns:r="http://schemas.openxmlformats.org/officeDocument/2006/relationships" xmlns:p="http://schemas.openxmlformats.org/presentationml/2006/main">
+  <p:cSld>
+    <p:spTree>
+      <p:nvGrpSpPr>
+        <p:cNvPr id="1" name=""/>
+        <p:cNvGrpSpPr/>
+        <p:nvPr/>
+      </p:nvGrpSpPr>
+      <p:grpSpPr>
+        <a:xfrm>
+          <a:off x="0" y="0"/>
+          <a:ext cx="0" cy="0"/>
+          <a:chOff x="0" y="0"/>
+          <a:chExt cx="0" cy="0"/>
+        </a:xfrm>
+      </p:grpSpPr>
+      <p:sp>
+        <p:nvSpPr>
+          <p:cNvPr id="2" name="Título 1">
+            <a:extLst>
+              <a:ext uri="{FF2B5EF4-FFF2-40B4-BE49-F238E27FC236}">
+                <a16:creationId xmlns:a16="http://schemas.microsoft.com/office/drawing/2014/main" id="{608B7C6E-B23A-A079-E0B3-7110FA21C782}"/>
+              </a:ext>
+            </a:extLst>
+          </p:cNvPr>
+          <p:cNvSpPr>
+            <a:spLocks noGrp="1"/>
+          </p:cNvSpPr>
+          <p:nvPr>
+            <p:ph type="title"/>
+          </p:nvPr>
+        </p:nvSpPr>
+        <p:spPr/>
+        <p:txBody>
+          <a:bodyPr/>
+          <a:lstStyle/>
+          <a:p>
+            <a:r>
+              <a:rPr lang="pt-BR" dirty="0"/>
+              <a:t>Cálculo do vetor gradiente</a:t>
+            </a:r>
+          </a:p>
+        </p:txBody>
+      </p:sp>
+      <mc:AlternateContent xmlns:mc="http://schemas.openxmlformats.org/markup-compatibility/2006">
+        <mc:Choice xmlns:a14="http://schemas.microsoft.com/office/drawing/2010/main" Requires="a14">
+          <p:sp>
+            <p:nvSpPr>
+              <p:cNvPr id="3" name="Espaço Reservado para Conteúdo 2">
+                <a:extLst>
+                  <a:ext uri="{FF2B5EF4-FFF2-40B4-BE49-F238E27FC236}">
+                    <a16:creationId xmlns:a16="http://schemas.microsoft.com/office/drawing/2014/main" id="{61955E10-4B16-2D29-24BC-850FAB262AA9}"/>
+                  </a:ext>
+                </a:extLst>
+              </p:cNvPr>
+              <p:cNvSpPr>
+                <a:spLocks noGrp="1"/>
+              </p:cNvSpPr>
+              <p:nvPr>
+                <p:ph idx="1"/>
+              </p:nvPr>
+            </p:nvSpPr>
+            <p:spPr>
+              <a:xfrm>
+                <a:off x="838199" y="1825624"/>
+                <a:ext cx="11100371" cy="5032375"/>
+              </a:xfrm>
+            </p:spPr>
+            <p:txBody>
+              <a:bodyPr>
+                <a:normAutofit/>
+              </a:bodyPr>
+              <a:lstStyle/>
+              <a:p>
+                <a:pPr marL="0" indent="0">
+                  <a:buNone/>
+                </a:pPr>
+                <a:r>
+                  <a:rPr lang="pt-BR" dirty="0"/>
+                  <a:t>Se definirmos uma matriz que contém todos os </a:t>
+                </a:r>
+                <a14:m>
+                  <m:oMath xmlns:m="http://schemas.openxmlformats.org/officeDocument/2006/math">
+                    <m:r>
+                      <a:rPr lang="pt-BR" i="1">
+                        <a:latin typeface="Cambria Math" panose="02040503050406030204" pitchFamily="18" charset="0"/>
+                      </a:rPr>
+                      <m:t>𝑁</m:t>
+                    </m:r>
+                    <m:r>
+                      <a:rPr lang="pt-BR" i="1">
+                        <a:latin typeface="Cambria Math" panose="02040503050406030204" pitchFamily="18" charset="0"/>
+                      </a:rPr>
+                      <m:t> </m:t>
+                    </m:r>
+                  </m:oMath>
+                </a14:m>
+                <a:r>
+                  <a:rPr lang="pt-BR" dirty="0"/>
+                  <a:t>exemplos de todos os </a:t>
+                </a:r>
+                <a14:m>
+                  <m:oMath xmlns:m="http://schemas.openxmlformats.org/officeDocument/2006/math">
+                    <m:r>
+                      <a:rPr lang="pt-BR" i="1">
+                        <a:latin typeface="Cambria Math" panose="02040503050406030204" pitchFamily="18" charset="0"/>
+                        <a:ea typeface="Cambria Math" panose="02040503050406030204" pitchFamily="18" charset="0"/>
+                      </a:rPr>
+                      <m:t>𝐾</m:t>
+                    </m:r>
+                    <m:r>
+                      <a:rPr lang="pt-BR" b="0" i="1" smtClean="0">
+                        <a:latin typeface="Cambria Math" panose="02040503050406030204" pitchFamily="18" charset="0"/>
+                        <a:ea typeface="Cambria Math" panose="02040503050406030204" pitchFamily="18" charset="0"/>
+                      </a:rPr>
+                      <m:t>+1</m:t>
+                    </m:r>
+                    <m:r>
+                      <a:rPr lang="pt-BR" i="1">
+                        <a:latin typeface="Cambria Math" panose="02040503050406030204" pitchFamily="18" charset="0"/>
+                        <a:ea typeface="Cambria Math" panose="02040503050406030204" pitchFamily="18" charset="0"/>
+                      </a:rPr>
+                      <m:t> </m:t>
+                    </m:r>
+                  </m:oMath>
+                </a14:m>
+                <a:r>
+                  <a:rPr lang="pt-BR" dirty="0"/>
+                  <a:t>atributos e que tem dimensão </a:t>
+                </a:r>
+                <a14:m>
+                  <m:oMath xmlns:m="http://schemas.openxmlformats.org/officeDocument/2006/math">
+                    <m:r>
+                      <a:rPr lang="pt-BR" b="0" i="1" smtClean="0">
+                        <a:latin typeface="Cambria Math" panose="02040503050406030204" pitchFamily="18" charset="0"/>
+                      </a:rPr>
+                      <m:t>𝑁</m:t>
+                    </m:r>
+                    <m:r>
+                      <a:rPr lang="pt-BR" b="0" i="1" smtClean="0">
+                        <a:latin typeface="Cambria Math" panose="02040503050406030204" pitchFamily="18" charset="0"/>
+                        <a:ea typeface="Cambria Math" panose="02040503050406030204" pitchFamily="18" charset="0"/>
+                      </a:rPr>
+                      <m:t>×</m:t>
+                    </m:r>
+                    <m:r>
+                      <a:rPr lang="pt-BR" b="0" i="1" smtClean="0">
+                        <a:latin typeface="Cambria Math" panose="02040503050406030204" pitchFamily="18" charset="0"/>
+                        <a:ea typeface="Cambria Math" panose="02040503050406030204" pitchFamily="18" charset="0"/>
+                      </a:rPr>
+                      <m:t>𝐾</m:t>
+                    </m:r>
+                    <m:r>
+                      <a:rPr lang="pt-BR" b="0" i="1" smtClean="0">
+                        <a:latin typeface="Cambria Math" panose="02040503050406030204" pitchFamily="18" charset="0"/>
+                        <a:ea typeface="Cambria Math" panose="02040503050406030204" pitchFamily="18" charset="0"/>
+                      </a:rPr>
+                      <m:t>+1</m:t>
+                    </m:r>
+                  </m:oMath>
+                </a14:m>
+                <a:endParaRPr lang="pt-BR" dirty="0"/>
+              </a:p>
+              <a:p>
+                <a:pPr marL="0" indent="0">
+                  <a:buNone/>
+                </a:pPr>
+                <a14:m>
+                  <m:oMathPara xmlns:m="http://schemas.openxmlformats.org/officeDocument/2006/math">
+                    <m:oMathParaPr>
+                      <m:jc m:val="centerGroup"/>
+                    </m:oMathParaPr>
+                    <m:oMath xmlns:m="http://schemas.openxmlformats.org/officeDocument/2006/math">
+                      <m:r>
+                        <a:rPr lang="pt-BR" b="1" i="1" smtClean="0">
+                          <a:latin typeface="Cambria Math" panose="02040503050406030204" pitchFamily="18" charset="0"/>
+                        </a:rPr>
+                        <m:t>𝑿</m:t>
+                      </m:r>
+                      <m:r>
+                        <a:rPr lang="pt-BR" b="1" i="1" smtClean="0">
+                          <a:latin typeface="Cambria Math" panose="02040503050406030204" pitchFamily="18" charset="0"/>
+                        </a:rPr>
+                        <m:t>=</m:t>
+                      </m:r>
+                      <m:d>
+                        <m:dPr>
+                          <m:begChr m:val="["/>
+                          <m:endChr m:val="]"/>
+                          <m:ctrlPr>
+                            <a:rPr lang="pt-BR" b="1" i="1" smtClean="0">
+                              <a:latin typeface="Cambria Math" panose="02040503050406030204" pitchFamily="18" charset="0"/>
+                            </a:rPr>
+                          </m:ctrlPr>
+                        </m:dPr>
+                        <m:e>
+                          <m:m>
+                            <m:mPr>
+                              <m:mcs>
+                                <m:mc>
+                                  <m:mcPr>
+                                    <m:count m:val="3"/>
+                                    <m:mcJc m:val="center"/>
+                                  </m:mcPr>
+                                </m:mc>
+                              </m:mcs>
+                              <m:ctrlPr>
+                                <a:rPr lang="pt-BR" b="1" i="1" smtClean="0">
+                                  <a:latin typeface="Cambria Math" panose="02040503050406030204" pitchFamily="18" charset="0"/>
+                                </a:rPr>
+                              </m:ctrlPr>
+                            </m:mPr>
+                            <m:mr>
+                              <m:e>
+                                <m:sSub>
+                                  <m:sSubPr>
+                                    <m:ctrlPr>
+                                      <a:rPr lang="pt-BR" i="1">
+                                        <a:latin typeface="Cambria Math" panose="02040503050406030204" pitchFamily="18" charset="0"/>
+                                      </a:rPr>
+                                    </m:ctrlPr>
+                                  </m:sSubPr>
+                                  <m:e>
+                                    <m:r>
+                                      <a:rPr lang="pt-BR" i="1">
+                                        <a:latin typeface="Cambria Math" panose="02040503050406030204" pitchFamily="18" charset="0"/>
+                                      </a:rPr>
+                                      <m:t>𝑥</m:t>
+                                    </m:r>
+                                  </m:e>
+                                  <m:sub>
+                                    <m:r>
+                                      <a:rPr lang="pt-BR" i="1">
+                                        <a:latin typeface="Cambria Math" panose="02040503050406030204" pitchFamily="18" charset="0"/>
+                                      </a:rPr>
+                                      <m:t>0</m:t>
+                                    </m:r>
+                                  </m:sub>
+                                </m:sSub>
+                                <m:d>
+                                  <m:dPr>
+                                    <m:ctrlPr>
+                                      <a:rPr lang="pt-BR" i="1">
+                                        <a:latin typeface="Cambria Math" panose="02040503050406030204" pitchFamily="18" charset="0"/>
+                                      </a:rPr>
+                                    </m:ctrlPr>
+                                  </m:dPr>
+                                  <m:e>
+                                    <m:r>
+                                      <a:rPr lang="pt-BR" i="1">
+                                        <a:latin typeface="Cambria Math" panose="02040503050406030204" pitchFamily="18" charset="0"/>
+                                      </a:rPr>
+                                      <m:t>0</m:t>
+                                    </m:r>
+                                  </m:e>
+                                </m:d>
+                              </m:e>
+                              <m:e>
+                                <m:r>
+                                  <m:rPr>
+                                    <m:brk m:alnAt="7"/>
+                                  </m:rPr>
+                                  <a:rPr lang="pt-BR" b="1" i="1">
+                                    <a:latin typeface="Cambria Math" panose="02040503050406030204" pitchFamily="18" charset="0"/>
+                                  </a:rPr>
+                                  <m:t>⋯</m:t>
+                                </m:r>
+                              </m:e>
+                              <m:e>
+                                <m:sSub>
+                                  <m:sSubPr>
+                                    <m:ctrlPr>
+                                      <a:rPr lang="pt-BR" i="1">
+                                        <a:latin typeface="Cambria Math" panose="02040503050406030204" pitchFamily="18" charset="0"/>
+                                      </a:rPr>
+                                    </m:ctrlPr>
+                                  </m:sSubPr>
+                                  <m:e>
+                                    <m:r>
+                                      <a:rPr lang="pt-BR" i="1">
+                                        <a:latin typeface="Cambria Math" panose="02040503050406030204" pitchFamily="18" charset="0"/>
+                                      </a:rPr>
+                                      <m:t>𝑥</m:t>
+                                    </m:r>
+                                  </m:e>
+                                  <m:sub>
+                                    <m:r>
+                                      <a:rPr lang="pt-BR" b="0" i="1" smtClean="0">
+                                        <a:latin typeface="Cambria Math" panose="02040503050406030204" pitchFamily="18" charset="0"/>
+                                      </a:rPr>
+                                      <m:t>𝐾</m:t>
+                                    </m:r>
+                                  </m:sub>
+                                </m:sSub>
+                                <m:d>
+                                  <m:dPr>
+                                    <m:ctrlPr>
+                                      <a:rPr lang="pt-BR" i="1">
+                                        <a:latin typeface="Cambria Math" panose="02040503050406030204" pitchFamily="18" charset="0"/>
+                                      </a:rPr>
+                                    </m:ctrlPr>
+                                  </m:dPr>
+                                  <m:e>
+                                    <m:r>
+                                      <a:rPr lang="pt-BR" i="1">
+                                        <a:latin typeface="Cambria Math" panose="02040503050406030204" pitchFamily="18" charset="0"/>
+                                      </a:rPr>
+                                      <m:t>0</m:t>
+                                    </m:r>
+                                  </m:e>
+                                </m:d>
+                              </m:e>
+                            </m:mr>
+                            <m:mr>
+                              <m:e>
+                                <m:sSub>
+                                  <m:sSubPr>
+                                    <m:ctrlPr>
+                                      <a:rPr lang="pt-BR" i="1">
+                                        <a:latin typeface="Cambria Math" panose="02040503050406030204" pitchFamily="18" charset="0"/>
+                                      </a:rPr>
+                                    </m:ctrlPr>
+                                  </m:sSubPr>
+                                  <m:e>
+                                    <m:r>
+                                      <a:rPr lang="pt-BR" i="1">
+                                        <a:latin typeface="Cambria Math" panose="02040503050406030204" pitchFamily="18" charset="0"/>
+                                      </a:rPr>
+                                      <m:t>𝑥</m:t>
+                                    </m:r>
+                                  </m:e>
+                                  <m:sub>
+                                    <m:r>
+                                      <a:rPr lang="pt-BR" i="1">
+                                        <a:latin typeface="Cambria Math" panose="02040503050406030204" pitchFamily="18" charset="0"/>
+                                      </a:rPr>
+                                      <m:t>0</m:t>
+                                    </m:r>
+                                  </m:sub>
+                                </m:sSub>
+                                <m:d>
+                                  <m:dPr>
+                                    <m:ctrlPr>
+                                      <a:rPr lang="pt-BR" i="1">
+                                        <a:latin typeface="Cambria Math" panose="02040503050406030204" pitchFamily="18" charset="0"/>
+                                      </a:rPr>
+                                    </m:ctrlPr>
+                                  </m:dPr>
+                                  <m:e>
+                                    <m:r>
+                                      <a:rPr lang="pt-BR" i="1">
+                                        <a:latin typeface="Cambria Math" panose="02040503050406030204" pitchFamily="18" charset="0"/>
+                                      </a:rPr>
+                                      <m:t>1</m:t>
+                                    </m:r>
+                                  </m:e>
+                                </m:d>
+                              </m:e>
+                              <m:e>
+                                <m:r>
+                                  <m:rPr>
+                                    <m:brk m:alnAt="7"/>
+                                  </m:rPr>
+                                  <a:rPr lang="pt-BR" b="1" i="1">
+                                    <a:latin typeface="Cambria Math" panose="02040503050406030204" pitchFamily="18" charset="0"/>
+                                  </a:rPr>
+                                  <m:t>⋯</m:t>
+                                </m:r>
+                              </m:e>
+                              <m:e>
+                                <m:sSub>
+                                  <m:sSubPr>
+                                    <m:ctrlPr>
+                                      <a:rPr lang="pt-BR" i="1">
+                                        <a:latin typeface="Cambria Math" panose="02040503050406030204" pitchFamily="18" charset="0"/>
+                                      </a:rPr>
+                                    </m:ctrlPr>
+                                  </m:sSubPr>
+                                  <m:e>
+                                    <m:r>
+                                      <a:rPr lang="pt-BR" i="1">
+                                        <a:latin typeface="Cambria Math" panose="02040503050406030204" pitchFamily="18" charset="0"/>
+                                      </a:rPr>
+                                      <m:t>𝑥</m:t>
+                                    </m:r>
+                                  </m:e>
+                                  <m:sub>
+                                    <m:r>
+                                      <a:rPr lang="pt-BR" b="0" i="1" smtClean="0">
+                                        <a:latin typeface="Cambria Math" panose="02040503050406030204" pitchFamily="18" charset="0"/>
+                                      </a:rPr>
+                                      <m:t>𝐾</m:t>
+                                    </m:r>
+                                  </m:sub>
+                                </m:sSub>
+                                <m:d>
+                                  <m:dPr>
+                                    <m:ctrlPr>
+                                      <a:rPr lang="pt-BR" i="1">
+                                        <a:latin typeface="Cambria Math" panose="02040503050406030204" pitchFamily="18" charset="0"/>
+                                      </a:rPr>
+                                    </m:ctrlPr>
+                                  </m:dPr>
+                                  <m:e>
+                                    <m:r>
+                                      <a:rPr lang="pt-BR" b="0" i="1" smtClean="0">
+                                        <a:latin typeface="Cambria Math" panose="02040503050406030204" pitchFamily="18" charset="0"/>
+                                      </a:rPr>
+                                      <m:t>1</m:t>
+                                    </m:r>
+                                  </m:e>
+                                </m:d>
+                              </m:e>
+                            </m:mr>
+                            <m:mr>
+                              <m:e>
+                                <m:m>
+                                  <m:mPr>
+                                    <m:mcs>
+                                      <m:mc>
+                                        <m:mcPr>
+                                          <m:count m:val="1"/>
+                                          <m:mcJc m:val="center"/>
+                                        </m:mcPr>
+                                      </m:mc>
+                                    </m:mcs>
+                                    <m:ctrlPr>
+                                      <a:rPr lang="pt-BR" b="1" i="1" smtClean="0">
+                                        <a:latin typeface="Cambria Math" panose="02040503050406030204" pitchFamily="18" charset="0"/>
+                                      </a:rPr>
+                                    </m:ctrlPr>
+                                  </m:mPr>
+                                  <m:mr>
+                                    <m:e>
+                                      <m:r>
+                                        <m:rPr>
+                                          <m:brk m:alnAt="7"/>
+                                        </m:rPr>
+                                        <a:rPr lang="pt-BR" b="1" i="1" smtClean="0">
+                                          <a:latin typeface="Cambria Math" panose="02040503050406030204" pitchFamily="18" charset="0"/>
+                                        </a:rPr>
+                                        <m:t>⋮</m:t>
+                                      </m:r>
+                                    </m:e>
+                                  </m:mr>
+                                  <m:mr>
+                                    <m:e>
+                                      <m:sSub>
+                                        <m:sSubPr>
+                                          <m:ctrlPr>
+                                            <a:rPr lang="pt-BR" i="1">
+                                              <a:latin typeface="Cambria Math" panose="02040503050406030204" pitchFamily="18" charset="0"/>
+                                            </a:rPr>
+                                          </m:ctrlPr>
+                                        </m:sSubPr>
+                                        <m:e>
+                                          <m:r>
+                                            <a:rPr lang="pt-BR" i="1">
+                                              <a:latin typeface="Cambria Math" panose="02040503050406030204" pitchFamily="18" charset="0"/>
+                                            </a:rPr>
+                                            <m:t>𝑥</m:t>
+                                          </m:r>
+                                        </m:e>
+                                        <m:sub>
+                                          <m:r>
+                                            <a:rPr lang="pt-BR" i="1">
+                                              <a:latin typeface="Cambria Math" panose="02040503050406030204" pitchFamily="18" charset="0"/>
+                                            </a:rPr>
+                                            <m:t>0</m:t>
+                                          </m:r>
+                                        </m:sub>
+                                      </m:sSub>
+                                      <m:d>
+                                        <m:dPr>
+                                          <m:ctrlPr>
+                                            <a:rPr lang="pt-BR" i="1">
+                                              <a:latin typeface="Cambria Math" panose="02040503050406030204" pitchFamily="18" charset="0"/>
+                                            </a:rPr>
+                                          </m:ctrlPr>
+                                        </m:dPr>
+                                        <m:e>
+                                          <m:r>
+                                            <a:rPr lang="pt-BR" i="1">
+                                              <a:latin typeface="Cambria Math" panose="02040503050406030204" pitchFamily="18" charset="0"/>
+                                            </a:rPr>
+                                            <m:t>𝑁</m:t>
+                                          </m:r>
+                                          <m:r>
+                                            <a:rPr lang="pt-BR" i="1">
+                                              <a:latin typeface="Cambria Math" panose="02040503050406030204" pitchFamily="18" charset="0"/>
+                                            </a:rPr>
+                                            <m:t>−1</m:t>
+                                          </m:r>
+                                        </m:e>
+                                      </m:d>
+                                    </m:e>
+                                  </m:mr>
+                                </m:m>
+                              </m:e>
+                              <m:e>
+                                <m:r>
+                                  <m:rPr>
+                                    <m:brk m:alnAt="7"/>
+                                  </m:rPr>
+                                  <a:rPr lang="pt-BR" b="1" i="1">
+                                    <a:latin typeface="Cambria Math" panose="02040503050406030204" pitchFamily="18" charset="0"/>
+                                  </a:rPr>
+                                  <m:t>⋯</m:t>
+                                </m:r>
+                              </m:e>
+                              <m:e>
+                                <m:m>
+                                  <m:mPr>
+                                    <m:mcs>
+                                      <m:mc>
+                                        <m:mcPr>
+                                          <m:count m:val="1"/>
+                                          <m:mcJc m:val="center"/>
+                                        </m:mcPr>
+                                      </m:mc>
+                                    </m:mcs>
+                                    <m:ctrlPr>
+                                      <a:rPr lang="pt-BR" i="1" smtClean="0">
+                                        <a:latin typeface="Cambria Math" panose="02040503050406030204" pitchFamily="18" charset="0"/>
+                                      </a:rPr>
+                                    </m:ctrlPr>
+                                  </m:mPr>
+                                  <m:mr>
+                                    <m:e>
+                                      <m:r>
+                                        <m:rPr>
+                                          <m:brk m:alnAt="7"/>
+                                        </m:rPr>
+                                        <a:rPr lang="pt-BR" b="1" i="1">
+                                          <a:latin typeface="Cambria Math" panose="02040503050406030204" pitchFamily="18" charset="0"/>
+                                        </a:rPr>
+                                        <m:t>⋮</m:t>
+                                      </m:r>
+                                    </m:e>
+                                  </m:mr>
+                                  <m:mr>
+                                    <m:e>
+                                      <m:sSub>
+                                        <m:sSubPr>
+                                          <m:ctrlPr>
+                                            <a:rPr lang="pt-BR" i="1">
+                                              <a:latin typeface="Cambria Math" panose="02040503050406030204" pitchFamily="18" charset="0"/>
+                                            </a:rPr>
+                                          </m:ctrlPr>
+                                        </m:sSubPr>
+                                        <m:e>
+                                          <m:r>
+                                            <a:rPr lang="pt-BR" i="1">
+                                              <a:latin typeface="Cambria Math" panose="02040503050406030204" pitchFamily="18" charset="0"/>
+                                            </a:rPr>
+                                            <m:t>𝑥</m:t>
+                                          </m:r>
+                                        </m:e>
+                                        <m:sub>
+                                          <m:r>
+                                            <a:rPr lang="pt-BR" i="1">
+                                              <a:latin typeface="Cambria Math" panose="02040503050406030204" pitchFamily="18" charset="0"/>
+                                            </a:rPr>
+                                            <m:t>𝐾</m:t>
+                                          </m:r>
+                                        </m:sub>
+                                      </m:sSub>
+                                      <m:d>
+                                        <m:dPr>
+                                          <m:ctrlPr>
+                                            <a:rPr lang="pt-BR" i="1">
+                                              <a:latin typeface="Cambria Math" panose="02040503050406030204" pitchFamily="18" charset="0"/>
+                                            </a:rPr>
+                                          </m:ctrlPr>
+                                        </m:dPr>
+                                        <m:e>
+                                          <m:r>
+                                            <a:rPr lang="pt-BR" i="1">
+                                              <a:latin typeface="Cambria Math" panose="02040503050406030204" pitchFamily="18" charset="0"/>
+                                            </a:rPr>
+                                            <m:t>𝑁</m:t>
+                                          </m:r>
+                                          <m:r>
+                                            <a:rPr lang="pt-BR" i="1">
+                                              <a:latin typeface="Cambria Math" panose="02040503050406030204" pitchFamily="18" charset="0"/>
+                                            </a:rPr>
+                                            <m:t>−1</m:t>
+                                          </m:r>
+                                        </m:e>
+                                      </m:d>
+                                    </m:e>
+                                  </m:mr>
+                                </m:m>
+                              </m:e>
+                            </m:mr>
+                          </m:m>
+                        </m:e>
+                      </m:d>
+                      <m:r>
+                        <a:rPr lang="pt-BR" b="1" i="1" smtClean="0">
+                          <a:latin typeface="Cambria Math" panose="02040503050406030204" pitchFamily="18" charset="0"/>
+                        </a:rPr>
+                        <m:t>,</m:t>
+                      </m:r>
+                    </m:oMath>
+                  </m:oMathPara>
+                </a14:m>
+                <a:endParaRPr lang="pt-BR" dirty="0"/>
+              </a:p>
+              <a:p>
+                <a:pPr marL="0" indent="0">
+                  <a:buNone/>
+                </a:pPr>
+                <a:r>
+                  <a:rPr lang="pt-BR" dirty="0"/>
+                  <a:t>e dois vetores coluna com dimensões </a:t>
+                </a:r>
+                <a14:m>
+                  <m:oMath xmlns:m="http://schemas.openxmlformats.org/officeDocument/2006/math">
+                    <m:r>
+                      <a:rPr lang="pt-BR" b="0" i="1" smtClean="0">
+                        <a:latin typeface="Cambria Math" panose="02040503050406030204" pitchFamily="18" charset="0"/>
+                      </a:rPr>
+                      <m:t>𝑁</m:t>
+                    </m:r>
+                    <m:r>
+                      <a:rPr lang="pt-BR" b="0" i="1" smtClean="0">
+                        <a:latin typeface="Cambria Math" panose="02040503050406030204" pitchFamily="18" charset="0"/>
+                      </a:rPr>
+                      <m:t>×1</m:t>
+                    </m:r>
+                  </m:oMath>
+                </a14:m>
+                <a:r>
+                  <a:rPr lang="pt-BR" dirty="0"/>
+                  <a:t> contendo todos os valores esperados (i.e., rótulos) e todos os valores preditos</a:t>
+                </a:r>
+              </a:p>
+              <a:p>
+                <a:pPr marL="0" indent="0" algn="ctr">
+                  <a:buNone/>
+                </a:pPr>
+                <a14:m>
+                  <m:oMath xmlns:m="http://schemas.openxmlformats.org/officeDocument/2006/math">
+                    <m:r>
+                      <a:rPr lang="pt-BR" b="1" i="1" smtClean="0">
+                        <a:latin typeface="Cambria Math" panose="02040503050406030204" pitchFamily="18" charset="0"/>
+                      </a:rPr>
+                      <m:t>𝒚</m:t>
+                    </m:r>
+                    <m:r>
+                      <a:rPr lang="pt-BR" b="0" i="1" smtClean="0">
+                        <a:latin typeface="Cambria Math" panose="02040503050406030204" pitchFamily="18" charset="0"/>
+                      </a:rPr>
+                      <m:t>=</m:t>
+                    </m:r>
+                    <m:d>
+                      <m:dPr>
+                        <m:begChr m:val="["/>
+                        <m:endChr m:val="]"/>
+                        <m:ctrlPr>
+                          <a:rPr lang="pt-BR" b="0" i="1" smtClean="0">
+                            <a:latin typeface="Cambria Math" panose="02040503050406030204" pitchFamily="18" charset="0"/>
+                          </a:rPr>
+                        </m:ctrlPr>
+                      </m:dPr>
+                      <m:e>
+                        <m:m>
+                          <m:mPr>
+                            <m:mcs>
+                              <m:mc>
+                                <m:mcPr>
+                                  <m:count m:val="1"/>
+                                  <m:mcJc m:val="center"/>
+                                </m:mcPr>
+                              </m:mc>
+                            </m:mcs>
+                            <m:ctrlPr>
+                              <a:rPr lang="pt-BR" b="0" i="1" smtClean="0">
+                                <a:latin typeface="Cambria Math" panose="02040503050406030204" pitchFamily="18" charset="0"/>
+                              </a:rPr>
+                            </m:ctrlPr>
+                          </m:mPr>
+                          <m:mr>
+                            <m:e>
+                              <m:r>
+                                <m:rPr>
+                                  <m:brk m:alnAt="7"/>
+                                </m:rPr>
+                                <a:rPr lang="pt-BR" b="0" i="1" smtClean="0">
+                                  <a:latin typeface="Cambria Math" panose="02040503050406030204" pitchFamily="18" charset="0"/>
+                                </a:rPr>
+                                <m:t>𝑦</m:t>
+                              </m:r>
+                              <m:r>
+                                <a:rPr lang="pt-BR" b="0" i="1" smtClean="0">
+                                  <a:latin typeface="Cambria Math" panose="02040503050406030204" pitchFamily="18" charset="0"/>
+                                </a:rPr>
+                                <m:t>(0)</m:t>
+                              </m:r>
+                            </m:e>
+                          </m:mr>
+                          <m:mr>
+                            <m:e>
+                              <m:r>
+                                <a:rPr lang="pt-BR" b="0" i="1" smtClean="0">
+                                  <a:latin typeface="Cambria Math" panose="02040503050406030204" pitchFamily="18" charset="0"/>
+                                </a:rPr>
+                                <m:t>⋮</m:t>
+                              </m:r>
+                            </m:e>
+                          </m:mr>
+                          <m:mr>
+                            <m:e>
+                              <m:r>
+                                <a:rPr lang="pt-BR" b="0" i="1" smtClean="0">
+                                  <a:latin typeface="Cambria Math" panose="02040503050406030204" pitchFamily="18" charset="0"/>
+                                </a:rPr>
+                                <m:t>𝑦</m:t>
+                              </m:r>
+                              <m:r>
+                                <a:rPr lang="pt-BR" b="0" i="1" smtClean="0">
+                                  <a:latin typeface="Cambria Math" panose="02040503050406030204" pitchFamily="18" charset="0"/>
+                                </a:rPr>
+                                <m:t>(</m:t>
+                              </m:r>
+                              <m:r>
+                                <a:rPr lang="pt-BR" b="0" i="1" smtClean="0">
+                                  <a:latin typeface="Cambria Math" panose="02040503050406030204" pitchFamily="18" charset="0"/>
+                                </a:rPr>
+                                <m:t>𝑁</m:t>
+                              </m:r>
+                              <m:r>
+                                <a:rPr lang="pt-BR" b="0" i="1" smtClean="0">
+                                  <a:latin typeface="Cambria Math" panose="02040503050406030204" pitchFamily="18" charset="0"/>
+                                </a:rPr>
+                                <m:t>−1)</m:t>
+                              </m:r>
+                            </m:e>
+                          </m:mr>
+                        </m:m>
+                      </m:e>
+                    </m:d>
+                  </m:oMath>
+                </a14:m>
+                <a:r>
+                  <a:rPr lang="pt-BR" dirty="0"/>
+                  <a:t>         e         </a:t>
+                </a:r>
+                <a14:m>
+                  <m:oMath xmlns:m="http://schemas.openxmlformats.org/officeDocument/2006/math">
+                    <m:acc>
+                      <m:accPr>
+                        <m:chr m:val="̂"/>
+                        <m:ctrlPr>
+                          <a:rPr lang="pt-BR" i="1" smtClean="0">
+                            <a:latin typeface="Cambria Math" panose="02040503050406030204" pitchFamily="18" charset="0"/>
+                          </a:rPr>
+                        </m:ctrlPr>
+                      </m:accPr>
+                      <m:e>
+                        <m:r>
+                          <a:rPr lang="pt-BR" b="1" i="1" smtClean="0">
+                            <a:latin typeface="Cambria Math" panose="02040503050406030204" pitchFamily="18" charset="0"/>
+                          </a:rPr>
+                          <m:t>𝒚</m:t>
+                        </m:r>
+                      </m:e>
+                    </m:acc>
+                    <m:r>
+                      <a:rPr lang="pt-BR" b="0" i="1" smtClean="0">
+                        <a:latin typeface="Cambria Math" panose="02040503050406030204" pitchFamily="18" charset="0"/>
+                      </a:rPr>
+                      <m:t>=</m:t>
+                    </m:r>
+                    <m:d>
+                      <m:dPr>
+                        <m:begChr m:val="["/>
+                        <m:endChr m:val="]"/>
+                        <m:ctrlPr>
+                          <a:rPr lang="pt-BR" b="0" i="1" smtClean="0">
+                            <a:latin typeface="Cambria Math" panose="02040503050406030204" pitchFamily="18" charset="0"/>
+                          </a:rPr>
+                        </m:ctrlPr>
+                      </m:dPr>
+                      <m:e>
+                        <m:m>
+                          <m:mPr>
+                            <m:mcs>
+                              <m:mc>
+                                <m:mcPr>
+                                  <m:count m:val="1"/>
+                                  <m:mcJc m:val="center"/>
+                                </m:mcPr>
+                              </m:mc>
+                            </m:mcs>
+                            <m:ctrlPr>
+                              <a:rPr lang="pt-BR" b="0" i="1" smtClean="0">
+                                <a:latin typeface="Cambria Math" panose="02040503050406030204" pitchFamily="18" charset="0"/>
+                              </a:rPr>
+                            </m:ctrlPr>
+                          </m:mPr>
+                          <m:mr>
+                            <m:e>
+                              <m:acc>
+                                <m:accPr>
+                                  <m:chr m:val="̂"/>
+                                  <m:ctrlPr>
+                                    <a:rPr lang="pt-BR" b="0" i="1" smtClean="0">
+                                      <a:latin typeface="Cambria Math" panose="02040503050406030204" pitchFamily="18" charset="0"/>
+                                    </a:rPr>
+                                  </m:ctrlPr>
+                                </m:accPr>
+                                <m:e>
+                                  <m:r>
+                                    <a:rPr lang="pt-BR" b="0" i="1" smtClean="0">
+                                      <a:latin typeface="Cambria Math" panose="02040503050406030204" pitchFamily="18" charset="0"/>
+                                    </a:rPr>
+                                    <m:t>𝑦</m:t>
+                                  </m:r>
+                                </m:e>
+                              </m:acc>
+                              <m:r>
+                                <a:rPr lang="pt-BR" b="0" i="1" smtClean="0">
+                                  <a:latin typeface="Cambria Math" panose="02040503050406030204" pitchFamily="18" charset="0"/>
+                                </a:rPr>
+                                <m:t>(0)</m:t>
+                              </m:r>
+                            </m:e>
+                          </m:mr>
+                          <m:mr>
+                            <m:e>
+                              <m:r>
+                                <a:rPr lang="pt-BR" i="1">
+                                  <a:latin typeface="Cambria Math" panose="02040503050406030204" pitchFamily="18" charset="0"/>
+                                </a:rPr>
+                                <m:t>⋮</m:t>
+                              </m:r>
+                            </m:e>
+                          </m:mr>
+                          <m:mr>
+                            <m:e>
+                              <m:acc>
+                                <m:accPr>
+                                  <m:chr m:val="̂"/>
+                                  <m:ctrlPr>
+                                    <a:rPr lang="pt-BR" i="1">
+                                      <a:latin typeface="Cambria Math" panose="02040503050406030204" pitchFamily="18" charset="0"/>
+                                    </a:rPr>
+                                  </m:ctrlPr>
+                                </m:accPr>
+                                <m:e>
+                                  <m:r>
+                                    <a:rPr lang="pt-BR" i="1">
+                                      <a:latin typeface="Cambria Math" panose="02040503050406030204" pitchFamily="18" charset="0"/>
+                                    </a:rPr>
+                                    <m:t>𝑦</m:t>
+                                  </m:r>
+                                </m:e>
+                              </m:acc>
+                              <m:r>
+                                <a:rPr lang="pt-BR" i="1">
+                                  <a:latin typeface="Cambria Math" panose="02040503050406030204" pitchFamily="18" charset="0"/>
+                                </a:rPr>
+                                <m:t>(</m:t>
+                              </m:r>
+                              <m:r>
+                                <a:rPr lang="pt-BR" b="0" i="1" smtClean="0">
+                                  <a:latin typeface="Cambria Math" panose="02040503050406030204" pitchFamily="18" charset="0"/>
+                                </a:rPr>
+                                <m:t>𝑁</m:t>
+                              </m:r>
+                              <m:r>
+                                <a:rPr lang="pt-BR" b="0" i="1" smtClean="0">
+                                  <a:latin typeface="Cambria Math" panose="02040503050406030204" pitchFamily="18" charset="0"/>
+                                </a:rPr>
+                                <m:t>−1)</m:t>
+                              </m:r>
+                            </m:e>
+                          </m:mr>
+                        </m:m>
+                      </m:e>
+                    </m:d>
+                  </m:oMath>
+                </a14:m>
+                <a:endParaRPr lang="pt-BR" dirty="0"/>
+              </a:p>
+              <a:p>
+                <a:pPr marL="0" indent="0">
+                  <a:buNone/>
+                </a:pPr>
+                <a:endParaRPr lang="pt-BR" dirty="0"/>
+              </a:p>
+            </p:txBody>
+          </p:sp>
+        </mc:Choice>
+        <mc:Fallback>
+          <p:sp>
+            <p:nvSpPr>
+              <p:cNvPr id="3" name="Espaço Reservado para Conteúdo 2">
+                <a:extLst>
+                  <a:ext uri="{FF2B5EF4-FFF2-40B4-BE49-F238E27FC236}">
+                    <a16:creationId xmlns:a16="http://schemas.microsoft.com/office/drawing/2014/main" id="{61955E10-4B16-2D29-24BC-850FAB262AA9}"/>
+                  </a:ext>
+                </a:extLst>
+              </p:cNvPr>
+              <p:cNvSpPr>
+                <a:spLocks noGrp="1" noRot="1" noChangeAspect="1" noMove="1" noResize="1" noEditPoints="1" noAdjustHandles="1" noChangeArrowheads="1" noChangeShapeType="1" noTextEdit="1"/>
+              </p:cNvSpPr>
+              <p:nvPr>
+                <p:ph idx="1"/>
+              </p:nvPr>
+            </p:nvSpPr>
+            <p:spPr>
+              <a:xfrm>
+                <a:off x="838199" y="1825624"/>
+                <a:ext cx="11100371" cy="5032375"/>
+              </a:xfrm>
+              <a:blipFill>
+                <a:blip r:embed="rId2"/>
+                <a:stretch>
+                  <a:fillRect l="-1098" t="-1937"/>
+                </a:stretch>
+              </a:blipFill>
+            </p:spPr>
+            <p:txBody>
+              <a:bodyPr/>
+              <a:lstStyle/>
+              <a:p>
+                <a:r>
+                  <a:rPr lang="pt-BR">
+                    <a:noFill/>
+                  </a:rPr>
+                  <a:t> </a:t>
+                </a:r>
+              </a:p>
+            </p:txBody>
+          </p:sp>
+        </mc:Fallback>
+      </mc:AlternateContent>
+    </p:spTree>
+    <p:extLst>
+      <p:ext uri="{BB962C8B-B14F-4D97-AF65-F5344CB8AC3E}">
+        <p14:creationId xmlns:p14="http://schemas.microsoft.com/office/powerpoint/2010/main" val="2202719804"/>
+      </p:ext>
+    </p:extLst>
+  </p:cSld>
+  <p:clrMapOvr>
+    <a:masterClrMapping/>
+  </p:clrMapOvr>
+</p:sld>
+</file>
+
 <file path=ppt/slides/slide4.xml><?xml version="1.0" encoding="utf-8"?>
 <p:sld xmlns:a="http://schemas.openxmlformats.org/drawingml/2006/main" xmlns:r="http://schemas.openxmlformats.org/officeDocument/2006/relationships" xmlns:p="http://schemas.openxmlformats.org/presentationml/2006/main">
   <p:cSld>
@@ -41506,6 +47760,1877 @@
     <p:extLst>
       <p:ext uri="{BB962C8B-B14F-4D97-AF65-F5344CB8AC3E}">
         <p14:creationId xmlns:p14="http://schemas.microsoft.com/office/powerpoint/2010/main" val="3186962278"/>
+      </p:ext>
+    </p:extLst>
+  </p:cSld>
+  <p:clrMapOvr>
+    <a:masterClrMapping/>
+  </p:clrMapOvr>
+</p:sld>
+</file>
+
+<file path=ppt/slides/slide40.xml><?xml version="1.0" encoding="utf-8"?>
+<p:sld xmlns:a="http://schemas.openxmlformats.org/drawingml/2006/main" xmlns:r="http://schemas.openxmlformats.org/officeDocument/2006/relationships" xmlns:p="http://schemas.openxmlformats.org/presentationml/2006/main">
+  <p:cSld>
+    <p:spTree>
+      <p:nvGrpSpPr>
+        <p:cNvPr id="1" name=""/>
+        <p:cNvGrpSpPr/>
+        <p:nvPr/>
+      </p:nvGrpSpPr>
+      <p:grpSpPr>
+        <a:xfrm>
+          <a:off x="0" y="0"/>
+          <a:ext cx="0" cy="0"/>
+          <a:chOff x="0" y="0"/>
+          <a:chExt cx="0" cy="0"/>
+        </a:xfrm>
+      </p:grpSpPr>
+      <p:sp>
+        <p:nvSpPr>
+          <p:cNvPr id="2" name="Título 1">
+            <a:extLst>
+              <a:ext uri="{FF2B5EF4-FFF2-40B4-BE49-F238E27FC236}">
+                <a16:creationId xmlns:a16="http://schemas.microsoft.com/office/drawing/2014/main" id="{C26E48CD-5975-9166-CE39-4E765E641534}"/>
+              </a:ext>
+            </a:extLst>
+          </p:cNvPr>
+          <p:cNvSpPr>
+            <a:spLocks noGrp="1"/>
+          </p:cNvSpPr>
+          <p:nvPr>
+            <p:ph type="title"/>
+          </p:nvPr>
+        </p:nvSpPr>
+        <p:spPr/>
+        <p:txBody>
+          <a:bodyPr/>
+          <a:lstStyle/>
+          <a:p>
+            <a:r>
+              <a:rPr lang="pt-BR" dirty="0"/>
+              <a:t>Cálculo do vetor gradiente</a:t>
+            </a:r>
+          </a:p>
+        </p:txBody>
+      </p:sp>
+      <mc:AlternateContent xmlns:mc="http://schemas.openxmlformats.org/markup-compatibility/2006">
+        <mc:Choice xmlns:a14="http://schemas.microsoft.com/office/drawing/2010/main" Requires="a14">
+          <p:sp>
+            <p:nvSpPr>
+              <p:cNvPr id="3" name="Espaço Reservado para Conteúdo 2">
+                <a:extLst>
+                  <a:ext uri="{FF2B5EF4-FFF2-40B4-BE49-F238E27FC236}">
+                    <a16:creationId xmlns:a16="http://schemas.microsoft.com/office/drawing/2014/main" id="{9B6FE6F4-46A6-5D0C-B281-F2FF9F531349}"/>
+                  </a:ext>
+                </a:extLst>
+              </p:cNvPr>
+              <p:cNvSpPr>
+                <a:spLocks noGrp="1"/>
+              </p:cNvSpPr>
+              <p:nvPr>
+                <p:ph idx="1"/>
+              </p:nvPr>
+            </p:nvSpPr>
+            <p:spPr>
+              <a:xfrm>
+                <a:off x="838199" y="1825624"/>
+                <a:ext cx="11244209" cy="5032375"/>
+              </a:xfrm>
+            </p:spPr>
+            <p:txBody>
+              <a:bodyPr>
+                <a:normAutofit lnSpcReduction="10000"/>
+              </a:bodyPr>
+              <a:lstStyle/>
+              <a:p>
+                <a:pPr marL="0" indent="0">
+                  <a:buNone/>
+                </a:pPr>
+                <a:r>
+                  <a:rPr lang="pt-BR" dirty="0"/>
+                  <a:t>Usando a matriz e os vetores definidos no slide anterior, podemos reescrever o vetor gradiente como</a:t>
+                </a:r>
+              </a:p>
+              <a:p>
+                <a:pPr marL="0" indent="0">
+                  <a:buNone/>
+                </a:pPr>
+                <a14:m>
+                  <m:oMathPara xmlns:m="http://schemas.openxmlformats.org/officeDocument/2006/math">
+                    <m:oMathParaPr>
+                      <m:jc m:val="centerGroup"/>
+                    </m:oMathParaPr>
+                    <m:oMath xmlns:m="http://schemas.openxmlformats.org/officeDocument/2006/math">
+                      <m:f>
+                        <m:fPr>
+                          <m:ctrlPr>
+                            <a:rPr lang="pt-BR" i="1" smtClean="0">
+                              <a:latin typeface="Cambria Math" panose="02040503050406030204" pitchFamily="18" charset="0"/>
+                            </a:rPr>
+                          </m:ctrlPr>
+                        </m:fPr>
+                        <m:num>
+                          <m:r>
+                            <a:rPr lang="pt-BR" i="1">
+                              <a:latin typeface="Cambria Math" panose="02040503050406030204" pitchFamily="18" charset="0"/>
+                            </a:rPr>
+                            <m:t>𝜕</m:t>
+                          </m:r>
+                          <m:sSub>
+                            <m:sSubPr>
+                              <m:ctrlPr>
+                                <a:rPr lang="pt-BR" i="1">
+                                  <a:latin typeface="Cambria Math" panose="02040503050406030204" pitchFamily="18" charset="0"/>
+                                </a:rPr>
+                              </m:ctrlPr>
+                            </m:sSubPr>
+                            <m:e>
+                              <m:r>
+                                <a:rPr lang="pt-BR" i="1">
+                                  <a:latin typeface="Cambria Math" panose="02040503050406030204" pitchFamily="18" charset="0"/>
+                                </a:rPr>
+                                <m:t>𝐽</m:t>
+                              </m:r>
+                            </m:e>
+                            <m:sub>
+                              <m:r>
+                                <a:rPr lang="pt-BR" i="1">
+                                  <a:latin typeface="Cambria Math" panose="02040503050406030204" pitchFamily="18" charset="0"/>
+                                </a:rPr>
+                                <m:t>𝑒</m:t>
+                              </m:r>
+                            </m:sub>
+                          </m:sSub>
+                          <m:d>
+                            <m:dPr>
+                              <m:ctrlPr>
+                                <a:rPr lang="pt-BR" i="1">
+                                  <a:latin typeface="Cambria Math" panose="02040503050406030204" pitchFamily="18" charset="0"/>
+                                </a:rPr>
+                              </m:ctrlPr>
+                            </m:dPr>
+                            <m:e>
+                              <m:r>
+                                <a:rPr lang="pt-BR" b="1" i="1">
+                                  <a:latin typeface="Cambria Math" panose="02040503050406030204" pitchFamily="18" charset="0"/>
+                                </a:rPr>
+                                <m:t>𝒂</m:t>
+                              </m:r>
+                            </m:e>
+                          </m:d>
+                        </m:num>
+                        <m:den>
+                          <m:r>
+                            <a:rPr lang="pt-BR" i="1">
+                              <a:latin typeface="Cambria Math" panose="02040503050406030204" pitchFamily="18" charset="0"/>
+                            </a:rPr>
+                            <m:t>𝜕</m:t>
+                          </m:r>
+                          <m:r>
+                            <a:rPr lang="pt-BR" b="1" i="1">
+                              <a:latin typeface="Cambria Math" panose="02040503050406030204" pitchFamily="18" charset="0"/>
+                            </a:rPr>
+                            <m:t>𝒂</m:t>
+                          </m:r>
+                        </m:den>
+                      </m:f>
+                      <m:r>
+                        <a:rPr lang="pt-BR" b="0" i="0" smtClean="0">
+                          <a:latin typeface="Cambria Math" panose="02040503050406030204" pitchFamily="18" charset="0"/>
+                        </a:rPr>
+                        <m:t>=</m:t>
+                      </m:r>
+                      <m:r>
+                        <a:rPr lang="pt-BR">
+                          <a:latin typeface="Cambria Math" panose="02040503050406030204" pitchFamily="18" charset="0"/>
+                        </a:rPr>
+                        <m:t>−</m:t>
+                      </m:r>
+                      <m:f>
+                        <m:fPr>
+                          <m:ctrlPr>
+                            <a:rPr lang="pt-BR" i="1">
+                              <a:latin typeface="Cambria Math" panose="02040503050406030204" pitchFamily="18" charset="0"/>
+                            </a:rPr>
+                          </m:ctrlPr>
+                        </m:fPr>
+                        <m:num>
+                          <m:r>
+                            <a:rPr lang="pt-BR" i="1">
+                              <a:latin typeface="Cambria Math" panose="02040503050406030204" pitchFamily="18" charset="0"/>
+                            </a:rPr>
+                            <m:t>2</m:t>
+                          </m:r>
+                        </m:num>
+                        <m:den>
+                          <m:r>
+                            <a:rPr lang="pt-BR" i="1">
+                              <a:latin typeface="Cambria Math" panose="02040503050406030204" pitchFamily="18" charset="0"/>
+                            </a:rPr>
+                            <m:t>𝑁</m:t>
+                          </m:r>
+                        </m:den>
+                      </m:f>
+                      <m:d>
+                        <m:dPr>
+                          <m:begChr m:val="["/>
+                          <m:endChr m:val="]"/>
+                          <m:ctrlPr>
+                            <a:rPr lang="pt-BR" b="1" i="1">
+                              <a:latin typeface="Cambria Math" panose="02040503050406030204" pitchFamily="18" charset="0"/>
+                            </a:rPr>
+                          </m:ctrlPr>
+                        </m:dPr>
+                        <m:e>
+                          <m:m>
+                            <m:mPr>
+                              <m:mcs>
+                                <m:mc>
+                                  <m:mcPr>
+                                    <m:count m:val="3"/>
+                                    <m:mcJc m:val="center"/>
+                                  </m:mcPr>
+                                </m:mc>
+                              </m:mcs>
+                              <m:ctrlPr>
+                                <a:rPr lang="pt-BR" b="1" i="1">
+                                  <a:latin typeface="Cambria Math" panose="02040503050406030204" pitchFamily="18" charset="0"/>
+                                </a:rPr>
+                              </m:ctrlPr>
+                            </m:mPr>
+                            <m:mr>
+                              <m:e>
+                                <m:sSub>
+                                  <m:sSubPr>
+                                    <m:ctrlPr>
+                                      <a:rPr lang="pt-BR" i="1">
+                                        <a:latin typeface="Cambria Math" panose="02040503050406030204" pitchFamily="18" charset="0"/>
+                                      </a:rPr>
+                                    </m:ctrlPr>
+                                  </m:sSubPr>
+                                  <m:e>
+                                    <m:r>
+                                      <a:rPr lang="pt-BR" i="1">
+                                        <a:latin typeface="Cambria Math" panose="02040503050406030204" pitchFamily="18" charset="0"/>
+                                      </a:rPr>
+                                      <m:t>𝑥</m:t>
+                                    </m:r>
+                                  </m:e>
+                                  <m:sub>
+                                    <m:r>
+                                      <a:rPr lang="pt-BR" i="1">
+                                        <a:latin typeface="Cambria Math" panose="02040503050406030204" pitchFamily="18" charset="0"/>
+                                      </a:rPr>
+                                      <m:t>0</m:t>
+                                    </m:r>
+                                  </m:sub>
+                                </m:sSub>
+                                <m:d>
+                                  <m:dPr>
+                                    <m:ctrlPr>
+                                      <a:rPr lang="pt-BR" i="1">
+                                        <a:latin typeface="Cambria Math" panose="02040503050406030204" pitchFamily="18" charset="0"/>
+                                      </a:rPr>
+                                    </m:ctrlPr>
+                                  </m:dPr>
+                                  <m:e>
+                                    <m:r>
+                                      <a:rPr lang="pt-BR" i="1">
+                                        <a:latin typeface="Cambria Math" panose="02040503050406030204" pitchFamily="18" charset="0"/>
+                                      </a:rPr>
+                                      <m:t>0</m:t>
+                                    </m:r>
+                                  </m:e>
+                                </m:d>
+                              </m:e>
+                              <m:e>
+                                <m:sSub>
+                                  <m:sSubPr>
+                                    <m:ctrlPr>
+                                      <a:rPr lang="pt-BR" i="1">
+                                        <a:latin typeface="Cambria Math" panose="02040503050406030204" pitchFamily="18" charset="0"/>
+                                      </a:rPr>
+                                    </m:ctrlPr>
+                                  </m:sSubPr>
+                                  <m:e>
+                                    <m:r>
+                                      <a:rPr lang="pt-BR" i="1">
+                                        <a:latin typeface="Cambria Math" panose="02040503050406030204" pitchFamily="18" charset="0"/>
+                                      </a:rPr>
+                                      <m:t>𝑥</m:t>
+                                    </m:r>
+                                  </m:e>
+                                  <m:sub>
+                                    <m:r>
+                                      <a:rPr lang="pt-BR" i="1">
+                                        <a:latin typeface="Cambria Math" panose="02040503050406030204" pitchFamily="18" charset="0"/>
+                                      </a:rPr>
+                                      <m:t>0</m:t>
+                                    </m:r>
+                                  </m:sub>
+                                </m:sSub>
+                                <m:d>
+                                  <m:dPr>
+                                    <m:ctrlPr>
+                                      <a:rPr lang="pt-BR" i="1">
+                                        <a:latin typeface="Cambria Math" panose="02040503050406030204" pitchFamily="18" charset="0"/>
+                                      </a:rPr>
+                                    </m:ctrlPr>
+                                  </m:dPr>
+                                  <m:e>
+                                    <m:r>
+                                      <a:rPr lang="pt-BR" i="1">
+                                        <a:latin typeface="Cambria Math" panose="02040503050406030204" pitchFamily="18" charset="0"/>
+                                      </a:rPr>
+                                      <m:t>1</m:t>
+                                    </m:r>
+                                  </m:e>
+                                </m:d>
+                              </m:e>
+                              <m:e>
+                                <m:m>
+                                  <m:mPr>
+                                    <m:mcs>
+                                      <m:mc>
+                                        <m:mcPr>
+                                          <m:count m:val="2"/>
+                                          <m:mcJc m:val="center"/>
+                                        </m:mcPr>
+                                      </m:mc>
+                                    </m:mcs>
+                                    <m:ctrlPr>
+                                      <a:rPr lang="pt-BR" b="1" i="1">
+                                        <a:latin typeface="Cambria Math" panose="02040503050406030204" pitchFamily="18" charset="0"/>
+                                      </a:rPr>
+                                    </m:ctrlPr>
+                                  </m:mPr>
+                                  <m:mr>
+                                    <m:e>
+                                      <m:r>
+                                        <m:rPr>
+                                          <m:brk m:alnAt="7"/>
+                                        </m:rPr>
+                                        <a:rPr lang="pt-BR" b="1" i="1">
+                                          <a:latin typeface="Cambria Math" panose="02040503050406030204" pitchFamily="18" charset="0"/>
+                                        </a:rPr>
+                                        <m:t>⋯</m:t>
+                                      </m:r>
+                                    </m:e>
+                                    <m:e>
+                                      <m:sSub>
+                                        <m:sSubPr>
+                                          <m:ctrlPr>
+                                            <a:rPr lang="pt-BR" i="1">
+                                              <a:latin typeface="Cambria Math" panose="02040503050406030204" pitchFamily="18" charset="0"/>
+                                            </a:rPr>
+                                          </m:ctrlPr>
+                                        </m:sSubPr>
+                                        <m:e>
+                                          <m:r>
+                                            <a:rPr lang="pt-BR" i="1">
+                                              <a:latin typeface="Cambria Math" panose="02040503050406030204" pitchFamily="18" charset="0"/>
+                                            </a:rPr>
+                                            <m:t>𝑥</m:t>
+                                          </m:r>
+                                        </m:e>
+                                        <m:sub>
+                                          <m:r>
+                                            <a:rPr lang="pt-BR" i="1">
+                                              <a:latin typeface="Cambria Math" panose="02040503050406030204" pitchFamily="18" charset="0"/>
+                                            </a:rPr>
+                                            <m:t>0</m:t>
+                                          </m:r>
+                                        </m:sub>
+                                      </m:sSub>
+                                      <m:d>
+                                        <m:dPr>
+                                          <m:ctrlPr>
+                                            <a:rPr lang="pt-BR" i="1">
+                                              <a:latin typeface="Cambria Math" panose="02040503050406030204" pitchFamily="18" charset="0"/>
+                                            </a:rPr>
+                                          </m:ctrlPr>
+                                        </m:dPr>
+                                        <m:e>
+                                          <m:r>
+                                            <a:rPr lang="pt-BR" i="1">
+                                              <a:latin typeface="Cambria Math" panose="02040503050406030204" pitchFamily="18" charset="0"/>
+                                            </a:rPr>
+                                            <m:t>𝑁</m:t>
+                                          </m:r>
+                                          <m:r>
+                                            <a:rPr lang="pt-BR" i="1">
+                                              <a:latin typeface="Cambria Math" panose="02040503050406030204" pitchFamily="18" charset="0"/>
+                                            </a:rPr>
+                                            <m:t>−1</m:t>
+                                          </m:r>
+                                        </m:e>
+                                      </m:d>
+                                    </m:e>
+                                  </m:mr>
+                                </m:m>
+                              </m:e>
+                            </m:mr>
+                            <m:mr>
+                              <m:e>
+                                <m:r>
+                                  <a:rPr lang="pt-BR" b="1" i="1">
+                                    <a:latin typeface="Cambria Math" panose="02040503050406030204" pitchFamily="18" charset="0"/>
+                                  </a:rPr>
+                                  <m:t>⋮</m:t>
+                                </m:r>
+                              </m:e>
+                              <m:e>
+                                <m:r>
+                                  <a:rPr lang="pt-BR" b="1" i="1">
+                                    <a:latin typeface="Cambria Math" panose="02040503050406030204" pitchFamily="18" charset="0"/>
+                                  </a:rPr>
+                                  <m:t>⋮</m:t>
+                                </m:r>
+                              </m:e>
+                              <m:e>
+                                <m:r>
+                                  <a:rPr lang="pt-BR" b="1" i="1">
+                                    <a:latin typeface="Cambria Math" panose="02040503050406030204" pitchFamily="18" charset="0"/>
+                                  </a:rPr>
+                                  <m:t>⋮</m:t>
+                                </m:r>
+                              </m:e>
+                            </m:mr>
+                            <m:mr>
+                              <m:e>
+                                <m:sSub>
+                                  <m:sSubPr>
+                                    <m:ctrlPr>
+                                      <a:rPr lang="pt-BR" i="1">
+                                        <a:latin typeface="Cambria Math" panose="02040503050406030204" pitchFamily="18" charset="0"/>
+                                      </a:rPr>
+                                    </m:ctrlPr>
+                                  </m:sSubPr>
+                                  <m:e>
+                                    <m:r>
+                                      <a:rPr lang="pt-BR" i="1">
+                                        <a:latin typeface="Cambria Math" panose="02040503050406030204" pitchFamily="18" charset="0"/>
+                                      </a:rPr>
+                                      <m:t>𝑥</m:t>
+                                    </m:r>
+                                  </m:e>
+                                  <m:sub>
+                                    <m:r>
+                                      <a:rPr lang="pt-BR" i="1">
+                                        <a:latin typeface="Cambria Math" panose="02040503050406030204" pitchFamily="18" charset="0"/>
+                                      </a:rPr>
+                                      <m:t>𝐾</m:t>
+                                    </m:r>
+                                  </m:sub>
+                                </m:sSub>
+                                <m:d>
+                                  <m:dPr>
+                                    <m:ctrlPr>
+                                      <a:rPr lang="pt-BR" i="1">
+                                        <a:latin typeface="Cambria Math" panose="02040503050406030204" pitchFamily="18" charset="0"/>
+                                      </a:rPr>
+                                    </m:ctrlPr>
+                                  </m:dPr>
+                                  <m:e>
+                                    <m:r>
+                                      <a:rPr lang="pt-BR" i="1">
+                                        <a:latin typeface="Cambria Math" panose="02040503050406030204" pitchFamily="18" charset="0"/>
+                                      </a:rPr>
+                                      <m:t>0</m:t>
+                                    </m:r>
+                                  </m:e>
+                                </m:d>
+                              </m:e>
+                              <m:e>
+                                <m:sSub>
+                                  <m:sSubPr>
+                                    <m:ctrlPr>
+                                      <a:rPr lang="pt-BR" i="1">
+                                        <a:latin typeface="Cambria Math" panose="02040503050406030204" pitchFamily="18" charset="0"/>
+                                      </a:rPr>
+                                    </m:ctrlPr>
+                                  </m:sSubPr>
+                                  <m:e>
+                                    <m:r>
+                                      <a:rPr lang="pt-BR" i="1">
+                                        <a:latin typeface="Cambria Math" panose="02040503050406030204" pitchFamily="18" charset="0"/>
+                                      </a:rPr>
+                                      <m:t>𝑥</m:t>
+                                    </m:r>
+                                  </m:e>
+                                  <m:sub>
+                                    <m:r>
+                                      <a:rPr lang="pt-BR" i="1">
+                                        <a:latin typeface="Cambria Math" panose="02040503050406030204" pitchFamily="18" charset="0"/>
+                                      </a:rPr>
+                                      <m:t>𝐾</m:t>
+                                    </m:r>
+                                  </m:sub>
+                                </m:sSub>
+                                <m:d>
+                                  <m:dPr>
+                                    <m:ctrlPr>
+                                      <a:rPr lang="pt-BR" i="1">
+                                        <a:latin typeface="Cambria Math" panose="02040503050406030204" pitchFamily="18" charset="0"/>
+                                      </a:rPr>
+                                    </m:ctrlPr>
+                                  </m:dPr>
+                                  <m:e>
+                                    <m:r>
+                                      <a:rPr lang="pt-BR" i="1">
+                                        <a:latin typeface="Cambria Math" panose="02040503050406030204" pitchFamily="18" charset="0"/>
+                                      </a:rPr>
+                                      <m:t>1</m:t>
+                                    </m:r>
+                                  </m:e>
+                                </m:d>
+                              </m:e>
+                              <m:e>
+                                <m:m>
+                                  <m:mPr>
+                                    <m:mcs>
+                                      <m:mc>
+                                        <m:mcPr>
+                                          <m:count m:val="2"/>
+                                          <m:mcJc m:val="center"/>
+                                        </m:mcPr>
+                                      </m:mc>
+                                    </m:mcs>
+                                    <m:ctrlPr>
+                                      <a:rPr lang="pt-BR" b="1" i="1">
+                                        <a:latin typeface="Cambria Math" panose="02040503050406030204" pitchFamily="18" charset="0"/>
+                                      </a:rPr>
+                                    </m:ctrlPr>
+                                  </m:mPr>
+                                  <m:mr>
+                                    <m:e>
+                                      <m:r>
+                                        <m:rPr>
+                                          <m:brk m:alnAt="7"/>
+                                        </m:rPr>
+                                        <a:rPr lang="pt-BR" b="1" i="1">
+                                          <a:latin typeface="Cambria Math" panose="02040503050406030204" pitchFamily="18" charset="0"/>
+                                        </a:rPr>
+                                        <m:t>⋯</m:t>
+                                      </m:r>
+                                    </m:e>
+                                    <m:e>
+                                      <m:sSub>
+                                        <m:sSubPr>
+                                          <m:ctrlPr>
+                                            <a:rPr lang="pt-BR" i="1">
+                                              <a:latin typeface="Cambria Math" panose="02040503050406030204" pitchFamily="18" charset="0"/>
+                                            </a:rPr>
+                                          </m:ctrlPr>
+                                        </m:sSubPr>
+                                        <m:e>
+                                          <m:r>
+                                            <a:rPr lang="pt-BR" i="1">
+                                              <a:latin typeface="Cambria Math" panose="02040503050406030204" pitchFamily="18" charset="0"/>
+                                            </a:rPr>
+                                            <m:t>𝑥</m:t>
+                                          </m:r>
+                                        </m:e>
+                                        <m:sub>
+                                          <m:r>
+                                            <a:rPr lang="pt-BR" i="1">
+                                              <a:latin typeface="Cambria Math" panose="02040503050406030204" pitchFamily="18" charset="0"/>
+                                            </a:rPr>
+                                            <m:t>𝐾</m:t>
+                                          </m:r>
+                                        </m:sub>
+                                      </m:sSub>
+                                      <m:d>
+                                        <m:dPr>
+                                          <m:ctrlPr>
+                                            <a:rPr lang="pt-BR" i="1">
+                                              <a:latin typeface="Cambria Math" panose="02040503050406030204" pitchFamily="18" charset="0"/>
+                                            </a:rPr>
+                                          </m:ctrlPr>
+                                        </m:dPr>
+                                        <m:e>
+                                          <m:r>
+                                            <a:rPr lang="pt-BR" i="1">
+                                              <a:latin typeface="Cambria Math" panose="02040503050406030204" pitchFamily="18" charset="0"/>
+                                            </a:rPr>
+                                            <m:t>𝑁</m:t>
+                                          </m:r>
+                                          <m:r>
+                                            <a:rPr lang="pt-BR" i="1">
+                                              <a:latin typeface="Cambria Math" panose="02040503050406030204" pitchFamily="18" charset="0"/>
+                                            </a:rPr>
+                                            <m:t>−1</m:t>
+                                          </m:r>
+                                        </m:e>
+                                      </m:d>
+                                    </m:e>
+                                  </m:mr>
+                                </m:m>
+                              </m:e>
+                            </m:mr>
+                          </m:m>
+                        </m:e>
+                      </m:d>
+                      <m:d>
+                        <m:dPr>
+                          <m:ctrlPr>
+                            <a:rPr lang="pt-BR" b="1" i="1" smtClean="0">
+                              <a:latin typeface="Cambria Math" panose="02040503050406030204" pitchFamily="18" charset="0"/>
+                            </a:rPr>
+                          </m:ctrlPr>
+                        </m:dPr>
+                        <m:e>
+                          <m:d>
+                            <m:dPr>
+                              <m:begChr m:val="["/>
+                              <m:endChr m:val="]"/>
+                              <m:ctrlPr>
+                                <a:rPr lang="pt-BR" b="1" i="1">
+                                  <a:latin typeface="Cambria Math" panose="02040503050406030204" pitchFamily="18" charset="0"/>
+                                </a:rPr>
+                              </m:ctrlPr>
+                            </m:dPr>
+                            <m:e>
+                              <m:m>
+                                <m:mPr>
+                                  <m:mcs>
+                                    <m:mc>
+                                      <m:mcPr>
+                                        <m:count m:val="1"/>
+                                        <m:mcJc m:val="center"/>
+                                      </m:mcPr>
+                                    </m:mc>
+                                  </m:mcs>
+                                  <m:ctrlPr>
+                                    <a:rPr lang="pt-BR" b="1" i="1">
+                                      <a:latin typeface="Cambria Math" panose="02040503050406030204" pitchFamily="18" charset="0"/>
+                                    </a:rPr>
+                                  </m:ctrlPr>
+                                </m:mPr>
+                                <m:mr>
+                                  <m:e>
+                                    <m:r>
+                                      <m:rPr>
+                                        <m:brk m:alnAt="7"/>
+                                      </m:rPr>
+                                      <a:rPr lang="pt-BR" i="1">
+                                        <a:latin typeface="Cambria Math" panose="02040503050406030204" pitchFamily="18" charset="0"/>
+                                      </a:rPr>
+                                      <m:t>𝑦</m:t>
+                                    </m:r>
+                                    <m:d>
+                                      <m:dPr>
+                                        <m:ctrlPr>
+                                          <a:rPr lang="pt-BR" i="1">
+                                            <a:latin typeface="Cambria Math" panose="02040503050406030204" pitchFamily="18" charset="0"/>
+                                          </a:rPr>
+                                        </m:ctrlPr>
+                                      </m:dPr>
+                                      <m:e>
+                                        <m:r>
+                                          <a:rPr lang="pt-BR" i="1">
+                                            <a:latin typeface="Cambria Math" panose="02040503050406030204" pitchFamily="18" charset="0"/>
+                                          </a:rPr>
+                                          <m:t>0</m:t>
+                                        </m:r>
+                                      </m:e>
+                                    </m:d>
+                                  </m:e>
+                                </m:mr>
+                                <m:mr>
+                                  <m:e>
+                                    <m:r>
+                                      <a:rPr lang="pt-BR" i="1">
+                                        <a:latin typeface="Cambria Math" panose="02040503050406030204" pitchFamily="18" charset="0"/>
+                                      </a:rPr>
+                                      <m:t>𝑦</m:t>
+                                    </m:r>
+                                    <m:d>
+                                      <m:dPr>
+                                        <m:ctrlPr>
+                                          <a:rPr lang="pt-BR" i="1">
+                                            <a:latin typeface="Cambria Math" panose="02040503050406030204" pitchFamily="18" charset="0"/>
+                                          </a:rPr>
+                                        </m:ctrlPr>
+                                      </m:dPr>
+                                      <m:e>
+                                        <m:r>
+                                          <a:rPr lang="pt-BR" i="1">
+                                            <a:latin typeface="Cambria Math" panose="02040503050406030204" pitchFamily="18" charset="0"/>
+                                          </a:rPr>
+                                          <m:t>1</m:t>
+                                        </m:r>
+                                      </m:e>
+                                    </m:d>
+                                  </m:e>
+                                </m:mr>
+                                <m:mr>
+                                  <m:e>
+                                    <m:m>
+                                      <m:mPr>
+                                        <m:mcs>
+                                          <m:mc>
+                                            <m:mcPr>
+                                              <m:count m:val="1"/>
+                                              <m:mcJc m:val="center"/>
+                                            </m:mcPr>
+                                          </m:mc>
+                                        </m:mcs>
+                                        <m:ctrlPr>
+                                          <a:rPr lang="pt-BR" b="1" i="1">
+                                            <a:latin typeface="Cambria Math" panose="02040503050406030204" pitchFamily="18" charset="0"/>
+                                          </a:rPr>
+                                        </m:ctrlPr>
+                                      </m:mPr>
+                                      <m:mr>
+                                        <m:e>
+                                          <m:r>
+                                            <m:rPr>
+                                              <m:brk m:alnAt="7"/>
+                                            </m:rPr>
+                                            <a:rPr lang="pt-BR" b="1" i="1">
+                                              <a:latin typeface="Cambria Math" panose="02040503050406030204" pitchFamily="18" charset="0"/>
+                                            </a:rPr>
+                                            <m:t>⋮</m:t>
+                                          </m:r>
+                                        </m:e>
+                                      </m:mr>
+                                      <m:mr>
+                                        <m:e>
+                                          <m:r>
+                                            <a:rPr lang="pt-BR" i="1">
+                                              <a:latin typeface="Cambria Math" panose="02040503050406030204" pitchFamily="18" charset="0"/>
+                                            </a:rPr>
+                                            <m:t>𝑦</m:t>
+                                          </m:r>
+                                          <m:d>
+                                            <m:dPr>
+                                              <m:ctrlPr>
+                                                <a:rPr lang="pt-BR" i="1">
+                                                  <a:latin typeface="Cambria Math" panose="02040503050406030204" pitchFamily="18" charset="0"/>
+                                                </a:rPr>
+                                              </m:ctrlPr>
+                                            </m:dPr>
+                                            <m:e>
+                                              <m:r>
+                                                <a:rPr lang="pt-BR" i="1">
+                                                  <a:latin typeface="Cambria Math" panose="02040503050406030204" pitchFamily="18" charset="0"/>
+                                                </a:rPr>
+                                                <m:t>𝑁</m:t>
+                                              </m:r>
+                                              <m:r>
+                                                <a:rPr lang="pt-BR" i="1">
+                                                  <a:latin typeface="Cambria Math" panose="02040503050406030204" pitchFamily="18" charset="0"/>
+                                                </a:rPr>
+                                                <m:t>−1</m:t>
+                                              </m:r>
+                                            </m:e>
+                                          </m:d>
+                                        </m:e>
+                                      </m:mr>
+                                    </m:m>
+                                  </m:e>
+                                </m:mr>
+                              </m:m>
+                            </m:e>
+                          </m:d>
+                          <m:r>
+                            <a:rPr lang="pt-BR" b="1" i="1" smtClean="0">
+                              <a:latin typeface="Cambria Math" panose="02040503050406030204" pitchFamily="18" charset="0"/>
+                            </a:rPr>
+                            <m:t>−</m:t>
+                          </m:r>
+                          <m:d>
+                            <m:dPr>
+                              <m:begChr m:val="["/>
+                              <m:endChr m:val="]"/>
+                              <m:ctrlPr>
+                                <a:rPr lang="pt-BR" b="1" i="1">
+                                  <a:latin typeface="Cambria Math" panose="02040503050406030204" pitchFamily="18" charset="0"/>
+                                </a:rPr>
+                              </m:ctrlPr>
+                            </m:dPr>
+                            <m:e>
+                              <m:m>
+                                <m:mPr>
+                                  <m:mcs>
+                                    <m:mc>
+                                      <m:mcPr>
+                                        <m:count m:val="1"/>
+                                        <m:mcJc m:val="center"/>
+                                      </m:mcPr>
+                                    </m:mc>
+                                  </m:mcs>
+                                  <m:ctrlPr>
+                                    <a:rPr lang="pt-BR" b="1" i="1">
+                                      <a:latin typeface="Cambria Math" panose="02040503050406030204" pitchFamily="18" charset="0"/>
+                                    </a:rPr>
+                                  </m:ctrlPr>
+                                </m:mPr>
+                                <m:mr>
+                                  <m:e>
+                                    <m:acc>
+                                      <m:accPr>
+                                        <m:chr m:val="̂"/>
+                                        <m:ctrlPr>
+                                          <a:rPr lang="pt-BR" b="1" i="1" smtClean="0">
+                                            <a:latin typeface="Cambria Math" panose="02040503050406030204" pitchFamily="18" charset="0"/>
+                                          </a:rPr>
+                                        </m:ctrlPr>
+                                      </m:accPr>
+                                      <m:e>
+                                        <m:r>
+                                          <a:rPr lang="pt-BR" b="0" i="1" smtClean="0">
+                                            <a:latin typeface="Cambria Math" panose="02040503050406030204" pitchFamily="18" charset="0"/>
+                                          </a:rPr>
+                                          <m:t>𝑦</m:t>
+                                        </m:r>
+                                      </m:e>
+                                    </m:acc>
+                                    <m:d>
+                                      <m:dPr>
+                                        <m:ctrlPr>
+                                          <a:rPr lang="pt-BR" i="1">
+                                            <a:latin typeface="Cambria Math" panose="02040503050406030204" pitchFamily="18" charset="0"/>
+                                          </a:rPr>
+                                        </m:ctrlPr>
+                                      </m:dPr>
+                                      <m:e>
+                                        <m:r>
+                                          <a:rPr lang="pt-BR" i="1">
+                                            <a:latin typeface="Cambria Math" panose="02040503050406030204" pitchFamily="18" charset="0"/>
+                                          </a:rPr>
+                                          <m:t>0</m:t>
+                                        </m:r>
+                                      </m:e>
+                                    </m:d>
+                                  </m:e>
+                                </m:mr>
+                                <m:mr>
+                                  <m:e>
+                                    <m:acc>
+                                      <m:accPr>
+                                        <m:chr m:val="̂"/>
+                                        <m:ctrlPr>
+                                          <a:rPr lang="pt-BR" b="1" i="1">
+                                            <a:latin typeface="Cambria Math" panose="02040503050406030204" pitchFamily="18" charset="0"/>
+                                          </a:rPr>
+                                        </m:ctrlPr>
+                                      </m:accPr>
+                                      <m:e>
+                                        <m:r>
+                                          <a:rPr lang="pt-BR" i="1">
+                                            <a:latin typeface="Cambria Math" panose="02040503050406030204" pitchFamily="18" charset="0"/>
+                                          </a:rPr>
+                                          <m:t>𝑦</m:t>
+                                        </m:r>
+                                      </m:e>
+                                    </m:acc>
+                                    <m:d>
+                                      <m:dPr>
+                                        <m:ctrlPr>
+                                          <a:rPr lang="pt-BR" i="1">
+                                            <a:latin typeface="Cambria Math" panose="02040503050406030204" pitchFamily="18" charset="0"/>
+                                          </a:rPr>
+                                        </m:ctrlPr>
+                                      </m:dPr>
+                                      <m:e>
+                                        <m:r>
+                                          <a:rPr lang="pt-BR" i="1">
+                                            <a:latin typeface="Cambria Math" panose="02040503050406030204" pitchFamily="18" charset="0"/>
+                                          </a:rPr>
+                                          <m:t>1</m:t>
+                                        </m:r>
+                                      </m:e>
+                                    </m:d>
+                                  </m:e>
+                                </m:mr>
+                                <m:mr>
+                                  <m:e>
+                                    <m:m>
+                                      <m:mPr>
+                                        <m:mcs>
+                                          <m:mc>
+                                            <m:mcPr>
+                                              <m:count m:val="1"/>
+                                              <m:mcJc m:val="center"/>
+                                            </m:mcPr>
+                                          </m:mc>
+                                        </m:mcs>
+                                        <m:ctrlPr>
+                                          <a:rPr lang="pt-BR" b="1" i="1">
+                                            <a:latin typeface="Cambria Math" panose="02040503050406030204" pitchFamily="18" charset="0"/>
+                                          </a:rPr>
+                                        </m:ctrlPr>
+                                      </m:mPr>
+                                      <m:mr>
+                                        <m:e>
+                                          <m:r>
+                                            <m:rPr>
+                                              <m:brk m:alnAt="7"/>
+                                            </m:rPr>
+                                            <a:rPr lang="pt-BR" b="1" i="1">
+                                              <a:latin typeface="Cambria Math" panose="02040503050406030204" pitchFamily="18" charset="0"/>
+                                            </a:rPr>
+                                            <m:t>⋮</m:t>
+                                          </m:r>
+                                        </m:e>
+                                      </m:mr>
+                                      <m:mr>
+                                        <m:e>
+                                          <m:acc>
+                                            <m:accPr>
+                                              <m:chr m:val="̂"/>
+                                              <m:ctrlPr>
+                                                <a:rPr lang="pt-BR" b="1" i="1">
+                                                  <a:latin typeface="Cambria Math" panose="02040503050406030204" pitchFamily="18" charset="0"/>
+                                                </a:rPr>
+                                              </m:ctrlPr>
+                                            </m:accPr>
+                                            <m:e>
+                                              <m:r>
+                                                <a:rPr lang="pt-BR" i="1">
+                                                  <a:latin typeface="Cambria Math" panose="02040503050406030204" pitchFamily="18" charset="0"/>
+                                                </a:rPr>
+                                                <m:t>𝑦</m:t>
+                                              </m:r>
+                                            </m:e>
+                                          </m:acc>
+                                          <m:d>
+                                            <m:dPr>
+                                              <m:ctrlPr>
+                                                <a:rPr lang="pt-BR" i="1">
+                                                  <a:latin typeface="Cambria Math" panose="02040503050406030204" pitchFamily="18" charset="0"/>
+                                                </a:rPr>
+                                              </m:ctrlPr>
+                                            </m:dPr>
+                                            <m:e>
+                                              <m:r>
+                                                <a:rPr lang="pt-BR" i="1">
+                                                  <a:latin typeface="Cambria Math" panose="02040503050406030204" pitchFamily="18" charset="0"/>
+                                                </a:rPr>
+                                                <m:t>𝑁</m:t>
+                                              </m:r>
+                                              <m:r>
+                                                <a:rPr lang="pt-BR" i="1">
+                                                  <a:latin typeface="Cambria Math" panose="02040503050406030204" pitchFamily="18" charset="0"/>
+                                                </a:rPr>
+                                                <m:t>−1</m:t>
+                                              </m:r>
+                                            </m:e>
+                                          </m:d>
+                                        </m:e>
+                                      </m:mr>
+                                    </m:m>
+                                  </m:e>
+                                </m:mr>
+                              </m:m>
+                            </m:e>
+                          </m:d>
+                        </m:e>
+                      </m:d>
+                    </m:oMath>
+                  </m:oMathPara>
+                </a14:m>
+                <a:endParaRPr lang="pt-BR" b="1" i="1" dirty="0">
+                  <a:latin typeface="Cambria Math" panose="02040503050406030204" pitchFamily="18" charset="0"/>
+                </a:endParaRPr>
+              </a:p>
+              <a:p>
+                <a:pPr marL="0" indent="0">
+                  <a:buNone/>
+                </a:pPr>
+                <a14:m>
+                  <m:oMathPara xmlns:m="http://schemas.openxmlformats.org/officeDocument/2006/math">
+                    <m:oMathParaPr>
+                      <m:jc m:val="centerGroup"/>
+                    </m:oMathParaPr>
+                    <m:oMath xmlns:m="http://schemas.openxmlformats.org/officeDocument/2006/math">
+                      <m:r>
+                        <a:rPr lang="pt-BR" i="1">
+                          <a:latin typeface="Cambria Math" panose="02040503050406030204" pitchFamily="18" charset="0"/>
+                        </a:rPr>
+                        <m:t>=</m:t>
+                      </m:r>
+                      <m:sSup>
+                        <m:sSupPr>
+                          <m:ctrlPr>
+                            <a:rPr lang="pt-BR" i="1">
+                              <a:latin typeface="Cambria Math" panose="02040503050406030204" pitchFamily="18" charset="0"/>
+                            </a:rPr>
+                          </m:ctrlPr>
+                        </m:sSupPr>
+                        <m:e>
+                          <m:r>
+                            <a:rPr lang="pt-BR" i="1">
+                              <a:latin typeface="Cambria Math" panose="02040503050406030204" pitchFamily="18" charset="0"/>
+                            </a:rPr>
+                            <m:t>−</m:t>
+                          </m:r>
+                          <m:f>
+                            <m:fPr>
+                              <m:ctrlPr>
+                                <a:rPr lang="pt-BR" i="1">
+                                  <a:latin typeface="Cambria Math" panose="02040503050406030204" pitchFamily="18" charset="0"/>
+                                </a:rPr>
+                              </m:ctrlPr>
+                            </m:fPr>
+                            <m:num>
+                              <m:r>
+                                <a:rPr lang="pt-BR" i="1">
+                                  <a:latin typeface="Cambria Math" panose="02040503050406030204" pitchFamily="18" charset="0"/>
+                                </a:rPr>
+                                <m:t>2</m:t>
+                              </m:r>
+                            </m:num>
+                            <m:den>
+                              <m:r>
+                                <a:rPr lang="pt-BR" i="1">
+                                  <a:latin typeface="Cambria Math" panose="02040503050406030204" pitchFamily="18" charset="0"/>
+                                </a:rPr>
+                                <m:t>𝑁</m:t>
+                              </m:r>
+                            </m:den>
+                          </m:f>
+                          <m:r>
+                            <a:rPr lang="pt-BR" b="1" i="1">
+                              <a:latin typeface="Cambria Math" panose="02040503050406030204" pitchFamily="18" charset="0"/>
+                            </a:rPr>
+                            <m:t>𝑿</m:t>
+                          </m:r>
+                        </m:e>
+                        <m:sup>
+                          <m:r>
+                            <a:rPr lang="pt-BR" i="1">
+                              <a:latin typeface="Cambria Math" panose="02040503050406030204" pitchFamily="18" charset="0"/>
+                            </a:rPr>
+                            <m:t>𝑇</m:t>
+                          </m:r>
+                        </m:sup>
+                      </m:sSup>
+                      <m:d>
+                        <m:dPr>
+                          <m:ctrlPr>
+                            <a:rPr lang="pt-BR" i="1">
+                              <a:latin typeface="Cambria Math" panose="02040503050406030204" pitchFamily="18" charset="0"/>
+                            </a:rPr>
+                          </m:ctrlPr>
+                        </m:dPr>
+                        <m:e>
+                          <m:r>
+                            <a:rPr lang="pt-BR" b="1" i="1">
+                              <a:latin typeface="Cambria Math" panose="02040503050406030204" pitchFamily="18" charset="0"/>
+                            </a:rPr>
+                            <m:t>𝒚</m:t>
+                          </m:r>
+                          <m:r>
+                            <a:rPr lang="pt-BR" i="1">
+                              <a:latin typeface="Cambria Math" panose="02040503050406030204" pitchFamily="18" charset="0"/>
+                            </a:rPr>
+                            <m:t>−</m:t>
+                          </m:r>
+                          <m:acc>
+                            <m:accPr>
+                              <m:chr m:val="̂"/>
+                              <m:ctrlPr>
+                                <a:rPr lang="pt-BR" i="1">
+                                  <a:latin typeface="Cambria Math" panose="02040503050406030204" pitchFamily="18" charset="0"/>
+                                </a:rPr>
+                              </m:ctrlPr>
+                            </m:accPr>
+                            <m:e>
+                              <m:r>
+                                <a:rPr lang="pt-BR" b="1" i="1">
+                                  <a:latin typeface="Cambria Math" panose="02040503050406030204" pitchFamily="18" charset="0"/>
+                                </a:rPr>
+                                <m:t>𝒚</m:t>
+                              </m:r>
+                            </m:e>
+                          </m:acc>
+                        </m:e>
+                      </m:d>
+                    </m:oMath>
+                  </m:oMathPara>
+                </a14:m>
+                <a:endParaRPr lang="pt-BR" dirty="0"/>
+              </a:p>
+              <a:p>
+                <a:pPr marL="0" indent="0">
+                  <a:buNone/>
+                </a:pPr>
+                <a:r>
+                  <a:rPr lang="pt-BR" dirty="0"/>
+                  <a:t>O resultado da multiplicação matricial acima continua resultando em um</a:t>
+                </a:r>
+                <a:r>
+                  <a:rPr lang="pt-BR" b="1" i="1" dirty="0"/>
+                  <a:t> vetor coluna </a:t>
+                </a:r>
+                <a:r>
+                  <a:rPr lang="pt-BR" dirty="0"/>
+                  <a:t>com dimensão </a:t>
+                </a:r>
+                <a14:m>
+                  <m:oMath xmlns:m="http://schemas.openxmlformats.org/officeDocument/2006/math">
+                    <m:r>
+                      <a:rPr lang="pt-BR" b="0" i="1" smtClean="0">
+                        <a:latin typeface="Cambria Math" panose="02040503050406030204" pitchFamily="18" charset="0"/>
+                      </a:rPr>
+                      <m:t>𝐾</m:t>
+                    </m:r>
+                    <m:r>
+                      <a:rPr lang="pt-BR" b="0" i="1" smtClean="0">
+                        <a:latin typeface="Cambria Math" panose="02040503050406030204" pitchFamily="18" charset="0"/>
+                      </a:rPr>
+                      <m:t>+1</m:t>
+                    </m:r>
+                    <m:r>
+                      <a:rPr lang="pt-BR" b="0" i="1" smtClean="0">
+                        <a:latin typeface="Cambria Math" panose="02040503050406030204" pitchFamily="18" charset="0"/>
+                        <a:ea typeface="Cambria Math" panose="02040503050406030204" pitchFamily="18" charset="0"/>
+                      </a:rPr>
+                      <m:t>×1</m:t>
+                    </m:r>
+                  </m:oMath>
+                </a14:m>
+                <a:r>
+                  <a:rPr lang="pt-BR" dirty="0"/>
+                  <a:t>, ou seja, </a:t>
+                </a:r>
+                <a14:m>
+                  <m:oMath xmlns:m="http://schemas.openxmlformats.org/officeDocument/2006/math">
+                    <m:d>
+                      <m:dPr>
+                        <m:ctrlPr>
+                          <a:rPr lang="pt-BR" b="0" i="1" smtClean="0">
+                            <a:latin typeface="Cambria Math" panose="02040503050406030204" pitchFamily="18" charset="0"/>
+                            <a:ea typeface="Cambria Math" panose="02040503050406030204" pitchFamily="18" charset="0"/>
+                          </a:rPr>
+                        </m:ctrlPr>
+                      </m:dPr>
+                      <m:e>
+                        <m:r>
+                          <a:rPr lang="pt-BR" i="1">
+                            <a:latin typeface="Cambria Math" panose="02040503050406030204" pitchFamily="18" charset="0"/>
+                          </a:rPr>
+                          <m:t>𝐾</m:t>
+                        </m:r>
+                        <m:r>
+                          <a:rPr lang="pt-BR" i="1">
+                            <a:latin typeface="Cambria Math" panose="02040503050406030204" pitchFamily="18" charset="0"/>
+                          </a:rPr>
+                          <m:t>+1×</m:t>
+                        </m:r>
+                        <m:r>
+                          <a:rPr lang="pt-BR" i="1">
+                            <a:latin typeface="Cambria Math" panose="02040503050406030204" pitchFamily="18" charset="0"/>
+                            <a:ea typeface="Cambria Math" panose="02040503050406030204" pitchFamily="18" charset="0"/>
+                          </a:rPr>
+                          <m:t>𝑁</m:t>
+                        </m:r>
+                      </m:e>
+                    </m:d>
+                    <m:r>
+                      <a:rPr lang="pt-BR" b="0" i="1" smtClean="0">
+                        <a:latin typeface="Cambria Math" panose="02040503050406030204" pitchFamily="18" charset="0"/>
+                        <a:ea typeface="Cambria Math" panose="02040503050406030204" pitchFamily="18" charset="0"/>
+                      </a:rPr>
+                      <m:t>×</m:t>
+                    </m:r>
+                    <m:d>
+                      <m:dPr>
+                        <m:ctrlPr>
+                          <a:rPr lang="pt-BR" b="0" i="1" smtClean="0">
+                            <a:latin typeface="Cambria Math" panose="02040503050406030204" pitchFamily="18" charset="0"/>
+                            <a:ea typeface="Cambria Math" panose="02040503050406030204" pitchFamily="18" charset="0"/>
+                          </a:rPr>
+                        </m:ctrlPr>
+                      </m:dPr>
+                      <m:e>
+                        <m:r>
+                          <a:rPr lang="pt-BR" b="0" i="1" smtClean="0">
+                            <a:latin typeface="Cambria Math" panose="02040503050406030204" pitchFamily="18" charset="0"/>
+                            <a:ea typeface="Cambria Math" panose="02040503050406030204" pitchFamily="18" charset="0"/>
+                          </a:rPr>
+                          <m:t>𝑁</m:t>
+                        </m:r>
+                        <m:r>
+                          <a:rPr lang="pt-BR" b="0" i="1" smtClean="0">
+                            <a:latin typeface="Cambria Math" panose="02040503050406030204" pitchFamily="18" charset="0"/>
+                            <a:ea typeface="Cambria Math" panose="02040503050406030204" pitchFamily="18" charset="0"/>
+                          </a:rPr>
+                          <m:t>×1</m:t>
+                        </m:r>
+                      </m:e>
+                    </m:d>
+                    <m:r>
+                      <a:rPr lang="pt-BR" b="0" i="0" smtClean="0">
+                        <a:latin typeface="Cambria Math" panose="02040503050406030204" pitchFamily="18" charset="0"/>
+                        <a:ea typeface="Cambria Math" panose="02040503050406030204" pitchFamily="18" charset="0"/>
+                      </a:rPr>
+                      <m:t>=</m:t>
+                    </m:r>
+                    <m:r>
+                      <a:rPr lang="pt-BR" i="1">
+                        <a:latin typeface="Cambria Math" panose="02040503050406030204" pitchFamily="18" charset="0"/>
+                      </a:rPr>
+                      <m:t>𝐾</m:t>
+                    </m:r>
+                    <m:r>
+                      <a:rPr lang="pt-BR" i="1">
+                        <a:latin typeface="Cambria Math" panose="02040503050406030204" pitchFamily="18" charset="0"/>
+                      </a:rPr>
+                      <m:t>+1×1</m:t>
+                    </m:r>
+                  </m:oMath>
+                </a14:m>
+                <a:r>
+                  <a:rPr lang="pt-BR" dirty="0"/>
+                  <a:t>.</a:t>
+                </a:r>
+              </a:p>
+            </p:txBody>
+          </p:sp>
+        </mc:Choice>
+        <mc:Fallback>
+          <p:sp>
+            <p:nvSpPr>
+              <p:cNvPr id="3" name="Espaço Reservado para Conteúdo 2">
+                <a:extLst>
+                  <a:ext uri="{FF2B5EF4-FFF2-40B4-BE49-F238E27FC236}">
+                    <a16:creationId xmlns:a16="http://schemas.microsoft.com/office/drawing/2014/main" id="{9B6FE6F4-46A6-5D0C-B281-F2FF9F531349}"/>
+                  </a:ext>
+                </a:extLst>
+              </p:cNvPr>
+              <p:cNvSpPr>
+                <a:spLocks noGrp="1" noRot="1" noChangeAspect="1" noMove="1" noResize="1" noEditPoints="1" noAdjustHandles="1" noChangeArrowheads="1" noChangeShapeType="1" noTextEdit="1"/>
+              </p:cNvSpPr>
+              <p:nvPr>
+                <p:ph idx="1"/>
+              </p:nvPr>
+            </p:nvSpPr>
+            <p:spPr>
+              <a:xfrm>
+                <a:off x="838199" y="1825624"/>
+                <a:ext cx="11244209" cy="5032375"/>
+              </a:xfrm>
+              <a:blipFill>
+                <a:blip r:embed="rId2"/>
+                <a:stretch>
+                  <a:fillRect l="-1084" t="-2663" b="-969"/>
+                </a:stretch>
+              </a:blipFill>
+            </p:spPr>
+            <p:txBody>
+              <a:bodyPr/>
+              <a:lstStyle/>
+              <a:p>
+                <a:r>
+                  <a:rPr lang="pt-BR">
+                    <a:noFill/>
+                  </a:rPr>
+                  <a:t> </a:t>
+                </a:r>
+              </a:p>
+            </p:txBody>
+          </p:sp>
+        </mc:Fallback>
+      </mc:AlternateContent>
+    </p:spTree>
+    <p:extLst>
+      <p:ext uri="{BB962C8B-B14F-4D97-AF65-F5344CB8AC3E}">
+        <p14:creationId xmlns:p14="http://schemas.microsoft.com/office/powerpoint/2010/main" val="468364541"/>
+      </p:ext>
+    </p:extLst>
+  </p:cSld>
+  <p:clrMapOvr>
+    <a:masterClrMapping/>
+  </p:clrMapOvr>
+</p:sld>
+</file>
+
+<file path=ppt/slides/slide41.xml><?xml version="1.0" encoding="utf-8"?>
+<p:sld xmlns:a="http://schemas.openxmlformats.org/drawingml/2006/main" xmlns:r="http://schemas.openxmlformats.org/officeDocument/2006/relationships" xmlns:p="http://schemas.openxmlformats.org/presentationml/2006/main">
+  <p:cSld>
+    <p:spTree>
+      <p:nvGrpSpPr>
+        <p:cNvPr id="1" name=""/>
+        <p:cNvGrpSpPr/>
+        <p:nvPr/>
+      </p:nvGrpSpPr>
+      <p:grpSpPr>
+        <a:xfrm>
+          <a:off x="0" y="0"/>
+          <a:ext cx="0" cy="0"/>
+          <a:chOff x="0" y="0"/>
+          <a:chExt cx="0" cy="0"/>
+        </a:xfrm>
+      </p:grpSpPr>
+      <p:sp>
+        <p:nvSpPr>
+          <p:cNvPr id="2" name="Título 1">
+            <a:extLst>
+              <a:ext uri="{FF2B5EF4-FFF2-40B4-BE49-F238E27FC236}">
+                <a16:creationId xmlns:a16="http://schemas.microsoft.com/office/drawing/2014/main" id="{5F19A506-6095-A71D-6399-41F877CB26C7}"/>
+              </a:ext>
+            </a:extLst>
+          </p:cNvPr>
+          <p:cNvSpPr>
+            <a:spLocks noGrp="1"/>
+          </p:cNvSpPr>
+          <p:nvPr>
+            <p:ph type="title"/>
+          </p:nvPr>
+        </p:nvSpPr>
+        <p:spPr/>
+        <p:txBody>
+          <a:bodyPr/>
+          <a:lstStyle/>
+          <a:p>
+            <a:r>
+              <a:rPr lang="pt-BR" dirty="0"/>
+              <a:t>Equação de atualização dos pesos</a:t>
+            </a:r>
+          </a:p>
+        </p:txBody>
+      </p:sp>
+      <mc:AlternateContent xmlns:mc="http://schemas.openxmlformats.org/markup-compatibility/2006">
+        <mc:Choice xmlns:a14="http://schemas.microsoft.com/office/drawing/2010/main" Requires="a14">
+          <p:sp>
+            <p:nvSpPr>
+              <p:cNvPr id="3" name="Espaço Reservado para Conteúdo 2">
+                <a:extLst>
+                  <a:ext uri="{FF2B5EF4-FFF2-40B4-BE49-F238E27FC236}">
+                    <a16:creationId xmlns:a16="http://schemas.microsoft.com/office/drawing/2014/main" id="{D89A84A6-B9EC-4293-8CA4-DDE6F7AF7C7D}"/>
+                  </a:ext>
+                </a:extLst>
+              </p:cNvPr>
+              <p:cNvSpPr>
+                <a:spLocks noGrp="1"/>
+              </p:cNvSpPr>
+              <p:nvPr>
+                <p:ph idx="1"/>
+              </p:nvPr>
+            </p:nvSpPr>
+            <p:spPr>
+              <a:xfrm>
+                <a:off x="838199" y="1825624"/>
+                <a:ext cx="11131193" cy="5032375"/>
+              </a:xfrm>
+            </p:spPr>
+            <p:txBody>
+              <a:bodyPr/>
+              <a:lstStyle/>
+              <a:p>
+                <a:pPr marL="0" indent="0">
+                  <a:buNone/>
+                </a:pPr>
+                <a:r>
+                  <a:rPr lang="pt-BR" dirty="0"/>
+                  <a:t>Utilizando o resultado anterior, podemos reescrever a equação de atualização dos pesos como</a:t>
+                </a:r>
+              </a:p>
+              <a:p>
+                <a:pPr marL="0" indent="0">
+                  <a:buNone/>
+                </a:pPr>
+                <a14:m>
+                  <m:oMathPara xmlns:m="http://schemas.openxmlformats.org/officeDocument/2006/math">
+                    <m:oMathParaPr>
+                      <m:jc m:val="centerGroup"/>
+                    </m:oMathParaPr>
+                    <m:oMath xmlns:m="http://schemas.openxmlformats.org/officeDocument/2006/math">
+                      <m:r>
+                        <a:rPr lang="pt-BR" b="1" i="1" smtClean="0">
+                          <a:latin typeface="Cambria Math" panose="02040503050406030204" pitchFamily="18" charset="0"/>
+                        </a:rPr>
+                        <m:t>𝒂</m:t>
+                      </m:r>
+                      <m:r>
+                        <a:rPr lang="pt-BR" b="1" i="1" smtClean="0">
+                          <a:latin typeface="Cambria Math" panose="02040503050406030204" pitchFamily="18" charset="0"/>
+                        </a:rPr>
+                        <m:t>=</m:t>
+                      </m:r>
+                      <m:r>
+                        <a:rPr lang="pt-BR" b="1" i="1" smtClean="0">
+                          <a:latin typeface="Cambria Math" panose="02040503050406030204" pitchFamily="18" charset="0"/>
+                        </a:rPr>
+                        <m:t>𝒂</m:t>
+                      </m:r>
+                      <m:r>
+                        <a:rPr lang="pt-BR" b="1" i="1" smtClean="0">
+                          <a:latin typeface="Cambria Math" panose="02040503050406030204" pitchFamily="18" charset="0"/>
+                        </a:rPr>
+                        <m:t>−</m:t>
+                      </m:r>
+                      <m:r>
+                        <a:rPr lang="pt-BR" i="1">
+                          <a:latin typeface="Cambria Math" panose="02040503050406030204" pitchFamily="18" charset="0"/>
+                          <a:ea typeface="Cambria Math" panose="02040503050406030204" pitchFamily="18" charset="0"/>
+                        </a:rPr>
+                        <m:t>𝛼</m:t>
+                      </m:r>
+                      <m:f>
+                        <m:fPr>
+                          <m:ctrlPr>
+                            <a:rPr lang="pt-BR" i="1">
+                              <a:latin typeface="Cambria Math" panose="02040503050406030204" pitchFamily="18" charset="0"/>
+                            </a:rPr>
+                          </m:ctrlPr>
+                        </m:fPr>
+                        <m:num>
+                          <m:r>
+                            <a:rPr lang="pt-BR" i="1">
+                              <a:latin typeface="Cambria Math" panose="02040503050406030204" pitchFamily="18" charset="0"/>
+                            </a:rPr>
+                            <m:t>𝜕</m:t>
+                          </m:r>
+                          <m:sSub>
+                            <m:sSubPr>
+                              <m:ctrlPr>
+                                <a:rPr lang="pt-BR" i="1">
+                                  <a:latin typeface="Cambria Math" panose="02040503050406030204" pitchFamily="18" charset="0"/>
+                                </a:rPr>
+                              </m:ctrlPr>
+                            </m:sSubPr>
+                            <m:e>
+                              <m:r>
+                                <a:rPr lang="pt-BR" i="1">
+                                  <a:latin typeface="Cambria Math" panose="02040503050406030204" pitchFamily="18" charset="0"/>
+                                </a:rPr>
+                                <m:t>𝐽</m:t>
+                              </m:r>
+                            </m:e>
+                            <m:sub>
+                              <m:r>
+                                <a:rPr lang="pt-BR" i="1">
+                                  <a:latin typeface="Cambria Math" panose="02040503050406030204" pitchFamily="18" charset="0"/>
+                                </a:rPr>
+                                <m:t>𝑒</m:t>
+                              </m:r>
+                            </m:sub>
+                          </m:sSub>
+                          <m:d>
+                            <m:dPr>
+                              <m:ctrlPr>
+                                <a:rPr lang="pt-BR" i="1">
+                                  <a:latin typeface="Cambria Math" panose="02040503050406030204" pitchFamily="18" charset="0"/>
+                                </a:rPr>
+                              </m:ctrlPr>
+                            </m:dPr>
+                            <m:e>
+                              <m:r>
+                                <a:rPr lang="pt-BR" b="1" i="1">
+                                  <a:latin typeface="Cambria Math" panose="02040503050406030204" pitchFamily="18" charset="0"/>
+                                </a:rPr>
+                                <m:t>𝒂</m:t>
+                              </m:r>
+                            </m:e>
+                          </m:d>
+                        </m:num>
+                        <m:den>
+                          <m:r>
+                            <a:rPr lang="pt-BR" i="1">
+                              <a:latin typeface="Cambria Math" panose="02040503050406030204" pitchFamily="18" charset="0"/>
+                            </a:rPr>
+                            <m:t>𝜕</m:t>
+                          </m:r>
+                          <m:r>
+                            <a:rPr lang="pt-BR" b="1" i="1">
+                              <a:latin typeface="Cambria Math" panose="02040503050406030204" pitchFamily="18" charset="0"/>
+                            </a:rPr>
+                            <m:t>𝒂</m:t>
+                          </m:r>
+                        </m:den>
+                      </m:f>
+                    </m:oMath>
+                  </m:oMathPara>
+                </a14:m>
+                <a:endParaRPr lang="pt-BR" b="1" i="1" dirty="0">
+                  <a:latin typeface="Cambria Math" panose="02040503050406030204" pitchFamily="18" charset="0"/>
+                </a:endParaRPr>
+              </a:p>
+              <a:p>
+                <a:pPr marL="0" indent="0">
+                  <a:buNone/>
+                </a:pPr>
+                <a14:m>
+                  <m:oMathPara xmlns:m="http://schemas.openxmlformats.org/officeDocument/2006/math">
+                    <m:oMathParaPr>
+                      <m:jc m:val="centerGroup"/>
+                    </m:oMathParaPr>
+                    <m:oMath xmlns:m="http://schemas.openxmlformats.org/officeDocument/2006/math">
+                      <m:r>
+                        <a:rPr lang="pt-BR" b="1" i="1" smtClean="0">
+                          <a:latin typeface="Cambria Math" panose="02040503050406030204" pitchFamily="18" charset="0"/>
+                        </a:rPr>
+                        <m:t>               =</m:t>
+                      </m:r>
+                      <m:sSup>
+                        <m:sSupPr>
+                          <m:ctrlPr>
+                            <a:rPr lang="pt-BR" i="1">
+                              <a:latin typeface="Cambria Math" panose="02040503050406030204" pitchFamily="18" charset="0"/>
+                            </a:rPr>
+                          </m:ctrlPr>
+                        </m:sSupPr>
+                        <m:e>
+                          <m:r>
+                            <a:rPr lang="pt-BR" b="1" i="1">
+                              <a:latin typeface="Cambria Math" panose="02040503050406030204" pitchFamily="18" charset="0"/>
+                            </a:rPr>
+                            <m:t>𝒂</m:t>
+                          </m:r>
+                          <m:r>
+                            <a:rPr lang="pt-BR" b="0" i="1" smtClean="0">
+                              <a:latin typeface="Cambria Math" panose="02040503050406030204" pitchFamily="18" charset="0"/>
+                            </a:rPr>
+                            <m:t>+</m:t>
+                          </m:r>
+                          <m:r>
+                            <a:rPr lang="pt-BR" i="1">
+                              <a:latin typeface="Cambria Math" panose="02040503050406030204" pitchFamily="18" charset="0"/>
+                              <a:ea typeface="Cambria Math" panose="02040503050406030204" pitchFamily="18" charset="0"/>
+                            </a:rPr>
+                            <m:t>𝛼</m:t>
+                          </m:r>
+                          <m:f>
+                            <m:fPr>
+                              <m:ctrlPr>
+                                <a:rPr lang="pt-BR" i="1">
+                                  <a:latin typeface="Cambria Math" panose="02040503050406030204" pitchFamily="18" charset="0"/>
+                                </a:rPr>
+                              </m:ctrlPr>
+                            </m:fPr>
+                            <m:num>
+                              <m:r>
+                                <a:rPr lang="pt-BR" i="1">
+                                  <a:latin typeface="Cambria Math" panose="02040503050406030204" pitchFamily="18" charset="0"/>
+                                </a:rPr>
+                                <m:t>2</m:t>
+                              </m:r>
+                            </m:num>
+                            <m:den>
+                              <m:r>
+                                <a:rPr lang="pt-BR" i="1">
+                                  <a:latin typeface="Cambria Math" panose="02040503050406030204" pitchFamily="18" charset="0"/>
+                                </a:rPr>
+                                <m:t>𝑁</m:t>
+                              </m:r>
+                            </m:den>
+                          </m:f>
+                          <m:r>
+                            <a:rPr lang="pt-BR" b="1" i="1">
+                              <a:latin typeface="Cambria Math" panose="02040503050406030204" pitchFamily="18" charset="0"/>
+                            </a:rPr>
+                            <m:t>𝑿</m:t>
+                          </m:r>
+                        </m:e>
+                        <m:sup>
+                          <m:r>
+                            <a:rPr lang="pt-BR" i="1">
+                              <a:latin typeface="Cambria Math" panose="02040503050406030204" pitchFamily="18" charset="0"/>
+                            </a:rPr>
+                            <m:t>𝑇</m:t>
+                          </m:r>
+                        </m:sup>
+                      </m:sSup>
+                      <m:d>
+                        <m:dPr>
+                          <m:ctrlPr>
+                            <a:rPr lang="pt-BR" i="1">
+                              <a:latin typeface="Cambria Math" panose="02040503050406030204" pitchFamily="18" charset="0"/>
+                            </a:rPr>
+                          </m:ctrlPr>
+                        </m:dPr>
+                        <m:e>
+                          <m:r>
+                            <a:rPr lang="pt-BR" b="1" i="1">
+                              <a:latin typeface="Cambria Math" panose="02040503050406030204" pitchFamily="18" charset="0"/>
+                            </a:rPr>
+                            <m:t>𝒚</m:t>
+                          </m:r>
+                          <m:r>
+                            <a:rPr lang="pt-BR" i="1">
+                              <a:latin typeface="Cambria Math" panose="02040503050406030204" pitchFamily="18" charset="0"/>
+                            </a:rPr>
+                            <m:t>−</m:t>
+                          </m:r>
+                          <m:acc>
+                            <m:accPr>
+                              <m:chr m:val="̂"/>
+                              <m:ctrlPr>
+                                <a:rPr lang="pt-BR" i="1">
+                                  <a:latin typeface="Cambria Math" panose="02040503050406030204" pitchFamily="18" charset="0"/>
+                                </a:rPr>
+                              </m:ctrlPr>
+                            </m:accPr>
+                            <m:e>
+                              <m:r>
+                                <a:rPr lang="pt-BR" b="1" i="1">
+                                  <a:latin typeface="Cambria Math" panose="02040503050406030204" pitchFamily="18" charset="0"/>
+                                </a:rPr>
+                                <m:t>𝒚</m:t>
+                              </m:r>
+                            </m:e>
+                          </m:acc>
+                        </m:e>
+                      </m:d>
+                      <m:r>
+                        <a:rPr lang="pt-BR" b="1" i="1" smtClean="0">
+                          <a:latin typeface="Cambria Math" panose="02040503050406030204" pitchFamily="18" charset="0"/>
+                        </a:rPr>
+                        <m:t>.</m:t>
+                      </m:r>
+                    </m:oMath>
+                  </m:oMathPara>
+                </a14:m>
+                <a:endParaRPr lang="pt-BR" dirty="0"/>
+              </a:p>
+              <a:p>
+                <a:pPr marL="0" indent="0">
+                  <a:buNone/>
+                </a:pPr>
+                <a:r>
+                  <a:rPr lang="pt-BR" dirty="0"/>
+                  <a:t>A soma acima deve resultar em um vetor coluna com dimensão </a:t>
+                </a:r>
+                <a14:m>
+                  <m:oMath xmlns:m="http://schemas.openxmlformats.org/officeDocument/2006/math">
+                    <m:r>
+                      <a:rPr lang="pt-BR" b="0" i="1" smtClean="0">
+                        <a:latin typeface="Cambria Math" panose="02040503050406030204" pitchFamily="18" charset="0"/>
+                      </a:rPr>
+                      <m:t>𝐾</m:t>
+                    </m:r>
+                    <m:r>
+                      <a:rPr lang="pt-BR" b="0" i="1" smtClean="0">
+                        <a:latin typeface="Cambria Math" panose="02040503050406030204" pitchFamily="18" charset="0"/>
+                      </a:rPr>
+                      <m:t>+1×1</m:t>
+                    </m:r>
+                  </m:oMath>
+                </a14:m>
+                <a:r>
+                  <a:rPr lang="pt-BR" dirty="0"/>
+                  <a:t>, pois esta é a dimensão dos dois vetores sendo somados. </a:t>
+                </a:r>
+              </a:p>
+              <a:p>
+                <a:pPr marL="0" indent="0">
+                  <a:buNone/>
+                </a:pPr>
+                <a:r>
+                  <a:rPr lang="pt-BR" dirty="0"/>
+                  <a:t>Lembrem-se que </a:t>
+                </a:r>
+                <a14:m>
+                  <m:oMath xmlns:m="http://schemas.openxmlformats.org/officeDocument/2006/math">
+                    <m:r>
+                      <a:rPr lang="pt-BR" i="1">
+                        <a:latin typeface="Cambria Math" panose="02040503050406030204" pitchFamily="18" charset="0"/>
+                      </a:rPr>
+                      <m:t>𝐾</m:t>
+                    </m:r>
+                    <m:r>
+                      <a:rPr lang="pt-BR" i="1">
+                        <a:latin typeface="Cambria Math" panose="02040503050406030204" pitchFamily="18" charset="0"/>
+                      </a:rPr>
+                      <m:t>+1×1</m:t>
+                    </m:r>
+                  </m:oMath>
+                </a14:m>
+                <a:r>
+                  <a:rPr lang="pt-BR" dirty="0"/>
+                  <a:t> é a dimensão do vetor </a:t>
+                </a:r>
+                <a14:m>
+                  <m:oMath xmlns:m="http://schemas.openxmlformats.org/officeDocument/2006/math">
+                    <m:r>
+                      <a:rPr lang="pt-BR" b="1" i="1">
+                        <a:latin typeface="Cambria Math" panose="02040503050406030204" pitchFamily="18" charset="0"/>
+                      </a:rPr>
+                      <m:t>𝒂</m:t>
+                    </m:r>
+                  </m:oMath>
+                </a14:m>
+                <a:r>
+                  <a:rPr lang="pt-BR" dirty="0"/>
+                  <a:t>, o qual contém todos os pesos do modelo e que </a:t>
+                </a:r>
+                <a14:m>
+                  <m:oMath xmlns:m="http://schemas.openxmlformats.org/officeDocument/2006/math">
+                    <m:sSup>
+                      <m:sSupPr>
+                        <m:ctrlPr>
+                          <a:rPr lang="pt-BR" i="1">
+                            <a:latin typeface="Cambria Math" panose="02040503050406030204" pitchFamily="18" charset="0"/>
+                          </a:rPr>
+                        </m:ctrlPr>
+                      </m:sSupPr>
+                      <m:e>
+                        <m:f>
+                          <m:fPr>
+                            <m:ctrlPr>
+                              <a:rPr lang="pt-BR" i="1">
+                                <a:latin typeface="Cambria Math" panose="02040503050406030204" pitchFamily="18" charset="0"/>
+                              </a:rPr>
+                            </m:ctrlPr>
+                          </m:fPr>
+                          <m:num>
+                            <m:r>
+                              <a:rPr lang="pt-BR" i="1">
+                                <a:latin typeface="Cambria Math" panose="02040503050406030204" pitchFamily="18" charset="0"/>
+                              </a:rPr>
+                              <m:t>2</m:t>
+                            </m:r>
+                          </m:num>
+                          <m:den>
+                            <m:r>
+                              <a:rPr lang="pt-BR" i="1">
+                                <a:latin typeface="Cambria Math" panose="02040503050406030204" pitchFamily="18" charset="0"/>
+                              </a:rPr>
+                              <m:t>𝑁</m:t>
+                            </m:r>
+                          </m:den>
+                        </m:f>
+                        <m:r>
+                          <a:rPr lang="pt-BR" b="1" i="1">
+                            <a:latin typeface="Cambria Math" panose="02040503050406030204" pitchFamily="18" charset="0"/>
+                          </a:rPr>
+                          <m:t>𝑿</m:t>
+                        </m:r>
+                      </m:e>
+                      <m:sup>
+                        <m:r>
+                          <a:rPr lang="pt-BR" i="1">
+                            <a:latin typeface="Cambria Math" panose="02040503050406030204" pitchFamily="18" charset="0"/>
+                          </a:rPr>
+                          <m:t>𝑇</m:t>
+                        </m:r>
+                      </m:sup>
+                    </m:sSup>
+                    <m:d>
+                      <m:dPr>
+                        <m:ctrlPr>
+                          <a:rPr lang="pt-BR" i="1">
+                            <a:latin typeface="Cambria Math" panose="02040503050406030204" pitchFamily="18" charset="0"/>
+                          </a:rPr>
+                        </m:ctrlPr>
+                      </m:dPr>
+                      <m:e>
+                        <m:r>
+                          <a:rPr lang="pt-BR" b="1" i="1">
+                            <a:latin typeface="Cambria Math" panose="02040503050406030204" pitchFamily="18" charset="0"/>
+                          </a:rPr>
+                          <m:t>𝒚</m:t>
+                        </m:r>
+                        <m:r>
+                          <a:rPr lang="pt-BR" i="1">
+                            <a:latin typeface="Cambria Math" panose="02040503050406030204" pitchFamily="18" charset="0"/>
+                          </a:rPr>
+                          <m:t>−</m:t>
+                        </m:r>
+                        <m:acc>
+                          <m:accPr>
+                            <m:chr m:val="̂"/>
+                            <m:ctrlPr>
+                              <a:rPr lang="pt-BR" i="1">
+                                <a:latin typeface="Cambria Math" panose="02040503050406030204" pitchFamily="18" charset="0"/>
+                              </a:rPr>
+                            </m:ctrlPr>
+                          </m:accPr>
+                          <m:e>
+                            <m:r>
+                              <a:rPr lang="pt-BR" b="1" i="1">
+                                <a:latin typeface="Cambria Math" panose="02040503050406030204" pitchFamily="18" charset="0"/>
+                              </a:rPr>
+                              <m:t>𝒚</m:t>
+                            </m:r>
+                          </m:e>
+                        </m:acc>
+                      </m:e>
+                    </m:d>
+                  </m:oMath>
+                </a14:m>
+                <a:r>
+                  <a:rPr lang="pt-BR" dirty="0"/>
+                  <a:t> tem dimensão </a:t>
+                </a:r>
+                <a14:m>
+                  <m:oMath xmlns:m="http://schemas.openxmlformats.org/officeDocument/2006/math">
+                    <m:r>
+                      <a:rPr lang="pt-BR" i="1">
+                        <a:latin typeface="Cambria Math" panose="02040503050406030204" pitchFamily="18" charset="0"/>
+                      </a:rPr>
+                      <m:t>𝐾</m:t>
+                    </m:r>
+                    <m:r>
+                      <a:rPr lang="pt-BR" i="1">
+                        <a:latin typeface="Cambria Math" panose="02040503050406030204" pitchFamily="18" charset="0"/>
+                      </a:rPr>
+                      <m:t>+1×1</m:t>
+                    </m:r>
+                  </m:oMath>
+                </a14:m>
+                <a:r>
+                  <a:rPr lang="pt-BR" dirty="0"/>
+                  <a:t> também.</a:t>
+                </a:r>
+              </a:p>
+            </p:txBody>
+          </p:sp>
+        </mc:Choice>
+        <mc:Fallback>
+          <p:sp>
+            <p:nvSpPr>
+              <p:cNvPr id="3" name="Espaço Reservado para Conteúdo 2">
+                <a:extLst>
+                  <a:ext uri="{FF2B5EF4-FFF2-40B4-BE49-F238E27FC236}">
+                    <a16:creationId xmlns:a16="http://schemas.microsoft.com/office/drawing/2014/main" id="{D89A84A6-B9EC-4293-8CA4-DDE6F7AF7C7D}"/>
+                  </a:ext>
+                </a:extLst>
+              </p:cNvPr>
+              <p:cNvSpPr>
+                <a:spLocks noGrp="1" noRot="1" noChangeAspect="1" noMove="1" noResize="1" noEditPoints="1" noAdjustHandles="1" noChangeArrowheads="1" noChangeShapeType="1" noTextEdit="1"/>
+              </p:cNvSpPr>
+              <p:nvPr>
+                <p:ph idx="1"/>
+              </p:nvPr>
+            </p:nvSpPr>
+            <p:spPr>
+              <a:xfrm>
+                <a:off x="838199" y="1825624"/>
+                <a:ext cx="11131193" cy="5032375"/>
+              </a:xfrm>
+              <a:blipFill>
+                <a:blip r:embed="rId2"/>
+                <a:stretch>
+                  <a:fillRect l="-1095" t="-1937" r="-548"/>
+                </a:stretch>
+              </a:blipFill>
+            </p:spPr>
+            <p:txBody>
+              <a:bodyPr/>
+              <a:lstStyle/>
+              <a:p>
+                <a:r>
+                  <a:rPr lang="pt-BR">
+                    <a:noFill/>
+                  </a:rPr>
+                  <a:t> </a:t>
+                </a:r>
+              </a:p>
+            </p:txBody>
+          </p:sp>
+        </mc:Fallback>
+      </mc:AlternateContent>
+    </p:spTree>
+    <p:extLst>
+      <p:ext uri="{BB962C8B-B14F-4D97-AF65-F5344CB8AC3E}">
+        <p14:creationId xmlns:p14="http://schemas.microsoft.com/office/powerpoint/2010/main" val="2138859913"/>
       </p:ext>
     </p:extLst>
   </p:cSld>
